--- a/curl-requests-foundations.pptx
+++ b/curl-requests-foundations.pptx
@@ -228,7 +228,7 @@
           <a:p>
             <a:fld id="{966F6F5D-167E-1849-B841-EB0817BB385A}" type="datetimeFigureOut">
               <a:rPr lang="en-US" smtClean="0"/>
-              <a:t>3/18/20</a:t>
+              <a:t>3/20/20</a:t>
             </a:fld>
             <a:endParaRPr lang="en-US"/>
           </a:p>
@@ -4782,12 +4782,14 @@
         </p:nvSpPr>
         <p:spPr>
           <a:xfrm>
-            <a:off x="1524000" y="6277281"/>
-            <a:ext cx="9144000" cy="495406"/>
+            <a:off x="98385" y="6277281"/>
+            <a:ext cx="11995229" cy="495406"/>
           </a:xfrm>
         </p:spPr>
         <p:txBody>
-          <a:bodyPr/>
+          <a:bodyPr>
+            <a:normAutofit/>
+          </a:bodyPr>
           <a:lstStyle/>
           <a:p>
             <a:r>
@@ -4800,7 +4802,7 @@
             </a:r>
             <a:r>
               <a:rPr lang="en-US" dirty="0"/>
-              <a:t> &amp; Python Requests with hands-on practice</a:t>
+              <a:t>, Python Requests, &amp; hands-on API practice with Cisco platforms</a:t>
             </a:r>
           </a:p>
         </p:txBody>
@@ -4853,17 +4855,23 @@
         </p:nvSpPr>
         <p:spPr>
           <a:xfrm>
-            <a:off x="1524000" y="983463"/>
-            <a:ext cx="9144000" cy="1285177"/>
+            <a:off x="98385" y="1051197"/>
+            <a:ext cx="11995230" cy="1285177"/>
           </a:xfrm>
         </p:spPr>
         <p:txBody>
-          <a:bodyPr/>
-          <a:lstStyle/>
-          <a:p>
+          <a:bodyPr>
+            <a:normAutofit/>
+          </a:bodyPr>
+          <a:lstStyle/>
+          <a:p>
+            <a:r>
+              <a:rPr lang="en-US" dirty="0" err="1"/>
+              <a:t>cURL</a:t>
+            </a:r>
             <a:r>
               <a:rPr lang="en-US" dirty="0"/>
-              <a:t>REST API Calls With HTTP</a:t>
+              <a:t> &amp; Python Requests Foundations</a:t>
             </a:r>
           </a:p>
         </p:txBody>
@@ -7423,7 +7431,7 @@
         <p:spPr/>
         <p:txBody>
           <a:bodyPr>
-            <a:normAutofit fontScale="92500" lnSpcReduction="10000"/>
+            <a:normAutofit/>
           </a:bodyPr>
           <a:lstStyle/>
           <a:p>
@@ -7461,7 +7469,7 @@
           <a:p>
             <a:r>
               <a:rPr lang="en-US" dirty="0"/>
-              <a:t>Connect to the ATC VPN</a:t>
+              <a:t>Download this presentation from WWT’s GitHub</a:t>
             </a:r>
           </a:p>
           <a:p>
@@ -7470,14 +7478,14 @@
               <a:rPr lang="en-US" dirty="0">
                 <a:hlinkClick r:id="rId5"/>
               </a:rPr>
-              <a:t>https://atc-support.apps.wwtatc.com/vpn_access</a:t>
+              <a:t>https://github.com/wwt/curl-requests-foundations</a:t>
             </a:r>
             <a:endParaRPr lang="en-US" dirty="0"/>
           </a:p>
           <a:p>
             <a:r>
               <a:rPr lang="en-US" dirty="0"/>
-              <a:t>Download this presentation from WWT’s internal GitHub</a:t>
+              <a:t>Install a code editor</a:t>
             </a:r>
           </a:p>
           <a:p>
@@ -7485,22 +7493,6 @@
             <a:r>
               <a:rPr lang="en-US" dirty="0">
                 <a:hlinkClick r:id="rId6"/>
-              </a:rPr>
-              <a:t>https://github.wwt.com/hullt/rest-api-http-foundations</a:t>
-            </a:r>
-            <a:endParaRPr lang="en-US" dirty="0"/>
-          </a:p>
-          <a:p>
-            <a:r>
-              <a:rPr lang="en-US" dirty="0"/>
-              <a:t>Install a code editor</a:t>
-            </a:r>
-          </a:p>
-          <a:p>
-            <a:pPr lvl="1"/>
-            <a:r>
-              <a:rPr lang="en-US" dirty="0">
-                <a:hlinkClick r:id="rId7"/>
               </a:rPr>
               <a:t>https://code.visualstudio.com/Download</a:t>
             </a:r>
@@ -8074,110 +8066,6 @@
                                           <p:spTgt spid="3">
                                             <p:txEl>
                                               <p:pRg st="8" end="8"/>
-                                            </p:txEl>
-                                          </p:spTgt>
-                                        </p:tgtEl>
-                                      </p:cBhvr>
-                                    </p:animEffect>
-                                  </p:childTnLst>
-                                </p:cTn>
-                              </p:par>
-                              <p:par>
-                                <p:cTn id="40" presetID="9" presetClass="entr" presetSubtype="0" fill="hold" grpId="0" nodeType="withEffect">
-                                  <p:stCondLst>
-                                    <p:cond delay="0"/>
-                                  </p:stCondLst>
-                                  <p:childTnLst>
-                                    <p:set>
-                                      <p:cBhvr>
-                                        <p:cTn id="41" dur="1" fill="hold">
-                                          <p:stCondLst>
-                                            <p:cond delay="0"/>
-                                          </p:stCondLst>
-                                        </p:cTn>
-                                        <p:tgtEl>
-                                          <p:spTgt spid="3">
-                                            <p:txEl>
-                                              <p:pRg st="9" end="9"/>
-                                            </p:txEl>
-                                          </p:spTgt>
-                                        </p:tgtEl>
-                                        <p:attrNameLst>
-                                          <p:attrName>style.visibility</p:attrName>
-                                        </p:attrNameLst>
-                                      </p:cBhvr>
-                                      <p:to>
-                                        <p:strVal val="visible"/>
-                                      </p:to>
-                                    </p:set>
-                                    <p:animEffect transition="in" filter="dissolve">
-                                      <p:cBhvr>
-                                        <p:cTn id="42" dur="500"/>
-                                        <p:tgtEl>
-                                          <p:spTgt spid="3">
-                                            <p:txEl>
-                                              <p:pRg st="9" end="9"/>
-                                            </p:txEl>
-                                          </p:spTgt>
-                                        </p:tgtEl>
-                                      </p:cBhvr>
-                                    </p:animEffect>
-                                  </p:childTnLst>
-                                </p:cTn>
-                              </p:par>
-                            </p:childTnLst>
-                          </p:cTn>
-                        </p:par>
-                      </p:childTnLst>
-                    </p:cTn>
-                  </p:par>
-                  <p:par>
-                    <p:cTn id="43" fill="hold">
-                      <p:stCondLst>
-                        <p:cond delay="indefinite"/>
-                      </p:stCondLst>
-                      <p:childTnLst>
-                        <p:par>
-                          <p:cTn id="44" fill="hold">
-                            <p:stCondLst>
-                              <p:cond delay="0"/>
-                            </p:stCondLst>
-                            <p:childTnLst>
-                              <p:par>
-                                <p:cTn id="45" presetID="9" presetClass="entr" presetSubtype="0" fill="hold" grpId="0" nodeType="clickEffect">
-                                  <p:stCondLst>
-                                    <p:cond delay="0"/>
-                                  </p:stCondLst>
-                                  <p:childTnLst>
-                                    <p:set>
-                                      <p:cBhvr>
-                                        <p:cTn id="46" dur="1" fill="hold">
-                                          <p:stCondLst>
-                                            <p:cond delay="0"/>
-                                          </p:stCondLst>
-                                        </p:cTn>
-                                        <p:tgtEl>
-                                          <p:spTgt spid="3">
-                                            <p:txEl>
-                                              <p:pRg st="10" end="10"/>
-                                            </p:txEl>
-                                          </p:spTgt>
-                                        </p:tgtEl>
-                                        <p:attrNameLst>
-                                          <p:attrName>style.visibility</p:attrName>
-                                        </p:attrNameLst>
-                                      </p:cBhvr>
-                                      <p:to>
-                                        <p:strVal val="visible"/>
-                                      </p:to>
-                                    </p:set>
-                                    <p:animEffect transition="in" filter="dissolve">
-                                      <p:cBhvr>
-                                        <p:cTn id="47" dur="500"/>
-                                        <p:tgtEl>
-                                          <p:spTgt spid="3">
-                                            <p:txEl>
-                                              <p:pRg st="10" end="10"/>
                                             </p:txEl>
                                           </p:spTgt>
                                         </p:tgtEl>

--- a/curl-requests-foundations.pptx
+++ b/curl-requests-foundations.pptx
@@ -228,7 +228,7 @@
           <a:p>
             <a:fld id="{966F6F5D-167E-1849-B841-EB0817BB385A}" type="datetimeFigureOut">
               <a:rPr lang="en-US" smtClean="0"/>
-              <a:t>3/20/20</a:t>
+              <a:t>3/30/20</a:t>
             </a:fld>
             <a:endParaRPr lang="en-US"/>
           </a:p>
@@ -1064,6 +1064,29 @@
               <a:t>// TODO</a:t>
             </a:r>
           </a:p>
+          <a:p>
+            <a:pPr marL="0" marR="0" lvl="0" indent="0" algn="l" defTabSz="914400" rtl="0" eaLnBrk="1" fontAlgn="auto" latinLnBrk="0" hangingPunct="1">
+              <a:lnSpc>
+                <a:spcPct val="100000"/>
+              </a:lnSpc>
+              <a:spcBef>
+                <a:spcPts val="0"/>
+              </a:spcBef>
+              <a:spcAft>
+                <a:spcPts val="0"/>
+              </a:spcAft>
+              <a:buClrTx/>
+              <a:buSzTx/>
+              <a:buFontTx/>
+              <a:buNone/>
+              <a:tabLst/>
+              <a:defRPr/>
+            </a:pPr>
+            <a:r>
+              <a:rPr lang="en-US" dirty="0"/>
+              <a:t>This is not a class on REST APIs (what they are) – separate topic in a separate presentation</a:t>
+            </a:r>
+          </a:p>
         </p:txBody>
       </p:sp>
       <p:sp>
@@ -1167,6 +1190,301 @@
               <a:rPr lang="en-US" dirty="0"/>
               <a:t>// TODO</a:t>
             </a:r>
+          </a:p>
+          <a:p>
+            <a:pPr marL="171450" marR="0" lvl="0" indent="-171450" algn="l" defTabSz="914400" rtl="0" eaLnBrk="1" fontAlgn="auto" latinLnBrk="0" hangingPunct="1">
+              <a:lnSpc>
+                <a:spcPct val="100000"/>
+              </a:lnSpc>
+              <a:spcBef>
+                <a:spcPts val="0"/>
+              </a:spcBef>
+              <a:spcAft>
+                <a:spcPts val="0"/>
+              </a:spcAft>
+              <a:buClrTx/>
+              <a:buSzTx/>
+              <a:buFont typeface="Arial" panose="020B0604020202020204" pitchFamily="34" charset="0"/>
+              <a:buChar char="•"/>
+              <a:tabLst/>
+              <a:defRPr/>
+            </a:pPr>
+            <a:r>
+              <a:rPr lang="en-US" dirty="0"/>
+              <a:t>Most Cisco products use REST APIs</a:t>
+            </a:r>
+          </a:p>
+          <a:p>
+            <a:pPr marL="171450" marR="0" lvl="0" indent="-171450" algn="l" defTabSz="914400" rtl="0" eaLnBrk="1" fontAlgn="auto" latinLnBrk="0" hangingPunct="1">
+              <a:lnSpc>
+                <a:spcPct val="100000"/>
+              </a:lnSpc>
+              <a:spcBef>
+                <a:spcPts val="0"/>
+              </a:spcBef>
+              <a:spcAft>
+                <a:spcPts val="0"/>
+              </a:spcAft>
+              <a:buClrTx/>
+              <a:buSzTx/>
+              <a:buFont typeface="Arial" panose="020B0604020202020204" pitchFamily="34" charset="0"/>
+              <a:buChar char="•"/>
+              <a:tabLst/>
+              <a:defRPr/>
+            </a:pPr>
+            <a:r>
+              <a:rPr lang="en-US" dirty="0"/>
+              <a:t>Simpler than RPC, SOAP, etc.</a:t>
+            </a:r>
+          </a:p>
+          <a:p>
+            <a:pPr marL="628650" marR="0" lvl="1" indent="-171450" algn="l" defTabSz="914400" rtl="0" eaLnBrk="1" fontAlgn="auto" latinLnBrk="0" hangingPunct="1">
+              <a:lnSpc>
+                <a:spcPct val="100000"/>
+              </a:lnSpc>
+              <a:spcBef>
+                <a:spcPts val="0"/>
+              </a:spcBef>
+              <a:spcAft>
+                <a:spcPts val="0"/>
+              </a:spcAft>
+              <a:buClrTx/>
+              <a:buSzTx/>
+              <a:buFont typeface="Arial" panose="020B0604020202020204" pitchFamily="34" charset="0"/>
+              <a:buChar char="•"/>
+              <a:tabLst/>
+              <a:defRPr/>
+            </a:pPr>
+            <a:r>
+              <a:rPr lang="en-US" dirty="0"/>
+              <a:t>https://</a:t>
+            </a:r>
+            <a:r>
+              <a:rPr lang="en-US" dirty="0" err="1"/>
+              <a:t>www.linkedin.com</a:t>
+            </a:r>
+            <a:r>
+              <a:rPr lang="en-US" dirty="0"/>
+              <a:t>/pulse/why-rest-</a:t>
+            </a:r>
+            <a:r>
+              <a:rPr lang="en-US" dirty="0" err="1"/>
+              <a:t>api</a:t>
+            </a:r>
+            <a:r>
+              <a:rPr lang="en-US" dirty="0"/>
+              <a:t>-so-popular-</a:t>
+            </a:r>
+            <a:r>
+              <a:rPr lang="en-US" dirty="0" err="1"/>
+              <a:t>mangesh</a:t>
+            </a:r>
+            <a:r>
+              <a:rPr lang="en-US" dirty="0"/>
+              <a:t>-</a:t>
+            </a:r>
+            <a:r>
+              <a:rPr lang="en-US" dirty="0" err="1"/>
+              <a:t>bulkar</a:t>
+            </a:r>
+            <a:r>
+              <a:rPr lang="en-US" dirty="0"/>
+              <a:t>/</a:t>
+            </a:r>
+          </a:p>
+          <a:p>
+            <a:pPr marL="628650" marR="0" lvl="1" indent="-171450" algn="l" defTabSz="914400" rtl="0" eaLnBrk="1" fontAlgn="auto" latinLnBrk="0" hangingPunct="1">
+              <a:lnSpc>
+                <a:spcPct val="100000"/>
+              </a:lnSpc>
+              <a:spcBef>
+                <a:spcPts val="0"/>
+              </a:spcBef>
+              <a:spcAft>
+                <a:spcPts val="0"/>
+              </a:spcAft>
+              <a:buClrTx/>
+              <a:buSzTx/>
+              <a:buFont typeface="Arial" panose="020B0604020202020204" pitchFamily="34" charset="0"/>
+              <a:buChar char="•"/>
+              <a:tabLst/>
+              <a:defRPr/>
+            </a:pPr>
+            <a:r>
+              <a:rPr lang="en-US" dirty="0"/>
+              <a:t>Client/server architecture – Uses HTTP verbs (less ambiguity)</a:t>
+            </a:r>
+          </a:p>
+          <a:p>
+            <a:pPr marL="628650" marR="0" lvl="1" indent="-171450" algn="l" defTabSz="914400" rtl="0" eaLnBrk="1" fontAlgn="auto" latinLnBrk="0" hangingPunct="1">
+              <a:lnSpc>
+                <a:spcPct val="100000"/>
+              </a:lnSpc>
+              <a:spcBef>
+                <a:spcPts val="0"/>
+              </a:spcBef>
+              <a:spcAft>
+                <a:spcPts val="0"/>
+              </a:spcAft>
+              <a:buClrTx/>
+              <a:buSzTx/>
+              <a:buFont typeface="Arial" panose="020B0604020202020204" pitchFamily="34" charset="0"/>
+              <a:buChar char="•"/>
+              <a:tabLst/>
+              <a:defRPr/>
+            </a:pPr>
+            <a:r>
+              <a:rPr lang="en-US" dirty="0"/>
+              <a:t>Widely documented</a:t>
+            </a:r>
+          </a:p>
+          <a:p>
+            <a:pPr marL="171450" marR="0" lvl="0" indent="-171450" algn="l" defTabSz="914400" rtl="0" eaLnBrk="1" fontAlgn="auto" latinLnBrk="0" hangingPunct="1">
+              <a:lnSpc>
+                <a:spcPct val="100000"/>
+              </a:lnSpc>
+              <a:spcBef>
+                <a:spcPts val="0"/>
+              </a:spcBef>
+              <a:spcAft>
+                <a:spcPts val="0"/>
+              </a:spcAft>
+              <a:buClrTx/>
+              <a:buSzTx/>
+              <a:buFont typeface="Arial" panose="020B0604020202020204" pitchFamily="34" charset="0"/>
+              <a:buChar char="•"/>
+              <a:tabLst/>
+              <a:defRPr/>
+            </a:pPr>
+            <a:r>
+              <a:rPr lang="en-US" dirty="0"/>
+              <a:t>Portable between REST clients</a:t>
+            </a:r>
+          </a:p>
+          <a:p>
+            <a:pPr marL="628650" marR="0" lvl="1" indent="-171450" algn="l" defTabSz="914400" rtl="0" eaLnBrk="1" fontAlgn="auto" latinLnBrk="0" hangingPunct="1">
+              <a:lnSpc>
+                <a:spcPct val="100000"/>
+              </a:lnSpc>
+              <a:spcBef>
+                <a:spcPts val="0"/>
+              </a:spcBef>
+              <a:spcAft>
+                <a:spcPts val="0"/>
+              </a:spcAft>
+              <a:buClrTx/>
+              <a:buSzTx/>
+              <a:buFont typeface="Arial" panose="020B0604020202020204" pitchFamily="34" charset="0"/>
+              <a:buChar char="•"/>
+              <a:tabLst/>
+              <a:defRPr/>
+            </a:pPr>
+            <a:r>
+              <a:rPr lang="en-US" dirty="0" err="1"/>
+              <a:t>cURL</a:t>
+            </a:r>
+            <a:endParaRPr lang="en-US" dirty="0"/>
+          </a:p>
+          <a:p>
+            <a:pPr marL="628650" marR="0" lvl="1" indent="-171450" algn="l" defTabSz="914400" rtl="0" eaLnBrk="1" fontAlgn="auto" latinLnBrk="0" hangingPunct="1">
+              <a:lnSpc>
+                <a:spcPct val="100000"/>
+              </a:lnSpc>
+              <a:spcBef>
+                <a:spcPts val="0"/>
+              </a:spcBef>
+              <a:spcAft>
+                <a:spcPts val="0"/>
+              </a:spcAft>
+              <a:buClrTx/>
+              <a:buSzTx/>
+              <a:buFont typeface="Arial" panose="020B0604020202020204" pitchFamily="34" charset="0"/>
+              <a:buChar char="•"/>
+              <a:tabLst/>
+              <a:defRPr/>
+            </a:pPr>
+            <a:r>
+              <a:rPr lang="en-US" dirty="0"/>
+              <a:t>Python</a:t>
+            </a:r>
+          </a:p>
+          <a:p>
+            <a:pPr marL="628650" marR="0" lvl="1" indent="-171450" algn="l" defTabSz="914400" rtl="0" eaLnBrk="1" fontAlgn="auto" latinLnBrk="0" hangingPunct="1">
+              <a:lnSpc>
+                <a:spcPct val="100000"/>
+              </a:lnSpc>
+              <a:spcBef>
+                <a:spcPts val="0"/>
+              </a:spcBef>
+              <a:spcAft>
+                <a:spcPts val="0"/>
+              </a:spcAft>
+              <a:buClrTx/>
+              <a:buSzTx/>
+              <a:buFont typeface="Arial" panose="020B0604020202020204" pitchFamily="34" charset="0"/>
+              <a:buChar char="•"/>
+              <a:tabLst/>
+              <a:defRPr/>
+            </a:pPr>
+            <a:r>
+              <a:rPr lang="en-US" dirty="0"/>
+              <a:t>Postman</a:t>
+            </a:r>
+          </a:p>
+          <a:p>
+            <a:pPr marL="628650" marR="0" lvl="1" indent="-171450" algn="l" defTabSz="914400" rtl="0" eaLnBrk="1" fontAlgn="auto" latinLnBrk="0" hangingPunct="1">
+              <a:lnSpc>
+                <a:spcPct val="100000"/>
+              </a:lnSpc>
+              <a:spcBef>
+                <a:spcPts val="0"/>
+              </a:spcBef>
+              <a:spcAft>
+                <a:spcPts val="0"/>
+              </a:spcAft>
+              <a:buClrTx/>
+              <a:buSzTx/>
+              <a:buFont typeface="Arial" panose="020B0604020202020204" pitchFamily="34" charset="0"/>
+              <a:buChar char="•"/>
+              <a:tabLst/>
+              <a:defRPr/>
+            </a:pPr>
+            <a:r>
+              <a:rPr lang="en-US" dirty="0"/>
+              <a:t>Etc.</a:t>
+            </a:r>
+          </a:p>
+          <a:p>
+            <a:pPr marL="171450" marR="0" lvl="0" indent="-171450" algn="l" defTabSz="914400" rtl="0" eaLnBrk="1" fontAlgn="auto" latinLnBrk="0" hangingPunct="1">
+              <a:lnSpc>
+                <a:spcPct val="100000"/>
+              </a:lnSpc>
+              <a:spcBef>
+                <a:spcPts val="0"/>
+              </a:spcBef>
+              <a:spcAft>
+                <a:spcPts val="0"/>
+              </a:spcAft>
+              <a:buClrTx/>
+              <a:buSzTx/>
+              <a:buFont typeface="Arial" panose="020B0604020202020204" pitchFamily="34" charset="0"/>
+              <a:buChar char="•"/>
+              <a:tabLst/>
+              <a:defRPr/>
+            </a:pPr>
+            <a:r>
+              <a:rPr lang="en-US" dirty="0"/>
+              <a:t>Our </a:t>
+            </a:r>
+            <a:r>
+              <a:rPr lang="en-US" dirty="0">
+                <a:solidFill>
+                  <a:srgbClr val="FFFF00"/>
+                </a:solidFill>
+              </a:rPr>
+              <a:t>customers want/need simple, automated infrastructures</a:t>
+            </a:r>
+            <a:endParaRPr lang="en-US" dirty="0"/>
           </a:p>
         </p:txBody>
       </p:sp>
@@ -7431,13 +7749,13 @@
         <p:spPr/>
         <p:txBody>
           <a:bodyPr>
-            <a:normAutofit/>
+            <a:normAutofit fontScale="92500" lnSpcReduction="10000"/>
           </a:bodyPr>
           <a:lstStyle/>
           <a:p>
             <a:r>
               <a:rPr lang="en-US" dirty="0"/>
-              <a:t>Have access to a Unix-style terminal (Linux, macOS, WSL, etc.)</a:t>
+              <a:t>Create a Docker Hub Account</a:t>
             </a:r>
           </a:p>
           <a:p>
@@ -7446,14 +7764,14 @@
               <a:rPr lang="en-US" dirty="0">
                 <a:hlinkClick r:id="rId3"/>
               </a:rPr>
-              <a:t>https://docs.microsoft.com/en-us/windows/wsl/install-win10</a:t>
+              <a:t>https://hub.docker.com/signup</a:t>
             </a:r>
             <a:endParaRPr lang="en-US" dirty="0"/>
           </a:p>
           <a:p>
             <a:r>
               <a:rPr lang="en-US" dirty="0"/>
-              <a:t>Download and install Python 3</a:t>
+              <a:t>Download and install Docker Desktop</a:t>
             </a:r>
           </a:p>
           <a:p>
@@ -7462,14 +7780,14 @@
               <a:rPr lang="en-US" dirty="0">
                 <a:hlinkClick r:id="rId4"/>
               </a:rPr>
-              <a:t>https://www.python.org/downloads/</a:t>
+              <a:t>https://www.docker.com/products/docker-desktop</a:t>
             </a:r>
             <a:endParaRPr lang="en-US" dirty="0"/>
           </a:p>
           <a:p>
             <a:r>
               <a:rPr lang="en-US" dirty="0"/>
-              <a:t>Download this presentation from WWT’s GitHub</a:t>
+              <a:t>Download this Docker Image from Docker Hub (wwt01)</a:t>
             </a:r>
           </a:p>
           <a:p>
@@ -7478,6 +7796,36 @@
               <a:rPr lang="en-US" dirty="0">
                 <a:hlinkClick r:id="rId5"/>
               </a:rPr>
+              <a:t>https://hub.docker.com/u/wwt01</a:t>
+            </a:r>
+            <a:r>
+              <a:rPr lang="en-US" dirty="0"/>
+              <a:t> </a:t>
+            </a:r>
+            <a:r>
+              <a:rPr lang="en-US" dirty="0">
+                <a:solidFill>
+                  <a:srgbClr val="FFFF00"/>
+                </a:solidFill>
+                <a:highlight>
+                  <a:srgbClr val="FF0000"/>
+                </a:highlight>
+              </a:rPr>
+              <a:t>**Need Complete URL**</a:t>
+            </a:r>
+          </a:p>
+          <a:p>
+            <a:r>
+              <a:rPr lang="en-US" dirty="0"/>
+              <a:t>Download this repo from WWT’s GitHub</a:t>
+            </a:r>
+          </a:p>
+          <a:p>
+            <a:pPr lvl="1"/>
+            <a:r>
+              <a:rPr lang="en-US" dirty="0">
+                <a:hlinkClick r:id="rId6"/>
+              </a:rPr>
               <a:t>https://github.com/wwt/curl-requests-foundations</a:t>
             </a:r>
             <a:endParaRPr lang="en-US" dirty="0"/>
@@ -7492,7 +7840,7 @@
             <a:pPr lvl="1"/>
             <a:r>
               <a:rPr lang="en-US" dirty="0">
-                <a:hlinkClick r:id="rId6"/>
+                <a:hlinkClick r:id="rId7"/>
               </a:rPr>
               <a:t>https://code.visualstudio.com/Download</a:t>
             </a:r>
@@ -8074,6 +8422,110 @@
                                   </p:childTnLst>
                                 </p:cTn>
                               </p:par>
+                              <p:par>
+                                <p:cTn id="40" presetID="9" presetClass="entr" presetSubtype="0" fill="hold" grpId="0" nodeType="withEffect">
+                                  <p:stCondLst>
+                                    <p:cond delay="0"/>
+                                  </p:stCondLst>
+                                  <p:childTnLst>
+                                    <p:set>
+                                      <p:cBhvr>
+                                        <p:cTn id="41" dur="1" fill="hold">
+                                          <p:stCondLst>
+                                            <p:cond delay="0"/>
+                                          </p:stCondLst>
+                                        </p:cTn>
+                                        <p:tgtEl>
+                                          <p:spTgt spid="3">
+                                            <p:txEl>
+                                              <p:pRg st="9" end="9"/>
+                                            </p:txEl>
+                                          </p:spTgt>
+                                        </p:tgtEl>
+                                        <p:attrNameLst>
+                                          <p:attrName>style.visibility</p:attrName>
+                                        </p:attrNameLst>
+                                      </p:cBhvr>
+                                      <p:to>
+                                        <p:strVal val="visible"/>
+                                      </p:to>
+                                    </p:set>
+                                    <p:animEffect transition="in" filter="dissolve">
+                                      <p:cBhvr>
+                                        <p:cTn id="42" dur="500"/>
+                                        <p:tgtEl>
+                                          <p:spTgt spid="3">
+                                            <p:txEl>
+                                              <p:pRg st="9" end="9"/>
+                                            </p:txEl>
+                                          </p:spTgt>
+                                        </p:tgtEl>
+                                      </p:cBhvr>
+                                    </p:animEffect>
+                                  </p:childTnLst>
+                                </p:cTn>
+                              </p:par>
+                            </p:childTnLst>
+                          </p:cTn>
+                        </p:par>
+                      </p:childTnLst>
+                    </p:cTn>
+                  </p:par>
+                  <p:par>
+                    <p:cTn id="43" fill="hold">
+                      <p:stCondLst>
+                        <p:cond delay="indefinite"/>
+                      </p:stCondLst>
+                      <p:childTnLst>
+                        <p:par>
+                          <p:cTn id="44" fill="hold">
+                            <p:stCondLst>
+                              <p:cond delay="0"/>
+                            </p:stCondLst>
+                            <p:childTnLst>
+                              <p:par>
+                                <p:cTn id="45" presetID="9" presetClass="entr" presetSubtype="0" fill="hold" grpId="0" nodeType="clickEffect">
+                                  <p:stCondLst>
+                                    <p:cond delay="0"/>
+                                  </p:stCondLst>
+                                  <p:childTnLst>
+                                    <p:set>
+                                      <p:cBhvr>
+                                        <p:cTn id="46" dur="1" fill="hold">
+                                          <p:stCondLst>
+                                            <p:cond delay="0"/>
+                                          </p:stCondLst>
+                                        </p:cTn>
+                                        <p:tgtEl>
+                                          <p:spTgt spid="3">
+                                            <p:txEl>
+                                              <p:pRg st="10" end="10"/>
+                                            </p:txEl>
+                                          </p:spTgt>
+                                        </p:tgtEl>
+                                        <p:attrNameLst>
+                                          <p:attrName>style.visibility</p:attrName>
+                                        </p:attrNameLst>
+                                      </p:cBhvr>
+                                      <p:to>
+                                        <p:strVal val="visible"/>
+                                      </p:to>
+                                    </p:set>
+                                    <p:animEffect transition="in" filter="dissolve">
+                                      <p:cBhvr>
+                                        <p:cTn id="47" dur="500"/>
+                                        <p:tgtEl>
+                                          <p:spTgt spid="3">
+                                            <p:txEl>
+                                              <p:pRg st="10" end="10"/>
+                                            </p:txEl>
+                                          </p:spTgt>
+                                        </p:tgtEl>
+                                      </p:cBhvr>
+                                    </p:animEffect>
+                                  </p:childTnLst>
+                                </p:cTn>
+                              </p:par>
                             </p:childTnLst>
                           </p:cTn>
                         </p:par>
@@ -8171,23 +8623,27 @@
         </p:nvSpPr>
         <p:spPr/>
         <p:txBody>
-          <a:bodyPr/>
+          <a:bodyPr>
+            <a:normAutofit lnSpcReduction="10000"/>
+          </a:bodyPr>
           <a:lstStyle/>
           <a:p>
             <a:r>
               <a:rPr lang="en-US" dirty="0">
                 <a:hlinkClick r:id="rId2"/>
               </a:rPr>
-              <a:t>https://en.wikipedia.org/wiki/CURL</a:t>
-            </a:r>
-            <a:endParaRPr lang="en-US" dirty="0"/>
+              <a:t>https://www.linkedin.com/pulse/why-rest-api-so-popular-mangesh-bulkar/</a:t>
+            </a:r>
+            <a:endParaRPr lang="en-US" dirty="0">
+              <a:hlinkClick r:id="rId3"/>
+            </a:endParaRPr>
           </a:p>
           <a:p>
             <a:r>
               <a:rPr lang="en-US" dirty="0">
                 <a:hlinkClick r:id="rId3"/>
               </a:rPr>
-              <a:t>https://en.wikipedia.org/wiki/Requests_%28software%29</a:t>
+              <a:t>https://en.wikipedia.org/wiki/CURL</a:t>
             </a:r>
             <a:endParaRPr lang="en-US" dirty="0"/>
           </a:p>
@@ -8196,7 +8652,7 @@
               <a:rPr lang="en-US" dirty="0">
                 <a:hlinkClick r:id="rId4"/>
               </a:rPr>
-              <a:t>https://curl.haxx.se</a:t>
+              <a:t>https://en.wikipedia.org/wiki/Requests_%28software%29</a:t>
             </a:r>
             <a:endParaRPr lang="en-US" dirty="0"/>
           </a:p>
@@ -8204,6 +8660,15 @@
             <a:r>
               <a:rPr lang="en-US" dirty="0">
                 <a:hlinkClick r:id="rId5"/>
+              </a:rPr>
+              <a:t>https://curl.haxx.se</a:t>
+            </a:r>
+            <a:endParaRPr lang="en-US" dirty="0"/>
+          </a:p>
+          <a:p>
+            <a:r>
+              <a:rPr lang="en-US" dirty="0">
+                <a:hlinkClick r:id="rId6"/>
               </a:rPr>
               <a:t>https://requests.readthedocs.io/en/master/</a:t>
             </a:r>
@@ -8590,24 +9055,26 @@
           </a:xfrm>
         </p:spPr>
         <p:txBody>
-          <a:bodyPr/>
+          <a:bodyPr>
+            <a:normAutofit/>
+          </a:bodyPr>
           <a:lstStyle/>
           <a:p>
             <a:r>
               <a:rPr lang="en-US" dirty="0"/>
-              <a:t>Programmatic interaction with…</a:t>
+              <a:t>Primary mechanism to interact with many infrastructure systems</a:t>
             </a:r>
           </a:p>
           <a:p>
             <a:r>
               <a:rPr lang="en-US" dirty="0"/>
-              <a:t>System automation and integration with…</a:t>
+              <a:t>Simple method to make CRUD requests</a:t>
             </a:r>
           </a:p>
           <a:p>
             <a:r>
               <a:rPr lang="en-US" dirty="0"/>
-              <a:t>Something else…</a:t>
+              <a:t>Portable syntax between REST clients</a:t>
             </a:r>
           </a:p>
         </p:txBody>
@@ -8637,7 +9104,7 @@
         </p:spPr>
         <p:txBody>
           <a:bodyPr vert="horz" lIns="91440" tIns="45720" rIns="91440" bIns="45720" rtlCol="0">
-            <a:normAutofit fontScale="77500" lnSpcReduction="20000"/>
+            <a:normAutofit/>
           </a:bodyPr>
           <a:lstStyle>
             <a:lvl1pPr marL="228600" indent="-228600" algn="l" defTabSz="914400" rtl="0" eaLnBrk="1" latinLnBrk="0" hangingPunct="1">
@@ -8814,7 +9281,7 @@
                   <a:srgbClr val="FFFF00"/>
                 </a:solidFill>
               </a:rPr>
-              <a:t>Translation – APIs are the foundation of automated infrastructures (what our customers want/need)</a:t>
+              <a:t>Translation – REST APIs are the foundation of automated infrastructures</a:t>
             </a:r>
           </a:p>
         </p:txBody>
@@ -8880,10 +9347,10 @@
       </p:sp>
       <p:pic>
         <p:nvPicPr>
-          <p:cNvPr id="7" name="Picture 6" descr="A close up of a sign&#10;&#10;Description automatically generated">
+          <p:cNvPr id="8" name="Picture 7" descr="A close up of a sign&#10;&#10;Description automatically generated">
             <a:extLst>
               <a:ext uri="{FF2B5EF4-FFF2-40B4-BE49-F238E27FC236}">
-                <a16:creationId xmlns:a16="http://schemas.microsoft.com/office/drawing/2014/main" id="{26F43F39-EACF-0745-93AC-CBF0EF4BF4CA}"/>
+                <a16:creationId xmlns:a16="http://schemas.microsoft.com/office/drawing/2014/main" id="{1967DB92-2CA2-4542-8835-E8EBE400FD7B}"/>
               </a:ext>
             </a:extLst>
           </p:cNvPr>
@@ -9200,7 +9667,7 @@
                                           </p:stCondLst>
                                         </p:cTn>
                                         <p:tgtEl>
-                                          <p:spTgt spid="7"/>
+                                          <p:spTgt spid="8"/>
                                         </p:tgtEl>
                                         <p:attrNameLst>
                                           <p:attrName>style.visibility</p:attrName>
@@ -9214,7 +9681,7 @@
                                       <p:cBhvr>
                                         <p:cTn id="27" dur="500" fill="hold"/>
                                         <p:tgtEl>
-                                          <p:spTgt spid="7"/>
+                                          <p:spTgt spid="8"/>
                                         </p:tgtEl>
                                         <p:attrNameLst>
                                           <p:attrName>ppt_w</p:attrName>
@@ -9237,7 +9704,7 @@
                                       <p:cBhvr>
                                         <p:cTn id="28" dur="500" fill="hold"/>
                                         <p:tgtEl>
-                                          <p:spTgt spid="7"/>
+                                          <p:spTgt spid="8"/>
                                         </p:tgtEl>
                                         <p:attrNameLst>
                                           <p:attrName>ppt_h</p:attrName>

--- a/curl-requests-foundations.pptx
+++ b/curl-requests-foundations.pptx
@@ -5,30 +5,33 @@
     <p:sldMasterId id="2147483660" r:id="rId1"/>
   </p:sldMasterIdLst>
   <p:notesMasterIdLst>
-    <p:notesMasterId r:id="rId23"/>
+    <p:notesMasterId r:id="rId26"/>
   </p:notesMasterIdLst>
   <p:sldIdLst>
     <p:sldId id="256" r:id="rId2"/>
     <p:sldId id="276" r:id="rId3"/>
-    <p:sldId id="277" r:id="rId4"/>
-    <p:sldId id="272" r:id="rId5"/>
-    <p:sldId id="278" r:id="rId6"/>
-    <p:sldId id="257" r:id="rId7"/>
-    <p:sldId id="327" r:id="rId8"/>
-    <p:sldId id="331" r:id="rId9"/>
-    <p:sldId id="270" r:id="rId10"/>
-    <p:sldId id="332" r:id="rId11"/>
-    <p:sldId id="326" r:id="rId12"/>
-    <p:sldId id="322" r:id="rId13"/>
-    <p:sldId id="329" r:id="rId14"/>
-    <p:sldId id="330" r:id="rId15"/>
-    <p:sldId id="328" r:id="rId16"/>
-    <p:sldId id="333" r:id="rId17"/>
-    <p:sldId id="334" r:id="rId18"/>
-    <p:sldId id="335" r:id="rId19"/>
-    <p:sldId id="311" r:id="rId20"/>
-    <p:sldId id="321" r:id="rId21"/>
-    <p:sldId id="280" r:id="rId22"/>
+    <p:sldId id="337" r:id="rId4"/>
+    <p:sldId id="277" r:id="rId5"/>
+    <p:sldId id="272" r:id="rId6"/>
+    <p:sldId id="278" r:id="rId7"/>
+    <p:sldId id="257" r:id="rId8"/>
+    <p:sldId id="327" r:id="rId9"/>
+    <p:sldId id="281" r:id="rId10"/>
+    <p:sldId id="336" r:id="rId11"/>
+    <p:sldId id="331" r:id="rId12"/>
+    <p:sldId id="270" r:id="rId13"/>
+    <p:sldId id="332" r:id="rId14"/>
+    <p:sldId id="326" r:id="rId15"/>
+    <p:sldId id="322" r:id="rId16"/>
+    <p:sldId id="329" r:id="rId17"/>
+    <p:sldId id="330" r:id="rId18"/>
+    <p:sldId id="328" r:id="rId19"/>
+    <p:sldId id="333" r:id="rId20"/>
+    <p:sldId id="334" r:id="rId21"/>
+    <p:sldId id="335" r:id="rId22"/>
+    <p:sldId id="311" r:id="rId23"/>
+    <p:sldId id="321" r:id="rId24"/>
+    <p:sldId id="280" r:id="rId25"/>
   </p:sldIdLst>
   <p:sldSz cx="12192000" cy="6858000"/>
   <p:notesSz cx="6858000" cy="9144000"/>
@@ -684,7 +687,7 @@
           <a:p>
             <a:fld id="{020CF8D1-BA82-5045-ACF9-1AA42AD6A519}" type="slidenum">
               <a:rPr lang="en-US" smtClean="0"/>
-              <a:t>14</a:t>
+              <a:t>11</a:t>
             </a:fld>
             <a:endParaRPr lang="en-US"/>
           </a:p>
@@ -693,7 +696,7 @@
     </p:spTree>
     <p:extLst>
       <p:ext uri="{BB962C8B-B14F-4D97-AF65-F5344CB8AC3E}">
-        <p14:creationId xmlns:p14="http://schemas.microsoft.com/office/powerpoint/2010/main" val="3481472389"/>
+        <p14:creationId xmlns:p14="http://schemas.microsoft.com/office/powerpoint/2010/main" val="778062090"/>
       </p:ext>
     </p:extLst>
   </p:cSld>
@@ -788,7 +791,7 @@
           <a:p>
             <a:fld id="{020CF8D1-BA82-5045-ACF9-1AA42AD6A519}" type="slidenum">
               <a:rPr lang="en-US" smtClean="0"/>
-              <a:t>16</a:t>
+              <a:t>12</a:t>
             </a:fld>
             <a:endParaRPr lang="en-US"/>
           </a:p>
@@ -797,7 +800,7 @@
     </p:spTree>
     <p:extLst>
       <p:ext uri="{BB962C8B-B14F-4D97-AF65-F5344CB8AC3E}">
-        <p14:creationId xmlns:p14="http://schemas.microsoft.com/office/powerpoint/2010/main" val="3252389655"/>
+        <p14:creationId xmlns:p14="http://schemas.microsoft.com/office/powerpoint/2010/main" val="520155400"/>
       </p:ext>
     </p:extLst>
   </p:cSld>
@@ -892,7 +895,319 @@
           <a:p>
             <a:fld id="{020CF8D1-BA82-5045-ACF9-1AA42AD6A519}" type="slidenum">
               <a:rPr lang="en-US" smtClean="0"/>
-              <a:t>18</a:t>
+              <a:t>15</a:t>
+            </a:fld>
+            <a:endParaRPr lang="en-US"/>
+          </a:p>
+        </p:txBody>
+      </p:sp>
+    </p:spTree>
+    <p:extLst>
+      <p:ext uri="{BB962C8B-B14F-4D97-AF65-F5344CB8AC3E}">
+        <p14:creationId xmlns:p14="http://schemas.microsoft.com/office/powerpoint/2010/main" val="2058049328"/>
+      </p:ext>
+    </p:extLst>
+  </p:cSld>
+  <p:clrMapOvr>
+    <a:masterClrMapping/>
+  </p:clrMapOvr>
+</p:notes>
+</file>
+
+<file path=ppt/notesSlides/notesSlide13.xml><?xml version="1.0" encoding="utf-8"?>
+<p:notes xmlns:a="http://schemas.openxmlformats.org/drawingml/2006/main" xmlns:r="http://schemas.openxmlformats.org/officeDocument/2006/relationships" xmlns:p="http://schemas.openxmlformats.org/presentationml/2006/main">
+  <p:cSld>
+    <p:spTree>
+      <p:nvGrpSpPr>
+        <p:cNvPr id="1" name=""/>
+        <p:cNvGrpSpPr/>
+        <p:nvPr/>
+      </p:nvGrpSpPr>
+      <p:grpSpPr>
+        <a:xfrm>
+          <a:off x="0" y="0"/>
+          <a:ext cx="0" cy="0"/>
+          <a:chOff x="0" y="0"/>
+          <a:chExt cx="0" cy="0"/>
+        </a:xfrm>
+      </p:grpSpPr>
+      <p:sp>
+        <p:nvSpPr>
+          <p:cNvPr id="2" name="Slide Image Placeholder 1"/>
+          <p:cNvSpPr>
+            <a:spLocks noGrp="1" noRot="1" noChangeAspect="1"/>
+          </p:cNvSpPr>
+          <p:nvPr>
+            <p:ph type="sldImg"/>
+          </p:nvPr>
+        </p:nvSpPr>
+        <p:spPr/>
+      </p:sp>
+      <p:sp>
+        <p:nvSpPr>
+          <p:cNvPr id="3" name="Notes Placeholder 2"/>
+          <p:cNvSpPr>
+            <a:spLocks noGrp="1"/>
+          </p:cNvSpPr>
+          <p:nvPr>
+            <p:ph type="body" idx="1"/>
+          </p:nvPr>
+        </p:nvSpPr>
+        <p:spPr/>
+        <p:txBody>
+          <a:bodyPr/>
+          <a:lstStyle/>
+          <a:p>
+            <a:pPr marL="0" marR="0" lvl="0" indent="0" algn="l" defTabSz="914400" rtl="0" eaLnBrk="1" fontAlgn="auto" latinLnBrk="0" hangingPunct="1">
+              <a:lnSpc>
+                <a:spcPct val="100000"/>
+              </a:lnSpc>
+              <a:spcBef>
+                <a:spcPts val="0"/>
+              </a:spcBef>
+              <a:spcAft>
+                <a:spcPts val="0"/>
+              </a:spcAft>
+              <a:buClrTx/>
+              <a:buSzTx/>
+              <a:buFontTx/>
+              <a:buNone/>
+              <a:tabLst/>
+              <a:defRPr/>
+            </a:pPr>
+            <a:r>
+              <a:rPr lang="en-US" dirty="0"/>
+              <a:t>// TODO</a:t>
+            </a:r>
+          </a:p>
+        </p:txBody>
+      </p:sp>
+      <p:sp>
+        <p:nvSpPr>
+          <p:cNvPr id="4" name="Slide Number Placeholder 3"/>
+          <p:cNvSpPr>
+            <a:spLocks noGrp="1"/>
+          </p:cNvSpPr>
+          <p:nvPr>
+            <p:ph type="sldNum" sz="quarter" idx="5"/>
+          </p:nvPr>
+        </p:nvSpPr>
+        <p:spPr/>
+        <p:txBody>
+          <a:bodyPr/>
+          <a:lstStyle/>
+          <a:p>
+            <a:fld id="{020CF8D1-BA82-5045-ACF9-1AA42AD6A519}" type="slidenum">
+              <a:rPr lang="en-US" smtClean="0"/>
+              <a:t>17</a:t>
+            </a:fld>
+            <a:endParaRPr lang="en-US"/>
+          </a:p>
+        </p:txBody>
+      </p:sp>
+    </p:spTree>
+    <p:extLst>
+      <p:ext uri="{BB962C8B-B14F-4D97-AF65-F5344CB8AC3E}">
+        <p14:creationId xmlns:p14="http://schemas.microsoft.com/office/powerpoint/2010/main" val="3481472389"/>
+      </p:ext>
+    </p:extLst>
+  </p:cSld>
+  <p:clrMapOvr>
+    <a:masterClrMapping/>
+  </p:clrMapOvr>
+</p:notes>
+</file>
+
+<file path=ppt/notesSlides/notesSlide14.xml><?xml version="1.0" encoding="utf-8"?>
+<p:notes xmlns:a="http://schemas.openxmlformats.org/drawingml/2006/main" xmlns:r="http://schemas.openxmlformats.org/officeDocument/2006/relationships" xmlns:p="http://schemas.openxmlformats.org/presentationml/2006/main">
+  <p:cSld>
+    <p:spTree>
+      <p:nvGrpSpPr>
+        <p:cNvPr id="1" name=""/>
+        <p:cNvGrpSpPr/>
+        <p:nvPr/>
+      </p:nvGrpSpPr>
+      <p:grpSpPr>
+        <a:xfrm>
+          <a:off x="0" y="0"/>
+          <a:ext cx="0" cy="0"/>
+          <a:chOff x="0" y="0"/>
+          <a:chExt cx="0" cy="0"/>
+        </a:xfrm>
+      </p:grpSpPr>
+      <p:sp>
+        <p:nvSpPr>
+          <p:cNvPr id="2" name="Slide Image Placeholder 1"/>
+          <p:cNvSpPr>
+            <a:spLocks noGrp="1" noRot="1" noChangeAspect="1"/>
+          </p:cNvSpPr>
+          <p:nvPr>
+            <p:ph type="sldImg"/>
+          </p:nvPr>
+        </p:nvSpPr>
+        <p:spPr/>
+      </p:sp>
+      <p:sp>
+        <p:nvSpPr>
+          <p:cNvPr id="3" name="Notes Placeholder 2"/>
+          <p:cNvSpPr>
+            <a:spLocks noGrp="1"/>
+          </p:cNvSpPr>
+          <p:nvPr>
+            <p:ph type="body" idx="1"/>
+          </p:nvPr>
+        </p:nvSpPr>
+        <p:spPr/>
+        <p:txBody>
+          <a:bodyPr/>
+          <a:lstStyle/>
+          <a:p>
+            <a:pPr marL="0" marR="0" lvl="0" indent="0" algn="l" defTabSz="914400" rtl="0" eaLnBrk="1" fontAlgn="auto" latinLnBrk="0" hangingPunct="1">
+              <a:lnSpc>
+                <a:spcPct val="100000"/>
+              </a:lnSpc>
+              <a:spcBef>
+                <a:spcPts val="0"/>
+              </a:spcBef>
+              <a:spcAft>
+                <a:spcPts val="0"/>
+              </a:spcAft>
+              <a:buClrTx/>
+              <a:buSzTx/>
+              <a:buFontTx/>
+              <a:buNone/>
+              <a:tabLst/>
+              <a:defRPr/>
+            </a:pPr>
+            <a:r>
+              <a:rPr lang="en-US" dirty="0"/>
+              <a:t>// TODO</a:t>
+            </a:r>
+          </a:p>
+        </p:txBody>
+      </p:sp>
+      <p:sp>
+        <p:nvSpPr>
+          <p:cNvPr id="4" name="Slide Number Placeholder 3"/>
+          <p:cNvSpPr>
+            <a:spLocks noGrp="1"/>
+          </p:cNvSpPr>
+          <p:nvPr>
+            <p:ph type="sldNum" sz="quarter" idx="5"/>
+          </p:nvPr>
+        </p:nvSpPr>
+        <p:spPr/>
+        <p:txBody>
+          <a:bodyPr/>
+          <a:lstStyle/>
+          <a:p>
+            <a:fld id="{020CF8D1-BA82-5045-ACF9-1AA42AD6A519}" type="slidenum">
+              <a:rPr lang="en-US" smtClean="0"/>
+              <a:t>19</a:t>
+            </a:fld>
+            <a:endParaRPr lang="en-US"/>
+          </a:p>
+        </p:txBody>
+      </p:sp>
+    </p:spTree>
+    <p:extLst>
+      <p:ext uri="{BB962C8B-B14F-4D97-AF65-F5344CB8AC3E}">
+        <p14:creationId xmlns:p14="http://schemas.microsoft.com/office/powerpoint/2010/main" val="3252389655"/>
+      </p:ext>
+    </p:extLst>
+  </p:cSld>
+  <p:clrMapOvr>
+    <a:masterClrMapping/>
+  </p:clrMapOvr>
+</p:notes>
+</file>
+
+<file path=ppt/notesSlides/notesSlide15.xml><?xml version="1.0" encoding="utf-8"?>
+<p:notes xmlns:a="http://schemas.openxmlformats.org/drawingml/2006/main" xmlns:r="http://schemas.openxmlformats.org/officeDocument/2006/relationships" xmlns:p="http://schemas.openxmlformats.org/presentationml/2006/main">
+  <p:cSld>
+    <p:spTree>
+      <p:nvGrpSpPr>
+        <p:cNvPr id="1" name=""/>
+        <p:cNvGrpSpPr/>
+        <p:nvPr/>
+      </p:nvGrpSpPr>
+      <p:grpSpPr>
+        <a:xfrm>
+          <a:off x="0" y="0"/>
+          <a:ext cx="0" cy="0"/>
+          <a:chOff x="0" y="0"/>
+          <a:chExt cx="0" cy="0"/>
+        </a:xfrm>
+      </p:grpSpPr>
+      <p:sp>
+        <p:nvSpPr>
+          <p:cNvPr id="2" name="Slide Image Placeholder 1"/>
+          <p:cNvSpPr>
+            <a:spLocks noGrp="1" noRot="1" noChangeAspect="1"/>
+          </p:cNvSpPr>
+          <p:nvPr>
+            <p:ph type="sldImg"/>
+          </p:nvPr>
+        </p:nvSpPr>
+        <p:spPr/>
+      </p:sp>
+      <p:sp>
+        <p:nvSpPr>
+          <p:cNvPr id="3" name="Notes Placeholder 2"/>
+          <p:cNvSpPr>
+            <a:spLocks noGrp="1"/>
+          </p:cNvSpPr>
+          <p:nvPr>
+            <p:ph type="body" idx="1"/>
+          </p:nvPr>
+        </p:nvSpPr>
+        <p:spPr/>
+        <p:txBody>
+          <a:bodyPr/>
+          <a:lstStyle/>
+          <a:p>
+            <a:pPr marL="0" marR="0" lvl="0" indent="0" algn="l" defTabSz="914400" rtl="0" eaLnBrk="1" fontAlgn="auto" latinLnBrk="0" hangingPunct="1">
+              <a:lnSpc>
+                <a:spcPct val="100000"/>
+              </a:lnSpc>
+              <a:spcBef>
+                <a:spcPts val="0"/>
+              </a:spcBef>
+              <a:spcAft>
+                <a:spcPts val="0"/>
+              </a:spcAft>
+              <a:buClrTx/>
+              <a:buSzTx/>
+              <a:buFontTx/>
+              <a:buNone/>
+              <a:tabLst/>
+              <a:defRPr/>
+            </a:pPr>
+            <a:r>
+              <a:rPr lang="en-US" dirty="0"/>
+              <a:t>// TODO</a:t>
+            </a:r>
+          </a:p>
+        </p:txBody>
+      </p:sp>
+      <p:sp>
+        <p:nvSpPr>
+          <p:cNvPr id="4" name="Slide Number Placeholder 3"/>
+          <p:cNvSpPr>
+            <a:spLocks noGrp="1"/>
+          </p:cNvSpPr>
+          <p:nvPr>
+            <p:ph type="sldNum" sz="quarter" idx="5"/>
+          </p:nvPr>
+        </p:nvSpPr>
+        <p:spPr/>
+        <p:txBody>
+          <a:bodyPr/>
+          <a:lstStyle/>
+          <a:p>
+            <a:fld id="{020CF8D1-BA82-5045-ACF9-1AA42AD6A519}" type="slidenum">
+              <a:rPr lang="en-US" smtClean="0"/>
+              <a:t>21</a:t>
             </a:fld>
             <a:endParaRPr lang="en-US"/>
           </a:p>
@@ -1064,29 +1379,6 @@
               <a:t>// TODO</a:t>
             </a:r>
           </a:p>
-          <a:p>
-            <a:pPr marL="0" marR="0" lvl="0" indent="0" algn="l" defTabSz="914400" rtl="0" eaLnBrk="1" fontAlgn="auto" latinLnBrk="0" hangingPunct="1">
-              <a:lnSpc>
-                <a:spcPct val="100000"/>
-              </a:lnSpc>
-              <a:spcBef>
-                <a:spcPts val="0"/>
-              </a:spcBef>
-              <a:spcAft>
-                <a:spcPts val="0"/>
-              </a:spcAft>
-              <a:buClrTx/>
-              <a:buSzTx/>
-              <a:buFontTx/>
-              <a:buNone/>
-              <a:tabLst/>
-              <a:defRPr/>
-            </a:pPr>
-            <a:r>
-              <a:rPr lang="en-US" dirty="0"/>
-              <a:t>This is not a class on REST APIs (what they are) – separate topic in a separate presentation</a:t>
-            </a:r>
-          </a:p>
         </p:txBody>
       </p:sp>
       <p:sp>
@@ -1115,7 +1407,7 @@
     </p:spTree>
     <p:extLst>
       <p:ext uri="{BB962C8B-B14F-4D97-AF65-F5344CB8AC3E}">
-        <p14:creationId xmlns:p14="http://schemas.microsoft.com/office/powerpoint/2010/main" val="872969698"/>
+        <p14:creationId xmlns:p14="http://schemas.microsoft.com/office/powerpoint/2010/main" val="3892212133"/>
       </p:ext>
     </p:extLst>
   </p:cSld>
@@ -1192,7 +1484,7 @@
             </a:r>
           </a:p>
           <a:p>
-            <a:pPr marL="171450" marR="0" lvl="0" indent="-171450" algn="l" defTabSz="914400" rtl="0" eaLnBrk="1" fontAlgn="auto" latinLnBrk="0" hangingPunct="1">
+            <a:pPr marL="0" marR="0" lvl="0" indent="0" algn="l" defTabSz="914400" rtl="0" eaLnBrk="1" fontAlgn="auto" latinLnBrk="0" hangingPunct="1">
               <a:lnSpc>
                 <a:spcPct val="100000"/>
               </a:lnSpc>
@@ -1204,287 +1496,15 @@
               </a:spcAft>
               <a:buClrTx/>
               <a:buSzTx/>
-              <a:buFont typeface="Arial" panose="020B0604020202020204" pitchFamily="34" charset="0"/>
-              <a:buChar char="•"/>
+              <a:buFontTx/>
+              <a:buNone/>
               <a:tabLst/>
               <a:defRPr/>
             </a:pPr>
             <a:r>
               <a:rPr lang="en-US" dirty="0"/>
-              <a:t>Most Cisco products use REST APIs</a:t>
-            </a:r>
-          </a:p>
-          <a:p>
-            <a:pPr marL="171450" marR="0" lvl="0" indent="-171450" algn="l" defTabSz="914400" rtl="0" eaLnBrk="1" fontAlgn="auto" latinLnBrk="0" hangingPunct="1">
-              <a:lnSpc>
-                <a:spcPct val="100000"/>
-              </a:lnSpc>
-              <a:spcBef>
-                <a:spcPts val="0"/>
-              </a:spcBef>
-              <a:spcAft>
-                <a:spcPts val="0"/>
-              </a:spcAft>
-              <a:buClrTx/>
-              <a:buSzTx/>
-              <a:buFont typeface="Arial" panose="020B0604020202020204" pitchFamily="34" charset="0"/>
-              <a:buChar char="•"/>
-              <a:tabLst/>
-              <a:defRPr/>
-            </a:pPr>
-            <a:r>
-              <a:rPr lang="en-US" dirty="0"/>
-              <a:t>Simpler than RPC, SOAP, etc.</a:t>
-            </a:r>
-          </a:p>
-          <a:p>
-            <a:pPr marL="628650" marR="0" lvl="1" indent="-171450" algn="l" defTabSz="914400" rtl="0" eaLnBrk="1" fontAlgn="auto" latinLnBrk="0" hangingPunct="1">
-              <a:lnSpc>
-                <a:spcPct val="100000"/>
-              </a:lnSpc>
-              <a:spcBef>
-                <a:spcPts val="0"/>
-              </a:spcBef>
-              <a:spcAft>
-                <a:spcPts val="0"/>
-              </a:spcAft>
-              <a:buClrTx/>
-              <a:buSzTx/>
-              <a:buFont typeface="Arial" panose="020B0604020202020204" pitchFamily="34" charset="0"/>
-              <a:buChar char="•"/>
-              <a:tabLst/>
-              <a:defRPr/>
-            </a:pPr>
-            <a:r>
-              <a:rPr lang="en-US" dirty="0"/>
-              <a:t>https://</a:t>
-            </a:r>
-            <a:r>
-              <a:rPr lang="en-US" dirty="0" err="1"/>
-              <a:t>www.linkedin.com</a:t>
-            </a:r>
-            <a:r>
-              <a:rPr lang="en-US" dirty="0"/>
-              <a:t>/pulse/why-rest-</a:t>
-            </a:r>
-            <a:r>
-              <a:rPr lang="en-US" dirty="0" err="1"/>
-              <a:t>api</a:t>
-            </a:r>
-            <a:r>
-              <a:rPr lang="en-US" dirty="0"/>
-              <a:t>-so-popular-</a:t>
-            </a:r>
-            <a:r>
-              <a:rPr lang="en-US" dirty="0" err="1"/>
-              <a:t>mangesh</a:t>
-            </a:r>
-            <a:r>
-              <a:rPr lang="en-US" dirty="0"/>
-              <a:t>-</a:t>
-            </a:r>
-            <a:r>
-              <a:rPr lang="en-US" dirty="0" err="1"/>
-              <a:t>bulkar</a:t>
-            </a:r>
-            <a:r>
-              <a:rPr lang="en-US" dirty="0"/>
-              <a:t>/</a:t>
-            </a:r>
-          </a:p>
-          <a:p>
-            <a:pPr marL="628650" marR="0" lvl="1" indent="-171450" algn="l" defTabSz="914400" rtl="0" eaLnBrk="1" fontAlgn="auto" latinLnBrk="0" hangingPunct="1">
-              <a:lnSpc>
-                <a:spcPct val="100000"/>
-              </a:lnSpc>
-              <a:spcBef>
-                <a:spcPts val="0"/>
-              </a:spcBef>
-              <a:spcAft>
-                <a:spcPts val="0"/>
-              </a:spcAft>
-              <a:buClrTx/>
-              <a:buSzTx/>
-              <a:buFont typeface="Arial" panose="020B0604020202020204" pitchFamily="34" charset="0"/>
-              <a:buChar char="•"/>
-              <a:tabLst/>
-              <a:defRPr/>
-            </a:pPr>
-            <a:r>
-              <a:rPr lang="en-US" dirty="0"/>
-              <a:t>Client/server architecture – Uses HTTP verbs (less ambiguity)</a:t>
-            </a:r>
-          </a:p>
-          <a:p>
-            <a:pPr marL="628650" marR="0" lvl="1" indent="-171450" algn="l" defTabSz="914400" rtl="0" eaLnBrk="1" fontAlgn="auto" latinLnBrk="0" hangingPunct="1">
-              <a:lnSpc>
-                <a:spcPct val="100000"/>
-              </a:lnSpc>
-              <a:spcBef>
-                <a:spcPts val="0"/>
-              </a:spcBef>
-              <a:spcAft>
-                <a:spcPts val="0"/>
-              </a:spcAft>
-              <a:buClrTx/>
-              <a:buSzTx/>
-              <a:buFont typeface="Arial" panose="020B0604020202020204" pitchFamily="34" charset="0"/>
-              <a:buChar char="•"/>
-              <a:tabLst/>
-              <a:defRPr/>
-            </a:pPr>
-            <a:r>
-              <a:rPr lang="en-US" dirty="0"/>
-              <a:t>Widely documented</a:t>
-            </a:r>
-          </a:p>
-          <a:p>
-            <a:pPr marL="171450" marR="0" lvl="0" indent="-171450" algn="l" defTabSz="914400" rtl="0" eaLnBrk="1" fontAlgn="auto" latinLnBrk="0" hangingPunct="1">
-              <a:lnSpc>
-                <a:spcPct val="100000"/>
-              </a:lnSpc>
-              <a:spcBef>
-                <a:spcPts val="0"/>
-              </a:spcBef>
-              <a:spcAft>
-                <a:spcPts val="0"/>
-              </a:spcAft>
-              <a:buClrTx/>
-              <a:buSzTx/>
-              <a:buFont typeface="Arial" panose="020B0604020202020204" pitchFamily="34" charset="0"/>
-              <a:buChar char="•"/>
-              <a:tabLst/>
-              <a:defRPr/>
-            </a:pPr>
-            <a:r>
-              <a:rPr lang="en-US" dirty="0"/>
-              <a:t>Portable between REST clients</a:t>
-            </a:r>
-          </a:p>
-          <a:p>
-            <a:pPr marL="628650" marR="0" lvl="1" indent="-171450" algn="l" defTabSz="914400" rtl="0" eaLnBrk="1" fontAlgn="auto" latinLnBrk="0" hangingPunct="1">
-              <a:lnSpc>
-                <a:spcPct val="100000"/>
-              </a:lnSpc>
-              <a:spcBef>
-                <a:spcPts val="0"/>
-              </a:spcBef>
-              <a:spcAft>
-                <a:spcPts val="0"/>
-              </a:spcAft>
-              <a:buClrTx/>
-              <a:buSzTx/>
-              <a:buFont typeface="Arial" panose="020B0604020202020204" pitchFamily="34" charset="0"/>
-              <a:buChar char="•"/>
-              <a:tabLst/>
-              <a:defRPr/>
-            </a:pPr>
-            <a:r>
-              <a:rPr lang="en-US" dirty="0" err="1"/>
-              <a:t>cURL</a:t>
-            </a:r>
-            <a:endParaRPr lang="en-US" dirty="0"/>
-          </a:p>
-          <a:p>
-            <a:pPr marL="628650" marR="0" lvl="1" indent="-171450" algn="l" defTabSz="914400" rtl="0" eaLnBrk="1" fontAlgn="auto" latinLnBrk="0" hangingPunct="1">
-              <a:lnSpc>
-                <a:spcPct val="100000"/>
-              </a:lnSpc>
-              <a:spcBef>
-                <a:spcPts val="0"/>
-              </a:spcBef>
-              <a:spcAft>
-                <a:spcPts val="0"/>
-              </a:spcAft>
-              <a:buClrTx/>
-              <a:buSzTx/>
-              <a:buFont typeface="Arial" panose="020B0604020202020204" pitchFamily="34" charset="0"/>
-              <a:buChar char="•"/>
-              <a:tabLst/>
-              <a:defRPr/>
-            </a:pPr>
-            <a:r>
-              <a:rPr lang="en-US" dirty="0"/>
-              <a:t>Python</a:t>
-            </a:r>
-          </a:p>
-          <a:p>
-            <a:pPr marL="628650" marR="0" lvl="1" indent="-171450" algn="l" defTabSz="914400" rtl="0" eaLnBrk="1" fontAlgn="auto" latinLnBrk="0" hangingPunct="1">
-              <a:lnSpc>
-                <a:spcPct val="100000"/>
-              </a:lnSpc>
-              <a:spcBef>
-                <a:spcPts val="0"/>
-              </a:spcBef>
-              <a:spcAft>
-                <a:spcPts val="0"/>
-              </a:spcAft>
-              <a:buClrTx/>
-              <a:buSzTx/>
-              <a:buFont typeface="Arial" panose="020B0604020202020204" pitchFamily="34" charset="0"/>
-              <a:buChar char="•"/>
-              <a:tabLst/>
-              <a:defRPr/>
-            </a:pPr>
-            <a:r>
-              <a:rPr lang="en-US" dirty="0"/>
-              <a:t>Postman</a:t>
-            </a:r>
-          </a:p>
-          <a:p>
-            <a:pPr marL="628650" marR="0" lvl="1" indent="-171450" algn="l" defTabSz="914400" rtl="0" eaLnBrk="1" fontAlgn="auto" latinLnBrk="0" hangingPunct="1">
-              <a:lnSpc>
-                <a:spcPct val="100000"/>
-              </a:lnSpc>
-              <a:spcBef>
-                <a:spcPts val="0"/>
-              </a:spcBef>
-              <a:spcAft>
-                <a:spcPts val="0"/>
-              </a:spcAft>
-              <a:buClrTx/>
-              <a:buSzTx/>
-              <a:buFont typeface="Arial" panose="020B0604020202020204" pitchFamily="34" charset="0"/>
-              <a:buChar char="•"/>
-              <a:tabLst/>
-              <a:defRPr/>
-            </a:pPr>
-            <a:r>
-              <a:rPr lang="en-US" dirty="0"/>
-              <a:t>Etc.</a:t>
-            </a:r>
-          </a:p>
-          <a:p>
-            <a:pPr marL="171450" marR="0" lvl="0" indent="-171450" algn="l" defTabSz="914400" rtl="0" eaLnBrk="1" fontAlgn="auto" latinLnBrk="0" hangingPunct="1">
-              <a:lnSpc>
-                <a:spcPct val="100000"/>
-              </a:lnSpc>
-              <a:spcBef>
-                <a:spcPts val="0"/>
-              </a:spcBef>
-              <a:spcAft>
-                <a:spcPts val="0"/>
-              </a:spcAft>
-              <a:buClrTx/>
-              <a:buSzTx/>
-              <a:buFont typeface="Arial" panose="020B0604020202020204" pitchFamily="34" charset="0"/>
-              <a:buChar char="•"/>
-              <a:tabLst/>
-              <a:defRPr/>
-            </a:pPr>
-            <a:r>
-              <a:rPr lang="en-US" dirty="0"/>
-              <a:t>Our </a:t>
-            </a:r>
-            <a:r>
-              <a:rPr lang="en-US" dirty="0">
-                <a:solidFill>
-                  <a:srgbClr val="FFFF00"/>
-                </a:solidFill>
-              </a:rPr>
-              <a:t>customers want/need simple, automated infrastructures</a:t>
-            </a:r>
-            <a:endParaRPr lang="en-US" dirty="0"/>
+              <a:t>This is not a class on REST APIs (what they are) – separate topic in a separate presentation</a:t>
+            </a:r>
           </a:p>
         </p:txBody>
       </p:sp>
@@ -1514,7 +1534,7 @@
     </p:spTree>
     <p:extLst>
       <p:ext uri="{BB962C8B-B14F-4D97-AF65-F5344CB8AC3E}">
-        <p14:creationId xmlns:p14="http://schemas.microsoft.com/office/powerpoint/2010/main" val="3043503657"/>
+        <p14:creationId xmlns:p14="http://schemas.microsoft.com/office/powerpoint/2010/main" val="872969698"/>
       </p:ext>
     </p:extLst>
   </p:cSld>
@@ -1590,6 +1610,301 @@
               <a:t>// TODO</a:t>
             </a:r>
           </a:p>
+          <a:p>
+            <a:pPr marL="171450" marR="0" lvl="0" indent="-171450" algn="l" defTabSz="914400" rtl="0" eaLnBrk="1" fontAlgn="auto" latinLnBrk="0" hangingPunct="1">
+              <a:lnSpc>
+                <a:spcPct val="100000"/>
+              </a:lnSpc>
+              <a:spcBef>
+                <a:spcPts val="0"/>
+              </a:spcBef>
+              <a:spcAft>
+                <a:spcPts val="0"/>
+              </a:spcAft>
+              <a:buClrTx/>
+              <a:buSzTx/>
+              <a:buFont typeface="Arial" panose="020B0604020202020204" pitchFamily="34" charset="0"/>
+              <a:buChar char="•"/>
+              <a:tabLst/>
+              <a:defRPr/>
+            </a:pPr>
+            <a:r>
+              <a:rPr lang="en-US" dirty="0"/>
+              <a:t>Most Cisco products use REST APIs</a:t>
+            </a:r>
+          </a:p>
+          <a:p>
+            <a:pPr marL="171450" marR="0" lvl="0" indent="-171450" algn="l" defTabSz="914400" rtl="0" eaLnBrk="1" fontAlgn="auto" latinLnBrk="0" hangingPunct="1">
+              <a:lnSpc>
+                <a:spcPct val="100000"/>
+              </a:lnSpc>
+              <a:spcBef>
+                <a:spcPts val="0"/>
+              </a:spcBef>
+              <a:spcAft>
+                <a:spcPts val="0"/>
+              </a:spcAft>
+              <a:buClrTx/>
+              <a:buSzTx/>
+              <a:buFont typeface="Arial" panose="020B0604020202020204" pitchFamily="34" charset="0"/>
+              <a:buChar char="•"/>
+              <a:tabLst/>
+              <a:defRPr/>
+            </a:pPr>
+            <a:r>
+              <a:rPr lang="en-US" dirty="0"/>
+              <a:t>Simpler than RPC, SOAP, etc.</a:t>
+            </a:r>
+          </a:p>
+          <a:p>
+            <a:pPr marL="628650" marR="0" lvl="1" indent="-171450" algn="l" defTabSz="914400" rtl="0" eaLnBrk="1" fontAlgn="auto" latinLnBrk="0" hangingPunct="1">
+              <a:lnSpc>
+                <a:spcPct val="100000"/>
+              </a:lnSpc>
+              <a:spcBef>
+                <a:spcPts val="0"/>
+              </a:spcBef>
+              <a:spcAft>
+                <a:spcPts val="0"/>
+              </a:spcAft>
+              <a:buClrTx/>
+              <a:buSzTx/>
+              <a:buFont typeface="Arial" panose="020B0604020202020204" pitchFamily="34" charset="0"/>
+              <a:buChar char="•"/>
+              <a:tabLst/>
+              <a:defRPr/>
+            </a:pPr>
+            <a:r>
+              <a:rPr lang="en-US" dirty="0"/>
+              <a:t>https://</a:t>
+            </a:r>
+            <a:r>
+              <a:rPr lang="en-US" dirty="0" err="1"/>
+              <a:t>www.linkedin.com</a:t>
+            </a:r>
+            <a:r>
+              <a:rPr lang="en-US" dirty="0"/>
+              <a:t>/pulse/why-rest-</a:t>
+            </a:r>
+            <a:r>
+              <a:rPr lang="en-US" dirty="0" err="1"/>
+              <a:t>api</a:t>
+            </a:r>
+            <a:r>
+              <a:rPr lang="en-US" dirty="0"/>
+              <a:t>-so-popular-</a:t>
+            </a:r>
+            <a:r>
+              <a:rPr lang="en-US" dirty="0" err="1"/>
+              <a:t>mangesh</a:t>
+            </a:r>
+            <a:r>
+              <a:rPr lang="en-US" dirty="0"/>
+              <a:t>-</a:t>
+            </a:r>
+            <a:r>
+              <a:rPr lang="en-US" dirty="0" err="1"/>
+              <a:t>bulkar</a:t>
+            </a:r>
+            <a:r>
+              <a:rPr lang="en-US" dirty="0"/>
+              <a:t>/</a:t>
+            </a:r>
+          </a:p>
+          <a:p>
+            <a:pPr marL="628650" marR="0" lvl="1" indent="-171450" algn="l" defTabSz="914400" rtl="0" eaLnBrk="1" fontAlgn="auto" latinLnBrk="0" hangingPunct="1">
+              <a:lnSpc>
+                <a:spcPct val="100000"/>
+              </a:lnSpc>
+              <a:spcBef>
+                <a:spcPts val="0"/>
+              </a:spcBef>
+              <a:spcAft>
+                <a:spcPts val="0"/>
+              </a:spcAft>
+              <a:buClrTx/>
+              <a:buSzTx/>
+              <a:buFont typeface="Arial" panose="020B0604020202020204" pitchFamily="34" charset="0"/>
+              <a:buChar char="•"/>
+              <a:tabLst/>
+              <a:defRPr/>
+            </a:pPr>
+            <a:r>
+              <a:rPr lang="en-US" dirty="0"/>
+              <a:t>Client/server architecture – Uses HTTP verbs (less ambiguity)</a:t>
+            </a:r>
+          </a:p>
+          <a:p>
+            <a:pPr marL="628650" marR="0" lvl="1" indent="-171450" algn="l" defTabSz="914400" rtl="0" eaLnBrk="1" fontAlgn="auto" latinLnBrk="0" hangingPunct="1">
+              <a:lnSpc>
+                <a:spcPct val="100000"/>
+              </a:lnSpc>
+              <a:spcBef>
+                <a:spcPts val="0"/>
+              </a:spcBef>
+              <a:spcAft>
+                <a:spcPts val="0"/>
+              </a:spcAft>
+              <a:buClrTx/>
+              <a:buSzTx/>
+              <a:buFont typeface="Arial" panose="020B0604020202020204" pitchFamily="34" charset="0"/>
+              <a:buChar char="•"/>
+              <a:tabLst/>
+              <a:defRPr/>
+            </a:pPr>
+            <a:r>
+              <a:rPr lang="en-US" dirty="0"/>
+              <a:t>Widely documented</a:t>
+            </a:r>
+          </a:p>
+          <a:p>
+            <a:pPr marL="171450" marR="0" lvl="0" indent="-171450" algn="l" defTabSz="914400" rtl="0" eaLnBrk="1" fontAlgn="auto" latinLnBrk="0" hangingPunct="1">
+              <a:lnSpc>
+                <a:spcPct val="100000"/>
+              </a:lnSpc>
+              <a:spcBef>
+                <a:spcPts val="0"/>
+              </a:spcBef>
+              <a:spcAft>
+                <a:spcPts val="0"/>
+              </a:spcAft>
+              <a:buClrTx/>
+              <a:buSzTx/>
+              <a:buFont typeface="Arial" panose="020B0604020202020204" pitchFamily="34" charset="0"/>
+              <a:buChar char="•"/>
+              <a:tabLst/>
+              <a:defRPr/>
+            </a:pPr>
+            <a:r>
+              <a:rPr lang="en-US" dirty="0"/>
+              <a:t>Portable between REST clients</a:t>
+            </a:r>
+          </a:p>
+          <a:p>
+            <a:pPr marL="628650" marR="0" lvl="1" indent="-171450" algn="l" defTabSz="914400" rtl="0" eaLnBrk="1" fontAlgn="auto" latinLnBrk="0" hangingPunct="1">
+              <a:lnSpc>
+                <a:spcPct val="100000"/>
+              </a:lnSpc>
+              <a:spcBef>
+                <a:spcPts val="0"/>
+              </a:spcBef>
+              <a:spcAft>
+                <a:spcPts val="0"/>
+              </a:spcAft>
+              <a:buClrTx/>
+              <a:buSzTx/>
+              <a:buFont typeface="Arial" panose="020B0604020202020204" pitchFamily="34" charset="0"/>
+              <a:buChar char="•"/>
+              <a:tabLst/>
+              <a:defRPr/>
+            </a:pPr>
+            <a:r>
+              <a:rPr lang="en-US" dirty="0" err="1"/>
+              <a:t>cURL</a:t>
+            </a:r>
+            <a:endParaRPr lang="en-US" dirty="0"/>
+          </a:p>
+          <a:p>
+            <a:pPr marL="628650" marR="0" lvl="1" indent="-171450" algn="l" defTabSz="914400" rtl="0" eaLnBrk="1" fontAlgn="auto" latinLnBrk="0" hangingPunct="1">
+              <a:lnSpc>
+                <a:spcPct val="100000"/>
+              </a:lnSpc>
+              <a:spcBef>
+                <a:spcPts val="0"/>
+              </a:spcBef>
+              <a:spcAft>
+                <a:spcPts val="0"/>
+              </a:spcAft>
+              <a:buClrTx/>
+              <a:buSzTx/>
+              <a:buFont typeface="Arial" panose="020B0604020202020204" pitchFamily="34" charset="0"/>
+              <a:buChar char="•"/>
+              <a:tabLst/>
+              <a:defRPr/>
+            </a:pPr>
+            <a:r>
+              <a:rPr lang="en-US" dirty="0"/>
+              <a:t>Python</a:t>
+            </a:r>
+          </a:p>
+          <a:p>
+            <a:pPr marL="628650" marR="0" lvl="1" indent="-171450" algn="l" defTabSz="914400" rtl="0" eaLnBrk="1" fontAlgn="auto" latinLnBrk="0" hangingPunct="1">
+              <a:lnSpc>
+                <a:spcPct val="100000"/>
+              </a:lnSpc>
+              <a:spcBef>
+                <a:spcPts val="0"/>
+              </a:spcBef>
+              <a:spcAft>
+                <a:spcPts val="0"/>
+              </a:spcAft>
+              <a:buClrTx/>
+              <a:buSzTx/>
+              <a:buFont typeface="Arial" panose="020B0604020202020204" pitchFamily="34" charset="0"/>
+              <a:buChar char="•"/>
+              <a:tabLst/>
+              <a:defRPr/>
+            </a:pPr>
+            <a:r>
+              <a:rPr lang="en-US" dirty="0"/>
+              <a:t>Postman</a:t>
+            </a:r>
+          </a:p>
+          <a:p>
+            <a:pPr marL="628650" marR="0" lvl="1" indent="-171450" algn="l" defTabSz="914400" rtl="0" eaLnBrk="1" fontAlgn="auto" latinLnBrk="0" hangingPunct="1">
+              <a:lnSpc>
+                <a:spcPct val="100000"/>
+              </a:lnSpc>
+              <a:spcBef>
+                <a:spcPts val="0"/>
+              </a:spcBef>
+              <a:spcAft>
+                <a:spcPts val="0"/>
+              </a:spcAft>
+              <a:buClrTx/>
+              <a:buSzTx/>
+              <a:buFont typeface="Arial" panose="020B0604020202020204" pitchFamily="34" charset="0"/>
+              <a:buChar char="•"/>
+              <a:tabLst/>
+              <a:defRPr/>
+            </a:pPr>
+            <a:r>
+              <a:rPr lang="en-US" dirty="0"/>
+              <a:t>Etc.</a:t>
+            </a:r>
+          </a:p>
+          <a:p>
+            <a:pPr marL="171450" marR="0" lvl="0" indent="-171450" algn="l" defTabSz="914400" rtl="0" eaLnBrk="1" fontAlgn="auto" latinLnBrk="0" hangingPunct="1">
+              <a:lnSpc>
+                <a:spcPct val="100000"/>
+              </a:lnSpc>
+              <a:spcBef>
+                <a:spcPts val="0"/>
+              </a:spcBef>
+              <a:spcAft>
+                <a:spcPts val="0"/>
+              </a:spcAft>
+              <a:buClrTx/>
+              <a:buSzTx/>
+              <a:buFont typeface="Arial" panose="020B0604020202020204" pitchFamily="34" charset="0"/>
+              <a:buChar char="•"/>
+              <a:tabLst/>
+              <a:defRPr/>
+            </a:pPr>
+            <a:r>
+              <a:rPr lang="en-US" dirty="0"/>
+              <a:t>Our </a:t>
+            </a:r>
+            <a:r>
+              <a:rPr lang="en-US" dirty="0">
+                <a:solidFill>
+                  <a:srgbClr val="FFFF00"/>
+                </a:solidFill>
+              </a:rPr>
+              <a:t>customers want/need simple, automated infrastructures</a:t>
+            </a:r>
+            <a:endParaRPr lang="en-US" dirty="0"/>
+          </a:p>
         </p:txBody>
       </p:sp>
       <p:sp>
@@ -1618,7 +1933,7 @@
     </p:spTree>
     <p:extLst>
       <p:ext uri="{BB962C8B-B14F-4D97-AF65-F5344CB8AC3E}">
-        <p14:creationId xmlns:p14="http://schemas.microsoft.com/office/powerpoint/2010/main" val="3139730376"/>
+        <p14:creationId xmlns:p14="http://schemas.microsoft.com/office/powerpoint/2010/main" val="3043503657"/>
       </p:ext>
     </p:extLst>
   </p:cSld>
@@ -1722,7 +2037,7 @@
     </p:spTree>
     <p:extLst>
       <p:ext uri="{BB962C8B-B14F-4D97-AF65-F5344CB8AC3E}">
-        <p14:creationId xmlns:p14="http://schemas.microsoft.com/office/powerpoint/2010/main" val="1449554835"/>
+        <p14:creationId xmlns:p14="http://schemas.microsoft.com/office/powerpoint/2010/main" val="3139730376"/>
       </p:ext>
     </p:extLst>
   </p:cSld>
@@ -1817,7 +2132,7 @@
           <a:p>
             <a:fld id="{020CF8D1-BA82-5045-ACF9-1AA42AD6A519}" type="slidenum">
               <a:rPr lang="en-US" smtClean="0"/>
-              <a:t>8</a:t>
+              <a:t>7</a:t>
             </a:fld>
             <a:endParaRPr lang="en-US"/>
           </a:p>
@@ -1826,7 +2141,7 @@
     </p:spTree>
     <p:extLst>
       <p:ext uri="{BB962C8B-B14F-4D97-AF65-F5344CB8AC3E}">
-        <p14:creationId xmlns:p14="http://schemas.microsoft.com/office/powerpoint/2010/main" val="778062090"/>
+        <p14:creationId xmlns:p14="http://schemas.microsoft.com/office/powerpoint/2010/main" val="1449554835"/>
       </p:ext>
     </p:extLst>
   </p:cSld>
@@ -1880,25 +2195,8 @@
           <a:bodyPr/>
           <a:lstStyle/>
           <a:p>
-            <a:pPr marL="0" marR="0" lvl="0" indent="0" algn="l" defTabSz="914400" rtl="0" eaLnBrk="1" fontAlgn="auto" latinLnBrk="0" hangingPunct="1">
-              <a:lnSpc>
-                <a:spcPct val="100000"/>
-              </a:lnSpc>
-              <a:spcBef>
-                <a:spcPts val="0"/>
-              </a:spcBef>
-              <a:spcAft>
-                <a:spcPts val="0"/>
-              </a:spcAft>
-              <a:buClrTx/>
-              <a:buSzTx/>
-              <a:buFontTx/>
-              <a:buNone/>
-              <a:tabLst/>
-              <a:defRPr/>
-            </a:pPr>
-            <a:r>
-              <a:rPr lang="en-US" dirty="0"/>
+            <a:r>
+              <a:rPr lang="en-US" b="0" i="0" dirty="0"/>
               <a:t>// TODO</a:t>
             </a:r>
           </a:p>
@@ -1930,7 +2228,7 @@
     </p:spTree>
     <p:extLst>
       <p:ext uri="{BB962C8B-B14F-4D97-AF65-F5344CB8AC3E}">
-        <p14:creationId xmlns:p14="http://schemas.microsoft.com/office/powerpoint/2010/main" val="520155400"/>
+        <p14:creationId xmlns:p14="http://schemas.microsoft.com/office/powerpoint/2010/main" val="2968376506"/>
       </p:ext>
     </p:extLst>
   </p:cSld>
@@ -1984,27 +2282,11 @@
           <a:bodyPr/>
           <a:lstStyle/>
           <a:p>
-            <a:pPr marL="0" marR="0" lvl="0" indent="0" algn="l" defTabSz="914400" rtl="0" eaLnBrk="1" fontAlgn="auto" latinLnBrk="0" hangingPunct="1">
-              <a:lnSpc>
-                <a:spcPct val="100000"/>
-              </a:lnSpc>
-              <a:spcBef>
-                <a:spcPts val="0"/>
-              </a:spcBef>
-              <a:spcAft>
-                <a:spcPts val="0"/>
-              </a:spcAft>
-              <a:buClrTx/>
-              <a:buSzTx/>
-              <a:buFontTx/>
-              <a:buNone/>
-              <a:tabLst/>
-              <a:defRPr/>
-            </a:pPr>
             <a:r>
               <a:rPr lang="en-US" dirty="0"/>
               <a:t>// TODO</a:t>
             </a:r>
+            <a:endParaRPr lang="en-US" b="0" i="0" u="none" dirty="0"/>
           </a:p>
         </p:txBody>
       </p:sp>
@@ -2025,7 +2307,7 @@
           <a:p>
             <a:fld id="{020CF8D1-BA82-5045-ACF9-1AA42AD6A519}" type="slidenum">
               <a:rPr lang="en-US" smtClean="0"/>
-              <a:t>12</a:t>
+              <a:t>10</a:t>
             </a:fld>
             <a:endParaRPr lang="en-US"/>
           </a:p>
@@ -2034,7 +2316,7 @@
     </p:spTree>
     <p:extLst>
       <p:ext uri="{BB962C8B-B14F-4D97-AF65-F5344CB8AC3E}">
-        <p14:creationId xmlns:p14="http://schemas.microsoft.com/office/powerpoint/2010/main" val="2058049328"/>
+        <p14:creationId xmlns:p14="http://schemas.microsoft.com/office/powerpoint/2010/main" val="2398170700"/>
       </p:ext>
     </p:extLst>
   </p:cSld>
@@ -5659,6 +5941,2123 @@
       </p:grpSpPr>
       <p:sp>
         <p:nvSpPr>
+          <p:cNvPr id="3" name="Content Placeholder 2">
+            <a:extLst>
+              <a:ext uri="{FF2B5EF4-FFF2-40B4-BE49-F238E27FC236}">
+                <a16:creationId xmlns:a16="http://schemas.microsoft.com/office/drawing/2014/main" id="{4CB23FD9-ADE0-084E-A8CC-44CA0BA25AB3}"/>
+              </a:ext>
+            </a:extLst>
+          </p:cNvPr>
+          <p:cNvSpPr>
+            <a:spLocks noGrp="1"/>
+          </p:cNvSpPr>
+          <p:nvPr>
+            <p:ph idx="1"/>
+          </p:nvPr>
+        </p:nvSpPr>
+        <p:spPr/>
+        <p:txBody>
+          <a:bodyPr>
+            <a:normAutofit fontScale="77500" lnSpcReduction="20000"/>
+          </a:bodyPr>
+          <a:lstStyle/>
+          <a:p>
+            <a:r>
+              <a:rPr lang="en-US" dirty="0"/>
+              <a:t>Several </a:t>
+            </a:r>
+            <a:r>
+              <a:rPr lang="en-US" dirty="0" err="1"/>
+              <a:t>cURL</a:t>
+            </a:r>
+            <a:r>
+              <a:rPr lang="en-US" dirty="0"/>
+              <a:t> command flags are common</a:t>
+            </a:r>
+          </a:p>
+          <a:p>
+            <a:pPr marL="457200" lvl="1" indent="0">
+              <a:buNone/>
+            </a:pPr>
+            <a:r>
+              <a:rPr lang="en-US" sz="2800" b="1" i="1" dirty="0">
+                <a:solidFill>
+                  <a:srgbClr val="FFFF00"/>
+                </a:solidFill>
+              </a:rPr>
+              <a:t>curl [FLAGS] </a:t>
+            </a:r>
+            <a:r>
+              <a:rPr lang="en-US" sz="2800" b="1" i="1" dirty="0" err="1">
+                <a:solidFill>
+                  <a:srgbClr val="FFFF00"/>
+                </a:solidFill>
+              </a:rPr>
+              <a:t>url</a:t>
+            </a:r>
+            <a:endParaRPr lang="en-US" sz="2800" dirty="0"/>
+          </a:p>
+          <a:p>
+            <a:pPr lvl="1"/>
+            <a:r>
+              <a:rPr lang="en-US" dirty="0">
+                <a:solidFill>
+                  <a:srgbClr val="FFFF00"/>
+                </a:solidFill>
+              </a:rPr>
+              <a:t>-X </a:t>
+            </a:r>
+            <a:r>
+              <a:rPr lang="en-US" dirty="0"/>
+              <a:t>– HTTP method (GET, POST, PUT, DELETE) – default is GET</a:t>
+            </a:r>
+          </a:p>
+          <a:p>
+            <a:pPr lvl="1"/>
+            <a:r>
+              <a:rPr lang="en-US" dirty="0">
+                <a:solidFill>
+                  <a:srgbClr val="FFFF00"/>
+                </a:solidFill>
+              </a:rPr>
+              <a:t>--</a:t>
+            </a:r>
+            <a:r>
+              <a:rPr lang="en-US" dirty="0" err="1">
+                <a:solidFill>
+                  <a:srgbClr val="FFFF00"/>
+                </a:solidFill>
+              </a:rPr>
+              <a:t>url</a:t>
+            </a:r>
+            <a:r>
+              <a:rPr lang="en-US" dirty="0">
+                <a:solidFill>
+                  <a:srgbClr val="FFFF00"/>
+                </a:solidFill>
+              </a:rPr>
+              <a:t> </a:t>
+            </a:r>
+            <a:r>
+              <a:rPr lang="en-US" dirty="0"/>
+              <a:t>– Request URL</a:t>
+            </a:r>
+          </a:p>
+          <a:p>
+            <a:pPr lvl="1"/>
+            <a:r>
+              <a:rPr lang="en-US" dirty="0">
+                <a:solidFill>
+                  <a:srgbClr val="FFFF00"/>
+                </a:solidFill>
+              </a:rPr>
+              <a:t>-H </a:t>
+            </a:r>
+            <a:r>
+              <a:rPr lang="en-US" dirty="0"/>
+              <a:t>– HTTP client header to send(key/value pairs, one per -H (multiple -H allowed)</a:t>
+            </a:r>
+          </a:p>
+          <a:p>
+            <a:pPr lvl="1"/>
+            <a:r>
+              <a:rPr lang="en-US" dirty="0">
+                <a:solidFill>
+                  <a:srgbClr val="FFFF00"/>
+                </a:solidFill>
+              </a:rPr>
+              <a:t>-d </a:t>
+            </a:r>
+            <a:r>
+              <a:rPr lang="en-US" dirty="0"/>
+              <a:t>or</a:t>
+            </a:r>
+            <a:r>
+              <a:rPr lang="en-US" dirty="0">
+                <a:solidFill>
+                  <a:srgbClr val="FFFF00"/>
+                </a:solidFill>
+              </a:rPr>
+              <a:t> --data </a:t>
+            </a:r>
+            <a:r>
+              <a:rPr lang="en-US" dirty="0"/>
+              <a:t>– HTTP PUT/POST (multiple -d/--data flags allowed)</a:t>
+            </a:r>
+          </a:p>
+          <a:p>
+            <a:pPr lvl="2"/>
+            <a:r>
+              <a:rPr lang="en-US" dirty="0"/>
+              <a:t>{"key1":"value1","key2":"value2"}</a:t>
+            </a:r>
+          </a:p>
+          <a:p>
+            <a:pPr lvl="2"/>
+            <a:r>
+              <a:rPr lang="en-US" dirty="0"/>
+              <a:t>content-type application/x-www-form-</a:t>
+            </a:r>
+            <a:r>
+              <a:rPr lang="en-US" dirty="0" err="1"/>
+              <a:t>urlencoded</a:t>
+            </a:r>
+            <a:r>
+              <a:rPr lang="en-US" dirty="0"/>
+              <a:t> or use --</a:t>
+            </a:r>
+            <a:r>
+              <a:rPr lang="en-US" dirty="0" err="1"/>
+              <a:t>dataraw</a:t>
+            </a:r>
+            <a:endParaRPr lang="en-US" dirty="0"/>
+          </a:p>
+          <a:p>
+            <a:pPr lvl="1"/>
+            <a:r>
+              <a:rPr lang="en-US" dirty="0">
+                <a:solidFill>
+                  <a:srgbClr val="FFFF00"/>
+                </a:solidFill>
+              </a:rPr>
+              <a:t>-</a:t>
+            </a:r>
+            <a:r>
+              <a:rPr lang="en-US" dirty="0" err="1">
+                <a:solidFill>
+                  <a:srgbClr val="FFFF00"/>
+                </a:solidFill>
+              </a:rPr>
+              <a:t>i</a:t>
+            </a:r>
+            <a:r>
+              <a:rPr lang="en-US" i="1" dirty="0">
+                <a:solidFill>
+                  <a:srgbClr val="FFFF00"/>
+                </a:solidFill>
+              </a:rPr>
+              <a:t> </a:t>
+            </a:r>
+            <a:r>
+              <a:rPr lang="en-US" dirty="0"/>
+              <a:t>– include server response headers in STDOUT</a:t>
+            </a:r>
+          </a:p>
+          <a:p>
+            <a:pPr lvl="1"/>
+            <a:r>
+              <a:rPr lang="en-US" dirty="0">
+                <a:solidFill>
+                  <a:srgbClr val="FFFF00"/>
+                </a:solidFill>
+              </a:rPr>
+              <a:t>-k </a:t>
+            </a:r>
+            <a:r>
+              <a:rPr lang="en-US" dirty="0"/>
+              <a:t>– allow self-signed certificates (insecure SSL)</a:t>
+            </a:r>
+          </a:p>
+          <a:p>
+            <a:pPr lvl="1"/>
+            <a:r>
+              <a:rPr lang="en-US" dirty="0">
+                <a:solidFill>
+                  <a:srgbClr val="FFFF00"/>
+                </a:solidFill>
+              </a:rPr>
+              <a:t>-L </a:t>
+            </a:r>
+            <a:r>
+              <a:rPr lang="en-US" dirty="0"/>
+              <a:t>– follow redirects (location)</a:t>
+            </a:r>
+          </a:p>
+          <a:p>
+            <a:pPr lvl="1"/>
+            <a:r>
+              <a:rPr lang="en-US" dirty="0">
+                <a:solidFill>
+                  <a:srgbClr val="FFFF00"/>
+                </a:solidFill>
+              </a:rPr>
+              <a:t>-v </a:t>
+            </a:r>
+            <a:r>
+              <a:rPr lang="en-US" dirty="0"/>
+              <a:t>– display detailed request and response information (verbose)</a:t>
+            </a:r>
+          </a:p>
+          <a:p>
+            <a:pPr lvl="1"/>
+            <a:r>
+              <a:rPr lang="en-US" dirty="0">
+                <a:solidFill>
+                  <a:srgbClr val="FFFF00"/>
+                </a:solidFill>
+              </a:rPr>
+              <a:t>-o </a:t>
+            </a:r>
+            <a:r>
+              <a:rPr lang="en-US" i="1" dirty="0" err="1">
+                <a:solidFill>
+                  <a:srgbClr val="FFFF00"/>
+                </a:solidFill>
+              </a:rPr>
+              <a:t>file_name</a:t>
+            </a:r>
+            <a:r>
+              <a:rPr lang="en-US" dirty="0">
+                <a:solidFill>
+                  <a:srgbClr val="FFFF00"/>
+                </a:solidFill>
+              </a:rPr>
+              <a:t> </a:t>
+            </a:r>
+            <a:r>
+              <a:rPr lang="en-US" dirty="0"/>
+              <a:t>– write response output to a file instead of STDOUT</a:t>
+            </a:r>
+          </a:p>
+          <a:p>
+            <a:pPr lvl="1"/>
+            <a:r>
+              <a:rPr lang="en-US" dirty="0">
+                <a:solidFill>
+                  <a:srgbClr val="FFFF00"/>
+                </a:solidFill>
+              </a:rPr>
+              <a:t>-I </a:t>
+            </a:r>
+            <a:r>
+              <a:rPr lang="en-US" dirty="0"/>
+              <a:t>or</a:t>
+            </a:r>
+            <a:r>
+              <a:rPr lang="en-US" dirty="0">
+                <a:solidFill>
+                  <a:srgbClr val="FFFF00"/>
+                </a:solidFill>
+              </a:rPr>
+              <a:t> --head</a:t>
+            </a:r>
+            <a:r>
+              <a:rPr lang="en-US" dirty="0"/>
+              <a:t> – display ONLY response headers in STDOU</a:t>
+            </a:r>
+          </a:p>
+          <a:p>
+            <a:pPr lvl="1"/>
+            <a:r>
+              <a:rPr lang="en-US" dirty="0">
+                <a:solidFill>
+                  <a:srgbClr val="FFFF00"/>
+                </a:solidFill>
+              </a:rPr>
+              <a:t>-u </a:t>
+            </a:r>
+            <a:r>
+              <a:rPr lang="en-US" dirty="0"/>
+              <a:t>or</a:t>
+            </a:r>
+            <a:r>
+              <a:rPr lang="en-US" dirty="0">
+                <a:solidFill>
+                  <a:srgbClr val="FFFF00"/>
+                </a:solidFill>
+              </a:rPr>
+              <a:t> --user</a:t>
+            </a:r>
+            <a:r>
+              <a:rPr lang="en-US" dirty="0"/>
+              <a:t> – credentials key/value pair</a:t>
+            </a:r>
+          </a:p>
+          <a:p>
+            <a:pPr lvl="1"/>
+            <a:r>
+              <a:rPr lang="en-US" dirty="0">
+                <a:solidFill>
+                  <a:srgbClr val="FFFF00"/>
+                </a:solidFill>
+              </a:rPr>
+              <a:t>--basic </a:t>
+            </a:r>
+            <a:r>
+              <a:rPr lang="en-US" dirty="0"/>
+              <a:t>– Use HTTP Basic Authentication</a:t>
+            </a:r>
+          </a:p>
+          <a:p>
+            <a:pPr marL="0" indent="0">
+              <a:buNone/>
+            </a:pPr>
+            <a:endParaRPr lang="en-US" dirty="0"/>
+          </a:p>
+        </p:txBody>
+      </p:sp>
+      <p:sp>
+        <p:nvSpPr>
+          <p:cNvPr id="2" name="Title 1">
+            <a:extLst>
+              <a:ext uri="{FF2B5EF4-FFF2-40B4-BE49-F238E27FC236}">
+                <a16:creationId xmlns:a16="http://schemas.microsoft.com/office/drawing/2014/main" id="{AC0D55DF-385E-9A4F-AB08-FEBC11990B8B}"/>
+              </a:ext>
+            </a:extLst>
+          </p:cNvPr>
+          <p:cNvSpPr>
+            <a:spLocks noGrp="1"/>
+          </p:cNvSpPr>
+          <p:nvPr>
+            <p:ph type="title"/>
+          </p:nvPr>
+        </p:nvSpPr>
+        <p:spPr/>
+        <p:txBody>
+          <a:bodyPr/>
+          <a:lstStyle/>
+          <a:p>
+            <a:r>
+              <a:rPr lang="en-US" dirty="0" err="1"/>
+              <a:t>cURL</a:t>
+            </a:r>
+            <a:r>
+              <a:rPr lang="en-US" dirty="0"/>
+              <a:t> Command Flags</a:t>
+            </a:r>
+          </a:p>
+        </p:txBody>
+      </p:sp>
+      <p:sp>
+        <p:nvSpPr>
+          <p:cNvPr id="4" name="Date Placeholder 3">
+            <a:extLst>
+              <a:ext uri="{FF2B5EF4-FFF2-40B4-BE49-F238E27FC236}">
+                <a16:creationId xmlns:a16="http://schemas.microsoft.com/office/drawing/2014/main" id="{6E8781CE-B8A7-7540-B619-28D099093D8B}"/>
+              </a:ext>
+            </a:extLst>
+          </p:cNvPr>
+          <p:cNvSpPr>
+            <a:spLocks noGrp="1"/>
+          </p:cNvSpPr>
+          <p:nvPr>
+            <p:ph type="dt" sz="half" idx="10"/>
+          </p:nvPr>
+        </p:nvSpPr>
+        <p:spPr/>
+        <p:txBody>
+          <a:bodyPr/>
+          <a:lstStyle/>
+          <a:p>
+            <a:r>
+              <a:rPr lang="en-US"/>
+              <a:t>World Wide Technology ©</a:t>
+            </a:r>
+            <a:endParaRPr lang="en-US" dirty="0"/>
+          </a:p>
+        </p:txBody>
+      </p:sp>
+      <p:sp>
+        <p:nvSpPr>
+          <p:cNvPr id="5" name="Slide Number Placeholder 4">
+            <a:extLst>
+              <a:ext uri="{FF2B5EF4-FFF2-40B4-BE49-F238E27FC236}">
+                <a16:creationId xmlns:a16="http://schemas.microsoft.com/office/drawing/2014/main" id="{222BEAA2-2326-1F4D-9BCE-0FC3EC23B201}"/>
+              </a:ext>
+            </a:extLst>
+          </p:cNvPr>
+          <p:cNvSpPr>
+            <a:spLocks noGrp="1"/>
+          </p:cNvSpPr>
+          <p:nvPr>
+            <p:ph type="sldNum" sz="quarter" idx="12"/>
+          </p:nvPr>
+        </p:nvSpPr>
+        <p:spPr/>
+        <p:txBody>
+          <a:bodyPr/>
+          <a:lstStyle/>
+          <a:p>
+            <a:fld id="{A44B02FA-DD2D-1844-AE35-8B2EAB0CF4EF}" type="slidenum">
+              <a:rPr lang="en-US" smtClean="0"/>
+              <a:pPr/>
+              <a:t>10</a:t>
+            </a:fld>
+            <a:endParaRPr lang="en-US" dirty="0"/>
+          </a:p>
+        </p:txBody>
+      </p:sp>
+    </p:spTree>
+    <p:extLst>
+      <p:ext uri="{BB962C8B-B14F-4D97-AF65-F5344CB8AC3E}">
+        <p14:creationId xmlns:p14="http://schemas.microsoft.com/office/powerpoint/2010/main" val="2168084640"/>
+      </p:ext>
+    </p:extLst>
+  </p:cSld>
+  <p:clrMapOvr>
+    <a:masterClrMapping/>
+  </p:clrMapOvr>
+  <mc:AlternateContent xmlns:mc="http://schemas.openxmlformats.org/markup-compatibility/2006" xmlns:p14="http://schemas.microsoft.com/office/powerpoint/2010/main">
+    <mc:Choice Requires="p14">
+      <p:transition spd="med" p14:dur="700">
+        <p:fade/>
+      </p:transition>
+    </mc:Choice>
+    <mc:Fallback xmlns="">
+      <p:transition spd="med">
+        <p:fade/>
+      </p:transition>
+    </mc:Fallback>
+  </mc:AlternateContent>
+  <p:timing>
+    <p:tnLst>
+      <p:par>
+        <p:cTn id="1" dur="indefinite" restart="never" nodeType="tmRoot">
+          <p:childTnLst>
+            <p:seq concurrent="1" nextAc="seek">
+              <p:cTn id="2" dur="indefinite" nodeType="mainSeq">
+                <p:childTnLst>
+                  <p:par>
+                    <p:cTn id="3" fill="hold">
+                      <p:stCondLst>
+                        <p:cond delay="indefinite"/>
+                      </p:stCondLst>
+                      <p:childTnLst>
+                        <p:par>
+                          <p:cTn id="4" fill="hold">
+                            <p:stCondLst>
+                              <p:cond delay="0"/>
+                            </p:stCondLst>
+                            <p:childTnLst>
+                              <p:par>
+                                <p:cTn id="5" presetID="9" presetClass="entr" presetSubtype="0" fill="hold" grpId="0" nodeType="clickEffect">
+                                  <p:stCondLst>
+                                    <p:cond delay="0"/>
+                                  </p:stCondLst>
+                                  <p:childTnLst>
+                                    <p:set>
+                                      <p:cBhvr>
+                                        <p:cTn id="6" dur="1" fill="hold">
+                                          <p:stCondLst>
+                                            <p:cond delay="0"/>
+                                          </p:stCondLst>
+                                        </p:cTn>
+                                        <p:tgtEl>
+                                          <p:spTgt spid="3">
+                                            <p:txEl>
+                                              <p:pRg st="0" end="0"/>
+                                            </p:txEl>
+                                          </p:spTgt>
+                                        </p:tgtEl>
+                                        <p:attrNameLst>
+                                          <p:attrName>style.visibility</p:attrName>
+                                        </p:attrNameLst>
+                                      </p:cBhvr>
+                                      <p:to>
+                                        <p:strVal val="visible"/>
+                                      </p:to>
+                                    </p:set>
+                                    <p:animEffect transition="in" filter="dissolve">
+                                      <p:cBhvr>
+                                        <p:cTn id="7" dur="500"/>
+                                        <p:tgtEl>
+                                          <p:spTgt spid="3">
+                                            <p:txEl>
+                                              <p:pRg st="0" end="0"/>
+                                            </p:txEl>
+                                          </p:spTgt>
+                                        </p:tgtEl>
+                                      </p:cBhvr>
+                                    </p:animEffect>
+                                  </p:childTnLst>
+                                </p:cTn>
+                              </p:par>
+                            </p:childTnLst>
+                          </p:cTn>
+                        </p:par>
+                      </p:childTnLst>
+                    </p:cTn>
+                  </p:par>
+                  <p:par>
+                    <p:cTn id="8" fill="hold">
+                      <p:stCondLst>
+                        <p:cond delay="indefinite"/>
+                      </p:stCondLst>
+                      <p:childTnLst>
+                        <p:par>
+                          <p:cTn id="9" fill="hold">
+                            <p:stCondLst>
+                              <p:cond delay="0"/>
+                            </p:stCondLst>
+                            <p:childTnLst>
+                              <p:par>
+                                <p:cTn id="10" presetID="9" presetClass="entr" presetSubtype="0" fill="hold" grpId="0" nodeType="clickEffect">
+                                  <p:stCondLst>
+                                    <p:cond delay="0"/>
+                                  </p:stCondLst>
+                                  <p:childTnLst>
+                                    <p:set>
+                                      <p:cBhvr>
+                                        <p:cTn id="11" dur="1" fill="hold">
+                                          <p:stCondLst>
+                                            <p:cond delay="0"/>
+                                          </p:stCondLst>
+                                        </p:cTn>
+                                        <p:tgtEl>
+                                          <p:spTgt spid="3">
+                                            <p:txEl>
+                                              <p:pRg st="1" end="1"/>
+                                            </p:txEl>
+                                          </p:spTgt>
+                                        </p:tgtEl>
+                                        <p:attrNameLst>
+                                          <p:attrName>style.visibility</p:attrName>
+                                        </p:attrNameLst>
+                                      </p:cBhvr>
+                                      <p:to>
+                                        <p:strVal val="visible"/>
+                                      </p:to>
+                                    </p:set>
+                                    <p:animEffect transition="in" filter="dissolve">
+                                      <p:cBhvr>
+                                        <p:cTn id="12" dur="500"/>
+                                        <p:tgtEl>
+                                          <p:spTgt spid="3">
+                                            <p:txEl>
+                                              <p:pRg st="1" end="1"/>
+                                            </p:txEl>
+                                          </p:spTgt>
+                                        </p:tgtEl>
+                                      </p:cBhvr>
+                                    </p:animEffect>
+                                  </p:childTnLst>
+                                </p:cTn>
+                              </p:par>
+                            </p:childTnLst>
+                          </p:cTn>
+                        </p:par>
+                      </p:childTnLst>
+                    </p:cTn>
+                  </p:par>
+                  <p:par>
+                    <p:cTn id="13" fill="hold">
+                      <p:stCondLst>
+                        <p:cond delay="indefinite"/>
+                      </p:stCondLst>
+                      <p:childTnLst>
+                        <p:par>
+                          <p:cTn id="14" fill="hold">
+                            <p:stCondLst>
+                              <p:cond delay="0"/>
+                            </p:stCondLst>
+                            <p:childTnLst>
+                              <p:par>
+                                <p:cTn id="15" presetID="9" presetClass="entr" presetSubtype="0" fill="hold" grpId="0" nodeType="clickEffect">
+                                  <p:stCondLst>
+                                    <p:cond delay="0"/>
+                                  </p:stCondLst>
+                                  <p:childTnLst>
+                                    <p:set>
+                                      <p:cBhvr>
+                                        <p:cTn id="16" dur="1" fill="hold">
+                                          <p:stCondLst>
+                                            <p:cond delay="0"/>
+                                          </p:stCondLst>
+                                        </p:cTn>
+                                        <p:tgtEl>
+                                          <p:spTgt spid="3">
+                                            <p:txEl>
+                                              <p:pRg st="2" end="2"/>
+                                            </p:txEl>
+                                          </p:spTgt>
+                                        </p:tgtEl>
+                                        <p:attrNameLst>
+                                          <p:attrName>style.visibility</p:attrName>
+                                        </p:attrNameLst>
+                                      </p:cBhvr>
+                                      <p:to>
+                                        <p:strVal val="visible"/>
+                                      </p:to>
+                                    </p:set>
+                                    <p:animEffect transition="in" filter="dissolve">
+                                      <p:cBhvr>
+                                        <p:cTn id="17" dur="500"/>
+                                        <p:tgtEl>
+                                          <p:spTgt spid="3">
+                                            <p:txEl>
+                                              <p:pRg st="2" end="2"/>
+                                            </p:txEl>
+                                          </p:spTgt>
+                                        </p:tgtEl>
+                                      </p:cBhvr>
+                                    </p:animEffect>
+                                  </p:childTnLst>
+                                </p:cTn>
+                              </p:par>
+                            </p:childTnLst>
+                          </p:cTn>
+                        </p:par>
+                      </p:childTnLst>
+                    </p:cTn>
+                  </p:par>
+                  <p:par>
+                    <p:cTn id="18" fill="hold">
+                      <p:stCondLst>
+                        <p:cond delay="indefinite"/>
+                      </p:stCondLst>
+                      <p:childTnLst>
+                        <p:par>
+                          <p:cTn id="19" fill="hold">
+                            <p:stCondLst>
+                              <p:cond delay="0"/>
+                            </p:stCondLst>
+                            <p:childTnLst>
+                              <p:par>
+                                <p:cTn id="20" presetID="9" presetClass="entr" presetSubtype="0" fill="hold" grpId="0" nodeType="clickEffect">
+                                  <p:stCondLst>
+                                    <p:cond delay="0"/>
+                                  </p:stCondLst>
+                                  <p:childTnLst>
+                                    <p:set>
+                                      <p:cBhvr>
+                                        <p:cTn id="21" dur="1" fill="hold">
+                                          <p:stCondLst>
+                                            <p:cond delay="0"/>
+                                          </p:stCondLst>
+                                        </p:cTn>
+                                        <p:tgtEl>
+                                          <p:spTgt spid="3">
+                                            <p:txEl>
+                                              <p:pRg st="3" end="3"/>
+                                            </p:txEl>
+                                          </p:spTgt>
+                                        </p:tgtEl>
+                                        <p:attrNameLst>
+                                          <p:attrName>style.visibility</p:attrName>
+                                        </p:attrNameLst>
+                                      </p:cBhvr>
+                                      <p:to>
+                                        <p:strVal val="visible"/>
+                                      </p:to>
+                                    </p:set>
+                                    <p:animEffect transition="in" filter="dissolve">
+                                      <p:cBhvr>
+                                        <p:cTn id="22" dur="500"/>
+                                        <p:tgtEl>
+                                          <p:spTgt spid="3">
+                                            <p:txEl>
+                                              <p:pRg st="3" end="3"/>
+                                            </p:txEl>
+                                          </p:spTgt>
+                                        </p:tgtEl>
+                                      </p:cBhvr>
+                                    </p:animEffect>
+                                  </p:childTnLst>
+                                </p:cTn>
+                              </p:par>
+                            </p:childTnLst>
+                          </p:cTn>
+                        </p:par>
+                      </p:childTnLst>
+                    </p:cTn>
+                  </p:par>
+                  <p:par>
+                    <p:cTn id="23" fill="hold">
+                      <p:stCondLst>
+                        <p:cond delay="indefinite"/>
+                      </p:stCondLst>
+                      <p:childTnLst>
+                        <p:par>
+                          <p:cTn id="24" fill="hold">
+                            <p:stCondLst>
+                              <p:cond delay="0"/>
+                            </p:stCondLst>
+                            <p:childTnLst>
+                              <p:par>
+                                <p:cTn id="25" presetID="9" presetClass="entr" presetSubtype="0" fill="hold" grpId="0" nodeType="clickEffect">
+                                  <p:stCondLst>
+                                    <p:cond delay="0"/>
+                                  </p:stCondLst>
+                                  <p:childTnLst>
+                                    <p:set>
+                                      <p:cBhvr>
+                                        <p:cTn id="26" dur="1" fill="hold">
+                                          <p:stCondLst>
+                                            <p:cond delay="0"/>
+                                          </p:stCondLst>
+                                        </p:cTn>
+                                        <p:tgtEl>
+                                          <p:spTgt spid="3">
+                                            <p:txEl>
+                                              <p:pRg st="4" end="4"/>
+                                            </p:txEl>
+                                          </p:spTgt>
+                                        </p:tgtEl>
+                                        <p:attrNameLst>
+                                          <p:attrName>style.visibility</p:attrName>
+                                        </p:attrNameLst>
+                                      </p:cBhvr>
+                                      <p:to>
+                                        <p:strVal val="visible"/>
+                                      </p:to>
+                                    </p:set>
+                                    <p:animEffect transition="in" filter="dissolve">
+                                      <p:cBhvr>
+                                        <p:cTn id="27" dur="500"/>
+                                        <p:tgtEl>
+                                          <p:spTgt spid="3">
+                                            <p:txEl>
+                                              <p:pRg st="4" end="4"/>
+                                            </p:txEl>
+                                          </p:spTgt>
+                                        </p:tgtEl>
+                                      </p:cBhvr>
+                                    </p:animEffect>
+                                  </p:childTnLst>
+                                </p:cTn>
+                              </p:par>
+                            </p:childTnLst>
+                          </p:cTn>
+                        </p:par>
+                      </p:childTnLst>
+                    </p:cTn>
+                  </p:par>
+                  <p:par>
+                    <p:cTn id="28" fill="hold">
+                      <p:stCondLst>
+                        <p:cond delay="indefinite"/>
+                      </p:stCondLst>
+                      <p:childTnLst>
+                        <p:par>
+                          <p:cTn id="29" fill="hold">
+                            <p:stCondLst>
+                              <p:cond delay="0"/>
+                            </p:stCondLst>
+                            <p:childTnLst>
+                              <p:par>
+                                <p:cTn id="30" presetID="9" presetClass="entr" presetSubtype="0" fill="hold" grpId="0" nodeType="clickEffect">
+                                  <p:stCondLst>
+                                    <p:cond delay="0"/>
+                                  </p:stCondLst>
+                                  <p:childTnLst>
+                                    <p:set>
+                                      <p:cBhvr>
+                                        <p:cTn id="31" dur="1" fill="hold">
+                                          <p:stCondLst>
+                                            <p:cond delay="0"/>
+                                          </p:stCondLst>
+                                        </p:cTn>
+                                        <p:tgtEl>
+                                          <p:spTgt spid="3">
+                                            <p:txEl>
+                                              <p:pRg st="5" end="5"/>
+                                            </p:txEl>
+                                          </p:spTgt>
+                                        </p:tgtEl>
+                                        <p:attrNameLst>
+                                          <p:attrName>style.visibility</p:attrName>
+                                        </p:attrNameLst>
+                                      </p:cBhvr>
+                                      <p:to>
+                                        <p:strVal val="visible"/>
+                                      </p:to>
+                                    </p:set>
+                                    <p:animEffect transition="in" filter="dissolve">
+                                      <p:cBhvr>
+                                        <p:cTn id="32" dur="500"/>
+                                        <p:tgtEl>
+                                          <p:spTgt spid="3">
+                                            <p:txEl>
+                                              <p:pRg st="5" end="5"/>
+                                            </p:txEl>
+                                          </p:spTgt>
+                                        </p:tgtEl>
+                                      </p:cBhvr>
+                                    </p:animEffect>
+                                  </p:childTnLst>
+                                </p:cTn>
+                              </p:par>
+                            </p:childTnLst>
+                          </p:cTn>
+                        </p:par>
+                      </p:childTnLst>
+                    </p:cTn>
+                  </p:par>
+                  <p:par>
+                    <p:cTn id="33" fill="hold">
+                      <p:stCondLst>
+                        <p:cond delay="indefinite"/>
+                      </p:stCondLst>
+                      <p:childTnLst>
+                        <p:par>
+                          <p:cTn id="34" fill="hold">
+                            <p:stCondLst>
+                              <p:cond delay="0"/>
+                            </p:stCondLst>
+                            <p:childTnLst>
+                              <p:par>
+                                <p:cTn id="35" presetID="9" presetClass="entr" presetSubtype="0" fill="hold" grpId="0" nodeType="clickEffect">
+                                  <p:stCondLst>
+                                    <p:cond delay="0"/>
+                                  </p:stCondLst>
+                                  <p:childTnLst>
+                                    <p:set>
+                                      <p:cBhvr>
+                                        <p:cTn id="36" dur="1" fill="hold">
+                                          <p:stCondLst>
+                                            <p:cond delay="0"/>
+                                          </p:stCondLst>
+                                        </p:cTn>
+                                        <p:tgtEl>
+                                          <p:spTgt spid="3">
+                                            <p:txEl>
+                                              <p:pRg st="6" end="6"/>
+                                            </p:txEl>
+                                          </p:spTgt>
+                                        </p:tgtEl>
+                                        <p:attrNameLst>
+                                          <p:attrName>style.visibility</p:attrName>
+                                        </p:attrNameLst>
+                                      </p:cBhvr>
+                                      <p:to>
+                                        <p:strVal val="visible"/>
+                                      </p:to>
+                                    </p:set>
+                                    <p:animEffect transition="in" filter="dissolve">
+                                      <p:cBhvr>
+                                        <p:cTn id="37" dur="500"/>
+                                        <p:tgtEl>
+                                          <p:spTgt spid="3">
+                                            <p:txEl>
+                                              <p:pRg st="6" end="6"/>
+                                            </p:txEl>
+                                          </p:spTgt>
+                                        </p:tgtEl>
+                                      </p:cBhvr>
+                                    </p:animEffect>
+                                  </p:childTnLst>
+                                </p:cTn>
+                              </p:par>
+                              <p:par>
+                                <p:cTn id="38" presetID="9" presetClass="entr" presetSubtype="0" fill="hold" grpId="0" nodeType="withEffect">
+                                  <p:stCondLst>
+                                    <p:cond delay="0"/>
+                                  </p:stCondLst>
+                                  <p:childTnLst>
+                                    <p:set>
+                                      <p:cBhvr>
+                                        <p:cTn id="39" dur="1" fill="hold">
+                                          <p:stCondLst>
+                                            <p:cond delay="0"/>
+                                          </p:stCondLst>
+                                        </p:cTn>
+                                        <p:tgtEl>
+                                          <p:spTgt spid="3">
+                                            <p:txEl>
+                                              <p:pRg st="7" end="7"/>
+                                            </p:txEl>
+                                          </p:spTgt>
+                                        </p:tgtEl>
+                                        <p:attrNameLst>
+                                          <p:attrName>style.visibility</p:attrName>
+                                        </p:attrNameLst>
+                                      </p:cBhvr>
+                                      <p:to>
+                                        <p:strVal val="visible"/>
+                                      </p:to>
+                                    </p:set>
+                                    <p:animEffect transition="in" filter="dissolve">
+                                      <p:cBhvr>
+                                        <p:cTn id="40" dur="500"/>
+                                        <p:tgtEl>
+                                          <p:spTgt spid="3">
+                                            <p:txEl>
+                                              <p:pRg st="7" end="7"/>
+                                            </p:txEl>
+                                          </p:spTgt>
+                                        </p:tgtEl>
+                                      </p:cBhvr>
+                                    </p:animEffect>
+                                  </p:childTnLst>
+                                </p:cTn>
+                              </p:par>
+                            </p:childTnLst>
+                          </p:cTn>
+                        </p:par>
+                      </p:childTnLst>
+                    </p:cTn>
+                  </p:par>
+                  <p:par>
+                    <p:cTn id="41" fill="hold">
+                      <p:stCondLst>
+                        <p:cond delay="indefinite"/>
+                      </p:stCondLst>
+                      <p:childTnLst>
+                        <p:par>
+                          <p:cTn id="42" fill="hold">
+                            <p:stCondLst>
+                              <p:cond delay="0"/>
+                            </p:stCondLst>
+                            <p:childTnLst>
+                              <p:par>
+                                <p:cTn id="43" presetID="9" presetClass="entr" presetSubtype="0" fill="hold" grpId="0" nodeType="clickEffect">
+                                  <p:stCondLst>
+                                    <p:cond delay="0"/>
+                                  </p:stCondLst>
+                                  <p:childTnLst>
+                                    <p:set>
+                                      <p:cBhvr>
+                                        <p:cTn id="44" dur="1" fill="hold">
+                                          <p:stCondLst>
+                                            <p:cond delay="0"/>
+                                          </p:stCondLst>
+                                        </p:cTn>
+                                        <p:tgtEl>
+                                          <p:spTgt spid="3">
+                                            <p:txEl>
+                                              <p:pRg st="8" end="8"/>
+                                            </p:txEl>
+                                          </p:spTgt>
+                                        </p:tgtEl>
+                                        <p:attrNameLst>
+                                          <p:attrName>style.visibility</p:attrName>
+                                        </p:attrNameLst>
+                                      </p:cBhvr>
+                                      <p:to>
+                                        <p:strVal val="visible"/>
+                                      </p:to>
+                                    </p:set>
+                                    <p:animEffect transition="in" filter="dissolve">
+                                      <p:cBhvr>
+                                        <p:cTn id="45" dur="500"/>
+                                        <p:tgtEl>
+                                          <p:spTgt spid="3">
+                                            <p:txEl>
+                                              <p:pRg st="8" end="8"/>
+                                            </p:txEl>
+                                          </p:spTgt>
+                                        </p:tgtEl>
+                                      </p:cBhvr>
+                                    </p:animEffect>
+                                  </p:childTnLst>
+                                </p:cTn>
+                              </p:par>
+                            </p:childTnLst>
+                          </p:cTn>
+                        </p:par>
+                      </p:childTnLst>
+                    </p:cTn>
+                  </p:par>
+                  <p:par>
+                    <p:cTn id="46" fill="hold">
+                      <p:stCondLst>
+                        <p:cond delay="indefinite"/>
+                      </p:stCondLst>
+                      <p:childTnLst>
+                        <p:par>
+                          <p:cTn id="47" fill="hold">
+                            <p:stCondLst>
+                              <p:cond delay="0"/>
+                            </p:stCondLst>
+                            <p:childTnLst>
+                              <p:par>
+                                <p:cTn id="48" presetID="9" presetClass="entr" presetSubtype="0" fill="hold" grpId="0" nodeType="clickEffect">
+                                  <p:stCondLst>
+                                    <p:cond delay="0"/>
+                                  </p:stCondLst>
+                                  <p:childTnLst>
+                                    <p:set>
+                                      <p:cBhvr>
+                                        <p:cTn id="49" dur="1" fill="hold">
+                                          <p:stCondLst>
+                                            <p:cond delay="0"/>
+                                          </p:stCondLst>
+                                        </p:cTn>
+                                        <p:tgtEl>
+                                          <p:spTgt spid="3">
+                                            <p:txEl>
+                                              <p:pRg st="9" end="9"/>
+                                            </p:txEl>
+                                          </p:spTgt>
+                                        </p:tgtEl>
+                                        <p:attrNameLst>
+                                          <p:attrName>style.visibility</p:attrName>
+                                        </p:attrNameLst>
+                                      </p:cBhvr>
+                                      <p:to>
+                                        <p:strVal val="visible"/>
+                                      </p:to>
+                                    </p:set>
+                                    <p:animEffect transition="in" filter="dissolve">
+                                      <p:cBhvr>
+                                        <p:cTn id="50" dur="500"/>
+                                        <p:tgtEl>
+                                          <p:spTgt spid="3">
+                                            <p:txEl>
+                                              <p:pRg st="9" end="9"/>
+                                            </p:txEl>
+                                          </p:spTgt>
+                                        </p:tgtEl>
+                                      </p:cBhvr>
+                                    </p:animEffect>
+                                  </p:childTnLst>
+                                </p:cTn>
+                              </p:par>
+                            </p:childTnLst>
+                          </p:cTn>
+                        </p:par>
+                      </p:childTnLst>
+                    </p:cTn>
+                  </p:par>
+                  <p:par>
+                    <p:cTn id="51" fill="hold">
+                      <p:stCondLst>
+                        <p:cond delay="indefinite"/>
+                      </p:stCondLst>
+                      <p:childTnLst>
+                        <p:par>
+                          <p:cTn id="52" fill="hold">
+                            <p:stCondLst>
+                              <p:cond delay="0"/>
+                            </p:stCondLst>
+                            <p:childTnLst>
+                              <p:par>
+                                <p:cTn id="53" presetID="9" presetClass="entr" presetSubtype="0" fill="hold" grpId="0" nodeType="clickEffect">
+                                  <p:stCondLst>
+                                    <p:cond delay="0"/>
+                                  </p:stCondLst>
+                                  <p:childTnLst>
+                                    <p:set>
+                                      <p:cBhvr>
+                                        <p:cTn id="54" dur="1" fill="hold">
+                                          <p:stCondLst>
+                                            <p:cond delay="0"/>
+                                          </p:stCondLst>
+                                        </p:cTn>
+                                        <p:tgtEl>
+                                          <p:spTgt spid="3">
+                                            <p:txEl>
+                                              <p:pRg st="10" end="10"/>
+                                            </p:txEl>
+                                          </p:spTgt>
+                                        </p:tgtEl>
+                                        <p:attrNameLst>
+                                          <p:attrName>style.visibility</p:attrName>
+                                        </p:attrNameLst>
+                                      </p:cBhvr>
+                                      <p:to>
+                                        <p:strVal val="visible"/>
+                                      </p:to>
+                                    </p:set>
+                                    <p:animEffect transition="in" filter="dissolve">
+                                      <p:cBhvr>
+                                        <p:cTn id="55" dur="500"/>
+                                        <p:tgtEl>
+                                          <p:spTgt spid="3">
+                                            <p:txEl>
+                                              <p:pRg st="10" end="10"/>
+                                            </p:txEl>
+                                          </p:spTgt>
+                                        </p:tgtEl>
+                                      </p:cBhvr>
+                                    </p:animEffect>
+                                  </p:childTnLst>
+                                </p:cTn>
+                              </p:par>
+                            </p:childTnLst>
+                          </p:cTn>
+                        </p:par>
+                      </p:childTnLst>
+                    </p:cTn>
+                  </p:par>
+                  <p:par>
+                    <p:cTn id="56" fill="hold">
+                      <p:stCondLst>
+                        <p:cond delay="indefinite"/>
+                      </p:stCondLst>
+                      <p:childTnLst>
+                        <p:par>
+                          <p:cTn id="57" fill="hold">
+                            <p:stCondLst>
+                              <p:cond delay="0"/>
+                            </p:stCondLst>
+                            <p:childTnLst>
+                              <p:par>
+                                <p:cTn id="58" presetID="9" presetClass="entr" presetSubtype="0" fill="hold" grpId="0" nodeType="clickEffect">
+                                  <p:stCondLst>
+                                    <p:cond delay="0"/>
+                                  </p:stCondLst>
+                                  <p:childTnLst>
+                                    <p:set>
+                                      <p:cBhvr>
+                                        <p:cTn id="59" dur="1" fill="hold">
+                                          <p:stCondLst>
+                                            <p:cond delay="0"/>
+                                          </p:stCondLst>
+                                        </p:cTn>
+                                        <p:tgtEl>
+                                          <p:spTgt spid="3">
+                                            <p:txEl>
+                                              <p:pRg st="11" end="11"/>
+                                            </p:txEl>
+                                          </p:spTgt>
+                                        </p:tgtEl>
+                                        <p:attrNameLst>
+                                          <p:attrName>style.visibility</p:attrName>
+                                        </p:attrNameLst>
+                                      </p:cBhvr>
+                                      <p:to>
+                                        <p:strVal val="visible"/>
+                                      </p:to>
+                                    </p:set>
+                                    <p:animEffect transition="in" filter="dissolve">
+                                      <p:cBhvr>
+                                        <p:cTn id="60" dur="500"/>
+                                        <p:tgtEl>
+                                          <p:spTgt spid="3">
+                                            <p:txEl>
+                                              <p:pRg st="11" end="11"/>
+                                            </p:txEl>
+                                          </p:spTgt>
+                                        </p:tgtEl>
+                                      </p:cBhvr>
+                                    </p:animEffect>
+                                  </p:childTnLst>
+                                </p:cTn>
+                              </p:par>
+                            </p:childTnLst>
+                          </p:cTn>
+                        </p:par>
+                      </p:childTnLst>
+                    </p:cTn>
+                  </p:par>
+                  <p:par>
+                    <p:cTn id="61" fill="hold">
+                      <p:stCondLst>
+                        <p:cond delay="indefinite"/>
+                      </p:stCondLst>
+                      <p:childTnLst>
+                        <p:par>
+                          <p:cTn id="62" fill="hold">
+                            <p:stCondLst>
+                              <p:cond delay="0"/>
+                            </p:stCondLst>
+                            <p:childTnLst>
+                              <p:par>
+                                <p:cTn id="63" presetID="9" presetClass="entr" presetSubtype="0" fill="hold" grpId="0" nodeType="clickEffect">
+                                  <p:stCondLst>
+                                    <p:cond delay="0"/>
+                                  </p:stCondLst>
+                                  <p:childTnLst>
+                                    <p:set>
+                                      <p:cBhvr>
+                                        <p:cTn id="64" dur="1" fill="hold">
+                                          <p:stCondLst>
+                                            <p:cond delay="0"/>
+                                          </p:stCondLst>
+                                        </p:cTn>
+                                        <p:tgtEl>
+                                          <p:spTgt spid="3">
+                                            <p:txEl>
+                                              <p:pRg st="12" end="12"/>
+                                            </p:txEl>
+                                          </p:spTgt>
+                                        </p:tgtEl>
+                                        <p:attrNameLst>
+                                          <p:attrName>style.visibility</p:attrName>
+                                        </p:attrNameLst>
+                                      </p:cBhvr>
+                                      <p:to>
+                                        <p:strVal val="visible"/>
+                                      </p:to>
+                                    </p:set>
+                                    <p:animEffect transition="in" filter="dissolve">
+                                      <p:cBhvr>
+                                        <p:cTn id="65" dur="500"/>
+                                        <p:tgtEl>
+                                          <p:spTgt spid="3">
+                                            <p:txEl>
+                                              <p:pRg st="12" end="12"/>
+                                            </p:txEl>
+                                          </p:spTgt>
+                                        </p:tgtEl>
+                                      </p:cBhvr>
+                                    </p:animEffect>
+                                  </p:childTnLst>
+                                </p:cTn>
+                              </p:par>
+                            </p:childTnLst>
+                          </p:cTn>
+                        </p:par>
+                      </p:childTnLst>
+                    </p:cTn>
+                  </p:par>
+                  <p:par>
+                    <p:cTn id="66" fill="hold">
+                      <p:stCondLst>
+                        <p:cond delay="indefinite"/>
+                      </p:stCondLst>
+                      <p:childTnLst>
+                        <p:par>
+                          <p:cTn id="67" fill="hold">
+                            <p:stCondLst>
+                              <p:cond delay="0"/>
+                            </p:stCondLst>
+                            <p:childTnLst>
+                              <p:par>
+                                <p:cTn id="68" presetID="9" presetClass="entr" presetSubtype="0" fill="hold" grpId="0" nodeType="clickEffect">
+                                  <p:stCondLst>
+                                    <p:cond delay="0"/>
+                                  </p:stCondLst>
+                                  <p:childTnLst>
+                                    <p:set>
+                                      <p:cBhvr>
+                                        <p:cTn id="69" dur="1" fill="hold">
+                                          <p:stCondLst>
+                                            <p:cond delay="0"/>
+                                          </p:stCondLst>
+                                        </p:cTn>
+                                        <p:tgtEl>
+                                          <p:spTgt spid="3">
+                                            <p:txEl>
+                                              <p:pRg st="13" end="13"/>
+                                            </p:txEl>
+                                          </p:spTgt>
+                                        </p:tgtEl>
+                                        <p:attrNameLst>
+                                          <p:attrName>style.visibility</p:attrName>
+                                        </p:attrNameLst>
+                                      </p:cBhvr>
+                                      <p:to>
+                                        <p:strVal val="visible"/>
+                                      </p:to>
+                                    </p:set>
+                                    <p:animEffect transition="in" filter="dissolve">
+                                      <p:cBhvr>
+                                        <p:cTn id="70" dur="500"/>
+                                        <p:tgtEl>
+                                          <p:spTgt spid="3">
+                                            <p:txEl>
+                                              <p:pRg st="13" end="13"/>
+                                            </p:txEl>
+                                          </p:spTgt>
+                                        </p:tgtEl>
+                                      </p:cBhvr>
+                                    </p:animEffect>
+                                  </p:childTnLst>
+                                </p:cTn>
+                              </p:par>
+                            </p:childTnLst>
+                          </p:cTn>
+                        </p:par>
+                      </p:childTnLst>
+                    </p:cTn>
+                  </p:par>
+                  <p:par>
+                    <p:cTn id="71" fill="hold">
+                      <p:stCondLst>
+                        <p:cond delay="indefinite"/>
+                      </p:stCondLst>
+                      <p:childTnLst>
+                        <p:par>
+                          <p:cTn id="72" fill="hold">
+                            <p:stCondLst>
+                              <p:cond delay="0"/>
+                            </p:stCondLst>
+                            <p:childTnLst>
+                              <p:par>
+                                <p:cTn id="73" presetID="9" presetClass="entr" presetSubtype="0" fill="hold" grpId="0" nodeType="clickEffect">
+                                  <p:stCondLst>
+                                    <p:cond delay="0"/>
+                                  </p:stCondLst>
+                                  <p:childTnLst>
+                                    <p:set>
+                                      <p:cBhvr>
+                                        <p:cTn id="74" dur="1" fill="hold">
+                                          <p:stCondLst>
+                                            <p:cond delay="0"/>
+                                          </p:stCondLst>
+                                        </p:cTn>
+                                        <p:tgtEl>
+                                          <p:spTgt spid="3">
+                                            <p:txEl>
+                                              <p:pRg st="14" end="14"/>
+                                            </p:txEl>
+                                          </p:spTgt>
+                                        </p:tgtEl>
+                                        <p:attrNameLst>
+                                          <p:attrName>style.visibility</p:attrName>
+                                        </p:attrNameLst>
+                                      </p:cBhvr>
+                                      <p:to>
+                                        <p:strVal val="visible"/>
+                                      </p:to>
+                                    </p:set>
+                                    <p:animEffect transition="in" filter="dissolve">
+                                      <p:cBhvr>
+                                        <p:cTn id="75" dur="500"/>
+                                        <p:tgtEl>
+                                          <p:spTgt spid="3">
+                                            <p:txEl>
+                                              <p:pRg st="14" end="14"/>
+                                            </p:txEl>
+                                          </p:spTgt>
+                                        </p:tgtEl>
+                                      </p:cBhvr>
+                                    </p:animEffect>
+                                  </p:childTnLst>
+                                </p:cTn>
+                              </p:par>
+                            </p:childTnLst>
+                          </p:cTn>
+                        </p:par>
+                      </p:childTnLst>
+                    </p:cTn>
+                  </p:par>
+                  <p:par>
+                    <p:cTn id="76" fill="hold">
+                      <p:stCondLst>
+                        <p:cond delay="indefinite"/>
+                      </p:stCondLst>
+                      <p:childTnLst>
+                        <p:par>
+                          <p:cTn id="77" fill="hold">
+                            <p:stCondLst>
+                              <p:cond delay="0"/>
+                            </p:stCondLst>
+                            <p:childTnLst>
+                              <p:par>
+                                <p:cTn id="78" presetID="9" presetClass="entr" presetSubtype="0" fill="hold" grpId="0" nodeType="clickEffect">
+                                  <p:stCondLst>
+                                    <p:cond delay="0"/>
+                                  </p:stCondLst>
+                                  <p:childTnLst>
+                                    <p:set>
+                                      <p:cBhvr>
+                                        <p:cTn id="79" dur="1" fill="hold">
+                                          <p:stCondLst>
+                                            <p:cond delay="0"/>
+                                          </p:stCondLst>
+                                        </p:cTn>
+                                        <p:tgtEl>
+                                          <p:spTgt spid="3">
+                                            <p:txEl>
+                                              <p:pRg st="15" end="15"/>
+                                            </p:txEl>
+                                          </p:spTgt>
+                                        </p:tgtEl>
+                                        <p:attrNameLst>
+                                          <p:attrName>style.visibility</p:attrName>
+                                        </p:attrNameLst>
+                                      </p:cBhvr>
+                                      <p:to>
+                                        <p:strVal val="visible"/>
+                                      </p:to>
+                                    </p:set>
+                                    <p:animEffect transition="in" filter="dissolve">
+                                      <p:cBhvr>
+                                        <p:cTn id="80" dur="500"/>
+                                        <p:tgtEl>
+                                          <p:spTgt spid="3">
+                                            <p:txEl>
+                                              <p:pRg st="15" end="15"/>
+                                            </p:txEl>
+                                          </p:spTgt>
+                                        </p:tgtEl>
+                                      </p:cBhvr>
+                                    </p:animEffect>
+                                  </p:childTnLst>
+                                </p:cTn>
+                              </p:par>
+                            </p:childTnLst>
+                          </p:cTn>
+                        </p:par>
+                      </p:childTnLst>
+                    </p:cTn>
+                  </p:par>
+                </p:childTnLst>
+              </p:cTn>
+              <p:prevCondLst>
+                <p:cond evt="onPrev" delay="0">
+                  <p:tgtEl>
+                    <p:sldTgt/>
+                  </p:tgtEl>
+                </p:cond>
+              </p:prevCondLst>
+              <p:nextCondLst>
+                <p:cond evt="onNext" delay="0">
+                  <p:tgtEl>
+                    <p:sldTgt/>
+                  </p:tgtEl>
+                </p:cond>
+              </p:nextCondLst>
+            </p:seq>
+          </p:childTnLst>
+        </p:cTn>
+      </p:par>
+    </p:tnLst>
+    <p:bldLst>
+      <p:bldP spid="3" grpId="0" build="p" bldLvl="2"/>
+    </p:bldLst>
+  </p:timing>
+</p:sld>
+</file>
+
+<file path=ppt/slides/slide11.xml><?xml version="1.0" encoding="utf-8"?>
+<p:sld xmlns:a="http://schemas.openxmlformats.org/drawingml/2006/main" xmlns:r="http://schemas.openxmlformats.org/officeDocument/2006/relationships" xmlns:p="http://schemas.openxmlformats.org/presentationml/2006/main">
+  <p:cSld>
+    <p:spTree>
+      <p:nvGrpSpPr>
+        <p:cNvPr id="1" name=""/>
+        <p:cNvGrpSpPr/>
+        <p:nvPr/>
+      </p:nvGrpSpPr>
+      <p:grpSpPr>
+        <a:xfrm>
+          <a:off x="0" y="0"/>
+          <a:ext cx="0" cy="0"/>
+          <a:chOff x="0" y="0"/>
+          <a:chExt cx="0" cy="0"/>
+        </a:xfrm>
+      </p:grpSpPr>
+      <p:sp>
+        <p:nvSpPr>
+          <p:cNvPr id="2" name="Title 1">
+            <a:extLst>
+              <a:ext uri="{FF2B5EF4-FFF2-40B4-BE49-F238E27FC236}">
+                <a16:creationId xmlns:a16="http://schemas.microsoft.com/office/drawing/2014/main" id="{9D8D6E4C-FC36-3E4C-9387-96DD20072D9D}"/>
+              </a:ext>
+            </a:extLst>
+          </p:cNvPr>
+          <p:cNvSpPr>
+            <a:spLocks noGrp="1"/>
+          </p:cNvSpPr>
+          <p:nvPr>
+            <p:ph type="ctrTitle"/>
+          </p:nvPr>
+        </p:nvSpPr>
+        <p:spPr>
+          <a:xfrm>
+            <a:off x="1524000" y="914013"/>
+            <a:ext cx="9144000" cy="2387600"/>
+          </a:xfrm>
+        </p:spPr>
+        <p:txBody>
+          <a:bodyPr/>
+          <a:lstStyle/>
+          <a:p>
+            <a:r>
+              <a:rPr lang="en-US" dirty="0"/>
+              <a:t>Part III</a:t>
+            </a:r>
+          </a:p>
+        </p:txBody>
+      </p:sp>
+      <p:sp>
+        <p:nvSpPr>
+          <p:cNvPr id="3" name="Subtitle 2">
+            <a:extLst>
+              <a:ext uri="{FF2B5EF4-FFF2-40B4-BE49-F238E27FC236}">
+                <a16:creationId xmlns:a16="http://schemas.microsoft.com/office/drawing/2014/main" id="{0451A0DE-9D64-5A48-94B5-5B4E42709819}"/>
+              </a:ext>
+            </a:extLst>
+          </p:cNvPr>
+          <p:cNvSpPr>
+            <a:spLocks noGrp="1"/>
+          </p:cNvSpPr>
+          <p:nvPr>
+            <p:ph type="subTitle" idx="1"/>
+          </p:nvPr>
+        </p:nvSpPr>
+        <p:spPr>
+          <a:xfrm>
+            <a:off x="1524000" y="3393688"/>
+            <a:ext cx="9144000" cy="1655762"/>
+          </a:xfrm>
+        </p:spPr>
+        <p:txBody>
+          <a:bodyPr/>
+          <a:lstStyle/>
+          <a:p>
+            <a:r>
+              <a:rPr lang="en-US" dirty="0"/>
+              <a:t>REST API Calls With Python Requests</a:t>
+            </a:r>
+          </a:p>
+        </p:txBody>
+      </p:sp>
+    </p:spTree>
+    <p:extLst>
+      <p:ext uri="{BB962C8B-B14F-4D97-AF65-F5344CB8AC3E}">
+        <p14:creationId xmlns:p14="http://schemas.microsoft.com/office/powerpoint/2010/main" val="2611764585"/>
+      </p:ext>
+    </p:extLst>
+  </p:cSld>
+  <p:clrMapOvr>
+    <a:masterClrMapping/>
+  </p:clrMapOvr>
+  <mc:AlternateContent xmlns:mc="http://schemas.openxmlformats.org/markup-compatibility/2006" xmlns:p14="http://schemas.microsoft.com/office/powerpoint/2010/main">
+    <mc:Choice Requires="p14">
+      <p:transition spd="med" p14:dur="700">
+        <p:fade/>
+      </p:transition>
+    </mc:Choice>
+    <mc:Fallback xmlns="">
+      <p:transition spd="med">
+        <p:fade/>
+      </p:transition>
+    </mc:Fallback>
+  </mc:AlternateContent>
+</p:sld>
+</file>
+
+<file path=ppt/slides/slide12.xml><?xml version="1.0" encoding="utf-8"?>
+<p:sld xmlns:a="http://schemas.openxmlformats.org/drawingml/2006/main" xmlns:r="http://schemas.openxmlformats.org/officeDocument/2006/relationships" xmlns:p="http://schemas.openxmlformats.org/presentationml/2006/main">
+  <p:cSld>
+    <p:spTree>
+      <p:nvGrpSpPr>
+        <p:cNvPr id="1" name=""/>
+        <p:cNvGrpSpPr/>
+        <p:nvPr/>
+      </p:nvGrpSpPr>
+      <p:grpSpPr>
+        <a:xfrm>
+          <a:off x="0" y="0"/>
+          <a:ext cx="0" cy="0"/>
+          <a:chOff x="0" y="0"/>
+          <a:chExt cx="0" cy="0"/>
+        </a:xfrm>
+      </p:grpSpPr>
+      <p:sp>
+        <p:nvSpPr>
+          <p:cNvPr id="2" name="Title 1">
+            <a:extLst>
+              <a:ext uri="{FF2B5EF4-FFF2-40B4-BE49-F238E27FC236}">
+                <a16:creationId xmlns:a16="http://schemas.microsoft.com/office/drawing/2014/main" id="{C50CDD81-0790-8847-8EF8-0507F123747D}"/>
+              </a:ext>
+            </a:extLst>
+          </p:cNvPr>
+          <p:cNvSpPr>
+            <a:spLocks noGrp="1"/>
+          </p:cNvSpPr>
+          <p:nvPr>
+            <p:ph type="title"/>
+          </p:nvPr>
+        </p:nvSpPr>
+        <p:spPr/>
+        <p:txBody>
+          <a:bodyPr/>
+          <a:lstStyle/>
+          <a:p>
+            <a:r>
+              <a:rPr lang="en-US" dirty="0"/>
+              <a:t>What is the Python “Requests” Library?</a:t>
+            </a:r>
+          </a:p>
+        </p:txBody>
+      </p:sp>
+      <p:sp>
+        <p:nvSpPr>
+          <p:cNvPr id="3" name="Content Placeholder 2">
+            <a:extLst>
+              <a:ext uri="{FF2B5EF4-FFF2-40B4-BE49-F238E27FC236}">
+                <a16:creationId xmlns:a16="http://schemas.microsoft.com/office/drawing/2014/main" id="{D6A91B50-5F60-9041-8D64-7DFFA2C445A8}"/>
+              </a:ext>
+            </a:extLst>
+          </p:cNvPr>
+          <p:cNvSpPr>
+            <a:spLocks noGrp="1"/>
+          </p:cNvSpPr>
+          <p:nvPr>
+            <p:ph idx="1"/>
+          </p:nvPr>
+        </p:nvSpPr>
+        <p:spPr>
+          <a:xfrm>
+            <a:off x="257778" y="1825625"/>
+            <a:ext cx="11676444" cy="2294962"/>
+          </a:xfrm>
+        </p:spPr>
+        <p:txBody>
+          <a:bodyPr>
+            <a:normAutofit/>
+          </a:bodyPr>
+          <a:lstStyle/>
+          <a:p>
+            <a:pPr marL="0" indent="0" algn="ctr">
+              <a:buNone/>
+            </a:pPr>
+            <a:r>
+              <a:rPr lang="en-US" i="1" dirty="0"/>
+              <a:t>“Requests is a Python HTTP library, released under the Apache License 2.0. The goal of the project is to make HTTP requests simpler and more human-friendly.”</a:t>
+            </a:r>
+          </a:p>
+          <a:p>
+            <a:pPr marL="0" indent="0" algn="ctr">
+              <a:buNone/>
+            </a:pPr>
+            <a:r>
+              <a:rPr lang="en-US" dirty="0">
+                <a:hlinkClick r:id="rId3"/>
+              </a:rPr>
+              <a:t>https://en.wikipedia.org/wiki/Requests_%28software%29</a:t>
+            </a:r>
+            <a:endParaRPr lang="en-US" dirty="0"/>
+          </a:p>
+          <a:p>
+            <a:pPr marL="0" indent="0" algn="ctr">
+              <a:buNone/>
+            </a:pPr>
+            <a:endParaRPr lang="en-US" dirty="0"/>
+          </a:p>
+        </p:txBody>
+      </p:sp>
+      <p:sp>
+        <p:nvSpPr>
+          <p:cNvPr id="5" name="Content Placeholder 2">
+            <a:extLst>
+              <a:ext uri="{FF2B5EF4-FFF2-40B4-BE49-F238E27FC236}">
+                <a16:creationId xmlns:a16="http://schemas.microsoft.com/office/drawing/2014/main" id="{AF9AF956-0095-7E4B-8A59-0DBC7A3A6961}"/>
+              </a:ext>
+            </a:extLst>
+          </p:cNvPr>
+          <p:cNvSpPr txBox="1">
+            <a:spLocks/>
+          </p:cNvSpPr>
+          <p:nvPr/>
+        </p:nvSpPr>
+        <p:spPr>
+          <a:xfrm>
+            <a:off x="363880" y="4849792"/>
+            <a:ext cx="11676444" cy="613459"/>
+          </a:xfrm>
+          <a:prstGeom prst="rect">
+            <a:avLst/>
+          </a:prstGeom>
+        </p:spPr>
+        <p:txBody>
+          <a:bodyPr vert="horz" lIns="91440" tIns="45720" rIns="91440" bIns="45720" rtlCol="0">
+            <a:normAutofit/>
+          </a:bodyPr>
+          <a:lstStyle>
+            <a:lvl1pPr marL="228600" indent="-228600" algn="l" defTabSz="914400" rtl="0" eaLnBrk="1" latinLnBrk="0" hangingPunct="1">
+              <a:lnSpc>
+                <a:spcPct val="90000"/>
+              </a:lnSpc>
+              <a:spcBef>
+                <a:spcPts val="1000"/>
+              </a:spcBef>
+              <a:buFont typeface="Arial" panose="020B0604020202020204" pitchFamily="34" charset="0"/>
+              <a:buChar char="•"/>
+              <a:defRPr sz="2800" kern="1200">
+                <a:solidFill>
+                  <a:schemeClr val="tx1"/>
+                </a:solidFill>
+                <a:latin typeface="+mn-lt"/>
+                <a:ea typeface="+mn-ea"/>
+                <a:cs typeface="+mn-cs"/>
+              </a:defRPr>
+            </a:lvl1pPr>
+            <a:lvl2pPr marL="685800" indent="-228600" algn="l" defTabSz="914400" rtl="0" eaLnBrk="1" latinLnBrk="0" hangingPunct="1">
+              <a:lnSpc>
+                <a:spcPct val="90000"/>
+              </a:lnSpc>
+              <a:spcBef>
+                <a:spcPts val="500"/>
+              </a:spcBef>
+              <a:buFont typeface="Arial" panose="020B0604020202020204" pitchFamily="34" charset="0"/>
+              <a:buChar char="•"/>
+              <a:defRPr sz="2400" kern="1200">
+                <a:solidFill>
+                  <a:schemeClr val="tx1"/>
+                </a:solidFill>
+                <a:latin typeface="+mn-lt"/>
+                <a:ea typeface="+mn-ea"/>
+                <a:cs typeface="+mn-cs"/>
+              </a:defRPr>
+            </a:lvl2pPr>
+            <a:lvl3pPr marL="1143000" indent="-228600" algn="l" defTabSz="914400" rtl="0" eaLnBrk="1" latinLnBrk="0" hangingPunct="1">
+              <a:lnSpc>
+                <a:spcPct val="90000"/>
+              </a:lnSpc>
+              <a:spcBef>
+                <a:spcPts val="500"/>
+              </a:spcBef>
+              <a:buFont typeface="Arial" panose="020B0604020202020204" pitchFamily="34" charset="0"/>
+              <a:buChar char="•"/>
+              <a:defRPr sz="2000" kern="1200">
+                <a:solidFill>
+                  <a:schemeClr val="tx1"/>
+                </a:solidFill>
+                <a:latin typeface="+mn-lt"/>
+                <a:ea typeface="+mn-ea"/>
+                <a:cs typeface="+mn-cs"/>
+              </a:defRPr>
+            </a:lvl3pPr>
+            <a:lvl4pPr marL="1600200" indent="-228600" algn="l" defTabSz="914400" rtl="0" eaLnBrk="1" latinLnBrk="0" hangingPunct="1">
+              <a:lnSpc>
+                <a:spcPct val="90000"/>
+              </a:lnSpc>
+              <a:spcBef>
+                <a:spcPts val="500"/>
+              </a:spcBef>
+              <a:buFont typeface="Arial" panose="020B0604020202020204" pitchFamily="34" charset="0"/>
+              <a:buChar char="•"/>
+              <a:defRPr sz="1800" kern="1200">
+                <a:solidFill>
+                  <a:schemeClr val="tx1"/>
+                </a:solidFill>
+                <a:latin typeface="+mn-lt"/>
+                <a:ea typeface="+mn-ea"/>
+                <a:cs typeface="+mn-cs"/>
+              </a:defRPr>
+            </a:lvl4pPr>
+            <a:lvl5pPr marL="2057400" indent="-228600" algn="l" defTabSz="914400" rtl="0" eaLnBrk="1" latinLnBrk="0" hangingPunct="1">
+              <a:lnSpc>
+                <a:spcPct val="90000"/>
+              </a:lnSpc>
+              <a:spcBef>
+                <a:spcPts val="500"/>
+              </a:spcBef>
+              <a:buFont typeface="Arial" panose="020B0604020202020204" pitchFamily="34" charset="0"/>
+              <a:buChar char="•"/>
+              <a:defRPr sz="1800" kern="1200">
+                <a:solidFill>
+                  <a:schemeClr val="tx1"/>
+                </a:solidFill>
+                <a:latin typeface="+mn-lt"/>
+                <a:ea typeface="+mn-ea"/>
+                <a:cs typeface="+mn-cs"/>
+              </a:defRPr>
+            </a:lvl5pPr>
+            <a:lvl6pPr marL="2514600" indent="-228600" algn="l" defTabSz="914400" rtl="0" eaLnBrk="1" latinLnBrk="0" hangingPunct="1">
+              <a:lnSpc>
+                <a:spcPct val="90000"/>
+              </a:lnSpc>
+              <a:spcBef>
+                <a:spcPts val="500"/>
+              </a:spcBef>
+              <a:buFont typeface="Arial" panose="020B0604020202020204" pitchFamily="34" charset="0"/>
+              <a:buChar char="•"/>
+              <a:defRPr sz="1800" kern="1200">
+                <a:solidFill>
+                  <a:schemeClr val="tx1"/>
+                </a:solidFill>
+                <a:latin typeface="+mn-lt"/>
+                <a:ea typeface="+mn-ea"/>
+                <a:cs typeface="+mn-cs"/>
+              </a:defRPr>
+            </a:lvl6pPr>
+            <a:lvl7pPr marL="2971800" indent="-228600" algn="l" defTabSz="914400" rtl="0" eaLnBrk="1" latinLnBrk="0" hangingPunct="1">
+              <a:lnSpc>
+                <a:spcPct val="90000"/>
+              </a:lnSpc>
+              <a:spcBef>
+                <a:spcPts val="500"/>
+              </a:spcBef>
+              <a:buFont typeface="Arial" panose="020B0604020202020204" pitchFamily="34" charset="0"/>
+              <a:buChar char="•"/>
+              <a:defRPr sz="1800" kern="1200">
+                <a:solidFill>
+                  <a:schemeClr val="tx1"/>
+                </a:solidFill>
+                <a:latin typeface="+mn-lt"/>
+                <a:ea typeface="+mn-ea"/>
+                <a:cs typeface="+mn-cs"/>
+              </a:defRPr>
+            </a:lvl7pPr>
+            <a:lvl8pPr marL="3429000" indent="-228600" algn="l" defTabSz="914400" rtl="0" eaLnBrk="1" latinLnBrk="0" hangingPunct="1">
+              <a:lnSpc>
+                <a:spcPct val="90000"/>
+              </a:lnSpc>
+              <a:spcBef>
+                <a:spcPts val="500"/>
+              </a:spcBef>
+              <a:buFont typeface="Arial" panose="020B0604020202020204" pitchFamily="34" charset="0"/>
+              <a:buChar char="•"/>
+              <a:defRPr sz="1800" kern="1200">
+                <a:solidFill>
+                  <a:schemeClr val="tx1"/>
+                </a:solidFill>
+                <a:latin typeface="+mn-lt"/>
+                <a:ea typeface="+mn-ea"/>
+                <a:cs typeface="+mn-cs"/>
+              </a:defRPr>
+            </a:lvl8pPr>
+            <a:lvl9pPr marL="3886200" indent="-228600" algn="l" defTabSz="914400" rtl="0" eaLnBrk="1" latinLnBrk="0" hangingPunct="1">
+              <a:lnSpc>
+                <a:spcPct val="90000"/>
+              </a:lnSpc>
+              <a:spcBef>
+                <a:spcPts val="500"/>
+              </a:spcBef>
+              <a:buFont typeface="Arial" panose="020B0604020202020204" pitchFamily="34" charset="0"/>
+              <a:buChar char="•"/>
+              <a:defRPr sz="1800" kern="1200">
+                <a:solidFill>
+                  <a:schemeClr val="tx1"/>
+                </a:solidFill>
+                <a:latin typeface="+mn-lt"/>
+                <a:ea typeface="+mn-ea"/>
+                <a:cs typeface="+mn-cs"/>
+              </a:defRPr>
+            </a:lvl9pPr>
+          </a:lstStyle>
+          <a:p>
+            <a:pPr marL="0" indent="0" algn="ctr">
+              <a:buFont typeface="Arial" panose="020B0604020202020204" pitchFamily="34" charset="0"/>
+              <a:buNone/>
+            </a:pPr>
+            <a:r>
+              <a:rPr lang="en-US" dirty="0"/>
+              <a:t>For our purpose, Requests allows us to make REST API calls with Python</a:t>
+            </a:r>
+          </a:p>
+        </p:txBody>
+      </p:sp>
+      <p:sp>
+        <p:nvSpPr>
+          <p:cNvPr id="4" name="Date Placeholder 3">
+            <a:extLst>
+              <a:ext uri="{FF2B5EF4-FFF2-40B4-BE49-F238E27FC236}">
+                <a16:creationId xmlns:a16="http://schemas.microsoft.com/office/drawing/2014/main" id="{1C19A6E8-5AFA-2E46-8A8A-4FC9C00F43E3}"/>
+              </a:ext>
+            </a:extLst>
+          </p:cNvPr>
+          <p:cNvSpPr>
+            <a:spLocks noGrp="1"/>
+          </p:cNvSpPr>
+          <p:nvPr>
+            <p:ph type="dt" sz="half" idx="10"/>
+          </p:nvPr>
+        </p:nvSpPr>
+        <p:spPr/>
+        <p:txBody>
+          <a:bodyPr/>
+          <a:lstStyle/>
+          <a:p>
+            <a:r>
+              <a:rPr lang="en-US"/>
+              <a:t>World Wide Technology ©</a:t>
+            </a:r>
+            <a:endParaRPr lang="en-US" dirty="0"/>
+          </a:p>
+        </p:txBody>
+      </p:sp>
+      <p:sp>
+        <p:nvSpPr>
+          <p:cNvPr id="6" name="Slide Number Placeholder 5">
+            <a:extLst>
+              <a:ext uri="{FF2B5EF4-FFF2-40B4-BE49-F238E27FC236}">
+                <a16:creationId xmlns:a16="http://schemas.microsoft.com/office/drawing/2014/main" id="{64CE8051-69FB-854E-9C7A-A8C2F72854ED}"/>
+              </a:ext>
+            </a:extLst>
+          </p:cNvPr>
+          <p:cNvSpPr>
+            <a:spLocks noGrp="1"/>
+          </p:cNvSpPr>
+          <p:nvPr>
+            <p:ph type="sldNum" sz="quarter" idx="12"/>
+          </p:nvPr>
+        </p:nvSpPr>
+        <p:spPr/>
+        <p:txBody>
+          <a:bodyPr/>
+          <a:lstStyle/>
+          <a:p>
+            <a:fld id="{A44B02FA-DD2D-1844-AE35-8B2EAB0CF4EF}" type="slidenum">
+              <a:rPr lang="en-US" smtClean="0"/>
+              <a:pPr/>
+              <a:t>12</a:t>
+            </a:fld>
+            <a:endParaRPr lang="en-US" dirty="0"/>
+          </a:p>
+        </p:txBody>
+      </p:sp>
+    </p:spTree>
+    <p:extLst>
+      <p:ext uri="{BB962C8B-B14F-4D97-AF65-F5344CB8AC3E}">
+        <p14:creationId xmlns:p14="http://schemas.microsoft.com/office/powerpoint/2010/main" val="619093012"/>
+      </p:ext>
+    </p:extLst>
+  </p:cSld>
+  <p:clrMapOvr>
+    <a:masterClrMapping/>
+  </p:clrMapOvr>
+  <mc:AlternateContent xmlns:mc="http://schemas.openxmlformats.org/markup-compatibility/2006" xmlns:p14="http://schemas.microsoft.com/office/powerpoint/2010/main">
+    <mc:Choice Requires="p14">
+      <p:transition spd="med" p14:dur="700">
+        <p:fade/>
+      </p:transition>
+    </mc:Choice>
+    <mc:Fallback xmlns="">
+      <p:transition spd="med">
+        <p:fade/>
+      </p:transition>
+    </mc:Fallback>
+  </mc:AlternateContent>
+  <p:timing>
+    <p:tnLst>
+      <p:par>
+        <p:cTn id="1" dur="indefinite" restart="never" nodeType="tmRoot">
+          <p:childTnLst>
+            <p:seq concurrent="1" nextAc="seek">
+              <p:cTn id="2" dur="indefinite" nodeType="mainSeq">
+                <p:childTnLst>
+                  <p:par>
+                    <p:cTn id="3" fill="hold">
+                      <p:stCondLst>
+                        <p:cond delay="indefinite"/>
+                      </p:stCondLst>
+                      <p:childTnLst>
+                        <p:par>
+                          <p:cTn id="4" fill="hold">
+                            <p:stCondLst>
+                              <p:cond delay="0"/>
+                            </p:stCondLst>
+                            <p:childTnLst>
+                              <p:par>
+                                <p:cTn id="5" presetID="9" presetClass="entr" presetSubtype="0" fill="hold" grpId="0" nodeType="clickEffect">
+                                  <p:stCondLst>
+                                    <p:cond delay="0"/>
+                                  </p:stCondLst>
+                                  <p:childTnLst>
+                                    <p:set>
+                                      <p:cBhvr>
+                                        <p:cTn id="6" dur="1" fill="hold">
+                                          <p:stCondLst>
+                                            <p:cond delay="0"/>
+                                          </p:stCondLst>
+                                        </p:cTn>
+                                        <p:tgtEl>
+                                          <p:spTgt spid="3"/>
+                                        </p:tgtEl>
+                                        <p:attrNameLst>
+                                          <p:attrName>style.visibility</p:attrName>
+                                        </p:attrNameLst>
+                                      </p:cBhvr>
+                                      <p:to>
+                                        <p:strVal val="visible"/>
+                                      </p:to>
+                                    </p:set>
+                                    <p:animEffect transition="in" filter="dissolve">
+                                      <p:cBhvr>
+                                        <p:cTn id="7" dur="500"/>
+                                        <p:tgtEl>
+                                          <p:spTgt spid="3"/>
+                                        </p:tgtEl>
+                                      </p:cBhvr>
+                                    </p:animEffect>
+                                  </p:childTnLst>
+                                </p:cTn>
+                              </p:par>
+                            </p:childTnLst>
+                          </p:cTn>
+                        </p:par>
+                      </p:childTnLst>
+                    </p:cTn>
+                  </p:par>
+                  <p:par>
+                    <p:cTn id="8" fill="hold">
+                      <p:stCondLst>
+                        <p:cond delay="indefinite"/>
+                      </p:stCondLst>
+                      <p:childTnLst>
+                        <p:par>
+                          <p:cTn id="9" fill="hold">
+                            <p:stCondLst>
+                              <p:cond delay="0"/>
+                            </p:stCondLst>
+                            <p:childTnLst>
+                              <p:par>
+                                <p:cTn id="10" presetID="9" presetClass="entr" presetSubtype="0" fill="hold" grpId="0" nodeType="clickEffect">
+                                  <p:stCondLst>
+                                    <p:cond delay="0"/>
+                                  </p:stCondLst>
+                                  <p:childTnLst>
+                                    <p:set>
+                                      <p:cBhvr>
+                                        <p:cTn id="11" dur="1" fill="hold">
+                                          <p:stCondLst>
+                                            <p:cond delay="0"/>
+                                          </p:stCondLst>
+                                        </p:cTn>
+                                        <p:tgtEl>
+                                          <p:spTgt spid="5"/>
+                                        </p:tgtEl>
+                                        <p:attrNameLst>
+                                          <p:attrName>style.visibility</p:attrName>
+                                        </p:attrNameLst>
+                                      </p:cBhvr>
+                                      <p:to>
+                                        <p:strVal val="visible"/>
+                                      </p:to>
+                                    </p:set>
+                                    <p:animEffect transition="in" filter="dissolve">
+                                      <p:cBhvr>
+                                        <p:cTn id="12" dur="500"/>
+                                        <p:tgtEl>
+                                          <p:spTgt spid="5"/>
+                                        </p:tgtEl>
+                                      </p:cBhvr>
+                                    </p:animEffect>
+                                  </p:childTnLst>
+                                </p:cTn>
+                              </p:par>
+                            </p:childTnLst>
+                          </p:cTn>
+                        </p:par>
+                      </p:childTnLst>
+                    </p:cTn>
+                  </p:par>
+                </p:childTnLst>
+              </p:cTn>
+              <p:prevCondLst>
+                <p:cond evt="onPrev" delay="0">
+                  <p:tgtEl>
+                    <p:sldTgt/>
+                  </p:tgtEl>
+                </p:cond>
+              </p:prevCondLst>
+              <p:nextCondLst>
+                <p:cond evt="onNext" delay="0">
+                  <p:tgtEl>
+                    <p:sldTgt/>
+                  </p:tgtEl>
+                </p:cond>
+              </p:nextCondLst>
+            </p:seq>
+          </p:childTnLst>
+        </p:cTn>
+      </p:par>
+    </p:tnLst>
+    <p:bldLst>
+      <p:bldP spid="3" grpId="0"/>
+      <p:bldP spid="5" grpId="0"/>
+    </p:bldLst>
+  </p:timing>
+</p:sld>
+</file>
+
+<file path=ppt/slides/slide13.xml><?xml version="1.0" encoding="utf-8"?>
+<p:sld xmlns:a="http://schemas.openxmlformats.org/drawingml/2006/main" xmlns:r="http://schemas.openxmlformats.org/officeDocument/2006/relationships" xmlns:p="http://schemas.openxmlformats.org/presentationml/2006/main">
+  <p:cSld>
+    <p:spTree>
+      <p:nvGrpSpPr>
+        <p:cNvPr id="1" name=""/>
+        <p:cNvGrpSpPr/>
+        <p:nvPr/>
+      </p:nvGrpSpPr>
+      <p:grpSpPr>
+        <a:xfrm>
+          <a:off x="0" y="0"/>
+          <a:ext cx="0" cy="0"/>
+          <a:chOff x="0" y="0"/>
+          <a:chExt cx="0" cy="0"/>
+        </a:xfrm>
+      </p:grpSpPr>
+      <p:sp>
+        <p:nvSpPr>
           <p:cNvPr id="2" name="Title 1">
             <a:extLst>
               <a:ext uri="{FF2B5EF4-FFF2-40B4-BE49-F238E27FC236}">
@@ -5780,7 +8179,7 @@
             <a:fld id="{A44B02FA-DD2D-1844-AE35-8B2EAB0CF4EF}" type="slidenum">
               <a:rPr lang="en-US" smtClean="0"/>
               <a:pPr/>
-              <a:t>10</a:t>
+              <a:t>13</a:t>
             </a:fld>
             <a:endParaRPr lang="en-US" dirty="0"/>
           </a:p>
@@ -5811,7 +8210,7 @@
 </p:sld>
 </file>
 
-<file path=ppt/slides/slide11.xml><?xml version="1.0" encoding="utf-8"?>
+<file path=ppt/slides/slide14.xml><?xml version="1.0" encoding="utf-8"?>
 <p:sld xmlns:a="http://schemas.openxmlformats.org/drawingml/2006/main" xmlns:r="http://schemas.openxmlformats.org/officeDocument/2006/relationships" xmlns:p="http://schemas.openxmlformats.org/presentationml/2006/main">
   <p:cSld>
     <p:spTree>
@@ -5909,7 +8308,7 @@
             <a:fld id="{A44B02FA-DD2D-1844-AE35-8B2EAB0CF4EF}" type="slidenum">
               <a:rPr lang="en-US" smtClean="0"/>
               <a:pPr/>
-              <a:t>11</a:t>
+              <a:t>14</a:t>
             </a:fld>
             <a:endParaRPr lang="en-US" dirty="0"/>
           </a:p>
@@ -6411,459 +8810,6 @@
 </p:sld>
 </file>
 
-<file path=ppt/slides/slide12.xml><?xml version="1.0" encoding="utf-8"?>
-<p:sld xmlns:a="http://schemas.openxmlformats.org/drawingml/2006/main" xmlns:r="http://schemas.openxmlformats.org/officeDocument/2006/relationships" xmlns:p="http://schemas.openxmlformats.org/presentationml/2006/main">
-  <p:cSld>
-    <p:spTree>
-      <p:nvGrpSpPr>
-        <p:cNvPr id="1" name=""/>
-        <p:cNvGrpSpPr/>
-        <p:nvPr/>
-      </p:nvGrpSpPr>
-      <p:grpSpPr>
-        <a:xfrm>
-          <a:off x="0" y="0"/>
-          <a:ext cx="0" cy="0"/>
-          <a:chOff x="0" y="0"/>
-          <a:chExt cx="0" cy="0"/>
-        </a:xfrm>
-      </p:grpSpPr>
-      <p:sp>
-        <p:nvSpPr>
-          <p:cNvPr id="2" name="Title 1">
-            <a:extLst>
-              <a:ext uri="{FF2B5EF4-FFF2-40B4-BE49-F238E27FC236}">
-                <a16:creationId xmlns:a16="http://schemas.microsoft.com/office/drawing/2014/main" id="{9D8D6E4C-FC36-3E4C-9387-96DD20072D9D}"/>
-              </a:ext>
-            </a:extLst>
-          </p:cNvPr>
-          <p:cNvSpPr>
-            <a:spLocks noGrp="1"/>
-          </p:cNvSpPr>
-          <p:nvPr>
-            <p:ph type="ctrTitle"/>
-          </p:nvPr>
-        </p:nvSpPr>
-        <p:spPr>
-          <a:xfrm>
-            <a:off x="1524000" y="914013"/>
-            <a:ext cx="9144000" cy="2387600"/>
-          </a:xfrm>
-        </p:spPr>
-        <p:txBody>
-          <a:bodyPr/>
-          <a:lstStyle/>
-          <a:p>
-            <a:r>
-              <a:rPr lang="en-US" dirty="0"/>
-              <a:t>Part IV</a:t>
-            </a:r>
-          </a:p>
-        </p:txBody>
-      </p:sp>
-      <p:sp>
-        <p:nvSpPr>
-          <p:cNvPr id="3" name="Subtitle 2">
-            <a:extLst>
-              <a:ext uri="{FF2B5EF4-FFF2-40B4-BE49-F238E27FC236}">
-                <a16:creationId xmlns:a16="http://schemas.microsoft.com/office/drawing/2014/main" id="{0451A0DE-9D64-5A48-94B5-5B4E42709819}"/>
-              </a:ext>
-            </a:extLst>
-          </p:cNvPr>
-          <p:cNvSpPr>
-            <a:spLocks noGrp="1"/>
-          </p:cNvSpPr>
-          <p:nvPr>
-            <p:ph type="subTitle" idx="1"/>
-          </p:nvPr>
-        </p:nvSpPr>
-        <p:spPr>
-          <a:xfrm>
-            <a:off x="1524000" y="3393688"/>
-            <a:ext cx="9144000" cy="1655762"/>
-          </a:xfrm>
-        </p:spPr>
-        <p:txBody>
-          <a:bodyPr/>
-          <a:lstStyle/>
-          <a:p>
-            <a:r>
-              <a:rPr lang="en-US" dirty="0"/>
-              <a:t>Cisco Platform APIs Overview</a:t>
-            </a:r>
-          </a:p>
-        </p:txBody>
-      </p:sp>
-    </p:spTree>
-    <p:extLst>
-      <p:ext uri="{BB962C8B-B14F-4D97-AF65-F5344CB8AC3E}">
-        <p14:creationId xmlns:p14="http://schemas.microsoft.com/office/powerpoint/2010/main" val="899135878"/>
-      </p:ext>
-    </p:extLst>
-  </p:cSld>
-  <p:clrMapOvr>
-    <a:masterClrMapping/>
-  </p:clrMapOvr>
-  <mc:AlternateContent xmlns:mc="http://schemas.openxmlformats.org/markup-compatibility/2006" xmlns:p14="http://schemas.microsoft.com/office/powerpoint/2010/main">
-    <mc:Choice Requires="p14">
-      <p:transition spd="med" p14:dur="700">
-        <p:fade/>
-      </p:transition>
-    </mc:Choice>
-    <mc:Fallback xmlns="">
-      <p:transition spd="med">
-        <p:fade/>
-      </p:transition>
-    </mc:Fallback>
-  </mc:AlternateContent>
-</p:sld>
-</file>
-
-<file path=ppt/slides/slide13.xml><?xml version="1.0" encoding="utf-8"?>
-<p:sld xmlns:a="http://schemas.openxmlformats.org/drawingml/2006/main" xmlns:r="http://schemas.openxmlformats.org/officeDocument/2006/relationships" xmlns:p="http://schemas.openxmlformats.org/presentationml/2006/main">
-  <p:cSld>
-    <p:spTree>
-      <p:nvGrpSpPr>
-        <p:cNvPr id="1" name=""/>
-        <p:cNvGrpSpPr/>
-        <p:nvPr/>
-      </p:nvGrpSpPr>
-      <p:grpSpPr>
-        <a:xfrm>
-          <a:off x="0" y="0"/>
-          <a:ext cx="0" cy="0"/>
-          <a:chOff x="0" y="0"/>
-          <a:chExt cx="0" cy="0"/>
-        </a:xfrm>
-      </p:grpSpPr>
-      <p:sp>
-        <p:nvSpPr>
-          <p:cNvPr id="2" name="Title 1">
-            <a:extLst>
-              <a:ext uri="{FF2B5EF4-FFF2-40B4-BE49-F238E27FC236}">
-                <a16:creationId xmlns:a16="http://schemas.microsoft.com/office/drawing/2014/main" id="{EB7C4089-1746-624B-8E73-D3DAB8E88CDD}"/>
-              </a:ext>
-            </a:extLst>
-          </p:cNvPr>
-          <p:cNvSpPr>
-            <a:spLocks noGrp="1"/>
-          </p:cNvSpPr>
-          <p:nvPr>
-            <p:ph type="title"/>
-          </p:nvPr>
-        </p:nvSpPr>
-        <p:spPr/>
-        <p:txBody>
-          <a:bodyPr/>
-          <a:lstStyle/>
-          <a:p>
-            <a:r>
-              <a:rPr lang="en-US" dirty="0"/>
-              <a:t>Outline</a:t>
-            </a:r>
-          </a:p>
-        </p:txBody>
-      </p:sp>
-      <p:sp>
-        <p:nvSpPr>
-          <p:cNvPr id="3" name="Content Placeholder 2">
-            <a:extLst>
-              <a:ext uri="{FF2B5EF4-FFF2-40B4-BE49-F238E27FC236}">
-                <a16:creationId xmlns:a16="http://schemas.microsoft.com/office/drawing/2014/main" id="{65426B10-0364-A849-B3A4-1D0DA409155A}"/>
-              </a:ext>
-            </a:extLst>
-          </p:cNvPr>
-          <p:cNvSpPr>
-            <a:spLocks noGrp="1"/>
-          </p:cNvSpPr>
-          <p:nvPr>
-            <p:ph idx="1"/>
-          </p:nvPr>
-        </p:nvSpPr>
-        <p:spPr/>
-        <p:txBody>
-          <a:bodyPr>
-            <a:normAutofit lnSpcReduction="10000"/>
-          </a:bodyPr>
-          <a:lstStyle/>
-          <a:p>
-            <a:r>
-              <a:rPr lang="en-US" dirty="0"/>
-              <a:t>For each of these platforms:</a:t>
-            </a:r>
-          </a:p>
-          <a:p>
-            <a:pPr lvl="1"/>
-            <a:r>
-              <a:rPr lang="en-US" dirty="0"/>
-              <a:t>DNAC</a:t>
-            </a:r>
-          </a:p>
-          <a:p>
-            <a:pPr lvl="1"/>
-            <a:r>
-              <a:rPr lang="en-US" dirty="0" err="1"/>
-              <a:t>Webex</a:t>
-            </a:r>
-            <a:r>
-              <a:rPr lang="en-US" dirty="0"/>
-              <a:t> Teams</a:t>
-            </a:r>
-          </a:p>
-          <a:p>
-            <a:pPr lvl="1"/>
-            <a:r>
-              <a:rPr lang="en-US" dirty="0"/>
-              <a:t>Meraki</a:t>
-            </a:r>
-          </a:p>
-          <a:p>
-            <a:pPr lvl="1"/>
-            <a:r>
-              <a:rPr lang="en-US" dirty="0"/>
-              <a:t>ACI</a:t>
-            </a:r>
-          </a:p>
-          <a:p>
-            <a:pPr lvl="1"/>
-            <a:r>
-              <a:rPr lang="en-US" dirty="0"/>
-              <a:t>Firepower</a:t>
-            </a:r>
-          </a:p>
-          <a:p>
-            <a:pPr lvl="1"/>
-            <a:r>
-              <a:rPr lang="en-US" dirty="0"/>
-              <a:t>SD-WAN</a:t>
-            </a:r>
-          </a:p>
-          <a:p>
-            <a:r>
-              <a:rPr lang="en-US" dirty="0"/>
-              <a:t>Perform the following tasks:</a:t>
-            </a:r>
-          </a:p>
-          <a:p>
-            <a:pPr lvl="1"/>
-            <a:r>
-              <a:rPr lang="en-US" dirty="0"/>
-              <a:t>Platform summary overview</a:t>
-            </a:r>
-          </a:p>
-          <a:p>
-            <a:pPr lvl="1"/>
-            <a:r>
-              <a:rPr lang="en-US" dirty="0"/>
-              <a:t>Review API documentation </a:t>
-            </a:r>
-          </a:p>
-          <a:p>
-            <a:pPr lvl="1"/>
-            <a:r>
-              <a:rPr lang="en-US" dirty="0"/>
-              <a:t>Review resources available for programmatic access/practice/testing</a:t>
-            </a:r>
-          </a:p>
-        </p:txBody>
-      </p:sp>
-      <p:sp>
-        <p:nvSpPr>
-          <p:cNvPr id="4" name="Date Placeholder 3">
-            <a:extLst>
-              <a:ext uri="{FF2B5EF4-FFF2-40B4-BE49-F238E27FC236}">
-                <a16:creationId xmlns:a16="http://schemas.microsoft.com/office/drawing/2014/main" id="{7ECEAF79-F4AC-E94E-9E55-220D0D396924}"/>
-              </a:ext>
-            </a:extLst>
-          </p:cNvPr>
-          <p:cNvSpPr>
-            <a:spLocks noGrp="1"/>
-          </p:cNvSpPr>
-          <p:nvPr>
-            <p:ph type="dt" sz="half" idx="10"/>
-          </p:nvPr>
-        </p:nvSpPr>
-        <p:spPr/>
-        <p:txBody>
-          <a:bodyPr/>
-          <a:lstStyle/>
-          <a:p>
-            <a:r>
-              <a:rPr lang="en-US"/>
-              <a:t>World Wide Technology ©</a:t>
-            </a:r>
-            <a:endParaRPr lang="en-US" dirty="0"/>
-          </a:p>
-        </p:txBody>
-      </p:sp>
-      <p:sp>
-        <p:nvSpPr>
-          <p:cNvPr id="5" name="Slide Number Placeholder 4">
-            <a:extLst>
-              <a:ext uri="{FF2B5EF4-FFF2-40B4-BE49-F238E27FC236}">
-                <a16:creationId xmlns:a16="http://schemas.microsoft.com/office/drawing/2014/main" id="{372DC1A4-CE8B-DB4A-8F86-2508518C35D3}"/>
-              </a:ext>
-            </a:extLst>
-          </p:cNvPr>
-          <p:cNvSpPr>
-            <a:spLocks noGrp="1"/>
-          </p:cNvSpPr>
-          <p:nvPr>
-            <p:ph type="sldNum" sz="quarter" idx="12"/>
-          </p:nvPr>
-        </p:nvSpPr>
-        <p:spPr/>
-        <p:txBody>
-          <a:bodyPr/>
-          <a:lstStyle/>
-          <a:p>
-            <a:fld id="{A44B02FA-DD2D-1844-AE35-8B2EAB0CF4EF}" type="slidenum">
-              <a:rPr lang="en-US" smtClean="0"/>
-              <a:pPr/>
-              <a:t>13</a:t>
-            </a:fld>
-            <a:endParaRPr lang="en-US" dirty="0"/>
-          </a:p>
-        </p:txBody>
-      </p:sp>
-    </p:spTree>
-    <p:extLst>
-      <p:ext uri="{BB962C8B-B14F-4D97-AF65-F5344CB8AC3E}">
-        <p14:creationId xmlns:p14="http://schemas.microsoft.com/office/powerpoint/2010/main" val="1513264745"/>
-      </p:ext>
-    </p:extLst>
-  </p:cSld>
-  <p:clrMapOvr>
-    <a:masterClrMapping/>
-  </p:clrMapOvr>
-  <mc:AlternateContent xmlns:mc="http://schemas.openxmlformats.org/markup-compatibility/2006" xmlns:p14="http://schemas.microsoft.com/office/powerpoint/2010/main">
-    <mc:Choice Requires="p14">
-      <p:transition spd="med" p14:dur="700">
-        <p:fade/>
-      </p:transition>
-    </mc:Choice>
-    <mc:Fallback xmlns="">
-      <p:transition spd="med">
-        <p:fade/>
-      </p:transition>
-    </mc:Fallback>
-  </mc:AlternateContent>
-</p:sld>
-</file>
-
-<file path=ppt/slides/slide14.xml><?xml version="1.0" encoding="utf-8"?>
-<p:sld xmlns:a="http://schemas.openxmlformats.org/drawingml/2006/main" xmlns:r="http://schemas.openxmlformats.org/officeDocument/2006/relationships" xmlns:p="http://schemas.openxmlformats.org/presentationml/2006/main">
-  <p:cSld>
-    <p:spTree>
-      <p:nvGrpSpPr>
-        <p:cNvPr id="1" name=""/>
-        <p:cNvGrpSpPr/>
-        <p:nvPr/>
-      </p:nvGrpSpPr>
-      <p:grpSpPr>
-        <a:xfrm>
-          <a:off x="0" y="0"/>
-          <a:ext cx="0" cy="0"/>
-          <a:chOff x="0" y="0"/>
-          <a:chExt cx="0" cy="0"/>
-        </a:xfrm>
-      </p:grpSpPr>
-      <p:sp>
-        <p:nvSpPr>
-          <p:cNvPr id="2" name="Title 1">
-            <a:extLst>
-              <a:ext uri="{FF2B5EF4-FFF2-40B4-BE49-F238E27FC236}">
-                <a16:creationId xmlns:a16="http://schemas.microsoft.com/office/drawing/2014/main" id="{9D8D6E4C-FC36-3E4C-9387-96DD20072D9D}"/>
-              </a:ext>
-            </a:extLst>
-          </p:cNvPr>
-          <p:cNvSpPr>
-            <a:spLocks noGrp="1"/>
-          </p:cNvSpPr>
-          <p:nvPr>
-            <p:ph type="ctrTitle"/>
-          </p:nvPr>
-        </p:nvSpPr>
-        <p:spPr>
-          <a:xfrm>
-            <a:off x="1524000" y="914013"/>
-            <a:ext cx="9144000" cy="2387600"/>
-          </a:xfrm>
-        </p:spPr>
-        <p:txBody>
-          <a:bodyPr/>
-          <a:lstStyle/>
-          <a:p>
-            <a:r>
-              <a:rPr lang="en-US" dirty="0"/>
-              <a:t>Part V</a:t>
-            </a:r>
-          </a:p>
-        </p:txBody>
-      </p:sp>
-      <p:sp>
-        <p:nvSpPr>
-          <p:cNvPr id="3" name="Subtitle 2">
-            <a:extLst>
-              <a:ext uri="{FF2B5EF4-FFF2-40B4-BE49-F238E27FC236}">
-                <a16:creationId xmlns:a16="http://schemas.microsoft.com/office/drawing/2014/main" id="{0451A0DE-9D64-5A48-94B5-5B4E42709819}"/>
-              </a:ext>
-            </a:extLst>
-          </p:cNvPr>
-          <p:cNvSpPr>
-            <a:spLocks noGrp="1"/>
-          </p:cNvSpPr>
-          <p:nvPr>
-            <p:ph type="subTitle" idx="1"/>
-          </p:nvPr>
-        </p:nvSpPr>
-        <p:spPr>
-          <a:xfrm>
-            <a:off x="1524000" y="3393688"/>
-            <a:ext cx="9144000" cy="1655762"/>
-          </a:xfrm>
-        </p:spPr>
-        <p:txBody>
-          <a:bodyPr/>
-          <a:lstStyle/>
-          <a:p>
-            <a:r>
-              <a:rPr lang="en-US" dirty="0"/>
-              <a:t>Interact With Cisco Platform APIs Using </a:t>
-            </a:r>
-            <a:r>
-              <a:rPr lang="en-US" dirty="0" err="1"/>
-              <a:t>cURL</a:t>
-            </a:r>
-            <a:endParaRPr lang="en-US" dirty="0"/>
-          </a:p>
-        </p:txBody>
-      </p:sp>
-    </p:spTree>
-    <p:extLst>
-      <p:ext uri="{BB962C8B-B14F-4D97-AF65-F5344CB8AC3E}">
-        <p14:creationId xmlns:p14="http://schemas.microsoft.com/office/powerpoint/2010/main" val="2203929534"/>
-      </p:ext>
-    </p:extLst>
-  </p:cSld>
-  <p:clrMapOvr>
-    <a:masterClrMapping/>
-  </p:clrMapOvr>
-  <mc:AlternateContent xmlns:mc="http://schemas.openxmlformats.org/markup-compatibility/2006" xmlns:p14="http://schemas.microsoft.com/office/powerpoint/2010/main">
-    <mc:Choice Requires="p14">
-      <p:transition spd="med" p14:dur="700">
-        <p:fade/>
-      </p:transition>
-    </mc:Choice>
-    <mc:Fallback xmlns="">
-      <p:transition spd="med">
-        <p:fade/>
-      </p:transition>
-    </mc:Fallback>
-  </mc:AlternateContent>
-</p:sld>
-</file>
-
 <file path=ppt/slides/slide15.xml><?xml version="1.0" encoding="utf-8"?>
 <p:sld xmlns:a="http://schemas.openxmlformats.org/drawingml/2006/main" xmlns:r="http://schemas.openxmlformats.org/officeDocument/2006/relationships" xmlns:p="http://schemas.openxmlformats.org/presentationml/2006/main">
   <p:cSld>
@@ -6886,7 +8832,7 @@
           <p:cNvPr id="2" name="Title 1">
             <a:extLst>
               <a:ext uri="{FF2B5EF4-FFF2-40B4-BE49-F238E27FC236}">
-                <a16:creationId xmlns:a16="http://schemas.microsoft.com/office/drawing/2014/main" id="{EB7C4089-1746-624B-8E73-D3DAB8E88CDD}"/>
+                <a16:creationId xmlns:a16="http://schemas.microsoft.com/office/drawing/2014/main" id="{9D8D6E4C-FC36-3E4C-9387-96DD20072D9D}"/>
               </a:ext>
             </a:extLst>
           </p:cNvPr>
@@ -6894,27 +8840,32 @@
             <a:spLocks noGrp="1"/>
           </p:cNvSpPr>
           <p:nvPr>
-            <p:ph type="title"/>
-          </p:nvPr>
-        </p:nvSpPr>
-        <p:spPr/>
-        <p:txBody>
-          <a:bodyPr/>
-          <a:lstStyle/>
-          <a:p>
-            <a:r>
-              <a:rPr lang="en-US" dirty="0"/>
-              <a:t>Outline</a:t>
-            </a:r>
-          </a:p>
-        </p:txBody>
-      </p:sp>
-      <p:sp>
-        <p:nvSpPr>
-          <p:cNvPr id="3" name="Content Placeholder 2">
+            <p:ph type="ctrTitle"/>
+          </p:nvPr>
+        </p:nvSpPr>
+        <p:spPr>
+          <a:xfrm>
+            <a:off x="1524000" y="914013"/>
+            <a:ext cx="9144000" cy="2387600"/>
+          </a:xfrm>
+        </p:spPr>
+        <p:txBody>
+          <a:bodyPr/>
+          <a:lstStyle/>
+          <a:p>
+            <a:r>
+              <a:rPr lang="en-US" dirty="0"/>
+              <a:t>Part IV</a:t>
+            </a:r>
+          </a:p>
+        </p:txBody>
+      </p:sp>
+      <p:sp>
+        <p:nvSpPr>
+          <p:cNvPr id="3" name="Subtitle 2">
             <a:extLst>
               <a:ext uri="{FF2B5EF4-FFF2-40B4-BE49-F238E27FC236}">
-                <a16:creationId xmlns:a16="http://schemas.microsoft.com/office/drawing/2014/main" id="{65426B10-0364-A849-B3A4-1D0DA409155A}"/>
+                <a16:creationId xmlns:a16="http://schemas.microsoft.com/office/drawing/2014/main" id="{0451A0DE-9D64-5A48-94B5-5B4E42709819}"/>
               </a:ext>
             </a:extLst>
           </p:cNvPr>
@@ -6922,159 +8873,30 @@
             <a:spLocks noGrp="1"/>
           </p:cNvSpPr>
           <p:nvPr>
-            <p:ph idx="1"/>
-          </p:nvPr>
-        </p:nvSpPr>
-        <p:spPr/>
-        <p:txBody>
-          <a:bodyPr/>
-          <a:lstStyle/>
-          <a:p>
-            <a:r>
-              <a:rPr lang="en-US" dirty="0"/>
-              <a:t>For each of these platforms:</a:t>
-            </a:r>
-          </a:p>
-          <a:p>
-            <a:pPr lvl="1"/>
-            <a:r>
-              <a:rPr lang="en-US" dirty="0"/>
-              <a:t>DNAC</a:t>
-            </a:r>
-          </a:p>
-          <a:p>
-            <a:pPr lvl="1"/>
-            <a:r>
-              <a:rPr lang="en-US" dirty="0" err="1"/>
-              <a:t>Webex</a:t>
-            </a:r>
-            <a:r>
-              <a:rPr lang="en-US" dirty="0"/>
-              <a:t> Teams</a:t>
-            </a:r>
-          </a:p>
-          <a:p>
-            <a:pPr lvl="1"/>
-            <a:r>
-              <a:rPr lang="en-US" dirty="0"/>
-              <a:t>Meraki</a:t>
-            </a:r>
-          </a:p>
-          <a:p>
-            <a:pPr lvl="1"/>
-            <a:r>
-              <a:rPr lang="en-US" dirty="0"/>
-              <a:t>ACI</a:t>
-            </a:r>
-          </a:p>
-          <a:p>
-            <a:r>
-              <a:rPr lang="en-US" dirty="0"/>
-              <a:t>Perform the following tasks:</a:t>
-            </a:r>
-          </a:p>
-          <a:p>
-            <a:pPr lvl="1"/>
-            <a:r>
-              <a:rPr lang="en-US" dirty="0"/>
-              <a:t>Understand authentication methodology</a:t>
-            </a:r>
-          </a:p>
-          <a:p>
-            <a:pPr lvl="1"/>
-            <a:r>
-              <a:rPr lang="en-US" dirty="0"/>
-              <a:t>Build </a:t>
-            </a:r>
-            <a:r>
-              <a:rPr lang="en-US" dirty="0" err="1"/>
-              <a:t>cURL</a:t>
-            </a:r>
-            <a:r>
-              <a:rPr lang="en-US" dirty="0"/>
-              <a:t> request to authenticate</a:t>
-            </a:r>
-          </a:p>
-          <a:p>
-            <a:pPr lvl="1"/>
-            <a:r>
-              <a:rPr lang="en-US" dirty="0"/>
-              <a:t>Build </a:t>
-            </a:r>
-            <a:r>
-              <a:rPr lang="en-US" dirty="0" err="1"/>
-              <a:t>cURL</a:t>
-            </a:r>
-            <a:r>
-              <a:rPr lang="en-US" dirty="0"/>
-              <a:t> request(s) to read/write data</a:t>
-            </a:r>
-          </a:p>
-        </p:txBody>
-      </p:sp>
-      <p:sp>
-        <p:nvSpPr>
-          <p:cNvPr id="4" name="Date Placeholder 3">
-            <a:extLst>
-              <a:ext uri="{FF2B5EF4-FFF2-40B4-BE49-F238E27FC236}">
-                <a16:creationId xmlns:a16="http://schemas.microsoft.com/office/drawing/2014/main" id="{7ECEAF79-F4AC-E94E-9E55-220D0D396924}"/>
-              </a:ext>
-            </a:extLst>
-          </p:cNvPr>
-          <p:cNvSpPr>
-            <a:spLocks noGrp="1"/>
-          </p:cNvSpPr>
-          <p:nvPr>
-            <p:ph type="dt" sz="half" idx="10"/>
-          </p:nvPr>
-        </p:nvSpPr>
-        <p:spPr/>
-        <p:txBody>
-          <a:bodyPr/>
-          <a:lstStyle/>
-          <a:p>
-            <a:r>
-              <a:rPr lang="en-US"/>
-              <a:t>World Wide Technology ©</a:t>
-            </a:r>
-            <a:endParaRPr lang="en-US" dirty="0"/>
-          </a:p>
-        </p:txBody>
-      </p:sp>
-      <p:sp>
-        <p:nvSpPr>
-          <p:cNvPr id="5" name="Slide Number Placeholder 4">
-            <a:extLst>
-              <a:ext uri="{FF2B5EF4-FFF2-40B4-BE49-F238E27FC236}">
-                <a16:creationId xmlns:a16="http://schemas.microsoft.com/office/drawing/2014/main" id="{372DC1A4-CE8B-DB4A-8F86-2508518C35D3}"/>
-              </a:ext>
-            </a:extLst>
-          </p:cNvPr>
-          <p:cNvSpPr>
-            <a:spLocks noGrp="1"/>
-          </p:cNvSpPr>
-          <p:nvPr>
-            <p:ph type="sldNum" sz="quarter" idx="12"/>
-          </p:nvPr>
-        </p:nvSpPr>
-        <p:spPr/>
-        <p:txBody>
-          <a:bodyPr/>
-          <a:lstStyle/>
-          <a:p>
-            <a:fld id="{A44B02FA-DD2D-1844-AE35-8B2EAB0CF4EF}" type="slidenum">
-              <a:rPr lang="en-US" smtClean="0"/>
-              <a:pPr/>
-              <a:t>15</a:t>
-            </a:fld>
-            <a:endParaRPr lang="en-US" dirty="0"/>
+            <p:ph type="subTitle" idx="1"/>
+          </p:nvPr>
+        </p:nvSpPr>
+        <p:spPr>
+          <a:xfrm>
+            <a:off x="1524000" y="3393688"/>
+            <a:ext cx="9144000" cy="1655762"/>
+          </a:xfrm>
+        </p:spPr>
+        <p:txBody>
+          <a:bodyPr/>
+          <a:lstStyle/>
+          <a:p>
+            <a:r>
+              <a:rPr lang="en-US" dirty="0"/>
+              <a:t>Cisco Platform APIs Overview</a:t>
+            </a:r>
           </a:p>
         </p:txBody>
       </p:sp>
     </p:spTree>
     <p:extLst>
       <p:ext uri="{BB962C8B-B14F-4D97-AF65-F5344CB8AC3E}">
-        <p14:creationId xmlns:p14="http://schemas.microsoft.com/office/powerpoint/2010/main" val="2063027843"/>
+        <p14:creationId xmlns:p14="http://schemas.microsoft.com/office/powerpoint/2010/main" val="899135878"/>
       </p:ext>
     </p:extLst>
   </p:cSld>
@@ -7118,7 +8940,7 @@
           <p:cNvPr id="2" name="Title 1">
             <a:extLst>
               <a:ext uri="{FF2B5EF4-FFF2-40B4-BE49-F238E27FC236}">
-                <a16:creationId xmlns:a16="http://schemas.microsoft.com/office/drawing/2014/main" id="{9D8D6E4C-FC36-3E4C-9387-96DD20072D9D}"/>
+                <a16:creationId xmlns:a16="http://schemas.microsoft.com/office/drawing/2014/main" id="{EB7C4089-1746-624B-8E73-D3DAB8E88CDD}"/>
               </a:ext>
             </a:extLst>
           </p:cNvPr>
@@ -7126,32 +8948,27 @@
             <a:spLocks noGrp="1"/>
           </p:cNvSpPr>
           <p:nvPr>
-            <p:ph type="ctrTitle"/>
-          </p:nvPr>
-        </p:nvSpPr>
-        <p:spPr>
-          <a:xfrm>
-            <a:off x="1524000" y="914013"/>
-            <a:ext cx="9144000" cy="2387600"/>
-          </a:xfrm>
-        </p:spPr>
-        <p:txBody>
-          <a:bodyPr/>
-          <a:lstStyle/>
-          <a:p>
-            <a:r>
-              <a:rPr lang="en-US" dirty="0"/>
-              <a:t>Part VI</a:t>
-            </a:r>
-          </a:p>
-        </p:txBody>
-      </p:sp>
-      <p:sp>
-        <p:nvSpPr>
-          <p:cNvPr id="3" name="Subtitle 2">
+            <p:ph type="title"/>
+          </p:nvPr>
+        </p:nvSpPr>
+        <p:spPr/>
+        <p:txBody>
+          <a:bodyPr/>
+          <a:lstStyle/>
+          <a:p>
+            <a:r>
+              <a:rPr lang="en-US" dirty="0"/>
+              <a:t>Outline</a:t>
+            </a:r>
+          </a:p>
+        </p:txBody>
+      </p:sp>
+      <p:sp>
+        <p:nvSpPr>
+          <p:cNvPr id="3" name="Content Placeholder 2">
             <a:extLst>
               <a:ext uri="{FF2B5EF4-FFF2-40B4-BE49-F238E27FC236}">
-                <a16:creationId xmlns:a16="http://schemas.microsoft.com/office/drawing/2014/main" id="{0451A0DE-9D64-5A48-94B5-5B4E42709819}"/>
+                <a16:creationId xmlns:a16="http://schemas.microsoft.com/office/drawing/2014/main" id="{65426B10-0364-A849-B3A4-1D0DA409155A}"/>
               </a:ext>
             </a:extLst>
           </p:cNvPr>
@@ -7159,30 +8976,159 @@
             <a:spLocks noGrp="1"/>
           </p:cNvSpPr>
           <p:nvPr>
-            <p:ph type="subTitle" idx="1"/>
-          </p:nvPr>
-        </p:nvSpPr>
-        <p:spPr>
-          <a:xfrm>
-            <a:off x="1524000" y="3393688"/>
-            <a:ext cx="9144000" cy="1655762"/>
-          </a:xfrm>
-        </p:spPr>
-        <p:txBody>
-          <a:bodyPr/>
-          <a:lstStyle/>
-          <a:p>
-            <a:r>
-              <a:rPr lang="en-US" dirty="0"/>
-              <a:t>Interact With Cisco Platform APIs Using Python Requests</a:t>
-            </a:r>
+            <p:ph idx="1"/>
+          </p:nvPr>
+        </p:nvSpPr>
+        <p:spPr/>
+        <p:txBody>
+          <a:bodyPr>
+            <a:normAutofit lnSpcReduction="10000"/>
+          </a:bodyPr>
+          <a:lstStyle/>
+          <a:p>
+            <a:r>
+              <a:rPr lang="en-US" dirty="0"/>
+              <a:t>For each of these platforms:</a:t>
+            </a:r>
+          </a:p>
+          <a:p>
+            <a:pPr lvl="1"/>
+            <a:r>
+              <a:rPr lang="en-US" dirty="0"/>
+              <a:t>DNAC</a:t>
+            </a:r>
+          </a:p>
+          <a:p>
+            <a:pPr lvl="1"/>
+            <a:r>
+              <a:rPr lang="en-US" dirty="0" err="1"/>
+              <a:t>Webex</a:t>
+            </a:r>
+            <a:r>
+              <a:rPr lang="en-US" dirty="0"/>
+              <a:t> Teams</a:t>
+            </a:r>
+          </a:p>
+          <a:p>
+            <a:pPr lvl="1"/>
+            <a:r>
+              <a:rPr lang="en-US" dirty="0"/>
+              <a:t>Meraki</a:t>
+            </a:r>
+          </a:p>
+          <a:p>
+            <a:pPr lvl="1"/>
+            <a:r>
+              <a:rPr lang="en-US" dirty="0"/>
+              <a:t>ACI</a:t>
+            </a:r>
+          </a:p>
+          <a:p>
+            <a:pPr lvl="1"/>
+            <a:r>
+              <a:rPr lang="en-US" dirty="0"/>
+              <a:t>Firepower</a:t>
+            </a:r>
+          </a:p>
+          <a:p>
+            <a:pPr lvl="1"/>
+            <a:r>
+              <a:rPr lang="en-US" dirty="0"/>
+              <a:t>SD-WAN</a:t>
+            </a:r>
+          </a:p>
+          <a:p>
+            <a:r>
+              <a:rPr lang="en-US" dirty="0"/>
+              <a:t>Perform the following tasks:</a:t>
+            </a:r>
+          </a:p>
+          <a:p>
+            <a:pPr lvl="1"/>
+            <a:r>
+              <a:rPr lang="en-US" dirty="0"/>
+              <a:t>Platform summary overview</a:t>
+            </a:r>
+          </a:p>
+          <a:p>
+            <a:pPr lvl="1"/>
+            <a:r>
+              <a:rPr lang="en-US" dirty="0"/>
+              <a:t>Review API documentation </a:t>
+            </a:r>
+          </a:p>
+          <a:p>
+            <a:pPr lvl="1"/>
+            <a:r>
+              <a:rPr lang="en-US" dirty="0"/>
+              <a:t>Review resources available for programmatic access/practice/testing</a:t>
+            </a:r>
+          </a:p>
+        </p:txBody>
+      </p:sp>
+      <p:sp>
+        <p:nvSpPr>
+          <p:cNvPr id="4" name="Date Placeholder 3">
+            <a:extLst>
+              <a:ext uri="{FF2B5EF4-FFF2-40B4-BE49-F238E27FC236}">
+                <a16:creationId xmlns:a16="http://schemas.microsoft.com/office/drawing/2014/main" id="{7ECEAF79-F4AC-E94E-9E55-220D0D396924}"/>
+              </a:ext>
+            </a:extLst>
+          </p:cNvPr>
+          <p:cNvSpPr>
+            <a:spLocks noGrp="1"/>
+          </p:cNvSpPr>
+          <p:nvPr>
+            <p:ph type="dt" sz="half" idx="10"/>
+          </p:nvPr>
+        </p:nvSpPr>
+        <p:spPr/>
+        <p:txBody>
+          <a:bodyPr/>
+          <a:lstStyle/>
+          <a:p>
+            <a:r>
+              <a:rPr lang="en-US"/>
+              <a:t>World Wide Technology ©</a:t>
+            </a:r>
+            <a:endParaRPr lang="en-US" dirty="0"/>
+          </a:p>
+        </p:txBody>
+      </p:sp>
+      <p:sp>
+        <p:nvSpPr>
+          <p:cNvPr id="5" name="Slide Number Placeholder 4">
+            <a:extLst>
+              <a:ext uri="{FF2B5EF4-FFF2-40B4-BE49-F238E27FC236}">
+                <a16:creationId xmlns:a16="http://schemas.microsoft.com/office/drawing/2014/main" id="{372DC1A4-CE8B-DB4A-8F86-2508518C35D3}"/>
+              </a:ext>
+            </a:extLst>
+          </p:cNvPr>
+          <p:cNvSpPr>
+            <a:spLocks noGrp="1"/>
+          </p:cNvSpPr>
+          <p:nvPr>
+            <p:ph type="sldNum" sz="quarter" idx="12"/>
+          </p:nvPr>
+        </p:nvSpPr>
+        <p:spPr/>
+        <p:txBody>
+          <a:bodyPr/>
+          <a:lstStyle/>
+          <a:p>
+            <a:fld id="{A44B02FA-DD2D-1844-AE35-8B2EAB0CF4EF}" type="slidenum">
+              <a:rPr lang="en-US" smtClean="0"/>
+              <a:pPr/>
+              <a:t>16</a:t>
+            </a:fld>
+            <a:endParaRPr lang="en-US" dirty="0"/>
           </a:p>
         </p:txBody>
       </p:sp>
     </p:spTree>
     <p:extLst>
       <p:ext uri="{BB962C8B-B14F-4D97-AF65-F5344CB8AC3E}">
-        <p14:creationId xmlns:p14="http://schemas.microsoft.com/office/powerpoint/2010/main" val="4218248441"/>
+        <p14:creationId xmlns:p14="http://schemas.microsoft.com/office/powerpoint/2010/main" val="1513264745"/>
       </p:ext>
     </p:extLst>
   </p:cSld>
@@ -7226,7 +9172,7 @@
           <p:cNvPr id="2" name="Title 1">
             <a:extLst>
               <a:ext uri="{FF2B5EF4-FFF2-40B4-BE49-F238E27FC236}">
-                <a16:creationId xmlns:a16="http://schemas.microsoft.com/office/drawing/2014/main" id="{EB7C4089-1746-624B-8E73-D3DAB8E88CDD}"/>
+                <a16:creationId xmlns:a16="http://schemas.microsoft.com/office/drawing/2014/main" id="{9D8D6E4C-FC36-3E4C-9387-96DD20072D9D}"/>
               </a:ext>
             </a:extLst>
           </p:cNvPr>
@@ -7234,27 +9180,32 @@
             <a:spLocks noGrp="1"/>
           </p:cNvSpPr>
           <p:nvPr>
-            <p:ph type="title"/>
-          </p:nvPr>
-        </p:nvSpPr>
-        <p:spPr/>
-        <p:txBody>
-          <a:bodyPr/>
-          <a:lstStyle/>
-          <a:p>
-            <a:r>
-              <a:rPr lang="en-US" dirty="0"/>
-              <a:t>Outline</a:t>
-            </a:r>
-          </a:p>
-        </p:txBody>
-      </p:sp>
-      <p:sp>
-        <p:nvSpPr>
-          <p:cNvPr id="3" name="Content Placeholder 2">
+            <p:ph type="ctrTitle"/>
+          </p:nvPr>
+        </p:nvSpPr>
+        <p:spPr>
+          <a:xfrm>
+            <a:off x="1524000" y="914013"/>
+            <a:ext cx="9144000" cy="2387600"/>
+          </a:xfrm>
+        </p:spPr>
+        <p:txBody>
+          <a:bodyPr/>
+          <a:lstStyle/>
+          <a:p>
+            <a:r>
+              <a:rPr lang="en-US" dirty="0"/>
+              <a:t>Part V</a:t>
+            </a:r>
+          </a:p>
+        </p:txBody>
+      </p:sp>
+      <p:sp>
+        <p:nvSpPr>
+          <p:cNvPr id="3" name="Subtitle 2">
             <a:extLst>
               <a:ext uri="{FF2B5EF4-FFF2-40B4-BE49-F238E27FC236}">
-                <a16:creationId xmlns:a16="http://schemas.microsoft.com/office/drawing/2014/main" id="{65426B10-0364-A849-B3A4-1D0DA409155A}"/>
+                <a16:creationId xmlns:a16="http://schemas.microsoft.com/office/drawing/2014/main" id="{0451A0DE-9D64-5A48-94B5-5B4E42709819}"/>
               </a:ext>
             </a:extLst>
           </p:cNvPr>
@@ -7262,135 +9213,27 @@
             <a:spLocks noGrp="1"/>
           </p:cNvSpPr>
           <p:nvPr>
-            <p:ph idx="1"/>
-          </p:nvPr>
-        </p:nvSpPr>
-        <p:spPr/>
-        <p:txBody>
-          <a:bodyPr/>
-          <a:lstStyle/>
-          <a:p>
-            <a:r>
-              <a:rPr lang="en-US" dirty="0"/>
-              <a:t>For each of these platforms:</a:t>
-            </a:r>
-          </a:p>
-          <a:p>
-            <a:pPr lvl="1"/>
-            <a:r>
-              <a:rPr lang="en-US" dirty="0"/>
-              <a:t>DNAC</a:t>
-            </a:r>
-          </a:p>
-          <a:p>
-            <a:pPr lvl="1"/>
+            <p:ph type="subTitle" idx="1"/>
+          </p:nvPr>
+        </p:nvSpPr>
+        <p:spPr>
+          <a:xfrm>
+            <a:off x="1524000" y="3393688"/>
+            <a:ext cx="9144000" cy="1655762"/>
+          </a:xfrm>
+        </p:spPr>
+        <p:txBody>
+          <a:bodyPr/>
+          <a:lstStyle/>
+          <a:p>
+            <a:r>
+              <a:rPr lang="en-US" dirty="0"/>
+              <a:t>Interact With Cisco Platform APIs Using </a:t>
+            </a:r>
             <a:r>
               <a:rPr lang="en-US" dirty="0" err="1"/>
-              <a:t>Webex</a:t>
-            </a:r>
-            <a:r>
-              <a:rPr lang="en-US" dirty="0"/>
-              <a:t> Teams</a:t>
-            </a:r>
-          </a:p>
-          <a:p>
-            <a:pPr lvl="1"/>
-            <a:r>
-              <a:rPr lang="en-US" dirty="0"/>
-              <a:t>Meraki</a:t>
-            </a:r>
-          </a:p>
-          <a:p>
-            <a:pPr lvl="1"/>
-            <a:r>
-              <a:rPr lang="en-US" dirty="0"/>
-              <a:t>ACI</a:t>
-            </a:r>
-          </a:p>
-          <a:p>
-            <a:r>
-              <a:rPr lang="en-US" dirty="0"/>
-              <a:t>Perform the following tasks:</a:t>
-            </a:r>
-          </a:p>
-          <a:p>
-            <a:pPr lvl="1"/>
-            <a:r>
-              <a:rPr lang="en-US" dirty="0"/>
-              <a:t>Review authentication methodology</a:t>
-            </a:r>
-          </a:p>
-          <a:p>
-            <a:pPr lvl="1"/>
-            <a:r>
-              <a:rPr lang="en-US" dirty="0"/>
-              <a:t>Build Python scripts to authenticate</a:t>
-            </a:r>
-          </a:p>
-          <a:p>
-            <a:pPr lvl="1"/>
-            <a:r>
-              <a:rPr lang="en-US" dirty="0"/>
-              <a:t>Build Python scripts to read/write data</a:t>
-            </a:r>
-          </a:p>
-        </p:txBody>
-      </p:sp>
-      <p:sp>
-        <p:nvSpPr>
-          <p:cNvPr id="4" name="Date Placeholder 3">
-            <a:extLst>
-              <a:ext uri="{FF2B5EF4-FFF2-40B4-BE49-F238E27FC236}">
-                <a16:creationId xmlns:a16="http://schemas.microsoft.com/office/drawing/2014/main" id="{7ECEAF79-F4AC-E94E-9E55-220D0D396924}"/>
-              </a:ext>
-            </a:extLst>
-          </p:cNvPr>
-          <p:cNvSpPr>
-            <a:spLocks noGrp="1"/>
-          </p:cNvSpPr>
-          <p:nvPr>
-            <p:ph type="dt" sz="half" idx="10"/>
-          </p:nvPr>
-        </p:nvSpPr>
-        <p:spPr/>
-        <p:txBody>
-          <a:bodyPr/>
-          <a:lstStyle/>
-          <a:p>
-            <a:r>
-              <a:rPr lang="en-US"/>
-              <a:t>World Wide Technology ©</a:t>
-            </a:r>
-            <a:endParaRPr lang="en-US" dirty="0"/>
-          </a:p>
-        </p:txBody>
-      </p:sp>
-      <p:sp>
-        <p:nvSpPr>
-          <p:cNvPr id="5" name="Slide Number Placeholder 4">
-            <a:extLst>
-              <a:ext uri="{FF2B5EF4-FFF2-40B4-BE49-F238E27FC236}">
-                <a16:creationId xmlns:a16="http://schemas.microsoft.com/office/drawing/2014/main" id="{372DC1A4-CE8B-DB4A-8F86-2508518C35D3}"/>
-              </a:ext>
-            </a:extLst>
-          </p:cNvPr>
-          <p:cNvSpPr>
-            <a:spLocks noGrp="1"/>
-          </p:cNvSpPr>
-          <p:nvPr>
-            <p:ph type="sldNum" sz="quarter" idx="12"/>
-          </p:nvPr>
-        </p:nvSpPr>
-        <p:spPr/>
-        <p:txBody>
-          <a:bodyPr/>
-          <a:lstStyle/>
-          <a:p>
-            <a:fld id="{A44B02FA-DD2D-1844-AE35-8B2EAB0CF4EF}" type="slidenum">
-              <a:rPr lang="en-US" smtClean="0"/>
-              <a:pPr/>
-              <a:t>17</a:t>
-            </a:fld>
+              <a:t>cURL</a:t>
+            </a:r>
             <a:endParaRPr lang="en-US" dirty="0"/>
           </a:p>
         </p:txBody>
@@ -7398,7 +9241,7 @@
     </p:spTree>
     <p:extLst>
       <p:ext uri="{BB962C8B-B14F-4D97-AF65-F5344CB8AC3E}">
-        <p14:creationId xmlns:p14="http://schemas.microsoft.com/office/powerpoint/2010/main" val="232106193"/>
+        <p14:creationId xmlns:p14="http://schemas.microsoft.com/office/powerpoint/2010/main" val="2203929534"/>
       </p:ext>
     </p:extLst>
   </p:cSld>
@@ -7442,7 +9285,7 @@
           <p:cNvPr id="2" name="Title 1">
             <a:extLst>
               <a:ext uri="{FF2B5EF4-FFF2-40B4-BE49-F238E27FC236}">
-                <a16:creationId xmlns:a16="http://schemas.microsoft.com/office/drawing/2014/main" id="{9D8D6E4C-FC36-3E4C-9387-96DD20072D9D}"/>
+                <a16:creationId xmlns:a16="http://schemas.microsoft.com/office/drawing/2014/main" id="{EB7C4089-1746-624B-8E73-D3DAB8E88CDD}"/>
               </a:ext>
             </a:extLst>
           </p:cNvPr>
@@ -7450,32 +9293,27 @@
             <a:spLocks noGrp="1"/>
           </p:cNvSpPr>
           <p:nvPr>
-            <p:ph type="ctrTitle"/>
-          </p:nvPr>
-        </p:nvSpPr>
-        <p:spPr>
-          <a:xfrm>
-            <a:off x="1524000" y="914013"/>
-            <a:ext cx="9144000" cy="2387600"/>
-          </a:xfrm>
-        </p:spPr>
-        <p:txBody>
-          <a:bodyPr/>
-          <a:lstStyle/>
-          <a:p>
-            <a:r>
-              <a:rPr lang="en-US" dirty="0"/>
-              <a:t>Part VII</a:t>
-            </a:r>
-          </a:p>
-        </p:txBody>
-      </p:sp>
-      <p:sp>
-        <p:nvSpPr>
-          <p:cNvPr id="3" name="Subtitle 2">
+            <p:ph type="title"/>
+          </p:nvPr>
+        </p:nvSpPr>
+        <p:spPr/>
+        <p:txBody>
+          <a:bodyPr/>
+          <a:lstStyle/>
+          <a:p>
+            <a:r>
+              <a:rPr lang="en-US" dirty="0"/>
+              <a:t>Outline</a:t>
+            </a:r>
+          </a:p>
+        </p:txBody>
+      </p:sp>
+      <p:sp>
+        <p:nvSpPr>
+          <p:cNvPr id="3" name="Content Placeholder 2">
             <a:extLst>
               <a:ext uri="{FF2B5EF4-FFF2-40B4-BE49-F238E27FC236}">
-                <a16:creationId xmlns:a16="http://schemas.microsoft.com/office/drawing/2014/main" id="{0451A0DE-9D64-5A48-94B5-5B4E42709819}"/>
+                <a16:creationId xmlns:a16="http://schemas.microsoft.com/office/drawing/2014/main" id="{65426B10-0364-A849-B3A4-1D0DA409155A}"/>
               </a:ext>
             </a:extLst>
           </p:cNvPr>
@@ -7483,30 +9321,159 @@
             <a:spLocks noGrp="1"/>
           </p:cNvSpPr>
           <p:nvPr>
-            <p:ph type="subTitle" idx="1"/>
-          </p:nvPr>
-        </p:nvSpPr>
-        <p:spPr>
-          <a:xfrm>
-            <a:off x="1524000" y="3393688"/>
-            <a:ext cx="9144000" cy="1655762"/>
-          </a:xfrm>
-        </p:spPr>
-        <p:txBody>
-          <a:bodyPr/>
-          <a:lstStyle/>
-          <a:p>
-            <a:r>
-              <a:rPr lang="en-US" dirty="0"/>
-              <a:t>Quiz, Practice Resources, &amp; References</a:t>
-            </a:r>
+            <p:ph idx="1"/>
+          </p:nvPr>
+        </p:nvSpPr>
+        <p:spPr/>
+        <p:txBody>
+          <a:bodyPr/>
+          <a:lstStyle/>
+          <a:p>
+            <a:r>
+              <a:rPr lang="en-US" dirty="0"/>
+              <a:t>For each of these platforms:</a:t>
+            </a:r>
+          </a:p>
+          <a:p>
+            <a:pPr lvl="1"/>
+            <a:r>
+              <a:rPr lang="en-US" dirty="0"/>
+              <a:t>DNAC</a:t>
+            </a:r>
+          </a:p>
+          <a:p>
+            <a:pPr lvl="1"/>
+            <a:r>
+              <a:rPr lang="en-US" dirty="0" err="1"/>
+              <a:t>Webex</a:t>
+            </a:r>
+            <a:r>
+              <a:rPr lang="en-US" dirty="0"/>
+              <a:t> Teams</a:t>
+            </a:r>
+          </a:p>
+          <a:p>
+            <a:pPr lvl="1"/>
+            <a:r>
+              <a:rPr lang="en-US" dirty="0"/>
+              <a:t>Meraki</a:t>
+            </a:r>
+          </a:p>
+          <a:p>
+            <a:pPr lvl="1"/>
+            <a:r>
+              <a:rPr lang="en-US" dirty="0"/>
+              <a:t>ACI</a:t>
+            </a:r>
+          </a:p>
+          <a:p>
+            <a:r>
+              <a:rPr lang="en-US" dirty="0"/>
+              <a:t>Perform the following tasks:</a:t>
+            </a:r>
+          </a:p>
+          <a:p>
+            <a:pPr lvl="1"/>
+            <a:r>
+              <a:rPr lang="en-US" dirty="0"/>
+              <a:t>Understand authentication methodology</a:t>
+            </a:r>
+          </a:p>
+          <a:p>
+            <a:pPr lvl="1"/>
+            <a:r>
+              <a:rPr lang="en-US" dirty="0"/>
+              <a:t>Build </a:t>
+            </a:r>
+            <a:r>
+              <a:rPr lang="en-US" dirty="0" err="1"/>
+              <a:t>cURL</a:t>
+            </a:r>
+            <a:r>
+              <a:rPr lang="en-US" dirty="0"/>
+              <a:t> request to authenticate</a:t>
+            </a:r>
+          </a:p>
+          <a:p>
+            <a:pPr lvl="1"/>
+            <a:r>
+              <a:rPr lang="en-US" dirty="0"/>
+              <a:t>Build </a:t>
+            </a:r>
+            <a:r>
+              <a:rPr lang="en-US" dirty="0" err="1"/>
+              <a:t>cURL</a:t>
+            </a:r>
+            <a:r>
+              <a:rPr lang="en-US" dirty="0"/>
+              <a:t> request(s) to read/write data</a:t>
+            </a:r>
+          </a:p>
+        </p:txBody>
+      </p:sp>
+      <p:sp>
+        <p:nvSpPr>
+          <p:cNvPr id="4" name="Date Placeholder 3">
+            <a:extLst>
+              <a:ext uri="{FF2B5EF4-FFF2-40B4-BE49-F238E27FC236}">
+                <a16:creationId xmlns:a16="http://schemas.microsoft.com/office/drawing/2014/main" id="{7ECEAF79-F4AC-E94E-9E55-220D0D396924}"/>
+              </a:ext>
+            </a:extLst>
+          </p:cNvPr>
+          <p:cNvSpPr>
+            <a:spLocks noGrp="1"/>
+          </p:cNvSpPr>
+          <p:nvPr>
+            <p:ph type="dt" sz="half" idx="10"/>
+          </p:nvPr>
+        </p:nvSpPr>
+        <p:spPr/>
+        <p:txBody>
+          <a:bodyPr/>
+          <a:lstStyle/>
+          <a:p>
+            <a:r>
+              <a:rPr lang="en-US"/>
+              <a:t>World Wide Technology ©</a:t>
+            </a:r>
+            <a:endParaRPr lang="en-US" dirty="0"/>
+          </a:p>
+        </p:txBody>
+      </p:sp>
+      <p:sp>
+        <p:nvSpPr>
+          <p:cNvPr id="5" name="Slide Number Placeholder 4">
+            <a:extLst>
+              <a:ext uri="{FF2B5EF4-FFF2-40B4-BE49-F238E27FC236}">
+                <a16:creationId xmlns:a16="http://schemas.microsoft.com/office/drawing/2014/main" id="{372DC1A4-CE8B-DB4A-8F86-2508518C35D3}"/>
+              </a:ext>
+            </a:extLst>
+          </p:cNvPr>
+          <p:cNvSpPr>
+            <a:spLocks noGrp="1"/>
+          </p:cNvSpPr>
+          <p:nvPr>
+            <p:ph type="sldNum" sz="quarter" idx="12"/>
+          </p:nvPr>
+        </p:nvSpPr>
+        <p:spPr/>
+        <p:txBody>
+          <a:bodyPr/>
+          <a:lstStyle/>
+          <a:p>
+            <a:fld id="{A44B02FA-DD2D-1844-AE35-8B2EAB0CF4EF}" type="slidenum">
+              <a:rPr lang="en-US" smtClean="0"/>
+              <a:pPr/>
+              <a:t>18</a:t>
+            </a:fld>
+            <a:endParaRPr lang="en-US" dirty="0"/>
           </a:p>
         </p:txBody>
       </p:sp>
     </p:spTree>
     <p:extLst>
       <p:ext uri="{BB962C8B-B14F-4D97-AF65-F5344CB8AC3E}">
-        <p14:creationId xmlns:p14="http://schemas.microsoft.com/office/powerpoint/2010/main" val="3392886013"/>
+        <p14:creationId xmlns:p14="http://schemas.microsoft.com/office/powerpoint/2010/main" val="2063027843"/>
       </p:ext>
     </p:extLst>
   </p:cSld>
@@ -7550,7 +9517,7 @@
           <p:cNvPr id="2" name="Title 1">
             <a:extLst>
               <a:ext uri="{FF2B5EF4-FFF2-40B4-BE49-F238E27FC236}">
-                <a16:creationId xmlns:a16="http://schemas.microsoft.com/office/drawing/2014/main" id="{EB7C4089-1746-624B-8E73-D3DAB8E88CDD}"/>
+                <a16:creationId xmlns:a16="http://schemas.microsoft.com/office/drawing/2014/main" id="{9D8D6E4C-FC36-3E4C-9387-96DD20072D9D}"/>
               </a:ext>
             </a:extLst>
           </p:cNvPr>
@@ -7558,27 +9525,32 @@
             <a:spLocks noGrp="1"/>
           </p:cNvSpPr>
           <p:nvPr>
-            <p:ph type="title"/>
-          </p:nvPr>
-        </p:nvSpPr>
-        <p:spPr/>
-        <p:txBody>
-          <a:bodyPr/>
-          <a:lstStyle/>
-          <a:p>
-            <a:r>
-              <a:rPr lang="en-US" dirty="0"/>
-              <a:t>Slide Template</a:t>
-            </a:r>
-          </a:p>
-        </p:txBody>
-      </p:sp>
-      <p:sp>
-        <p:nvSpPr>
-          <p:cNvPr id="3" name="Content Placeholder 2">
+            <p:ph type="ctrTitle"/>
+          </p:nvPr>
+        </p:nvSpPr>
+        <p:spPr>
+          <a:xfrm>
+            <a:off x="1524000" y="914013"/>
+            <a:ext cx="9144000" cy="2387600"/>
+          </a:xfrm>
+        </p:spPr>
+        <p:txBody>
+          <a:bodyPr/>
+          <a:lstStyle/>
+          <a:p>
+            <a:r>
+              <a:rPr lang="en-US" dirty="0"/>
+              <a:t>Part VI</a:t>
+            </a:r>
+          </a:p>
+        </p:txBody>
+      </p:sp>
+      <p:sp>
+        <p:nvSpPr>
+          <p:cNvPr id="3" name="Subtitle 2">
             <a:extLst>
               <a:ext uri="{FF2B5EF4-FFF2-40B4-BE49-F238E27FC236}">
-                <a16:creationId xmlns:a16="http://schemas.microsoft.com/office/drawing/2014/main" id="{65426B10-0364-A849-B3A4-1D0DA409155A}"/>
+                <a16:creationId xmlns:a16="http://schemas.microsoft.com/office/drawing/2014/main" id="{0451A0DE-9D64-5A48-94B5-5B4E42709819}"/>
               </a:ext>
             </a:extLst>
           </p:cNvPr>
@@ -7586,84 +9558,30 @@
             <a:spLocks noGrp="1"/>
           </p:cNvSpPr>
           <p:nvPr>
-            <p:ph idx="1"/>
-          </p:nvPr>
-        </p:nvSpPr>
-        <p:spPr/>
-        <p:txBody>
-          <a:bodyPr/>
-          <a:lstStyle/>
-          <a:p>
-            <a:r>
-              <a:rPr lang="en-US" dirty="0"/>
-              <a:t>Body template</a:t>
-            </a:r>
-          </a:p>
-        </p:txBody>
-      </p:sp>
-      <p:sp>
-        <p:nvSpPr>
-          <p:cNvPr id="4" name="Date Placeholder 3">
-            <a:extLst>
-              <a:ext uri="{FF2B5EF4-FFF2-40B4-BE49-F238E27FC236}">
-                <a16:creationId xmlns:a16="http://schemas.microsoft.com/office/drawing/2014/main" id="{7ECEAF79-F4AC-E94E-9E55-220D0D396924}"/>
-              </a:ext>
-            </a:extLst>
-          </p:cNvPr>
-          <p:cNvSpPr>
-            <a:spLocks noGrp="1"/>
-          </p:cNvSpPr>
-          <p:nvPr>
-            <p:ph type="dt" sz="half" idx="10"/>
-          </p:nvPr>
-        </p:nvSpPr>
-        <p:spPr/>
-        <p:txBody>
-          <a:bodyPr/>
-          <a:lstStyle/>
-          <a:p>
-            <a:r>
-              <a:rPr lang="en-US"/>
-              <a:t>World Wide Technology ©</a:t>
-            </a:r>
-            <a:endParaRPr lang="en-US" dirty="0"/>
-          </a:p>
-        </p:txBody>
-      </p:sp>
-      <p:sp>
-        <p:nvSpPr>
-          <p:cNvPr id="5" name="Slide Number Placeholder 4">
-            <a:extLst>
-              <a:ext uri="{FF2B5EF4-FFF2-40B4-BE49-F238E27FC236}">
-                <a16:creationId xmlns:a16="http://schemas.microsoft.com/office/drawing/2014/main" id="{372DC1A4-CE8B-DB4A-8F86-2508518C35D3}"/>
-              </a:ext>
-            </a:extLst>
-          </p:cNvPr>
-          <p:cNvSpPr>
-            <a:spLocks noGrp="1"/>
-          </p:cNvSpPr>
-          <p:nvPr>
-            <p:ph type="sldNum" sz="quarter" idx="12"/>
-          </p:nvPr>
-        </p:nvSpPr>
-        <p:spPr/>
-        <p:txBody>
-          <a:bodyPr/>
-          <a:lstStyle/>
-          <a:p>
-            <a:fld id="{A44B02FA-DD2D-1844-AE35-8B2EAB0CF4EF}" type="slidenum">
-              <a:rPr lang="en-US" smtClean="0"/>
-              <a:pPr/>
-              <a:t>19</a:t>
-            </a:fld>
-            <a:endParaRPr lang="en-US" dirty="0"/>
+            <p:ph type="subTitle" idx="1"/>
+          </p:nvPr>
+        </p:nvSpPr>
+        <p:spPr>
+          <a:xfrm>
+            <a:off x="1524000" y="3393688"/>
+            <a:ext cx="9144000" cy="1655762"/>
+          </a:xfrm>
+        </p:spPr>
+        <p:txBody>
+          <a:bodyPr/>
+          <a:lstStyle/>
+          <a:p>
+            <a:r>
+              <a:rPr lang="en-US" dirty="0"/>
+              <a:t>Interact With Cisco Platform APIs Using Python Requests</a:t>
+            </a:r>
           </a:p>
         </p:txBody>
       </p:sp>
     </p:spTree>
     <p:extLst>
       <p:ext uri="{BB962C8B-B14F-4D97-AF65-F5344CB8AC3E}">
-        <p14:creationId xmlns:p14="http://schemas.microsoft.com/office/powerpoint/2010/main" val="2709408928"/>
+        <p14:creationId xmlns:p14="http://schemas.microsoft.com/office/powerpoint/2010/main" val="4218248441"/>
       </p:ext>
     </p:extLst>
   </p:cSld>
@@ -8600,7 +10518,7 @@
           <a:p>
             <a:r>
               <a:rPr lang="en-US" dirty="0"/>
-              <a:t>References</a:t>
+              <a:t>Outline</a:t>
             </a:r>
           </a:p>
         </p:txBody>
@@ -8623,73 +10541,71 @@
         </p:nvSpPr>
         <p:spPr/>
         <p:txBody>
-          <a:bodyPr>
-            <a:normAutofit lnSpcReduction="10000"/>
-          </a:bodyPr>
-          <a:lstStyle/>
-          <a:p>
-            <a:r>
-              <a:rPr lang="en-US" dirty="0">
-                <a:hlinkClick r:id="rId2"/>
-              </a:rPr>
-              <a:t>https://www.linkedin.com/pulse/why-rest-api-so-popular-mangesh-bulkar/</a:t>
-            </a:r>
-            <a:endParaRPr lang="en-US" dirty="0">
-              <a:hlinkClick r:id="rId3"/>
-            </a:endParaRPr>
-          </a:p>
-          <a:p>
-            <a:r>
-              <a:rPr lang="en-US" dirty="0">
-                <a:hlinkClick r:id="rId3"/>
-              </a:rPr>
-              <a:t>https://en.wikipedia.org/wiki/CURL</a:t>
-            </a:r>
-            <a:endParaRPr lang="en-US" dirty="0"/>
-          </a:p>
-          <a:p>
-            <a:r>
-              <a:rPr lang="en-US" dirty="0">
-                <a:hlinkClick r:id="rId4"/>
-              </a:rPr>
-              <a:t>https://en.wikipedia.org/wiki/Requests_%28software%29</a:t>
-            </a:r>
-            <a:endParaRPr lang="en-US" dirty="0"/>
-          </a:p>
-          <a:p>
-            <a:r>
-              <a:rPr lang="en-US" dirty="0">
-                <a:hlinkClick r:id="rId5"/>
-              </a:rPr>
-              <a:t>https://curl.haxx.se</a:t>
-            </a:r>
-            <a:endParaRPr lang="en-US" dirty="0"/>
-          </a:p>
-          <a:p>
-            <a:r>
-              <a:rPr lang="en-US" dirty="0">
-                <a:hlinkClick r:id="rId6"/>
-              </a:rPr>
-              <a:t>https://requests.readthedocs.io/en/master/</a:t>
-            </a:r>
-            <a:endParaRPr lang="en-US" dirty="0"/>
-          </a:p>
-          <a:p>
-            <a:r>
-              <a:rPr lang="en-US" dirty="0"/>
-              <a:t>Cisco API documentation #1</a:t>
-            </a:r>
-          </a:p>
-          <a:p>
-            <a:r>
-              <a:rPr lang="en-US" dirty="0"/>
-              <a:t>Cisco API documentation #2</a:t>
-            </a:r>
-          </a:p>
-          <a:p>
-            <a:r>
-              <a:rPr lang="en-US" dirty="0"/>
-              <a:t>Cisco API documentation #3</a:t>
+          <a:bodyPr/>
+          <a:lstStyle/>
+          <a:p>
+            <a:r>
+              <a:rPr lang="en-US" dirty="0"/>
+              <a:t>For each of these platforms:</a:t>
+            </a:r>
+          </a:p>
+          <a:p>
+            <a:pPr lvl="1"/>
+            <a:r>
+              <a:rPr lang="en-US" dirty="0"/>
+              <a:t>DNAC</a:t>
+            </a:r>
+          </a:p>
+          <a:p>
+            <a:pPr lvl="1"/>
+            <a:r>
+              <a:rPr lang="en-US" dirty="0" err="1"/>
+              <a:t>Webex</a:t>
+            </a:r>
+            <a:r>
+              <a:rPr lang="en-US" dirty="0"/>
+              <a:t> Teams</a:t>
+            </a:r>
+          </a:p>
+          <a:p>
+            <a:pPr lvl="1"/>
+            <a:r>
+              <a:rPr lang="en-US" dirty="0"/>
+              <a:t>Meraki</a:t>
+            </a:r>
+          </a:p>
+          <a:p>
+            <a:pPr lvl="1"/>
+            <a:r>
+              <a:rPr lang="en-US" dirty="0"/>
+              <a:t>ACI</a:t>
+            </a:r>
+          </a:p>
+          <a:p>
+            <a:r>
+              <a:rPr lang="en-US" dirty="0"/>
+              <a:t>Perform the following tasks:</a:t>
+            </a:r>
+          </a:p>
+          <a:p>
+            <a:pPr lvl="1"/>
+            <a:r>
+              <a:rPr lang="en-US" dirty="0"/>
+              <a:t>Review authentication methodology</a:t>
+            </a:r>
+          </a:p>
+          <a:p>
+            <a:pPr lvl="1"/>
+            <a:r>
+              <a:rPr lang="en-US" dirty="0"/>
+              <a:t>Build Python scripts to authenticate</a:t>
+            </a:r>
+          </a:p>
+          <a:p>
+            <a:pPr lvl="1"/>
+            <a:r>
+              <a:rPr lang="en-US" dirty="0"/>
+              <a:t>Build Python scripts to read/write data</a:t>
             </a:r>
           </a:p>
         </p:txBody>
@@ -8756,7 +10672,7 @@
     </p:spTree>
     <p:extLst>
       <p:ext uri="{BB962C8B-B14F-4D97-AF65-F5344CB8AC3E}">
-        <p14:creationId xmlns:p14="http://schemas.microsoft.com/office/powerpoint/2010/main" val="3225595977"/>
+        <p14:creationId xmlns:p14="http://schemas.microsoft.com/office/powerpoint/2010/main" val="232106193"/>
       </p:ext>
     </p:extLst>
   </p:cSld>
@@ -8797,6 +10713,489 @@
       </p:grpSpPr>
       <p:sp>
         <p:nvSpPr>
+          <p:cNvPr id="2" name="Title 1">
+            <a:extLst>
+              <a:ext uri="{FF2B5EF4-FFF2-40B4-BE49-F238E27FC236}">
+                <a16:creationId xmlns:a16="http://schemas.microsoft.com/office/drawing/2014/main" id="{9D8D6E4C-FC36-3E4C-9387-96DD20072D9D}"/>
+              </a:ext>
+            </a:extLst>
+          </p:cNvPr>
+          <p:cNvSpPr>
+            <a:spLocks noGrp="1"/>
+          </p:cNvSpPr>
+          <p:nvPr>
+            <p:ph type="ctrTitle"/>
+          </p:nvPr>
+        </p:nvSpPr>
+        <p:spPr>
+          <a:xfrm>
+            <a:off x="1524000" y="914013"/>
+            <a:ext cx="9144000" cy="2387600"/>
+          </a:xfrm>
+        </p:spPr>
+        <p:txBody>
+          <a:bodyPr/>
+          <a:lstStyle/>
+          <a:p>
+            <a:r>
+              <a:rPr lang="en-US" dirty="0"/>
+              <a:t>Part VII</a:t>
+            </a:r>
+          </a:p>
+        </p:txBody>
+      </p:sp>
+      <p:sp>
+        <p:nvSpPr>
+          <p:cNvPr id="3" name="Subtitle 2">
+            <a:extLst>
+              <a:ext uri="{FF2B5EF4-FFF2-40B4-BE49-F238E27FC236}">
+                <a16:creationId xmlns:a16="http://schemas.microsoft.com/office/drawing/2014/main" id="{0451A0DE-9D64-5A48-94B5-5B4E42709819}"/>
+              </a:ext>
+            </a:extLst>
+          </p:cNvPr>
+          <p:cNvSpPr>
+            <a:spLocks noGrp="1"/>
+          </p:cNvSpPr>
+          <p:nvPr>
+            <p:ph type="subTitle" idx="1"/>
+          </p:nvPr>
+        </p:nvSpPr>
+        <p:spPr>
+          <a:xfrm>
+            <a:off x="1524000" y="3393688"/>
+            <a:ext cx="9144000" cy="1655762"/>
+          </a:xfrm>
+        </p:spPr>
+        <p:txBody>
+          <a:bodyPr/>
+          <a:lstStyle/>
+          <a:p>
+            <a:r>
+              <a:rPr lang="en-US" dirty="0"/>
+              <a:t>Quiz, Practice Resources, &amp; References</a:t>
+            </a:r>
+          </a:p>
+        </p:txBody>
+      </p:sp>
+    </p:spTree>
+    <p:extLst>
+      <p:ext uri="{BB962C8B-B14F-4D97-AF65-F5344CB8AC3E}">
+        <p14:creationId xmlns:p14="http://schemas.microsoft.com/office/powerpoint/2010/main" val="3392886013"/>
+      </p:ext>
+    </p:extLst>
+  </p:cSld>
+  <p:clrMapOvr>
+    <a:masterClrMapping/>
+  </p:clrMapOvr>
+  <mc:AlternateContent xmlns:mc="http://schemas.openxmlformats.org/markup-compatibility/2006" xmlns:p14="http://schemas.microsoft.com/office/powerpoint/2010/main">
+    <mc:Choice Requires="p14">
+      <p:transition spd="med" p14:dur="700">
+        <p:fade/>
+      </p:transition>
+    </mc:Choice>
+    <mc:Fallback xmlns="">
+      <p:transition spd="med">
+        <p:fade/>
+      </p:transition>
+    </mc:Fallback>
+  </mc:AlternateContent>
+</p:sld>
+</file>
+
+<file path=ppt/slides/slide22.xml><?xml version="1.0" encoding="utf-8"?>
+<p:sld xmlns:a="http://schemas.openxmlformats.org/drawingml/2006/main" xmlns:r="http://schemas.openxmlformats.org/officeDocument/2006/relationships" xmlns:p="http://schemas.openxmlformats.org/presentationml/2006/main">
+  <p:cSld>
+    <p:spTree>
+      <p:nvGrpSpPr>
+        <p:cNvPr id="1" name=""/>
+        <p:cNvGrpSpPr/>
+        <p:nvPr/>
+      </p:nvGrpSpPr>
+      <p:grpSpPr>
+        <a:xfrm>
+          <a:off x="0" y="0"/>
+          <a:ext cx="0" cy="0"/>
+          <a:chOff x="0" y="0"/>
+          <a:chExt cx="0" cy="0"/>
+        </a:xfrm>
+      </p:grpSpPr>
+      <p:sp>
+        <p:nvSpPr>
+          <p:cNvPr id="2" name="Title 1">
+            <a:extLst>
+              <a:ext uri="{FF2B5EF4-FFF2-40B4-BE49-F238E27FC236}">
+                <a16:creationId xmlns:a16="http://schemas.microsoft.com/office/drawing/2014/main" id="{EB7C4089-1746-624B-8E73-D3DAB8E88CDD}"/>
+              </a:ext>
+            </a:extLst>
+          </p:cNvPr>
+          <p:cNvSpPr>
+            <a:spLocks noGrp="1"/>
+          </p:cNvSpPr>
+          <p:nvPr>
+            <p:ph type="title"/>
+          </p:nvPr>
+        </p:nvSpPr>
+        <p:spPr/>
+        <p:txBody>
+          <a:bodyPr/>
+          <a:lstStyle/>
+          <a:p>
+            <a:r>
+              <a:rPr lang="en-US" dirty="0"/>
+              <a:t>Slide Template</a:t>
+            </a:r>
+          </a:p>
+        </p:txBody>
+      </p:sp>
+      <p:sp>
+        <p:nvSpPr>
+          <p:cNvPr id="3" name="Content Placeholder 2">
+            <a:extLst>
+              <a:ext uri="{FF2B5EF4-FFF2-40B4-BE49-F238E27FC236}">
+                <a16:creationId xmlns:a16="http://schemas.microsoft.com/office/drawing/2014/main" id="{65426B10-0364-A849-B3A4-1D0DA409155A}"/>
+              </a:ext>
+            </a:extLst>
+          </p:cNvPr>
+          <p:cNvSpPr>
+            <a:spLocks noGrp="1"/>
+          </p:cNvSpPr>
+          <p:nvPr>
+            <p:ph idx="1"/>
+          </p:nvPr>
+        </p:nvSpPr>
+        <p:spPr/>
+        <p:txBody>
+          <a:bodyPr/>
+          <a:lstStyle/>
+          <a:p>
+            <a:r>
+              <a:rPr lang="en-US" dirty="0"/>
+              <a:t>Body template</a:t>
+            </a:r>
+          </a:p>
+        </p:txBody>
+      </p:sp>
+      <p:sp>
+        <p:nvSpPr>
+          <p:cNvPr id="4" name="Date Placeholder 3">
+            <a:extLst>
+              <a:ext uri="{FF2B5EF4-FFF2-40B4-BE49-F238E27FC236}">
+                <a16:creationId xmlns:a16="http://schemas.microsoft.com/office/drawing/2014/main" id="{7ECEAF79-F4AC-E94E-9E55-220D0D396924}"/>
+              </a:ext>
+            </a:extLst>
+          </p:cNvPr>
+          <p:cNvSpPr>
+            <a:spLocks noGrp="1"/>
+          </p:cNvSpPr>
+          <p:nvPr>
+            <p:ph type="dt" sz="half" idx="10"/>
+          </p:nvPr>
+        </p:nvSpPr>
+        <p:spPr/>
+        <p:txBody>
+          <a:bodyPr/>
+          <a:lstStyle/>
+          <a:p>
+            <a:r>
+              <a:rPr lang="en-US"/>
+              <a:t>World Wide Technology ©</a:t>
+            </a:r>
+            <a:endParaRPr lang="en-US" dirty="0"/>
+          </a:p>
+        </p:txBody>
+      </p:sp>
+      <p:sp>
+        <p:nvSpPr>
+          <p:cNvPr id="5" name="Slide Number Placeholder 4">
+            <a:extLst>
+              <a:ext uri="{FF2B5EF4-FFF2-40B4-BE49-F238E27FC236}">
+                <a16:creationId xmlns:a16="http://schemas.microsoft.com/office/drawing/2014/main" id="{372DC1A4-CE8B-DB4A-8F86-2508518C35D3}"/>
+              </a:ext>
+            </a:extLst>
+          </p:cNvPr>
+          <p:cNvSpPr>
+            <a:spLocks noGrp="1"/>
+          </p:cNvSpPr>
+          <p:nvPr>
+            <p:ph type="sldNum" sz="quarter" idx="12"/>
+          </p:nvPr>
+        </p:nvSpPr>
+        <p:spPr/>
+        <p:txBody>
+          <a:bodyPr/>
+          <a:lstStyle/>
+          <a:p>
+            <a:fld id="{A44B02FA-DD2D-1844-AE35-8B2EAB0CF4EF}" type="slidenum">
+              <a:rPr lang="en-US" smtClean="0"/>
+              <a:pPr/>
+              <a:t>22</a:t>
+            </a:fld>
+            <a:endParaRPr lang="en-US" dirty="0"/>
+          </a:p>
+        </p:txBody>
+      </p:sp>
+    </p:spTree>
+    <p:extLst>
+      <p:ext uri="{BB962C8B-B14F-4D97-AF65-F5344CB8AC3E}">
+        <p14:creationId xmlns:p14="http://schemas.microsoft.com/office/powerpoint/2010/main" val="2709408928"/>
+      </p:ext>
+    </p:extLst>
+  </p:cSld>
+  <p:clrMapOvr>
+    <a:masterClrMapping/>
+  </p:clrMapOvr>
+  <mc:AlternateContent xmlns:mc="http://schemas.openxmlformats.org/markup-compatibility/2006" xmlns:p14="http://schemas.microsoft.com/office/powerpoint/2010/main">
+    <mc:Choice Requires="p14">
+      <p:transition spd="med" p14:dur="700">
+        <p:fade/>
+      </p:transition>
+    </mc:Choice>
+    <mc:Fallback xmlns="">
+      <p:transition spd="med">
+        <p:fade/>
+      </p:transition>
+    </mc:Fallback>
+  </mc:AlternateContent>
+</p:sld>
+</file>
+
+<file path=ppt/slides/slide23.xml><?xml version="1.0" encoding="utf-8"?>
+<p:sld xmlns:a="http://schemas.openxmlformats.org/drawingml/2006/main" xmlns:r="http://schemas.openxmlformats.org/officeDocument/2006/relationships" xmlns:p="http://schemas.openxmlformats.org/presentationml/2006/main">
+  <p:cSld>
+    <p:spTree>
+      <p:nvGrpSpPr>
+        <p:cNvPr id="1" name=""/>
+        <p:cNvGrpSpPr/>
+        <p:nvPr/>
+      </p:nvGrpSpPr>
+      <p:grpSpPr>
+        <a:xfrm>
+          <a:off x="0" y="0"/>
+          <a:ext cx="0" cy="0"/>
+          <a:chOff x="0" y="0"/>
+          <a:chExt cx="0" cy="0"/>
+        </a:xfrm>
+      </p:grpSpPr>
+      <p:sp>
+        <p:nvSpPr>
+          <p:cNvPr id="2" name="Title 1">
+            <a:extLst>
+              <a:ext uri="{FF2B5EF4-FFF2-40B4-BE49-F238E27FC236}">
+                <a16:creationId xmlns:a16="http://schemas.microsoft.com/office/drawing/2014/main" id="{EB7C4089-1746-624B-8E73-D3DAB8E88CDD}"/>
+              </a:ext>
+            </a:extLst>
+          </p:cNvPr>
+          <p:cNvSpPr>
+            <a:spLocks noGrp="1"/>
+          </p:cNvSpPr>
+          <p:nvPr>
+            <p:ph type="title"/>
+          </p:nvPr>
+        </p:nvSpPr>
+        <p:spPr/>
+        <p:txBody>
+          <a:bodyPr/>
+          <a:lstStyle/>
+          <a:p>
+            <a:r>
+              <a:rPr lang="en-US" dirty="0"/>
+              <a:t>References</a:t>
+            </a:r>
+          </a:p>
+        </p:txBody>
+      </p:sp>
+      <p:sp>
+        <p:nvSpPr>
+          <p:cNvPr id="3" name="Content Placeholder 2">
+            <a:extLst>
+              <a:ext uri="{FF2B5EF4-FFF2-40B4-BE49-F238E27FC236}">
+                <a16:creationId xmlns:a16="http://schemas.microsoft.com/office/drawing/2014/main" id="{65426B10-0364-A849-B3A4-1D0DA409155A}"/>
+              </a:ext>
+            </a:extLst>
+          </p:cNvPr>
+          <p:cNvSpPr>
+            <a:spLocks noGrp="1"/>
+          </p:cNvSpPr>
+          <p:nvPr>
+            <p:ph idx="1"/>
+          </p:nvPr>
+        </p:nvSpPr>
+        <p:spPr/>
+        <p:txBody>
+          <a:bodyPr>
+            <a:normAutofit lnSpcReduction="10000"/>
+          </a:bodyPr>
+          <a:lstStyle/>
+          <a:p>
+            <a:r>
+              <a:rPr lang="en-US" dirty="0">
+                <a:hlinkClick r:id="rId2"/>
+              </a:rPr>
+              <a:t>https://www.linkedin.com/pulse/why-rest-api-so-popular-mangesh-bulkar/</a:t>
+            </a:r>
+            <a:endParaRPr lang="en-US" dirty="0">
+              <a:hlinkClick r:id="rId3"/>
+            </a:endParaRPr>
+          </a:p>
+          <a:p>
+            <a:r>
+              <a:rPr lang="en-US" dirty="0">
+                <a:hlinkClick r:id="rId3"/>
+              </a:rPr>
+              <a:t>https://en.wikipedia.org/wiki/CURL</a:t>
+            </a:r>
+            <a:endParaRPr lang="en-US" dirty="0"/>
+          </a:p>
+          <a:p>
+            <a:r>
+              <a:rPr lang="en-US" dirty="0">
+                <a:hlinkClick r:id="rId4"/>
+              </a:rPr>
+              <a:t>https://en.wikipedia.org/wiki/Requests_%28software%29</a:t>
+            </a:r>
+            <a:endParaRPr lang="en-US" dirty="0"/>
+          </a:p>
+          <a:p>
+            <a:r>
+              <a:rPr lang="en-US" dirty="0">
+                <a:hlinkClick r:id="rId5"/>
+              </a:rPr>
+              <a:t>https://curl.haxx.se</a:t>
+            </a:r>
+            <a:endParaRPr lang="en-US" dirty="0"/>
+          </a:p>
+          <a:p>
+            <a:r>
+              <a:rPr lang="en-US" dirty="0">
+                <a:hlinkClick r:id="rId6"/>
+              </a:rPr>
+              <a:t>https://requests.readthedocs.io/en/master/</a:t>
+            </a:r>
+            <a:endParaRPr lang="en-US" dirty="0"/>
+          </a:p>
+          <a:p>
+            <a:r>
+              <a:rPr lang="en-US" dirty="0"/>
+              <a:t>Cisco API documentation #1</a:t>
+            </a:r>
+          </a:p>
+          <a:p>
+            <a:r>
+              <a:rPr lang="en-US" dirty="0"/>
+              <a:t>Cisco API documentation #2</a:t>
+            </a:r>
+          </a:p>
+          <a:p>
+            <a:r>
+              <a:rPr lang="en-US" dirty="0"/>
+              <a:t>Cisco API documentation #3</a:t>
+            </a:r>
+          </a:p>
+        </p:txBody>
+      </p:sp>
+      <p:sp>
+        <p:nvSpPr>
+          <p:cNvPr id="4" name="Date Placeholder 3">
+            <a:extLst>
+              <a:ext uri="{FF2B5EF4-FFF2-40B4-BE49-F238E27FC236}">
+                <a16:creationId xmlns:a16="http://schemas.microsoft.com/office/drawing/2014/main" id="{7ECEAF79-F4AC-E94E-9E55-220D0D396924}"/>
+              </a:ext>
+            </a:extLst>
+          </p:cNvPr>
+          <p:cNvSpPr>
+            <a:spLocks noGrp="1"/>
+          </p:cNvSpPr>
+          <p:nvPr>
+            <p:ph type="dt" sz="half" idx="10"/>
+          </p:nvPr>
+        </p:nvSpPr>
+        <p:spPr/>
+        <p:txBody>
+          <a:bodyPr/>
+          <a:lstStyle/>
+          <a:p>
+            <a:r>
+              <a:rPr lang="en-US"/>
+              <a:t>World Wide Technology ©</a:t>
+            </a:r>
+            <a:endParaRPr lang="en-US" dirty="0"/>
+          </a:p>
+        </p:txBody>
+      </p:sp>
+      <p:sp>
+        <p:nvSpPr>
+          <p:cNvPr id="5" name="Slide Number Placeholder 4">
+            <a:extLst>
+              <a:ext uri="{FF2B5EF4-FFF2-40B4-BE49-F238E27FC236}">
+                <a16:creationId xmlns:a16="http://schemas.microsoft.com/office/drawing/2014/main" id="{372DC1A4-CE8B-DB4A-8F86-2508518C35D3}"/>
+              </a:ext>
+            </a:extLst>
+          </p:cNvPr>
+          <p:cNvSpPr>
+            <a:spLocks noGrp="1"/>
+          </p:cNvSpPr>
+          <p:nvPr>
+            <p:ph type="sldNum" sz="quarter" idx="12"/>
+          </p:nvPr>
+        </p:nvSpPr>
+        <p:spPr/>
+        <p:txBody>
+          <a:bodyPr/>
+          <a:lstStyle/>
+          <a:p>
+            <a:fld id="{A44B02FA-DD2D-1844-AE35-8B2EAB0CF4EF}" type="slidenum">
+              <a:rPr lang="en-US" smtClean="0"/>
+              <a:pPr/>
+              <a:t>23</a:t>
+            </a:fld>
+            <a:endParaRPr lang="en-US" dirty="0"/>
+          </a:p>
+        </p:txBody>
+      </p:sp>
+    </p:spTree>
+    <p:extLst>
+      <p:ext uri="{BB962C8B-B14F-4D97-AF65-F5344CB8AC3E}">
+        <p14:creationId xmlns:p14="http://schemas.microsoft.com/office/powerpoint/2010/main" val="3225595977"/>
+      </p:ext>
+    </p:extLst>
+  </p:cSld>
+  <p:clrMapOvr>
+    <a:masterClrMapping/>
+  </p:clrMapOvr>
+  <mc:AlternateContent xmlns:mc="http://schemas.openxmlformats.org/markup-compatibility/2006" xmlns:p14="http://schemas.microsoft.com/office/powerpoint/2010/main">
+    <mc:Choice Requires="p14">
+      <p:transition spd="med" p14:dur="700">
+        <p:fade/>
+      </p:transition>
+    </mc:Choice>
+    <mc:Fallback xmlns="">
+      <p:transition spd="med">
+        <p:fade/>
+      </p:transition>
+    </mc:Fallback>
+  </mc:AlternateContent>
+</p:sld>
+</file>
+
+<file path=ppt/slides/slide24.xml><?xml version="1.0" encoding="utf-8"?>
+<p:sld xmlns:a="http://schemas.openxmlformats.org/drawingml/2006/main" xmlns:r="http://schemas.openxmlformats.org/officeDocument/2006/relationships" xmlns:p="http://schemas.openxmlformats.org/presentationml/2006/main">
+  <p:cSld>
+    <p:spTree>
+      <p:nvGrpSpPr>
+        <p:cNvPr id="1" name=""/>
+        <p:cNvGrpSpPr/>
+        <p:nvPr/>
+      </p:nvGrpSpPr>
+      <p:grpSpPr>
+        <a:xfrm>
+          <a:off x="0" y="0"/>
+          <a:ext cx="0" cy="0"/>
+          <a:chOff x="0" y="0"/>
+          <a:chExt cx="0" cy="0"/>
+        </a:xfrm>
+      </p:grpSpPr>
+      <p:sp>
+        <p:nvSpPr>
           <p:cNvPr id="4" name="Date Placeholder 3">
             <a:extLst>
               <a:ext uri="{FF2B5EF4-FFF2-40B4-BE49-F238E27FC236}">
@@ -8848,7 +11247,7 @@
             <a:fld id="{A44B02FA-DD2D-1844-AE35-8B2EAB0CF4EF}" type="slidenum">
               <a:rPr lang="en-US" smtClean="0"/>
               <a:pPr/>
-              <a:t>21</a:t>
+              <a:t>24</a:t>
             </a:fld>
             <a:endParaRPr lang="en-US" dirty="0"/>
           </a:p>
@@ -8901,6 +11300,173 @@
           <p:cNvPr id="2" name="Title 1">
             <a:extLst>
               <a:ext uri="{FF2B5EF4-FFF2-40B4-BE49-F238E27FC236}">
+                <a16:creationId xmlns:a16="http://schemas.microsoft.com/office/drawing/2014/main" id="{C50CDD81-0790-8847-8EF8-0507F123747D}"/>
+              </a:ext>
+            </a:extLst>
+          </p:cNvPr>
+          <p:cNvSpPr>
+            <a:spLocks noGrp="1"/>
+          </p:cNvSpPr>
+          <p:nvPr>
+            <p:ph type="title"/>
+          </p:nvPr>
+        </p:nvSpPr>
+        <p:spPr/>
+        <p:txBody>
+          <a:bodyPr/>
+          <a:lstStyle/>
+          <a:p>
+            <a:r>
+              <a:rPr lang="en-US" dirty="0"/>
+              <a:t>Start the Development Environment</a:t>
+            </a:r>
+          </a:p>
+        </p:txBody>
+      </p:sp>
+      <p:sp>
+        <p:nvSpPr>
+          <p:cNvPr id="4" name="Date Placeholder 3">
+            <a:extLst>
+              <a:ext uri="{FF2B5EF4-FFF2-40B4-BE49-F238E27FC236}">
+                <a16:creationId xmlns:a16="http://schemas.microsoft.com/office/drawing/2014/main" id="{D794488F-1297-7447-B9CB-37E6F87A6D91}"/>
+              </a:ext>
+            </a:extLst>
+          </p:cNvPr>
+          <p:cNvSpPr>
+            <a:spLocks noGrp="1"/>
+          </p:cNvSpPr>
+          <p:nvPr>
+            <p:ph type="dt" sz="half" idx="10"/>
+          </p:nvPr>
+        </p:nvSpPr>
+        <p:spPr/>
+        <p:txBody>
+          <a:bodyPr/>
+          <a:lstStyle/>
+          <a:p>
+            <a:r>
+              <a:rPr lang="en-US"/>
+              <a:t>World Wide Technology ©</a:t>
+            </a:r>
+            <a:endParaRPr lang="en-US" dirty="0"/>
+          </a:p>
+        </p:txBody>
+      </p:sp>
+      <p:sp>
+        <p:nvSpPr>
+          <p:cNvPr id="6" name="Slide Number Placeholder 5">
+            <a:extLst>
+              <a:ext uri="{FF2B5EF4-FFF2-40B4-BE49-F238E27FC236}">
+                <a16:creationId xmlns:a16="http://schemas.microsoft.com/office/drawing/2014/main" id="{406914E5-D39D-C44A-BB15-E5977ED2109A}"/>
+              </a:ext>
+            </a:extLst>
+          </p:cNvPr>
+          <p:cNvSpPr>
+            <a:spLocks noGrp="1"/>
+          </p:cNvSpPr>
+          <p:nvPr>
+            <p:ph type="sldNum" sz="quarter" idx="12"/>
+          </p:nvPr>
+        </p:nvSpPr>
+        <p:spPr/>
+        <p:txBody>
+          <a:bodyPr/>
+          <a:lstStyle/>
+          <a:p>
+            <a:fld id="{A44B02FA-DD2D-1844-AE35-8B2EAB0CF4EF}" type="slidenum">
+              <a:rPr lang="en-US" smtClean="0"/>
+              <a:pPr/>
+              <a:t>3</a:t>
+            </a:fld>
+            <a:endParaRPr lang="en-US" dirty="0"/>
+          </a:p>
+        </p:txBody>
+      </p:sp>
+      <p:sp>
+        <p:nvSpPr>
+          <p:cNvPr id="9" name="Content Placeholder 7">
+            <a:extLst>
+              <a:ext uri="{FF2B5EF4-FFF2-40B4-BE49-F238E27FC236}">
+                <a16:creationId xmlns:a16="http://schemas.microsoft.com/office/drawing/2014/main" id="{7768AB4C-B135-2F4A-9289-DF99D95D9396}"/>
+              </a:ext>
+            </a:extLst>
+          </p:cNvPr>
+          <p:cNvSpPr>
+            <a:spLocks noGrp="1"/>
+          </p:cNvSpPr>
+          <p:nvPr>
+            <p:ph idx="1"/>
+          </p:nvPr>
+        </p:nvSpPr>
+        <p:spPr>
+          <a:xfrm>
+            <a:off x="838200" y="1825625"/>
+            <a:ext cx="10515600" cy="4351338"/>
+          </a:xfrm>
+        </p:spPr>
+        <p:txBody>
+          <a:bodyPr/>
+          <a:lstStyle/>
+          <a:p>
+            <a:r>
+              <a:rPr lang="en-US" dirty="0"/>
+              <a:t>Instructions to run the </a:t>
+            </a:r>
+            <a:r>
+              <a:rPr lang="en-US"/>
+              <a:t>Docker Container</a:t>
+            </a:r>
+            <a:endParaRPr lang="en-US" dirty="0"/>
+          </a:p>
+        </p:txBody>
+      </p:sp>
+    </p:spTree>
+    <p:extLst>
+      <p:ext uri="{BB962C8B-B14F-4D97-AF65-F5344CB8AC3E}">
+        <p14:creationId xmlns:p14="http://schemas.microsoft.com/office/powerpoint/2010/main" val="296666328"/>
+      </p:ext>
+    </p:extLst>
+  </p:cSld>
+  <p:clrMapOvr>
+    <a:masterClrMapping/>
+  </p:clrMapOvr>
+  <mc:AlternateContent xmlns:mc="http://schemas.openxmlformats.org/markup-compatibility/2006" xmlns:p14="http://schemas.microsoft.com/office/powerpoint/2010/main">
+    <mc:Choice Requires="p14">
+      <p:transition spd="med" p14:dur="700">
+        <p:fade/>
+      </p:transition>
+    </mc:Choice>
+    <mc:Fallback xmlns="">
+      <p:transition spd="med">
+        <p:fade/>
+      </p:transition>
+    </mc:Fallback>
+  </mc:AlternateContent>
+</p:sld>
+</file>
+
+<file path=ppt/slides/slide4.xml><?xml version="1.0" encoding="utf-8"?>
+<p:sld xmlns:a="http://schemas.openxmlformats.org/drawingml/2006/main" xmlns:r="http://schemas.openxmlformats.org/officeDocument/2006/relationships" xmlns:p="http://schemas.openxmlformats.org/presentationml/2006/main">
+  <p:cSld>
+    <p:spTree>
+      <p:nvGrpSpPr>
+        <p:cNvPr id="1" name=""/>
+        <p:cNvGrpSpPr/>
+        <p:nvPr/>
+      </p:nvGrpSpPr>
+      <p:grpSpPr>
+        <a:xfrm>
+          <a:off x="0" y="0"/>
+          <a:ext cx="0" cy="0"/>
+          <a:chOff x="0" y="0"/>
+          <a:chExt cx="0" cy="0"/>
+        </a:xfrm>
+      </p:grpSpPr>
+      <p:sp>
+        <p:nvSpPr>
+          <p:cNvPr id="2" name="Title 1">
+            <a:extLst>
+              <a:ext uri="{FF2B5EF4-FFF2-40B4-BE49-F238E27FC236}">
                 <a16:creationId xmlns:a16="http://schemas.microsoft.com/office/drawing/2014/main" id="{9D8D6E4C-FC36-3E4C-9387-96DD20072D9D}"/>
               </a:ext>
             </a:extLst>
@@ -8987,7 +11553,7 @@
 </p:sld>
 </file>
 
-<file path=ppt/slides/slide4.xml><?xml version="1.0" encoding="utf-8"?>
+<file path=ppt/slides/slide5.xml><?xml version="1.0" encoding="utf-8"?>
 <p:sld xmlns:a="http://schemas.openxmlformats.org/drawingml/2006/main" xmlns:r="http://schemas.openxmlformats.org/officeDocument/2006/relationships" xmlns:p="http://schemas.openxmlformats.org/presentationml/2006/main">
   <p:cSld>
     <p:spTree>
@@ -9339,7 +11905,7 @@
             <a:fld id="{A44B02FA-DD2D-1844-AE35-8B2EAB0CF4EF}" type="slidenum">
               <a:rPr lang="en-US" smtClean="0"/>
               <a:pPr/>
-              <a:t>4</a:t>
+              <a:t>5</a:t>
             </a:fld>
             <a:endParaRPr lang="en-US" dirty="0"/>
           </a:p>
@@ -9761,7 +12327,7 @@
 </p:sld>
 </file>
 
-<file path=ppt/slides/slide5.xml><?xml version="1.0" encoding="utf-8"?>
+<file path=ppt/slides/slide6.xml><?xml version="1.0" encoding="utf-8"?>
 <p:sld xmlns:a="http://schemas.openxmlformats.org/drawingml/2006/main" xmlns:r="http://schemas.openxmlformats.org/officeDocument/2006/relationships" xmlns:p="http://schemas.openxmlformats.org/presentationml/2006/main">
   <p:cSld>
     <p:spTree>
@@ -9874,7 +12440,7 @@
 </p:sld>
 </file>
 
-<file path=ppt/slides/slide6.xml><?xml version="1.0" encoding="utf-8"?>
+<file path=ppt/slides/slide7.xml><?xml version="1.0" encoding="utf-8"?>
 <p:sld xmlns:a="http://schemas.openxmlformats.org/drawingml/2006/main" xmlns:r="http://schemas.openxmlformats.org/officeDocument/2006/relationships" xmlns:p="http://schemas.openxmlformats.org/presentationml/2006/main">
   <p:cSld>
     <p:spTree>
@@ -10255,7 +12821,7 @@
             <a:fld id="{A44B02FA-DD2D-1844-AE35-8B2EAB0CF4EF}" type="slidenum">
               <a:rPr lang="en-US" smtClean="0"/>
               <a:pPr/>
-              <a:t>6</a:t>
+              <a:t>7</a:t>
             </a:fld>
             <a:endParaRPr lang="en-US" dirty="0"/>
           </a:p>
@@ -10426,189 +12992,6 @@
 </p:sld>
 </file>
 
-<file path=ppt/slides/slide7.xml><?xml version="1.0" encoding="utf-8"?>
-<p:sld xmlns:a="http://schemas.openxmlformats.org/drawingml/2006/main" xmlns:r="http://schemas.openxmlformats.org/officeDocument/2006/relationships" xmlns:p="http://schemas.openxmlformats.org/presentationml/2006/main">
-  <p:cSld>
-    <p:spTree>
-      <p:nvGrpSpPr>
-        <p:cNvPr id="1" name=""/>
-        <p:cNvGrpSpPr/>
-        <p:nvPr/>
-      </p:nvGrpSpPr>
-      <p:grpSpPr>
-        <a:xfrm>
-          <a:off x="0" y="0"/>
-          <a:ext cx="0" cy="0"/>
-          <a:chOff x="0" y="0"/>
-          <a:chExt cx="0" cy="0"/>
-        </a:xfrm>
-      </p:grpSpPr>
-      <p:sp>
-        <p:nvSpPr>
-          <p:cNvPr id="2" name="Title 1">
-            <a:extLst>
-              <a:ext uri="{FF2B5EF4-FFF2-40B4-BE49-F238E27FC236}">
-                <a16:creationId xmlns:a16="http://schemas.microsoft.com/office/drawing/2014/main" id="{EB7C4089-1746-624B-8E73-D3DAB8E88CDD}"/>
-              </a:ext>
-            </a:extLst>
-          </p:cNvPr>
-          <p:cNvSpPr>
-            <a:spLocks noGrp="1"/>
-          </p:cNvSpPr>
-          <p:nvPr>
-            <p:ph type="title"/>
-          </p:nvPr>
-        </p:nvSpPr>
-        <p:spPr/>
-        <p:txBody>
-          <a:bodyPr/>
-          <a:lstStyle/>
-          <a:p>
-            <a:r>
-              <a:rPr lang="en-US" dirty="0"/>
-              <a:t>Outline</a:t>
-            </a:r>
-          </a:p>
-        </p:txBody>
-      </p:sp>
-      <p:sp>
-        <p:nvSpPr>
-          <p:cNvPr id="3" name="Content Placeholder 2">
-            <a:extLst>
-              <a:ext uri="{FF2B5EF4-FFF2-40B4-BE49-F238E27FC236}">
-                <a16:creationId xmlns:a16="http://schemas.microsoft.com/office/drawing/2014/main" id="{65426B10-0364-A849-B3A4-1D0DA409155A}"/>
-              </a:ext>
-            </a:extLst>
-          </p:cNvPr>
-          <p:cNvSpPr>
-            <a:spLocks noGrp="1"/>
-          </p:cNvSpPr>
-          <p:nvPr>
-            <p:ph idx="1"/>
-          </p:nvPr>
-        </p:nvSpPr>
-        <p:spPr/>
-        <p:txBody>
-          <a:bodyPr>
-            <a:normAutofit/>
-          </a:bodyPr>
-          <a:lstStyle/>
-          <a:p>
-            <a:r>
-              <a:rPr lang="en-US" dirty="0"/>
-              <a:t>Syntax format</a:t>
-            </a:r>
-          </a:p>
-          <a:p>
-            <a:r>
-              <a:rPr lang="en-US" dirty="0" err="1"/>
-              <a:t>cURL</a:t>
-            </a:r>
-            <a:r>
-              <a:rPr lang="en-US" dirty="0"/>
-              <a:t> command flag definitions</a:t>
-            </a:r>
-          </a:p>
-          <a:p>
-            <a:r>
-              <a:rPr lang="en-US" dirty="0"/>
-              <a:t>Basic </a:t>
-            </a:r>
-            <a:r>
-              <a:rPr lang="en-US" dirty="0" err="1"/>
-              <a:t>cURL</a:t>
-            </a:r>
-            <a:r>
-              <a:rPr lang="en-US" dirty="0"/>
-              <a:t> examples and exercises</a:t>
-            </a:r>
-          </a:p>
-        </p:txBody>
-      </p:sp>
-      <p:sp>
-        <p:nvSpPr>
-          <p:cNvPr id="4" name="Date Placeholder 3">
-            <a:extLst>
-              <a:ext uri="{FF2B5EF4-FFF2-40B4-BE49-F238E27FC236}">
-                <a16:creationId xmlns:a16="http://schemas.microsoft.com/office/drawing/2014/main" id="{7ECEAF79-F4AC-E94E-9E55-220D0D396924}"/>
-              </a:ext>
-            </a:extLst>
-          </p:cNvPr>
-          <p:cNvSpPr>
-            <a:spLocks noGrp="1"/>
-          </p:cNvSpPr>
-          <p:nvPr>
-            <p:ph type="dt" sz="half" idx="10"/>
-          </p:nvPr>
-        </p:nvSpPr>
-        <p:spPr/>
-        <p:txBody>
-          <a:bodyPr/>
-          <a:lstStyle/>
-          <a:p>
-            <a:r>
-              <a:rPr lang="en-US"/>
-              <a:t>World Wide Technology ©</a:t>
-            </a:r>
-            <a:endParaRPr lang="en-US" dirty="0"/>
-          </a:p>
-        </p:txBody>
-      </p:sp>
-      <p:sp>
-        <p:nvSpPr>
-          <p:cNvPr id="5" name="Slide Number Placeholder 4">
-            <a:extLst>
-              <a:ext uri="{FF2B5EF4-FFF2-40B4-BE49-F238E27FC236}">
-                <a16:creationId xmlns:a16="http://schemas.microsoft.com/office/drawing/2014/main" id="{372DC1A4-CE8B-DB4A-8F86-2508518C35D3}"/>
-              </a:ext>
-            </a:extLst>
-          </p:cNvPr>
-          <p:cNvSpPr>
-            <a:spLocks noGrp="1"/>
-          </p:cNvSpPr>
-          <p:nvPr>
-            <p:ph type="sldNum" sz="quarter" idx="12"/>
-          </p:nvPr>
-        </p:nvSpPr>
-        <p:spPr/>
-        <p:txBody>
-          <a:bodyPr/>
-          <a:lstStyle/>
-          <a:p>
-            <a:fld id="{A44B02FA-DD2D-1844-AE35-8B2EAB0CF4EF}" type="slidenum">
-              <a:rPr lang="en-US" smtClean="0"/>
-              <a:pPr/>
-              <a:t>7</a:t>
-            </a:fld>
-            <a:endParaRPr lang="en-US" dirty="0"/>
-          </a:p>
-        </p:txBody>
-      </p:sp>
-    </p:spTree>
-    <p:extLst>
-      <p:ext uri="{BB962C8B-B14F-4D97-AF65-F5344CB8AC3E}">
-        <p14:creationId xmlns:p14="http://schemas.microsoft.com/office/powerpoint/2010/main" val="1440297303"/>
-      </p:ext>
-    </p:extLst>
-  </p:cSld>
-  <p:clrMapOvr>
-    <a:masterClrMapping/>
-  </p:clrMapOvr>
-  <mc:AlternateContent xmlns:mc="http://schemas.openxmlformats.org/markup-compatibility/2006" xmlns:p14="http://schemas.microsoft.com/office/powerpoint/2010/main">
-    <mc:Choice Requires="p14">
-      <p:transition spd="med" p14:dur="700">
-        <p:fade/>
-      </p:transition>
-    </mc:Choice>
-    <mc:Fallback xmlns="">
-      <p:transition spd="med">
-        <p:fade/>
-      </p:transition>
-    </mc:Fallback>
-  </mc:AlternateContent>
-</p:sld>
-</file>
-
 <file path=ppt/slides/slide8.xml><?xml version="1.0" encoding="utf-8"?>
 <p:sld xmlns:a="http://schemas.openxmlformats.org/drawingml/2006/main" xmlns:r="http://schemas.openxmlformats.org/officeDocument/2006/relationships" xmlns:p="http://schemas.openxmlformats.org/presentationml/2006/main">
   <p:cSld>
@@ -10631,7 +13014,7 @@
           <p:cNvPr id="2" name="Title 1">
             <a:extLst>
               <a:ext uri="{FF2B5EF4-FFF2-40B4-BE49-F238E27FC236}">
-                <a16:creationId xmlns:a16="http://schemas.microsoft.com/office/drawing/2014/main" id="{9D8D6E4C-FC36-3E4C-9387-96DD20072D9D}"/>
+                <a16:creationId xmlns:a16="http://schemas.microsoft.com/office/drawing/2014/main" id="{EB7C4089-1746-624B-8E73-D3DAB8E88CDD}"/>
               </a:ext>
             </a:extLst>
           </p:cNvPr>
@@ -10639,32 +13022,27 @@
             <a:spLocks noGrp="1"/>
           </p:cNvSpPr>
           <p:nvPr>
-            <p:ph type="ctrTitle"/>
-          </p:nvPr>
-        </p:nvSpPr>
-        <p:spPr>
-          <a:xfrm>
-            <a:off x="1524000" y="914013"/>
-            <a:ext cx="9144000" cy="2387600"/>
-          </a:xfrm>
-        </p:spPr>
-        <p:txBody>
-          <a:bodyPr/>
-          <a:lstStyle/>
-          <a:p>
-            <a:r>
-              <a:rPr lang="en-US" dirty="0"/>
-              <a:t>Part III</a:t>
-            </a:r>
-          </a:p>
-        </p:txBody>
-      </p:sp>
-      <p:sp>
-        <p:nvSpPr>
-          <p:cNvPr id="3" name="Subtitle 2">
+            <p:ph type="title"/>
+          </p:nvPr>
+        </p:nvSpPr>
+        <p:spPr/>
+        <p:txBody>
+          <a:bodyPr/>
+          <a:lstStyle/>
+          <a:p>
+            <a:r>
+              <a:rPr lang="en-US" dirty="0"/>
+              <a:t>Outline</a:t>
+            </a:r>
+          </a:p>
+        </p:txBody>
+      </p:sp>
+      <p:sp>
+        <p:nvSpPr>
+          <p:cNvPr id="3" name="Content Placeholder 2">
             <a:extLst>
               <a:ext uri="{FF2B5EF4-FFF2-40B4-BE49-F238E27FC236}">
-                <a16:creationId xmlns:a16="http://schemas.microsoft.com/office/drawing/2014/main" id="{0451A0DE-9D64-5A48-94B5-5B4E42709819}"/>
+                <a16:creationId xmlns:a16="http://schemas.microsoft.com/office/drawing/2014/main" id="{65426B10-0364-A849-B3A4-1D0DA409155A}"/>
               </a:ext>
             </a:extLst>
           </p:cNvPr>
@@ -10672,30 +13050,110 @@
             <a:spLocks noGrp="1"/>
           </p:cNvSpPr>
           <p:nvPr>
-            <p:ph type="subTitle" idx="1"/>
-          </p:nvPr>
-        </p:nvSpPr>
-        <p:spPr>
-          <a:xfrm>
-            <a:off x="1524000" y="3393688"/>
-            <a:ext cx="9144000" cy="1655762"/>
-          </a:xfrm>
-        </p:spPr>
-        <p:txBody>
-          <a:bodyPr/>
-          <a:lstStyle/>
-          <a:p>
-            <a:r>
-              <a:rPr lang="en-US" dirty="0"/>
-              <a:t>REST API Calls With Python Requests</a:t>
-            </a:r>
+            <p:ph idx="1"/>
+          </p:nvPr>
+        </p:nvSpPr>
+        <p:spPr/>
+        <p:txBody>
+          <a:bodyPr>
+            <a:normAutofit/>
+          </a:bodyPr>
+          <a:lstStyle/>
+          <a:p>
+            <a:r>
+              <a:rPr lang="en-US" dirty="0"/>
+              <a:t>Syntax format</a:t>
+            </a:r>
+          </a:p>
+          <a:p>
+            <a:r>
+              <a:rPr lang="en-US" dirty="0" err="1"/>
+              <a:t>cURL</a:t>
+            </a:r>
+            <a:r>
+              <a:rPr lang="en-US" dirty="0"/>
+              <a:t> command flag definitions</a:t>
+            </a:r>
+          </a:p>
+          <a:p>
+            <a:r>
+              <a:rPr lang="en-US" dirty="0"/>
+              <a:t>Basic </a:t>
+            </a:r>
+            <a:r>
+              <a:rPr lang="en-US" dirty="0" err="1"/>
+              <a:t>cURL</a:t>
+            </a:r>
+            <a:r>
+              <a:rPr lang="en-US" dirty="0"/>
+              <a:t> examples and exercises</a:t>
+            </a:r>
+          </a:p>
+        </p:txBody>
+      </p:sp>
+      <p:sp>
+        <p:nvSpPr>
+          <p:cNvPr id="4" name="Date Placeholder 3">
+            <a:extLst>
+              <a:ext uri="{FF2B5EF4-FFF2-40B4-BE49-F238E27FC236}">
+                <a16:creationId xmlns:a16="http://schemas.microsoft.com/office/drawing/2014/main" id="{7ECEAF79-F4AC-E94E-9E55-220D0D396924}"/>
+              </a:ext>
+            </a:extLst>
+          </p:cNvPr>
+          <p:cNvSpPr>
+            <a:spLocks noGrp="1"/>
+          </p:cNvSpPr>
+          <p:nvPr>
+            <p:ph type="dt" sz="half" idx="10"/>
+          </p:nvPr>
+        </p:nvSpPr>
+        <p:spPr/>
+        <p:txBody>
+          <a:bodyPr/>
+          <a:lstStyle/>
+          <a:p>
+            <a:r>
+              <a:rPr lang="en-US"/>
+              <a:t>World Wide Technology ©</a:t>
+            </a:r>
+            <a:endParaRPr lang="en-US" dirty="0"/>
+          </a:p>
+        </p:txBody>
+      </p:sp>
+      <p:sp>
+        <p:nvSpPr>
+          <p:cNvPr id="5" name="Slide Number Placeholder 4">
+            <a:extLst>
+              <a:ext uri="{FF2B5EF4-FFF2-40B4-BE49-F238E27FC236}">
+                <a16:creationId xmlns:a16="http://schemas.microsoft.com/office/drawing/2014/main" id="{372DC1A4-CE8B-DB4A-8F86-2508518C35D3}"/>
+              </a:ext>
+            </a:extLst>
+          </p:cNvPr>
+          <p:cNvSpPr>
+            <a:spLocks noGrp="1"/>
+          </p:cNvSpPr>
+          <p:nvPr>
+            <p:ph type="sldNum" sz="quarter" idx="12"/>
+          </p:nvPr>
+        </p:nvSpPr>
+        <p:spPr/>
+        <p:txBody>
+          <a:bodyPr/>
+          <a:lstStyle/>
+          <a:p>
+            <a:fld id="{A44B02FA-DD2D-1844-AE35-8B2EAB0CF4EF}" type="slidenum">
+              <a:rPr lang="en-US" smtClean="0"/>
+              <a:pPr/>
+              <a:t>8</a:t>
+            </a:fld>
+            <a:endParaRPr lang="en-US" dirty="0"/>
           </a:p>
         </p:txBody>
       </p:sp>
     </p:spTree>
     <p:extLst>
       <p:ext uri="{BB962C8B-B14F-4D97-AF65-F5344CB8AC3E}">
-        <p14:creationId xmlns:p14="http://schemas.microsoft.com/office/powerpoint/2010/main" val="2611764585"/>
+        <p14:creationId xmlns:p14="http://schemas.microsoft.com/office/powerpoint/2010/main" val="1440297303"/>
       </p:ext>
     </p:extLst>
   </p:cSld>
@@ -10739,7 +13197,7 @@
           <p:cNvPr id="2" name="Title 1">
             <a:extLst>
               <a:ext uri="{FF2B5EF4-FFF2-40B4-BE49-F238E27FC236}">
-                <a16:creationId xmlns:a16="http://schemas.microsoft.com/office/drawing/2014/main" id="{C50CDD81-0790-8847-8EF8-0507F123747D}"/>
+                <a16:creationId xmlns:a16="http://schemas.microsoft.com/office/drawing/2014/main" id="{178FC9BC-162C-754A-A134-D392F08CDBEE}"/>
               </a:ext>
             </a:extLst>
           </p:cNvPr>
@@ -10756,8 +13214,12 @@
           <a:lstStyle/>
           <a:p>
             <a:r>
-              <a:rPr lang="en-US" dirty="0"/>
-              <a:t>What is the Python “Requests” Library?</a:t>
+              <a:rPr lang="en-US" dirty="0" err="1"/>
+              <a:t>cURL</a:t>
+            </a:r>
+            <a:r>
+              <a:rPr lang="en-US" dirty="0"/>
+              <a:t> Syntax Format</a:t>
             </a:r>
           </a:p>
         </p:txBody>
@@ -10767,7 +13229,7 @@
           <p:cNvPr id="3" name="Content Placeholder 2">
             <a:extLst>
               <a:ext uri="{FF2B5EF4-FFF2-40B4-BE49-F238E27FC236}">
-                <a16:creationId xmlns:a16="http://schemas.microsoft.com/office/drawing/2014/main" id="{D6A91B50-5F60-9041-8D64-7DFFA2C445A8}"/>
+                <a16:creationId xmlns:a16="http://schemas.microsoft.com/office/drawing/2014/main" id="{0ECC7DC7-0671-F543-9991-CF8210E2567B}"/>
               </a:ext>
             </a:extLst>
           </p:cNvPr>
@@ -10778,284 +13240,93 @@
             <p:ph idx="1"/>
           </p:nvPr>
         </p:nvSpPr>
-        <p:spPr>
-          <a:xfrm>
-            <a:off x="257778" y="1825625"/>
-            <a:ext cx="11676444" cy="2294962"/>
-          </a:xfrm>
-        </p:spPr>
-        <p:txBody>
-          <a:bodyPr>
-            <a:normAutofit/>
-          </a:bodyPr>
-          <a:lstStyle/>
-          <a:p>
-            <a:pPr marL="0" indent="0" algn="ctr">
+        <p:spPr/>
+        <p:txBody>
+          <a:bodyPr/>
+          <a:lstStyle/>
+          <a:p>
+            <a:r>
+              <a:rPr lang="en-US" dirty="0"/>
+              <a:t>Open your preferred terminal (bash, PowerShell, </a:t>
+            </a:r>
+            <a:r>
+              <a:rPr lang="en-US" dirty="0" err="1"/>
+              <a:t>zsh</a:t>
+            </a:r>
+            <a:r>
+              <a:rPr lang="en-US" dirty="0"/>
+              <a:t>, etc.)</a:t>
+            </a:r>
+          </a:p>
+          <a:p>
+            <a:r>
+              <a:rPr lang="en-US" dirty="0"/>
+              <a:t>Enter the command:</a:t>
+            </a:r>
+          </a:p>
+          <a:p>
+            <a:pPr marL="457200" lvl="1" indent="0">
               <a:buNone/>
             </a:pPr>
             <a:r>
-              <a:rPr lang="en-US" i="1" dirty="0"/>
-              <a:t>“Requests is a Python HTTP library, released under the Apache License 2.0. The goal of the project is to make HTTP requests simpler and more human-friendly.”</a:t>
-            </a:r>
-          </a:p>
-          <a:p>
-            <a:pPr marL="0" indent="0" algn="ctr">
-              <a:buNone/>
-            </a:pPr>
-            <a:r>
-              <a:rPr lang="en-US" dirty="0">
-                <a:hlinkClick r:id="rId3"/>
+              <a:rPr lang="en-US" sz="2800" b="1" i="1" dirty="0">
+                <a:solidFill>
+                  <a:srgbClr val="FFFF00"/>
+                </a:solidFill>
               </a:rPr>
-              <a:t>https://en.wikipedia.org/wiki/Requests_%28software%29</a:t>
-            </a:r>
-            <a:endParaRPr lang="en-US" dirty="0"/>
-          </a:p>
-          <a:p>
-            <a:pPr marL="0" indent="0" algn="ctr">
-              <a:buNone/>
-            </a:pPr>
-            <a:endParaRPr lang="en-US" dirty="0"/>
-          </a:p>
-        </p:txBody>
-      </p:sp>
-      <p:sp>
-        <p:nvSpPr>
-          <p:cNvPr id="5" name="Content Placeholder 2">
+              <a:t>curl https://</a:t>
+            </a:r>
+            <a:r>
+              <a:rPr lang="en-US" sz="2800" b="1" i="1" dirty="0" err="1">
+                <a:solidFill>
+                  <a:srgbClr val="FFFF00"/>
+                </a:solidFill>
+              </a:rPr>
+              <a:t>www.website.com</a:t>
+            </a:r>
+            <a:endParaRPr lang="en-US" sz="2800" b="1" i="1" dirty="0">
+              <a:solidFill>
+                <a:srgbClr val="FFFF00"/>
+              </a:solidFill>
+            </a:endParaRPr>
+          </a:p>
+        </p:txBody>
+      </p:sp>
+      <p:sp>
+        <p:nvSpPr>
+          <p:cNvPr id="4" name="Date Placeholder 3">
             <a:extLst>
               <a:ext uri="{FF2B5EF4-FFF2-40B4-BE49-F238E27FC236}">
-                <a16:creationId xmlns:a16="http://schemas.microsoft.com/office/drawing/2014/main" id="{AF9AF956-0095-7E4B-8A59-0DBC7A3A6961}"/>
+                <a16:creationId xmlns:a16="http://schemas.microsoft.com/office/drawing/2014/main" id="{38C6DDB4-CE9E-4843-86A9-EFC27330D02F}"/>
               </a:ext>
             </a:extLst>
           </p:cNvPr>
-          <p:cNvSpPr txBox="1">
-            <a:spLocks/>
-          </p:cNvSpPr>
-          <p:nvPr/>
-        </p:nvSpPr>
-        <p:spPr>
-          <a:xfrm>
-            <a:off x="363880" y="4849792"/>
-            <a:ext cx="11676444" cy="613459"/>
-          </a:xfrm>
-          <a:prstGeom prst="rect">
-            <a:avLst/>
-          </a:prstGeom>
-        </p:spPr>
-        <p:txBody>
-          <a:bodyPr vert="horz" lIns="91440" tIns="45720" rIns="91440" bIns="45720" rtlCol="0">
-            <a:normAutofit/>
-          </a:bodyPr>
-          <a:lstStyle>
-            <a:lvl1pPr marL="228600" indent="-228600" algn="l" defTabSz="914400" rtl="0" eaLnBrk="1" latinLnBrk="0" hangingPunct="1">
-              <a:lnSpc>
-                <a:spcPct val="90000"/>
-              </a:lnSpc>
-              <a:spcBef>
-                <a:spcPts val="1000"/>
-              </a:spcBef>
-              <a:buFont typeface="Arial" panose="020B0604020202020204" pitchFamily="34" charset="0"/>
-              <a:buChar char="•"/>
-              <a:defRPr sz="2800" kern="1200">
-                <a:solidFill>
-                  <a:schemeClr val="tx1"/>
-                </a:solidFill>
-                <a:latin typeface="+mn-lt"/>
-                <a:ea typeface="+mn-ea"/>
-                <a:cs typeface="+mn-cs"/>
-              </a:defRPr>
-            </a:lvl1pPr>
-            <a:lvl2pPr marL="685800" indent="-228600" algn="l" defTabSz="914400" rtl="0" eaLnBrk="1" latinLnBrk="0" hangingPunct="1">
-              <a:lnSpc>
-                <a:spcPct val="90000"/>
-              </a:lnSpc>
-              <a:spcBef>
-                <a:spcPts val="500"/>
-              </a:spcBef>
-              <a:buFont typeface="Arial" panose="020B0604020202020204" pitchFamily="34" charset="0"/>
-              <a:buChar char="•"/>
-              <a:defRPr sz="2400" kern="1200">
-                <a:solidFill>
-                  <a:schemeClr val="tx1"/>
-                </a:solidFill>
-                <a:latin typeface="+mn-lt"/>
-                <a:ea typeface="+mn-ea"/>
-                <a:cs typeface="+mn-cs"/>
-              </a:defRPr>
-            </a:lvl2pPr>
-            <a:lvl3pPr marL="1143000" indent="-228600" algn="l" defTabSz="914400" rtl="0" eaLnBrk="1" latinLnBrk="0" hangingPunct="1">
-              <a:lnSpc>
-                <a:spcPct val="90000"/>
-              </a:lnSpc>
-              <a:spcBef>
-                <a:spcPts val="500"/>
-              </a:spcBef>
-              <a:buFont typeface="Arial" panose="020B0604020202020204" pitchFamily="34" charset="0"/>
-              <a:buChar char="•"/>
-              <a:defRPr sz="2000" kern="1200">
-                <a:solidFill>
-                  <a:schemeClr val="tx1"/>
-                </a:solidFill>
-                <a:latin typeface="+mn-lt"/>
-                <a:ea typeface="+mn-ea"/>
-                <a:cs typeface="+mn-cs"/>
-              </a:defRPr>
-            </a:lvl3pPr>
-            <a:lvl4pPr marL="1600200" indent="-228600" algn="l" defTabSz="914400" rtl="0" eaLnBrk="1" latinLnBrk="0" hangingPunct="1">
-              <a:lnSpc>
-                <a:spcPct val="90000"/>
-              </a:lnSpc>
-              <a:spcBef>
-                <a:spcPts val="500"/>
-              </a:spcBef>
-              <a:buFont typeface="Arial" panose="020B0604020202020204" pitchFamily="34" charset="0"/>
-              <a:buChar char="•"/>
-              <a:defRPr sz="1800" kern="1200">
-                <a:solidFill>
-                  <a:schemeClr val="tx1"/>
-                </a:solidFill>
-                <a:latin typeface="+mn-lt"/>
-                <a:ea typeface="+mn-ea"/>
-                <a:cs typeface="+mn-cs"/>
-              </a:defRPr>
-            </a:lvl4pPr>
-            <a:lvl5pPr marL="2057400" indent="-228600" algn="l" defTabSz="914400" rtl="0" eaLnBrk="1" latinLnBrk="0" hangingPunct="1">
-              <a:lnSpc>
-                <a:spcPct val="90000"/>
-              </a:lnSpc>
-              <a:spcBef>
-                <a:spcPts val="500"/>
-              </a:spcBef>
-              <a:buFont typeface="Arial" panose="020B0604020202020204" pitchFamily="34" charset="0"/>
-              <a:buChar char="•"/>
-              <a:defRPr sz="1800" kern="1200">
-                <a:solidFill>
-                  <a:schemeClr val="tx1"/>
-                </a:solidFill>
-                <a:latin typeface="+mn-lt"/>
-                <a:ea typeface="+mn-ea"/>
-                <a:cs typeface="+mn-cs"/>
-              </a:defRPr>
-            </a:lvl5pPr>
-            <a:lvl6pPr marL="2514600" indent="-228600" algn="l" defTabSz="914400" rtl="0" eaLnBrk="1" latinLnBrk="0" hangingPunct="1">
-              <a:lnSpc>
-                <a:spcPct val="90000"/>
-              </a:lnSpc>
-              <a:spcBef>
-                <a:spcPts val="500"/>
-              </a:spcBef>
-              <a:buFont typeface="Arial" panose="020B0604020202020204" pitchFamily="34" charset="0"/>
-              <a:buChar char="•"/>
-              <a:defRPr sz="1800" kern="1200">
-                <a:solidFill>
-                  <a:schemeClr val="tx1"/>
-                </a:solidFill>
-                <a:latin typeface="+mn-lt"/>
-                <a:ea typeface="+mn-ea"/>
-                <a:cs typeface="+mn-cs"/>
-              </a:defRPr>
-            </a:lvl6pPr>
-            <a:lvl7pPr marL="2971800" indent="-228600" algn="l" defTabSz="914400" rtl="0" eaLnBrk="1" latinLnBrk="0" hangingPunct="1">
-              <a:lnSpc>
-                <a:spcPct val="90000"/>
-              </a:lnSpc>
-              <a:spcBef>
-                <a:spcPts val="500"/>
-              </a:spcBef>
-              <a:buFont typeface="Arial" panose="020B0604020202020204" pitchFamily="34" charset="0"/>
-              <a:buChar char="•"/>
-              <a:defRPr sz="1800" kern="1200">
-                <a:solidFill>
-                  <a:schemeClr val="tx1"/>
-                </a:solidFill>
-                <a:latin typeface="+mn-lt"/>
-                <a:ea typeface="+mn-ea"/>
-                <a:cs typeface="+mn-cs"/>
-              </a:defRPr>
-            </a:lvl7pPr>
-            <a:lvl8pPr marL="3429000" indent="-228600" algn="l" defTabSz="914400" rtl="0" eaLnBrk="1" latinLnBrk="0" hangingPunct="1">
-              <a:lnSpc>
-                <a:spcPct val="90000"/>
-              </a:lnSpc>
-              <a:spcBef>
-                <a:spcPts val="500"/>
-              </a:spcBef>
-              <a:buFont typeface="Arial" panose="020B0604020202020204" pitchFamily="34" charset="0"/>
-              <a:buChar char="•"/>
-              <a:defRPr sz="1800" kern="1200">
-                <a:solidFill>
-                  <a:schemeClr val="tx1"/>
-                </a:solidFill>
-                <a:latin typeface="+mn-lt"/>
-                <a:ea typeface="+mn-ea"/>
-                <a:cs typeface="+mn-cs"/>
-              </a:defRPr>
-            </a:lvl8pPr>
-            <a:lvl9pPr marL="3886200" indent="-228600" algn="l" defTabSz="914400" rtl="0" eaLnBrk="1" latinLnBrk="0" hangingPunct="1">
-              <a:lnSpc>
-                <a:spcPct val="90000"/>
-              </a:lnSpc>
-              <a:spcBef>
-                <a:spcPts val="500"/>
-              </a:spcBef>
-              <a:buFont typeface="Arial" panose="020B0604020202020204" pitchFamily="34" charset="0"/>
-              <a:buChar char="•"/>
-              <a:defRPr sz="1800" kern="1200">
-                <a:solidFill>
-                  <a:schemeClr val="tx1"/>
-                </a:solidFill>
-                <a:latin typeface="+mn-lt"/>
-                <a:ea typeface="+mn-ea"/>
-                <a:cs typeface="+mn-cs"/>
-              </a:defRPr>
-            </a:lvl9pPr>
-          </a:lstStyle>
-          <a:p>
-            <a:pPr marL="0" indent="0" algn="ctr">
-              <a:buFont typeface="Arial" panose="020B0604020202020204" pitchFamily="34" charset="0"/>
-              <a:buNone/>
-            </a:pPr>
-            <a:r>
-              <a:rPr lang="en-US" dirty="0"/>
-              <a:t>For our purpose, Requests allows us to make REST API calls with Python</a:t>
-            </a:r>
-          </a:p>
-        </p:txBody>
-      </p:sp>
-      <p:sp>
-        <p:nvSpPr>
-          <p:cNvPr id="4" name="Date Placeholder 3">
+          <p:cNvSpPr>
+            <a:spLocks noGrp="1"/>
+          </p:cNvSpPr>
+          <p:nvPr>
+            <p:ph type="dt" sz="half" idx="10"/>
+          </p:nvPr>
+        </p:nvSpPr>
+        <p:spPr/>
+        <p:txBody>
+          <a:bodyPr/>
+          <a:lstStyle/>
+          <a:p>
+            <a:r>
+              <a:rPr lang="en-US"/>
+              <a:t>World Wide Technology ©</a:t>
+            </a:r>
+            <a:endParaRPr lang="en-US" dirty="0"/>
+          </a:p>
+        </p:txBody>
+      </p:sp>
+      <p:sp>
+        <p:nvSpPr>
+          <p:cNvPr id="5" name="Slide Number Placeholder 4">
             <a:extLst>
               <a:ext uri="{FF2B5EF4-FFF2-40B4-BE49-F238E27FC236}">
-                <a16:creationId xmlns:a16="http://schemas.microsoft.com/office/drawing/2014/main" id="{1C19A6E8-5AFA-2E46-8A8A-4FC9C00F43E3}"/>
-              </a:ext>
-            </a:extLst>
-          </p:cNvPr>
-          <p:cNvSpPr>
-            <a:spLocks noGrp="1"/>
-          </p:cNvSpPr>
-          <p:nvPr>
-            <p:ph type="dt" sz="half" idx="10"/>
-          </p:nvPr>
-        </p:nvSpPr>
-        <p:spPr/>
-        <p:txBody>
-          <a:bodyPr/>
-          <a:lstStyle/>
-          <a:p>
-            <a:r>
-              <a:rPr lang="en-US"/>
-              <a:t>World Wide Technology ©</a:t>
-            </a:r>
-            <a:endParaRPr lang="en-US" dirty="0"/>
-          </a:p>
-        </p:txBody>
-      </p:sp>
-      <p:sp>
-        <p:nvSpPr>
-          <p:cNvPr id="6" name="Slide Number Placeholder 5">
-            <a:extLst>
-              <a:ext uri="{FF2B5EF4-FFF2-40B4-BE49-F238E27FC236}">
-                <a16:creationId xmlns:a16="http://schemas.microsoft.com/office/drawing/2014/main" id="{64CE8051-69FB-854E-9C7A-A8C2F72854ED}"/>
+                <a16:creationId xmlns:a16="http://schemas.microsoft.com/office/drawing/2014/main" id="{09AD6D8E-DFAE-8E42-9152-B189D9284AD9}"/>
               </a:ext>
             </a:extLst>
           </p:cNvPr>
@@ -11083,7 +13354,7 @@
     </p:spTree>
     <p:extLst>
       <p:ext uri="{BB962C8B-B14F-4D97-AF65-F5344CB8AC3E}">
-        <p14:creationId xmlns:p14="http://schemas.microsoft.com/office/powerpoint/2010/main" val="619093012"/>
+        <p14:creationId xmlns:p14="http://schemas.microsoft.com/office/powerpoint/2010/main" val="593970204"/>
       </p:ext>
     </p:extLst>
   </p:cSld>
@@ -11136,7 +13407,11 @@
                                           </p:stCondLst>
                                         </p:cTn>
                                         <p:tgtEl>
-                                          <p:spTgt spid="3"/>
+                                          <p:spTgt spid="3">
+                                            <p:txEl>
+                                              <p:pRg st="0" end="0"/>
+                                            </p:txEl>
+                                          </p:spTgt>
                                         </p:tgtEl>
                                         <p:attrNameLst>
                                           <p:attrName>style.visibility</p:attrName>
@@ -11150,7 +13425,11 @@
                                       <p:cBhvr>
                                         <p:cTn id="7" dur="500"/>
                                         <p:tgtEl>
-                                          <p:spTgt spid="3"/>
+                                          <p:spTgt spid="3">
+                                            <p:txEl>
+                                              <p:pRg st="0" end="0"/>
+                                            </p:txEl>
+                                          </p:spTgt>
                                         </p:tgtEl>
                                       </p:cBhvr>
                                     </p:animEffect>
@@ -11189,7 +13468,11 @@
                                           </p:stCondLst>
                                         </p:cTn>
                                         <p:tgtEl>
-                                          <p:spTgt spid="5"/>
+                                          <p:spTgt spid="3">
+                                            <p:txEl>
+                                              <p:pRg st="1" end="1"/>
+                                            </p:txEl>
+                                          </p:spTgt>
                                         </p:tgtEl>
                                         <p:attrNameLst>
                                           <p:attrName>style.visibility</p:attrName>
@@ -11203,7 +13486,54 @@
                                       <p:cBhvr>
                                         <p:cTn id="12" dur="500"/>
                                         <p:tgtEl>
-                                          <p:spTgt spid="5"/>
+                                          <p:spTgt spid="3">
+                                            <p:txEl>
+                                              <p:pRg st="1" end="1"/>
+                                            </p:txEl>
+                                          </p:spTgt>
+                                        </p:tgtEl>
+                                      </p:cBhvr>
+                                    </p:animEffect>
+                                  </p:childTnLst>
+                                </p:cTn>
+                              </p:par>
+                              <p:par>
+                                <p:cTn id="13" presetID="9" presetClass="entr" presetSubtype="0" fill="hold" grpId="0" nodeType="withEffect">
+                                  <p:stCondLst>
+                                    <p:cond delay="0"/>
+                                  </p:stCondLst>
+                                  <p:childTnLst>
+                                    <p:set>
+                                      <p:cBhvr>
+                                        <p:cTn id="14" dur="1" fill="hold">
+                                          <p:stCondLst>
+                                            <p:cond delay="0"/>
+                                          </p:stCondLst>
+                                        </p:cTn>
+                                        <p:tgtEl>
+                                          <p:spTgt spid="3">
+                                            <p:txEl>
+                                              <p:pRg st="2" end="2"/>
+                                            </p:txEl>
+                                          </p:spTgt>
+                                        </p:tgtEl>
+                                        <p:attrNameLst>
+                                          <p:attrName>style.visibility</p:attrName>
+                                        </p:attrNameLst>
+                                      </p:cBhvr>
+                                      <p:to>
+                                        <p:strVal val="visible"/>
+                                      </p:to>
+                                    </p:set>
+                                    <p:animEffect transition="in" filter="dissolve">
+                                      <p:cBhvr>
+                                        <p:cTn id="15" dur="500"/>
+                                        <p:tgtEl>
+                                          <p:spTgt spid="3">
+                                            <p:txEl>
+                                              <p:pRg st="2" end="2"/>
+                                            </p:txEl>
+                                          </p:spTgt>
                                         </p:tgtEl>
                                       </p:cBhvr>
                                     </p:animEffect>
@@ -11238,8 +13568,7 @@
       </p:par>
     </p:tnLst>
     <p:bldLst>
-      <p:bldP spid="3" grpId="0"/>
-      <p:bldP spid="5" grpId="0"/>
+      <p:bldP spid="3" grpId="0" build="p"/>
     </p:bldLst>
   </p:timing>
 </p:sld>

--- a/curl-requests-foundations.pptx
+++ b/curl-requests-foundations.pptx
@@ -231,7 +231,7 @@
           <a:p>
             <a:fld id="{966F6F5D-167E-1849-B841-EB0817BB385A}" type="datetimeFigureOut">
               <a:rPr lang="en-US" smtClean="0"/>
-              <a:t>3/30/20</a:t>
+              <a:t>3/31/20</a:t>
             </a:fld>
             <a:endParaRPr lang="en-US"/>
           </a:p>
@@ -1378,6 +1378,141 @@
               <a:rPr lang="en-US" dirty="0"/>
               <a:t>// TODO</a:t>
             </a:r>
+          </a:p>
+          <a:p>
+            <a:pPr marL="171450" marR="0" lvl="0" indent="-171450" algn="l" defTabSz="914400" rtl="0" eaLnBrk="1" fontAlgn="auto" latinLnBrk="0" hangingPunct="1">
+              <a:lnSpc>
+                <a:spcPct val="100000"/>
+              </a:lnSpc>
+              <a:spcBef>
+                <a:spcPts val="0"/>
+              </a:spcBef>
+              <a:spcAft>
+                <a:spcPts val="0"/>
+              </a:spcAft>
+              <a:buClrTx/>
+              <a:buSzTx/>
+              <a:buFont typeface="Arial" panose="020B0604020202020204" pitchFamily="34" charset="0"/>
+              <a:buChar char="•"/>
+              <a:tabLst/>
+              <a:defRPr/>
+            </a:pPr>
+            <a:r>
+              <a:rPr lang="en-US" dirty="0"/>
+              <a:t>A Docker container is available which has a ready-build development environment for all of the hands-on activities</a:t>
+            </a:r>
+          </a:p>
+          <a:p>
+            <a:pPr marL="628650" marR="0" lvl="1" indent="-171450" algn="l" defTabSz="914400" rtl="0" eaLnBrk="1" fontAlgn="auto" latinLnBrk="0" hangingPunct="1">
+              <a:lnSpc>
+                <a:spcPct val="100000"/>
+              </a:lnSpc>
+              <a:spcBef>
+                <a:spcPts val="0"/>
+              </a:spcBef>
+              <a:spcAft>
+                <a:spcPts val="0"/>
+              </a:spcAft>
+              <a:buClrTx/>
+              <a:buSzTx/>
+              <a:buFont typeface="Arial" panose="020B0604020202020204" pitchFamily="34" charset="0"/>
+              <a:buChar char="•"/>
+              <a:tabLst/>
+              <a:defRPr/>
+            </a:pPr>
+            <a:r>
+              <a:rPr lang="en-US" dirty="0"/>
+              <a:t>This will run on any Docker host, no dependency concerns</a:t>
+            </a:r>
+          </a:p>
+          <a:p>
+            <a:pPr marL="171450" marR="0" lvl="0" indent="-171450" algn="l" defTabSz="914400" rtl="0" eaLnBrk="1" fontAlgn="auto" latinLnBrk="0" hangingPunct="1">
+              <a:lnSpc>
+                <a:spcPct val="100000"/>
+              </a:lnSpc>
+              <a:spcBef>
+                <a:spcPts val="0"/>
+              </a:spcBef>
+              <a:spcAft>
+                <a:spcPts val="0"/>
+              </a:spcAft>
+              <a:buClrTx/>
+              <a:buSzTx/>
+              <a:buFont typeface="Arial" panose="020B0604020202020204" pitchFamily="34" charset="0"/>
+              <a:buChar char="•"/>
+              <a:tabLst/>
+              <a:defRPr/>
+            </a:pPr>
+            <a:r>
+              <a:rPr lang="en-US" dirty="0"/>
+              <a:t>This isn’t a Docker class but here are some basic commands to use Docker for the hands-on activities</a:t>
+            </a:r>
+          </a:p>
+          <a:p>
+            <a:pPr marL="171450" marR="0" lvl="0" indent="-171450" algn="l" defTabSz="914400" rtl="0" eaLnBrk="1" fontAlgn="auto" latinLnBrk="0" hangingPunct="1">
+              <a:lnSpc>
+                <a:spcPct val="100000"/>
+              </a:lnSpc>
+              <a:spcBef>
+                <a:spcPts val="0"/>
+              </a:spcBef>
+              <a:spcAft>
+                <a:spcPts val="0"/>
+              </a:spcAft>
+              <a:buClrTx/>
+              <a:buSzTx/>
+              <a:buFont typeface="Arial" panose="020B0604020202020204" pitchFamily="34" charset="0"/>
+              <a:buChar char="•"/>
+              <a:tabLst/>
+              <a:defRPr/>
+            </a:pPr>
+            <a:r>
+              <a:rPr lang="en-US" dirty="0"/>
+              <a:t>Create/use a local folder to organize all of your projects (/development, /code, etc.)</a:t>
+            </a:r>
+          </a:p>
+          <a:p>
+            <a:pPr marL="171450" marR="0" lvl="0" indent="-171450" algn="l" defTabSz="914400" rtl="0" eaLnBrk="1" fontAlgn="auto" latinLnBrk="0" hangingPunct="1">
+              <a:lnSpc>
+                <a:spcPct val="100000"/>
+              </a:lnSpc>
+              <a:spcBef>
+                <a:spcPts val="0"/>
+              </a:spcBef>
+              <a:spcAft>
+                <a:spcPts val="0"/>
+              </a:spcAft>
+              <a:buClrTx/>
+              <a:buSzTx/>
+              <a:buFont typeface="Arial" panose="020B0604020202020204" pitchFamily="34" charset="0"/>
+              <a:buChar char="•"/>
+              <a:tabLst/>
+              <a:defRPr/>
+            </a:pPr>
+            <a:r>
+              <a:rPr lang="en-US" dirty="0"/>
+              <a:t>Download and run the Docker image from Docker Hub</a:t>
+            </a:r>
+          </a:p>
+          <a:p>
+            <a:pPr marL="171450" marR="0" lvl="0" indent="-171450" algn="l" defTabSz="914400" rtl="0" eaLnBrk="1" fontAlgn="auto" latinLnBrk="0" hangingPunct="1">
+              <a:lnSpc>
+                <a:spcPct val="100000"/>
+              </a:lnSpc>
+              <a:spcBef>
+                <a:spcPts val="0"/>
+              </a:spcBef>
+              <a:spcAft>
+                <a:spcPts val="0"/>
+              </a:spcAft>
+              <a:buClrTx/>
+              <a:buSzTx/>
+              <a:buFont typeface="Arial" panose="020B0604020202020204" pitchFamily="34" charset="0"/>
+              <a:buChar char="•"/>
+              <a:tabLst/>
+              <a:defRPr/>
+            </a:pPr>
+            <a:endParaRPr lang="en-US" dirty="0"/>
           </a:p>
         </p:txBody>
       </p:sp>
@@ -9667,7 +9802,7 @@
         <p:spPr/>
         <p:txBody>
           <a:bodyPr>
-            <a:normAutofit fontScale="92500" lnSpcReduction="10000"/>
+            <a:normAutofit/>
           </a:bodyPr>
           <a:lstStyle/>
           <a:p>
@@ -9705,7 +9840,7 @@
           <a:p>
             <a:r>
               <a:rPr lang="en-US" dirty="0"/>
-              <a:t>Download this Docker Image from Docker Hub (wwt01)</a:t>
+              <a:t>Download this repo from WWT’s GitHub</a:t>
             </a:r>
           </a:p>
           <a:p>
@@ -9714,28 +9849,14 @@
               <a:rPr lang="en-US" dirty="0">
                 <a:hlinkClick r:id="rId5"/>
               </a:rPr>
-              <a:t>https://hub.docker.com/u/wwt01</a:t>
-            </a:r>
-            <a:r>
-              <a:rPr lang="en-US" dirty="0"/>
-              <a:t> </a:t>
-            </a:r>
-            <a:r>
-              <a:rPr lang="en-US" dirty="0">
-                <a:solidFill>
-                  <a:srgbClr val="FFFF00"/>
-                </a:solidFill>
-                <a:highlight>
-                  <a:srgbClr val="FF0000"/>
-                </a:highlight>
-              </a:rPr>
-              <a:t>**Need Complete URL**</a:t>
-            </a:r>
-          </a:p>
-          <a:p>
-            <a:r>
-              <a:rPr lang="en-US" dirty="0"/>
-              <a:t>Download this repo from WWT’s GitHub</a:t>
+              <a:t>https://github.com/wwt/curl-requests-foundations</a:t>
+            </a:r>
+            <a:endParaRPr lang="en-US" dirty="0"/>
+          </a:p>
+          <a:p>
+            <a:r>
+              <a:rPr lang="en-US" dirty="0"/>
+              <a:t>Install a code editor</a:t>
             </a:r>
           </a:p>
           <a:p>
@@ -9743,22 +9864,6 @@
             <a:r>
               <a:rPr lang="en-US" dirty="0">
                 <a:hlinkClick r:id="rId6"/>
-              </a:rPr>
-              <a:t>https://github.com/wwt/curl-requests-foundations</a:t>
-            </a:r>
-            <a:endParaRPr lang="en-US" dirty="0"/>
-          </a:p>
-          <a:p>
-            <a:r>
-              <a:rPr lang="en-US" dirty="0"/>
-              <a:t>Install a code editor</a:t>
-            </a:r>
-          </a:p>
-          <a:p>
-            <a:pPr lvl="1"/>
-            <a:r>
-              <a:rPr lang="en-US" dirty="0">
-                <a:hlinkClick r:id="rId7"/>
               </a:rPr>
               <a:t>https://code.visualstudio.com/Download</a:t>
             </a:r>
@@ -10340,110 +10445,6 @@
                                   </p:childTnLst>
                                 </p:cTn>
                               </p:par>
-                              <p:par>
-                                <p:cTn id="40" presetID="9" presetClass="entr" presetSubtype="0" fill="hold" grpId="0" nodeType="withEffect">
-                                  <p:stCondLst>
-                                    <p:cond delay="0"/>
-                                  </p:stCondLst>
-                                  <p:childTnLst>
-                                    <p:set>
-                                      <p:cBhvr>
-                                        <p:cTn id="41" dur="1" fill="hold">
-                                          <p:stCondLst>
-                                            <p:cond delay="0"/>
-                                          </p:stCondLst>
-                                        </p:cTn>
-                                        <p:tgtEl>
-                                          <p:spTgt spid="3">
-                                            <p:txEl>
-                                              <p:pRg st="9" end="9"/>
-                                            </p:txEl>
-                                          </p:spTgt>
-                                        </p:tgtEl>
-                                        <p:attrNameLst>
-                                          <p:attrName>style.visibility</p:attrName>
-                                        </p:attrNameLst>
-                                      </p:cBhvr>
-                                      <p:to>
-                                        <p:strVal val="visible"/>
-                                      </p:to>
-                                    </p:set>
-                                    <p:animEffect transition="in" filter="dissolve">
-                                      <p:cBhvr>
-                                        <p:cTn id="42" dur="500"/>
-                                        <p:tgtEl>
-                                          <p:spTgt spid="3">
-                                            <p:txEl>
-                                              <p:pRg st="9" end="9"/>
-                                            </p:txEl>
-                                          </p:spTgt>
-                                        </p:tgtEl>
-                                      </p:cBhvr>
-                                    </p:animEffect>
-                                  </p:childTnLst>
-                                </p:cTn>
-                              </p:par>
-                            </p:childTnLst>
-                          </p:cTn>
-                        </p:par>
-                      </p:childTnLst>
-                    </p:cTn>
-                  </p:par>
-                  <p:par>
-                    <p:cTn id="43" fill="hold">
-                      <p:stCondLst>
-                        <p:cond delay="indefinite"/>
-                      </p:stCondLst>
-                      <p:childTnLst>
-                        <p:par>
-                          <p:cTn id="44" fill="hold">
-                            <p:stCondLst>
-                              <p:cond delay="0"/>
-                            </p:stCondLst>
-                            <p:childTnLst>
-                              <p:par>
-                                <p:cTn id="45" presetID="9" presetClass="entr" presetSubtype="0" fill="hold" grpId="0" nodeType="clickEffect">
-                                  <p:stCondLst>
-                                    <p:cond delay="0"/>
-                                  </p:stCondLst>
-                                  <p:childTnLst>
-                                    <p:set>
-                                      <p:cBhvr>
-                                        <p:cTn id="46" dur="1" fill="hold">
-                                          <p:stCondLst>
-                                            <p:cond delay="0"/>
-                                          </p:stCondLst>
-                                        </p:cTn>
-                                        <p:tgtEl>
-                                          <p:spTgt spid="3">
-                                            <p:txEl>
-                                              <p:pRg st="10" end="10"/>
-                                            </p:txEl>
-                                          </p:spTgt>
-                                        </p:tgtEl>
-                                        <p:attrNameLst>
-                                          <p:attrName>style.visibility</p:attrName>
-                                        </p:attrNameLst>
-                                      </p:cBhvr>
-                                      <p:to>
-                                        <p:strVal val="visible"/>
-                                      </p:to>
-                                    </p:set>
-                                    <p:animEffect transition="in" filter="dissolve">
-                                      <p:cBhvr>
-                                        <p:cTn id="47" dur="500"/>
-                                        <p:tgtEl>
-                                          <p:spTgt spid="3">
-                                            <p:txEl>
-                                              <p:pRg st="10" end="10"/>
-                                            </p:txEl>
-                                          </p:spTgt>
-                                        </p:tgtEl>
-                                      </p:cBhvr>
-                                    </p:animEffect>
-                                  </p:childTnLst>
-                                </p:cTn>
-                              </p:par>
                             </p:childTnLst>
                           </p:cTn>
                         </p:par>
@@ -11318,7 +11319,7 @@
           <a:p>
             <a:r>
               <a:rPr lang="en-US" dirty="0"/>
-              <a:t>Start the Development Environment</a:t>
+              <a:t>Access the Hands-On Environment</a:t>
             </a:r>
           </a:p>
         </p:txBody>
@@ -11400,23 +11401,239 @@
         </p:nvSpPr>
         <p:spPr>
           <a:xfrm>
-            <a:off x="838200" y="1825625"/>
-            <a:ext cx="10515600" cy="4351338"/>
+            <a:off x="606703" y="1527858"/>
+            <a:ext cx="11002701" cy="4965017"/>
           </a:xfrm>
         </p:spPr>
         <p:txBody>
-          <a:bodyPr/>
-          <a:lstStyle/>
-          <a:p>
-            <a:r>
-              <a:rPr lang="en-US" dirty="0"/>
-              <a:t>Instructions to run the </a:t>
+          <a:bodyPr>
+            <a:normAutofit/>
+          </a:bodyPr>
+          <a:lstStyle/>
+          <a:p>
+            <a:r>
+              <a:rPr lang="en-US" dirty="0"/>
+              <a:t>Open your preferred terminal (bash, PowerShell, </a:t>
+            </a:r>
+            <a:r>
+              <a:rPr lang="en-US" dirty="0" err="1"/>
+              <a:t>zsh</a:t>
+            </a:r>
+            <a:r>
+              <a:rPr lang="en-US" dirty="0"/>
+              <a:t>, etc.)</a:t>
+            </a:r>
+          </a:p>
+          <a:p>
+            <a:r>
+              <a:rPr lang="en-US" dirty="0"/>
+              <a:t>Create and switch to a local folder</a:t>
+            </a:r>
+          </a:p>
+          <a:p>
+            <a:pPr marL="457200" lvl="1" indent="0">
+              <a:buNone/>
+            </a:pPr>
+            <a:r>
+              <a:rPr lang="en-US" b="1" i="1" dirty="0" err="1">
+                <a:solidFill>
+                  <a:srgbClr val="FFFF00"/>
+                </a:solidFill>
+              </a:rPr>
+              <a:t>mkdir</a:t>
+            </a:r>
+            <a:r>
+              <a:rPr lang="en-US" b="1" i="1" dirty="0">
+                <a:solidFill>
+                  <a:srgbClr val="FFFF00"/>
+                </a:solidFill>
+              </a:rPr>
+              <a:t> ~/code &amp;&amp; cd ~/code</a:t>
+            </a:r>
+          </a:p>
+          <a:p>
+            <a:r>
+              <a:rPr lang="en-US" dirty="0"/>
+              <a:t>Create a Docker Container for </a:t>
             </a:r>
             <a:r>
               <a:rPr lang="en-US"/>
-              <a:t>Docker Container</a:t>
+              <a:t>the hands-on exercises</a:t>
             </a:r>
             <a:endParaRPr lang="en-US" dirty="0"/>
+          </a:p>
+          <a:p>
+            <a:pPr marL="457200" lvl="1" indent="0">
+              <a:buNone/>
+            </a:pPr>
+            <a:r>
+              <a:rPr lang="en-US" b="1" i="1" dirty="0">
+                <a:solidFill>
+                  <a:srgbClr val="FFFF00"/>
+                </a:solidFill>
+              </a:rPr>
+              <a:t>docker container run -</a:t>
+            </a:r>
+            <a:r>
+              <a:rPr lang="en-US" b="1" i="1" dirty="0" err="1">
+                <a:solidFill>
+                  <a:srgbClr val="FFFF00"/>
+                </a:solidFill>
+              </a:rPr>
+              <a:t>itv</a:t>
+            </a:r>
+            <a:r>
+              <a:rPr lang="en-US" b="1" i="1" dirty="0">
+                <a:solidFill>
+                  <a:srgbClr val="FFFF00"/>
+                </a:solidFill>
+              </a:rPr>
+              <a:t> ~/code:/code --name </a:t>
+            </a:r>
+            <a:r>
+              <a:rPr lang="en-US" b="1" i="1" dirty="0">
+                <a:solidFill>
+                  <a:srgbClr val="FFFF00"/>
+                </a:solidFill>
+                <a:highlight>
+                  <a:srgbClr val="800080"/>
+                </a:highlight>
+              </a:rPr>
+              <a:t>curl_pyreq1</a:t>
+            </a:r>
+            <a:r>
+              <a:rPr lang="en-US" b="1" i="1" dirty="0">
+                <a:solidFill>
+                  <a:srgbClr val="FFFF00"/>
+                </a:solidFill>
+              </a:rPr>
+              <a:t> </a:t>
+            </a:r>
+            <a:r>
+              <a:rPr lang="en-US" b="1" i="1" dirty="0">
+                <a:solidFill>
+                  <a:srgbClr val="FFFF00"/>
+                </a:solidFill>
+                <a:highlight>
+                  <a:srgbClr val="FF0000"/>
+                </a:highlight>
+              </a:rPr>
+              <a:t>wwt01/</a:t>
+            </a:r>
+            <a:r>
+              <a:rPr lang="en-US" b="1" i="1" dirty="0" err="1">
+                <a:solidFill>
+                  <a:srgbClr val="FFFF00"/>
+                </a:solidFill>
+                <a:highlight>
+                  <a:srgbClr val="FF0000"/>
+                </a:highlight>
+              </a:rPr>
+              <a:t>curl_pyreq</a:t>
+            </a:r>
+            <a:endParaRPr lang="en-US" b="1" i="1" dirty="0">
+              <a:solidFill>
+                <a:srgbClr val="FFFF00"/>
+              </a:solidFill>
+            </a:endParaRPr>
+          </a:p>
+          <a:p>
+            <a:r>
+              <a:rPr lang="en-US" dirty="0"/>
+              <a:t>Detach from the Docker Container</a:t>
+            </a:r>
+          </a:p>
+          <a:p>
+            <a:pPr marL="457200" lvl="1" indent="0">
+              <a:buNone/>
+            </a:pPr>
+            <a:r>
+              <a:rPr lang="en-US" b="1" i="1" dirty="0">
+                <a:solidFill>
+                  <a:srgbClr val="FFFF00"/>
+                </a:solidFill>
+              </a:rPr>
+              <a:t>control + p + q</a:t>
+            </a:r>
+            <a:endParaRPr lang="en-US" dirty="0"/>
+          </a:p>
+          <a:p>
+            <a:r>
+              <a:rPr lang="en-US" dirty="0"/>
+              <a:t>Stop, start, and attach the Docker Container</a:t>
+            </a:r>
+          </a:p>
+          <a:p>
+            <a:pPr marL="457200" lvl="1" indent="0">
+              <a:buNone/>
+            </a:pPr>
+            <a:r>
+              <a:rPr lang="en-US" b="1" i="1" dirty="0">
+                <a:solidFill>
+                  <a:srgbClr val="FFFF00"/>
+                </a:solidFill>
+              </a:rPr>
+              <a:t>docker container stop </a:t>
+            </a:r>
+            <a:r>
+              <a:rPr lang="en-US" b="1" i="1" dirty="0">
+                <a:solidFill>
+                  <a:srgbClr val="FFFF00"/>
+                </a:solidFill>
+                <a:highlight>
+                  <a:srgbClr val="800080"/>
+                </a:highlight>
+              </a:rPr>
+              <a:t>curl_pyreq1</a:t>
+            </a:r>
+          </a:p>
+          <a:p>
+            <a:pPr marL="457200" lvl="1" indent="0">
+              <a:buNone/>
+            </a:pPr>
+            <a:r>
+              <a:rPr lang="en-US" b="1" i="1" dirty="0">
+                <a:solidFill>
+                  <a:srgbClr val="FFFF00"/>
+                </a:solidFill>
+              </a:rPr>
+              <a:t>docker container start </a:t>
+            </a:r>
+            <a:r>
+              <a:rPr lang="en-US" b="1" i="1" dirty="0">
+                <a:solidFill>
+                  <a:srgbClr val="FFFF00"/>
+                </a:solidFill>
+                <a:highlight>
+                  <a:srgbClr val="800080"/>
+                </a:highlight>
+              </a:rPr>
+              <a:t>curl_pyreq1</a:t>
+            </a:r>
+          </a:p>
+          <a:p>
+            <a:pPr marL="457200" lvl="1" indent="0">
+              <a:buNone/>
+            </a:pPr>
+            <a:r>
+              <a:rPr lang="en-US" b="1" i="1" dirty="0">
+                <a:solidFill>
+                  <a:srgbClr val="FFFF00"/>
+                </a:solidFill>
+              </a:rPr>
+              <a:t>docker container attach </a:t>
+            </a:r>
+            <a:r>
+              <a:rPr lang="en-US" b="1" i="1" dirty="0">
+                <a:solidFill>
+                  <a:srgbClr val="FFFF00"/>
+                </a:solidFill>
+                <a:highlight>
+                  <a:srgbClr val="800080"/>
+                </a:highlight>
+              </a:rPr>
+              <a:t>curl_pyreq1</a:t>
+            </a:r>
           </a:p>
         </p:txBody>
       </p:sp>

--- a/curl-requests-foundations.pptx
+++ b/curl-requests-foundations.pptx
@@ -5,33 +5,35 @@
     <p:sldMasterId id="2147483660" r:id="rId1"/>
   </p:sldMasterIdLst>
   <p:notesMasterIdLst>
-    <p:notesMasterId r:id="rId26"/>
+    <p:notesMasterId r:id="rId28"/>
   </p:notesMasterIdLst>
   <p:sldIdLst>
     <p:sldId id="256" r:id="rId2"/>
     <p:sldId id="276" r:id="rId3"/>
     <p:sldId id="337" r:id="rId4"/>
-    <p:sldId id="277" r:id="rId5"/>
-    <p:sldId id="272" r:id="rId6"/>
-    <p:sldId id="278" r:id="rId7"/>
-    <p:sldId id="257" r:id="rId8"/>
-    <p:sldId id="327" r:id="rId9"/>
-    <p:sldId id="281" r:id="rId10"/>
-    <p:sldId id="336" r:id="rId11"/>
-    <p:sldId id="331" r:id="rId12"/>
-    <p:sldId id="270" r:id="rId13"/>
-    <p:sldId id="332" r:id="rId14"/>
-    <p:sldId id="326" r:id="rId15"/>
-    <p:sldId id="322" r:id="rId16"/>
-    <p:sldId id="329" r:id="rId17"/>
-    <p:sldId id="330" r:id="rId18"/>
-    <p:sldId id="328" r:id="rId19"/>
-    <p:sldId id="333" r:id="rId20"/>
-    <p:sldId id="334" r:id="rId21"/>
-    <p:sldId id="335" r:id="rId22"/>
-    <p:sldId id="311" r:id="rId23"/>
-    <p:sldId id="321" r:id="rId24"/>
-    <p:sldId id="280" r:id="rId25"/>
+    <p:sldId id="338" r:id="rId5"/>
+    <p:sldId id="277" r:id="rId6"/>
+    <p:sldId id="272" r:id="rId7"/>
+    <p:sldId id="278" r:id="rId8"/>
+    <p:sldId id="257" r:id="rId9"/>
+    <p:sldId id="327" r:id="rId10"/>
+    <p:sldId id="281" r:id="rId11"/>
+    <p:sldId id="339" r:id="rId12"/>
+    <p:sldId id="336" r:id="rId13"/>
+    <p:sldId id="331" r:id="rId14"/>
+    <p:sldId id="270" r:id="rId15"/>
+    <p:sldId id="332" r:id="rId16"/>
+    <p:sldId id="326" r:id="rId17"/>
+    <p:sldId id="322" r:id="rId18"/>
+    <p:sldId id="329" r:id="rId19"/>
+    <p:sldId id="330" r:id="rId20"/>
+    <p:sldId id="328" r:id="rId21"/>
+    <p:sldId id="333" r:id="rId22"/>
+    <p:sldId id="334" r:id="rId23"/>
+    <p:sldId id="335" r:id="rId24"/>
+    <p:sldId id="311" r:id="rId25"/>
+    <p:sldId id="321" r:id="rId26"/>
+    <p:sldId id="280" r:id="rId27"/>
   </p:sldIdLst>
   <p:sldSz cx="12192000" cy="6858000"/>
   <p:notesSz cx="6858000" cy="9144000"/>
@@ -687,7 +689,7 @@
           <a:p>
             <a:fld id="{020CF8D1-BA82-5045-ACF9-1AA42AD6A519}" type="slidenum">
               <a:rPr lang="en-US" smtClean="0"/>
-              <a:t>11</a:t>
+              <a:t>13</a:t>
             </a:fld>
             <a:endParaRPr lang="en-US"/>
           </a:p>
@@ -791,7 +793,7 @@
           <a:p>
             <a:fld id="{020CF8D1-BA82-5045-ACF9-1AA42AD6A519}" type="slidenum">
               <a:rPr lang="en-US" smtClean="0"/>
-              <a:t>12</a:t>
+              <a:t>14</a:t>
             </a:fld>
             <a:endParaRPr lang="en-US"/>
           </a:p>
@@ -895,7 +897,7 @@
           <a:p>
             <a:fld id="{020CF8D1-BA82-5045-ACF9-1AA42AD6A519}" type="slidenum">
               <a:rPr lang="en-US" smtClean="0"/>
-              <a:t>15</a:t>
+              <a:t>17</a:t>
             </a:fld>
             <a:endParaRPr lang="en-US"/>
           </a:p>
@@ -999,7 +1001,7 @@
           <a:p>
             <a:fld id="{020CF8D1-BA82-5045-ACF9-1AA42AD6A519}" type="slidenum">
               <a:rPr lang="en-US" smtClean="0"/>
-              <a:t>17</a:t>
+              <a:t>19</a:t>
             </a:fld>
             <a:endParaRPr lang="en-US"/>
           </a:p>
@@ -1103,7 +1105,7 @@
           <a:p>
             <a:fld id="{020CF8D1-BA82-5045-ACF9-1AA42AD6A519}" type="slidenum">
               <a:rPr lang="en-US" smtClean="0"/>
-              <a:t>19</a:t>
+              <a:t>21</a:t>
             </a:fld>
             <a:endParaRPr lang="en-US"/>
           </a:p>
@@ -1207,7 +1209,7 @@
           <a:p>
             <a:fld id="{020CF8D1-BA82-5045-ACF9-1AA42AD6A519}" type="slidenum">
               <a:rPr lang="en-US" smtClean="0"/>
-              <a:t>21</a:t>
+              <a:t>23</a:t>
             </a:fld>
             <a:endParaRPr lang="en-US"/>
           </a:p>
@@ -1660,7 +1662,7 @@
           <a:p>
             <a:fld id="{020CF8D1-BA82-5045-ACF9-1AA42AD6A519}" type="slidenum">
               <a:rPr lang="en-US" smtClean="0"/>
-              <a:t>4</a:t>
+              <a:t>5</a:t>
             </a:fld>
             <a:endParaRPr lang="en-US"/>
           </a:p>
@@ -2059,7 +2061,7 @@
           <a:p>
             <a:fld id="{020CF8D1-BA82-5045-ACF9-1AA42AD6A519}" type="slidenum">
               <a:rPr lang="en-US" smtClean="0"/>
-              <a:t>5</a:t>
+              <a:t>6</a:t>
             </a:fld>
             <a:endParaRPr lang="en-US"/>
           </a:p>
@@ -2163,7 +2165,7 @@
           <a:p>
             <a:fld id="{020CF8D1-BA82-5045-ACF9-1AA42AD6A519}" type="slidenum">
               <a:rPr lang="en-US" smtClean="0"/>
-              <a:t>6</a:t>
+              <a:t>7</a:t>
             </a:fld>
             <a:endParaRPr lang="en-US"/>
           </a:p>
@@ -2267,7 +2269,7 @@
           <a:p>
             <a:fld id="{020CF8D1-BA82-5045-ACF9-1AA42AD6A519}" type="slidenum">
               <a:rPr lang="en-US" smtClean="0"/>
-              <a:t>7</a:t>
+              <a:t>8</a:t>
             </a:fld>
             <a:endParaRPr lang="en-US"/>
           </a:p>
@@ -2354,7 +2356,7 @@
           <a:p>
             <a:fld id="{020CF8D1-BA82-5045-ACF9-1AA42AD6A519}" type="slidenum">
               <a:rPr lang="en-US" smtClean="0"/>
-              <a:t>9</a:t>
+              <a:t>10</a:t>
             </a:fld>
             <a:endParaRPr lang="en-US"/>
           </a:p>
@@ -2442,7 +2444,7 @@
           <a:p>
             <a:fld id="{020CF8D1-BA82-5045-ACF9-1AA42AD6A519}" type="slidenum">
               <a:rPr lang="en-US" smtClean="0"/>
-              <a:t>10</a:t>
+              <a:t>12</a:t>
             </a:fld>
             <a:endParaRPr lang="en-US"/>
           </a:p>
@@ -6076,6 +6078,706 @@
       </p:grpSpPr>
       <p:sp>
         <p:nvSpPr>
+          <p:cNvPr id="2" name="Title 1">
+            <a:extLst>
+              <a:ext uri="{FF2B5EF4-FFF2-40B4-BE49-F238E27FC236}">
+                <a16:creationId xmlns:a16="http://schemas.microsoft.com/office/drawing/2014/main" id="{178FC9BC-162C-754A-A134-D392F08CDBEE}"/>
+              </a:ext>
+            </a:extLst>
+          </p:cNvPr>
+          <p:cNvSpPr>
+            <a:spLocks noGrp="1"/>
+          </p:cNvSpPr>
+          <p:nvPr>
+            <p:ph type="title"/>
+          </p:nvPr>
+        </p:nvSpPr>
+        <p:spPr/>
+        <p:txBody>
+          <a:bodyPr/>
+          <a:lstStyle/>
+          <a:p>
+            <a:r>
+              <a:rPr lang="en-US" dirty="0" err="1"/>
+              <a:t>cURL</a:t>
+            </a:r>
+            <a:r>
+              <a:rPr lang="en-US" dirty="0"/>
+              <a:t> Syntax Format</a:t>
+            </a:r>
+          </a:p>
+        </p:txBody>
+      </p:sp>
+      <p:sp>
+        <p:nvSpPr>
+          <p:cNvPr id="3" name="Content Placeholder 2">
+            <a:extLst>
+              <a:ext uri="{FF2B5EF4-FFF2-40B4-BE49-F238E27FC236}">
+                <a16:creationId xmlns:a16="http://schemas.microsoft.com/office/drawing/2014/main" id="{0ECC7DC7-0671-F543-9991-CF8210E2567B}"/>
+              </a:ext>
+            </a:extLst>
+          </p:cNvPr>
+          <p:cNvSpPr>
+            <a:spLocks noGrp="1"/>
+          </p:cNvSpPr>
+          <p:nvPr>
+            <p:ph idx="1"/>
+          </p:nvPr>
+        </p:nvSpPr>
+        <p:spPr/>
+        <p:txBody>
+          <a:bodyPr/>
+          <a:lstStyle/>
+          <a:p>
+            <a:r>
+              <a:rPr lang="en-US" dirty="0"/>
+              <a:t>Format</a:t>
+            </a:r>
+          </a:p>
+          <a:p>
+            <a:pPr marL="457200" lvl="1" indent="0">
+              <a:buNone/>
+            </a:pPr>
+            <a:r>
+              <a:rPr lang="en-US" sz="2800" b="1" i="1" dirty="0">
+                <a:solidFill>
+                  <a:srgbClr val="FFFF00"/>
+                </a:solidFill>
+              </a:rPr>
+              <a:t>curl [OPTIONS] </a:t>
+            </a:r>
+            <a:r>
+              <a:rPr lang="en-US" sz="2800" b="1" i="1" dirty="0" err="1">
+                <a:solidFill>
+                  <a:srgbClr val="FFFF00"/>
+                </a:solidFill>
+              </a:rPr>
+              <a:t>url</a:t>
+            </a:r>
+            <a:endParaRPr lang="en-US" sz="2800" dirty="0"/>
+          </a:p>
+          <a:p>
+            <a:r>
+              <a:rPr lang="en-US" dirty="0"/>
+              <a:t>Open your preferred terminal (bash, PowerShell, </a:t>
+            </a:r>
+            <a:r>
+              <a:rPr lang="en-US" dirty="0" err="1"/>
+              <a:t>zsh</a:t>
+            </a:r>
+            <a:r>
+              <a:rPr lang="en-US" dirty="0"/>
+              <a:t>, etc.)</a:t>
+            </a:r>
+          </a:p>
+          <a:p>
+            <a:r>
+              <a:rPr lang="en-US" dirty="0"/>
+              <a:t>Enter the commands:</a:t>
+            </a:r>
+          </a:p>
+          <a:p>
+            <a:pPr marL="457200" lvl="1" indent="0">
+              <a:buNone/>
+            </a:pPr>
+            <a:r>
+              <a:rPr lang="en-US" sz="2800" b="1" i="1" dirty="0">
+                <a:solidFill>
+                  <a:srgbClr val="FFFF00"/>
+                </a:solidFill>
+              </a:rPr>
+              <a:t>curl --version </a:t>
+            </a:r>
+            <a:r>
+              <a:rPr lang="en-US" sz="2800" b="1" dirty="0"/>
+              <a:t>or </a:t>
+            </a:r>
+            <a:r>
+              <a:rPr lang="en-US" sz="2800" b="1" i="1" dirty="0">
+                <a:solidFill>
+                  <a:srgbClr val="FFFF00"/>
+                </a:solidFill>
+              </a:rPr>
+              <a:t>curl -V</a:t>
+            </a:r>
+          </a:p>
+          <a:p>
+            <a:pPr marL="457200" lvl="1" indent="0">
+              <a:buNone/>
+            </a:pPr>
+            <a:r>
+              <a:rPr lang="en-US" sz="2800" b="1" i="1" dirty="0">
+                <a:solidFill>
+                  <a:srgbClr val="FFFF00"/>
+                </a:solidFill>
+              </a:rPr>
+              <a:t>curl https://</a:t>
+            </a:r>
+            <a:r>
+              <a:rPr lang="en-US" sz="2800" b="1" i="1" dirty="0" err="1">
+                <a:solidFill>
+                  <a:srgbClr val="FFFF00"/>
+                </a:solidFill>
+              </a:rPr>
+              <a:t>www.whatsmyua.info</a:t>
+            </a:r>
+            <a:endParaRPr lang="en-US" sz="2800" b="1" i="1" dirty="0">
+              <a:solidFill>
+                <a:srgbClr val="FFFF00"/>
+              </a:solidFill>
+            </a:endParaRPr>
+          </a:p>
+        </p:txBody>
+      </p:sp>
+      <p:sp>
+        <p:nvSpPr>
+          <p:cNvPr id="4" name="Date Placeholder 3">
+            <a:extLst>
+              <a:ext uri="{FF2B5EF4-FFF2-40B4-BE49-F238E27FC236}">
+                <a16:creationId xmlns:a16="http://schemas.microsoft.com/office/drawing/2014/main" id="{38C6DDB4-CE9E-4843-86A9-EFC27330D02F}"/>
+              </a:ext>
+            </a:extLst>
+          </p:cNvPr>
+          <p:cNvSpPr>
+            <a:spLocks noGrp="1"/>
+          </p:cNvSpPr>
+          <p:nvPr>
+            <p:ph type="dt" sz="half" idx="10"/>
+          </p:nvPr>
+        </p:nvSpPr>
+        <p:spPr/>
+        <p:txBody>
+          <a:bodyPr/>
+          <a:lstStyle/>
+          <a:p>
+            <a:r>
+              <a:rPr lang="en-US"/>
+              <a:t>World Wide Technology ©</a:t>
+            </a:r>
+            <a:endParaRPr lang="en-US" dirty="0"/>
+          </a:p>
+        </p:txBody>
+      </p:sp>
+      <p:sp>
+        <p:nvSpPr>
+          <p:cNvPr id="5" name="Slide Number Placeholder 4">
+            <a:extLst>
+              <a:ext uri="{FF2B5EF4-FFF2-40B4-BE49-F238E27FC236}">
+                <a16:creationId xmlns:a16="http://schemas.microsoft.com/office/drawing/2014/main" id="{09AD6D8E-DFAE-8E42-9152-B189D9284AD9}"/>
+              </a:ext>
+            </a:extLst>
+          </p:cNvPr>
+          <p:cNvSpPr>
+            <a:spLocks noGrp="1"/>
+          </p:cNvSpPr>
+          <p:nvPr>
+            <p:ph type="sldNum" sz="quarter" idx="12"/>
+          </p:nvPr>
+        </p:nvSpPr>
+        <p:spPr/>
+        <p:txBody>
+          <a:bodyPr/>
+          <a:lstStyle/>
+          <a:p>
+            <a:fld id="{A44B02FA-DD2D-1844-AE35-8B2EAB0CF4EF}" type="slidenum">
+              <a:rPr lang="en-US" smtClean="0"/>
+              <a:pPr/>
+              <a:t>10</a:t>
+            </a:fld>
+            <a:endParaRPr lang="en-US" dirty="0"/>
+          </a:p>
+        </p:txBody>
+      </p:sp>
+    </p:spTree>
+    <p:extLst>
+      <p:ext uri="{BB962C8B-B14F-4D97-AF65-F5344CB8AC3E}">
+        <p14:creationId xmlns:p14="http://schemas.microsoft.com/office/powerpoint/2010/main" val="593970204"/>
+      </p:ext>
+    </p:extLst>
+  </p:cSld>
+  <p:clrMapOvr>
+    <a:masterClrMapping/>
+  </p:clrMapOvr>
+  <mc:AlternateContent xmlns:mc="http://schemas.openxmlformats.org/markup-compatibility/2006" xmlns:p14="http://schemas.microsoft.com/office/powerpoint/2010/main">
+    <mc:Choice Requires="p14">
+      <p:transition spd="med" p14:dur="700">
+        <p:fade/>
+      </p:transition>
+    </mc:Choice>
+    <mc:Fallback xmlns="">
+      <p:transition spd="med">
+        <p:fade/>
+      </p:transition>
+    </mc:Fallback>
+  </mc:AlternateContent>
+  <p:timing>
+    <p:tnLst>
+      <p:par>
+        <p:cTn id="1" dur="indefinite" restart="never" nodeType="tmRoot">
+          <p:childTnLst>
+            <p:seq concurrent="1" nextAc="seek">
+              <p:cTn id="2" dur="indefinite" nodeType="mainSeq">
+                <p:childTnLst>
+                  <p:par>
+                    <p:cTn id="3" fill="hold">
+                      <p:stCondLst>
+                        <p:cond delay="indefinite"/>
+                      </p:stCondLst>
+                      <p:childTnLst>
+                        <p:par>
+                          <p:cTn id="4" fill="hold">
+                            <p:stCondLst>
+                              <p:cond delay="0"/>
+                            </p:stCondLst>
+                            <p:childTnLst>
+                              <p:par>
+                                <p:cTn id="5" presetID="9" presetClass="entr" presetSubtype="0" fill="hold" grpId="0" nodeType="clickEffect">
+                                  <p:stCondLst>
+                                    <p:cond delay="0"/>
+                                  </p:stCondLst>
+                                  <p:childTnLst>
+                                    <p:set>
+                                      <p:cBhvr>
+                                        <p:cTn id="6" dur="1" fill="hold">
+                                          <p:stCondLst>
+                                            <p:cond delay="0"/>
+                                          </p:stCondLst>
+                                        </p:cTn>
+                                        <p:tgtEl>
+                                          <p:spTgt spid="3">
+                                            <p:txEl>
+                                              <p:pRg st="0" end="0"/>
+                                            </p:txEl>
+                                          </p:spTgt>
+                                        </p:tgtEl>
+                                        <p:attrNameLst>
+                                          <p:attrName>style.visibility</p:attrName>
+                                        </p:attrNameLst>
+                                      </p:cBhvr>
+                                      <p:to>
+                                        <p:strVal val="visible"/>
+                                      </p:to>
+                                    </p:set>
+                                    <p:animEffect transition="in" filter="dissolve">
+                                      <p:cBhvr>
+                                        <p:cTn id="7" dur="500"/>
+                                        <p:tgtEl>
+                                          <p:spTgt spid="3">
+                                            <p:txEl>
+                                              <p:pRg st="0" end="0"/>
+                                            </p:txEl>
+                                          </p:spTgt>
+                                        </p:tgtEl>
+                                      </p:cBhvr>
+                                    </p:animEffect>
+                                  </p:childTnLst>
+                                </p:cTn>
+                              </p:par>
+                              <p:par>
+                                <p:cTn id="8" presetID="9" presetClass="entr" presetSubtype="0" fill="hold" grpId="0" nodeType="withEffect">
+                                  <p:stCondLst>
+                                    <p:cond delay="0"/>
+                                  </p:stCondLst>
+                                  <p:childTnLst>
+                                    <p:set>
+                                      <p:cBhvr>
+                                        <p:cTn id="9" dur="1" fill="hold">
+                                          <p:stCondLst>
+                                            <p:cond delay="0"/>
+                                          </p:stCondLst>
+                                        </p:cTn>
+                                        <p:tgtEl>
+                                          <p:spTgt spid="3">
+                                            <p:txEl>
+                                              <p:pRg st="1" end="1"/>
+                                            </p:txEl>
+                                          </p:spTgt>
+                                        </p:tgtEl>
+                                        <p:attrNameLst>
+                                          <p:attrName>style.visibility</p:attrName>
+                                        </p:attrNameLst>
+                                      </p:cBhvr>
+                                      <p:to>
+                                        <p:strVal val="visible"/>
+                                      </p:to>
+                                    </p:set>
+                                    <p:animEffect transition="in" filter="dissolve">
+                                      <p:cBhvr>
+                                        <p:cTn id="10" dur="500"/>
+                                        <p:tgtEl>
+                                          <p:spTgt spid="3">
+                                            <p:txEl>
+                                              <p:pRg st="1" end="1"/>
+                                            </p:txEl>
+                                          </p:spTgt>
+                                        </p:tgtEl>
+                                      </p:cBhvr>
+                                    </p:animEffect>
+                                  </p:childTnLst>
+                                </p:cTn>
+                              </p:par>
+                            </p:childTnLst>
+                          </p:cTn>
+                        </p:par>
+                      </p:childTnLst>
+                    </p:cTn>
+                  </p:par>
+                  <p:par>
+                    <p:cTn id="11" fill="hold">
+                      <p:stCondLst>
+                        <p:cond delay="indefinite"/>
+                      </p:stCondLst>
+                      <p:childTnLst>
+                        <p:par>
+                          <p:cTn id="12" fill="hold">
+                            <p:stCondLst>
+                              <p:cond delay="0"/>
+                            </p:stCondLst>
+                            <p:childTnLst>
+                              <p:par>
+                                <p:cTn id="13" presetID="9" presetClass="entr" presetSubtype="0" fill="hold" grpId="0" nodeType="clickEffect">
+                                  <p:stCondLst>
+                                    <p:cond delay="0"/>
+                                  </p:stCondLst>
+                                  <p:childTnLst>
+                                    <p:set>
+                                      <p:cBhvr>
+                                        <p:cTn id="14" dur="1" fill="hold">
+                                          <p:stCondLst>
+                                            <p:cond delay="0"/>
+                                          </p:stCondLst>
+                                        </p:cTn>
+                                        <p:tgtEl>
+                                          <p:spTgt spid="3">
+                                            <p:txEl>
+                                              <p:pRg st="2" end="2"/>
+                                            </p:txEl>
+                                          </p:spTgt>
+                                        </p:tgtEl>
+                                        <p:attrNameLst>
+                                          <p:attrName>style.visibility</p:attrName>
+                                        </p:attrNameLst>
+                                      </p:cBhvr>
+                                      <p:to>
+                                        <p:strVal val="visible"/>
+                                      </p:to>
+                                    </p:set>
+                                    <p:animEffect transition="in" filter="dissolve">
+                                      <p:cBhvr>
+                                        <p:cTn id="15" dur="500"/>
+                                        <p:tgtEl>
+                                          <p:spTgt spid="3">
+                                            <p:txEl>
+                                              <p:pRg st="2" end="2"/>
+                                            </p:txEl>
+                                          </p:spTgt>
+                                        </p:tgtEl>
+                                      </p:cBhvr>
+                                    </p:animEffect>
+                                  </p:childTnLst>
+                                </p:cTn>
+                              </p:par>
+                            </p:childTnLst>
+                          </p:cTn>
+                        </p:par>
+                      </p:childTnLst>
+                    </p:cTn>
+                  </p:par>
+                  <p:par>
+                    <p:cTn id="16" fill="hold">
+                      <p:stCondLst>
+                        <p:cond delay="indefinite"/>
+                      </p:stCondLst>
+                      <p:childTnLst>
+                        <p:par>
+                          <p:cTn id="17" fill="hold">
+                            <p:stCondLst>
+                              <p:cond delay="0"/>
+                            </p:stCondLst>
+                            <p:childTnLst>
+                              <p:par>
+                                <p:cTn id="18" presetID="9" presetClass="entr" presetSubtype="0" fill="hold" grpId="0" nodeType="clickEffect">
+                                  <p:stCondLst>
+                                    <p:cond delay="0"/>
+                                  </p:stCondLst>
+                                  <p:childTnLst>
+                                    <p:set>
+                                      <p:cBhvr>
+                                        <p:cTn id="19" dur="1" fill="hold">
+                                          <p:stCondLst>
+                                            <p:cond delay="0"/>
+                                          </p:stCondLst>
+                                        </p:cTn>
+                                        <p:tgtEl>
+                                          <p:spTgt spid="3">
+                                            <p:txEl>
+                                              <p:pRg st="3" end="3"/>
+                                            </p:txEl>
+                                          </p:spTgt>
+                                        </p:tgtEl>
+                                        <p:attrNameLst>
+                                          <p:attrName>style.visibility</p:attrName>
+                                        </p:attrNameLst>
+                                      </p:cBhvr>
+                                      <p:to>
+                                        <p:strVal val="visible"/>
+                                      </p:to>
+                                    </p:set>
+                                    <p:animEffect transition="in" filter="dissolve">
+                                      <p:cBhvr>
+                                        <p:cTn id="20" dur="500"/>
+                                        <p:tgtEl>
+                                          <p:spTgt spid="3">
+                                            <p:txEl>
+                                              <p:pRg st="3" end="3"/>
+                                            </p:txEl>
+                                          </p:spTgt>
+                                        </p:tgtEl>
+                                      </p:cBhvr>
+                                    </p:animEffect>
+                                  </p:childTnLst>
+                                </p:cTn>
+                              </p:par>
+                              <p:par>
+                                <p:cTn id="21" presetID="9" presetClass="entr" presetSubtype="0" fill="hold" grpId="0" nodeType="withEffect">
+                                  <p:stCondLst>
+                                    <p:cond delay="0"/>
+                                  </p:stCondLst>
+                                  <p:childTnLst>
+                                    <p:set>
+                                      <p:cBhvr>
+                                        <p:cTn id="22" dur="1" fill="hold">
+                                          <p:stCondLst>
+                                            <p:cond delay="0"/>
+                                          </p:stCondLst>
+                                        </p:cTn>
+                                        <p:tgtEl>
+                                          <p:spTgt spid="3">
+                                            <p:txEl>
+                                              <p:pRg st="4" end="4"/>
+                                            </p:txEl>
+                                          </p:spTgt>
+                                        </p:tgtEl>
+                                        <p:attrNameLst>
+                                          <p:attrName>style.visibility</p:attrName>
+                                        </p:attrNameLst>
+                                      </p:cBhvr>
+                                      <p:to>
+                                        <p:strVal val="visible"/>
+                                      </p:to>
+                                    </p:set>
+                                    <p:animEffect transition="in" filter="dissolve">
+                                      <p:cBhvr>
+                                        <p:cTn id="23" dur="500"/>
+                                        <p:tgtEl>
+                                          <p:spTgt spid="3">
+                                            <p:txEl>
+                                              <p:pRg st="4" end="4"/>
+                                            </p:txEl>
+                                          </p:spTgt>
+                                        </p:tgtEl>
+                                      </p:cBhvr>
+                                    </p:animEffect>
+                                  </p:childTnLst>
+                                </p:cTn>
+                              </p:par>
+                              <p:par>
+                                <p:cTn id="24" presetID="9" presetClass="entr" presetSubtype="0" fill="hold" grpId="0" nodeType="withEffect">
+                                  <p:stCondLst>
+                                    <p:cond delay="0"/>
+                                  </p:stCondLst>
+                                  <p:childTnLst>
+                                    <p:set>
+                                      <p:cBhvr>
+                                        <p:cTn id="25" dur="1" fill="hold">
+                                          <p:stCondLst>
+                                            <p:cond delay="0"/>
+                                          </p:stCondLst>
+                                        </p:cTn>
+                                        <p:tgtEl>
+                                          <p:spTgt spid="3">
+                                            <p:txEl>
+                                              <p:pRg st="5" end="5"/>
+                                            </p:txEl>
+                                          </p:spTgt>
+                                        </p:tgtEl>
+                                        <p:attrNameLst>
+                                          <p:attrName>style.visibility</p:attrName>
+                                        </p:attrNameLst>
+                                      </p:cBhvr>
+                                      <p:to>
+                                        <p:strVal val="visible"/>
+                                      </p:to>
+                                    </p:set>
+                                    <p:animEffect transition="in" filter="dissolve">
+                                      <p:cBhvr>
+                                        <p:cTn id="26" dur="500"/>
+                                        <p:tgtEl>
+                                          <p:spTgt spid="3">
+                                            <p:txEl>
+                                              <p:pRg st="5" end="5"/>
+                                            </p:txEl>
+                                          </p:spTgt>
+                                        </p:tgtEl>
+                                      </p:cBhvr>
+                                    </p:animEffect>
+                                  </p:childTnLst>
+                                </p:cTn>
+                              </p:par>
+                            </p:childTnLst>
+                          </p:cTn>
+                        </p:par>
+                      </p:childTnLst>
+                    </p:cTn>
+                  </p:par>
+                </p:childTnLst>
+              </p:cTn>
+              <p:prevCondLst>
+                <p:cond evt="onPrev" delay="0">
+                  <p:tgtEl>
+                    <p:sldTgt/>
+                  </p:tgtEl>
+                </p:cond>
+              </p:prevCondLst>
+              <p:nextCondLst>
+                <p:cond evt="onNext" delay="0">
+                  <p:tgtEl>
+                    <p:sldTgt/>
+                  </p:tgtEl>
+                </p:cond>
+              </p:nextCondLst>
+            </p:seq>
+          </p:childTnLst>
+        </p:cTn>
+      </p:par>
+    </p:tnLst>
+    <p:bldLst>
+      <p:bldP spid="3" grpId="0" build="p"/>
+    </p:bldLst>
+  </p:timing>
+</p:sld>
+</file>
+
+<file path=ppt/slides/slide11.xml><?xml version="1.0" encoding="utf-8"?>
+<p:sld xmlns:a="http://schemas.openxmlformats.org/drawingml/2006/main" xmlns:r="http://schemas.openxmlformats.org/officeDocument/2006/relationships" xmlns:p="http://schemas.openxmlformats.org/presentationml/2006/main">
+  <p:cSld>
+    <p:spTree>
+      <p:nvGrpSpPr>
+        <p:cNvPr id="1" name=""/>
+        <p:cNvGrpSpPr/>
+        <p:nvPr/>
+      </p:nvGrpSpPr>
+      <p:grpSpPr>
+        <a:xfrm>
+          <a:off x="0" y="0"/>
+          <a:ext cx="0" cy="0"/>
+          <a:chOff x="0" y="0"/>
+          <a:chExt cx="0" cy="0"/>
+        </a:xfrm>
+      </p:grpSpPr>
+      <p:sp>
+        <p:nvSpPr>
+          <p:cNvPr id="4" name="Date Placeholder 3">
+            <a:extLst>
+              <a:ext uri="{FF2B5EF4-FFF2-40B4-BE49-F238E27FC236}">
+                <a16:creationId xmlns:a16="http://schemas.microsoft.com/office/drawing/2014/main" id="{0CD670A9-B06A-3448-BABA-FAD627500859}"/>
+              </a:ext>
+            </a:extLst>
+          </p:cNvPr>
+          <p:cNvSpPr>
+            <a:spLocks noGrp="1"/>
+          </p:cNvSpPr>
+          <p:nvPr>
+            <p:ph type="dt" sz="half" idx="10"/>
+          </p:nvPr>
+        </p:nvSpPr>
+        <p:spPr/>
+        <p:txBody>
+          <a:bodyPr/>
+          <a:lstStyle/>
+          <a:p>
+            <a:r>
+              <a:rPr lang="en-US"/>
+              <a:t>World Wide Technology ©</a:t>
+            </a:r>
+            <a:endParaRPr lang="en-US" dirty="0"/>
+          </a:p>
+        </p:txBody>
+      </p:sp>
+      <p:sp>
+        <p:nvSpPr>
+          <p:cNvPr id="5" name="Slide Number Placeholder 4">
+            <a:extLst>
+              <a:ext uri="{FF2B5EF4-FFF2-40B4-BE49-F238E27FC236}">
+                <a16:creationId xmlns:a16="http://schemas.microsoft.com/office/drawing/2014/main" id="{119DACAD-17C1-C249-A498-C4A1A1ADD334}"/>
+              </a:ext>
+            </a:extLst>
+          </p:cNvPr>
+          <p:cNvSpPr>
+            <a:spLocks noGrp="1"/>
+          </p:cNvSpPr>
+          <p:nvPr>
+            <p:ph type="sldNum" sz="quarter" idx="12"/>
+          </p:nvPr>
+        </p:nvSpPr>
+        <p:spPr/>
+        <p:txBody>
+          <a:bodyPr/>
+          <a:lstStyle/>
+          <a:p>
+            <a:fld id="{A44B02FA-DD2D-1844-AE35-8B2EAB0CF4EF}" type="slidenum">
+              <a:rPr lang="en-US" smtClean="0"/>
+              <a:pPr/>
+              <a:t>11</a:t>
+            </a:fld>
+            <a:endParaRPr lang="en-US" dirty="0"/>
+          </a:p>
+        </p:txBody>
+      </p:sp>
+    </p:spTree>
+    <p:extLst>
+      <p:ext uri="{BB962C8B-B14F-4D97-AF65-F5344CB8AC3E}">
+        <p14:creationId xmlns:p14="http://schemas.microsoft.com/office/powerpoint/2010/main" val="1942152772"/>
+      </p:ext>
+    </p:extLst>
+  </p:cSld>
+  <p:clrMapOvr>
+    <a:masterClrMapping/>
+  </p:clrMapOvr>
+  <mc:AlternateContent xmlns:mc="http://schemas.openxmlformats.org/markup-compatibility/2006" xmlns:p14="http://schemas.microsoft.com/office/powerpoint/2010/main">
+    <mc:Choice Requires="p14">
+      <p:transition spd="med" p14:dur="700">
+        <p:fade/>
+      </p:transition>
+    </mc:Choice>
+    <mc:Fallback xmlns="">
+      <p:transition spd="med">
+        <p:fade/>
+      </p:transition>
+    </mc:Fallback>
+  </mc:AlternateContent>
+</p:sld>
+</file>
+
+<file path=ppt/slides/slide12.xml><?xml version="1.0" encoding="utf-8"?>
+<p:sld xmlns:a="http://schemas.openxmlformats.org/drawingml/2006/main" xmlns:r="http://schemas.openxmlformats.org/officeDocument/2006/relationships" xmlns:p="http://schemas.openxmlformats.org/presentationml/2006/main">
+  <p:cSld>
+    <p:spTree>
+      <p:nvGrpSpPr>
+        <p:cNvPr id="1" name=""/>
+        <p:cNvGrpSpPr/>
+        <p:nvPr/>
+      </p:nvGrpSpPr>
+      <p:grpSpPr>
+        <a:xfrm>
+          <a:off x="0" y="0"/>
+          <a:ext cx="0" cy="0"/>
+          <a:chOff x="0" y="0"/>
+          <a:chExt cx="0" cy="0"/>
+        </a:xfrm>
+      </p:grpSpPr>
+      <p:sp>
+        <p:nvSpPr>
           <p:cNvPr id="3" name="Content Placeholder 2">
             <a:extLst>
               <a:ext uri="{FF2B5EF4-FFF2-40B4-BE49-F238E27FC236}">
@@ -6093,7 +6795,7 @@
         <p:spPr/>
         <p:txBody>
           <a:bodyPr>
-            <a:normAutofit fontScale="77500" lnSpcReduction="20000"/>
+            <a:normAutofit fontScale="92500" lnSpcReduction="10000"/>
           </a:bodyPr>
           <a:lstStyle/>
           <a:p>
@@ -6107,30 +6809,8 @@
             </a:r>
             <a:r>
               <a:rPr lang="en-US" dirty="0"/>
-              <a:t> command flags are common</a:t>
-            </a:r>
-          </a:p>
-          <a:p>
-            <a:pPr marL="457200" lvl="1" indent="0">
-              <a:buNone/>
-            </a:pPr>
-            <a:r>
-              <a:rPr lang="en-US" sz="2800" b="1" i="1" dirty="0">
-                <a:solidFill>
-                  <a:srgbClr val="FFFF00"/>
-                </a:solidFill>
-              </a:rPr>
-              <a:t>curl [FLAGS] </a:t>
-            </a:r>
-            <a:r>
-              <a:rPr lang="en-US" sz="2800" b="1" i="1" dirty="0" err="1">
-                <a:solidFill>
-                  <a:srgbClr val="FFFF00"/>
-                </a:solidFill>
-              </a:rPr>
-              <a:t>url</a:t>
-            </a:r>
-            <a:endParaRPr lang="en-US" sz="2800" dirty="0"/>
+              <a:t> command options are common</a:t>
+            </a:r>
           </a:p>
           <a:p>
             <a:pPr lvl="1"/>
@@ -6144,7 +6824,27 @@
             </a:r>
             <a:r>
               <a:rPr lang="en-US" dirty="0"/>
-              <a:t>– HTTP method (GET, POST, PUT, DELETE) – default is GET</a:t>
+              <a:t>or</a:t>
+            </a:r>
+            <a:r>
+              <a:rPr lang="en-US" dirty="0">
+                <a:solidFill>
+                  <a:srgbClr val="FFFF00"/>
+                </a:solidFill>
+              </a:rPr>
+              <a:t> --request </a:t>
+            </a:r>
+            <a:r>
+              <a:rPr lang="en-US" dirty="0"/>
+              <a:t>– HTTP method (GET </a:t>
+            </a:r>
+            <a:r>
+              <a:rPr lang="en-US"/>
+              <a:t>(default), </a:t>
+            </a:r>
+            <a:r>
+              <a:rPr lang="en-US" dirty="0"/>
+              <a:t>POST, PUT, DELETE)</a:t>
             </a:r>
           </a:p>
           <a:p>
@@ -6174,6 +6874,38 @@
               <a:t> </a:t>
             </a:r>
             <a:r>
+              <a:rPr lang="en-US" i="1" dirty="0">
+                <a:solidFill>
+                  <a:srgbClr val="FFFF00"/>
+                </a:solidFill>
+              </a:rPr>
+              <a:t>&lt;</a:t>
+            </a:r>
+            <a:r>
+              <a:rPr lang="en-US" i="1" dirty="0" err="1">
+                <a:solidFill>
+                  <a:srgbClr val="FFFF00"/>
+                </a:solidFill>
+              </a:rPr>
+              <a:t>url</a:t>
+            </a:r>
+            <a:r>
+              <a:rPr lang="en-US" i="1" dirty="0">
+                <a:solidFill>
+                  <a:srgbClr val="FFFF00"/>
+                </a:solidFill>
+              </a:rPr>
+              <a:t>&gt;</a:t>
+            </a:r>
+            <a:r>
+              <a:rPr lang="en-US" dirty="0">
+                <a:solidFill>
+                  <a:srgbClr val="FFFF00"/>
+                </a:solidFill>
+              </a:rPr>
+              <a:t> </a:t>
+            </a:r>
+            <a:r>
               <a:rPr lang="en-US" dirty="0"/>
               <a:t>– Request URL</a:t>
             </a:r>
@@ -6190,7 +6922,19 @@
             </a:r>
             <a:r>
               <a:rPr lang="en-US" dirty="0"/>
-              <a:t>– HTTP client header to send(key/value pairs, one per -H (multiple -H allowed)</a:t>
+              <a:t>or</a:t>
+            </a:r>
+            <a:r>
+              <a:rPr lang="en-US" dirty="0">
+                <a:solidFill>
+                  <a:srgbClr val="FFFF00"/>
+                </a:solidFill>
+              </a:rPr>
+              <a:t> --header</a:t>
+            </a:r>
+            <a:r>
+              <a:rPr lang="en-US" dirty="0"/>
+              <a:t>– HTTP client header(s)</a:t>
             </a:r>
           </a:p>
           <a:p>
@@ -6217,35 +6961,36 @@
             </a:r>
             <a:r>
               <a:rPr lang="en-US" dirty="0"/>
-              <a:t>– HTTP PUT/POST (multiple -d/--data flags allowed)</a:t>
-            </a:r>
-          </a:p>
-          <a:p>
-            <a:pPr lvl="2"/>
-            <a:r>
-              <a:rPr lang="en-US" dirty="0"/>
-              <a:t>{"key1":"value1","key2":"value2"}</a:t>
-            </a:r>
-          </a:p>
-          <a:p>
-            <a:pPr lvl="2"/>
-            <a:r>
-              <a:rPr lang="en-US" dirty="0"/>
-              <a:t>content-type application/x-www-form-</a:t>
-            </a:r>
-            <a:r>
-              <a:rPr lang="en-US" dirty="0" err="1"/>
-              <a:t>urlencoded</a:t>
-            </a:r>
-            <a:r>
-              <a:rPr lang="en-US" dirty="0"/>
-              <a:t> or use --</a:t>
-            </a:r>
-            <a:r>
-              <a:rPr lang="en-US" dirty="0" err="1"/>
-              <a:t>dataraw</a:t>
-            </a:r>
-            <a:endParaRPr lang="en-US" dirty="0"/>
+              <a:t>or</a:t>
+            </a:r>
+            <a:r>
+              <a:rPr lang="en-US" dirty="0">
+                <a:solidFill>
+                  <a:srgbClr val="FFFF00"/>
+                </a:solidFill>
+              </a:rPr>
+              <a:t> --data-</a:t>
+            </a:r>
+            <a:r>
+              <a:rPr lang="en-US" dirty="0" err="1">
+                <a:solidFill>
+                  <a:srgbClr val="FFFF00"/>
+                </a:solidFill>
+              </a:rPr>
+              <a:t>urlencode</a:t>
+            </a:r>
+            <a:r>
+              <a:rPr lang="en-US" dirty="0">
+                <a:solidFill>
+                  <a:srgbClr val="FFFF00"/>
+                </a:solidFill>
+              </a:rPr>
+              <a:t> </a:t>
+            </a:r>
+            <a:r>
+              <a:rPr lang="en-US" dirty="0"/>
+              <a:t>– HTTP PUT/POST data</a:t>
+            </a:r>
           </a:p>
           <a:p>
             <a:pPr lvl="1"/>
@@ -6275,7 +7020,46 @@
             </a:r>
             <a:r>
               <a:rPr lang="en-US" dirty="0"/>
-              <a:t>– include server response headers in STDOUT</a:t>
+              <a:t>or</a:t>
+            </a:r>
+            <a:r>
+              <a:rPr lang="en-US" dirty="0">
+                <a:solidFill>
+                  <a:srgbClr val="FFFF00"/>
+                </a:solidFill>
+              </a:rPr>
+              <a:t> --include </a:t>
+            </a:r>
+            <a:r>
+              <a:rPr lang="en-US" dirty="0"/>
+              <a:t>– include response headers in STDOUT</a:t>
+            </a:r>
+          </a:p>
+          <a:p>
+            <a:pPr lvl="1"/>
+            <a:r>
+              <a:rPr lang="en-US" dirty="0">
+                <a:solidFill>
+                  <a:srgbClr val="FFFF00"/>
+                </a:solidFill>
+              </a:rPr>
+              <a:t>-I </a:t>
+            </a:r>
+            <a:r>
+              <a:rPr lang="en-US" dirty="0"/>
+              <a:t>or</a:t>
+            </a:r>
+            <a:r>
+              <a:rPr lang="en-US" dirty="0">
+                <a:solidFill>
+                  <a:srgbClr val="FFFF00"/>
+                </a:solidFill>
+              </a:rPr>
+              <a:t> --head</a:t>
+            </a:r>
+            <a:r>
+              <a:rPr lang="en-US" dirty="0"/>
+              <a:t> – display ONLY response headers in STDOUT</a:t>
             </a:r>
           </a:p>
           <a:p>
@@ -6290,6 +7074,18 @@
             </a:r>
             <a:r>
               <a:rPr lang="en-US" dirty="0"/>
+              <a:t>or</a:t>
+            </a:r>
+            <a:r>
+              <a:rPr lang="en-US" dirty="0">
+                <a:solidFill>
+                  <a:srgbClr val="FFFF00"/>
+                </a:solidFill>
+              </a:rPr>
+              <a:t> --insecure </a:t>
+            </a:r>
+            <a:r>
+              <a:rPr lang="en-US" dirty="0"/>
               <a:t>– allow self-signed certificates (insecure SSL)</a:t>
             </a:r>
           </a:p>
@@ -6305,7 +7101,137 @@
             </a:r>
             <a:r>
               <a:rPr lang="en-US" dirty="0"/>
-              <a:t>– follow redirects (location)</a:t>
+              <a:t>or</a:t>
+            </a:r>
+            <a:r>
+              <a:rPr lang="en-US" dirty="0">
+                <a:solidFill>
+                  <a:srgbClr val="FFFF00"/>
+                </a:solidFill>
+              </a:rPr>
+              <a:t> --location </a:t>
+            </a:r>
+            <a:r>
+              <a:rPr lang="en-US" dirty="0"/>
+              <a:t>– follow redirects </a:t>
+            </a:r>
+          </a:p>
+          <a:p>
+            <a:pPr lvl="1"/>
+            <a:r>
+              <a:rPr lang="en-US" dirty="0">
+                <a:solidFill>
+                  <a:srgbClr val="FFFF00"/>
+                </a:solidFill>
+              </a:rPr>
+              <a:t>-o </a:t>
+            </a:r>
+            <a:r>
+              <a:rPr lang="en-US" i="1" dirty="0">
+                <a:solidFill>
+                  <a:srgbClr val="FFFF00"/>
+                </a:solidFill>
+              </a:rPr>
+              <a:t>&lt;</a:t>
+            </a:r>
+            <a:r>
+              <a:rPr lang="en-US" i="1" dirty="0" err="1">
+                <a:solidFill>
+                  <a:srgbClr val="FFFF00"/>
+                </a:solidFill>
+              </a:rPr>
+              <a:t>file_name</a:t>
+            </a:r>
+            <a:r>
+              <a:rPr lang="en-US" i="1" dirty="0">
+                <a:solidFill>
+                  <a:srgbClr val="FFFF00"/>
+                </a:solidFill>
+              </a:rPr>
+              <a:t>&gt;</a:t>
+            </a:r>
+            <a:r>
+              <a:rPr lang="en-US" dirty="0">
+                <a:solidFill>
+                  <a:srgbClr val="FFFF00"/>
+                </a:solidFill>
+              </a:rPr>
+              <a:t> </a:t>
+            </a:r>
+            <a:r>
+              <a:rPr lang="en-US" dirty="0"/>
+              <a:t>or</a:t>
+            </a:r>
+            <a:r>
+              <a:rPr lang="en-US" dirty="0">
+                <a:solidFill>
+                  <a:srgbClr val="FFFF00"/>
+                </a:solidFill>
+              </a:rPr>
+              <a:t> --output </a:t>
+            </a:r>
+            <a:r>
+              <a:rPr lang="en-US" i="1" dirty="0">
+                <a:solidFill>
+                  <a:srgbClr val="FFFF00"/>
+                </a:solidFill>
+              </a:rPr>
+              <a:t>&lt;</a:t>
+            </a:r>
+            <a:r>
+              <a:rPr lang="en-US" i="1" dirty="0" err="1">
+                <a:solidFill>
+                  <a:srgbClr val="FFFF00"/>
+                </a:solidFill>
+              </a:rPr>
+              <a:t>file_name</a:t>
+            </a:r>
+            <a:r>
+              <a:rPr lang="en-US" i="1" dirty="0">
+                <a:solidFill>
+                  <a:srgbClr val="FFFF00"/>
+                </a:solidFill>
+              </a:rPr>
+              <a:t>&gt;</a:t>
+            </a:r>
+            <a:r>
+              <a:rPr lang="en-US" dirty="0">
+                <a:solidFill>
+                  <a:srgbClr val="FFFF00"/>
+                </a:solidFill>
+              </a:rPr>
+              <a:t> </a:t>
+            </a:r>
+            <a:r>
+              <a:rPr lang="en-US" dirty="0"/>
+              <a:t>– write response to a file instead of STDOUT</a:t>
+            </a:r>
+          </a:p>
+          <a:p>
+            <a:pPr lvl="1"/>
+            <a:r>
+              <a:rPr lang="en-US" dirty="0">
+                <a:solidFill>
+                  <a:srgbClr val="FFFF00"/>
+                </a:solidFill>
+              </a:rPr>
+              <a:t>-u </a:t>
+            </a:r>
+            <a:r>
+              <a:rPr lang="en-US" dirty="0"/>
+              <a:t>or</a:t>
+            </a:r>
+            <a:r>
+              <a:rPr lang="en-US" dirty="0">
+                <a:solidFill>
+                  <a:srgbClr val="FFFF00"/>
+                </a:solidFill>
+              </a:rPr>
+              <a:t> --user</a:t>
+            </a:r>
+            <a:r>
+              <a:rPr lang="en-US" dirty="0"/>
+              <a:t> – HTTP Basic Authentication credentials in a key/value pair</a:t>
             </a:r>
           </a:p>
           <a:p>
@@ -6320,114 +7246,20 @@
             </a:r>
             <a:r>
               <a:rPr lang="en-US" dirty="0"/>
-              <a:t>– display detailed request and response information (verbose)</a:t>
-            </a:r>
-          </a:p>
-          <a:p>
-            <a:pPr lvl="1"/>
+              <a:t>or</a:t>
+            </a:r>
             <a:r>
               <a:rPr lang="en-US" dirty="0">
                 <a:solidFill>
                   <a:srgbClr val="FFFF00"/>
                 </a:solidFill>
               </a:rPr>
-              <a:t>-o </a:t>
-            </a:r>
-            <a:r>
-              <a:rPr lang="en-US" i="1" dirty="0" err="1">
-                <a:solidFill>
-                  <a:srgbClr val="FFFF00"/>
-                </a:solidFill>
-              </a:rPr>
-              <a:t>file_name</a:t>
-            </a:r>
-            <a:r>
-              <a:rPr lang="en-US" dirty="0">
-                <a:solidFill>
-                  <a:srgbClr val="FFFF00"/>
-                </a:solidFill>
-              </a:rPr>
-              <a:t> </a:t>
-            </a:r>
-            <a:r>
-              <a:rPr lang="en-US" dirty="0"/>
-              <a:t>– write response output to a file instead of STDOUT</a:t>
-            </a:r>
-          </a:p>
-          <a:p>
-            <a:pPr lvl="1"/>
-            <a:r>
-              <a:rPr lang="en-US" dirty="0">
-                <a:solidFill>
-                  <a:srgbClr val="FFFF00"/>
-                </a:solidFill>
-              </a:rPr>
-              <a:t>-I </a:t>
-            </a:r>
-            <a:r>
-              <a:rPr lang="en-US" dirty="0"/>
-              <a:t>or</a:t>
-            </a:r>
-            <a:r>
-              <a:rPr lang="en-US" dirty="0">
-                <a:solidFill>
-                  <a:srgbClr val="FFFF00"/>
-                </a:solidFill>
-              </a:rPr>
-              <a:t> --head</a:t>
-            </a:r>
-            <a:r>
-              <a:rPr lang="en-US" dirty="0"/>
-              <a:t> – display ONLY response headers in STDOU</a:t>
-            </a:r>
-          </a:p>
-          <a:p>
-            <a:pPr lvl="1"/>
-            <a:r>
-              <a:rPr lang="en-US" dirty="0">
-                <a:solidFill>
-                  <a:srgbClr val="FFFF00"/>
-                </a:solidFill>
-              </a:rPr>
-              <a:t>-u </a:t>
-            </a:r>
-            <a:r>
-              <a:rPr lang="en-US" dirty="0"/>
-              <a:t>or</a:t>
-            </a:r>
-            <a:r>
-              <a:rPr lang="en-US" dirty="0">
-                <a:solidFill>
-                  <a:srgbClr val="FFFF00"/>
-                </a:solidFill>
-              </a:rPr>
-              <a:t> --user</a:t>
-            </a:r>
-            <a:r>
-              <a:rPr lang="en-US" dirty="0"/>
-              <a:t> – credentials key/value pair</a:t>
-            </a:r>
-          </a:p>
-          <a:p>
-            <a:pPr lvl="1"/>
-            <a:r>
-              <a:rPr lang="en-US" dirty="0">
-                <a:solidFill>
-                  <a:srgbClr val="FFFF00"/>
-                </a:solidFill>
-              </a:rPr>
-              <a:t>--basic </a:t>
-            </a:r>
-            <a:r>
-              <a:rPr lang="en-US" dirty="0"/>
-              <a:t>– Use HTTP Basic Authentication</a:t>
-            </a:r>
-          </a:p>
-          <a:p>
-            <a:pPr marL="0" indent="0">
-              <a:buNone/>
-            </a:pPr>
-            <a:endParaRPr lang="en-US" dirty="0"/>
+              <a:t> --verbose </a:t>
+            </a:r>
+            <a:r>
+              <a:rPr lang="en-US" dirty="0"/>
+              <a:t>– display detailed info for debugging (headers, TLS handshake, etc.)</a:t>
+            </a:r>
           </a:p>
         </p:txBody>
       </p:sp>
@@ -6458,7 +7290,7 @@
             </a:r>
             <a:r>
               <a:rPr lang="en-US" dirty="0"/>
-              <a:t> Command Flags</a:t>
+              <a:t> Command Options</a:t>
             </a:r>
           </a:p>
         </p:txBody>
@@ -6516,7 +7348,7 @@
             <a:fld id="{A44B02FA-DD2D-1844-AE35-8B2EAB0CF4EF}" type="slidenum">
               <a:rPr lang="en-US" smtClean="0"/>
               <a:pPr/>
-              <a:t>10</a:t>
+              <a:t>12</a:t>
             </a:fld>
             <a:endParaRPr lang="en-US" dirty="0"/>
           </a:p>
@@ -6973,15 +7805,33 @@
                                   </p:childTnLst>
                                 </p:cTn>
                               </p:par>
+                            </p:childTnLst>
+                          </p:cTn>
+                        </p:par>
+                      </p:childTnLst>
+                    </p:cTn>
+                  </p:par>
+                  <p:par>
+                    <p:cTn id="38" fill="hold">
+                      <p:stCondLst>
+                        <p:cond delay="indefinite"/>
+                      </p:stCondLst>
+                      <p:childTnLst>
+                        <p:par>
+                          <p:cTn id="39" fill="hold">
+                            <p:stCondLst>
+                              <p:cond delay="0"/>
+                            </p:stCondLst>
+                            <p:childTnLst>
                               <p:par>
-                                <p:cTn id="38" presetID="9" presetClass="entr" presetSubtype="0" fill="hold" grpId="0" nodeType="withEffect">
+                                <p:cTn id="40" presetID="9" presetClass="entr" presetSubtype="0" fill="hold" grpId="0" nodeType="clickEffect">
                                   <p:stCondLst>
                                     <p:cond delay="0"/>
                                   </p:stCondLst>
                                   <p:childTnLst>
                                     <p:set>
                                       <p:cBhvr>
-                                        <p:cTn id="39" dur="1" fill="hold">
+                                        <p:cTn id="41" dur="1" fill="hold">
                                           <p:stCondLst>
                                             <p:cond delay="0"/>
                                           </p:stCondLst>
@@ -7003,7 +7853,7 @@
                                     </p:set>
                                     <p:animEffect transition="in" filter="dissolve">
                                       <p:cBhvr>
-                                        <p:cTn id="40" dur="500"/>
+                                        <p:cTn id="42" dur="500"/>
                                         <p:tgtEl>
                                           <p:spTgt spid="3">
                                             <p:txEl>
@@ -7023,26 +7873,26 @@
                     </p:cTn>
                   </p:par>
                   <p:par>
-                    <p:cTn id="41" fill="hold">
+                    <p:cTn id="43" fill="hold">
                       <p:stCondLst>
                         <p:cond delay="indefinite"/>
                       </p:stCondLst>
                       <p:childTnLst>
                         <p:par>
-                          <p:cTn id="42" fill="hold">
+                          <p:cTn id="44" fill="hold">
                             <p:stCondLst>
                               <p:cond delay="0"/>
                             </p:stCondLst>
                             <p:childTnLst>
                               <p:par>
-                                <p:cTn id="43" presetID="9" presetClass="entr" presetSubtype="0" fill="hold" grpId="0" nodeType="clickEffect">
+                                <p:cTn id="45" presetID="9" presetClass="entr" presetSubtype="0" fill="hold" grpId="0" nodeType="clickEffect">
                                   <p:stCondLst>
                                     <p:cond delay="0"/>
                                   </p:stCondLst>
                                   <p:childTnLst>
                                     <p:set>
                                       <p:cBhvr>
-                                        <p:cTn id="44" dur="1" fill="hold">
+                                        <p:cTn id="46" dur="1" fill="hold">
                                           <p:stCondLst>
                                             <p:cond delay="0"/>
                                           </p:stCondLst>
@@ -7064,7 +7914,7 @@
                                     </p:set>
                                     <p:animEffect transition="in" filter="dissolve">
                                       <p:cBhvr>
-                                        <p:cTn id="45" dur="500"/>
+                                        <p:cTn id="47" dur="500"/>
                                         <p:tgtEl>
                                           <p:spTgt spid="3">
                                             <p:txEl>
@@ -7084,26 +7934,26 @@
                     </p:cTn>
                   </p:par>
                   <p:par>
-                    <p:cTn id="46" fill="hold">
+                    <p:cTn id="48" fill="hold">
                       <p:stCondLst>
                         <p:cond delay="indefinite"/>
                       </p:stCondLst>
                       <p:childTnLst>
                         <p:par>
-                          <p:cTn id="47" fill="hold">
+                          <p:cTn id="49" fill="hold">
                             <p:stCondLst>
                               <p:cond delay="0"/>
                             </p:stCondLst>
                             <p:childTnLst>
                               <p:par>
-                                <p:cTn id="48" presetID="9" presetClass="entr" presetSubtype="0" fill="hold" grpId="0" nodeType="clickEffect">
+                                <p:cTn id="50" presetID="9" presetClass="entr" presetSubtype="0" fill="hold" grpId="0" nodeType="clickEffect">
                                   <p:stCondLst>
                                     <p:cond delay="0"/>
                                   </p:stCondLst>
                                   <p:childTnLst>
                                     <p:set>
                                       <p:cBhvr>
-                                        <p:cTn id="49" dur="1" fill="hold">
+                                        <p:cTn id="51" dur="1" fill="hold">
                                           <p:stCondLst>
                                             <p:cond delay="0"/>
                                           </p:stCondLst>
@@ -7125,7 +7975,7 @@
                                     </p:set>
                                     <p:animEffect transition="in" filter="dissolve">
                                       <p:cBhvr>
-                                        <p:cTn id="50" dur="500"/>
+                                        <p:cTn id="52" dur="500"/>
                                         <p:tgtEl>
                                           <p:spTgt spid="3">
                                             <p:txEl>
@@ -7145,26 +7995,26 @@
                     </p:cTn>
                   </p:par>
                   <p:par>
-                    <p:cTn id="51" fill="hold">
+                    <p:cTn id="53" fill="hold">
                       <p:stCondLst>
                         <p:cond delay="indefinite"/>
                       </p:stCondLst>
                       <p:childTnLst>
                         <p:par>
-                          <p:cTn id="52" fill="hold">
+                          <p:cTn id="54" fill="hold">
                             <p:stCondLst>
                               <p:cond delay="0"/>
                             </p:stCondLst>
                             <p:childTnLst>
                               <p:par>
-                                <p:cTn id="53" presetID="9" presetClass="entr" presetSubtype="0" fill="hold" grpId="0" nodeType="clickEffect">
+                                <p:cTn id="55" presetID="9" presetClass="entr" presetSubtype="0" fill="hold" grpId="0" nodeType="clickEffect">
                                   <p:stCondLst>
                                     <p:cond delay="0"/>
                                   </p:stCondLst>
                                   <p:childTnLst>
                                     <p:set>
                                       <p:cBhvr>
-                                        <p:cTn id="54" dur="1" fill="hold">
+                                        <p:cTn id="56" dur="1" fill="hold">
                                           <p:stCondLst>
                                             <p:cond delay="0"/>
                                           </p:stCondLst>
@@ -7186,7 +8036,7 @@
                                     </p:set>
                                     <p:animEffect transition="in" filter="dissolve">
                                       <p:cBhvr>
-                                        <p:cTn id="55" dur="500"/>
+                                        <p:cTn id="57" dur="500"/>
                                         <p:tgtEl>
                                           <p:spTgt spid="3">
                                             <p:txEl>
@@ -7206,26 +8056,26 @@
                     </p:cTn>
                   </p:par>
                   <p:par>
-                    <p:cTn id="56" fill="hold">
+                    <p:cTn id="58" fill="hold">
                       <p:stCondLst>
                         <p:cond delay="indefinite"/>
                       </p:stCondLst>
                       <p:childTnLst>
                         <p:par>
-                          <p:cTn id="57" fill="hold">
+                          <p:cTn id="59" fill="hold">
                             <p:stCondLst>
                               <p:cond delay="0"/>
                             </p:stCondLst>
                             <p:childTnLst>
                               <p:par>
-                                <p:cTn id="58" presetID="9" presetClass="entr" presetSubtype="0" fill="hold" grpId="0" nodeType="clickEffect">
+                                <p:cTn id="60" presetID="9" presetClass="entr" presetSubtype="0" fill="hold" grpId="0" nodeType="clickEffect">
                                   <p:stCondLst>
                                     <p:cond delay="0"/>
                                   </p:stCondLst>
                                   <p:childTnLst>
                                     <p:set>
                                       <p:cBhvr>
-                                        <p:cTn id="59" dur="1" fill="hold">
+                                        <p:cTn id="61" dur="1" fill="hold">
                                           <p:stCondLst>
                                             <p:cond delay="0"/>
                                           </p:stCondLst>
@@ -7247,255 +8097,11 @@
                                     </p:set>
                                     <p:animEffect transition="in" filter="dissolve">
                                       <p:cBhvr>
-                                        <p:cTn id="60" dur="500"/>
+                                        <p:cTn id="62" dur="500"/>
                                         <p:tgtEl>
                                           <p:spTgt spid="3">
                                             <p:txEl>
                                               <p:pRg st="11" end="11"/>
-                                            </p:txEl>
-                                          </p:spTgt>
-                                        </p:tgtEl>
-                                      </p:cBhvr>
-                                    </p:animEffect>
-                                  </p:childTnLst>
-                                </p:cTn>
-                              </p:par>
-                            </p:childTnLst>
-                          </p:cTn>
-                        </p:par>
-                      </p:childTnLst>
-                    </p:cTn>
-                  </p:par>
-                  <p:par>
-                    <p:cTn id="61" fill="hold">
-                      <p:stCondLst>
-                        <p:cond delay="indefinite"/>
-                      </p:stCondLst>
-                      <p:childTnLst>
-                        <p:par>
-                          <p:cTn id="62" fill="hold">
-                            <p:stCondLst>
-                              <p:cond delay="0"/>
-                            </p:stCondLst>
-                            <p:childTnLst>
-                              <p:par>
-                                <p:cTn id="63" presetID="9" presetClass="entr" presetSubtype="0" fill="hold" grpId="0" nodeType="clickEffect">
-                                  <p:stCondLst>
-                                    <p:cond delay="0"/>
-                                  </p:stCondLst>
-                                  <p:childTnLst>
-                                    <p:set>
-                                      <p:cBhvr>
-                                        <p:cTn id="64" dur="1" fill="hold">
-                                          <p:stCondLst>
-                                            <p:cond delay="0"/>
-                                          </p:stCondLst>
-                                        </p:cTn>
-                                        <p:tgtEl>
-                                          <p:spTgt spid="3">
-                                            <p:txEl>
-                                              <p:pRg st="12" end="12"/>
-                                            </p:txEl>
-                                          </p:spTgt>
-                                        </p:tgtEl>
-                                        <p:attrNameLst>
-                                          <p:attrName>style.visibility</p:attrName>
-                                        </p:attrNameLst>
-                                      </p:cBhvr>
-                                      <p:to>
-                                        <p:strVal val="visible"/>
-                                      </p:to>
-                                    </p:set>
-                                    <p:animEffect transition="in" filter="dissolve">
-                                      <p:cBhvr>
-                                        <p:cTn id="65" dur="500"/>
-                                        <p:tgtEl>
-                                          <p:spTgt spid="3">
-                                            <p:txEl>
-                                              <p:pRg st="12" end="12"/>
-                                            </p:txEl>
-                                          </p:spTgt>
-                                        </p:tgtEl>
-                                      </p:cBhvr>
-                                    </p:animEffect>
-                                  </p:childTnLst>
-                                </p:cTn>
-                              </p:par>
-                            </p:childTnLst>
-                          </p:cTn>
-                        </p:par>
-                      </p:childTnLst>
-                    </p:cTn>
-                  </p:par>
-                  <p:par>
-                    <p:cTn id="66" fill="hold">
-                      <p:stCondLst>
-                        <p:cond delay="indefinite"/>
-                      </p:stCondLst>
-                      <p:childTnLst>
-                        <p:par>
-                          <p:cTn id="67" fill="hold">
-                            <p:stCondLst>
-                              <p:cond delay="0"/>
-                            </p:stCondLst>
-                            <p:childTnLst>
-                              <p:par>
-                                <p:cTn id="68" presetID="9" presetClass="entr" presetSubtype="0" fill="hold" grpId="0" nodeType="clickEffect">
-                                  <p:stCondLst>
-                                    <p:cond delay="0"/>
-                                  </p:stCondLst>
-                                  <p:childTnLst>
-                                    <p:set>
-                                      <p:cBhvr>
-                                        <p:cTn id="69" dur="1" fill="hold">
-                                          <p:stCondLst>
-                                            <p:cond delay="0"/>
-                                          </p:stCondLst>
-                                        </p:cTn>
-                                        <p:tgtEl>
-                                          <p:spTgt spid="3">
-                                            <p:txEl>
-                                              <p:pRg st="13" end="13"/>
-                                            </p:txEl>
-                                          </p:spTgt>
-                                        </p:tgtEl>
-                                        <p:attrNameLst>
-                                          <p:attrName>style.visibility</p:attrName>
-                                        </p:attrNameLst>
-                                      </p:cBhvr>
-                                      <p:to>
-                                        <p:strVal val="visible"/>
-                                      </p:to>
-                                    </p:set>
-                                    <p:animEffect transition="in" filter="dissolve">
-                                      <p:cBhvr>
-                                        <p:cTn id="70" dur="500"/>
-                                        <p:tgtEl>
-                                          <p:spTgt spid="3">
-                                            <p:txEl>
-                                              <p:pRg st="13" end="13"/>
-                                            </p:txEl>
-                                          </p:spTgt>
-                                        </p:tgtEl>
-                                      </p:cBhvr>
-                                    </p:animEffect>
-                                  </p:childTnLst>
-                                </p:cTn>
-                              </p:par>
-                            </p:childTnLst>
-                          </p:cTn>
-                        </p:par>
-                      </p:childTnLst>
-                    </p:cTn>
-                  </p:par>
-                  <p:par>
-                    <p:cTn id="71" fill="hold">
-                      <p:stCondLst>
-                        <p:cond delay="indefinite"/>
-                      </p:stCondLst>
-                      <p:childTnLst>
-                        <p:par>
-                          <p:cTn id="72" fill="hold">
-                            <p:stCondLst>
-                              <p:cond delay="0"/>
-                            </p:stCondLst>
-                            <p:childTnLst>
-                              <p:par>
-                                <p:cTn id="73" presetID="9" presetClass="entr" presetSubtype="0" fill="hold" grpId="0" nodeType="clickEffect">
-                                  <p:stCondLst>
-                                    <p:cond delay="0"/>
-                                  </p:stCondLst>
-                                  <p:childTnLst>
-                                    <p:set>
-                                      <p:cBhvr>
-                                        <p:cTn id="74" dur="1" fill="hold">
-                                          <p:stCondLst>
-                                            <p:cond delay="0"/>
-                                          </p:stCondLst>
-                                        </p:cTn>
-                                        <p:tgtEl>
-                                          <p:spTgt spid="3">
-                                            <p:txEl>
-                                              <p:pRg st="14" end="14"/>
-                                            </p:txEl>
-                                          </p:spTgt>
-                                        </p:tgtEl>
-                                        <p:attrNameLst>
-                                          <p:attrName>style.visibility</p:attrName>
-                                        </p:attrNameLst>
-                                      </p:cBhvr>
-                                      <p:to>
-                                        <p:strVal val="visible"/>
-                                      </p:to>
-                                    </p:set>
-                                    <p:animEffect transition="in" filter="dissolve">
-                                      <p:cBhvr>
-                                        <p:cTn id="75" dur="500"/>
-                                        <p:tgtEl>
-                                          <p:spTgt spid="3">
-                                            <p:txEl>
-                                              <p:pRg st="14" end="14"/>
-                                            </p:txEl>
-                                          </p:spTgt>
-                                        </p:tgtEl>
-                                      </p:cBhvr>
-                                    </p:animEffect>
-                                  </p:childTnLst>
-                                </p:cTn>
-                              </p:par>
-                            </p:childTnLst>
-                          </p:cTn>
-                        </p:par>
-                      </p:childTnLst>
-                    </p:cTn>
-                  </p:par>
-                  <p:par>
-                    <p:cTn id="76" fill="hold">
-                      <p:stCondLst>
-                        <p:cond delay="indefinite"/>
-                      </p:stCondLst>
-                      <p:childTnLst>
-                        <p:par>
-                          <p:cTn id="77" fill="hold">
-                            <p:stCondLst>
-                              <p:cond delay="0"/>
-                            </p:stCondLst>
-                            <p:childTnLst>
-                              <p:par>
-                                <p:cTn id="78" presetID="9" presetClass="entr" presetSubtype="0" fill="hold" grpId="0" nodeType="clickEffect">
-                                  <p:stCondLst>
-                                    <p:cond delay="0"/>
-                                  </p:stCondLst>
-                                  <p:childTnLst>
-                                    <p:set>
-                                      <p:cBhvr>
-                                        <p:cTn id="79" dur="1" fill="hold">
-                                          <p:stCondLst>
-                                            <p:cond delay="0"/>
-                                          </p:stCondLst>
-                                        </p:cTn>
-                                        <p:tgtEl>
-                                          <p:spTgt spid="3">
-                                            <p:txEl>
-                                              <p:pRg st="15" end="15"/>
-                                            </p:txEl>
-                                          </p:spTgt>
-                                        </p:tgtEl>
-                                        <p:attrNameLst>
-                                          <p:attrName>style.visibility</p:attrName>
-                                        </p:attrNameLst>
-                                      </p:cBhvr>
-                                      <p:to>
-                                        <p:strVal val="visible"/>
-                                      </p:to>
-                                    </p:set>
-                                    <p:animEffect transition="in" filter="dissolve">
-                                      <p:cBhvr>
-                                        <p:cTn id="80" dur="500"/>
-                                        <p:tgtEl>
-                                          <p:spTgt spid="3">
-                                            <p:txEl>
-                                              <p:pRg st="15" end="15"/>
                                             </p:txEl>
                                           </p:spTgt>
                                         </p:tgtEl>
@@ -7538,7 +8144,7 @@
 </p:sld>
 </file>
 
-<file path=ppt/slides/slide11.xml><?xml version="1.0" encoding="utf-8"?>
+<file path=ppt/slides/slide13.xml><?xml version="1.0" encoding="utf-8"?>
 <p:sld xmlns:a="http://schemas.openxmlformats.org/drawingml/2006/main" xmlns:r="http://schemas.openxmlformats.org/officeDocument/2006/relationships" xmlns:p="http://schemas.openxmlformats.org/presentationml/2006/main">
   <p:cSld>
     <p:spTree>
@@ -7646,7 +8252,7 @@
 </p:sld>
 </file>
 
-<file path=ppt/slides/slide12.xml><?xml version="1.0" encoding="utf-8"?>
+<file path=ppt/slides/slide14.xml><?xml version="1.0" encoding="utf-8"?>
 <p:sld xmlns:a="http://schemas.openxmlformats.org/drawingml/2006/main" xmlns:r="http://schemas.openxmlformats.org/officeDocument/2006/relationships" xmlns:p="http://schemas.openxmlformats.org/presentationml/2006/main">
   <p:cSld>
     <p:spTree>
@@ -8003,7 +8609,7 @@
             <a:fld id="{A44B02FA-DD2D-1844-AE35-8B2EAB0CF4EF}" type="slidenum">
               <a:rPr lang="en-US" smtClean="0"/>
               <a:pPr/>
-              <a:t>12</a:t>
+              <a:t>14</a:t>
             </a:fld>
             <a:endParaRPr lang="en-US" dirty="0"/>
           </a:p>
@@ -8174,7 +8780,7 @@
 </p:sld>
 </file>
 
-<file path=ppt/slides/slide13.xml><?xml version="1.0" encoding="utf-8"?>
+<file path=ppt/slides/slide15.xml><?xml version="1.0" encoding="utf-8"?>
 <p:sld xmlns:a="http://schemas.openxmlformats.org/drawingml/2006/main" xmlns:r="http://schemas.openxmlformats.org/officeDocument/2006/relationships" xmlns:p="http://schemas.openxmlformats.org/presentationml/2006/main">
   <p:cSld>
     <p:spTree>
@@ -8314,7 +8920,7 @@
             <a:fld id="{A44B02FA-DD2D-1844-AE35-8B2EAB0CF4EF}" type="slidenum">
               <a:rPr lang="en-US" smtClean="0"/>
               <a:pPr/>
-              <a:t>13</a:t>
+              <a:t>15</a:t>
             </a:fld>
             <a:endParaRPr lang="en-US" dirty="0"/>
           </a:p>
@@ -8345,7 +8951,7 @@
 </p:sld>
 </file>
 
-<file path=ppt/slides/slide14.xml><?xml version="1.0" encoding="utf-8"?>
+<file path=ppt/slides/slide16.xml><?xml version="1.0" encoding="utf-8"?>
 <p:sld xmlns:a="http://schemas.openxmlformats.org/drawingml/2006/main" xmlns:r="http://schemas.openxmlformats.org/officeDocument/2006/relationships" xmlns:p="http://schemas.openxmlformats.org/presentationml/2006/main">
   <p:cSld>
     <p:spTree>
@@ -8443,7 +9049,7 @@
             <a:fld id="{A44B02FA-DD2D-1844-AE35-8B2EAB0CF4EF}" type="slidenum">
               <a:rPr lang="en-US" smtClean="0"/>
               <a:pPr/>
-              <a:t>14</a:t>
+              <a:t>16</a:t>
             </a:fld>
             <a:endParaRPr lang="en-US" dirty="0"/>
           </a:p>
@@ -8945,346 +9551,6 @@
 </p:sld>
 </file>
 
-<file path=ppt/slides/slide15.xml><?xml version="1.0" encoding="utf-8"?>
-<p:sld xmlns:a="http://schemas.openxmlformats.org/drawingml/2006/main" xmlns:r="http://schemas.openxmlformats.org/officeDocument/2006/relationships" xmlns:p="http://schemas.openxmlformats.org/presentationml/2006/main">
-  <p:cSld>
-    <p:spTree>
-      <p:nvGrpSpPr>
-        <p:cNvPr id="1" name=""/>
-        <p:cNvGrpSpPr/>
-        <p:nvPr/>
-      </p:nvGrpSpPr>
-      <p:grpSpPr>
-        <a:xfrm>
-          <a:off x="0" y="0"/>
-          <a:ext cx="0" cy="0"/>
-          <a:chOff x="0" y="0"/>
-          <a:chExt cx="0" cy="0"/>
-        </a:xfrm>
-      </p:grpSpPr>
-      <p:sp>
-        <p:nvSpPr>
-          <p:cNvPr id="2" name="Title 1">
-            <a:extLst>
-              <a:ext uri="{FF2B5EF4-FFF2-40B4-BE49-F238E27FC236}">
-                <a16:creationId xmlns:a16="http://schemas.microsoft.com/office/drawing/2014/main" id="{9D8D6E4C-FC36-3E4C-9387-96DD20072D9D}"/>
-              </a:ext>
-            </a:extLst>
-          </p:cNvPr>
-          <p:cNvSpPr>
-            <a:spLocks noGrp="1"/>
-          </p:cNvSpPr>
-          <p:nvPr>
-            <p:ph type="ctrTitle"/>
-          </p:nvPr>
-        </p:nvSpPr>
-        <p:spPr>
-          <a:xfrm>
-            <a:off x="1524000" y="914013"/>
-            <a:ext cx="9144000" cy="2387600"/>
-          </a:xfrm>
-        </p:spPr>
-        <p:txBody>
-          <a:bodyPr/>
-          <a:lstStyle/>
-          <a:p>
-            <a:r>
-              <a:rPr lang="en-US" dirty="0"/>
-              <a:t>Part IV</a:t>
-            </a:r>
-          </a:p>
-        </p:txBody>
-      </p:sp>
-      <p:sp>
-        <p:nvSpPr>
-          <p:cNvPr id="3" name="Subtitle 2">
-            <a:extLst>
-              <a:ext uri="{FF2B5EF4-FFF2-40B4-BE49-F238E27FC236}">
-                <a16:creationId xmlns:a16="http://schemas.microsoft.com/office/drawing/2014/main" id="{0451A0DE-9D64-5A48-94B5-5B4E42709819}"/>
-              </a:ext>
-            </a:extLst>
-          </p:cNvPr>
-          <p:cNvSpPr>
-            <a:spLocks noGrp="1"/>
-          </p:cNvSpPr>
-          <p:nvPr>
-            <p:ph type="subTitle" idx="1"/>
-          </p:nvPr>
-        </p:nvSpPr>
-        <p:spPr>
-          <a:xfrm>
-            <a:off x="1524000" y="3393688"/>
-            <a:ext cx="9144000" cy="1655762"/>
-          </a:xfrm>
-        </p:spPr>
-        <p:txBody>
-          <a:bodyPr/>
-          <a:lstStyle/>
-          <a:p>
-            <a:r>
-              <a:rPr lang="en-US" dirty="0"/>
-              <a:t>Cisco Platform APIs Overview</a:t>
-            </a:r>
-          </a:p>
-        </p:txBody>
-      </p:sp>
-    </p:spTree>
-    <p:extLst>
-      <p:ext uri="{BB962C8B-B14F-4D97-AF65-F5344CB8AC3E}">
-        <p14:creationId xmlns:p14="http://schemas.microsoft.com/office/powerpoint/2010/main" val="899135878"/>
-      </p:ext>
-    </p:extLst>
-  </p:cSld>
-  <p:clrMapOvr>
-    <a:masterClrMapping/>
-  </p:clrMapOvr>
-  <mc:AlternateContent xmlns:mc="http://schemas.openxmlformats.org/markup-compatibility/2006" xmlns:p14="http://schemas.microsoft.com/office/powerpoint/2010/main">
-    <mc:Choice Requires="p14">
-      <p:transition spd="med" p14:dur="700">
-        <p:fade/>
-      </p:transition>
-    </mc:Choice>
-    <mc:Fallback xmlns="">
-      <p:transition spd="med">
-        <p:fade/>
-      </p:transition>
-    </mc:Fallback>
-  </mc:AlternateContent>
-</p:sld>
-</file>
-
-<file path=ppt/slides/slide16.xml><?xml version="1.0" encoding="utf-8"?>
-<p:sld xmlns:a="http://schemas.openxmlformats.org/drawingml/2006/main" xmlns:r="http://schemas.openxmlformats.org/officeDocument/2006/relationships" xmlns:p="http://schemas.openxmlformats.org/presentationml/2006/main">
-  <p:cSld>
-    <p:spTree>
-      <p:nvGrpSpPr>
-        <p:cNvPr id="1" name=""/>
-        <p:cNvGrpSpPr/>
-        <p:nvPr/>
-      </p:nvGrpSpPr>
-      <p:grpSpPr>
-        <a:xfrm>
-          <a:off x="0" y="0"/>
-          <a:ext cx="0" cy="0"/>
-          <a:chOff x="0" y="0"/>
-          <a:chExt cx="0" cy="0"/>
-        </a:xfrm>
-      </p:grpSpPr>
-      <p:sp>
-        <p:nvSpPr>
-          <p:cNvPr id="2" name="Title 1">
-            <a:extLst>
-              <a:ext uri="{FF2B5EF4-FFF2-40B4-BE49-F238E27FC236}">
-                <a16:creationId xmlns:a16="http://schemas.microsoft.com/office/drawing/2014/main" id="{EB7C4089-1746-624B-8E73-D3DAB8E88CDD}"/>
-              </a:ext>
-            </a:extLst>
-          </p:cNvPr>
-          <p:cNvSpPr>
-            <a:spLocks noGrp="1"/>
-          </p:cNvSpPr>
-          <p:nvPr>
-            <p:ph type="title"/>
-          </p:nvPr>
-        </p:nvSpPr>
-        <p:spPr/>
-        <p:txBody>
-          <a:bodyPr/>
-          <a:lstStyle/>
-          <a:p>
-            <a:r>
-              <a:rPr lang="en-US" dirty="0"/>
-              <a:t>Outline</a:t>
-            </a:r>
-          </a:p>
-        </p:txBody>
-      </p:sp>
-      <p:sp>
-        <p:nvSpPr>
-          <p:cNvPr id="3" name="Content Placeholder 2">
-            <a:extLst>
-              <a:ext uri="{FF2B5EF4-FFF2-40B4-BE49-F238E27FC236}">
-                <a16:creationId xmlns:a16="http://schemas.microsoft.com/office/drawing/2014/main" id="{65426B10-0364-A849-B3A4-1D0DA409155A}"/>
-              </a:ext>
-            </a:extLst>
-          </p:cNvPr>
-          <p:cNvSpPr>
-            <a:spLocks noGrp="1"/>
-          </p:cNvSpPr>
-          <p:nvPr>
-            <p:ph idx="1"/>
-          </p:nvPr>
-        </p:nvSpPr>
-        <p:spPr/>
-        <p:txBody>
-          <a:bodyPr>
-            <a:normAutofit lnSpcReduction="10000"/>
-          </a:bodyPr>
-          <a:lstStyle/>
-          <a:p>
-            <a:r>
-              <a:rPr lang="en-US" dirty="0"/>
-              <a:t>For each of these platforms:</a:t>
-            </a:r>
-          </a:p>
-          <a:p>
-            <a:pPr lvl="1"/>
-            <a:r>
-              <a:rPr lang="en-US" dirty="0"/>
-              <a:t>DNAC</a:t>
-            </a:r>
-          </a:p>
-          <a:p>
-            <a:pPr lvl="1"/>
-            <a:r>
-              <a:rPr lang="en-US" dirty="0" err="1"/>
-              <a:t>Webex</a:t>
-            </a:r>
-            <a:r>
-              <a:rPr lang="en-US" dirty="0"/>
-              <a:t> Teams</a:t>
-            </a:r>
-          </a:p>
-          <a:p>
-            <a:pPr lvl="1"/>
-            <a:r>
-              <a:rPr lang="en-US" dirty="0"/>
-              <a:t>Meraki</a:t>
-            </a:r>
-          </a:p>
-          <a:p>
-            <a:pPr lvl="1"/>
-            <a:r>
-              <a:rPr lang="en-US" dirty="0"/>
-              <a:t>ACI</a:t>
-            </a:r>
-          </a:p>
-          <a:p>
-            <a:pPr lvl="1"/>
-            <a:r>
-              <a:rPr lang="en-US" dirty="0"/>
-              <a:t>Firepower</a:t>
-            </a:r>
-          </a:p>
-          <a:p>
-            <a:pPr lvl="1"/>
-            <a:r>
-              <a:rPr lang="en-US" dirty="0"/>
-              <a:t>SD-WAN</a:t>
-            </a:r>
-          </a:p>
-          <a:p>
-            <a:r>
-              <a:rPr lang="en-US" dirty="0"/>
-              <a:t>Perform the following tasks:</a:t>
-            </a:r>
-          </a:p>
-          <a:p>
-            <a:pPr lvl="1"/>
-            <a:r>
-              <a:rPr lang="en-US" dirty="0"/>
-              <a:t>Platform summary overview</a:t>
-            </a:r>
-          </a:p>
-          <a:p>
-            <a:pPr lvl="1"/>
-            <a:r>
-              <a:rPr lang="en-US" dirty="0"/>
-              <a:t>Review API documentation </a:t>
-            </a:r>
-          </a:p>
-          <a:p>
-            <a:pPr lvl="1"/>
-            <a:r>
-              <a:rPr lang="en-US" dirty="0"/>
-              <a:t>Review resources available for programmatic access/practice/testing</a:t>
-            </a:r>
-          </a:p>
-        </p:txBody>
-      </p:sp>
-      <p:sp>
-        <p:nvSpPr>
-          <p:cNvPr id="4" name="Date Placeholder 3">
-            <a:extLst>
-              <a:ext uri="{FF2B5EF4-FFF2-40B4-BE49-F238E27FC236}">
-                <a16:creationId xmlns:a16="http://schemas.microsoft.com/office/drawing/2014/main" id="{7ECEAF79-F4AC-E94E-9E55-220D0D396924}"/>
-              </a:ext>
-            </a:extLst>
-          </p:cNvPr>
-          <p:cNvSpPr>
-            <a:spLocks noGrp="1"/>
-          </p:cNvSpPr>
-          <p:nvPr>
-            <p:ph type="dt" sz="half" idx="10"/>
-          </p:nvPr>
-        </p:nvSpPr>
-        <p:spPr/>
-        <p:txBody>
-          <a:bodyPr/>
-          <a:lstStyle/>
-          <a:p>
-            <a:r>
-              <a:rPr lang="en-US"/>
-              <a:t>World Wide Technology ©</a:t>
-            </a:r>
-            <a:endParaRPr lang="en-US" dirty="0"/>
-          </a:p>
-        </p:txBody>
-      </p:sp>
-      <p:sp>
-        <p:nvSpPr>
-          <p:cNvPr id="5" name="Slide Number Placeholder 4">
-            <a:extLst>
-              <a:ext uri="{FF2B5EF4-FFF2-40B4-BE49-F238E27FC236}">
-                <a16:creationId xmlns:a16="http://schemas.microsoft.com/office/drawing/2014/main" id="{372DC1A4-CE8B-DB4A-8F86-2508518C35D3}"/>
-              </a:ext>
-            </a:extLst>
-          </p:cNvPr>
-          <p:cNvSpPr>
-            <a:spLocks noGrp="1"/>
-          </p:cNvSpPr>
-          <p:nvPr>
-            <p:ph type="sldNum" sz="quarter" idx="12"/>
-          </p:nvPr>
-        </p:nvSpPr>
-        <p:spPr/>
-        <p:txBody>
-          <a:bodyPr/>
-          <a:lstStyle/>
-          <a:p>
-            <a:fld id="{A44B02FA-DD2D-1844-AE35-8B2EAB0CF4EF}" type="slidenum">
-              <a:rPr lang="en-US" smtClean="0"/>
-              <a:pPr/>
-              <a:t>16</a:t>
-            </a:fld>
-            <a:endParaRPr lang="en-US" dirty="0"/>
-          </a:p>
-        </p:txBody>
-      </p:sp>
-    </p:spTree>
-    <p:extLst>
-      <p:ext uri="{BB962C8B-B14F-4D97-AF65-F5344CB8AC3E}">
-        <p14:creationId xmlns:p14="http://schemas.microsoft.com/office/powerpoint/2010/main" val="1513264745"/>
-      </p:ext>
-    </p:extLst>
-  </p:cSld>
-  <p:clrMapOvr>
-    <a:masterClrMapping/>
-  </p:clrMapOvr>
-  <mc:AlternateContent xmlns:mc="http://schemas.openxmlformats.org/markup-compatibility/2006" xmlns:p14="http://schemas.microsoft.com/office/powerpoint/2010/main">
-    <mc:Choice Requires="p14">
-      <p:transition spd="med" p14:dur="700">
-        <p:fade/>
-      </p:transition>
-    </mc:Choice>
-    <mc:Fallback xmlns="">
-      <p:transition spd="med">
-        <p:fade/>
-      </p:transition>
-    </mc:Fallback>
-  </mc:AlternateContent>
-</p:sld>
-</file>
-
 <file path=ppt/slides/slide17.xml><?xml version="1.0" encoding="utf-8"?>
 <p:sld xmlns:a="http://schemas.openxmlformats.org/drawingml/2006/main" xmlns:r="http://schemas.openxmlformats.org/officeDocument/2006/relationships" xmlns:p="http://schemas.openxmlformats.org/presentationml/2006/main">
   <p:cSld>
@@ -9330,7 +9596,7 @@
           <a:p>
             <a:r>
               <a:rPr lang="en-US" dirty="0"/>
-              <a:t>Part V</a:t>
+              <a:t>Part IV</a:t>
             </a:r>
           </a:p>
         </p:txBody>
@@ -9363,20 +9629,15 @@
           <a:p>
             <a:r>
               <a:rPr lang="en-US" dirty="0"/>
-              <a:t>Interact With Cisco Platform APIs Using </a:t>
-            </a:r>
-            <a:r>
-              <a:rPr lang="en-US" dirty="0" err="1"/>
-              <a:t>cURL</a:t>
-            </a:r>
-            <a:endParaRPr lang="en-US" dirty="0"/>
+              <a:t>Cisco Platform APIs Overview</a:t>
+            </a:r>
           </a:p>
         </p:txBody>
       </p:sp>
     </p:spTree>
     <p:extLst>
       <p:ext uri="{BB962C8B-B14F-4D97-AF65-F5344CB8AC3E}">
-        <p14:creationId xmlns:p14="http://schemas.microsoft.com/office/powerpoint/2010/main" val="2203929534"/>
+        <p14:creationId xmlns:p14="http://schemas.microsoft.com/office/powerpoint/2010/main" val="899135878"/>
       </p:ext>
     </p:extLst>
   </p:cSld>
@@ -9461,7 +9722,9 @@
         </p:nvSpPr>
         <p:spPr/>
         <p:txBody>
-          <a:bodyPr/>
+          <a:bodyPr>
+            <a:normAutofit lnSpcReduction="10000"/>
+          </a:bodyPr>
           <a:lstStyle/>
           <a:p>
             <a:r>
@@ -9502,6 +9765,20 @@
             </a:r>
           </a:p>
           <a:p>
+            <a:pPr lvl="1"/>
+            <a:r>
+              <a:rPr lang="en-US" dirty="0"/>
+              <a:t>Firepower</a:t>
+            </a:r>
+          </a:p>
+          <a:p>
+            <a:pPr lvl="1"/>
+            <a:r>
+              <a:rPr lang="en-US" dirty="0"/>
+              <a:t>SD-WAN</a:t>
+            </a:r>
+          </a:p>
+          <a:p>
             <a:r>
               <a:rPr lang="en-US" dirty="0"/>
               <a:t>Perform the following tasks:</a:t>
@@ -9511,37 +9788,21 @@
             <a:pPr lvl="1"/>
             <a:r>
               <a:rPr lang="en-US" dirty="0"/>
-              <a:t>Understand authentication methodology</a:t>
+              <a:t>Platform summary overview</a:t>
             </a:r>
           </a:p>
           <a:p>
             <a:pPr lvl="1"/>
             <a:r>
               <a:rPr lang="en-US" dirty="0"/>
-              <a:t>Build </a:t>
-            </a:r>
-            <a:r>
-              <a:rPr lang="en-US" dirty="0" err="1"/>
-              <a:t>cURL</a:t>
-            </a:r>
-            <a:r>
-              <a:rPr lang="en-US" dirty="0"/>
-              <a:t> request to authenticate</a:t>
+              <a:t>Review API documentation </a:t>
             </a:r>
           </a:p>
           <a:p>
             <a:pPr lvl="1"/>
             <a:r>
               <a:rPr lang="en-US" dirty="0"/>
-              <a:t>Build </a:t>
-            </a:r>
-            <a:r>
-              <a:rPr lang="en-US" dirty="0" err="1"/>
-              <a:t>cURL</a:t>
-            </a:r>
-            <a:r>
-              <a:rPr lang="en-US" dirty="0"/>
-              <a:t> request(s) to read/write data</a:t>
+              <a:t>Review resources available for programmatic access/practice/testing</a:t>
             </a:r>
           </a:p>
         </p:txBody>
@@ -9608,7 +9869,7 @@
     </p:spTree>
     <p:extLst>
       <p:ext uri="{BB962C8B-B14F-4D97-AF65-F5344CB8AC3E}">
-        <p14:creationId xmlns:p14="http://schemas.microsoft.com/office/powerpoint/2010/main" val="2063027843"/>
+        <p14:creationId xmlns:p14="http://schemas.microsoft.com/office/powerpoint/2010/main" val="1513264745"/>
       </p:ext>
     </p:extLst>
   </p:cSld>
@@ -9675,7 +9936,7 @@
           <a:p>
             <a:r>
               <a:rPr lang="en-US" dirty="0"/>
-              <a:t>Part VI</a:t>
+              <a:t>Part V</a:t>
             </a:r>
           </a:p>
         </p:txBody>
@@ -9708,15 +9969,20 @@
           <a:p>
             <a:r>
               <a:rPr lang="en-US" dirty="0"/>
-              <a:t>Interact With Cisco Platform APIs Using Python Requests</a:t>
-            </a:r>
+              <a:t>Interact With Cisco Platform APIs Using </a:t>
+            </a:r>
+            <a:r>
+              <a:rPr lang="en-US" dirty="0" err="1"/>
+              <a:t>cURL</a:t>
+            </a:r>
+            <a:endParaRPr lang="en-US" dirty="0"/>
           </a:p>
         </p:txBody>
       </p:sp>
     </p:spTree>
     <p:extLst>
       <p:ext uri="{BB962C8B-B14F-4D97-AF65-F5344CB8AC3E}">
-        <p14:creationId xmlns:p14="http://schemas.microsoft.com/office/powerpoint/2010/main" val="4218248441"/>
+        <p14:creationId xmlns:p14="http://schemas.microsoft.com/office/powerpoint/2010/main" val="2203929534"/>
       </p:ext>
     </p:extLst>
   </p:cSld>
@@ -10592,21 +10858,37 @@
             <a:pPr lvl="1"/>
             <a:r>
               <a:rPr lang="en-US" dirty="0"/>
-              <a:t>Review authentication methodology</a:t>
+              <a:t>Understand authentication methodology</a:t>
             </a:r>
           </a:p>
           <a:p>
             <a:pPr lvl="1"/>
             <a:r>
               <a:rPr lang="en-US" dirty="0"/>
-              <a:t>Build Python scripts to authenticate</a:t>
+              <a:t>Build </a:t>
+            </a:r>
+            <a:r>
+              <a:rPr lang="en-US" dirty="0" err="1"/>
+              <a:t>cURL</a:t>
+            </a:r>
+            <a:r>
+              <a:rPr lang="en-US" dirty="0"/>
+              <a:t> request to authenticate</a:t>
             </a:r>
           </a:p>
           <a:p>
             <a:pPr lvl="1"/>
             <a:r>
               <a:rPr lang="en-US" dirty="0"/>
-              <a:t>Build Python scripts to read/write data</a:t>
+              <a:t>Build </a:t>
+            </a:r>
+            <a:r>
+              <a:rPr lang="en-US" dirty="0" err="1"/>
+              <a:t>cURL</a:t>
+            </a:r>
+            <a:r>
+              <a:rPr lang="en-US" dirty="0"/>
+              <a:t> request(s) to read/write data</a:t>
             </a:r>
           </a:p>
         </p:txBody>
@@ -10673,7 +10955,7 @@
     </p:spTree>
     <p:extLst>
       <p:ext uri="{BB962C8B-B14F-4D97-AF65-F5344CB8AC3E}">
-        <p14:creationId xmlns:p14="http://schemas.microsoft.com/office/powerpoint/2010/main" val="232106193"/>
+        <p14:creationId xmlns:p14="http://schemas.microsoft.com/office/powerpoint/2010/main" val="2063027843"/>
       </p:ext>
     </p:extLst>
   </p:cSld>
@@ -10740,7 +11022,7 @@
           <a:p>
             <a:r>
               <a:rPr lang="en-US" dirty="0"/>
-              <a:t>Part VII</a:t>
+              <a:t>Part VI</a:t>
             </a:r>
           </a:p>
         </p:txBody>
@@ -10773,7 +11055,7 @@
           <a:p>
             <a:r>
               <a:rPr lang="en-US" dirty="0"/>
-              <a:t>Quiz, Practice Resources, &amp; References</a:t>
+              <a:t>Interact With Cisco Platform APIs Using Python Requests</a:t>
             </a:r>
           </a:p>
         </p:txBody>
@@ -10781,7 +11063,7 @@
     </p:spTree>
     <p:extLst>
       <p:ext uri="{BB962C8B-B14F-4D97-AF65-F5344CB8AC3E}">
-        <p14:creationId xmlns:p14="http://schemas.microsoft.com/office/powerpoint/2010/main" val="3392886013"/>
+        <p14:creationId xmlns:p14="http://schemas.microsoft.com/office/powerpoint/2010/main" val="4218248441"/>
       </p:ext>
     </p:extLst>
   </p:cSld>
@@ -10843,7 +11125,7 @@
           <a:p>
             <a:r>
               <a:rPr lang="en-US" dirty="0"/>
-              <a:t>Slide Template</a:t>
+              <a:t>Outline</a:t>
             </a:r>
           </a:p>
         </p:txBody>
@@ -10871,7 +11153,66 @@
           <a:p>
             <a:r>
               <a:rPr lang="en-US" dirty="0"/>
-              <a:t>Body template</a:t>
+              <a:t>For each of these platforms:</a:t>
+            </a:r>
+          </a:p>
+          <a:p>
+            <a:pPr lvl="1"/>
+            <a:r>
+              <a:rPr lang="en-US" dirty="0"/>
+              <a:t>DNAC</a:t>
+            </a:r>
+          </a:p>
+          <a:p>
+            <a:pPr lvl="1"/>
+            <a:r>
+              <a:rPr lang="en-US" dirty="0" err="1"/>
+              <a:t>Webex</a:t>
+            </a:r>
+            <a:r>
+              <a:rPr lang="en-US" dirty="0"/>
+              <a:t> Teams</a:t>
+            </a:r>
+          </a:p>
+          <a:p>
+            <a:pPr lvl="1"/>
+            <a:r>
+              <a:rPr lang="en-US" dirty="0"/>
+              <a:t>Meraki</a:t>
+            </a:r>
+          </a:p>
+          <a:p>
+            <a:pPr lvl="1"/>
+            <a:r>
+              <a:rPr lang="en-US" dirty="0"/>
+              <a:t>ACI</a:t>
+            </a:r>
+          </a:p>
+          <a:p>
+            <a:r>
+              <a:rPr lang="en-US" dirty="0"/>
+              <a:t>Perform the following tasks:</a:t>
+            </a:r>
+          </a:p>
+          <a:p>
+            <a:pPr lvl="1"/>
+            <a:r>
+              <a:rPr lang="en-US" dirty="0"/>
+              <a:t>Review authentication methodology</a:t>
+            </a:r>
+          </a:p>
+          <a:p>
+            <a:pPr lvl="1"/>
+            <a:r>
+              <a:rPr lang="en-US" dirty="0"/>
+              <a:t>Build Python scripts to authenticate</a:t>
+            </a:r>
+          </a:p>
+          <a:p>
+            <a:pPr lvl="1"/>
+            <a:r>
+              <a:rPr lang="en-US" dirty="0"/>
+              <a:t>Build Python scripts to read/write data</a:t>
             </a:r>
           </a:p>
         </p:txBody>
@@ -10938,7 +11279,7 @@
     </p:spTree>
     <p:extLst>
       <p:ext uri="{BB962C8B-B14F-4D97-AF65-F5344CB8AC3E}">
-        <p14:creationId xmlns:p14="http://schemas.microsoft.com/office/powerpoint/2010/main" val="2709408928"/>
+        <p14:creationId xmlns:p14="http://schemas.microsoft.com/office/powerpoint/2010/main" val="232106193"/>
       </p:ext>
     </p:extLst>
   </p:cSld>
@@ -10982,7 +11323,7 @@
           <p:cNvPr id="2" name="Title 1">
             <a:extLst>
               <a:ext uri="{FF2B5EF4-FFF2-40B4-BE49-F238E27FC236}">
-                <a16:creationId xmlns:a16="http://schemas.microsoft.com/office/drawing/2014/main" id="{EB7C4089-1746-624B-8E73-D3DAB8E88CDD}"/>
+                <a16:creationId xmlns:a16="http://schemas.microsoft.com/office/drawing/2014/main" id="{9D8D6E4C-FC36-3E4C-9387-96DD20072D9D}"/>
               </a:ext>
             </a:extLst>
           </p:cNvPr>
@@ -10990,27 +11331,32 @@
             <a:spLocks noGrp="1"/>
           </p:cNvSpPr>
           <p:nvPr>
-            <p:ph type="title"/>
-          </p:nvPr>
-        </p:nvSpPr>
-        <p:spPr/>
+            <p:ph type="ctrTitle"/>
+          </p:nvPr>
+        </p:nvSpPr>
+        <p:spPr>
+          <a:xfrm>
+            <a:off x="1524000" y="914013"/>
+            <a:ext cx="9144000" cy="2387600"/>
+          </a:xfrm>
+        </p:spPr>
         <p:txBody>
           <a:bodyPr/>
           <a:lstStyle/>
           <a:p>
             <a:r>
               <a:rPr lang="en-US" dirty="0"/>
-              <a:t>References</a:t>
-            </a:r>
-          </a:p>
-        </p:txBody>
-      </p:sp>
-      <p:sp>
-        <p:nvSpPr>
-          <p:cNvPr id="3" name="Content Placeholder 2">
+              <a:t>Part VII</a:t>
+            </a:r>
+          </a:p>
+        </p:txBody>
+      </p:sp>
+      <p:sp>
+        <p:nvSpPr>
+          <p:cNvPr id="3" name="Subtitle 2">
             <a:extLst>
               <a:ext uri="{FF2B5EF4-FFF2-40B4-BE49-F238E27FC236}">
-                <a16:creationId xmlns:a16="http://schemas.microsoft.com/office/drawing/2014/main" id="{65426B10-0364-A849-B3A4-1D0DA409155A}"/>
+                <a16:creationId xmlns:a16="http://schemas.microsoft.com/office/drawing/2014/main" id="{0451A0DE-9D64-5A48-94B5-5B4E42709819}"/>
               </a:ext>
             </a:extLst>
           </p:cNvPr>
@@ -11018,145 +11364,30 @@
             <a:spLocks noGrp="1"/>
           </p:cNvSpPr>
           <p:nvPr>
-            <p:ph idx="1"/>
-          </p:nvPr>
-        </p:nvSpPr>
-        <p:spPr/>
-        <p:txBody>
-          <a:bodyPr>
-            <a:normAutofit lnSpcReduction="10000"/>
-          </a:bodyPr>
-          <a:lstStyle/>
-          <a:p>
-            <a:r>
-              <a:rPr lang="en-US" dirty="0">
-                <a:hlinkClick r:id="rId2"/>
-              </a:rPr>
-              <a:t>https://www.linkedin.com/pulse/why-rest-api-so-popular-mangesh-bulkar/</a:t>
-            </a:r>
-            <a:endParaRPr lang="en-US" dirty="0">
-              <a:hlinkClick r:id="rId3"/>
-            </a:endParaRPr>
-          </a:p>
-          <a:p>
-            <a:r>
-              <a:rPr lang="en-US" dirty="0">
-                <a:hlinkClick r:id="rId3"/>
-              </a:rPr>
-              <a:t>https://en.wikipedia.org/wiki/CURL</a:t>
-            </a:r>
-            <a:endParaRPr lang="en-US" dirty="0"/>
-          </a:p>
-          <a:p>
-            <a:r>
-              <a:rPr lang="en-US" dirty="0">
-                <a:hlinkClick r:id="rId4"/>
-              </a:rPr>
-              <a:t>https://en.wikipedia.org/wiki/Requests_%28software%29</a:t>
-            </a:r>
-            <a:endParaRPr lang="en-US" dirty="0"/>
-          </a:p>
-          <a:p>
-            <a:r>
-              <a:rPr lang="en-US" dirty="0">
-                <a:hlinkClick r:id="rId5"/>
-              </a:rPr>
-              <a:t>https://curl.haxx.se</a:t>
-            </a:r>
-            <a:endParaRPr lang="en-US" dirty="0"/>
-          </a:p>
-          <a:p>
-            <a:r>
-              <a:rPr lang="en-US" dirty="0">
-                <a:hlinkClick r:id="rId6"/>
-              </a:rPr>
-              <a:t>https://requests.readthedocs.io/en/master/</a:t>
-            </a:r>
-            <a:endParaRPr lang="en-US" dirty="0"/>
-          </a:p>
-          <a:p>
-            <a:r>
-              <a:rPr lang="en-US" dirty="0"/>
-              <a:t>Cisco API documentation #1</a:t>
-            </a:r>
-          </a:p>
-          <a:p>
-            <a:r>
-              <a:rPr lang="en-US" dirty="0"/>
-              <a:t>Cisco API documentation #2</a:t>
-            </a:r>
-          </a:p>
-          <a:p>
-            <a:r>
-              <a:rPr lang="en-US" dirty="0"/>
-              <a:t>Cisco API documentation #3</a:t>
-            </a:r>
-          </a:p>
-        </p:txBody>
-      </p:sp>
-      <p:sp>
-        <p:nvSpPr>
-          <p:cNvPr id="4" name="Date Placeholder 3">
-            <a:extLst>
-              <a:ext uri="{FF2B5EF4-FFF2-40B4-BE49-F238E27FC236}">
-                <a16:creationId xmlns:a16="http://schemas.microsoft.com/office/drawing/2014/main" id="{7ECEAF79-F4AC-E94E-9E55-220D0D396924}"/>
-              </a:ext>
-            </a:extLst>
-          </p:cNvPr>
-          <p:cNvSpPr>
-            <a:spLocks noGrp="1"/>
-          </p:cNvSpPr>
-          <p:nvPr>
-            <p:ph type="dt" sz="half" idx="10"/>
-          </p:nvPr>
-        </p:nvSpPr>
-        <p:spPr/>
+            <p:ph type="subTitle" idx="1"/>
+          </p:nvPr>
+        </p:nvSpPr>
+        <p:spPr>
+          <a:xfrm>
+            <a:off x="1524000" y="3393688"/>
+            <a:ext cx="9144000" cy="1655762"/>
+          </a:xfrm>
+        </p:spPr>
         <p:txBody>
           <a:bodyPr/>
           <a:lstStyle/>
           <a:p>
             <a:r>
-              <a:rPr lang="en-US"/>
-              <a:t>World Wide Technology ©</a:t>
-            </a:r>
-            <a:endParaRPr lang="en-US" dirty="0"/>
-          </a:p>
-        </p:txBody>
-      </p:sp>
-      <p:sp>
-        <p:nvSpPr>
-          <p:cNvPr id="5" name="Slide Number Placeholder 4">
-            <a:extLst>
-              <a:ext uri="{FF2B5EF4-FFF2-40B4-BE49-F238E27FC236}">
-                <a16:creationId xmlns:a16="http://schemas.microsoft.com/office/drawing/2014/main" id="{372DC1A4-CE8B-DB4A-8F86-2508518C35D3}"/>
-              </a:ext>
-            </a:extLst>
-          </p:cNvPr>
-          <p:cNvSpPr>
-            <a:spLocks noGrp="1"/>
-          </p:cNvSpPr>
-          <p:nvPr>
-            <p:ph type="sldNum" sz="quarter" idx="12"/>
-          </p:nvPr>
-        </p:nvSpPr>
-        <p:spPr/>
-        <p:txBody>
-          <a:bodyPr/>
-          <a:lstStyle/>
-          <a:p>
-            <a:fld id="{A44B02FA-DD2D-1844-AE35-8B2EAB0CF4EF}" type="slidenum">
-              <a:rPr lang="en-US" smtClean="0"/>
-              <a:pPr/>
-              <a:t>23</a:t>
-            </a:fld>
-            <a:endParaRPr lang="en-US" dirty="0"/>
+              <a:rPr lang="en-US" dirty="0"/>
+              <a:t>Quiz, Practice Resources, &amp; References</a:t>
+            </a:r>
           </a:p>
         </p:txBody>
       </p:sp>
     </p:spTree>
     <p:extLst>
       <p:ext uri="{BB962C8B-B14F-4D97-AF65-F5344CB8AC3E}">
-        <p14:creationId xmlns:p14="http://schemas.microsoft.com/office/powerpoint/2010/main" val="3225595977"/>
+        <p14:creationId xmlns:p14="http://schemas.microsoft.com/office/powerpoint/2010/main" val="3392886013"/>
       </p:ext>
     </p:extLst>
   </p:cSld>
@@ -11197,6 +11428,381 @@
       </p:grpSpPr>
       <p:sp>
         <p:nvSpPr>
+          <p:cNvPr id="2" name="Title 1">
+            <a:extLst>
+              <a:ext uri="{FF2B5EF4-FFF2-40B4-BE49-F238E27FC236}">
+                <a16:creationId xmlns:a16="http://schemas.microsoft.com/office/drawing/2014/main" id="{EB7C4089-1746-624B-8E73-D3DAB8E88CDD}"/>
+              </a:ext>
+            </a:extLst>
+          </p:cNvPr>
+          <p:cNvSpPr>
+            <a:spLocks noGrp="1"/>
+          </p:cNvSpPr>
+          <p:nvPr>
+            <p:ph type="title"/>
+          </p:nvPr>
+        </p:nvSpPr>
+        <p:spPr/>
+        <p:txBody>
+          <a:bodyPr/>
+          <a:lstStyle/>
+          <a:p>
+            <a:r>
+              <a:rPr lang="en-US" dirty="0"/>
+              <a:t>Slide Template</a:t>
+            </a:r>
+          </a:p>
+        </p:txBody>
+      </p:sp>
+      <p:sp>
+        <p:nvSpPr>
+          <p:cNvPr id="3" name="Content Placeholder 2">
+            <a:extLst>
+              <a:ext uri="{FF2B5EF4-FFF2-40B4-BE49-F238E27FC236}">
+                <a16:creationId xmlns:a16="http://schemas.microsoft.com/office/drawing/2014/main" id="{65426B10-0364-A849-B3A4-1D0DA409155A}"/>
+              </a:ext>
+            </a:extLst>
+          </p:cNvPr>
+          <p:cNvSpPr>
+            <a:spLocks noGrp="1"/>
+          </p:cNvSpPr>
+          <p:nvPr>
+            <p:ph idx="1"/>
+          </p:nvPr>
+        </p:nvSpPr>
+        <p:spPr/>
+        <p:txBody>
+          <a:bodyPr/>
+          <a:lstStyle/>
+          <a:p>
+            <a:r>
+              <a:rPr lang="en-US" dirty="0"/>
+              <a:t>Body template</a:t>
+            </a:r>
+          </a:p>
+        </p:txBody>
+      </p:sp>
+      <p:sp>
+        <p:nvSpPr>
+          <p:cNvPr id="4" name="Date Placeholder 3">
+            <a:extLst>
+              <a:ext uri="{FF2B5EF4-FFF2-40B4-BE49-F238E27FC236}">
+                <a16:creationId xmlns:a16="http://schemas.microsoft.com/office/drawing/2014/main" id="{7ECEAF79-F4AC-E94E-9E55-220D0D396924}"/>
+              </a:ext>
+            </a:extLst>
+          </p:cNvPr>
+          <p:cNvSpPr>
+            <a:spLocks noGrp="1"/>
+          </p:cNvSpPr>
+          <p:nvPr>
+            <p:ph type="dt" sz="half" idx="10"/>
+          </p:nvPr>
+        </p:nvSpPr>
+        <p:spPr/>
+        <p:txBody>
+          <a:bodyPr/>
+          <a:lstStyle/>
+          <a:p>
+            <a:r>
+              <a:rPr lang="en-US"/>
+              <a:t>World Wide Technology ©</a:t>
+            </a:r>
+            <a:endParaRPr lang="en-US" dirty="0"/>
+          </a:p>
+        </p:txBody>
+      </p:sp>
+      <p:sp>
+        <p:nvSpPr>
+          <p:cNvPr id="5" name="Slide Number Placeholder 4">
+            <a:extLst>
+              <a:ext uri="{FF2B5EF4-FFF2-40B4-BE49-F238E27FC236}">
+                <a16:creationId xmlns:a16="http://schemas.microsoft.com/office/drawing/2014/main" id="{372DC1A4-CE8B-DB4A-8F86-2508518C35D3}"/>
+              </a:ext>
+            </a:extLst>
+          </p:cNvPr>
+          <p:cNvSpPr>
+            <a:spLocks noGrp="1"/>
+          </p:cNvSpPr>
+          <p:nvPr>
+            <p:ph type="sldNum" sz="quarter" idx="12"/>
+          </p:nvPr>
+        </p:nvSpPr>
+        <p:spPr/>
+        <p:txBody>
+          <a:bodyPr/>
+          <a:lstStyle/>
+          <a:p>
+            <a:fld id="{A44B02FA-DD2D-1844-AE35-8B2EAB0CF4EF}" type="slidenum">
+              <a:rPr lang="en-US" smtClean="0"/>
+              <a:pPr/>
+              <a:t>24</a:t>
+            </a:fld>
+            <a:endParaRPr lang="en-US" dirty="0"/>
+          </a:p>
+        </p:txBody>
+      </p:sp>
+    </p:spTree>
+    <p:extLst>
+      <p:ext uri="{BB962C8B-B14F-4D97-AF65-F5344CB8AC3E}">
+        <p14:creationId xmlns:p14="http://schemas.microsoft.com/office/powerpoint/2010/main" val="2709408928"/>
+      </p:ext>
+    </p:extLst>
+  </p:cSld>
+  <p:clrMapOvr>
+    <a:masterClrMapping/>
+  </p:clrMapOvr>
+  <mc:AlternateContent xmlns:mc="http://schemas.openxmlformats.org/markup-compatibility/2006" xmlns:p14="http://schemas.microsoft.com/office/powerpoint/2010/main">
+    <mc:Choice Requires="p14">
+      <p:transition spd="med" p14:dur="700">
+        <p:fade/>
+      </p:transition>
+    </mc:Choice>
+    <mc:Fallback xmlns="">
+      <p:transition spd="med">
+        <p:fade/>
+      </p:transition>
+    </mc:Fallback>
+  </mc:AlternateContent>
+</p:sld>
+</file>
+
+<file path=ppt/slides/slide25.xml><?xml version="1.0" encoding="utf-8"?>
+<p:sld xmlns:a="http://schemas.openxmlformats.org/drawingml/2006/main" xmlns:r="http://schemas.openxmlformats.org/officeDocument/2006/relationships" xmlns:p="http://schemas.openxmlformats.org/presentationml/2006/main">
+  <p:cSld>
+    <p:spTree>
+      <p:nvGrpSpPr>
+        <p:cNvPr id="1" name=""/>
+        <p:cNvGrpSpPr/>
+        <p:nvPr/>
+      </p:nvGrpSpPr>
+      <p:grpSpPr>
+        <a:xfrm>
+          <a:off x="0" y="0"/>
+          <a:ext cx="0" cy="0"/>
+          <a:chOff x="0" y="0"/>
+          <a:chExt cx="0" cy="0"/>
+        </a:xfrm>
+      </p:grpSpPr>
+      <p:sp>
+        <p:nvSpPr>
+          <p:cNvPr id="2" name="Title 1">
+            <a:extLst>
+              <a:ext uri="{FF2B5EF4-FFF2-40B4-BE49-F238E27FC236}">
+                <a16:creationId xmlns:a16="http://schemas.microsoft.com/office/drawing/2014/main" id="{EB7C4089-1746-624B-8E73-D3DAB8E88CDD}"/>
+              </a:ext>
+            </a:extLst>
+          </p:cNvPr>
+          <p:cNvSpPr>
+            <a:spLocks noGrp="1"/>
+          </p:cNvSpPr>
+          <p:nvPr>
+            <p:ph type="title"/>
+          </p:nvPr>
+        </p:nvSpPr>
+        <p:spPr/>
+        <p:txBody>
+          <a:bodyPr/>
+          <a:lstStyle/>
+          <a:p>
+            <a:r>
+              <a:rPr lang="en-US" dirty="0"/>
+              <a:t>References</a:t>
+            </a:r>
+          </a:p>
+        </p:txBody>
+      </p:sp>
+      <p:sp>
+        <p:nvSpPr>
+          <p:cNvPr id="3" name="Content Placeholder 2">
+            <a:extLst>
+              <a:ext uri="{FF2B5EF4-FFF2-40B4-BE49-F238E27FC236}">
+                <a16:creationId xmlns:a16="http://schemas.microsoft.com/office/drawing/2014/main" id="{65426B10-0364-A849-B3A4-1D0DA409155A}"/>
+              </a:ext>
+            </a:extLst>
+          </p:cNvPr>
+          <p:cNvSpPr>
+            <a:spLocks noGrp="1"/>
+          </p:cNvSpPr>
+          <p:nvPr>
+            <p:ph idx="1"/>
+          </p:nvPr>
+        </p:nvSpPr>
+        <p:spPr/>
+        <p:txBody>
+          <a:bodyPr>
+            <a:normAutofit lnSpcReduction="10000"/>
+          </a:bodyPr>
+          <a:lstStyle/>
+          <a:p>
+            <a:r>
+              <a:rPr lang="en-US" dirty="0">
+                <a:hlinkClick r:id="rId2"/>
+              </a:rPr>
+              <a:t>https://www.linkedin.com/pulse/why-rest-api-so-popular-mangesh-bulkar/</a:t>
+            </a:r>
+            <a:endParaRPr lang="en-US" dirty="0">
+              <a:hlinkClick r:id="rId3"/>
+            </a:endParaRPr>
+          </a:p>
+          <a:p>
+            <a:r>
+              <a:rPr lang="en-US" dirty="0">
+                <a:hlinkClick r:id="rId3"/>
+              </a:rPr>
+              <a:t>https://en.wikipedia.org/wiki/CURL</a:t>
+            </a:r>
+            <a:endParaRPr lang="en-US" dirty="0"/>
+          </a:p>
+          <a:p>
+            <a:r>
+              <a:rPr lang="en-US" dirty="0">
+                <a:hlinkClick r:id="rId4"/>
+              </a:rPr>
+              <a:t>https://en.wikipedia.org/wiki/Requests_%28software%29</a:t>
+            </a:r>
+            <a:endParaRPr lang="en-US" dirty="0"/>
+          </a:p>
+          <a:p>
+            <a:r>
+              <a:rPr lang="en-US" dirty="0">
+                <a:hlinkClick r:id="rId5"/>
+              </a:rPr>
+              <a:t>https://curl.haxx.se</a:t>
+            </a:r>
+            <a:endParaRPr lang="en-US" dirty="0"/>
+          </a:p>
+          <a:p>
+            <a:r>
+              <a:rPr lang="en-US" dirty="0">
+                <a:hlinkClick r:id="rId6"/>
+              </a:rPr>
+              <a:t>https://requests.readthedocs.io/en/master/</a:t>
+            </a:r>
+            <a:endParaRPr lang="en-US" dirty="0"/>
+          </a:p>
+          <a:p>
+            <a:r>
+              <a:rPr lang="en-US" dirty="0"/>
+              <a:t>Cisco API documentation #1</a:t>
+            </a:r>
+          </a:p>
+          <a:p>
+            <a:r>
+              <a:rPr lang="en-US" dirty="0"/>
+              <a:t>Cisco API documentation #2</a:t>
+            </a:r>
+          </a:p>
+          <a:p>
+            <a:r>
+              <a:rPr lang="en-US" dirty="0"/>
+              <a:t>Cisco API documentation #3</a:t>
+            </a:r>
+          </a:p>
+        </p:txBody>
+      </p:sp>
+      <p:sp>
+        <p:nvSpPr>
+          <p:cNvPr id="4" name="Date Placeholder 3">
+            <a:extLst>
+              <a:ext uri="{FF2B5EF4-FFF2-40B4-BE49-F238E27FC236}">
+                <a16:creationId xmlns:a16="http://schemas.microsoft.com/office/drawing/2014/main" id="{7ECEAF79-F4AC-E94E-9E55-220D0D396924}"/>
+              </a:ext>
+            </a:extLst>
+          </p:cNvPr>
+          <p:cNvSpPr>
+            <a:spLocks noGrp="1"/>
+          </p:cNvSpPr>
+          <p:nvPr>
+            <p:ph type="dt" sz="half" idx="10"/>
+          </p:nvPr>
+        </p:nvSpPr>
+        <p:spPr/>
+        <p:txBody>
+          <a:bodyPr/>
+          <a:lstStyle/>
+          <a:p>
+            <a:r>
+              <a:rPr lang="en-US"/>
+              <a:t>World Wide Technology ©</a:t>
+            </a:r>
+            <a:endParaRPr lang="en-US" dirty="0"/>
+          </a:p>
+        </p:txBody>
+      </p:sp>
+      <p:sp>
+        <p:nvSpPr>
+          <p:cNvPr id="5" name="Slide Number Placeholder 4">
+            <a:extLst>
+              <a:ext uri="{FF2B5EF4-FFF2-40B4-BE49-F238E27FC236}">
+                <a16:creationId xmlns:a16="http://schemas.microsoft.com/office/drawing/2014/main" id="{372DC1A4-CE8B-DB4A-8F86-2508518C35D3}"/>
+              </a:ext>
+            </a:extLst>
+          </p:cNvPr>
+          <p:cNvSpPr>
+            <a:spLocks noGrp="1"/>
+          </p:cNvSpPr>
+          <p:nvPr>
+            <p:ph type="sldNum" sz="quarter" idx="12"/>
+          </p:nvPr>
+        </p:nvSpPr>
+        <p:spPr/>
+        <p:txBody>
+          <a:bodyPr/>
+          <a:lstStyle/>
+          <a:p>
+            <a:fld id="{A44B02FA-DD2D-1844-AE35-8B2EAB0CF4EF}" type="slidenum">
+              <a:rPr lang="en-US" smtClean="0"/>
+              <a:pPr/>
+              <a:t>25</a:t>
+            </a:fld>
+            <a:endParaRPr lang="en-US" dirty="0"/>
+          </a:p>
+        </p:txBody>
+      </p:sp>
+    </p:spTree>
+    <p:extLst>
+      <p:ext uri="{BB962C8B-B14F-4D97-AF65-F5344CB8AC3E}">
+        <p14:creationId xmlns:p14="http://schemas.microsoft.com/office/powerpoint/2010/main" val="3225595977"/>
+      </p:ext>
+    </p:extLst>
+  </p:cSld>
+  <p:clrMapOvr>
+    <a:masterClrMapping/>
+  </p:clrMapOvr>
+  <mc:AlternateContent xmlns:mc="http://schemas.openxmlformats.org/markup-compatibility/2006" xmlns:p14="http://schemas.microsoft.com/office/powerpoint/2010/main">
+    <mc:Choice Requires="p14">
+      <p:transition spd="med" p14:dur="700">
+        <p:fade/>
+      </p:transition>
+    </mc:Choice>
+    <mc:Fallback xmlns="">
+      <p:transition spd="med">
+        <p:fade/>
+      </p:transition>
+    </mc:Fallback>
+  </mc:AlternateContent>
+</p:sld>
+</file>
+
+<file path=ppt/slides/slide26.xml><?xml version="1.0" encoding="utf-8"?>
+<p:sld xmlns:a="http://schemas.openxmlformats.org/drawingml/2006/main" xmlns:r="http://schemas.openxmlformats.org/officeDocument/2006/relationships" xmlns:p="http://schemas.openxmlformats.org/presentationml/2006/main">
+  <p:cSld>
+    <p:spTree>
+      <p:nvGrpSpPr>
+        <p:cNvPr id="1" name=""/>
+        <p:cNvGrpSpPr/>
+        <p:nvPr/>
+      </p:nvGrpSpPr>
+      <p:grpSpPr>
+        <a:xfrm>
+          <a:off x="0" y="0"/>
+          <a:ext cx="0" cy="0"/>
+          <a:chOff x="0" y="0"/>
+          <a:chExt cx="0" cy="0"/>
+        </a:xfrm>
+      </p:grpSpPr>
+      <p:sp>
+        <p:nvSpPr>
           <p:cNvPr id="4" name="Date Placeholder 3">
             <a:extLst>
               <a:ext uri="{FF2B5EF4-FFF2-40B4-BE49-F238E27FC236}">
@@ -11248,7 +11854,7 @@
             <a:fld id="{A44B02FA-DD2D-1844-AE35-8B2EAB0CF4EF}" type="slidenum">
               <a:rPr lang="en-US" smtClean="0"/>
               <a:pPr/>
-              <a:t>24</a:t>
+              <a:t>26</a:t>
             </a:fld>
             <a:endParaRPr lang="en-US" dirty="0"/>
           </a:p>
@@ -11454,13 +12060,8 @@
           <a:p>
             <a:r>
               <a:rPr lang="en-US" dirty="0"/>
-              <a:t>Create a Docker Container for </a:t>
-            </a:r>
-            <a:r>
-              <a:rPr lang="en-US"/>
-              <a:t>the hands-on exercises</a:t>
-            </a:r>
-            <a:endParaRPr lang="en-US" dirty="0"/>
+              <a:t>Create a Docker Container for the hands-on exercises</a:t>
+            </a:r>
           </a:p>
           <a:p>
             <a:pPr marL="457200" lvl="1" indent="0">
@@ -11681,6 +12282,107 @@
       </p:grpSpPr>
       <p:sp>
         <p:nvSpPr>
+          <p:cNvPr id="4" name="Date Placeholder 3">
+            <a:extLst>
+              <a:ext uri="{FF2B5EF4-FFF2-40B4-BE49-F238E27FC236}">
+                <a16:creationId xmlns:a16="http://schemas.microsoft.com/office/drawing/2014/main" id="{0CD670A9-B06A-3448-BABA-FAD627500859}"/>
+              </a:ext>
+            </a:extLst>
+          </p:cNvPr>
+          <p:cNvSpPr>
+            <a:spLocks noGrp="1"/>
+          </p:cNvSpPr>
+          <p:nvPr>
+            <p:ph type="dt" sz="half" idx="10"/>
+          </p:nvPr>
+        </p:nvSpPr>
+        <p:spPr/>
+        <p:txBody>
+          <a:bodyPr/>
+          <a:lstStyle/>
+          <a:p>
+            <a:r>
+              <a:rPr lang="en-US"/>
+              <a:t>World Wide Technology ©</a:t>
+            </a:r>
+            <a:endParaRPr lang="en-US" dirty="0"/>
+          </a:p>
+        </p:txBody>
+      </p:sp>
+      <p:sp>
+        <p:nvSpPr>
+          <p:cNvPr id="5" name="Slide Number Placeholder 4">
+            <a:extLst>
+              <a:ext uri="{FF2B5EF4-FFF2-40B4-BE49-F238E27FC236}">
+                <a16:creationId xmlns:a16="http://schemas.microsoft.com/office/drawing/2014/main" id="{119DACAD-17C1-C249-A498-C4A1A1ADD334}"/>
+              </a:ext>
+            </a:extLst>
+          </p:cNvPr>
+          <p:cNvSpPr>
+            <a:spLocks noGrp="1"/>
+          </p:cNvSpPr>
+          <p:nvPr>
+            <p:ph type="sldNum" sz="quarter" idx="12"/>
+          </p:nvPr>
+        </p:nvSpPr>
+        <p:spPr/>
+        <p:txBody>
+          <a:bodyPr/>
+          <a:lstStyle/>
+          <a:p>
+            <a:fld id="{A44B02FA-DD2D-1844-AE35-8B2EAB0CF4EF}" type="slidenum">
+              <a:rPr lang="en-US" smtClean="0"/>
+              <a:pPr/>
+              <a:t>4</a:t>
+            </a:fld>
+            <a:endParaRPr lang="en-US" dirty="0"/>
+          </a:p>
+        </p:txBody>
+      </p:sp>
+    </p:spTree>
+    <p:extLst>
+      <p:ext uri="{BB962C8B-B14F-4D97-AF65-F5344CB8AC3E}">
+        <p14:creationId xmlns:p14="http://schemas.microsoft.com/office/powerpoint/2010/main" val="3701252343"/>
+      </p:ext>
+    </p:extLst>
+  </p:cSld>
+  <p:clrMapOvr>
+    <a:masterClrMapping/>
+  </p:clrMapOvr>
+  <mc:AlternateContent xmlns:mc="http://schemas.openxmlformats.org/markup-compatibility/2006" xmlns:p14="http://schemas.microsoft.com/office/powerpoint/2010/main">
+    <mc:Choice Requires="p14">
+      <p:transition spd="med" p14:dur="700">
+        <p:fade/>
+      </p:transition>
+    </mc:Choice>
+    <mc:Fallback xmlns="">
+      <p:transition spd="med">
+        <p:fade/>
+      </p:transition>
+    </mc:Fallback>
+  </mc:AlternateContent>
+</p:sld>
+</file>
+
+<file path=ppt/slides/slide5.xml><?xml version="1.0" encoding="utf-8"?>
+<p:sld xmlns:a="http://schemas.openxmlformats.org/drawingml/2006/main" xmlns:r="http://schemas.openxmlformats.org/officeDocument/2006/relationships" xmlns:p="http://schemas.openxmlformats.org/presentationml/2006/main">
+  <p:cSld>
+    <p:spTree>
+      <p:nvGrpSpPr>
+        <p:cNvPr id="1" name=""/>
+        <p:cNvGrpSpPr/>
+        <p:nvPr/>
+      </p:nvGrpSpPr>
+      <p:grpSpPr>
+        <a:xfrm>
+          <a:off x="0" y="0"/>
+          <a:ext cx="0" cy="0"/>
+          <a:chOff x="0" y="0"/>
+          <a:chExt cx="0" cy="0"/>
+        </a:xfrm>
+      </p:grpSpPr>
+      <p:sp>
+        <p:nvSpPr>
           <p:cNvPr id="2" name="Title 1">
             <a:extLst>
               <a:ext uri="{FF2B5EF4-FFF2-40B4-BE49-F238E27FC236}">
@@ -11770,7 +12472,7 @@
 </p:sld>
 </file>
 
-<file path=ppt/slides/slide5.xml><?xml version="1.0" encoding="utf-8"?>
+<file path=ppt/slides/slide6.xml><?xml version="1.0" encoding="utf-8"?>
 <p:sld xmlns:a="http://schemas.openxmlformats.org/drawingml/2006/main" xmlns:r="http://schemas.openxmlformats.org/officeDocument/2006/relationships" xmlns:p="http://schemas.openxmlformats.org/presentationml/2006/main">
   <p:cSld>
     <p:spTree>
@@ -12122,7 +12824,7 @@
             <a:fld id="{A44B02FA-DD2D-1844-AE35-8B2EAB0CF4EF}" type="slidenum">
               <a:rPr lang="en-US" smtClean="0"/>
               <a:pPr/>
-              <a:t>5</a:t>
+              <a:t>6</a:t>
             </a:fld>
             <a:endParaRPr lang="en-US" dirty="0"/>
           </a:p>
@@ -12544,7 +13246,7 @@
 </p:sld>
 </file>
 
-<file path=ppt/slides/slide6.xml><?xml version="1.0" encoding="utf-8"?>
+<file path=ppt/slides/slide7.xml><?xml version="1.0" encoding="utf-8"?>
 <p:sld xmlns:a="http://schemas.openxmlformats.org/drawingml/2006/main" xmlns:r="http://schemas.openxmlformats.org/officeDocument/2006/relationships" xmlns:p="http://schemas.openxmlformats.org/presentationml/2006/main">
   <p:cSld>
     <p:spTree>
@@ -12657,7 +13359,7 @@
 </p:sld>
 </file>
 
-<file path=ppt/slides/slide7.xml><?xml version="1.0" encoding="utf-8"?>
+<file path=ppt/slides/slide8.xml><?xml version="1.0" encoding="utf-8"?>
 <p:sld xmlns:a="http://schemas.openxmlformats.org/drawingml/2006/main" xmlns:r="http://schemas.openxmlformats.org/officeDocument/2006/relationships" xmlns:p="http://schemas.openxmlformats.org/presentationml/2006/main">
   <p:cSld>
     <p:spTree>
@@ -13038,7 +13740,7 @@
             <a:fld id="{A44B02FA-DD2D-1844-AE35-8B2EAB0CF4EF}" type="slidenum">
               <a:rPr lang="en-US" smtClean="0"/>
               <a:pPr/>
-              <a:t>7</a:t>
+              <a:t>8</a:t>
             </a:fld>
             <a:endParaRPr lang="en-US" dirty="0"/>
           </a:p>
@@ -13209,7 +13911,7 @@
 </p:sld>
 </file>
 
-<file path=ppt/slides/slide8.xml><?xml version="1.0" encoding="utf-8"?>
+<file path=ppt/slides/slide9.xml><?xml version="1.0" encoding="utf-8"?>
 <p:sld xmlns:a="http://schemas.openxmlformats.org/drawingml/2006/main" xmlns:r="http://schemas.openxmlformats.org/officeDocument/2006/relationships" xmlns:p="http://schemas.openxmlformats.org/presentationml/2006/main">
   <p:cSld>
     <p:spTree>
@@ -13361,7 +14063,7 @@
             <a:fld id="{A44B02FA-DD2D-1844-AE35-8B2EAB0CF4EF}" type="slidenum">
               <a:rPr lang="en-US" smtClean="0"/>
               <a:pPr/>
-              <a:t>8</a:t>
+              <a:t>9</a:t>
             </a:fld>
             <a:endParaRPr lang="en-US" dirty="0"/>
           </a:p>
@@ -13389,405 +14091,6 @@
       </p:transition>
     </mc:Fallback>
   </mc:AlternateContent>
-</p:sld>
-</file>
-
-<file path=ppt/slides/slide9.xml><?xml version="1.0" encoding="utf-8"?>
-<p:sld xmlns:a="http://schemas.openxmlformats.org/drawingml/2006/main" xmlns:r="http://schemas.openxmlformats.org/officeDocument/2006/relationships" xmlns:p="http://schemas.openxmlformats.org/presentationml/2006/main">
-  <p:cSld>
-    <p:spTree>
-      <p:nvGrpSpPr>
-        <p:cNvPr id="1" name=""/>
-        <p:cNvGrpSpPr/>
-        <p:nvPr/>
-      </p:nvGrpSpPr>
-      <p:grpSpPr>
-        <a:xfrm>
-          <a:off x="0" y="0"/>
-          <a:ext cx="0" cy="0"/>
-          <a:chOff x="0" y="0"/>
-          <a:chExt cx="0" cy="0"/>
-        </a:xfrm>
-      </p:grpSpPr>
-      <p:sp>
-        <p:nvSpPr>
-          <p:cNvPr id="2" name="Title 1">
-            <a:extLst>
-              <a:ext uri="{FF2B5EF4-FFF2-40B4-BE49-F238E27FC236}">
-                <a16:creationId xmlns:a16="http://schemas.microsoft.com/office/drawing/2014/main" id="{178FC9BC-162C-754A-A134-D392F08CDBEE}"/>
-              </a:ext>
-            </a:extLst>
-          </p:cNvPr>
-          <p:cNvSpPr>
-            <a:spLocks noGrp="1"/>
-          </p:cNvSpPr>
-          <p:nvPr>
-            <p:ph type="title"/>
-          </p:nvPr>
-        </p:nvSpPr>
-        <p:spPr/>
-        <p:txBody>
-          <a:bodyPr/>
-          <a:lstStyle/>
-          <a:p>
-            <a:r>
-              <a:rPr lang="en-US" dirty="0" err="1"/>
-              <a:t>cURL</a:t>
-            </a:r>
-            <a:r>
-              <a:rPr lang="en-US" dirty="0"/>
-              <a:t> Syntax Format</a:t>
-            </a:r>
-          </a:p>
-        </p:txBody>
-      </p:sp>
-      <p:sp>
-        <p:nvSpPr>
-          <p:cNvPr id="3" name="Content Placeholder 2">
-            <a:extLst>
-              <a:ext uri="{FF2B5EF4-FFF2-40B4-BE49-F238E27FC236}">
-                <a16:creationId xmlns:a16="http://schemas.microsoft.com/office/drawing/2014/main" id="{0ECC7DC7-0671-F543-9991-CF8210E2567B}"/>
-              </a:ext>
-            </a:extLst>
-          </p:cNvPr>
-          <p:cNvSpPr>
-            <a:spLocks noGrp="1"/>
-          </p:cNvSpPr>
-          <p:nvPr>
-            <p:ph idx="1"/>
-          </p:nvPr>
-        </p:nvSpPr>
-        <p:spPr/>
-        <p:txBody>
-          <a:bodyPr/>
-          <a:lstStyle/>
-          <a:p>
-            <a:r>
-              <a:rPr lang="en-US" dirty="0"/>
-              <a:t>Open your preferred terminal (bash, PowerShell, </a:t>
-            </a:r>
-            <a:r>
-              <a:rPr lang="en-US" dirty="0" err="1"/>
-              <a:t>zsh</a:t>
-            </a:r>
-            <a:r>
-              <a:rPr lang="en-US" dirty="0"/>
-              <a:t>, etc.)</a:t>
-            </a:r>
-          </a:p>
-          <a:p>
-            <a:r>
-              <a:rPr lang="en-US" dirty="0"/>
-              <a:t>Enter the command:</a:t>
-            </a:r>
-          </a:p>
-          <a:p>
-            <a:pPr marL="457200" lvl="1" indent="0">
-              <a:buNone/>
-            </a:pPr>
-            <a:r>
-              <a:rPr lang="en-US" sz="2800" b="1" i="1" dirty="0">
-                <a:solidFill>
-                  <a:srgbClr val="FFFF00"/>
-                </a:solidFill>
-              </a:rPr>
-              <a:t>curl https://</a:t>
-            </a:r>
-            <a:r>
-              <a:rPr lang="en-US" sz="2800" b="1" i="1" dirty="0" err="1">
-                <a:solidFill>
-                  <a:srgbClr val="FFFF00"/>
-                </a:solidFill>
-              </a:rPr>
-              <a:t>www.website.com</a:t>
-            </a:r>
-            <a:endParaRPr lang="en-US" sz="2800" b="1" i="1" dirty="0">
-              <a:solidFill>
-                <a:srgbClr val="FFFF00"/>
-              </a:solidFill>
-            </a:endParaRPr>
-          </a:p>
-        </p:txBody>
-      </p:sp>
-      <p:sp>
-        <p:nvSpPr>
-          <p:cNvPr id="4" name="Date Placeholder 3">
-            <a:extLst>
-              <a:ext uri="{FF2B5EF4-FFF2-40B4-BE49-F238E27FC236}">
-                <a16:creationId xmlns:a16="http://schemas.microsoft.com/office/drawing/2014/main" id="{38C6DDB4-CE9E-4843-86A9-EFC27330D02F}"/>
-              </a:ext>
-            </a:extLst>
-          </p:cNvPr>
-          <p:cNvSpPr>
-            <a:spLocks noGrp="1"/>
-          </p:cNvSpPr>
-          <p:nvPr>
-            <p:ph type="dt" sz="half" idx="10"/>
-          </p:nvPr>
-        </p:nvSpPr>
-        <p:spPr/>
-        <p:txBody>
-          <a:bodyPr/>
-          <a:lstStyle/>
-          <a:p>
-            <a:r>
-              <a:rPr lang="en-US"/>
-              <a:t>World Wide Technology ©</a:t>
-            </a:r>
-            <a:endParaRPr lang="en-US" dirty="0"/>
-          </a:p>
-        </p:txBody>
-      </p:sp>
-      <p:sp>
-        <p:nvSpPr>
-          <p:cNvPr id="5" name="Slide Number Placeholder 4">
-            <a:extLst>
-              <a:ext uri="{FF2B5EF4-FFF2-40B4-BE49-F238E27FC236}">
-                <a16:creationId xmlns:a16="http://schemas.microsoft.com/office/drawing/2014/main" id="{09AD6D8E-DFAE-8E42-9152-B189D9284AD9}"/>
-              </a:ext>
-            </a:extLst>
-          </p:cNvPr>
-          <p:cNvSpPr>
-            <a:spLocks noGrp="1"/>
-          </p:cNvSpPr>
-          <p:nvPr>
-            <p:ph type="sldNum" sz="quarter" idx="12"/>
-          </p:nvPr>
-        </p:nvSpPr>
-        <p:spPr/>
-        <p:txBody>
-          <a:bodyPr/>
-          <a:lstStyle/>
-          <a:p>
-            <a:fld id="{A44B02FA-DD2D-1844-AE35-8B2EAB0CF4EF}" type="slidenum">
-              <a:rPr lang="en-US" smtClean="0"/>
-              <a:pPr/>
-              <a:t>9</a:t>
-            </a:fld>
-            <a:endParaRPr lang="en-US" dirty="0"/>
-          </a:p>
-        </p:txBody>
-      </p:sp>
-    </p:spTree>
-    <p:extLst>
-      <p:ext uri="{BB962C8B-B14F-4D97-AF65-F5344CB8AC3E}">
-        <p14:creationId xmlns:p14="http://schemas.microsoft.com/office/powerpoint/2010/main" val="593970204"/>
-      </p:ext>
-    </p:extLst>
-  </p:cSld>
-  <p:clrMapOvr>
-    <a:masterClrMapping/>
-  </p:clrMapOvr>
-  <mc:AlternateContent xmlns:mc="http://schemas.openxmlformats.org/markup-compatibility/2006" xmlns:p14="http://schemas.microsoft.com/office/powerpoint/2010/main">
-    <mc:Choice Requires="p14">
-      <p:transition spd="med" p14:dur="700">
-        <p:fade/>
-      </p:transition>
-    </mc:Choice>
-    <mc:Fallback xmlns="">
-      <p:transition spd="med">
-        <p:fade/>
-      </p:transition>
-    </mc:Fallback>
-  </mc:AlternateContent>
-  <p:timing>
-    <p:tnLst>
-      <p:par>
-        <p:cTn id="1" dur="indefinite" restart="never" nodeType="tmRoot">
-          <p:childTnLst>
-            <p:seq concurrent="1" nextAc="seek">
-              <p:cTn id="2" dur="indefinite" nodeType="mainSeq">
-                <p:childTnLst>
-                  <p:par>
-                    <p:cTn id="3" fill="hold">
-                      <p:stCondLst>
-                        <p:cond delay="indefinite"/>
-                      </p:stCondLst>
-                      <p:childTnLst>
-                        <p:par>
-                          <p:cTn id="4" fill="hold">
-                            <p:stCondLst>
-                              <p:cond delay="0"/>
-                            </p:stCondLst>
-                            <p:childTnLst>
-                              <p:par>
-                                <p:cTn id="5" presetID="9" presetClass="entr" presetSubtype="0" fill="hold" grpId="0" nodeType="clickEffect">
-                                  <p:stCondLst>
-                                    <p:cond delay="0"/>
-                                  </p:stCondLst>
-                                  <p:childTnLst>
-                                    <p:set>
-                                      <p:cBhvr>
-                                        <p:cTn id="6" dur="1" fill="hold">
-                                          <p:stCondLst>
-                                            <p:cond delay="0"/>
-                                          </p:stCondLst>
-                                        </p:cTn>
-                                        <p:tgtEl>
-                                          <p:spTgt spid="3">
-                                            <p:txEl>
-                                              <p:pRg st="0" end="0"/>
-                                            </p:txEl>
-                                          </p:spTgt>
-                                        </p:tgtEl>
-                                        <p:attrNameLst>
-                                          <p:attrName>style.visibility</p:attrName>
-                                        </p:attrNameLst>
-                                      </p:cBhvr>
-                                      <p:to>
-                                        <p:strVal val="visible"/>
-                                      </p:to>
-                                    </p:set>
-                                    <p:animEffect transition="in" filter="dissolve">
-                                      <p:cBhvr>
-                                        <p:cTn id="7" dur="500"/>
-                                        <p:tgtEl>
-                                          <p:spTgt spid="3">
-                                            <p:txEl>
-                                              <p:pRg st="0" end="0"/>
-                                            </p:txEl>
-                                          </p:spTgt>
-                                        </p:tgtEl>
-                                      </p:cBhvr>
-                                    </p:animEffect>
-                                  </p:childTnLst>
-                                </p:cTn>
-                              </p:par>
-                            </p:childTnLst>
-                          </p:cTn>
-                        </p:par>
-                      </p:childTnLst>
-                    </p:cTn>
-                  </p:par>
-                  <p:par>
-                    <p:cTn id="8" fill="hold">
-                      <p:stCondLst>
-                        <p:cond delay="indefinite"/>
-                      </p:stCondLst>
-                      <p:childTnLst>
-                        <p:par>
-                          <p:cTn id="9" fill="hold">
-                            <p:stCondLst>
-                              <p:cond delay="0"/>
-                            </p:stCondLst>
-                            <p:childTnLst>
-                              <p:par>
-                                <p:cTn id="10" presetID="9" presetClass="entr" presetSubtype="0" fill="hold" grpId="0" nodeType="clickEffect">
-                                  <p:stCondLst>
-                                    <p:cond delay="0"/>
-                                  </p:stCondLst>
-                                  <p:childTnLst>
-                                    <p:set>
-                                      <p:cBhvr>
-                                        <p:cTn id="11" dur="1" fill="hold">
-                                          <p:stCondLst>
-                                            <p:cond delay="0"/>
-                                          </p:stCondLst>
-                                        </p:cTn>
-                                        <p:tgtEl>
-                                          <p:spTgt spid="3">
-                                            <p:txEl>
-                                              <p:pRg st="1" end="1"/>
-                                            </p:txEl>
-                                          </p:spTgt>
-                                        </p:tgtEl>
-                                        <p:attrNameLst>
-                                          <p:attrName>style.visibility</p:attrName>
-                                        </p:attrNameLst>
-                                      </p:cBhvr>
-                                      <p:to>
-                                        <p:strVal val="visible"/>
-                                      </p:to>
-                                    </p:set>
-                                    <p:animEffect transition="in" filter="dissolve">
-                                      <p:cBhvr>
-                                        <p:cTn id="12" dur="500"/>
-                                        <p:tgtEl>
-                                          <p:spTgt spid="3">
-                                            <p:txEl>
-                                              <p:pRg st="1" end="1"/>
-                                            </p:txEl>
-                                          </p:spTgt>
-                                        </p:tgtEl>
-                                      </p:cBhvr>
-                                    </p:animEffect>
-                                  </p:childTnLst>
-                                </p:cTn>
-                              </p:par>
-                              <p:par>
-                                <p:cTn id="13" presetID="9" presetClass="entr" presetSubtype="0" fill="hold" grpId="0" nodeType="withEffect">
-                                  <p:stCondLst>
-                                    <p:cond delay="0"/>
-                                  </p:stCondLst>
-                                  <p:childTnLst>
-                                    <p:set>
-                                      <p:cBhvr>
-                                        <p:cTn id="14" dur="1" fill="hold">
-                                          <p:stCondLst>
-                                            <p:cond delay="0"/>
-                                          </p:stCondLst>
-                                        </p:cTn>
-                                        <p:tgtEl>
-                                          <p:spTgt spid="3">
-                                            <p:txEl>
-                                              <p:pRg st="2" end="2"/>
-                                            </p:txEl>
-                                          </p:spTgt>
-                                        </p:tgtEl>
-                                        <p:attrNameLst>
-                                          <p:attrName>style.visibility</p:attrName>
-                                        </p:attrNameLst>
-                                      </p:cBhvr>
-                                      <p:to>
-                                        <p:strVal val="visible"/>
-                                      </p:to>
-                                    </p:set>
-                                    <p:animEffect transition="in" filter="dissolve">
-                                      <p:cBhvr>
-                                        <p:cTn id="15" dur="500"/>
-                                        <p:tgtEl>
-                                          <p:spTgt spid="3">
-                                            <p:txEl>
-                                              <p:pRg st="2" end="2"/>
-                                            </p:txEl>
-                                          </p:spTgt>
-                                        </p:tgtEl>
-                                      </p:cBhvr>
-                                    </p:animEffect>
-                                  </p:childTnLst>
-                                </p:cTn>
-                              </p:par>
-                            </p:childTnLst>
-                          </p:cTn>
-                        </p:par>
-                      </p:childTnLst>
-                    </p:cTn>
-                  </p:par>
-                </p:childTnLst>
-              </p:cTn>
-              <p:prevCondLst>
-                <p:cond evt="onPrev" delay="0">
-                  <p:tgtEl>
-                    <p:sldTgt/>
-                  </p:tgtEl>
-                </p:cond>
-              </p:prevCondLst>
-              <p:nextCondLst>
-                <p:cond evt="onNext" delay="0">
-                  <p:tgtEl>
-                    <p:sldTgt/>
-                  </p:tgtEl>
-                </p:cond>
-              </p:nextCondLst>
-            </p:seq>
-          </p:childTnLst>
-        </p:cTn>
-      </p:par>
-    </p:tnLst>
-    <p:bldLst>
-      <p:bldP spid="3" grpId="0" build="p"/>
-    </p:bldLst>
-  </p:timing>
 </p:sld>
 </file>
 

--- a/curl-requests-foundations.pptx
+++ b/curl-requests-foundations.pptx
@@ -648,27 +648,11 @@
           <a:bodyPr/>
           <a:lstStyle/>
           <a:p>
-            <a:pPr marL="0" marR="0" lvl="0" indent="0" algn="l" defTabSz="914400" rtl="0" eaLnBrk="1" fontAlgn="auto" latinLnBrk="0" hangingPunct="1">
-              <a:lnSpc>
-                <a:spcPct val="100000"/>
-              </a:lnSpc>
-              <a:spcBef>
-                <a:spcPts val="0"/>
-              </a:spcBef>
-              <a:spcAft>
-                <a:spcPts val="0"/>
-              </a:spcAft>
-              <a:buClrTx/>
-              <a:buSzTx/>
-              <a:buFontTx/>
-              <a:buNone/>
-              <a:tabLst/>
-              <a:defRPr/>
-            </a:pPr>
             <a:r>
               <a:rPr lang="en-US" dirty="0"/>
               <a:t>// TODO</a:t>
             </a:r>
+            <a:endParaRPr lang="en-US" b="0" i="0" u="none" dirty="0"/>
           </a:p>
         </p:txBody>
       </p:sp>
@@ -689,7 +673,7 @@
           <a:p>
             <a:fld id="{020CF8D1-BA82-5045-ACF9-1AA42AD6A519}" type="slidenum">
               <a:rPr lang="en-US" smtClean="0"/>
-              <a:t>13</a:t>
+              <a:t>12</a:t>
             </a:fld>
             <a:endParaRPr lang="en-US"/>
           </a:p>
@@ -698,7 +682,7 @@
     </p:spTree>
     <p:extLst>
       <p:ext uri="{BB962C8B-B14F-4D97-AF65-F5344CB8AC3E}">
-        <p14:creationId xmlns:p14="http://schemas.microsoft.com/office/powerpoint/2010/main" val="778062090"/>
+        <p14:creationId xmlns:p14="http://schemas.microsoft.com/office/powerpoint/2010/main" val="2398170700"/>
       </p:ext>
     </p:extLst>
   </p:cSld>
@@ -793,7 +777,7 @@
           <a:p>
             <a:fld id="{020CF8D1-BA82-5045-ACF9-1AA42AD6A519}" type="slidenum">
               <a:rPr lang="en-US" smtClean="0"/>
-              <a:t>14</a:t>
+              <a:t>13</a:t>
             </a:fld>
             <a:endParaRPr lang="en-US"/>
           </a:p>
@@ -802,7 +786,7 @@
     </p:spTree>
     <p:extLst>
       <p:ext uri="{BB962C8B-B14F-4D97-AF65-F5344CB8AC3E}">
-        <p14:creationId xmlns:p14="http://schemas.microsoft.com/office/powerpoint/2010/main" val="520155400"/>
+        <p14:creationId xmlns:p14="http://schemas.microsoft.com/office/powerpoint/2010/main" val="778062090"/>
       </p:ext>
     </p:extLst>
   </p:cSld>
@@ -897,7 +881,7 @@
           <a:p>
             <a:fld id="{020CF8D1-BA82-5045-ACF9-1AA42AD6A519}" type="slidenum">
               <a:rPr lang="en-US" smtClean="0"/>
-              <a:t>17</a:t>
+              <a:t>14</a:t>
             </a:fld>
             <a:endParaRPr lang="en-US"/>
           </a:p>
@@ -906,7 +890,7 @@
     </p:spTree>
     <p:extLst>
       <p:ext uri="{BB962C8B-B14F-4D97-AF65-F5344CB8AC3E}">
-        <p14:creationId xmlns:p14="http://schemas.microsoft.com/office/powerpoint/2010/main" val="2058049328"/>
+        <p14:creationId xmlns:p14="http://schemas.microsoft.com/office/powerpoint/2010/main" val="520155400"/>
       </p:ext>
     </p:extLst>
   </p:cSld>
@@ -1001,7 +985,7 @@
           <a:p>
             <a:fld id="{020CF8D1-BA82-5045-ACF9-1AA42AD6A519}" type="slidenum">
               <a:rPr lang="en-US" smtClean="0"/>
-              <a:t>19</a:t>
+              <a:t>17</a:t>
             </a:fld>
             <a:endParaRPr lang="en-US"/>
           </a:p>
@@ -1010,7 +994,7 @@
     </p:spTree>
     <p:extLst>
       <p:ext uri="{BB962C8B-B14F-4D97-AF65-F5344CB8AC3E}">
-        <p14:creationId xmlns:p14="http://schemas.microsoft.com/office/powerpoint/2010/main" val="3481472389"/>
+        <p14:creationId xmlns:p14="http://schemas.microsoft.com/office/powerpoint/2010/main" val="2058049328"/>
       </p:ext>
     </p:extLst>
   </p:cSld>
@@ -1105,6 +1089,110 @@
           <a:p>
             <a:fld id="{020CF8D1-BA82-5045-ACF9-1AA42AD6A519}" type="slidenum">
               <a:rPr lang="en-US" smtClean="0"/>
+              <a:t>19</a:t>
+            </a:fld>
+            <a:endParaRPr lang="en-US"/>
+          </a:p>
+        </p:txBody>
+      </p:sp>
+    </p:spTree>
+    <p:extLst>
+      <p:ext uri="{BB962C8B-B14F-4D97-AF65-F5344CB8AC3E}">
+        <p14:creationId xmlns:p14="http://schemas.microsoft.com/office/powerpoint/2010/main" val="3481472389"/>
+      </p:ext>
+    </p:extLst>
+  </p:cSld>
+  <p:clrMapOvr>
+    <a:masterClrMapping/>
+  </p:clrMapOvr>
+</p:notes>
+</file>
+
+<file path=ppt/notesSlides/notesSlide15.xml><?xml version="1.0" encoding="utf-8"?>
+<p:notes xmlns:a="http://schemas.openxmlformats.org/drawingml/2006/main" xmlns:r="http://schemas.openxmlformats.org/officeDocument/2006/relationships" xmlns:p="http://schemas.openxmlformats.org/presentationml/2006/main">
+  <p:cSld>
+    <p:spTree>
+      <p:nvGrpSpPr>
+        <p:cNvPr id="1" name=""/>
+        <p:cNvGrpSpPr/>
+        <p:nvPr/>
+      </p:nvGrpSpPr>
+      <p:grpSpPr>
+        <a:xfrm>
+          <a:off x="0" y="0"/>
+          <a:ext cx="0" cy="0"/>
+          <a:chOff x="0" y="0"/>
+          <a:chExt cx="0" cy="0"/>
+        </a:xfrm>
+      </p:grpSpPr>
+      <p:sp>
+        <p:nvSpPr>
+          <p:cNvPr id="2" name="Slide Image Placeholder 1"/>
+          <p:cNvSpPr>
+            <a:spLocks noGrp="1" noRot="1" noChangeAspect="1"/>
+          </p:cNvSpPr>
+          <p:nvPr>
+            <p:ph type="sldImg"/>
+          </p:nvPr>
+        </p:nvSpPr>
+        <p:spPr/>
+      </p:sp>
+      <p:sp>
+        <p:nvSpPr>
+          <p:cNvPr id="3" name="Notes Placeholder 2"/>
+          <p:cNvSpPr>
+            <a:spLocks noGrp="1"/>
+          </p:cNvSpPr>
+          <p:nvPr>
+            <p:ph type="body" idx="1"/>
+          </p:nvPr>
+        </p:nvSpPr>
+        <p:spPr/>
+        <p:txBody>
+          <a:bodyPr/>
+          <a:lstStyle/>
+          <a:p>
+            <a:pPr marL="0" marR="0" lvl="0" indent="0" algn="l" defTabSz="914400" rtl="0" eaLnBrk="1" fontAlgn="auto" latinLnBrk="0" hangingPunct="1">
+              <a:lnSpc>
+                <a:spcPct val="100000"/>
+              </a:lnSpc>
+              <a:spcBef>
+                <a:spcPts val="0"/>
+              </a:spcBef>
+              <a:spcAft>
+                <a:spcPts val="0"/>
+              </a:spcAft>
+              <a:buClrTx/>
+              <a:buSzTx/>
+              <a:buFontTx/>
+              <a:buNone/>
+              <a:tabLst/>
+              <a:defRPr/>
+            </a:pPr>
+            <a:r>
+              <a:rPr lang="en-US" dirty="0"/>
+              <a:t>// TODO</a:t>
+            </a:r>
+          </a:p>
+        </p:txBody>
+      </p:sp>
+      <p:sp>
+        <p:nvSpPr>
+          <p:cNvPr id="4" name="Slide Number Placeholder 3"/>
+          <p:cNvSpPr>
+            <a:spLocks noGrp="1"/>
+          </p:cNvSpPr>
+          <p:nvPr>
+            <p:ph type="sldNum" sz="quarter" idx="5"/>
+          </p:nvPr>
+        </p:nvSpPr>
+        <p:spPr/>
+        <p:txBody>
+          <a:bodyPr/>
+          <a:lstStyle/>
+          <a:p>
+            <a:fld id="{020CF8D1-BA82-5045-ACF9-1AA42AD6A519}" type="slidenum">
+              <a:rPr lang="en-US" smtClean="0"/>
               <a:t>21</a:t>
             </a:fld>
             <a:endParaRPr lang="en-US"/>
@@ -1124,7 +1212,7 @@
 </p:notes>
 </file>
 
-<file path=ppt/notesSlides/notesSlide15.xml><?xml version="1.0" encoding="utf-8"?>
+<file path=ppt/notesSlides/notesSlide16.xml><?xml version="1.0" encoding="utf-8"?>
 <p:notes xmlns:a="http://schemas.openxmlformats.org/drawingml/2006/main" xmlns:r="http://schemas.openxmlformats.org/officeDocument/2006/relationships" xmlns:p="http://schemas.openxmlformats.org/presentationml/2006/main">
   <p:cSld>
     <p:spTree>
@@ -2333,7 +2421,7 @@
           <a:lstStyle/>
           <a:p>
             <a:r>
-              <a:rPr lang="en-US" b="0" i="0" dirty="0"/>
+              <a:rPr lang="en-US" dirty="0"/>
               <a:t>// TODO</a:t>
             </a:r>
           </a:p>
@@ -2356,7 +2444,7 @@
           <a:p>
             <a:fld id="{020CF8D1-BA82-5045-ACF9-1AA42AD6A519}" type="slidenum">
               <a:rPr lang="en-US" smtClean="0"/>
-              <a:t>10</a:t>
+              <a:t>9</a:t>
             </a:fld>
             <a:endParaRPr lang="en-US"/>
           </a:p>
@@ -2365,7 +2453,7 @@
     </p:spTree>
     <p:extLst>
       <p:ext uri="{BB962C8B-B14F-4D97-AF65-F5344CB8AC3E}">
-        <p14:creationId xmlns:p14="http://schemas.microsoft.com/office/powerpoint/2010/main" val="2968376506"/>
+        <p14:creationId xmlns:p14="http://schemas.microsoft.com/office/powerpoint/2010/main" val="381129055"/>
       </p:ext>
     </p:extLst>
   </p:cSld>
@@ -2420,10 +2508,9 @@
           <a:lstStyle/>
           <a:p>
             <a:r>
-              <a:rPr lang="en-US" dirty="0"/>
+              <a:rPr lang="en-US" b="0" i="0" dirty="0"/>
               <a:t>// TODO</a:t>
             </a:r>
-            <a:endParaRPr lang="en-US" b="0" i="0" u="none" dirty="0"/>
           </a:p>
         </p:txBody>
       </p:sp>
@@ -2444,7 +2531,7 @@
           <a:p>
             <a:fld id="{020CF8D1-BA82-5045-ACF9-1AA42AD6A519}" type="slidenum">
               <a:rPr lang="en-US" smtClean="0"/>
-              <a:t>12</a:t>
+              <a:t>10</a:t>
             </a:fld>
             <a:endParaRPr lang="en-US"/>
           </a:p>
@@ -2453,7 +2540,7 @@
     </p:spTree>
     <p:extLst>
       <p:ext uri="{BB962C8B-B14F-4D97-AF65-F5344CB8AC3E}">
-        <p14:creationId xmlns:p14="http://schemas.microsoft.com/office/powerpoint/2010/main" val="2398170700"/>
+        <p14:creationId xmlns:p14="http://schemas.microsoft.com/office/powerpoint/2010/main" val="2968376506"/>
       </p:ext>
     </p:extLst>
   </p:cSld>
@@ -6144,7 +6231,7 @@
                   <a:srgbClr val="FFFF00"/>
                 </a:solidFill>
               </a:rPr>
-              <a:t>curl [OPTIONS] </a:t>
+              <a:t>curl [options…] &lt;</a:t>
             </a:r>
             <a:r>
               <a:rPr lang="en-US" sz="2800" b="1" i="1" dirty="0" err="1">
@@ -6154,6 +6241,14 @@
               </a:rPr>
               <a:t>url</a:t>
             </a:r>
+            <a:r>
+              <a:rPr lang="en-US" sz="2800" b="1" i="1" dirty="0">
+                <a:solidFill>
+                  <a:srgbClr val="FFFF00"/>
+                </a:solidFill>
+              </a:rPr>
+              <a:t>&gt;</a:t>
+            </a:r>
             <a:endParaRPr lang="en-US" sz="2800" dirty="0"/>
           </a:p>
           <a:p>
@@ -6211,21 +6306,8 @@
                   <a:srgbClr val="FFFF00"/>
                 </a:solidFill>
               </a:rPr>
-              <a:t>curl https://</a:t>
-            </a:r>
-            <a:r>
-              <a:rPr lang="en-US" sz="2800" b="1" i="1" dirty="0" err="1">
-                <a:solidFill>
-                  <a:srgbClr val="FFFF00"/>
-                </a:solidFill>
-              </a:rPr>
-              <a:t>www.whatsmyua.info</a:t>
-            </a:r>
-            <a:endParaRPr lang="en-US" sz="2800" b="1" i="1" dirty="0">
-              <a:solidFill>
-                <a:srgbClr val="FFFF00"/>
-              </a:solidFill>
-            </a:endParaRPr>
+              <a:t>curl https://www.whatsmyua.info</a:t>
+            </a:r>
           </a:p>
         </p:txBody>
       </p:sp>
@@ -6836,15 +6918,7 @@
             </a:r>
             <a:r>
               <a:rPr lang="en-US" dirty="0"/>
-              <a:t>– HTTP method (GET </a:t>
-            </a:r>
-            <a:r>
-              <a:rPr lang="en-US"/>
-              <a:t>(default), </a:t>
-            </a:r>
-            <a:r>
-              <a:rPr lang="en-US" dirty="0"/>
-              <a:t>POST, PUT, DELETE)</a:t>
+              <a:t>– HTTP method (GET (default), POST, PUT, DELETE)</a:t>
             </a:r>
           </a:p>
           <a:p>
@@ -6871,18 +6945,10 @@
                   <a:srgbClr val="FFFF00"/>
                 </a:solidFill>
               </a:rPr>
-              <a:t> </a:t>
-            </a:r>
-            <a:r>
-              <a:rPr lang="en-US" i="1" dirty="0">
-                <a:solidFill>
-                  <a:srgbClr val="FFFF00"/>
-                </a:solidFill>
-              </a:rPr>
-              <a:t>&lt;</a:t>
-            </a:r>
-            <a:r>
-              <a:rPr lang="en-US" i="1" dirty="0" err="1">
+              <a:t> &lt;</a:t>
+            </a:r>
+            <a:r>
+              <a:rPr lang="en-US" dirty="0" err="1">
                 <a:solidFill>
                   <a:srgbClr val="FFFF00"/>
                 </a:solidFill>
@@ -6890,12 +6956,86 @@
               <a:t>url</a:t>
             </a:r>
             <a:r>
-              <a:rPr lang="en-US" i="1" dirty="0">
+              <a:rPr lang="en-US" dirty="0">
                 <a:solidFill>
                   <a:srgbClr val="FFFF00"/>
                 </a:solidFill>
               </a:rPr>
-              <a:t>&gt;</a:t>
+              <a:t>&gt; </a:t>
+            </a:r>
+            <a:r>
+              <a:rPr lang="en-US" dirty="0"/>
+              <a:t>– Request URL</a:t>
+            </a:r>
+          </a:p>
+          <a:p>
+            <a:pPr lvl="1"/>
+            <a:r>
+              <a:rPr lang="en-US" dirty="0">
+                <a:solidFill>
+                  <a:srgbClr val="FFFF00"/>
+                </a:solidFill>
+              </a:rPr>
+              <a:t>-H </a:t>
+            </a:r>
+            <a:r>
+              <a:rPr lang="en-US" dirty="0"/>
+              <a:t>or</a:t>
+            </a:r>
+            <a:r>
+              <a:rPr lang="en-US" dirty="0">
+                <a:solidFill>
+                  <a:srgbClr val="FFFF00"/>
+                </a:solidFill>
+              </a:rPr>
+              <a:t> --header</a:t>
+            </a:r>
+            <a:r>
+              <a:rPr lang="en-US" dirty="0"/>
+              <a:t>– HTTP client header(s)</a:t>
+            </a:r>
+          </a:p>
+          <a:p>
+            <a:pPr lvl="1"/>
+            <a:r>
+              <a:rPr lang="en-US" dirty="0">
+                <a:solidFill>
+                  <a:srgbClr val="FFFF00"/>
+                </a:solidFill>
+              </a:rPr>
+              <a:t>-d </a:t>
+            </a:r>
+            <a:r>
+              <a:rPr lang="en-US" dirty="0"/>
+              <a:t>or</a:t>
+            </a:r>
+            <a:r>
+              <a:rPr lang="en-US" dirty="0">
+                <a:solidFill>
+                  <a:srgbClr val="FFFF00"/>
+                </a:solidFill>
+              </a:rPr>
+              <a:t> --data </a:t>
+            </a:r>
+            <a:r>
+              <a:rPr lang="en-US" dirty="0"/>
+              <a:t>or</a:t>
+            </a:r>
+            <a:r>
+              <a:rPr lang="en-US" dirty="0">
+                <a:solidFill>
+                  <a:srgbClr val="FFFF00"/>
+                </a:solidFill>
+              </a:rPr>
+              <a:t> --data-</a:t>
+            </a:r>
+            <a:r>
+              <a:rPr lang="en-US" dirty="0" err="1">
+                <a:solidFill>
+                  <a:srgbClr val="FFFF00"/>
+                </a:solidFill>
+              </a:rPr>
+              <a:t>urlencode</a:t>
             </a:r>
             <a:r>
               <a:rPr lang="en-US" dirty="0">
@@ -6907,88 +7047,6 @@
             </a:r>
             <a:r>
               <a:rPr lang="en-US" dirty="0"/>
-              <a:t>– Request URL</a:t>
-            </a:r>
-          </a:p>
-          <a:p>
-            <a:pPr lvl="1"/>
-            <a:r>
-              <a:rPr lang="en-US" dirty="0">
-                <a:solidFill>
-                  <a:srgbClr val="FFFF00"/>
-                </a:solidFill>
-              </a:rPr>
-              <a:t>-H </a:t>
-            </a:r>
-            <a:r>
-              <a:rPr lang="en-US" dirty="0"/>
-              <a:t>or</a:t>
-            </a:r>
-            <a:r>
-              <a:rPr lang="en-US" dirty="0">
-                <a:solidFill>
-                  <a:srgbClr val="FFFF00"/>
-                </a:solidFill>
-              </a:rPr>
-              <a:t> --header</a:t>
-            </a:r>
-            <a:r>
-              <a:rPr lang="en-US" dirty="0"/>
-              <a:t>– HTTP client header(s)</a:t>
-            </a:r>
-          </a:p>
-          <a:p>
-            <a:pPr lvl="1"/>
-            <a:r>
-              <a:rPr lang="en-US" dirty="0">
-                <a:solidFill>
-                  <a:srgbClr val="FFFF00"/>
-                </a:solidFill>
-              </a:rPr>
-              <a:t>-d </a:t>
-            </a:r>
-            <a:r>
-              <a:rPr lang="en-US" dirty="0"/>
-              <a:t>or</a:t>
-            </a:r>
-            <a:r>
-              <a:rPr lang="en-US" dirty="0">
-                <a:solidFill>
-                  <a:srgbClr val="FFFF00"/>
-                </a:solidFill>
-              </a:rPr>
-              <a:t> --data </a:t>
-            </a:r>
-            <a:r>
-              <a:rPr lang="en-US" dirty="0"/>
-              <a:t>or</a:t>
-            </a:r>
-            <a:r>
-              <a:rPr lang="en-US" dirty="0">
-                <a:solidFill>
-                  <a:srgbClr val="FFFF00"/>
-                </a:solidFill>
-              </a:rPr>
-              <a:t> --data-</a:t>
-            </a:r>
-            <a:r>
-              <a:rPr lang="en-US" dirty="0" err="1">
-                <a:solidFill>
-                  <a:srgbClr val="FFFF00"/>
-                </a:solidFill>
-              </a:rPr>
-              <a:t>urlencode</a:t>
-            </a:r>
-            <a:r>
-              <a:rPr lang="en-US" dirty="0">
-                <a:solidFill>
-                  <a:srgbClr val="FFFF00"/>
-                </a:solidFill>
-              </a:rPr>
-              <a:t> </a:t>
-            </a:r>
-            <a:r>
-              <a:rPr lang="en-US" dirty="0"/>
               <a:t>– HTTP PUT/POST data</a:t>
             </a:r>
           </a:p>
@@ -7124,18 +7182,10 @@
                   <a:srgbClr val="FFFF00"/>
                 </a:solidFill>
               </a:rPr>
-              <a:t>-o </a:t>
-            </a:r>
-            <a:r>
-              <a:rPr lang="en-US" i="1" dirty="0">
-                <a:solidFill>
-                  <a:srgbClr val="FFFF00"/>
-                </a:solidFill>
-              </a:rPr>
-              <a:t>&lt;</a:t>
-            </a:r>
-            <a:r>
-              <a:rPr lang="en-US" i="1" dirty="0" err="1">
+              <a:t>-o &lt;</a:t>
+            </a:r>
+            <a:r>
+              <a:rPr lang="en-US" dirty="0" err="1">
                 <a:solidFill>
                   <a:srgbClr val="FFFF00"/>
                 </a:solidFill>
@@ -7143,20 +7193,12 @@
               <a:t>file_name</a:t>
             </a:r>
             <a:r>
-              <a:rPr lang="en-US" i="1" dirty="0">
-                <a:solidFill>
-                  <a:srgbClr val="FFFF00"/>
-                </a:solidFill>
-              </a:rPr>
-              <a:t>&gt;</a:t>
-            </a:r>
-            <a:r>
               <a:rPr lang="en-US" dirty="0">
                 <a:solidFill>
                   <a:srgbClr val="FFFF00"/>
                 </a:solidFill>
               </a:rPr>
-              <a:t> </a:t>
+              <a:t>&gt; </a:t>
             </a:r>
             <a:r>
               <a:rPr lang="en-US" dirty="0"/>
@@ -7168,18 +7210,10 @@
                   <a:srgbClr val="FFFF00"/>
                 </a:solidFill>
               </a:rPr>
-              <a:t> --output </a:t>
-            </a:r>
-            <a:r>
-              <a:rPr lang="en-US" i="1" dirty="0">
-                <a:solidFill>
-                  <a:srgbClr val="FFFF00"/>
-                </a:solidFill>
-              </a:rPr>
-              <a:t>&lt;</a:t>
-            </a:r>
-            <a:r>
-              <a:rPr lang="en-US" i="1" dirty="0" err="1">
+              <a:t> --output &lt;</a:t>
+            </a:r>
+            <a:r>
+              <a:rPr lang="en-US" dirty="0" err="1">
                 <a:solidFill>
                   <a:srgbClr val="FFFF00"/>
                 </a:solidFill>
@@ -7187,20 +7221,12 @@
               <a:t>file_name</a:t>
             </a:r>
             <a:r>
-              <a:rPr lang="en-US" i="1" dirty="0">
-                <a:solidFill>
-                  <a:srgbClr val="FFFF00"/>
-                </a:solidFill>
-              </a:rPr>
-              <a:t>&gt;</a:t>
-            </a:r>
-            <a:r>
               <a:rPr lang="en-US" dirty="0">
                 <a:solidFill>
                   <a:srgbClr val="FFFF00"/>
                 </a:solidFill>
               </a:rPr>
-              <a:t> </a:t>
+              <a:t>&gt; </a:t>
             </a:r>
             <a:r>
               <a:rPr lang="en-US" dirty="0"/>
@@ -13991,14 +14017,10 @@
             </a:r>
             <a:r>
               <a:rPr lang="en-US" dirty="0"/>
-              <a:t> command flag definitions</a:t>
-            </a:r>
-          </a:p>
-          <a:p>
-            <a:r>
-              <a:rPr lang="en-US" dirty="0"/>
-              <a:t>Basic </a:t>
-            </a:r>
+              <a:t> command option definitions</a:t>
+            </a:r>
+          </a:p>
+          <a:p>
             <a:r>
               <a:rPr lang="en-US" dirty="0" err="1"/>
               <a:t>cURL</a:t>

--- a/curl-requests-foundations.pptx
+++ b/curl-requests-foundations.pptx
@@ -5,7 +5,7 @@
     <p:sldMasterId id="2147483660" r:id="rId1"/>
   </p:sldMasterIdLst>
   <p:notesMasterIdLst>
-    <p:notesMasterId r:id="rId28"/>
+    <p:notesMasterId r:id="rId31"/>
   </p:notesMasterIdLst>
   <p:sldIdLst>
     <p:sldId id="256" r:id="rId2"/>
@@ -20,20 +20,23 @@
     <p:sldId id="281" r:id="rId11"/>
     <p:sldId id="339" r:id="rId12"/>
     <p:sldId id="336" r:id="rId13"/>
-    <p:sldId id="331" r:id="rId14"/>
-    <p:sldId id="270" r:id="rId15"/>
-    <p:sldId id="332" r:id="rId16"/>
-    <p:sldId id="326" r:id="rId17"/>
-    <p:sldId id="322" r:id="rId18"/>
-    <p:sldId id="329" r:id="rId19"/>
-    <p:sldId id="330" r:id="rId20"/>
-    <p:sldId id="328" r:id="rId21"/>
-    <p:sldId id="333" r:id="rId22"/>
-    <p:sldId id="334" r:id="rId23"/>
-    <p:sldId id="335" r:id="rId24"/>
-    <p:sldId id="311" r:id="rId25"/>
-    <p:sldId id="321" r:id="rId26"/>
-    <p:sldId id="280" r:id="rId27"/>
+    <p:sldId id="347" r:id="rId14"/>
+    <p:sldId id="348" r:id="rId15"/>
+    <p:sldId id="349" r:id="rId16"/>
+    <p:sldId id="331" r:id="rId17"/>
+    <p:sldId id="270" r:id="rId18"/>
+    <p:sldId id="332" r:id="rId19"/>
+    <p:sldId id="326" r:id="rId20"/>
+    <p:sldId id="322" r:id="rId21"/>
+    <p:sldId id="329" r:id="rId22"/>
+    <p:sldId id="330" r:id="rId23"/>
+    <p:sldId id="328" r:id="rId24"/>
+    <p:sldId id="333" r:id="rId25"/>
+    <p:sldId id="334" r:id="rId26"/>
+    <p:sldId id="335" r:id="rId27"/>
+    <p:sldId id="311" r:id="rId28"/>
+    <p:sldId id="321" r:id="rId29"/>
+    <p:sldId id="280" r:id="rId30"/>
   </p:sldIdLst>
   <p:sldSz cx="12192000" cy="6858000"/>
   <p:notesSz cx="6858000" cy="9144000"/>
@@ -233,7 +236,7 @@
           <a:p>
             <a:fld id="{966F6F5D-167E-1849-B841-EB0817BB385A}" type="datetimeFigureOut">
               <a:rPr lang="en-US" smtClean="0"/>
-              <a:t>3/31/20</a:t>
+              <a:t>4/1/20</a:t>
             </a:fld>
             <a:endParaRPr lang="en-US"/>
           </a:p>
@@ -736,26 +739,29 @@
           <a:bodyPr/>
           <a:lstStyle/>
           <a:p>
-            <a:pPr marL="0" marR="0" lvl="0" indent="0" algn="l" defTabSz="914400" rtl="0" eaLnBrk="1" fontAlgn="auto" latinLnBrk="0" hangingPunct="1">
-              <a:lnSpc>
-                <a:spcPct val="100000"/>
-              </a:lnSpc>
-              <a:spcBef>
-                <a:spcPts val="0"/>
-              </a:spcBef>
-              <a:spcAft>
-                <a:spcPts val="0"/>
-              </a:spcAft>
-              <a:buClrTx/>
-              <a:buSzTx/>
-              <a:buFontTx/>
-              <a:buNone/>
-              <a:tabLst/>
-              <a:defRPr/>
+            <a:r>
+              <a:rPr lang="en-US" b="0" i="0" dirty="0"/>
+              <a:t>// TODO</a:t>
+            </a:r>
+          </a:p>
+          <a:p>
+            <a:pPr marL="171450" indent="-171450">
+              <a:buFont typeface="Arial" panose="020B0604020202020204" pitchFamily="34" charset="0"/>
+              <a:buChar char="•"/>
             </a:pPr>
             <a:r>
-              <a:rPr lang="en-US" dirty="0"/>
-              <a:t>// TODO</a:t>
+              <a:rPr lang="en-US" b="0" i="0" dirty="0"/>
+              <a:t>The backslash at the end of a terminal line indicates a line break for a multi-line command</a:t>
+            </a:r>
+          </a:p>
+          <a:p>
+            <a:pPr marL="628650" lvl="1" indent="-171450">
+              <a:buFont typeface="Arial" panose="020B0604020202020204" pitchFamily="34" charset="0"/>
+              <a:buChar char="•"/>
+            </a:pPr>
+            <a:r>
+              <a:rPr lang="en-US" b="0" i="0" dirty="0"/>
+              <a:t>This can make it easier to read long commands</a:t>
             </a:r>
           </a:p>
         </p:txBody>
@@ -786,7 +792,7 @@
     </p:spTree>
     <p:extLst>
       <p:ext uri="{BB962C8B-B14F-4D97-AF65-F5344CB8AC3E}">
-        <p14:creationId xmlns:p14="http://schemas.microsoft.com/office/powerpoint/2010/main" val="778062090"/>
+        <p14:creationId xmlns:p14="http://schemas.microsoft.com/office/powerpoint/2010/main" val="2627601707"/>
       </p:ext>
     </p:extLst>
   </p:cSld>
@@ -840,26 +846,29 @@
           <a:bodyPr/>
           <a:lstStyle/>
           <a:p>
-            <a:pPr marL="0" marR="0" lvl="0" indent="0" algn="l" defTabSz="914400" rtl="0" eaLnBrk="1" fontAlgn="auto" latinLnBrk="0" hangingPunct="1">
-              <a:lnSpc>
-                <a:spcPct val="100000"/>
-              </a:lnSpc>
-              <a:spcBef>
-                <a:spcPts val="0"/>
-              </a:spcBef>
-              <a:spcAft>
-                <a:spcPts val="0"/>
-              </a:spcAft>
-              <a:buClrTx/>
-              <a:buSzTx/>
-              <a:buFontTx/>
-              <a:buNone/>
-              <a:tabLst/>
-              <a:defRPr/>
+            <a:r>
+              <a:rPr lang="en-US" b="0" i="0" dirty="0"/>
+              <a:t>// TODO</a:t>
+            </a:r>
+          </a:p>
+          <a:p>
+            <a:pPr marL="171450" indent="-171450">
+              <a:buFont typeface="Arial" panose="020B0604020202020204" pitchFamily="34" charset="0"/>
+              <a:buChar char="•"/>
             </a:pPr>
             <a:r>
-              <a:rPr lang="en-US" dirty="0"/>
-              <a:t>// TODO</a:t>
+              <a:rPr lang="en-US" b="0" i="0" dirty="0"/>
+              <a:t>The backslash at the end of a terminal line indicates a line break for a multi-line command</a:t>
+            </a:r>
+          </a:p>
+          <a:p>
+            <a:pPr marL="628650" lvl="1" indent="-171450">
+              <a:buFont typeface="Arial" panose="020B0604020202020204" pitchFamily="34" charset="0"/>
+              <a:buChar char="•"/>
+            </a:pPr>
+            <a:r>
+              <a:rPr lang="en-US" b="0" i="0" dirty="0"/>
+              <a:t>This can make it easier to read long commands</a:t>
             </a:r>
           </a:p>
         </p:txBody>
@@ -890,7 +899,7 @@
     </p:spTree>
     <p:extLst>
       <p:ext uri="{BB962C8B-B14F-4D97-AF65-F5344CB8AC3E}">
-        <p14:creationId xmlns:p14="http://schemas.microsoft.com/office/powerpoint/2010/main" val="520155400"/>
+        <p14:creationId xmlns:p14="http://schemas.microsoft.com/office/powerpoint/2010/main" val="3177663895"/>
       </p:ext>
     </p:extLst>
   </p:cSld>
@@ -985,7 +994,7 @@
           <a:p>
             <a:fld id="{020CF8D1-BA82-5045-ACF9-1AA42AD6A519}" type="slidenum">
               <a:rPr lang="en-US" smtClean="0"/>
-              <a:t>17</a:t>
+              <a:t>16</a:t>
             </a:fld>
             <a:endParaRPr lang="en-US"/>
           </a:p>
@@ -994,7 +1003,7 @@
     </p:spTree>
     <p:extLst>
       <p:ext uri="{BB962C8B-B14F-4D97-AF65-F5344CB8AC3E}">
-        <p14:creationId xmlns:p14="http://schemas.microsoft.com/office/powerpoint/2010/main" val="2058049328"/>
+        <p14:creationId xmlns:p14="http://schemas.microsoft.com/office/powerpoint/2010/main" val="778062090"/>
       </p:ext>
     </p:extLst>
   </p:cSld>
@@ -1089,7 +1098,7 @@
           <a:p>
             <a:fld id="{020CF8D1-BA82-5045-ACF9-1AA42AD6A519}" type="slidenum">
               <a:rPr lang="en-US" smtClean="0"/>
-              <a:t>19</a:t>
+              <a:t>17</a:t>
             </a:fld>
             <a:endParaRPr lang="en-US"/>
           </a:p>
@@ -1098,7 +1107,7 @@
     </p:spTree>
     <p:extLst>
       <p:ext uri="{BB962C8B-B14F-4D97-AF65-F5344CB8AC3E}">
-        <p14:creationId xmlns:p14="http://schemas.microsoft.com/office/powerpoint/2010/main" val="3481472389"/>
+        <p14:creationId xmlns:p14="http://schemas.microsoft.com/office/powerpoint/2010/main" val="520155400"/>
       </p:ext>
     </p:extLst>
   </p:cSld>
@@ -1193,7 +1202,7 @@
           <a:p>
             <a:fld id="{020CF8D1-BA82-5045-ACF9-1AA42AD6A519}" type="slidenum">
               <a:rPr lang="en-US" smtClean="0"/>
-              <a:t>21</a:t>
+              <a:t>20</a:t>
             </a:fld>
             <a:endParaRPr lang="en-US"/>
           </a:p>
@@ -1202,7 +1211,7 @@
     </p:spTree>
     <p:extLst>
       <p:ext uri="{BB962C8B-B14F-4D97-AF65-F5344CB8AC3E}">
-        <p14:creationId xmlns:p14="http://schemas.microsoft.com/office/powerpoint/2010/main" val="3252389655"/>
+        <p14:creationId xmlns:p14="http://schemas.microsoft.com/office/powerpoint/2010/main" val="2058049328"/>
       </p:ext>
     </p:extLst>
   </p:cSld>
@@ -1297,7 +1306,215 @@
           <a:p>
             <a:fld id="{020CF8D1-BA82-5045-ACF9-1AA42AD6A519}" type="slidenum">
               <a:rPr lang="en-US" smtClean="0"/>
-              <a:t>23</a:t>
+              <a:t>22</a:t>
+            </a:fld>
+            <a:endParaRPr lang="en-US"/>
+          </a:p>
+        </p:txBody>
+      </p:sp>
+    </p:spTree>
+    <p:extLst>
+      <p:ext uri="{BB962C8B-B14F-4D97-AF65-F5344CB8AC3E}">
+        <p14:creationId xmlns:p14="http://schemas.microsoft.com/office/powerpoint/2010/main" val="3481472389"/>
+      </p:ext>
+    </p:extLst>
+  </p:cSld>
+  <p:clrMapOvr>
+    <a:masterClrMapping/>
+  </p:clrMapOvr>
+</p:notes>
+</file>
+
+<file path=ppt/notesSlides/notesSlide17.xml><?xml version="1.0" encoding="utf-8"?>
+<p:notes xmlns:a="http://schemas.openxmlformats.org/drawingml/2006/main" xmlns:r="http://schemas.openxmlformats.org/officeDocument/2006/relationships" xmlns:p="http://schemas.openxmlformats.org/presentationml/2006/main">
+  <p:cSld>
+    <p:spTree>
+      <p:nvGrpSpPr>
+        <p:cNvPr id="1" name=""/>
+        <p:cNvGrpSpPr/>
+        <p:nvPr/>
+      </p:nvGrpSpPr>
+      <p:grpSpPr>
+        <a:xfrm>
+          <a:off x="0" y="0"/>
+          <a:ext cx="0" cy="0"/>
+          <a:chOff x="0" y="0"/>
+          <a:chExt cx="0" cy="0"/>
+        </a:xfrm>
+      </p:grpSpPr>
+      <p:sp>
+        <p:nvSpPr>
+          <p:cNvPr id="2" name="Slide Image Placeholder 1"/>
+          <p:cNvSpPr>
+            <a:spLocks noGrp="1" noRot="1" noChangeAspect="1"/>
+          </p:cNvSpPr>
+          <p:nvPr>
+            <p:ph type="sldImg"/>
+          </p:nvPr>
+        </p:nvSpPr>
+        <p:spPr/>
+      </p:sp>
+      <p:sp>
+        <p:nvSpPr>
+          <p:cNvPr id="3" name="Notes Placeholder 2"/>
+          <p:cNvSpPr>
+            <a:spLocks noGrp="1"/>
+          </p:cNvSpPr>
+          <p:nvPr>
+            <p:ph type="body" idx="1"/>
+          </p:nvPr>
+        </p:nvSpPr>
+        <p:spPr/>
+        <p:txBody>
+          <a:bodyPr/>
+          <a:lstStyle/>
+          <a:p>
+            <a:pPr marL="0" marR="0" lvl="0" indent="0" algn="l" defTabSz="914400" rtl="0" eaLnBrk="1" fontAlgn="auto" latinLnBrk="0" hangingPunct="1">
+              <a:lnSpc>
+                <a:spcPct val="100000"/>
+              </a:lnSpc>
+              <a:spcBef>
+                <a:spcPts val="0"/>
+              </a:spcBef>
+              <a:spcAft>
+                <a:spcPts val="0"/>
+              </a:spcAft>
+              <a:buClrTx/>
+              <a:buSzTx/>
+              <a:buFontTx/>
+              <a:buNone/>
+              <a:tabLst/>
+              <a:defRPr/>
+            </a:pPr>
+            <a:r>
+              <a:rPr lang="en-US" dirty="0"/>
+              <a:t>// TODO</a:t>
+            </a:r>
+          </a:p>
+        </p:txBody>
+      </p:sp>
+      <p:sp>
+        <p:nvSpPr>
+          <p:cNvPr id="4" name="Slide Number Placeholder 3"/>
+          <p:cNvSpPr>
+            <a:spLocks noGrp="1"/>
+          </p:cNvSpPr>
+          <p:nvPr>
+            <p:ph type="sldNum" sz="quarter" idx="5"/>
+          </p:nvPr>
+        </p:nvSpPr>
+        <p:spPr/>
+        <p:txBody>
+          <a:bodyPr/>
+          <a:lstStyle/>
+          <a:p>
+            <a:fld id="{020CF8D1-BA82-5045-ACF9-1AA42AD6A519}" type="slidenum">
+              <a:rPr lang="en-US" smtClean="0"/>
+              <a:t>24</a:t>
+            </a:fld>
+            <a:endParaRPr lang="en-US"/>
+          </a:p>
+        </p:txBody>
+      </p:sp>
+    </p:spTree>
+    <p:extLst>
+      <p:ext uri="{BB962C8B-B14F-4D97-AF65-F5344CB8AC3E}">
+        <p14:creationId xmlns:p14="http://schemas.microsoft.com/office/powerpoint/2010/main" val="3252389655"/>
+      </p:ext>
+    </p:extLst>
+  </p:cSld>
+  <p:clrMapOvr>
+    <a:masterClrMapping/>
+  </p:clrMapOvr>
+</p:notes>
+</file>
+
+<file path=ppt/notesSlides/notesSlide18.xml><?xml version="1.0" encoding="utf-8"?>
+<p:notes xmlns:a="http://schemas.openxmlformats.org/drawingml/2006/main" xmlns:r="http://schemas.openxmlformats.org/officeDocument/2006/relationships" xmlns:p="http://schemas.openxmlformats.org/presentationml/2006/main">
+  <p:cSld>
+    <p:spTree>
+      <p:nvGrpSpPr>
+        <p:cNvPr id="1" name=""/>
+        <p:cNvGrpSpPr/>
+        <p:nvPr/>
+      </p:nvGrpSpPr>
+      <p:grpSpPr>
+        <a:xfrm>
+          <a:off x="0" y="0"/>
+          <a:ext cx="0" cy="0"/>
+          <a:chOff x="0" y="0"/>
+          <a:chExt cx="0" cy="0"/>
+        </a:xfrm>
+      </p:grpSpPr>
+      <p:sp>
+        <p:nvSpPr>
+          <p:cNvPr id="2" name="Slide Image Placeholder 1"/>
+          <p:cNvSpPr>
+            <a:spLocks noGrp="1" noRot="1" noChangeAspect="1"/>
+          </p:cNvSpPr>
+          <p:nvPr>
+            <p:ph type="sldImg"/>
+          </p:nvPr>
+        </p:nvSpPr>
+        <p:spPr/>
+      </p:sp>
+      <p:sp>
+        <p:nvSpPr>
+          <p:cNvPr id="3" name="Notes Placeholder 2"/>
+          <p:cNvSpPr>
+            <a:spLocks noGrp="1"/>
+          </p:cNvSpPr>
+          <p:nvPr>
+            <p:ph type="body" idx="1"/>
+          </p:nvPr>
+        </p:nvSpPr>
+        <p:spPr/>
+        <p:txBody>
+          <a:bodyPr/>
+          <a:lstStyle/>
+          <a:p>
+            <a:pPr marL="0" marR="0" lvl="0" indent="0" algn="l" defTabSz="914400" rtl="0" eaLnBrk="1" fontAlgn="auto" latinLnBrk="0" hangingPunct="1">
+              <a:lnSpc>
+                <a:spcPct val="100000"/>
+              </a:lnSpc>
+              <a:spcBef>
+                <a:spcPts val="0"/>
+              </a:spcBef>
+              <a:spcAft>
+                <a:spcPts val="0"/>
+              </a:spcAft>
+              <a:buClrTx/>
+              <a:buSzTx/>
+              <a:buFontTx/>
+              <a:buNone/>
+              <a:tabLst/>
+              <a:defRPr/>
+            </a:pPr>
+            <a:r>
+              <a:rPr lang="en-US" dirty="0"/>
+              <a:t>// TODO</a:t>
+            </a:r>
+          </a:p>
+        </p:txBody>
+      </p:sp>
+      <p:sp>
+        <p:nvSpPr>
+          <p:cNvPr id="4" name="Slide Number Placeholder 3"/>
+          <p:cNvSpPr>
+            <a:spLocks noGrp="1"/>
+          </p:cNvSpPr>
+          <p:nvPr>
+            <p:ph type="sldNum" sz="quarter" idx="5"/>
+          </p:nvPr>
+        </p:nvSpPr>
+        <p:spPr/>
+        <p:txBody>
+          <a:bodyPr/>
+          <a:lstStyle/>
+          <a:p>
+            <a:fld id="{020CF8D1-BA82-5045-ACF9-1AA42AD6A519}" type="slidenum">
+              <a:rPr lang="en-US" smtClean="0"/>
+              <a:t>26</a:t>
             </a:fld>
             <a:endParaRPr lang="en-US"/>
           </a:p>
@@ -2128,6 +2345,33 @@
               </a:rPr>
               <a:t>customers want/need simple, automated infrastructures</a:t>
             </a:r>
+          </a:p>
+          <a:p>
+            <a:pPr marL="171450" marR="0" lvl="0" indent="-171450" algn="l" defTabSz="914400" rtl="0" eaLnBrk="1" fontAlgn="auto" latinLnBrk="0" hangingPunct="1">
+              <a:lnSpc>
+                <a:spcPct val="100000"/>
+              </a:lnSpc>
+              <a:spcBef>
+                <a:spcPts val="0"/>
+              </a:spcBef>
+              <a:spcAft>
+                <a:spcPts val="0"/>
+              </a:spcAft>
+              <a:buClrTx/>
+              <a:buSzTx/>
+              <a:buFont typeface="Arial" panose="020B0604020202020204" pitchFamily="34" charset="0"/>
+              <a:buChar char="•"/>
+              <a:tabLst/>
+              <a:defRPr/>
+            </a:pPr>
+            <a:r>
+              <a:rPr lang="en-US" dirty="0">
+                <a:solidFill>
+                  <a:srgbClr val="FFFF00"/>
+                </a:solidFill>
+              </a:rPr>
+              <a:t>This is NOT an REST API class, you should be familiar with the component and format of REST requests and responses as well as HTTP principles</a:t>
+            </a:r>
             <a:endParaRPr lang="en-US" dirty="0"/>
           </a:p>
         </p:txBody>
@@ -2510,6 +2754,26 @@
             <a:r>
               <a:rPr lang="en-US" b="0" i="0" dirty="0"/>
               <a:t>// TODO</a:t>
+            </a:r>
+          </a:p>
+          <a:p>
+            <a:pPr marL="171450" indent="-171450">
+              <a:buFont typeface="Arial" panose="020B0604020202020204" pitchFamily="34" charset="0"/>
+              <a:buChar char="•"/>
+            </a:pPr>
+            <a:r>
+              <a:rPr lang="en-US" b="0" i="0" dirty="0"/>
+              <a:t>You could enter only the base URL and that will return the full HTML response that your web browser will see.</a:t>
+            </a:r>
+          </a:p>
+          <a:p>
+            <a:pPr marL="628650" lvl="1" indent="-171450">
+              <a:buFont typeface="Arial" panose="020B0604020202020204" pitchFamily="34" charset="0"/>
+              <a:buChar char="•"/>
+            </a:pPr>
+            <a:r>
+              <a:rPr lang="en-US" b="0" i="0" dirty="0"/>
+              <a:t>From the CLI, that’s a lot of data to parse, for a human or a computer, so we will instead use a URL to the API endpoint which returns a much more human and computer readable format.</a:t>
             </a:r>
           </a:p>
         </p:txBody>
@@ -6306,8 +6570,53 @@
                   <a:srgbClr val="FFFF00"/>
                 </a:solidFill>
               </a:rPr>
-              <a:t>curl https://www.whatsmyua.info</a:t>
-            </a:r>
+              <a:t>curl https://</a:t>
+            </a:r>
+            <a:r>
+              <a:rPr lang="en-US" sz="2800" b="1" i="1" dirty="0" err="1">
+                <a:solidFill>
+                  <a:srgbClr val="FFFF00"/>
+                </a:solidFill>
+              </a:rPr>
+              <a:t>www.whatsmyua.info</a:t>
+            </a:r>
+            <a:r>
+              <a:rPr lang="en-US" sz="2800" b="1" i="1" dirty="0">
+                <a:solidFill>
+                  <a:srgbClr val="FFFF00"/>
+                </a:solidFill>
+              </a:rPr>
+              <a:t>/</a:t>
+            </a:r>
+            <a:r>
+              <a:rPr lang="en-US" sz="2800" b="1" i="1" dirty="0" err="1">
+                <a:solidFill>
+                  <a:srgbClr val="FFFF00"/>
+                </a:solidFill>
+              </a:rPr>
+              <a:t>api</a:t>
+            </a:r>
+            <a:r>
+              <a:rPr lang="en-US" sz="2800" b="1" i="1" dirty="0">
+                <a:solidFill>
+                  <a:srgbClr val="FFFF00"/>
+                </a:solidFill>
+              </a:rPr>
+              <a:t>/v1/</a:t>
+            </a:r>
+            <a:r>
+              <a:rPr lang="en-US" sz="2800" b="1" i="1" dirty="0" err="1">
+                <a:solidFill>
+                  <a:srgbClr val="FFFF00"/>
+                </a:solidFill>
+              </a:rPr>
+              <a:t>ua</a:t>
+            </a:r>
+            <a:endParaRPr lang="en-US" sz="2800" b="1" i="1" dirty="0">
+              <a:solidFill>
+                <a:srgbClr val="FFFF00"/>
+              </a:solidFill>
+            </a:endParaRPr>
           </a:p>
         </p:txBody>
       </p:sp>
@@ -6366,6 +6675,114 @@
               <a:pPr/>
               <a:t>10</a:t>
             </a:fld>
+            <a:endParaRPr lang="en-US" dirty="0"/>
+          </a:p>
+        </p:txBody>
+      </p:sp>
+      <p:sp>
+        <p:nvSpPr>
+          <p:cNvPr id="7" name="Rectangle 6">
+            <a:extLst>
+              <a:ext uri="{FF2B5EF4-FFF2-40B4-BE49-F238E27FC236}">
+                <a16:creationId xmlns:a16="http://schemas.microsoft.com/office/drawing/2014/main" id="{711B4F6A-3227-AA48-9B9B-D28C475E3FCA}"/>
+              </a:ext>
+            </a:extLst>
+          </p:cNvPr>
+          <p:cNvSpPr/>
+          <p:nvPr/>
+        </p:nvSpPr>
+        <p:spPr>
+          <a:xfrm>
+            <a:off x="1998489" y="4199486"/>
+            <a:ext cx="4438316" cy="404925"/>
+          </a:xfrm>
+          <a:prstGeom prst="rect">
+            <a:avLst/>
+          </a:prstGeom>
+          <a:solidFill>
+            <a:schemeClr val="tx1">
+              <a:alpha val="40000"/>
+            </a:schemeClr>
+          </a:solidFill>
+          <a:ln>
+            <a:noFill/>
+          </a:ln>
+        </p:spPr>
+        <p:style>
+          <a:lnRef idx="2">
+            <a:schemeClr val="accent1">
+              <a:shade val="50000"/>
+            </a:schemeClr>
+          </a:lnRef>
+          <a:fillRef idx="1">
+            <a:schemeClr val="accent1"/>
+          </a:fillRef>
+          <a:effectRef idx="0">
+            <a:schemeClr val="accent1"/>
+          </a:effectRef>
+          <a:fontRef idx="minor">
+            <a:schemeClr val="lt1"/>
+          </a:fontRef>
+        </p:style>
+        <p:txBody>
+          <a:bodyPr rtlCol="0" anchor="ctr"/>
+          <a:lstStyle/>
+          <a:p>
+            <a:pPr algn="ctr"/>
+            <a:endParaRPr lang="en-US" dirty="0"/>
+          </a:p>
+        </p:txBody>
+      </p:sp>
+      <p:sp>
+        <p:nvSpPr>
+          <p:cNvPr id="8" name="Rectangle 7">
+            <a:extLst>
+              <a:ext uri="{FF2B5EF4-FFF2-40B4-BE49-F238E27FC236}">
+                <a16:creationId xmlns:a16="http://schemas.microsoft.com/office/drawing/2014/main" id="{D58E649F-E375-614D-8A53-9704053A894D}"/>
+              </a:ext>
+            </a:extLst>
+          </p:cNvPr>
+          <p:cNvSpPr/>
+          <p:nvPr/>
+        </p:nvSpPr>
+        <p:spPr>
+          <a:xfrm>
+            <a:off x="6436804" y="4199486"/>
+            <a:ext cx="1673727" cy="404925"/>
+          </a:xfrm>
+          <a:prstGeom prst="rect">
+            <a:avLst/>
+          </a:prstGeom>
+          <a:solidFill>
+            <a:schemeClr val="tx1">
+              <a:alpha val="40000"/>
+            </a:schemeClr>
+          </a:solidFill>
+          <a:ln>
+            <a:noFill/>
+          </a:ln>
+        </p:spPr>
+        <p:style>
+          <a:lnRef idx="2">
+            <a:schemeClr val="accent1">
+              <a:shade val="50000"/>
+            </a:schemeClr>
+          </a:lnRef>
+          <a:fillRef idx="1">
+            <a:schemeClr val="accent1"/>
+          </a:fillRef>
+          <a:effectRef idx="0">
+            <a:schemeClr val="accent1"/>
+          </a:effectRef>
+          <a:fontRef idx="minor">
+            <a:schemeClr val="lt1"/>
+          </a:fontRef>
+        </p:style>
+        <p:txBody>
+          <a:bodyPr rtlCol="0" anchor="ctr"/>
+          <a:lstStyle/>
+          <a:p>
+            <a:pPr algn="ctr"/>
             <a:endParaRPr lang="en-US" dirty="0"/>
           </a:p>
         </p:txBody>
@@ -6712,6 +7129,112 @@
                       </p:childTnLst>
                     </p:cTn>
                   </p:par>
+                  <p:par>
+                    <p:cTn id="27" fill="hold">
+                      <p:stCondLst>
+                        <p:cond delay="indefinite"/>
+                      </p:stCondLst>
+                      <p:childTnLst>
+                        <p:par>
+                          <p:cTn id="28" fill="hold">
+                            <p:stCondLst>
+                              <p:cond delay="0"/>
+                            </p:stCondLst>
+                            <p:childTnLst>
+                              <p:par>
+                                <p:cTn id="29" presetID="22" presetClass="entr" presetSubtype="8" fill="hold" grpId="0" nodeType="clickEffect">
+                                  <p:stCondLst>
+                                    <p:cond delay="0"/>
+                                  </p:stCondLst>
+                                  <p:childTnLst>
+                                    <p:set>
+                                      <p:cBhvr>
+                                        <p:cTn id="30" dur="1" fill="hold">
+                                          <p:stCondLst>
+                                            <p:cond delay="0"/>
+                                          </p:stCondLst>
+                                        </p:cTn>
+                                        <p:tgtEl>
+                                          <p:spTgt spid="7"/>
+                                        </p:tgtEl>
+                                        <p:attrNameLst>
+                                          <p:attrName>style.visibility</p:attrName>
+                                        </p:attrNameLst>
+                                      </p:cBhvr>
+                                      <p:to>
+                                        <p:strVal val="visible"/>
+                                      </p:to>
+                                    </p:set>
+                                    <p:animEffect transition="in" filter="wipe(left)">
+                                      <p:cBhvr>
+                                        <p:cTn id="31" dur="1000"/>
+                                        <p:tgtEl>
+                                          <p:spTgt spid="7"/>
+                                        </p:tgtEl>
+                                      </p:cBhvr>
+                                    </p:animEffect>
+                                  </p:childTnLst>
+                                </p:cTn>
+                              </p:par>
+                            </p:childTnLst>
+                          </p:cTn>
+                        </p:par>
+                      </p:childTnLst>
+                    </p:cTn>
+                  </p:par>
+                  <p:par>
+                    <p:cTn id="32" fill="hold">
+                      <p:stCondLst>
+                        <p:cond delay="indefinite"/>
+                      </p:stCondLst>
+                      <p:childTnLst>
+                        <p:par>
+                          <p:cTn id="33" fill="hold">
+                            <p:stCondLst>
+                              <p:cond delay="0"/>
+                            </p:stCondLst>
+                            <p:childTnLst>
+                              <p:par>
+                                <p:cTn id="34" presetID="22" presetClass="entr" presetSubtype="8" fill="hold" grpId="0" nodeType="clickEffect">
+                                  <p:stCondLst>
+                                    <p:cond delay="0"/>
+                                  </p:stCondLst>
+                                  <p:childTnLst>
+                                    <p:set>
+                                      <p:cBhvr>
+                                        <p:cTn id="35" dur="1" fill="hold">
+                                          <p:stCondLst>
+                                            <p:cond delay="0"/>
+                                          </p:stCondLst>
+                                        </p:cTn>
+                                        <p:tgtEl>
+                                          <p:spTgt spid="8"/>
+                                        </p:tgtEl>
+                                        <p:attrNameLst>
+                                          <p:attrName>style.visibility</p:attrName>
+                                        </p:attrNameLst>
+                                      </p:cBhvr>
+                                      <p:to>
+                                        <p:strVal val="visible"/>
+                                      </p:to>
+                                    </p:set>
+                                    <p:animEffect transition="in" filter="wipe(left)">
+                                      <p:cBhvr>
+                                        <p:cTn id="36" dur="1000"/>
+                                        <p:tgtEl>
+                                          <p:spTgt spid="8"/>
+                                        </p:tgtEl>
+                                      </p:cBhvr>
+                                    </p:animEffect>
+                                  </p:childTnLst>
+                                </p:cTn>
+                              </p:par>
+                            </p:childTnLst>
+                          </p:cTn>
+                        </p:par>
+                      </p:childTnLst>
+                    </p:cTn>
+                  </p:par>
                 </p:childTnLst>
               </p:cTn>
               <p:prevCondLst>
@@ -6735,6 +7258,8 @@
     </p:tnLst>
     <p:bldLst>
       <p:bldP spid="3" grpId="0" build="p"/>
+      <p:bldP spid="7" grpId="0" animBg="1"/>
+      <p:bldP spid="8" grpId="0" animBg="1"/>
     </p:bldLst>
   </p:timing>
 </p:sld>
@@ -8192,6 +8717,4163 @@
           <p:cNvPr id="2" name="Title 1">
             <a:extLst>
               <a:ext uri="{FF2B5EF4-FFF2-40B4-BE49-F238E27FC236}">
+                <a16:creationId xmlns:a16="http://schemas.microsoft.com/office/drawing/2014/main" id="{AC0D55DF-385E-9A4F-AB08-FEBC11990B8B}"/>
+              </a:ext>
+            </a:extLst>
+          </p:cNvPr>
+          <p:cNvSpPr>
+            <a:spLocks noGrp="1"/>
+          </p:cNvSpPr>
+          <p:nvPr>
+            <p:ph type="title"/>
+          </p:nvPr>
+        </p:nvSpPr>
+        <p:spPr/>
+        <p:txBody>
+          <a:bodyPr/>
+          <a:lstStyle/>
+          <a:p>
+            <a:r>
+              <a:rPr lang="en-US" dirty="0" err="1"/>
+              <a:t>cURL</a:t>
+            </a:r>
+            <a:r>
+              <a:rPr lang="en-US" dirty="0"/>
+              <a:t> Command Examples</a:t>
+            </a:r>
+          </a:p>
+        </p:txBody>
+      </p:sp>
+      <p:sp>
+        <p:nvSpPr>
+          <p:cNvPr id="3" name="Content Placeholder 2">
+            <a:extLst>
+              <a:ext uri="{FF2B5EF4-FFF2-40B4-BE49-F238E27FC236}">
+                <a16:creationId xmlns:a16="http://schemas.microsoft.com/office/drawing/2014/main" id="{4CB23FD9-ADE0-084E-A8CC-44CA0BA25AB3}"/>
+              </a:ext>
+            </a:extLst>
+          </p:cNvPr>
+          <p:cNvSpPr>
+            <a:spLocks noGrp="1"/>
+          </p:cNvSpPr>
+          <p:nvPr>
+            <p:ph idx="1"/>
+          </p:nvPr>
+        </p:nvSpPr>
+        <p:spPr/>
+        <p:txBody>
+          <a:bodyPr>
+            <a:normAutofit fontScale="92500" lnSpcReduction="10000"/>
+          </a:bodyPr>
+          <a:lstStyle/>
+          <a:p>
+            <a:pPr marL="0" indent="0">
+              <a:buNone/>
+            </a:pPr>
+            <a:r>
+              <a:rPr lang="en-US" sz="2400" b="1" i="1" dirty="0">
+                <a:solidFill>
+                  <a:srgbClr val="FFFF00"/>
+                </a:solidFill>
+              </a:rPr>
+              <a:t>curl -X GET --</a:t>
+            </a:r>
+            <a:r>
+              <a:rPr lang="en-US" sz="2400" b="1" i="1" dirty="0" err="1">
+                <a:solidFill>
+                  <a:srgbClr val="FFFF00"/>
+                </a:solidFill>
+              </a:rPr>
+              <a:t>url</a:t>
+            </a:r>
+            <a:r>
+              <a:rPr lang="en-US" sz="2400" b="1" i="1" dirty="0">
+                <a:solidFill>
+                  <a:srgbClr val="FFFF00"/>
+                </a:solidFill>
+              </a:rPr>
+              <a:t> https://</a:t>
+            </a:r>
+            <a:r>
+              <a:rPr lang="en-US" sz="2400" b="1" i="1" dirty="0" err="1">
+                <a:solidFill>
+                  <a:srgbClr val="FFFF00"/>
+                </a:solidFill>
+              </a:rPr>
+              <a:t>jsonplaceholder.typicode.com</a:t>
+            </a:r>
+            <a:r>
+              <a:rPr lang="en-US" sz="2400" b="1" i="1" dirty="0">
+                <a:solidFill>
+                  <a:srgbClr val="FFFF00"/>
+                </a:solidFill>
+              </a:rPr>
+              <a:t>/posts/1 \</a:t>
+            </a:r>
+          </a:p>
+          <a:p>
+            <a:pPr marL="0" indent="0">
+              <a:buNone/>
+            </a:pPr>
+            <a:r>
+              <a:rPr lang="en-US" sz="2400" b="1" i="1" dirty="0">
+                <a:solidFill>
+                  <a:srgbClr val="FFFF00"/>
+                </a:solidFill>
+              </a:rPr>
+              <a:t>-H 'Accept: application/json' </a:t>
+            </a:r>
+          </a:p>
+          <a:p>
+            <a:r>
+              <a:rPr lang="en-US" sz="2400" dirty="0"/>
+              <a:t>Send a GET request to https://</a:t>
+            </a:r>
+            <a:r>
+              <a:rPr lang="en-US" sz="2400" dirty="0" err="1"/>
+              <a:t>jsonplaceholder.typicode.com</a:t>
+            </a:r>
+            <a:r>
+              <a:rPr lang="en-US" sz="2400" dirty="0"/>
+              <a:t>/posts/1</a:t>
+            </a:r>
+            <a:endParaRPr lang="en-US" sz="2400" dirty="0">
+              <a:solidFill>
+                <a:srgbClr val="FFFF00"/>
+              </a:solidFill>
+            </a:endParaRPr>
+          </a:p>
+          <a:p>
+            <a:r>
+              <a:rPr lang="en-US" sz="2400" dirty="0"/>
+              <a:t>Include a header to indicate we will only accept responses in a JSON format</a:t>
+            </a:r>
+          </a:p>
+          <a:p>
+            <a:pPr marL="0" indent="0">
+              <a:buNone/>
+            </a:pPr>
+            <a:r>
+              <a:rPr lang="en-US" sz="2400" b="1" i="1" dirty="0">
+                <a:solidFill>
+                  <a:srgbClr val="FFFF00"/>
+                </a:solidFill>
+              </a:rPr>
+              <a:t>curl -X POST --</a:t>
+            </a:r>
+            <a:r>
+              <a:rPr lang="en-US" sz="2400" b="1" i="1" dirty="0" err="1">
+                <a:solidFill>
+                  <a:srgbClr val="FFFF00"/>
+                </a:solidFill>
+              </a:rPr>
+              <a:t>url</a:t>
+            </a:r>
+            <a:r>
+              <a:rPr lang="en-US" sz="2400" b="1" i="1" dirty="0">
+                <a:solidFill>
+                  <a:srgbClr val="FFFF00"/>
+                </a:solidFill>
+              </a:rPr>
+              <a:t> https://</a:t>
+            </a:r>
+            <a:r>
+              <a:rPr lang="en-US" sz="2400" b="1" i="1" dirty="0" err="1">
+                <a:solidFill>
+                  <a:srgbClr val="FFFF00"/>
+                </a:solidFill>
+              </a:rPr>
+              <a:t>jsonplaceholder.typicode.com</a:t>
+            </a:r>
+            <a:r>
+              <a:rPr lang="en-US" sz="2400" b="1" i="1" dirty="0">
+                <a:solidFill>
+                  <a:srgbClr val="FFFF00"/>
+                </a:solidFill>
+              </a:rPr>
+              <a:t>/posts \</a:t>
+            </a:r>
+          </a:p>
+          <a:p>
+            <a:pPr marL="0" indent="0">
+              <a:buNone/>
+            </a:pPr>
+            <a:r>
+              <a:rPr lang="en-US" sz="2400" b="1" i="1" dirty="0">
+                <a:solidFill>
+                  <a:srgbClr val="FFFF00"/>
+                </a:solidFill>
+              </a:rPr>
+              <a:t>-H 'Content-Type: application/json' \</a:t>
+            </a:r>
+          </a:p>
+          <a:p>
+            <a:pPr marL="0" indent="0">
+              <a:buNone/>
+            </a:pPr>
+            <a:r>
+              <a:rPr lang="en-US" sz="2400" b="1" i="1" dirty="0">
+                <a:solidFill>
+                  <a:srgbClr val="FFFF00"/>
+                </a:solidFill>
+              </a:rPr>
+              <a:t>-id '{"id":101, "userId":1, "</a:t>
+            </a:r>
+            <a:r>
+              <a:rPr lang="en-US" sz="2400" b="1" i="1" dirty="0" err="1">
+                <a:solidFill>
+                  <a:srgbClr val="FFFF00"/>
+                </a:solidFill>
+              </a:rPr>
+              <a:t>title":"Hello</a:t>
+            </a:r>
+            <a:r>
+              <a:rPr lang="en-US" sz="2400" b="1" i="1" dirty="0">
+                <a:solidFill>
+                  <a:srgbClr val="FFFF00"/>
+                </a:solidFill>
+              </a:rPr>
+              <a:t>", "</a:t>
+            </a:r>
+            <a:r>
+              <a:rPr lang="en-US" sz="2400" b="1" i="1" dirty="0" err="1">
+                <a:solidFill>
+                  <a:srgbClr val="FFFF00"/>
+                </a:solidFill>
+              </a:rPr>
+              <a:t>body":"Hello</a:t>
+            </a:r>
+            <a:r>
+              <a:rPr lang="en-US" sz="2400" b="1" i="1" dirty="0">
+                <a:solidFill>
+                  <a:srgbClr val="FFFF00"/>
+                </a:solidFill>
+              </a:rPr>
+              <a:t> World!"}'</a:t>
+            </a:r>
+          </a:p>
+          <a:p>
+            <a:r>
+              <a:rPr lang="en-US" sz="2400" dirty="0"/>
+              <a:t>Send a POST request to https://</a:t>
+            </a:r>
+            <a:r>
+              <a:rPr lang="en-US" sz="2400" dirty="0" err="1"/>
+              <a:t>jsonplaceholder.typicode.com</a:t>
+            </a:r>
+            <a:r>
+              <a:rPr lang="en-US" sz="2400" dirty="0"/>
+              <a:t>/posts</a:t>
+            </a:r>
+            <a:endParaRPr lang="en-US" sz="2400" dirty="0">
+              <a:solidFill>
+                <a:srgbClr val="FFFF00"/>
+              </a:solidFill>
+            </a:endParaRPr>
+          </a:p>
+          <a:p>
+            <a:r>
+              <a:rPr lang="en-US" sz="2400" dirty="0"/>
+              <a:t>Include a header indicating the request body is in a JSON format</a:t>
+            </a:r>
+          </a:p>
+          <a:p>
+            <a:r>
+              <a:rPr lang="en-US" sz="2400" dirty="0"/>
+              <a:t>Display the response headers in the terminal</a:t>
+            </a:r>
+          </a:p>
+          <a:p>
+            <a:r>
+              <a:rPr lang="en-US" sz="2400" dirty="0"/>
+              <a:t>Body payload in JSON format</a:t>
+            </a:r>
+          </a:p>
+        </p:txBody>
+      </p:sp>
+      <p:sp>
+        <p:nvSpPr>
+          <p:cNvPr id="4" name="Date Placeholder 3">
+            <a:extLst>
+              <a:ext uri="{FF2B5EF4-FFF2-40B4-BE49-F238E27FC236}">
+                <a16:creationId xmlns:a16="http://schemas.microsoft.com/office/drawing/2014/main" id="{6E8781CE-B8A7-7540-B619-28D099093D8B}"/>
+              </a:ext>
+            </a:extLst>
+          </p:cNvPr>
+          <p:cNvSpPr>
+            <a:spLocks noGrp="1"/>
+          </p:cNvSpPr>
+          <p:nvPr>
+            <p:ph type="dt" sz="half" idx="10"/>
+          </p:nvPr>
+        </p:nvSpPr>
+        <p:spPr/>
+        <p:txBody>
+          <a:bodyPr/>
+          <a:lstStyle/>
+          <a:p>
+            <a:r>
+              <a:rPr lang="en-US"/>
+              <a:t>World Wide Technology ©</a:t>
+            </a:r>
+            <a:endParaRPr lang="en-US" dirty="0"/>
+          </a:p>
+        </p:txBody>
+      </p:sp>
+      <p:sp>
+        <p:nvSpPr>
+          <p:cNvPr id="5" name="Slide Number Placeholder 4">
+            <a:extLst>
+              <a:ext uri="{FF2B5EF4-FFF2-40B4-BE49-F238E27FC236}">
+                <a16:creationId xmlns:a16="http://schemas.microsoft.com/office/drawing/2014/main" id="{222BEAA2-2326-1F4D-9BCE-0FC3EC23B201}"/>
+              </a:ext>
+            </a:extLst>
+          </p:cNvPr>
+          <p:cNvSpPr>
+            <a:spLocks noGrp="1"/>
+          </p:cNvSpPr>
+          <p:nvPr>
+            <p:ph type="sldNum" sz="quarter" idx="12"/>
+          </p:nvPr>
+        </p:nvSpPr>
+        <p:spPr/>
+        <p:txBody>
+          <a:bodyPr/>
+          <a:lstStyle/>
+          <a:p>
+            <a:fld id="{A44B02FA-DD2D-1844-AE35-8B2EAB0CF4EF}" type="slidenum">
+              <a:rPr lang="en-US" smtClean="0"/>
+              <a:pPr/>
+              <a:t>13</a:t>
+            </a:fld>
+            <a:endParaRPr lang="en-US" dirty="0"/>
+          </a:p>
+        </p:txBody>
+      </p:sp>
+      <p:sp>
+        <p:nvSpPr>
+          <p:cNvPr id="6" name="Rectangle 5">
+            <a:extLst>
+              <a:ext uri="{FF2B5EF4-FFF2-40B4-BE49-F238E27FC236}">
+                <a16:creationId xmlns:a16="http://schemas.microsoft.com/office/drawing/2014/main" id="{8026FF69-6C82-7043-9603-B53878D1AFAB}"/>
+              </a:ext>
+            </a:extLst>
+          </p:cNvPr>
+          <p:cNvSpPr/>
+          <p:nvPr/>
+        </p:nvSpPr>
+        <p:spPr>
+          <a:xfrm>
+            <a:off x="909614" y="1825622"/>
+            <a:ext cx="1316950" cy="346075"/>
+          </a:xfrm>
+          <a:prstGeom prst="rect">
+            <a:avLst/>
+          </a:prstGeom>
+          <a:solidFill>
+            <a:schemeClr val="tx1">
+              <a:alpha val="40000"/>
+            </a:schemeClr>
+          </a:solidFill>
+          <a:ln>
+            <a:noFill/>
+          </a:ln>
+        </p:spPr>
+        <p:style>
+          <a:lnRef idx="2">
+            <a:schemeClr val="accent1">
+              <a:shade val="50000"/>
+            </a:schemeClr>
+          </a:lnRef>
+          <a:fillRef idx="1">
+            <a:schemeClr val="accent1"/>
+          </a:fillRef>
+          <a:effectRef idx="0">
+            <a:schemeClr val="accent1"/>
+          </a:effectRef>
+          <a:fontRef idx="minor">
+            <a:schemeClr val="lt1"/>
+          </a:fontRef>
+        </p:style>
+        <p:txBody>
+          <a:bodyPr rtlCol="0" anchor="ctr"/>
+          <a:lstStyle/>
+          <a:p>
+            <a:pPr algn="ctr"/>
+            <a:endParaRPr lang="en-US" dirty="0"/>
+          </a:p>
+        </p:txBody>
+      </p:sp>
+      <p:sp>
+        <p:nvSpPr>
+          <p:cNvPr id="7" name="Rectangle 6">
+            <a:extLst>
+              <a:ext uri="{FF2B5EF4-FFF2-40B4-BE49-F238E27FC236}">
+                <a16:creationId xmlns:a16="http://schemas.microsoft.com/office/drawing/2014/main" id="{D7F10BD3-DB22-7043-8433-B6CE34EB4FEE}"/>
+              </a:ext>
+            </a:extLst>
+          </p:cNvPr>
+          <p:cNvSpPr/>
+          <p:nvPr/>
+        </p:nvSpPr>
+        <p:spPr>
+          <a:xfrm>
+            <a:off x="2226564" y="1825624"/>
+            <a:ext cx="5916168" cy="346075"/>
+          </a:xfrm>
+          <a:prstGeom prst="rect">
+            <a:avLst/>
+          </a:prstGeom>
+          <a:solidFill>
+            <a:schemeClr val="tx1">
+              <a:alpha val="40000"/>
+            </a:schemeClr>
+          </a:solidFill>
+          <a:ln>
+            <a:noFill/>
+          </a:ln>
+        </p:spPr>
+        <p:style>
+          <a:lnRef idx="2">
+            <a:schemeClr val="accent1">
+              <a:shade val="50000"/>
+            </a:schemeClr>
+          </a:lnRef>
+          <a:fillRef idx="1">
+            <a:schemeClr val="accent1"/>
+          </a:fillRef>
+          <a:effectRef idx="0">
+            <a:schemeClr val="accent1"/>
+          </a:effectRef>
+          <a:fontRef idx="minor">
+            <a:schemeClr val="lt1"/>
+          </a:fontRef>
+        </p:style>
+        <p:txBody>
+          <a:bodyPr rtlCol="0" anchor="ctr"/>
+          <a:lstStyle/>
+          <a:p>
+            <a:pPr algn="ctr"/>
+            <a:endParaRPr lang="en-US" dirty="0"/>
+          </a:p>
+        </p:txBody>
+      </p:sp>
+      <p:sp>
+        <p:nvSpPr>
+          <p:cNvPr id="8" name="Rectangle 7">
+            <a:extLst>
+              <a:ext uri="{FF2B5EF4-FFF2-40B4-BE49-F238E27FC236}">
+                <a16:creationId xmlns:a16="http://schemas.microsoft.com/office/drawing/2014/main" id="{CC38C9D9-1C2E-0A43-B57E-01A9B796FCD1}"/>
+              </a:ext>
+            </a:extLst>
+          </p:cNvPr>
+          <p:cNvSpPr/>
+          <p:nvPr/>
+        </p:nvSpPr>
+        <p:spPr>
+          <a:xfrm>
+            <a:off x="8142732" y="1825623"/>
+            <a:ext cx="192024" cy="346075"/>
+          </a:xfrm>
+          <a:prstGeom prst="rect">
+            <a:avLst/>
+          </a:prstGeom>
+          <a:solidFill>
+            <a:srgbClr val="FFC000">
+              <a:alpha val="40000"/>
+            </a:srgbClr>
+          </a:solidFill>
+          <a:ln>
+            <a:noFill/>
+          </a:ln>
+        </p:spPr>
+        <p:style>
+          <a:lnRef idx="2">
+            <a:schemeClr val="accent1">
+              <a:shade val="50000"/>
+            </a:schemeClr>
+          </a:lnRef>
+          <a:fillRef idx="1">
+            <a:schemeClr val="accent1"/>
+          </a:fillRef>
+          <a:effectRef idx="0">
+            <a:schemeClr val="accent1"/>
+          </a:effectRef>
+          <a:fontRef idx="minor">
+            <a:schemeClr val="lt1"/>
+          </a:fontRef>
+        </p:style>
+        <p:txBody>
+          <a:bodyPr rtlCol="0" anchor="ctr"/>
+          <a:lstStyle/>
+          <a:p>
+            <a:pPr algn="ctr"/>
+            <a:endParaRPr lang="en-US" dirty="0"/>
+          </a:p>
+        </p:txBody>
+      </p:sp>
+      <p:sp>
+        <p:nvSpPr>
+          <p:cNvPr id="9" name="Rectangle 8">
+            <a:extLst>
+              <a:ext uri="{FF2B5EF4-FFF2-40B4-BE49-F238E27FC236}">
+                <a16:creationId xmlns:a16="http://schemas.microsoft.com/office/drawing/2014/main" id="{12CE5C1F-FFE1-524B-888F-DCB5B4780F99}"/>
+              </a:ext>
+            </a:extLst>
+          </p:cNvPr>
+          <p:cNvSpPr/>
+          <p:nvPr/>
+        </p:nvSpPr>
+        <p:spPr>
+          <a:xfrm>
+            <a:off x="909614" y="2206297"/>
+            <a:ext cx="3317408" cy="346075"/>
+          </a:xfrm>
+          <a:prstGeom prst="rect">
+            <a:avLst/>
+          </a:prstGeom>
+          <a:solidFill>
+            <a:schemeClr val="tx1">
+              <a:alpha val="40000"/>
+            </a:schemeClr>
+          </a:solidFill>
+          <a:ln>
+            <a:noFill/>
+          </a:ln>
+        </p:spPr>
+        <p:style>
+          <a:lnRef idx="2">
+            <a:schemeClr val="accent1">
+              <a:shade val="50000"/>
+            </a:schemeClr>
+          </a:lnRef>
+          <a:fillRef idx="1">
+            <a:schemeClr val="accent1"/>
+          </a:fillRef>
+          <a:effectRef idx="0">
+            <a:schemeClr val="accent1"/>
+          </a:effectRef>
+          <a:fontRef idx="minor">
+            <a:schemeClr val="lt1"/>
+          </a:fontRef>
+        </p:style>
+        <p:txBody>
+          <a:bodyPr rtlCol="0" anchor="ctr"/>
+          <a:lstStyle/>
+          <a:p>
+            <a:pPr algn="ctr"/>
+            <a:endParaRPr lang="en-US" dirty="0"/>
+          </a:p>
+        </p:txBody>
+      </p:sp>
+      <p:sp>
+        <p:nvSpPr>
+          <p:cNvPr id="10" name="Rectangle 9">
+            <a:extLst>
+              <a:ext uri="{FF2B5EF4-FFF2-40B4-BE49-F238E27FC236}">
+                <a16:creationId xmlns:a16="http://schemas.microsoft.com/office/drawing/2014/main" id="{64381E93-0DB0-5942-AC90-7ABA3E07F410}"/>
+              </a:ext>
+            </a:extLst>
+          </p:cNvPr>
+          <p:cNvSpPr/>
+          <p:nvPr/>
+        </p:nvSpPr>
+        <p:spPr>
+          <a:xfrm>
+            <a:off x="909614" y="3414088"/>
+            <a:ext cx="1455898" cy="346075"/>
+          </a:xfrm>
+          <a:prstGeom prst="rect">
+            <a:avLst/>
+          </a:prstGeom>
+          <a:solidFill>
+            <a:schemeClr val="tx1">
+              <a:alpha val="40000"/>
+            </a:schemeClr>
+          </a:solidFill>
+          <a:ln>
+            <a:noFill/>
+          </a:ln>
+        </p:spPr>
+        <p:style>
+          <a:lnRef idx="2">
+            <a:schemeClr val="accent1">
+              <a:shade val="50000"/>
+            </a:schemeClr>
+          </a:lnRef>
+          <a:fillRef idx="1">
+            <a:schemeClr val="accent1"/>
+          </a:fillRef>
+          <a:effectRef idx="0">
+            <a:schemeClr val="accent1"/>
+          </a:effectRef>
+          <a:fontRef idx="minor">
+            <a:schemeClr val="lt1"/>
+          </a:fontRef>
+        </p:style>
+        <p:txBody>
+          <a:bodyPr rtlCol="0" anchor="ctr"/>
+          <a:lstStyle/>
+          <a:p>
+            <a:pPr algn="ctr"/>
+            <a:endParaRPr lang="en-US" dirty="0"/>
+          </a:p>
+        </p:txBody>
+      </p:sp>
+      <p:sp>
+        <p:nvSpPr>
+          <p:cNvPr id="11" name="Rectangle 10">
+            <a:extLst>
+              <a:ext uri="{FF2B5EF4-FFF2-40B4-BE49-F238E27FC236}">
+                <a16:creationId xmlns:a16="http://schemas.microsoft.com/office/drawing/2014/main" id="{1100B6A1-8FC9-164E-B48D-5AEB1EF6BDB2}"/>
+              </a:ext>
+            </a:extLst>
+          </p:cNvPr>
+          <p:cNvSpPr/>
+          <p:nvPr/>
+        </p:nvSpPr>
+        <p:spPr>
+          <a:xfrm>
+            <a:off x="2365512" y="3414090"/>
+            <a:ext cx="5840234" cy="346075"/>
+          </a:xfrm>
+          <a:prstGeom prst="rect">
+            <a:avLst/>
+          </a:prstGeom>
+          <a:solidFill>
+            <a:schemeClr val="tx1">
+              <a:alpha val="40000"/>
+            </a:schemeClr>
+          </a:solidFill>
+          <a:ln>
+            <a:noFill/>
+          </a:ln>
+        </p:spPr>
+        <p:style>
+          <a:lnRef idx="2">
+            <a:schemeClr val="accent1">
+              <a:shade val="50000"/>
+            </a:schemeClr>
+          </a:lnRef>
+          <a:fillRef idx="1">
+            <a:schemeClr val="accent1"/>
+          </a:fillRef>
+          <a:effectRef idx="0">
+            <a:schemeClr val="accent1"/>
+          </a:effectRef>
+          <a:fontRef idx="minor">
+            <a:schemeClr val="lt1"/>
+          </a:fontRef>
+        </p:style>
+        <p:txBody>
+          <a:bodyPr rtlCol="0" anchor="ctr"/>
+          <a:lstStyle/>
+          <a:p>
+            <a:pPr algn="ctr"/>
+            <a:endParaRPr lang="en-US" dirty="0"/>
+          </a:p>
+        </p:txBody>
+      </p:sp>
+      <p:sp>
+        <p:nvSpPr>
+          <p:cNvPr id="12" name="Rectangle 11">
+            <a:extLst>
+              <a:ext uri="{FF2B5EF4-FFF2-40B4-BE49-F238E27FC236}">
+                <a16:creationId xmlns:a16="http://schemas.microsoft.com/office/drawing/2014/main" id="{F0D062B1-76F5-1E43-B067-441BE8AF1B26}"/>
+              </a:ext>
+            </a:extLst>
+          </p:cNvPr>
+          <p:cNvSpPr/>
+          <p:nvPr/>
+        </p:nvSpPr>
+        <p:spPr>
+          <a:xfrm>
+            <a:off x="909613" y="3794763"/>
+            <a:ext cx="4246807" cy="346075"/>
+          </a:xfrm>
+          <a:prstGeom prst="rect">
+            <a:avLst/>
+          </a:prstGeom>
+          <a:solidFill>
+            <a:schemeClr val="tx1">
+              <a:alpha val="40000"/>
+            </a:schemeClr>
+          </a:solidFill>
+          <a:ln>
+            <a:noFill/>
+          </a:ln>
+        </p:spPr>
+        <p:style>
+          <a:lnRef idx="2">
+            <a:schemeClr val="accent1">
+              <a:shade val="50000"/>
+            </a:schemeClr>
+          </a:lnRef>
+          <a:fillRef idx="1">
+            <a:schemeClr val="accent1"/>
+          </a:fillRef>
+          <a:effectRef idx="0">
+            <a:schemeClr val="accent1"/>
+          </a:effectRef>
+          <a:fontRef idx="minor">
+            <a:schemeClr val="lt1"/>
+          </a:fontRef>
+        </p:style>
+        <p:txBody>
+          <a:bodyPr rtlCol="0" anchor="ctr"/>
+          <a:lstStyle/>
+          <a:p>
+            <a:pPr algn="ctr"/>
+            <a:endParaRPr lang="en-US" dirty="0"/>
+          </a:p>
+        </p:txBody>
+      </p:sp>
+      <p:sp>
+        <p:nvSpPr>
+          <p:cNvPr id="13" name="Rectangle 12">
+            <a:extLst>
+              <a:ext uri="{FF2B5EF4-FFF2-40B4-BE49-F238E27FC236}">
+                <a16:creationId xmlns:a16="http://schemas.microsoft.com/office/drawing/2014/main" id="{ECAD06B7-E735-D041-A877-3DAA3A185FC4}"/>
+              </a:ext>
+            </a:extLst>
+          </p:cNvPr>
+          <p:cNvSpPr/>
+          <p:nvPr/>
+        </p:nvSpPr>
+        <p:spPr>
+          <a:xfrm>
+            <a:off x="909613" y="4175435"/>
+            <a:ext cx="198516" cy="346075"/>
+          </a:xfrm>
+          <a:prstGeom prst="rect">
+            <a:avLst/>
+          </a:prstGeom>
+          <a:solidFill>
+            <a:schemeClr val="tx1">
+              <a:alpha val="40000"/>
+            </a:schemeClr>
+          </a:solidFill>
+          <a:ln>
+            <a:noFill/>
+          </a:ln>
+        </p:spPr>
+        <p:style>
+          <a:lnRef idx="2">
+            <a:schemeClr val="accent1">
+              <a:shade val="50000"/>
+            </a:schemeClr>
+          </a:lnRef>
+          <a:fillRef idx="1">
+            <a:schemeClr val="accent1"/>
+          </a:fillRef>
+          <a:effectRef idx="0">
+            <a:schemeClr val="accent1"/>
+          </a:effectRef>
+          <a:fontRef idx="minor">
+            <a:schemeClr val="lt1"/>
+          </a:fontRef>
+        </p:style>
+        <p:txBody>
+          <a:bodyPr rtlCol="0" anchor="ctr"/>
+          <a:lstStyle/>
+          <a:p>
+            <a:pPr algn="ctr"/>
+            <a:endParaRPr lang="en-US" dirty="0"/>
+          </a:p>
+        </p:txBody>
+      </p:sp>
+      <p:sp>
+        <p:nvSpPr>
+          <p:cNvPr id="14" name="Rectangle 13">
+            <a:extLst>
+              <a:ext uri="{FF2B5EF4-FFF2-40B4-BE49-F238E27FC236}">
+                <a16:creationId xmlns:a16="http://schemas.microsoft.com/office/drawing/2014/main" id="{00602D00-5324-D14C-A172-33657E9029B7}"/>
+              </a:ext>
+            </a:extLst>
+          </p:cNvPr>
+          <p:cNvSpPr/>
+          <p:nvPr/>
+        </p:nvSpPr>
+        <p:spPr>
+          <a:xfrm>
+            <a:off x="1108128" y="4175435"/>
+            <a:ext cx="7314759" cy="346075"/>
+          </a:xfrm>
+          <a:prstGeom prst="rect">
+            <a:avLst/>
+          </a:prstGeom>
+          <a:solidFill>
+            <a:schemeClr val="tx1">
+              <a:alpha val="40000"/>
+            </a:schemeClr>
+          </a:solidFill>
+          <a:ln>
+            <a:noFill/>
+          </a:ln>
+        </p:spPr>
+        <p:style>
+          <a:lnRef idx="2">
+            <a:schemeClr val="accent1">
+              <a:shade val="50000"/>
+            </a:schemeClr>
+          </a:lnRef>
+          <a:fillRef idx="1">
+            <a:schemeClr val="accent1"/>
+          </a:fillRef>
+          <a:effectRef idx="0">
+            <a:schemeClr val="accent1"/>
+          </a:effectRef>
+          <a:fontRef idx="minor">
+            <a:schemeClr val="lt1"/>
+          </a:fontRef>
+        </p:style>
+        <p:txBody>
+          <a:bodyPr rtlCol="0" anchor="ctr"/>
+          <a:lstStyle/>
+          <a:p>
+            <a:pPr algn="ctr"/>
+            <a:endParaRPr lang="en-US" dirty="0"/>
+          </a:p>
+        </p:txBody>
+      </p:sp>
+    </p:spTree>
+    <p:extLst>
+      <p:ext uri="{BB962C8B-B14F-4D97-AF65-F5344CB8AC3E}">
+        <p14:creationId xmlns:p14="http://schemas.microsoft.com/office/powerpoint/2010/main" val="3932730536"/>
+      </p:ext>
+    </p:extLst>
+  </p:cSld>
+  <p:clrMapOvr>
+    <a:masterClrMapping/>
+  </p:clrMapOvr>
+  <mc:AlternateContent xmlns:mc="http://schemas.openxmlformats.org/markup-compatibility/2006" xmlns:p14="http://schemas.microsoft.com/office/powerpoint/2010/main">
+    <mc:Choice Requires="p14">
+      <p:transition spd="med" p14:dur="700">
+        <p:fade/>
+      </p:transition>
+    </mc:Choice>
+    <mc:Fallback xmlns="">
+      <p:transition spd="med">
+        <p:fade/>
+      </p:transition>
+    </mc:Fallback>
+  </mc:AlternateContent>
+  <p:timing>
+    <p:tnLst>
+      <p:par>
+        <p:cTn id="1" dur="indefinite" restart="never" nodeType="tmRoot">
+          <p:childTnLst>
+            <p:seq concurrent="1" nextAc="seek">
+              <p:cTn id="2" dur="indefinite" nodeType="mainSeq">
+                <p:childTnLst>
+                  <p:par>
+                    <p:cTn id="3" fill="hold">
+                      <p:stCondLst>
+                        <p:cond delay="indefinite"/>
+                      </p:stCondLst>
+                      <p:childTnLst>
+                        <p:par>
+                          <p:cTn id="4" fill="hold">
+                            <p:stCondLst>
+                              <p:cond delay="0"/>
+                            </p:stCondLst>
+                            <p:childTnLst>
+                              <p:par>
+                                <p:cTn id="5" presetID="22" presetClass="entr" presetSubtype="8" fill="hold" nodeType="clickEffect">
+                                  <p:stCondLst>
+                                    <p:cond delay="0"/>
+                                  </p:stCondLst>
+                                  <p:childTnLst>
+                                    <p:set>
+                                      <p:cBhvr>
+                                        <p:cTn id="6" dur="1" fill="hold">
+                                          <p:stCondLst>
+                                            <p:cond delay="0"/>
+                                          </p:stCondLst>
+                                        </p:cTn>
+                                        <p:tgtEl>
+                                          <p:spTgt spid="3">
+                                            <p:txEl>
+                                              <p:pRg st="0" end="0"/>
+                                            </p:txEl>
+                                          </p:spTgt>
+                                        </p:tgtEl>
+                                        <p:attrNameLst>
+                                          <p:attrName>style.visibility</p:attrName>
+                                        </p:attrNameLst>
+                                      </p:cBhvr>
+                                      <p:to>
+                                        <p:strVal val="visible"/>
+                                      </p:to>
+                                    </p:set>
+                                    <p:animEffect transition="in" filter="wipe(left)">
+                                      <p:cBhvr>
+                                        <p:cTn id="7" dur="2000"/>
+                                        <p:tgtEl>
+                                          <p:spTgt spid="3">
+                                            <p:txEl>
+                                              <p:pRg st="0" end="0"/>
+                                            </p:txEl>
+                                          </p:spTgt>
+                                        </p:tgtEl>
+                                      </p:cBhvr>
+                                    </p:animEffect>
+                                  </p:childTnLst>
+                                </p:cTn>
+                              </p:par>
+                            </p:childTnLst>
+                          </p:cTn>
+                        </p:par>
+                        <p:par>
+                          <p:cTn id="8" fill="hold">
+                            <p:stCondLst>
+                              <p:cond delay="2000"/>
+                            </p:stCondLst>
+                            <p:childTnLst>
+                              <p:par>
+                                <p:cTn id="9" presetID="22" presetClass="entr" presetSubtype="8" fill="hold" nodeType="afterEffect">
+                                  <p:stCondLst>
+                                    <p:cond delay="0"/>
+                                  </p:stCondLst>
+                                  <p:childTnLst>
+                                    <p:set>
+                                      <p:cBhvr>
+                                        <p:cTn id="10" dur="1" fill="hold">
+                                          <p:stCondLst>
+                                            <p:cond delay="0"/>
+                                          </p:stCondLst>
+                                        </p:cTn>
+                                        <p:tgtEl>
+                                          <p:spTgt spid="3">
+                                            <p:txEl>
+                                              <p:pRg st="1" end="1"/>
+                                            </p:txEl>
+                                          </p:spTgt>
+                                        </p:tgtEl>
+                                        <p:attrNameLst>
+                                          <p:attrName>style.visibility</p:attrName>
+                                        </p:attrNameLst>
+                                      </p:cBhvr>
+                                      <p:to>
+                                        <p:strVal val="visible"/>
+                                      </p:to>
+                                    </p:set>
+                                    <p:animEffect transition="in" filter="wipe(left)">
+                                      <p:cBhvr>
+                                        <p:cTn id="11" dur="1000"/>
+                                        <p:tgtEl>
+                                          <p:spTgt spid="3">
+                                            <p:txEl>
+                                              <p:pRg st="1" end="1"/>
+                                            </p:txEl>
+                                          </p:spTgt>
+                                        </p:tgtEl>
+                                      </p:cBhvr>
+                                    </p:animEffect>
+                                  </p:childTnLst>
+                                </p:cTn>
+                              </p:par>
+                            </p:childTnLst>
+                          </p:cTn>
+                        </p:par>
+                      </p:childTnLst>
+                    </p:cTn>
+                  </p:par>
+                  <p:par>
+                    <p:cTn id="12" fill="hold">
+                      <p:stCondLst>
+                        <p:cond delay="indefinite"/>
+                      </p:stCondLst>
+                      <p:childTnLst>
+                        <p:par>
+                          <p:cTn id="13" fill="hold">
+                            <p:stCondLst>
+                              <p:cond delay="0"/>
+                            </p:stCondLst>
+                            <p:childTnLst>
+                              <p:par>
+                                <p:cTn id="14" presetID="9" presetClass="entr" presetSubtype="0" fill="hold" nodeType="clickEffect">
+                                  <p:stCondLst>
+                                    <p:cond delay="0"/>
+                                  </p:stCondLst>
+                                  <p:childTnLst>
+                                    <p:set>
+                                      <p:cBhvr>
+                                        <p:cTn id="15" dur="1" fill="hold">
+                                          <p:stCondLst>
+                                            <p:cond delay="0"/>
+                                          </p:stCondLst>
+                                        </p:cTn>
+                                        <p:tgtEl>
+                                          <p:spTgt spid="3">
+                                            <p:txEl>
+                                              <p:pRg st="2" end="2"/>
+                                            </p:txEl>
+                                          </p:spTgt>
+                                        </p:tgtEl>
+                                        <p:attrNameLst>
+                                          <p:attrName>style.visibility</p:attrName>
+                                        </p:attrNameLst>
+                                      </p:cBhvr>
+                                      <p:to>
+                                        <p:strVal val="visible"/>
+                                      </p:to>
+                                    </p:set>
+                                    <p:animEffect transition="in" filter="dissolve">
+                                      <p:cBhvr>
+                                        <p:cTn id="16" dur="500"/>
+                                        <p:tgtEl>
+                                          <p:spTgt spid="3">
+                                            <p:txEl>
+                                              <p:pRg st="2" end="2"/>
+                                            </p:txEl>
+                                          </p:spTgt>
+                                        </p:tgtEl>
+                                      </p:cBhvr>
+                                    </p:animEffect>
+                                  </p:childTnLst>
+                                </p:cTn>
+                              </p:par>
+                            </p:childTnLst>
+                          </p:cTn>
+                        </p:par>
+                      </p:childTnLst>
+                    </p:cTn>
+                  </p:par>
+                  <p:par>
+                    <p:cTn id="17" fill="hold">
+                      <p:stCondLst>
+                        <p:cond delay="indefinite"/>
+                      </p:stCondLst>
+                      <p:childTnLst>
+                        <p:par>
+                          <p:cTn id="18" fill="hold">
+                            <p:stCondLst>
+                              <p:cond delay="0"/>
+                            </p:stCondLst>
+                            <p:childTnLst>
+                              <p:par>
+                                <p:cTn id="19" presetID="22" presetClass="entr" presetSubtype="8" fill="hold" grpId="0" nodeType="clickEffect">
+                                  <p:stCondLst>
+                                    <p:cond delay="0"/>
+                                  </p:stCondLst>
+                                  <p:childTnLst>
+                                    <p:set>
+                                      <p:cBhvr>
+                                        <p:cTn id="20" dur="1" fill="hold">
+                                          <p:stCondLst>
+                                            <p:cond delay="0"/>
+                                          </p:stCondLst>
+                                        </p:cTn>
+                                        <p:tgtEl>
+                                          <p:spTgt spid="6"/>
+                                        </p:tgtEl>
+                                        <p:attrNameLst>
+                                          <p:attrName>style.visibility</p:attrName>
+                                        </p:attrNameLst>
+                                      </p:cBhvr>
+                                      <p:to>
+                                        <p:strVal val="visible"/>
+                                      </p:to>
+                                    </p:set>
+                                    <p:animEffect transition="in" filter="wipe(left)">
+                                      <p:cBhvr>
+                                        <p:cTn id="21" dur="500"/>
+                                        <p:tgtEl>
+                                          <p:spTgt spid="6"/>
+                                        </p:tgtEl>
+                                      </p:cBhvr>
+                                    </p:animEffect>
+                                  </p:childTnLst>
+                                </p:cTn>
+                              </p:par>
+                            </p:childTnLst>
+                          </p:cTn>
+                        </p:par>
+                      </p:childTnLst>
+                    </p:cTn>
+                  </p:par>
+                  <p:par>
+                    <p:cTn id="22" fill="hold">
+                      <p:stCondLst>
+                        <p:cond delay="indefinite"/>
+                      </p:stCondLst>
+                      <p:childTnLst>
+                        <p:par>
+                          <p:cTn id="23" fill="hold">
+                            <p:stCondLst>
+                              <p:cond delay="0"/>
+                            </p:stCondLst>
+                            <p:childTnLst>
+                              <p:par>
+                                <p:cTn id="24" presetID="22" presetClass="entr" presetSubtype="8" fill="hold" grpId="0" nodeType="clickEffect">
+                                  <p:stCondLst>
+                                    <p:cond delay="0"/>
+                                  </p:stCondLst>
+                                  <p:childTnLst>
+                                    <p:set>
+                                      <p:cBhvr>
+                                        <p:cTn id="25" dur="1" fill="hold">
+                                          <p:stCondLst>
+                                            <p:cond delay="0"/>
+                                          </p:stCondLst>
+                                        </p:cTn>
+                                        <p:tgtEl>
+                                          <p:spTgt spid="7"/>
+                                        </p:tgtEl>
+                                        <p:attrNameLst>
+                                          <p:attrName>style.visibility</p:attrName>
+                                        </p:attrNameLst>
+                                      </p:cBhvr>
+                                      <p:to>
+                                        <p:strVal val="visible"/>
+                                      </p:to>
+                                    </p:set>
+                                    <p:animEffect transition="in" filter="wipe(left)">
+                                      <p:cBhvr>
+                                        <p:cTn id="26" dur="1000"/>
+                                        <p:tgtEl>
+                                          <p:spTgt spid="7"/>
+                                        </p:tgtEl>
+                                      </p:cBhvr>
+                                    </p:animEffect>
+                                  </p:childTnLst>
+                                </p:cTn>
+                              </p:par>
+                            </p:childTnLst>
+                          </p:cTn>
+                        </p:par>
+                      </p:childTnLst>
+                    </p:cTn>
+                  </p:par>
+                  <p:par>
+                    <p:cTn id="27" fill="hold">
+                      <p:stCondLst>
+                        <p:cond delay="indefinite"/>
+                      </p:stCondLst>
+                      <p:childTnLst>
+                        <p:par>
+                          <p:cTn id="28" fill="hold">
+                            <p:stCondLst>
+                              <p:cond delay="0"/>
+                            </p:stCondLst>
+                            <p:childTnLst>
+                              <p:par>
+                                <p:cTn id="29" presetID="22" presetClass="entr" presetSubtype="8" fill="hold" grpId="0" nodeType="clickEffect">
+                                  <p:stCondLst>
+                                    <p:cond delay="0"/>
+                                  </p:stCondLst>
+                                  <p:childTnLst>
+                                    <p:set>
+                                      <p:cBhvr>
+                                        <p:cTn id="30" dur="1" fill="hold">
+                                          <p:stCondLst>
+                                            <p:cond delay="0"/>
+                                          </p:stCondLst>
+                                        </p:cTn>
+                                        <p:tgtEl>
+                                          <p:spTgt spid="8"/>
+                                        </p:tgtEl>
+                                        <p:attrNameLst>
+                                          <p:attrName>style.visibility</p:attrName>
+                                        </p:attrNameLst>
+                                      </p:cBhvr>
+                                      <p:to>
+                                        <p:strVal val="visible"/>
+                                      </p:to>
+                                    </p:set>
+                                    <p:animEffect transition="in" filter="wipe(left)">
+                                      <p:cBhvr>
+                                        <p:cTn id="31" dur="500"/>
+                                        <p:tgtEl>
+                                          <p:spTgt spid="8"/>
+                                        </p:tgtEl>
+                                      </p:cBhvr>
+                                    </p:animEffect>
+                                  </p:childTnLst>
+                                </p:cTn>
+                              </p:par>
+                            </p:childTnLst>
+                          </p:cTn>
+                        </p:par>
+                      </p:childTnLst>
+                    </p:cTn>
+                  </p:par>
+                  <p:par>
+                    <p:cTn id="32" fill="hold">
+                      <p:stCondLst>
+                        <p:cond delay="indefinite"/>
+                      </p:stCondLst>
+                      <p:childTnLst>
+                        <p:par>
+                          <p:cTn id="33" fill="hold">
+                            <p:stCondLst>
+                              <p:cond delay="0"/>
+                            </p:stCondLst>
+                            <p:childTnLst>
+                              <p:par>
+                                <p:cTn id="34" presetID="9" presetClass="entr" presetSubtype="0" fill="hold" nodeType="clickEffect">
+                                  <p:stCondLst>
+                                    <p:cond delay="0"/>
+                                  </p:stCondLst>
+                                  <p:childTnLst>
+                                    <p:set>
+                                      <p:cBhvr>
+                                        <p:cTn id="35" dur="1" fill="hold">
+                                          <p:stCondLst>
+                                            <p:cond delay="0"/>
+                                          </p:stCondLst>
+                                        </p:cTn>
+                                        <p:tgtEl>
+                                          <p:spTgt spid="3">
+                                            <p:txEl>
+                                              <p:pRg st="3" end="3"/>
+                                            </p:txEl>
+                                          </p:spTgt>
+                                        </p:tgtEl>
+                                        <p:attrNameLst>
+                                          <p:attrName>style.visibility</p:attrName>
+                                        </p:attrNameLst>
+                                      </p:cBhvr>
+                                      <p:to>
+                                        <p:strVal val="visible"/>
+                                      </p:to>
+                                    </p:set>
+                                    <p:animEffect transition="in" filter="dissolve">
+                                      <p:cBhvr>
+                                        <p:cTn id="36" dur="500"/>
+                                        <p:tgtEl>
+                                          <p:spTgt spid="3">
+                                            <p:txEl>
+                                              <p:pRg st="3" end="3"/>
+                                            </p:txEl>
+                                          </p:spTgt>
+                                        </p:tgtEl>
+                                      </p:cBhvr>
+                                    </p:animEffect>
+                                  </p:childTnLst>
+                                </p:cTn>
+                              </p:par>
+                            </p:childTnLst>
+                          </p:cTn>
+                        </p:par>
+                      </p:childTnLst>
+                    </p:cTn>
+                  </p:par>
+                  <p:par>
+                    <p:cTn id="37" fill="hold">
+                      <p:stCondLst>
+                        <p:cond delay="indefinite"/>
+                      </p:stCondLst>
+                      <p:childTnLst>
+                        <p:par>
+                          <p:cTn id="38" fill="hold">
+                            <p:stCondLst>
+                              <p:cond delay="0"/>
+                            </p:stCondLst>
+                            <p:childTnLst>
+                              <p:par>
+                                <p:cTn id="39" presetID="22" presetClass="entr" presetSubtype="8" fill="hold" grpId="0" nodeType="clickEffect">
+                                  <p:stCondLst>
+                                    <p:cond delay="0"/>
+                                  </p:stCondLst>
+                                  <p:childTnLst>
+                                    <p:set>
+                                      <p:cBhvr>
+                                        <p:cTn id="40" dur="1" fill="hold">
+                                          <p:stCondLst>
+                                            <p:cond delay="0"/>
+                                          </p:stCondLst>
+                                        </p:cTn>
+                                        <p:tgtEl>
+                                          <p:spTgt spid="9"/>
+                                        </p:tgtEl>
+                                        <p:attrNameLst>
+                                          <p:attrName>style.visibility</p:attrName>
+                                        </p:attrNameLst>
+                                      </p:cBhvr>
+                                      <p:to>
+                                        <p:strVal val="visible"/>
+                                      </p:to>
+                                    </p:set>
+                                    <p:animEffect transition="in" filter="wipe(left)">
+                                      <p:cBhvr>
+                                        <p:cTn id="41" dur="1000"/>
+                                        <p:tgtEl>
+                                          <p:spTgt spid="9"/>
+                                        </p:tgtEl>
+                                      </p:cBhvr>
+                                    </p:animEffect>
+                                  </p:childTnLst>
+                                </p:cTn>
+                              </p:par>
+                            </p:childTnLst>
+                          </p:cTn>
+                        </p:par>
+                      </p:childTnLst>
+                    </p:cTn>
+                  </p:par>
+                  <p:par>
+                    <p:cTn id="42" fill="hold">
+                      <p:stCondLst>
+                        <p:cond delay="indefinite"/>
+                      </p:stCondLst>
+                      <p:childTnLst>
+                        <p:par>
+                          <p:cTn id="43" fill="hold">
+                            <p:stCondLst>
+                              <p:cond delay="0"/>
+                            </p:stCondLst>
+                            <p:childTnLst>
+                              <p:par>
+                                <p:cTn id="44" presetID="22" presetClass="entr" presetSubtype="8" fill="hold" nodeType="clickEffect">
+                                  <p:stCondLst>
+                                    <p:cond delay="0"/>
+                                  </p:stCondLst>
+                                  <p:childTnLst>
+                                    <p:set>
+                                      <p:cBhvr>
+                                        <p:cTn id="45" dur="1" fill="hold">
+                                          <p:stCondLst>
+                                            <p:cond delay="0"/>
+                                          </p:stCondLst>
+                                        </p:cTn>
+                                        <p:tgtEl>
+                                          <p:spTgt spid="3">
+                                            <p:txEl>
+                                              <p:pRg st="4" end="4"/>
+                                            </p:txEl>
+                                          </p:spTgt>
+                                        </p:tgtEl>
+                                        <p:attrNameLst>
+                                          <p:attrName>style.visibility</p:attrName>
+                                        </p:attrNameLst>
+                                      </p:cBhvr>
+                                      <p:to>
+                                        <p:strVal val="visible"/>
+                                      </p:to>
+                                    </p:set>
+                                    <p:animEffect transition="in" filter="wipe(left)">
+                                      <p:cBhvr>
+                                        <p:cTn id="46" dur="2000"/>
+                                        <p:tgtEl>
+                                          <p:spTgt spid="3">
+                                            <p:txEl>
+                                              <p:pRg st="4" end="4"/>
+                                            </p:txEl>
+                                          </p:spTgt>
+                                        </p:tgtEl>
+                                      </p:cBhvr>
+                                    </p:animEffect>
+                                  </p:childTnLst>
+                                </p:cTn>
+                              </p:par>
+                            </p:childTnLst>
+                          </p:cTn>
+                        </p:par>
+                        <p:par>
+                          <p:cTn id="47" fill="hold">
+                            <p:stCondLst>
+                              <p:cond delay="2000"/>
+                            </p:stCondLst>
+                            <p:childTnLst>
+                              <p:par>
+                                <p:cTn id="48" presetID="22" presetClass="entr" presetSubtype="8" fill="hold" nodeType="afterEffect">
+                                  <p:stCondLst>
+                                    <p:cond delay="0"/>
+                                  </p:stCondLst>
+                                  <p:childTnLst>
+                                    <p:set>
+                                      <p:cBhvr>
+                                        <p:cTn id="49" dur="1" fill="hold">
+                                          <p:stCondLst>
+                                            <p:cond delay="0"/>
+                                          </p:stCondLst>
+                                        </p:cTn>
+                                        <p:tgtEl>
+                                          <p:spTgt spid="3">
+                                            <p:txEl>
+                                              <p:pRg st="5" end="5"/>
+                                            </p:txEl>
+                                          </p:spTgt>
+                                        </p:tgtEl>
+                                        <p:attrNameLst>
+                                          <p:attrName>style.visibility</p:attrName>
+                                        </p:attrNameLst>
+                                      </p:cBhvr>
+                                      <p:to>
+                                        <p:strVal val="visible"/>
+                                      </p:to>
+                                    </p:set>
+                                    <p:animEffect transition="in" filter="wipe(left)">
+                                      <p:cBhvr>
+                                        <p:cTn id="50" dur="1000"/>
+                                        <p:tgtEl>
+                                          <p:spTgt spid="3">
+                                            <p:txEl>
+                                              <p:pRg st="5" end="5"/>
+                                            </p:txEl>
+                                          </p:spTgt>
+                                        </p:tgtEl>
+                                      </p:cBhvr>
+                                    </p:animEffect>
+                                  </p:childTnLst>
+                                </p:cTn>
+                              </p:par>
+                            </p:childTnLst>
+                          </p:cTn>
+                        </p:par>
+                        <p:par>
+                          <p:cTn id="51" fill="hold">
+                            <p:stCondLst>
+                              <p:cond delay="3000"/>
+                            </p:stCondLst>
+                            <p:childTnLst>
+                              <p:par>
+                                <p:cTn id="52" presetID="22" presetClass="entr" presetSubtype="8" fill="hold" nodeType="afterEffect">
+                                  <p:stCondLst>
+                                    <p:cond delay="0"/>
+                                  </p:stCondLst>
+                                  <p:childTnLst>
+                                    <p:set>
+                                      <p:cBhvr>
+                                        <p:cTn id="53" dur="1" fill="hold">
+                                          <p:stCondLst>
+                                            <p:cond delay="0"/>
+                                          </p:stCondLst>
+                                        </p:cTn>
+                                        <p:tgtEl>
+                                          <p:spTgt spid="3">
+                                            <p:txEl>
+                                              <p:pRg st="6" end="6"/>
+                                            </p:txEl>
+                                          </p:spTgt>
+                                        </p:tgtEl>
+                                        <p:attrNameLst>
+                                          <p:attrName>style.visibility</p:attrName>
+                                        </p:attrNameLst>
+                                      </p:cBhvr>
+                                      <p:to>
+                                        <p:strVal val="visible"/>
+                                      </p:to>
+                                    </p:set>
+                                    <p:animEffect transition="in" filter="wipe(left)">
+                                      <p:cBhvr>
+                                        <p:cTn id="54" dur="2000"/>
+                                        <p:tgtEl>
+                                          <p:spTgt spid="3">
+                                            <p:txEl>
+                                              <p:pRg st="6" end="6"/>
+                                            </p:txEl>
+                                          </p:spTgt>
+                                        </p:tgtEl>
+                                      </p:cBhvr>
+                                    </p:animEffect>
+                                  </p:childTnLst>
+                                </p:cTn>
+                              </p:par>
+                            </p:childTnLst>
+                          </p:cTn>
+                        </p:par>
+                      </p:childTnLst>
+                    </p:cTn>
+                  </p:par>
+                  <p:par>
+                    <p:cTn id="55" fill="hold">
+                      <p:stCondLst>
+                        <p:cond delay="indefinite"/>
+                      </p:stCondLst>
+                      <p:childTnLst>
+                        <p:par>
+                          <p:cTn id="56" fill="hold">
+                            <p:stCondLst>
+                              <p:cond delay="0"/>
+                            </p:stCondLst>
+                            <p:childTnLst>
+                              <p:par>
+                                <p:cTn id="57" presetID="9" presetClass="entr" presetSubtype="0" fill="hold" nodeType="clickEffect">
+                                  <p:stCondLst>
+                                    <p:cond delay="0"/>
+                                  </p:stCondLst>
+                                  <p:childTnLst>
+                                    <p:set>
+                                      <p:cBhvr>
+                                        <p:cTn id="58" dur="1" fill="hold">
+                                          <p:stCondLst>
+                                            <p:cond delay="0"/>
+                                          </p:stCondLst>
+                                        </p:cTn>
+                                        <p:tgtEl>
+                                          <p:spTgt spid="3">
+                                            <p:txEl>
+                                              <p:pRg st="7" end="7"/>
+                                            </p:txEl>
+                                          </p:spTgt>
+                                        </p:tgtEl>
+                                        <p:attrNameLst>
+                                          <p:attrName>style.visibility</p:attrName>
+                                        </p:attrNameLst>
+                                      </p:cBhvr>
+                                      <p:to>
+                                        <p:strVal val="visible"/>
+                                      </p:to>
+                                    </p:set>
+                                    <p:animEffect transition="in" filter="dissolve">
+                                      <p:cBhvr>
+                                        <p:cTn id="59" dur="500"/>
+                                        <p:tgtEl>
+                                          <p:spTgt spid="3">
+                                            <p:txEl>
+                                              <p:pRg st="7" end="7"/>
+                                            </p:txEl>
+                                          </p:spTgt>
+                                        </p:tgtEl>
+                                      </p:cBhvr>
+                                    </p:animEffect>
+                                  </p:childTnLst>
+                                </p:cTn>
+                              </p:par>
+                            </p:childTnLst>
+                          </p:cTn>
+                        </p:par>
+                      </p:childTnLst>
+                    </p:cTn>
+                  </p:par>
+                  <p:par>
+                    <p:cTn id="60" fill="hold">
+                      <p:stCondLst>
+                        <p:cond delay="indefinite"/>
+                      </p:stCondLst>
+                      <p:childTnLst>
+                        <p:par>
+                          <p:cTn id="61" fill="hold">
+                            <p:stCondLst>
+                              <p:cond delay="0"/>
+                            </p:stCondLst>
+                            <p:childTnLst>
+                              <p:par>
+                                <p:cTn id="62" presetID="22" presetClass="entr" presetSubtype="8" fill="hold" grpId="0" nodeType="clickEffect">
+                                  <p:stCondLst>
+                                    <p:cond delay="0"/>
+                                  </p:stCondLst>
+                                  <p:childTnLst>
+                                    <p:set>
+                                      <p:cBhvr>
+                                        <p:cTn id="63" dur="1" fill="hold">
+                                          <p:stCondLst>
+                                            <p:cond delay="0"/>
+                                          </p:stCondLst>
+                                        </p:cTn>
+                                        <p:tgtEl>
+                                          <p:spTgt spid="10"/>
+                                        </p:tgtEl>
+                                        <p:attrNameLst>
+                                          <p:attrName>style.visibility</p:attrName>
+                                        </p:attrNameLst>
+                                      </p:cBhvr>
+                                      <p:to>
+                                        <p:strVal val="visible"/>
+                                      </p:to>
+                                    </p:set>
+                                    <p:animEffect transition="in" filter="wipe(left)">
+                                      <p:cBhvr>
+                                        <p:cTn id="64" dur="500"/>
+                                        <p:tgtEl>
+                                          <p:spTgt spid="10"/>
+                                        </p:tgtEl>
+                                      </p:cBhvr>
+                                    </p:animEffect>
+                                  </p:childTnLst>
+                                </p:cTn>
+                              </p:par>
+                            </p:childTnLst>
+                          </p:cTn>
+                        </p:par>
+                      </p:childTnLst>
+                    </p:cTn>
+                  </p:par>
+                  <p:par>
+                    <p:cTn id="65" fill="hold">
+                      <p:stCondLst>
+                        <p:cond delay="indefinite"/>
+                      </p:stCondLst>
+                      <p:childTnLst>
+                        <p:par>
+                          <p:cTn id="66" fill="hold">
+                            <p:stCondLst>
+                              <p:cond delay="0"/>
+                            </p:stCondLst>
+                            <p:childTnLst>
+                              <p:par>
+                                <p:cTn id="67" presetID="22" presetClass="entr" presetSubtype="8" fill="hold" grpId="0" nodeType="clickEffect">
+                                  <p:stCondLst>
+                                    <p:cond delay="0"/>
+                                  </p:stCondLst>
+                                  <p:childTnLst>
+                                    <p:set>
+                                      <p:cBhvr>
+                                        <p:cTn id="68" dur="1" fill="hold">
+                                          <p:stCondLst>
+                                            <p:cond delay="0"/>
+                                          </p:stCondLst>
+                                        </p:cTn>
+                                        <p:tgtEl>
+                                          <p:spTgt spid="11"/>
+                                        </p:tgtEl>
+                                        <p:attrNameLst>
+                                          <p:attrName>style.visibility</p:attrName>
+                                        </p:attrNameLst>
+                                      </p:cBhvr>
+                                      <p:to>
+                                        <p:strVal val="visible"/>
+                                      </p:to>
+                                    </p:set>
+                                    <p:animEffect transition="in" filter="wipe(left)">
+                                      <p:cBhvr>
+                                        <p:cTn id="69" dur="1000"/>
+                                        <p:tgtEl>
+                                          <p:spTgt spid="11"/>
+                                        </p:tgtEl>
+                                      </p:cBhvr>
+                                    </p:animEffect>
+                                  </p:childTnLst>
+                                </p:cTn>
+                              </p:par>
+                            </p:childTnLst>
+                          </p:cTn>
+                        </p:par>
+                      </p:childTnLst>
+                    </p:cTn>
+                  </p:par>
+                  <p:par>
+                    <p:cTn id="70" fill="hold">
+                      <p:stCondLst>
+                        <p:cond delay="indefinite"/>
+                      </p:stCondLst>
+                      <p:childTnLst>
+                        <p:par>
+                          <p:cTn id="71" fill="hold">
+                            <p:stCondLst>
+                              <p:cond delay="0"/>
+                            </p:stCondLst>
+                            <p:childTnLst>
+                              <p:par>
+                                <p:cTn id="72" presetID="9" presetClass="entr" presetSubtype="0" fill="hold" nodeType="clickEffect">
+                                  <p:stCondLst>
+                                    <p:cond delay="0"/>
+                                  </p:stCondLst>
+                                  <p:childTnLst>
+                                    <p:set>
+                                      <p:cBhvr>
+                                        <p:cTn id="73" dur="1" fill="hold">
+                                          <p:stCondLst>
+                                            <p:cond delay="0"/>
+                                          </p:stCondLst>
+                                        </p:cTn>
+                                        <p:tgtEl>
+                                          <p:spTgt spid="3">
+                                            <p:txEl>
+                                              <p:pRg st="8" end="8"/>
+                                            </p:txEl>
+                                          </p:spTgt>
+                                        </p:tgtEl>
+                                        <p:attrNameLst>
+                                          <p:attrName>style.visibility</p:attrName>
+                                        </p:attrNameLst>
+                                      </p:cBhvr>
+                                      <p:to>
+                                        <p:strVal val="visible"/>
+                                      </p:to>
+                                    </p:set>
+                                    <p:animEffect transition="in" filter="dissolve">
+                                      <p:cBhvr>
+                                        <p:cTn id="74" dur="500"/>
+                                        <p:tgtEl>
+                                          <p:spTgt spid="3">
+                                            <p:txEl>
+                                              <p:pRg st="8" end="8"/>
+                                            </p:txEl>
+                                          </p:spTgt>
+                                        </p:tgtEl>
+                                      </p:cBhvr>
+                                    </p:animEffect>
+                                  </p:childTnLst>
+                                </p:cTn>
+                              </p:par>
+                            </p:childTnLst>
+                          </p:cTn>
+                        </p:par>
+                      </p:childTnLst>
+                    </p:cTn>
+                  </p:par>
+                  <p:par>
+                    <p:cTn id="75" fill="hold">
+                      <p:stCondLst>
+                        <p:cond delay="indefinite"/>
+                      </p:stCondLst>
+                      <p:childTnLst>
+                        <p:par>
+                          <p:cTn id="76" fill="hold">
+                            <p:stCondLst>
+                              <p:cond delay="0"/>
+                            </p:stCondLst>
+                            <p:childTnLst>
+                              <p:par>
+                                <p:cTn id="77" presetID="22" presetClass="entr" presetSubtype="8" fill="hold" grpId="0" nodeType="clickEffect">
+                                  <p:stCondLst>
+                                    <p:cond delay="0"/>
+                                  </p:stCondLst>
+                                  <p:childTnLst>
+                                    <p:set>
+                                      <p:cBhvr>
+                                        <p:cTn id="78" dur="1" fill="hold">
+                                          <p:stCondLst>
+                                            <p:cond delay="0"/>
+                                          </p:stCondLst>
+                                        </p:cTn>
+                                        <p:tgtEl>
+                                          <p:spTgt spid="12"/>
+                                        </p:tgtEl>
+                                        <p:attrNameLst>
+                                          <p:attrName>style.visibility</p:attrName>
+                                        </p:attrNameLst>
+                                      </p:cBhvr>
+                                      <p:to>
+                                        <p:strVal val="visible"/>
+                                      </p:to>
+                                    </p:set>
+                                    <p:animEffect transition="in" filter="wipe(left)">
+                                      <p:cBhvr>
+                                        <p:cTn id="79" dur="1000"/>
+                                        <p:tgtEl>
+                                          <p:spTgt spid="12"/>
+                                        </p:tgtEl>
+                                      </p:cBhvr>
+                                    </p:animEffect>
+                                  </p:childTnLst>
+                                </p:cTn>
+                              </p:par>
+                            </p:childTnLst>
+                          </p:cTn>
+                        </p:par>
+                      </p:childTnLst>
+                    </p:cTn>
+                  </p:par>
+                  <p:par>
+                    <p:cTn id="80" fill="hold">
+                      <p:stCondLst>
+                        <p:cond delay="indefinite"/>
+                      </p:stCondLst>
+                      <p:childTnLst>
+                        <p:par>
+                          <p:cTn id="81" fill="hold">
+                            <p:stCondLst>
+                              <p:cond delay="0"/>
+                            </p:stCondLst>
+                            <p:childTnLst>
+                              <p:par>
+                                <p:cTn id="82" presetID="9" presetClass="entr" presetSubtype="0" fill="hold" nodeType="clickEffect">
+                                  <p:stCondLst>
+                                    <p:cond delay="0"/>
+                                  </p:stCondLst>
+                                  <p:childTnLst>
+                                    <p:set>
+                                      <p:cBhvr>
+                                        <p:cTn id="83" dur="1" fill="hold">
+                                          <p:stCondLst>
+                                            <p:cond delay="0"/>
+                                          </p:stCondLst>
+                                        </p:cTn>
+                                        <p:tgtEl>
+                                          <p:spTgt spid="3">
+                                            <p:txEl>
+                                              <p:pRg st="9" end="9"/>
+                                            </p:txEl>
+                                          </p:spTgt>
+                                        </p:tgtEl>
+                                        <p:attrNameLst>
+                                          <p:attrName>style.visibility</p:attrName>
+                                        </p:attrNameLst>
+                                      </p:cBhvr>
+                                      <p:to>
+                                        <p:strVal val="visible"/>
+                                      </p:to>
+                                    </p:set>
+                                    <p:animEffect transition="in" filter="dissolve">
+                                      <p:cBhvr>
+                                        <p:cTn id="84" dur="500"/>
+                                        <p:tgtEl>
+                                          <p:spTgt spid="3">
+                                            <p:txEl>
+                                              <p:pRg st="9" end="9"/>
+                                            </p:txEl>
+                                          </p:spTgt>
+                                        </p:tgtEl>
+                                      </p:cBhvr>
+                                    </p:animEffect>
+                                  </p:childTnLst>
+                                </p:cTn>
+                              </p:par>
+                            </p:childTnLst>
+                          </p:cTn>
+                        </p:par>
+                      </p:childTnLst>
+                    </p:cTn>
+                  </p:par>
+                  <p:par>
+                    <p:cTn id="85" fill="hold">
+                      <p:stCondLst>
+                        <p:cond delay="indefinite"/>
+                      </p:stCondLst>
+                      <p:childTnLst>
+                        <p:par>
+                          <p:cTn id="86" fill="hold">
+                            <p:stCondLst>
+                              <p:cond delay="0"/>
+                            </p:stCondLst>
+                            <p:childTnLst>
+                              <p:par>
+                                <p:cTn id="87" presetID="22" presetClass="entr" presetSubtype="8" fill="hold" grpId="0" nodeType="clickEffect">
+                                  <p:stCondLst>
+                                    <p:cond delay="0"/>
+                                  </p:stCondLst>
+                                  <p:childTnLst>
+                                    <p:set>
+                                      <p:cBhvr>
+                                        <p:cTn id="88" dur="1" fill="hold">
+                                          <p:stCondLst>
+                                            <p:cond delay="0"/>
+                                          </p:stCondLst>
+                                        </p:cTn>
+                                        <p:tgtEl>
+                                          <p:spTgt spid="13"/>
+                                        </p:tgtEl>
+                                        <p:attrNameLst>
+                                          <p:attrName>style.visibility</p:attrName>
+                                        </p:attrNameLst>
+                                      </p:cBhvr>
+                                      <p:to>
+                                        <p:strVal val="visible"/>
+                                      </p:to>
+                                    </p:set>
+                                    <p:animEffect transition="in" filter="wipe(left)">
+                                      <p:cBhvr>
+                                        <p:cTn id="89" dur="250"/>
+                                        <p:tgtEl>
+                                          <p:spTgt spid="13"/>
+                                        </p:tgtEl>
+                                      </p:cBhvr>
+                                    </p:animEffect>
+                                  </p:childTnLst>
+                                </p:cTn>
+                              </p:par>
+                            </p:childTnLst>
+                          </p:cTn>
+                        </p:par>
+                      </p:childTnLst>
+                    </p:cTn>
+                  </p:par>
+                  <p:par>
+                    <p:cTn id="90" fill="hold">
+                      <p:stCondLst>
+                        <p:cond delay="indefinite"/>
+                      </p:stCondLst>
+                      <p:childTnLst>
+                        <p:par>
+                          <p:cTn id="91" fill="hold">
+                            <p:stCondLst>
+                              <p:cond delay="0"/>
+                            </p:stCondLst>
+                            <p:childTnLst>
+                              <p:par>
+                                <p:cTn id="92" presetID="9" presetClass="entr" presetSubtype="0" fill="hold" nodeType="clickEffect">
+                                  <p:stCondLst>
+                                    <p:cond delay="0"/>
+                                  </p:stCondLst>
+                                  <p:childTnLst>
+                                    <p:set>
+                                      <p:cBhvr>
+                                        <p:cTn id="93" dur="1" fill="hold">
+                                          <p:stCondLst>
+                                            <p:cond delay="0"/>
+                                          </p:stCondLst>
+                                        </p:cTn>
+                                        <p:tgtEl>
+                                          <p:spTgt spid="3">
+                                            <p:txEl>
+                                              <p:pRg st="10" end="10"/>
+                                            </p:txEl>
+                                          </p:spTgt>
+                                        </p:tgtEl>
+                                        <p:attrNameLst>
+                                          <p:attrName>style.visibility</p:attrName>
+                                        </p:attrNameLst>
+                                      </p:cBhvr>
+                                      <p:to>
+                                        <p:strVal val="visible"/>
+                                      </p:to>
+                                    </p:set>
+                                    <p:animEffect transition="in" filter="dissolve">
+                                      <p:cBhvr>
+                                        <p:cTn id="94" dur="500"/>
+                                        <p:tgtEl>
+                                          <p:spTgt spid="3">
+                                            <p:txEl>
+                                              <p:pRg st="10" end="10"/>
+                                            </p:txEl>
+                                          </p:spTgt>
+                                        </p:tgtEl>
+                                      </p:cBhvr>
+                                    </p:animEffect>
+                                  </p:childTnLst>
+                                </p:cTn>
+                              </p:par>
+                            </p:childTnLst>
+                          </p:cTn>
+                        </p:par>
+                      </p:childTnLst>
+                    </p:cTn>
+                  </p:par>
+                  <p:par>
+                    <p:cTn id="95" fill="hold">
+                      <p:stCondLst>
+                        <p:cond delay="indefinite"/>
+                      </p:stCondLst>
+                      <p:childTnLst>
+                        <p:par>
+                          <p:cTn id="96" fill="hold">
+                            <p:stCondLst>
+                              <p:cond delay="0"/>
+                            </p:stCondLst>
+                            <p:childTnLst>
+                              <p:par>
+                                <p:cTn id="97" presetID="22" presetClass="entr" presetSubtype="8" fill="hold" grpId="0" nodeType="clickEffect">
+                                  <p:stCondLst>
+                                    <p:cond delay="0"/>
+                                  </p:stCondLst>
+                                  <p:childTnLst>
+                                    <p:set>
+                                      <p:cBhvr>
+                                        <p:cTn id="98" dur="1" fill="hold">
+                                          <p:stCondLst>
+                                            <p:cond delay="0"/>
+                                          </p:stCondLst>
+                                        </p:cTn>
+                                        <p:tgtEl>
+                                          <p:spTgt spid="14"/>
+                                        </p:tgtEl>
+                                        <p:attrNameLst>
+                                          <p:attrName>style.visibility</p:attrName>
+                                        </p:attrNameLst>
+                                      </p:cBhvr>
+                                      <p:to>
+                                        <p:strVal val="visible"/>
+                                      </p:to>
+                                    </p:set>
+                                    <p:animEffect transition="in" filter="wipe(left)">
+                                      <p:cBhvr>
+                                        <p:cTn id="99" dur="1000"/>
+                                        <p:tgtEl>
+                                          <p:spTgt spid="14"/>
+                                        </p:tgtEl>
+                                      </p:cBhvr>
+                                    </p:animEffect>
+                                  </p:childTnLst>
+                                </p:cTn>
+                              </p:par>
+                            </p:childTnLst>
+                          </p:cTn>
+                        </p:par>
+                      </p:childTnLst>
+                    </p:cTn>
+                  </p:par>
+                </p:childTnLst>
+              </p:cTn>
+              <p:prevCondLst>
+                <p:cond evt="onPrev" delay="0">
+                  <p:tgtEl>
+                    <p:sldTgt/>
+                  </p:tgtEl>
+                </p:cond>
+              </p:prevCondLst>
+              <p:nextCondLst>
+                <p:cond evt="onNext" delay="0">
+                  <p:tgtEl>
+                    <p:sldTgt/>
+                  </p:tgtEl>
+                </p:cond>
+              </p:nextCondLst>
+            </p:seq>
+          </p:childTnLst>
+        </p:cTn>
+      </p:par>
+    </p:tnLst>
+    <p:bldLst>
+      <p:bldP spid="6" grpId="0" animBg="1"/>
+      <p:bldP spid="7" grpId="0" animBg="1"/>
+      <p:bldP spid="8" grpId="0" animBg="1"/>
+      <p:bldP spid="9" grpId="0" animBg="1"/>
+      <p:bldP spid="10" grpId="0" animBg="1"/>
+      <p:bldP spid="11" grpId="0" animBg="1"/>
+      <p:bldP spid="12" grpId="0" animBg="1"/>
+      <p:bldP spid="13" grpId="0" animBg="1"/>
+      <p:bldP spid="14" grpId="0" animBg="1"/>
+    </p:bldLst>
+  </p:timing>
+</p:sld>
+</file>
+
+<file path=ppt/slides/slide14.xml><?xml version="1.0" encoding="utf-8"?>
+<p:sld xmlns:a="http://schemas.openxmlformats.org/drawingml/2006/main" xmlns:r="http://schemas.openxmlformats.org/officeDocument/2006/relationships" xmlns:p="http://schemas.openxmlformats.org/presentationml/2006/main">
+  <p:cSld>
+    <p:spTree>
+      <p:nvGrpSpPr>
+        <p:cNvPr id="1" name=""/>
+        <p:cNvGrpSpPr/>
+        <p:nvPr/>
+      </p:nvGrpSpPr>
+      <p:grpSpPr>
+        <a:xfrm>
+          <a:off x="0" y="0"/>
+          <a:ext cx="0" cy="0"/>
+          <a:chOff x="0" y="0"/>
+          <a:chExt cx="0" cy="0"/>
+        </a:xfrm>
+      </p:grpSpPr>
+      <p:sp>
+        <p:nvSpPr>
+          <p:cNvPr id="2" name="Title 1">
+            <a:extLst>
+              <a:ext uri="{FF2B5EF4-FFF2-40B4-BE49-F238E27FC236}">
+                <a16:creationId xmlns:a16="http://schemas.microsoft.com/office/drawing/2014/main" id="{AC0D55DF-385E-9A4F-AB08-FEBC11990B8B}"/>
+              </a:ext>
+            </a:extLst>
+          </p:cNvPr>
+          <p:cNvSpPr>
+            <a:spLocks noGrp="1"/>
+          </p:cNvSpPr>
+          <p:nvPr>
+            <p:ph type="title"/>
+          </p:nvPr>
+        </p:nvSpPr>
+        <p:spPr/>
+        <p:txBody>
+          <a:bodyPr/>
+          <a:lstStyle/>
+          <a:p>
+            <a:r>
+              <a:rPr lang="en-US" dirty="0" err="1"/>
+              <a:t>cURL</a:t>
+            </a:r>
+            <a:r>
+              <a:rPr lang="en-US" dirty="0"/>
+              <a:t> Command Examples Continued</a:t>
+            </a:r>
+          </a:p>
+        </p:txBody>
+      </p:sp>
+      <p:sp>
+        <p:nvSpPr>
+          <p:cNvPr id="3" name="Content Placeholder 2">
+            <a:extLst>
+              <a:ext uri="{FF2B5EF4-FFF2-40B4-BE49-F238E27FC236}">
+                <a16:creationId xmlns:a16="http://schemas.microsoft.com/office/drawing/2014/main" id="{4CB23FD9-ADE0-084E-A8CC-44CA0BA25AB3}"/>
+              </a:ext>
+            </a:extLst>
+          </p:cNvPr>
+          <p:cNvSpPr>
+            <a:spLocks noGrp="1"/>
+          </p:cNvSpPr>
+          <p:nvPr>
+            <p:ph idx="1"/>
+          </p:nvPr>
+        </p:nvSpPr>
+        <p:spPr/>
+        <p:txBody>
+          <a:bodyPr>
+            <a:normAutofit fontScale="92500" lnSpcReduction="10000"/>
+          </a:bodyPr>
+          <a:lstStyle/>
+          <a:p>
+            <a:pPr marL="0" indent="0">
+              <a:buNone/>
+            </a:pPr>
+            <a:r>
+              <a:rPr lang="en-US" sz="2400" b="1" i="1" dirty="0">
+                <a:solidFill>
+                  <a:srgbClr val="FFFF00"/>
+                </a:solidFill>
+              </a:rPr>
+              <a:t>curl -X GET --</a:t>
+            </a:r>
+            <a:r>
+              <a:rPr lang="en-US" sz="2400" b="1" i="1" dirty="0" err="1">
+                <a:solidFill>
+                  <a:srgbClr val="FFFF00"/>
+                </a:solidFill>
+              </a:rPr>
+              <a:t>url</a:t>
+            </a:r>
+            <a:r>
+              <a:rPr lang="en-US" sz="2400" b="1" i="1" dirty="0">
+                <a:solidFill>
+                  <a:srgbClr val="FFFF00"/>
+                </a:solidFill>
+              </a:rPr>
+              <a:t> https://</a:t>
+            </a:r>
+            <a:r>
+              <a:rPr lang="en-US" sz="2400" b="1" i="1" dirty="0" err="1">
+                <a:solidFill>
+                  <a:srgbClr val="FFFF00"/>
+                </a:solidFill>
+              </a:rPr>
+              <a:t>jsonplaceholder.typicode.com</a:t>
+            </a:r>
+            <a:r>
+              <a:rPr lang="en-US" sz="2400" b="1" i="1" dirty="0">
+                <a:solidFill>
+                  <a:srgbClr val="FFFF00"/>
+                </a:solidFill>
+              </a:rPr>
+              <a:t>/posts/1 \</a:t>
+            </a:r>
+          </a:p>
+          <a:p>
+            <a:pPr marL="0" indent="0">
+              <a:buNone/>
+            </a:pPr>
+            <a:r>
+              <a:rPr lang="en-US" sz="2400" b="1" i="1" dirty="0">
+                <a:solidFill>
+                  <a:srgbClr val="FFFF00"/>
+                </a:solidFill>
+              </a:rPr>
+              <a:t>-H 'Accept: application/json' </a:t>
+            </a:r>
+          </a:p>
+          <a:p>
+            <a:r>
+              <a:rPr lang="en-US" sz="2400" dirty="0"/>
+              <a:t>Send a GET request to https://</a:t>
+            </a:r>
+            <a:r>
+              <a:rPr lang="en-US" sz="2400" dirty="0" err="1"/>
+              <a:t>jsonplaceholder.typicode.com</a:t>
+            </a:r>
+            <a:r>
+              <a:rPr lang="en-US" sz="2400" dirty="0"/>
+              <a:t>/posts/1</a:t>
+            </a:r>
+            <a:endParaRPr lang="en-US" sz="2400" dirty="0">
+              <a:solidFill>
+                <a:srgbClr val="FFFF00"/>
+              </a:solidFill>
+            </a:endParaRPr>
+          </a:p>
+          <a:p>
+            <a:r>
+              <a:rPr lang="en-US" sz="2400" dirty="0"/>
+              <a:t>Include a header to indicate we will only accept responses in a JSON format</a:t>
+            </a:r>
+          </a:p>
+          <a:p>
+            <a:pPr marL="0" indent="0">
+              <a:buNone/>
+            </a:pPr>
+            <a:r>
+              <a:rPr lang="en-US" sz="2400" b="1" i="1" dirty="0">
+                <a:solidFill>
+                  <a:srgbClr val="FFFF00"/>
+                </a:solidFill>
+              </a:rPr>
+              <a:t>curl -X POST --</a:t>
+            </a:r>
+            <a:r>
+              <a:rPr lang="en-US" sz="2400" b="1" i="1" dirty="0" err="1">
+                <a:solidFill>
+                  <a:srgbClr val="FFFF00"/>
+                </a:solidFill>
+              </a:rPr>
+              <a:t>url</a:t>
+            </a:r>
+            <a:r>
+              <a:rPr lang="en-US" sz="2400" b="1" i="1" dirty="0">
+                <a:solidFill>
+                  <a:srgbClr val="FFFF00"/>
+                </a:solidFill>
+              </a:rPr>
+              <a:t> https://</a:t>
+            </a:r>
+            <a:r>
+              <a:rPr lang="en-US" sz="2400" b="1" i="1" dirty="0" err="1">
+                <a:solidFill>
+                  <a:srgbClr val="FFFF00"/>
+                </a:solidFill>
+              </a:rPr>
+              <a:t>jsonplaceholder.typicode.com</a:t>
+            </a:r>
+            <a:r>
+              <a:rPr lang="en-US" sz="2400" b="1" i="1" dirty="0">
+                <a:solidFill>
+                  <a:srgbClr val="FFFF00"/>
+                </a:solidFill>
+              </a:rPr>
+              <a:t>/posts \</a:t>
+            </a:r>
+          </a:p>
+          <a:p>
+            <a:pPr marL="0" indent="0">
+              <a:buNone/>
+            </a:pPr>
+            <a:r>
+              <a:rPr lang="en-US" sz="2400" b="1" i="1" dirty="0">
+                <a:solidFill>
+                  <a:srgbClr val="FFFF00"/>
+                </a:solidFill>
+              </a:rPr>
+              <a:t>-H 'Content-Type: application/json' \</a:t>
+            </a:r>
+          </a:p>
+          <a:p>
+            <a:pPr marL="0" indent="0">
+              <a:buNone/>
+            </a:pPr>
+            <a:r>
+              <a:rPr lang="en-US" sz="2400" b="1" i="1" dirty="0">
+                <a:solidFill>
+                  <a:srgbClr val="FFFF00"/>
+                </a:solidFill>
+              </a:rPr>
+              <a:t>-id '{"id":101, "userId":1, "</a:t>
+            </a:r>
+            <a:r>
+              <a:rPr lang="en-US" sz="2400" b="1" i="1" dirty="0" err="1">
+                <a:solidFill>
+                  <a:srgbClr val="FFFF00"/>
+                </a:solidFill>
+              </a:rPr>
+              <a:t>title":"Hello</a:t>
+            </a:r>
+            <a:r>
+              <a:rPr lang="en-US" sz="2400" b="1" i="1" dirty="0">
+                <a:solidFill>
+                  <a:srgbClr val="FFFF00"/>
+                </a:solidFill>
+              </a:rPr>
+              <a:t>", "</a:t>
+            </a:r>
+            <a:r>
+              <a:rPr lang="en-US" sz="2400" b="1" i="1" dirty="0" err="1">
+                <a:solidFill>
+                  <a:srgbClr val="FFFF00"/>
+                </a:solidFill>
+              </a:rPr>
+              <a:t>body":"Hello</a:t>
+            </a:r>
+            <a:r>
+              <a:rPr lang="en-US" sz="2400" b="1" i="1" dirty="0">
+                <a:solidFill>
+                  <a:srgbClr val="FFFF00"/>
+                </a:solidFill>
+              </a:rPr>
+              <a:t> World!"}'</a:t>
+            </a:r>
+          </a:p>
+          <a:p>
+            <a:r>
+              <a:rPr lang="en-US" sz="2400" dirty="0"/>
+              <a:t>Send a POST request to https://</a:t>
+            </a:r>
+            <a:r>
+              <a:rPr lang="en-US" sz="2400" dirty="0" err="1"/>
+              <a:t>jsonplaceholder.typicode.com</a:t>
+            </a:r>
+            <a:r>
+              <a:rPr lang="en-US" sz="2400" dirty="0"/>
+              <a:t>/posts</a:t>
+            </a:r>
+            <a:endParaRPr lang="en-US" sz="2400" dirty="0">
+              <a:solidFill>
+                <a:srgbClr val="FFFF00"/>
+              </a:solidFill>
+            </a:endParaRPr>
+          </a:p>
+          <a:p>
+            <a:r>
+              <a:rPr lang="en-US" sz="2400" dirty="0"/>
+              <a:t>Include a header indicating the request body is in a JSON format</a:t>
+            </a:r>
+          </a:p>
+          <a:p>
+            <a:r>
+              <a:rPr lang="en-US" sz="2400" dirty="0"/>
+              <a:t>Display the response headers in the terminal</a:t>
+            </a:r>
+          </a:p>
+          <a:p>
+            <a:r>
+              <a:rPr lang="en-US" sz="2400" dirty="0"/>
+              <a:t>Body payload in JSON format</a:t>
+            </a:r>
+          </a:p>
+        </p:txBody>
+      </p:sp>
+      <p:sp>
+        <p:nvSpPr>
+          <p:cNvPr id="4" name="Date Placeholder 3">
+            <a:extLst>
+              <a:ext uri="{FF2B5EF4-FFF2-40B4-BE49-F238E27FC236}">
+                <a16:creationId xmlns:a16="http://schemas.microsoft.com/office/drawing/2014/main" id="{6E8781CE-B8A7-7540-B619-28D099093D8B}"/>
+              </a:ext>
+            </a:extLst>
+          </p:cNvPr>
+          <p:cNvSpPr>
+            <a:spLocks noGrp="1"/>
+          </p:cNvSpPr>
+          <p:nvPr>
+            <p:ph type="dt" sz="half" idx="10"/>
+          </p:nvPr>
+        </p:nvSpPr>
+        <p:spPr/>
+        <p:txBody>
+          <a:bodyPr/>
+          <a:lstStyle/>
+          <a:p>
+            <a:r>
+              <a:rPr lang="en-US"/>
+              <a:t>World Wide Technology ©</a:t>
+            </a:r>
+            <a:endParaRPr lang="en-US" dirty="0"/>
+          </a:p>
+        </p:txBody>
+      </p:sp>
+      <p:sp>
+        <p:nvSpPr>
+          <p:cNvPr id="5" name="Slide Number Placeholder 4">
+            <a:extLst>
+              <a:ext uri="{FF2B5EF4-FFF2-40B4-BE49-F238E27FC236}">
+                <a16:creationId xmlns:a16="http://schemas.microsoft.com/office/drawing/2014/main" id="{222BEAA2-2326-1F4D-9BCE-0FC3EC23B201}"/>
+              </a:ext>
+            </a:extLst>
+          </p:cNvPr>
+          <p:cNvSpPr>
+            <a:spLocks noGrp="1"/>
+          </p:cNvSpPr>
+          <p:nvPr>
+            <p:ph type="sldNum" sz="quarter" idx="12"/>
+          </p:nvPr>
+        </p:nvSpPr>
+        <p:spPr/>
+        <p:txBody>
+          <a:bodyPr/>
+          <a:lstStyle/>
+          <a:p>
+            <a:fld id="{A44B02FA-DD2D-1844-AE35-8B2EAB0CF4EF}" type="slidenum">
+              <a:rPr lang="en-US" smtClean="0"/>
+              <a:pPr/>
+              <a:t>14</a:t>
+            </a:fld>
+            <a:endParaRPr lang="en-US" dirty="0"/>
+          </a:p>
+        </p:txBody>
+      </p:sp>
+      <p:sp>
+        <p:nvSpPr>
+          <p:cNvPr id="6" name="Rectangle 5">
+            <a:extLst>
+              <a:ext uri="{FF2B5EF4-FFF2-40B4-BE49-F238E27FC236}">
+                <a16:creationId xmlns:a16="http://schemas.microsoft.com/office/drawing/2014/main" id="{8026FF69-6C82-7043-9603-B53878D1AFAB}"/>
+              </a:ext>
+            </a:extLst>
+          </p:cNvPr>
+          <p:cNvSpPr/>
+          <p:nvPr/>
+        </p:nvSpPr>
+        <p:spPr>
+          <a:xfrm>
+            <a:off x="909614" y="1825622"/>
+            <a:ext cx="1316950" cy="346075"/>
+          </a:xfrm>
+          <a:prstGeom prst="rect">
+            <a:avLst/>
+          </a:prstGeom>
+          <a:solidFill>
+            <a:schemeClr val="tx1">
+              <a:alpha val="40000"/>
+            </a:schemeClr>
+          </a:solidFill>
+          <a:ln>
+            <a:noFill/>
+          </a:ln>
+        </p:spPr>
+        <p:style>
+          <a:lnRef idx="2">
+            <a:schemeClr val="accent1">
+              <a:shade val="50000"/>
+            </a:schemeClr>
+          </a:lnRef>
+          <a:fillRef idx="1">
+            <a:schemeClr val="accent1"/>
+          </a:fillRef>
+          <a:effectRef idx="0">
+            <a:schemeClr val="accent1"/>
+          </a:effectRef>
+          <a:fontRef idx="minor">
+            <a:schemeClr val="lt1"/>
+          </a:fontRef>
+        </p:style>
+        <p:txBody>
+          <a:bodyPr rtlCol="0" anchor="ctr"/>
+          <a:lstStyle/>
+          <a:p>
+            <a:pPr algn="ctr"/>
+            <a:endParaRPr lang="en-US" dirty="0"/>
+          </a:p>
+        </p:txBody>
+      </p:sp>
+      <p:sp>
+        <p:nvSpPr>
+          <p:cNvPr id="7" name="Rectangle 6">
+            <a:extLst>
+              <a:ext uri="{FF2B5EF4-FFF2-40B4-BE49-F238E27FC236}">
+                <a16:creationId xmlns:a16="http://schemas.microsoft.com/office/drawing/2014/main" id="{D7F10BD3-DB22-7043-8433-B6CE34EB4FEE}"/>
+              </a:ext>
+            </a:extLst>
+          </p:cNvPr>
+          <p:cNvSpPr/>
+          <p:nvPr/>
+        </p:nvSpPr>
+        <p:spPr>
+          <a:xfrm>
+            <a:off x="2226564" y="1825624"/>
+            <a:ext cx="5916168" cy="346075"/>
+          </a:xfrm>
+          <a:prstGeom prst="rect">
+            <a:avLst/>
+          </a:prstGeom>
+          <a:solidFill>
+            <a:schemeClr val="tx1">
+              <a:alpha val="40000"/>
+            </a:schemeClr>
+          </a:solidFill>
+          <a:ln>
+            <a:noFill/>
+          </a:ln>
+        </p:spPr>
+        <p:style>
+          <a:lnRef idx="2">
+            <a:schemeClr val="accent1">
+              <a:shade val="50000"/>
+            </a:schemeClr>
+          </a:lnRef>
+          <a:fillRef idx="1">
+            <a:schemeClr val="accent1"/>
+          </a:fillRef>
+          <a:effectRef idx="0">
+            <a:schemeClr val="accent1"/>
+          </a:effectRef>
+          <a:fontRef idx="minor">
+            <a:schemeClr val="lt1"/>
+          </a:fontRef>
+        </p:style>
+        <p:txBody>
+          <a:bodyPr rtlCol="0" anchor="ctr"/>
+          <a:lstStyle/>
+          <a:p>
+            <a:pPr algn="ctr"/>
+            <a:endParaRPr lang="en-US" dirty="0"/>
+          </a:p>
+        </p:txBody>
+      </p:sp>
+      <p:sp>
+        <p:nvSpPr>
+          <p:cNvPr id="8" name="Rectangle 7">
+            <a:extLst>
+              <a:ext uri="{FF2B5EF4-FFF2-40B4-BE49-F238E27FC236}">
+                <a16:creationId xmlns:a16="http://schemas.microsoft.com/office/drawing/2014/main" id="{CC38C9D9-1C2E-0A43-B57E-01A9B796FCD1}"/>
+              </a:ext>
+            </a:extLst>
+          </p:cNvPr>
+          <p:cNvSpPr/>
+          <p:nvPr/>
+        </p:nvSpPr>
+        <p:spPr>
+          <a:xfrm>
+            <a:off x="8142732" y="1825623"/>
+            <a:ext cx="192024" cy="346075"/>
+          </a:xfrm>
+          <a:prstGeom prst="rect">
+            <a:avLst/>
+          </a:prstGeom>
+          <a:solidFill>
+            <a:srgbClr val="FFC000">
+              <a:alpha val="40000"/>
+            </a:srgbClr>
+          </a:solidFill>
+          <a:ln>
+            <a:noFill/>
+          </a:ln>
+        </p:spPr>
+        <p:style>
+          <a:lnRef idx="2">
+            <a:schemeClr val="accent1">
+              <a:shade val="50000"/>
+            </a:schemeClr>
+          </a:lnRef>
+          <a:fillRef idx="1">
+            <a:schemeClr val="accent1"/>
+          </a:fillRef>
+          <a:effectRef idx="0">
+            <a:schemeClr val="accent1"/>
+          </a:effectRef>
+          <a:fontRef idx="minor">
+            <a:schemeClr val="lt1"/>
+          </a:fontRef>
+        </p:style>
+        <p:txBody>
+          <a:bodyPr rtlCol="0" anchor="ctr"/>
+          <a:lstStyle/>
+          <a:p>
+            <a:pPr algn="ctr"/>
+            <a:endParaRPr lang="en-US" dirty="0"/>
+          </a:p>
+        </p:txBody>
+      </p:sp>
+      <p:sp>
+        <p:nvSpPr>
+          <p:cNvPr id="9" name="Rectangle 8">
+            <a:extLst>
+              <a:ext uri="{FF2B5EF4-FFF2-40B4-BE49-F238E27FC236}">
+                <a16:creationId xmlns:a16="http://schemas.microsoft.com/office/drawing/2014/main" id="{12CE5C1F-FFE1-524B-888F-DCB5B4780F99}"/>
+              </a:ext>
+            </a:extLst>
+          </p:cNvPr>
+          <p:cNvSpPr/>
+          <p:nvPr/>
+        </p:nvSpPr>
+        <p:spPr>
+          <a:xfrm>
+            <a:off x="909614" y="2206297"/>
+            <a:ext cx="3317408" cy="346075"/>
+          </a:xfrm>
+          <a:prstGeom prst="rect">
+            <a:avLst/>
+          </a:prstGeom>
+          <a:solidFill>
+            <a:schemeClr val="tx1">
+              <a:alpha val="40000"/>
+            </a:schemeClr>
+          </a:solidFill>
+          <a:ln>
+            <a:noFill/>
+          </a:ln>
+        </p:spPr>
+        <p:style>
+          <a:lnRef idx="2">
+            <a:schemeClr val="accent1">
+              <a:shade val="50000"/>
+            </a:schemeClr>
+          </a:lnRef>
+          <a:fillRef idx="1">
+            <a:schemeClr val="accent1"/>
+          </a:fillRef>
+          <a:effectRef idx="0">
+            <a:schemeClr val="accent1"/>
+          </a:effectRef>
+          <a:fontRef idx="minor">
+            <a:schemeClr val="lt1"/>
+          </a:fontRef>
+        </p:style>
+        <p:txBody>
+          <a:bodyPr rtlCol="0" anchor="ctr"/>
+          <a:lstStyle/>
+          <a:p>
+            <a:pPr algn="ctr"/>
+            <a:endParaRPr lang="en-US" dirty="0"/>
+          </a:p>
+        </p:txBody>
+      </p:sp>
+      <p:sp>
+        <p:nvSpPr>
+          <p:cNvPr id="10" name="Rectangle 9">
+            <a:extLst>
+              <a:ext uri="{FF2B5EF4-FFF2-40B4-BE49-F238E27FC236}">
+                <a16:creationId xmlns:a16="http://schemas.microsoft.com/office/drawing/2014/main" id="{64381E93-0DB0-5942-AC90-7ABA3E07F410}"/>
+              </a:ext>
+            </a:extLst>
+          </p:cNvPr>
+          <p:cNvSpPr/>
+          <p:nvPr/>
+        </p:nvSpPr>
+        <p:spPr>
+          <a:xfrm>
+            <a:off x="909614" y="3414088"/>
+            <a:ext cx="1455898" cy="346075"/>
+          </a:xfrm>
+          <a:prstGeom prst="rect">
+            <a:avLst/>
+          </a:prstGeom>
+          <a:solidFill>
+            <a:schemeClr val="tx1">
+              <a:alpha val="40000"/>
+            </a:schemeClr>
+          </a:solidFill>
+          <a:ln>
+            <a:noFill/>
+          </a:ln>
+        </p:spPr>
+        <p:style>
+          <a:lnRef idx="2">
+            <a:schemeClr val="accent1">
+              <a:shade val="50000"/>
+            </a:schemeClr>
+          </a:lnRef>
+          <a:fillRef idx="1">
+            <a:schemeClr val="accent1"/>
+          </a:fillRef>
+          <a:effectRef idx="0">
+            <a:schemeClr val="accent1"/>
+          </a:effectRef>
+          <a:fontRef idx="minor">
+            <a:schemeClr val="lt1"/>
+          </a:fontRef>
+        </p:style>
+        <p:txBody>
+          <a:bodyPr rtlCol="0" anchor="ctr"/>
+          <a:lstStyle/>
+          <a:p>
+            <a:pPr algn="ctr"/>
+            <a:endParaRPr lang="en-US" dirty="0"/>
+          </a:p>
+        </p:txBody>
+      </p:sp>
+      <p:sp>
+        <p:nvSpPr>
+          <p:cNvPr id="11" name="Rectangle 10">
+            <a:extLst>
+              <a:ext uri="{FF2B5EF4-FFF2-40B4-BE49-F238E27FC236}">
+                <a16:creationId xmlns:a16="http://schemas.microsoft.com/office/drawing/2014/main" id="{1100B6A1-8FC9-164E-B48D-5AEB1EF6BDB2}"/>
+              </a:ext>
+            </a:extLst>
+          </p:cNvPr>
+          <p:cNvSpPr/>
+          <p:nvPr/>
+        </p:nvSpPr>
+        <p:spPr>
+          <a:xfrm>
+            <a:off x="2365512" y="3414090"/>
+            <a:ext cx="5840234" cy="346075"/>
+          </a:xfrm>
+          <a:prstGeom prst="rect">
+            <a:avLst/>
+          </a:prstGeom>
+          <a:solidFill>
+            <a:schemeClr val="tx1">
+              <a:alpha val="40000"/>
+            </a:schemeClr>
+          </a:solidFill>
+          <a:ln>
+            <a:noFill/>
+          </a:ln>
+        </p:spPr>
+        <p:style>
+          <a:lnRef idx="2">
+            <a:schemeClr val="accent1">
+              <a:shade val="50000"/>
+            </a:schemeClr>
+          </a:lnRef>
+          <a:fillRef idx="1">
+            <a:schemeClr val="accent1"/>
+          </a:fillRef>
+          <a:effectRef idx="0">
+            <a:schemeClr val="accent1"/>
+          </a:effectRef>
+          <a:fontRef idx="minor">
+            <a:schemeClr val="lt1"/>
+          </a:fontRef>
+        </p:style>
+        <p:txBody>
+          <a:bodyPr rtlCol="0" anchor="ctr"/>
+          <a:lstStyle/>
+          <a:p>
+            <a:pPr algn="ctr"/>
+            <a:endParaRPr lang="en-US" dirty="0"/>
+          </a:p>
+        </p:txBody>
+      </p:sp>
+      <p:sp>
+        <p:nvSpPr>
+          <p:cNvPr id="12" name="Rectangle 11">
+            <a:extLst>
+              <a:ext uri="{FF2B5EF4-FFF2-40B4-BE49-F238E27FC236}">
+                <a16:creationId xmlns:a16="http://schemas.microsoft.com/office/drawing/2014/main" id="{F0D062B1-76F5-1E43-B067-441BE8AF1B26}"/>
+              </a:ext>
+            </a:extLst>
+          </p:cNvPr>
+          <p:cNvSpPr/>
+          <p:nvPr/>
+        </p:nvSpPr>
+        <p:spPr>
+          <a:xfrm>
+            <a:off x="909613" y="3794763"/>
+            <a:ext cx="4246807" cy="346075"/>
+          </a:xfrm>
+          <a:prstGeom prst="rect">
+            <a:avLst/>
+          </a:prstGeom>
+          <a:solidFill>
+            <a:schemeClr val="tx1">
+              <a:alpha val="40000"/>
+            </a:schemeClr>
+          </a:solidFill>
+          <a:ln>
+            <a:noFill/>
+          </a:ln>
+        </p:spPr>
+        <p:style>
+          <a:lnRef idx="2">
+            <a:schemeClr val="accent1">
+              <a:shade val="50000"/>
+            </a:schemeClr>
+          </a:lnRef>
+          <a:fillRef idx="1">
+            <a:schemeClr val="accent1"/>
+          </a:fillRef>
+          <a:effectRef idx="0">
+            <a:schemeClr val="accent1"/>
+          </a:effectRef>
+          <a:fontRef idx="minor">
+            <a:schemeClr val="lt1"/>
+          </a:fontRef>
+        </p:style>
+        <p:txBody>
+          <a:bodyPr rtlCol="0" anchor="ctr"/>
+          <a:lstStyle/>
+          <a:p>
+            <a:pPr algn="ctr"/>
+            <a:endParaRPr lang="en-US" dirty="0"/>
+          </a:p>
+        </p:txBody>
+      </p:sp>
+      <p:sp>
+        <p:nvSpPr>
+          <p:cNvPr id="13" name="Rectangle 12">
+            <a:extLst>
+              <a:ext uri="{FF2B5EF4-FFF2-40B4-BE49-F238E27FC236}">
+                <a16:creationId xmlns:a16="http://schemas.microsoft.com/office/drawing/2014/main" id="{ECAD06B7-E735-D041-A877-3DAA3A185FC4}"/>
+              </a:ext>
+            </a:extLst>
+          </p:cNvPr>
+          <p:cNvSpPr/>
+          <p:nvPr/>
+        </p:nvSpPr>
+        <p:spPr>
+          <a:xfrm>
+            <a:off x="909613" y="4175435"/>
+            <a:ext cx="198516" cy="346075"/>
+          </a:xfrm>
+          <a:prstGeom prst="rect">
+            <a:avLst/>
+          </a:prstGeom>
+          <a:solidFill>
+            <a:schemeClr val="tx1">
+              <a:alpha val="40000"/>
+            </a:schemeClr>
+          </a:solidFill>
+          <a:ln>
+            <a:noFill/>
+          </a:ln>
+        </p:spPr>
+        <p:style>
+          <a:lnRef idx="2">
+            <a:schemeClr val="accent1">
+              <a:shade val="50000"/>
+            </a:schemeClr>
+          </a:lnRef>
+          <a:fillRef idx="1">
+            <a:schemeClr val="accent1"/>
+          </a:fillRef>
+          <a:effectRef idx="0">
+            <a:schemeClr val="accent1"/>
+          </a:effectRef>
+          <a:fontRef idx="minor">
+            <a:schemeClr val="lt1"/>
+          </a:fontRef>
+        </p:style>
+        <p:txBody>
+          <a:bodyPr rtlCol="0" anchor="ctr"/>
+          <a:lstStyle/>
+          <a:p>
+            <a:pPr algn="ctr"/>
+            <a:endParaRPr lang="en-US" dirty="0"/>
+          </a:p>
+        </p:txBody>
+      </p:sp>
+      <p:sp>
+        <p:nvSpPr>
+          <p:cNvPr id="14" name="Rectangle 13">
+            <a:extLst>
+              <a:ext uri="{FF2B5EF4-FFF2-40B4-BE49-F238E27FC236}">
+                <a16:creationId xmlns:a16="http://schemas.microsoft.com/office/drawing/2014/main" id="{00602D00-5324-D14C-A172-33657E9029B7}"/>
+              </a:ext>
+            </a:extLst>
+          </p:cNvPr>
+          <p:cNvSpPr/>
+          <p:nvPr/>
+        </p:nvSpPr>
+        <p:spPr>
+          <a:xfrm>
+            <a:off x="1108128" y="4175435"/>
+            <a:ext cx="7314759" cy="346075"/>
+          </a:xfrm>
+          <a:prstGeom prst="rect">
+            <a:avLst/>
+          </a:prstGeom>
+          <a:solidFill>
+            <a:schemeClr val="tx1">
+              <a:alpha val="40000"/>
+            </a:schemeClr>
+          </a:solidFill>
+          <a:ln>
+            <a:noFill/>
+          </a:ln>
+        </p:spPr>
+        <p:style>
+          <a:lnRef idx="2">
+            <a:schemeClr val="accent1">
+              <a:shade val="50000"/>
+            </a:schemeClr>
+          </a:lnRef>
+          <a:fillRef idx="1">
+            <a:schemeClr val="accent1"/>
+          </a:fillRef>
+          <a:effectRef idx="0">
+            <a:schemeClr val="accent1"/>
+          </a:effectRef>
+          <a:fontRef idx="minor">
+            <a:schemeClr val="lt1"/>
+          </a:fontRef>
+        </p:style>
+        <p:txBody>
+          <a:bodyPr rtlCol="0" anchor="ctr"/>
+          <a:lstStyle/>
+          <a:p>
+            <a:pPr algn="ctr"/>
+            <a:endParaRPr lang="en-US" dirty="0"/>
+          </a:p>
+        </p:txBody>
+      </p:sp>
+    </p:spTree>
+    <p:extLst>
+      <p:ext uri="{BB962C8B-B14F-4D97-AF65-F5344CB8AC3E}">
+        <p14:creationId xmlns:p14="http://schemas.microsoft.com/office/powerpoint/2010/main" val="1194260138"/>
+      </p:ext>
+    </p:extLst>
+  </p:cSld>
+  <p:clrMapOvr>
+    <a:masterClrMapping/>
+  </p:clrMapOvr>
+  <mc:AlternateContent xmlns:mc="http://schemas.openxmlformats.org/markup-compatibility/2006" xmlns:p14="http://schemas.microsoft.com/office/powerpoint/2010/main">
+    <mc:Choice Requires="p14">
+      <p:transition spd="med" p14:dur="700">
+        <p:fade/>
+      </p:transition>
+    </mc:Choice>
+    <mc:Fallback xmlns="">
+      <p:transition spd="med">
+        <p:fade/>
+      </p:transition>
+    </mc:Fallback>
+  </mc:AlternateContent>
+  <p:timing>
+    <p:tnLst>
+      <p:par>
+        <p:cTn id="1" dur="indefinite" restart="never" nodeType="tmRoot">
+          <p:childTnLst>
+            <p:seq concurrent="1" nextAc="seek">
+              <p:cTn id="2" dur="indefinite" nodeType="mainSeq">
+                <p:childTnLst>
+                  <p:par>
+                    <p:cTn id="3" fill="hold">
+                      <p:stCondLst>
+                        <p:cond delay="indefinite"/>
+                      </p:stCondLst>
+                      <p:childTnLst>
+                        <p:par>
+                          <p:cTn id="4" fill="hold">
+                            <p:stCondLst>
+                              <p:cond delay="0"/>
+                            </p:stCondLst>
+                            <p:childTnLst>
+                              <p:par>
+                                <p:cTn id="5" presetID="22" presetClass="entr" presetSubtype="8" fill="hold" nodeType="clickEffect">
+                                  <p:stCondLst>
+                                    <p:cond delay="0"/>
+                                  </p:stCondLst>
+                                  <p:childTnLst>
+                                    <p:set>
+                                      <p:cBhvr>
+                                        <p:cTn id="6" dur="1" fill="hold">
+                                          <p:stCondLst>
+                                            <p:cond delay="0"/>
+                                          </p:stCondLst>
+                                        </p:cTn>
+                                        <p:tgtEl>
+                                          <p:spTgt spid="3">
+                                            <p:txEl>
+                                              <p:pRg st="0" end="0"/>
+                                            </p:txEl>
+                                          </p:spTgt>
+                                        </p:tgtEl>
+                                        <p:attrNameLst>
+                                          <p:attrName>style.visibility</p:attrName>
+                                        </p:attrNameLst>
+                                      </p:cBhvr>
+                                      <p:to>
+                                        <p:strVal val="visible"/>
+                                      </p:to>
+                                    </p:set>
+                                    <p:animEffect transition="in" filter="wipe(left)">
+                                      <p:cBhvr>
+                                        <p:cTn id="7" dur="2000"/>
+                                        <p:tgtEl>
+                                          <p:spTgt spid="3">
+                                            <p:txEl>
+                                              <p:pRg st="0" end="0"/>
+                                            </p:txEl>
+                                          </p:spTgt>
+                                        </p:tgtEl>
+                                      </p:cBhvr>
+                                    </p:animEffect>
+                                  </p:childTnLst>
+                                </p:cTn>
+                              </p:par>
+                            </p:childTnLst>
+                          </p:cTn>
+                        </p:par>
+                        <p:par>
+                          <p:cTn id="8" fill="hold">
+                            <p:stCondLst>
+                              <p:cond delay="2000"/>
+                            </p:stCondLst>
+                            <p:childTnLst>
+                              <p:par>
+                                <p:cTn id="9" presetID="22" presetClass="entr" presetSubtype="8" fill="hold" nodeType="afterEffect">
+                                  <p:stCondLst>
+                                    <p:cond delay="0"/>
+                                  </p:stCondLst>
+                                  <p:childTnLst>
+                                    <p:set>
+                                      <p:cBhvr>
+                                        <p:cTn id="10" dur="1" fill="hold">
+                                          <p:stCondLst>
+                                            <p:cond delay="0"/>
+                                          </p:stCondLst>
+                                        </p:cTn>
+                                        <p:tgtEl>
+                                          <p:spTgt spid="3">
+                                            <p:txEl>
+                                              <p:pRg st="1" end="1"/>
+                                            </p:txEl>
+                                          </p:spTgt>
+                                        </p:tgtEl>
+                                        <p:attrNameLst>
+                                          <p:attrName>style.visibility</p:attrName>
+                                        </p:attrNameLst>
+                                      </p:cBhvr>
+                                      <p:to>
+                                        <p:strVal val="visible"/>
+                                      </p:to>
+                                    </p:set>
+                                    <p:animEffect transition="in" filter="wipe(left)">
+                                      <p:cBhvr>
+                                        <p:cTn id="11" dur="1000"/>
+                                        <p:tgtEl>
+                                          <p:spTgt spid="3">
+                                            <p:txEl>
+                                              <p:pRg st="1" end="1"/>
+                                            </p:txEl>
+                                          </p:spTgt>
+                                        </p:tgtEl>
+                                      </p:cBhvr>
+                                    </p:animEffect>
+                                  </p:childTnLst>
+                                </p:cTn>
+                              </p:par>
+                            </p:childTnLst>
+                          </p:cTn>
+                        </p:par>
+                      </p:childTnLst>
+                    </p:cTn>
+                  </p:par>
+                  <p:par>
+                    <p:cTn id="12" fill="hold">
+                      <p:stCondLst>
+                        <p:cond delay="indefinite"/>
+                      </p:stCondLst>
+                      <p:childTnLst>
+                        <p:par>
+                          <p:cTn id="13" fill="hold">
+                            <p:stCondLst>
+                              <p:cond delay="0"/>
+                            </p:stCondLst>
+                            <p:childTnLst>
+                              <p:par>
+                                <p:cTn id="14" presetID="9" presetClass="entr" presetSubtype="0" fill="hold" nodeType="clickEffect">
+                                  <p:stCondLst>
+                                    <p:cond delay="0"/>
+                                  </p:stCondLst>
+                                  <p:childTnLst>
+                                    <p:set>
+                                      <p:cBhvr>
+                                        <p:cTn id="15" dur="1" fill="hold">
+                                          <p:stCondLst>
+                                            <p:cond delay="0"/>
+                                          </p:stCondLst>
+                                        </p:cTn>
+                                        <p:tgtEl>
+                                          <p:spTgt spid="3">
+                                            <p:txEl>
+                                              <p:pRg st="2" end="2"/>
+                                            </p:txEl>
+                                          </p:spTgt>
+                                        </p:tgtEl>
+                                        <p:attrNameLst>
+                                          <p:attrName>style.visibility</p:attrName>
+                                        </p:attrNameLst>
+                                      </p:cBhvr>
+                                      <p:to>
+                                        <p:strVal val="visible"/>
+                                      </p:to>
+                                    </p:set>
+                                    <p:animEffect transition="in" filter="dissolve">
+                                      <p:cBhvr>
+                                        <p:cTn id="16" dur="500"/>
+                                        <p:tgtEl>
+                                          <p:spTgt spid="3">
+                                            <p:txEl>
+                                              <p:pRg st="2" end="2"/>
+                                            </p:txEl>
+                                          </p:spTgt>
+                                        </p:tgtEl>
+                                      </p:cBhvr>
+                                    </p:animEffect>
+                                  </p:childTnLst>
+                                </p:cTn>
+                              </p:par>
+                            </p:childTnLst>
+                          </p:cTn>
+                        </p:par>
+                      </p:childTnLst>
+                    </p:cTn>
+                  </p:par>
+                  <p:par>
+                    <p:cTn id="17" fill="hold">
+                      <p:stCondLst>
+                        <p:cond delay="indefinite"/>
+                      </p:stCondLst>
+                      <p:childTnLst>
+                        <p:par>
+                          <p:cTn id="18" fill="hold">
+                            <p:stCondLst>
+                              <p:cond delay="0"/>
+                            </p:stCondLst>
+                            <p:childTnLst>
+                              <p:par>
+                                <p:cTn id="19" presetID="22" presetClass="entr" presetSubtype="8" fill="hold" grpId="0" nodeType="clickEffect">
+                                  <p:stCondLst>
+                                    <p:cond delay="0"/>
+                                  </p:stCondLst>
+                                  <p:childTnLst>
+                                    <p:set>
+                                      <p:cBhvr>
+                                        <p:cTn id="20" dur="1" fill="hold">
+                                          <p:stCondLst>
+                                            <p:cond delay="0"/>
+                                          </p:stCondLst>
+                                        </p:cTn>
+                                        <p:tgtEl>
+                                          <p:spTgt spid="6"/>
+                                        </p:tgtEl>
+                                        <p:attrNameLst>
+                                          <p:attrName>style.visibility</p:attrName>
+                                        </p:attrNameLst>
+                                      </p:cBhvr>
+                                      <p:to>
+                                        <p:strVal val="visible"/>
+                                      </p:to>
+                                    </p:set>
+                                    <p:animEffect transition="in" filter="wipe(left)">
+                                      <p:cBhvr>
+                                        <p:cTn id="21" dur="500"/>
+                                        <p:tgtEl>
+                                          <p:spTgt spid="6"/>
+                                        </p:tgtEl>
+                                      </p:cBhvr>
+                                    </p:animEffect>
+                                  </p:childTnLst>
+                                </p:cTn>
+                              </p:par>
+                            </p:childTnLst>
+                          </p:cTn>
+                        </p:par>
+                      </p:childTnLst>
+                    </p:cTn>
+                  </p:par>
+                  <p:par>
+                    <p:cTn id="22" fill="hold">
+                      <p:stCondLst>
+                        <p:cond delay="indefinite"/>
+                      </p:stCondLst>
+                      <p:childTnLst>
+                        <p:par>
+                          <p:cTn id="23" fill="hold">
+                            <p:stCondLst>
+                              <p:cond delay="0"/>
+                            </p:stCondLst>
+                            <p:childTnLst>
+                              <p:par>
+                                <p:cTn id="24" presetID="22" presetClass="entr" presetSubtype="8" fill="hold" grpId="0" nodeType="clickEffect">
+                                  <p:stCondLst>
+                                    <p:cond delay="0"/>
+                                  </p:stCondLst>
+                                  <p:childTnLst>
+                                    <p:set>
+                                      <p:cBhvr>
+                                        <p:cTn id="25" dur="1" fill="hold">
+                                          <p:stCondLst>
+                                            <p:cond delay="0"/>
+                                          </p:stCondLst>
+                                        </p:cTn>
+                                        <p:tgtEl>
+                                          <p:spTgt spid="7"/>
+                                        </p:tgtEl>
+                                        <p:attrNameLst>
+                                          <p:attrName>style.visibility</p:attrName>
+                                        </p:attrNameLst>
+                                      </p:cBhvr>
+                                      <p:to>
+                                        <p:strVal val="visible"/>
+                                      </p:to>
+                                    </p:set>
+                                    <p:animEffect transition="in" filter="wipe(left)">
+                                      <p:cBhvr>
+                                        <p:cTn id="26" dur="1000"/>
+                                        <p:tgtEl>
+                                          <p:spTgt spid="7"/>
+                                        </p:tgtEl>
+                                      </p:cBhvr>
+                                    </p:animEffect>
+                                  </p:childTnLst>
+                                </p:cTn>
+                              </p:par>
+                            </p:childTnLst>
+                          </p:cTn>
+                        </p:par>
+                      </p:childTnLst>
+                    </p:cTn>
+                  </p:par>
+                  <p:par>
+                    <p:cTn id="27" fill="hold">
+                      <p:stCondLst>
+                        <p:cond delay="indefinite"/>
+                      </p:stCondLst>
+                      <p:childTnLst>
+                        <p:par>
+                          <p:cTn id="28" fill="hold">
+                            <p:stCondLst>
+                              <p:cond delay="0"/>
+                            </p:stCondLst>
+                            <p:childTnLst>
+                              <p:par>
+                                <p:cTn id="29" presetID="22" presetClass="entr" presetSubtype="8" fill="hold" grpId="0" nodeType="clickEffect">
+                                  <p:stCondLst>
+                                    <p:cond delay="0"/>
+                                  </p:stCondLst>
+                                  <p:childTnLst>
+                                    <p:set>
+                                      <p:cBhvr>
+                                        <p:cTn id="30" dur="1" fill="hold">
+                                          <p:stCondLst>
+                                            <p:cond delay="0"/>
+                                          </p:stCondLst>
+                                        </p:cTn>
+                                        <p:tgtEl>
+                                          <p:spTgt spid="8"/>
+                                        </p:tgtEl>
+                                        <p:attrNameLst>
+                                          <p:attrName>style.visibility</p:attrName>
+                                        </p:attrNameLst>
+                                      </p:cBhvr>
+                                      <p:to>
+                                        <p:strVal val="visible"/>
+                                      </p:to>
+                                    </p:set>
+                                    <p:animEffect transition="in" filter="wipe(left)">
+                                      <p:cBhvr>
+                                        <p:cTn id="31" dur="500"/>
+                                        <p:tgtEl>
+                                          <p:spTgt spid="8"/>
+                                        </p:tgtEl>
+                                      </p:cBhvr>
+                                    </p:animEffect>
+                                  </p:childTnLst>
+                                </p:cTn>
+                              </p:par>
+                            </p:childTnLst>
+                          </p:cTn>
+                        </p:par>
+                      </p:childTnLst>
+                    </p:cTn>
+                  </p:par>
+                  <p:par>
+                    <p:cTn id="32" fill="hold">
+                      <p:stCondLst>
+                        <p:cond delay="indefinite"/>
+                      </p:stCondLst>
+                      <p:childTnLst>
+                        <p:par>
+                          <p:cTn id="33" fill="hold">
+                            <p:stCondLst>
+                              <p:cond delay="0"/>
+                            </p:stCondLst>
+                            <p:childTnLst>
+                              <p:par>
+                                <p:cTn id="34" presetID="9" presetClass="entr" presetSubtype="0" fill="hold" nodeType="clickEffect">
+                                  <p:stCondLst>
+                                    <p:cond delay="0"/>
+                                  </p:stCondLst>
+                                  <p:childTnLst>
+                                    <p:set>
+                                      <p:cBhvr>
+                                        <p:cTn id="35" dur="1" fill="hold">
+                                          <p:stCondLst>
+                                            <p:cond delay="0"/>
+                                          </p:stCondLst>
+                                        </p:cTn>
+                                        <p:tgtEl>
+                                          <p:spTgt spid="3">
+                                            <p:txEl>
+                                              <p:pRg st="3" end="3"/>
+                                            </p:txEl>
+                                          </p:spTgt>
+                                        </p:tgtEl>
+                                        <p:attrNameLst>
+                                          <p:attrName>style.visibility</p:attrName>
+                                        </p:attrNameLst>
+                                      </p:cBhvr>
+                                      <p:to>
+                                        <p:strVal val="visible"/>
+                                      </p:to>
+                                    </p:set>
+                                    <p:animEffect transition="in" filter="dissolve">
+                                      <p:cBhvr>
+                                        <p:cTn id="36" dur="500"/>
+                                        <p:tgtEl>
+                                          <p:spTgt spid="3">
+                                            <p:txEl>
+                                              <p:pRg st="3" end="3"/>
+                                            </p:txEl>
+                                          </p:spTgt>
+                                        </p:tgtEl>
+                                      </p:cBhvr>
+                                    </p:animEffect>
+                                  </p:childTnLst>
+                                </p:cTn>
+                              </p:par>
+                            </p:childTnLst>
+                          </p:cTn>
+                        </p:par>
+                      </p:childTnLst>
+                    </p:cTn>
+                  </p:par>
+                  <p:par>
+                    <p:cTn id="37" fill="hold">
+                      <p:stCondLst>
+                        <p:cond delay="indefinite"/>
+                      </p:stCondLst>
+                      <p:childTnLst>
+                        <p:par>
+                          <p:cTn id="38" fill="hold">
+                            <p:stCondLst>
+                              <p:cond delay="0"/>
+                            </p:stCondLst>
+                            <p:childTnLst>
+                              <p:par>
+                                <p:cTn id="39" presetID="22" presetClass="entr" presetSubtype="8" fill="hold" grpId="0" nodeType="clickEffect">
+                                  <p:stCondLst>
+                                    <p:cond delay="0"/>
+                                  </p:stCondLst>
+                                  <p:childTnLst>
+                                    <p:set>
+                                      <p:cBhvr>
+                                        <p:cTn id="40" dur="1" fill="hold">
+                                          <p:stCondLst>
+                                            <p:cond delay="0"/>
+                                          </p:stCondLst>
+                                        </p:cTn>
+                                        <p:tgtEl>
+                                          <p:spTgt spid="9"/>
+                                        </p:tgtEl>
+                                        <p:attrNameLst>
+                                          <p:attrName>style.visibility</p:attrName>
+                                        </p:attrNameLst>
+                                      </p:cBhvr>
+                                      <p:to>
+                                        <p:strVal val="visible"/>
+                                      </p:to>
+                                    </p:set>
+                                    <p:animEffect transition="in" filter="wipe(left)">
+                                      <p:cBhvr>
+                                        <p:cTn id="41" dur="1000"/>
+                                        <p:tgtEl>
+                                          <p:spTgt spid="9"/>
+                                        </p:tgtEl>
+                                      </p:cBhvr>
+                                    </p:animEffect>
+                                  </p:childTnLst>
+                                </p:cTn>
+                              </p:par>
+                            </p:childTnLst>
+                          </p:cTn>
+                        </p:par>
+                      </p:childTnLst>
+                    </p:cTn>
+                  </p:par>
+                  <p:par>
+                    <p:cTn id="42" fill="hold">
+                      <p:stCondLst>
+                        <p:cond delay="indefinite"/>
+                      </p:stCondLst>
+                      <p:childTnLst>
+                        <p:par>
+                          <p:cTn id="43" fill="hold">
+                            <p:stCondLst>
+                              <p:cond delay="0"/>
+                            </p:stCondLst>
+                            <p:childTnLst>
+                              <p:par>
+                                <p:cTn id="44" presetID="22" presetClass="entr" presetSubtype="8" fill="hold" nodeType="clickEffect">
+                                  <p:stCondLst>
+                                    <p:cond delay="0"/>
+                                  </p:stCondLst>
+                                  <p:childTnLst>
+                                    <p:set>
+                                      <p:cBhvr>
+                                        <p:cTn id="45" dur="1" fill="hold">
+                                          <p:stCondLst>
+                                            <p:cond delay="0"/>
+                                          </p:stCondLst>
+                                        </p:cTn>
+                                        <p:tgtEl>
+                                          <p:spTgt spid="3">
+                                            <p:txEl>
+                                              <p:pRg st="4" end="4"/>
+                                            </p:txEl>
+                                          </p:spTgt>
+                                        </p:tgtEl>
+                                        <p:attrNameLst>
+                                          <p:attrName>style.visibility</p:attrName>
+                                        </p:attrNameLst>
+                                      </p:cBhvr>
+                                      <p:to>
+                                        <p:strVal val="visible"/>
+                                      </p:to>
+                                    </p:set>
+                                    <p:animEffect transition="in" filter="wipe(left)">
+                                      <p:cBhvr>
+                                        <p:cTn id="46" dur="2000"/>
+                                        <p:tgtEl>
+                                          <p:spTgt spid="3">
+                                            <p:txEl>
+                                              <p:pRg st="4" end="4"/>
+                                            </p:txEl>
+                                          </p:spTgt>
+                                        </p:tgtEl>
+                                      </p:cBhvr>
+                                    </p:animEffect>
+                                  </p:childTnLst>
+                                </p:cTn>
+                              </p:par>
+                            </p:childTnLst>
+                          </p:cTn>
+                        </p:par>
+                        <p:par>
+                          <p:cTn id="47" fill="hold">
+                            <p:stCondLst>
+                              <p:cond delay="2000"/>
+                            </p:stCondLst>
+                            <p:childTnLst>
+                              <p:par>
+                                <p:cTn id="48" presetID="22" presetClass="entr" presetSubtype="8" fill="hold" nodeType="afterEffect">
+                                  <p:stCondLst>
+                                    <p:cond delay="0"/>
+                                  </p:stCondLst>
+                                  <p:childTnLst>
+                                    <p:set>
+                                      <p:cBhvr>
+                                        <p:cTn id="49" dur="1" fill="hold">
+                                          <p:stCondLst>
+                                            <p:cond delay="0"/>
+                                          </p:stCondLst>
+                                        </p:cTn>
+                                        <p:tgtEl>
+                                          <p:spTgt spid="3">
+                                            <p:txEl>
+                                              <p:pRg st="5" end="5"/>
+                                            </p:txEl>
+                                          </p:spTgt>
+                                        </p:tgtEl>
+                                        <p:attrNameLst>
+                                          <p:attrName>style.visibility</p:attrName>
+                                        </p:attrNameLst>
+                                      </p:cBhvr>
+                                      <p:to>
+                                        <p:strVal val="visible"/>
+                                      </p:to>
+                                    </p:set>
+                                    <p:animEffect transition="in" filter="wipe(left)">
+                                      <p:cBhvr>
+                                        <p:cTn id="50" dur="1000"/>
+                                        <p:tgtEl>
+                                          <p:spTgt spid="3">
+                                            <p:txEl>
+                                              <p:pRg st="5" end="5"/>
+                                            </p:txEl>
+                                          </p:spTgt>
+                                        </p:tgtEl>
+                                      </p:cBhvr>
+                                    </p:animEffect>
+                                  </p:childTnLst>
+                                </p:cTn>
+                              </p:par>
+                            </p:childTnLst>
+                          </p:cTn>
+                        </p:par>
+                        <p:par>
+                          <p:cTn id="51" fill="hold">
+                            <p:stCondLst>
+                              <p:cond delay="3000"/>
+                            </p:stCondLst>
+                            <p:childTnLst>
+                              <p:par>
+                                <p:cTn id="52" presetID="22" presetClass="entr" presetSubtype="8" fill="hold" nodeType="afterEffect">
+                                  <p:stCondLst>
+                                    <p:cond delay="0"/>
+                                  </p:stCondLst>
+                                  <p:childTnLst>
+                                    <p:set>
+                                      <p:cBhvr>
+                                        <p:cTn id="53" dur="1" fill="hold">
+                                          <p:stCondLst>
+                                            <p:cond delay="0"/>
+                                          </p:stCondLst>
+                                        </p:cTn>
+                                        <p:tgtEl>
+                                          <p:spTgt spid="3">
+                                            <p:txEl>
+                                              <p:pRg st="6" end="6"/>
+                                            </p:txEl>
+                                          </p:spTgt>
+                                        </p:tgtEl>
+                                        <p:attrNameLst>
+                                          <p:attrName>style.visibility</p:attrName>
+                                        </p:attrNameLst>
+                                      </p:cBhvr>
+                                      <p:to>
+                                        <p:strVal val="visible"/>
+                                      </p:to>
+                                    </p:set>
+                                    <p:animEffect transition="in" filter="wipe(left)">
+                                      <p:cBhvr>
+                                        <p:cTn id="54" dur="2000"/>
+                                        <p:tgtEl>
+                                          <p:spTgt spid="3">
+                                            <p:txEl>
+                                              <p:pRg st="6" end="6"/>
+                                            </p:txEl>
+                                          </p:spTgt>
+                                        </p:tgtEl>
+                                      </p:cBhvr>
+                                    </p:animEffect>
+                                  </p:childTnLst>
+                                </p:cTn>
+                              </p:par>
+                            </p:childTnLst>
+                          </p:cTn>
+                        </p:par>
+                      </p:childTnLst>
+                    </p:cTn>
+                  </p:par>
+                  <p:par>
+                    <p:cTn id="55" fill="hold">
+                      <p:stCondLst>
+                        <p:cond delay="indefinite"/>
+                      </p:stCondLst>
+                      <p:childTnLst>
+                        <p:par>
+                          <p:cTn id="56" fill="hold">
+                            <p:stCondLst>
+                              <p:cond delay="0"/>
+                            </p:stCondLst>
+                            <p:childTnLst>
+                              <p:par>
+                                <p:cTn id="57" presetID="9" presetClass="entr" presetSubtype="0" fill="hold" nodeType="clickEffect">
+                                  <p:stCondLst>
+                                    <p:cond delay="0"/>
+                                  </p:stCondLst>
+                                  <p:childTnLst>
+                                    <p:set>
+                                      <p:cBhvr>
+                                        <p:cTn id="58" dur="1" fill="hold">
+                                          <p:stCondLst>
+                                            <p:cond delay="0"/>
+                                          </p:stCondLst>
+                                        </p:cTn>
+                                        <p:tgtEl>
+                                          <p:spTgt spid="3">
+                                            <p:txEl>
+                                              <p:pRg st="7" end="7"/>
+                                            </p:txEl>
+                                          </p:spTgt>
+                                        </p:tgtEl>
+                                        <p:attrNameLst>
+                                          <p:attrName>style.visibility</p:attrName>
+                                        </p:attrNameLst>
+                                      </p:cBhvr>
+                                      <p:to>
+                                        <p:strVal val="visible"/>
+                                      </p:to>
+                                    </p:set>
+                                    <p:animEffect transition="in" filter="dissolve">
+                                      <p:cBhvr>
+                                        <p:cTn id="59" dur="500"/>
+                                        <p:tgtEl>
+                                          <p:spTgt spid="3">
+                                            <p:txEl>
+                                              <p:pRg st="7" end="7"/>
+                                            </p:txEl>
+                                          </p:spTgt>
+                                        </p:tgtEl>
+                                      </p:cBhvr>
+                                    </p:animEffect>
+                                  </p:childTnLst>
+                                </p:cTn>
+                              </p:par>
+                            </p:childTnLst>
+                          </p:cTn>
+                        </p:par>
+                      </p:childTnLst>
+                    </p:cTn>
+                  </p:par>
+                  <p:par>
+                    <p:cTn id="60" fill="hold">
+                      <p:stCondLst>
+                        <p:cond delay="indefinite"/>
+                      </p:stCondLst>
+                      <p:childTnLst>
+                        <p:par>
+                          <p:cTn id="61" fill="hold">
+                            <p:stCondLst>
+                              <p:cond delay="0"/>
+                            </p:stCondLst>
+                            <p:childTnLst>
+                              <p:par>
+                                <p:cTn id="62" presetID="22" presetClass="entr" presetSubtype="8" fill="hold" grpId="0" nodeType="clickEffect">
+                                  <p:stCondLst>
+                                    <p:cond delay="0"/>
+                                  </p:stCondLst>
+                                  <p:childTnLst>
+                                    <p:set>
+                                      <p:cBhvr>
+                                        <p:cTn id="63" dur="1" fill="hold">
+                                          <p:stCondLst>
+                                            <p:cond delay="0"/>
+                                          </p:stCondLst>
+                                        </p:cTn>
+                                        <p:tgtEl>
+                                          <p:spTgt spid="10"/>
+                                        </p:tgtEl>
+                                        <p:attrNameLst>
+                                          <p:attrName>style.visibility</p:attrName>
+                                        </p:attrNameLst>
+                                      </p:cBhvr>
+                                      <p:to>
+                                        <p:strVal val="visible"/>
+                                      </p:to>
+                                    </p:set>
+                                    <p:animEffect transition="in" filter="wipe(left)">
+                                      <p:cBhvr>
+                                        <p:cTn id="64" dur="500"/>
+                                        <p:tgtEl>
+                                          <p:spTgt spid="10"/>
+                                        </p:tgtEl>
+                                      </p:cBhvr>
+                                    </p:animEffect>
+                                  </p:childTnLst>
+                                </p:cTn>
+                              </p:par>
+                            </p:childTnLst>
+                          </p:cTn>
+                        </p:par>
+                      </p:childTnLst>
+                    </p:cTn>
+                  </p:par>
+                  <p:par>
+                    <p:cTn id="65" fill="hold">
+                      <p:stCondLst>
+                        <p:cond delay="indefinite"/>
+                      </p:stCondLst>
+                      <p:childTnLst>
+                        <p:par>
+                          <p:cTn id="66" fill="hold">
+                            <p:stCondLst>
+                              <p:cond delay="0"/>
+                            </p:stCondLst>
+                            <p:childTnLst>
+                              <p:par>
+                                <p:cTn id="67" presetID="22" presetClass="entr" presetSubtype="8" fill="hold" grpId="0" nodeType="clickEffect">
+                                  <p:stCondLst>
+                                    <p:cond delay="0"/>
+                                  </p:stCondLst>
+                                  <p:childTnLst>
+                                    <p:set>
+                                      <p:cBhvr>
+                                        <p:cTn id="68" dur="1" fill="hold">
+                                          <p:stCondLst>
+                                            <p:cond delay="0"/>
+                                          </p:stCondLst>
+                                        </p:cTn>
+                                        <p:tgtEl>
+                                          <p:spTgt spid="11"/>
+                                        </p:tgtEl>
+                                        <p:attrNameLst>
+                                          <p:attrName>style.visibility</p:attrName>
+                                        </p:attrNameLst>
+                                      </p:cBhvr>
+                                      <p:to>
+                                        <p:strVal val="visible"/>
+                                      </p:to>
+                                    </p:set>
+                                    <p:animEffect transition="in" filter="wipe(left)">
+                                      <p:cBhvr>
+                                        <p:cTn id="69" dur="1000"/>
+                                        <p:tgtEl>
+                                          <p:spTgt spid="11"/>
+                                        </p:tgtEl>
+                                      </p:cBhvr>
+                                    </p:animEffect>
+                                  </p:childTnLst>
+                                </p:cTn>
+                              </p:par>
+                            </p:childTnLst>
+                          </p:cTn>
+                        </p:par>
+                      </p:childTnLst>
+                    </p:cTn>
+                  </p:par>
+                  <p:par>
+                    <p:cTn id="70" fill="hold">
+                      <p:stCondLst>
+                        <p:cond delay="indefinite"/>
+                      </p:stCondLst>
+                      <p:childTnLst>
+                        <p:par>
+                          <p:cTn id="71" fill="hold">
+                            <p:stCondLst>
+                              <p:cond delay="0"/>
+                            </p:stCondLst>
+                            <p:childTnLst>
+                              <p:par>
+                                <p:cTn id="72" presetID="9" presetClass="entr" presetSubtype="0" fill="hold" nodeType="clickEffect">
+                                  <p:stCondLst>
+                                    <p:cond delay="0"/>
+                                  </p:stCondLst>
+                                  <p:childTnLst>
+                                    <p:set>
+                                      <p:cBhvr>
+                                        <p:cTn id="73" dur="1" fill="hold">
+                                          <p:stCondLst>
+                                            <p:cond delay="0"/>
+                                          </p:stCondLst>
+                                        </p:cTn>
+                                        <p:tgtEl>
+                                          <p:spTgt spid="3">
+                                            <p:txEl>
+                                              <p:pRg st="8" end="8"/>
+                                            </p:txEl>
+                                          </p:spTgt>
+                                        </p:tgtEl>
+                                        <p:attrNameLst>
+                                          <p:attrName>style.visibility</p:attrName>
+                                        </p:attrNameLst>
+                                      </p:cBhvr>
+                                      <p:to>
+                                        <p:strVal val="visible"/>
+                                      </p:to>
+                                    </p:set>
+                                    <p:animEffect transition="in" filter="dissolve">
+                                      <p:cBhvr>
+                                        <p:cTn id="74" dur="500"/>
+                                        <p:tgtEl>
+                                          <p:spTgt spid="3">
+                                            <p:txEl>
+                                              <p:pRg st="8" end="8"/>
+                                            </p:txEl>
+                                          </p:spTgt>
+                                        </p:tgtEl>
+                                      </p:cBhvr>
+                                    </p:animEffect>
+                                  </p:childTnLst>
+                                </p:cTn>
+                              </p:par>
+                            </p:childTnLst>
+                          </p:cTn>
+                        </p:par>
+                      </p:childTnLst>
+                    </p:cTn>
+                  </p:par>
+                  <p:par>
+                    <p:cTn id="75" fill="hold">
+                      <p:stCondLst>
+                        <p:cond delay="indefinite"/>
+                      </p:stCondLst>
+                      <p:childTnLst>
+                        <p:par>
+                          <p:cTn id="76" fill="hold">
+                            <p:stCondLst>
+                              <p:cond delay="0"/>
+                            </p:stCondLst>
+                            <p:childTnLst>
+                              <p:par>
+                                <p:cTn id="77" presetID="22" presetClass="entr" presetSubtype="8" fill="hold" grpId="0" nodeType="clickEffect">
+                                  <p:stCondLst>
+                                    <p:cond delay="0"/>
+                                  </p:stCondLst>
+                                  <p:childTnLst>
+                                    <p:set>
+                                      <p:cBhvr>
+                                        <p:cTn id="78" dur="1" fill="hold">
+                                          <p:stCondLst>
+                                            <p:cond delay="0"/>
+                                          </p:stCondLst>
+                                        </p:cTn>
+                                        <p:tgtEl>
+                                          <p:spTgt spid="12"/>
+                                        </p:tgtEl>
+                                        <p:attrNameLst>
+                                          <p:attrName>style.visibility</p:attrName>
+                                        </p:attrNameLst>
+                                      </p:cBhvr>
+                                      <p:to>
+                                        <p:strVal val="visible"/>
+                                      </p:to>
+                                    </p:set>
+                                    <p:animEffect transition="in" filter="wipe(left)">
+                                      <p:cBhvr>
+                                        <p:cTn id="79" dur="1000"/>
+                                        <p:tgtEl>
+                                          <p:spTgt spid="12"/>
+                                        </p:tgtEl>
+                                      </p:cBhvr>
+                                    </p:animEffect>
+                                  </p:childTnLst>
+                                </p:cTn>
+                              </p:par>
+                            </p:childTnLst>
+                          </p:cTn>
+                        </p:par>
+                      </p:childTnLst>
+                    </p:cTn>
+                  </p:par>
+                  <p:par>
+                    <p:cTn id="80" fill="hold">
+                      <p:stCondLst>
+                        <p:cond delay="indefinite"/>
+                      </p:stCondLst>
+                      <p:childTnLst>
+                        <p:par>
+                          <p:cTn id="81" fill="hold">
+                            <p:stCondLst>
+                              <p:cond delay="0"/>
+                            </p:stCondLst>
+                            <p:childTnLst>
+                              <p:par>
+                                <p:cTn id="82" presetID="9" presetClass="entr" presetSubtype="0" fill="hold" nodeType="clickEffect">
+                                  <p:stCondLst>
+                                    <p:cond delay="0"/>
+                                  </p:stCondLst>
+                                  <p:childTnLst>
+                                    <p:set>
+                                      <p:cBhvr>
+                                        <p:cTn id="83" dur="1" fill="hold">
+                                          <p:stCondLst>
+                                            <p:cond delay="0"/>
+                                          </p:stCondLst>
+                                        </p:cTn>
+                                        <p:tgtEl>
+                                          <p:spTgt spid="3">
+                                            <p:txEl>
+                                              <p:pRg st="9" end="9"/>
+                                            </p:txEl>
+                                          </p:spTgt>
+                                        </p:tgtEl>
+                                        <p:attrNameLst>
+                                          <p:attrName>style.visibility</p:attrName>
+                                        </p:attrNameLst>
+                                      </p:cBhvr>
+                                      <p:to>
+                                        <p:strVal val="visible"/>
+                                      </p:to>
+                                    </p:set>
+                                    <p:animEffect transition="in" filter="dissolve">
+                                      <p:cBhvr>
+                                        <p:cTn id="84" dur="500"/>
+                                        <p:tgtEl>
+                                          <p:spTgt spid="3">
+                                            <p:txEl>
+                                              <p:pRg st="9" end="9"/>
+                                            </p:txEl>
+                                          </p:spTgt>
+                                        </p:tgtEl>
+                                      </p:cBhvr>
+                                    </p:animEffect>
+                                  </p:childTnLst>
+                                </p:cTn>
+                              </p:par>
+                            </p:childTnLst>
+                          </p:cTn>
+                        </p:par>
+                      </p:childTnLst>
+                    </p:cTn>
+                  </p:par>
+                  <p:par>
+                    <p:cTn id="85" fill="hold">
+                      <p:stCondLst>
+                        <p:cond delay="indefinite"/>
+                      </p:stCondLst>
+                      <p:childTnLst>
+                        <p:par>
+                          <p:cTn id="86" fill="hold">
+                            <p:stCondLst>
+                              <p:cond delay="0"/>
+                            </p:stCondLst>
+                            <p:childTnLst>
+                              <p:par>
+                                <p:cTn id="87" presetID="22" presetClass="entr" presetSubtype="8" fill="hold" grpId="0" nodeType="clickEffect">
+                                  <p:stCondLst>
+                                    <p:cond delay="0"/>
+                                  </p:stCondLst>
+                                  <p:childTnLst>
+                                    <p:set>
+                                      <p:cBhvr>
+                                        <p:cTn id="88" dur="1" fill="hold">
+                                          <p:stCondLst>
+                                            <p:cond delay="0"/>
+                                          </p:stCondLst>
+                                        </p:cTn>
+                                        <p:tgtEl>
+                                          <p:spTgt spid="13"/>
+                                        </p:tgtEl>
+                                        <p:attrNameLst>
+                                          <p:attrName>style.visibility</p:attrName>
+                                        </p:attrNameLst>
+                                      </p:cBhvr>
+                                      <p:to>
+                                        <p:strVal val="visible"/>
+                                      </p:to>
+                                    </p:set>
+                                    <p:animEffect transition="in" filter="wipe(left)">
+                                      <p:cBhvr>
+                                        <p:cTn id="89" dur="250"/>
+                                        <p:tgtEl>
+                                          <p:spTgt spid="13"/>
+                                        </p:tgtEl>
+                                      </p:cBhvr>
+                                    </p:animEffect>
+                                  </p:childTnLst>
+                                </p:cTn>
+                              </p:par>
+                            </p:childTnLst>
+                          </p:cTn>
+                        </p:par>
+                      </p:childTnLst>
+                    </p:cTn>
+                  </p:par>
+                  <p:par>
+                    <p:cTn id="90" fill="hold">
+                      <p:stCondLst>
+                        <p:cond delay="indefinite"/>
+                      </p:stCondLst>
+                      <p:childTnLst>
+                        <p:par>
+                          <p:cTn id="91" fill="hold">
+                            <p:stCondLst>
+                              <p:cond delay="0"/>
+                            </p:stCondLst>
+                            <p:childTnLst>
+                              <p:par>
+                                <p:cTn id="92" presetID="9" presetClass="entr" presetSubtype="0" fill="hold" nodeType="clickEffect">
+                                  <p:stCondLst>
+                                    <p:cond delay="0"/>
+                                  </p:stCondLst>
+                                  <p:childTnLst>
+                                    <p:set>
+                                      <p:cBhvr>
+                                        <p:cTn id="93" dur="1" fill="hold">
+                                          <p:stCondLst>
+                                            <p:cond delay="0"/>
+                                          </p:stCondLst>
+                                        </p:cTn>
+                                        <p:tgtEl>
+                                          <p:spTgt spid="3">
+                                            <p:txEl>
+                                              <p:pRg st="10" end="10"/>
+                                            </p:txEl>
+                                          </p:spTgt>
+                                        </p:tgtEl>
+                                        <p:attrNameLst>
+                                          <p:attrName>style.visibility</p:attrName>
+                                        </p:attrNameLst>
+                                      </p:cBhvr>
+                                      <p:to>
+                                        <p:strVal val="visible"/>
+                                      </p:to>
+                                    </p:set>
+                                    <p:animEffect transition="in" filter="dissolve">
+                                      <p:cBhvr>
+                                        <p:cTn id="94" dur="500"/>
+                                        <p:tgtEl>
+                                          <p:spTgt spid="3">
+                                            <p:txEl>
+                                              <p:pRg st="10" end="10"/>
+                                            </p:txEl>
+                                          </p:spTgt>
+                                        </p:tgtEl>
+                                      </p:cBhvr>
+                                    </p:animEffect>
+                                  </p:childTnLst>
+                                </p:cTn>
+                              </p:par>
+                            </p:childTnLst>
+                          </p:cTn>
+                        </p:par>
+                      </p:childTnLst>
+                    </p:cTn>
+                  </p:par>
+                  <p:par>
+                    <p:cTn id="95" fill="hold">
+                      <p:stCondLst>
+                        <p:cond delay="indefinite"/>
+                      </p:stCondLst>
+                      <p:childTnLst>
+                        <p:par>
+                          <p:cTn id="96" fill="hold">
+                            <p:stCondLst>
+                              <p:cond delay="0"/>
+                            </p:stCondLst>
+                            <p:childTnLst>
+                              <p:par>
+                                <p:cTn id="97" presetID="22" presetClass="entr" presetSubtype="8" fill="hold" grpId="0" nodeType="clickEffect">
+                                  <p:stCondLst>
+                                    <p:cond delay="0"/>
+                                  </p:stCondLst>
+                                  <p:childTnLst>
+                                    <p:set>
+                                      <p:cBhvr>
+                                        <p:cTn id="98" dur="1" fill="hold">
+                                          <p:stCondLst>
+                                            <p:cond delay="0"/>
+                                          </p:stCondLst>
+                                        </p:cTn>
+                                        <p:tgtEl>
+                                          <p:spTgt spid="14"/>
+                                        </p:tgtEl>
+                                        <p:attrNameLst>
+                                          <p:attrName>style.visibility</p:attrName>
+                                        </p:attrNameLst>
+                                      </p:cBhvr>
+                                      <p:to>
+                                        <p:strVal val="visible"/>
+                                      </p:to>
+                                    </p:set>
+                                    <p:animEffect transition="in" filter="wipe(left)">
+                                      <p:cBhvr>
+                                        <p:cTn id="99" dur="1000"/>
+                                        <p:tgtEl>
+                                          <p:spTgt spid="14"/>
+                                        </p:tgtEl>
+                                      </p:cBhvr>
+                                    </p:animEffect>
+                                  </p:childTnLst>
+                                </p:cTn>
+                              </p:par>
+                            </p:childTnLst>
+                          </p:cTn>
+                        </p:par>
+                      </p:childTnLst>
+                    </p:cTn>
+                  </p:par>
+                </p:childTnLst>
+              </p:cTn>
+              <p:prevCondLst>
+                <p:cond evt="onPrev" delay="0">
+                  <p:tgtEl>
+                    <p:sldTgt/>
+                  </p:tgtEl>
+                </p:cond>
+              </p:prevCondLst>
+              <p:nextCondLst>
+                <p:cond evt="onNext" delay="0">
+                  <p:tgtEl>
+                    <p:sldTgt/>
+                  </p:tgtEl>
+                </p:cond>
+              </p:nextCondLst>
+            </p:seq>
+          </p:childTnLst>
+        </p:cTn>
+      </p:par>
+    </p:tnLst>
+    <p:bldLst>
+      <p:bldP spid="6" grpId="0" animBg="1"/>
+      <p:bldP spid="7" grpId="0" animBg="1"/>
+      <p:bldP spid="8" grpId="0" animBg="1"/>
+      <p:bldP spid="9" grpId="0" animBg="1"/>
+      <p:bldP spid="10" grpId="0" animBg="1"/>
+      <p:bldP spid="11" grpId="0" animBg="1"/>
+      <p:bldP spid="12" grpId="0" animBg="1"/>
+      <p:bldP spid="13" grpId="0" animBg="1"/>
+      <p:bldP spid="14" grpId="0" animBg="1"/>
+    </p:bldLst>
+  </p:timing>
+</p:sld>
+</file>
+
+<file path=ppt/slides/slide15.xml><?xml version="1.0" encoding="utf-8"?>
+<p:sld xmlns:a="http://schemas.openxmlformats.org/drawingml/2006/main" xmlns:r="http://schemas.openxmlformats.org/officeDocument/2006/relationships" xmlns:p="http://schemas.openxmlformats.org/presentationml/2006/main">
+  <p:cSld>
+    <p:spTree>
+      <p:nvGrpSpPr>
+        <p:cNvPr id="1" name=""/>
+        <p:cNvGrpSpPr/>
+        <p:nvPr/>
+      </p:nvGrpSpPr>
+      <p:grpSpPr>
+        <a:xfrm>
+          <a:off x="0" y="0"/>
+          <a:ext cx="0" cy="0"/>
+          <a:chOff x="0" y="0"/>
+          <a:chExt cx="0" cy="0"/>
+        </a:xfrm>
+      </p:grpSpPr>
+      <p:sp>
+        <p:nvSpPr>
+          <p:cNvPr id="4" name="Date Placeholder 3">
+            <a:extLst>
+              <a:ext uri="{FF2B5EF4-FFF2-40B4-BE49-F238E27FC236}">
+                <a16:creationId xmlns:a16="http://schemas.microsoft.com/office/drawing/2014/main" id="{0CD670A9-B06A-3448-BABA-FAD627500859}"/>
+              </a:ext>
+            </a:extLst>
+          </p:cNvPr>
+          <p:cNvSpPr>
+            <a:spLocks noGrp="1"/>
+          </p:cNvSpPr>
+          <p:nvPr>
+            <p:ph type="dt" sz="half" idx="10"/>
+          </p:nvPr>
+        </p:nvSpPr>
+        <p:spPr/>
+        <p:txBody>
+          <a:bodyPr/>
+          <a:lstStyle/>
+          <a:p>
+            <a:r>
+              <a:rPr lang="en-US"/>
+              <a:t>World Wide Technology ©</a:t>
+            </a:r>
+            <a:endParaRPr lang="en-US" dirty="0"/>
+          </a:p>
+        </p:txBody>
+      </p:sp>
+      <p:sp>
+        <p:nvSpPr>
+          <p:cNvPr id="5" name="Slide Number Placeholder 4">
+            <a:extLst>
+              <a:ext uri="{FF2B5EF4-FFF2-40B4-BE49-F238E27FC236}">
+                <a16:creationId xmlns:a16="http://schemas.microsoft.com/office/drawing/2014/main" id="{119DACAD-17C1-C249-A498-C4A1A1ADD334}"/>
+              </a:ext>
+            </a:extLst>
+          </p:cNvPr>
+          <p:cNvSpPr>
+            <a:spLocks noGrp="1"/>
+          </p:cNvSpPr>
+          <p:nvPr>
+            <p:ph type="sldNum" sz="quarter" idx="12"/>
+          </p:nvPr>
+        </p:nvSpPr>
+        <p:spPr/>
+        <p:txBody>
+          <a:bodyPr/>
+          <a:lstStyle/>
+          <a:p>
+            <a:fld id="{A44B02FA-DD2D-1844-AE35-8B2EAB0CF4EF}" type="slidenum">
+              <a:rPr lang="en-US" smtClean="0"/>
+              <a:pPr/>
+              <a:t>15</a:t>
+            </a:fld>
+            <a:endParaRPr lang="en-US" dirty="0"/>
+          </a:p>
+        </p:txBody>
+      </p:sp>
+    </p:spTree>
+    <p:extLst>
+      <p:ext uri="{BB962C8B-B14F-4D97-AF65-F5344CB8AC3E}">
+        <p14:creationId xmlns:p14="http://schemas.microsoft.com/office/powerpoint/2010/main" val="25625592"/>
+      </p:ext>
+    </p:extLst>
+  </p:cSld>
+  <p:clrMapOvr>
+    <a:masterClrMapping/>
+  </p:clrMapOvr>
+  <mc:AlternateContent xmlns:mc="http://schemas.openxmlformats.org/markup-compatibility/2006" xmlns:p14="http://schemas.microsoft.com/office/powerpoint/2010/main">
+    <mc:Choice Requires="p14">
+      <p:transition spd="med" p14:dur="700">
+        <p:fade/>
+      </p:transition>
+    </mc:Choice>
+    <mc:Fallback xmlns="">
+      <p:transition spd="med">
+        <p:fade/>
+      </p:transition>
+    </mc:Fallback>
+  </mc:AlternateContent>
+</p:sld>
+</file>
+
+<file path=ppt/slides/slide16.xml><?xml version="1.0" encoding="utf-8"?>
+<p:sld xmlns:a="http://schemas.openxmlformats.org/drawingml/2006/main" xmlns:r="http://schemas.openxmlformats.org/officeDocument/2006/relationships" xmlns:p="http://schemas.openxmlformats.org/presentationml/2006/main">
+  <p:cSld>
+    <p:spTree>
+      <p:nvGrpSpPr>
+        <p:cNvPr id="1" name=""/>
+        <p:cNvGrpSpPr/>
+        <p:nvPr/>
+      </p:nvGrpSpPr>
+      <p:grpSpPr>
+        <a:xfrm>
+          <a:off x="0" y="0"/>
+          <a:ext cx="0" cy="0"/>
+          <a:chOff x="0" y="0"/>
+          <a:chExt cx="0" cy="0"/>
+        </a:xfrm>
+      </p:grpSpPr>
+      <p:sp>
+        <p:nvSpPr>
+          <p:cNvPr id="2" name="Title 1">
+            <a:extLst>
+              <a:ext uri="{FF2B5EF4-FFF2-40B4-BE49-F238E27FC236}">
                 <a16:creationId xmlns:a16="http://schemas.microsoft.com/office/drawing/2014/main" id="{9D8D6E4C-FC36-3E4C-9387-96DD20072D9D}"/>
               </a:ext>
             </a:extLst>
@@ -8278,7 +12960,7 @@
 </p:sld>
 </file>
 
-<file path=ppt/slides/slide14.xml><?xml version="1.0" encoding="utf-8"?>
+<file path=ppt/slides/slide17.xml><?xml version="1.0" encoding="utf-8"?>
 <p:sld xmlns:a="http://schemas.openxmlformats.org/drawingml/2006/main" xmlns:r="http://schemas.openxmlformats.org/officeDocument/2006/relationships" xmlns:p="http://schemas.openxmlformats.org/presentationml/2006/main">
   <p:cSld>
     <p:spTree>
@@ -8635,7 +13317,7 @@
             <a:fld id="{A44B02FA-DD2D-1844-AE35-8B2EAB0CF4EF}" type="slidenum">
               <a:rPr lang="en-US" smtClean="0"/>
               <a:pPr/>
-              <a:t>14</a:t>
+              <a:t>17</a:t>
             </a:fld>
             <a:endParaRPr lang="en-US" dirty="0"/>
           </a:p>
@@ -8806,7 +13488,7 @@
 </p:sld>
 </file>
 
-<file path=ppt/slides/slide15.xml><?xml version="1.0" encoding="utf-8"?>
+<file path=ppt/slides/slide18.xml><?xml version="1.0" encoding="utf-8"?>
 <p:sld xmlns:a="http://schemas.openxmlformats.org/drawingml/2006/main" xmlns:r="http://schemas.openxmlformats.org/officeDocument/2006/relationships" xmlns:p="http://schemas.openxmlformats.org/presentationml/2006/main">
   <p:cSld>
     <p:spTree>
@@ -8946,7 +13628,7 @@
             <a:fld id="{A44B02FA-DD2D-1844-AE35-8B2EAB0CF4EF}" type="slidenum">
               <a:rPr lang="en-US" smtClean="0"/>
               <a:pPr/>
-              <a:t>15</a:t>
+              <a:t>18</a:t>
             </a:fld>
             <a:endParaRPr lang="en-US" dirty="0"/>
           </a:p>
@@ -8977,7 +13659,7 @@
 </p:sld>
 </file>
 
-<file path=ppt/slides/slide16.xml><?xml version="1.0" encoding="utf-8"?>
+<file path=ppt/slides/slide19.xml><?xml version="1.0" encoding="utf-8"?>
 <p:sld xmlns:a="http://schemas.openxmlformats.org/drawingml/2006/main" xmlns:r="http://schemas.openxmlformats.org/officeDocument/2006/relationships" xmlns:p="http://schemas.openxmlformats.org/presentationml/2006/main">
   <p:cSld>
     <p:spTree>
@@ -9075,7 +13757,7 @@
             <a:fld id="{A44B02FA-DD2D-1844-AE35-8B2EAB0CF4EF}" type="slidenum">
               <a:rPr lang="en-US" smtClean="0"/>
               <a:pPr/>
-              <a:t>16</a:t>
+              <a:t>19</a:t>
             </a:fld>
             <a:endParaRPr lang="en-US" dirty="0"/>
           </a:p>
@@ -9574,459 +14256,6 @@
       <p:bldP spid="11" grpId="0"/>
     </p:bldLst>
   </p:timing>
-</p:sld>
-</file>
-
-<file path=ppt/slides/slide17.xml><?xml version="1.0" encoding="utf-8"?>
-<p:sld xmlns:a="http://schemas.openxmlformats.org/drawingml/2006/main" xmlns:r="http://schemas.openxmlformats.org/officeDocument/2006/relationships" xmlns:p="http://schemas.openxmlformats.org/presentationml/2006/main">
-  <p:cSld>
-    <p:spTree>
-      <p:nvGrpSpPr>
-        <p:cNvPr id="1" name=""/>
-        <p:cNvGrpSpPr/>
-        <p:nvPr/>
-      </p:nvGrpSpPr>
-      <p:grpSpPr>
-        <a:xfrm>
-          <a:off x="0" y="0"/>
-          <a:ext cx="0" cy="0"/>
-          <a:chOff x="0" y="0"/>
-          <a:chExt cx="0" cy="0"/>
-        </a:xfrm>
-      </p:grpSpPr>
-      <p:sp>
-        <p:nvSpPr>
-          <p:cNvPr id="2" name="Title 1">
-            <a:extLst>
-              <a:ext uri="{FF2B5EF4-FFF2-40B4-BE49-F238E27FC236}">
-                <a16:creationId xmlns:a16="http://schemas.microsoft.com/office/drawing/2014/main" id="{9D8D6E4C-FC36-3E4C-9387-96DD20072D9D}"/>
-              </a:ext>
-            </a:extLst>
-          </p:cNvPr>
-          <p:cNvSpPr>
-            <a:spLocks noGrp="1"/>
-          </p:cNvSpPr>
-          <p:nvPr>
-            <p:ph type="ctrTitle"/>
-          </p:nvPr>
-        </p:nvSpPr>
-        <p:spPr>
-          <a:xfrm>
-            <a:off x="1524000" y="914013"/>
-            <a:ext cx="9144000" cy="2387600"/>
-          </a:xfrm>
-        </p:spPr>
-        <p:txBody>
-          <a:bodyPr/>
-          <a:lstStyle/>
-          <a:p>
-            <a:r>
-              <a:rPr lang="en-US" dirty="0"/>
-              <a:t>Part IV</a:t>
-            </a:r>
-          </a:p>
-        </p:txBody>
-      </p:sp>
-      <p:sp>
-        <p:nvSpPr>
-          <p:cNvPr id="3" name="Subtitle 2">
-            <a:extLst>
-              <a:ext uri="{FF2B5EF4-FFF2-40B4-BE49-F238E27FC236}">
-                <a16:creationId xmlns:a16="http://schemas.microsoft.com/office/drawing/2014/main" id="{0451A0DE-9D64-5A48-94B5-5B4E42709819}"/>
-              </a:ext>
-            </a:extLst>
-          </p:cNvPr>
-          <p:cNvSpPr>
-            <a:spLocks noGrp="1"/>
-          </p:cNvSpPr>
-          <p:nvPr>
-            <p:ph type="subTitle" idx="1"/>
-          </p:nvPr>
-        </p:nvSpPr>
-        <p:spPr>
-          <a:xfrm>
-            <a:off x="1524000" y="3393688"/>
-            <a:ext cx="9144000" cy="1655762"/>
-          </a:xfrm>
-        </p:spPr>
-        <p:txBody>
-          <a:bodyPr/>
-          <a:lstStyle/>
-          <a:p>
-            <a:r>
-              <a:rPr lang="en-US" dirty="0"/>
-              <a:t>Cisco Platform APIs Overview</a:t>
-            </a:r>
-          </a:p>
-        </p:txBody>
-      </p:sp>
-    </p:spTree>
-    <p:extLst>
-      <p:ext uri="{BB962C8B-B14F-4D97-AF65-F5344CB8AC3E}">
-        <p14:creationId xmlns:p14="http://schemas.microsoft.com/office/powerpoint/2010/main" val="899135878"/>
-      </p:ext>
-    </p:extLst>
-  </p:cSld>
-  <p:clrMapOvr>
-    <a:masterClrMapping/>
-  </p:clrMapOvr>
-  <mc:AlternateContent xmlns:mc="http://schemas.openxmlformats.org/markup-compatibility/2006" xmlns:p14="http://schemas.microsoft.com/office/powerpoint/2010/main">
-    <mc:Choice Requires="p14">
-      <p:transition spd="med" p14:dur="700">
-        <p:fade/>
-      </p:transition>
-    </mc:Choice>
-    <mc:Fallback xmlns="">
-      <p:transition spd="med">
-        <p:fade/>
-      </p:transition>
-    </mc:Fallback>
-  </mc:AlternateContent>
-</p:sld>
-</file>
-
-<file path=ppt/slides/slide18.xml><?xml version="1.0" encoding="utf-8"?>
-<p:sld xmlns:a="http://schemas.openxmlformats.org/drawingml/2006/main" xmlns:r="http://schemas.openxmlformats.org/officeDocument/2006/relationships" xmlns:p="http://schemas.openxmlformats.org/presentationml/2006/main">
-  <p:cSld>
-    <p:spTree>
-      <p:nvGrpSpPr>
-        <p:cNvPr id="1" name=""/>
-        <p:cNvGrpSpPr/>
-        <p:nvPr/>
-      </p:nvGrpSpPr>
-      <p:grpSpPr>
-        <a:xfrm>
-          <a:off x="0" y="0"/>
-          <a:ext cx="0" cy="0"/>
-          <a:chOff x="0" y="0"/>
-          <a:chExt cx="0" cy="0"/>
-        </a:xfrm>
-      </p:grpSpPr>
-      <p:sp>
-        <p:nvSpPr>
-          <p:cNvPr id="2" name="Title 1">
-            <a:extLst>
-              <a:ext uri="{FF2B5EF4-FFF2-40B4-BE49-F238E27FC236}">
-                <a16:creationId xmlns:a16="http://schemas.microsoft.com/office/drawing/2014/main" id="{EB7C4089-1746-624B-8E73-D3DAB8E88CDD}"/>
-              </a:ext>
-            </a:extLst>
-          </p:cNvPr>
-          <p:cNvSpPr>
-            <a:spLocks noGrp="1"/>
-          </p:cNvSpPr>
-          <p:nvPr>
-            <p:ph type="title"/>
-          </p:nvPr>
-        </p:nvSpPr>
-        <p:spPr/>
-        <p:txBody>
-          <a:bodyPr/>
-          <a:lstStyle/>
-          <a:p>
-            <a:r>
-              <a:rPr lang="en-US" dirty="0"/>
-              <a:t>Outline</a:t>
-            </a:r>
-          </a:p>
-        </p:txBody>
-      </p:sp>
-      <p:sp>
-        <p:nvSpPr>
-          <p:cNvPr id="3" name="Content Placeholder 2">
-            <a:extLst>
-              <a:ext uri="{FF2B5EF4-FFF2-40B4-BE49-F238E27FC236}">
-                <a16:creationId xmlns:a16="http://schemas.microsoft.com/office/drawing/2014/main" id="{65426B10-0364-A849-B3A4-1D0DA409155A}"/>
-              </a:ext>
-            </a:extLst>
-          </p:cNvPr>
-          <p:cNvSpPr>
-            <a:spLocks noGrp="1"/>
-          </p:cNvSpPr>
-          <p:nvPr>
-            <p:ph idx="1"/>
-          </p:nvPr>
-        </p:nvSpPr>
-        <p:spPr/>
-        <p:txBody>
-          <a:bodyPr>
-            <a:normAutofit lnSpcReduction="10000"/>
-          </a:bodyPr>
-          <a:lstStyle/>
-          <a:p>
-            <a:r>
-              <a:rPr lang="en-US" dirty="0"/>
-              <a:t>For each of these platforms:</a:t>
-            </a:r>
-          </a:p>
-          <a:p>
-            <a:pPr lvl="1"/>
-            <a:r>
-              <a:rPr lang="en-US" dirty="0"/>
-              <a:t>DNAC</a:t>
-            </a:r>
-          </a:p>
-          <a:p>
-            <a:pPr lvl="1"/>
-            <a:r>
-              <a:rPr lang="en-US" dirty="0" err="1"/>
-              <a:t>Webex</a:t>
-            </a:r>
-            <a:r>
-              <a:rPr lang="en-US" dirty="0"/>
-              <a:t> Teams</a:t>
-            </a:r>
-          </a:p>
-          <a:p>
-            <a:pPr lvl="1"/>
-            <a:r>
-              <a:rPr lang="en-US" dirty="0"/>
-              <a:t>Meraki</a:t>
-            </a:r>
-          </a:p>
-          <a:p>
-            <a:pPr lvl="1"/>
-            <a:r>
-              <a:rPr lang="en-US" dirty="0"/>
-              <a:t>ACI</a:t>
-            </a:r>
-          </a:p>
-          <a:p>
-            <a:pPr lvl="1"/>
-            <a:r>
-              <a:rPr lang="en-US" dirty="0"/>
-              <a:t>Firepower</a:t>
-            </a:r>
-          </a:p>
-          <a:p>
-            <a:pPr lvl="1"/>
-            <a:r>
-              <a:rPr lang="en-US" dirty="0"/>
-              <a:t>SD-WAN</a:t>
-            </a:r>
-          </a:p>
-          <a:p>
-            <a:r>
-              <a:rPr lang="en-US" dirty="0"/>
-              <a:t>Perform the following tasks:</a:t>
-            </a:r>
-          </a:p>
-          <a:p>
-            <a:pPr lvl="1"/>
-            <a:r>
-              <a:rPr lang="en-US" dirty="0"/>
-              <a:t>Platform summary overview</a:t>
-            </a:r>
-          </a:p>
-          <a:p>
-            <a:pPr lvl="1"/>
-            <a:r>
-              <a:rPr lang="en-US" dirty="0"/>
-              <a:t>Review API documentation </a:t>
-            </a:r>
-          </a:p>
-          <a:p>
-            <a:pPr lvl="1"/>
-            <a:r>
-              <a:rPr lang="en-US" dirty="0"/>
-              <a:t>Review resources available for programmatic access/practice/testing</a:t>
-            </a:r>
-          </a:p>
-        </p:txBody>
-      </p:sp>
-      <p:sp>
-        <p:nvSpPr>
-          <p:cNvPr id="4" name="Date Placeholder 3">
-            <a:extLst>
-              <a:ext uri="{FF2B5EF4-FFF2-40B4-BE49-F238E27FC236}">
-                <a16:creationId xmlns:a16="http://schemas.microsoft.com/office/drawing/2014/main" id="{7ECEAF79-F4AC-E94E-9E55-220D0D396924}"/>
-              </a:ext>
-            </a:extLst>
-          </p:cNvPr>
-          <p:cNvSpPr>
-            <a:spLocks noGrp="1"/>
-          </p:cNvSpPr>
-          <p:nvPr>
-            <p:ph type="dt" sz="half" idx="10"/>
-          </p:nvPr>
-        </p:nvSpPr>
-        <p:spPr/>
-        <p:txBody>
-          <a:bodyPr/>
-          <a:lstStyle/>
-          <a:p>
-            <a:r>
-              <a:rPr lang="en-US"/>
-              <a:t>World Wide Technology ©</a:t>
-            </a:r>
-            <a:endParaRPr lang="en-US" dirty="0"/>
-          </a:p>
-        </p:txBody>
-      </p:sp>
-      <p:sp>
-        <p:nvSpPr>
-          <p:cNvPr id="5" name="Slide Number Placeholder 4">
-            <a:extLst>
-              <a:ext uri="{FF2B5EF4-FFF2-40B4-BE49-F238E27FC236}">
-                <a16:creationId xmlns:a16="http://schemas.microsoft.com/office/drawing/2014/main" id="{372DC1A4-CE8B-DB4A-8F86-2508518C35D3}"/>
-              </a:ext>
-            </a:extLst>
-          </p:cNvPr>
-          <p:cNvSpPr>
-            <a:spLocks noGrp="1"/>
-          </p:cNvSpPr>
-          <p:nvPr>
-            <p:ph type="sldNum" sz="quarter" idx="12"/>
-          </p:nvPr>
-        </p:nvSpPr>
-        <p:spPr/>
-        <p:txBody>
-          <a:bodyPr/>
-          <a:lstStyle/>
-          <a:p>
-            <a:fld id="{A44B02FA-DD2D-1844-AE35-8B2EAB0CF4EF}" type="slidenum">
-              <a:rPr lang="en-US" smtClean="0"/>
-              <a:pPr/>
-              <a:t>18</a:t>
-            </a:fld>
-            <a:endParaRPr lang="en-US" dirty="0"/>
-          </a:p>
-        </p:txBody>
-      </p:sp>
-    </p:spTree>
-    <p:extLst>
-      <p:ext uri="{BB962C8B-B14F-4D97-AF65-F5344CB8AC3E}">
-        <p14:creationId xmlns:p14="http://schemas.microsoft.com/office/powerpoint/2010/main" val="1513264745"/>
-      </p:ext>
-    </p:extLst>
-  </p:cSld>
-  <p:clrMapOvr>
-    <a:masterClrMapping/>
-  </p:clrMapOvr>
-  <mc:AlternateContent xmlns:mc="http://schemas.openxmlformats.org/markup-compatibility/2006" xmlns:p14="http://schemas.microsoft.com/office/powerpoint/2010/main">
-    <mc:Choice Requires="p14">
-      <p:transition spd="med" p14:dur="700">
-        <p:fade/>
-      </p:transition>
-    </mc:Choice>
-    <mc:Fallback xmlns="">
-      <p:transition spd="med">
-        <p:fade/>
-      </p:transition>
-    </mc:Fallback>
-  </mc:AlternateContent>
-</p:sld>
-</file>
-
-<file path=ppt/slides/slide19.xml><?xml version="1.0" encoding="utf-8"?>
-<p:sld xmlns:a="http://schemas.openxmlformats.org/drawingml/2006/main" xmlns:r="http://schemas.openxmlformats.org/officeDocument/2006/relationships" xmlns:p="http://schemas.openxmlformats.org/presentationml/2006/main">
-  <p:cSld>
-    <p:spTree>
-      <p:nvGrpSpPr>
-        <p:cNvPr id="1" name=""/>
-        <p:cNvGrpSpPr/>
-        <p:nvPr/>
-      </p:nvGrpSpPr>
-      <p:grpSpPr>
-        <a:xfrm>
-          <a:off x="0" y="0"/>
-          <a:ext cx="0" cy="0"/>
-          <a:chOff x="0" y="0"/>
-          <a:chExt cx="0" cy="0"/>
-        </a:xfrm>
-      </p:grpSpPr>
-      <p:sp>
-        <p:nvSpPr>
-          <p:cNvPr id="2" name="Title 1">
-            <a:extLst>
-              <a:ext uri="{FF2B5EF4-FFF2-40B4-BE49-F238E27FC236}">
-                <a16:creationId xmlns:a16="http://schemas.microsoft.com/office/drawing/2014/main" id="{9D8D6E4C-FC36-3E4C-9387-96DD20072D9D}"/>
-              </a:ext>
-            </a:extLst>
-          </p:cNvPr>
-          <p:cNvSpPr>
-            <a:spLocks noGrp="1"/>
-          </p:cNvSpPr>
-          <p:nvPr>
-            <p:ph type="ctrTitle"/>
-          </p:nvPr>
-        </p:nvSpPr>
-        <p:spPr>
-          <a:xfrm>
-            <a:off x="1524000" y="914013"/>
-            <a:ext cx="9144000" cy="2387600"/>
-          </a:xfrm>
-        </p:spPr>
-        <p:txBody>
-          <a:bodyPr/>
-          <a:lstStyle/>
-          <a:p>
-            <a:r>
-              <a:rPr lang="en-US" dirty="0"/>
-              <a:t>Part V</a:t>
-            </a:r>
-          </a:p>
-        </p:txBody>
-      </p:sp>
-      <p:sp>
-        <p:nvSpPr>
-          <p:cNvPr id="3" name="Subtitle 2">
-            <a:extLst>
-              <a:ext uri="{FF2B5EF4-FFF2-40B4-BE49-F238E27FC236}">
-                <a16:creationId xmlns:a16="http://schemas.microsoft.com/office/drawing/2014/main" id="{0451A0DE-9D64-5A48-94B5-5B4E42709819}"/>
-              </a:ext>
-            </a:extLst>
-          </p:cNvPr>
-          <p:cNvSpPr>
-            <a:spLocks noGrp="1"/>
-          </p:cNvSpPr>
-          <p:nvPr>
-            <p:ph type="subTitle" idx="1"/>
-          </p:nvPr>
-        </p:nvSpPr>
-        <p:spPr>
-          <a:xfrm>
-            <a:off x="1524000" y="3393688"/>
-            <a:ext cx="9144000" cy="1655762"/>
-          </a:xfrm>
-        </p:spPr>
-        <p:txBody>
-          <a:bodyPr/>
-          <a:lstStyle/>
-          <a:p>
-            <a:r>
-              <a:rPr lang="en-US" dirty="0"/>
-              <a:t>Interact With Cisco Platform APIs Using </a:t>
-            </a:r>
-            <a:r>
-              <a:rPr lang="en-US" dirty="0" err="1"/>
-              <a:t>cURL</a:t>
-            </a:r>
-            <a:endParaRPr lang="en-US" dirty="0"/>
-          </a:p>
-        </p:txBody>
-      </p:sp>
-    </p:spTree>
-    <p:extLst>
-      <p:ext uri="{BB962C8B-B14F-4D97-AF65-F5344CB8AC3E}">
-        <p14:creationId xmlns:p14="http://schemas.microsoft.com/office/powerpoint/2010/main" val="2203929534"/>
-      </p:ext>
-    </p:extLst>
-  </p:cSld>
-  <p:clrMapOvr>
-    <a:masterClrMapping/>
-  </p:clrMapOvr>
-  <mc:AlternateContent xmlns:mc="http://schemas.openxmlformats.org/markup-compatibility/2006" xmlns:p14="http://schemas.microsoft.com/office/powerpoint/2010/main">
-    <mc:Choice Requires="p14">
-      <p:transition spd="med" p14:dur="700">
-        <p:fade/>
-      </p:transition>
-    </mc:Choice>
-    <mc:Fallback xmlns="">
-      <p:transition spd="med">
-        <p:fade/>
-      </p:transition>
-    </mc:Fallback>
-  </mc:AlternateContent>
 </p:sld>
 </file>
 
@@ -10793,7 +15022,7 @@
           <p:cNvPr id="2" name="Title 1">
             <a:extLst>
               <a:ext uri="{FF2B5EF4-FFF2-40B4-BE49-F238E27FC236}">
-                <a16:creationId xmlns:a16="http://schemas.microsoft.com/office/drawing/2014/main" id="{EB7C4089-1746-624B-8E73-D3DAB8E88CDD}"/>
+                <a16:creationId xmlns:a16="http://schemas.microsoft.com/office/drawing/2014/main" id="{9D8D6E4C-FC36-3E4C-9387-96DD20072D9D}"/>
               </a:ext>
             </a:extLst>
           </p:cNvPr>
@@ -10801,27 +15030,32 @@
             <a:spLocks noGrp="1"/>
           </p:cNvSpPr>
           <p:nvPr>
-            <p:ph type="title"/>
-          </p:nvPr>
-        </p:nvSpPr>
-        <p:spPr/>
+            <p:ph type="ctrTitle"/>
+          </p:nvPr>
+        </p:nvSpPr>
+        <p:spPr>
+          <a:xfrm>
+            <a:off x="1524000" y="914013"/>
+            <a:ext cx="9144000" cy="2387600"/>
+          </a:xfrm>
+        </p:spPr>
         <p:txBody>
           <a:bodyPr/>
           <a:lstStyle/>
           <a:p>
             <a:r>
               <a:rPr lang="en-US" dirty="0"/>
-              <a:t>Outline</a:t>
-            </a:r>
-          </a:p>
-        </p:txBody>
-      </p:sp>
-      <p:sp>
-        <p:nvSpPr>
-          <p:cNvPr id="3" name="Content Placeholder 2">
+              <a:t>Part IV</a:t>
+            </a:r>
+          </a:p>
+        </p:txBody>
+      </p:sp>
+      <p:sp>
+        <p:nvSpPr>
+          <p:cNvPr id="3" name="Subtitle 2">
             <a:extLst>
               <a:ext uri="{FF2B5EF4-FFF2-40B4-BE49-F238E27FC236}">
-                <a16:creationId xmlns:a16="http://schemas.microsoft.com/office/drawing/2014/main" id="{65426B10-0364-A849-B3A4-1D0DA409155A}"/>
+                <a16:creationId xmlns:a16="http://schemas.microsoft.com/office/drawing/2014/main" id="{0451A0DE-9D64-5A48-94B5-5B4E42709819}"/>
               </a:ext>
             </a:extLst>
           </p:cNvPr>
@@ -10829,159 +15063,30 @@
             <a:spLocks noGrp="1"/>
           </p:cNvSpPr>
           <p:nvPr>
-            <p:ph idx="1"/>
-          </p:nvPr>
-        </p:nvSpPr>
-        <p:spPr/>
+            <p:ph type="subTitle" idx="1"/>
+          </p:nvPr>
+        </p:nvSpPr>
+        <p:spPr>
+          <a:xfrm>
+            <a:off x="1524000" y="3393688"/>
+            <a:ext cx="9144000" cy="1655762"/>
+          </a:xfrm>
+        </p:spPr>
         <p:txBody>
           <a:bodyPr/>
           <a:lstStyle/>
           <a:p>
             <a:r>
               <a:rPr lang="en-US" dirty="0"/>
-              <a:t>For each of these platforms:</a:t>
-            </a:r>
-          </a:p>
-          <a:p>
-            <a:pPr lvl="1"/>
-            <a:r>
-              <a:rPr lang="en-US" dirty="0"/>
-              <a:t>DNAC</a:t>
-            </a:r>
-          </a:p>
-          <a:p>
-            <a:pPr lvl="1"/>
-            <a:r>
-              <a:rPr lang="en-US" dirty="0" err="1"/>
-              <a:t>Webex</a:t>
-            </a:r>
-            <a:r>
-              <a:rPr lang="en-US" dirty="0"/>
-              <a:t> Teams</a:t>
-            </a:r>
-          </a:p>
-          <a:p>
-            <a:pPr lvl="1"/>
-            <a:r>
-              <a:rPr lang="en-US" dirty="0"/>
-              <a:t>Meraki</a:t>
-            </a:r>
-          </a:p>
-          <a:p>
-            <a:pPr lvl="1"/>
-            <a:r>
-              <a:rPr lang="en-US" dirty="0"/>
-              <a:t>ACI</a:t>
-            </a:r>
-          </a:p>
-          <a:p>
-            <a:r>
-              <a:rPr lang="en-US" dirty="0"/>
-              <a:t>Perform the following tasks:</a:t>
-            </a:r>
-          </a:p>
-          <a:p>
-            <a:pPr lvl="1"/>
-            <a:r>
-              <a:rPr lang="en-US" dirty="0"/>
-              <a:t>Understand authentication methodology</a:t>
-            </a:r>
-          </a:p>
-          <a:p>
-            <a:pPr lvl="1"/>
-            <a:r>
-              <a:rPr lang="en-US" dirty="0"/>
-              <a:t>Build </a:t>
-            </a:r>
-            <a:r>
-              <a:rPr lang="en-US" dirty="0" err="1"/>
-              <a:t>cURL</a:t>
-            </a:r>
-            <a:r>
-              <a:rPr lang="en-US" dirty="0"/>
-              <a:t> request to authenticate</a:t>
-            </a:r>
-          </a:p>
-          <a:p>
-            <a:pPr lvl="1"/>
-            <a:r>
-              <a:rPr lang="en-US" dirty="0"/>
-              <a:t>Build </a:t>
-            </a:r>
-            <a:r>
-              <a:rPr lang="en-US" dirty="0" err="1"/>
-              <a:t>cURL</a:t>
-            </a:r>
-            <a:r>
-              <a:rPr lang="en-US" dirty="0"/>
-              <a:t> request(s) to read/write data</a:t>
-            </a:r>
-          </a:p>
-        </p:txBody>
-      </p:sp>
-      <p:sp>
-        <p:nvSpPr>
-          <p:cNvPr id="4" name="Date Placeholder 3">
-            <a:extLst>
-              <a:ext uri="{FF2B5EF4-FFF2-40B4-BE49-F238E27FC236}">
-                <a16:creationId xmlns:a16="http://schemas.microsoft.com/office/drawing/2014/main" id="{7ECEAF79-F4AC-E94E-9E55-220D0D396924}"/>
-              </a:ext>
-            </a:extLst>
-          </p:cNvPr>
-          <p:cNvSpPr>
-            <a:spLocks noGrp="1"/>
-          </p:cNvSpPr>
-          <p:nvPr>
-            <p:ph type="dt" sz="half" idx="10"/>
-          </p:nvPr>
-        </p:nvSpPr>
-        <p:spPr/>
-        <p:txBody>
-          <a:bodyPr/>
-          <a:lstStyle/>
-          <a:p>
-            <a:r>
-              <a:rPr lang="en-US"/>
-              <a:t>World Wide Technology ©</a:t>
-            </a:r>
-            <a:endParaRPr lang="en-US" dirty="0"/>
-          </a:p>
-        </p:txBody>
-      </p:sp>
-      <p:sp>
-        <p:nvSpPr>
-          <p:cNvPr id="5" name="Slide Number Placeholder 4">
-            <a:extLst>
-              <a:ext uri="{FF2B5EF4-FFF2-40B4-BE49-F238E27FC236}">
-                <a16:creationId xmlns:a16="http://schemas.microsoft.com/office/drawing/2014/main" id="{372DC1A4-CE8B-DB4A-8F86-2508518C35D3}"/>
-              </a:ext>
-            </a:extLst>
-          </p:cNvPr>
-          <p:cNvSpPr>
-            <a:spLocks noGrp="1"/>
-          </p:cNvSpPr>
-          <p:nvPr>
-            <p:ph type="sldNum" sz="quarter" idx="12"/>
-          </p:nvPr>
-        </p:nvSpPr>
-        <p:spPr/>
-        <p:txBody>
-          <a:bodyPr/>
-          <a:lstStyle/>
-          <a:p>
-            <a:fld id="{A44B02FA-DD2D-1844-AE35-8B2EAB0CF4EF}" type="slidenum">
-              <a:rPr lang="en-US" smtClean="0"/>
-              <a:pPr/>
-              <a:t>20</a:t>
-            </a:fld>
-            <a:endParaRPr lang="en-US" dirty="0"/>
+              <a:t>Cisco Platform APIs Overview</a:t>
+            </a:r>
           </a:p>
         </p:txBody>
       </p:sp>
     </p:spTree>
     <p:extLst>
       <p:ext uri="{BB962C8B-B14F-4D97-AF65-F5344CB8AC3E}">
-        <p14:creationId xmlns:p14="http://schemas.microsoft.com/office/powerpoint/2010/main" val="2063027843"/>
+        <p14:creationId xmlns:p14="http://schemas.microsoft.com/office/powerpoint/2010/main" val="899135878"/>
       </p:ext>
     </p:extLst>
   </p:cSld>
@@ -11025,7 +15130,7 @@
           <p:cNvPr id="2" name="Title 1">
             <a:extLst>
               <a:ext uri="{FF2B5EF4-FFF2-40B4-BE49-F238E27FC236}">
-                <a16:creationId xmlns:a16="http://schemas.microsoft.com/office/drawing/2014/main" id="{9D8D6E4C-FC36-3E4C-9387-96DD20072D9D}"/>
+                <a16:creationId xmlns:a16="http://schemas.microsoft.com/office/drawing/2014/main" id="{EB7C4089-1746-624B-8E73-D3DAB8E88CDD}"/>
               </a:ext>
             </a:extLst>
           </p:cNvPr>
@@ -11033,32 +15138,27 @@
             <a:spLocks noGrp="1"/>
           </p:cNvSpPr>
           <p:nvPr>
-            <p:ph type="ctrTitle"/>
-          </p:nvPr>
-        </p:nvSpPr>
-        <p:spPr>
-          <a:xfrm>
-            <a:off x="1524000" y="914013"/>
-            <a:ext cx="9144000" cy="2387600"/>
-          </a:xfrm>
-        </p:spPr>
+            <p:ph type="title"/>
+          </p:nvPr>
+        </p:nvSpPr>
+        <p:spPr/>
         <p:txBody>
           <a:bodyPr/>
           <a:lstStyle/>
           <a:p>
             <a:r>
               <a:rPr lang="en-US" dirty="0"/>
-              <a:t>Part VI</a:t>
-            </a:r>
-          </a:p>
-        </p:txBody>
-      </p:sp>
-      <p:sp>
-        <p:nvSpPr>
-          <p:cNvPr id="3" name="Subtitle 2">
+              <a:t>Outline</a:t>
+            </a:r>
+          </a:p>
+        </p:txBody>
+      </p:sp>
+      <p:sp>
+        <p:nvSpPr>
+          <p:cNvPr id="3" name="Content Placeholder 2">
             <a:extLst>
               <a:ext uri="{FF2B5EF4-FFF2-40B4-BE49-F238E27FC236}">
-                <a16:creationId xmlns:a16="http://schemas.microsoft.com/office/drawing/2014/main" id="{0451A0DE-9D64-5A48-94B5-5B4E42709819}"/>
+                <a16:creationId xmlns:a16="http://schemas.microsoft.com/office/drawing/2014/main" id="{65426B10-0364-A849-B3A4-1D0DA409155A}"/>
               </a:ext>
             </a:extLst>
           </p:cNvPr>
@@ -11066,30 +15166,159 @@
             <a:spLocks noGrp="1"/>
           </p:cNvSpPr>
           <p:nvPr>
-            <p:ph type="subTitle" idx="1"/>
-          </p:nvPr>
-        </p:nvSpPr>
-        <p:spPr>
-          <a:xfrm>
-            <a:off x="1524000" y="3393688"/>
-            <a:ext cx="9144000" cy="1655762"/>
-          </a:xfrm>
-        </p:spPr>
+            <p:ph idx="1"/>
+          </p:nvPr>
+        </p:nvSpPr>
+        <p:spPr/>
+        <p:txBody>
+          <a:bodyPr>
+            <a:normAutofit lnSpcReduction="10000"/>
+          </a:bodyPr>
+          <a:lstStyle/>
+          <a:p>
+            <a:r>
+              <a:rPr lang="en-US" dirty="0"/>
+              <a:t>For each of these platforms:</a:t>
+            </a:r>
+          </a:p>
+          <a:p>
+            <a:pPr lvl="1"/>
+            <a:r>
+              <a:rPr lang="en-US" dirty="0"/>
+              <a:t>DNAC</a:t>
+            </a:r>
+          </a:p>
+          <a:p>
+            <a:pPr lvl="1"/>
+            <a:r>
+              <a:rPr lang="en-US" dirty="0" err="1"/>
+              <a:t>Webex</a:t>
+            </a:r>
+            <a:r>
+              <a:rPr lang="en-US" dirty="0"/>
+              <a:t> Teams</a:t>
+            </a:r>
+          </a:p>
+          <a:p>
+            <a:pPr lvl="1"/>
+            <a:r>
+              <a:rPr lang="en-US" dirty="0"/>
+              <a:t>Meraki</a:t>
+            </a:r>
+          </a:p>
+          <a:p>
+            <a:pPr lvl="1"/>
+            <a:r>
+              <a:rPr lang="en-US" dirty="0"/>
+              <a:t>ACI</a:t>
+            </a:r>
+          </a:p>
+          <a:p>
+            <a:pPr lvl="1"/>
+            <a:r>
+              <a:rPr lang="en-US" dirty="0"/>
+              <a:t>Firepower</a:t>
+            </a:r>
+          </a:p>
+          <a:p>
+            <a:pPr lvl="1"/>
+            <a:r>
+              <a:rPr lang="en-US" dirty="0"/>
+              <a:t>SD-WAN</a:t>
+            </a:r>
+          </a:p>
+          <a:p>
+            <a:r>
+              <a:rPr lang="en-US" dirty="0"/>
+              <a:t>Perform the following tasks:</a:t>
+            </a:r>
+          </a:p>
+          <a:p>
+            <a:pPr lvl="1"/>
+            <a:r>
+              <a:rPr lang="en-US" dirty="0"/>
+              <a:t>Platform summary overview</a:t>
+            </a:r>
+          </a:p>
+          <a:p>
+            <a:pPr lvl="1"/>
+            <a:r>
+              <a:rPr lang="en-US" dirty="0"/>
+              <a:t>Review API documentation </a:t>
+            </a:r>
+          </a:p>
+          <a:p>
+            <a:pPr lvl="1"/>
+            <a:r>
+              <a:rPr lang="en-US" dirty="0"/>
+              <a:t>Review resources available for programmatic access/practice/testing</a:t>
+            </a:r>
+          </a:p>
+        </p:txBody>
+      </p:sp>
+      <p:sp>
+        <p:nvSpPr>
+          <p:cNvPr id="4" name="Date Placeholder 3">
+            <a:extLst>
+              <a:ext uri="{FF2B5EF4-FFF2-40B4-BE49-F238E27FC236}">
+                <a16:creationId xmlns:a16="http://schemas.microsoft.com/office/drawing/2014/main" id="{7ECEAF79-F4AC-E94E-9E55-220D0D396924}"/>
+              </a:ext>
+            </a:extLst>
+          </p:cNvPr>
+          <p:cNvSpPr>
+            <a:spLocks noGrp="1"/>
+          </p:cNvSpPr>
+          <p:nvPr>
+            <p:ph type="dt" sz="half" idx="10"/>
+          </p:nvPr>
+        </p:nvSpPr>
+        <p:spPr/>
         <p:txBody>
           <a:bodyPr/>
           <a:lstStyle/>
           <a:p>
             <a:r>
-              <a:rPr lang="en-US" dirty="0"/>
-              <a:t>Interact With Cisco Platform APIs Using Python Requests</a:t>
-            </a:r>
+              <a:rPr lang="en-US"/>
+              <a:t>World Wide Technology ©</a:t>
+            </a:r>
+            <a:endParaRPr lang="en-US" dirty="0"/>
+          </a:p>
+        </p:txBody>
+      </p:sp>
+      <p:sp>
+        <p:nvSpPr>
+          <p:cNvPr id="5" name="Slide Number Placeholder 4">
+            <a:extLst>
+              <a:ext uri="{FF2B5EF4-FFF2-40B4-BE49-F238E27FC236}">
+                <a16:creationId xmlns:a16="http://schemas.microsoft.com/office/drawing/2014/main" id="{372DC1A4-CE8B-DB4A-8F86-2508518C35D3}"/>
+              </a:ext>
+            </a:extLst>
+          </p:cNvPr>
+          <p:cNvSpPr>
+            <a:spLocks noGrp="1"/>
+          </p:cNvSpPr>
+          <p:nvPr>
+            <p:ph type="sldNum" sz="quarter" idx="12"/>
+          </p:nvPr>
+        </p:nvSpPr>
+        <p:spPr/>
+        <p:txBody>
+          <a:bodyPr/>
+          <a:lstStyle/>
+          <a:p>
+            <a:fld id="{A44B02FA-DD2D-1844-AE35-8B2EAB0CF4EF}" type="slidenum">
+              <a:rPr lang="en-US" smtClean="0"/>
+              <a:pPr/>
+              <a:t>21</a:t>
+            </a:fld>
+            <a:endParaRPr lang="en-US" dirty="0"/>
           </a:p>
         </p:txBody>
       </p:sp>
     </p:spTree>
     <p:extLst>
       <p:ext uri="{BB962C8B-B14F-4D97-AF65-F5344CB8AC3E}">
-        <p14:creationId xmlns:p14="http://schemas.microsoft.com/office/powerpoint/2010/main" val="4218248441"/>
+        <p14:creationId xmlns:p14="http://schemas.microsoft.com/office/powerpoint/2010/main" val="1513264745"/>
       </p:ext>
     </p:extLst>
   </p:cSld>
@@ -11133,7 +15362,7 @@
           <p:cNvPr id="2" name="Title 1">
             <a:extLst>
               <a:ext uri="{FF2B5EF4-FFF2-40B4-BE49-F238E27FC236}">
-                <a16:creationId xmlns:a16="http://schemas.microsoft.com/office/drawing/2014/main" id="{EB7C4089-1746-624B-8E73-D3DAB8E88CDD}"/>
+                <a16:creationId xmlns:a16="http://schemas.microsoft.com/office/drawing/2014/main" id="{9D8D6E4C-FC36-3E4C-9387-96DD20072D9D}"/>
               </a:ext>
             </a:extLst>
           </p:cNvPr>
@@ -11141,27 +15370,32 @@
             <a:spLocks noGrp="1"/>
           </p:cNvSpPr>
           <p:nvPr>
-            <p:ph type="title"/>
-          </p:nvPr>
-        </p:nvSpPr>
-        <p:spPr/>
+            <p:ph type="ctrTitle"/>
+          </p:nvPr>
+        </p:nvSpPr>
+        <p:spPr>
+          <a:xfrm>
+            <a:off x="1524000" y="914013"/>
+            <a:ext cx="9144000" cy="2387600"/>
+          </a:xfrm>
+        </p:spPr>
         <p:txBody>
           <a:bodyPr/>
           <a:lstStyle/>
           <a:p>
             <a:r>
               <a:rPr lang="en-US" dirty="0"/>
-              <a:t>Outline</a:t>
-            </a:r>
-          </a:p>
-        </p:txBody>
-      </p:sp>
-      <p:sp>
-        <p:nvSpPr>
-          <p:cNvPr id="3" name="Content Placeholder 2">
+              <a:t>Part V</a:t>
+            </a:r>
+          </a:p>
+        </p:txBody>
+      </p:sp>
+      <p:sp>
+        <p:nvSpPr>
+          <p:cNvPr id="3" name="Subtitle 2">
             <a:extLst>
               <a:ext uri="{FF2B5EF4-FFF2-40B4-BE49-F238E27FC236}">
-                <a16:creationId xmlns:a16="http://schemas.microsoft.com/office/drawing/2014/main" id="{65426B10-0364-A849-B3A4-1D0DA409155A}"/>
+                <a16:creationId xmlns:a16="http://schemas.microsoft.com/office/drawing/2014/main" id="{0451A0DE-9D64-5A48-94B5-5B4E42709819}"/>
               </a:ext>
             </a:extLst>
           </p:cNvPr>
@@ -11169,135 +15403,27 @@
             <a:spLocks noGrp="1"/>
           </p:cNvSpPr>
           <p:nvPr>
-            <p:ph idx="1"/>
-          </p:nvPr>
-        </p:nvSpPr>
-        <p:spPr/>
+            <p:ph type="subTitle" idx="1"/>
+          </p:nvPr>
+        </p:nvSpPr>
+        <p:spPr>
+          <a:xfrm>
+            <a:off x="1524000" y="3393688"/>
+            <a:ext cx="9144000" cy="1655762"/>
+          </a:xfrm>
+        </p:spPr>
         <p:txBody>
           <a:bodyPr/>
           <a:lstStyle/>
           <a:p>
             <a:r>
               <a:rPr lang="en-US" dirty="0"/>
-              <a:t>For each of these platforms:</a:t>
-            </a:r>
-          </a:p>
-          <a:p>
-            <a:pPr lvl="1"/>
-            <a:r>
-              <a:rPr lang="en-US" dirty="0"/>
-              <a:t>DNAC</a:t>
-            </a:r>
-          </a:p>
-          <a:p>
-            <a:pPr lvl="1"/>
+              <a:t>Interact With Cisco Platform APIs Using </a:t>
+            </a:r>
             <a:r>
               <a:rPr lang="en-US" dirty="0" err="1"/>
-              <a:t>Webex</a:t>
-            </a:r>
-            <a:r>
-              <a:rPr lang="en-US" dirty="0"/>
-              <a:t> Teams</a:t>
-            </a:r>
-          </a:p>
-          <a:p>
-            <a:pPr lvl="1"/>
-            <a:r>
-              <a:rPr lang="en-US" dirty="0"/>
-              <a:t>Meraki</a:t>
-            </a:r>
-          </a:p>
-          <a:p>
-            <a:pPr lvl="1"/>
-            <a:r>
-              <a:rPr lang="en-US" dirty="0"/>
-              <a:t>ACI</a:t>
-            </a:r>
-          </a:p>
-          <a:p>
-            <a:r>
-              <a:rPr lang="en-US" dirty="0"/>
-              <a:t>Perform the following tasks:</a:t>
-            </a:r>
-          </a:p>
-          <a:p>
-            <a:pPr lvl="1"/>
-            <a:r>
-              <a:rPr lang="en-US" dirty="0"/>
-              <a:t>Review authentication methodology</a:t>
-            </a:r>
-          </a:p>
-          <a:p>
-            <a:pPr lvl="1"/>
-            <a:r>
-              <a:rPr lang="en-US" dirty="0"/>
-              <a:t>Build Python scripts to authenticate</a:t>
-            </a:r>
-          </a:p>
-          <a:p>
-            <a:pPr lvl="1"/>
-            <a:r>
-              <a:rPr lang="en-US" dirty="0"/>
-              <a:t>Build Python scripts to read/write data</a:t>
-            </a:r>
-          </a:p>
-        </p:txBody>
-      </p:sp>
-      <p:sp>
-        <p:nvSpPr>
-          <p:cNvPr id="4" name="Date Placeholder 3">
-            <a:extLst>
-              <a:ext uri="{FF2B5EF4-FFF2-40B4-BE49-F238E27FC236}">
-                <a16:creationId xmlns:a16="http://schemas.microsoft.com/office/drawing/2014/main" id="{7ECEAF79-F4AC-E94E-9E55-220D0D396924}"/>
-              </a:ext>
-            </a:extLst>
-          </p:cNvPr>
-          <p:cNvSpPr>
-            <a:spLocks noGrp="1"/>
-          </p:cNvSpPr>
-          <p:nvPr>
-            <p:ph type="dt" sz="half" idx="10"/>
-          </p:nvPr>
-        </p:nvSpPr>
-        <p:spPr/>
-        <p:txBody>
-          <a:bodyPr/>
-          <a:lstStyle/>
-          <a:p>
-            <a:r>
-              <a:rPr lang="en-US"/>
-              <a:t>World Wide Technology ©</a:t>
-            </a:r>
-            <a:endParaRPr lang="en-US" dirty="0"/>
-          </a:p>
-        </p:txBody>
-      </p:sp>
-      <p:sp>
-        <p:nvSpPr>
-          <p:cNvPr id="5" name="Slide Number Placeholder 4">
-            <a:extLst>
-              <a:ext uri="{FF2B5EF4-FFF2-40B4-BE49-F238E27FC236}">
-                <a16:creationId xmlns:a16="http://schemas.microsoft.com/office/drawing/2014/main" id="{372DC1A4-CE8B-DB4A-8F86-2508518C35D3}"/>
-              </a:ext>
-            </a:extLst>
-          </p:cNvPr>
-          <p:cNvSpPr>
-            <a:spLocks noGrp="1"/>
-          </p:cNvSpPr>
-          <p:nvPr>
-            <p:ph type="sldNum" sz="quarter" idx="12"/>
-          </p:nvPr>
-        </p:nvSpPr>
-        <p:spPr/>
-        <p:txBody>
-          <a:bodyPr/>
-          <a:lstStyle/>
-          <a:p>
-            <a:fld id="{A44B02FA-DD2D-1844-AE35-8B2EAB0CF4EF}" type="slidenum">
-              <a:rPr lang="en-US" smtClean="0"/>
-              <a:pPr/>
-              <a:t>22</a:t>
-            </a:fld>
+              <a:t>cURL</a:t>
+            </a:r>
             <a:endParaRPr lang="en-US" dirty="0"/>
           </a:p>
         </p:txBody>
@@ -11305,7 +15431,7 @@
     </p:spTree>
     <p:extLst>
       <p:ext uri="{BB962C8B-B14F-4D97-AF65-F5344CB8AC3E}">
-        <p14:creationId xmlns:p14="http://schemas.microsoft.com/office/powerpoint/2010/main" val="232106193"/>
+        <p14:creationId xmlns:p14="http://schemas.microsoft.com/office/powerpoint/2010/main" val="2203929534"/>
       </p:ext>
     </p:extLst>
   </p:cSld>
@@ -11349,7 +15475,7 @@
           <p:cNvPr id="2" name="Title 1">
             <a:extLst>
               <a:ext uri="{FF2B5EF4-FFF2-40B4-BE49-F238E27FC236}">
-                <a16:creationId xmlns:a16="http://schemas.microsoft.com/office/drawing/2014/main" id="{9D8D6E4C-FC36-3E4C-9387-96DD20072D9D}"/>
+                <a16:creationId xmlns:a16="http://schemas.microsoft.com/office/drawing/2014/main" id="{EB7C4089-1746-624B-8E73-D3DAB8E88CDD}"/>
               </a:ext>
             </a:extLst>
           </p:cNvPr>
@@ -11357,32 +15483,27 @@
             <a:spLocks noGrp="1"/>
           </p:cNvSpPr>
           <p:nvPr>
-            <p:ph type="ctrTitle"/>
-          </p:nvPr>
-        </p:nvSpPr>
-        <p:spPr>
-          <a:xfrm>
-            <a:off x="1524000" y="914013"/>
-            <a:ext cx="9144000" cy="2387600"/>
-          </a:xfrm>
-        </p:spPr>
+            <p:ph type="title"/>
+          </p:nvPr>
+        </p:nvSpPr>
+        <p:spPr/>
         <p:txBody>
           <a:bodyPr/>
           <a:lstStyle/>
           <a:p>
             <a:r>
               <a:rPr lang="en-US" dirty="0"/>
-              <a:t>Part VII</a:t>
-            </a:r>
-          </a:p>
-        </p:txBody>
-      </p:sp>
-      <p:sp>
-        <p:nvSpPr>
-          <p:cNvPr id="3" name="Subtitle 2">
+              <a:t>Outline</a:t>
+            </a:r>
+          </a:p>
+        </p:txBody>
+      </p:sp>
+      <p:sp>
+        <p:nvSpPr>
+          <p:cNvPr id="3" name="Content Placeholder 2">
             <a:extLst>
               <a:ext uri="{FF2B5EF4-FFF2-40B4-BE49-F238E27FC236}">
-                <a16:creationId xmlns:a16="http://schemas.microsoft.com/office/drawing/2014/main" id="{0451A0DE-9D64-5A48-94B5-5B4E42709819}"/>
+                <a16:creationId xmlns:a16="http://schemas.microsoft.com/office/drawing/2014/main" id="{65426B10-0364-A849-B3A4-1D0DA409155A}"/>
               </a:ext>
             </a:extLst>
           </p:cNvPr>
@@ -11390,30 +15511,159 @@
             <a:spLocks noGrp="1"/>
           </p:cNvSpPr>
           <p:nvPr>
-            <p:ph type="subTitle" idx="1"/>
-          </p:nvPr>
-        </p:nvSpPr>
-        <p:spPr>
-          <a:xfrm>
-            <a:off x="1524000" y="3393688"/>
-            <a:ext cx="9144000" cy="1655762"/>
-          </a:xfrm>
-        </p:spPr>
+            <p:ph idx="1"/>
+          </p:nvPr>
+        </p:nvSpPr>
+        <p:spPr/>
         <p:txBody>
           <a:bodyPr/>
           <a:lstStyle/>
           <a:p>
             <a:r>
               <a:rPr lang="en-US" dirty="0"/>
-              <a:t>Quiz, Practice Resources, &amp; References</a:t>
-            </a:r>
+              <a:t>For each of these platforms:</a:t>
+            </a:r>
+          </a:p>
+          <a:p>
+            <a:pPr lvl="1"/>
+            <a:r>
+              <a:rPr lang="en-US" dirty="0"/>
+              <a:t>DNAC</a:t>
+            </a:r>
+          </a:p>
+          <a:p>
+            <a:pPr lvl="1"/>
+            <a:r>
+              <a:rPr lang="en-US" dirty="0" err="1"/>
+              <a:t>Webex</a:t>
+            </a:r>
+            <a:r>
+              <a:rPr lang="en-US" dirty="0"/>
+              <a:t> Teams</a:t>
+            </a:r>
+          </a:p>
+          <a:p>
+            <a:pPr lvl="1"/>
+            <a:r>
+              <a:rPr lang="en-US" dirty="0"/>
+              <a:t>Meraki</a:t>
+            </a:r>
+          </a:p>
+          <a:p>
+            <a:pPr lvl="1"/>
+            <a:r>
+              <a:rPr lang="en-US" dirty="0"/>
+              <a:t>ACI</a:t>
+            </a:r>
+          </a:p>
+          <a:p>
+            <a:r>
+              <a:rPr lang="en-US" dirty="0"/>
+              <a:t>Perform the following tasks:</a:t>
+            </a:r>
+          </a:p>
+          <a:p>
+            <a:pPr lvl="1"/>
+            <a:r>
+              <a:rPr lang="en-US" dirty="0"/>
+              <a:t>Understand authentication methodology</a:t>
+            </a:r>
+          </a:p>
+          <a:p>
+            <a:pPr lvl="1"/>
+            <a:r>
+              <a:rPr lang="en-US" dirty="0"/>
+              <a:t>Build </a:t>
+            </a:r>
+            <a:r>
+              <a:rPr lang="en-US" dirty="0" err="1"/>
+              <a:t>cURL</a:t>
+            </a:r>
+            <a:r>
+              <a:rPr lang="en-US" dirty="0"/>
+              <a:t> request to authenticate</a:t>
+            </a:r>
+          </a:p>
+          <a:p>
+            <a:pPr lvl="1"/>
+            <a:r>
+              <a:rPr lang="en-US" dirty="0"/>
+              <a:t>Build </a:t>
+            </a:r>
+            <a:r>
+              <a:rPr lang="en-US" dirty="0" err="1"/>
+              <a:t>cURL</a:t>
+            </a:r>
+            <a:r>
+              <a:rPr lang="en-US" dirty="0"/>
+              <a:t> request(s) to read/write data</a:t>
+            </a:r>
+          </a:p>
+        </p:txBody>
+      </p:sp>
+      <p:sp>
+        <p:nvSpPr>
+          <p:cNvPr id="4" name="Date Placeholder 3">
+            <a:extLst>
+              <a:ext uri="{FF2B5EF4-FFF2-40B4-BE49-F238E27FC236}">
+                <a16:creationId xmlns:a16="http://schemas.microsoft.com/office/drawing/2014/main" id="{7ECEAF79-F4AC-E94E-9E55-220D0D396924}"/>
+              </a:ext>
+            </a:extLst>
+          </p:cNvPr>
+          <p:cNvSpPr>
+            <a:spLocks noGrp="1"/>
+          </p:cNvSpPr>
+          <p:nvPr>
+            <p:ph type="dt" sz="half" idx="10"/>
+          </p:nvPr>
+        </p:nvSpPr>
+        <p:spPr/>
+        <p:txBody>
+          <a:bodyPr/>
+          <a:lstStyle/>
+          <a:p>
+            <a:r>
+              <a:rPr lang="en-US"/>
+              <a:t>World Wide Technology ©</a:t>
+            </a:r>
+            <a:endParaRPr lang="en-US" dirty="0"/>
+          </a:p>
+        </p:txBody>
+      </p:sp>
+      <p:sp>
+        <p:nvSpPr>
+          <p:cNvPr id="5" name="Slide Number Placeholder 4">
+            <a:extLst>
+              <a:ext uri="{FF2B5EF4-FFF2-40B4-BE49-F238E27FC236}">
+                <a16:creationId xmlns:a16="http://schemas.microsoft.com/office/drawing/2014/main" id="{372DC1A4-CE8B-DB4A-8F86-2508518C35D3}"/>
+              </a:ext>
+            </a:extLst>
+          </p:cNvPr>
+          <p:cNvSpPr>
+            <a:spLocks noGrp="1"/>
+          </p:cNvSpPr>
+          <p:nvPr>
+            <p:ph type="sldNum" sz="quarter" idx="12"/>
+          </p:nvPr>
+        </p:nvSpPr>
+        <p:spPr/>
+        <p:txBody>
+          <a:bodyPr/>
+          <a:lstStyle/>
+          <a:p>
+            <a:fld id="{A44B02FA-DD2D-1844-AE35-8B2EAB0CF4EF}" type="slidenum">
+              <a:rPr lang="en-US" smtClean="0"/>
+              <a:pPr/>
+              <a:t>23</a:t>
+            </a:fld>
+            <a:endParaRPr lang="en-US" dirty="0"/>
           </a:p>
         </p:txBody>
       </p:sp>
     </p:spTree>
     <p:extLst>
       <p:ext uri="{BB962C8B-B14F-4D97-AF65-F5344CB8AC3E}">
-        <p14:creationId xmlns:p14="http://schemas.microsoft.com/office/powerpoint/2010/main" val="3392886013"/>
+        <p14:creationId xmlns:p14="http://schemas.microsoft.com/office/powerpoint/2010/main" val="2063027843"/>
       </p:ext>
     </p:extLst>
   </p:cSld>
@@ -11457,7 +15707,7 @@
           <p:cNvPr id="2" name="Title 1">
             <a:extLst>
               <a:ext uri="{FF2B5EF4-FFF2-40B4-BE49-F238E27FC236}">
-                <a16:creationId xmlns:a16="http://schemas.microsoft.com/office/drawing/2014/main" id="{EB7C4089-1746-624B-8E73-D3DAB8E88CDD}"/>
+                <a16:creationId xmlns:a16="http://schemas.microsoft.com/office/drawing/2014/main" id="{9D8D6E4C-FC36-3E4C-9387-96DD20072D9D}"/>
               </a:ext>
             </a:extLst>
           </p:cNvPr>
@@ -11465,27 +15715,32 @@
             <a:spLocks noGrp="1"/>
           </p:cNvSpPr>
           <p:nvPr>
-            <p:ph type="title"/>
-          </p:nvPr>
-        </p:nvSpPr>
-        <p:spPr/>
+            <p:ph type="ctrTitle"/>
+          </p:nvPr>
+        </p:nvSpPr>
+        <p:spPr>
+          <a:xfrm>
+            <a:off x="1524000" y="914013"/>
+            <a:ext cx="9144000" cy="2387600"/>
+          </a:xfrm>
+        </p:spPr>
         <p:txBody>
           <a:bodyPr/>
           <a:lstStyle/>
           <a:p>
             <a:r>
               <a:rPr lang="en-US" dirty="0"/>
-              <a:t>Slide Template</a:t>
-            </a:r>
-          </a:p>
-        </p:txBody>
-      </p:sp>
-      <p:sp>
-        <p:nvSpPr>
-          <p:cNvPr id="3" name="Content Placeholder 2">
+              <a:t>Part VI</a:t>
+            </a:r>
+          </a:p>
+        </p:txBody>
+      </p:sp>
+      <p:sp>
+        <p:nvSpPr>
+          <p:cNvPr id="3" name="Subtitle 2">
             <a:extLst>
               <a:ext uri="{FF2B5EF4-FFF2-40B4-BE49-F238E27FC236}">
-                <a16:creationId xmlns:a16="http://schemas.microsoft.com/office/drawing/2014/main" id="{65426B10-0364-A849-B3A4-1D0DA409155A}"/>
+                <a16:creationId xmlns:a16="http://schemas.microsoft.com/office/drawing/2014/main" id="{0451A0DE-9D64-5A48-94B5-5B4E42709819}"/>
               </a:ext>
             </a:extLst>
           </p:cNvPr>
@@ -11493,84 +15748,30 @@
             <a:spLocks noGrp="1"/>
           </p:cNvSpPr>
           <p:nvPr>
-            <p:ph idx="1"/>
-          </p:nvPr>
-        </p:nvSpPr>
-        <p:spPr/>
+            <p:ph type="subTitle" idx="1"/>
+          </p:nvPr>
+        </p:nvSpPr>
+        <p:spPr>
+          <a:xfrm>
+            <a:off x="1524000" y="3393688"/>
+            <a:ext cx="9144000" cy="1655762"/>
+          </a:xfrm>
+        </p:spPr>
         <p:txBody>
           <a:bodyPr/>
           <a:lstStyle/>
           <a:p>
             <a:r>
               <a:rPr lang="en-US" dirty="0"/>
-              <a:t>Body template</a:t>
-            </a:r>
-          </a:p>
-        </p:txBody>
-      </p:sp>
-      <p:sp>
-        <p:nvSpPr>
-          <p:cNvPr id="4" name="Date Placeholder 3">
-            <a:extLst>
-              <a:ext uri="{FF2B5EF4-FFF2-40B4-BE49-F238E27FC236}">
-                <a16:creationId xmlns:a16="http://schemas.microsoft.com/office/drawing/2014/main" id="{7ECEAF79-F4AC-E94E-9E55-220D0D396924}"/>
-              </a:ext>
-            </a:extLst>
-          </p:cNvPr>
-          <p:cNvSpPr>
-            <a:spLocks noGrp="1"/>
-          </p:cNvSpPr>
-          <p:nvPr>
-            <p:ph type="dt" sz="half" idx="10"/>
-          </p:nvPr>
-        </p:nvSpPr>
-        <p:spPr/>
-        <p:txBody>
-          <a:bodyPr/>
-          <a:lstStyle/>
-          <a:p>
-            <a:r>
-              <a:rPr lang="en-US"/>
-              <a:t>World Wide Technology ©</a:t>
-            </a:r>
-            <a:endParaRPr lang="en-US" dirty="0"/>
-          </a:p>
-        </p:txBody>
-      </p:sp>
-      <p:sp>
-        <p:nvSpPr>
-          <p:cNvPr id="5" name="Slide Number Placeholder 4">
-            <a:extLst>
-              <a:ext uri="{FF2B5EF4-FFF2-40B4-BE49-F238E27FC236}">
-                <a16:creationId xmlns:a16="http://schemas.microsoft.com/office/drawing/2014/main" id="{372DC1A4-CE8B-DB4A-8F86-2508518C35D3}"/>
-              </a:ext>
-            </a:extLst>
-          </p:cNvPr>
-          <p:cNvSpPr>
-            <a:spLocks noGrp="1"/>
-          </p:cNvSpPr>
-          <p:nvPr>
-            <p:ph type="sldNum" sz="quarter" idx="12"/>
-          </p:nvPr>
-        </p:nvSpPr>
-        <p:spPr/>
-        <p:txBody>
-          <a:bodyPr/>
-          <a:lstStyle/>
-          <a:p>
-            <a:fld id="{A44B02FA-DD2D-1844-AE35-8B2EAB0CF4EF}" type="slidenum">
-              <a:rPr lang="en-US" smtClean="0"/>
-              <a:pPr/>
-              <a:t>24</a:t>
-            </a:fld>
-            <a:endParaRPr lang="en-US" dirty="0"/>
+              <a:t>Interact With Cisco Platform APIs Using Python Requests</a:t>
+            </a:r>
           </a:p>
         </p:txBody>
       </p:sp>
     </p:spTree>
     <p:extLst>
       <p:ext uri="{BB962C8B-B14F-4D97-AF65-F5344CB8AC3E}">
-        <p14:creationId xmlns:p14="http://schemas.microsoft.com/office/powerpoint/2010/main" val="2709408928"/>
+        <p14:creationId xmlns:p14="http://schemas.microsoft.com/office/powerpoint/2010/main" val="4218248441"/>
       </p:ext>
     </p:extLst>
   </p:cSld>
@@ -11632,7 +15833,7 @@
           <a:p>
             <a:r>
               <a:rPr lang="en-US" dirty="0"/>
-              <a:t>References</a:t>
+              <a:t>Outline</a:t>
             </a:r>
           </a:p>
         </p:txBody>
@@ -11655,73 +15856,71 @@
         </p:nvSpPr>
         <p:spPr/>
         <p:txBody>
-          <a:bodyPr>
-            <a:normAutofit lnSpcReduction="10000"/>
-          </a:bodyPr>
-          <a:lstStyle/>
-          <a:p>
-            <a:r>
-              <a:rPr lang="en-US" dirty="0">
-                <a:hlinkClick r:id="rId2"/>
-              </a:rPr>
-              <a:t>https://www.linkedin.com/pulse/why-rest-api-so-popular-mangesh-bulkar/</a:t>
-            </a:r>
-            <a:endParaRPr lang="en-US" dirty="0">
-              <a:hlinkClick r:id="rId3"/>
-            </a:endParaRPr>
-          </a:p>
-          <a:p>
-            <a:r>
-              <a:rPr lang="en-US" dirty="0">
-                <a:hlinkClick r:id="rId3"/>
-              </a:rPr>
-              <a:t>https://en.wikipedia.org/wiki/CURL</a:t>
-            </a:r>
-            <a:endParaRPr lang="en-US" dirty="0"/>
-          </a:p>
-          <a:p>
-            <a:r>
-              <a:rPr lang="en-US" dirty="0">
-                <a:hlinkClick r:id="rId4"/>
-              </a:rPr>
-              <a:t>https://en.wikipedia.org/wiki/Requests_%28software%29</a:t>
-            </a:r>
-            <a:endParaRPr lang="en-US" dirty="0"/>
-          </a:p>
-          <a:p>
-            <a:r>
-              <a:rPr lang="en-US" dirty="0">
-                <a:hlinkClick r:id="rId5"/>
-              </a:rPr>
-              <a:t>https://curl.haxx.se</a:t>
-            </a:r>
-            <a:endParaRPr lang="en-US" dirty="0"/>
-          </a:p>
-          <a:p>
-            <a:r>
-              <a:rPr lang="en-US" dirty="0">
-                <a:hlinkClick r:id="rId6"/>
-              </a:rPr>
-              <a:t>https://requests.readthedocs.io/en/master/</a:t>
-            </a:r>
-            <a:endParaRPr lang="en-US" dirty="0"/>
-          </a:p>
+          <a:bodyPr/>
+          <a:lstStyle/>
           <a:p>
             <a:r>
               <a:rPr lang="en-US" dirty="0"/>
-              <a:t>Cisco API documentation #1</a:t>
-            </a:r>
-          </a:p>
-          <a:p>
+              <a:t>For each of these platforms:</a:t>
+            </a:r>
+          </a:p>
+          <a:p>
+            <a:pPr lvl="1"/>
             <a:r>
               <a:rPr lang="en-US" dirty="0"/>
-              <a:t>Cisco API documentation #2</a:t>
-            </a:r>
-          </a:p>
-          <a:p>
+              <a:t>DNAC</a:t>
+            </a:r>
+          </a:p>
+          <a:p>
+            <a:pPr lvl="1"/>
+            <a:r>
+              <a:rPr lang="en-US" dirty="0" err="1"/>
+              <a:t>Webex</a:t>
+            </a:r>
             <a:r>
               <a:rPr lang="en-US" dirty="0"/>
-              <a:t>Cisco API documentation #3</a:t>
+              <a:t> Teams</a:t>
+            </a:r>
+          </a:p>
+          <a:p>
+            <a:pPr lvl="1"/>
+            <a:r>
+              <a:rPr lang="en-US" dirty="0"/>
+              <a:t>Meraki</a:t>
+            </a:r>
+          </a:p>
+          <a:p>
+            <a:pPr lvl="1"/>
+            <a:r>
+              <a:rPr lang="en-US" dirty="0"/>
+              <a:t>ACI</a:t>
+            </a:r>
+          </a:p>
+          <a:p>
+            <a:r>
+              <a:rPr lang="en-US" dirty="0"/>
+              <a:t>Perform the following tasks:</a:t>
+            </a:r>
+          </a:p>
+          <a:p>
+            <a:pPr lvl="1"/>
+            <a:r>
+              <a:rPr lang="en-US" dirty="0"/>
+              <a:t>Review authentication methodology</a:t>
+            </a:r>
+          </a:p>
+          <a:p>
+            <a:pPr lvl="1"/>
+            <a:r>
+              <a:rPr lang="en-US" dirty="0"/>
+              <a:t>Build Python scripts to authenticate</a:t>
+            </a:r>
+          </a:p>
+          <a:p>
+            <a:pPr lvl="1"/>
+            <a:r>
+              <a:rPr lang="en-US" dirty="0"/>
+              <a:t>Build Python scripts to read/write data</a:t>
             </a:r>
           </a:p>
         </p:txBody>
@@ -11788,7 +15987,7 @@
     </p:spTree>
     <p:extLst>
       <p:ext uri="{BB962C8B-B14F-4D97-AF65-F5344CB8AC3E}">
-        <p14:creationId xmlns:p14="http://schemas.microsoft.com/office/powerpoint/2010/main" val="3225595977"/>
+        <p14:creationId xmlns:p14="http://schemas.microsoft.com/office/powerpoint/2010/main" val="232106193"/>
       </p:ext>
     </p:extLst>
   </p:cSld>
@@ -11829,6 +16028,489 @@
       </p:grpSpPr>
       <p:sp>
         <p:nvSpPr>
+          <p:cNvPr id="2" name="Title 1">
+            <a:extLst>
+              <a:ext uri="{FF2B5EF4-FFF2-40B4-BE49-F238E27FC236}">
+                <a16:creationId xmlns:a16="http://schemas.microsoft.com/office/drawing/2014/main" id="{9D8D6E4C-FC36-3E4C-9387-96DD20072D9D}"/>
+              </a:ext>
+            </a:extLst>
+          </p:cNvPr>
+          <p:cNvSpPr>
+            <a:spLocks noGrp="1"/>
+          </p:cNvSpPr>
+          <p:nvPr>
+            <p:ph type="ctrTitle"/>
+          </p:nvPr>
+        </p:nvSpPr>
+        <p:spPr>
+          <a:xfrm>
+            <a:off x="1524000" y="914013"/>
+            <a:ext cx="9144000" cy="2387600"/>
+          </a:xfrm>
+        </p:spPr>
+        <p:txBody>
+          <a:bodyPr/>
+          <a:lstStyle/>
+          <a:p>
+            <a:r>
+              <a:rPr lang="en-US" dirty="0"/>
+              <a:t>Part VII</a:t>
+            </a:r>
+          </a:p>
+        </p:txBody>
+      </p:sp>
+      <p:sp>
+        <p:nvSpPr>
+          <p:cNvPr id="3" name="Subtitle 2">
+            <a:extLst>
+              <a:ext uri="{FF2B5EF4-FFF2-40B4-BE49-F238E27FC236}">
+                <a16:creationId xmlns:a16="http://schemas.microsoft.com/office/drawing/2014/main" id="{0451A0DE-9D64-5A48-94B5-5B4E42709819}"/>
+              </a:ext>
+            </a:extLst>
+          </p:cNvPr>
+          <p:cNvSpPr>
+            <a:spLocks noGrp="1"/>
+          </p:cNvSpPr>
+          <p:nvPr>
+            <p:ph type="subTitle" idx="1"/>
+          </p:nvPr>
+        </p:nvSpPr>
+        <p:spPr>
+          <a:xfrm>
+            <a:off x="1524000" y="3393688"/>
+            <a:ext cx="9144000" cy="1655762"/>
+          </a:xfrm>
+        </p:spPr>
+        <p:txBody>
+          <a:bodyPr/>
+          <a:lstStyle/>
+          <a:p>
+            <a:r>
+              <a:rPr lang="en-US" dirty="0"/>
+              <a:t>Quiz, Practice Resources, &amp; References</a:t>
+            </a:r>
+          </a:p>
+        </p:txBody>
+      </p:sp>
+    </p:spTree>
+    <p:extLst>
+      <p:ext uri="{BB962C8B-B14F-4D97-AF65-F5344CB8AC3E}">
+        <p14:creationId xmlns:p14="http://schemas.microsoft.com/office/powerpoint/2010/main" val="3392886013"/>
+      </p:ext>
+    </p:extLst>
+  </p:cSld>
+  <p:clrMapOvr>
+    <a:masterClrMapping/>
+  </p:clrMapOvr>
+  <mc:AlternateContent xmlns:mc="http://schemas.openxmlformats.org/markup-compatibility/2006" xmlns:p14="http://schemas.microsoft.com/office/powerpoint/2010/main">
+    <mc:Choice Requires="p14">
+      <p:transition spd="med" p14:dur="700">
+        <p:fade/>
+      </p:transition>
+    </mc:Choice>
+    <mc:Fallback xmlns="">
+      <p:transition spd="med">
+        <p:fade/>
+      </p:transition>
+    </mc:Fallback>
+  </mc:AlternateContent>
+</p:sld>
+</file>
+
+<file path=ppt/slides/slide27.xml><?xml version="1.0" encoding="utf-8"?>
+<p:sld xmlns:a="http://schemas.openxmlformats.org/drawingml/2006/main" xmlns:r="http://schemas.openxmlformats.org/officeDocument/2006/relationships" xmlns:p="http://schemas.openxmlformats.org/presentationml/2006/main">
+  <p:cSld>
+    <p:spTree>
+      <p:nvGrpSpPr>
+        <p:cNvPr id="1" name=""/>
+        <p:cNvGrpSpPr/>
+        <p:nvPr/>
+      </p:nvGrpSpPr>
+      <p:grpSpPr>
+        <a:xfrm>
+          <a:off x="0" y="0"/>
+          <a:ext cx="0" cy="0"/>
+          <a:chOff x="0" y="0"/>
+          <a:chExt cx="0" cy="0"/>
+        </a:xfrm>
+      </p:grpSpPr>
+      <p:sp>
+        <p:nvSpPr>
+          <p:cNvPr id="2" name="Title 1">
+            <a:extLst>
+              <a:ext uri="{FF2B5EF4-FFF2-40B4-BE49-F238E27FC236}">
+                <a16:creationId xmlns:a16="http://schemas.microsoft.com/office/drawing/2014/main" id="{EB7C4089-1746-624B-8E73-D3DAB8E88CDD}"/>
+              </a:ext>
+            </a:extLst>
+          </p:cNvPr>
+          <p:cNvSpPr>
+            <a:spLocks noGrp="1"/>
+          </p:cNvSpPr>
+          <p:nvPr>
+            <p:ph type="title"/>
+          </p:nvPr>
+        </p:nvSpPr>
+        <p:spPr/>
+        <p:txBody>
+          <a:bodyPr/>
+          <a:lstStyle/>
+          <a:p>
+            <a:r>
+              <a:rPr lang="en-US" dirty="0"/>
+              <a:t>Slide Template</a:t>
+            </a:r>
+          </a:p>
+        </p:txBody>
+      </p:sp>
+      <p:sp>
+        <p:nvSpPr>
+          <p:cNvPr id="3" name="Content Placeholder 2">
+            <a:extLst>
+              <a:ext uri="{FF2B5EF4-FFF2-40B4-BE49-F238E27FC236}">
+                <a16:creationId xmlns:a16="http://schemas.microsoft.com/office/drawing/2014/main" id="{65426B10-0364-A849-B3A4-1D0DA409155A}"/>
+              </a:ext>
+            </a:extLst>
+          </p:cNvPr>
+          <p:cNvSpPr>
+            <a:spLocks noGrp="1"/>
+          </p:cNvSpPr>
+          <p:nvPr>
+            <p:ph idx="1"/>
+          </p:nvPr>
+        </p:nvSpPr>
+        <p:spPr/>
+        <p:txBody>
+          <a:bodyPr/>
+          <a:lstStyle/>
+          <a:p>
+            <a:r>
+              <a:rPr lang="en-US" dirty="0"/>
+              <a:t>Body template</a:t>
+            </a:r>
+          </a:p>
+        </p:txBody>
+      </p:sp>
+      <p:sp>
+        <p:nvSpPr>
+          <p:cNvPr id="4" name="Date Placeholder 3">
+            <a:extLst>
+              <a:ext uri="{FF2B5EF4-FFF2-40B4-BE49-F238E27FC236}">
+                <a16:creationId xmlns:a16="http://schemas.microsoft.com/office/drawing/2014/main" id="{7ECEAF79-F4AC-E94E-9E55-220D0D396924}"/>
+              </a:ext>
+            </a:extLst>
+          </p:cNvPr>
+          <p:cNvSpPr>
+            <a:spLocks noGrp="1"/>
+          </p:cNvSpPr>
+          <p:nvPr>
+            <p:ph type="dt" sz="half" idx="10"/>
+          </p:nvPr>
+        </p:nvSpPr>
+        <p:spPr/>
+        <p:txBody>
+          <a:bodyPr/>
+          <a:lstStyle/>
+          <a:p>
+            <a:r>
+              <a:rPr lang="en-US"/>
+              <a:t>World Wide Technology ©</a:t>
+            </a:r>
+            <a:endParaRPr lang="en-US" dirty="0"/>
+          </a:p>
+        </p:txBody>
+      </p:sp>
+      <p:sp>
+        <p:nvSpPr>
+          <p:cNvPr id="5" name="Slide Number Placeholder 4">
+            <a:extLst>
+              <a:ext uri="{FF2B5EF4-FFF2-40B4-BE49-F238E27FC236}">
+                <a16:creationId xmlns:a16="http://schemas.microsoft.com/office/drawing/2014/main" id="{372DC1A4-CE8B-DB4A-8F86-2508518C35D3}"/>
+              </a:ext>
+            </a:extLst>
+          </p:cNvPr>
+          <p:cNvSpPr>
+            <a:spLocks noGrp="1"/>
+          </p:cNvSpPr>
+          <p:nvPr>
+            <p:ph type="sldNum" sz="quarter" idx="12"/>
+          </p:nvPr>
+        </p:nvSpPr>
+        <p:spPr/>
+        <p:txBody>
+          <a:bodyPr/>
+          <a:lstStyle/>
+          <a:p>
+            <a:fld id="{A44B02FA-DD2D-1844-AE35-8B2EAB0CF4EF}" type="slidenum">
+              <a:rPr lang="en-US" smtClean="0"/>
+              <a:pPr/>
+              <a:t>27</a:t>
+            </a:fld>
+            <a:endParaRPr lang="en-US" dirty="0"/>
+          </a:p>
+        </p:txBody>
+      </p:sp>
+    </p:spTree>
+    <p:extLst>
+      <p:ext uri="{BB962C8B-B14F-4D97-AF65-F5344CB8AC3E}">
+        <p14:creationId xmlns:p14="http://schemas.microsoft.com/office/powerpoint/2010/main" val="2709408928"/>
+      </p:ext>
+    </p:extLst>
+  </p:cSld>
+  <p:clrMapOvr>
+    <a:masterClrMapping/>
+  </p:clrMapOvr>
+  <mc:AlternateContent xmlns:mc="http://schemas.openxmlformats.org/markup-compatibility/2006" xmlns:p14="http://schemas.microsoft.com/office/powerpoint/2010/main">
+    <mc:Choice Requires="p14">
+      <p:transition spd="med" p14:dur="700">
+        <p:fade/>
+      </p:transition>
+    </mc:Choice>
+    <mc:Fallback xmlns="">
+      <p:transition spd="med">
+        <p:fade/>
+      </p:transition>
+    </mc:Fallback>
+  </mc:AlternateContent>
+</p:sld>
+</file>
+
+<file path=ppt/slides/slide28.xml><?xml version="1.0" encoding="utf-8"?>
+<p:sld xmlns:a="http://schemas.openxmlformats.org/drawingml/2006/main" xmlns:r="http://schemas.openxmlformats.org/officeDocument/2006/relationships" xmlns:p="http://schemas.openxmlformats.org/presentationml/2006/main">
+  <p:cSld>
+    <p:spTree>
+      <p:nvGrpSpPr>
+        <p:cNvPr id="1" name=""/>
+        <p:cNvGrpSpPr/>
+        <p:nvPr/>
+      </p:nvGrpSpPr>
+      <p:grpSpPr>
+        <a:xfrm>
+          <a:off x="0" y="0"/>
+          <a:ext cx="0" cy="0"/>
+          <a:chOff x="0" y="0"/>
+          <a:chExt cx="0" cy="0"/>
+        </a:xfrm>
+      </p:grpSpPr>
+      <p:sp>
+        <p:nvSpPr>
+          <p:cNvPr id="2" name="Title 1">
+            <a:extLst>
+              <a:ext uri="{FF2B5EF4-FFF2-40B4-BE49-F238E27FC236}">
+                <a16:creationId xmlns:a16="http://schemas.microsoft.com/office/drawing/2014/main" id="{EB7C4089-1746-624B-8E73-D3DAB8E88CDD}"/>
+              </a:ext>
+            </a:extLst>
+          </p:cNvPr>
+          <p:cNvSpPr>
+            <a:spLocks noGrp="1"/>
+          </p:cNvSpPr>
+          <p:nvPr>
+            <p:ph type="title"/>
+          </p:nvPr>
+        </p:nvSpPr>
+        <p:spPr/>
+        <p:txBody>
+          <a:bodyPr/>
+          <a:lstStyle/>
+          <a:p>
+            <a:r>
+              <a:rPr lang="en-US" dirty="0"/>
+              <a:t>References</a:t>
+            </a:r>
+          </a:p>
+        </p:txBody>
+      </p:sp>
+      <p:sp>
+        <p:nvSpPr>
+          <p:cNvPr id="3" name="Content Placeholder 2">
+            <a:extLst>
+              <a:ext uri="{FF2B5EF4-FFF2-40B4-BE49-F238E27FC236}">
+                <a16:creationId xmlns:a16="http://schemas.microsoft.com/office/drawing/2014/main" id="{65426B10-0364-A849-B3A4-1D0DA409155A}"/>
+              </a:ext>
+            </a:extLst>
+          </p:cNvPr>
+          <p:cNvSpPr>
+            <a:spLocks noGrp="1"/>
+          </p:cNvSpPr>
+          <p:nvPr>
+            <p:ph idx="1"/>
+          </p:nvPr>
+        </p:nvSpPr>
+        <p:spPr/>
+        <p:txBody>
+          <a:bodyPr>
+            <a:normAutofit lnSpcReduction="10000"/>
+          </a:bodyPr>
+          <a:lstStyle/>
+          <a:p>
+            <a:r>
+              <a:rPr lang="en-US" dirty="0">
+                <a:hlinkClick r:id="rId2"/>
+              </a:rPr>
+              <a:t>https://www.linkedin.com/pulse/why-rest-api-so-popular-mangesh-bulkar/</a:t>
+            </a:r>
+            <a:endParaRPr lang="en-US" dirty="0">
+              <a:hlinkClick r:id="rId3"/>
+            </a:endParaRPr>
+          </a:p>
+          <a:p>
+            <a:r>
+              <a:rPr lang="en-US" dirty="0">
+                <a:hlinkClick r:id="rId3"/>
+              </a:rPr>
+              <a:t>https://en.wikipedia.org/wiki/CURL</a:t>
+            </a:r>
+            <a:endParaRPr lang="en-US" dirty="0"/>
+          </a:p>
+          <a:p>
+            <a:r>
+              <a:rPr lang="en-US" dirty="0">
+                <a:hlinkClick r:id="rId4"/>
+              </a:rPr>
+              <a:t>https://en.wikipedia.org/wiki/Requests_%28software%29</a:t>
+            </a:r>
+            <a:endParaRPr lang="en-US" dirty="0"/>
+          </a:p>
+          <a:p>
+            <a:r>
+              <a:rPr lang="en-US" dirty="0">
+                <a:hlinkClick r:id="rId5"/>
+              </a:rPr>
+              <a:t>https://curl.haxx.se</a:t>
+            </a:r>
+            <a:endParaRPr lang="en-US" dirty="0"/>
+          </a:p>
+          <a:p>
+            <a:r>
+              <a:rPr lang="en-US" dirty="0">
+                <a:hlinkClick r:id="rId6"/>
+              </a:rPr>
+              <a:t>https://requests.readthedocs.io/en/master/</a:t>
+            </a:r>
+            <a:endParaRPr lang="en-US" dirty="0"/>
+          </a:p>
+          <a:p>
+            <a:r>
+              <a:rPr lang="en-US" dirty="0"/>
+              <a:t>Cisco API documentation #1</a:t>
+            </a:r>
+          </a:p>
+          <a:p>
+            <a:r>
+              <a:rPr lang="en-US" dirty="0"/>
+              <a:t>Cisco API documentation #2</a:t>
+            </a:r>
+          </a:p>
+          <a:p>
+            <a:r>
+              <a:rPr lang="en-US" dirty="0"/>
+              <a:t>Cisco API documentation #3</a:t>
+            </a:r>
+          </a:p>
+        </p:txBody>
+      </p:sp>
+      <p:sp>
+        <p:nvSpPr>
+          <p:cNvPr id="4" name="Date Placeholder 3">
+            <a:extLst>
+              <a:ext uri="{FF2B5EF4-FFF2-40B4-BE49-F238E27FC236}">
+                <a16:creationId xmlns:a16="http://schemas.microsoft.com/office/drawing/2014/main" id="{7ECEAF79-F4AC-E94E-9E55-220D0D396924}"/>
+              </a:ext>
+            </a:extLst>
+          </p:cNvPr>
+          <p:cNvSpPr>
+            <a:spLocks noGrp="1"/>
+          </p:cNvSpPr>
+          <p:nvPr>
+            <p:ph type="dt" sz="half" idx="10"/>
+          </p:nvPr>
+        </p:nvSpPr>
+        <p:spPr/>
+        <p:txBody>
+          <a:bodyPr/>
+          <a:lstStyle/>
+          <a:p>
+            <a:r>
+              <a:rPr lang="en-US"/>
+              <a:t>World Wide Technology ©</a:t>
+            </a:r>
+            <a:endParaRPr lang="en-US" dirty="0"/>
+          </a:p>
+        </p:txBody>
+      </p:sp>
+      <p:sp>
+        <p:nvSpPr>
+          <p:cNvPr id="5" name="Slide Number Placeholder 4">
+            <a:extLst>
+              <a:ext uri="{FF2B5EF4-FFF2-40B4-BE49-F238E27FC236}">
+                <a16:creationId xmlns:a16="http://schemas.microsoft.com/office/drawing/2014/main" id="{372DC1A4-CE8B-DB4A-8F86-2508518C35D3}"/>
+              </a:ext>
+            </a:extLst>
+          </p:cNvPr>
+          <p:cNvSpPr>
+            <a:spLocks noGrp="1"/>
+          </p:cNvSpPr>
+          <p:nvPr>
+            <p:ph type="sldNum" sz="quarter" idx="12"/>
+          </p:nvPr>
+        </p:nvSpPr>
+        <p:spPr/>
+        <p:txBody>
+          <a:bodyPr/>
+          <a:lstStyle/>
+          <a:p>
+            <a:fld id="{A44B02FA-DD2D-1844-AE35-8B2EAB0CF4EF}" type="slidenum">
+              <a:rPr lang="en-US" smtClean="0"/>
+              <a:pPr/>
+              <a:t>28</a:t>
+            </a:fld>
+            <a:endParaRPr lang="en-US" dirty="0"/>
+          </a:p>
+        </p:txBody>
+      </p:sp>
+    </p:spTree>
+    <p:extLst>
+      <p:ext uri="{BB962C8B-B14F-4D97-AF65-F5344CB8AC3E}">
+        <p14:creationId xmlns:p14="http://schemas.microsoft.com/office/powerpoint/2010/main" val="3225595977"/>
+      </p:ext>
+    </p:extLst>
+  </p:cSld>
+  <p:clrMapOvr>
+    <a:masterClrMapping/>
+  </p:clrMapOvr>
+  <mc:AlternateContent xmlns:mc="http://schemas.openxmlformats.org/markup-compatibility/2006" xmlns:p14="http://schemas.microsoft.com/office/powerpoint/2010/main">
+    <mc:Choice Requires="p14">
+      <p:transition spd="med" p14:dur="700">
+        <p:fade/>
+      </p:transition>
+    </mc:Choice>
+    <mc:Fallback xmlns="">
+      <p:transition spd="med">
+        <p:fade/>
+      </p:transition>
+    </mc:Fallback>
+  </mc:AlternateContent>
+</p:sld>
+</file>
+
+<file path=ppt/slides/slide29.xml><?xml version="1.0" encoding="utf-8"?>
+<p:sld xmlns:a="http://schemas.openxmlformats.org/drawingml/2006/main" xmlns:r="http://schemas.openxmlformats.org/officeDocument/2006/relationships" xmlns:p="http://schemas.openxmlformats.org/presentationml/2006/main">
+  <p:cSld>
+    <p:spTree>
+      <p:nvGrpSpPr>
+        <p:cNvPr id="1" name=""/>
+        <p:cNvGrpSpPr/>
+        <p:nvPr/>
+      </p:nvGrpSpPr>
+      <p:grpSpPr>
+        <a:xfrm>
+          <a:off x="0" y="0"/>
+          <a:ext cx="0" cy="0"/>
+          <a:chOff x="0" y="0"/>
+          <a:chExt cx="0" cy="0"/>
+        </a:xfrm>
+      </p:grpSpPr>
+      <p:sp>
+        <p:nvSpPr>
           <p:cNvPr id="4" name="Date Placeholder 3">
             <a:extLst>
               <a:ext uri="{FF2B5EF4-FFF2-40B4-BE49-F238E27FC236}">
@@ -11880,7 +16562,7 @@
             <a:fld id="{A44B02FA-DD2D-1844-AE35-8B2EAB0CF4EF}" type="slidenum">
               <a:rPr lang="en-US" smtClean="0"/>
               <a:pPr/>
-              <a:t>26</a:t>
+              <a:t>29</a:t>
             </a:fld>
             <a:endParaRPr lang="en-US" dirty="0"/>
           </a:p>

--- a/curl-requests-foundations.pptx
+++ b/curl-requests-foundations.pptx
@@ -6578,7 +6578,7 @@
                   <a:srgbClr val="FFFF00"/>
                 </a:solidFill>
               </a:rPr>
-              <a:t>www.whatsmyua.info</a:t>
+              <a:t>whatsmyua.info</a:t>
             </a:r>
             <a:r>
               <a:rPr lang="en-US" sz="2800" b="1" i="1" dirty="0">
@@ -6681,10 +6681,10 @@
       </p:sp>
       <p:sp>
         <p:nvSpPr>
-          <p:cNvPr id="7" name="Rectangle 6">
+          <p:cNvPr id="8" name="Rectangle 7">
             <a:extLst>
               <a:ext uri="{FF2B5EF4-FFF2-40B4-BE49-F238E27FC236}">
-                <a16:creationId xmlns:a16="http://schemas.microsoft.com/office/drawing/2014/main" id="{711B4F6A-3227-AA48-9B9B-D28C475E3FCA}"/>
+                <a16:creationId xmlns:a16="http://schemas.microsoft.com/office/drawing/2014/main" id="{D58E649F-E375-614D-8A53-9704053A894D}"/>
               </a:ext>
             </a:extLst>
           </p:cNvPr>
@@ -6693,8 +6693,8 @@
         </p:nvSpPr>
         <p:spPr>
           <a:xfrm>
-            <a:off x="1998489" y="4199486"/>
-            <a:ext cx="4438316" cy="404925"/>
+            <a:off x="6436804" y="4199486"/>
+            <a:ext cx="1673727" cy="404925"/>
           </a:xfrm>
           <a:prstGeom prst="rect">
             <a:avLst/>
@@ -6735,10 +6735,10 @@
       </p:sp>
       <p:sp>
         <p:nvSpPr>
-          <p:cNvPr id="8" name="Rectangle 7">
+          <p:cNvPr id="7" name="Rectangle 6">
             <a:extLst>
               <a:ext uri="{FF2B5EF4-FFF2-40B4-BE49-F238E27FC236}">
-                <a16:creationId xmlns:a16="http://schemas.microsoft.com/office/drawing/2014/main" id="{D58E649F-E375-614D-8A53-9704053A894D}"/>
+                <a16:creationId xmlns:a16="http://schemas.microsoft.com/office/drawing/2014/main" id="{711B4F6A-3227-AA48-9B9B-D28C475E3FCA}"/>
               </a:ext>
             </a:extLst>
           </p:cNvPr>
@@ -6747,8 +6747,8 @@
         </p:nvSpPr>
         <p:spPr>
           <a:xfrm>
-            <a:off x="6436804" y="4199486"/>
-            <a:ext cx="1673727" cy="404925"/>
+            <a:off x="1998489" y="4199486"/>
+            <a:ext cx="4438316" cy="404925"/>
           </a:xfrm>
           <a:prstGeom prst="rect">
             <a:avLst/>
@@ -7258,8 +7258,8 @@
     </p:tnLst>
     <p:bldLst>
       <p:bldP spid="3" grpId="0" build="p"/>
+      <p:bldP spid="8" grpId="0" animBg="1"/>
       <p:bldP spid="7" grpId="0" animBg="1"/>
-      <p:bldP spid="8" grpId="0" animBg="1"/>
     </p:bldLst>
   </p:timing>
 </p:sld>

--- a/curl-requests-foundations.pptx
+++ b/curl-requests-foundations.pptx
@@ -236,7 +236,7 @@
           <a:p>
             <a:fld id="{966F6F5D-167E-1849-B841-EB0817BB385A}" type="datetimeFigureOut">
               <a:rPr lang="en-US" smtClean="0"/>
-              <a:t>4/1/20</a:t>
+              <a:t>4/2/20</a:t>
             </a:fld>
             <a:endParaRPr lang="en-US"/>
           </a:p>
@@ -849,26 +849,6 @@
             <a:r>
               <a:rPr lang="en-US" b="0" i="0" dirty="0"/>
               <a:t>// TODO</a:t>
-            </a:r>
-          </a:p>
-          <a:p>
-            <a:pPr marL="171450" indent="-171450">
-              <a:buFont typeface="Arial" panose="020B0604020202020204" pitchFamily="34" charset="0"/>
-              <a:buChar char="•"/>
-            </a:pPr>
-            <a:r>
-              <a:rPr lang="en-US" b="0" i="0" dirty="0"/>
-              <a:t>The backslash at the end of a terminal line indicates a line break for a multi-line command</a:t>
-            </a:r>
-          </a:p>
-          <a:p>
-            <a:pPr marL="628650" lvl="1" indent="-171450">
-              <a:buFont typeface="Arial" panose="020B0604020202020204" pitchFamily="34" charset="0"/>
-              <a:buChar char="•"/>
-            </a:pPr>
-            <a:r>
-              <a:rPr lang="en-US" b="0" i="0" dirty="0"/>
-              <a:t>This can make it easier to read long commands</a:t>
             </a:r>
           </a:p>
         </p:txBody>
@@ -6693,7 +6673,7 @@
         </p:nvSpPr>
         <p:spPr>
           <a:xfrm>
-            <a:off x="6436804" y="4199486"/>
+            <a:off x="5593080" y="4199486"/>
             <a:ext cx="1673727" cy="404925"/>
           </a:xfrm>
           <a:prstGeom prst="rect">
@@ -6747,8 +6727,8 @@
         </p:nvSpPr>
         <p:spPr>
           <a:xfrm>
-            <a:off x="1998489" y="4199486"/>
-            <a:ext cx="4438316" cy="404925"/>
+            <a:off x="1975629" y="4199486"/>
+            <a:ext cx="3617451" cy="404925"/>
           </a:xfrm>
           <a:prstGeom prst="rect">
             <a:avLst/>
@@ -10742,38 +10722,6 @@
       </p:grpSpPr>
       <p:sp>
         <p:nvSpPr>
-          <p:cNvPr id="2" name="Title 1">
-            <a:extLst>
-              <a:ext uri="{FF2B5EF4-FFF2-40B4-BE49-F238E27FC236}">
-                <a16:creationId xmlns:a16="http://schemas.microsoft.com/office/drawing/2014/main" id="{AC0D55DF-385E-9A4F-AB08-FEBC11990B8B}"/>
-              </a:ext>
-            </a:extLst>
-          </p:cNvPr>
-          <p:cNvSpPr>
-            <a:spLocks noGrp="1"/>
-          </p:cNvSpPr>
-          <p:nvPr>
-            <p:ph type="title"/>
-          </p:nvPr>
-        </p:nvSpPr>
-        <p:spPr/>
-        <p:txBody>
-          <a:bodyPr/>
-          <a:lstStyle/>
-          <a:p>
-            <a:r>
-              <a:rPr lang="en-US" dirty="0" err="1"/>
-              <a:t>cURL</a:t>
-            </a:r>
-            <a:r>
-              <a:rPr lang="en-US" dirty="0"/>
-              <a:t> Command Examples Continued</a:t>
-            </a:r>
-          </a:p>
-        </p:txBody>
-      </p:sp>
-      <p:sp>
-        <p:nvSpPr>
           <p:cNvPr id="3" name="Content Placeholder 2">
             <a:extLst>
               <a:ext uri="{FF2B5EF4-FFF2-40B4-BE49-F238E27FC236}">
@@ -10791,7 +10739,7 @@
         <p:spPr/>
         <p:txBody>
           <a:bodyPr>
-            <a:normAutofit fontScale="92500" lnSpcReduction="10000"/>
+            <a:normAutofit fontScale="92500"/>
           </a:bodyPr>
           <a:lstStyle/>
           <a:p>
@@ -10804,7 +10752,7 @@
                   <a:srgbClr val="FFFF00"/>
                 </a:solidFill>
               </a:rPr>
-              <a:t>curl -X GET --</a:t>
+              <a:t>curl -IX GET --</a:t>
             </a:r>
             <a:r>
               <a:rPr lang="en-US" sz="2400" b="1" i="1" dirty="0" err="1">
@@ -10836,20 +10784,7 @@
                   <a:srgbClr val="FFFF00"/>
                 </a:solidFill>
               </a:rPr>
-              <a:t>/posts/1 \</a:t>
-            </a:r>
-          </a:p>
-          <a:p>
-            <a:pPr marL="0" indent="0">
-              <a:buNone/>
-            </a:pPr>
-            <a:r>
-              <a:rPr lang="en-US" sz="2400" b="1" i="1" dirty="0">
-                <a:solidFill>
-                  <a:srgbClr val="FFFF00"/>
-                </a:solidFill>
-              </a:rPr>
-              <a:t>-H 'Accept: application/json' </a:t>
+              <a:t>/posts/1</a:t>
             </a:r>
           </a:p>
           <a:p>
@@ -10874,7 +10809,7 @@
           <a:p>
             <a:r>
               <a:rPr lang="en-US" sz="2400" dirty="0"/>
-              <a:t>Include a header to indicate we will only accept responses in a JSON format</a:t>
+              <a:t>Display ONLY the response headers in the terminal</a:t>
             </a:r>
           </a:p>
           <a:p>
@@ -10911,7 +10846,7 @@
                   <a:srgbClr val="FFFF00"/>
                 </a:solidFill>
               </a:rPr>
-              <a:t>jsonplaceholder.typicode.com</a:t>
+              <a:t>sandboxdnac.cisco.com</a:t>
             </a:r>
             <a:r>
               <a:rPr lang="en-US" sz="2400" b="1" i="1" dirty="0">
@@ -10919,33 +10854,65 @@
                   <a:srgbClr val="FFFF00"/>
                 </a:solidFill>
               </a:rPr>
-              <a:t>/posts \</a:t>
-            </a:r>
-          </a:p>
-          <a:p>
-            <a:pPr marL="0" indent="0">
-              <a:buNone/>
-            </a:pPr>
+              <a:t>/</a:t>
+            </a:r>
+            <a:r>
+              <a:rPr lang="en-US" sz="2400" b="1" i="1" dirty="0" err="1">
+                <a:solidFill>
+                  <a:srgbClr val="FFFF00"/>
+                </a:solidFill>
+              </a:rPr>
+              <a:t>dna</a:t>
+            </a:r>
             <a:r>
               <a:rPr lang="en-US" sz="2400" b="1" i="1" dirty="0">
                 <a:solidFill>
                   <a:srgbClr val="FFFF00"/>
                 </a:solidFill>
               </a:rPr>
-              <a:t>-H 'Content-Type: application/json' \</a:t>
-            </a:r>
-          </a:p>
-          <a:p>
-            <a:pPr marL="0" indent="0">
-              <a:buNone/>
-            </a:pPr>
+              <a:t>/system/</a:t>
+            </a:r>
+            <a:r>
+              <a:rPr lang="en-US" sz="2400" b="1" i="1" dirty="0" err="1">
+                <a:solidFill>
+                  <a:srgbClr val="FFFF00"/>
+                </a:solidFill>
+              </a:rPr>
+              <a:t>api</a:t>
+            </a:r>
             <a:r>
               <a:rPr lang="en-US" sz="2400" b="1" i="1" dirty="0">
                 <a:solidFill>
                   <a:srgbClr val="FFFF00"/>
                 </a:solidFill>
               </a:rPr>
-              <a:t>-id '{"id":101, "userId":1, "</a:t>
+              <a:t>/v1/auth/token \</a:t>
+            </a:r>
+          </a:p>
+          <a:p>
+            <a:pPr marL="0" indent="0">
+              <a:buNone/>
+            </a:pPr>
+            <a:r>
+              <a:rPr lang="en-US" sz="2400" b="1" i="1" dirty="0">
+                <a:solidFill>
+                  <a:srgbClr val="FFFF00"/>
+                </a:solidFill>
+              </a:rPr>
+              <a:t>-u $DNAC_USER:$DNAC_PW \</a:t>
+            </a:r>
+          </a:p>
+          <a:p>
+            <a:pPr marL="0" indent="0">
+              <a:buNone/>
+            </a:pPr>
+            <a:r>
+              <a:rPr lang="en-US" sz="2400" b="1" i="1" dirty="0">
+                <a:solidFill>
+                  <a:srgbClr val="FFFF00"/>
+                </a:solidFill>
+              </a:rPr>
+              <a:t>-</a:t>
             </a:r>
             <a:r>
               <a:rPr lang="en-US" sz="2400" b="1" i="1" dirty="0" err="1">
@@ -10953,7 +10920,7 @@
                   <a:srgbClr val="FFFF00"/>
                 </a:solidFill>
               </a:rPr>
-              <a:t>title":"Hello</a:t>
+              <a:t>vo</a:t>
             </a:r>
             <a:r>
               <a:rPr lang="en-US" sz="2400" b="1" i="1" dirty="0">
@@ -10961,7 +10928,7 @@
                   <a:srgbClr val="FFFF00"/>
                 </a:solidFill>
               </a:rPr>
-              <a:t>", "</a:t>
+              <a:t> </a:t>
             </a:r>
             <a:r>
               <a:rPr lang="en-US" sz="2400" b="1" i="1" dirty="0" err="1">
@@ -10969,16 +10936,13 @@
                   <a:srgbClr val="FFFF00"/>
                 </a:solidFill>
               </a:rPr>
-              <a:t>body":"Hello</a:t>
-            </a:r>
-            <a:r>
-              <a:rPr lang="en-US" sz="2400" b="1" i="1" dirty="0">
-                <a:solidFill>
-                  <a:srgbClr val="FFFF00"/>
-                </a:solidFill>
-              </a:rPr>
-              <a:t> World!"}'</a:t>
-            </a:r>
+              <a:t>token.txt</a:t>
+            </a:r>
+            <a:endParaRPr lang="en-US" sz="2400" b="1" i="1" dirty="0">
+              <a:solidFill>
+                <a:srgbClr val="FFFF00"/>
+              </a:solidFill>
+            </a:endParaRPr>
           </a:p>
           <a:p>
             <a:r>
@@ -10987,11 +10951,27 @@
             </a:r>
             <a:r>
               <a:rPr lang="en-US" sz="2400" dirty="0" err="1"/>
-              <a:t>jsonplaceholder.typicode.com</a:t>
+              <a:t>sandboxdnac.cisco.com</a:t>
             </a:r>
             <a:r>
               <a:rPr lang="en-US" sz="2400" dirty="0"/>
-              <a:t>/posts</a:t>
+              <a:t>/</a:t>
+            </a:r>
+            <a:r>
+              <a:rPr lang="en-US" sz="2400" dirty="0" err="1"/>
+              <a:t>dna</a:t>
+            </a:r>
+            <a:r>
+              <a:rPr lang="en-US" sz="2400" dirty="0"/>
+              <a:t>/system/</a:t>
+            </a:r>
+            <a:r>
+              <a:rPr lang="en-US" sz="2400" dirty="0" err="1"/>
+              <a:t>api</a:t>
+            </a:r>
+            <a:r>
+              <a:rPr lang="en-US" sz="2400" dirty="0"/>
+              <a:t>/v1/auth/token</a:t>
             </a:r>
             <a:endParaRPr lang="en-US" sz="2400" dirty="0">
               <a:solidFill>
@@ -11002,88 +10982,41 @@
           <a:p>
             <a:r>
               <a:rPr lang="en-US" sz="2400" dirty="0"/>
-              <a:t>Include a header indicating the request body is in a JSON format</a:t>
+              <a:t>Send credentials via HTTP Basic Authentication</a:t>
             </a:r>
           </a:p>
           <a:p>
             <a:r>
               <a:rPr lang="en-US" sz="2400" dirty="0"/>
-              <a:t>Display the response headers in the terminal</a:t>
+              <a:t>Display verbose/debugging information</a:t>
             </a:r>
           </a:p>
           <a:p>
             <a:r>
               <a:rPr lang="en-US" sz="2400" dirty="0"/>
-              <a:t>Body payload in JSON format</a:t>
-            </a:r>
-          </a:p>
-        </p:txBody>
-      </p:sp>
-      <p:sp>
-        <p:nvSpPr>
-          <p:cNvPr id="4" name="Date Placeholder 3">
+              <a:t>Write the response to the file </a:t>
+            </a:r>
+            <a:r>
+              <a:rPr lang="en-US" sz="2400" i="1" dirty="0"/>
+              <a:t>‘</a:t>
+            </a:r>
+            <a:r>
+              <a:rPr lang="en-US" sz="2400" i="1" dirty="0" err="1"/>
+              <a:t>token.txt</a:t>
+            </a:r>
+            <a:r>
+              <a:rPr lang="en-US" sz="2400" i="1" dirty="0"/>
+              <a:t>’</a:t>
+            </a:r>
+          </a:p>
+        </p:txBody>
+      </p:sp>
+      <p:sp>
+        <p:nvSpPr>
+          <p:cNvPr id="11" name="Rectangle 10">
             <a:extLst>
               <a:ext uri="{FF2B5EF4-FFF2-40B4-BE49-F238E27FC236}">
-                <a16:creationId xmlns:a16="http://schemas.microsoft.com/office/drawing/2014/main" id="{6E8781CE-B8A7-7540-B619-28D099093D8B}"/>
-              </a:ext>
-            </a:extLst>
-          </p:cNvPr>
-          <p:cNvSpPr>
-            <a:spLocks noGrp="1"/>
-          </p:cNvSpPr>
-          <p:nvPr>
-            <p:ph type="dt" sz="half" idx="10"/>
-          </p:nvPr>
-        </p:nvSpPr>
-        <p:spPr/>
-        <p:txBody>
-          <a:bodyPr/>
-          <a:lstStyle/>
-          <a:p>
-            <a:r>
-              <a:rPr lang="en-US"/>
-              <a:t>World Wide Technology ©</a:t>
-            </a:r>
-            <a:endParaRPr lang="en-US" dirty="0"/>
-          </a:p>
-        </p:txBody>
-      </p:sp>
-      <p:sp>
-        <p:nvSpPr>
-          <p:cNvPr id="5" name="Slide Number Placeholder 4">
-            <a:extLst>
-              <a:ext uri="{FF2B5EF4-FFF2-40B4-BE49-F238E27FC236}">
-                <a16:creationId xmlns:a16="http://schemas.microsoft.com/office/drawing/2014/main" id="{222BEAA2-2326-1F4D-9BCE-0FC3EC23B201}"/>
-              </a:ext>
-            </a:extLst>
-          </p:cNvPr>
-          <p:cNvSpPr>
-            <a:spLocks noGrp="1"/>
-          </p:cNvSpPr>
-          <p:nvPr>
-            <p:ph type="sldNum" sz="quarter" idx="12"/>
-          </p:nvPr>
-        </p:nvSpPr>
-        <p:spPr/>
-        <p:txBody>
-          <a:bodyPr/>
-          <a:lstStyle/>
-          <a:p>
-            <a:fld id="{A44B02FA-DD2D-1844-AE35-8B2EAB0CF4EF}" type="slidenum">
-              <a:rPr lang="en-US" smtClean="0"/>
-              <a:pPr/>
-              <a:t>14</a:t>
-            </a:fld>
-            <a:endParaRPr lang="en-US" dirty="0"/>
-          </a:p>
-        </p:txBody>
-      </p:sp>
-      <p:sp>
-        <p:nvSpPr>
-          <p:cNvPr id="6" name="Rectangle 5">
-            <a:extLst>
-              <a:ext uri="{FF2B5EF4-FFF2-40B4-BE49-F238E27FC236}">
-                <a16:creationId xmlns:a16="http://schemas.microsoft.com/office/drawing/2014/main" id="{8026FF69-6C82-7043-9603-B53878D1AFAB}"/>
+                <a16:creationId xmlns:a16="http://schemas.microsoft.com/office/drawing/2014/main" id="{1100B6A1-8FC9-164E-B48D-5AEB1EF6BDB2}"/>
               </a:ext>
             </a:extLst>
           </p:cNvPr>
@@ -11092,8 +11025,8 @@
         </p:nvSpPr>
         <p:spPr>
           <a:xfrm>
-            <a:off x="909614" y="1825622"/>
-            <a:ext cx="1316950" cy="346075"/>
+            <a:off x="2365512" y="3139186"/>
+            <a:ext cx="8178410" cy="346075"/>
           </a:xfrm>
           <a:prstGeom prst="rect">
             <a:avLst/>
@@ -11146,8 +11079,8 @@
         </p:nvSpPr>
         <p:spPr>
           <a:xfrm>
-            <a:off x="2226564" y="1825624"/>
-            <a:ext cx="5916168" cy="346075"/>
+            <a:off x="2293257" y="1834768"/>
+            <a:ext cx="5912489" cy="346075"/>
           </a:xfrm>
           <a:prstGeom prst="rect">
             <a:avLst/>
@@ -11188,10 +11121,10 @@
       </p:sp>
       <p:sp>
         <p:nvSpPr>
-          <p:cNvPr id="8" name="Rectangle 7">
+          <p:cNvPr id="6" name="Rectangle 5">
             <a:extLst>
               <a:ext uri="{FF2B5EF4-FFF2-40B4-BE49-F238E27FC236}">
-                <a16:creationId xmlns:a16="http://schemas.microsoft.com/office/drawing/2014/main" id="{CC38C9D9-1C2E-0A43-B57E-01A9B796FCD1}"/>
+                <a16:creationId xmlns:a16="http://schemas.microsoft.com/office/drawing/2014/main" id="{8026FF69-6C82-7043-9603-B53878D1AFAB}"/>
               </a:ext>
             </a:extLst>
           </p:cNvPr>
@@ -11200,62 +11133,8 @@
         </p:nvSpPr>
         <p:spPr>
           <a:xfrm>
-            <a:off x="8142732" y="1825623"/>
-            <a:ext cx="192024" cy="346075"/>
-          </a:xfrm>
-          <a:prstGeom prst="rect">
-            <a:avLst/>
-          </a:prstGeom>
-          <a:solidFill>
-            <a:srgbClr val="FFC000">
-              <a:alpha val="40000"/>
-            </a:srgbClr>
-          </a:solidFill>
-          <a:ln>
-            <a:noFill/>
-          </a:ln>
-        </p:spPr>
-        <p:style>
-          <a:lnRef idx="2">
-            <a:schemeClr val="accent1">
-              <a:shade val="50000"/>
-            </a:schemeClr>
-          </a:lnRef>
-          <a:fillRef idx="1">
-            <a:schemeClr val="accent1"/>
-          </a:fillRef>
-          <a:effectRef idx="0">
-            <a:schemeClr val="accent1"/>
-          </a:effectRef>
-          <a:fontRef idx="minor">
-            <a:schemeClr val="lt1"/>
-          </a:fontRef>
-        </p:style>
-        <p:txBody>
-          <a:bodyPr rtlCol="0" anchor="ctr"/>
-          <a:lstStyle/>
-          <a:p>
-            <a:pPr algn="ctr"/>
-            <a:endParaRPr lang="en-US" dirty="0"/>
-          </a:p>
-        </p:txBody>
-      </p:sp>
-      <p:sp>
-        <p:nvSpPr>
-          <p:cNvPr id="9" name="Rectangle 8">
-            <a:extLst>
-              <a:ext uri="{FF2B5EF4-FFF2-40B4-BE49-F238E27FC236}">
-                <a16:creationId xmlns:a16="http://schemas.microsoft.com/office/drawing/2014/main" id="{12CE5C1F-FFE1-524B-888F-DCB5B4780F99}"/>
-              </a:ext>
-            </a:extLst>
-          </p:cNvPr>
-          <p:cNvSpPr/>
-          <p:nvPr/>
-        </p:nvSpPr>
-        <p:spPr>
-          <a:xfrm>
-            <a:off x="909614" y="2206297"/>
-            <a:ext cx="3317408" cy="346075"/>
+            <a:off x="909614" y="1834766"/>
+            <a:ext cx="1383643" cy="346075"/>
           </a:xfrm>
           <a:prstGeom prst="rect">
             <a:avLst/>
@@ -11308,7 +11187,7 @@
         </p:nvSpPr>
         <p:spPr>
           <a:xfrm>
-            <a:off x="909614" y="3414088"/>
+            <a:off x="909614" y="3139184"/>
             <a:ext cx="1455898" cy="346075"/>
           </a:xfrm>
           <a:prstGeom prst="rect">
@@ -11350,10 +11229,10 @@
       </p:sp>
       <p:sp>
         <p:nvSpPr>
-          <p:cNvPr id="11" name="Rectangle 10">
+          <p:cNvPr id="12" name="Rectangle 11">
             <a:extLst>
               <a:ext uri="{FF2B5EF4-FFF2-40B4-BE49-F238E27FC236}">
-                <a16:creationId xmlns:a16="http://schemas.microsoft.com/office/drawing/2014/main" id="{1100B6A1-8FC9-164E-B48D-5AEB1EF6BDB2}"/>
+                <a16:creationId xmlns:a16="http://schemas.microsoft.com/office/drawing/2014/main" id="{F0D062B1-76F5-1E43-B067-441BE8AF1B26}"/>
               </a:ext>
             </a:extLst>
           </p:cNvPr>
@@ -11362,8 +11241,8 @@
         </p:nvSpPr>
         <p:spPr>
           <a:xfrm>
-            <a:off x="2365512" y="3414090"/>
-            <a:ext cx="5840234" cy="346075"/>
+            <a:off x="909614" y="3554226"/>
+            <a:ext cx="3509986" cy="346075"/>
           </a:xfrm>
           <a:prstGeom prst="rect">
             <a:avLst/>
@@ -11404,10 +11283,101 @@
       </p:sp>
       <p:sp>
         <p:nvSpPr>
-          <p:cNvPr id="12" name="Rectangle 11">
+          <p:cNvPr id="2" name="Title 1">
             <a:extLst>
               <a:ext uri="{FF2B5EF4-FFF2-40B4-BE49-F238E27FC236}">
-                <a16:creationId xmlns:a16="http://schemas.microsoft.com/office/drawing/2014/main" id="{F0D062B1-76F5-1E43-B067-441BE8AF1B26}"/>
+                <a16:creationId xmlns:a16="http://schemas.microsoft.com/office/drawing/2014/main" id="{AC0D55DF-385E-9A4F-AB08-FEBC11990B8B}"/>
+              </a:ext>
+            </a:extLst>
+          </p:cNvPr>
+          <p:cNvSpPr>
+            <a:spLocks noGrp="1"/>
+          </p:cNvSpPr>
+          <p:nvPr>
+            <p:ph type="title"/>
+          </p:nvPr>
+        </p:nvSpPr>
+        <p:spPr/>
+        <p:txBody>
+          <a:bodyPr/>
+          <a:lstStyle/>
+          <a:p>
+            <a:r>
+              <a:rPr lang="en-US" dirty="0" err="1"/>
+              <a:t>cURL</a:t>
+            </a:r>
+            <a:r>
+              <a:rPr lang="en-US" dirty="0"/>
+              <a:t> Command Examples Continued</a:t>
+            </a:r>
+          </a:p>
+        </p:txBody>
+      </p:sp>
+      <p:sp>
+        <p:nvSpPr>
+          <p:cNvPr id="4" name="Date Placeholder 3">
+            <a:extLst>
+              <a:ext uri="{FF2B5EF4-FFF2-40B4-BE49-F238E27FC236}">
+                <a16:creationId xmlns:a16="http://schemas.microsoft.com/office/drawing/2014/main" id="{6E8781CE-B8A7-7540-B619-28D099093D8B}"/>
+              </a:ext>
+            </a:extLst>
+          </p:cNvPr>
+          <p:cNvSpPr>
+            <a:spLocks noGrp="1"/>
+          </p:cNvSpPr>
+          <p:nvPr>
+            <p:ph type="dt" sz="half" idx="10"/>
+          </p:nvPr>
+        </p:nvSpPr>
+        <p:spPr/>
+        <p:txBody>
+          <a:bodyPr/>
+          <a:lstStyle/>
+          <a:p>
+            <a:r>
+              <a:rPr lang="en-US"/>
+              <a:t>World Wide Technology ©</a:t>
+            </a:r>
+            <a:endParaRPr lang="en-US" dirty="0"/>
+          </a:p>
+        </p:txBody>
+      </p:sp>
+      <p:sp>
+        <p:nvSpPr>
+          <p:cNvPr id="5" name="Slide Number Placeholder 4">
+            <a:extLst>
+              <a:ext uri="{FF2B5EF4-FFF2-40B4-BE49-F238E27FC236}">
+                <a16:creationId xmlns:a16="http://schemas.microsoft.com/office/drawing/2014/main" id="{222BEAA2-2326-1F4D-9BCE-0FC3EC23B201}"/>
+              </a:ext>
+            </a:extLst>
+          </p:cNvPr>
+          <p:cNvSpPr>
+            <a:spLocks noGrp="1"/>
+          </p:cNvSpPr>
+          <p:nvPr>
+            <p:ph type="sldNum" sz="quarter" idx="12"/>
+          </p:nvPr>
+        </p:nvSpPr>
+        <p:spPr/>
+        <p:txBody>
+          <a:bodyPr/>
+          <a:lstStyle/>
+          <a:p>
+            <a:fld id="{A44B02FA-DD2D-1844-AE35-8B2EAB0CF4EF}" type="slidenum">
+              <a:rPr lang="en-US" smtClean="0"/>
+              <a:pPr/>
+              <a:t>14</a:t>
+            </a:fld>
+            <a:endParaRPr lang="en-US" dirty="0"/>
+          </a:p>
+        </p:txBody>
+      </p:sp>
+      <p:sp>
+        <p:nvSpPr>
+          <p:cNvPr id="13" name="Rectangle 12">
+            <a:extLst>
+              <a:ext uri="{FF2B5EF4-FFF2-40B4-BE49-F238E27FC236}">
+                <a16:creationId xmlns:a16="http://schemas.microsoft.com/office/drawing/2014/main" id="{ECAD06B7-E735-D041-A877-3DAA3A185FC4}"/>
               </a:ext>
             </a:extLst>
           </p:cNvPr>
@@ -11416,8 +11386,8 @@
         </p:nvSpPr>
         <p:spPr>
           <a:xfrm>
-            <a:off x="909613" y="3794763"/>
-            <a:ext cx="4246807" cy="346075"/>
+            <a:off x="1152728" y="3971498"/>
+            <a:ext cx="1306116" cy="346075"/>
           </a:xfrm>
           <a:prstGeom prst="rect">
             <a:avLst/>
@@ -11458,10 +11428,10 @@
       </p:sp>
       <p:sp>
         <p:nvSpPr>
-          <p:cNvPr id="13" name="Rectangle 12">
+          <p:cNvPr id="15" name="Rectangle 14">
             <a:extLst>
               <a:ext uri="{FF2B5EF4-FFF2-40B4-BE49-F238E27FC236}">
-                <a16:creationId xmlns:a16="http://schemas.microsoft.com/office/drawing/2014/main" id="{ECAD06B7-E735-D041-A877-3DAA3A185FC4}"/>
+                <a16:creationId xmlns:a16="http://schemas.microsoft.com/office/drawing/2014/main" id="{B679387D-B1E9-5145-9D8F-5D43A6FA5EEE}"/>
               </a:ext>
             </a:extLst>
           </p:cNvPr>
@@ -11470,8 +11440,8 @@
         </p:nvSpPr>
         <p:spPr>
           <a:xfrm>
-            <a:off x="909613" y="4175435"/>
-            <a:ext cx="198516" cy="346075"/>
+            <a:off x="911236" y="3971498"/>
+            <a:ext cx="241492" cy="346075"/>
           </a:xfrm>
           <a:prstGeom prst="rect">
             <a:avLst/>
@@ -11512,10 +11482,10 @@
       </p:sp>
       <p:sp>
         <p:nvSpPr>
-          <p:cNvPr id="14" name="Rectangle 13">
+          <p:cNvPr id="16" name="Rectangle 15">
             <a:extLst>
               <a:ext uri="{FF2B5EF4-FFF2-40B4-BE49-F238E27FC236}">
-                <a16:creationId xmlns:a16="http://schemas.microsoft.com/office/drawing/2014/main" id="{00602D00-5324-D14C-A172-33657E9029B7}"/>
+                <a16:creationId xmlns:a16="http://schemas.microsoft.com/office/drawing/2014/main" id="{D8B40A51-E9D9-C042-8150-D2136E003E28}"/>
               </a:ext>
             </a:extLst>
           </p:cNvPr>
@@ -11524,16 +11494,16 @@
         </p:nvSpPr>
         <p:spPr>
           <a:xfrm>
-            <a:off x="1108128" y="4175435"/>
-            <a:ext cx="7314759" cy="346075"/>
+            <a:off x="1410696" y="1834766"/>
+            <a:ext cx="192024" cy="346075"/>
           </a:xfrm>
           <a:prstGeom prst="rect">
             <a:avLst/>
           </a:prstGeom>
           <a:solidFill>
-            <a:schemeClr val="tx1">
+            <a:srgbClr val="FFC000">
               <a:alpha val="40000"/>
-            </a:schemeClr>
+            </a:srgbClr>
           </a:solidFill>
           <a:ln>
             <a:noFill/>
@@ -11652,21 +11622,30 @@
                             </p:childTnLst>
                           </p:cTn>
                         </p:par>
+                      </p:childTnLst>
+                    </p:cTn>
+                  </p:par>
+                  <p:par>
+                    <p:cTn id="8" fill="hold">
+                      <p:stCondLst>
+                        <p:cond delay="indefinite"/>
+                      </p:stCondLst>
+                      <p:childTnLst>
                         <p:par>
-                          <p:cTn id="8" fill="hold">
+                          <p:cTn id="9" fill="hold">
                             <p:stCondLst>
-                              <p:cond delay="2000"/>
+                              <p:cond delay="0"/>
                             </p:stCondLst>
                             <p:childTnLst>
                               <p:par>
-                                <p:cTn id="9" presetID="22" presetClass="entr" presetSubtype="8" fill="hold" nodeType="afterEffect">
+                                <p:cTn id="10" presetID="9" presetClass="entr" presetSubtype="0" fill="hold" nodeType="clickEffect">
                                   <p:stCondLst>
                                     <p:cond delay="0"/>
                                   </p:stCondLst>
                                   <p:childTnLst>
                                     <p:set>
                                       <p:cBhvr>
-                                        <p:cTn id="10" dur="1" fill="hold">
+                                        <p:cTn id="11" dur="1" fill="hold">
                                           <p:stCondLst>
                                             <p:cond delay="0"/>
                                           </p:stCondLst>
@@ -11686,9 +11665,9 @@
                                         <p:strVal val="visible"/>
                                       </p:to>
                                     </p:set>
-                                    <p:animEffect transition="in" filter="wipe(left)">
+                                    <p:animEffect transition="in" filter="dissolve">
                                       <p:cBhvr>
-                                        <p:cTn id="11" dur="1000"/>
+                                        <p:cTn id="12" dur="500"/>
                                         <p:tgtEl>
                                           <p:spTgt spid="3">
                                             <p:txEl>
@@ -11708,87 +11687,26 @@
                     </p:cTn>
                   </p:par>
                   <p:par>
-                    <p:cTn id="12" fill="hold">
+                    <p:cTn id="13" fill="hold">
                       <p:stCondLst>
                         <p:cond delay="indefinite"/>
                       </p:stCondLst>
                       <p:childTnLst>
                         <p:par>
-                          <p:cTn id="13" fill="hold">
+                          <p:cTn id="14" fill="hold">
                             <p:stCondLst>
                               <p:cond delay="0"/>
                             </p:stCondLst>
                             <p:childTnLst>
                               <p:par>
-                                <p:cTn id="14" presetID="9" presetClass="entr" presetSubtype="0" fill="hold" nodeType="clickEffect">
+                                <p:cTn id="15" presetID="22" presetClass="entr" presetSubtype="8" fill="hold" grpId="0" nodeType="clickEffect">
                                   <p:stCondLst>
                                     <p:cond delay="0"/>
                                   </p:stCondLst>
                                   <p:childTnLst>
                                     <p:set>
                                       <p:cBhvr>
-                                        <p:cTn id="15" dur="1" fill="hold">
-                                          <p:stCondLst>
-                                            <p:cond delay="0"/>
-                                          </p:stCondLst>
-                                        </p:cTn>
-                                        <p:tgtEl>
-                                          <p:spTgt spid="3">
-                                            <p:txEl>
-                                              <p:pRg st="2" end="2"/>
-                                            </p:txEl>
-                                          </p:spTgt>
-                                        </p:tgtEl>
-                                        <p:attrNameLst>
-                                          <p:attrName>style.visibility</p:attrName>
-                                        </p:attrNameLst>
-                                      </p:cBhvr>
-                                      <p:to>
-                                        <p:strVal val="visible"/>
-                                      </p:to>
-                                    </p:set>
-                                    <p:animEffect transition="in" filter="dissolve">
-                                      <p:cBhvr>
-                                        <p:cTn id="16" dur="500"/>
-                                        <p:tgtEl>
-                                          <p:spTgt spid="3">
-                                            <p:txEl>
-                                              <p:pRg st="2" end="2"/>
-                                            </p:txEl>
-                                          </p:spTgt>
-                                        </p:tgtEl>
-                                      </p:cBhvr>
-                                    </p:animEffect>
-                                  </p:childTnLst>
-                                </p:cTn>
-                              </p:par>
-                            </p:childTnLst>
-                          </p:cTn>
-                        </p:par>
-                      </p:childTnLst>
-                    </p:cTn>
-                  </p:par>
-                  <p:par>
-                    <p:cTn id="17" fill="hold">
-                      <p:stCondLst>
-                        <p:cond delay="indefinite"/>
-                      </p:stCondLst>
-                      <p:childTnLst>
-                        <p:par>
-                          <p:cTn id="18" fill="hold">
-                            <p:stCondLst>
-                              <p:cond delay="0"/>
-                            </p:stCondLst>
-                            <p:childTnLst>
-                              <p:par>
-                                <p:cTn id="19" presetID="22" presetClass="entr" presetSubtype="8" fill="hold" grpId="0" nodeType="clickEffect">
-                                  <p:stCondLst>
-                                    <p:cond delay="0"/>
-                                  </p:stCondLst>
-                                  <p:childTnLst>
-                                    <p:set>
-                                      <p:cBhvr>
-                                        <p:cTn id="20" dur="1" fill="hold">
+                                        <p:cTn id="16" dur="1" fill="hold">
                                           <p:stCondLst>
                                             <p:cond delay="0"/>
                                           </p:stCondLst>
@@ -11806,9 +11724,53 @@
                                     </p:set>
                                     <p:animEffect transition="in" filter="wipe(left)">
                                       <p:cBhvr>
-                                        <p:cTn id="21" dur="500"/>
+                                        <p:cTn id="17" dur="500"/>
                                         <p:tgtEl>
                                           <p:spTgt spid="6"/>
+                                        </p:tgtEl>
+                                      </p:cBhvr>
+                                    </p:animEffect>
+                                  </p:childTnLst>
+                                </p:cTn>
+                              </p:par>
+                            </p:childTnLst>
+                          </p:cTn>
+                        </p:par>
+                        <p:par>
+                          <p:cTn id="18" fill="hold">
+                            <p:stCondLst>
+                              <p:cond delay="500"/>
+                            </p:stCondLst>
+                            <p:childTnLst>
+                              <p:par>
+                                <p:cTn id="19" presetID="22" presetClass="entr" presetSubtype="8" fill="hold" grpId="0" nodeType="afterEffect">
+                                  <p:stCondLst>
+                                    <p:cond delay="500"/>
+                                  </p:stCondLst>
+                                  <p:childTnLst>
+                                    <p:set>
+                                      <p:cBhvr>
+                                        <p:cTn id="20" dur="1" fill="hold">
+                                          <p:stCondLst>
+                                            <p:cond delay="0"/>
+                                          </p:stCondLst>
+                                        </p:cTn>
+                                        <p:tgtEl>
+                                          <p:spTgt spid="7"/>
+                                        </p:tgtEl>
+                                        <p:attrNameLst>
+                                          <p:attrName>style.visibility</p:attrName>
+                                        </p:attrNameLst>
+                                      </p:cBhvr>
+                                      <p:to>
+                                        <p:strVal val="visible"/>
+                                      </p:to>
+                                    </p:set>
+                                    <p:animEffect transition="in" filter="wipe(left)">
+                                      <p:cBhvr>
+                                        <p:cTn id="21" dur="1000"/>
+                                        <p:tgtEl>
+                                          <p:spTgt spid="7"/>
                                         </p:tgtEl>
                                       </p:cBhvr>
                                     </p:animEffect>
@@ -11834,7 +11796,7 @@
                             </p:stCondLst>
                             <p:childTnLst>
                               <p:par>
-                                <p:cTn id="24" presetID="22" presetClass="entr" presetSubtype="8" fill="hold" grpId="0" nodeType="clickEffect">
+                                <p:cTn id="24" presetID="9" presetClass="entr" presetSubtype="0" fill="hold" nodeType="clickEffect">
                                   <p:stCondLst>
                                     <p:cond delay="0"/>
                                   </p:stCondLst>
@@ -11847,7 +11809,11 @@
                                           </p:stCondLst>
                                         </p:cTn>
                                         <p:tgtEl>
-                                          <p:spTgt spid="7"/>
+                                          <p:spTgt spid="3">
+                                            <p:txEl>
+                                              <p:pRg st="2" end="2"/>
+                                            </p:txEl>
+                                          </p:spTgt>
                                         </p:tgtEl>
                                         <p:attrNameLst>
                                           <p:attrName>style.visibility</p:attrName>
@@ -11857,11 +11823,15 @@
                                         <p:strVal val="visible"/>
                                       </p:to>
                                     </p:set>
-                                    <p:animEffect transition="in" filter="wipe(left)">
+                                    <p:animEffect transition="in" filter="dissolve">
                                       <p:cBhvr>
-                                        <p:cTn id="26" dur="1000"/>
+                                        <p:cTn id="26" dur="500"/>
                                         <p:tgtEl>
-                                          <p:spTgt spid="7"/>
+                                          <p:spTgt spid="3">
+                                            <p:txEl>
+                                              <p:pRg st="2" end="2"/>
+                                            </p:txEl>
+                                          </p:spTgt>
                                         </p:tgtEl>
                                       </p:cBhvr>
                                     </p:animEffect>
@@ -11900,7 +11870,7 @@
                                           </p:stCondLst>
                                         </p:cTn>
                                         <p:tgtEl>
-                                          <p:spTgt spid="8"/>
+                                          <p:spTgt spid="16"/>
                                         </p:tgtEl>
                                         <p:attrNameLst>
                                           <p:attrName>style.visibility</p:attrName>
@@ -11914,7 +11884,7 @@
                                       <p:cBhvr>
                                         <p:cTn id="31" dur="500"/>
                                         <p:tgtEl>
-                                          <p:spTgt spid="8"/>
+                                          <p:spTgt spid="16"/>
                                         </p:tgtEl>
                                       </p:cBhvr>
                                     </p:animEffect>
@@ -11940,7 +11910,7 @@
                             </p:stCondLst>
                             <p:childTnLst>
                               <p:par>
-                                <p:cTn id="34" presetID="9" presetClass="entr" presetSubtype="0" fill="hold" nodeType="clickEffect">
+                                <p:cTn id="34" presetID="22" presetClass="entr" presetSubtype="8" fill="hold" nodeType="clickEffect">
                                   <p:stCondLst>
                                     <p:cond delay="0"/>
                                   </p:stCondLst>
@@ -11967,9 +11937,9 @@
                                         <p:strVal val="visible"/>
                                       </p:to>
                                     </p:set>
-                                    <p:animEffect transition="in" filter="dissolve">
+                                    <p:animEffect transition="in" filter="wipe(left)">
                                       <p:cBhvr>
-                                        <p:cTn id="36" dur="500"/>
+                                        <p:cTn id="36" dur="2000"/>
                                         <p:tgtEl>
                                           <p:spTgt spid="3">
                                             <p:txEl>
@@ -11985,83 +11955,21 @@
                             </p:childTnLst>
                           </p:cTn>
                         </p:par>
-                      </p:childTnLst>
-                    </p:cTn>
-                  </p:par>
-                  <p:par>
-                    <p:cTn id="37" fill="hold">
-                      <p:stCondLst>
-                        <p:cond delay="indefinite"/>
-                      </p:stCondLst>
-                      <p:childTnLst>
                         <p:par>
-                          <p:cTn id="38" fill="hold">
+                          <p:cTn id="37" fill="hold">
                             <p:stCondLst>
-                              <p:cond delay="0"/>
+                              <p:cond delay="2000"/>
                             </p:stCondLst>
                             <p:childTnLst>
                               <p:par>
-                                <p:cTn id="39" presetID="22" presetClass="entr" presetSubtype="8" fill="hold" grpId="0" nodeType="clickEffect">
+                                <p:cTn id="38" presetID="22" presetClass="entr" presetSubtype="8" fill="hold" nodeType="afterEffect">
                                   <p:stCondLst>
                                     <p:cond delay="0"/>
                                   </p:stCondLst>
                                   <p:childTnLst>
                                     <p:set>
                                       <p:cBhvr>
-                                        <p:cTn id="40" dur="1" fill="hold">
-                                          <p:stCondLst>
-                                            <p:cond delay="0"/>
-                                          </p:stCondLst>
-                                        </p:cTn>
-                                        <p:tgtEl>
-                                          <p:spTgt spid="9"/>
-                                        </p:tgtEl>
-                                        <p:attrNameLst>
-                                          <p:attrName>style.visibility</p:attrName>
-                                        </p:attrNameLst>
-                                      </p:cBhvr>
-                                      <p:to>
-                                        <p:strVal val="visible"/>
-                                      </p:to>
-                                    </p:set>
-                                    <p:animEffect transition="in" filter="wipe(left)">
-                                      <p:cBhvr>
-                                        <p:cTn id="41" dur="1000"/>
-                                        <p:tgtEl>
-                                          <p:spTgt spid="9"/>
-                                        </p:tgtEl>
-                                      </p:cBhvr>
-                                    </p:animEffect>
-                                  </p:childTnLst>
-                                </p:cTn>
-                              </p:par>
-                            </p:childTnLst>
-                          </p:cTn>
-                        </p:par>
-                      </p:childTnLst>
-                    </p:cTn>
-                  </p:par>
-                  <p:par>
-                    <p:cTn id="42" fill="hold">
-                      <p:stCondLst>
-                        <p:cond delay="indefinite"/>
-                      </p:stCondLst>
-                      <p:childTnLst>
-                        <p:par>
-                          <p:cTn id="43" fill="hold">
-                            <p:stCondLst>
-                              <p:cond delay="0"/>
-                            </p:stCondLst>
-                            <p:childTnLst>
-                              <p:par>
-                                <p:cTn id="44" presetID="22" presetClass="entr" presetSubtype="8" fill="hold" nodeType="clickEffect">
-                                  <p:stCondLst>
-                                    <p:cond delay="0"/>
-                                  </p:stCondLst>
-                                  <p:childTnLst>
-                                    <p:set>
-                                      <p:cBhvr>
-                                        <p:cTn id="45" dur="1" fill="hold">
+                                        <p:cTn id="39" dur="1" fill="hold">
                                           <p:stCondLst>
                                             <p:cond delay="0"/>
                                           </p:stCondLst>
@@ -12083,7 +11991,7 @@
                                     </p:set>
                                     <p:animEffect transition="in" filter="wipe(left)">
                                       <p:cBhvr>
-                                        <p:cTn id="46" dur="2000"/>
+                                        <p:cTn id="40" dur="1000"/>
                                         <p:tgtEl>
                                           <p:spTgt spid="3">
                                             <p:txEl>
@@ -12100,20 +12008,20 @@
                           </p:cTn>
                         </p:par>
                         <p:par>
-                          <p:cTn id="47" fill="hold">
+                          <p:cTn id="41" fill="hold">
                             <p:stCondLst>
-                              <p:cond delay="2000"/>
+                              <p:cond delay="3000"/>
                             </p:stCondLst>
                             <p:childTnLst>
                               <p:par>
-                                <p:cTn id="48" presetID="22" presetClass="entr" presetSubtype="8" fill="hold" nodeType="afterEffect">
+                                <p:cTn id="42" presetID="22" presetClass="entr" presetSubtype="8" fill="hold" nodeType="afterEffect">
                                   <p:stCondLst>
                                     <p:cond delay="0"/>
                                   </p:stCondLst>
                                   <p:childTnLst>
                                     <p:set>
                                       <p:cBhvr>
-                                        <p:cTn id="49" dur="1" fill="hold">
+                                        <p:cTn id="43" dur="1" fill="hold">
                                           <p:stCondLst>
                                             <p:cond delay="0"/>
                                           </p:stCondLst>
@@ -12135,7 +12043,7 @@
                                     </p:set>
                                     <p:animEffect transition="in" filter="wipe(left)">
                                       <p:cBhvr>
-                                        <p:cTn id="50" dur="1000"/>
+                                        <p:cTn id="44" dur="750"/>
                                         <p:tgtEl>
                                           <p:spTgt spid="3">
                                             <p:txEl>
@@ -12151,21 +12059,30 @@
                             </p:childTnLst>
                           </p:cTn>
                         </p:par>
+                      </p:childTnLst>
+                    </p:cTn>
+                  </p:par>
+                  <p:par>
+                    <p:cTn id="45" fill="hold">
+                      <p:stCondLst>
+                        <p:cond delay="indefinite"/>
+                      </p:stCondLst>
+                      <p:childTnLst>
                         <p:par>
-                          <p:cTn id="51" fill="hold">
+                          <p:cTn id="46" fill="hold">
                             <p:stCondLst>
-                              <p:cond delay="3000"/>
+                              <p:cond delay="0"/>
                             </p:stCondLst>
                             <p:childTnLst>
                               <p:par>
-                                <p:cTn id="52" presetID="22" presetClass="entr" presetSubtype="8" fill="hold" nodeType="afterEffect">
+                                <p:cTn id="47" presetID="9" presetClass="entr" presetSubtype="0" fill="hold" nodeType="clickEffect">
                                   <p:stCondLst>
                                     <p:cond delay="0"/>
                                   </p:stCondLst>
                                   <p:childTnLst>
                                     <p:set>
                                       <p:cBhvr>
-                                        <p:cTn id="53" dur="1" fill="hold">
+                                        <p:cTn id="48" dur="1" fill="hold">
                                           <p:stCondLst>
                                             <p:cond delay="0"/>
                                           </p:stCondLst>
@@ -12185,9 +12102,9 @@
                                         <p:strVal val="visible"/>
                                       </p:to>
                                     </p:set>
-                                    <p:animEffect transition="in" filter="wipe(left)">
+                                    <p:animEffect transition="in" filter="dissolve">
                                       <p:cBhvr>
-                                        <p:cTn id="54" dur="2000"/>
+                                        <p:cTn id="49" dur="500"/>
                                         <p:tgtEl>
                                           <p:spTgt spid="3">
                                             <p:txEl>
@@ -12207,26 +12124,123 @@
                     </p:cTn>
                   </p:par>
                   <p:par>
-                    <p:cTn id="55" fill="hold">
+                    <p:cTn id="50" fill="hold">
                       <p:stCondLst>
                         <p:cond delay="indefinite"/>
                       </p:stCondLst>
                       <p:childTnLst>
                         <p:par>
-                          <p:cTn id="56" fill="hold">
+                          <p:cTn id="51" fill="hold">
                             <p:stCondLst>
                               <p:cond delay="0"/>
                             </p:stCondLst>
                             <p:childTnLst>
                               <p:par>
-                                <p:cTn id="57" presetID="9" presetClass="entr" presetSubtype="0" fill="hold" nodeType="clickEffect">
+                                <p:cTn id="52" presetID="22" presetClass="entr" presetSubtype="8" fill="hold" grpId="0" nodeType="clickEffect">
                                   <p:stCondLst>
                                     <p:cond delay="0"/>
                                   </p:stCondLst>
                                   <p:childTnLst>
                                     <p:set>
                                       <p:cBhvr>
-                                        <p:cTn id="58" dur="1" fill="hold">
+                                        <p:cTn id="53" dur="1" fill="hold">
+                                          <p:stCondLst>
+                                            <p:cond delay="0"/>
+                                          </p:stCondLst>
+                                        </p:cTn>
+                                        <p:tgtEl>
+                                          <p:spTgt spid="10"/>
+                                        </p:tgtEl>
+                                        <p:attrNameLst>
+                                          <p:attrName>style.visibility</p:attrName>
+                                        </p:attrNameLst>
+                                      </p:cBhvr>
+                                      <p:to>
+                                        <p:strVal val="visible"/>
+                                      </p:to>
+                                    </p:set>
+                                    <p:animEffect transition="in" filter="wipe(left)">
+                                      <p:cBhvr>
+                                        <p:cTn id="54" dur="500"/>
+                                        <p:tgtEl>
+                                          <p:spTgt spid="10"/>
+                                        </p:tgtEl>
+                                      </p:cBhvr>
+                                    </p:animEffect>
+                                  </p:childTnLst>
+                                </p:cTn>
+                              </p:par>
+                            </p:childTnLst>
+                          </p:cTn>
+                        </p:par>
+                        <p:par>
+                          <p:cTn id="55" fill="hold">
+                            <p:stCondLst>
+                              <p:cond delay="500"/>
+                            </p:stCondLst>
+                            <p:childTnLst>
+                              <p:par>
+                                <p:cTn id="56" presetID="22" presetClass="entr" presetSubtype="8" fill="hold" grpId="0" nodeType="afterEffect">
+                                  <p:stCondLst>
+                                    <p:cond delay="500"/>
+                                  </p:stCondLst>
+                                  <p:childTnLst>
+                                    <p:set>
+                                      <p:cBhvr>
+                                        <p:cTn id="57" dur="1" fill="hold">
+                                          <p:stCondLst>
+                                            <p:cond delay="0"/>
+                                          </p:stCondLst>
+                                        </p:cTn>
+                                        <p:tgtEl>
+                                          <p:spTgt spid="11"/>
+                                        </p:tgtEl>
+                                        <p:attrNameLst>
+                                          <p:attrName>style.visibility</p:attrName>
+                                        </p:attrNameLst>
+                                      </p:cBhvr>
+                                      <p:to>
+                                        <p:strVal val="visible"/>
+                                      </p:to>
+                                    </p:set>
+                                    <p:animEffect transition="in" filter="wipe(left)">
+                                      <p:cBhvr>
+                                        <p:cTn id="58" dur="1000"/>
+                                        <p:tgtEl>
+                                          <p:spTgt spid="11"/>
+                                        </p:tgtEl>
+                                      </p:cBhvr>
+                                    </p:animEffect>
+                                  </p:childTnLst>
+                                </p:cTn>
+                              </p:par>
+                            </p:childTnLst>
+                          </p:cTn>
+                        </p:par>
+                      </p:childTnLst>
+                    </p:cTn>
+                  </p:par>
+                  <p:par>
+                    <p:cTn id="59" fill="hold">
+                      <p:stCondLst>
+                        <p:cond delay="indefinite"/>
+                      </p:stCondLst>
+                      <p:childTnLst>
+                        <p:par>
+                          <p:cTn id="60" fill="hold">
+                            <p:stCondLst>
+                              <p:cond delay="0"/>
+                            </p:stCondLst>
+                            <p:childTnLst>
+                              <p:par>
+                                <p:cTn id="61" presetID="9" presetClass="entr" presetSubtype="0" fill="hold" nodeType="clickEffect">
+                                  <p:stCondLst>
+                                    <p:cond delay="0"/>
+                                  </p:stCondLst>
+                                  <p:childTnLst>
+                                    <p:set>
+                                      <p:cBhvr>
+                                        <p:cTn id="62" dur="1" fill="hold">
                                           <p:stCondLst>
                                             <p:cond delay="0"/>
                                           </p:stCondLst>
@@ -12248,7 +12262,7 @@
                                     </p:set>
                                     <p:animEffect transition="in" filter="dissolve">
                                       <p:cBhvr>
-                                        <p:cTn id="59" dur="500"/>
+                                        <p:cTn id="63" dur="500"/>
                                         <p:tgtEl>
                                           <p:spTgt spid="3">
                                             <p:txEl>
@@ -12268,32 +12282,32 @@
                     </p:cTn>
                   </p:par>
                   <p:par>
-                    <p:cTn id="60" fill="hold">
+                    <p:cTn id="64" fill="hold">
                       <p:stCondLst>
                         <p:cond delay="indefinite"/>
                       </p:stCondLst>
                       <p:childTnLst>
                         <p:par>
-                          <p:cTn id="61" fill="hold">
+                          <p:cTn id="65" fill="hold">
                             <p:stCondLst>
                               <p:cond delay="0"/>
                             </p:stCondLst>
                             <p:childTnLst>
                               <p:par>
-                                <p:cTn id="62" presetID="22" presetClass="entr" presetSubtype="8" fill="hold" grpId="0" nodeType="clickEffect">
+                                <p:cTn id="66" presetID="22" presetClass="entr" presetSubtype="8" fill="hold" grpId="0" nodeType="clickEffect">
                                   <p:stCondLst>
                                     <p:cond delay="0"/>
                                   </p:stCondLst>
                                   <p:childTnLst>
                                     <p:set>
                                       <p:cBhvr>
-                                        <p:cTn id="63" dur="1" fill="hold">
+                                        <p:cTn id="67" dur="1" fill="hold">
                                           <p:stCondLst>
                                             <p:cond delay="0"/>
                                           </p:stCondLst>
                                         </p:cTn>
                                         <p:tgtEl>
-                                          <p:spTgt spid="10"/>
+                                          <p:spTgt spid="12"/>
                                         </p:tgtEl>
                                         <p:attrNameLst>
                                           <p:attrName>style.visibility</p:attrName>
@@ -12305,9 +12319,9 @@
                                     </p:set>
                                     <p:animEffect transition="in" filter="wipe(left)">
                                       <p:cBhvr>
-                                        <p:cTn id="64" dur="500"/>
+                                        <p:cTn id="68" dur="1000"/>
                                         <p:tgtEl>
-                                          <p:spTgt spid="10"/>
+                                          <p:spTgt spid="12"/>
                                         </p:tgtEl>
                                       </p:cBhvr>
                                     </p:animEffect>
@@ -12321,79 +12335,26 @@
                     </p:cTn>
                   </p:par>
                   <p:par>
-                    <p:cTn id="65" fill="hold">
+                    <p:cTn id="69" fill="hold">
                       <p:stCondLst>
                         <p:cond delay="indefinite"/>
                       </p:stCondLst>
                       <p:childTnLst>
                         <p:par>
-                          <p:cTn id="66" fill="hold">
+                          <p:cTn id="70" fill="hold">
                             <p:stCondLst>
                               <p:cond delay="0"/>
                             </p:stCondLst>
                             <p:childTnLst>
                               <p:par>
-                                <p:cTn id="67" presetID="22" presetClass="entr" presetSubtype="8" fill="hold" grpId="0" nodeType="clickEffect">
+                                <p:cTn id="71" presetID="9" presetClass="entr" presetSubtype="0" fill="hold" nodeType="clickEffect">
                                   <p:stCondLst>
                                     <p:cond delay="0"/>
                                   </p:stCondLst>
                                   <p:childTnLst>
                                     <p:set>
                                       <p:cBhvr>
-                                        <p:cTn id="68" dur="1" fill="hold">
-                                          <p:stCondLst>
-                                            <p:cond delay="0"/>
-                                          </p:stCondLst>
-                                        </p:cTn>
-                                        <p:tgtEl>
-                                          <p:spTgt spid="11"/>
-                                        </p:tgtEl>
-                                        <p:attrNameLst>
-                                          <p:attrName>style.visibility</p:attrName>
-                                        </p:attrNameLst>
-                                      </p:cBhvr>
-                                      <p:to>
-                                        <p:strVal val="visible"/>
-                                      </p:to>
-                                    </p:set>
-                                    <p:animEffect transition="in" filter="wipe(left)">
-                                      <p:cBhvr>
-                                        <p:cTn id="69" dur="1000"/>
-                                        <p:tgtEl>
-                                          <p:spTgt spid="11"/>
-                                        </p:tgtEl>
-                                      </p:cBhvr>
-                                    </p:animEffect>
-                                  </p:childTnLst>
-                                </p:cTn>
-                              </p:par>
-                            </p:childTnLst>
-                          </p:cTn>
-                        </p:par>
-                      </p:childTnLst>
-                    </p:cTn>
-                  </p:par>
-                  <p:par>
-                    <p:cTn id="70" fill="hold">
-                      <p:stCondLst>
-                        <p:cond delay="indefinite"/>
-                      </p:stCondLst>
-                      <p:childTnLst>
-                        <p:par>
-                          <p:cTn id="71" fill="hold">
-                            <p:stCondLst>
-                              <p:cond delay="0"/>
-                            </p:stCondLst>
-                            <p:childTnLst>
-                              <p:par>
-                                <p:cTn id="72" presetID="9" presetClass="entr" presetSubtype="0" fill="hold" nodeType="clickEffect">
-                                  <p:stCondLst>
-                                    <p:cond delay="0"/>
-                                  </p:stCondLst>
-                                  <p:childTnLst>
-                                    <p:set>
-                                      <p:cBhvr>
-                                        <p:cTn id="73" dur="1" fill="hold">
+                                        <p:cTn id="72" dur="1" fill="hold">
                                           <p:stCondLst>
                                             <p:cond delay="0"/>
                                           </p:stCondLst>
@@ -12415,7 +12376,7 @@
                                     </p:set>
                                     <p:animEffect transition="in" filter="dissolve">
                                       <p:cBhvr>
-                                        <p:cTn id="74" dur="500"/>
+                                        <p:cTn id="73" dur="500"/>
                                         <p:tgtEl>
                                           <p:spTgt spid="3">
                                             <p:txEl>
@@ -12435,32 +12396,32 @@
                     </p:cTn>
                   </p:par>
                   <p:par>
-                    <p:cTn id="75" fill="hold">
+                    <p:cTn id="74" fill="hold">
                       <p:stCondLst>
                         <p:cond delay="indefinite"/>
                       </p:stCondLst>
                       <p:childTnLst>
                         <p:par>
-                          <p:cTn id="76" fill="hold">
+                          <p:cTn id="75" fill="hold">
                             <p:stCondLst>
                               <p:cond delay="0"/>
                             </p:stCondLst>
                             <p:childTnLst>
                               <p:par>
-                                <p:cTn id="77" presetID="22" presetClass="entr" presetSubtype="8" fill="hold" grpId="0" nodeType="clickEffect">
+                                <p:cTn id="76" presetID="22" presetClass="entr" presetSubtype="8" fill="hold" grpId="0" nodeType="clickEffect">
                                   <p:stCondLst>
                                     <p:cond delay="0"/>
                                   </p:stCondLst>
                                   <p:childTnLst>
                                     <p:set>
                                       <p:cBhvr>
-                                        <p:cTn id="78" dur="1" fill="hold">
+                                        <p:cTn id="77" dur="1" fill="hold">
                                           <p:stCondLst>
                                             <p:cond delay="0"/>
                                           </p:stCondLst>
                                         </p:cTn>
                                         <p:tgtEl>
-                                          <p:spTgt spid="12"/>
+                                          <p:spTgt spid="15"/>
                                         </p:tgtEl>
                                         <p:attrNameLst>
                                           <p:attrName>style.visibility</p:attrName>
@@ -12472,9 +12433,9 @@
                                     </p:set>
                                     <p:animEffect transition="in" filter="wipe(left)">
                                       <p:cBhvr>
-                                        <p:cTn id="79" dur="1000"/>
+                                        <p:cTn id="78" dur="250"/>
                                         <p:tgtEl>
-                                          <p:spTgt spid="12"/>
+                                          <p:spTgt spid="15"/>
                                         </p:tgtEl>
                                       </p:cBhvr>
                                     </p:animEffect>
@@ -12488,26 +12449,26 @@
                     </p:cTn>
                   </p:par>
                   <p:par>
-                    <p:cTn id="80" fill="hold">
+                    <p:cTn id="79" fill="hold">
                       <p:stCondLst>
                         <p:cond delay="indefinite"/>
                       </p:stCondLst>
                       <p:childTnLst>
                         <p:par>
-                          <p:cTn id="81" fill="hold">
+                          <p:cTn id="80" fill="hold">
                             <p:stCondLst>
                               <p:cond delay="0"/>
                             </p:stCondLst>
                             <p:childTnLst>
                               <p:par>
-                                <p:cTn id="82" presetID="9" presetClass="entr" presetSubtype="0" fill="hold" nodeType="clickEffect">
+                                <p:cTn id="81" presetID="9" presetClass="entr" presetSubtype="0" fill="hold" nodeType="clickEffect">
                                   <p:stCondLst>
                                     <p:cond delay="0"/>
                                   </p:stCondLst>
                                   <p:childTnLst>
                                     <p:set>
                                       <p:cBhvr>
-                                        <p:cTn id="83" dur="1" fill="hold">
+                                        <p:cTn id="82" dur="1" fill="hold">
                                           <p:stCondLst>
                                             <p:cond delay="0"/>
                                           </p:stCondLst>
@@ -12529,7 +12490,7 @@
                                     </p:set>
                                     <p:animEffect transition="in" filter="dissolve">
                                       <p:cBhvr>
-                                        <p:cTn id="84" dur="500"/>
+                                        <p:cTn id="83" dur="500"/>
                                         <p:tgtEl>
                                           <p:spTgt spid="3">
                                             <p:txEl>
@@ -12549,26 +12510,26 @@
                     </p:cTn>
                   </p:par>
                   <p:par>
-                    <p:cTn id="85" fill="hold">
+                    <p:cTn id="84" fill="hold">
                       <p:stCondLst>
                         <p:cond delay="indefinite"/>
                       </p:stCondLst>
                       <p:childTnLst>
                         <p:par>
-                          <p:cTn id="86" fill="hold">
+                          <p:cTn id="85" fill="hold">
                             <p:stCondLst>
                               <p:cond delay="0"/>
                             </p:stCondLst>
                             <p:childTnLst>
                               <p:par>
-                                <p:cTn id="87" presetID="22" presetClass="entr" presetSubtype="8" fill="hold" grpId="0" nodeType="clickEffect">
+                                <p:cTn id="86" presetID="22" presetClass="entr" presetSubtype="8" fill="hold" grpId="0" nodeType="clickEffect">
                                   <p:stCondLst>
                                     <p:cond delay="0"/>
                                   </p:stCondLst>
                                   <p:childTnLst>
                                     <p:set>
                                       <p:cBhvr>
-                                        <p:cTn id="88" dur="1" fill="hold">
+                                        <p:cTn id="87" dur="1" fill="hold">
                                           <p:stCondLst>
                                             <p:cond delay="0"/>
                                           </p:stCondLst>
@@ -12586,123 +12547,9 @@
                                     </p:set>
                                     <p:animEffect transition="in" filter="wipe(left)">
                                       <p:cBhvr>
-                                        <p:cTn id="89" dur="250"/>
+                                        <p:cTn id="88" dur="250"/>
                                         <p:tgtEl>
                                           <p:spTgt spid="13"/>
-                                        </p:tgtEl>
-                                      </p:cBhvr>
-                                    </p:animEffect>
-                                  </p:childTnLst>
-                                </p:cTn>
-                              </p:par>
-                            </p:childTnLst>
-                          </p:cTn>
-                        </p:par>
-                      </p:childTnLst>
-                    </p:cTn>
-                  </p:par>
-                  <p:par>
-                    <p:cTn id="90" fill="hold">
-                      <p:stCondLst>
-                        <p:cond delay="indefinite"/>
-                      </p:stCondLst>
-                      <p:childTnLst>
-                        <p:par>
-                          <p:cTn id="91" fill="hold">
-                            <p:stCondLst>
-                              <p:cond delay="0"/>
-                            </p:stCondLst>
-                            <p:childTnLst>
-                              <p:par>
-                                <p:cTn id="92" presetID="9" presetClass="entr" presetSubtype="0" fill="hold" nodeType="clickEffect">
-                                  <p:stCondLst>
-                                    <p:cond delay="0"/>
-                                  </p:stCondLst>
-                                  <p:childTnLst>
-                                    <p:set>
-                                      <p:cBhvr>
-                                        <p:cTn id="93" dur="1" fill="hold">
-                                          <p:stCondLst>
-                                            <p:cond delay="0"/>
-                                          </p:stCondLst>
-                                        </p:cTn>
-                                        <p:tgtEl>
-                                          <p:spTgt spid="3">
-                                            <p:txEl>
-                                              <p:pRg st="10" end="10"/>
-                                            </p:txEl>
-                                          </p:spTgt>
-                                        </p:tgtEl>
-                                        <p:attrNameLst>
-                                          <p:attrName>style.visibility</p:attrName>
-                                        </p:attrNameLst>
-                                      </p:cBhvr>
-                                      <p:to>
-                                        <p:strVal val="visible"/>
-                                      </p:to>
-                                    </p:set>
-                                    <p:animEffect transition="in" filter="dissolve">
-                                      <p:cBhvr>
-                                        <p:cTn id="94" dur="500"/>
-                                        <p:tgtEl>
-                                          <p:spTgt spid="3">
-                                            <p:txEl>
-                                              <p:pRg st="10" end="10"/>
-                                            </p:txEl>
-                                          </p:spTgt>
-                                        </p:tgtEl>
-                                      </p:cBhvr>
-                                    </p:animEffect>
-                                  </p:childTnLst>
-                                </p:cTn>
-                              </p:par>
-                            </p:childTnLst>
-                          </p:cTn>
-                        </p:par>
-                      </p:childTnLst>
-                    </p:cTn>
-                  </p:par>
-                  <p:par>
-                    <p:cTn id="95" fill="hold">
-                      <p:stCondLst>
-                        <p:cond delay="indefinite"/>
-                      </p:stCondLst>
-                      <p:childTnLst>
-                        <p:par>
-                          <p:cTn id="96" fill="hold">
-                            <p:stCondLst>
-                              <p:cond delay="0"/>
-                            </p:stCondLst>
-                            <p:childTnLst>
-                              <p:par>
-                                <p:cTn id="97" presetID="22" presetClass="entr" presetSubtype="8" fill="hold" grpId="0" nodeType="clickEffect">
-                                  <p:stCondLst>
-                                    <p:cond delay="0"/>
-                                  </p:stCondLst>
-                                  <p:childTnLst>
-                                    <p:set>
-                                      <p:cBhvr>
-                                        <p:cTn id="98" dur="1" fill="hold">
-                                          <p:stCondLst>
-                                            <p:cond delay="0"/>
-                                          </p:stCondLst>
-                                        </p:cTn>
-                                        <p:tgtEl>
-                                          <p:spTgt spid="14"/>
-                                        </p:tgtEl>
-                                        <p:attrNameLst>
-                                          <p:attrName>style.visibility</p:attrName>
-                                        </p:attrNameLst>
-                                      </p:cBhvr>
-                                      <p:to>
-                                        <p:strVal val="visible"/>
-                                      </p:to>
-                                    </p:set>
-                                    <p:animEffect transition="in" filter="wipe(left)">
-                                      <p:cBhvr>
-                                        <p:cTn id="99" dur="1000"/>
-                                        <p:tgtEl>
-                                          <p:spTgt spid="14"/>
                                         </p:tgtEl>
                                       </p:cBhvr>
                                     </p:animEffect>
@@ -12737,15 +12584,14 @@
       </p:par>
     </p:tnLst>
     <p:bldLst>
+      <p:bldP spid="11" grpId="0" animBg="1"/>
+      <p:bldP spid="7" grpId="0" animBg="1"/>
       <p:bldP spid="6" grpId="0" animBg="1"/>
-      <p:bldP spid="7" grpId="0" animBg="1"/>
-      <p:bldP spid="8" grpId="0" animBg="1"/>
-      <p:bldP spid="9" grpId="0" animBg="1"/>
       <p:bldP spid="10" grpId="0" animBg="1"/>
-      <p:bldP spid="11" grpId="0" animBg="1"/>
       <p:bldP spid="12" grpId="0" animBg="1"/>
       <p:bldP spid="13" grpId="0" animBg="1"/>
-      <p:bldP spid="14" grpId="0" animBg="1"/>
+      <p:bldP spid="15" grpId="0" animBg="1"/>
+      <p:bldP spid="16" grpId="0" animBg="1"/>
     </p:bldLst>
   </p:timing>
 </p:sld>

--- a/curl-requests-foundations.pptx
+++ b/curl-requests-foundations.pptx
@@ -16,16 +16,16 @@
     <p:sldId id="272" r:id="rId7"/>
     <p:sldId id="278" r:id="rId8"/>
     <p:sldId id="257" r:id="rId9"/>
-    <p:sldId id="327" r:id="rId10"/>
-    <p:sldId id="281" r:id="rId11"/>
-    <p:sldId id="339" r:id="rId12"/>
-    <p:sldId id="336" r:id="rId13"/>
-    <p:sldId id="347" r:id="rId14"/>
-    <p:sldId id="348" r:id="rId15"/>
+    <p:sldId id="281" r:id="rId10"/>
+    <p:sldId id="339" r:id="rId11"/>
+    <p:sldId id="336" r:id="rId12"/>
+    <p:sldId id="347" r:id="rId13"/>
+    <p:sldId id="348" r:id="rId14"/>
+    <p:sldId id="350" r:id="rId15"/>
     <p:sldId id="349" r:id="rId16"/>
     <p:sldId id="331" r:id="rId17"/>
-    <p:sldId id="270" r:id="rId18"/>
-    <p:sldId id="332" r:id="rId19"/>
+    <p:sldId id="332" r:id="rId18"/>
+    <p:sldId id="270" r:id="rId19"/>
     <p:sldId id="326" r:id="rId20"/>
     <p:sldId id="322" r:id="rId21"/>
     <p:sldId id="329" r:id="rId22"/>
@@ -652,10 +652,29 @@
           <a:lstStyle/>
           <a:p>
             <a:r>
-              <a:rPr lang="en-US" dirty="0"/>
+              <a:rPr lang="en-US" b="0" i="0" dirty="0"/>
               <a:t>// TODO</a:t>
             </a:r>
-            <a:endParaRPr lang="en-US" b="0" i="0" u="none" dirty="0"/>
+          </a:p>
+          <a:p>
+            <a:pPr marL="171450" indent="-171450">
+              <a:buFont typeface="Arial" panose="020B0604020202020204" pitchFamily="34" charset="0"/>
+              <a:buChar char="•"/>
+            </a:pPr>
+            <a:r>
+              <a:rPr lang="en-US" b="0" i="0" dirty="0"/>
+              <a:t>The backslash at the end of a terminal line indicates a line break for a multi-line command</a:t>
+            </a:r>
+          </a:p>
+          <a:p>
+            <a:pPr marL="628650" lvl="1" indent="-171450">
+              <a:buFont typeface="Arial" panose="020B0604020202020204" pitchFamily="34" charset="0"/>
+              <a:buChar char="•"/>
+            </a:pPr>
+            <a:r>
+              <a:rPr lang="en-US" b="0" i="0" dirty="0"/>
+              <a:t>This can make it easier to read long commands</a:t>
+            </a:r>
           </a:p>
         </p:txBody>
       </p:sp>
@@ -685,7 +704,7 @@
     </p:spTree>
     <p:extLst>
       <p:ext uri="{BB962C8B-B14F-4D97-AF65-F5344CB8AC3E}">
-        <p14:creationId xmlns:p14="http://schemas.microsoft.com/office/powerpoint/2010/main" val="2398170700"/>
+        <p14:creationId xmlns:p14="http://schemas.microsoft.com/office/powerpoint/2010/main" val="2627601707"/>
       </p:ext>
     </p:extLst>
   </p:cSld>
@@ -744,26 +763,6 @@
               <a:t>// TODO</a:t>
             </a:r>
           </a:p>
-          <a:p>
-            <a:pPr marL="171450" indent="-171450">
-              <a:buFont typeface="Arial" panose="020B0604020202020204" pitchFamily="34" charset="0"/>
-              <a:buChar char="•"/>
-            </a:pPr>
-            <a:r>
-              <a:rPr lang="en-US" b="0" i="0" dirty="0"/>
-              <a:t>The backslash at the end of a terminal line indicates a line break for a multi-line command</a:t>
-            </a:r>
-          </a:p>
-          <a:p>
-            <a:pPr marL="628650" lvl="1" indent="-171450">
-              <a:buFont typeface="Arial" panose="020B0604020202020204" pitchFamily="34" charset="0"/>
-              <a:buChar char="•"/>
-            </a:pPr>
-            <a:r>
-              <a:rPr lang="en-US" b="0" i="0" dirty="0"/>
-              <a:t>This can make it easier to read long commands</a:t>
-            </a:r>
-          </a:p>
         </p:txBody>
       </p:sp>
       <p:sp>
@@ -792,7 +791,7 @@
     </p:spTree>
     <p:extLst>
       <p:ext uri="{BB962C8B-B14F-4D97-AF65-F5344CB8AC3E}">
-        <p14:creationId xmlns:p14="http://schemas.microsoft.com/office/powerpoint/2010/main" val="2627601707"/>
+        <p14:creationId xmlns:p14="http://schemas.microsoft.com/office/powerpoint/2010/main" val="3177663895"/>
       </p:ext>
     </p:extLst>
   </p:cSld>
@@ -879,7 +878,7 @@
     </p:spTree>
     <p:extLst>
       <p:ext uri="{BB962C8B-B14F-4D97-AF65-F5344CB8AC3E}">
-        <p14:creationId xmlns:p14="http://schemas.microsoft.com/office/powerpoint/2010/main" val="3177663895"/>
+        <p14:creationId xmlns:p14="http://schemas.microsoft.com/office/powerpoint/2010/main" val="2068569343"/>
       </p:ext>
     </p:extLst>
   </p:cSld>
@@ -1078,7 +1077,7 @@
           <a:p>
             <a:fld id="{020CF8D1-BA82-5045-ACF9-1AA42AD6A519}" type="slidenum">
               <a:rPr lang="en-US" smtClean="0"/>
-              <a:t>17</a:t>
+              <a:t>18</a:t>
             </a:fld>
             <a:endParaRPr lang="en-US"/>
           </a:p>
@@ -2645,8 +2644,28 @@
           <a:lstStyle/>
           <a:p>
             <a:r>
-              <a:rPr lang="en-US" dirty="0"/>
+              <a:rPr lang="en-US" b="0" i="0" dirty="0"/>
               <a:t>// TODO</a:t>
+            </a:r>
+          </a:p>
+          <a:p>
+            <a:pPr marL="171450" indent="-171450">
+              <a:buFont typeface="Arial" panose="020B0604020202020204" pitchFamily="34" charset="0"/>
+              <a:buChar char="•"/>
+            </a:pPr>
+            <a:r>
+              <a:rPr lang="en-US" b="0" i="0" dirty="0"/>
+              <a:t>You could enter only the base URL and that will return the full HTML response that your web browser will see.</a:t>
+            </a:r>
+          </a:p>
+          <a:p>
+            <a:pPr marL="628650" lvl="1" indent="-171450">
+              <a:buFont typeface="Arial" panose="020B0604020202020204" pitchFamily="34" charset="0"/>
+              <a:buChar char="•"/>
+            </a:pPr>
+            <a:r>
+              <a:rPr lang="en-US" b="0" i="0" dirty="0"/>
+              <a:t>From the CLI, that’s a lot of data to parse, for a human or a computer, so we will instead use a URL to the API endpoint which returns a much more human and computer readable format.</a:t>
             </a:r>
           </a:p>
         </p:txBody>
@@ -2677,7 +2696,7 @@
     </p:spTree>
     <p:extLst>
       <p:ext uri="{BB962C8B-B14F-4D97-AF65-F5344CB8AC3E}">
-        <p14:creationId xmlns:p14="http://schemas.microsoft.com/office/powerpoint/2010/main" val="381129055"/>
+        <p14:creationId xmlns:p14="http://schemas.microsoft.com/office/powerpoint/2010/main" val="2968376506"/>
       </p:ext>
     </p:extLst>
   </p:cSld>
@@ -2732,29 +2751,10 @@
           <a:lstStyle/>
           <a:p>
             <a:r>
-              <a:rPr lang="en-US" b="0" i="0" dirty="0"/>
+              <a:rPr lang="en-US" dirty="0"/>
               <a:t>// TODO</a:t>
             </a:r>
-          </a:p>
-          <a:p>
-            <a:pPr marL="171450" indent="-171450">
-              <a:buFont typeface="Arial" panose="020B0604020202020204" pitchFamily="34" charset="0"/>
-              <a:buChar char="•"/>
-            </a:pPr>
-            <a:r>
-              <a:rPr lang="en-US" b="0" i="0" dirty="0"/>
-              <a:t>You could enter only the base URL and that will return the full HTML response that your web browser will see.</a:t>
-            </a:r>
-          </a:p>
-          <a:p>
-            <a:pPr marL="628650" lvl="1" indent="-171450">
-              <a:buFont typeface="Arial" panose="020B0604020202020204" pitchFamily="34" charset="0"/>
-              <a:buChar char="•"/>
-            </a:pPr>
-            <a:r>
-              <a:rPr lang="en-US" b="0" i="0" dirty="0"/>
-              <a:t>From the CLI, that’s a lot of data to parse, for a human or a computer, so we will instead use a URL to the API endpoint which returns a much more human and computer readable format.</a:t>
-            </a:r>
+            <a:endParaRPr lang="en-US" b="0" i="0" u="none" dirty="0"/>
           </a:p>
         </p:txBody>
       </p:sp>
@@ -2775,7 +2775,7 @@
           <a:p>
             <a:fld id="{020CF8D1-BA82-5045-ACF9-1AA42AD6A519}" type="slidenum">
               <a:rPr lang="en-US" smtClean="0"/>
-              <a:t>10</a:t>
+              <a:t>11</a:t>
             </a:fld>
             <a:endParaRPr lang="en-US"/>
           </a:p>
@@ -2784,7 +2784,7 @@
     </p:spTree>
     <p:extLst>
       <p:ext uri="{BB962C8B-B14F-4D97-AF65-F5344CB8AC3E}">
-        <p14:creationId xmlns:p14="http://schemas.microsoft.com/office/powerpoint/2010/main" val="2968376506"/>
+        <p14:creationId xmlns:p14="http://schemas.microsoft.com/office/powerpoint/2010/main" val="2398170700"/>
       </p:ext>
     </p:extLst>
   </p:cSld>
@@ -6409,861 +6409,6 @@
       </p:grpSpPr>
       <p:sp>
         <p:nvSpPr>
-          <p:cNvPr id="2" name="Title 1">
-            <a:extLst>
-              <a:ext uri="{FF2B5EF4-FFF2-40B4-BE49-F238E27FC236}">
-                <a16:creationId xmlns:a16="http://schemas.microsoft.com/office/drawing/2014/main" id="{178FC9BC-162C-754A-A134-D392F08CDBEE}"/>
-              </a:ext>
-            </a:extLst>
-          </p:cNvPr>
-          <p:cNvSpPr>
-            <a:spLocks noGrp="1"/>
-          </p:cNvSpPr>
-          <p:nvPr>
-            <p:ph type="title"/>
-          </p:nvPr>
-        </p:nvSpPr>
-        <p:spPr/>
-        <p:txBody>
-          <a:bodyPr/>
-          <a:lstStyle/>
-          <a:p>
-            <a:r>
-              <a:rPr lang="en-US" dirty="0" err="1"/>
-              <a:t>cURL</a:t>
-            </a:r>
-            <a:r>
-              <a:rPr lang="en-US" dirty="0"/>
-              <a:t> Syntax Format</a:t>
-            </a:r>
-          </a:p>
-        </p:txBody>
-      </p:sp>
-      <p:sp>
-        <p:nvSpPr>
-          <p:cNvPr id="3" name="Content Placeholder 2">
-            <a:extLst>
-              <a:ext uri="{FF2B5EF4-FFF2-40B4-BE49-F238E27FC236}">
-                <a16:creationId xmlns:a16="http://schemas.microsoft.com/office/drawing/2014/main" id="{0ECC7DC7-0671-F543-9991-CF8210E2567B}"/>
-              </a:ext>
-            </a:extLst>
-          </p:cNvPr>
-          <p:cNvSpPr>
-            <a:spLocks noGrp="1"/>
-          </p:cNvSpPr>
-          <p:nvPr>
-            <p:ph idx="1"/>
-          </p:nvPr>
-        </p:nvSpPr>
-        <p:spPr/>
-        <p:txBody>
-          <a:bodyPr/>
-          <a:lstStyle/>
-          <a:p>
-            <a:r>
-              <a:rPr lang="en-US" dirty="0"/>
-              <a:t>Format</a:t>
-            </a:r>
-          </a:p>
-          <a:p>
-            <a:pPr marL="457200" lvl="1" indent="0">
-              <a:buNone/>
-            </a:pPr>
-            <a:r>
-              <a:rPr lang="en-US" sz="2800" b="1" i="1" dirty="0">
-                <a:solidFill>
-                  <a:srgbClr val="FFFF00"/>
-                </a:solidFill>
-              </a:rPr>
-              <a:t>curl [options…] &lt;</a:t>
-            </a:r>
-            <a:r>
-              <a:rPr lang="en-US" sz="2800" b="1" i="1" dirty="0" err="1">
-                <a:solidFill>
-                  <a:srgbClr val="FFFF00"/>
-                </a:solidFill>
-              </a:rPr>
-              <a:t>url</a:t>
-            </a:r>
-            <a:r>
-              <a:rPr lang="en-US" sz="2800" b="1" i="1" dirty="0">
-                <a:solidFill>
-                  <a:srgbClr val="FFFF00"/>
-                </a:solidFill>
-              </a:rPr>
-              <a:t>&gt;</a:t>
-            </a:r>
-            <a:endParaRPr lang="en-US" sz="2800" dirty="0"/>
-          </a:p>
-          <a:p>
-            <a:r>
-              <a:rPr lang="en-US" dirty="0"/>
-              <a:t>Open your preferred terminal (bash, PowerShell, </a:t>
-            </a:r>
-            <a:r>
-              <a:rPr lang="en-US" dirty="0" err="1"/>
-              <a:t>zsh</a:t>
-            </a:r>
-            <a:r>
-              <a:rPr lang="en-US" dirty="0"/>
-              <a:t>, etc.)</a:t>
-            </a:r>
-          </a:p>
-          <a:p>
-            <a:r>
-              <a:rPr lang="en-US" dirty="0"/>
-              <a:t>Enter the commands:</a:t>
-            </a:r>
-          </a:p>
-          <a:p>
-            <a:pPr marL="457200" lvl="1" indent="0">
-              <a:buNone/>
-            </a:pPr>
-            <a:r>
-              <a:rPr lang="en-US" sz="2800" b="1" i="1" dirty="0">
-                <a:solidFill>
-                  <a:srgbClr val="FFFF00"/>
-                </a:solidFill>
-              </a:rPr>
-              <a:t>curl --version </a:t>
-            </a:r>
-            <a:r>
-              <a:rPr lang="en-US" sz="2800" b="1" dirty="0"/>
-              <a:t>or </a:t>
-            </a:r>
-            <a:r>
-              <a:rPr lang="en-US" sz="2800" b="1" i="1" dirty="0">
-                <a:solidFill>
-                  <a:srgbClr val="FFFF00"/>
-                </a:solidFill>
-              </a:rPr>
-              <a:t>curl -V</a:t>
-            </a:r>
-          </a:p>
-          <a:p>
-            <a:pPr marL="457200" lvl="1" indent="0">
-              <a:buNone/>
-            </a:pPr>
-            <a:r>
-              <a:rPr lang="en-US" sz="2800" b="1" i="1" dirty="0">
-                <a:solidFill>
-                  <a:srgbClr val="FFFF00"/>
-                </a:solidFill>
-              </a:rPr>
-              <a:t>curl https://</a:t>
-            </a:r>
-            <a:r>
-              <a:rPr lang="en-US" sz="2800" b="1" i="1" dirty="0" err="1">
-                <a:solidFill>
-                  <a:srgbClr val="FFFF00"/>
-                </a:solidFill>
-              </a:rPr>
-              <a:t>whatsmyua.info</a:t>
-            </a:r>
-            <a:r>
-              <a:rPr lang="en-US" sz="2800" b="1" i="1" dirty="0">
-                <a:solidFill>
-                  <a:srgbClr val="FFFF00"/>
-                </a:solidFill>
-              </a:rPr>
-              <a:t>/</a:t>
-            </a:r>
-            <a:r>
-              <a:rPr lang="en-US" sz="2800" b="1" i="1" dirty="0" err="1">
-                <a:solidFill>
-                  <a:srgbClr val="FFFF00"/>
-                </a:solidFill>
-              </a:rPr>
-              <a:t>api</a:t>
-            </a:r>
-            <a:r>
-              <a:rPr lang="en-US" sz="2800" b="1" i="1" dirty="0">
-                <a:solidFill>
-                  <a:srgbClr val="FFFF00"/>
-                </a:solidFill>
-              </a:rPr>
-              <a:t>/v1/</a:t>
-            </a:r>
-            <a:r>
-              <a:rPr lang="en-US" sz="2800" b="1" i="1" dirty="0" err="1">
-                <a:solidFill>
-                  <a:srgbClr val="FFFF00"/>
-                </a:solidFill>
-              </a:rPr>
-              <a:t>ua</a:t>
-            </a:r>
-            <a:endParaRPr lang="en-US" sz="2800" b="1" i="1" dirty="0">
-              <a:solidFill>
-                <a:srgbClr val="FFFF00"/>
-              </a:solidFill>
-            </a:endParaRPr>
-          </a:p>
-        </p:txBody>
-      </p:sp>
-      <p:sp>
-        <p:nvSpPr>
-          <p:cNvPr id="4" name="Date Placeholder 3">
-            <a:extLst>
-              <a:ext uri="{FF2B5EF4-FFF2-40B4-BE49-F238E27FC236}">
-                <a16:creationId xmlns:a16="http://schemas.microsoft.com/office/drawing/2014/main" id="{38C6DDB4-CE9E-4843-86A9-EFC27330D02F}"/>
-              </a:ext>
-            </a:extLst>
-          </p:cNvPr>
-          <p:cNvSpPr>
-            <a:spLocks noGrp="1"/>
-          </p:cNvSpPr>
-          <p:nvPr>
-            <p:ph type="dt" sz="half" idx="10"/>
-          </p:nvPr>
-        </p:nvSpPr>
-        <p:spPr/>
-        <p:txBody>
-          <a:bodyPr/>
-          <a:lstStyle/>
-          <a:p>
-            <a:r>
-              <a:rPr lang="en-US"/>
-              <a:t>World Wide Technology ©</a:t>
-            </a:r>
-            <a:endParaRPr lang="en-US" dirty="0"/>
-          </a:p>
-        </p:txBody>
-      </p:sp>
-      <p:sp>
-        <p:nvSpPr>
-          <p:cNvPr id="5" name="Slide Number Placeholder 4">
-            <a:extLst>
-              <a:ext uri="{FF2B5EF4-FFF2-40B4-BE49-F238E27FC236}">
-                <a16:creationId xmlns:a16="http://schemas.microsoft.com/office/drawing/2014/main" id="{09AD6D8E-DFAE-8E42-9152-B189D9284AD9}"/>
-              </a:ext>
-            </a:extLst>
-          </p:cNvPr>
-          <p:cNvSpPr>
-            <a:spLocks noGrp="1"/>
-          </p:cNvSpPr>
-          <p:nvPr>
-            <p:ph type="sldNum" sz="quarter" idx="12"/>
-          </p:nvPr>
-        </p:nvSpPr>
-        <p:spPr/>
-        <p:txBody>
-          <a:bodyPr/>
-          <a:lstStyle/>
-          <a:p>
-            <a:fld id="{A44B02FA-DD2D-1844-AE35-8B2EAB0CF4EF}" type="slidenum">
-              <a:rPr lang="en-US" smtClean="0"/>
-              <a:pPr/>
-              <a:t>10</a:t>
-            </a:fld>
-            <a:endParaRPr lang="en-US" dirty="0"/>
-          </a:p>
-        </p:txBody>
-      </p:sp>
-      <p:sp>
-        <p:nvSpPr>
-          <p:cNvPr id="8" name="Rectangle 7">
-            <a:extLst>
-              <a:ext uri="{FF2B5EF4-FFF2-40B4-BE49-F238E27FC236}">
-                <a16:creationId xmlns:a16="http://schemas.microsoft.com/office/drawing/2014/main" id="{D58E649F-E375-614D-8A53-9704053A894D}"/>
-              </a:ext>
-            </a:extLst>
-          </p:cNvPr>
-          <p:cNvSpPr/>
-          <p:nvPr/>
-        </p:nvSpPr>
-        <p:spPr>
-          <a:xfrm>
-            <a:off x="5593080" y="4199486"/>
-            <a:ext cx="1673727" cy="404925"/>
-          </a:xfrm>
-          <a:prstGeom prst="rect">
-            <a:avLst/>
-          </a:prstGeom>
-          <a:solidFill>
-            <a:schemeClr val="tx1">
-              <a:alpha val="40000"/>
-            </a:schemeClr>
-          </a:solidFill>
-          <a:ln>
-            <a:noFill/>
-          </a:ln>
-        </p:spPr>
-        <p:style>
-          <a:lnRef idx="2">
-            <a:schemeClr val="accent1">
-              <a:shade val="50000"/>
-            </a:schemeClr>
-          </a:lnRef>
-          <a:fillRef idx="1">
-            <a:schemeClr val="accent1"/>
-          </a:fillRef>
-          <a:effectRef idx="0">
-            <a:schemeClr val="accent1"/>
-          </a:effectRef>
-          <a:fontRef idx="minor">
-            <a:schemeClr val="lt1"/>
-          </a:fontRef>
-        </p:style>
-        <p:txBody>
-          <a:bodyPr rtlCol="0" anchor="ctr"/>
-          <a:lstStyle/>
-          <a:p>
-            <a:pPr algn="ctr"/>
-            <a:endParaRPr lang="en-US" dirty="0"/>
-          </a:p>
-        </p:txBody>
-      </p:sp>
-      <p:sp>
-        <p:nvSpPr>
-          <p:cNvPr id="7" name="Rectangle 6">
-            <a:extLst>
-              <a:ext uri="{FF2B5EF4-FFF2-40B4-BE49-F238E27FC236}">
-                <a16:creationId xmlns:a16="http://schemas.microsoft.com/office/drawing/2014/main" id="{711B4F6A-3227-AA48-9B9B-D28C475E3FCA}"/>
-              </a:ext>
-            </a:extLst>
-          </p:cNvPr>
-          <p:cNvSpPr/>
-          <p:nvPr/>
-        </p:nvSpPr>
-        <p:spPr>
-          <a:xfrm>
-            <a:off x="1975629" y="4199486"/>
-            <a:ext cx="3617451" cy="404925"/>
-          </a:xfrm>
-          <a:prstGeom prst="rect">
-            <a:avLst/>
-          </a:prstGeom>
-          <a:solidFill>
-            <a:schemeClr val="tx1">
-              <a:alpha val="40000"/>
-            </a:schemeClr>
-          </a:solidFill>
-          <a:ln>
-            <a:noFill/>
-          </a:ln>
-        </p:spPr>
-        <p:style>
-          <a:lnRef idx="2">
-            <a:schemeClr val="accent1">
-              <a:shade val="50000"/>
-            </a:schemeClr>
-          </a:lnRef>
-          <a:fillRef idx="1">
-            <a:schemeClr val="accent1"/>
-          </a:fillRef>
-          <a:effectRef idx="0">
-            <a:schemeClr val="accent1"/>
-          </a:effectRef>
-          <a:fontRef idx="minor">
-            <a:schemeClr val="lt1"/>
-          </a:fontRef>
-        </p:style>
-        <p:txBody>
-          <a:bodyPr rtlCol="0" anchor="ctr"/>
-          <a:lstStyle/>
-          <a:p>
-            <a:pPr algn="ctr"/>
-            <a:endParaRPr lang="en-US" dirty="0"/>
-          </a:p>
-        </p:txBody>
-      </p:sp>
-    </p:spTree>
-    <p:extLst>
-      <p:ext uri="{BB962C8B-B14F-4D97-AF65-F5344CB8AC3E}">
-        <p14:creationId xmlns:p14="http://schemas.microsoft.com/office/powerpoint/2010/main" val="593970204"/>
-      </p:ext>
-    </p:extLst>
-  </p:cSld>
-  <p:clrMapOvr>
-    <a:masterClrMapping/>
-  </p:clrMapOvr>
-  <mc:AlternateContent xmlns:mc="http://schemas.openxmlformats.org/markup-compatibility/2006" xmlns:p14="http://schemas.microsoft.com/office/powerpoint/2010/main">
-    <mc:Choice Requires="p14">
-      <p:transition spd="med" p14:dur="700">
-        <p:fade/>
-      </p:transition>
-    </mc:Choice>
-    <mc:Fallback xmlns="">
-      <p:transition spd="med">
-        <p:fade/>
-      </p:transition>
-    </mc:Fallback>
-  </mc:AlternateContent>
-  <p:timing>
-    <p:tnLst>
-      <p:par>
-        <p:cTn id="1" dur="indefinite" restart="never" nodeType="tmRoot">
-          <p:childTnLst>
-            <p:seq concurrent="1" nextAc="seek">
-              <p:cTn id="2" dur="indefinite" nodeType="mainSeq">
-                <p:childTnLst>
-                  <p:par>
-                    <p:cTn id="3" fill="hold">
-                      <p:stCondLst>
-                        <p:cond delay="indefinite"/>
-                      </p:stCondLst>
-                      <p:childTnLst>
-                        <p:par>
-                          <p:cTn id="4" fill="hold">
-                            <p:stCondLst>
-                              <p:cond delay="0"/>
-                            </p:stCondLst>
-                            <p:childTnLst>
-                              <p:par>
-                                <p:cTn id="5" presetID="9" presetClass="entr" presetSubtype="0" fill="hold" grpId="0" nodeType="clickEffect">
-                                  <p:stCondLst>
-                                    <p:cond delay="0"/>
-                                  </p:stCondLst>
-                                  <p:childTnLst>
-                                    <p:set>
-                                      <p:cBhvr>
-                                        <p:cTn id="6" dur="1" fill="hold">
-                                          <p:stCondLst>
-                                            <p:cond delay="0"/>
-                                          </p:stCondLst>
-                                        </p:cTn>
-                                        <p:tgtEl>
-                                          <p:spTgt spid="3">
-                                            <p:txEl>
-                                              <p:pRg st="0" end="0"/>
-                                            </p:txEl>
-                                          </p:spTgt>
-                                        </p:tgtEl>
-                                        <p:attrNameLst>
-                                          <p:attrName>style.visibility</p:attrName>
-                                        </p:attrNameLst>
-                                      </p:cBhvr>
-                                      <p:to>
-                                        <p:strVal val="visible"/>
-                                      </p:to>
-                                    </p:set>
-                                    <p:animEffect transition="in" filter="dissolve">
-                                      <p:cBhvr>
-                                        <p:cTn id="7" dur="500"/>
-                                        <p:tgtEl>
-                                          <p:spTgt spid="3">
-                                            <p:txEl>
-                                              <p:pRg st="0" end="0"/>
-                                            </p:txEl>
-                                          </p:spTgt>
-                                        </p:tgtEl>
-                                      </p:cBhvr>
-                                    </p:animEffect>
-                                  </p:childTnLst>
-                                </p:cTn>
-                              </p:par>
-                              <p:par>
-                                <p:cTn id="8" presetID="9" presetClass="entr" presetSubtype="0" fill="hold" grpId="0" nodeType="withEffect">
-                                  <p:stCondLst>
-                                    <p:cond delay="0"/>
-                                  </p:stCondLst>
-                                  <p:childTnLst>
-                                    <p:set>
-                                      <p:cBhvr>
-                                        <p:cTn id="9" dur="1" fill="hold">
-                                          <p:stCondLst>
-                                            <p:cond delay="0"/>
-                                          </p:stCondLst>
-                                        </p:cTn>
-                                        <p:tgtEl>
-                                          <p:spTgt spid="3">
-                                            <p:txEl>
-                                              <p:pRg st="1" end="1"/>
-                                            </p:txEl>
-                                          </p:spTgt>
-                                        </p:tgtEl>
-                                        <p:attrNameLst>
-                                          <p:attrName>style.visibility</p:attrName>
-                                        </p:attrNameLst>
-                                      </p:cBhvr>
-                                      <p:to>
-                                        <p:strVal val="visible"/>
-                                      </p:to>
-                                    </p:set>
-                                    <p:animEffect transition="in" filter="dissolve">
-                                      <p:cBhvr>
-                                        <p:cTn id="10" dur="500"/>
-                                        <p:tgtEl>
-                                          <p:spTgt spid="3">
-                                            <p:txEl>
-                                              <p:pRg st="1" end="1"/>
-                                            </p:txEl>
-                                          </p:spTgt>
-                                        </p:tgtEl>
-                                      </p:cBhvr>
-                                    </p:animEffect>
-                                  </p:childTnLst>
-                                </p:cTn>
-                              </p:par>
-                            </p:childTnLst>
-                          </p:cTn>
-                        </p:par>
-                      </p:childTnLst>
-                    </p:cTn>
-                  </p:par>
-                  <p:par>
-                    <p:cTn id="11" fill="hold">
-                      <p:stCondLst>
-                        <p:cond delay="indefinite"/>
-                      </p:stCondLst>
-                      <p:childTnLst>
-                        <p:par>
-                          <p:cTn id="12" fill="hold">
-                            <p:stCondLst>
-                              <p:cond delay="0"/>
-                            </p:stCondLst>
-                            <p:childTnLst>
-                              <p:par>
-                                <p:cTn id="13" presetID="9" presetClass="entr" presetSubtype="0" fill="hold" grpId="0" nodeType="clickEffect">
-                                  <p:stCondLst>
-                                    <p:cond delay="0"/>
-                                  </p:stCondLst>
-                                  <p:childTnLst>
-                                    <p:set>
-                                      <p:cBhvr>
-                                        <p:cTn id="14" dur="1" fill="hold">
-                                          <p:stCondLst>
-                                            <p:cond delay="0"/>
-                                          </p:stCondLst>
-                                        </p:cTn>
-                                        <p:tgtEl>
-                                          <p:spTgt spid="3">
-                                            <p:txEl>
-                                              <p:pRg st="2" end="2"/>
-                                            </p:txEl>
-                                          </p:spTgt>
-                                        </p:tgtEl>
-                                        <p:attrNameLst>
-                                          <p:attrName>style.visibility</p:attrName>
-                                        </p:attrNameLst>
-                                      </p:cBhvr>
-                                      <p:to>
-                                        <p:strVal val="visible"/>
-                                      </p:to>
-                                    </p:set>
-                                    <p:animEffect transition="in" filter="dissolve">
-                                      <p:cBhvr>
-                                        <p:cTn id="15" dur="500"/>
-                                        <p:tgtEl>
-                                          <p:spTgt spid="3">
-                                            <p:txEl>
-                                              <p:pRg st="2" end="2"/>
-                                            </p:txEl>
-                                          </p:spTgt>
-                                        </p:tgtEl>
-                                      </p:cBhvr>
-                                    </p:animEffect>
-                                  </p:childTnLst>
-                                </p:cTn>
-                              </p:par>
-                            </p:childTnLst>
-                          </p:cTn>
-                        </p:par>
-                      </p:childTnLst>
-                    </p:cTn>
-                  </p:par>
-                  <p:par>
-                    <p:cTn id="16" fill="hold">
-                      <p:stCondLst>
-                        <p:cond delay="indefinite"/>
-                      </p:stCondLst>
-                      <p:childTnLst>
-                        <p:par>
-                          <p:cTn id="17" fill="hold">
-                            <p:stCondLst>
-                              <p:cond delay="0"/>
-                            </p:stCondLst>
-                            <p:childTnLst>
-                              <p:par>
-                                <p:cTn id="18" presetID="9" presetClass="entr" presetSubtype="0" fill="hold" grpId="0" nodeType="clickEffect">
-                                  <p:stCondLst>
-                                    <p:cond delay="0"/>
-                                  </p:stCondLst>
-                                  <p:childTnLst>
-                                    <p:set>
-                                      <p:cBhvr>
-                                        <p:cTn id="19" dur="1" fill="hold">
-                                          <p:stCondLst>
-                                            <p:cond delay="0"/>
-                                          </p:stCondLst>
-                                        </p:cTn>
-                                        <p:tgtEl>
-                                          <p:spTgt spid="3">
-                                            <p:txEl>
-                                              <p:pRg st="3" end="3"/>
-                                            </p:txEl>
-                                          </p:spTgt>
-                                        </p:tgtEl>
-                                        <p:attrNameLst>
-                                          <p:attrName>style.visibility</p:attrName>
-                                        </p:attrNameLst>
-                                      </p:cBhvr>
-                                      <p:to>
-                                        <p:strVal val="visible"/>
-                                      </p:to>
-                                    </p:set>
-                                    <p:animEffect transition="in" filter="dissolve">
-                                      <p:cBhvr>
-                                        <p:cTn id="20" dur="500"/>
-                                        <p:tgtEl>
-                                          <p:spTgt spid="3">
-                                            <p:txEl>
-                                              <p:pRg st="3" end="3"/>
-                                            </p:txEl>
-                                          </p:spTgt>
-                                        </p:tgtEl>
-                                      </p:cBhvr>
-                                    </p:animEffect>
-                                  </p:childTnLst>
-                                </p:cTn>
-                              </p:par>
-                              <p:par>
-                                <p:cTn id="21" presetID="9" presetClass="entr" presetSubtype="0" fill="hold" grpId="0" nodeType="withEffect">
-                                  <p:stCondLst>
-                                    <p:cond delay="0"/>
-                                  </p:stCondLst>
-                                  <p:childTnLst>
-                                    <p:set>
-                                      <p:cBhvr>
-                                        <p:cTn id="22" dur="1" fill="hold">
-                                          <p:stCondLst>
-                                            <p:cond delay="0"/>
-                                          </p:stCondLst>
-                                        </p:cTn>
-                                        <p:tgtEl>
-                                          <p:spTgt spid="3">
-                                            <p:txEl>
-                                              <p:pRg st="4" end="4"/>
-                                            </p:txEl>
-                                          </p:spTgt>
-                                        </p:tgtEl>
-                                        <p:attrNameLst>
-                                          <p:attrName>style.visibility</p:attrName>
-                                        </p:attrNameLst>
-                                      </p:cBhvr>
-                                      <p:to>
-                                        <p:strVal val="visible"/>
-                                      </p:to>
-                                    </p:set>
-                                    <p:animEffect transition="in" filter="dissolve">
-                                      <p:cBhvr>
-                                        <p:cTn id="23" dur="500"/>
-                                        <p:tgtEl>
-                                          <p:spTgt spid="3">
-                                            <p:txEl>
-                                              <p:pRg st="4" end="4"/>
-                                            </p:txEl>
-                                          </p:spTgt>
-                                        </p:tgtEl>
-                                      </p:cBhvr>
-                                    </p:animEffect>
-                                  </p:childTnLst>
-                                </p:cTn>
-                              </p:par>
-                              <p:par>
-                                <p:cTn id="24" presetID="9" presetClass="entr" presetSubtype="0" fill="hold" grpId="0" nodeType="withEffect">
-                                  <p:stCondLst>
-                                    <p:cond delay="0"/>
-                                  </p:stCondLst>
-                                  <p:childTnLst>
-                                    <p:set>
-                                      <p:cBhvr>
-                                        <p:cTn id="25" dur="1" fill="hold">
-                                          <p:stCondLst>
-                                            <p:cond delay="0"/>
-                                          </p:stCondLst>
-                                        </p:cTn>
-                                        <p:tgtEl>
-                                          <p:spTgt spid="3">
-                                            <p:txEl>
-                                              <p:pRg st="5" end="5"/>
-                                            </p:txEl>
-                                          </p:spTgt>
-                                        </p:tgtEl>
-                                        <p:attrNameLst>
-                                          <p:attrName>style.visibility</p:attrName>
-                                        </p:attrNameLst>
-                                      </p:cBhvr>
-                                      <p:to>
-                                        <p:strVal val="visible"/>
-                                      </p:to>
-                                    </p:set>
-                                    <p:animEffect transition="in" filter="dissolve">
-                                      <p:cBhvr>
-                                        <p:cTn id="26" dur="500"/>
-                                        <p:tgtEl>
-                                          <p:spTgt spid="3">
-                                            <p:txEl>
-                                              <p:pRg st="5" end="5"/>
-                                            </p:txEl>
-                                          </p:spTgt>
-                                        </p:tgtEl>
-                                      </p:cBhvr>
-                                    </p:animEffect>
-                                  </p:childTnLst>
-                                </p:cTn>
-                              </p:par>
-                            </p:childTnLst>
-                          </p:cTn>
-                        </p:par>
-                      </p:childTnLst>
-                    </p:cTn>
-                  </p:par>
-                  <p:par>
-                    <p:cTn id="27" fill="hold">
-                      <p:stCondLst>
-                        <p:cond delay="indefinite"/>
-                      </p:stCondLst>
-                      <p:childTnLst>
-                        <p:par>
-                          <p:cTn id="28" fill="hold">
-                            <p:stCondLst>
-                              <p:cond delay="0"/>
-                            </p:stCondLst>
-                            <p:childTnLst>
-                              <p:par>
-                                <p:cTn id="29" presetID="22" presetClass="entr" presetSubtype="8" fill="hold" grpId="0" nodeType="clickEffect">
-                                  <p:stCondLst>
-                                    <p:cond delay="0"/>
-                                  </p:stCondLst>
-                                  <p:childTnLst>
-                                    <p:set>
-                                      <p:cBhvr>
-                                        <p:cTn id="30" dur="1" fill="hold">
-                                          <p:stCondLst>
-                                            <p:cond delay="0"/>
-                                          </p:stCondLst>
-                                        </p:cTn>
-                                        <p:tgtEl>
-                                          <p:spTgt spid="7"/>
-                                        </p:tgtEl>
-                                        <p:attrNameLst>
-                                          <p:attrName>style.visibility</p:attrName>
-                                        </p:attrNameLst>
-                                      </p:cBhvr>
-                                      <p:to>
-                                        <p:strVal val="visible"/>
-                                      </p:to>
-                                    </p:set>
-                                    <p:animEffect transition="in" filter="wipe(left)">
-                                      <p:cBhvr>
-                                        <p:cTn id="31" dur="1000"/>
-                                        <p:tgtEl>
-                                          <p:spTgt spid="7"/>
-                                        </p:tgtEl>
-                                      </p:cBhvr>
-                                    </p:animEffect>
-                                  </p:childTnLst>
-                                </p:cTn>
-                              </p:par>
-                            </p:childTnLst>
-                          </p:cTn>
-                        </p:par>
-                      </p:childTnLst>
-                    </p:cTn>
-                  </p:par>
-                  <p:par>
-                    <p:cTn id="32" fill="hold">
-                      <p:stCondLst>
-                        <p:cond delay="indefinite"/>
-                      </p:stCondLst>
-                      <p:childTnLst>
-                        <p:par>
-                          <p:cTn id="33" fill="hold">
-                            <p:stCondLst>
-                              <p:cond delay="0"/>
-                            </p:stCondLst>
-                            <p:childTnLst>
-                              <p:par>
-                                <p:cTn id="34" presetID="22" presetClass="entr" presetSubtype="8" fill="hold" grpId="0" nodeType="clickEffect">
-                                  <p:stCondLst>
-                                    <p:cond delay="0"/>
-                                  </p:stCondLst>
-                                  <p:childTnLst>
-                                    <p:set>
-                                      <p:cBhvr>
-                                        <p:cTn id="35" dur="1" fill="hold">
-                                          <p:stCondLst>
-                                            <p:cond delay="0"/>
-                                          </p:stCondLst>
-                                        </p:cTn>
-                                        <p:tgtEl>
-                                          <p:spTgt spid="8"/>
-                                        </p:tgtEl>
-                                        <p:attrNameLst>
-                                          <p:attrName>style.visibility</p:attrName>
-                                        </p:attrNameLst>
-                                      </p:cBhvr>
-                                      <p:to>
-                                        <p:strVal val="visible"/>
-                                      </p:to>
-                                    </p:set>
-                                    <p:animEffect transition="in" filter="wipe(left)">
-                                      <p:cBhvr>
-                                        <p:cTn id="36" dur="1000"/>
-                                        <p:tgtEl>
-                                          <p:spTgt spid="8"/>
-                                        </p:tgtEl>
-                                      </p:cBhvr>
-                                    </p:animEffect>
-                                  </p:childTnLst>
-                                </p:cTn>
-                              </p:par>
-                            </p:childTnLst>
-                          </p:cTn>
-                        </p:par>
-                      </p:childTnLst>
-                    </p:cTn>
-                  </p:par>
-                </p:childTnLst>
-              </p:cTn>
-              <p:prevCondLst>
-                <p:cond evt="onPrev" delay="0">
-                  <p:tgtEl>
-                    <p:sldTgt/>
-                  </p:tgtEl>
-                </p:cond>
-              </p:prevCondLst>
-              <p:nextCondLst>
-                <p:cond evt="onNext" delay="0">
-                  <p:tgtEl>
-                    <p:sldTgt/>
-                  </p:tgtEl>
-                </p:cond>
-              </p:nextCondLst>
-            </p:seq>
-          </p:childTnLst>
-        </p:cTn>
-      </p:par>
-    </p:tnLst>
-    <p:bldLst>
-      <p:bldP spid="3" grpId="0" build="p"/>
-      <p:bldP spid="8" grpId="0" animBg="1"/>
-      <p:bldP spid="7" grpId="0" animBg="1"/>
-    </p:bldLst>
-  </p:timing>
-</p:sld>
-</file>
-
-<file path=ppt/slides/slide11.xml><?xml version="1.0" encoding="utf-8"?>
-<p:sld xmlns:a="http://schemas.openxmlformats.org/drawingml/2006/main" xmlns:r="http://schemas.openxmlformats.org/officeDocument/2006/relationships" xmlns:p="http://schemas.openxmlformats.org/presentationml/2006/main">
-  <p:cSld>
-    <p:spTree>
-      <p:nvGrpSpPr>
-        <p:cNvPr id="1" name=""/>
-        <p:cNvGrpSpPr/>
-        <p:nvPr/>
-      </p:nvGrpSpPr>
-      <p:grpSpPr>
-        <a:xfrm>
-          <a:off x="0" y="0"/>
-          <a:ext cx="0" cy="0"/>
-          <a:chOff x="0" y="0"/>
-          <a:chExt cx="0" cy="0"/>
-        </a:xfrm>
-      </p:grpSpPr>
-      <p:sp>
-        <p:nvSpPr>
           <p:cNvPr id="4" name="Date Placeholder 3">
             <a:extLst>
               <a:ext uri="{FF2B5EF4-FFF2-40B4-BE49-F238E27FC236}">
@@ -7315,7 +6460,7 @@
             <a:fld id="{A44B02FA-DD2D-1844-AE35-8B2EAB0CF4EF}" type="slidenum">
               <a:rPr lang="en-US" smtClean="0"/>
               <a:pPr/>
-              <a:t>11</a:t>
+              <a:t>10</a:t>
             </a:fld>
             <a:endParaRPr lang="en-US" dirty="0"/>
           </a:p>
@@ -7346,7 +6491,7 @@
 </p:sld>
 </file>
 
-<file path=ppt/slides/slide12.xml><?xml version="1.0" encoding="utf-8"?>
+<file path=ppt/slides/slide11.xml><?xml version="1.0" encoding="utf-8"?>
 <p:sld xmlns:a="http://schemas.openxmlformats.org/drawingml/2006/main" xmlns:r="http://schemas.openxmlformats.org/officeDocument/2006/relationships" xmlns:p="http://schemas.openxmlformats.org/presentationml/2006/main">
   <p:cSld>
     <p:spTree>
@@ -7879,7 +7024,7 @@
             <a:fld id="{A44B02FA-DD2D-1844-AE35-8B2EAB0CF4EF}" type="slidenum">
               <a:rPr lang="en-US" smtClean="0"/>
               <a:pPr/>
-              <a:t>12</a:t>
+              <a:t>11</a:t>
             </a:fld>
             <a:endParaRPr lang="en-US" dirty="0"/>
           </a:p>
@@ -8675,7 +7820,7 @@
 </p:sld>
 </file>
 
-<file path=ppt/slides/slide13.xml><?xml version="1.0" encoding="utf-8"?>
+<file path=ppt/slides/slide12.xml><?xml version="1.0" encoding="utf-8"?>
 <p:sld xmlns:a="http://schemas.openxmlformats.org/drawingml/2006/main" xmlns:r="http://schemas.openxmlformats.org/officeDocument/2006/relationships" xmlns:p="http://schemas.openxmlformats.org/presentationml/2006/main">
   <p:cSld>
     <p:spTree>
@@ -9024,7 +8169,7 @@
             <a:fld id="{A44B02FA-DD2D-1844-AE35-8B2EAB0CF4EF}" type="slidenum">
               <a:rPr lang="en-US" smtClean="0"/>
               <a:pPr/>
-              <a:t>13</a:t>
+              <a:t>12</a:t>
             </a:fld>
             <a:endParaRPr lang="en-US" dirty="0"/>
           </a:p>
@@ -10703,7 +9848,7 @@
 </p:sld>
 </file>
 
-<file path=ppt/slides/slide14.xml><?xml version="1.0" encoding="utf-8"?>
+<file path=ppt/slides/slide13.xml><?xml version="1.0" encoding="utf-8"?>
 <p:sld xmlns:a="http://schemas.openxmlformats.org/drawingml/2006/main" xmlns:r="http://schemas.openxmlformats.org/officeDocument/2006/relationships" xmlns:p="http://schemas.openxmlformats.org/presentationml/2006/main">
   <p:cSld>
     <p:spTree>
@@ -11366,7 +10511,7 @@
             <a:fld id="{A44B02FA-DD2D-1844-AE35-8B2EAB0CF4EF}" type="slidenum">
               <a:rPr lang="en-US" smtClean="0"/>
               <a:pPr/>
-              <a:t>14</a:t>
+              <a:t>13</a:t>
             </a:fld>
             <a:endParaRPr lang="en-US" dirty="0"/>
           </a:p>
@@ -12597,6 +11742,2004 @@
 </p:sld>
 </file>
 
+<file path=ppt/slides/slide14.xml><?xml version="1.0" encoding="utf-8"?>
+<p:sld xmlns:a="http://schemas.openxmlformats.org/drawingml/2006/main" xmlns:r="http://schemas.openxmlformats.org/officeDocument/2006/relationships" xmlns:p="http://schemas.openxmlformats.org/presentationml/2006/main">
+  <p:cSld>
+    <p:spTree>
+      <p:nvGrpSpPr>
+        <p:cNvPr id="1" name=""/>
+        <p:cNvGrpSpPr/>
+        <p:nvPr/>
+      </p:nvGrpSpPr>
+      <p:grpSpPr>
+        <a:xfrm>
+          <a:off x="0" y="0"/>
+          <a:ext cx="0" cy="0"/>
+          <a:chOff x="0" y="0"/>
+          <a:chExt cx="0" cy="0"/>
+        </a:xfrm>
+      </p:grpSpPr>
+      <p:sp>
+        <p:nvSpPr>
+          <p:cNvPr id="11" name="Rectangle 10">
+            <a:extLst>
+              <a:ext uri="{FF2B5EF4-FFF2-40B4-BE49-F238E27FC236}">
+                <a16:creationId xmlns:a16="http://schemas.microsoft.com/office/drawing/2014/main" id="{1100B6A1-8FC9-164E-B48D-5AEB1EF6BDB2}"/>
+              </a:ext>
+            </a:extLst>
+          </p:cNvPr>
+          <p:cNvSpPr/>
+          <p:nvPr/>
+        </p:nvSpPr>
+        <p:spPr>
+          <a:xfrm>
+            <a:off x="2365512" y="3139186"/>
+            <a:ext cx="8178410" cy="346075"/>
+          </a:xfrm>
+          <a:prstGeom prst="rect">
+            <a:avLst/>
+          </a:prstGeom>
+          <a:solidFill>
+            <a:schemeClr val="tx1">
+              <a:alpha val="40000"/>
+            </a:schemeClr>
+          </a:solidFill>
+          <a:ln>
+            <a:noFill/>
+          </a:ln>
+        </p:spPr>
+        <p:style>
+          <a:lnRef idx="2">
+            <a:schemeClr val="accent1">
+              <a:shade val="50000"/>
+            </a:schemeClr>
+          </a:lnRef>
+          <a:fillRef idx="1">
+            <a:schemeClr val="accent1"/>
+          </a:fillRef>
+          <a:effectRef idx="0">
+            <a:schemeClr val="accent1"/>
+          </a:effectRef>
+          <a:fontRef idx="minor">
+            <a:schemeClr val="lt1"/>
+          </a:fontRef>
+        </p:style>
+        <p:txBody>
+          <a:bodyPr rtlCol="0" anchor="ctr"/>
+          <a:lstStyle/>
+          <a:p>
+            <a:pPr algn="ctr"/>
+            <a:endParaRPr lang="en-US" dirty="0"/>
+          </a:p>
+        </p:txBody>
+      </p:sp>
+      <p:sp>
+        <p:nvSpPr>
+          <p:cNvPr id="7" name="Rectangle 6">
+            <a:extLst>
+              <a:ext uri="{FF2B5EF4-FFF2-40B4-BE49-F238E27FC236}">
+                <a16:creationId xmlns:a16="http://schemas.microsoft.com/office/drawing/2014/main" id="{D7F10BD3-DB22-7043-8433-B6CE34EB4FEE}"/>
+              </a:ext>
+            </a:extLst>
+          </p:cNvPr>
+          <p:cNvSpPr/>
+          <p:nvPr/>
+        </p:nvSpPr>
+        <p:spPr>
+          <a:xfrm>
+            <a:off x="2293257" y="1834768"/>
+            <a:ext cx="5912489" cy="346075"/>
+          </a:xfrm>
+          <a:prstGeom prst="rect">
+            <a:avLst/>
+          </a:prstGeom>
+          <a:solidFill>
+            <a:schemeClr val="tx1">
+              <a:alpha val="40000"/>
+            </a:schemeClr>
+          </a:solidFill>
+          <a:ln>
+            <a:noFill/>
+          </a:ln>
+        </p:spPr>
+        <p:style>
+          <a:lnRef idx="2">
+            <a:schemeClr val="accent1">
+              <a:shade val="50000"/>
+            </a:schemeClr>
+          </a:lnRef>
+          <a:fillRef idx="1">
+            <a:schemeClr val="accent1"/>
+          </a:fillRef>
+          <a:effectRef idx="0">
+            <a:schemeClr val="accent1"/>
+          </a:effectRef>
+          <a:fontRef idx="minor">
+            <a:schemeClr val="lt1"/>
+          </a:fontRef>
+        </p:style>
+        <p:txBody>
+          <a:bodyPr rtlCol="0" anchor="ctr"/>
+          <a:lstStyle/>
+          <a:p>
+            <a:pPr algn="ctr"/>
+            <a:endParaRPr lang="en-US" dirty="0"/>
+          </a:p>
+        </p:txBody>
+      </p:sp>
+      <p:sp>
+        <p:nvSpPr>
+          <p:cNvPr id="6" name="Rectangle 5">
+            <a:extLst>
+              <a:ext uri="{FF2B5EF4-FFF2-40B4-BE49-F238E27FC236}">
+                <a16:creationId xmlns:a16="http://schemas.microsoft.com/office/drawing/2014/main" id="{8026FF69-6C82-7043-9603-B53878D1AFAB}"/>
+              </a:ext>
+            </a:extLst>
+          </p:cNvPr>
+          <p:cNvSpPr/>
+          <p:nvPr/>
+        </p:nvSpPr>
+        <p:spPr>
+          <a:xfrm>
+            <a:off x="909614" y="1834766"/>
+            <a:ext cx="1383643" cy="346075"/>
+          </a:xfrm>
+          <a:prstGeom prst="rect">
+            <a:avLst/>
+          </a:prstGeom>
+          <a:solidFill>
+            <a:schemeClr val="tx1">
+              <a:alpha val="40000"/>
+            </a:schemeClr>
+          </a:solidFill>
+          <a:ln>
+            <a:noFill/>
+          </a:ln>
+        </p:spPr>
+        <p:style>
+          <a:lnRef idx="2">
+            <a:schemeClr val="accent1">
+              <a:shade val="50000"/>
+            </a:schemeClr>
+          </a:lnRef>
+          <a:fillRef idx="1">
+            <a:schemeClr val="accent1"/>
+          </a:fillRef>
+          <a:effectRef idx="0">
+            <a:schemeClr val="accent1"/>
+          </a:effectRef>
+          <a:fontRef idx="minor">
+            <a:schemeClr val="lt1"/>
+          </a:fontRef>
+        </p:style>
+        <p:txBody>
+          <a:bodyPr rtlCol="0" anchor="ctr"/>
+          <a:lstStyle/>
+          <a:p>
+            <a:pPr algn="ctr"/>
+            <a:endParaRPr lang="en-US" dirty="0"/>
+          </a:p>
+        </p:txBody>
+      </p:sp>
+      <p:sp>
+        <p:nvSpPr>
+          <p:cNvPr id="10" name="Rectangle 9">
+            <a:extLst>
+              <a:ext uri="{FF2B5EF4-FFF2-40B4-BE49-F238E27FC236}">
+                <a16:creationId xmlns:a16="http://schemas.microsoft.com/office/drawing/2014/main" id="{64381E93-0DB0-5942-AC90-7ABA3E07F410}"/>
+              </a:ext>
+            </a:extLst>
+          </p:cNvPr>
+          <p:cNvSpPr/>
+          <p:nvPr/>
+        </p:nvSpPr>
+        <p:spPr>
+          <a:xfrm>
+            <a:off x="909614" y="3139184"/>
+            <a:ext cx="1455898" cy="346075"/>
+          </a:xfrm>
+          <a:prstGeom prst="rect">
+            <a:avLst/>
+          </a:prstGeom>
+          <a:solidFill>
+            <a:schemeClr val="tx1">
+              <a:alpha val="40000"/>
+            </a:schemeClr>
+          </a:solidFill>
+          <a:ln>
+            <a:noFill/>
+          </a:ln>
+        </p:spPr>
+        <p:style>
+          <a:lnRef idx="2">
+            <a:schemeClr val="accent1">
+              <a:shade val="50000"/>
+            </a:schemeClr>
+          </a:lnRef>
+          <a:fillRef idx="1">
+            <a:schemeClr val="accent1"/>
+          </a:fillRef>
+          <a:effectRef idx="0">
+            <a:schemeClr val="accent1"/>
+          </a:effectRef>
+          <a:fontRef idx="minor">
+            <a:schemeClr val="lt1"/>
+          </a:fontRef>
+        </p:style>
+        <p:txBody>
+          <a:bodyPr rtlCol="0" anchor="ctr"/>
+          <a:lstStyle/>
+          <a:p>
+            <a:pPr algn="ctr"/>
+            <a:endParaRPr lang="en-US" dirty="0"/>
+          </a:p>
+        </p:txBody>
+      </p:sp>
+      <p:sp>
+        <p:nvSpPr>
+          <p:cNvPr id="12" name="Rectangle 11">
+            <a:extLst>
+              <a:ext uri="{FF2B5EF4-FFF2-40B4-BE49-F238E27FC236}">
+                <a16:creationId xmlns:a16="http://schemas.microsoft.com/office/drawing/2014/main" id="{F0D062B1-76F5-1E43-B067-441BE8AF1B26}"/>
+              </a:ext>
+            </a:extLst>
+          </p:cNvPr>
+          <p:cNvSpPr/>
+          <p:nvPr/>
+        </p:nvSpPr>
+        <p:spPr>
+          <a:xfrm>
+            <a:off x="909614" y="3554226"/>
+            <a:ext cx="3509986" cy="346075"/>
+          </a:xfrm>
+          <a:prstGeom prst="rect">
+            <a:avLst/>
+          </a:prstGeom>
+          <a:solidFill>
+            <a:schemeClr val="tx1">
+              <a:alpha val="40000"/>
+            </a:schemeClr>
+          </a:solidFill>
+          <a:ln>
+            <a:noFill/>
+          </a:ln>
+        </p:spPr>
+        <p:style>
+          <a:lnRef idx="2">
+            <a:schemeClr val="accent1">
+              <a:shade val="50000"/>
+            </a:schemeClr>
+          </a:lnRef>
+          <a:fillRef idx="1">
+            <a:schemeClr val="accent1"/>
+          </a:fillRef>
+          <a:effectRef idx="0">
+            <a:schemeClr val="accent1"/>
+          </a:effectRef>
+          <a:fontRef idx="minor">
+            <a:schemeClr val="lt1"/>
+          </a:fontRef>
+        </p:style>
+        <p:txBody>
+          <a:bodyPr rtlCol="0" anchor="ctr"/>
+          <a:lstStyle/>
+          <a:p>
+            <a:pPr algn="ctr"/>
+            <a:endParaRPr lang="en-US" dirty="0"/>
+          </a:p>
+        </p:txBody>
+      </p:sp>
+      <p:sp>
+        <p:nvSpPr>
+          <p:cNvPr id="2" name="Title 1">
+            <a:extLst>
+              <a:ext uri="{FF2B5EF4-FFF2-40B4-BE49-F238E27FC236}">
+                <a16:creationId xmlns:a16="http://schemas.microsoft.com/office/drawing/2014/main" id="{AC0D55DF-385E-9A4F-AB08-FEBC11990B8B}"/>
+              </a:ext>
+            </a:extLst>
+          </p:cNvPr>
+          <p:cNvSpPr>
+            <a:spLocks noGrp="1"/>
+          </p:cNvSpPr>
+          <p:nvPr>
+            <p:ph type="title"/>
+          </p:nvPr>
+        </p:nvSpPr>
+        <p:spPr/>
+        <p:txBody>
+          <a:bodyPr/>
+          <a:lstStyle/>
+          <a:p>
+            <a:r>
+              <a:rPr lang="en-US" dirty="0" err="1"/>
+              <a:t>cURL</a:t>
+            </a:r>
+            <a:r>
+              <a:rPr lang="en-US" dirty="0"/>
+              <a:t> Command Examples Continued</a:t>
+            </a:r>
+          </a:p>
+        </p:txBody>
+      </p:sp>
+      <p:sp>
+        <p:nvSpPr>
+          <p:cNvPr id="4" name="Date Placeholder 3">
+            <a:extLst>
+              <a:ext uri="{FF2B5EF4-FFF2-40B4-BE49-F238E27FC236}">
+                <a16:creationId xmlns:a16="http://schemas.microsoft.com/office/drawing/2014/main" id="{6E8781CE-B8A7-7540-B619-28D099093D8B}"/>
+              </a:ext>
+            </a:extLst>
+          </p:cNvPr>
+          <p:cNvSpPr>
+            <a:spLocks noGrp="1"/>
+          </p:cNvSpPr>
+          <p:nvPr>
+            <p:ph type="dt" sz="half" idx="10"/>
+          </p:nvPr>
+        </p:nvSpPr>
+        <p:spPr/>
+        <p:txBody>
+          <a:bodyPr/>
+          <a:lstStyle/>
+          <a:p>
+            <a:r>
+              <a:rPr lang="en-US"/>
+              <a:t>World Wide Technology ©</a:t>
+            </a:r>
+            <a:endParaRPr lang="en-US" dirty="0"/>
+          </a:p>
+        </p:txBody>
+      </p:sp>
+      <p:sp>
+        <p:nvSpPr>
+          <p:cNvPr id="5" name="Slide Number Placeholder 4">
+            <a:extLst>
+              <a:ext uri="{FF2B5EF4-FFF2-40B4-BE49-F238E27FC236}">
+                <a16:creationId xmlns:a16="http://schemas.microsoft.com/office/drawing/2014/main" id="{222BEAA2-2326-1F4D-9BCE-0FC3EC23B201}"/>
+              </a:ext>
+            </a:extLst>
+          </p:cNvPr>
+          <p:cNvSpPr>
+            <a:spLocks noGrp="1"/>
+          </p:cNvSpPr>
+          <p:nvPr>
+            <p:ph type="sldNum" sz="quarter" idx="12"/>
+          </p:nvPr>
+        </p:nvSpPr>
+        <p:spPr/>
+        <p:txBody>
+          <a:bodyPr/>
+          <a:lstStyle/>
+          <a:p>
+            <a:fld id="{A44B02FA-DD2D-1844-AE35-8B2EAB0CF4EF}" type="slidenum">
+              <a:rPr lang="en-US" smtClean="0"/>
+              <a:pPr/>
+              <a:t>14</a:t>
+            </a:fld>
+            <a:endParaRPr lang="en-US" dirty="0"/>
+          </a:p>
+        </p:txBody>
+      </p:sp>
+      <p:sp>
+        <p:nvSpPr>
+          <p:cNvPr id="13" name="Rectangle 12">
+            <a:extLst>
+              <a:ext uri="{FF2B5EF4-FFF2-40B4-BE49-F238E27FC236}">
+                <a16:creationId xmlns:a16="http://schemas.microsoft.com/office/drawing/2014/main" id="{ECAD06B7-E735-D041-A877-3DAA3A185FC4}"/>
+              </a:ext>
+            </a:extLst>
+          </p:cNvPr>
+          <p:cNvSpPr/>
+          <p:nvPr/>
+        </p:nvSpPr>
+        <p:spPr>
+          <a:xfrm>
+            <a:off x="1152728" y="3971498"/>
+            <a:ext cx="1306116" cy="346075"/>
+          </a:xfrm>
+          <a:prstGeom prst="rect">
+            <a:avLst/>
+          </a:prstGeom>
+          <a:solidFill>
+            <a:schemeClr val="tx1">
+              <a:alpha val="40000"/>
+            </a:schemeClr>
+          </a:solidFill>
+          <a:ln>
+            <a:noFill/>
+          </a:ln>
+        </p:spPr>
+        <p:style>
+          <a:lnRef idx="2">
+            <a:schemeClr val="accent1">
+              <a:shade val="50000"/>
+            </a:schemeClr>
+          </a:lnRef>
+          <a:fillRef idx="1">
+            <a:schemeClr val="accent1"/>
+          </a:fillRef>
+          <a:effectRef idx="0">
+            <a:schemeClr val="accent1"/>
+          </a:effectRef>
+          <a:fontRef idx="minor">
+            <a:schemeClr val="lt1"/>
+          </a:fontRef>
+        </p:style>
+        <p:txBody>
+          <a:bodyPr rtlCol="0" anchor="ctr"/>
+          <a:lstStyle/>
+          <a:p>
+            <a:pPr algn="ctr"/>
+            <a:endParaRPr lang="en-US" dirty="0"/>
+          </a:p>
+        </p:txBody>
+      </p:sp>
+      <p:sp>
+        <p:nvSpPr>
+          <p:cNvPr id="15" name="Rectangle 14">
+            <a:extLst>
+              <a:ext uri="{FF2B5EF4-FFF2-40B4-BE49-F238E27FC236}">
+                <a16:creationId xmlns:a16="http://schemas.microsoft.com/office/drawing/2014/main" id="{B679387D-B1E9-5145-9D8F-5D43A6FA5EEE}"/>
+              </a:ext>
+            </a:extLst>
+          </p:cNvPr>
+          <p:cNvSpPr/>
+          <p:nvPr/>
+        </p:nvSpPr>
+        <p:spPr>
+          <a:xfrm>
+            <a:off x="911236" y="3971498"/>
+            <a:ext cx="241492" cy="346075"/>
+          </a:xfrm>
+          <a:prstGeom prst="rect">
+            <a:avLst/>
+          </a:prstGeom>
+          <a:solidFill>
+            <a:schemeClr val="tx1">
+              <a:alpha val="40000"/>
+            </a:schemeClr>
+          </a:solidFill>
+          <a:ln>
+            <a:noFill/>
+          </a:ln>
+        </p:spPr>
+        <p:style>
+          <a:lnRef idx="2">
+            <a:schemeClr val="accent1">
+              <a:shade val="50000"/>
+            </a:schemeClr>
+          </a:lnRef>
+          <a:fillRef idx="1">
+            <a:schemeClr val="accent1"/>
+          </a:fillRef>
+          <a:effectRef idx="0">
+            <a:schemeClr val="accent1"/>
+          </a:effectRef>
+          <a:fontRef idx="minor">
+            <a:schemeClr val="lt1"/>
+          </a:fontRef>
+        </p:style>
+        <p:txBody>
+          <a:bodyPr rtlCol="0" anchor="ctr"/>
+          <a:lstStyle/>
+          <a:p>
+            <a:pPr algn="ctr"/>
+            <a:endParaRPr lang="en-US" dirty="0"/>
+          </a:p>
+        </p:txBody>
+      </p:sp>
+      <p:sp>
+        <p:nvSpPr>
+          <p:cNvPr id="16" name="Rectangle 15">
+            <a:extLst>
+              <a:ext uri="{FF2B5EF4-FFF2-40B4-BE49-F238E27FC236}">
+                <a16:creationId xmlns:a16="http://schemas.microsoft.com/office/drawing/2014/main" id="{D8B40A51-E9D9-C042-8150-D2136E003E28}"/>
+              </a:ext>
+            </a:extLst>
+          </p:cNvPr>
+          <p:cNvSpPr/>
+          <p:nvPr/>
+        </p:nvSpPr>
+        <p:spPr>
+          <a:xfrm>
+            <a:off x="1410696" y="1834766"/>
+            <a:ext cx="192024" cy="346075"/>
+          </a:xfrm>
+          <a:prstGeom prst="rect">
+            <a:avLst/>
+          </a:prstGeom>
+          <a:solidFill>
+            <a:srgbClr val="FFC000">
+              <a:alpha val="40000"/>
+            </a:srgbClr>
+          </a:solidFill>
+          <a:ln>
+            <a:noFill/>
+          </a:ln>
+        </p:spPr>
+        <p:style>
+          <a:lnRef idx="2">
+            <a:schemeClr val="accent1">
+              <a:shade val="50000"/>
+            </a:schemeClr>
+          </a:lnRef>
+          <a:fillRef idx="1">
+            <a:schemeClr val="accent1"/>
+          </a:fillRef>
+          <a:effectRef idx="0">
+            <a:schemeClr val="accent1"/>
+          </a:effectRef>
+          <a:fontRef idx="minor">
+            <a:schemeClr val="lt1"/>
+          </a:fontRef>
+        </p:style>
+        <p:txBody>
+          <a:bodyPr rtlCol="0" anchor="ctr"/>
+          <a:lstStyle/>
+          <a:p>
+            <a:pPr algn="ctr"/>
+            <a:endParaRPr lang="en-US" dirty="0"/>
+          </a:p>
+        </p:txBody>
+      </p:sp>
+      <p:sp>
+        <p:nvSpPr>
+          <p:cNvPr id="3" name="Content Placeholder 2">
+            <a:extLst>
+              <a:ext uri="{FF2B5EF4-FFF2-40B4-BE49-F238E27FC236}">
+                <a16:creationId xmlns:a16="http://schemas.microsoft.com/office/drawing/2014/main" id="{4CB23FD9-ADE0-084E-A8CC-44CA0BA25AB3}"/>
+              </a:ext>
+            </a:extLst>
+          </p:cNvPr>
+          <p:cNvSpPr>
+            <a:spLocks noGrp="1"/>
+          </p:cNvSpPr>
+          <p:nvPr>
+            <p:ph idx="1"/>
+          </p:nvPr>
+        </p:nvSpPr>
+        <p:spPr/>
+        <p:txBody>
+          <a:bodyPr>
+            <a:normAutofit fontScale="92500" lnSpcReduction="10000"/>
+          </a:bodyPr>
+          <a:lstStyle/>
+          <a:p>
+            <a:pPr marL="0" indent="0">
+              <a:buNone/>
+            </a:pPr>
+            <a:r>
+              <a:rPr lang="en-US" sz="2400" b="1" i="1" dirty="0">
+                <a:solidFill>
+                  <a:srgbClr val="FFFF00"/>
+                </a:solidFill>
+              </a:rPr>
+              <a:t>curl -</a:t>
+            </a:r>
+            <a:r>
+              <a:rPr lang="en-US" sz="2400" b="1" i="1" dirty="0" err="1">
+                <a:solidFill>
+                  <a:srgbClr val="FFFF00"/>
+                </a:solidFill>
+              </a:rPr>
+              <a:t>iLX</a:t>
+            </a:r>
+            <a:r>
+              <a:rPr lang="en-US" sz="2400" b="1" i="1" dirty="0">
+                <a:solidFill>
+                  <a:srgbClr val="FFFF00"/>
+                </a:solidFill>
+              </a:rPr>
+              <a:t> GET --</a:t>
+            </a:r>
+            <a:r>
+              <a:rPr lang="en-US" sz="2400" b="1" i="1" dirty="0" err="1">
+                <a:solidFill>
+                  <a:srgbClr val="FFFF00"/>
+                </a:solidFill>
+              </a:rPr>
+              <a:t>url</a:t>
+            </a:r>
+            <a:r>
+              <a:rPr lang="en-US" sz="2400" b="1" i="1" dirty="0">
+                <a:solidFill>
+                  <a:srgbClr val="FFFF00"/>
+                </a:solidFill>
+              </a:rPr>
+              <a:t> https://</a:t>
+            </a:r>
+            <a:r>
+              <a:rPr lang="en-US" sz="2400" b="1" i="1" dirty="0" err="1">
+                <a:solidFill>
+                  <a:srgbClr val="FFFF00"/>
+                </a:solidFill>
+              </a:rPr>
+              <a:t>api.meraki.com</a:t>
+            </a:r>
+            <a:r>
+              <a:rPr lang="en-US" sz="2400" b="1" i="1" dirty="0">
+                <a:solidFill>
+                  <a:srgbClr val="FFFF00"/>
+                </a:solidFill>
+              </a:rPr>
+              <a:t>/</a:t>
+            </a:r>
+            <a:r>
+              <a:rPr lang="en-US" sz="2400" b="1" i="1" dirty="0" err="1">
+                <a:solidFill>
+                  <a:srgbClr val="FFFF00"/>
+                </a:solidFill>
+              </a:rPr>
+              <a:t>api</a:t>
+            </a:r>
+            <a:r>
+              <a:rPr lang="en-US" sz="2400" b="1" i="1" dirty="0">
+                <a:solidFill>
+                  <a:srgbClr val="FFFF00"/>
+                </a:solidFill>
+              </a:rPr>
+              <a:t>/v0/organizations \</a:t>
+            </a:r>
+          </a:p>
+          <a:p>
+            <a:pPr marL="0" indent="0">
+              <a:buNone/>
+            </a:pPr>
+            <a:r>
+              <a:rPr lang="en-US" sz="2400" b="1" i="1" dirty="0">
+                <a:solidFill>
+                  <a:srgbClr val="FFFF00"/>
+                </a:solidFill>
+              </a:rPr>
+              <a:t>-H X-Cisco-Meraki-API-Key:$MERAKI_API_KEY \</a:t>
+            </a:r>
+          </a:p>
+          <a:p>
+            <a:pPr marL="0" indent="0">
+              <a:buNone/>
+            </a:pPr>
+            <a:r>
+              <a:rPr lang="en-US" sz="2400" b="1" i="1" dirty="0">
+                <a:solidFill>
+                  <a:srgbClr val="FFFF00"/>
+                </a:solidFill>
+              </a:rPr>
+              <a:t>-H 'Accept: application/json' </a:t>
+            </a:r>
+          </a:p>
+          <a:p>
+            <a:pPr marL="0" indent="0">
+              <a:buNone/>
+            </a:pPr>
+            <a:r>
+              <a:rPr lang="en-US" sz="2400" dirty="0"/>
+              <a:t>Send a GET request to https://</a:t>
+            </a:r>
+            <a:r>
+              <a:rPr lang="en-US" sz="2400" dirty="0" err="1"/>
+              <a:t>jsonplaceholder.typicode.com</a:t>
+            </a:r>
+            <a:r>
+              <a:rPr lang="en-US" sz="2400" dirty="0"/>
+              <a:t>/posts/1</a:t>
+            </a:r>
+            <a:endParaRPr lang="en-US" sz="2400" dirty="0">
+              <a:solidFill>
+                <a:srgbClr val="FFFF00"/>
+              </a:solidFill>
+            </a:endParaRPr>
+          </a:p>
+          <a:p>
+            <a:r>
+              <a:rPr lang="en-US" sz="2400" dirty="0"/>
+              <a:t>Display ONLY the response headers in the terminal</a:t>
+            </a:r>
+          </a:p>
+          <a:p>
+            <a:pPr marL="0" indent="0">
+              <a:buNone/>
+            </a:pPr>
+            <a:r>
+              <a:rPr lang="en-US" sz="2400" b="1" i="1" dirty="0">
+                <a:solidFill>
+                  <a:srgbClr val="FFFF00"/>
+                </a:solidFill>
+              </a:rPr>
+              <a:t>curl -X POST --</a:t>
+            </a:r>
+            <a:r>
+              <a:rPr lang="en-US" sz="2400" b="1" i="1" dirty="0" err="1">
+                <a:solidFill>
+                  <a:srgbClr val="FFFF00"/>
+                </a:solidFill>
+              </a:rPr>
+              <a:t>url</a:t>
+            </a:r>
+            <a:r>
+              <a:rPr lang="en-US" sz="2400" b="1" i="1" dirty="0">
+                <a:solidFill>
+                  <a:srgbClr val="FFFF00"/>
+                </a:solidFill>
+              </a:rPr>
+              <a:t> https://</a:t>
+            </a:r>
+            <a:r>
+              <a:rPr lang="en-US" sz="2400" b="1" i="1" dirty="0" err="1">
+                <a:solidFill>
+                  <a:srgbClr val="FFFF00"/>
+                </a:solidFill>
+              </a:rPr>
+              <a:t>sandboxdnac.cisco.com</a:t>
+            </a:r>
+            <a:r>
+              <a:rPr lang="en-US" sz="2400" b="1" i="1" dirty="0">
+                <a:solidFill>
+                  <a:srgbClr val="FFFF00"/>
+                </a:solidFill>
+              </a:rPr>
+              <a:t>/</a:t>
+            </a:r>
+            <a:r>
+              <a:rPr lang="en-US" sz="2400" b="1" i="1" dirty="0" err="1">
+                <a:solidFill>
+                  <a:srgbClr val="FFFF00"/>
+                </a:solidFill>
+              </a:rPr>
+              <a:t>dna</a:t>
+            </a:r>
+            <a:r>
+              <a:rPr lang="en-US" sz="2400" b="1" i="1" dirty="0">
+                <a:solidFill>
+                  <a:srgbClr val="FFFF00"/>
+                </a:solidFill>
+              </a:rPr>
+              <a:t>/system/</a:t>
+            </a:r>
+            <a:r>
+              <a:rPr lang="en-US" sz="2400" b="1" i="1" dirty="0" err="1">
+                <a:solidFill>
+                  <a:srgbClr val="FFFF00"/>
+                </a:solidFill>
+              </a:rPr>
+              <a:t>api</a:t>
+            </a:r>
+            <a:r>
+              <a:rPr lang="en-US" sz="2400" b="1" i="1" dirty="0">
+                <a:solidFill>
+                  <a:srgbClr val="FFFF00"/>
+                </a:solidFill>
+              </a:rPr>
+              <a:t>/v1/auth/token \</a:t>
+            </a:r>
+          </a:p>
+          <a:p>
+            <a:pPr marL="0" indent="0">
+              <a:buNone/>
+            </a:pPr>
+            <a:r>
+              <a:rPr lang="en-US" sz="2400" b="1" i="1" dirty="0">
+                <a:solidFill>
+                  <a:srgbClr val="FFFF00"/>
+                </a:solidFill>
+              </a:rPr>
+              <a:t>-u $DNAC_USER:$DNAC_PW \</a:t>
+            </a:r>
+          </a:p>
+          <a:p>
+            <a:pPr marL="0" indent="0">
+              <a:buNone/>
+            </a:pPr>
+            <a:r>
+              <a:rPr lang="en-US" sz="2400" b="1" i="1" dirty="0">
+                <a:solidFill>
+                  <a:srgbClr val="FFFF00"/>
+                </a:solidFill>
+              </a:rPr>
+              <a:t>-</a:t>
+            </a:r>
+            <a:r>
+              <a:rPr lang="en-US" sz="2400" b="1" i="1" dirty="0" err="1">
+                <a:solidFill>
+                  <a:srgbClr val="FFFF00"/>
+                </a:solidFill>
+              </a:rPr>
+              <a:t>vo</a:t>
+            </a:r>
+            <a:r>
+              <a:rPr lang="en-US" sz="2400" b="1" i="1" dirty="0">
+                <a:solidFill>
+                  <a:srgbClr val="FFFF00"/>
+                </a:solidFill>
+              </a:rPr>
+              <a:t> </a:t>
+            </a:r>
+            <a:r>
+              <a:rPr lang="en-US" sz="2400" b="1" i="1" dirty="0" err="1">
+                <a:solidFill>
+                  <a:srgbClr val="FFFF00"/>
+                </a:solidFill>
+              </a:rPr>
+              <a:t>token.txt</a:t>
+            </a:r>
+            <a:endParaRPr lang="en-US" sz="2400" b="1" i="1" dirty="0">
+              <a:solidFill>
+                <a:srgbClr val="FFFF00"/>
+              </a:solidFill>
+            </a:endParaRPr>
+          </a:p>
+          <a:p>
+            <a:r>
+              <a:rPr lang="en-US" sz="2400" dirty="0"/>
+              <a:t>Send a POST request to https://</a:t>
+            </a:r>
+            <a:r>
+              <a:rPr lang="en-US" sz="2400" dirty="0" err="1"/>
+              <a:t>sandboxdnac.cisco.com</a:t>
+            </a:r>
+            <a:r>
+              <a:rPr lang="en-US" sz="2400" dirty="0"/>
+              <a:t>/</a:t>
+            </a:r>
+            <a:r>
+              <a:rPr lang="en-US" sz="2400" dirty="0" err="1"/>
+              <a:t>dna</a:t>
+            </a:r>
+            <a:r>
+              <a:rPr lang="en-US" sz="2400" dirty="0"/>
+              <a:t>/system/</a:t>
+            </a:r>
+            <a:r>
+              <a:rPr lang="en-US" sz="2400" dirty="0" err="1"/>
+              <a:t>api</a:t>
+            </a:r>
+            <a:r>
+              <a:rPr lang="en-US" sz="2400" dirty="0"/>
+              <a:t>/v1/auth/token</a:t>
+            </a:r>
+            <a:endParaRPr lang="en-US" sz="2400" dirty="0">
+              <a:solidFill>
+                <a:srgbClr val="FFFF00"/>
+              </a:solidFill>
+            </a:endParaRPr>
+          </a:p>
+          <a:p>
+            <a:r>
+              <a:rPr lang="en-US" sz="2400" dirty="0"/>
+              <a:t>Send credentials via HTTP Basic Authentication</a:t>
+            </a:r>
+          </a:p>
+          <a:p>
+            <a:r>
+              <a:rPr lang="en-US" sz="2400" dirty="0"/>
+              <a:t>Display verbose/debugging information</a:t>
+            </a:r>
+          </a:p>
+        </p:txBody>
+      </p:sp>
+    </p:spTree>
+    <p:extLst>
+      <p:ext uri="{BB962C8B-B14F-4D97-AF65-F5344CB8AC3E}">
+        <p14:creationId xmlns:p14="http://schemas.microsoft.com/office/powerpoint/2010/main" val="1583025813"/>
+      </p:ext>
+    </p:extLst>
+  </p:cSld>
+  <p:clrMapOvr>
+    <a:masterClrMapping/>
+  </p:clrMapOvr>
+  <mc:AlternateContent xmlns:mc="http://schemas.openxmlformats.org/markup-compatibility/2006" xmlns:p14="http://schemas.microsoft.com/office/powerpoint/2010/main">
+    <mc:Choice Requires="p14">
+      <p:transition spd="med" p14:dur="700">
+        <p:fade/>
+      </p:transition>
+    </mc:Choice>
+    <mc:Fallback xmlns="">
+      <p:transition spd="med">
+        <p:fade/>
+      </p:transition>
+    </mc:Fallback>
+  </mc:AlternateContent>
+  <p:timing>
+    <p:tnLst>
+      <p:par>
+        <p:cTn id="1" dur="indefinite" restart="never" nodeType="tmRoot">
+          <p:childTnLst>
+            <p:seq concurrent="1" nextAc="seek">
+              <p:cTn id="2" dur="indefinite" nodeType="mainSeq">
+                <p:childTnLst>
+                  <p:par>
+                    <p:cTn id="3" fill="hold">
+                      <p:stCondLst>
+                        <p:cond delay="indefinite"/>
+                      </p:stCondLst>
+                      <p:childTnLst>
+                        <p:par>
+                          <p:cTn id="4" fill="hold">
+                            <p:stCondLst>
+                              <p:cond delay="0"/>
+                            </p:stCondLst>
+                            <p:childTnLst>
+                              <p:par>
+                                <p:cTn id="5" presetID="9" presetClass="entr" presetSubtype="0" fill="hold" nodeType="clickEffect">
+                                  <p:stCondLst>
+                                    <p:cond delay="0"/>
+                                  </p:stCondLst>
+                                  <p:childTnLst>
+                                    <p:set>
+                                      <p:cBhvr>
+                                        <p:cTn id="6" dur="1" fill="hold">
+                                          <p:stCondLst>
+                                            <p:cond delay="0"/>
+                                          </p:stCondLst>
+                                        </p:cTn>
+                                        <p:tgtEl>
+                                          <p:spTgt spid="3">
+                                            <p:txEl>
+                                              <p:pRg st="0" end="0"/>
+                                            </p:txEl>
+                                          </p:spTgt>
+                                        </p:tgtEl>
+                                        <p:attrNameLst>
+                                          <p:attrName>style.visibility</p:attrName>
+                                        </p:attrNameLst>
+                                      </p:cBhvr>
+                                      <p:to>
+                                        <p:strVal val="visible"/>
+                                      </p:to>
+                                    </p:set>
+                                    <p:animEffect transition="in" filter="dissolve">
+                                      <p:cBhvr>
+                                        <p:cTn id="7" dur="500"/>
+                                        <p:tgtEl>
+                                          <p:spTgt spid="3">
+                                            <p:txEl>
+                                              <p:pRg st="0" end="0"/>
+                                            </p:txEl>
+                                          </p:spTgt>
+                                        </p:tgtEl>
+                                      </p:cBhvr>
+                                    </p:animEffect>
+                                  </p:childTnLst>
+                                </p:cTn>
+                              </p:par>
+                            </p:childTnLst>
+                          </p:cTn>
+                        </p:par>
+                      </p:childTnLst>
+                    </p:cTn>
+                  </p:par>
+                  <p:par>
+                    <p:cTn id="8" fill="hold">
+                      <p:stCondLst>
+                        <p:cond delay="indefinite"/>
+                      </p:stCondLst>
+                      <p:childTnLst>
+                        <p:par>
+                          <p:cTn id="9" fill="hold">
+                            <p:stCondLst>
+                              <p:cond delay="0"/>
+                            </p:stCondLst>
+                            <p:childTnLst>
+                              <p:par>
+                                <p:cTn id="10" presetID="9" presetClass="entr" presetSubtype="0" fill="hold" nodeType="clickEffect">
+                                  <p:stCondLst>
+                                    <p:cond delay="0"/>
+                                  </p:stCondLst>
+                                  <p:childTnLst>
+                                    <p:set>
+                                      <p:cBhvr>
+                                        <p:cTn id="11" dur="1" fill="hold">
+                                          <p:stCondLst>
+                                            <p:cond delay="0"/>
+                                          </p:stCondLst>
+                                        </p:cTn>
+                                        <p:tgtEl>
+                                          <p:spTgt spid="3">
+                                            <p:txEl>
+                                              <p:pRg st="1" end="1"/>
+                                            </p:txEl>
+                                          </p:spTgt>
+                                        </p:tgtEl>
+                                        <p:attrNameLst>
+                                          <p:attrName>style.visibility</p:attrName>
+                                        </p:attrNameLst>
+                                      </p:cBhvr>
+                                      <p:to>
+                                        <p:strVal val="visible"/>
+                                      </p:to>
+                                    </p:set>
+                                    <p:animEffect transition="in" filter="dissolve">
+                                      <p:cBhvr>
+                                        <p:cTn id="12" dur="500"/>
+                                        <p:tgtEl>
+                                          <p:spTgt spid="3">
+                                            <p:txEl>
+                                              <p:pRg st="1" end="1"/>
+                                            </p:txEl>
+                                          </p:spTgt>
+                                        </p:tgtEl>
+                                      </p:cBhvr>
+                                    </p:animEffect>
+                                  </p:childTnLst>
+                                </p:cTn>
+                              </p:par>
+                            </p:childTnLst>
+                          </p:cTn>
+                        </p:par>
+                      </p:childTnLst>
+                    </p:cTn>
+                  </p:par>
+                  <p:par>
+                    <p:cTn id="13" fill="hold">
+                      <p:stCondLst>
+                        <p:cond delay="indefinite"/>
+                      </p:stCondLst>
+                      <p:childTnLst>
+                        <p:par>
+                          <p:cTn id="14" fill="hold">
+                            <p:stCondLst>
+                              <p:cond delay="0"/>
+                            </p:stCondLst>
+                            <p:childTnLst>
+                              <p:par>
+                                <p:cTn id="15" presetID="9" presetClass="entr" presetSubtype="0" fill="hold" nodeType="clickEffect">
+                                  <p:stCondLst>
+                                    <p:cond delay="0"/>
+                                  </p:stCondLst>
+                                  <p:childTnLst>
+                                    <p:set>
+                                      <p:cBhvr>
+                                        <p:cTn id="16" dur="1" fill="hold">
+                                          <p:stCondLst>
+                                            <p:cond delay="0"/>
+                                          </p:stCondLst>
+                                        </p:cTn>
+                                        <p:tgtEl>
+                                          <p:spTgt spid="3">
+                                            <p:txEl>
+                                              <p:pRg st="2" end="2"/>
+                                            </p:txEl>
+                                          </p:spTgt>
+                                        </p:tgtEl>
+                                        <p:attrNameLst>
+                                          <p:attrName>style.visibility</p:attrName>
+                                        </p:attrNameLst>
+                                      </p:cBhvr>
+                                      <p:to>
+                                        <p:strVal val="visible"/>
+                                      </p:to>
+                                    </p:set>
+                                    <p:animEffect transition="in" filter="dissolve">
+                                      <p:cBhvr>
+                                        <p:cTn id="17" dur="500"/>
+                                        <p:tgtEl>
+                                          <p:spTgt spid="3">
+                                            <p:txEl>
+                                              <p:pRg st="2" end="2"/>
+                                            </p:txEl>
+                                          </p:spTgt>
+                                        </p:tgtEl>
+                                      </p:cBhvr>
+                                    </p:animEffect>
+                                  </p:childTnLst>
+                                </p:cTn>
+                              </p:par>
+                            </p:childTnLst>
+                          </p:cTn>
+                        </p:par>
+                      </p:childTnLst>
+                    </p:cTn>
+                  </p:par>
+                  <p:par>
+                    <p:cTn id="18" fill="hold">
+                      <p:stCondLst>
+                        <p:cond delay="indefinite"/>
+                      </p:stCondLst>
+                      <p:childTnLst>
+                        <p:par>
+                          <p:cTn id="19" fill="hold">
+                            <p:stCondLst>
+                              <p:cond delay="0"/>
+                            </p:stCondLst>
+                            <p:childTnLst>
+                              <p:par>
+                                <p:cTn id="20" presetID="9" presetClass="entr" presetSubtype="0" fill="hold" nodeType="clickEffect">
+                                  <p:stCondLst>
+                                    <p:cond delay="0"/>
+                                  </p:stCondLst>
+                                  <p:childTnLst>
+                                    <p:set>
+                                      <p:cBhvr>
+                                        <p:cTn id="21" dur="1" fill="hold">
+                                          <p:stCondLst>
+                                            <p:cond delay="0"/>
+                                          </p:stCondLst>
+                                        </p:cTn>
+                                        <p:tgtEl>
+                                          <p:spTgt spid="3">
+                                            <p:txEl>
+                                              <p:pRg st="3" end="3"/>
+                                            </p:txEl>
+                                          </p:spTgt>
+                                        </p:tgtEl>
+                                        <p:attrNameLst>
+                                          <p:attrName>style.visibility</p:attrName>
+                                        </p:attrNameLst>
+                                      </p:cBhvr>
+                                      <p:to>
+                                        <p:strVal val="visible"/>
+                                      </p:to>
+                                    </p:set>
+                                    <p:animEffect transition="in" filter="dissolve">
+                                      <p:cBhvr>
+                                        <p:cTn id="22" dur="500"/>
+                                        <p:tgtEl>
+                                          <p:spTgt spid="3">
+                                            <p:txEl>
+                                              <p:pRg st="3" end="3"/>
+                                            </p:txEl>
+                                          </p:spTgt>
+                                        </p:tgtEl>
+                                      </p:cBhvr>
+                                    </p:animEffect>
+                                  </p:childTnLst>
+                                </p:cTn>
+                              </p:par>
+                            </p:childTnLst>
+                          </p:cTn>
+                        </p:par>
+                      </p:childTnLst>
+                    </p:cTn>
+                  </p:par>
+                  <p:par>
+                    <p:cTn id="23" fill="hold">
+                      <p:stCondLst>
+                        <p:cond delay="indefinite"/>
+                      </p:stCondLst>
+                      <p:childTnLst>
+                        <p:par>
+                          <p:cTn id="24" fill="hold">
+                            <p:stCondLst>
+                              <p:cond delay="0"/>
+                            </p:stCondLst>
+                            <p:childTnLst>
+                              <p:par>
+                                <p:cTn id="25" presetID="22" presetClass="entr" presetSubtype="8" fill="hold" grpId="0" nodeType="clickEffect">
+                                  <p:stCondLst>
+                                    <p:cond delay="0"/>
+                                  </p:stCondLst>
+                                  <p:childTnLst>
+                                    <p:set>
+                                      <p:cBhvr>
+                                        <p:cTn id="26" dur="1" fill="hold">
+                                          <p:stCondLst>
+                                            <p:cond delay="0"/>
+                                          </p:stCondLst>
+                                        </p:cTn>
+                                        <p:tgtEl>
+                                          <p:spTgt spid="6"/>
+                                        </p:tgtEl>
+                                        <p:attrNameLst>
+                                          <p:attrName>style.visibility</p:attrName>
+                                        </p:attrNameLst>
+                                      </p:cBhvr>
+                                      <p:to>
+                                        <p:strVal val="visible"/>
+                                      </p:to>
+                                    </p:set>
+                                    <p:animEffect transition="in" filter="wipe(left)">
+                                      <p:cBhvr>
+                                        <p:cTn id="27" dur="500"/>
+                                        <p:tgtEl>
+                                          <p:spTgt spid="6"/>
+                                        </p:tgtEl>
+                                      </p:cBhvr>
+                                    </p:animEffect>
+                                  </p:childTnLst>
+                                </p:cTn>
+                              </p:par>
+                            </p:childTnLst>
+                          </p:cTn>
+                        </p:par>
+                        <p:par>
+                          <p:cTn id="28" fill="hold">
+                            <p:stCondLst>
+                              <p:cond delay="500"/>
+                            </p:stCondLst>
+                            <p:childTnLst>
+                              <p:par>
+                                <p:cTn id="29" presetID="22" presetClass="entr" presetSubtype="8" fill="hold" grpId="0" nodeType="afterEffect">
+                                  <p:stCondLst>
+                                    <p:cond delay="500"/>
+                                  </p:stCondLst>
+                                  <p:childTnLst>
+                                    <p:set>
+                                      <p:cBhvr>
+                                        <p:cTn id="30" dur="1" fill="hold">
+                                          <p:stCondLst>
+                                            <p:cond delay="0"/>
+                                          </p:stCondLst>
+                                        </p:cTn>
+                                        <p:tgtEl>
+                                          <p:spTgt spid="7"/>
+                                        </p:tgtEl>
+                                        <p:attrNameLst>
+                                          <p:attrName>style.visibility</p:attrName>
+                                        </p:attrNameLst>
+                                      </p:cBhvr>
+                                      <p:to>
+                                        <p:strVal val="visible"/>
+                                      </p:to>
+                                    </p:set>
+                                    <p:animEffect transition="in" filter="wipe(left)">
+                                      <p:cBhvr>
+                                        <p:cTn id="31" dur="1000"/>
+                                        <p:tgtEl>
+                                          <p:spTgt spid="7"/>
+                                        </p:tgtEl>
+                                      </p:cBhvr>
+                                    </p:animEffect>
+                                  </p:childTnLst>
+                                </p:cTn>
+                              </p:par>
+                            </p:childTnLst>
+                          </p:cTn>
+                        </p:par>
+                      </p:childTnLst>
+                    </p:cTn>
+                  </p:par>
+                  <p:par>
+                    <p:cTn id="32" fill="hold">
+                      <p:stCondLst>
+                        <p:cond delay="indefinite"/>
+                      </p:stCondLst>
+                      <p:childTnLst>
+                        <p:par>
+                          <p:cTn id="33" fill="hold">
+                            <p:stCondLst>
+                              <p:cond delay="0"/>
+                            </p:stCondLst>
+                            <p:childTnLst>
+                              <p:par>
+                                <p:cTn id="34" presetID="9" presetClass="entr" presetSubtype="0" fill="hold" nodeType="clickEffect">
+                                  <p:stCondLst>
+                                    <p:cond delay="0"/>
+                                  </p:stCondLst>
+                                  <p:childTnLst>
+                                    <p:set>
+                                      <p:cBhvr>
+                                        <p:cTn id="35" dur="1" fill="hold">
+                                          <p:stCondLst>
+                                            <p:cond delay="0"/>
+                                          </p:stCondLst>
+                                        </p:cTn>
+                                        <p:tgtEl>
+                                          <p:spTgt spid="3">
+                                            <p:txEl>
+                                              <p:pRg st="4" end="4"/>
+                                            </p:txEl>
+                                          </p:spTgt>
+                                        </p:tgtEl>
+                                        <p:attrNameLst>
+                                          <p:attrName>style.visibility</p:attrName>
+                                        </p:attrNameLst>
+                                      </p:cBhvr>
+                                      <p:to>
+                                        <p:strVal val="visible"/>
+                                      </p:to>
+                                    </p:set>
+                                    <p:animEffect transition="in" filter="dissolve">
+                                      <p:cBhvr>
+                                        <p:cTn id="36" dur="500"/>
+                                        <p:tgtEl>
+                                          <p:spTgt spid="3">
+                                            <p:txEl>
+                                              <p:pRg st="4" end="4"/>
+                                            </p:txEl>
+                                          </p:spTgt>
+                                        </p:tgtEl>
+                                      </p:cBhvr>
+                                    </p:animEffect>
+                                  </p:childTnLst>
+                                </p:cTn>
+                              </p:par>
+                            </p:childTnLst>
+                          </p:cTn>
+                        </p:par>
+                      </p:childTnLst>
+                    </p:cTn>
+                  </p:par>
+                  <p:par>
+                    <p:cTn id="37" fill="hold">
+                      <p:stCondLst>
+                        <p:cond delay="indefinite"/>
+                      </p:stCondLst>
+                      <p:childTnLst>
+                        <p:par>
+                          <p:cTn id="38" fill="hold">
+                            <p:stCondLst>
+                              <p:cond delay="0"/>
+                            </p:stCondLst>
+                            <p:childTnLst>
+                              <p:par>
+                                <p:cTn id="39" presetID="22" presetClass="entr" presetSubtype="8" fill="hold" grpId="0" nodeType="clickEffect">
+                                  <p:stCondLst>
+                                    <p:cond delay="0"/>
+                                  </p:stCondLst>
+                                  <p:childTnLst>
+                                    <p:set>
+                                      <p:cBhvr>
+                                        <p:cTn id="40" dur="1" fill="hold">
+                                          <p:stCondLst>
+                                            <p:cond delay="0"/>
+                                          </p:stCondLst>
+                                        </p:cTn>
+                                        <p:tgtEl>
+                                          <p:spTgt spid="16"/>
+                                        </p:tgtEl>
+                                        <p:attrNameLst>
+                                          <p:attrName>style.visibility</p:attrName>
+                                        </p:attrNameLst>
+                                      </p:cBhvr>
+                                      <p:to>
+                                        <p:strVal val="visible"/>
+                                      </p:to>
+                                    </p:set>
+                                    <p:animEffect transition="in" filter="wipe(left)">
+                                      <p:cBhvr>
+                                        <p:cTn id="41" dur="500"/>
+                                        <p:tgtEl>
+                                          <p:spTgt spid="16"/>
+                                        </p:tgtEl>
+                                      </p:cBhvr>
+                                    </p:animEffect>
+                                  </p:childTnLst>
+                                </p:cTn>
+                              </p:par>
+                            </p:childTnLst>
+                          </p:cTn>
+                        </p:par>
+                      </p:childTnLst>
+                    </p:cTn>
+                  </p:par>
+                  <p:par>
+                    <p:cTn id="42" fill="hold">
+                      <p:stCondLst>
+                        <p:cond delay="indefinite"/>
+                      </p:stCondLst>
+                      <p:childTnLst>
+                        <p:par>
+                          <p:cTn id="43" fill="hold">
+                            <p:stCondLst>
+                              <p:cond delay="0"/>
+                            </p:stCondLst>
+                            <p:childTnLst>
+                              <p:par>
+                                <p:cTn id="44" presetID="22" presetClass="entr" presetSubtype="8" fill="hold" nodeType="clickEffect">
+                                  <p:stCondLst>
+                                    <p:cond delay="0"/>
+                                  </p:stCondLst>
+                                  <p:childTnLst>
+                                    <p:set>
+                                      <p:cBhvr>
+                                        <p:cTn id="45" dur="1" fill="hold">
+                                          <p:stCondLst>
+                                            <p:cond delay="0"/>
+                                          </p:stCondLst>
+                                        </p:cTn>
+                                        <p:tgtEl>
+                                          <p:spTgt spid="3">
+                                            <p:txEl>
+                                              <p:pRg st="5" end="5"/>
+                                            </p:txEl>
+                                          </p:spTgt>
+                                        </p:tgtEl>
+                                        <p:attrNameLst>
+                                          <p:attrName>style.visibility</p:attrName>
+                                        </p:attrNameLst>
+                                      </p:cBhvr>
+                                      <p:to>
+                                        <p:strVal val="visible"/>
+                                      </p:to>
+                                    </p:set>
+                                    <p:animEffect transition="in" filter="wipe(left)">
+                                      <p:cBhvr>
+                                        <p:cTn id="46" dur="2000"/>
+                                        <p:tgtEl>
+                                          <p:spTgt spid="3">
+                                            <p:txEl>
+                                              <p:pRg st="5" end="5"/>
+                                            </p:txEl>
+                                          </p:spTgt>
+                                        </p:tgtEl>
+                                      </p:cBhvr>
+                                    </p:animEffect>
+                                  </p:childTnLst>
+                                </p:cTn>
+                              </p:par>
+                            </p:childTnLst>
+                          </p:cTn>
+                        </p:par>
+                        <p:par>
+                          <p:cTn id="47" fill="hold">
+                            <p:stCondLst>
+                              <p:cond delay="2000"/>
+                            </p:stCondLst>
+                            <p:childTnLst>
+                              <p:par>
+                                <p:cTn id="48" presetID="22" presetClass="entr" presetSubtype="8" fill="hold" nodeType="afterEffect">
+                                  <p:stCondLst>
+                                    <p:cond delay="0"/>
+                                  </p:stCondLst>
+                                  <p:childTnLst>
+                                    <p:set>
+                                      <p:cBhvr>
+                                        <p:cTn id="49" dur="1" fill="hold">
+                                          <p:stCondLst>
+                                            <p:cond delay="0"/>
+                                          </p:stCondLst>
+                                        </p:cTn>
+                                        <p:tgtEl>
+                                          <p:spTgt spid="3">
+                                            <p:txEl>
+                                              <p:pRg st="6" end="6"/>
+                                            </p:txEl>
+                                          </p:spTgt>
+                                        </p:tgtEl>
+                                        <p:attrNameLst>
+                                          <p:attrName>style.visibility</p:attrName>
+                                        </p:attrNameLst>
+                                      </p:cBhvr>
+                                      <p:to>
+                                        <p:strVal val="visible"/>
+                                      </p:to>
+                                    </p:set>
+                                    <p:animEffect transition="in" filter="wipe(left)">
+                                      <p:cBhvr>
+                                        <p:cTn id="50" dur="1000"/>
+                                        <p:tgtEl>
+                                          <p:spTgt spid="3">
+                                            <p:txEl>
+                                              <p:pRg st="6" end="6"/>
+                                            </p:txEl>
+                                          </p:spTgt>
+                                        </p:tgtEl>
+                                      </p:cBhvr>
+                                    </p:animEffect>
+                                  </p:childTnLst>
+                                </p:cTn>
+                              </p:par>
+                            </p:childTnLst>
+                          </p:cTn>
+                        </p:par>
+                        <p:par>
+                          <p:cTn id="51" fill="hold">
+                            <p:stCondLst>
+                              <p:cond delay="3000"/>
+                            </p:stCondLst>
+                            <p:childTnLst>
+                              <p:par>
+                                <p:cTn id="52" presetID="22" presetClass="entr" presetSubtype="8" fill="hold" nodeType="afterEffect">
+                                  <p:stCondLst>
+                                    <p:cond delay="0"/>
+                                  </p:stCondLst>
+                                  <p:childTnLst>
+                                    <p:set>
+                                      <p:cBhvr>
+                                        <p:cTn id="53" dur="1" fill="hold">
+                                          <p:stCondLst>
+                                            <p:cond delay="0"/>
+                                          </p:stCondLst>
+                                        </p:cTn>
+                                        <p:tgtEl>
+                                          <p:spTgt spid="3">
+                                            <p:txEl>
+                                              <p:pRg st="7" end="7"/>
+                                            </p:txEl>
+                                          </p:spTgt>
+                                        </p:tgtEl>
+                                        <p:attrNameLst>
+                                          <p:attrName>style.visibility</p:attrName>
+                                        </p:attrNameLst>
+                                      </p:cBhvr>
+                                      <p:to>
+                                        <p:strVal val="visible"/>
+                                      </p:to>
+                                    </p:set>
+                                    <p:animEffect transition="in" filter="wipe(left)">
+                                      <p:cBhvr>
+                                        <p:cTn id="54" dur="750"/>
+                                        <p:tgtEl>
+                                          <p:spTgt spid="3">
+                                            <p:txEl>
+                                              <p:pRg st="7" end="7"/>
+                                            </p:txEl>
+                                          </p:spTgt>
+                                        </p:tgtEl>
+                                      </p:cBhvr>
+                                    </p:animEffect>
+                                  </p:childTnLst>
+                                </p:cTn>
+                              </p:par>
+                            </p:childTnLst>
+                          </p:cTn>
+                        </p:par>
+                      </p:childTnLst>
+                    </p:cTn>
+                  </p:par>
+                  <p:par>
+                    <p:cTn id="55" fill="hold">
+                      <p:stCondLst>
+                        <p:cond delay="indefinite"/>
+                      </p:stCondLst>
+                      <p:childTnLst>
+                        <p:par>
+                          <p:cTn id="56" fill="hold">
+                            <p:stCondLst>
+                              <p:cond delay="0"/>
+                            </p:stCondLst>
+                            <p:childTnLst>
+                              <p:par>
+                                <p:cTn id="57" presetID="9" presetClass="entr" presetSubtype="0" fill="hold" nodeType="clickEffect">
+                                  <p:stCondLst>
+                                    <p:cond delay="0"/>
+                                  </p:stCondLst>
+                                  <p:childTnLst>
+                                    <p:set>
+                                      <p:cBhvr>
+                                        <p:cTn id="58" dur="1" fill="hold">
+                                          <p:stCondLst>
+                                            <p:cond delay="0"/>
+                                          </p:stCondLst>
+                                        </p:cTn>
+                                        <p:tgtEl>
+                                          <p:spTgt spid="3">
+                                            <p:txEl>
+                                              <p:pRg st="8" end="8"/>
+                                            </p:txEl>
+                                          </p:spTgt>
+                                        </p:tgtEl>
+                                        <p:attrNameLst>
+                                          <p:attrName>style.visibility</p:attrName>
+                                        </p:attrNameLst>
+                                      </p:cBhvr>
+                                      <p:to>
+                                        <p:strVal val="visible"/>
+                                      </p:to>
+                                    </p:set>
+                                    <p:animEffect transition="in" filter="dissolve">
+                                      <p:cBhvr>
+                                        <p:cTn id="59" dur="500"/>
+                                        <p:tgtEl>
+                                          <p:spTgt spid="3">
+                                            <p:txEl>
+                                              <p:pRg st="8" end="8"/>
+                                            </p:txEl>
+                                          </p:spTgt>
+                                        </p:tgtEl>
+                                      </p:cBhvr>
+                                    </p:animEffect>
+                                  </p:childTnLst>
+                                </p:cTn>
+                              </p:par>
+                            </p:childTnLst>
+                          </p:cTn>
+                        </p:par>
+                      </p:childTnLst>
+                    </p:cTn>
+                  </p:par>
+                  <p:par>
+                    <p:cTn id="60" fill="hold">
+                      <p:stCondLst>
+                        <p:cond delay="indefinite"/>
+                      </p:stCondLst>
+                      <p:childTnLst>
+                        <p:par>
+                          <p:cTn id="61" fill="hold">
+                            <p:stCondLst>
+                              <p:cond delay="0"/>
+                            </p:stCondLst>
+                            <p:childTnLst>
+                              <p:par>
+                                <p:cTn id="62" presetID="22" presetClass="entr" presetSubtype="8" fill="hold" grpId="0" nodeType="clickEffect">
+                                  <p:stCondLst>
+                                    <p:cond delay="0"/>
+                                  </p:stCondLst>
+                                  <p:childTnLst>
+                                    <p:set>
+                                      <p:cBhvr>
+                                        <p:cTn id="63" dur="1" fill="hold">
+                                          <p:stCondLst>
+                                            <p:cond delay="0"/>
+                                          </p:stCondLst>
+                                        </p:cTn>
+                                        <p:tgtEl>
+                                          <p:spTgt spid="10"/>
+                                        </p:tgtEl>
+                                        <p:attrNameLst>
+                                          <p:attrName>style.visibility</p:attrName>
+                                        </p:attrNameLst>
+                                      </p:cBhvr>
+                                      <p:to>
+                                        <p:strVal val="visible"/>
+                                      </p:to>
+                                    </p:set>
+                                    <p:animEffect transition="in" filter="wipe(left)">
+                                      <p:cBhvr>
+                                        <p:cTn id="64" dur="500"/>
+                                        <p:tgtEl>
+                                          <p:spTgt spid="10"/>
+                                        </p:tgtEl>
+                                      </p:cBhvr>
+                                    </p:animEffect>
+                                  </p:childTnLst>
+                                </p:cTn>
+                              </p:par>
+                            </p:childTnLst>
+                          </p:cTn>
+                        </p:par>
+                        <p:par>
+                          <p:cTn id="65" fill="hold">
+                            <p:stCondLst>
+                              <p:cond delay="500"/>
+                            </p:stCondLst>
+                            <p:childTnLst>
+                              <p:par>
+                                <p:cTn id="66" presetID="22" presetClass="entr" presetSubtype="8" fill="hold" grpId="0" nodeType="afterEffect">
+                                  <p:stCondLst>
+                                    <p:cond delay="500"/>
+                                  </p:stCondLst>
+                                  <p:childTnLst>
+                                    <p:set>
+                                      <p:cBhvr>
+                                        <p:cTn id="67" dur="1" fill="hold">
+                                          <p:stCondLst>
+                                            <p:cond delay="0"/>
+                                          </p:stCondLst>
+                                        </p:cTn>
+                                        <p:tgtEl>
+                                          <p:spTgt spid="11"/>
+                                        </p:tgtEl>
+                                        <p:attrNameLst>
+                                          <p:attrName>style.visibility</p:attrName>
+                                        </p:attrNameLst>
+                                      </p:cBhvr>
+                                      <p:to>
+                                        <p:strVal val="visible"/>
+                                      </p:to>
+                                    </p:set>
+                                    <p:animEffect transition="in" filter="wipe(left)">
+                                      <p:cBhvr>
+                                        <p:cTn id="68" dur="1000"/>
+                                        <p:tgtEl>
+                                          <p:spTgt spid="11"/>
+                                        </p:tgtEl>
+                                      </p:cBhvr>
+                                    </p:animEffect>
+                                  </p:childTnLst>
+                                </p:cTn>
+                              </p:par>
+                            </p:childTnLst>
+                          </p:cTn>
+                        </p:par>
+                      </p:childTnLst>
+                    </p:cTn>
+                  </p:par>
+                  <p:par>
+                    <p:cTn id="69" fill="hold">
+                      <p:stCondLst>
+                        <p:cond delay="indefinite"/>
+                      </p:stCondLst>
+                      <p:childTnLst>
+                        <p:par>
+                          <p:cTn id="70" fill="hold">
+                            <p:stCondLst>
+                              <p:cond delay="0"/>
+                            </p:stCondLst>
+                            <p:childTnLst>
+                              <p:par>
+                                <p:cTn id="71" presetID="9" presetClass="entr" presetSubtype="0" fill="hold" nodeType="clickEffect">
+                                  <p:stCondLst>
+                                    <p:cond delay="0"/>
+                                  </p:stCondLst>
+                                  <p:childTnLst>
+                                    <p:set>
+                                      <p:cBhvr>
+                                        <p:cTn id="72" dur="1" fill="hold">
+                                          <p:stCondLst>
+                                            <p:cond delay="0"/>
+                                          </p:stCondLst>
+                                        </p:cTn>
+                                        <p:tgtEl>
+                                          <p:spTgt spid="3">
+                                            <p:txEl>
+                                              <p:pRg st="9" end="9"/>
+                                            </p:txEl>
+                                          </p:spTgt>
+                                        </p:tgtEl>
+                                        <p:attrNameLst>
+                                          <p:attrName>style.visibility</p:attrName>
+                                        </p:attrNameLst>
+                                      </p:cBhvr>
+                                      <p:to>
+                                        <p:strVal val="visible"/>
+                                      </p:to>
+                                    </p:set>
+                                    <p:animEffect transition="in" filter="dissolve">
+                                      <p:cBhvr>
+                                        <p:cTn id="73" dur="500"/>
+                                        <p:tgtEl>
+                                          <p:spTgt spid="3">
+                                            <p:txEl>
+                                              <p:pRg st="9" end="9"/>
+                                            </p:txEl>
+                                          </p:spTgt>
+                                        </p:tgtEl>
+                                      </p:cBhvr>
+                                    </p:animEffect>
+                                  </p:childTnLst>
+                                </p:cTn>
+                              </p:par>
+                            </p:childTnLst>
+                          </p:cTn>
+                        </p:par>
+                      </p:childTnLst>
+                    </p:cTn>
+                  </p:par>
+                  <p:par>
+                    <p:cTn id="74" fill="hold">
+                      <p:stCondLst>
+                        <p:cond delay="indefinite"/>
+                      </p:stCondLst>
+                      <p:childTnLst>
+                        <p:par>
+                          <p:cTn id="75" fill="hold">
+                            <p:stCondLst>
+                              <p:cond delay="0"/>
+                            </p:stCondLst>
+                            <p:childTnLst>
+                              <p:par>
+                                <p:cTn id="76" presetID="22" presetClass="entr" presetSubtype="8" fill="hold" grpId="0" nodeType="clickEffect">
+                                  <p:stCondLst>
+                                    <p:cond delay="0"/>
+                                  </p:stCondLst>
+                                  <p:childTnLst>
+                                    <p:set>
+                                      <p:cBhvr>
+                                        <p:cTn id="77" dur="1" fill="hold">
+                                          <p:stCondLst>
+                                            <p:cond delay="0"/>
+                                          </p:stCondLst>
+                                        </p:cTn>
+                                        <p:tgtEl>
+                                          <p:spTgt spid="12"/>
+                                        </p:tgtEl>
+                                        <p:attrNameLst>
+                                          <p:attrName>style.visibility</p:attrName>
+                                        </p:attrNameLst>
+                                      </p:cBhvr>
+                                      <p:to>
+                                        <p:strVal val="visible"/>
+                                      </p:to>
+                                    </p:set>
+                                    <p:animEffect transition="in" filter="wipe(left)">
+                                      <p:cBhvr>
+                                        <p:cTn id="78" dur="1000"/>
+                                        <p:tgtEl>
+                                          <p:spTgt spid="12"/>
+                                        </p:tgtEl>
+                                      </p:cBhvr>
+                                    </p:animEffect>
+                                  </p:childTnLst>
+                                </p:cTn>
+                              </p:par>
+                            </p:childTnLst>
+                          </p:cTn>
+                        </p:par>
+                      </p:childTnLst>
+                    </p:cTn>
+                  </p:par>
+                  <p:par>
+                    <p:cTn id="79" fill="hold">
+                      <p:stCondLst>
+                        <p:cond delay="indefinite"/>
+                      </p:stCondLst>
+                      <p:childTnLst>
+                        <p:par>
+                          <p:cTn id="80" fill="hold">
+                            <p:stCondLst>
+                              <p:cond delay="0"/>
+                            </p:stCondLst>
+                            <p:childTnLst>
+                              <p:par>
+                                <p:cTn id="81" presetID="9" presetClass="entr" presetSubtype="0" fill="hold" nodeType="clickEffect">
+                                  <p:stCondLst>
+                                    <p:cond delay="0"/>
+                                  </p:stCondLst>
+                                  <p:childTnLst>
+                                    <p:set>
+                                      <p:cBhvr>
+                                        <p:cTn id="82" dur="1" fill="hold">
+                                          <p:stCondLst>
+                                            <p:cond delay="0"/>
+                                          </p:stCondLst>
+                                        </p:cTn>
+                                        <p:tgtEl>
+                                          <p:spTgt spid="3">
+                                            <p:txEl>
+                                              <p:pRg st="10" end="10"/>
+                                            </p:txEl>
+                                          </p:spTgt>
+                                        </p:tgtEl>
+                                        <p:attrNameLst>
+                                          <p:attrName>style.visibility</p:attrName>
+                                        </p:attrNameLst>
+                                      </p:cBhvr>
+                                      <p:to>
+                                        <p:strVal val="visible"/>
+                                      </p:to>
+                                    </p:set>
+                                    <p:animEffect transition="in" filter="dissolve">
+                                      <p:cBhvr>
+                                        <p:cTn id="83" dur="500"/>
+                                        <p:tgtEl>
+                                          <p:spTgt spid="3">
+                                            <p:txEl>
+                                              <p:pRg st="10" end="10"/>
+                                            </p:txEl>
+                                          </p:spTgt>
+                                        </p:tgtEl>
+                                      </p:cBhvr>
+                                    </p:animEffect>
+                                  </p:childTnLst>
+                                </p:cTn>
+                              </p:par>
+                            </p:childTnLst>
+                          </p:cTn>
+                        </p:par>
+                      </p:childTnLst>
+                    </p:cTn>
+                  </p:par>
+                  <p:par>
+                    <p:cTn id="84" fill="hold">
+                      <p:stCondLst>
+                        <p:cond delay="indefinite"/>
+                      </p:stCondLst>
+                      <p:childTnLst>
+                        <p:par>
+                          <p:cTn id="85" fill="hold">
+                            <p:stCondLst>
+                              <p:cond delay="0"/>
+                            </p:stCondLst>
+                            <p:childTnLst>
+                              <p:par>
+                                <p:cTn id="86" presetID="22" presetClass="entr" presetSubtype="8" fill="hold" grpId="0" nodeType="clickEffect">
+                                  <p:stCondLst>
+                                    <p:cond delay="0"/>
+                                  </p:stCondLst>
+                                  <p:childTnLst>
+                                    <p:set>
+                                      <p:cBhvr>
+                                        <p:cTn id="87" dur="1" fill="hold">
+                                          <p:stCondLst>
+                                            <p:cond delay="0"/>
+                                          </p:stCondLst>
+                                        </p:cTn>
+                                        <p:tgtEl>
+                                          <p:spTgt spid="15"/>
+                                        </p:tgtEl>
+                                        <p:attrNameLst>
+                                          <p:attrName>style.visibility</p:attrName>
+                                        </p:attrNameLst>
+                                      </p:cBhvr>
+                                      <p:to>
+                                        <p:strVal val="visible"/>
+                                      </p:to>
+                                    </p:set>
+                                    <p:animEffect transition="in" filter="wipe(left)">
+                                      <p:cBhvr>
+                                        <p:cTn id="88" dur="250"/>
+                                        <p:tgtEl>
+                                          <p:spTgt spid="15"/>
+                                        </p:tgtEl>
+                                      </p:cBhvr>
+                                    </p:animEffect>
+                                  </p:childTnLst>
+                                </p:cTn>
+                              </p:par>
+                            </p:childTnLst>
+                          </p:cTn>
+                        </p:par>
+                      </p:childTnLst>
+                    </p:cTn>
+                  </p:par>
+                  <p:par>
+                    <p:cTn id="89" fill="hold">
+                      <p:stCondLst>
+                        <p:cond delay="indefinite"/>
+                      </p:stCondLst>
+                      <p:childTnLst>
+                        <p:par>
+                          <p:cTn id="90" fill="hold">
+                            <p:stCondLst>
+                              <p:cond delay="0"/>
+                            </p:stCondLst>
+                            <p:childTnLst>
+                              <p:par>
+                                <p:cTn id="91" presetID="22" presetClass="entr" presetSubtype="8" fill="hold" grpId="0" nodeType="clickEffect">
+                                  <p:stCondLst>
+                                    <p:cond delay="0"/>
+                                  </p:stCondLst>
+                                  <p:childTnLst>
+                                    <p:set>
+                                      <p:cBhvr>
+                                        <p:cTn id="92" dur="1" fill="hold">
+                                          <p:stCondLst>
+                                            <p:cond delay="0"/>
+                                          </p:stCondLst>
+                                        </p:cTn>
+                                        <p:tgtEl>
+                                          <p:spTgt spid="13"/>
+                                        </p:tgtEl>
+                                        <p:attrNameLst>
+                                          <p:attrName>style.visibility</p:attrName>
+                                        </p:attrNameLst>
+                                      </p:cBhvr>
+                                      <p:to>
+                                        <p:strVal val="visible"/>
+                                      </p:to>
+                                    </p:set>
+                                    <p:animEffect transition="in" filter="wipe(left)">
+                                      <p:cBhvr>
+                                        <p:cTn id="93" dur="250"/>
+                                        <p:tgtEl>
+                                          <p:spTgt spid="13"/>
+                                        </p:tgtEl>
+                                      </p:cBhvr>
+                                    </p:animEffect>
+                                  </p:childTnLst>
+                                </p:cTn>
+                              </p:par>
+                            </p:childTnLst>
+                          </p:cTn>
+                        </p:par>
+                      </p:childTnLst>
+                    </p:cTn>
+                  </p:par>
+                </p:childTnLst>
+              </p:cTn>
+              <p:prevCondLst>
+                <p:cond evt="onPrev" delay="0">
+                  <p:tgtEl>
+                    <p:sldTgt/>
+                  </p:tgtEl>
+                </p:cond>
+              </p:prevCondLst>
+              <p:nextCondLst>
+                <p:cond evt="onNext" delay="0">
+                  <p:tgtEl>
+                    <p:sldTgt/>
+                  </p:tgtEl>
+                </p:cond>
+              </p:nextCondLst>
+            </p:seq>
+          </p:childTnLst>
+        </p:cTn>
+      </p:par>
+    </p:tnLst>
+    <p:bldLst>
+      <p:bldP spid="11" grpId="0" animBg="1"/>
+      <p:bldP spid="7" grpId="0" animBg="1"/>
+      <p:bldP spid="6" grpId="0" animBg="1"/>
+      <p:bldP spid="10" grpId="0" animBg="1"/>
+      <p:bldP spid="12" grpId="0" animBg="1"/>
+      <p:bldP spid="13" grpId="0" animBg="1"/>
+      <p:bldP spid="15" grpId="0" animBg="1"/>
+      <p:bldP spid="16" grpId="0" animBg="1"/>
+    </p:bldLst>
+  </p:timing>
+</p:sld>
+</file>
+
 <file path=ppt/slides/slide15.xml><?xml version="1.0" encoding="utf-8"?>
 <p:sld xmlns:a="http://schemas.openxmlformats.org/drawingml/2006/main" xmlns:r="http://schemas.openxmlformats.org/officeDocument/2006/relationships" xmlns:p="http://schemas.openxmlformats.org/presentationml/2006/main">
   <p:cSld>
@@ -12807,6 +13950,177 @@
 </file>
 
 <file path=ppt/slides/slide17.xml><?xml version="1.0" encoding="utf-8"?>
+<p:sld xmlns:a="http://schemas.openxmlformats.org/drawingml/2006/main" xmlns:r="http://schemas.openxmlformats.org/officeDocument/2006/relationships" xmlns:p="http://schemas.openxmlformats.org/presentationml/2006/main">
+  <p:cSld>
+    <p:spTree>
+      <p:nvGrpSpPr>
+        <p:cNvPr id="1" name=""/>
+        <p:cNvGrpSpPr/>
+        <p:nvPr/>
+      </p:nvGrpSpPr>
+      <p:grpSpPr>
+        <a:xfrm>
+          <a:off x="0" y="0"/>
+          <a:ext cx="0" cy="0"/>
+          <a:chOff x="0" y="0"/>
+          <a:chExt cx="0" cy="0"/>
+        </a:xfrm>
+      </p:grpSpPr>
+      <p:sp>
+        <p:nvSpPr>
+          <p:cNvPr id="2" name="Title 1">
+            <a:extLst>
+              <a:ext uri="{FF2B5EF4-FFF2-40B4-BE49-F238E27FC236}">
+                <a16:creationId xmlns:a16="http://schemas.microsoft.com/office/drawing/2014/main" id="{EB7C4089-1746-624B-8E73-D3DAB8E88CDD}"/>
+              </a:ext>
+            </a:extLst>
+          </p:cNvPr>
+          <p:cNvSpPr>
+            <a:spLocks noGrp="1"/>
+          </p:cNvSpPr>
+          <p:nvPr>
+            <p:ph type="title"/>
+          </p:nvPr>
+        </p:nvSpPr>
+        <p:spPr/>
+        <p:txBody>
+          <a:bodyPr/>
+          <a:lstStyle/>
+          <a:p>
+            <a:r>
+              <a:rPr lang="en-US" dirty="0"/>
+              <a:t>Outline</a:t>
+            </a:r>
+          </a:p>
+        </p:txBody>
+      </p:sp>
+      <p:sp>
+        <p:nvSpPr>
+          <p:cNvPr id="3" name="Content Placeholder 2">
+            <a:extLst>
+              <a:ext uri="{FF2B5EF4-FFF2-40B4-BE49-F238E27FC236}">
+                <a16:creationId xmlns:a16="http://schemas.microsoft.com/office/drawing/2014/main" id="{65426B10-0364-A849-B3A4-1D0DA409155A}"/>
+              </a:ext>
+            </a:extLst>
+          </p:cNvPr>
+          <p:cNvSpPr>
+            <a:spLocks noGrp="1"/>
+          </p:cNvSpPr>
+          <p:nvPr>
+            <p:ph idx="1"/>
+          </p:nvPr>
+        </p:nvSpPr>
+        <p:spPr/>
+        <p:txBody>
+          <a:bodyPr>
+            <a:normAutofit/>
+          </a:bodyPr>
+          <a:lstStyle/>
+          <a:p>
+            <a:r>
+              <a:rPr lang="en-US" dirty="0"/>
+              <a:t>Requests Library overview</a:t>
+            </a:r>
+          </a:p>
+          <a:p>
+            <a:r>
+              <a:rPr lang="en-US" dirty="0"/>
+              <a:t>Requests methods, arguments, and objects</a:t>
+            </a:r>
+          </a:p>
+          <a:p>
+            <a:r>
+              <a:rPr lang="en-US" dirty="0"/>
+              <a:t>Basic Requests examples and exercises</a:t>
+            </a:r>
+          </a:p>
+        </p:txBody>
+      </p:sp>
+      <p:sp>
+        <p:nvSpPr>
+          <p:cNvPr id="4" name="Date Placeholder 3">
+            <a:extLst>
+              <a:ext uri="{FF2B5EF4-FFF2-40B4-BE49-F238E27FC236}">
+                <a16:creationId xmlns:a16="http://schemas.microsoft.com/office/drawing/2014/main" id="{7ECEAF79-F4AC-E94E-9E55-220D0D396924}"/>
+              </a:ext>
+            </a:extLst>
+          </p:cNvPr>
+          <p:cNvSpPr>
+            <a:spLocks noGrp="1"/>
+          </p:cNvSpPr>
+          <p:nvPr>
+            <p:ph type="dt" sz="half" idx="10"/>
+          </p:nvPr>
+        </p:nvSpPr>
+        <p:spPr/>
+        <p:txBody>
+          <a:bodyPr/>
+          <a:lstStyle/>
+          <a:p>
+            <a:r>
+              <a:rPr lang="en-US"/>
+              <a:t>World Wide Technology ©</a:t>
+            </a:r>
+            <a:endParaRPr lang="en-US" dirty="0"/>
+          </a:p>
+        </p:txBody>
+      </p:sp>
+      <p:sp>
+        <p:nvSpPr>
+          <p:cNvPr id="5" name="Slide Number Placeholder 4">
+            <a:extLst>
+              <a:ext uri="{FF2B5EF4-FFF2-40B4-BE49-F238E27FC236}">
+                <a16:creationId xmlns:a16="http://schemas.microsoft.com/office/drawing/2014/main" id="{372DC1A4-CE8B-DB4A-8F86-2508518C35D3}"/>
+              </a:ext>
+            </a:extLst>
+          </p:cNvPr>
+          <p:cNvSpPr>
+            <a:spLocks noGrp="1"/>
+          </p:cNvSpPr>
+          <p:nvPr>
+            <p:ph type="sldNum" sz="quarter" idx="12"/>
+          </p:nvPr>
+        </p:nvSpPr>
+        <p:spPr/>
+        <p:txBody>
+          <a:bodyPr/>
+          <a:lstStyle/>
+          <a:p>
+            <a:fld id="{A44B02FA-DD2D-1844-AE35-8B2EAB0CF4EF}" type="slidenum">
+              <a:rPr lang="en-US" smtClean="0"/>
+              <a:pPr/>
+              <a:t>17</a:t>
+            </a:fld>
+            <a:endParaRPr lang="en-US" dirty="0"/>
+          </a:p>
+        </p:txBody>
+      </p:sp>
+    </p:spTree>
+    <p:extLst>
+      <p:ext uri="{BB962C8B-B14F-4D97-AF65-F5344CB8AC3E}">
+        <p14:creationId xmlns:p14="http://schemas.microsoft.com/office/powerpoint/2010/main" val="2739176637"/>
+      </p:ext>
+    </p:extLst>
+  </p:cSld>
+  <p:clrMapOvr>
+    <a:masterClrMapping/>
+  </p:clrMapOvr>
+  <mc:AlternateContent xmlns:mc="http://schemas.openxmlformats.org/markup-compatibility/2006" xmlns:p14="http://schemas.microsoft.com/office/powerpoint/2010/main">
+    <mc:Choice Requires="p14">
+      <p:transition spd="med" p14:dur="700">
+        <p:fade/>
+      </p:transition>
+    </mc:Choice>
+    <mc:Fallback xmlns="">
+      <p:transition spd="med">
+        <p:fade/>
+      </p:transition>
+    </mc:Fallback>
+  </mc:AlternateContent>
+</p:sld>
+</file>
+
+<file path=ppt/slides/slide18.xml><?xml version="1.0" encoding="utf-8"?>
 <p:sld xmlns:a="http://schemas.openxmlformats.org/drawingml/2006/main" xmlns:r="http://schemas.openxmlformats.org/officeDocument/2006/relationships" xmlns:p="http://schemas.openxmlformats.org/presentationml/2006/main">
   <p:cSld>
     <p:spTree>
@@ -13163,7 +14477,7 @@
             <a:fld id="{A44B02FA-DD2D-1844-AE35-8B2EAB0CF4EF}" type="slidenum">
               <a:rPr lang="en-US" smtClean="0"/>
               <a:pPr/>
-              <a:t>17</a:t>
+              <a:t>18</a:t>
             </a:fld>
             <a:endParaRPr lang="en-US" dirty="0"/>
           </a:p>
@@ -13331,177 +14645,6 @@
       <p:bldP spid="5" grpId="0"/>
     </p:bldLst>
   </p:timing>
-</p:sld>
-</file>
-
-<file path=ppt/slides/slide18.xml><?xml version="1.0" encoding="utf-8"?>
-<p:sld xmlns:a="http://schemas.openxmlformats.org/drawingml/2006/main" xmlns:r="http://schemas.openxmlformats.org/officeDocument/2006/relationships" xmlns:p="http://schemas.openxmlformats.org/presentationml/2006/main">
-  <p:cSld>
-    <p:spTree>
-      <p:nvGrpSpPr>
-        <p:cNvPr id="1" name=""/>
-        <p:cNvGrpSpPr/>
-        <p:nvPr/>
-      </p:nvGrpSpPr>
-      <p:grpSpPr>
-        <a:xfrm>
-          <a:off x="0" y="0"/>
-          <a:ext cx="0" cy="0"/>
-          <a:chOff x="0" y="0"/>
-          <a:chExt cx="0" cy="0"/>
-        </a:xfrm>
-      </p:grpSpPr>
-      <p:sp>
-        <p:nvSpPr>
-          <p:cNvPr id="2" name="Title 1">
-            <a:extLst>
-              <a:ext uri="{FF2B5EF4-FFF2-40B4-BE49-F238E27FC236}">
-                <a16:creationId xmlns:a16="http://schemas.microsoft.com/office/drawing/2014/main" id="{EB7C4089-1746-624B-8E73-D3DAB8E88CDD}"/>
-              </a:ext>
-            </a:extLst>
-          </p:cNvPr>
-          <p:cNvSpPr>
-            <a:spLocks noGrp="1"/>
-          </p:cNvSpPr>
-          <p:nvPr>
-            <p:ph type="title"/>
-          </p:nvPr>
-        </p:nvSpPr>
-        <p:spPr/>
-        <p:txBody>
-          <a:bodyPr/>
-          <a:lstStyle/>
-          <a:p>
-            <a:r>
-              <a:rPr lang="en-US" dirty="0"/>
-              <a:t>Outline</a:t>
-            </a:r>
-          </a:p>
-        </p:txBody>
-      </p:sp>
-      <p:sp>
-        <p:nvSpPr>
-          <p:cNvPr id="3" name="Content Placeholder 2">
-            <a:extLst>
-              <a:ext uri="{FF2B5EF4-FFF2-40B4-BE49-F238E27FC236}">
-                <a16:creationId xmlns:a16="http://schemas.microsoft.com/office/drawing/2014/main" id="{65426B10-0364-A849-B3A4-1D0DA409155A}"/>
-              </a:ext>
-            </a:extLst>
-          </p:cNvPr>
-          <p:cNvSpPr>
-            <a:spLocks noGrp="1"/>
-          </p:cNvSpPr>
-          <p:nvPr>
-            <p:ph idx="1"/>
-          </p:nvPr>
-        </p:nvSpPr>
-        <p:spPr/>
-        <p:txBody>
-          <a:bodyPr>
-            <a:normAutofit/>
-          </a:bodyPr>
-          <a:lstStyle/>
-          <a:p>
-            <a:r>
-              <a:rPr lang="en-US" dirty="0"/>
-              <a:t>Requests Library overview</a:t>
-            </a:r>
-          </a:p>
-          <a:p>
-            <a:r>
-              <a:rPr lang="en-US" dirty="0"/>
-              <a:t>Requests methods, arguments, and objects</a:t>
-            </a:r>
-          </a:p>
-          <a:p>
-            <a:r>
-              <a:rPr lang="en-US" dirty="0"/>
-              <a:t>Basic Requests examples and exercises</a:t>
-            </a:r>
-          </a:p>
-        </p:txBody>
-      </p:sp>
-      <p:sp>
-        <p:nvSpPr>
-          <p:cNvPr id="4" name="Date Placeholder 3">
-            <a:extLst>
-              <a:ext uri="{FF2B5EF4-FFF2-40B4-BE49-F238E27FC236}">
-                <a16:creationId xmlns:a16="http://schemas.microsoft.com/office/drawing/2014/main" id="{7ECEAF79-F4AC-E94E-9E55-220D0D396924}"/>
-              </a:ext>
-            </a:extLst>
-          </p:cNvPr>
-          <p:cNvSpPr>
-            <a:spLocks noGrp="1"/>
-          </p:cNvSpPr>
-          <p:nvPr>
-            <p:ph type="dt" sz="half" idx="10"/>
-          </p:nvPr>
-        </p:nvSpPr>
-        <p:spPr/>
-        <p:txBody>
-          <a:bodyPr/>
-          <a:lstStyle/>
-          <a:p>
-            <a:r>
-              <a:rPr lang="en-US"/>
-              <a:t>World Wide Technology ©</a:t>
-            </a:r>
-            <a:endParaRPr lang="en-US" dirty="0"/>
-          </a:p>
-        </p:txBody>
-      </p:sp>
-      <p:sp>
-        <p:nvSpPr>
-          <p:cNvPr id="5" name="Slide Number Placeholder 4">
-            <a:extLst>
-              <a:ext uri="{FF2B5EF4-FFF2-40B4-BE49-F238E27FC236}">
-                <a16:creationId xmlns:a16="http://schemas.microsoft.com/office/drawing/2014/main" id="{372DC1A4-CE8B-DB4A-8F86-2508518C35D3}"/>
-              </a:ext>
-            </a:extLst>
-          </p:cNvPr>
-          <p:cNvSpPr>
-            <a:spLocks noGrp="1"/>
-          </p:cNvSpPr>
-          <p:nvPr>
-            <p:ph type="sldNum" sz="quarter" idx="12"/>
-          </p:nvPr>
-        </p:nvSpPr>
-        <p:spPr/>
-        <p:txBody>
-          <a:bodyPr/>
-          <a:lstStyle/>
-          <a:p>
-            <a:fld id="{A44B02FA-DD2D-1844-AE35-8B2EAB0CF4EF}" type="slidenum">
-              <a:rPr lang="en-US" smtClean="0"/>
-              <a:pPr/>
-              <a:t>18</a:t>
-            </a:fld>
-            <a:endParaRPr lang="en-US" dirty="0"/>
-          </a:p>
-        </p:txBody>
-      </p:sp>
-    </p:spTree>
-    <p:extLst>
-      <p:ext uri="{BB962C8B-B14F-4D97-AF65-F5344CB8AC3E}">
-        <p14:creationId xmlns:p14="http://schemas.microsoft.com/office/powerpoint/2010/main" val="2739176637"/>
-      </p:ext>
-    </p:extLst>
-  </p:cSld>
-  <p:clrMapOvr>
-    <a:masterClrMapping/>
-  </p:clrMapOvr>
-  <mc:AlternateContent xmlns:mc="http://schemas.openxmlformats.org/markup-compatibility/2006" xmlns:p14="http://schemas.microsoft.com/office/powerpoint/2010/main">
-    <mc:Choice Requires="p14">
-      <p:transition spd="med" p14:dur="700">
-        <p:fade/>
-      </p:transition>
-    </mc:Choice>
-    <mc:Fallback xmlns="">
-      <p:transition spd="med">
-        <p:fade/>
-      </p:transition>
-    </mc:Fallback>
-  </mc:AlternateContent>
 </p:sld>
 </file>
 
@@ -18487,7 +19630,7 @@
           <p:cNvPr id="2" name="Title 1">
             <a:extLst>
               <a:ext uri="{FF2B5EF4-FFF2-40B4-BE49-F238E27FC236}">
-                <a16:creationId xmlns:a16="http://schemas.microsoft.com/office/drawing/2014/main" id="{EB7C4089-1746-624B-8E73-D3DAB8E88CDD}"/>
+                <a16:creationId xmlns:a16="http://schemas.microsoft.com/office/drawing/2014/main" id="{178FC9BC-162C-754A-A134-D392F08CDBEE}"/>
               </a:ext>
             </a:extLst>
           </p:cNvPr>
@@ -18504,8 +19647,12 @@
           <a:lstStyle/>
           <a:p>
             <a:r>
+              <a:rPr lang="en-US" dirty="0" err="1"/>
+              <a:t>cURL</a:t>
+            </a:r>
+            <a:r>
               <a:rPr lang="en-US" dirty="0"/>
-              <a:t>Outline</a:t>
+              <a:t> Syntax Format</a:t>
             </a:r>
           </a:p>
         </p:txBody>
@@ -18515,7 +19662,7 @@
           <p:cNvPr id="3" name="Content Placeholder 2">
             <a:extLst>
               <a:ext uri="{FF2B5EF4-FFF2-40B4-BE49-F238E27FC236}">
-                <a16:creationId xmlns:a16="http://schemas.microsoft.com/office/drawing/2014/main" id="{65426B10-0364-A849-B3A4-1D0DA409155A}"/>
+                <a16:creationId xmlns:a16="http://schemas.microsoft.com/office/drawing/2014/main" id="{0ECC7DC7-0671-F543-9991-CF8210E2567B}"/>
               </a:ext>
             </a:extLst>
           </p:cNvPr>
@@ -18528,35 +19675,146 @@
         </p:nvSpPr>
         <p:spPr/>
         <p:txBody>
-          <a:bodyPr>
-            <a:normAutofit/>
-          </a:bodyPr>
+          <a:bodyPr/>
           <a:lstStyle/>
           <a:p>
             <a:r>
               <a:rPr lang="en-US" dirty="0"/>
-              <a:t>Syntax format</a:t>
-            </a:r>
-          </a:p>
-          <a:p>
+              <a:t>Format</a:t>
+            </a:r>
+          </a:p>
+          <a:p>
+            <a:pPr marL="457200" lvl="1" indent="0">
+              <a:buNone/>
+            </a:pPr>
+            <a:r>
+              <a:rPr lang="en-US" sz="2800" b="1" i="1" dirty="0">
+                <a:solidFill>
+                  <a:srgbClr val="FFFF00"/>
+                </a:solidFill>
+              </a:rPr>
+              <a:t>curl [options…] &lt;</a:t>
+            </a:r>
+            <a:r>
+              <a:rPr lang="en-US" sz="2800" b="1" i="1" dirty="0" err="1">
+                <a:solidFill>
+                  <a:srgbClr val="FFFF00"/>
+                </a:solidFill>
+              </a:rPr>
+              <a:t>url</a:t>
+            </a:r>
+            <a:r>
+              <a:rPr lang="en-US" sz="2800" b="1" i="1" dirty="0">
+                <a:solidFill>
+                  <a:srgbClr val="FFFF00"/>
+                </a:solidFill>
+              </a:rPr>
+              <a:t>&gt;</a:t>
+            </a:r>
+            <a:endParaRPr lang="en-US" sz="2800" dirty="0"/>
+          </a:p>
+          <a:p>
+            <a:r>
+              <a:rPr lang="en-US" dirty="0"/>
+              <a:t>Open your preferred terminal (bash, PowerShell, </a:t>
+            </a:r>
             <a:r>
               <a:rPr lang="en-US" dirty="0" err="1"/>
-              <a:t>cURL</a:t>
+              <a:t>zsh</a:t>
             </a:r>
             <a:r>
               <a:rPr lang="en-US" dirty="0"/>
-              <a:t> command option definitions</a:t>
-            </a:r>
-          </a:p>
-          <a:p>
-            <a:r>
-              <a:rPr lang="en-US" dirty="0" err="1"/>
-              <a:t>cURL</a:t>
-            </a:r>
+              <a:t>, etc.)</a:t>
+            </a:r>
+          </a:p>
+          <a:p>
             <a:r>
               <a:rPr lang="en-US" dirty="0"/>
-              <a:t> examples and exercises</a:t>
-            </a:r>
+              <a:t>Enter the commands:</a:t>
+            </a:r>
+          </a:p>
+          <a:p>
+            <a:pPr marL="457200" lvl="1" indent="0">
+              <a:buNone/>
+            </a:pPr>
+            <a:r>
+              <a:rPr lang="en-US" sz="2800" b="1" i="1" dirty="0">
+                <a:solidFill>
+                  <a:srgbClr val="FFFF00"/>
+                </a:solidFill>
+              </a:rPr>
+              <a:t>curl --version </a:t>
+            </a:r>
+            <a:r>
+              <a:rPr lang="en-US" sz="2800" b="1" dirty="0"/>
+              <a:t>or </a:t>
+            </a:r>
+            <a:r>
+              <a:rPr lang="en-US" sz="2800" b="1" i="1" dirty="0">
+                <a:solidFill>
+                  <a:srgbClr val="FFFF00"/>
+                </a:solidFill>
+              </a:rPr>
+              <a:t>curl -V</a:t>
+            </a:r>
+          </a:p>
+          <a:p>
+            <a:pPr marL="457200" lvl="1" indent="0">
+              <a:buNone/>
+            </a:pPr>
+            <a:r>
+              <a:rPr lang="en-US" sz="2800" b="1" i="1" dirty="0">
+                <a:solidFill>
+                  <a:srgbClr val="FFFF00"/>
+                </a:solidFill>
+              </a:rPr>
+              <a:t>curl https://</a:t>
+            </a:r>
+            <a:r>
+              <a:rPr lang="en-US" sz="2800" b="1" i="1" dirty="0" err="1">
+                <a:solidFill>
+                  <a:srgbClr val="FFFF00"/>
+                </a:solidFill>
+              </a:rPr>
+              <a:t>whatsmyua.info</a:t>
+            </a:r>
+            <a:r>
+              <a:rPr lang="en-US" sz="2800" b="1" i="1" dirty="0">
+                <a:solidFill>
+                  <a:srgbClr val="FFFF00"/>
+                </a:solidFill>
+              </a:rPr>
+              <a:t>/</a:t>
+            </a:r>
+            <a:r>
+              <a:rPr lang="en-US" sz="2800" b="1" i="1" dirty="0" err="1">
+                <a:solidFill>
+                  <a:srgbClr val="FFFF00"/>
+                </a:solidFill>
+              </a:rPr>
+              <a:t>api</a:t>
+            </a:r>
+            <a:r>
+              <a:rPr lang="en-US" sz="2800" b="1" i="1" dirty="0">
+                <a:solidFill>
+                  <a:srgbClr val="FFFF00"/>
+                </a:solidFill>
+              </a:rPr>
+              <a:t>/v1/</a:t>
+            </a:r>
+            <a:r>
+              <a:rPr lang="en-US" sz="2800" b="1" i="1" dirty="0" err="1">
+                <a:solidFill>
+                  <a:srgbClr val="FFFF00"/>
+                </a:solidFill>
+              </a:rPr>
+              <a:t>ua</a:t>
+            </a:r>
+            <a:endParaRPr lang="en-US" sz="2800" b="1" i="1" dirty="0">
+              <a:solidFill>
+                <a:srgbClr val="FFFF00"/>
+              </a:solidFill>
+            </a:endParaRPr>
           </a:p>
         </p:txBody>
       </p:sp>
@@ -18565,7 +19823,7 @@
           <p:cNvPr id="4" name="Date Placeholder 3">
             <a:extLst>
               <a:ext uri="{FF2B5EF4-FFF2-40B4-BE49-F238E27FC236}">
-                <a16:creationId xmlns:a16="http://schemas.microsoft.com/office/drawing/2014/main" id="{7ECEAF79-F4AC-E94E-9E55-220D0D396924}"/>
+                <a16:creationId xmlns:a16="http://schemas.microsoft.com/office/drawing/2014/main" id="{38C6DDB4-CE9E-4843-86A9-EFC27330D02F}"/>
               </a:ext>
             </a:extLst>
           </p:cNvPr>
@@ -18594,7 +19852,7 @@
           <p:cNvPr id="5" name="Slide Number Placeholder 4">
             <a:extLst>
               <a:ext uri="{FF2B5EF4-FFF2-40B4-BE49-F238E27FC236}">
-                <a16:creationId xmlns:a16="http://schemas.microsoft.com/office/drawing/2014/main" id="{372DC1A4-CE8B-DB4A-8F86-2508518C35D3}"/>
+                <a16:creationId xmlns:a16="http://schemas.microsoft.com/office/drawing/2014/main" id="{09AD6D8E-DFAE-8E42-9152-B189D9284AD9}"/>
               </a:ext>
             </a:extLst>
           </p:cNvPr>
@@ -18619,10 +19877,118 @@
           </a:p>
         </p:txBody>
       </p:sp>
+      <p:sp>
+        <p:nvSpPr>
+          <p:cNvPr id="8" name="Rectangle 7">
+            <a:extLst>
+              <a:ext uri="{FF2B5EF4-FFF2-40B4-BE49-F238E27FC236}">
+                <a16:creationId xmlns:a16="http://schemas.microsoft.com/office/drawing/2014/main" id="{D58E649F-E375-614D-8A53-9704053A894D}"/>
+              </a:ext>
+            </a:extLst>
+          </p:cNvPr>
+          <p:cNvSpPr/>
+          <p:nvPr/>
+        </p:nvSpPr>
+        <p:spPr>
+          <a:xfrm>
+            <a:off x="5593080" y="4199486"/>
+            <a:ext cx="1673727" cy="404925"/>
+          </a:xfrm>
+          <a:prstGeom prst="rect">
+            <a:avLst/>
+          </a:prstGeom>
+          <a:solidFill>
+            <a:schemeClr val="tx1">
+              <a:alpha val="40000"/>
+            </a:schemeClr>
+          </a:solidFill>
+          <a:ln>
+            <a:noFill/>
+          </a:ln>
+        </p:spPr>
+        <p:style>
+          <a:lnRef idx="2">
+            <a:schemeClr val="accent1">
+              <a:shade val="50000"/>
+            </a:schemeClr>
+          </a:lnRef>
+          <a:fillRef idx="1">
+            <a:schemeClr val="accent1"/>
+          </a:fillRef>
+          <a:effectRef idx="0">
+            <a:schemeClr val="accent1"/>
+          </a:effectRef>
+          <a:fontRef idx="minor">
+            <a:schemeClr val="lt1"/>
+          </a:fontRef>
+        </p:style>
+        <p:txBody>
+          <a:bodyPr rtlCol="0" anchor="ctr"/>
+          <a:lstStyle/>
+          <a:p>
+            <a:pPr algn="ctr"/>
+            <a:endParaRPr lang="en-US" dirty="0"/>
+          </a:p>
+        </p:txBody>
+      </p:sp>
+      <p:sp>
+        <p:nvSpPr>
+          <p:cNvPr id="7" name="Rectangle 6">
+            <a:extLst>
+              <a:ext uri="{FF2B5EF4-FFF2-40B4-BE49-F238E27FC236}">
+                <a16:creationId xmlns:a16="http://schemas.microsoft.com/office/drawing/2014/main" id="{711B4F6A-3227-AA48-9B9B-D28C475E3FCA}"/>
+              </a:ext>
+            </a:extLst>
+          </p:cNvPr>
+          <p:cNvSpPr/>
+          <p:nvPr/>
+        </p:nvSpPr>
+        <p:spPr>
+          <a:xfrm>
+            <a:off x="1975629" y="4199486"/>
+            <a:ext cx="3617451" cy="404925"/>
+          </a:xfrm>
+          <a:prstGeom prst="rect">
+            <a:avLst/>
+          </a:prstGeom>
+          <a:solidFill>
+            <a:schemeClr val="tx1">
+              <a:alpha val="40000"/>
+            </a:schemeClr>
+          </a:solidFill>
+          <a:ln>
+            <a:noFill/>
+          </a:ln>
+        </p:spPr>
+        <p:style>
+          <a:lnRef idx="2">
+            <a:schemeClr val="accent1">
+              <a:shade val="50000"/>
+            </a:schemeClr>
+          </a:lnRef>
+          <a:fillRef idx="1">
+            <a:schemeClr val="accent1"/>
+          </a:fillRef>
+          <a:effectRef idx="0">
+            <a:schemeClr val="accent1"/>
+          </a:effectRef>
+          <a:fontRef idx="minor">
+            <a:schemeClr val="lt1"/>
+          </a:fontRef>
+        </p:style>
+        <p:txBody>
+          <a:bodyPr rtlCol="0" anchor="ctr"/>
+          <a:lstStyle/>
+          <a:p>
+            <a:pPr algn="ctr"/>
+            <a:endParaRPr lang="en-US" dirty="0"/>
+          </a:p>
+        </p:txBody>
+      </p:sp>
     </p:spTree>
     <p:extLst>
       <p:ext uri="{BB962C8B-B14F-4D97-AF65-F5344CB8AC3E}">
-        <p14:creationId xmlns:p14="http://schemas.microsoft.com/office/powerpoint/2010/main" val="1440297303"/>
+        <p14:creationId xmlns:p14="http://schemas.microsoft.com/office/powerpoint/2010/main" val="593970204"/>
       </p:ext>
     </p:extLst>
   </p:cSld>
@@ -18641,6 +20007,459 @@
       </p:transition>
     </mc:Fallback>
   </mc:AlternateContent>
+  <p:timing>
+    <p:tnLst>
+      <p:par>
+        <p:cTn id="1" dur="indefinite" restart="never" nodeType="tmRoot">
+          <p:childTnLst>
+            <p:seq concurrent="1" nextAc="seek">
+              <p:cTn id="2" dur="indefinite" nodeType="mainSeq">
+                <p:childTnLst>
+                  <p:par>
+                    <p:cTn id="3" fill="hold">
+                      <p:stCondLst>
+                        <p:cond delay="indefinite"/>
+                      </p:stCondLst>
+                      <p:childTnLst>
+                        <p:par>
+                          <p:cTn id="4" fill="hold">
+                            <p:stCondLst>
+                              <p:cond delay="0"/>
+                            </p:stCondLst>
+                            <p:childTnLst>
+                              <p:par>
+                                <p:cTn id="5" presetID="9" presetClass="entr" presetSubtype="0" fill="hold" grpId="0" nodeType="clickEffect">
+                                  <p:stCondLst>
+                                    <p:cond delay="0"/>
+                                  </p:stCondLst>
+                                  <p:childTnLst>
+                                    <p:set>
+                                      <p:cBhvr>
+                                        <p:cTn id="6" dur="1" fill="hold">
+                                          <p:stCondLst>
+                                            <p:cond delay="0"/>
+                                          </p:stCondLst>
+                                        </p:cTn>
+                                        <p:tgtEl>
+                                          <p:spTgt spid="3">
+                                            <p:txEl>
+                                              <p:pRg st="0" end="0"/>
+                                            </p:txEl>
+                                          </p:spTgt>
+                                        </p:tgtEl>
+                                        <p:attrNameLst>
+                                          <p:attrName>style.visibility</p:attrName>
+                                        </p:attrNameLst>
+                                      </p:cBhvr>
+                                      <p:to>
+                                        <p:strVal val="visible"/>
+                                      </p:to>
+                                    </p:set>
+                                    <p:animEffect transition="in" filter="dissolve">
+                                      <p:cBhvr>
+                                        <p:cTn id="7" dur="500"/>
+                                        <p:tgtEl>
+                                          <p:spTgt spid="3">
+                                            <p:txEl>
+                                              <p:pRg st="0" end="0"/>
+                                            </p:txEl>
+                                          </p:spTgt>
+                                        </p:tgtEl>
+                                      </p:cBhvr>
+                                    </p:animEffect>
+                                  </p:childTnLst>
+                                </p:cTn>
+                              </p:par>
+                              <p:par>
+                                <p:cTn id="8" presetID="9" presetClass="entr" presetSubtype="0" fill="hold" grpId="0" nodeType="withEffect">
+                                  <p:stCondLst>
+                                    <p:cond delay="0"/>
+                                  </p:stCondLst>
+                                  <p:childTnLst>
+                                    <p:set>
+                                      <p:cBhvr>
+                                        <p:cTn id="9" dur="1" fill="hold">
+                                          <p:stCondLst>
+                                            <p:cond delay="0"/>
+                                          </p:stCondLst>
+                                        </p:cTn>
+                                        <p:tgtEl>
+                                          <p:spTgt spid="3">
+                                            <p:txEl>
+                                              <p:pRg st="1" end="1"/>
+                                            </p:txEl>
+                                          </p:spTgt>
+                                        </p:tgtEl>
+                                        <p:attrNameLst>
+                                          <p:attrName>style.visibility</p:attrName>
+                                        </p:attrNameLst>
+                                      </p:cBhvr>
+                                      <p:to>
+                                        <p:strVal val="visible"/>
+                                      </p:to>
+                                    </p:set>
+                                    <p:animEffect transition="in" filter="dissolve">
+                                      <p:cBhvr>
+                                        <p:cTn id="10" dur="500"/>
+                                        <p:tgtEl>
+                                          <p:spTgt spid="3">
+                                            <p:txEl>
+                                              <p:pRg st="1" end="1"/>
+                                            </p:txEl>
+                                          </p:spTgt>
+                                        </p:tgtEl>
+                                      </p:cBhvr>
+                                    </p:animEffect>
+                                  </p:childTnLst>
+                                </p:cTn>
+                              </p:par>
+                            </p:childTnLst>
+                          </p:cTn>
+                        </p:par>
+                      </p:childTnLst>
+                    </p:cTn>
+                  </p:par>
+                  <p:par>
+                    <p:cTn id="11" fill="hold">
+                      <p:stCondLst>
+                        <p:cond delay="indefinite"/>
+                      </p:stCondLst>
+                      <p:childTnLst>
+                        <p:par>
+                          <p:cTn id="12" fill="hold">
+                            <p:stCondLst>
+                              <p:cond delay="0"/>
+                            </p:stCondLst>
+                            <p:childTnLst>
+                              <p:par>
+                                <p:cTn id="13" presetID="9" presetClass="entr" presetSubtype="0" fill="hold" grpId="0" nodeType="clickEffect">
+                                  <p:stCondLst>
+                                    <p:cond delay="0"/>
+                                  </p:stCondLst>
+                                  <p:childTnLst>
+                                    <p:set>
+                                      <p:cBhvr>
+                                        <p:cTn id="14" dur="1" fill="hold">
+                                          <p:stCondLst>
+                                            <p:cond delay="0"/>
+                                          </p:stCondLst>
+                                        </p:cTn>
+                                        <p:tgtEl>
+                                          <p:spTgt spid="3">
+                                            <p:txEl>
+                                              <p:pRg st="2" end="2"/>
+                                            </p:txEl>
+                                          </p:spTgt>
+                                        </p:tgtEl>
+                                        <p:attrNameLst>
+                                          <p:attrName>style.visibility</p:attrName>
+                                        </p:attrNameLst>
+                                      </p:cBhvr>
+                                      <p:to>
+                                        <p:strVal val="visible"/>
+                                      </p:to>
+                                    </p:set>
+                                    <p:animEffect transition="in" filter="dissolve">
+                                      <p:cBhvr>
+                                        <p:cTn id="15" dur="500"/>
+                                        <p:tgtEl>
+                                          <p:spTgt spid="3">
+                                            <p:txEl>
+                                              <p:pRg st="2" end="2"/>
+                                            </p:txEl>
+                                          </p:spTgt>
+                                        </p:tgtEl>
+                                      </p:cBhvr>
+                                    </p:animEffect>
+                                  </p:childTnLst>
+                                </p:cTn>
+                              </p:par>
+                            </p:childTnLst>
+                          </p:cTn>
+                        </p:par>
+                      </p:childTnLst>
+                    </p:cTn>
+                  </p:par>
+                  <p:par>
+                    <p:cTn id="16" fill="hold">
+                      <p:stCondLst>
+                        <p:cond delay="indefinite"/>
+                      </p:stCondLst>
+                      <p:childTnLst>
+                        <p:par>
+                          <p:cTn id="17" fill="hold">
+                            <p:stCondLst>
+                              <p:cond delay="0"/>
+                            </p:stCondLst>
+                            <p:childTnLst>
+                              <p:par>
+                                <p:cTn id="18" presetID="9" presetClass="entr" presetSubtype="0" fill="hold" grpId="0" nodeType="clickEffect">
+                                  <p:stCondLst>
+                                    <p:cond delay="0"/>
+                                  </p:stCondLst>
+                                  <p:childTnLst>
+                                    <p:set>
+                                      <p:cBhvr>
+                                        <p:cTn id="19" dur="1" fill="hold">
+                                          <p:stCondLst>
+                                            <p:cond delay="0"/>
+                                          </p:stCondLst>
+                                        </p:cTn>
+                                        <p:tgtEl>
+                                          <p:spTgt spid="3">
+                                            <p:txEl>
+                                              <p:pRg st="3" end="3"/>
+                                            </p:txEl>
+                                          </p:spTgt>
+                                        </p:tgtEl>
+                                        <p:attrNameLst>
+                                          <p:attrName>style.visibility</p:attrName>
+                                        </p:attrNameLst>
+                                      </p:cBhvr>
+                                      <p:to>
+                                        <p:strVal val="visible"/>
+                                      </p:to>
+                                    </p:set>
+                                    <p:animEffect transition="in" filter="dissolve">
+                                      <p:cBhvr>
+                                        <p:cTn id="20" dur="500"/>
+                                        <p:tgtEl>
+                                          <p:spTgt spid="3">
+                                            <p:txEl>
+                                              <p:pRg st="3" end="3"/>
+                                            </p:txEl>
+                                          </p:spTgt>
+                                        </p:tgtEl>
+                                      </p:cBhvr>
+                                    </p:animEffect>
+                                  </p:childTnLst>
+                                </p:cTn>
+                              </p:par>
+                              <p:par>
+                                <p:cTn id="21" presetID="9" presetClass="entr" presetSubtype="0" fill="hold" grpId="0" nodeType="withEffect">
+                                  <p:stCondLst>
+                                    <p:cond delay="0"/>
+                                  </p:stCondLst>
+                                  <p:childTnLst>
+                                    <p:set>
+                                      <p:cBhvr>
+                                        <p:cTn id="22" dur="1" fill="hold">
+                                          <p:stCondLst>
+                                            <p:cond delay="0"/>
+                                          </p:stCondLst>
+                                        </p:cTn>
+                                        <p:tgtEl>
+                                          <p:spTgt spid="3">
+                                            <p:txEl>
+                                              <p:pRg st="4" end="4"/>
+                                            </p:txEl>
+                                          </p:spTgt>
+                                        </p:tgtEl>
+                                        <p:attrNameLst>
+                                          <p:attrName>style.visibility</p:attrName>
+                                        </p:attrNameLst>
+                                      </p:cBhvr>
+                                      <p:to>
+                                        <p:strVal val="visible"/>
+                                      </p:to>
+                                    </p:set>
+                                    <p:animEffect transition="in" filter="dissolve">
+                                      <p:cBhvr>
+                                        <p:cTn id="23" dur="500"/>
+                                        <p:tgtEl>
+                                          <p:spTgt spid="3">
+                                            <p:txEl>
+                                              <p:pRg st="4" end="4"/>
+                                            </p:txEl>
+                                          </p:spTgt>
+                                        </p:tgtEl>
+                                      </p:cBhvr>
+                                    </p:animEffect>
+                                  </p:childTnLst>
+                                </p:cTn>
+                              </p:par>
+                              <p:par>
+                                <p:cTn id="24" presetID="9" presetClass="entr" presetSubtype="0" fill="hold" grpId="0" nodeType="withEffect">
+                                  <p:stCondLst>
+                                    <p:cond delay="0"/>
+                                  </p:stCondLst>
+                                  <p:childTnLst>
+                                    <p:set>
+                                      <p:cBhvr>
+                                        <p:cTn id="25" dur="1" fill="hold">
+                                          <p:stCondLst>
+                                            <p:cond delay="0"/>
+                                          </p:stCondLst>
+                                        </p:cTn>
+                                        <p:tgtEl>
+                                          <p:spTgt spid="3">
+                                            <p:txEl>
+                                              <p:pRg st="5" end="5"/>
+                                            </p:txEl>
+                                          </p:spTgt>
+                                        </p:tgtEl>
+                                        <p:attrNameLst>
+                                          <p:attrName>style.visibility</p:attrName>
+                                        </p:attrNameLst>
+                                      </p:cBhvr>
+                                      <p:to>
+                                        <p:strVal val="visible"/>
+                                      </p:to>
+                                    </p:set>
+                                    <p:animEffect transition="in" filter="dissolve">
+                                      <p:cBhvr>
+                                        <p:cTn id="26" dur="500"/>
+                                        <p:tgtEl>
+                                          <p:spTgt spid="3">
+                                            <p:txEl>
+                                              <p:pRg st="5" end="5"/>
+                                            </p:txEl>
+                                          </p:spTgt>
+                                        </p:tgtEl>
+                                      </p:cBhvr>
+                                    </p:animEffect>
+                                  </p:childTnLst>
+                                </p:cTn>
+                              </p:par>
+                            </p:childTnLst>
+                          </p:cTn>
+                        </p:par>
+                      </p:childTnLst>
+                    </p:cTn>
+                  </p:par>
+                  <p:par>
+                    <p:cTn id="27" fill="hold">
+                      <p:stCondLst>
+                        <p:cond delay="indefinite"/>
+                      </p:stCondLst>
+                      <p:childTnLst>
+                        <p:par>
+                          <p:cTn id="28" fill="hold">
+                            <p:stCondLst>
+                              <p:cond delay="0"/>
+                            </p:stCondLst>
+                            <p:childTnLst>
+                              <p:par>
+                                <p:cTn id="29" presetID="22" presetClass="entr" presetSubtype="8" fill="hold" grpId="0" nodeType="clickEffect">
+                                  <p:stCondLst>
+                                    <p:cond delay="0"/>
+                                  </p:stCondLst>
+                                  <p:childTnLst>
+                                    <p:set>
+                                      <p:cBhvr>
+                                        <p:cTn id="30" dur="1" fill="hold">
+                                          <p:stCondLst>
+                                            <p:cond delay="0"/>
+                                          </p:stCondLst>
+                                        </p:cTn>
+                                        <p:tgtEl>
+                                          <p:spTgt spid="7"/>
+                                        </p:tgtEl>
+                                        <p:attrNameLst>
+                                          <p:attrName>style.visibility</p:attrName>
+                                        </p:attrNameLst>
+                                      </p:cBhvr>
+                                      <p:to>
+                                        <p:strVal val="visible"/>
+                                      </p:to>
+                                    </p:set>
+                                    <p:animEffect transition="in" filter="wipe(left)">
+                                      <p:cBhvr>
+                                        <p:cTn id="31" dur="1000"/>
+                                        <p:tgtEl>
+                                          <p:spTgt spid="7"/>
+                                        </p:tgtEl>
+                                      </p:cBhvr>
+                                    </p:animEffect>
+                                  </p:childTnLst>
+                                </p:cTn>
+                              </p:par>
+                            </p:childTnLst>
+                          </p:cTn>
+                        </p:par>
+                      </p:childTnLst>
+                    </p:cTn>
+                  </p:par>
+                  <p:par>
+                    <p:cTn id="32" fill="hold">
+                      <p:stCondLst>
+                        <p:cond delay="indefinite"/>
+                      </p:stCondLst>
+                      <p:childTnLst>
+                        <p:par>
+                          <p:cTn id="33" fill="hold">
+                            <p:stCondLst>
+                              <p:cond delay="0"/>
+                            </p:stCondLst>
+                            <p:childTnLst>
+                              <p:par>
+                                <p:cTn id="34" presetID="22" presetClass="entr" presetSubtype="8" fill="hold" grpId="0" nodeType="clickEffect">
+                                  <p:stCondLst>
+                                    <p:cond delay="0"/>
+                                  </p:stCondLst>
+                                  <p:childTnLst>
+                                    <p:set>
+                                      <p:cBhvr>
+                                        <p:cTn id="35" dur="1" fill="hold">
+                                          <p:stCondLst>
+                                            <p:cond delay="0"/>
+                                          </p:stCondLst>
+                                        </p:cTn>
+                                        <p:tgtEl>
+                                          <p:spTgt spid="8"/>
+                                        </p:tgtEl>
+                                        <p:attrNameLst>
+                                          <p:attrName>style.visibility</p:attrName>
+                                        </p:attrNameLst>
+                                      </p:cBhvr>
+                                      <p:to>
+                                        <p:strVal val="visible"/>
+                                      </p:to>
+                                    </p:set>
+                                    <p:animEffect transition="in" filter="wipe(left)">
+                                      <p:cBhvr>
+                                        <p:cTn id="36" dur="1000"/>
+                                        <p:tgtEl>
+                                          <p:spTgt spid="8"/>
+                                        </p:tgtEl>
+                                      </p:cBhvr>
+                                    </p:animEffect>
+                                  </p:childTnLst>
+                                </p:cTn>
+                              </p:par>
+                            </p:childTnLst>
+                          </p:cTn>
+                        </p:par>
+                      </p:childTnLst>
+                    </p:cTn>
+                  </p:par>
+                </p:childTnLst>
+              </p:cTn>
+              <p:prevCondLst>
+                <p:cond evt="onPrev" delay="0">
+                  <p:tgtEl>
+                    <p:sldTgt/>
+                  </p:tgtEl>
+                </p:cond>
+              </p:prevCondLst>
+              <p:nextCondLst>
+                <p:cond evt="onNext" delay="0">
+                  <p:tgtEl>
+                    <p:sldTgt/>
+                  </p:tgtEl>
+                </p:cond>
+              </p:nextCondLst>
+            </p:seq>
+          </p:childTnLst>
+        </p:cTn>
+      </p:par>
+    </p:tnLst>
+    <p:bldLst>
+      <p:bldP spid="3" grpId="0" build="p"/>
+      <p:bldP spid="8" grpId="0" animBg="1"/>
+      <p:bldP spid="7" grpId="0" animBg="1"/>
+    </p:bldLst>
+  </p:timing>
 </p:sld>
 </file>
 

--- a/curl-requests-foundations.pptx
+++ b/curl-requests-foundations.pptx
@@ -5,7 +5,7 @@
     <p:sldMasterId id="2147483660" r:id="rId1"/>
   </p:sldMasterIdLst>
   <p:notesMasterIdLst>
-    <p:notesMasterId r:id="rId39"/>
+    <p:notesMasterId r:id="rId47"/>
   </p:notesMasterIdLst>
   <p:sldIdLst>
     <p:sldId id="256" r:id="rId2"/>
@@ -32,19 +32,27 @@
     <p:sldId id="353" r:id="rId23"/>
     <p:sldId id="354" r:id="rId24"/>
     <p:sldId id="331" r:id="rId25"/>
-    <p:sldId id="332" r:id="rId26"/>
-    <p:sldId id="270" r:id="rId27"/>
-    <p:sldId id="326" r:id="rId28"/>
-    <p:sldId id="322" r:id="rId29"/>
-    <p:sldId id="329" r:id="rId30"/>
-    <p:sldId id="330" r:id="rId31"/>
-    <p:sldId id="328" r:id="rId32"/>
-    <p:sldId id="333" r:id="rId33"/>
-    <p:sldId id="334" r:id="rId34"/>
-    <p:sldId id="335" r:id="rId35"/>
-    <p:sldId id="311" r:id="rId36"/>
-    <p:sldId id="321" r:id="rId37"/>
-    <p:sldId id="280" r:id="rId38"/>
+    <p:sldId id="270" r:id="rId26"/>
+    <p:sldId id="326" r:id="rId27"/>
+    <p:sldId id="359" r:id="rId28"/>
+    <p:sldId id="364" r:id="rId29"/>
+    <p:sldId id="360" r:id="rId30"/>
+    <p:sldId id="365" r:id="rId31"/>
+    <p:sldId id="366" r:id="rId32"/>
+    <p:sldId id="362" r:id="rId33"/>
+    <p:sldId id="363" r:id="rId34"/>
+    <p:sldId id="367" r:id="rId35"/>
+    <p:sldId id="368" r:id="rId36"/>
+    <p:sldId id="322" r:id="rId37"/>
+    <p:sldId id="329" r:id="rId38"/>
+    <p:sldId id="330" r:id="rId39"/>
+    <p:sldId id="328" r:id="rId40"/>
+    <p:sldId id="333" r:id="rId41"/>
+    <p:sldId id="334" r:id="rId42"/>
+    <p:sldId id="335" r:id="rId43"/>
+    <p:sldId id="311" r:id="rId44"/>
+    <p:sldId id="321" r:id="rId45"/>
+    <p:sldId id="280" r:id="rId46"/>
   </p:sldIdLst>
   <p:sldSz cx="12192000" cy="6858000"/>
   <p:notesSz cx="6858000" cy="9144000"/>
@@ -1396,7 +1404,7 @@
           <a:p>
             <a:fld id="{020CF8D1-BA82-5045-ACF9-1AA42AD6A519}" type="slidenum">
               <a:rPr lang="en-US" smtClean="0"/>
-              <a:t>26</a:t>
+              <a:t>25</a:t>
             </a:fld>
             <a:endParaRPr lang="en-US"/>
           </a:p>
@@ -1459,26 +1467,19 @@
           <a:bodyPr/>
           <a:lstStyle/>
           <a:p>
-            <a:pPr marL="0" marR="0" lvl="0" indent="0" algn="l" defTabSz="914400" rtl="0" eaLnBrk="1" fontAlgn="auto" latinLnBrk="0" hangingPunct="1">
-              <a:lnSpc>
-                <a:spcPct val="100000"/>
-              </a:lnSpc>
-              <a:spcBef>
-                <a:spcPts val="0"/>
-              </a:spcBef>
-              <a:spcAft>
-                <a:spcPts val="0"/>
-              </a:spcAft>
-              <a:buClrTx/>
-              <a:buSzTx/>
-              <a:buFontTx/>
-              <a:buNone/>
-              <a:tabLst/>
-              <a:defRPr/>
+            <a:r>
+              <a:rPr lang="en-US" b="0" i="0" dirty="0"/>
+              <a:t>// TODO</a:t>
+            </a:r>
+          </a:p>
+          <a:p>
+            <a:pPr marL="171450" indent="-171450">
+              <a:buFont typeface="Arial" panose="020B0604020202020204" pitchFamily="34" charset="0"/>
+              <a:buChar char="•"/>
             </a:pPr>
             <a:r>
-              <a:rPr lang="en-US" dirty="0"/>
-              <a:t>// TODO</a:t>
+              <a:rPr lang="en-US" b="0" i="0" dirty="0"/>
+              <a:t>The ‘response’ variable can be anything you like</a:t>
             </a:r>
           </a:p>
         </p:txBody>
@@ -1500,7 +1501,7 @@
           <a:p>
             <a:fld id="{020CF8D1-BA82-5045-ACF9-1AA42AD6A519}" type="slidenum">
               <a:rPr lang="en-US" smtClean="0"/>
-              <a:t>28</a:t>
+              <a:t>27</a:t>
             </a:fld>
             <a:endParaRPr lang="en-US"/>
           </a:p>
@@ -1509,7 +1510,7 @@
     </p:spTree>
     <p:extLst>
       <p:ext uri="{BB962C8B-B14F-4D97-AF65-F5344CB8AC3E}">
-        <p14:creationId xmlns:p14="http://schemas.microsoft.com/office/powerpoint/2010/main" val="2058049328"/>
+        <p14:creationId xmlns:p14="http://schemas.microsoft.com/office/powerpoint/2010/main" val="1217882726"/>
       </p:ext>
     </p:extLst>
   </p:cSld>
@@ -1563,25 +1564,8 @@
           <a:bodyPr/>
           <a:lstStyle/>
           <a:p>
-            <a:pPr marL="0" marR="0" lvl="0" indent="0" algn="l" defTabSz="914400" rtl="0" eaLnBrk="1" fontAlgn="auto" latinLnBrk="0" hangingPunct="1">
-              <a:lnSpc>
-                <a:spcPct val="100000"/>
-              </a:lnSpc>
-              <a:spcBef>
-                <a:spcPts val="0"/>
-              </a:spcBef>
-              <a:spcAft>
-                <a:spcPts val="0"/>
-              </a:spcAft>
-              <a:buClrTx/>
-              <a:buSzTx/>
-              <a:buFontTx/>
-              <a:buNone/>
-              <a:tabLst/>
-              <a:defRPr/>
-            </a:pPr>
-            <a:r>
-              <a:rPr lang="en-US" dirty="0"/>
+            <a:r>
+              <a:rPr lang="en-US" b="0" i="0" dirty="0"/>
               <a:t>// TODO</a:t>
             </a:r>
           </a:p>
@@ -1604,7 +1588,7 @@
           <a:p>
             <a:fld id="{020CF8D1-BA82-5045-ACF9-1AA42AD6A519}" type="slidenum">
               <a:rPr lang="en-US" smtClean="0"/>
-              <a:t>30</a:t>
+              <a:t>28</a:t>
             </a:fld>
             <a:endParaRPr lang="en-US"/>
           </a:p>
@@ -1613,7 +1597,7 @@
     </p:spTree>
     <p:extLst>
       <p:ext uri="{BB962C8B-B14F-4D97-AF65-F5344CB8AC3E}">
-        <p14:creationId xmlns:p14="http://schemas.microsoft.com/office/powerpoint/2010/main" val="3481472389"/>
+        <p14:creationId xmlns:p14="http://schemas.microsoft.com/office/powerpoint/2010/main" val="278623439"/>
       </p:ext>
     </p:extLst>
   </p:cSld>
@@ -1754,25 +1738,8 @@
           <a:bodyPr/>
           <a:lstStyle/>
           <a:p>
-            <a:pPr marL="0" marR="0" lvl="0" indent="0" algn="l" defTabSz="914400" rtl="0" eaLnBrk="1" fontAlgn="auto" latinLnBrk="0" hangingPunct="1">
-              <a:lnSpc>
-                <a:spcPct val="100000"/>
-              </a:lnSpc>
-              <a:spcBef>
-                <a:spcPts val="0"/>
-              </a:spcBef>
-              <a:spcAft>
-                <a:spcPts val="0"/>
-              </a:spcAft>
-              <a:buClrTx/>
-              <a:buSzTx/>
-              <a:buFontTx/>
-              <a:buNone/>
-              <a:tabLst/>
-              <a:defRPr/>
-            </a:pPr>
-            <a:r>
-              <a:rPr lang="en-US" dirty="0"/>
+            <a:r>
+              <a:rPr lang="en-US" b="0" i="0" dirty="0"/>
               <a:t>// TODO</a:t>
             </a:r>
           </a:p>
@@ -1795,7 +1762,7 @@
           <a:p>
             <a:fld id="{020CF8D1-BA82-5045-ACF9-1AA42AD6A519}" type="slidenum">
               <a:rPr lang="en-US" smtClean="0"/>
-              <a:t>32</a:t>
+              <a:t>30</a:t>
             </a:fld>
             <a:endParaRPr lang="en-US"/>
           </a:p>
@@ -1804,7 +1771,7 @@
     </p:spTree>
     <p:extLst>
       <p:ext uri="{BB962C8B-B14F-4D97-AF65-F5344CB8AC3E}">
-        <p14:creationId xmlns:p14="http://schemas.microsoft.com/office/powerpoint/2010/main" val="3252389655"/>
+        <p14:creationId xmlns:p14="http://schemas.microsoft.com/office/powerpoint/2010/main" val="3986437815"/>
       </p:ext>
     </p:extLst>
   </p:cSld>
@@ -1858,6 +1825,180 @@
           <a:bodyPr/>
           <a:lstStyle/>
           <a:p>
+            <a:r>
+              <a:rPr lang="en-US" b="0" i="0" dirty="0"/>
+              <a:t>// TODO</a:t>
+            </a:r>
+          </a:p>
+        </p:txBody>
+      </p:sp>
+      <p:sp>
+        <p:nvSpPr>
+          <p:cNvPr id="4" name="Slide Number Placeholder 3"/>
+          <p:cNvSpPr>
+            <a:spLocks noGrp="1"/>
+          </p:cNvSpPr>
+          <p:nvPr>
+            <p:ph type="sldNum" sz="quarter" idx="5"/>
+          </p:nvPr>
+        </p:nvSpPr>
+        <p:spPr/>
+        <p:txBody>
+          <a:bodyPr/>
+          <a:lstStyle/>
+          <a:p>
+            <a:fld id="{020CF8D1-BA82-5045-ACF9-1AA42AD6A519}" type="slidenum">
+              <a:rPr lang="en-US" smtClean="0"/>
+              <a:t>32</a:t>
+            </a:fld>
+            <a:endParaRPr lang="en-US"/>
+          </a:p>
+        </p:txBody>
+      </p:sp>
+    </p:spTree>
+    <p:extLst>
+      <p:ext uri="{BB962C8B-B14F-4D97-AF65-F5344CB8AC3E}">
+        <p14:creationId xmlns:p14="http://schemas.microsoft.com/office/powerpoint/2010/main" val="1090793898"/>
+      </p:ext>
+    </p:extLst>
+  </p:cSld>
+  <p:clrMapOvr>
+    <a:masterClrMapping/>
+  </p:clrMapOvr>
+</p:notes>
+</file>
+
+<file path=ppt/notesSlides/notesSlide22.xml><?xml version="1.0" encoding="utf-8"?>
+<p:notes xmlns:a="http://schemas.openxmlformats.org/drawingml/2006/main" xmlns:r="http://schemas.openxmlformats.org/officeDocument/2006/relationships" xmlns:p="http://schemas.openxmlformats.org/presentationml/2006/main">
+  <p:cSld>
+    <p:spTree>
+      <p:nvGrpSpPr>
+        <p:cNvPr id="1" name=""/>
+        <p:cNvGrpSpPr/>
+        <p:nvPr/>
+      </p:nvGrpSpPr>
+      <p:grpSpPr>
+        <a:xfrm>
+          <a:off x="0" y="0"/>
+          <a:ext cx="0" cy="0"/>
+          <a:chOff x="0" y="0"/>
+          <a:chExt cx="0" cy="0"/>
+        </a:xfrm>
+      </p:grpSpPr>
+      <p:sp>
+        <p:nvSpPr>
+          <p:cNvPr id="2" name="Slide Image Placeholder 1"/>
+          <p:cNvSpPr>
+            <a:spLocks noGrp="1" noRot="1" noChangeAspect="1"/>
+          </p:cNvSpPr>
+          <p:nvPr>
+            <p:ph type="sldImg"/>
+          </p:nvPr>
+        </p:nvSpPr>
+        <p:spPr/>
+      </p:sp>
+      <p:sp>
+        <p:nvSpPr>
+          <p:cNvPr id="3" name="Notes Placeholder 2"/>
+          <p:cNvSpPr>
+            <a:spLocks noGrp="1"/>
+          </p:cNvSpPr>
+          <p:nvPr>
+            <p:ph type="body" idx="1"/>
+          </p:nvPr>
+        </p:nvSpPr>
+        <p:spPr/>
+        <p:txBody>
+          <a:bodyPr/>
+          <a:lstStyle/>
+          <a:p>
+            <a:r>
+              <a:rPr lang="en-US" b="0" i="0" dirty="0"/>
+              <a:t>// TODO</a:t>
+            </a:r>
+          </a:p>
+        </p:txBody>
+      </p:sp>
+      <p:sp>
+        <p:nvSpPr>
+          <p:cNvPr id="4" name="Slide Number Placeholder 3"/>
+          <p:cNvSpPr>
+            <a:spLocks noGrp="1"/>
+          </p:cNvSpPr>
+          <p:nvPr>
+            <p:ph type="sldNum" sz="quarter" idx="5"/>
+          </p:nvPr>
+        </p:nvSpPr>
+        <p:spPr/>
+        <p:txBody>
+          <a:bodyPr/>
+          <a:lstStyle/>
+          <a:p>
+            <a:fld id="{020CF8D1-BA82-5045-ACF9-1AA42AD6A519}" type="slidenum">
+              <a:rPr lang="en-US" smtClean="0"/>
+              <a:t>34</a:t>
+            </a:fld>
+            <a:endParaRPr lang="en-US"/>
+          </a:p>
+        </p:txBody>
+      </p:sp>
+    </p:spTree>
+    <p:extLst>
+      <p:ext uri="{BB962C8B-B14F-4D97-AF65-F5344CB8AC3E}">
+        <p14:creationId xmlns:p14="http://schemas.microsoft.com/office/powerpoint/2010/main" val="3713226959"/>
+      </p:ext>
+    </p:extLst>
+  </p:cSld>
+  <p:clrMapOvr>
+    <a:masterClrMapping/>
+  </p:clrMapOvr>
+</p:notes>
+</file>
+
+<file path=ppt/notesSlides/notesSlide23.xml><?xml version="1.0" encoding="utf-8"?>
+<p:notes xmlns:a="http://schemas.openxmlformats.org/drawingml/2006/main" xmlns:r="http://schemas.openxmlformats.org/officeDocument/2006/relationships" xmlns:p="http://schemas.openxmlformats.org/presentationml/2006/main">
+  <p:cSld>
+    <p:spTree>
+      <p:nvGrpSpPr>
+        <p:cNvPr id="1" name=""/>
+        <p:cNvGrpSpPr/>
+        <p:nvPr/>
+      </p:nvGrpSpPr>
+      <p:grpSpPr>
+        <a:xfrm>
+          <a:off x="0" y="0"/>
+          <a:ext cx="0" cy="0"/>
+          <a:chOff x="0" y="0"/>
+          <a:chExt cx="0" cy="0"/>
+        </a:xfrm>
+      </p:grpSpPr>
+      <p:sp>
+        <p:nvSpPr>
+          <p:cNvPr id="2" name="Slide Image Placeholder 1"/>
+          <p:cNvSpPr>
+            <a:spLocks noGrp="1" noRot="1" noChangeAspect="1"/>
+          </p:cNvSpPr>
+          <p:nvPr>
+            <p:ph type="sldImg"/>
+          </p:nvPr>
+        </p:nvSpPr>
+        <p:spPr/>
+      </p:sp>
+      <p:sp>
+        <p:nvSpPr>
+          <p:cNvPr id="3" name="Notes Placeholder 2"/>
+          <p:cNvSpPr>
+            <a:spLocks noGrp="1"/>
+          </p:cNvSpPr>
+          <p:nvPr>
+            <p:ph type="body" idx="1"/>
+          </p:nvPr>
+        </p:nvSpPr>
+        <p:spPr/>
+        <p:txBody>
+          <a:bodyPr/>
+          <a:lstStyle/>
+          <a:p>
             <a:pPr marL="0" marR="0" lvl="0" indent="0" algn="l" defTabSz="914400" rtl="0" eaLnBrk="1" fontAlgn="auto" latinLnBrk="0" hangingPunct="1">
               <a:lnSpc>
                 <a:spcPct val="100000"/>
@@ -1899,7 +2040,319 @@
           <a:p>
             <a:fld id="{020CF8D1-BA82-5045-ACF9-1AA42AD6A519}" type="slidenum">
               <a:rPr lang="en-US" smtClean="0"/>
-              <a:t>34</a:t>
+              <a:t>36</a:t>
+            </a:fld>
+            <a:endParaRPr lang="en-US"/>
+          </a:p>
+        </p:txBody>
+      </p:sp>
+    </p:spTree>
+    <p:extLst>
+      <p:ext uri="{BB962C8B-B14F-4D97-AF65-F5344CB8AC3E}">
+        <p14:creationId xmlns:p14="http://schemas.microsoft.com/office/powerpoint/2010/main" val="2058049328"/>
+      </p:ext>
+    </p:extLst>
+  </p:cSld>
+  <p:clrMapOvr>
+    <a:masterClrMapping/>
+  </p:clrMapOvr>
+</p:notes>
+</file>
+
+<file path=ppt/notesSlides/notesSlide24.xml><?xml version="1.0" encoding="utf-8"?>
+<p:notes xmlns:a="http://schemas.openxmlformats.org/drawingml/2006/main" xmlns:r="http://schemas.openxmlformats.org/officeDocument/2006/relationships" xmlns:p="http://schemas.openxmlformats.org/presentationml/2006/main">
+  <p:cSld>
+    <p:spTree>
+      <p:nvGrpSpPr>
+        <p:cNvPr id="1" name=""/>
+        <p:cNvGrpSpPr/>
+        <p:nvPr/>
+      </p:nvGrpSpPr>
+      <p:grpSpPr>
+        <a:xfrm>
+          <a:off x="0" y="0"/>
+          <a:ext cx="0" cy="0"/>
+          <a:chOff x="0" y="0"/>
+          <a:chExt cx="0" cy="0"/>
+        </a:xfrm>
+      </p:grpSpPr>
+      <p:sp>
+        <p:nvSpPr>
+          <p:cNvPr id="2" name="Slide Image Placeholder 1"/>
+          <p:cNvSpPr>
+            <a:spLocks noGrp="1" noRot="1" noChangeAspect="1"/>
+          </p:cNvSpPr>
+          <p:nvPr>
+            <p:ph type="sldImg"/>
+          </p:nvPr>
+        </p:nvSpPr>
+        <p:spPr/>
+      </p:sp>
+      <p:sp>
+        <p:nvSpPr>
+          <p:cNvPr id="3" name="Notes Placeholder 2"/>
+          <p:cNvSpPr>
+            <a:spLocks noGrp="1"/>
+          </p:cNvSpPr>
+          <p:nvPr>
+            <p:ph type="body" idx="1"/>
+          </p:nvPr>
+        </p:nvSpPr>
+        <p:spPr/>
+        <p:txBody>
+          <a:bodyPr/>
+          <a:lstStyle/>
+          <a:p>
+            <a:pPr marL="0" marR="0" lvl="0" indent="0" algn="l" defTabSz="914400" rtl="0" eaLnBrk="1" fontAlgn="auto" latinLnBrk="0" hangingPunct="1">
+              <a:lnSpc>
+                <a:spcPct val="100000"/>
+              </a:lnSpc>
+              <a:spcBef>
+                <a:spcPts val="0"/>
+              </a:spcBef>
+              <a:spcAft>
+                <a:spcPts val="0"/>
+              </a:spcAft>
+              <a:buClrTx/>
+              <a:buSzTx/>
+              <a:buFontTx/>
+              <a:buNone/>
+              <a:tabLst/>
+              <a:defRPr/>
+            </a:pPr>
+            <a:r>
+              <a:rPr lang="en-US" dirty="0"/>
+              <a:t>// TODO</a:t>
+            </a:r>
+          </a:p>
+        </p:txBody>
+      </p:sp>
+      <p:sp>
+        <p:nvSpPr>
+          <p:cNvPr id="4" name="Slide Number Placeholder 3"/>
+          <p:cNvSpPr>
+            <a:spLocks noGrp="1"/>
+          </p:cNvSpPr>
+          <p:nvPr>
+            <p:ph type="sldNum" sz="quarter" idx="5"/>
+          </p:nvPr>
+        </p:nvSpPr>
+        <p:spPr/>
+        <p:txBody>
+          <a:bodyPr/>
+          <a:lstStyle/>
+          <a:p>
+            <a:fld id="{020CF8D1-BA82-5045-ACF9-1AA42AD6A519}" type="slidenum">
+              <a:rPr lang="en-US" smtClean="0"/>
+              <a:t>38</a:t>
+            </a:fld>
+            <a:endParaRPr lang="en-US"/>
+          </a:p>
+        </p:txBody>
+      </p:sp>
+    </p:spTree>
+    <p:extLst>
+      <p:ext uri="{BB962C8B-B14F-4D97-AF65-F5344CB8AC3E}">
+        <p14:creationId xmlns:p14="http://schemas.microsoft.com/office/powerpoint/2010/main" val="3481472389"/>
+      </p:ext>
+    </p:extLst>
+  </p:cSld>
+  <p:clrMapOvr>
+    <a:masterClrMapping/>
+  </p:clrMapOvr>
+</p:notes>
+</file>
+
+<file path=ppt/notesSlides/notesSlide25.xml><?xml version="1.0" encoding="utf-8"?>
+<p:notes xmlns:a="http://schemas.openxmlformats.org/drawingml/2006/main" xmlns:r="http://schemas.openxmlformats.org/officeDocument/2006/relationships" xmlns:p="http://schemas.openxmlformats.org/presentationml/2006/main">
+  <p:cSld>
+    <p:spTree>
+      <p:nvGrpSpPr>
+        <p:cNvPr id="1" name=""/>
+        <p:cNvGrpSpPr/>
+        <p:nvPr/>
+      </p:nvGrpSpPr>
+      <p:grpSpPr>
+        <a:xfrm>
+          <a:off x="0" y="0"/>
+          <a:ext cx="0" cy="0"/>
+          <a:chOff x="0" y="0"/>
+          <a:chExt cx="0" cy="0"/>
+        </a:xfrm>
+      </p:grpSpPr>
+      <p:sp>
+        <p:nvSpPr>
+          <p:cNvPr id="2" name="Slide Image Placeholder 1"/>
+          <p:cNvSpPr>
+            <a:spLocks noGrp="1" noRot="1" noChangeAspect="1"/>
+          </p:cNvSpPr>
+          <p:nvPr>
+            <p:ph type="sldImg"/>
+          </p:nvPr>
+        </p:nvSpPr>
+        <p:spPr/>
+      </p:sp>
+      <p:sp>
+        <p:nvSpPr>
+          <p:cNvPr id="3" name="Notes Placeholder 2"/>
+          <p:cNvSpPr>
+            <a:spLocks noGrp="1"/>
+          </p:cNvSpPr>
+          <p:nvPr>
+            <p:ph type="body" idx="1"/>
+          </p:nvPr>
+        </p:nvSpPr>
+        <p:spPr/>
+        <p:txBody>
+          <a:bodyPr/>
+          <a:lstStyle/>
+          <a:p>
+            <a:pPr marL="0" marR="0" lvl="0" indent="0" algn="l" defTabSz="914400" rtl="0" eaLnBrk="1" fontAlgn="auto" latinLnBrk="0" hangingPunct="1">
+              <a:lnSpc>
+                <a:spcPct val="100000"/>
+              </a:lnSpc>
+              <a:spcBef>
+                <a:spcPts val="0"/>
+              </a:spcBef>
+              <a:spcAft>
+                <a:spcPts val="0"/>
+              </a:spcAft>
+              <a:buClrTx/>
+              <a:buSzTx/>
+              <a:buFontTx/>
+              <a:buNone/>
+              <a:tabLst/>
+              <a:defRPr/>
+            </a:pPr>
+            <a:r>
+              <a:rPr lang="en-US" dirty="0"/>
+              <a:t>// TODO</a:t>
+            </a:r>
+          </a:p>
+        </p:txBody>
+      </p:sp>
+      <p:sp>
+        <p:nvSpPr>
+          <p:cNvPr id="4" name="Slide Number Placeholder 3"/>
+          <p:cNvSpPr>
+            <a:spLocks noGrp="1"/>
+          </p:cNvSpPr>
+          <p:nvPr>
+            <p:ph type="sldNum" sz="quarter" idx="5"/>
+          </p:nvPr>
+        </p:nvSpPr>
+        <p:spPr/>
+        <p:txBody>
+          <a:bodyPr/>
+          <a:lstStyle/>
+          <a:p>
+            <a:fld id="{020CF8D1-BA82-5045-ACF9-1AA42AD6A519}" type="slidenum">
+              <a:rPr lang="en-US" smtClean="0"/>
+              <a:t>40</a:t>
+            </a:fld>
+            <a:endParaRPr lang="en-US"/>
+          </a:p>
+        </p:txBody>
+      </p:sp>
+    </p:spTree>
+    <p:extLst>
+      <p:ext uri="{BB962C8B-B14F-4D97-AF65-F5344CB8AC3E}">
+        <p14:creationId xmlns:p14="http://schemas.microsoft.com/office/powerpoint/2010/main" val="3252389655"/>
+      </p:ext>
+    </p:extLst>
+  </p:cSld>
+  <p:clrMapOvr>
+    <a:masterClrMapping/>
+  </p:clrMapOvr>
+</p:notes>
+</file>
+
+<file path=ppt/notesSlides/notesSlide26.xml><?xml version="1.0" encoding="utf-8"?>
+<p:notes xmlns:a="http://schemas.openxmlformats.org/drawingml/2006/main" xmlns:r="http://schemas.openxmlformats.org/officeDocument/2006/relationships" xmlns:p="http://schemas.openxmlformats.org/presentationml/2006/main">
+  <p:cSld>
+    <p:spTree>
+      <p:nvGrpSpPr>
+        <p:cNvPr id="1" name=""/>
+        <p:cNvGrpSpPr/>
+        <p:nvPr/>
+      </p:nvGrpSpPr>
+      <p:grpSpPr>
+        <a:xfrm>
+          <a:off x="0" y="0"/>
+          <a:ext cx="0" cy="0"/>
+          <a:chOff x="0" y="0"/>
+          <a:chExt cx="0" cy="0"/>
+        </a:xfrm>
+      </p:grpSpPr>
+      <p:sp>
+        <p:nvSpPr>
+          <p:cNvPr id="2" name="Slide Image Placeholder 1"/>
+          <p:cNvSpPr>
+            <a:spLocks noGrp="1" noRot="1" noChangeAspect="1"/>
+          </p:cNvSpPr>
+          <p:nvPr>
+            <p:ph type="sldImg"/>
+          </p:nvPr>
+        </p:nvSpPr>
+        <p:spPr/>
+      </p:sp>
+      <p:sp>
+        <p:nvSpPr>
+          <p:cNvPr id="3" name="Notes Placeholder 2"/>
+          <p:cNvSpPr>
+            <a:spLocks noGrp="1"/>
+          </p:cNvSpPr>
+          <p:nvPr>
+            <p:ph type="body" idx="1"/>
+          </p:nvPr>
+        </p:nvSpPr>
+        <p:spPr/>
+        <p:txBody>
+          <a:bodyPr/>
+          <a:lstStyle/>
+          <a:p>
+            <a:pPr marL="0" marR="0" lvl="0" indent="0" algn="l" defTabSz="914400" rtl="0" eaLnBrk="1" fontAlgn="auto" latinLnBrk="0" hangingPunct="1">
+              <a:lnSpc>
+                <a:spcPct val="100000"/>
+              </a:lnSpc>
+              <a:spcBef>
+                <a:spcPts val="0"/>
+              </a:spcBef>
+              <a:spcAft>
+                <a:spcPts val="0"/>
+              </a:spcAft>
+              <a:buClrTx/>
+              <a:buSzTx/>
+              <a:buFontTx/>
+              <a:buNone/>
+              <a:tabLst/>
+              <a:defRPr/>
+            </a:pPr>
+            <a:r>
+              <a:rPr lang="en-US" dirty="0"/>
+              <a:t>// TODO</a:t>
+            </a:r>
+          </a:p>
+        </p:txBody>
+      </p:sp>
+      <p:sp>
+        <p:nvSpPr>
+          <p:cNvPr id="4" name="Slide Number Placeholder 3"/>
+          <p:cNvSpPr>
+            <a:spLocks noGrp="1"/>
+          </p:cNvSpPr>
+          <p:nvPr>
+            <p:ph type="sldNum" sz="quarter" idx="5"/>
+          </p:nvPr>
+        </p:nvSpPr>
+        <p:spPr/>
+        <p:txBody>
+          <a:bodyPr/>
+          <a:lstStyle/>
+          <a:p>
+            <a:fld id="{020CF8D1-BA82-5045-ACF9-1AA42AD6A519}" type="slidenum">
+              <a:rPr lang="en-US" smtClean="0"/>
+              <a:t>42</a:t>
             </a:fld>
             <a:endParaRPr lang="en-US"/>
           </a:p>
@@ -15351,177 +15804,6 @@
           <p:cNvPr id="2" name="Title 1">
             <a:extLst>
               <a:ext uri="{FF2B5EF4-FFF2-40B4-BE49-F238E27FC236}">
-                <a16:creationId xmlns:a16="http://schemas.microsoft.com/office/drawing/2014/main" id="{EB7C4089-1746-624B-8E73-D3DAB8E88CDD}"/>
-              </a:ext>
-            </a:extLst>
-          </p:cNvPr>
-          <p:cNvSpPr>
-            <a:spLocks noGrp="1"/>
-          </p:cNvSpPr>
-          <p:nvPr>
-            <p:ph type="title"/>
-          </p:nvPr>
-        </p:nvSpPr>
-        <p:spPr/>
-        <p:txBody>
-          <a:bodyPr/>
-          <a:lstStyle/>
-          <a:p>
-            <a:r>
-              <a:rPr lang="en-US" dirty="0"/>
-              <a:t>Outline</a:t>
-            </a:r>
-          </a:p>
-        </p:txBody>
-      </p:sp>
-      <p:sp>
-        <p:nvSpPr>
-          <p:cNvPr id="3" name="Content Placeholder 2">
-            <a:extLst>
-              <a:ext uri="{FF2B5EF4-FFF2-40B4-BE49-F238E27FC236}">
-                <a16:creationId xmlns:a16="http://schemas.microsoft.com/office/drawing/2014/main" id="{65426B10-0364-A849-B3A4-1D0DA409155A}"/>
-              </a:ext>
-            </a:extLst>
-          </p:cNvPr>
-          <p:cNvSpPr>
-            <a:spLocks noGrp="1"/>
-          </p:cNvSpPr>
-          <p:nvPr>
-            <p:ph idx="1"/>
-          </p:nvPr>
-        </p:nvSpPr>
-        <p:spPr/>
-        <p:txBody>
-          <a:bodyPr>
-            <a:normAutofit/>
-          </a:bodyPr>
-          <a:lstStyle/>
-          <a:p>
-            <a:r>
-              <a:rPr lang="en-US" dirty="0"/>
-              <a:t>Requests Library overview</a:t>
-            </a:r>
-          </a:p>
-          <a:p>
-            <a:r>
-              <a:rPr lang="en-US" dirty="0"/>
-              <a:t>Requests methods, arguments, and objects</a:t>
-            </a:r>
-          </a:p>
-          <a:p>
-            <a:r>
-              <a:rPr lang="en-US" dirty="0"/>
-              <a:t>Basic Requests examples and exercises</a:t>
-            </a:r>
-          </a:p>
-        </p:txBody>
-      </p:sp>
-      <p:sp>
-        <p:nvSpPr>
-          <p:cNvPr id="4" name="Date Placeholder 3">
-            <a:extLst>
-              <a:ext uri="{FF2B5EF4-FFF2-40B4-BE49-F238E27FC236}">
-                <a16:creationId xmlns:a16="http://schemas.microsoft.com/office/drawing/2014/main" id="{7ECEAF79-F4AC-E94E-9E55-220D0D396924}"/>
-              </a:ext>
-            </a:extLst>
-          </p:cNvPr>
-          <p:cNvSpPr>
-            <a:spLocks noGrp="1"/>
-          </p:cNvSpPr>
-          <p:nvPr>
-            <p:ph type="dt" sz="half" idx="10"/>
-          </p:nvPr>
-        </p:nvSpPr>
-        <p:spPr/>
-        <p:txBody>
-          <a:bodyPr/>
-          <a:lstStyle/>
-          <a:p>
-            <a:r>
-              <a:rPr lang="en-US"/>
-              <a:t>World Wide Technology ©</a:t>
-            </a:r>
-            <a:endParaRPr lang="en-US" dirty="0"/>
-          </a:p>
-        </p:txBody>
-      </p:sp>
-      <p:sp>
-        <p:nvSpPr>
-          <p:cNvPr id="5" name="Slide Number Placeholder 4">
-            <a:extLst>
-              <a:ext uri="{FF2B5EF4-FFF2-40B4-BE49-F238E27FC236}">
-                <a16:creationId xmlns:a16="http://schemas.microsoft.com/office/drawing/2014/main" id="{372DC1A4-CE8B-DB4A-8F86-2508518C35D3}"/>
-              </a:ext>
-            </a:extLst>
-          </p:cNvPr>
-          <p:cNvSpPr>
-            <a:spLocks noGrp="1"/>
-          </p:cNvSpPr>
-          <p:nvPr>
-            <p:ph type="sldNum" sz="quarter" idx="12"/>
-          </p:nvPr>
-        </p:nvSpPr>
-        <p:spPr/>
-        <p:txBody>
-          <a:bodyPr/>
-          <a:lstStyle/>
-          <a:p>
-            <a:fld id="{A44B02FA-DD2D-1844-AE35-8B2EAB0CF4EF}" type="slidenum">
-              <a:rPr lang="en-US" smtClean="0"/>
-              <a:pPr/>
-              <a:t>25</a:t>
-            </a:fld>
-            <a:endParaRPr lang="en-US" dirty="0"/>
-          </a:p>
-        </p:txBody>
-      </p:sp>
-    </p:spTree>
-    <p:extLst>
-      <p:ext uri="{BB962C8B-B14F-4D97-AF65-F5344CB8AC3E}">
-        <p14:creationId xmlns:p14="http://schemas.microsoft.com/office/powerpoint/2010/main" val="2739176637"/>
-      </p:ext>
-    </p:extLst>
-  </p:cSld>
-  <p:clrMapOvr>
-    <a:masterClrMapping/>
-  </p:clrMapOvr>
-  <mc:AlternateContent xmlns:mc="http://schemas.openxmlformats.org/markup-compatibility/2006" xmlns:p14="http://schemas.microsoft.com/office/powerpoint/2010/main">
-    <mc:Choice Requires="p14">
-      <p:transition spd="med" p14:dur="700">
-        <p:fade/>
-      </p:transition>
-    </mc:Choice>
-    <mc:Fallback xmlns="">
-      <p:transition spd="med">
-        <p:fade/>
-      </p:transition>
-    </mc:Fallback>
-  </mc:AlternateContent>
-</p:sld>
-</file>
-
-<file path=ppt/slides/slide26.xml><?xml version="1.0" encoding="utf-8"?>
-<p:sld xmlns:a="http://schemas.openxmlformats.org/drawingml/2006/main" xmlns:r="http://schemas.openxmlformats.org/officeDocument/2006/relationships" xmlns:p="http://schemas.openxmlformats.org/presentationml/2006/main">
-  <p:cSld>
-    <p:spTree>
-      <p:nvGrpSpPr>
-        <p:cNvPr id="1" name=""/>
-        <p:cNvGrpSpPr/>
-        <p:nvPr/>
-      </p:nvGrpSpPr>
-      <p:grpSpPr>
-        <a:xfrm>
-          <a:off x="0" y="0"/>
-          <a:ext cx="0" cy="0"/>
-          <a:chOff x="0" y="0"/>
-          <a:chExt cx="0" cy="0"/>
-        </a:xfrm>
-      </p:grpSpPr>
-      <p:sp>
-        <p:nvSpPr>
-          <p:cNvPr id="2" name="Title 1">
-            <a:extLst>
-              <a:ext uri="{FF2B5EF4-FFF2-40B4-BE49-F238E27FC236}">
                 <a16:creationId xmlns:a16="http://schemas.microsoft.com/office/drawing/2014/main" id="{C50CDD81-0790-8847-8EF8-0507F123747D}"/>
               </a:ext>
             </a:extLst>
@@ -15857,7 +16139,7 @@
             <a:fld id="{A44B02FA-DD2D-1844-AE35-8B2EAB0CF4EF}" type="slidenum">
               <a:rPr lang="en-US" smtClean="0"/>
               <a:pPr/>
-              <a:t>26</a:t>
+              <a:t>25</a:t>
             </a:fld>
             <a:endParaRPr lang="en-US" dirty="0"/>
           </a:p>
@@ -16028,7 +16310,7 @@
 </p:sld>
 </file>
 
-<file path=ppt/slides/slide27.xml><?xml version="1.0" encoding="utf-8"?>
+<file path=ppt/slides/slide26.xml><?xml version="1.0" encoding="utf-8"?>
 <p:sld xmlns:a="http://schemas.openxmlformats.org/drawingml/2006/main" xmlns:r="http://schemas.openxmlformats.org/officeDocument/2006/relationships" xmlns:p="http://schemas.openxmlformats.org/presentationml/2006/main">
   <p:cSld>
     <p:spTree>
@@ -16126,7 +16408,7 @@
             <a:fld id="{A44B02FA-DD2D-1844-AE35-8B2EAB0CF4EF}" type="slidenum">
               <a:rPr lang="en-US" smtClean="0"/>
               <a:pPr/>
-              <a:t>27</a:t>
+              <a:t>26</a:t>
             </a:fld>
             <a:endParaRPr lang="en-US" dirty="0"/>
           </a:p>
@@ -16628,7 +16910,7 @@
 </p:sld>
 </file>
 
-<file path=ppt/slides/slide28.xml><?xml version="1.0" encoding="utf-8"?>
+<file path=ppt/slides/slide27.xml><?xml version="1.0" encoding="utf-8"?>
 <p:sld xmlns:a="http://schemas.openxmlformats.org/drawingml/2006/main" xmlns:r="http://schemas.openxmlformats.org/officeDocument/2006/relationships" xmlns:p="http://schemas.openxmlformats.org/presentationml/2006/main">
   <p:cSld>
     <p:spTree>
@@ -16650,7 +16932,7 @@
           <p:cNvPr id="2" name="Title 1">
             <a:extLst>
               <a:ext uri="{FF2B5EF4-FFF2-40B4-BE49-F238E27FC236}">
-                <a16:creationId xmlns:a16="http://schemas.microsoft.com/office/drawing/2014/main" id="{9D8D6E4C-FC36-3E4C-9387-96DD20072D9D}"/>
+                <a16:creationId xmlns:a16="http://schemas.microsoft.com/office/drawing/2014/main" id="{178FC9BC-162C-754A-A134-D392F08CDBEE}"/>
               </a:ext>
             </a:extLst>
           </p:cNvPr>
@@ -16658,32 +16940,27 @@
             <a:spLocks noGrp="1"/>
           </p:cNvSpPr>
           <p:nvPr>
-            <p:ph type="ctrTitle"/>
-          </p:nvPr>
-        </p:nvSpPr>
-        <p:spPr>
-          <a:xfrm>
-            <a:off x="1524000" y="914013"/>
-            <a:ext cx="9144000" cy="2387600"/>
-          </a:xfrm>
-        </p:spPr>
+            <p:ph type="title"/>
+          </p:nvPr>
+        </p:nvSpPr>
+        <p:spPr/>
         <p:txBody>
           <a:bodyPr/>
           <a:lstStyle/>
           <a:p>
             <a:r>
               <a:rPr lang="en-US" dirty="0"/>
-              <a:t>Part IV</a:t>
-            </a:r>
-          </a:p>
-        </p:txBody>
-      </p:sp>
-      <p:sp>
-        <p:nvSpPr>
-          <p:cNvPr id="3" name="Subtitle 2">
+              <a:t>Python Requests Syntax Format</a:t>
+            </a:r>
+          </a:p>
+        </p:txBody>
+      </p:sp>
+      <p:sp>
+        <p:nvSpPr>
+          <p:cNvPr id="3" name="Content Placeholder 2">
             <a:extLst>
               <a:ext uri="{FF2B5EF4-FFF2-40B4-BE49-F238E27FC236}">
-                <a16:creationId xmlns:a16="http://schemas.microsoft.com/office/drawing/2014/main" id="{0451A0DE-9D64-5A48-94B5-5B4E42709819}"/>
+                <a16:creationId xmlns:a16="http://schemas.microsoft.com/office/drawing/2014/main" id="{0ECC7DC7-0671-F543-9991-CF8210E2567B}"/>
               </a:ext>
             </a:extLst>
           </p:cNvPr>
@@ -16691,30 +16968,523 @@
             <a:spLocks noGrp="1"/>
           </p:cNvSpPr>
           <p:nvPr>
-            <p:ph type="subTitle" idx="1"/>
-          </p:nvPr>
-        </p:nvSpPr>
-        <p:spPr>
-          <a:xfrm>
-            <a:off x="1524000" y="3393688"/>
-            <a:ext cx="9144000" cy="1655762"/>
-          </a:xfrm>
-        </p:spPr>
+            <p:ph idx="1"/>
+          </p:nvPr>
+        </p:nvSpPr>
+        <p:spPr/>
+        <p:txBody>
+          <a:bodyPr>
+            <a:normAutofit fontScale="92500" lnSpcReduction="10000"/>
+          </a:bodyPr>
+          <a:lstStyle/>
+          <a:p>
+            <a:r>
+              <a:rPr lang="en-US" dirty="0"/>
+              <a:t>HTTP GET Format</a:t>
+            </a:r>
+          </a:p>
+          <a:p>
+            <a:pPr marL="457200" lvl="1" indent="0">
+              <a:buNone/>
+            </a:pPr>
+            <a:r>
+              <a:rPr lang="en-US" sz="2800" b="1" i="1" dirty="0">
+                <a:solidFill>
+                  <a:srgbClr val="FFFF00"/>
+                </a:solidFill>
+              </a:rPr>
+              <a:t>response = </a:t>
+            </a:r>
+            <a:r>
+              <a:rPr lang="en-US" sz="2800" b="1" i="1" dirty="0" err="1">
+                <a:solidFill>
+                  <a:srgbClr val="FFFF00"/>
+                </a:solidFill>
+              </a:rPr>
+              <a:t>requests.</a:t>
+            </a:r>
+            <a:r>
+              <a:rPr lang="en-US" sz="2800" b="1" i="1" dirty="0" err="1">
+                <a:solidFill>
+                  <a:srgbClr val="FF0000"/>
+                </a:solidFill>
+              </a:rPr>
+              <a:t>get</a:t>
+            </a:r>
+            <a:r>
+              <a:rPr lang="en-US" sz="2800" b="1" i="1" dirty="0">
+                <a:solidFill>
+                  <a:srgbClr val="FFFF00"/>
+                </a:solidFill>
+              </a:rPr>
+              <a:t>(</a:t>
+            </a:r>
+            <a:r>
+              <a:rPr lang="en-US" sz="2800" b="1" i="1" dirty="0" err="1">
+                <a:solidFill>
+                  <a:srgbClr val="FFFF00"/>
+                </a:solidFill>
+              </a:rPr>
+              <a:t>url</a:t>
+            </a:r>
+            <a:r>
+              <a:rPr lang="en-US" sz="2800" b="1" i="1" dirty="0">
+                <a:solidFill>
+                  <a:srgbClr val="FFFF00"/>
+                </a:solidFill>
+              </a:rPr>
+              <a:t>, [**</a:t>
+            </a:r>
+            <a:r>
+              <a:rPr lang="en-US" sz="2800" b="1" i="1" dirty="0" err="1">
+                <a:solidFill>
+                  <a:srgbClr val="FFFF00"/>
+                </a:solidFill>
+              </a:rPr>
+              <a:t>kwargs</a:t>
+            </a:r>
+            <a:r>
+              <a:rPr lang="en-US" sz="2800" b="1" i="1" dirty="0">
+                <a:solidFill>
+                  <a:srgbClr val="FFFF00"/>
+                </a:solidFill>
+              </a:rPr>
+              <a:t>])</a:t>
+            </a:r>
+          </a:p>
+          <a:p>
+            <a:r>
+              <a:rPr lang="en-US" dirty="0"/>
+              <a:t>HTTP POST Format</a:t>
+            </a:r>
+          </a:p>
+          <a:p>
+            <a:pPr marL="457200" lvl="1" indent="0">
+              <a:buNone/>
+            </a:pPr>
+            <a:r>
+              <a:rPr lang="en-US" sz="2800" b="1" i="1" dirty="0">
+                <a:solidFill>
+                  <a:srgbClr val="FFFF00"/>
+                </a:solidFill>
+              </a:rPr>
+              <a:t>response = </a:t>
+            </a:r>
+            <a:r>
+              <a:rPr lang="en-US" sz="2800" b="1" i="1" dirty="0" err="1">
+                <a:solidFill>
+                  <a:srgbClr val="FFFF00"/>
+                </a:solidFill>
+              </a:rPr>
+              <a:t>requests.</a:t>
+            </a:r>
+            <a:r>
+              <a:rPr lang="en-US" sz="2800" b="1" i="1" dirty="0" err="1">
+                <a:solidFill>
+                  <a:srgbClr val="FF0000"/>
+                </a:solidFill>
+              </a:rPr>
+              <a:t>post</a:t>
+            </a:r>
+            <a:r>
+              <a:rPr lang="en-US" sz="2800" b="1" i="1" dirty="0">
+                <a:solidFill>
+                  <a:srgbClr val="FFFF00"/>
+                </a:solidFill>
+              </a:rPr>
+              <a:t>(</a:t>
+            </a:r>
+            <a:r>
+              <a:rPr lang="en-US" sz="2800" b="1" i="1" dirty="0" err="1">
+                <a:solidFill>
+                  <a:srgbClr val="FFFF00"/>
+                </a:solidFill>
+              </a:rPr>
+              <a:t>url</a:t>
+            </a:r>
+            <a:r>
+              <a:rPr lang="en-US" sz="2800" b="1" i="1" dirty="0">
+                <a:solidFill>
+                  <a:srgbClr val="FFFF00"/>
+                </a:solidFill>
+              </a:rPr>
+              <a:t>, [data=&lt;value&gt;], [**</a:t>
+            </a:r>
+            <a:r>
+              <a:rPr lang="en-US" sz="2800" b="1" i="1" dirty="0" err="1">
+                <a:solidFill>
+                  <a:srgbClr val="FFFF00"/>
+                </a:solidFill>
+              </a:rPr>
+              <a:t>kwargs</a:t>
+            </a:r>
+            <a:r>
+              <a:rPr lang="en-US" sz="2800" b="1" i="1" dirty="0">
+                <a:solidFill>
+                  <a:srgbClr val="FFFF00"/>
+                </a:solidFill>
+              </a:rPr>
+              <a:t>])</a:t>
+            </a:r>
+            <a:endParaRPr lang="en-US" sz="2800" dirty="0"/>
+          </a:p>
+          <a:p>
+            <a:pPr marL="457200" lvl="1" indent="0">
+              <a:buNone/>
+            </a:pPr>
+            <a:r>
+              <a:rPr lang="en-US" sz="2800" b="1" i="1" dirty="0">
+                <a:solidFill>
+                  <a:srgbClr val="FFFF00"/>
+                </a:solidFill>
+              </a:rPr>
+              <a:t>response = </a:t>
+            </a:r>
+            <a:r>
+              <a:rPr lang="en-US" sz="2800" b="1" i="1" dirty="0" err="1">
+                <a:solidFill>
+                  <a:srgbClr val="FFFF00"/>
+                </a:solidFill>
+              </a:rPr>
+              <a:t>requests.</a:t>
+            </a:r>
+            <a:r>
+              <a:rPr lang="en-US" sz="2800" b="1" i="1" dirty="0" err="1">
+                <a:solidFill>
+                  <a:srgbClr val="FF0000"/>
+                </a:solidFill>
+              </a:rPr>
+              <a:t>post</a:t>
+            </a:r>
+            <a:r>
+              <a:rPr lang="en-US" sz="2800" b="1" i="1" dirty="0">
+                <a:solidFill>
+                  <a:srgbClr val="FFFF00"/>
+                </a:solidFill>
+              </a:rPr>
+              <a:t>(</a:t>
+            </a:r>
+            <a:r>
+              <a:rPr lang="en-US" sz="2800" b="1" i="1" dirty="0" err="1">
+                <a:solidFill>
+                  <a:srgbClr val="FFFF00"/>
+                </a:solidFill>
+              </a:rPr>
+              <a:t>url</a:t>
+            </a:r>
+            <a:r>
+              <a:rPr lang="en-US" sz="2800" b="1" i="1" dirty="0">
+                <a:solidFill>
+                  <a:srgbClr val="FFFF00"/>
+                </a:solidFill>
+              </a:rPr>
+              <a:t>, [json=&lt;value&gt;], [**</a:t>
+            </a:r>
+            <a:r>
+              <a:rPr lang="en-US" sz="2800" b="1" i="1" dirty="0" err="1">
+                <a:solidFill>
+                  <a:srgbClr val="FFFF00"/>
+                </a:solidFill>
+              </a:rPr>
+              <a:t>kwargs</a:t>
+            </a:r>
+            <a:r>
+              <a:rPr lang="en-US" sz="2800" b="1" i="1" dirty="0">
+                <a:solidFill>
+                  <a:srgbClr val="FFFF00"/>
+                </a:solidFill>
+              </a:rPr>
+              <a:t>])</a:t>
+            </a:r>
+            <a:endParaRPr lang="en-US" dirty="0"/>
+          </a:p>
+          <a:p>
+            <a:r>
+              <a:rPr lang="en-US" dirty="0"/>
+              <a:t>HTTP PUT Format</a:t>
+            </a:r>
+          </a:p>
+          <a:p>
+            <a:pPr marL="457200" lvl="1" indent="0">
+              <a:buNone/>
+            </a:pPr>
+            <a:r>
+              <a:rPr lang="en-US" sz="2800" b="1" i="1" dirty="0">
+                <a:solidFill>
+                  <a:srgbClr val="FFFF00"/>
+                </a:solidFill>
+              </a:rPr>
+              <a:t>response = </a:t>
+            </a:r>
+            <a:r>
+              <a:rPr lang="en-US" sz="2800" b="1" i="1" dirty="0" err="1">
+                <a:solidFill>
+                  <a:srgbClr val="FFFF00"/>
+                </a:solidFill>
+              </a:rPr>
+              <a:t>requests.</a:t>
+            </a:r>
+            <a:r>
+              <a:rPr lang="en-US" sz="2800" b="1" i="1" dirty="0" err="1">
+                <a:solidFill>
+                  <a:srgbClr val="FF0000"/>
+                </a:solidFill>
+              </a:rPr>
+              <a:t>put</a:t>
+            </a:r>
+            <a:r>
+              <a:rPr lang="en-US" sz="2800" b="1" i="1" dirty="0">
+                <a:solidFill>
+                  <a:srgbClr val="FFFF00"/>
+                </a:solidFill>
+              </a:rPr>
+              <a:t>(</a:t>
+            </a:r>
+            <a:r>
+              <a:rPr lang="en-US" sz="2800" b="1" i="1" dirty="0" err="1">
+                <a:solidFill>
+                  <a:srgbClr val="FFFF00"/>
+                </a:solidFill>
+              </a:rPr>
+              <a:t>url</a:t>
+            </a:r>
+            <a:r>
+              <a:rPr lang="en-US" sz="2800" b="1" i="1" dirty="0">
+                <a:solidFill>
+                  <a:srgbClr val="FFFF00"/>
+                </a:solidFill>
+              </a:rPr>
+              <a:t>, [data=&lt;value&gt;], [**</a:t>
+            </a:r>
+            <a:r>
+              <a:rPr lang="en-US" sz="2800" b="1" i="1" dirty="0" err="1">
+                <a:solidFill>
+                  <a:srgbClr val="FFFF00"/>
+                </a:solidFill>
+              </a:rPr>
+              <a:t>kwargs</a:t>
+            </a:r>
+            <a:r>
+              <a:rPr lang="en-US" sz="2800" b="1" i="1" dirty="0">
+                <a:solidFill>
+                  <a:srgbClr val="FFFF00"/>
+                </a:solidFill>
+              </a:rPr>
+              <a:t>])</a:t>
+            </a:r>
+            <a:endParaRPr lang="en-US" sz="2800" dirty="0"/>
+          </a:p>
+          <a:p>
+            <a:pPr marL="457200" lvl="1" indent="0">
+              <a:buNone/>
+            </a:pPr>
+            <a:r>
+              <a:rPr lang="en-US" sz="2800" b="1" i="1" dirty="0">
+                <a:solidFill>
+                  <a:srgbClr val="FFFF00"/>
+                </a:solidFill>
+              </a:rPr>
+              <a:t>response = </a:t>
+            </a:r>
+            <a:r>
+              <a:rPr lang="en-US" sz="2800" b="1" i="1" dirty="0" err="1">
+                <a:solidFill>
+                  <a:srgbClr val="FFFF00"/>
+                </a:solidFill>
+              </a:rPr>
+              <a:t>requests.</a:t>
+            </a:r>
+            <a:r>
+              <a:rPr lang="en-US" sz="2800" b="1" i="1" dirty="0" err="1">
+                <a:solidFill>
+                  <a:srgbClr val="FF0000"/>
+                </a:solidFill>
+              </a:rPr>
+              <a:t>put</a:t>
+            </a:r>
+            <a:r>
+              <a:rPr lang="en-US" sz="2800" b="1" i="1" dirty="0">
+                <a:solidFill>
+                  <a:srgbClr val="FFFF00"/>
+                </a:solidFill>
+              </a:rPr>
+              <a:t>(</a:t>
+            </a:r>
+            <a:r>
+              <a:rPr lang="en-US" sz="2800" b="1" i="1" dirty="0" err="1">
+                <a:solidFill>
+                  <a:srgbClr val="FFFF00"/>
+                </a:solidFill>
+              </a:rPr>
+              <a:t>url</a:t>
+            </a:r>
+            <a:r>
+              <a:rPr lang="en-US" sz="2800" b="1" i="1" dirty="0">
+                <a:solidFill>
+                  <a:srgbClr val="FFFF00"/>
+                </a:solidFill>
+              </a:rPr>
+              <a:t>, [json=&lt;value&gt;], [**</a:t>
+            </a:r>
+            <a:r>
+              <a:rPr lang="en-US" sz="2800" b="1" i="1" dirty="0" err="1">
+                <a:solidFill>
+                  <a:srgbClr val="FFFF00"/>
+                </a:solidFill>
+              </a:rPr>
+              <a:t>kwargs</a:t>
+            </a:r>
+            <a:r>
+              <a:rPr lang="en-US" sz="2800" b="1" i="1" dirty="0">
+                <a:solidFill>
+                  <a:srgbClr val="FFFF00"/>
+                </a:solidFill>
+              </a:rPr>
+              <a:t>])</a:t>
+            </a:r>
+            <a:endParaRPr lang="en-US" dirty="0"/>
+          </a:p>
+          <a:p>
+            <a:r>
+              <a:rPr lang="en-US" dirty="0"/>
+              <a:t>HTTP DELETE Format</a:t>
+            </a:r>
+          </a:p>
+          <a:p>
+            <a:pPr marL="457200" lvl="1" indent="0">
+              <a:buNone/>
+            </a:pPr>
+            <a:r>
+              <a:rPr lang="en-US" sz="2800" b="1" i="1" dirty="0">
+                <a:solidFill>
+                  <a:srgbClr val="FFFF00"/>
+                </a:solidFill>
+              </a:rPr>
+              <a:t>response = </a:t>
+            </a:r>
+            <a:r>
+              <a:rPr lang="en-US" sz="2800" b="1" i="1" dirty="0" err="1">
+                <a:solidFill>
+                  <a:srgbClr val="FFFF00"/>
+                </a:solidFill>
+              </a:rPr>
+              <a:t>requests.</a:t>
+            </a:r>
+            <a:r>
+              <a:rPr lang="en-US" sz="2800" b="1" i="1" dirty="0" err="1">
+                <a:solidFill>
+                  <a:srgbClr val="FF0000"/>
+                </a:solidFill>
+              </a:rPr>
+              <a:t>delete</a:t>
+            </a:r>
+            <a:r>
+              <a:rPr lang="en-US" sz="2800" b="1" i="1" dirty="0">
+                <a:solidFill>
+                  <a:srgbClr val="FFFF00"/>
+                </a:solidFill>
+              </a:rPr>
+              <a:t>(</a:t>
+            </a:r>
+            <a:r>
+              <a:rPr lang="en-US" sz="2800" b="1" i="1" dirty="0" err="1">
+                <a:solidFill>
+                  <a:srgbClr val="FFFF00"/>
+                </a:solidFill>
+              </a:rPr>
+              <a:t>url</a:t>
+            </a:r>
+            <a:r>
+              <a:rPr lang="en-US" sz="2800" b="1" i="1" dirty="0">
+                <a:solidFill>
+                  <a:srgbClr val="FFFF00"/>
+                </a:solidFill>
+              </a:rPr>
+              <a:t>, [**</a:t>
+            </a:r>
+            <a:r>
+              <a:rPr lang="en-US" sz="2800" b="1" i="1" dirty="0" err="1">
+                <a:solidFill>
+                  <a:srgbClr val="FFFF00"/>
+                </a:solidFill>
+              </a:rPr>
+              <a:t>kwargs</a:t>
+            </a:r>
+            <a:r>
+              <a:rPr lang="en-US" sz="2800" b="1" i="1" dirty="0">
+                <a:solidFill>
+                  <a:srgbClr val="FFFF00"/>
+                </a:solidFill>
+              </a:rPr>
+              <a:t>])</a:t>
+            </a:r>
+            <a:endParaRPr lang="en-US" sz="2800" dirty="0"/>
+          </a:p>
+        </p:txBody>
+      </p:sp>
+      <p:sp>
+        <p:nvSpPr>
+          <p:cNvPr id="4" name="Date Placeholder 3">
+            <a:extLst>
+              <a:ext uri="{FF2B5EF4-FFF2-40B4-BE49-F238E27FC236}">
+                <a16:creationId xmlns:a16="http://schemas.microsoft.com/office/drawing/2014/main" id="{38C6DDB4-CE9E-4843-86A9-EFC27330D02F}"/>
+              </a:ext>
+            </a:extLst>
+          </p:cNvPr>
+          <p:cNvSpPr>
+            <a:spLocks noGrp="1"/>
+          </p:cNvSpPr>
+          <p:nvPr>
+            <p:ph type="dt" sz="half" idx="10"/>
+          </p:nvPr>
+        </p:nvSpPr>
+        <p:spPr/>
         <p:txBody>
           <a:bodyPr/>
           <a:lstStyle/>
           <a:p>
             <a:r>
-              <a:rPr lang="en-US" dirty="0"/>
-              <a:t>Cisco Platform APIs Overview</a:t>
-            </a:r>
+              <a:rPr lang="en-US"/>
+              <a:t>World Wide Technology ©</a:t>
+            </a:r>
+            <a:endParaRPr lang="en-US" dirty="0"/>
+          </a:p>
+        </p:txBody>
+      </p:sp>
+      <p:sp>
+        <p:nvSpPr>
+          <p:cNvPr id="5" name="Slide Number Placeholder 4">
+            <a:extLst>
+              <a:ext uri="{FF2B5EF4-FFF2-40B4-BE49-F238E27FC236}">
+                <a16:creationId xmlns:a16="http://schemas.microsoft.com/office/drawing/2014/main" id="{09AD6D8E-DFAE-8E42-9152-B189D9284AD9}"/>
+              </a:ext>
+            </a:extLst>
+          </p:cNvPr>
+          <p:cNvSpPr>
+            <a:spLocks noGrp="1"/>
+          </p:cNvSpPr>
+          <p:nvPr>
+            <p:ph type="sldNum" sz="quarter" idx="12"/>
+          </p:nvPr>
+        </p:nvSpPr>
+        <p:spPr/>
+        <p:txBody>
+          <a:bodyPr/>
+          <a:lstStyle/>
+          <a:p>
+            <a:fld id="{A44B02FA-DD2D-1844-AE35-8B2EAB0CF4EF}" type="slidenum">
+              <a:rPr lang="en-US" smtClean="0"/>
+              <a:pPr/>
+              <a:t>27</a:t>
+            </a:fld>
+            <a:endParaRPr lang="en-US" dirty="0"/>
           </a:p>
         </p:txBody>
       </p:sp>
     </p:spTree>
     <p:extLst>
       <p:ext uri="{BB962C8B-B14F-4D97-AF65-F5344CB8AC3E}">
-        <p14:creationId xmlns:p14="http://schemas.microsoft.com/office/powerpoint/2010/main" val="899135878"/>
+        <p14:creationId xmlns:p14="http://schemas.microsoft.com/office/powerpoint/2010/main" val="1681407443"/>
       </p:ext>
     </p:extLst>
   </p:cSld>
@@ -16733,6 +17503,971 @@
       </p:transition>
     </mc:Fallback>
   </mc:AlternateContent>
+  <p:timing>
+    <p:tnLst>
+      <p:par>
+        <p:cTn id="1" dur="indefinite" restart="never" nodeType="tmRoot">
+          <p:childTnLst>
+            <p:seq concurrent="1" nextAc="seek">
+              <p:cTn id="2" dur="indefinite" nodeType="mainSeq">
+                <p:childTnLst>
+                  <p:par>
+                    <p:cTn id="3" fill="hold">
+                      <p:stCondLst>
+                        <p:cond delay="indefinite"/>
+                      </p:stCondLst>
+                      <p:childTnLst>
+                        <p:par>
+                          <p:cTn id="4" fill="hold">
+                            <p:stCondLst>
+                              <p:cond delay="0"/>
+                            </p:stCondLst>
+                            <p:childTnLst>
+                              <p:par>
+                                <p:cTn id="5" presetID="9" presetClass="entr" presetSubtype="0" fill="hold" grpId="0" nodeType="clickEffect">
+                                  <p:stCondLst>
+                                    <p:cond delay="0"/>
+                                  </p:stCondLst>
+                                  <p:childTnLst>
+                                    <p:set>
+                                      <p:cBhvr>
+                                        <p:cTn id="6" dur="1" fill="hold">
+                                          <p:stCondLst>
+                                            <p:cond delay="0"/>
+                                          </p:stCondLst>
+                                        </p:cTn>
+                                        <p:tgtEl>
+                                          <p:spTgt spid="3">
+                                            <p:txEl>
+                                              <p:pRg st="0" end="0"/>
+                                            </p:txEl>
+                                          </p:spTgt>
+                                        </p:tgtEl>
+                                        <p:attrNameLst>
+                                          <p:attrName>style.visibility</p:attrName>
+                                        </p:attrNameLst>
+                                      </p:cBhvr>
+                                      <p:to>
+                                        <p:strVal val="visible"/>
+                                      </p:to>
+                                    </p:set>
+                                    <p:animEffect transition="in" filter="dissolve">
+                                      <p:cBhvr>
+                                        <p:cTn id="7" dur="500"/>
+                                        <p:tgtEl>
+                                          <p:spTgt spid="3">
+                                            <p:txEl>
+                                              <p:pRg st="0" end="0"/>
+                                            </p:txEl>
+                                          </p:spTgt>
+                                        </p:tgtEl>
+                                      </p:cBhvr>
+                                    </p:animEffect>
+                                  </p:childTnLst>
+                                </p:cTn>
+                              </p:par>
+                              <p:par>
+                                <p:cTn id="8" presetID="9" presetClass="entr" presetSubtype="0" fill="hold" grpId="0" nodeType="withEffect">
+                                  <p:stCondLst>
+                                    <p:cond delay="0"/>
+                                  </p:stCondLst>
+                                  <p:childTnLst>
+                                    <p:set>
+                                      <p:cBhvr>
+                                        <p:cTn id="9" dur="1" fill="hold">
+                                          <p:stCondLst>
+                                            <p:cond delay="0"/>
+                                          </p:stCondLst>
+                                        </p:cTn>
+                                        <p:tgtEl>
+                                          <p:spTgt spid="3">
+                                            <p:txEl>
+                                              <p:pRg st="1" end="1"/>
+                                            </p:txEl>
+                                          </p:spTgt>
+                                        </p:tgtEl>
+                                        <p:attrNameLst>
+                                          <p:attrName>style.visibility</p:attrName>
+                                        </p:attrNameLst>
+                                      </p:cBhvr>
+                                      <p:to>
+                                        <p:strVal val="visible"/>
+                                      </p:to>
+                                    </p:set>
+                                    <p:animEffect transition="in" filter="dissolve">
+                                      <p:cBhvr>
+                                        <p:cTn id="10" dur="500"/>
+                                        <p:tgtEl>
+                                          <p:spTgt spid="3">
+                                            <p:txEl>
+                                              <p:pRg st="1" end="1"/>
+                                            </p:txEl>
+                                          </p:spTgt>
+                                        </p:tgtEl>
+                                      </p:cBhvr>
+                                    </p:animEffect>
+                                  </p:childTnLst>
+                                </p:cTn>
+                              </p:par>
+                            </p:childTnLst>
+                          </p:cTn>
+                        </p:par>
+                      </p:childTnLst>
+                    </p:cTn>
+                  </p:par>
+                  <p:par>
+                    <p:cTn id="11" fill="hold">
+                      <p:stCondLst>
+                        <p:cond delay="indefinite"/>
+                      </p:stCondLst>
+                      <p:childTnLst>
+                        <p:par>
+                          <p:cTn id="12" fill="hold">
+                            <p:stCondLst>
+                              <p:cond delay="0"/>
+                            </p:stCondLst>
+                            <p:childTnLst>
+                              <p:par>
+                                <p:cTn id="13" presetID="9" presetClass="entr" presetSubtype="0" fill="hold" grpId="0" nodeType="clickEffect">
+                                  <p:stCondLst>
+                                    <p:cond delay="0"/>
+                                  </p:stCondLst>
+                                  <p:childTnLst>
+                                    <p:set>
+                                      <p:cBhvr>
+                                        <p:cTn id="14" dur="1" fill="hold">
+                                          <p:stCondLst>
+                                            <p:cond delay="0"/>
+                                          </p:stCondLst>
+                                        </p:cTn>
+                                        <p:tgtEl>
+                                          <p:spTgt spid="3">
+                                            <p:txEl>
+                                              <p:pRg st="2" end="2"/>
+                                            </p:txEl>
+                                          </p:spTgt>
+                                        </p:tgtEl>
+                                        <p:attrNameLst>
+                                          <p:attrName>style.visibility</p:attrName>
+                                        </p:attrNameLst>
+                                      </p:cBhvr>
+                                      <p:to>
+                                        <p:strVal val="visible"/>
+                                      </p:to>
+                                    </p:set>
+                                    <p:animEffect transition="in" filter="dissolve">
+                                      <p:cBhvr>
+                                        <p:cTn id="15" dur="500"/>
+                                        <p:tgtEl>
+                                          <p:spTgt spid="3">
+                                            <p:txEl>
+                                              <p:pRg st="2" end="2"/>
+                                            </p:txEl>
+                                          </p:spTgt>
+                                        </p:tgtEl>
+                                      </p:cBhvr>
+                                    </p:animEffect>
+                                  </p:childTnLst>
+                                </p:cTn>
+                              </p:par>
+                              <p:par>
+                                <p:cTn id="16" presetID="9" presetClass="entr" presetSubtype="0" fill="hold" grpId="0" nodeType="withEffect">
+                                  <p:stCondLst>
+                                    <p:cond delay="0"/>
+                                  </p:stCondLst>
+                                  <p:childTnLst>
+                                    <p:set>
+                                      <p:cBhvr>
+                                        <p:cTn id="17" dur="1" fill="hold">
+                                          <p:stCondLst>
+                                            <p:cond delay="0"/>
+                                          </p:stCondLst>
+                                        </p:cTn>
+                                        <p:tgtEl>
+                                          <p:spTgt spid="3">
+                                            <p:txEl>
+                                              <p:pRg st="3" end="3"/>
+                                            </p:txEl>
+                                          </p:spTgt>
+                                        </p:tgtEl>
+                                        <p:attrNameLst>
+                                          <p:attrName>style.visibility</p:attrName>
+                                        </p:attrNameLst>
+                                      </p:cBhvr>
+                                      <p:to>
+                                        <p:strVal val="visible"/>
+                                      </p:to>
+                                    </p:set>
+                                    <p:animEffect transition="in" filter="dissolve">
+                                      <p:cBhvr>
+                                        <p:cTn id="18" dur="500"/>
+                                        <p:tgtEl>
+                                          <p:spTgt spid="3">
+                                            <p:txEl>
+                                              <p:pRg st="3" end="3"/>
+                                            </p:txEl>
+                                          </p:spTgt>
+                                        </p:tgtEl>
+                                      </p:cBhvr>
+                                    </p:animEffect>
+                                  </p:childTnLst>
+                                </p:cTn>
+                              </p:par>
+                              <p:par>
+                                <p:cTn id="19" presetID="9" presetClass="entr" presetSubtype="0" fill="hold" grpId="0" nodeType="withEffect">
+                                  <p:stCondLst>
+                                    <p:cond delay="0"/>
+                                  </p:stCondLst>
+                                  <p:childTnLst>
+                                    <p:set>
+                                      <p:cBhvr>
+                                        <p:cTn id="20" dur="1" fill="hold">
+                                          <p:stCondLst>
+                                            <p:cond delay="0"/>
+                                          </p:stCondLst>
+                                        </p:cTn>
+                                        <p:tgtEl>
+                                          <p:spTgt spid="3">
+                                            <p:txEl>
+                                              <p:pRg st="4" end="4"/>
+                                            </p:txEl>
+                                          </p:spTgt>
+                                        </p:tgtEl>
+                                        <p:attrNameLst>
+                                          <p:attrName>style.visibility</p:attrName>
+                                        </p:attrNameLst>
+                                      </p:cBhvr>
+                                      <p:to>
+                                        <p:strVal val="visible"/>
+                                      </p:to>
+                                    </p:set>
+                                    <p:animEffect transition="in" filter="dissolve">
+                                      <p:cBhvr>
+                                        <p:cTn id="21" dur="500"/>
+                                        <p:tgtEl>
+                                          <p:spTgt spid="3">
+                                            <p:txEl>
+                                              <p:pRg st="4" end="4"/>
+                                            </p:txEl>
+                                          </p:spTgt>
+                                        </p:tgtEl>
+                                      </p:cBhvr>
+                                    </p:animEffect>
+                                  </p:childTnLst>
+                                </p:cTn>
+                              </p:par>
+                            </p:childTnLst>
+                          </p:cTn>
+                        </p:par>
+                      </p:childTnLst>
+                    </p:cTn>
+                  </p:par>
+                  <p:par>
+                    <p:cTn id="22" fill="hold">
+                      <p:stCondLst>
+                        <p:cond delay="indefinite"/>
+                      </p:stCondLst>
+                      <p:childTnLst>
+                        <p:par>
+                          <p:cTn id="23" fill="hold">
+                            <p:stCondLst>
+                              <p:cond delay="0"/>
+                            </p:stCondLst>
+                            <p:childTnLst>
+                              <p:par>
+                                <p:cTn id="24" presetID="9" presetClass="entr" presetSubtype="0" fill="hold" grpId="0" nodeType="clickEffect">
+                                  <p:stCondLst>
+                                    <p:cond delay="0"/>
+                                  </p:stCondLst>
+                                  <p:childTnLst>
+                                    <p:set>
+                                      <p:cBhvr>
+                                        <p:cTn id="25" dur="1" fill="hold">
+                                          <p:stCondLst>
+                                            <p:cond delay="0"/>
+                                          </p:stCondLst>
+                                        </p:cTn>
+                                        <p:tgtEl>
+                                          <p:spTgt spid="3">
+                                            <p:txEl>
+                                              <p:pRg st="5" end="5"/>
+                                            </p:txEl>
+                                          </p:spTgt>
+                                        </p:tgtEl>
+                                        <p:attrNameLst>
+                                          <p:attrName>style.visibility</p:attrName>
+                                        </p:attrNameLst>
+                                      </p:cBhvr>
+                                      <p:to>
+                                        <p:strVal val="visible"/>
+                                      </p:to>
+                                    </p:set>
+                                    <p:animEffect transition="in" filter="dissolve">
+                                      <p:cBhvr>
+                                        <p:cTn id="26" dur="500"/>
+                                        <p:tgtEl>
+                                          <p:spTgt spid="3">
+                                            <p:txEl>
+                                              <p:pRg st="5" end="5"/>
+                                            </p:txEl>
+                                          </p:spTgt>
+                                        </p:tgtEl>
+                                      </p:cBhvr>
+                                    </p:animEffect>
+                                  </p:childTnLst>
+                                </p:cTn>
+                              </p:par>
+                              <p:par>
+                                <p:cTn id="27" presetID="9" presetClass="entr" presetSubtype="0" fill="hold" grpId="0" nodeType="withEffect">
+                                  <p:stCondLst>
+                                    <p:cond delay="0"/>
+                                  </p:stCondLst>
+                                  <p:childTnLst>
+                                    <p:set>
+                                      <p:cBhvr>
+                                        <p:cTn id="28" dur="1" fill="hold">
+                                          <p:stCondLst>
+                                            <p:cond delay="0"/>
+                                          </p:stCondLst>
+                                        </p:cTn>
+                                        <p:tgtEl>
+                                          <p:spTgt spid="3">
+                                            <p:txEl>
+                                              <p:pRg st="6" end="6"/>
+                                            </p:txEl>
+                                          </p:spTgt>
+                                        </p:tgtEl>
+                                        <p:attrNameLst>
+                                          <p:attrName>style.visibility</p:attrName>
+                                        </p:attrNameLst>
+                                      </p:cBhvr>
+                                      <p:to>
+                                        <p:strVal val="visible"/>
+                                      </p:to>
+                                    </p:set>
+                                    <p:animEffect transition="in" filter="dissolve">
+                                      <p:cBhvr>
+                                        <p:cTn id="29" dur="500"/>
+                                        <p:tgtEl>
+                                          <p:spTgt spid="3">
+                                            <p:txEl>
+                                              <p:pRg st="6" end="6"/>
+                                            </p:txEl>
+                                          </p:spTgt>
+                                        </p:tgtEl>
+                                      </p:cBhvr>
+                                    </p:animEffect>
+                                  </p:childTnLst>
+                                </p:cTn>
+                              </p:par>
+                              <p:par>
+                                <p:cTn id="30" presetID="9" presetClass="entr" presetSubtype="0" fill="hold" grpId="0" nodeType="withEffect">
+                                  <p:stCondLst>
+                                    <p:cond delay="0"/>
+                                  </p:stCondLst>
+                                  <p:childTnLst>
+                                    <p:set>
+                                      <p:cBhvr>
+                                        <p:cTn id="31" dur="1" fill="hold">
+                                          <p:stCondLst>
+                                            <p:cond delay="0"/>
+                                          </p:stCondLst>
+                                        </p:cTn>
+                                        <p:tgtEl>
+                                          <p:spTgt spid="3">
+                                            <p:txEl>
+                                              <p:pRg st="7" end="7"/>
+                                            </p:txEl>
+                                          </p:spTgt>
+                                        </p:tgtEl>
+                                        <p:attrNameLst>
+                                          <p:attrName>style.visibility</p:attrName>
+                                        </p:attrNameLst>
+                                      </p:cBhvr>
+                                      <p:to>
+                                        <p:strVal val="visible"/>
+                                      </p:to>
+                                    </p:set>
+                                    <p:animEffect transition="in" filter="dissolve">
+                                      <p:cBhvr>
+                                        <p:cTn id="32" dur="500"/>
+                                        <p:tgtEl>
+                                          <p:spTgt spid="3">
+                                            <p:txEl>
+                                              <p:pRg st="7" end="7"/>
+                                            </p:txEl>
+                                          </p:spTgt>
+                                        </p:tgtEl>
+                                      </p:cBhvr>
+                                    </p:animEffect>
+                                  </p:childTnLst>
+                                </p:cTn>
+                              </p:par>
+                            </p:childTnLst>
+                          </p:cTn>
+                        </p:par>
+                      </p:childTnLst>
+                    </p:cTn>
+                  </p:par>
+                  <p:par>
+                    <p:cTn id="33" fill="hold">
+                      <p:stCondLst>
+                        <p:cond delay="indefinite"/>
+                      </p:stCondLst>
+                      <p:childTnLst>
+                        <p:par>
+                          <p:cTn id="34" fill="hold">
+                            <p:stCondLst>
+                              <p:cond delay="0"/>
+                            </p:stCondLst>
+                            <p:childTnLst>
+                              <p:par>
+                                <p:cTn id="35" presetID="9" presetClass="entr" presetSubtype="0" fill="hold" grpId="0" nodeType="clickEffect">
+                                  <p:stCondLst>
+                                    <p:cond delay="0"/>
+                                  </p:stCondLst>
+                                  <p:childTnLst>
+                                    <p:set>
+                                      <p:cBhvr>
+                                        <p:cTn id="36" dur="1" fill="hold">
+                                          <p:stCondLst>
+                                            <p:cond delay="0"/>
+                                          </p:stCondLst>
+                                        </p:cTn>
+                                        <p:tgtEl>
+                                          <p:spTgt spid="3">
+                                            <p:txEl>
+                                              <p:pRg st="8" end="8"/>
+                                            </p:txEl>
+                                          </p:spTgt>
+                                        </p:tgtEl>
+                                        <p:attrNameLst>
+                                          <p:attrName>style.visibility</p:attrName>
+                                        </p:attrNameLst>
+                                      </p:cBhvr>
+                                      <p:to>
+                                        <p:strVal val="visible"/>
+                                      </p:to>
+                                    </p:set>
+                                    <p:animEffect transition="in" filter="dissolve">
+                                      <p:cBhvr>
+                                        <p:cTn id="37" dur="500"/>
+                                        <p:tgtEl>
+                                          <p:spTgt spid="3">
+                                            <p:txEl>
+                                              <p:pRg st="8" end="8"/>
+                                            </p:txEl>
+                                          </p:spTgt>
+                                        </p:tgtEl>
+                                      </p:cBhvr>
+                                    </p:animEffect>
+                                  </p:childTnLst>
+                                </p:cTn>
+                              </p:par>
+                              <p:par>
+                                <p:cTn id="38" presetID="9" presetClass="entr" presetSubtype="0" fill="hold" grpId="0" nodeType="withEffect">
+                                  <p:stCondLst>
+                                    <p:cond delay="0"/>
+                                  </p:stCondLst>
+                                  <p:childTnLst>
+                                    <p:set>
+                                      <p:cBhvr>
+                                        <p:cTn id="39" dur="1" fill="hold">
+                                          <p:stCondLst>
+                                            <p:cond delay="0"/>
+                                          </p:stCondLst>
+                                        </p:cTn>
+                                        <p:tgtEl>
+                                          <p:spTgt spid="3">
+                                            <p:txEl>
+                                              <p:pRg st="9" end="9"/>
+                                            </p:txEl>
+                                          </p:spTgt>
+                                        </p:tgtEl>
+                                        <p:attrNameLst>
+                                          <p:attrName>style.visibility</p:attrName>
+                                        </p:attrNameLst>
+                                      </p:cBhvr>
+                                      <p:to>
+                                        <p:strVal val="visible"/>
+                                      </p:to>
+                                    </p:set>
+                                    <p:animEffect transition="in" filter="dissolve">
+                                      <p:cBhvr>
+                                        <p:cTn id="40" dur="500"/>
+                                        <p:tgtEl>
+                                          <p:spTgt spid="3">
+                                            <p:txEl>
+                                              <p:pRg st="9" end="9"/>
+                                            </p:txEl>
+                                          </p:spTgt>
+                                        </p:tgtEl>
+                                      </p:cBhvr>
+                                    </p:animEffect>
+                                  </p:childTnLst>
+                                </p:cTn>
+                              </p:par>
+                            </p:childTnLst>
+                          </p:cTn>
+                        </p:par>
+                      </p:childTnLst>
+                    </p:cTn>
+                  </p:par>
+                </p:childTnLst>
+              </p:cTn>
+              <p:prevCondLst>
+                <p:cond evt="onPrev" delay="0">
+                  <p:tgtEl>
+                    <p:sldTgt/>
+                  </p:tgtEl>
+                </p:cond>
+              </p:prevCondLst>
+              <p:nextCondLst>
+                <p:cond evt="onNext" delay="0">
+                  <p:tgtEl>
+                    <p:sldTgt/>
+                  </p:tgtEl>
+                </p:cond>
+              </p:nextCondLst>
+            </p:seq>
+          </p:childTnLst>
+        </p:cTn>
+      </p:par>
+    </p:tnLst>
+    <p:bldLst>
+      <p:bldP spid="3" grpId="0" build="p"/>
+    </p:bldLst>
+  </p:timing>
+</p:sld>
+</file>
+
+<file path=ppt/slides/slide28.xml><?xml version="1.0" encoding="utf-8"?>
+<p:sld xmlns:a="http://schemas.openxmlformats.org/drawingml/2006/main" xmlns:r="http://schemas.openxmlformats.org/officeDocument/2006/relationships" xmlns:p="http://schemas.openxmlformats.org/presentationml/2006/main">
+  <p:cSld>
+    <p:spTree>
+      <p:nvGrpSpPr>
+        <p:cNvPr id="1" name=""/>
+        <p:cNvGrpSpPr/>
+        <p:nvPr/>
+      </p:nvGrpSpPr>
+      <p:grpSpPr>
+        <a:xfrm>
+          <a:off x="0" y="0"/>
+          <a:ext cx="0" cy="0"/>
+          <a:chOff x="0" y="0"/>
+          <a:chExt cx="0" cy="0"/>
+        </a:xfrm>
+      </p:grpSpPr>
+      <p:sp>
+        <p:nvSpPr>
+          <p:cNvPr id="2" name="Title 1">
+            <a:extLst>
+              <a:ext uri="{FF2B5EF4-FFF2-40B4-BE49-F238E27FC236}">
+                <a16:creationId xmlns:a16="http://schemas.microsoft.com/office/drawing/2014/main" id="{178FC9BC-162C-754A-A134-D392F08CDBEE}"/>
+              </a:ext>
+            </a:extLst>
+          </p:cNvPr>
+          <p:cNvSpPr>
+            <a:spLocks noGrp="1"/>
+          </p:cNvSpPr>
+          <p:nvPr>
+            <p:ph type="title"/>
+          </p:nvPr>
+        </p:nvSpPr>
+        <p:spPr/>
+        <p:txBody>
+          <a:bodyPr/>
+          <a:lstStyle/>
+          <a:p>
+            <a:r>
+              <a:rPr lang="en-US" dirty="0"/>
+              <a:t>Install Python Requests</a:t>
+            </a:r>
+          </a:p>
+        </p:txBody>
+      </p:sp>
+      <p:sp>
+        <p:nvSpPr>
+          <p:cNvPr id="3" name="Content Placeholder 2">
+            <a:extLst>
+              <a:ext uri="{FF2B5EF4-FFF2-40B4-BE49-F238E27FC236}">
+                <a16:creationId xmlns:a16="http://schemas.microsoft.com/office/drawing/2014/main" id="{0ECC7DC7-0671-F543-9991-CF8210E2567B}"/>
+              </a:ext>
+            </a:extLst>
+          </p:cNvPr>
+          <p:cNvSpPr>
+            <a:spLocks noGrp="1"/>
+          </p:cNvSpPr>
+          <p:nvPr>
+            <p:ph idx="1"/>
+          </p:nvPr>
+        </p:nvSpPr>
+        <p:spPr/>
+        <p:txBody>
+          <a:bodyPr/>
+          <a:lstStyle/>
+          <a:p>
+            <a:r>
+              <a:rPr lang="en-US" dirty="0"/>
+              <a:t>Run the Docker Container for the hands-on exercises</a:t>
+            </a:r>
+          </a:p>
+          <a:p>
+            <a:r>
+              <a:rPr lang="en-US" dirty="0"/>
+              <a:t>Enter the commands:</a:t>
+            </a:r>
+          </a:p>
+          <a:p>
+            <a:pPr marL="457200" lvl="1" indent="0">
+              <a:buNone/>
+            </a:pPr>
+            <a:r>
+              <a:rPr lang="en-US" sz="2800" b="1" i="1" dirty="0">
+                <a:solidFill>
+                  <a:srgbClr val="FFFF00"/>
+                </a:solidFill>
+              </a:rPr>
+              <a:t>pip install requests</a:t>
+            </a:r>
+          </a:p>
+          <a:p>
+            <a:pPr marL="457200" lvl="1" indent="0">
+              <a:buNone/>
+            </a:pPr>
+            <a:r>
+              <a:rPr lang="en-US" sz="2800" b="1" i="1" dirty="0">
+                <a:solidFill>
+                  <a:srgbClr val="FFFF00"/>
+                </a:solidFill>
+              </a:rPr>
+              <a:t>pip show requests</a:t>
+            </a:r>
+          </a:p>
+        </p:txBody>
+      </p:sp>
+      <p:sp>
+        <p:nvSpPr>
+          <p:cNvPr id="4" name="Date Placeholder 3">
+            <a:extLst>
+              <a:ext uri="{FF2B5EF4-FFF2-40B4-BE49-F238E27FC236}">
+                <a16:creationId xmlns:a16="http://schemas.microsoft.com/office/drawing/2014/main" id="{38C6DDB4-CE9E-4843-86A9-EFC27330D02F}"/>
+              </a:ext>
+            </a:extLst>
+          </p:cNvPr>
+          <p:cNvSpPr>
+            <a:spLocks noGrp="1"/>
+          </p:cNvSpPr>
+          <p:nvPr>
+            <p:ph type="dt" sz="half" idx="10"/>
+          </p:nvPr>
+        </p:nvSpPr>
+        <p:spPr/>
+        <p:txBody>
+          <a:bodyPr/>
+          <a:lstStyle/>
+          <a:p>
+            <a:r>
+              <a:rPr lang="en-US"/>
+              <a:t>World Wide Technology ©</a:t>
+            </a:r>
+            <a:endParaRPr lang="en-US" dirty="0"/>
+          </a:p>
+        </p:txBody>
+      </p:sp>
+      <p:sp>
+        <p:nvSpPr>
+          <p:cNvPr id="5" name="Slide Number Placeholder 4">
+            <a:extLst>
+              <a:ext uri="{FF2B5EF4-FFF2-40B4-BE49-F238E27FC236}">
+                <a16:creationId xmlns:a16="http://schemas.microsoft.com/office/drawing/2014/main" id="{09AD6D8E-DFAE-8E42-9152-B189D9284AD9}"/>
+              </a:ext>
+            </a:extLst>
+          </p:cNvPr>
+          <p:cNvSpPr>
+            <a:spLocks noGrp="1"/>
+          </p:cNvSpPr>
+          <p:nvPr>
+            <p:ph type="sldNum" sz="quarter" idx="12"/>
+          </p:nvPr>
+        </p:nvSpPr>
+        <p:spPr/>
+        <p:txBody>
+          <a:bodyPr/>
+          <a:lstStyle/>
+          <a:p>
+            <a:fld id="{A44B02FA-DD2D-1844-AE35-8B2EAB0CF4EF}" type="slidenum">
+              <a:rPr lang="en-US" smtClean="0"/>
+              <a:pPr/>
+              <a:t>28</a:t>
+            </a:fld>
+            <a:endParaRPr lang="en-US" dirty="0"/>
+          </a:p>
+        </p:txBody>
+      </p:sp>
+    </p:spTree>
+    <p:extLst>
+      <p:ext uri="{BB962C8B-B14F-4D97-AF65-F5344CB8AC3E}">
+        <p14:creationId xmlns:p14="http://schemas.microsoft.com/office/powerpoint/2010/main" val="2115800728"/>
+      </p:ext>
+    </p:extLst>
+  </p:cSld>
+  <p:clrMapOvr>
+    <a:masterClrMapping/>
+  </p:clrMapOvr>
+  <mc:AlternateContent xmlns:mc="http://schemas.openxmlformats.org/markup-compatibility/2006" xmlns:p14="http://schemas.microsoft.com/office/powerpoint/2010/main">
+    <mc:Choice Requires="p14">
+      <p:transition spd="med" p14:dur="700">
+        <p:fade/>
+      </p:transition>
+    </mc:Choice>
+    <mc:Fallback xmlns="">
+      <p:transition spd="med">
+        <p:fade/>
+      </p:transition>
+    </mc:Fallback>
+  </mc:AlternateContent>
+  <p:timing>
+    <p:tnLst>
+      <p:par>
+        <p:cTn id="1" dur="indefinite" restart="never" nodeType="tmRoot">
+          <p:childTnLst>
+            <p:seq concurrent="1" nextAc="seek">
+              <p:cTn id="2" dur="indefinite" nodeType="mainSeq">
+                <p:childTnLst>
+                  <p:par>
+                    <p:cTn id="3" fill="hold">
+                      <p:stCondLst>
+                        <p:cond delay="indefinite"/>
+                      </p:stCondLst>
+                      <p:childTnLst>
+                        <p:par>
+                          <p:cTn id="4" fill="hold">
+                            <p:stCondLst>
+                              <p:cond delay="0"/>
+                            </p:stCondLst>
+                            <p:childTnLst>
+                              <p:par>
+                                <p:cTn id="5" presetID="9" presetClass="entr" presetSubtype="0" fill="hold" grpId="0" nodeType="clickEffect">
+                                  <p:stCondLst>
+                                    <p:cond delay="0"/>
+                                  </p:stCondLst>
+                                  <p:childTnLst>
+                                    <p:set>
+                                      <p:cBhvr>
+                                        <p:cTn id="6" dur="1" fill="hold">
+                                          <p:stCondLst>
+                                            <p:cond delay="0"/>
+                                          </p:stCondLst>
+                                        </p:cTn>
+                                        <p:tgtEl>
+                                          <p:spTgt spid="3">
+                                            <p:txEl>
+                                              <p:pRg st="0" end="0"/>
+                                            </p:txEl>
+                                          </p:spTgt>
+                                        </p:tgtEl>
+                                        <p:attrNameLst>
+                                          <p:attrName>style.visibility</p:attrName>
+                                        </p:attrNameLst>
+                                      </p:cBhvr>
+                                      <p:to>
+                                        <p:strVal val="visible"/>
+                                      </p:to>
+                                    </p:set>
+                                    <p:animEffect transition="in" filter="dissolve">
+                                      <p:cBhvr>
+                                        <p:cTn id="7" dur="500"/>
+                                        <p:tgtEl>
+                                          <p:spTgt spid="3">
+                                            <p:txEl>
+                                              <p:pRg st="0" end="0"/>
+                                            </p:txEl>
+                                          </p:spTgt>
+                                        </p:tgtEl>
+                                      </p:cBhvr>
+                                    </p:animEffect>
+                                  </p:childTnLst>
+                                </p:cTn>
+                              </p:par>
+                            </p:childTnLst>
+                          </p:cTn>
+                        </p:par>
+                      </p:childTnLst>
+                    </p:cTn>
+                  </p:par>
+                  <p:par>
+                    <p:cTn id="8" fill="hold">
+                      <p:stCondLst>
+                        <p:cond delay="indefinite"/>
+                      </p:stCondLst>
+                      <p:childTnLst>
+                        <p:par>
+                          <p:cTn id="9" fill="hold">
+                            <p:stCondLst>
+                              <p:cond delay="0"/>
+                            </p:stCondLst>
+                            <p:childTnLst>
+                              <p:par>
+                                <p:cTn id="10" presetID="9" presetClass="entr" presetSubtype="0" fill="hold" grpId="0" nodeType="clickEffect">
+                                  <p:stCondLst>
+                                    <p:cond delay="0"/>
+                                  </p:stCondLst>
+                                  <p:childTnLst>
+                                    <p:set>
+                                      <p:cBhvr>
+                                        <p:cTn id="11" dur="1" fill="hold">
+                                          <p:stCondLst>
+                                            <p:cond delay="0"/>
+                                          </p:stCondLst>
+                                        </p:cTn>
+                                        <p:tgtEl>
+                                          <p:spTgt spid="3">
+                                            <p:txEl>
+                                              <p:pRg st="1" end="1"/>
+                                            </p:txEl>
+                                          </p:spTgt>
+                                        </p:tgtEl>
+                                        <p:attrNameLst>
+                                          <p:attrName>style.visibility</p:attrName>
+                                        </p:attrNameLst>
+                                      </p:cBhvr>
+                                      <p:to>
+                                        <p:strVal val="visible"/>
+                                      </p:to>
+                                    </p:set>
+                                    <p:animEffect transition="in" filter="dissolve">
+                                      <p:cBhvr>
+                                        <p:cTn id="12" dur="500"/>
+                                        <p:tgtEl>
+                                          <p:spTgt spid="3">
+                                            <p:txEl>
+                                              <p:pRg st="1" end="1"/>
+                                            </p:txEl>
+                                          </p:spTgt>
+                                        </p:tgtEl>
+                                      </p:cBhvr>
+                                    </p:animEffect>
+                                  </p:childTnLst>
+                                </p:cTn>
+                              </p:par>
+                              <p:par>
+                                <p:cTn id="13" presetID="9" presetClass="entr" presetSubtype="0" fill="hold" grpId="0" nodeType="withEffect">
+                                  <p:stCondLst>
+                                    <p:cond delay="0"/>
+                                  </p:stCondLst>
+                                  <p:childTnLst>
+                                    <p:set>
+                                      <p:cBhvr>
+                                        <p:cTn id="14" dur="1" fill="hold">
+                                          <p:stCondLst>
+                                            <p:cond delay="0"/>
+                                          </p:stCondLst>
+                                        </p:cTn>
+                                        <p:tgtEl>
+                                          <p:spTgt spid="3">
+                                            <p:txEl>
+                                              <p:pRg st="2" end="2"/>
+                                            </p:txEl>
+                                          </p:spTgt>
+                                        </p:tgtEl>
+                                        <p:attrNameLst>
+                                          <p:attrName>style.visibility</p:attrName>
+                                        </p:attrNameLst>
+                                      </p:cBhvr>
+                                      <p:to>
+                                        <p:strVal val="visible"/>
+                                      </p:to>
+                                    </p:set>
+                                    <p:animEffect transition="in" filter="dissolve">
+                                      <p:cBhvr>
+                                        <p:cTn id="15" dur="500"/>
+                                        <p:tgtEl>
+                                          <p:spTgt spid="3">
+                                            <p:txEl>
+                                              <p:pRg st="2" end="2"/>
+                                            </p:txEl>
+                                          </p:spTgt>
+                                        </p:tgtEl>
+                                      </p:cBhvr>
+                                    </p:animEffect>
+                                  </p:childTnLst>
+                                </p:cTn>
+                              </p:par>
+                              <p:par>
+                                <p:cTn id="16" presetID="9" presetClass="entr" presetSubtype="0" fill="hold" grpId="0" nodeType="withEffect">
+                                  <p:stCondLst>
+                                    <p:cond delay="0"/>
+                                  </p:stCondLst>
+                                  <p:childTnLst>
+                                    <p:set>
+                                      <p:cBhvr>
+                                        <p:cTn id="17" dur="1" fill="hold">
+                                          <p:stCondLst>
+                                            <p:cond delay="0"/>
+                                          </p:stCondLst>
+                                        </p:cTn>
+                                        <p:tgtEl>
+                                          <p:spTgt spid="3">
+                                            <p:txEl>
+                                              <p:pRg st="3" end="3"/>
+                                            </p:txEl>
+                                          </p:spTgt>
+                                        </p:tgtEl>
+                                        <p:attrNameLst>
+                                          <p:attrName>style.visibility</p:attrName>
+                                        </p:attrNameLst>
+                                      </p:cBhvr>
+                                      <p:to>
+                                        <p:strVal val="visible"/>
+                                      </p:to>
+                                    </p:set>
+                                    <p:animEffect transition="in" filter="dissolve">
+                                      <p:cBhvr>
+                                        <p:cTn id="18" dur="500"/>
+                                        <p:tgtEl>
+                                          <p:spTgt spid="3">
+                                            <p:txEl>
+                                              <p:pRg st="3" end="3"/>
+                                            </p:txEl>
+                                          </p:spTgt>
+                                        </p:tgtEl>
+                                      </p:cBhvr>
+                                    </p:animEffect>
+                                  </p:childTnLst>
+                                </p:cTn>
+                              </p:par>
+                            </p:childTnLst>
+                          </p:cTn>
+                        </p:par>
+                      </p:childTnLst>
+                    </p:cTn>
+                  </p:par>
+                </p:childTnLst>
+              </p:cTn>
+              <p:prevCondLst>
+                <p:cond evt="onPrev" delay="0">
+                  <p:tgtEl>
+                    <p:sldTgt/>
+                  </p:tgtEl>
+                </p:cond>
+              </p:prevCondLst>
+              <p:nextCondLst>
+                <p:cond evt="onNext" delay="0">
+                  <p:tgtEl>
+                    <p:sldTgt/>
+                  </p:tgtEl>
+                </p:cond>
+              </p:nextCondLst>
+            </p:seq>
+          </p:childTnLst>
+        </p:cTn>
+      </p:par>
+    </p:tnLst>
+    <p:bldLst>
+      <p:bldP spid="3" grpId="0" build="p"/>
+    </p:bldLst>
+  </p:timing>
 </p:sld>
 </file>
 
@@ -16755,10 +18490,10 @@
       </p:grpSpPr>
       <p:sp>
         <p:nvSpPr>
-          <p:cNvPr id="2" name="Title 1">
+          <p:cNvPr id="4" name="Date Placeholder 3">
             <a:extLst>
               <a:ext uri="{FF2B5EF4-FFF2-40B4-BE49-F238E27FC236}">
-                <a16:creationId xmlns:a16="http://schemas.microsoft.com/office/drawing/2014/main" id="{EB7C4089-1746-624B-8E73-D3DAB8E88CDD}"/>
+                <a16:creationId xmlns:a16="http://schemas.microsoft.com/office/drawing/2014/main" id="{0CD670A9-B06A-3448-BABA-FAD627500859}"/>
               </a:ext>
             </a:extLst>
           </p:cNvPr>
@@ -16766,137 +18501,6 @@
             <a:spLocks noGrp="1"/>
           </p:cNvSpPr>
           <p:nvPr>
-            <p:ph type="title"/>
-          </p:nvPr>
-        </p:nvSpPr>
-        <p:spPr/>
-        <p:txBody>
-          <a:bodyPr/>
-          <a:lstStyle/>
-          <a:p>
-            <a:r>
-              <a:rPr lang="en-US" dirty="0"/>
-              <a:t>Outline</a:t>
-            </a:r>
-          </a:p>
-        </p:txBody>
-      </p:sp>
-      <p:sp>
-        <p:nvSpPr>
-          <p:cNvPr id="3" name="Content Placeholder 2">
-            <a:extLst>
-              <a:ext uri="{FF2B5EF4-FFF2-40B4-BE49-F238E27FC236}">
-                <a16:creationId xmlns:a16="http://schemas.microsoft.com/office/drawing/2014/main" id="{65426B10-0364-A849-B3A4-1D0DA409155A}"/>
-              </a:ext>
-            </a:extLst>
-          </p:cNvPr>
-          <p:cNvSpPr>
-            <a:spLocks noGrp="1"/>
-          </p:cNvSpPr>
-          <p:nvPr>
-            <p:ph idx="1"/>
-          </p:nvPr>
-        </p:nvSpPr>
-        <p:spPr/>
-        <p:txBody>
-          <a:bodyPr>
-            <a:normAutofit lnSpcReduction="10000"/>
-          </a:bodyPr>
-          <a:lstStyle/>
-          <a:p>
-            <a:r>
-              <a:rPr lang="en-US" dirty="0"/>
-              <a:t>For each of these platforms:</a:t>
-            </a:r>
-          </a:p>
-          <a:p>
-            <a:pPr lvl="1"/>
-            <a:r>
-              <a:rPr lang="en-US" dirty="0"/>
-              <a:t>DNAC</a:t>
-            </a:r>
-          </a:p>
-          <a:p>
-            <a:pPr lvl="1"/>
-            <a:r>
-              <a:rPr lang="en-US" dirty="0" err="1"/>
-              <a:t>Webex</a:t>
-            </a:r>
-            <a:r>
-              <a:rPr lang="en-US" dirty="0"/>
-              <a:t> Teams</a:t>
-            </a:r>
-          </a:p>
-          <a:p>
-            <a:pPr lvl="1"/>
-            <a:r>
-              <a:rPr lang="en-US" dirty="0"/>
-              <a:t>Meraki</a:t>
-            </a:r>
-          </a:p>
-          <a:p>
-            <a:pPr lvl="1"/>
-            <a:r>
-              <a:rPr lang="en-US" dirty="0"/>
-              <a:t>ACI</a:t>
-            </a:r>
-          </a:p>
-          <a:p>
-            <a:pPr lvl="1"/>
-            <a:r>
-              <a:rPr lang="en-US" dirty="0"/>
-              <a:t>Firepower</a:t>
-            </a:r>
-          </a:p>
-          <a:p>
-            <a:pPr lvl="1"/>
-            <a:r>
-              <a:rPr lang="en-US" dirty="0"/>
-              <a:t>SD-WAN</a:t>
-            </a:r>
-          </a:p>
-          <a:p>
-            <a:r>
-              <a:rPr lang="en-US" dirty="0"/>
-              <a:t>Perform the following tasks:</a:t>
-            </a:r>
-          </a:p>
-          <a:p>
-            <a:pPr lvl="1"/>
-            <a:r>
-              <a:rPr lang="en-US" dirty="0"/>
-              <a:t>Platform summary overview</a:t>
-            </a:r>
-          </a:p>
-          <a:p>
-            <a:pPr lvl="1"/>
-            <a:r>
-              <a:rPr lang="en-US" dirty="0"/>
-              <a:t>Review API documentation </a:t>
-            </a:r>
-          </a:p>
-          <a:p>
-            <a:pPr lvl="1"/>
-            <a:r>
-              <a:rPr lang="en-US" dirty="0"/>
-              <a:t>Review resources available for programmatic access/practice/testing</a:t>
-            </a:r>
-          </a:p>
-        </p:txBody>
-      </p:sp>
-      <p:sp>
-        <p:nvSpPr>
-          <p:cNvPr id="4" name="Date Placeholder 3">
-            <a:extLst>
-              <a:ext uri="{FF2B5EF4-FFF2-40B4-BE49-F238E27FC236}">
-                <a16:creationId xmlns:a16="http://schemas.microsoft.com/office/drawing/2014/main" id="{7ECEAF79-F4AC-E94E-9E55-220D0D396924}"/>
-              </a:ext>
-            </a:extLst>
-          </p:cNvPr>
-          <p:cNvSpPr>
-            <a:spLocks noGrp="1"/>
-          </p:cNvSpPr>
-          <p:nvPr>
             <p:ph type="dt" sz="half" idx="10"/>
           </p:nvPr>
         </p:nvSpPr>
@@ -16918,7 +18522,7 @@
           <p:cNvPr id="5" name="Slide Number Placeholder 4">
             <a:extLst>
               <a:ext uri="{FF2B5EF4-FFF2-40B4-BE49-F238E27FC236}">
-                <a16:creationId xmlns:a16="http://schemas.microsoft.com/office/drawing/2014/main" id="{372DC1A4-CE8B-DB4A-8F86-2508518C35D3}"/>
+                <a16:creationId xmlns:a16="http://schemas.microsoft.com/office/drawing/2014/main" id="{119DACAD-17C1-C249-A498-C4A1A1ADD334}"/>
               </a:ext>
             </a:extLst>
           </p:cNvPr>
@@ -16946,7 +18550,7 @@
     </p:spTree>
     <p:extLst>
       <p:ext uri="{BB962C8B-B14F-4D97-AF65-F5344CB8AC3E}">
-        <p14:creationId xmlns:p14="http://schemas.microsoft.com/office/powerpoint/2010/main" val="1513264745"/>
+        <p14:creationId xmlns:p14="http://schemas.microsoft.com/office/powerpoint/2010/main" val="1776799651"/>
       </p:ext>
     </p:extLst>
   </p:cSld>
@@ -17368,7 +18972,7 @@
           <p:cNvPr id="2" name="Title 1">
             <a:extLst>
               <a:ext uri="{FF2B5EF4-FFF2-40B4-BE49-F238E27FC236}">
-                <a16:creationId xmlns:a16="http://schemas.microsoft.com/office/drawing/2014/main" id="{9D8D6E4C-FC36-3E4C-9387-96DD20072D9D}"/>
+                <a16:creationId xmlns:a16="http://schemas.microsoft.com/office/drawing/2014/main" id="{178FC9BC-162C-754A-A134-D392F08CDBEE}"/>
               </a:ext>
             </a:extLst>
           </p:cNvPr>
@@ -17376,32 +18980,27 @@
             <a:spLocks noGrp="1"/>
           </p:cNvSpPr>
           <p:nvPr>
-            <p:ph type="ctrTitle"/>
-          </p:nvPr>
-        </p:nvSpPr>
-        <p:spPr>
-          <a:xfrm>
-            <a:off x="1524000" y="914013"/>
-            <a:ext cx="9144000" cy="2387600"/>
-          </a:xfrm>
-        </p:spPr>
+            <p:ph type="title"/>
+          </p:nvPr>
+        </p:nvSpPr>
+        <p:spPr/>
         <p:txBody>
           <a:bodyPr/>
           <a:lstStyle/>
           <a:p>
             <a:r>
               <a:rPr lang="en-US" dirty="0"/>
-              <a:t>Part V</a:t>
-            </a:r>
-          </a:p>
-        </p:txBody>
-      </p:sp>
-      <p:sp>
-        <p:nvSpPr>
-          <p:cNvPr id="3" name="Subtitle 2">
+              <a:t>Open a Python Interactive Shell</a:t>
+            </a:r>
+          </a:p>
+        </p:txBody>
+      </p:sp>
+      <p:sp>
+        <p:nvSpPr>
+          <p:cNvPr id="3" name="Content Placeholder 2">
             <a:extLst>
               <a:ext uri="{FF2B5EF4-FFF2-40B4-BE49-F238E27FC236}">
-                <a16:creationId xmlns:a16="http://schemas.microsoft.com/office/drawing/2014/main" id="{0451A0DE-9D64-5A48-94B5-5B4E42709819}"/>
+                <a16:creationId xmlns:a16="http://schemas.microsoft.com/office/drawing/2014/main" id="{0ECC7DC7-0671-F543-9991-CF8210E2567B}"/>
               </a:ext>
             </a:extLst>
           </p:cNvPr>
@@ -17409,27 +19008,152 @@
             <a:spLocks noGrp="1"/>
           </p:cNvSpPr>
           <p:nvPr>
-            <p:ph type="subTitle" idx="1"/>
-          </p:nvPr>
-        </p:nvSpPr>
-        <p:spPr>
-          <a:xfrm>
-            <a:off x="1524000" y="3393688"/>
-            <a:ext cx="9144000" cy="1655762"/>
-          </a:xfrm>
-        </p:spPr>
+            <p:ph idx="1"/>
+          </p:nvPr>
+        </p:nvSpPr>
+        <p:spPr/>
         <p:txBody>
           <a:bodyPr/>
           <a:lstStyle/>
           <a:p>
             <a:r>
+              <a:rPr lang="en-US" dirty="0" err="1"/>
+              <a:t>iPython</a:t>
+            </a:r>
+            <a:r>
               <a:rPr lang="en-US" dirty="0"/>
-              <a:t>Interact With Cisco Platform APIs Using </a:t>
-            </a:r>
-            <a:r>
-              <a:rPr lang="en-US" dirty="0" err="1"/>
-              <a:t>cURL</a:t>
-            </a:r>
+              <a:t> – enhanced</a:t>
+            </a:r>
+          </a:p>
+          <a:p>
+            <a:r>
+              <a:rPr lang="en-US" dirty="0"/>
+              <a:t>Open an interactive shell:</a:t>
+            </a:r>
+          </a:p>
+          <a:p>
+            <a:pPr lvl="1"/>
+            <a:r>
+              <a:rPr lang="en-US" sz="2800" dirty="0"/>
+              <a:t>IDLE – built-in Python shell</a:t>
+            </a:r>
+          </a:p>
+          <a:p>
+            <a:pPr marL="914400" lvl="2" indent="0">
+              <a:buNone/>
+            </a:pPr>
+            <a:r>
+              <a:rPr lang="en-US" sz="2800" b="1" i="1" dirty="0">
+                <a:solidFill>
+                  <a:srgbClr val="FFFF00"/>
+                </a:solidFill>
+              </a:rPr>
+              <a:t>python</a:t>
+            </a:r>
+            <a:endParaRPr lang="en-US" sz="2800" dirty="0"/>
+          </a:p>
+          <a:p>
+            <a:pPr lvl="1"/>
+            <a:r>
+              <a:rPr lang="en-US" sz="2800" dirty="0" err="1"/>
+              <a:t>iPython</a:t>
+            </a:r>
+            <a:r>
+              <a:rPr lang="en-US" sz="2800" dirty="0"/>
+              <a:t> – 3</a:t>
+            </a:r>
+            <a:r>
+              <a:rPr lang="en-US" sz="2800" baseline="30000" dirty="0"/>
+              <a:t>rd</a:t>
+            </a:r>
+            <a:r>
+              <a:rPr lang="en-US" sz="2800" dirty="0"/>
+              <a:t> party Python shell</a:t>
+            </a:r>
+          </a:p>
+          <a:p>
+            <a:pPr marL="457200" lvl="1" indent="0">
+              <a:buNone/>
+            </a:pPr>
+            <a:r>
+              <a:rPr lang="en-US" sz="2800" b="1" i="1" dirty="0">
+                <a:solidFill>
+                  <a:srgbClr val="FFFF00"/>
+                </a:solidFill>
+              </a:rPr>
+              <a:t>	</a:t>
+            </a:r>
+            <a:r>
+              <a:rPr lang="en-US" sz="2800" b="1" i="1" dirty="0" err="1">
+                <a:solidFill>
+                  <a:srgbClr val="FFFF00"/>
+                </a:solidFill>
+              </a:rPr>
+              <a:t>ipython</a:t>
+            </a:r>
+            <a:endParaRPr lang="en-US" sz="2800" b="1" i="1" dirty="0">
+              <a:solidFill>
+                <a:srgbClr val="FFFF00"/>
+              </a:solidFill>
+            </a:endParaRPr>
+          </a:p>
+        </p:txBody>
+      </p:sp>
+      <p:sp>
+        <p:nvSpPr>
+          <p:cNvPr id="4" name="Date Placeholder 3">
+            <a:extLst>
+              <a:ext uri="{FF2B5EF4-FFF2-40B4-BE49-F238E27FC236}">
+                <a16:creationId xmlns:a16="http://schemas.microsoft.com/office/drawing/2014/main" id="{38C6DDB4-CE9E-4843-86A9-EFC27330D02F}"/>
+              </a:ext>
+            </a:extLst>
+          </p:cNvPr>
+          <p:cNvSpPr>
+            <a:spLocks noGrp="1"/>
+          </p:cNvSpPr>
+          <p:nvPr>
+            <p:ph type="dt" sz="half" idx="10"/>
+          </p:nvPr>
+        </p:nvSpPr>
+        <p:spPr/>
+        <p:txBody>
+          <a:bodyPr/>
+          <a:lstStyle/>
+          <a:p>
+            <a:r>
+              <a:rPr lang="en-US"/>
+              <a:t>World Wide Technology ©</a:t>
+            </a:r>
+            <a:endParaRPr lang="en-US" dirty="0"/>
+          </a:p>
+        </p:txBody>
+      </p:sp>
+      <p:sp>
+        <p:nvSpPr>
+          <p:cNvPr id="5" name="Slide Number Placeholder 4">
+            <a:extLst>
+              <a:ext uri="{FF2B5EF4-FFF2-40B4-BE49-F238E27FC236}">
+                <a16:creationId xmlns:a16="http://schemas.microsoft.com/office/drawing/2014/main" id="{09AD6D8E-DFAE-8E42-9152-B189D9284AD9}"/>
+              </a:ext>
+            </a:extLst>
+          </p:cNvPr>
+          <p:cNvSpPr>
+            <a:spLocks noGrp="1"/>
+          </p:cNvSpPr>
+          <p:nvPr>
+            <p:ph type="sldNum" sz="quarter" idx="12"/>
+          </p:nvPr>
+        </p:nvSpPr>
+        <p:spPr/>
+        <p:txBody>
+          <a:bodyPr/>
+          <a:lstStyle/>
+          <a:p>
+            <a:fld id="{A44B02FA-DD2D-1844-AE35-8B2EAB0CF4EF}" type="slidenum">
+              <a:rPr lang="en-US" smtClean="0"/>
+              <a:pPr/>
+              <a:t>30</a:t>
+            </a:fld>
             <a:endParaRPr lang="en-US" dirty="0"/>
           </a:p>
         </p:txBody>
@@ -17437,7 +19161,7 @@
     </p:spTree>
     <p:extLst>
       <p:ext uri="{BB962C8B-B14F-4D97-AF65-F5344CB8AC3E}">
-        <p14:creationId xmlns:p14="http://schemas.microsoft.com/office/powerpoint/2010/main" val="2203929534"/>
+        <p14:creationId xmlns:p14="http://schemas.microsoft.com/office/powerpoint/2010/main" val="1137288392"/>
       </p:ext>
     </p:extLst>
   </p:cSld>
@@ -17456,6 +19180,333 @@
       </p:transition>
     </mc:Fallback>
   </mc:AlternateContent>
+  <p:timing>
+    <p:tnLst>
+      <p:par>
+        <p:cTn id="1" dur="indefinite" restart="never" nodeType="tmRoot">
+          <p:childTnLst>
+            <p:seq concurrent="1" nextAc="seek">
+              <p:cTn id="2" dur="indefinite" nodeType="mainSeq">
+                <p:childTnLst>
+                  <p:par>
+                    <p:cTn id="3" fill="hold">
+                      <p:stCondLst>
+                        <p:cond delay="indefinite"/>
+                      </p:stCondLst>
+                      <p:childTnLst>
+                        <p:par>
+                          <p:cTn id="4" fill="hold">
+                            <p:stCondLst>
+                              <p:cond delay="0"/>
+                            </p:stCondLst>
+                            <p:childTnLst>
+                              <p:par>
+                                <p:cTn id="5" presetID="9" presetClass="entr" presetSubtype="0" fill="hold" grpId="0" nodeType="clickEffect">
+                                  <p:stCondLst>
+                                    <p:cond delay="0"/>
+                                  </p:stCondLst>
+                                  <p:childTnLst>
+                                    <p:set>
+                                      <p:cBhvr>
+                                        <p:cTn id="6" dur="1" fill="hold">
+                                          <p:stCondLst>
+                                            <p:cond delay="0"/>
+                                          </p:stCondLst>
+                                        </p:cTn>
+                                        <p:tgtEl>
+                                          <p:spTgt spid="3">
+                                            <p:txEl>
+                                              <p:pRg st="0" end="0"/>
+                                            </p:txEl>
+                                          </p:spTgt>
+                                        </p:tgtEl>
+                                        <p:attrNameLst>
+                                          <p:attrName>style.visibility</p:attrName>
+                                        </p:attrNameLst>
+                                      </p:cBhvr>
+                                      <p:to>
+                                        <p:strVal val="visible"/>
+                                      </p:to>
+                                    </p:set>
+                                    <p:animEffect transition="in" filter="dissolve">
+                                      <p:cBhvr>
+                                        <p:cTn id="7" dur="500"/>
+                                        <p:tgtEl>
+                                          <p:spTgt spid="3">
+                                            <p:txEl>
+                                              <p:pRg st="0" end="0"/>
+                                            </p:txEl>
+                                          </p:spTgt>
+                                        </p:tgtEl>
+                                      </p:cBhvr>
+                                    </p:animEffect>
+                                  </p:childTnLst>
+                                </p:cTn>
+                              </p:par>
+                            </p:childTnLst>
+                          </p:cTn>
+                        </p:par>
+                      </p:childTnLst>
+                    </p:cTn>
+                  </p:par>
+                  <p:par>
+                    <p:cTn id="8" fill="hold">
+                      <p:stCondLst>
+                        <p:cond delay="indefinite"/>
+                      </p:stCondLst>
+                      <p:childTnLst>
+                        <p:par>
+                          <p:cTn id="9" fill="hold">
+                            <p:stCondLst>
+                              <p:cond delay="0"/>
+                            </p:stCondLst>
+                            <p:childTnLst>
+                              <p:par>
+                                <p:cTn id="10" presetID="9" presetClass="entr" presetSubtype="0" fill="hold" grpId="0" nodeType="clickEffect">
+                                  <p:stCondLst>
+                                    <p:cond delay="0"/>
+                                  </p:stCondLst>
+                                  <p:childTnLst>
+                                    <p:set>
+                                      <p:cBhvr>
+                                        <p:cTn id="11" dur="1" fill="hold">
+                                          <p:stCondLst>
+                                            <p:cond delay="0"/>
+                                          </p:stCondLst>
+                                        </p:cTn>
+                                        <p:tgtEl>
+                                          <p:spTgt spid="3">
+                                            <p:txEl>
+                                              <p:pRg st="1" end="1"/>
+                                            </p:txEl>
+                                          </p:spTgt>
+                                        </p:tgtEl>
+                                        <p:attrNameLst>
+                                          <p:attrName>style.visibility</p:attrName>
+                                        </p:attrNameLst>
+                                      </p:cBhvr>
+                                      <p:to>
+                                        <p:strVal val="visible"/>
+                                      </p:to>
+                                    </p:set>
+                                    <p:animEffect transition="in" filter="dissolve">
+                                      <p:cBhvr>
+                                        <p:cTn id="12" dur="500"/>
+                                        <p:tgtEl>
+                                          <p:spTgt spid="3">
+                                            <p:txEl>
+                                              <p:pRg st="1" end="1"/>
+                                            </p:txEl>
+                                          </p:spTgt>
+                                        </p:tgtEl>
+                                      </p:cBhvr>
+                                    </p:animEffect>
+                                  </p:childTnLst>
+                                </p:cTn>
+                              </p:par>
+                              <p:par>
+                                <p:cTn id="13" presetID="9" presetClass="entr" presetSubtype="0" fill="hold" grpId="0" nodeType="withEffect">
+                                  <p:stCondLst>
+                                    <p:cond delay="0"/>
+                                  </p:stCondLst>
+                                  <p:childTnLst>
+                                    <p:set>
+                                      <p:cBhvr>
+                                        <p:cTn id="14" dur="1" fill="hold">
+                                          <p:stCondLst>
+                                            <p:cond delay="0"/>
+                                          </p:stCondLst>
+                                        </p:cTn>
+                                        <p:tgtEl>
+                                          <p:spTgt spid="3">
+                                            <p:txEl>
+                                              <p:pRg st="2" end="2"/>
+                                            </p:txEl>
+                                          </p:spTgt>
+                                        </p:tgtEl>
+                                        <p:attrNameLst>
+                                          <p:attrName>style.visibility</p:attrName>
+                                        </p:attrNameLst>
+                                      </p:cBhvr>
+                                      <p:to>
+                                        <p:strVal val="visible"/>
+                                      </p:to>
+                                    </p:set>
+                                    <p:animEffect transition="in" filter="dissolve">
+                                      <p:cBhvr>
+                                        <p:cTn id="15" dur="500"/>
+                                        <p:tgtEl>
+                                          <p:spTgt spid="3">
+                                            <p:txEl>
+                                              <p:pRg st="2" end="2"/>
+                                            </p:txEl>
+                                          </p:spTgt>
+                                        </p:tgtEl>
+                                      </p:cBhvr>
+                                    </p:animEffect>
+                                  </p:childTnLst>
+                                </p:cTn>
+                              </p:par>
+                              <p:par>
+                                <p:cTn id="16" presetID="9" presetClass="entr" presetSubtype="0" fill="hold" grpId="0" nodeType="withEffect">
+                                  <p:stCondLst>
+                                    <p:cond delay="0"/>
+                                  </p:stCondLst>
+                                  <p:childTnLst>
+                                    <p:set>
+                                      <p:cBhvr>
+                                        <p:cTn id="17" dur="1" fill="hold">
+                                          <p:stCondLst>
+                                            <p:cond delay="0"/>
+                                          </p:stCondLst>
+                                        </p:cTn>
+                                        <p:tgtEl>
+                                          <p:spTgt spid="3">
+                                            <p:txEl>
+                                              <p:pRg st="3" end="3"/>
+                                            </p:txEl>
+                                          </p:spTgt>
+                                        </p:tgtEl>
+                                        <p:attrNameLst>
+                                          <p:attrName>style.visibility</p:attrName>
+                                        </p:attrNameLst>
+                                      </p:cBhvr>
+                                      <p:to>
+                                        <p:strVal val="visible"/>
+                                      </p:to>
+                                    </p:set>
+                                    <p:animEffect transition="in" filter="dissolve">
+                                      <p:cBhvr>
+                                        <p:cTn id="18" dur="500"/>
+                                        <p:tgtEl>
+                                          <p:spTgt spid="3">
+                                            <p:txEl>
+                                              <p:pRg st="3" end="3"/>
+                                            </p:txEl>
+                                          </p:spTgt>
+                                        </p:tgtEl>
+                                      </p:cBhvr>
+                                    </p:animEffect>
+                                  </p:childTnLst>
+                                </p:cTn>
+                              </p:par>
+                              <p:par>
+                                <p:cTn id="19" presetID="9" presetClass="entr" presetSubtype="0" fill="hold" grpId="0" nodeType="withEffect">
+                                  <p:stCondLst>
+                                    <p:cond delay="0"/>
+                                  </p:stCondLst>
+                                  <p:childTnLst>
+                                    <p:set>
+                                      <p:cBhvr>
+                                        <p:cTn id="20" dur="1" fill="hold">
+                                          <p:stCondLst>
+                                            <p:cond delay="0"/>
+                                          </p:stCondLst>
+                                        </p:cTn>
+                                        <p:tgtEl>
+                                          <p:spTgt spid="3">
+                                            <p:txEl>
+                                              <p:pRg st="4" end="4"/>
+                                            </p:txEl>
+                                          </p:spTgt>
+                                        </p:tgtEl>
+                                        <p:attrNameLst>
+                                          <p:attrName>style.visibility</p:attrName>
+                                        </p:attrNameLst>
+                                      </p:cBhvr>
+                                      <p:to>
+                                        <p:strVal val="visible"/>
+                                      </p:to>
+                                    </p:set>
+                                    <p:animEffect transition="in" filter="dissolve">
+                                      <p:cBhvr>
+                                        <p:cTn id="21" dur="500"/>
+                                        <p:tgtEl>
+                                          <p:spTgt spid="3">
+                                            <p:txEl>
+                                              <p:pRg st="4" end="4"/>
+                                            </p:txEl>
+                                          </p:spTgt>
+                                        </p:tgtEl>
+                                      </p:cBhvr>
+                                    </p:animEffect>
+                                  </p:childTnLst>
+                                </p:cTn>
+                              </p:par>
+                              <p:par>
+                                <p:cTn id="22" presetID="9" presetClass="entr" presetSubtype="0" fill="hold" grpId="0" nodeType="withEffect">
+                                  <p:stCondLst>
+                                    <p:cond delay="0"/>
+                                  </p:stCondLst>
+                                  <p:childTnLst>
+                                    <p:set>
+                                      <p:cBhvr>
+                                        <p:cTn id="23" dur="1" fill="hold">
+                                          <p:stCondLst>
+                                            <p:cond delay="0"/>
+                                          </p:stCondLst>
+                                        </p:cTn>
+                                        <p:tgtEl>
+                                          <p:spTgt spid="3">
+                                            <p:txEl>
+                                              <p:pRg st="5" end="5"/>
+                                            </p:txEl>
+                                          </p:spTgt>
+                                        </p:tgtEl>
+                                        <p:attrNameLst>
+                                          <p:attrName>style.visibility</p:attrName>
+                                        </p:attrNameLst>
+                                      </p:cBhvr>
+                                      <p:to>
+                                        <p:strVal val="visible"/>
+                                      </p:to>
+                                    </p:set>
+                                    <p:animEffect transition="in" filter="dissolve">
+                                      <p:cBhvr>
+                                        <p:cTn id="24" dur="500"/>
+                                        <p:tgtEl>
+                                          <p:spTgt spid="3">
+                                            <p:txEl>
+                                              <p:pRg st="5" end="5"/>
+                                            </p:txEl>
+                                          </p:spTgt>
+                                        </p:tgtEl>
+                                      </p:cBhvr>
+                                    </p:animEffect>
+                                  </p:childTnLst>
+                                </p:cTn>
+                              </p:par>
+                            </p:childTnLst>
+                          </p:cTn>
+                        </p:par>
+                      </p:childTnLst>
+                    </p:cTn>
+                  </p:par>
+                </p:childTnLst>
+              </p:cTn>
+              <p:prevCondLst>
+                <p:cond evt="onPrev" delay="0">
+                  <p:tgtEl>
+                    <p:sldTgt/>
+                  </p:tgtEl>
+                </p:cond>
+              </p:prevCondLst>
+              <p:nextCondLst>
+                <p:cond evt="onNext" delay="0">
+                  <p:tgtEl>
+                    <p:sldTgt/>
+                  </p:tgtEl>
+                </p:cond>
+              </p:nextCondLst>
+            </p:seq>
+          </p:childTnLst>
+        </p:cTn>
+      </p:par>
+    </p:tnLst>
+    <p:bldLst>
+      <p:bldP spid="3" grpId="0" build="p"/>
+    </p:bldLst>
+  </p:timing>
 </p:sld>
 </file>
 
@@ -17478,10 +19529,10 @@
       </p:grpSpPr>
       <p:sp>
         <p:nvSpPr>
-          <p:cNvPr id="2" name="Title 1">
+          <p:cNvPr id="4" name="Date Placeholder 3">
             <a:extLst>
               <a:ext uri="{FF2B5EF4-FFF2-40B4-BE49-F238E27FC236}">
-                <a16:creationId xmlns:a16="http://schemas.microsoft.com/office/drawing/2014/main" id="{EB7C4089-1746-624B-8E73-D3DAB8E88CDD}"/>
+                <a16:creationId xmlns:a16="http://schemas.microsoft.com/office/drawing/2014/main" id="{0CD670A9-B06A-3448-BABA-FAD627500859}"/>
               </a:ext>
             </a:extLst>
           </p:cNvPr>
@@ -17489,137 +19540,6 @@
             <a:spLocks noGrp="1"/>
           </p:cNvSpPr>
           <p:nvPr>
-            <p:ph type="title"/>
-          </p:nvPr>
-        </p:nvSpPr>
-        <p:spPr/>
-        <p:txBody>
-          <a:bodyPr/>
-          <a:lstStyle/>
-          <a:p>
-            <a:r>
-              <a:rPr lang="en-US" dirty="0"/>
-              <a:t>Outline</a:t>
-            </a:r>
-          </a:p>
-        </p:txBody>
-      </p:sp>
-      <p:sp>
-        <p:nvSpPr>
-          <p:cNvPr id="3" name="Content Placeholder 2">
-            <a:extLst>
-              <a:ext uri="{FF2B5EF4-FFF2-40B4-BE49-F238E27FC236}">
-                <a16:creationId xmlns:a16="http://schemas.microsoft.com/office/drawing/2014/main" id="{65426B10-0364-A849-B3A4-1D0DA409155A}"/>
-              </a:ext>
-            </a:extLst>
-          </p:cNvPr>
-          <p:cNvSpPr>
-            <a:spLocks noGrp="1"/>
-          </p:cNvSpPr>
-          <p:nvPr>
-            <p:ph idx="1"/>
-          </p:nvPr>
-        </p:nvSpPr>
-        <p:spPr/>
-        <p:txBody>
-          <a:bodyPr/>
-          <a:lstStyle/>
-          <a:p>
-            <a:r>
-              <a:rPr lang="en-US" dirty="0"/>
-              <a:t>For each of these platforms:</a:t>
-            </a:r>
-          </a:p>
-          <a:p>
-            <a:pPr lvl="1"/>
-            <a:r>
-              <a:rPr lang="en-US" dirty="0"/>
-              <a:t>DNAC</a:t>
-            </a:r>
-          </a:p>
-          <a:p>
-            <a:pPr lvl="1"/>
-            <a:r>
-              <a:rPr lang="en-US" dirty="0" err="1"/>
-              <a:t>Webex</a:t>
-            </a:r>
-            <a:r>
-              <a:rPr lang="en-US" dirty="0"/>
-              <a:t> Teams</a:t>
-            </a:r>
-          </a:p>
-          <a:p>
-            <a:pPr lvl="1"/>
-            <a:r>
-              <a:rPr lang="en-US" dirty="0"/>
-              <a:t>Meraki</a:t>
-            </a:r>
-          </a:p>
-          <a:p>
-            <a:pPr lvl="1"/>
-            <a:r>
-              <a:rPr lang="en-US" dirty="0"/>
-              <a:t>ACI</a:t>
-            </a:r>
-          </a:p>
-          <a:p>
-            <a:r>
-              <a:rPr lang="en-US" dirty="0"/>
-              <a:t>Perform the following tasks:</a:t>
-            </a:r>
-          </a:p>
-          <a:p>
-            <a:pPr lvl="1"/>
-            <a:r>
-              <a:rPr lang="en-US" dirty="0"/>
-              <a:t>Understand authentication methodology</a:t>
-            </a:r>
-          </a:p>
-          <a:p>
-            <a:pPr lvl="1"/>
-            <a:r>
-              <a:rPr lang="en-US" dirty="0"/>
-              <a:t>Build </a:t>
-            </a:r>
-            <a:r>
-              <a:rPr lang="en-US" dirty="0" err="1"/>
-              <a:t>cURL</a:t>
-            </a:r>
-            <a:r>
-              <a:rPr lang="en-US" dirty="0"/>
-              <a:t> request to authenticate</a:t>
-            </a:r>
-          </a:p>
-          <a:p>
-            <a:pPr lvl="1"/>
-            <a:r>
-              <a:rPr lang="en-US" dirty="0"/>
-              <a:t>Build </a:t>
-            </a:r>
-            <a:r>
-              <a:rPr lang="en-US" dirty="0" err="1"/>
-              <a:t>cURL</a:t>
-            </a:r>
-            <a:r>
-              <a:rPr lang="en-US" dirty="0"/>
-              <a:t> request(s) to read/write data</a:t>
-            </a:r>
-          </a:p>
-        </p:txBody>
-      </p:sp>
-      <p:sp>
-        <p:nvSpPr>
-          <p:cNvPr id="4" name="Date Placeholder 3">
-            <a:extLst>
-              <a:ext uri="{FF2B5EF4-FFF2-40B4-BE49-F238E27FC236}">
-                <a16:creationId xmlns:a16="http://schemas.microsoft.com/office/drawing/2014/main" id="{7ECEAF79-F4AC-E94E-9E55-220D0D396924}"/>
-              </a:ext>
-            </a:extLst>
-          </p:cNvPr>
-          <p:cNvSpPr>
-            <a:spLocks noGrp="1"/>
-          </p:cNvSpPr>
-          <p:nvPr>
             <p:ph type="dt" sz="half" idx="10"/>
           </p:nvPr>
         </p:nvSpPr>
@@ -17641,7 +19561,7 @@
           <p:cNvPr id="5" name="Slide Number Placeholder 4">
             <a:extLst>
               <a:ext uri="{FF2B5EF4-FFF2-40B4-BE49-F238E27FC236}">
-                <a16:creationId xmlns:a16="http://schemas.microsoft.com/office/drawing/2014/main" id="{372DC1A4-CE8B-DB4A-8F86-2508518C35D3}"/>
+                <a16:creationId xmlns:a16="http://schemas.microsoft.com/office/drawing/2014/main" id="{119DACAD-17C1-C249-A498-C4A1A1ADD334}"/>
               </a:ext>
             </a:extLst>
           </p:cNvPr>
@@ -17669,7 +19589,7 @@
     </p:spTree>
     <p:extLst>
       <p:ext uri="{BB962C8B-B14F-4D97-AF65-F5344CB8AC3E}">
-        <p14:creationId xmlns:p14="http://schemas.microsoft.com/office/powerpoint/2010/main" val="2063027843"/>
+        <p14:creationId xmlns:p14="http://schemas.microsoft.com/office/powerpoint/2010/main" val="3299636043"/>
       </p:ext>
     </p:extLst>
   </p:cSld>
@@ -17710,10 +19630,290 @@
       </p:grpSpPr>
       <p:sp>
         <p:nvSpPr>
+          <p:cNvPr id="3" name="Content Placeholder 2">
+            <a:extLst>
+              <a:ext uri="{FF2B5EF4-FFF2-40B4-BE49-F238E27FC236}">
+                <a16:creationId xmlns:a16="http://schemas.microsoft.com/office/drawing/2014/main" id="{4CB23FD9-ADE0-084E-A8CC-44CA0BA25AB3}"/>
+              </a:ext>
+            </a:extLst>
+          </p:cNvPr>
+          <p:cNvSpPr>
+            <a:spLocks noGrp="1"/>
+          </p:cNvSpPr>
+          <p:nvPr>
+            <p:ph idx="1"/>
+          </p:nvPr>
+        </p:nvSpPr>
+        <p:spPr>
+          <a:xfrm>
+            <a:off x="838200" y="1825625"/>
+            <a:ext cx="10515600" cy="4667250"/>
+          </a:xfrm>
+        </p:spPr>
+        <p:txBody>
+          <a:bodyPr>
+            <a:normAutofit/>
+          </a:bodyPr>
+          <a:lstStyle/>
+          <a:p>
+            <a:pPr marL="0" indent="0">
+              <a:buNone/>
+            </a:pPr>
+            <a:r>
+              <a:rPr lang="en-US" sz="2400" b="1" i="1" dirty="0">
+                <a:solidFill>
+                  <a:srgbClr val="FFFF00"/>
+                </a:solidFill>
+              </a:rPr>
+              <a:t>import requests</a:t>
+            </a:r>
+          </a:p>
+          <a:p>
+            <a:pPr marL="0" indent="0">
+              <a:buNone/>
+            </a:pPr>
+            <a:r>
+              <a:rPr lang="en-US" sz="2400" b="1" i="1" dirty="0" err="1">
+                <a:solidFill>
+                  <a:srgbClr val="FFFF00"/>
+                </a:solidFill>
+              </a:rPr>
+              <a:t>req_url</a:t>
+            </a:r>
+            <a:r>
+              <a:rPr lang="en-US" sz="2400" b="1" i="1" dirty="0">
+                <a:solidFill>
+                  <a:srgbClr val="FFFF00"/>
+                </a:solidFill>
+              </a:rPr>
+              <a:t> = 'https://</a:t>
+            </a:r>
+            <a:r>
+              <a:rPr lang="en-US" sz="2400" b="1" i="1" dirty="0" err="1">
+                <a:solidFill>
+                  <a:srgbClr val="FFFF00"/>
+                </a:solidFill>
+              </a:rPr>
+              <a:t>jsonplaceholder.typicode.com</a:t>
+            </a:r>
+            <a:r>
+              <a:rPr lang="en-US" sz="2400" b="1" i="1" dirty="0">
+                <a:solidFill>
+                  <a:srgbClr val="FFFF00"/>
+                </a:solidFill>
+              </a:rPr>
+              <a:t>/posts/1'</a:t>
+            </a:r>
+          </a:p>
+          <a:p>
+            <a:pPr marL="0" indent="0">
+              <a:buNone/>
+            </a:pPr>
+            <a:r>
+              <a:rPr lang="en-US" sz="2400" b="1" i="1" dirty="0" err="1">
+                <a:solidFill>
+                  <a:srgbClr val="FFFF00"/>
+                </a:solidFill>
+              </a:rPr>
+              <a:t>req_headers</a:t>
+            </a:r>
+            <a:r>
+              <a:rPr lang="en-US" sz="2400" b="1" i="1" dirty="0">
+                <a:solidFill>
+                  <a:srgbClr val="FFFF00"/>
+                </a:solidFill>
+              </a:rPr>
+              <a:t> = {'</a:t>
+            </a:r>
+            <a:r>
+              <a:rPr lang="en-US" sz="2400" b="1" i="1" dirty="0" err="1">
+                <a:solidFill>
+                  <a:srgbClr val="FFFF00"/>
+                </a:solidFill>
+              </a:rPr>
+              <a:t>Content-Type':'application</a:t>
+            </a:r>
+            <a:r>
+              <a:rPr lang="en-US" sz="2400" b="1" i="1" dirty="0">
+                <a:solidFill>
+                  <a:srgbClr val="FFFF00"/>
+                </a:solidFill>
+              </a:rPr>
+              <a:t>/json'}</a:t>
+            </a:r>
+          </a:p>
+          <a:p>
+            <a:pPr marL="0" indent="0">
+              <a:buNone/>
+            </a:pPr>
+            <a:r>
+              <a:rPr lang="en-US" sz="2400" b="1" i="1" dirty="0">
+                <a:solidFill>
+                  <a:srgbClr val="FFFF00"/>
+                </a:solidFill>
+              </a:rPr>
+              <a:t>response = </a:t>
+            </a:r>
+            <a:r>
+              <a:rPr lang="en-US" sz="2400" b="1" i="1" dirty="0" err="1">
+                <a:solidFill>
+                  <a:srgbClr val="FFFF00"/>
+                </a:solidFill>
+              </a:rPr>
+              <a:t>requests.get</a:t>
+            </a:r>
+            <a:r>
+              <a:rPr lang="en-US" sz="2400" b="1" i="1" dirty="0">
+                <a:solidFill>
+                  <a:srgbClr val="FFFF00"/>
+                </a:solidFill>
+              </a:rPr>
+              <a:t>(</a:t>
+            </a:r>
+            <a:r>
+              <a:rPr lang="en-US" sz="2400" b="1" i="1" dirty="0" err="1">
+                <a:solidFill>
+                  <a:srgbClr val="FFFF00"/>
+                </a:solidFill>
+              </a:rPr>
+              <a:t>req_url</a:t>
+            </a:r>
+            <a:r>
+              <a:rPr lang="en-US" sz="2400" b="1" i="1" dirty="0">
+                <a:solidFill>
+                  <a:srgbClr val="FFFF00"/>
+                </a:solidFill>
+              </a:rPr>
+              <a:t>, headers=</a:t>
+            </a:r>
+            <a:r>
+              <a:rPr lang="en-US" sz="2400" b="1" i="1" dirty="0" err="1">
+                <a:solidFill>
+                  <a:srgbClr val="FFFF00"/>
+                </a:solidFill>
+              </a:rPr>
+              <a:t>req_headers</a:t>
+            </a:r>
+            <a:r>
+              <a:rPr lang="en-US" sz="2400" b="1" i="1" dirty="0">
+                <a:solidFill>
+                  <a:srgbClr val="FFFF00"/>
+                </a:solidFill>
+              </a:rPr>
+              <a:t>)</a:t>
+            </a:r>
+          </a:p>
+          <a:p>
+            <a:pPr marL="0" indent="0">
+              <a:buNone/>
+            </a:pPr>
+            <a:r>
+              <a:rPr lang="en-US" sz="2400" b="1" i="1" dirty="0">
+                <a:solidFill>
+                  <a:srgbClr val="FFFF00"/>
+                </a:solidFill>
+              </a:rPr>
+              <a:t>print(f'{</a:t>
+            </a:r>
+            <a:r>
+              <a:rPr lang="en-US" sz="2400" b="1" i="1" dirty="0" err="1">
+                <a:solidFill>
+                  <a:srgbClr val="FFFF00"/>
+                </a:solidFill>
+              </a:rPr>
+              <a:t>response.status_code</a:t>
+            </a:r>
+            <a:r>
+              <a:rPr lang="en-US" sz="2400" b="1" i="1" dirty="0">
+                <a:solidFill>
+                  <a:srgbClr val="FFFF00"/>
+                </a:solidFill>
+              </a:rPr>
+              <a:t>} {</a:t>
+            </a:r>
+            <a:r>
+              <a:rPr lang="en-US" sz="2400" b="1" i="1" dirty="0" err="1">
+                <a:solidFill>
+                  <a:srgbClr val="FFFF00"/>
+                </a:solidFill>
+              </a:rPr>
+              <a:t>response.reason</a:t>
+            </a:r>
+            <a:r>
+              <a:rPr lang="en-US" sz="2400" b="1" i="1" dirty="0">
+                <a:solidFill>
+                  <a:srgbClr val="FFFF00"/>
+                </a:solidFill>
+              </a:rPr>
+              <a:t>}')</a:t>
+            </a:r>
+          </a:p>
+          <a:p>
+            <a:pPr marL="0" indent="0">
+              <a:buNone/>
+            </a:pPr>
+            <a:r>
+              <a:rPr lang="en-US" sz="2400" b="1" i="1" dirty="0">
+                <a:solidFill>
+                  <a:srgbClr val="FFFF00"/>
+                </a:solidFill>
+              </a:rPr>
+              <a:t>print(</a:t>
+            </a:r>
+            <a:r>
+              <a:rPr lang="en-US" sz="2400" b="1" i="1" dirty="0" err="1">
+                <a:solidFill>
+                  <a:srgbClr val="FFFF00"/>
+                </a:solidFill>
+              </a:rPr>
+              <a:t>response.text</a:t>
+            </a:r>
+            <a:r>
+              <a:rPr lang="en-US" sz="2400" b="1" i="1" dirty="0">
+                <a:solidFill>
+                  <a:srgbClr val="FFFF00"/>
+                </a:solidFill>
+              </a:rPr>
+              <a:t>)</a:t>
+            </a:r>
+          </a:p>
+          <a:p>
+            <a:r>
+              <a:rPr lang="en-US" sz="2400" dirty="0"/>
+              <a:t>Import the requests module</a:t>
+            </a:r>
+            <a:endParaRPr lang="en-US" sz="2400" dirty="0">
+              <a:solidFill>
+                <a:srgbClr val="FFFF00"/>
+              </a:solidFill>
+            </a:endParaRPr>
+          </a:p>
+          <a:p>
+            <a:r>
+              <a:rPr lang="en-US" sz="2400" dirty="0"/>
+              <a:t>Assign the URL and header values to variables</a:t>
+            </a:r>
+          </a:p>
+          <a:p>
+            <a:r>
+              <a:rPr lang="en-US" sz="2400" dirty="0"/>
+              <a:t>Perform the HTTP GET and store the response object in a variable</a:t>
+            </a:r>
+          </a:p>
+          <a:p>
+            <a:r>
+              <a:rPr lang="en-US" sz="2400" dirty="0"/>
+              <a:t>Print the results to the terminal</a:t>
+            </a:r>
+          </a:p>
+        </p:txBody>
+      </p:sp>
+      <p:sp>
+        <p:nvSpPr>
           <p:cNvPr id="2" name="Title 1">
             <a:extLst>
               <a:ext uri="{FF2B5EF4-FFF2-40B4-BE49-F238E27FC236}">
-                <a16:creationId xmlns:a16="http://schemas.microsoft.com/office/drawing/2014/main" id="{9D8D6E4C-FC36-3E4C-9387-96DD20072D9D}"/>
+                <a16:creationId xmlns:a16="http://schemas.microsoft.com/office/drawing/2014/main" id="{AC0D55DF-385E-9A4F-AB08-FEBC11990B8B}"/>
               </a:ext>
             </a:extLst>
           </p:cNvPr>
@@ -17721,32 +19921,27 @@
             <a:spLocks noGrp="1"/>
           </p:cNvSpPr>
           <p:nvPr>
-            <p:ph type="ctrTitle"/>
-          </p:nvPr>
-        </p:nvSpPr>
-        <p:spPr>
-          <a:xfrm>
-            <a:off x="1524000" y="914013"/>
-            <a:ext cx="9144000" cy="2387600"/>
-          </a:xfrm>
-        </p:spPr>
+            <p:ph type="title"/>
+          </p:nvPr>
+        </p:nvSpPr>
+        <p:spPr/>
         <p:txBody>
           <a:bodyPr/>
           <a:lstStyle/>
           <a:p>
             <a:r>
               <a:rPr lang="en-US" dirty="0"/>
-              <a:t>Part VI</a:t>
-            </a:r>
-          </a:p>
-        </p:txBody>
-      </p:sp>
-      <p:sp>
-        <p:nvSpPr>
-          <p:cNvPr id="3" name="Subtitle 2">
+              <a:t>Python Requests Command Examples</a:t>
+            </a:r>
+          </a:p>
+        </p:txBody>
+      </p:sp>
+      <p:sp>
+        <p:nvSpPr>
+          <p:cNvPr id="4" name="Date Placeholder 3">
             <a:extLst>
               <a:ext uri="{FF2B5EF4-FFF2-40B4-BE49-F238E27FC236}">
-                <a16:creationId xmlns:a16="http://schemas.microsoft.com/office/drawing/2014/main" id="{0451A0DE-9D64-5A48-94B5-5B4E42709819}"/>
+                <a16:creationId xmlns:a16="http://schemas.microsoft.com/office/drawing/2014/main" id="{6E8781CE-B8A7-7540-B619-28D099093D8B}"/>
               </a:ext>
             </a:extLst>
           </p:cNvPr>
@@ -17754,30 +19949,380 @@
             <a:spLocks noGrp="1"/>
           </p:cNvSpPr>
           <p:nvPr>
-            <p:ph type="subTitle" idx="1"/>
-          </p:nvPr>
+            <p:ph type="dt" sz="half" idx="10"/>
+          </p:nvPr>
+        </p:nvSpPr>
+        <p:spPr/>
+        <p:txBody>
+          <a:bodyPr/>
+          <a:lstStyle/>
+          <a:p>
+            <a:r>
+              <a:rPr lang="en-US"/>
+              <a:t>World Wide Technology ©</a:t>
+            </a:r>
+            <a:endParaRPr lang="en-US" dirty="0"/>
+          </a:p>
+        </p:txBody>
+      </p:sp>
+      <p:sp>
+        <p:nvSpPr>
+          <p:cNvPr id="5" name="Slide Number Placeholder 4">
+            <a:extLst>
+              <a:ext uri="{FF2B5EF4-FFF2-40B4-BE49-F238E27FC236}">
+                <a16:creationId xmlns:a16="http://schemas.microsoft.com/office/drawing/2014/main" id="{222BEAA2-2326-1F4D-9BCE-0FC3EC23B201}"/>
+              </a:ext>
+            </a:extLst>
+          </p:cNvPr>
+          <p:cNvSpPr>
+            <a:spLocks noGrp="1"/>
+          </p:cNvSpPr>
+          <p:nvPr>
+            <p:ph type="sldNum" sz="quarter" idx="12"/>
+          </p:nvPr>
+        </p:nvSpPr>
+        <p:spPr/>
+        <p:txBody>
+          <a:bodyPr/>
+          <a:lstStyle/>
+          <a:p>
+            <a:fld id="{A44B02FA-DD2D-1844-AE35-8B2EAB0CF4EF}" type="slidenum">
+              <a:rPr lang="en-US" smtClean="0"/>
+              <a:pPr/>
+              <a:t>32</a:t>
+            </a:fld>
+            <a:endParaRPr lang="en-US" dirty="0"/>
+          </a:p>
+        </p:txBody>
+      </p:sp>
+      <p:sp>
+        <p:nvSpPr>
+          <p:cNvPr id="6" name="Rectangle 5">
+            <a:extLst>
+              <a:ext uri="{FF2B5EF4-FFF2-40B4-BE49-F238E27FC236}">
+                <a16:creationId xmlns:a16="http://schemas.microsoft.com/office/drawing/2014/main" id="{8026FF69-6C82-7043-9603-B53878D1AFAB}"/>
+              </a:ext>
+            </a:extLst>
+          </p:cNvPr>
+          <p:cNvSpPr/>
+          <p:nvPr/>
         </p:nvSpPr>
         <p:spPr>
           <a:xfrm>
-            <a:off x="1524000" y="3393688"/>
-            <a:ext cx="9144000" cy="1655762"/>
+            <a:off x="909613" y="1864140"/>
+            <a:ext cx="2033884" cy="346075"/>
           </a:xfrm>
+          <a:prstGeom prst="rect">
+            <a:avLst/>
+          </a:prstGeom>
+          <a:solidFill>
+            <a:schemeClr val="tx1">
+              <a:alpha val="40000"/>
+            </a:schemeClr>
+          </a:solidFill>
+          <a:ln>
+            <a:noFill/>
+          </a:ln>
         </p:spPr>
-        <p:txBody>
-          <a:bodyPr/>
+        <p:style>
+          <a:lnRef idx="2">
+            <a:schemeClr val="accent1">
+              <a:shade val="50000"/>
+            </a:schemeClr>
+          </a:lnRef>
+          <a:fillRef idx="1">
+            <a:schemeClr val="accent1"/>
+          </a:fillRef>
+          <a:effectRef idx="0">
+            <a:schemeClr val="accent1"/>
+          </a:effectRef>
+          <a:fontRef idx="minor">
+            <a:schemeClr val="lt1"/>
+          </a:fontRef>
+        </p:style>
+        <p:txBody>
+          <a:bodyPr rtlCol="0" anchor="ctr"/>
           <a:lstStyle/>
           <a:p>
-            <a:r>
-              <a:rPr lang="en-US" dirty="0"/>
-              <a:t>Interact With Cisco Platform APIs Using Python Requests</a:t>
-            </a:r>
+            <a:pPr algn="ctr"/>
+            <a:endParaRPr lang="en-US" dirty="0"/>
+          </a:p>
+        </p:txBody>
+      </p:sp>
+      <p:sp>
+        <p:nvSpPr>
+          <p:cNvPr id="7" name="Rectangle 6">
+            <a:extLst>
+              <a:ext uri="{FF2B5EF4-FFF2-40B4-BE49-F238E27FC236}">
+                <a16:creationId xmlns:a16="http://schemas.microsoft.com/office/drawing/2014/main" id="{D7F10BD3-DB22-7043-8433-B6CE34EB4FEE}"/>
+              </a:ext>
+            </a:extLst>
+          </p:cNvPr>
+          <p:cNvSpPr/>
+          <p:nvPr/>
+        </p:nvSpPr>
+        <p:spPr>
+          <a:xfrm>
+            <a:off x="909613" y="2323382"/>
+            <a:ext cx="7224193" cy="346075"/>
+          </a:xfrm>
+          <a:prstGeom prst="rect">
+            <a:avLst/>
+          </a:prstGeom>
+          <a:solidFill>
+            <a:schemeClr val="tx1">
+              <a:alpha val="40000"/>
+            </a:schemeClr>
+          </a:solidFill>
+          <a:ln>
+            <a:noFill/>
+          </a:ln>
+        </p:spPr>
+        <p:style>
+          <a:lnRef idx="2">
+            <a:schemeClr val="accent1">
+              <a:shade val="50000"/>
+            </a:schemeClr>
+          </a:lnRef>
+          <a:fillRef idx="1">
+            <a:schemeClr val="accent1"/>
+          </a:fillRef>
+          <a:effectRef idx="0">
+            <a:schemeClr val="accent1"/>
+          </a:effectRef>
+          <a:fontRef idx="minor">
+            <a:schemeClr val="lt1"/>
+          </a:fontRef>
+        </p:style>
+        <p:txBody>
+          <a:bodyPr rtlCol="0" anchor="ctr"/>
+          <a:lstStyle/>
+          <a:p>
+            <a:pPr algn="ctr"/>
+            <a:endParaRPr lang="en-US" dirty="0"/>
+          </a:p>
+        </p:txBody>
+      </p:sp>
+      <p:sp>
+        <p:nvSpPr>
+          <p:cNvPr id="9" name="Rectangle 8">
+            <a:extLst>
+              <a:ext uri="{FF2B5EF4-FFF2-40B4-BE49-F238E27FC236}">
+                <a16:creationId xmlns:a16="http://schemas.microsoft.com/office/drawing/2014/main" id="{12CE5C1F-FFE1-524B-888F-DCB5B4780F99}"/>
+              </a:ext>
+            </a:extLst>
+          </p:cNvPr>
+          <p:cNvSpPr/>
+          <p:nvPr/>
+        </p:nvSpPr>
+        <p:spPr>
+          <a:xfrm>
+            <a:off x="909613" y="2772143"/>
+            <a:ext cx="6235770" cy="346075"/>
+          </a:xfrm>
+          <a:prstGeom prst="rect">
+            <a:avLst/>
+          </a:prstGeom>
+          <a:solidFill>
+            <a:schemeClr val="tx1">
+              <a:alpha val="40000"/>
+            </a:schemeClr>
+          </a:solidFill>
+          <a:ln>
+            <a:noFill/>
+          </a:ln>
+        </p:spPr>
+        <p:style>
+          <a:lnRef idx="2">
+            <a:schemeClr val="accent1">
+              <a:shade val="50000"/>
+            </a:schemeClr>
+          </a:lnRef>
+          <a:fillRef idx="1">
+            <a:schemeClr val="accent1"/>
+          </a:fillRef>
+          <a:effectRef idx="0">
+            <a:schemeClr val="accent1"/>
+          </a:effectRef>
+          <a:fontRef idx="minor">
+            <a:schemeClr val="lt1"/>
+          </a:fontRef>
+        </p:style>
+        <p:txBody>
+          <a:bodyPr rtlCol="0" anchor="ctr"/>
+          <a:lstStyle/>
+          <a:p>
+            <a:pPr algn="ctr"/>
+            <a:endParaRPr lang="en-US" dirty="0"/>
+          </a:p>
+        </p:txBody>
+      </p:sp>
+      <p:sp>
+        <p:nvSpPr>
+          <p:cNvPr id="10" name="Rectangle 9">
+            <a:extLst>
+              <a:ext uri="{FF2B5EF4-FFF2-40B4-BE49-F238E27FC236}">
+                <a16:creationId xmlns:a16="http://schemas.microsoft.com/office/drawing/2014/main" id="{0E4CCA68-CBCA-004B-B9A0-07C7D2DAC2D9}"/>
+              </a:ext>
+            </a:extLst>
+          </p:cNvPr>
+          <p:cNvSpPr/>
+          <p:nvPr/>
+        </p:nvSpPr>
+        <p:spPr>
+          <a:xfrm>
+            <a:off x="909612" y="3225258"/>
+            <a:ext cx="7006479" cy="346075"/>
+          </a:xfrm>
+          <a:prstGeom prst="rect">
+            <a:avLst/>
+          </a:prstGeom>
+          <a:solidFill>
+            <a:schemeClr val="tx1">
+              <a:alpha val="40000"/>
+            </a:schemeClr>
+          </a:solidFill>
+          <a:ln>
+            <a:noFill/>
+          </a:ln>
+        </p:spPr>
+        <p:style>
+          <a:lnRef idx="2">
+            <a:schemeClr val="accent1">
+              <a:shade val="50000"/>
+            </a:schemeClr>
+          </a:lnRef>
+          <a:fillRef idx="1">
+            <a:schemeClr val="accent1"/>
+          </a:fillRef>
+          <a:effectRef idx="0">
+            <a:schemeClr val="accent1"/>
+          </a:effectRef>
+          <a:fontRef idx="minor">
+            <a:schemeClr val="lt1"/>
+          </a:fontRef>
+        </p:style>
+        <p:txBody>
+          <a:bodyPr rtlCol="0" anchor="ctr"/>
+          <a:lstStyle/>
+          <a:p>
+            <a:pPr algn="ctr"/>
+            <a:endParaRPr lang="en-US" dirty="0"/>
+          </a:p>
+        </p:txBody>
+      </p:sp>
+      <p:sp>
+        <p:nvSpPr>
+          <p:cNvPr id="11" name="Rectangle 10">
+            <a:extLst>
+              <a:ext uri="{FF2B5EF4-FFF2-40B4-BE49-F238E27FC236}">
+                <a16:creationId xmlns:a16="http://schemas.microsoft.com/office/drawing/2014/main" id="{38E40071-75CF-354C-9C49-9DC1C0ACAB9D}"/>
+              </a:ext>
+            </a:extLst>
+          </p:cNvPr>
+          <p:cNvSpPr/>
+          <p:nvPr/>
+        </p:nvSpPr>
+        <p:spPr>
+          <a:xfrm>
+            <a:off x="909612" y="3684500"/>
+            <a:ext cx="6353337" cy="346075"/>
+          </a:xfrm>
+          <a:prstGeom prst="rect">
+            <a:avLst/>
+          </a:prstGeom>
+          <a:solidFill>
+            <a:schemeClr val="tx1">
+              <a:alpha val="40000"/>
+            </a:schemeClr>
+          </a:solidFill>
+          <a:ln>
+            <a:noFill/>
+          </a:ln>
+        </p:spPr>
+        <p:style>
+          <a:lnRef idx="2">
+            <a:schemeClr val="accent1">
+              <a:shade val="50000"/>
+            </a:schemeClr>
+          </a:lnRef>
+          <a:fillRef idx="1">
+            <a:schemeClr val="accent1"/>
+          </a:fillRef>
+          <a:effectRef idx="0">
+            <a:schemeClr val="accent1"/>
+          </a:effectRef>
+          <a:fontRef idx="minor">
+            <a:schemeClr val="lt1"/>
+          </a:fontRef>
+        </p:style>
+        <p:txBody>
+          <a:bodyPr rtlCol="0" anchor="ctr"/>
+          <a:lstStyle/>
+          <a:p>
+            <a:pPr algn="ctr"/>
+            <a:endParaRPr lang="en-US" dirty="0"/>
+          </a:p>
+        </p:txBody>
+      </p:sp>
+      <p:sp>
+        <p:nvSpPr>
+          <p:cNvPr id="12" name="Rectangle 11">
+            <a:extLst>
+              <a:ext uri="{FF2B5EF4-FFF2-40B4-BE49-F238E27FC236}">
+                <a16:creationId xmlns:a16="http://schemas.microsoft.com/office/drawing/2014/main" id="{DB6D490D-2EE4-7445-949A-447D0A8A679C}"/>
+              </a:ext>
+            </a:extLst>
+          </p:cNvPr>
+          <p:cNvSpPr/>
+          <p:nvPr/>
+        </p:nvSpPr>
+        <p:spPr>
+          <a:xfrm>
+            <a:off x="909612" y="4143742"/>
+            <a:ext cx="2525919" cy="346075"/>
+          </a:xfrm>
+          <a:prstGeom prst="rect">
+            <a:avLst/>
+          </a:prstGeom>
+          <a:solidFill>
+            <a:schemeClr val="tx1">
+              <a:alpha val="40000"/>
+            </a:schemeClr>
+          </a:solidFill>
+          <a:ln>
+            <a:noFill/>
+          </a:ln>
+        </p:spPr>
+        <p:style>
+          <a:lnRef idx="2">
+            <a:schemeClr val="accent1">
+              <a:shade val="50000"/>
+            </a:schemeClr>
+          </a:lnRef>
+          <a:fillRef idx="1">
+            <a:schemeClr val="accent1"/>
+          </a:fillRef>
+          <a:effectRef idx="0">
+            <a:schemeClr val="accent1"/>
+          </a:effectRef>
+          <a:fontRef idx="minor">
+            <a:schemeClr val="lt1"/>
+          </a:fontRef>
+        </p:style>
+        <p:txBody>
+          <a:bodyPr rtlCol="0" anchor="ctr"/>
+          <a:lstStyle/>
+          <a:p>
+            <a:pPr algn="ctr"/>
+            <a:endParaRPr lang="en-US" dirty="0"/>
           </a:p>
         </p:txBody>
       </p:sp>
     </p:spTree>
     <p:extLst>
       <p:ext uri="{BB962C8B-B14F-4D97-AF65-F5344CB8AC3E}">
-        <p14:creationId xmlns:p14="http://schemas.microsoft.com/office/powerpoint/2010/main" val="4218248441"/>
+        <p14:creationId xmlns:p14="http://schemas.microsoft.com/office/powerpoint/2010/main" val="197898848"/>
       </p:ext>
     </p:extLst>
   </p:cSld>
@@ -17796,6 +20341,828 @@
       </p:transition>
     </mc:Fallback>
   </mc:AlternateContent>
+  <p:timing>
+    <p:tnLst>
+      <p:par>
+        <p:cTn id="1" dur="indefinite" restart="never" nodeType="tmRoot">
+          <p:childTnLst>
+            <p:seq concurrent="1" nextAc="seek">
+              <p:cTn id="2" dur="indefinite" nodeType="mainSeq">
+                <p:childTnLst>
+                  <p:par>
+                    <p:cTn id="3" fill="hold">
+                      <p:stCondLst>
+                        <p:cond delay="indefinite"/>
+                      </p:stCondLst>
+                      <p:childTnLst>
+                        <p:par>
+                          <p:cTn id="4" fill="hold">
+                            <p:stCondLst>
+                              <p:cond delay="0"/>
+                            </p:stCondLst>
+                            <p:childTnLst>
+                              <p:par>
+                                <p:cTn id="5" presetID="9" presetClass="entr" presetSubtype="0" fill="hold" nodeType="clickEffect">
+                                  <p:stCondLst>
+                                    <p:cond delay="0"/>
+                                  </p:stCondLst>
+                                  <p:childTnLst>
+                                    <p:set>
+                                      <p:cBhvr>
+                                        <p:cTn id="6" dur="1" fill="hold">
+                                          <p:stCondLst>
+                                            <p:cond delay="0"/>
+                                          </p:stCondLst>
+                                        </p:cTn>
+                                        <p:tgtEl>
+                                          <p:spTgt spid="3">
+                                            <p:txEl>
+                                              <p:pRg st="0" end="0"/>
+                                            </p:txEl>
+                                          </p:spTgt>
+                                        </p:tgtEl>
+                                        <p:attrNameLst>
+                                          <p:attrName>style.visibility</p:attrName>
+                                        </p:attrNameLst>
+                                      </p:cBhvr>
+                                      <p:to>
+                                        <p:strVal val="visible"/>
+                                      </p:to>
+                                    </p:set>
+                                    <p:animEffect transition="in" filter="dissolve">
+                                      <p:cBhvr>
+                                        <p:cTn id="7" dur="500"/>
+                                        <p:tgtEl>
+                                          <p:spTgt spid="3">
+                                            <p:txEl>
+                                              <p:pRg st="0" end="0"/>
+                                            </p:txEl>
+                                          </p:spTgt>
+                                        </p:tgtEl>
+                                      </p:cBhvr>
+                                    </p:animEffect>
+                                  </p:childTnLst>
+                                </p:cTn>
+                              </p:par>
+                              <p:par>
+                                <p:cTn id="8" presetID="9" presetClass="entr" presetSubtype="0" fill="hold" nodeType="withEffect">
+                                  <p:stCondLst>
+                                    <p:cond delay="0"/>
+                                  </p:stCondLst>
+                                  <p:childTnLst>
+                                    <p:set>
+                                      <p:cBhvr>
+                                        <p:cTn id="9" dur="1" fill="hold">
+                                          <p:stCondLst>
+                                            <p:cond delay="0"/>
+                                          </p:stCondLst>
+                                        </p:cTn>
+                                        <p:tgtEl>
+                                          <p:spTgt spid="3">
+                                            <p:txEl>
+                                              <p:pRg st="1" end="1"/>
+                                            </p:txEl>
+                                          </p:spTgt>
+                                        </p:tgtEl>
+                                        <p:attrNameLst>
+                                          <p:attrName>style.visibility</p:attrName>
+                                        </p:attrNameLst>
+                                      </p:cBhvr>
+                                      <p:to>
+                                        <p:strVal val="visible"/>
+                                      </p:to>
+                                    </p:set>
+                                    <p:animEffect transition="in" filter="dissolve">
+                                      <p:cBhvr>
+                                        <p:cTn id="10" dur="500"/>
+                                        <p:tgtEl>
+                                          <p:spTgt spid="3">
+                                            <p:txEl>
+                                              <p:pRg st="1" end="1"/>
+                                            </p:txEl>
+                                          </p:spTgt>
+                                        </p:tgtEl>
+                                      </p:cBhvr>
+                                    </p:animEffect>
+                                  </p:childTnLst>
+                                </p:cTn>
+                              </p:par>
+                              <p:par>
+                                <p:cTn id="11" presetID="9" presetClass="entr" presetSubtype="0" fill="hold" nodeType="withEffect">
+                                  <p:stCondLst>
+                                    <p:cond delay="0"/>
+                                  </p:stCondLst>
+                                  <p:childTnLst>
+                                    <p:set>
+                                      <p:cBhvr>
+                                        <p:cTn id="12" dur="1" fill="hold">
+                                          <p:stCondLst>
+                                            <p:cond delay="0"/>
+                                          </p:stCondLst>
+                                        </p:cTn>
+                                        <p:tgtEl>
+                                          <p:spTgt spid="3">
+                                            <p:txEl>
+                                              <p:pRg st="2" end="2"/>
+                                            </p:txEl>
+                                          </p:spTgt>
+                                        </p:tgtEl>
+                                        <p:attrNameLst>
+                                          <p:attrName>style.visibility</p:attrName>
+                                        </p:attrNameLst>
+                                      </p:cBhvr>
+                                      <p:to>
+                                        <p:strVal val="visible"/>
+                                      </p:to>
+                                    </p:set>
+                                    <p:animEffect transition="in" filter="dissolve">
+                                      <p:cBhvr>
+                                        <p:cTn id="13" dur="500"/>
+                                        <p:tgtEl>
+                                          <p:spTgt spid="3">
+                                            <p:txEl>
+                                              <p:pRg st="2" end="2"/>
+                                            </p:txEl>
+                                          </p:spTgt>
+                                        </p:tgtEl>
+                                      </p:cBhvr>
+                                    </p:animEffect>
+                                  </p:childTnLst>
+                                </p:cTn>
+                              </p:par>
+                              <p:par>
+                                <p:cTn id="14" presetID="9" presetClass="entr" presetSubtype="0" fill="hold" nodeType="withEffect">
+                                  <p:stCondLst>
+                                    <p:cond delay="0"/>
+                                  </p:stCondLst>
+                                  <p:childTnLst>
+                                    <p:set>
+                                      <p:cBhvr>
+                                        <p:cTn id="15" dur="1" fill="hold">
+                                          <p:stCondLst>
+                                            <p:cond delay="0"/>
+                                          </p:stCondLst>
+                                        </p:cTn>
+                                        <p:tgtEl>
+                                          <p:spTgt spid="3">
+                                            <p:txEl>
+                                              <p:pRg st="3" end="3"/>
+                                            </p:txEl>
+                                          </p:spTgt>
+                                        </p:tgtEl>
+                                        <p:attrNameLst>
+                                          <p:attrName>style.visibility</p:attrName>
+                                        </p:attrNameLst>
+                                      </p:cBhvr>
+                                      <p:to>
+                                        <p:strVal val="visible"/>
+                                      </p:to>
+                                    </p:set>
+                                    <p:animEffect transition="in" filter="dissolve">
+                                      <p:cBhvr>
+                                        <p:cTn id="16" dur="500"/>
+                                        <p:tgtEl>
+                                          <p:spTgt spid="3">
+                                            <p:txEl>
+                                              <p:pRg st="3" end="3"/>
+                                            </p:txEl>
+                                          </p:spTgt>
+                                        </p:tgtEl>
+                                      </p:cBhvr>
+                                    </p:animEffect>
+                                  </p:childTnLst>
+                                </p:cTn>
+                              </p:par>
+                              <p:par>
+                                <p:cTn id="17" presetID="9" presetClass="entr" presetSubtype="0" fill="hold" nodeType="withEffect">
+                                  <p:stCondLst>
+                                    <p:cond delay="0"/>
+                                  </p:stCondLst>
+                                  <p:childTnLst>
+                                    <p:set>
+                                      <p:cBhvr>
+                                        <p:cTn id="18" dur="1" fill="hold">
+                                          <p:stCondLst>
+                                            <p:cond delay="0"/>
+                                          </p:stCondLst>
+                                        </p:cTn>
+                                        <p:tgtEl>
+                                          <p:spTgt spid="3">
+                                            <p:txEl>
+                                              <p:pRg st="4" end="4"/>
+                                            </p:txEl>
+                                          </p:spTgt>
+                                        </p:tgtEl>
+                                        <p:attrNameLst>
+                                          <p:attrName>style.visibility</p:attrName>
+                                        </p:attrNameLst>
+                                      </p:cBhvr>
+                                      <p:to>
+                                        <p:strVal val="visible"/>
+                                      </p:to>
+                                    </p:set>
+                                    <p:animEffect transition="in" filter="dissolve">
+                                      <p:cBhvr>
+                                        <p:cTn id="19" dur="500"/>
+                                        <p:tgtEl>
+                                          <p:spTgt spid="3">
+                                            <p:txEl>
+                                              <p:pRg st="4" end="4"/>
+                                            </p:txEl>
+                                          </p:spTgt>
+                                        </p:tgtEl>
+                                      </p:cBhvr>
+                                    </p:animEffect>
+                                  </p:childTnLst>
+                                </p:cTn>
+                              </p:par>
+                              <p:par>
+                                <p:cTn id="20" presetID="9" presetClass="entr" presetSubtype="0" fill="hold" nodeType="withEffect">
+                                  <p:stCondLst>
+                                    <p:cond delay="0"/>
+                                  </p:stCondLst>
+                                  <p:childTnLst>
+                                    <p:set>
+                                      <p:cBhvr>
+                                        <p:cTn id="21" dur="1" fill="hold">
+                                          <p:stCondLst>
+                                            <p:cond delay="0"/>
+                                          </p:stCondLst>
+                                        </p:cTn>
+                                        <p:tgtEl>
+                                          <p:spTgt spid="3">
+                                            <p:txEl>
+                                              <p:pRg st="5" end="5"/>
+                                            </p:txEl>
+                                          </p:spTgt>
+                                        </p:tgtEl>
+                                        <p:attrNameLst>
+                                          <p:attrName>style.visibility</p:attrName>
+                                        </p:attrNameLst>
+                                      </p:cBhvr>
+                                      <p:to>
+                                        <p:strVal val="visible"/>
+                                      </p:to>
+                                    </p:set>
+                                    <p:animEffect transition="in" filter="dissolve">
+                                      <p:cBhvr>
+                                        <p:cTn id="22" dur="500"/>
+                                        <p:tgtEl>
+                                          <p:spTgt spid="3">
+                                            <p:txEl>
+                                              <p:pRg st="5" end="5"/>
+                                            </p:txEl>
+                                          </p:spTgt>
+                                        </p:tgtEl>
+                                      </p:cBhvr>
+                                    </p:animEffect>
+                                  </p:childTnLst>
+                                </p:cTn>
+                              </p:par>
+                            </p:childTnLst>
+                          </p:cTn>
+                        </p:par>
+                      </p:childTnLst>
+                    </p:cTn>
+                  </p:par>
+                  <p:par>
+                    <p:cTn id="23" fill="hold">
+                      <p:stCondLst>
+                        <p:cond delay="indefinite"/>
+                      </p:stCondLst>
+                      <p:childTnLst>
+                        <p:par>
+                          <p:cTn id="24" fill="hold">
+                            <p:stCondLst>
+                              <p:cond delay="0"/>
+                            </p:stCondLst>
+                            <p:childTnLst>
+                              <p:par>
+                                <p:cTn id="25" presetID="9" presetClass="entr" presetSubtype="0" fill="hold" nodeType="clickEffect">
+                                  <p:stCondLst>
+                                    <p:cond delay="0"/>
+                                  </p:stCondLst>
+                                  <p:childTnLst>
+                                    <p:set>
+                                      <p:cBhvr>
+                                        <p:cTn id="26" dur="1" fill="hold">
+                                          <p:stCondLst>
+                                            <p:cond delay="0"/>
+                                          </p:stCondLst>
+                                        </p:cTn>
+                                        <p:tgtEl>
+                                          <p:spTgt spid="3">
+                                            <p:txEl>
+                                              <p:pRg st="6" end="6"/>
+                                            </p:txEl>
+                                          </p:spTgt>
+                                        </p:tgtEl>
+                                        <p:attrNameLst>
+                                          <p:attrName>style.visibility</p:attrName>
+                                        </p:attrNameLst>
+                                      </p:cBhvr>
+                                      <p:to>
+                                        <p:strVal val="visible"/>
+                                      </p:to>
+                                    </p:set>
+                                    <p:animEffect transition="in" filter="dissolve">
+                                      <p:cBhvr>
+                                        <p:cTn id="27" dur="500"/>
+                                        <p:tgtEl>
+                                          <p:spTgt spid="3">
+                                            <p:txEl>
+                                              <p:pRg st="6" end="6"/>
+                                            </p:txEl>
+                                          </p:spTgt>
+                                        </p:tgtEl>
+                                      </p:cBhvr>
+                                    </p:animEffect>
+                                  </p:childTnLst>
+                                </p:cTn>
+                              </p:par>
+                            </p:childTnLst>
+                          </p:cTn>
+                        </p:par>
+                        <p:par>
+                          <p:cTn id="28" fill="hold">
+                            <p:stCondLst>
+                              <p:cond delay="500"/>
+                            </p:stCondLst>
+                            <p:childTnLst>
+                              <p:par>
+                                <p:cTn id="29" presetID="22" presetClass="entr" presetSubtype="8" fill="hold" grpId="0" nodeType="afterEffect">
+                                  <p:stCondLst>
+                                    <p:cond delay="500"/>
+                                  </p:stCondLst>
+                                  <p:childTnLst>
+                                    <p:set>
+                                      <p:cBhvr>
+                                        <p:cTn id="30" dur="1" fill="hold">
+                                          <p:stCondLst>
+                                            <p:cond delay="0"/>
+                                          </p:stCondLst>
+                                        </p:cTn>
+                                        <p:tgtEl>
+                                          <p:spTgt spid="6"/>
+                                        </p:tgtEl>
+                                        <p:attrNameLst>
+                                          <p:attrName>style.visibility</p:attrName>
+                                        </p:attrNameLst>
+                                      </p:cBhvr>
+                                      <p:to>
+                                        <p:strVal val="visible"/>
+                                      </p:to>
+                                    </p:set>
+                                    <p:animEffect transition="in" filter="wipe(left)">
+                                      <p:cBhvr>
+                                        <p:cTn id="31" dur="500"/>
+                                        <p:tgtEl>
+                                          <p:spTgt spid="6"/>
+                                        </p:tgtEl>
+                                      </p:cBhvr>
+                                    </p:animEffect>
+                                  </p:childTnLst>
+                                </p:cTn>
+                              </p:par>
+                            </p:childTnLst>
+                          </p:cTn>
+                        </p:par>
+                      </p:childTnLst>
+                    </p:cTn>
+                  </p:par>
+                  <p:par>
+                    <p:cTn id="32" fill="hold">
+                      <p:stCondLst>
+                        <p:cond delay="indefinite"/>
+                      </p:stCondLst>
+                      <p:childTnLst>
+                        <p:par>
+                          <p:cTn id="33" fill="hold">
+                            <p:stCondLst>
+                              <p:cond delay="0"/>
+                            </p:stCondLst>
+                            <p:childTnLst>
+                              <p:par>
+                                <p:cTn id="34" presetID="9" presetClass="entr" presetSubtype="0" fill="hold" nodeType="clickEffect">
+                                  <p:stCondLst>
+                                    <p:cond delay="0"/>
+                                  </p:stCondLst>
+                                  <p:childTnLst>
+                                    <p:set>
+                                      <p:cBhvr>
+                                        <p:cTn id="35" dur="1" fill="hold">
+                                          <p:stCondLst>
+                                            <p:cond delay="0"/>
+                                          </p:stCondLst>
+                                        </p:cTn>
+                                        <p:tgtEl>
+                                          <p:spTgt spid="3">
+                                            <p:txEl>
+                                              <p:pRg st="7" end="7"/>
+                                            </p:txEl>
+                                          </p:spTgt>
+                                        </p:tgtEl>
+                                        <p:attrNameLst>
+                                          <p:attrName>style.visibility</p:attrName>
+                                        </p:attrNameLst>
+                                      </p:cBhvr>
+                                      <p:to>
+                                        <p:strVal val="visible"/>
+                                      </p:to>
+                                    </p:set>
+                                    <p:animEffect transition="in" filter="dissolve">
+                                      <p:cBhvr>
+                                        <p:cTn id="36" dur="500"/>
+                                        <p:tgtEl>
+                                          <p:spTgt spid="3">
+                                            <p:txEl>
+                                              <p:pRg st="7" end="7"/>
+                                            </p:txEl>
+                                          </p:spTgt>
+                                        </p:tgtEl>
+                                      </p:cBhvr>
+                                    </p:animEffect>
+                                  </p:childTnLst>
+                                </p:cTn>
+                              </p:par>
+                            </p:childTnLst>
+                          </p:cTn>
+                        </p:par>
+                        <p:par>
+                          <p:cTn id="37" fill="hold">
+                            <p:stCondLst>
+                              <p:cond delay="500"/>
+                            </p:stCondLst>
+                            <p:childTnLst>
+                              <p:par>
+                                <p:cTn id="38" presetID="22" presetClass="entr" presetSubtype="8" fill="hold" grpId="0" nodeType="afterEffect">
+                                  <p:stCondLst>
+                                    <p:cond delay="500"/>
+                                  </p:stCondLst>
+                                  <p:childTnLst>
+                                    <p:set>
+                                      <p:cBhvr>
+                                        <p:cTn id="39" dur="1" fill="hold">
+                                          <p:stCondLst>
+                                            <p:cond delay="0"/>
+                                          </p:stCondLst>
+                                        </p:cTn>
+                                        <p:tgtEl>
+                                          <p:spTgt spid="7"/>
+                                        </p:tgtEl>
+                                        <p:attrNameLst>
+                                          <p:attrName>style.visibility</p:attrName>
+                                        </p:attrNameLst>
+                                      </p:cBhvr>
+                                      <p:to>
+                                        <p:strVal val="visible"/>
+                                      </p:to>
+                                    </p:set>
+                                    <p:animEffect transition="in" filter="wipe(left)">
+                                      <p:cBhvr>
+                                        <p:cTn id="40" dur="1000"/>
+                                        <p:tgtEl>
+                                          <p:spTgt spid="7"/>
+                                        </p:tgtEl>
+                                      </p:cBhvr>
+                                    </p:animEffect>
+                                  </p:childTnLst>
+                                </p:cTn>
+                              </p:par>
+                            </p:childTnLst>
+                          </p:cTn>
+                        </p:par>
+                        <p:par>
+                          <p:cTn id="41" fill="hold">
+                            <p:stCondLst>
+                              <p:cond delay="2000"/>
+                            </p:stCondLst>
+                            <p:childTnLst>
+                              <p:par>
+                                <p:cTn id="42" presetID="22" presetClass="entr" presetSubtype="8" fill="hold" grpId="0" nodeType="afterEffect">
+                                  <p:stCondLst>
+                                    <p:cond delay="0"/>
+                                  </p:stCondLst>
+                                  <p:childTnLst>
+                                    <p:set>
+                                      <p:cBhvr>
+                                        <p:cTn id="43" dur="1" fill="hold">
+                                          <p:stCondLst>
+                                            <p:cond delay="0"/>
+                                          </p:stCondLst>
+                                        </p:cTn>
+                                        <p:tgtEl>
+                                          <p:spTgt spid="9"/>
+                                        </p:tgtEl>
+                                        <p:attrNameLst>
+                                          <p:attrName>style.visibility</p:attrName>
+                                        </p:attrNameLst>
+                                      </p:cBhvr>
+                                      <p:to>
+                                        <p:strVal val="visible"/>
+                                      </p:to>
+                                    </p:set>
+                                    <p:animEffect transition="in" filter="wipe(left)">
+                                      <p:cBhvr>
+                                        <p:cTn id="44" dur="1000"/>
+                                        <p:tgtEl>
+                                          <p:spTgt spid="9"/>
+                                        </p:tgtEl>
+                                      </p:cBhvr>
+                                    </p:animEffect>
+                                  </p:childTnLst>
+                                </p:cTn>
+                              </p:par>
+                            </p:childTnLst>
+                          </p:cTn>
+                        </p:par>
+                      </p:childTnLst>
+                    </p:cTn>
+                  </p:par>
+                  <p:par>
+                    <p:cTn id="45" fill="hold">
+                      <p:stCondLst>
+                        <p:cond delay="indefinite"/>
+                      </p:stCondLst>
+                      <p:childTnLst>
+                        <p:par>
+                          <p:cTn id="46" fill="hold">
+                            <p:stCondLst>
+                              <p:cond delay="0"/>
+                            </p:stCondLst>
+                            <p:childTnLst>
+                              <p:par>
+                                <p:cTn id="47" presetID="9" presetClass="entr" presetSubtype="0" fill="hold" nodeType="clickEffect">
+                                  <p:stCondLst>
+                                    <p:cond delay="0"/>
+                                  </p:stCondLst>
+                                  <p:childTnLst>
+                                    <p:set>
+                                      <p:cBhvr>
+                                        <p:cTn id="48" dur="1" fill="hold">
+                                          <p:stCondLst>
+                                            <p:cond delay="0"/>
+                                          </p:stCondLst>
+                                        </p:cTn>
+                                        <p:tgtEl>
+                                          <p:spTgt spid="3">
+                                            <p:txEl>
+                                              <p:pRg st="8" end="8"/>
+                                            </p:txEl>
+                                          </p:spTgt>
+                                        </p:tgtEl>
+                                        <p:attrNameLst>
+                                          <p:attrName>style.visibility</p:attrName>
+                                        </p:attrNameLst>
+                                      </p:cBhvr>
+                                      <p:to>
+                                        <p:strVal val="visible"/>
+                                      </p:to>
+                                    </p:set>
+                                    <p:animEffect transition="in" filter="dissolve">
+                                      <p:cBhvr>
+                                        <p:cTn id="49" dur="500"/>
+                                        <p:tgtEl>
+                                          <p:spTgt spid="3">
+                                            <p:txEl>
+                                              <p:pRg st="8" end="8"/>
+                                            </p:txEl>
+                                          </p:spTgt>
+                                        </p:tgtEl>
+                                      </p:cBhvr>
+                                    </p:animEffect>
+                                  </p:childTnLst>
+                                </p:cTn>
+                              </p:par>
+                            </p:childTnLst>
+                          </p:cTn>
+                        </p:par>
+                        <p:par>
+                          <p:cTn id="50" fill="hold">
+                            <p:stCondLst>
+                              <p:cond delay="500"/>
+                            </p:stCondLst>
+                            <p:childTnLst>
+                              <p:par>
+                                <p:cTn id="51" presetID="22" presetClass="entr" presetSubtype="8" fill="hold" grpId="0" nodeType="afterEffect">
+                                  <p:stCondLst>
+                                    <p:cond delay="500"/>
+                                  </p:stCondLst>
+                                  <p:childTnLst>
+                                    <p:set>
+                                      <p:cBhvr>
+                                        <p:cTn id="52" dur="1" fill="hold">
+                                          <p:stCondLst>
+                                            <p:cond delay="0"/>
+                                          </p:stCondLst>
+                                        </p:cTn>
+                                        <p:tgtEl>
+                                          <p:spTgt spid="10"/>
+                                        </p:tgtEl>
+                                        <p:attrNameLst>
+                                          <p:attrName>style.visibility</p:attrName>
+                                        </p:attrNameLst>
+                                      </p:cBhvr>
+                                      <p:to>
+                                        <p:strVal val="visible"/>
+                                      </p:to>
+                                    </p:set>
+                                    <p:animEffect transition="in" filter="wipe(left)">
+                                      <p:cBhvr>
+                                        <p:cTn id="53" dur="1000"/>
+                                        <p:tgtEl>
+                                          <p:spTgt spid="10"/>
+                                        </p:tgtEl>
+                                      </p:cBhvr>
+                                    </p:animEffect>
+                                  </p:childTnLst>
+                                </p:cTn>
+                              </p:par>
+                            </p:childTnLst>
+                          </p:cTn>
+                        </p:par>
+                      </p:childTnLst>
+                    </p:cTn>
+                  </p:par>
+                  <p:par>
+                    <p:cTn id="54" fill="hold">
+                      <p:stCondLst>
+                        <p:cond delay="indefinite"/>
+                      </p:stCondLst>
+                      <p:childTnLst>
+                        <p:par>
+                          <p:cTn id="55" fill="hold">
+                            <p:stCondLst>
+                              <p:cond delay="0"/>
+                            </p:stCondLst>
+                            <p:childTnLst>
+                              <p:par>
+                                <p:cTn id="56" presetID="9" presetClass="entr" presetSubtype="0" fill="hold" nodeType="clickEffect">
+                                  <p:stCondLst>
+                                    <p:cond delay="0"/>
+                                  </p:stCondLst>
+                                  <p:childTnLst>
+                                    <p:set>
+                                      <p:cBhvr>
+                                        <p:cTn id="57" dur="1" fill="hold">
+                                          <p:stCondLst>
+                                            <p:cond delay="0"/>
+                                          </p:stCondLst>
+                                        </p:cTn>
+                                        <p:tgtEl>
+                                          <p:spTgt spid="3">
+                                            <p:txEl>
+                                              <p:pRg st="9" end="9"/>
+                                            </p:txEl>
+                                          </p:spTgt>
+                                        </p:tgtEl>
+                                        <p:attrNameLst>
+                                          <p:attrName>style.visibility</p:attrName>
+                                        </p:attrNameLst>
+                                      </p:cBhvr>
+                                      <p:to>
+                                        <p:strVal val="visible"/>
+                                      </p:to>
+                                    </p:set>
+                                    <p:animEffect transition="in" filter="dissolve">
+                                      <p:cBhvr>
+                                        <p:cTn id="58" dur="500"/>
+                                        <p:tgtEl>
+                                          <p:spTgt spid="3">
+                                            <p:txEl>
+                                              <p:pRg st="9" end="9"/>
+                                            </p:txEl>
+                                          </p:spTgt>
+                                        </p:tgtEl>
+                                      </p:cBhvr>
+                                    </p:animEffect>
+                                  </p:childTnLst>
+                                </p:cTn>
+                              </p:par>
+                            </p:childTnLst>
+                          </p:cTn>
+                        </p:par>
+                        <p:par>
+                          <p:cTn id="59" fill="hold">
+                            <p:stCondLst>
+                              <p:cond delay="500"/>
+                            </p:stCondLst>
+                            <p:childTnLst>
+                              <p:par>
+                                <p:cTn id="60" presetID="22" presetClass="entr" presetSubtype="8" fill="hold" grpId="0" nodeType="afterEffect">
+                                  <p:stCondLst>
+                                    <p:cond delay="500"/>
+                                  </p:stCondLst>
+                                  <p:childTnLst>
+                                    <p:set>
+                                      <p:cBhvr>
+                                        <p:cTn id="61" dur="1" fill="hold">
+                                          <p:stCondLst>
+                                            <p:cond delay="0"/>
+                                          </p:stCondLst>
+                                        </p:cTn>
+                                        <p:tgtEl>
+                                          <p:spTgt spid="11"/>
+                                        </p:tgtEl>
+                                        <p:attrNameLst>
+                                          <p:attrName>style.visibility</p:attrName>
+                                        </p:attrNameLst>
+                                      </p:cBhvr>
+                                      <p:to>
+                                        <p:strVal val="visible"/>
+                                      </p:to>
+                                    </p:set>
+                                    <p:animEffect transition="in" filter="wipe(left)">
+                                      <p:cBhvr>
+                                        <p:cTn id="62" dur="1000"/>
+                                        <p:tgtEl>
+                                          <p:spTgt spid="11"/>
+                                        </p:tgtEl>
+                                      </p:cBhvr>
+                                    </p:animEffect>
+                                  </p:childTnLst>
+                                </p:cTn>
+                              </p:par>
+                            </p:childTnLst>
+                          </p:cTn>
+                        </p:par>
+                        <p:par>
+                          <p:cTn id="63" fill="hold">
+                            <p:stCondLst>
+                              <p:cond delay="2000"/>
+                            </p:stCondLst>
+                            <p:childTnLst>
+                              <p:par>
+                                <p:cTn id="64" presetID="22" presetClass="entr" presetSubtype="8" fill="hold" grpId="0" nodeType="afterEffect">
+                                  <p:stCondLst>
+                                    <p:cond delay="0"/>
+                                  </p:stCondLst>
+                                  <p:childTnLst>
+                                    <p:set>
+                                      <p:cBhvr>
+                                        <p:cTn id="65" dur="1" fill="hold">
+                                          <p:stCondLst>
+                                            <p:cond delay="0"/>
+                                          </p:stCondLst>
+                                        </p:cTn>
+                                        <p:tgtEl>
+                                          <p:spTgt spid="12"/>
+                                        </p:tgtEl>
+                                        <p:attrNameLst>
+                                          <p:attrName>style.visibility</p:attrName>
+                                        </p:attrNameLst>
+                                      </p:cBhvr>
+                                      <p:to>
+                                        <p:strVal val="visible"/>
+                                      </p:to>
+                                    </p:set>
+                                    <p:animEffect transition="in" filter="wipe(left)">
+                                      <p:cBhvr>
+                                        <p:cTn id="66" dur="1000"/>
+                                        <p:tgtEl>
+                                          <p:spTgt spid="12"/>
+                                        </p:tgtEl>
+                                      </p:cBhvr>
+                                    </p:animEffect>
+                                  </p:childTnLst>
+                                </p:cTn>
+                              </p:par>
+                            </p:childTnLst>
+                          </p:cTn>
+                        </p:par>
+                      </p:childTnLst>
+                    </p:cTn>
+                  </p:par>
+                </p:childTnLst>
+              </p:cTn>
+              <p:prevCondLst>
+                <p:cond evt="onPrev" delay="0">
+                  <p:tgtEl>
+                    <p:sldTgt/>
+                  </p:tgtEl>
+                </p:cond>
+              </p:prevCondLst>
+              <p:nextCondLst>
+                <p:cond evt="onNext" delay="0">
+                  <p:tgtEl>
+                    <p:sldTgt/>
+                  </p:tgtEl>
+                </p:cond>
+              </p:nextCondLst>
+            </p:seq>
+          </p:childTnLst>
+        </p:cTn>
+      </p:par>
+    </p:tnLst>
+    <p:bldLst>
+      <p:bldP spid="6" grpId="0" animBg="1"/>
+      <p:bldP spid="7" grpId="0" animBg="1"/>
+      <p:bldP spid="9" grpId="0" animBg="1"/>
+      <p:bldP spid="10" grpId="0" animBg="1"/>
+      <p:bldP spid="11" grpId="0" animBg="1"/>
+      <p:bldP spid="12" grpId="0" animBg="1"/>
+    </p:bldLst>
+  </p:timing>
 </p:sld>
 </file>
 
@@ -17818,10 +21185,10 @@
       </p:grpSpPr>
       <p:sp>
         <p:nvSpPr>
-          <p:cNvPr id="2" name="Title 1">
+          <p:cNvPr id="4" name="Date Placeholder 3">
             <a:extLst>
               <a:ext uri="{FF2B5EF4-FFF2-40B4-BE49-F238E27FC236}">
-                <a16:creationId xmlns:a16="http://schemas.microsoft.com/office/drawing/2014/main" id="{EB7C4089-1746-624B-8E73-D3DAB8E88CDD}"/>
+                <a16:creationId xmlns:a16="http://schemas.microsoft.com/office/drawing/2014/main" id="{0CD670A9-B06A-3448-BABA-FAD627500859}"/>
               </a:ext>
             </a:extLst>
           </p:cNvPr>
@@ -17829,121 +21196,6 @@
             <a:spLocks noGrp="1"/>
           </p:cNvSpPr>
           <p:nvPr>
-            <p:ph type="title"/>
-          </p:nvPr>
-        </p:nvSpPr>
-        <p:spPr/>
-        <p:txBody>
-          <a:bodyPr/>
-          <a:lstStyle/>
-          <a:p>
-            <a:r>
-              <a:rPr lang="en-US" dirty="0"/>
-              <a:t>Outline</a:t>
-            </a:r>
-          </a:p>
-        </p:txBody>
-      </p:sp>
-      <p:sp>
-        <p:nvSpPr>
-          <p:cNvPr id="3" name="Content Placeholder 2">
-            <a:extLst>
-              <a:ext uri="{FF2B5EF4-FFF2-40B4-BE49-F238E27FC236}">
-                <a16:creationId xmlns:a16="http://schemas.microsoft.com/office/drawing/2014/main" id="{65426B10-0364-A849-B3A4-1D0DA409155A}"/>
-              </a:ext>
-            </a:extLst>
-          </p:cNvPr>
-          <p:cNvSpPr>
-            <a:spLocks noGrp="1"/>
-          </p:cNvSpPr>
-          <p:nvPr>
-            <p:ph idx="1"/>
-          </p:nvPr>
-        </p:nvSpPr>
-        <p:spPr/>
-        <p:txBody>
-          <a:bodyPr/>
-          <a:lstStyle/>
-          <a:p>
-            <a:r>
-              <a:rPr lang="en-US" dirty="0"/>
-              <a:t>For each of these platforms:</a:t>
-            </a:r>
-          </a:p>
-          <a:p>
-            <a:pPr lvl="1"/>
-            <a:r>
-              <a:rPr lang="en-US" dirty="0"/>
-              <a:t>DNAC</a:t>
-            </a:r>
-          </a:p>
-          <a:p>
-            <a:pPr lvl="1"/>
-            <a:r>
-              <a:rPr lang="en-US" dirty="0" err="1"/>
-              <a:t>Webex</a:t>
-            </a:r>
-            <a:r>
-              <a:rPr lang="en-US" dirty="0"/>
-              <a:t> Teams</a:t>
-            </a:r>
-          </a:p>
-          <a:p>
-            <a:pPr lvl="1"/>
-            <a:r>
-              <a:rPr lang="en-US" dirty="0"/>
-              <a:t>Meraki</a:t>
-            </a:r>
-          </a:p>
-          <a:p>
-            <a:pPr lvl="1"/>
-            <a:r>
-              <a:rPr lang="en-US" dirty="0"/>
-              <a:t>ACI</a:t>
-            </a:r>
-          </a:p>
-          <a:p>
-            <a:r>
-              <a:rPr lang="en-US" dirty="0"/>
-              <a:t>Perform the following tasks:</a:t>
-            </a:r>
-          </a:p>
-          <a:p>
-            <a:pPr lvl="1"/>
-            <a:r>
-              <a:rPr lang="en-US" dirty="0"/>
-              <a:t>Review authentication methodology</a:t>
-            </a:r>
-          </a:p>
-          <a:p>
-            <a:pPr lvl="1"/>
-            <a:r>
-              <a:rPr lang="en-US" dirty="0"/>
-              <a:t>Build Python scripts to authenticate</a:t>
-            </a:r>
-          </a:p>
-          <a:p>
-            <a:pPr lvl="1"/>
-            <a:r>
-              <a:rPr lang="en-US" dirty="0"/>
-              <a:t>Build Python scripts to read/write data</a:t>
-            </a:r>
-          </a:p>
-        </p:txBody>
-      </p:sp>
-      <p:sp>
-        <p:nvSpPr>
-          <p:cNvPr id="4" name="Date Placeholder 3">
-            <a:extLst>
-              <a:ext uri="{FF2B5EF4-FFF2-40B4-BE49-F238E27FC236}">
-                <a16:creationId xmlns:a16="http://schemas.microsoft.com/office/drawing/2014/main" id="{7ECEAF79-F4AC-E94E-9E55-220D0D396924}"/>
-              </a:ext>
-            </a:extLst>
-          </p:cNvPr>
-          <p:cNvSpPr>
-            <a:spLocks noGrp="1"/>
-          </p:cNvSpPr>
-          <p:nvPr>
             <p:ph type="dt" sz="half" idx="10"/>
           </p:nvPr>
         </p:nvSpPr>
@@ -17965,7 +21217,7 @@
           <p:cNvPr id="5" name="Slide Number Placeholder 4">
             <a:extLst>
               <a:ext uri="{FF2B5EF4-FFF2-40B4-BE49-F238E27FC236}">
-                <a16:creationId xmlns:a16="http://schemas.microsoft.com/office/drawing/2014/main" id="{372DC1A4-CE8B-DB4A-8F86-2508518C35D3}"/>
+                <a16:creationId xmlns:a16="http://schemas.microsoft.com/office/drawing/2014/main" id="{119DACAD-17C1-C249-A498-C4A1A1ADD334}"/>
               </a:ext>
             </a:extLst>
           </p:cNvPr>
@@ -17993,7 +21245,7 @@
     </p:spTree>
     <p:extLst>
       <p:ext uri="{BB962C8B-B14F-4D97-AF65-F5344CB8AC3E}">
-        <p14:creationId xmlns:p14="http://schemas.microsoft.com/office/powerpoint/2010/main" val="232106193"/>
+        <p14:creationId xmlns:p14="http://schemas.microsoft.com/office/powerpoint/2010/main" val="777693162"/>
       </p:ext>
     </p:extLst>
   </p:cSld>
@@ -18034,10 +21286,298 @@
       </p:grpSpPr>
       <p:sp>
         <p:nvSpPr>
+          <p:cNvPr id="3" name="Content Placeholder 2">
+            <a:extLst>
+              <a:ext uri="{FF2B5EF4-FFF2-40B4-BE49-F238E27FC236}">
+                <a16:creationId xmlns:a16="http://schemas.microsoft.com/office/drawing/2014/main" id="{4CB23FD9-ADE0-084E-A8CC-44CA0BA25AB3}"/>
+              </a:ext>
+            </a:extLst>
+          </p:cNvPr>
+          <p:cNvSpPr>
+            <a:spLocks noGrp="1"/>
+          </p:cNvSpPr>
+          <p:nvPr>
+            <p:ph idx="1"/>
+          </p:nvPr>
+        </p:nvSpPr>
+        <p:spPr>
+          <a:xfrm>
+            <a:off x="838200" y="1825625"/>
+            <a:ext cx="10515600" cy="4667250"/>
+          </a:xfrm>
+        </p:spPr>
+        <p:txBody>
+          <a:bodyPr>
+            <a:normAutofit/>
+          </a:bodyPr>
+          <a:lstStyle/>
+          <a:p>
+            <a:pPr marL="0" indent="0">
+              <a:buNone/>
+            </a:pPr>
+            <a:r>
+              <a:rPr lang="en-US" sz="2400" b="1" i="1" dirty="0" err="1">
+                <a:solidFill>
+                  <a:srgbClr val="FFFF00"/>
+                </a:solidFill>
+              </a:rPr>
+              <a:t>req_url</a:t>
+            </a:r>
+            <a:r>
+              <a:rPr lang="en-US" sz="2400" b="1" i="1" dirty="0">
+                <a:solidFill>
+                  <a:srgbClr val="FFFF00"/>
+                </a:solidFill>
+              </a:rPr>
+              <a:t> = 'https://</a:t>
+            </a:r>
+            <a:r>
+              <a:rPr lang="en-US" sz="2400" b="1" i="1" dirty="0" err="1">
+                <a:solidFill>
+                  <a:srgbClr val="FFFF00"/>
+                </a:solidFill>
+              </a:rPr>
+              <a:t>jsonplaceholder.typicode.com</a:t>
+            </a:r>
+            <a:r>
+              <a:rPr lang="en-US" sz="2400" b="1" i="1" dirty="0">
+                <a:solidFill>
+                  <a:srgbClr val="FFFF00"/>
+                </a:solidFill>
+              </a:rPr>
+              <a:t>/posts'</a:t>
+            </a:r>
+          </a:p>
+          <a:p>
+            <a:pPr marL="0" indent="0">
+              <a:buNone/>
+            </a:pPr>
+            <a:r>
+              <a:rPr lang="en-US" sz="2400" b="1" i="1" dirty="0" err="1">
+                <a:solidFill>
+                  <a:srgbClr val="FFFF00"/>
+                </a:solidFill>
+              </a:rPr>
+              <a:t>req_body</a:t>
+            </a:r>
+            <a:r>
+              <a:rPr lang="en-US" sz="2400" b="1" i="1" dirty="0">
+                <a:solidFill>
+                  <a:srgbClr val="FFFF00"/>
+                </a:solidFill>
+              </a:rPr>
+              <a:t> = {"id":101, "userId":1, "</a:t>
+            </a:r>
+            <a:r>
+              <a:rPr lang="en-US" sz="2400" b="1" i="1" dirty="0" err="1">
+                <a:solidFill>
+                  <a:srgbClr val="FFFF00"/>
+                </a:solidFill>
+              </a:rPr>
+              <a:t>title":"Hello</a:t>
+            </a:r>
+            <a:r>
+              <a:rPr lang="en-US" sz="2400" b="1" i="1" dirty="0">
+                <a:solidFill>
+                  <a:srgbClr val="FFFF00"/>
+                </a:solidFill>
+              </a:rPr>
+              <a:t>", "</a:t>
+            </a:r>
+            <a:r>
+              <a:rPr lang="en-US" sz="2400" b="1" i="1" dirty="0" err="1">
+                <a:solidFill>
+                  <a:srgbClr val="FFFF00"/>
+                </a:solidFill>
+              </a:rPr>
+              <a:t>body":"Hello</a:t>
+            </a:r>
+            <a:r>
+              <a:rPr lang="en-US" sz="2400" b="1" i="1" dirty="0">
+                <a:solidFill>
+                  <a:srgbClr val="FFFF00"/>
+                </a:solidFill>
+              </a:rPr>
+              <a:t> World!"}</a:t>
+            </a:r>
+          </a:p>
+          <a:p>
+            <a:pPr marL="0" indent="0">
+              <a:buNone/>
+            </a:pPr>
+            <a:r>
+              <a:rPr lang="en-US" sz="2400" b="1" i="1" dirty="0">
+                <a:solidFill>
+                  <a:srgbClr val="FFFF00"/>
+                </a:solidFill>
+              </a:rPr>
+              <a:t>response = </a:t>
+            </a:r>
+            <a:r>
+              <a:rPr lang="en-US" sz="2400" b="1" i="1" dirty="0" err="1">
+                <a:solidFill>
+                  <a:srgbClr val="FFFF00"/>
+                </a:solidFill>
+              </a:rPr>
+              <a:t>requests.post</a:t>
+            </a:r>
+            <a:r>
+              <a:rPr lang="en-US" sz="2400" b="1" i="1" dirty="0">
+                <a:solidFill>
+                  <a:srgbClr val="FFFF00"/>
+                </a:solidFill>
+              </a:rPr>
+              <a:t>(</a:t>
+            </a:r>
+            <a:r>
+              <a:rPr lang="en-US" sz="2400" b="1" i="1" dirty="0" err="1">
+                <a:solidFill>
+                  <a:srgbClr val="FFFF00"/>
+                </a:solidFill>
+              </a:rPr>
+              <a:t>req_url</a:t>
+            </a:r>
+            <a:r>
+              <a:rPr lang="en-US" sz="2400" b="1" i="1" dirty="0">
+                <a:solidFill>
+                  <a:srgbClr val="FFFF00"/>
+                </a:solidFill>
+              </a:rPr>
+              <a:t>, headers=</a:t>
+            </a:r>
+            <a:r>
+              <a:rPr lang="en-US" sz="2400" b="1" i="1" dirty="0" err="1">
+                <a:solidFill>
+                  <a:srgbClr val="FFFF00"/>
+                </a:solidFill>
+              </a:rPr>
+              <a:t>req_headers</a:t>
+            </a:r>
+            <a:r>
+              <a:rPr lang="en-US" sz="2400" b="1" i="1" dirty="0">
+                <a:solidFill>
+                  <a:srgbClr val="FFFF00"/>
+                </a:solidFill>
+              </a:rPr>
+              <a:t>, json=</a:t>
+            </a:r>
+            <a:r>
+              <a:rPr lang="en-US" sz="2400" b="1" i="1" dirty="0" err="1">
+                <a:solidFill>
+                  <a:srgbClr val="FFFF00"/>
+                </a:solidFill>
+              </a:rPr>
+              <a:t>req_body</a:t>
+            </a:r>
+            <a:r>
+              <a:rPr lang="en-US" sz="2400" b="1" i="1" dirty="0">
+                <a:solidFill>
+                  <a:srgbClr val="FFFF00"/>
+                </a:solidFill>
+              </a:rPr>
+              <a:t>)</a:t>
+            </a:r>
+          </a:p>
+          <a:p>
+            <a:pPr marL="0" indent="0">
+              <a:buNone/>
+            </a:pPr>
+            <a:r>
+              <a:rPr lang="en-US" sz="2400" b="1" i="1" dirty="0">
+                <a:solidFill>
+                  <a:srgbClr val="FFFF00"/>
+                </a:solidFill>
+              </a:rPr>
+              <a:t>print(f'{</a:t>
+            </a:r>
+            <a:r>
+              <a:rPr lang="en-US" sz="2400" b="1" i="1" dirty="0" err="1">
+                <a:solidFill>
+                  <a:srgbClr val="FFFF00"/>
+                </a:solidFill>
+              </a:rPr>
+              <a:t>response.status_code</a:t>
+            </a:r>
+            <a:r>
+              <a:rPr lang="en-US" sz="2400" b="1" i="1" dirty="0">
+                <a:solidFill>
+                  <a:srgbClr val="FFFF00"/>
+                </a:solidFill>
+              </a:rPr>
+              <a:t>} {</a:t>
+            </a:r>
+            <a:r>
+              <a:rPr lang="en-US" sz="2400" b="1" i="1" dirty="0" err="1">
+                <a:solidFill>
+                  <a:srgbClr val="FFFF00"/>
+                </a:solidFill>
+              </a:rPr>
+              <a:t>response.reason</a:t>
+            </a:r>
+            <a:r>
+              <a:rPr lang="en-US" sz="2400" b="1" i="1" dirty="0">
+                <a:solidFill>
+                  <a:srgbClr val="FFFF00"/>
+                </a:solidFill>
+              </a:rPr>
+              <a:t>}')</a:t>
+            </a:r>
+          </a:p>
+          <a:p>
+            <a:pPr marL="0" indent="0">
+              <a:buNone/>
+            </a:pPr>
+            <a:r>
+              <a:rPr lang="en-US" sz="2400" b="1" i="1" dirty="0">
+                <a:solidFill>
+                  <a:srgbClr val="FFFF00"/>
+                </a:solidFill>
+              </a:rPr>
+              <a:t>print(</a:t>
+            </a:r>
+            <a:r>
+              <a:rPr lang="en-US" sz="2400" b="1" i="1" dirty="0" err="1">
+                <a:solidFill>
+                  <a:srgbClr val="FFFF00"/>
+                </a:solidFill>
+              </a:rPr>
+              <a:t>response.text</a:t>
+            </a:r>
+            <a:r>
+              <a:rPr lang="en-US" sz="2400" b="1" i="1" dirty="0">
+                <a:solidFill>
+                  <a:srgbClr val="FFFF00"/>
+                </a:solidFill>
+              </a:rPr>
+              <a:t>)</a:t>
+            </a:r>
+          </a:p>
+          <a:p>
+            <a:r>
+              <a:rPr lang="en-US" sz="2400" dirty="0"/>
+              <a:t>Update the URL and headers variables</a:t>
+            </a:r>
+          </a:p>
+          <a:p>
+            <a:r>
+              <a:rPr lang="en-US" sz="2400" dirty="0"/>
+              <a:t>Perform the HTTP POST and store the response object in a variable</a:t>
+            </a:r>
+          </a:p>
+          <a:p>
+            <a:r>
+              <a:rPr lang="en-US" sz="2400" dirty="0"/>
+              <a:t>Print the results to the terminal</a:t>
+            </a:r>
+          </a:p>
+        </p:txBody>
+      </p:sp>
+      <p:sp>
+        <p:nvSpPr>
           <p:cNvPr id="2" name="Title 1">
             <a:extLst>
               <a:ext uri="{FF2B5EF4-FFF2-40B4-BE49-F238E27FC236}">
-                <a16:creationId xmlns:a16="http://schemas.microsoft.com/office/drawing/2014/main" id="{9D8D6E4C-FC36-3E4C-9387-96DD20072D9D}"/>
+                <a16:creationId xmlns:a16="http://schemas.microsoft.com/office/drawing/2014/main" id="{AC0D55DF-385E-9A4F-AB08-FEBC11990B8B}"/>
               </a:ext>
             </a:extLst>
           </p:cNvPr>
@@ -18045,32 +21585,27 @@
             <a:spLocks noGrp="1"/>
           </p:cNvSpPr>
           <p:nvPr>
-            <p:ph type="ctrTitle"/>
-          </p:nvPr>
-        </p:nvSpPr>
-        <p:spPr>
-          <a:xfrm>
-            <a:off x="1524000" y="914013"/>
-            <a:ext cx="9144000" cy="2387600"/>
-          </a:xfrm>
-        </p:spPr>
+            <p:ph type="title"/>
+          </p:nvPr>
+        </p:nvSpPr>
+        <p:spPr/>
         <p:txBody>
           <a:bodyPr/>
           <a:lstStyle/>
           <a:p>
             <a:r>
               <a:rPr lang="en-US" dirty="0"/>
-              <a:t>Part VII</a:t>
-            </a:r>
-          </a:p>
-        </p:txBody>
-      </p:sp>
-      <p:sp>
-        <p:nvSpPr>
-          <p:cNvPr id="3" name="Subtitle 2">
+              <a:t>Python Requests Command Examples</a:t>
+            </a:r>
+          </a:p>
+        </p:txBody>
+      </p:sp>
+      <p:sp>
+        <p:nvSpPr>
+          <p:cNvPr id="4" name="Date Placeholder 3">
             <a:extLst>
               <a:ext uri="{FF2B5EF4-FFF2-40B4-BE49-F238E27FC236}">
-                <a16:creationId xmlns:a16="http://schemas.microsoft.com/office/drawing/2014/main" id="{0451A0DE-9D64-5A48-94B5-5B4E42709819}"/>
+                <a16:creationId xmlns:a16="http://schemas.microsoft.com/office/drawing/2014/main" id="{6E8781CE-B8A7-7540-B619-28D099093D8B}"/>
               </a:ext>
             </a:extLst>
           </p:cNvPr>
@@ -18078,30 +21613,326 @@
             <a:spLocks noGrp="1"/>
           </p:cNvSpPr>
           <p:nvPr>
-            <p:ph type="subTitle" idx="1"/>
-          </p:nvPr>
+            <p:ph type="dt" sz="half" idx="10"/>
+          </p:nvPr>
+        </p:nvSpPr>
+        <p:spPr/>
+        <p:txBody>
+          <a:bodyPr/>
+          <a:lstStyle/>
+          <a:p>
+            <a:r>
+              <a:rPr lang="en-US"/>
+              <a:t>World Wide Technology ©</a:t>
+            </a:r>
+            <a:endParaRPr lang="en-US" dirty="0"/>
+          </a:p>
+        </p:txBody>
+      </p:sp>
+      <p:sp>
+        <p:nvSpPr>
+          <p:cNvPr id="5" name="Slide Number Placeholder 4">
+            <a:extLst>
+              <a:ext uri="{FF2B5EF4-FFF2-40B4-BE49-F238E27FC236}">
+                <a16:creationId xmlns:a16="http://schemas.microsoft.com/office/drawing/2014/main" id="{222BEAA2-2326-1F4D-9BCE-0FC3EC23B201}"/>
+              </a:ext>
+            </a:extLst>
+          </p:cNvPr>
+          <p:cNvSpPr>
+            <a:spLocks noGrp="1"/>
+          </p:cNvSpPr>
+          <p:nvPr>
+            <p:ph type="sldNum" sz="quarter" idx="12"/>
+          </p:nvPr>
+        </p:nvSpPr>
+        <p:spPr/>
+        <p:txBody>
+          <a:bodyPr/>
+          <a:lstStyle/>
+          <a:p>
+            <a:fld id="{A44B02FA-DD2D-1844-AE35-8B2EAB0CF4EF}" type="slidenum">
+              <a:rPr lang="en-US" smtClean="0"/>
+              <a:pPr/>
+              <a:t>34</a:t>
+            </a:fld>
+            <a:endParaRPr lang="en-US" dirty="0"/>
+          </a:p>
+        </p:txBody>
+      </p:sp>
+      <p:sp>
+        <p:nvSpPr>
+          <p:cNvPr id="6" name="Rectangle 5">
+            <a:extLst>
+              <a:ext uri="{FF2B5EF4-FFF2-40B4-BE49-F238E27FC236}">
+                <a16:creationId xmlns:a16="http://schemas.microsoft.com/office/drawing/2014/main" id="{8026FF69-6C82-7043-9603-B53878D1AFAB}"/>
+              </a:ext>
+            </a:extLst>
+          </p:cNvPr>
+          <p:cNvSpPr/>
+          <p:nvPr/>
         </p:nvSpPr>
         <p:spPr>
           <a:xfrm>
-            <a:off x="1524000" y="3393688"/>
-            <a:ext cx="9144000" cy="1655762"/>
+            <a:off x="909613" y="1864140"/>
+            <a:ext cx="6932962" cy="346075"/>
           </a:xfrm>
+          <a:prstGeom prst="rect">
+            <a:avLst/>
+          </a:prstGeom>
+          <a:solidFill>
+            <a:schemeClr val="tx1">
+              <a:alpha val="40000"/>
+            </a:schemeClr>
+          </a:solidFill>
+          <a:ln>
+            <a:noFill/>
+          </a:ln>
         </p:spPr>
-        <p:txBody>
-          <a:bodyPr/>
+        <p:style>
+          <a:lnRef idx="2">
+            <a:schemeClr val="accent1">
+              <a:shade val="50000"/>
+            </a:schemeClr>
+          </a:lnRef>
+          <a:fillRef idx="1">
+            <a:schemeClr val="accent1"/>
+          </a:fillRef>
+          <a:effectRef idx="0">
+            <a:schemeClr val="accent1"/>
+          </a:effectRef>
+          <a:fontRef idx="minor">
+            <a:schemeClr val="lt1"/>
+          </a:fontRef>
+        </p:style>
+        <p:txBody>
+          <a:bodyPr rtlCol="0" anchor="ctr"/>
           <a:lstStyle/>
           <a:p>
-            <a:r>
-              <a:rPr lang="en-US" dirty="0"/>
-              <a:t>Quiz, Practice Resources, &amp; References</a:t>
-            </a:r>
+            <a:pPr algn="ctr"/>
+            <a:endParaRPr lang="en-US" dirty="0"/>
+          </a:p>
+        </p:txBody>
+      </p:sp>
+      <p:sp>
+        <p:nvSpPr>
+          <p:cNvPr id="7" name="Rectangle 6">
+            <a:extLst>
+              <a:ext uri="{FF2B5EF4-FFF2-40B4-BE49-F238E27FC236}">
+                <a16:creationId xmlns:a16="http://schemas.microsoft.com/office/drawing/2014/main" id="{D7F10BD3-DB22-7043-8433-B6CE34EB4FEE}"/>
+              </a:ext>
+            </a:extLst>
+          </p:cNvPr>
+          <p:cNvSpPr/>
+          <p:nvPr/>
+        </p:nvSpPr>
+        <p:spPr>
+          <a:xfrm>
+            <a:off x="909613" y="2323382"/>
+            <a:ext cx="9127522" cy="346075"/>
+          </a:xfrm>
+          <a:prstGeom prst="rect">
+            <a:avLst/>
+          </a:prstGeom>
+          <a:solidFill>
+            <a:schemeClr val="tx1">
+              <a:alpha val="40000"/>
+            </a:schemeClr>
+          </a:solidFill>
+          <a:ln>
+            <a:noFill/>
+          </a:ln>
+        </p:spPr>
+        <p:style>
+          <a:lnRef idx="2">
+            <a:schemeClr val="accent1">
+              <a:shade val="50000"/>
+            </a:schemeClr>
+          </a:lnRef>
+          <a:fillRef idx="1">
+            <a:schemeClr val="accent1"/>
+          </a:fillRef>
+          <a:effectRef idx="0">
+            <a:schemeClr val="accent1"/>
+          </a:effectRef>
+          <a:fontRef idx="minor">
+            <a:schemeClr val="lt1"/>
+          </a:fontRef>
+        </p:style>
+        <p:txBody>
+          <a:bodyPr rtlCol="0" anchor="ctr"/>
+          <a:lstStyle/>
+          <a:p>
+            <a:pPr algn="ctr"/>
+            <a:endParaRPr lang="en-US" dirty="0"/>
+          </a:p>
+        </p:txBody>
+      </p:sp>
+      <p:sp>
+        <p:nvSpPr>
+          <p:cNvPr id="9" name="Rectangle 8">
+            <a:extLst>
+              <a:ext uri="{FF2B5EF4-FFF2-40B4-BE49-F238E27FC236}">
+                <a16:creationId xmlns:a16="http://schemas.microsoft.com/office/drawing/2014/main" id="{12CE5C1F-FFE1-524B-888F-DCB5B4780F99}"/>
+              </a:ext>
+            </a:extLst>
+          </p:cNvPr>
+          <p:cNvSpPr/>
+          <p:nvPr/>
+        </p:nvSpPr>
+        <p:spPr>
+          <a:xfrm>
+            <a:off x="909612" y="2772143"/>
+            <a:ext cx="9157293" cy="346075"/>
+          </a:xfrm>
+          <a:prstGeom prst="rect">
+            <a:avLst/>
+          </a:prstGeom>
+          <a:solidFill>
+            <a:schemeClr val="tx1">
+              <a:alpha val="40000"/>
+            </a:schemeClr>
+          </a:solidFill>
+          <a:ln>
+            <a:noFill/>
+          </a:ln>
+        </p:spPr>
+        <p:style>
+          <a:lnRef idx="2">
+            <a:schemeClr val="accent1">
+              <a:shade val="50000"/>
+            </a:schemeClr>
+          </a:lnRef>
+          <a:fillRef idx="1">
+            <a:schemeClr val="accent1"/>
+          </a:fillRef>
+          <a:effectRef idx="0">
+            <a:schemeClr val="accent1"/>
+          </a:effectRef>
+          <a:fontRef idx="minor">
+            <a:schemeClr val="lt1"/>
+          </a:fontRef>
+        </p:style>
+        <p:txBody>
+          <a:bodyPr rtlCol="0" anchor="ctr"/>
+          <a:lstStyle/>
+          <a:p>
+            <a:pPr algn="ctr"/>
+            <a:endParaRPr lang="en-US" dirty="0"/>
+          </a:p>
+        </p:txBody>
+      </p:sp>
+      <p:sp>
+        <p:nvSpPr>
+          <p:cNvPr id="10" name="Rectangle 9">
+            <a:extLst>
+              <a:ext uri="{FF2B5EF4-FFF2-40B4-BE49-F238E27FC236}">
+                <a16:creationId xmlns:a16="http://schemas.microsoft.com/office/drawing/2014/main" id="{0E4CCA68-CBCA-004B-B9A0-07C7D2DAC2D9}"/>
+              </a:ext>
+            </a:extLst>
+          </p:cNvPr>
+          <p:cNvSpPr/>
+          <p:nvPr/>
+        </p:nvSpPr>
+        <p:spPr>
+          <a:xfrm>
+            <a:off x="909612" y="3225258"/>
+            <a:ext cx="6353337" cy="346075"/>
+          </a:xfrm>
+          <a:prstGeom prst="rect">
+            <a:avLst/>
+          </a:prstGeom>
+          <a:solidFill>
+            <a:schemeClr val="tx1">
+              <a:alpha val="40000"/>
+            </a:schemeClr>
+          </a:solidFill>
+          <a:ln>
+            <a:noFill/>
+          </a:ln>
+        </p:spPr>
+        <p:style>
+          <a:lnRef idx="2">
+            <a:schemeClr val="accent1">
+              <a:shade val="50000"/>
+            </a:schemeClr>
+          </a:lnRef>
+          <a:fillRef idx="1">
+            <a:schemeClr val="accent1"/>
+          </a:fillRef>
+          <a:effectRef idx="0">
+            <a:schemeClr val="accent1"/>
+          </a:effectRef>
+          <a:fontRef idx="minor">
+            <a:schemeClr val="lt1"/>
+          </a:fontRef>
+        </p:style>
+        <p:txBody>
+          <a:bodyPr rtlCol="0" anchor="ctr"/>
+          <a:lstStyle/>
+          <a:p>
+            <a:pPr algn="ctr"/>
+            <a:endParaRPr lang="en-US" dirty="0"/>
+          </a:p>
+        </p:txBody>
+      </p:sp>
+      <p:sp>
+        <p:nvSpPr>
+          <p:cNvPr id="11" name="Rectangle 10">
+            <a:extLst>
+              <a:ext uri="{FF2B5EF4-FFF2-40B4-BE49-F238E27FC236}">
+                <a16:creationId xmlns:a16="http://schemas.microsoft.com/office/drawing/2014/main" id="{38E40071-75CF-354C-9C49-9DC1C0ACAB9D}"/>
+              </a:ext>
+            </a:extLst>
+          </p:cNvPr>
+          <p:cNvSpPr/>
+          <p:nvPr/>
+        </p:nvSpPr>
+        <p:spPr>
+          <a:xfrm>
+            <a:off x="909613" y="3684500"/>
+            <a:ext cx="2525918" cy="346075"/>
+          </a:xfrm>
+          <a:prstGeom prst="rect">
+            <a:avLst/>
+          </a:prstGeom>
+          <a:solidFill>
+            <a:schemeClr val="tx1">
+              <a:alpha val="40000"/>
+            </a:schemeClr>
+          </a:solidFill>
+          <a:ln>
+            <a:noFill/>
+          </a:ln>
+        </p:spPr>
+        <p:style>
+          <a:lnRef idx="2">
+            <a:schemeClr val="accent1">
+              <a:shade val="50000"/>
+            </a:schemeClr>
+          </a:lnRef>
+          <a:fillRef idx="1">
+            <a:schemeClr val="accent1"/>
+          </a:fillRef>
+          <a:effectRef idx="0">
+            <a:schemeClr val="accent1"/>
+          </a:effectRef>
+          <a:fontRef idx="minor">
+            <a:schemeClr val="lt1"/>
+          </a:fontRef>
+        </p:style>
+        <p:txBody>
+          <a:bodyPr rtlCol="0" anchor="ctr"/>
+          <a:lstStyle/>
+          <a:p>
+            <a:pPr algn="ctr"/>
+            <a:endParaRPr lang="en-US" dirty="0"/>
           </a:p>
         </p:txBody>
       </p:sp>
     </p:spTree>
     <p:extLst>
       <p:ext uri="{BB962C8B-B14F-4D97-AF65-F5344CB8AC3E}">
-        <p14:creationId xmlns:p14="http://schemas.microsoft.com/office/powerpoint/2010/main" val="3392886013"/>
+        <p14:creationId xmlns:p14="http://schemas.microsoft.com/office/powerpoint/2010/main" val="2460735203"/>
       </p:ext>
     </p:extLst>
   </p:cSld>
@@ -18120,6 +21951,679 @@
       </p:transition>
     </mc:Fallback>
   </mc:AlternateContent>
+  <p:timing>
+    <p:tnLst>
+      <p:par>
+        <p:cTn id="1" dur="indefinite" restart="never" nodeType="tmRoot">
+          <p:childTnLst>
+            <p:seq concurrent="1" nextAc="seek">
+              <p:cTn id="2" dur="indefinite" nodeType="mainSeq">
+                <p:childTnLst>
+                  <p:par>
+                    <p:cTn id="3" fill="hold">
+                      <p:stCondLst>
+                        <p:cond delay="indefinite"/>
+                      </p:stCondLst>
+                      <p:childTnLst>
+                        <p:par>
+                          <p:cTn id="4" fill="hold">
+                            <p:stCondLst>
+                              <p:cond delay="0"/>
+                            </p:stCondLst>
+                            <p:childTnLst>
+                              <p:par>
+                                <p:cTn id="5" presetID="9" presetClass="entr" presetSubtype="0" fill="hold" nodeType="clickEffect">
+                                  <p:stCondLst>
+                                    <p:cond delay="0"/>
+                                  </p:stCondLst>
+                                  <p:childTnLst>
+                                    <p:set>
+                                      <p:cBhvr>
+                                        <p:cTn id="6" dur="1" fill="hold">
+                                          <p:stCondLst>
+                                            <p:cond delay="0"/>
+                                          </p:stCondLst>
+                                        </p:cTn>
+                                        <p:tgtEl>
+                                          <p:spTgt spid="3">
+                                            <p:txEl>
+                                              <p:pRg st="0" end="0"/>
+                                            </p:txEl>
+                                          </p:spTgt>
+                                        </p:tgtEl>
+                                        <p:attrNameLst>
+                                          <p:attrName>style.visibility</p:attrName>
+                                        </p:attrNameLst>
+                                      </p:cBhvr>
+                                      <p:to>
+                                        <p:strVal val="visible"/>
+                                      </p:to>
+                                    </p:set>
+                                    <p:animEffect transition="in" filter="dissolve">
+                                      <p:cBhvr>
+                                        <p:cTn id="7" dur="500"/>
+                                        <p:tgtEl>
+                                          <p:spTgt spid="3">
+                                            <p:txEl>
+                                              <p:pRg st="0" end="0"/>
+                                            </p:txEl>
+                                          </p:spTgt>
+                                        </p:tgtEl>
+                                      </p:cBhvr>
+                                    </p:animEffect>
+                                  </p:childTnLst>
+                                </p:cTn>
+                              </p:par>
+                              <p:par>
+                                <p:cTn id="8" presetID="9" presetClass="entr" presetSubtype="0" fill="hold" nodeType="withEffect">
+                                  <p:stCondLst>
+                                    <p:cond delay="0"/>
+                                  </p:stCondLst>
+                                  <p:childTnLst>
+                                    <p:set>
+                                      <p:cBhvr>
+                                        <p:cTn id="9" dur="1" fill="hold">
+                                          <p:stCondLst>
+                                            <p:cond delay="0"/>
+                                          </p:stCondLst>
+                                        </p:cTn>
+                                        <p:tgtEl>
+                                          <p:spTgt spid="3">
+                                            <p:txEl>
+                                              <p:pRg st="1" end="1"/>
+                                            </p:txEl>
+                                          </p:spTgt>
+                                        </p:tgtEl>
+                                        <p:attrNameLst>
+                                          <p:attrName>style.visibility</p:attrName>
+                                        </p:attrNameLst>
+                                      </p:cBhvr>
+                                      <p:to>
+                                        <p:strVal val="visible"/>
+                                      </p:to>
+                                    </p:set>
+                                    <p:animEffect transition="in" filter="dissolve">
+                                      <p:cBhvr>
+                                        <p:cTn id="10" dur="500"/>
+                                        <p:tgtEl>
+                                          <p:spTgt spid="3">
+                                            <p:txEl>
+                                              <p:pRg st="1" end="1"/>
+                                            </p:txEl>
+                                          </p:spTgt>
+                                        </p:tgtEl>
+                                      </p:cBhvr>
+                                    </p:animEffect>
+                                  </p:childTnLst>
+                                </p:cTn>
+                              </p:par>
+                              <p:par>
+                                <p:cTn id="11" presetID="9" presetClass="entr" presetSubtype="0" fill="hold" nodeType="withEffect">
+                                  <p:stCondLst>
+                                    <p:cond delay="0"/>
+                                  </p:stCondLst>
+                                  <p:childTnLst>
+                                    <p:set>
+                                      <p:cBhvr>
+                                        <p:cTn id="12" dur="1" fill="hold">
+                                          <p:stCondLst>
+                                            <p:cond delay="0"/>
+                                          </p:stCondLst>
+                                        </p:cTn>
+                                        <p:tgtEl>
+                                          <p:spTgt spid="3">
+                                            <p:txEl>
+                                              <p:pRg st="2" end="2"/>
+                                            </p:txEl>
+                                          </p:spTgt>
+                                        </p:tgtEl>
+                                        <p:attrNameLst>
+                                          <p:attrName>style.visibility</p:attrName>
+                                        </p:attrNameLst>
+                                      </p:cBhvr>
+                                      <p:to>
+                                        <p:strVal val="visible"/>
+                                      </p:to>
+                                    </p:set>
+                                    <p:animEffect transition="in" filter="dissolve">
+                                      <p:cBhvr>
+                                        <p:cTn id="13" dur="500"/>
+                                        <p:tgtEl>
+                                          <p:spTgt spid="3">
+                                            <p:txEl>
+                                              <p:pRg st="2" end="2"/>
+                                            </p:txEl>
+                                          </p:spTgt>
+                                        </p:tgtEl>
+                                      </p:cBhvr>
+                                    </p:animEffect>
+                                  </p:childTnLst>
+                                </p:cTn>
+                              </p:par>
+                              <p:par>
+                                <p:cTn id="14" presetID="9" presetClass="entr" presetSubtype="0" fill="hold" nodeType="withEffect">
+                                  <p:stCondLst>
+                                    <p:cond delay="0"/>
+                                  </p:stCondLst>
+                                  <p:childTnLst>
+                                    <p:set>
+                                      <p:cBhvr>
+                                        <p:cTn id="15" dur="1" fill="hold">
+                                          <p:stCondLst>
+                                            <p:cond delay="0"/>
+                                          </p:stCondLst>
+                                        </p:cTn>
+                                        <p:tgtEl>
+                                          <p:spTgt spid="3">
+                                            <p:txEl>
+                                              <p:pRg st="3" end="3"/>
+                                            </p:txEl>
+                                          </p:spTgt>
+                                        </p:tgtEl>
+                                        <p:attrNameLst>
+                                          <p:attrName>style.visibility</p:attrName>
+                                        </p:attrNameLst>
+                                      </p:cBhvr>
+                                      <p:to>
+                                        <p:strVal val="visible"/>
+                                      </p:to>
+                                    </p:set>
+                                    <p:animEffect transition="in" filter="dissolve">
+                                      <p:cBhvr>
+                                        <p:cTn id="16" dur="500"/>
+                                        <p:tgtEl>
+                                          <p:spTgt spid="3">
+                                            <p:txEl>
+                                              <p:pRg st="3" end="3"/>
+                                            </p:txEl>
+                                          </p:spTgt>
+                                        </p:tgtEl>
+                                      </p:cBhvr>
+                                    </p:animEffect>
+                                  </p:childTnLst>
+                                </p:cTn>
+                              </p:par>
+                              <p:par>
+                                <p:cTn id="17" presetID="9" presetClass="entr" presetSubtype="0" fill="hold" nodeType="withEffect">
+                                  <p:stCondLst>
+                                    <p:cond delay="0"/>
+                                  </p:stCondLst>
+                                  <p:childTnLst>
+                                    <p:set>
+                                      <p:cBhvr>
+                                        <p:cTn id="18" dur="1" fill="hold">
+                                          <p:stCondLst>
+                                            <p:cond delay="0"/>
+                                          </p:stCondLst>
+                                        </p:cTn>
+                                        <p:tgtEl>
+                                          <p:spTgt spid="3">
+                                            <p:txEl>
+                                              <p:pRg st="4" end="4"/>
+                                            </p:txEl>
+                                          </p:spTgt>
+                                        </p:tgtEl>
+                                        <p:attrNameLst>
+                                          <p:attrName>style.visibility</p:attrName>
+                                        </p:attrNameLst>
+                                      </p:cBhvr>
+                                      <p:to>
+                                        <p:strVal val="visible"/>
+                                      </p:to>
+                                    </p:set>
+                                    <p:animEffect transition="in" filter="dissolve">
+                                      <p:cBhvr>
+                                        <p:cTn id="19" dur="500"/>
+                                        <p:tgtEl>
+                                          <p:spTgt spid="3">
+                                            <p:txEl>
+                                              <p:pRg st="4" end="4"/>
+                                            </p:txEl>
+                                          </p:spTgt>
+                                        </p:tgtEl>
+                                      </p:cBhvr>
+                                    </p:animEffect>
+                                  </p:childTnLst>
+                                </p:cTn>
+                              </p:par>
+                            </p:childTnLst>
+                          </p:cTn>
+                        </p:par>
+                      </p:childTnLst>
+                    </p:cTn>
+                  </p:par>
+                  <p:par>
+                    <p:cTn id="20" fill="hold">
+                      <p:stCondLst>
+                        <p:cond delay="indefinite"/>
+                      </p:stCondLst>
+                      <p:childTnLst>
+                        <p:par>
+                          <p:cTn id="21" fill="hold">
+                            <p:stCondLst>
+                              <p:cond delay="0"/>
+                            </p:stCondLst>
+                            <p:childTnLst>
+                              <p:par>
+                                <p:cTn id="22" presetID="9" presetClass="entr" presetSubtype="0" fill="hold" nodeType="clickEffect">
+                                  <p:stCondLst>
+                                    <p:cond delay="0"/>
+                                  </p:stCondLst>
+                                  <p:childTnLst>
+                                    <p:set>
+                                      <p:cBhvr>
+                                        <p:cTn id="23" dur="1" fill="hold">
+                                          <p:stCondLst>
+                                            <p:cond delay="0"/>
+                                          </p:stCondLst>
+                                        </p:cTn>
+                                        <p:tgtEl>
+                                          <p:spTgt spid="3">
+                                            <p:txEl>
+                                              <p:pRg st="5" end="5"/>
+                                            </p:txEl>
+                                          </p:spTgt>
+                                        </p:tgtEl>
+                                        <p:attrNameLst>
+                                          <p:attrName>style.visibility</p:attrName>
+                                        </p:attrNameLst>
+                                      </p:cBhvr>
+                                      <p:to>
+                                        <p:strVal val="visible"/>
+                                      </p:to>
+                                    </p:set>
+                                    <p:animEffect transition="in" filter="dissolve">
+                                      <p:cBhvr>
+                                        <p:cTn id="24" dur="500"/>
+                                        <p:tgtEl>
+                                          <p:spTgt spid="3">
+                                            <p:txEl>
+                                              <p:pRg st="5" end="5"/>
+                                            </p:txEl>
+                                          </p:spTgt>
+                                        </p:tgtEl>
+                                      </p:cBhvr>
+                                    </p:animEffect>
+                                  </p:childTnLst>
+                                </p:cTn>
+                              </p:par>
+                            </p:childTnLst>
+                          </p:cTn>
+                        </p:par>
+                        <p:par>
+                          <p:cTn id="25" fill="hold">
+                            <p:stCondLst>
+                              <p:cond delay="500"/>
+                            </p:stCondLst>
+                            <p:childTnLst>
+                              <p:par>
+                                <p:cTn id="26" presetID="22" presetClass="entr" presetSubtype="8" fill="hold" grpId="0" nodeType="afterEffect">
+                                  <p:stCondLst>
+                                    <p:cond delay="500"/>
+                                  </p:stCondLst>
+                                  <p:childTnLst>
+                                    <p:set>
+                                      <p:cBhvr>
+                                        <p:cTn id="27" dur="1" fill="hold">
+                                          <p:stCondLst>
+                                            <p:cond delay="0"/>
+                                          </p:stCondLst>
+                                        </p:cTn>
+                                        <p:tgtEl>
+                                          <p:spTgt spid="6"/>
+                                        </p:tgtEl>
+                                        <p:attrNameLst>
+                                          <p:attrName>style.visibility</p:attrName>
+                                        </p:attrNameLst>
+                                      </p:cBhvr>
+                                      <p:to>
+                                        <p:strVal val="visible"/>
+                                      </p:to>
+                                    </p:set>
+                                    <p:animEffect transition="in" filter="wipe(left)">
+                                      <p:cBhvr>
+                                        <p:cTn id="28" dur="500"/>
+                                        <p:tgtEl>
+                                          <p:spTgt spid="6"/>
+                                        </p:tgtEl>
+                                      </p:cBhvr>
+                                    </p:animEffect>
+                                  </p:childTnLst>
+                                </p:cTn>
+                              </p:par>
+                            </p:childTnLst>
+                          </p:cTn>
+                        </p:par>
+                        <p:par>
+                          <p:cTn id="29" fill="hold">
+                            <p:stCondLst>
+                              <p:cond delay="1500"/>
+                            </p:stCondLst>
+                            <p:childTnLst>
+                              <p:par>
+                                <p:cTn id="30" presetID="22" presetClass="entr" presetSubtype="8" fill="hold" grpId="0" nodeType="afterEffect">
+                                  <p:stCondLst>
+                                    <p:cond delay="500"/>
+                                  </p:stCondLst>
+                                  <p:childTnLst>
+                                    <p:set>
+                                      <p:cBhvr>
+                                        <p:cTn id="31" dur="1" fill="hold">
+                                          <p:stCondLst>
+                                            <p:cond delay="0"/>
+                                          </p:stCondLst>
+                                        </p:cTn>
+                                        <p:tgtEl>
+                                          <p:spTgt spid="7"/>
+                                        </p:tgtEl>
+                                        <p:attrNameLst>
+                                          <p:attrName>style.visibility</p:attrName>
+                                        </p:attrNameLst>
+                                      </p:cBhvr>
+                                      <p:to>
+                                        <p:strVal val="visible"/>
+                                      </p:to>
+                                    </p:set>
+                                    <p:animEffect transition="in" filter="wipe(left)">
+                                      <p:cBhvr>
+                                        <p:cTn id="32" dur="1000"/>
+                                        <p:tgtEl>
+                                          <p:spTgt spid="7"/>
+                                        </p:tgtEl>
+                                      </p:cBhvr>
+                                    </p:animEffect>
+                                  </p:childTnLst>
+                                </p:cTn>
+                              </p:par>
+                            </p:childTnLst>
+                          </p:cTn>
+                        </p:par>
+                      </p:childTnLst>
+                    </p:cTn>
+                  </p:par>
+                  <p:par>
+                    <p:cTn id="33" fill="hold">
+                      <p:stCondLst>
+                        <p:cond delay="indefinite"/>
+                      </p:stCondLst>
+                      <p:childTnLst>
+                        <p:par>
+                          <p:cTn id="34" fill="hold">
+                            <p:stCondLst>
+                              <p:cond delay="0"/>
+                            </p:stCondLst>
+                            <p:childTnLst>
+                              <p:par>
+                                <p:cTn id="35" presetID="9" presetClass="entr" presetSubtype="0" fill="hold" nodeType="clickEffect">
+                                  <p:stCondLst>
+                                    <p:cond delay="0"/>
+                                  </p:stCondLst>
+                                  <p:childTnLst>
+                                    <p:set>
+                                      <p:cBhvr>
+                                        <p:cTn id="36" dur="1" fill="hold">
+                                          <p:stCondLst>
+                                            <p:cond delay="0"/>
+                                          </p:stCondLst>
+                                        </p:cTn>
+                                        <p:tgtEl>
+                                          <p:spTgt spid="3">
+                                            <p:txEl>
+                                              <p:pRg st="6" end="6"/>
+                                            </p:txEl>
+                                          </p:spTgt>
+                                        </p:tgtEl>
+                                        <p:attrNameLst>
+                                          <p:attrName>style.visibility</p:attrName>
+                                        </p:attrNameLst>
+                                      </p:cBhvr>
+                                      <p:to>
+                                        <p:strVal val="visible"/>
+                                      </p:to>
+                                    </p:set>
+                                    <p:animEffect transition="in" filter="dissolve">
+                                      <p:cBhvr>
+                                        <p:cTn id="37" dur="500"/>
+                                        <p:tgtEl>
+                                          <p:spTgt spid="3">
+                                            <p:txEl>
+                                              <p:pRg st="6" end="6"/>
+                                            </p:txEl>
+                                          </p:spTgt>
+                                        </p:tgtEl>
+                                      </p:cBhvr>
+                                    </p:animEffect>
+                                  </p:childTnLst>
+                                </p:cTn>
+                              </p:par>
+                            </p:childTnLst>
+                          </p:cTn>
+                        </p:par>
+                        <p:par>
+                          <p:cTn id="38" fill="hold">
+                            <p:stCondLst>
+                              <p:cond delay="500"/>
+                            </p:stCondLst>
+                            <p:childTnLst>
+                              <p:par>
+                                <p:cTn id="39" presetID="22" presetClass="entr" presetSubtype="8" fill="hold" grpId="0" nodeType="afterEffect">
+                                  <p:stCondLst>
+                                    <p:cond delay="0"/>
+                                  </p:stCondLst>
+                                  <p:childTnLst>
+                                    <p:set>
+                                      <p:cBhvr>
+                                        <p:cTn id="40" dur="1" fill="hold">
+                                          <p:stCondLst>
+                                            <p:cond delay="0"/>
+                                          </p:stCondLst>
+                                        </p:cTn>
+                                        <p:tgtEl>
+                                          <p:spTgt spid="9"/>
+                                        </p:tgtEl>
+                                        <p:attrNameLst>
+                                          <p:attrName>style.visibility</p:attrName>
+                                        </p:attrNameLst>
+                                      </p:cBhvr>
+                                      <p:to>
+                                        <p:strVal val="visible"/>
+                                      </p:to>
+                                    </p:set>
+                                    <p:animEffect transition="in" filter="wipe(left)">
+                                      <p:cBhvr>
+                                        <p:cTn id="41" dur="1000"/>
+                                        <p:tgtEl>
+                                          <p:spTgt spid="9"/>
+                                        </p:tgtEl>
+                                      </p:cBhvr>
+                                    </p:animEffect>
+                                  </p:childTnLst>
+                                </p:cTn>
+                              </p:par>
+                            </p:childTnLst>
+                          </p:cTn>
+                        </p:par>
+                      </p:childTnLst>
+                    </p:cTn>
+                  </p:par>
+                  <p:par>
+                    <p:cTn id="42" fill="hold">
+                      <p:stCondLst>
+                        <p:cond delay="indefinite"/>
+                      </p:stCondLst>
+                      <p:childTnLst>
+                        <p:par>
+                          <p:cTn id="43" fill="hold">
+                            <p:stCondLst>
+                              <p:cond delay="0"/>
+                            </p:stCondLst>
+                            <p:childTnLst>
+                              <p:par>
+                                <p:cTn id="44" presetID="9" presetClass="entr" presetSubtype="0" fill="hold" nodeType="clickEffect">
+                                  <p:stCondLst>
+                                    <p:cond delay="0"/>
+                                  </p:stCondLst>
+                                  <p:childTnLst>
+                                    <p:set>
+                                      <p:cBhvr>
+                                        <p:cTn id="45" dur="1" fill="hold">
+                                          <p:stCondLst>
+                                            <p:cond delay="0"/>
+                                          </p:stCondLst>
+                                        </p:cTn>
+                                        <p:tgtEl>
+                                          <p:spTgt spid="3">
+                                            <p:txEl>
+                                              <p:pRg st="7" end="7"/>
+                                            </p:txEl>
+                                          </p:spTgt>
+                                        </p:tgtEl>
+                                        <p:attrNameLst>
+                                          <p:attrName>style.visibility</p:attrName>
+                                        </p:attrNameLst>
+                                      </p:cBhvr>
+                                      <p:to>
+                                        <p:strVal val="visible"/>
+                                      </p:to>
+                                    </p:set>
+                                    <p:animEffect transition="in" filter="dissolve">
+                                      <p:cBhvr>
+                                        <p:cTn id="46" dur="500"/>
+                                        <p:tgtEl>
+                                          <p:spTgt spid="3">
+                                            <p:txEl>
+                                              <p:pRg st="7" end="7"/>
+                                            </p:txEl>
+                                          </p:spTgt>
+                                        </p:tgtEl>
+                                      </p:cBhvr>
+                                    </p:animEffect>
+                                  </p:childTnLst>
+                                </p:cTn>
+                              </p:par>
+                            </p:childTnLst>
+                          </p:cTn>
+                        </p:par>
+                        <p:par>
+                          <p:cTn id="47" fill="hold">
+                            <p:stCondLst>
+                              <p:cond delay="500"/>
+                            </p:stCondLst>
+                            <p:childTnLst>
+                              <p:par>
+                                <p:cTn id="48" presetID="22" presetClass="entr" presetSubtype="8" fill="hold" grpId="0" nodeType="afterEffect">
+                                  <p:stCondLst>
+                                    <p:cond delay="0"/>
+                                  </p:stCondLst>
+                                  <p:childTnLst>
+                                    <p:set>
+                                      <p:cBhvr>
+                                        <p:cTn id="49" dur="1" fill="hold">
+                                          <p:stCondLst>
+                                            <p:cond delay="0"/>
+                                          </p:stCondLst>
+                                        </p:cTn>
+                                        <p:tgtEl>
+                                          <p:spTgt spid="10"/>
+                                        </p:tgtEl>
+                                        <p:attrNameLst>
+                                          <p:attrName>style.visibility</p:attrName>
+                                        </p:attrNameLst>
+                                      </p:cBhvr>
+                                      <p:to>
+                                        <p:strVal val="visible"/>
+                                      </p:to>
+                                    </p:set>
+                                    <p:animEffect transition="in" filter="wipe(left)">
+                                      <p:cBhvr>
+                                        <p:cTn id="50" dur="1000"/>
+                                        <p:tgtEl>
+                                          <p:spTgt spid="10"/>
+                                        </p:tgtEl>
+                                      </p:cBhvr>
+                                    </p:animEffect>
+                                  </p:childTnLst>
+                                </p:cTn>
+                              </p:par>
+                            </p:childTnLst>
+                          </p:cTn>
+                        </p:par>
+                        <p:par>
+                          <p:cTn id="51" fill="hold">
+                            <p:stCondLst>
+                              <p:cond delay="1500"/>
+                            </p:stCondLst>
+                            <p:childTnLst>
+                              <p:par>
+                                <p:cTn id="52" presetID="22" presetClass="entr" presetSubtype="8" fill="hold" grpId="0" nodeType="afterEffect">
+                                  <p:stCondLst>
+                                    <p:cond delay="500"/>
+                                  </p:stCondLst>
+                                  <p:childTnLst>
+                                    <p:set>
+                                      <p:cBhvr>
+                                        <p:cTn id="53" dur="1" fill="hold">
+                                          <p:stCondLst>
+                                            <p:cond delay="0"/>
+                                          </p:stCondLst>
+                                        </p:cTn>
+                                        <p:tgtEl>
+                                          <p:spTgt spid="11"/>
+                                        </p:tgtEl>
+                                        <p:attrNameLst>
+                                          <p:attrName>style.visibility</p:attrName>
+                                        </p:attrNameLst>
+                                      </p:cBhvr>
+                                      <p:to>
+                                        <p:strVal val="visible"/>
+                                      </p:to>
+                                    </p:set>
+                                    <p:animEffect transition="in" filter="wipe(left)">
+                                      <p:cBhvr>
+                                        <p:cTn id="54" dur="1000"/>
+                                        <p:tgtEl>
+                                          <p:spTgt spid="11"/>
+                                        </p:tgtEl>
+                                      </p:cBhvr>
+                                    </p:animEffect>
+                                  </p:childTnLst>
+                                </p:cTn>
+                              </p:par>
+                            </p:childTnLst>
+                          </p:cTn>
+                        </p:par>
+                      </p:childTnLst>
+                    </p:cTn>
+                  </p:par>
+                </p:childTnLst>
+              </p:cTn>
+              <p:prevCondLst>
+                <p:cond evt="onPrev" delay="0">
+                  <p:tgtEl>
+                    <p:sldTgt/>
+                  </p:tgtEl>
+                </p:cond>
+              </p:prevCondLst>
+              <p:nextCondLst>
+                <p:cond evt="onNext" delay="0">
+                  <p:tgtEl>
+                    <p:sldTgt/>
+                  </p:tgtEl>
+                </p:cond>
+              </p:nextCondLst>
+            </p:seq>
+          </p:childTnLst>
+        </p:cTn>
+      </p:par>
+    </p:tnLst>
+    <p:bldLst>
+      <p:bldP spid="6" grpId="0" animBg="1"/>
+      <p:bldP spid="7" grpId="0" animBg="1"/>
+      <p:bldP spid="9" grpId="0" animBg="1"/>
+      <p:bldP spid="10" grpId="0" animBg="1"/>
+      <p:bldP spid="11" grpId="0" animBg="1"/>
+    </p:bldLst>
+  </p:timing>
 </p:sld>
 </file>
 
@@ -18142,10 +22646,10 @@
       </p:grpSpPr>
       <p:sp>
         <p:nvSpPr>
-          <p:cNvPr id="2" name="Title 1">
+          <p:cNvPr id="4" name="Date Placeholder 3">
             <a:extLst>
               <a:ext uri="{FF2B5EF4-FFF2-40B4-BE49-F238E27FC236}">
-                <a16:creationId xmlns:a16="http://schemas.microsoft.com/office/drawing/2014/main" id="{EB7C4089-1746-624B-8E73-D3DAB8E88CDD}"/>
+                <a16:creationId xmlns:a16="http://schemas.microsoft.com/office/drawing/2014/main" id="{0CD670A9-B06A-3448-BABA-FAD627500859}"/>
               </a:ext>
             </a:extLst>
           </p:cNvPr>
@@ -18153,62 +22657,6 @@
             <a:spLocks noGrp="1"/>
           </p:cNvSpPr>
           <p:nvPr>
-            <p:ph type="title"/>
-          </p:nvPr>
-        </p:nvSpPr>
-        <p:spPr/>
-        <p:txBody>
-          <a:bodyPr/>
-          <a:lstStyle/>
-          <a:p>
-            <a:r>
-              <a:rPr lang="en-US" dirty="0"/>
-              <a:t>Slide Template</a:t>
-            </a:r>
-          </a:p>
-        </p:txBody>
-      </p:sp>
-      <p:sp>
-        <p:nvSpPr>
-          <p:cNvPr id="3" name="Content Placeholder 2">
-            <a:extLst>
-              <a:ext uri="{FF2B5EF4-FFF2-40B4-BE49-F238E27FC236}">
-                <a16:creationId xmlns:a16="http://schemas.microsoft.com/office/drawing/2014/main" id="{65426B10-0364-A849-B3A4-1D0DA409155A}"/>
-              </a:ext>
-            </a:extLst>
-          </p:cNvPr>
-          <p:cNvSpPr>
-            <a:spLocks noGrp="1"/>
-          </p:cNvSpPr>
-          <p:nvPr>
-            <p:ph idx="1"/>
-          </p:nvPr>
-        </p:nvSpPr>
-        <p:spPr/>
-        <p:txBody>
-          <a:bodyPr/>
-          <a:lstStyle/>
-          <a:p>
-            <a:r>
-              <a:rPr lang="en-US" dirty="0"/>
-              <a:t>Body template</a:t>
-            </a:r>
-          </a:p>
-        </p:txBody>
-      </p:sp>
-      <p:sp>
-        <p:nvSpPr>
-          <p:cNvPr id="4" name="Date Placeholder 3">
-            <a:extLst>
-              <a:ext uri="{FF2B5EF4-FFF2-40B4-BE49-F238E27FC236}">
-                <a16:creationId xmlns:a16="http://schemas.microsoft.com/office/drawing/2014/main" id="{7ECEAF79-F4AC-E94E-9E55-220D0D396924}"/>
-              </a:ext>
-            </a:extLst>
-          </p:cNvPr>
-          <p:cNvSpPr>
-            <a:spLocks noGrp="1"/>
-          </p:cNvSpPr>
-          <p:nvPr>
             <p:ph type="dt" sz="half" idx="10"/>
           </p:nvPr>
         </p:nvSpPr>
@@ -18230,7 +22678,7 @@
           <p:cNvPr id="5" name="Slide Number Placeholder 4">
             <a:extLst>
               <a:ext uri="{FF2B5EF4-FFF2-40B4-BE49-F238E27FC236}">
-                <a16:creationId xmlns:a16="http://schemas.microsoft.com/office/drawing/2014/main" id="{372DC1A4-CE8B-DB4A-8F86-2508518C35D3}"/>
+                <a16:creationId xmlns:a16="http://schemas.microsoft.com/office/drawing/2014/main" id="{119DACAD-17C1-C249-A498-C4A1A1ADD334}"/>
               </a:ext>
             </a:extLst>
           </p:cNvPr>
@@ -18258,7 +22706,7 @@
     </p:spTree>
     <p:extLst>
       <p:ext uri="{BB962C8B-B14F-4D97-AF65-F5344CB8AC3E}">
-        <p14:creationId xmlns:p14="http://schemas.microsoft.com/office/powerpoint/2010/main" val="2709408928"/>
+        <p14:creationId xmlns:p14="http://schemas.microsoft.com/office/powerpoint/2010/main" val="969323220"/>
       </p:ext>
     </p:extLst>
   </p:cSld>
@@ -18302,7 +22750,7 @@
           <p:cNvPr id="2" name="Title 1">
             <a:extLst>
               <a:ext uri="{FF2B5EF4-FFF2-40B4-BE49-F238E27FC236}">
-                <a16:creationId xmlns:a16="http://schemas.microsoft.com/office/drawing/2014/main" id="{EB7C4089-1746-624B-8E73-D3DAB8E88CDD}"/>
+                <a16:creationId xmlns:a16="http://schemas.microsoft.com/office/drawing/2014/main" id="{9D8D6E4C-FC36-3E4C-9387-96DD20072D9D}"/>
               </a:ext>
             </a:extLst>
           </p:cNvPr>
@@ -18310,27 +22758,32 @@
             <a:spLocks noGrp="1"/>
           </p:cNvSpPr>
           <p:nvPr>
-            <p:ph type="title"/>
-          </p:nvPr>
-        </p:nvSpPr>
-        <p:spPr/>
+            <p:ph type="ctrTitle"/>
+          </p:nvPr>
+        </p:nvSpPr>
+        <p:spPr>
+          <a:xfrm>
+            <a:off x="1524000" y="914013"/>
+            <a:ext cx="9144000" cy="2387600"/>
+          </a:xfrm>
+        </p:spPr>
         <p:txBody>
           <a:bodyPr/>
           <a:lstStyle/>
           <a:p>
             <a:r>
               <a:rPr lang="en-US" dirty="0"/>
-              <a:t>References</a:t>
-            </a:r>
-          </a:p>
-        </p:txBody>
-      </p:sp>
-      <p:sp>
-        <p:nvSpPr>
-          <p:cNvPr id="3" name="Content Placeholder 2">
+              <a:t>Part IV</a:t>
+            </a:r>
+          </a:p>
+        </p:txBody>
+      </p:sp>
+      <p:sp>
+        <p:nvSpPr>
+          <p:cNvPr id="3" name="Subtitle 2">
             <a:extLst>
               <a:ext uri="{FF2B5EF4-FFF2-40B4-BE49-F238E27FC236}">
-                <a16:creationId xmlns:a16="http://schemas.microsoft.com/office/drawing/2014/main" id="{65426B10-0364-A849-B3A4-1D0DA409155A}"/>
+                <a16:creationId xmlns:a16="http://schemas.microsoft.com/office/drawing/2014/main" id="{0451A0DE-9D64-5A48-94B5-5B4E42709819}"/>
               </a:ext>
             </a:extLst>
           </p:cNvPr>
@@ -18338,145 +22791,30 @@
             <a:spLocks noGrp="1"/>
           </p:cNvSpPr>
           <p:nvPr>
-            <p:ph idx="1"/>
-          </p:nvPr>
-        </p:nvSpPr>
-        <p:spPr/>
-        <p:txBody>
-          <a:bodyPr>
-            <a:normAutofit lnSpcReduction="10000"/>
-          </a:bodyPr>
-          <a:lstStyle/>
-          <a:p>
-            <a:r>
-              <a:rPr lang="en-US" dirty="0">
-                <a:hlinkClick r:id="rId2"/>
-              </a:rPr>
-              <a:t>https://www.linkedin.com/pulse/why-rest-api-so-popular-mangesh-bulkar/</a:t>
-            </a:r>
-            <a:endParaRPr lang="en-US" dirty="0">
-              <a:hlinkClick r:id="rId3"/>
-            </a:endParaRPr>
-          </a:p>
-          <a:p>
-            <a:r>
-              <a:rPr lang="en-US" dirty="0">
-                <a:hlinkClick r:id="rId3"/>
-              </a:rPr>
-              <a:t>https://en.wikipedia.org/wiki/CURL</a:t>
-            </a:r>
-            <a:endParaRPr lang="en-US" dirty="0"/>
-          </a:p>
-          <a:p>
-            <a:r>
-              <a:rPr lang="en-US" dirty="0">
-                <a:hlinkClick r:id="rId4"/>
-              </a:rPr>
-              <a:t>https://en.wikipedia.org/wiki/Requests_%28software%29</a:t>
-            </a:r>
-            <a:endParaRPr lang="en-US" dirty="0"/>
-          </a:p>
-          <a:p>
-            <a:r>
-              <a:rPr lang="en-US" dirty="0">
-                <a:hlinkClick r:id="rId5"/>
-              </a:rPr>
-              <a:t>https://curl.haxx.se</a:t>
-            </a:r>
-            <a:endParaRPr lang="en-US" dirty="0"/>
-          </a:p>
-          <a:p>
-            <a:r>
-              <a:rPr lang="en-US" dirty="0">
-                <a:hlinkClick r:id="rId6"/>
-              </a:rPr>
-              <a:t>https://requests.readthedocs.io/en/master/</a:t>
-            </a:r>
-            <a:endParaRPr lang="en-US" dirty="0"/>
-          </a:p>
-          <a:p>
-            <a:r>
-              <a:rPr lang="en-US" dirty="0"/>
-              <a:t>Cisco API documentation #1</a:t>
-            </a:r>
-          </a:p>
-          <a:p>
-            <a:r>
-              <a:rPr lang="en-US" dirty="0"/>
-              <a:t>Cisco API documentation #2</a:t>
-            </a:r>
-          </a:p>
-          <a:p>
-            <a:r>
-              <a:rPr lang="en-US" dirty="0"/>
-              <a:t>Cisco API documentation #3</a:t>
-            </a:r>
-          </a:p>
-        </p:txBody>
-      </p:sp>
-      <p:sp>
-        <p:nvSpPr>
-          <p:cNvPr id="4" name="Date Placeholder 3">
-            <a:extLst>
-              <a:ext uri="{FF2B5EF4-FFF2-40B4-BE49-F238E27FC236}">
-                <a16:creationId xmlns:a16="http://schemas.microsoft.com/office/drawing/2014/main" id="{7ECEAF79-F4AC-E94E-9E55-220D0D396924}"/>
-              </a:ext>
-            </a:extLst>
-          </p:cNvPr>
-          <p:cNvSpPr>
-            <a:spLocks noGrp="1"/>
-          </p:cNvSpPr>
-          <p:nvPr>
-            <p:ph type="dt" sz="half" idx="10"/>
-          </p:nvPr>
-        </p:nvSpPr>
-        <p:spPr/>
+            <p:ph type="subTitle" idx="1"/>
+          </p:nvPr>
+        </p:nvSpPr>
+        <p:spPr>
+          <a:xfrm>
+            <a:off x="1524000" y="3393688"/>
+            <a:ext cx="9144000" cy="1655762"/>
+          </a:xfrm>
+        </p:spPr>
         <p:txBody>
           <a:bodyPr/>
           <a:lstStyle/>
           <a:p>
             <a:r>
-              <a:rPr lang="en-US"/>
-              <a:t>World Wide Technology ©</a:t>
-            </a:r>
-            <a:endParaRPr lang="en-US" dirty="0"/>
-          </a:p>
-        </p:txBody>
-      </p:sp>
-      <p:sp>
-        <p:nvSpPr>
-          <p:cNvPr id="5" name="Slide Number Placeholder 4">
-            <a:extLst>
-              <a:ext uri="{FF2B5EF4-FFF2-40B4-BE49-F238E27FC236}">
-                <a16:creationId xmlns:a16="http://schemas.microsoft.com/office/drawing/2014/main" id="{372DC1A4-CE8B-DB4A-8F86-2508518C35D3}"/>
-              </a:ext>
-            </a:extLst>
-          </p:cNvPr>
-          <p:cNvSpPr>
-            <a:spLocks noGrp="1"/>
-          </p:cNvSpPr>
-          <p:nvPr>
-            <p:ph type="sldNum" sz="quarter" idx="12"/>
-          </p:nvPr>
-        </p:nvSpPr>
-        <p:spPr/>
-        <p:txBody>
-          <a:bodyPr/>
-          <a:lstStyle/>
-          <a:p>
-            <a:fld id="{A44B02FA-DD2D-1844-AE35-8B2EAB0CF4EF}" type="slidenum">
-              <a:rPr lang="en-US" smtClean="0"/>
-              <a:pPr/>
-              <a:t>36</a:t>
-            </a:fld>
-            <a:endParaRPr lang="en-US" dirty="0"/>
+              <a:rPr lang="en-US" dirty="0"/>
+              <a:t>Cisco Platform APIs Overview</a:t>
+            </a:r>
           </a:p>
         </p:txBody>
       </p:sp>
     </p:spTree>
     <p:extLst>
       <p:ext uri="{BB962C8B-B14F-4D97-AF65-F5344CB8AC3E}">
-        <p14:creationId xmlns:p14="http://schemas.microsoft.com/office/powerpoint/2010/main" val="3225595977"/>
+        <p14:creationId xmlns:p14="http://schemas.microsoft.com/office/powerpoint/2010/main" val="899135878"/>
       </p:ext>
     </p:extLst>
   </p:cSld>
@@ -18517,10 +22855,141 @@
       </p:grpSpPr>
       <p:sp>
         <p:nvSpPr>
+          <p:cNvPr id="2" name="Title 1">
+            <a:extLst>
+              <a:ext uri="{FF2B5EF4-FFF2-40B4-BE49-F238E27FC236}">
+                <a16:creationId xmlns:a16="http://schemas.microsoft.com/office/drawing/2014/main" id="{EB7C4089-1746-624B-8E73-D3DAB8E88CDD}"/>
+              </a:ext>
+            </a:extLst>
+          </p:cNvPr>
+          <p:cNvSpPr>
+            <a:spLocks noGrp="1"/>
+          </p:cNvSpPr>
+          <p:nvPr>
+            <p:ph type="title"/>
+          </p:nvPr>
+        </p:nvSpPr>
+        <p:spPr/>
+        <p:txBody>
+          <a:bodyPr/>
+          <a:lstStyle/>
+          <a:p>
+            <a:r>
+              <a:rPr lang="en-US" dirty="0"/>
+              <a:t>Outline</a:t>
+            </a:r>
+          </a:p>
+        </p:txBody>
+      </p:sp>
+      <p:sp>
+        <p:nvSpPr>
+          <p:cNvPr id="3" name="Content Placeholder 2">
+            <a:extLst>
+              <a:ext uri="{FF2B5EF4-FFF2-40B4-BE49-F238E27FC236}">
+                <a16:creationId xmlns:a16="http://schemas.microsoft.com/office/drawing/2014/main" id="{65426B10-0364-A849-B3A4-1D0DA409155A}"/>
+              </a:ext>
+            </a:extLst>
+          </p:cNvPr>
+          <p:cNvSpPr>
+            <a:spLocks noGrp="1"/>
+          </p:cNvSpPr>
+          <p:nvPr>
+            <p:ph idx="1"/>
+          </p:nvPr>
+        </p:nvSpPr>
+        <p:spPr/>
+        <p:txBody>
+          <a:bodyPr>
+            <a:normAutofit lnSpcReduction="10000"/>
+          </a:bodyPr>
+          <a:lstStyle/>
+          <a:p>
+            <a:r>
+              <a:rPr lang="en-US" dirty="0"/>
+              <a:t>For each of these platforms:</a:t>
+            </a:r>
+          </a:p>
+          <a:p>
+            <a:pPr lvl="1"/>
+            <a:r>
+              <a:rPr lang="en-US" dirty="0"/>
+              <a:t>DNAC</a:t>
+            </a:r>
+          </a:p>
+          <a:p>
+            <a:pPr lvl="1"/>
+            <a:r>
+              <a:rPr lang="en-US" dirty="0" err="1"/>
+              <a:t>Webex</a:t>
+            </a:r>
+            <a:r>
+              <a:rPr lang="en-US" dirty="0"/>
+              <a:t> Teams</a:t>
+            </a:r>
+          </a:p>
+          <a:p>
+            <a:pPr lvl="1"/>
+            <a:r>
+              <a:rPr lang="en-US" dirty="0"/>
+              <a:t>Meraki</a:t>
+            </a:r>
+          </a:p>
+          <a:p>
+            <a:pPr lvl="1"/>
+            <a:r>
+              <a:rPr lang="en-US" dirty="0"/>
+              <a:t>ACI</a:t>
+            </a:r>
+          </a:p>
+          <a:p>
+            <a:pPr lvl="1"/>
+            <a:r>
+              <a:rPr lang="en-US" dirty="0"/>
+              <a:t>Firepower</a:t>
+            </a:r>
+          </a:p>
+          <a:p>
+            <a:pPr lvl="1"/>
+            <a:r>
+              <a:rPr lang="en-US" dirty="0"/>
+              <a:t>SD-WAN</a:t>
+            </a:r>
+          </a:p>
+          <a:p>
+            <a:r>
+              <a:rPr lang="en-US" dirty="0"/>
+              <a:t>Perform the following tasks:</a:t>
+            </a:r>
+          </a:p>
+          <a:p>
+            <a:pPr lvl="1"/>
+            <a:r>
+              <a:rPr lang="en-US" dirty="0"/>
+              <a:t>Platform summary overview</a:t>
+            </a:r>
+          </a:p>
+          <a:p>
+            <a:pPr lvl="1"/>
+            <a:r>
+              <a:rPr lang="en-US" dirty="0"/>
+              <a:t>Review API documentation </a:t>
+            </a:r>
+          </a:p>
+          <a:p>
+            <a:pPr lvl="1"/>
+            <a:r>
+              <a:rPr lang="en-US" dirty="0"/>
+              <a:t>Review resources available for programmatic access/practice/testing</a:t>
+            </a:r>
+          </a:p>
+        </p:txBody>
+      </p:sp>
+      <p:sp>
+        <p:nvSpPr>
           <p:cNvPr id="4" name="Date Placeholder 3">
             <a:extLst>
               <a:ext uri="{FF2B5EF4-FFF2-40B4-BE49-F238E27FC236}">
-                <a16:creationId xmlns:a16="http://schemas.microsoft.com/office/drawing/2014/main" id="{0CD670A9-B06A-3448-BABA-FAD627500859}"/>
+                <a16:creationId xmlns:a16="http://schemas.microsoft.com/office/drawing/2014/main" id="{7ECEAF79-F4AC-E94E-9E55-220D0D396924}"/>
               </a:ext>
             </a:extLst>
           </p:cNvPr>
@@ -18549,7 +23018,7 @@
           <p:cNvPr id="5" name="Slide Number Placeholder 4">
             <a:extLst>
               <a:ext uri="{FF2B5EF4-FFF2-40B4-BE49-F238E27FC236}">
-                <a16:creationId xmlns:a16="http://schemas.microsoft.com/office/drawing/2014/main" id="{119DACAD-17C1-C249-A498-C4A1A1ADD334}"/>
+                <a16:creationId xmlns:a16="http://schemas.microsoft.com/office/drawing/2014/main" id="{372DC1A4-CE8B-DB4A-8F86-2508518C35D3}"/>
               </a:ext>
             </a:extLst>
           </p:cNvPr>
@@ -18577,7 +23046,352 @@
     </p:spTree>
     <p:extLst>
       <p:ext uri="{BB962C8B-B14F-4D97-AF65-F5344CB8AC3E}">
-        <p14:creationId xmlns:p14="http://schemas.microsoft.com/office/powerpoint/2010/main" val="756638364"/>
+        <p14:creationId xmlns:p14="http://schemas.microsoft.com/office/powerpoint/2010/main" val="1513264745"/>
+      </p:ext>
+    </p:extLst>
+  </p:cSld>
+  <p:clrMapOvr>
+    <a:masterClrMapping/>
+  </p:clrMapOvr>
+  <mc:AlternateContent xmlns:mc="http://schemas.openxmlformats.org/markup-compatibility/2006" xmlns:p14="http://schemas.microsoft.com/office/powerpoint/2010/main">
+    <mc:Choice Requires="p14">
+      <p:transition spd="med" p14:dur="700">
+        <p:fade/>
+      </p:transition>
+    </mc:Choice>
+    <mc:Fallback xmlns="">
+      <p:transition spd="med">
+        <p:fade/>
+      </p:transition>
+    </mc:Fallback>
+  </mc:AlternateContent>
+</p:sld>
+</file>
+
+<file path=ppt/slides/slide38.xml><?xml version="1.0" encoding="utf-8"?>
+<p:sld xmlns:a="http://schemas.openxmlformats.org/drawingml/2006/main" xmlns:r="http://schemas.openxmlformats.org/officeDocument/2006/relationships" xmlns:p="http://schemas.openxmlformats.org/presentationml/2006/main">
+  <p:cSld>
+    <p:spTree>
+      <p:nvGrpSpPr>
+        <p:cNvPr id="1" name=""/>
+        <p:cNvGrpSpPr/>
+        <p:nvPr/>
+      </p:nvGrpSpPr>
+      <p:grpSpPr>
+        <a:xfrm>
+          <a:off x="0" y="0"/>
+          <a:ext cx="0" cy="0"/>
+          <a:chOff x="0" y="0"/>
+          <a:chExt cx="0" cy="0"/>
+        </a:xfrm>
+      </p:grpSpPr>
+      <p:sp>
+        <p:nvSpPr>
+          <p:cNvPr id="2" name="Title 1">
+            <a:extLst>
+              <a:ext uri="{FF2B5EF4-FFF2-40B4-BE49-F238E27FC236}">
+                <a16:creationId xmlns:a16="http://schemas.microsoft.com/office/drawing/2014/main" id="{9D8D6E4C-FC36-3E4C-9387-96DD20072D9D}"/>
+              </a:ext>
+            </a:extLst>
+          </p:cNvPr>
+          <p:cNvSpPr>
+            <a:spLocks noGrp="1"/>
+          </p:cNvSpPr>
+          <p:nvPr>
+            <p:ph type="ctrTitle"/>
+          </p:nvPr>
+        </p:nvSpPr>
+        <p:spPr>
+          <a:xfrm>
+            <a:off x="1524000" y="914013"/>
+            <a:ext cx="9144000" cy="2387600"/>
+          </a:xfrm>
+        </p:spPr>
+        <p:txBody>
+          <a:bodyPr/>
+          <a:lstStyle/>
+          <a:p>
+            <a:r>
+              <a:rPr lang="en-US" dirty="0"/>
+              <a:t>Part V</a:t>
+            </a:r>
+          </a:p>
+        </p:txBody>
+      </p:sp>
+      <p:sp>
+        <p:nvSpPr>
+          <p:cNvPr id="3" name="Subtitle 2">
+            <a:extLst>
+              <a:ext uri="{FF2B5EF4-FFF2-40B4-BE49-F238E27FC236}">
+                <a16:creationId xmlns:a16="http://schemas.microsoft.com/office/drawing/2014/main" id="{0451A0DE-9D64-5A48-94B5-5B4E42709819}"/>
+              </a:ext>
+            </a:extLst>
+          </p:cNvPr>
+          <p:cNvSpPr>
+            <a:spLocks noGrp="1"/>
+          </p:cNvSpPr>
+          <p:nvPr>
+            <p:ph type="subTitle" idx="1"/>
+          </p:nvPr>
+        </p:nvSpPr>
+        <p:spPr>
+          <a:xfrm>
+            <a:off x="1524000" y="3393688"/>
+            <a:ext cx="9144000" cy="1655762"/>
+          </a:xfrm>
+        </p:spPr>
+        <p:txBody>
+          <a:bodyPr/>
+          <a:lstStyle/>
+          <a:p>
+            <a:r>
+              <a:rPr lang="en-US" dirty="0"/>
+              <a:t>Interact With Cisco Platform APIs Using </a:t>
+            </a:r>
+            <a:r>
+              <a:rPr lang="en-US" dirty="0" err="1"/>
+              <a:t>cURL</a:t>
+            </a:r>
+            <a:endParaRPr lang="en-US" dirty="0"/>
+          </a:p>
+        </p:txBody>
+      </p:sp>
+    </p:spTree>
+    <p:extLst>
+      <p:ext uri="{BB962C8B-B14F-4D97-AF65-F5344CB8AC3E}">
+        <p14:creationId xmlns:p14="http://schemas.microsoft.com/office/powerpoint/2010/main" val="2203929534"/>
+      </p:ext>
+    </p:extLst>
+  </p:cSld>
+  <p:clrMapOvr>
+    <a:masterClrMapping/>
+  </p:clrMapOvr>
+  <mc:AlternateContent xmlns:mc="http://schemas.openxmlformats.org/markup-compatibility/2006" xmlns:p14="http://schemas.microsoft.com/office/powerpoint/2010/main">
+    <mc:Choice Requires="p14">
+      <p:transition spd="med" p14:dur="700">
+        <p:fade/>
+      </p:transition>
+    </mc:Choice>
+    <mc:Fallback xmlns="">
+      <p:transition spd="med">
+        <p:fade/>
+      </p:transition>
+    </mc:Fallback>
+  </mc:AlternateContent>
+</p:sld>
+</file>
+
+<file path=ppt/slides/slide39.xml><?xml version="1.0" encoding="utf-8"?>
+<p:sld xmlns:a="http://schemas.openxmlformats.org/drawingml/2006/main" xmlns:r="http://schemas.openxmlformats.org/officeDocument/2006/relationships" xmlns:p="http://schemas.openxmlformats.org/presentationml/2006/main">
+  <p:cSld>
+    <p:spTree>
+      <p:nvGrpSpPr>
+        <p:cNvPr id="1" name=""/>
+        <p:cNvGrpSpPr/>
+        <p:nvPr/>
+      </p:nvGrpSpPr>
+      <p:grpSpPr>
+        <a:xfrm>
+          <a:off x="0" y="0"/>
+          <a:ext cx="0" cy="0"/>
+          <a:chOff x="0" y="0"/>
+          <a:chExt cx="0" cy="0"/>
+        </a:xfrm>
+      </p:grpSpPr>
+      <p:sp>
+        <p:nvSpPr>
+          <p:cNvPr id="2" name="Title 1">
+            <a:extLst>
+              <a:ext uri="{FF2B5EF4-FFF2-40B4-BE49-F238E27FC236}">
+                <a16:creationId xmlns:a16="http://schemas.microsoft.com/office/drawing/2014/main" id="{EB7C4089-1746-624B-8E73-D3DAB8E88CDD}"/>
+              </a:ext>
+            </a:extLst>
+          </p:cNvPr>
+          <p:cNvSpPr>
+            <a:spLocks noGrp="1"/>
+          </p:cNvSpPr>
+          <p:nvPr>
+            <p:ph type="title"/>
+          </p:nvPr>
+        </p:nvSpPr>
+        <p:spPr/>
+        <p:txBody>
+          <a:bodyPr/>
+          <a:lstStyle/>
+          <a:p>
+            <a:r>
+              <a:rPr lang="en-US" dirty="0"/>
+              <a:t>Outline</a:t>
+            </a:r>
+          </a:p>
+        </p:txBody>
+      </p:sp>
+      <p:sp>
+        <p:nvSpPr>
+          <p:cNvPr id="3" name="Content Placeholder 2">
+            <a:extLst>
+              <a:ext uri="{FF2B5EF4-FFF2-40B4-BE49-F238E27FC236}">
+                <a16:creationId xmlns:a16="http://schemas.microsoft.com/office/drawing/2014/main" id="{65426B10-0364-A849-B3A4-1D0DA409155A}"/>
+              </a:ext>
+            </a:extLst>
+          </p:cNvPr>
+          <p:cNvSpPr>
+            <a:spLocks noGrp="1"/>
+          </p:cNvSpPr>
+          <p:nvPr>
+            <p:ph idx="1"/>
+          </p:nvPr>
+        </p:nvSpPr>
+        <p:spPr/>
+        <p:txBody>
+          <a:bodyPr/>
+          <a:lstStyle/>
+          <a:p>
+            <a:r>
+              <a:rPr lang="en-US" dirty="0"/>
+              <a:t>For each of these platforms:</a:t>
+            </a:r>
+          </a:p>
+          <a:p>
+            <a:pPr lvl="1"/>
+            <a:r>
+              <a:rPr lang="en-US" dirty="0"/>
+              <a:t>DNAC</a:t>
+            </a:r>
+          </a:p>
+          <a:p>
+            <a:pPr lvl="1"/>
+            <a:r>
+              <a:rPr lang="en-US" dirty="0" err="1"/>
+              <a:t>Webex</a:t>
+            </a:r>
+            <a:r>
+              <a:rPr lang="en-US" dirty="0"/>
+              <a:t> Teams</a:t>
+            </a:r>
+          </a:p>
+          <a:p>
+            <a:pPr lvl="1"/>
+            <a:r>
+              <a:rPr lang="en-US" dirty="0"/>
+              <a:t>Meraki</a:t>
+            </a:r>
+          </a:p>
+          <a:p>
+            <a:pPr lvl="1"/>
+            <a:r>
+              <a:rPr lang="en-US" dirty="0"/>
+              <a:t>ACI</a:t>
+            </a:r>
+          </a:p>
+          <a:p>
+            <a:r>
+              <a:rPr lang="en-US" dirty="0"/>
+              <a:t>Perform the following tasks:</a:t>
+            </a:r>
+          </a:p>
+          <a:p>
+            <a:pPr lvl="1"/>
+            <a:r>
+              <a:rPr lang="en-US" dirty="0"/>
+              <a:t>Understand authentication methodology</a:t>
+            </a:r>
+          </a:p>
+          <a:p>
+            <a:pPr lvl="1"/>
+            <a:r>
+              <a:rPr lang="en-US" dirty="0"/>
+              <a:t>Build </a:t>
+            </a:r>
+            <a:r>
+              <a:rPr lang="en-US" dirty="0" err="1"/>
+              <a:t>cURL</a:t>
+            </a:r>
+            <a:r>
+              <a:rPr lang="en-US" dirty="0"/>
+              <a:t> request to authenticate</a:t>
+            </a:r>
+          </a:p>
+          <a:p>
+            <a:pPr lvl="1"/>
+            <a:r>
+              <a:rPr lang="en-US" dirty="0"/>
+              <a:t>Build </a:t>
+            </a:r>
+            <a:r>
+              <a:rPr lang="en-US" dirty="0" err="1"/>
+              <a:t>cURL</a:t>
+            </a:r>
+            <a:r>
+              <a:rPr lang="en-US" dirty="0"/>
+              <a:t> request(s) to read/write data</a:t>
+            </a:r>
+          </a:p>
+        </p:txBody>
+      </p:sp>
+      <p:sp>
+        <p:nvSpPr>
+          <p:cNvPr id="4" name="Date Placeholder 3">
+            <a:extLst>
+              <a:ext uri="{FF2B5EF4-FFF2-40B4-BE49-F238E27FC236}">
+                <a16:creationId xmlns:a16="http://schemas.microsoft.com/office/drawing/2014/main" id="{7ECEAF79-F4AC-E94E-9E55-220D0D396924}"/>
+              </a:ext>
+            </a:extLst>
+          </p:cNvPr>
+          <p:cNvSpPr>
+            <a:spLocks noGrp="1"/>
+          </p:cNvSpPr>
+          <p:nvPr>
+            <p:ph type="dt" sz="half" idx="10"/>
+          </p:nvPr>
+        </p:nvSpPr>
+        <p:spPr/>
+        <p:txBody>
+          <a:bodyPr/>
+          <a:lstStyle/>
+          <a:p>
+            <a:r>
+              <a:rPr lang="en-US"/>
+              <a:t>World Wide Technology ©</a:t>
+            </a:r>
+            <a:endParaRPr lang="en-US" dirty="0"/>
+          </a:p>
+        </p:txBody>
+      </p:sp>
+      <p:sp>
+        <p:nvSpPr>
+          <p:cNvPr id="5" name="Slide Number Placeholder 4">
+            <a:extLst>
+              <a:ext uri="{FF2B5EF4-FFF2-40B4-BE49-F238E27FC236}">
+                <a16:creationId xmlns:a16="http://schemas.microsoft.com/office/drawing/2014/main" id="{372DC1A4-CE8B-DB4A-8F86-2508518C35D3}"/>
+              </a:ext>
+            </a:extLst>
+          </p:cNvPr>
+          <p:cNvSpPr>
+            <a:spLocks noGrp="1"/>
+          </p:cNvSpPr>
+          <p:nvPr>
+            <p:ph type="sldNum" sz="quarter" idx="12"/>
+          </p:nvPr>
+        </p:nvSpPr>
+        <p:spPr/>
+        <p:txBody>
+          <a:bodyPr/>
+          <a:lstStyle/>
+          <a:p>
+            <a:fld id="{A44B02FA-DD2D-1844-AE35-8B2EAB0CF4EF}" type="slidenum">
+              <a:rPr lang="en-US" smtClean="0"/>
+              <a:pPr/>
+              <a:t>39</a:t>
+            </a:fld>
+            <a:endParaRPr lang="en-US" dirty="0"/>
+          </a:p>
+        </p:txBody>
+      </p:sp>
+    </p:spTree>
+    <p:extLst>
+      <p:ext uri="{BB962C8B-B14F-4D97-AF65-F5344CB8AC3E}">
+        <p14:creationId xmlns:p14="http://schemas.microsoft.com/office/powerpoint/2010/main" val="2063027843"/>
       </p:ext>
     </p:extLst>
   </p:cSld>
@@ -18679,6 +23493,914 @@
     <p:extLst>
       <p:ext uri="{BB962C8B-B14F-4D97-AF65-F5344CB8AC3E}">
         <p14:creationId xmlns:p14="http://schemas.microsoft.com/office/powerpoint/2010/main" val="3701252343"/>
+      </p:ext>
+    </p:extLst>
+  </p:cSld>
+  <p:clrMapOvr>
+    <a:masterClrMapping/>
+  </p:clrMapOvr>
+  <mc:AlternateContent xmlns:mc="http://schemas.openxmlformats.org/markup-compatibility/2006" xmlns:p14="http://schemas.microsoft.com/office/powerpoint/2010/main">
+    <mc:Choice Requires="p14">
+      <p:transition spd="med" p14:dur="700">
+        <p:fade/>
+      </p:transition>
+    </mc:Choice>
+    <mc:Fallback xmlns="">
+      <p:transition spd="med">
+        <p:fade/>
+      </p:transition>
+    </mc:Fallback>
+  </mc:AlternateContent>
+</p:sld>
+</file>
+
+<file path=ppt/slides/slide40.xml><?xml version="1.0" encoding="utf-8"?>
+<p:sld xmlns:a="http://schemas.openxmlformats.org/drawingml/2006/main" xmlns:r="http://schemas.openxmlformats.org/officeDocument/2006/relationships" xmlns:p="http://schemas.openxmlformats.org/presentationml/2006/main">
+  <p:cSld>
+    <p:spTree>
+      <p:nvGrpSpPr>
+        <p:cNvPr id="1" name=""/>
+        <p:cNvGrpSpPr/>
+        <p:nvPr/>
+      </p:nvGrpSpPr>
+      <p:grpSpPr>
+        <a:xfrm>
+          <a:off x="0" y="0"/>
+          <a:ext cx="0" cy="0"/>
+          <a:chOff x="0" y="0"/>
+          <a:chExt cx="0" cy="0"/>
+        </a:xfrm>
+      </p:grpSpPr>
+      <p:sp>
+        <p:nvSpPr>
+          <p:cNvPr id="2" name="Title 1">
+            <a:extLst>
+              <a:ext uri="{FF2B5EF4-FFF2-40B4-BE49-F238E27FC236}">
+                <a16:creationId xmlns:a16="http://schemas.microsoft.com/office/drawing/2014/main" id="{9D8D6E4C-FC36-3E4C-9387-96DD20072D9D}"/>
+              </a:ext>
+            </a:extLst>
+          </p:cNvPr>
+          <p:cNvSpPr>
+            <a:spLocks noGrp="1"/>
+          </p:cNvSpPr>
+          <p:nvPr>
+            <p:ph type="ctrTitle"/>
+          </p:nvPr>
+        </p:nvSpPr>
+        <p:spPr>
+          <a:xfrm>
+            <a:off x="1524000" y="914013"/>
+            <a:ext cx="9144000" cy="2387600"/>
+          </a:xfrm>
+        </p:spPr>
+        <p:txBody>
+          <a:bodyPr/>
+          <a:lstStyle/>
+          <a:p>
+            <a:r>
+              <a:rPr lang="en-US" dirty="0"/>
+              <a:t>Part VI</a:t>
+            </a:r>
+          </a:p>
+        </p:txBody>
+      </p:sp>
+      <p:sp>
+        <p:nvSpPr>
+          <p:cNvPr id="3" name="Subtitle 2">
+            <a:extLst>
+              <a:ext uri="{FF2B5EF4-FFF2-40B4-BE49-F238E27FC236}">
+                <a16:creationId xmlns:a16="http://schemas.microsoft.com/office/drawing/2014/main" id="{0451A0DE-9D64-5A48-94B5-5B4E42709819}"/>
+              </a:ext>
+            </a:extLst>
+          </p:cNvPr>
+          <p:cNvSpPr>
+            <a:spLocks noGrp="1"/>
+          </p:cNvSpPr>
+          <p:nvPr>
+            <p:ph type="subTitle" idx="1"/>
+          </p:nvPr>
+        </p:nvSpPr>
+        <p:spPr>
+          <a:xfrm>
+            <a:off x="1524000" y="3393688"/>
+            <a:ext cx="9144000" cy="1655762"/>
+          </a:xfrm>
+        </p:spPr>
+        <p:txBody>
+          <a:bodyPr/>
+          <a:lstStyle/>
+          <a:p>
+            <a:r>
+              <a:rPr lang="en-US" dirty="0"/>
+              <a:t>Interact With Cisco Platform APIs Using Python Requests</a:t>
+            </a:r>
+          </a:p>
+        </p:txBody>
+      </p:sp>
+    </p:spTree>
+    <p:extLst>
+      <p:ext uri="{BB962C8B-B14F-4D97-AF65-F5344CB8AC3E}">
+        <p14:creationId xmlns:p14="http://schemas.microsoft.com/office/powerpoint/2010/main" val="4218248441"/>
+      </p:ext>
+    </p:extLst>
+  </p:cSld>
+  <p:clrMapOvr>
+    <a:masterClrMapping/>
+  </p:clrMapOvr>
+  <mc:AlternateContent xmlns:mc="http://schemas.openxmlformats.org/markup-compatibility/2006" xmlns:p14="http://schemas.microsoft.com/office/powerpoint/2010/main">
+    <mc:Choice Requires="p14">
+      <p:transition spd="med" p14:dur="700">
+        <p:fade/>
+      </p:transition>
+    </mc:Choice>
+    <mc:Fallback xmlns="">
+      <p:transition spd="med">
+        <p:fade/>
+      </p:transition>
+    </mc:Fallback>
+  </mc:AlternateContent>
+</p:sld>
+</file>
+
+<file path=ppt/slides/slide41.xml><?xml version="1.0" encoding="utf-8"?>
+<p:sld xmlns:a="http://schemas.openxmlformats.org/drawingml/2006/main" xmlns:r="http://schemas.openxmlformats.org/officeDocument/2006/relationships" xmlns:p="http://schemas.openxmlformats.org/presentationml/2006/main">
+  <p:cSld>
+    <p:spTree>
+      <p:nvGrpSpPr>
+        <p:cNvPr id="1" name=""/>
+        <p:cNvGrpSpPr/>
+        <p:nvPr/>
+      </p:nvGrpSpPr>
+      <p:grpSpPr>
+        <a:xfrm>
+          <a:off x="0" y="0"/>
+          <a:ext cx="0" cy="0"/>
+          <a:chOff x="0" y="0"/>
+          <a:chExt cx="0" cy="0"/>
+        </a:xfrm>
+      </p:grpSpPr>
+      <p:sp>
+        <p:nvSpPr>
+          <p:cNvPr id="2" name="Title 1">
+            <a:extLst>
+              <a:ext uri="{FF2B5EF4-FFF2-40B4-BE49-F238E27FC236}">
+                <a16:creationId xmlns:a16="http://schemas.microsoft.com/office/drawing/2014/main" id="{EB7C4089-1746-624B-8E73-D3DAB8E88CDD}"/>
+              </a:ext>
+            </a:extLst>
+          </p:cNvPr>
+          <p:cNvSpPr>
+            <a:spLocks noGrp="1"/>
+          </p:cNvSpPr>
+          <p:nvPr>
+            <p:ph type="title"/>
+          </p:nvPr>
+        </p:nvSpPr>
+        <p:spPr/>
+        <p:txBody>
+          <a:bodyPr/>
+          <a:lstStyle/>
+          <a:p>
+            <a:r>
+              <a:rPr lang="en-US" dirty="0"/>
+              <a:t>Outline</a:t>
+            </a:r>
+          </a:p>
+        </p:txBody>
+      </p:sp>
+      <p:sp>
+        <p:nvSpPr>
+          <p:cNvPr id="3" name="Content Placeholder 2">
+            <a:extLst>
+              <a:ext uri="{FF2B5EF4-FFF2-40B4-BE49-F238E27FC236}">
+                <a16:creationId xmlns:a16="http://schemas.microsoft.com/office/drawing/2014/main" id="{65426B10-0364-A849-B3A4-1D0DA409155A}"/>
+              </a:ext>
+            </a:extLst>
+          </p:cNvPr>
+          <p:cNvSpPr>
+            <a:spLocks noGrp="1"/>
+          </p:cNvSpPr>
+          <p:nvPr>
+            <p:ph idx="1"/>
+          </p:nvPr>
+        </p:nvSpPr>
+        <p:spPr/>
+        <p:txBody>
+          <a:bodyPr/>
+          <a:lstStyle/>
+          <a:p>
+            <a:r>
+              <a:rPr lang="en-US" dirty="0"/>
+              <a:t>For each of these platforms:</a:t>
+            </a:r>
+          </a:p>
+          <a:p>
+            <a:pPr lvl="1"/>
+            <a:r>
+              <a:rPr lang="en-US" dirty="0"/>
+              <a:t>DNAC</a:t>
+            </a:r>
+          </a:p>
+          <a:p>
+            <a:pPr lvl="1"/>
+            <a:r>
+              <a:rPr lang="en-US" dirty="0" err="1"/>
+              <a:t>Webex</a:t>
+            </a:r>
+            <a:r>
+              <a:rPr lang="en-US" dirty="0"/>
+              <a:t> Teams</a:t>
+            </a:r>
+          </a:p>
+          <a:p>
+            <a:pPr lvl="1"/>
+            <a:r>
+              <a:rPr lang="en-US" dirty="0"/>
+              <a:t>Meraki</a:t>
+            </a:r>
+          </a:p>
+          <a:p>
+            <a:pPr lvl="1"/>
+            <a:r>
+              <a:rPr lang="en-US" dirty="0"/>
+              <a:t>ACI</a:t>
+            </a:r>
+          </a:p>
+          <a:p>
+            <a:r>
+              <a:rPr lang="en-US" dirty="0"/>
+              <a:t>Perform the following tasks:</a:t>
+            </a:r>
+          </a:p>
+          <a:p>
+            <a:pPr lvl="1"/>
+            <a:r>
+              <a:rPr lang="en-US" dirty="0"/>
+              <a:t>Review authentication methodology</a:t>
+            </a:r>
+          </a:p>
+          <a:p>
+            <a:pPr lvl="1"/>
+            <a:r>
+              <a:rPr lang="en-US" dirty="0"/>
+              <a:t>Build Python scripts to authenticate</a:t>
+            </a:r>
+          </a:p>
+          <a:p>
+            <a:pPr lvl="1"/>
+            <a:r>
+              <a:rPr lang="en-US" dirty="0"/>
+              <a:t>Build Python scripts to read/write data</a:t>
+            </a:r>
+          </a:p>
+        </p:txBody>
+      </p:sp>
+      <p:sp>
+        <p:nvSpPr>
+          <p:cNvPr id="4" name="Date Placeholder 3">
+            <a:extLst>
+              <a:ext uri="{FF2B5EF4-FFF2-40B4-BE49-F238E27FC236}">
+                <a16:creationId xmlns:a16="http://schemas.microsoft.com/office/drawing/2014/main" id="{7ECEAF79-F4AC-E94E-9E55-220D0D396924}"/>
+              </a:ext>
+            </a:extLst>
+          </p:cNvPr>
+          <p:cNvSpPr>
+            <a:spLocks noGrp="1"/>
+          </p:cNvSpPr>
+          <p:nvPr>
+            <p:ph type="dt" sz="half" idx="10"/>
+          </p:nvPr>
+        </p:nvSpPr>
+        <p:spPr/>
+        <p:txBody>
+          <a:bodyPr/>
+          <a:lstStyle/>
+          <a:p>
+            <a:r>
+              <a:rPr lang="en-US"/>
+              <a:t>World Wide Technology ©</a:t>
+            </a:r>
+            <a:endParaRPr lang="en-US" dirty="0"/>
+          </a:p>
+        </p:txBody>
+      </p:sp>
+      <p:sp>
+        <p:nvSpPr>
+          <p:cNvPr id="5" name="Slide Number Placeholder 4">
+            <a:extLst>
+              <a:ext uri="{FF2B5EF4-FFF2-40B4-BE49-F238E27FC236}">
+                <a16:creationId xmlns:a16="http://schemas.microsoft.com/office/drawing/2014/main" id="{372DC1A4-CE8B-DB4A-8F86-2508518C35D3}"/>
+              </a:ext>
+            </a:extLst>
+          </p:cNvPr>
+          <p:cNvSpPr>
+            <a:spLocks noGrp="1"/>
+          </p:cNvSpPr>
+          <p:nvPr>
+            <p:ph type="sldNum" sz="quarter" idx="12"/>
+          </p:nvPr>
+        </p:nvSpPr>
+        <p:spPr/>
+        <p:txBody>
+          <a:bodyPr/>
+          <a:lstStyle/>
+          <a:p>
+            <a:fld id="{A44B02FA-DD2D-1844-AE35-8B2EAB0CF4EF}" type="slidenum">
+              <a:rPr lang="en-US" smtClean="0"/>
+              <a:pPr/>
+              <a:t>41</a:t>
+            </a:fld>
+            <a:endParaRPr lang="en-US" dirty="0"/>
+          </a:p>
+        </p:txBody>
+      </p:sp>
+    </p:spTree>
+    <p:extLst>
+      <p:ext uri="{BB962C8B-B14F-4D97-AF65-F5344CB8AC3E}">
+        <p14:creationId xmlns:p14="http://schemas.microsoft.com/office/powerpoint/2010/main" val="232106193"/>
+      </p:ext>
+    </p:extLst>
+  </p:cSld>
+  <p:clrMapOvr>
+    <a:masterClrMapping/>
+  </p:clrMapOvr>
+  <mc:AlternateContent xmlns:mc="http://schemas.openxmlformats.org/markup-compatibility/2006" xmlns:p14="http://schemas.microsoft.com/office/powerpoint/2010/main">
+    <mc:Choice Requires="p14">
+      <p:transition spd="med" p14:dur="700">
+        <p:fade/>
+      </p:transition>
+    </mc:Choice>
+    <mc:Fallback xmlns="">
+      <p:transition spd="med">
+        <p:fade/>
+      </p:transition>
+    </mc:Fallback>
+  </mc:AlternateContent>
+</p:sld>
+</file>
+
+<file path=ppt/slides/slide42.xml><?xml version="1.0" encoding="utf-8"?>
+<p:sld xmlns:a="http://schemas.openxmlformats.org/drawingml/2006/main" xmlns:r="http://schemas.openxmlformats.org/officeDocument/2006/relationships" xmlns:p="http://schemas.openxmlformats.org/presentationml/2006/main">
+  <p:cSld>
+    <p:spTree>
+      <p:nvGrpSpPr>
+        <p:cNvPr id="1" name=""/>
+        <p:cNvGrpSpPr/>
+        <p:nvPr/>
+      </p:nvGrpSpPr>
+      <p:grpSpPr>
+        <a:xfrm>
+          <a:off x="0" y="0"/>
+          <a:ext cx="0" cy="0"/>
+          <a:chOff x="0" y="0"/>
+          <a:chExt cx="0" cy="0"/>
+        </a:xfrm>
+      </p:grpSpPr>
+      <p:sp>
+        <p:nvSpPr>
+          <p:cNvPr id="2" name="Title 1">
+            <a:extLst>
+              <a:ext uri="{FF2B5EF4-FFF2-40B4-BE49-F238E27FC236}">
+                <a16:creationId xmlns:a16="http://schemas.microsoft.com/office/drawing/2014/main" id="{9D8D6E4C-FC36-3E4C-9387-96DD20072D9D}"/>
+              </a:ext>
+            </a:extLst>
+          </p:cNvPr>
+          <p:cNvSpPr>
+            <a:spLocks noGrp="1"/>
+          </p:cNvSpPr>
+          <p:nvPr>
+            <p:ph type="ctrTitle"/>
+          </p:nvPr>
+        </p:nvSpPr>
+        <p:spPr>
+          <a:xfrm>
+            <a:off x="1524000" y="914013"/>
+            <a:ext cx="9144000" cy="2387600"/>
+          </a:xfrm>
+        </p:spPr>
+        <p:txBody>
+          <a:bodyPr/>
+          <a:lstStyle/>
+          <a:p>
+            <a:r>
+              <a:rPr lang="en-US" dirty="0"/>
+              <a:t>Part VII</a:t>
+            </a:r>
+          </a:p>
+        </p:txBody>
+      </p:sp>
+      <p:sp>
+        <p:nvSpPr>
+          <p:cNvPr id="3" name="Subtitle 2">
+            <a:extLst>
+              <a:ext uri="{FF2B5EF4-FFF2-40B4-BE49-F238E27FC236}">
+                <a16:creationId xmlns:a16="http://schemas.microsoft.com/office/drawing/2014/main" id="{0451A0DE-9D64-5A48-94B5-5B4E42709819}"/>
+              </a:ext>
+            </a:extLst>
+          </p:cNvPr>
+          <p:cNvSpPr>
+            <a:spLocks noGrp="1"/>
+          </p:cNvSpPr>
+          <p:nvPr>
+            <p:ph type="subTitle" idx="1"/>
+          </p:nvPr>
+        </p:nvSpPr>
+        <p:spPr>
+          <a:xfrm>
+            <a:off x="1524000" y="3393688"/>
+            <a:ext cx="9144000" cy="1655762"/>
+          </a:xfrm>
+        </p:spPr>
+        <p:txBody>
+          <a:bodyPr/>
+          <a:lstStyle/>
+          <a:p>
+            <a:r>
+              <a:rPr lang="en-US" dirty="0"/>
+              <a:t>Quiz, Practice Resources, &amp; References</a:t>
+            </a:r>
+          </a:p>
+        </p:txBody>
+      </p:sp>
+    </p:spTree>
+    <p:extLst>
+      <p:ext uri="{BB962C8B-B14F-4D97-AF65-F5344CB8AC3E}">
+        <p14:creationId xmlns:p14="http://schemas.microsoft.com/office/powerpoint/2010/main" val="3392886013"/>
+      </p:ext>
+    </p:extLst>
+  </p:cSld>
+  <p:clrMapOvr>
+    <a:masterClrMapping/>
+  </p:clrMapOvr>
+  <mc:AlternateContent xmlns:mc="http://schemas.openxmlformats.org/markup-compatibility/2006" xmlns:p14="http://schemas.microsoft.com/office/powerpoint/2010/main">
+    <mc:Choice Requires="p14">
+      <p:transition spd="med" p14:dur="700">
+        <p:fade/>
+      </p:transition>
+    </mc:Choice>
+    <mc:Fallback xmlns="">
+      <p:transition spd="med">
+        <p:fade/>
+      </p:transition>
+    </mc:Fallback>
+  </mc:AlternateContent>
+</p:sld>
+</file>
+
+<file path=ppt/slides/slide43.xml><?xml version="1.0" encoding="utf-8"?>
+<p:sld xmlns:a="http://schemas.openxmlformats.org/drawingml/2006/main" xmlns:r="http://schemas.openxmlformats.org/officeDocument/2006/relationships" xmlns:p="http://schemas.openxmlformats.org/presentationml/2006/main">
+  <p:cSld>
+    <p:spTree>
+      <p:nvGrpSpPr>
+        <p:cNvPr id="1" name=""/>
+        <p:cNvGrpSpPr/>
+        <p:nvPr/>
+      </p:nvGrpSpPr>
+      <p:grpSpPr>
+        <a:xfrm>
+          <a:off x="0" y="0"/>
+          <a:ext cx="0" cy="0"/>
+          <a:chOff x="0" y="0"/>
+          <a:chExt cx="0" cy="0"/>
+        </a:xfrm>
+      </p:grpSpPr>
+      <p:sp>
+        <p:nvSpPr>
+          <p:cNvPr id="2" name="Title 1">
+            <a:extLst>
+              <a:ext uri="{FF2B5EF4-FFF2-40B4-BE49-F238E27FC236}">
+                <a16:creationId xmlns:a16="http://schemas.microsoft.com/office/drawing/2014/main" id="{EB7C4089-1746-624B-8E73-D3DAB8E88CDD}"/>
+              </a:ext>
+            </a:extLst>
+          </p:cNvPr>
+          <p:cNvSpPr>
+            <a:spLocks noGrp="1"/>
+          </p:cNvSpPr>
+          <p:nvPr>
+            <p:ph type="title"/>
+          </p:nvPr>
+        </p:nvSpPr>
+        <p:spPr/>
+        <p:txBody>
+          <a:bodyPr/>
+          <a:lstStyle/>
+          <a:p>
+            <a:r>
+              <a:rPr lang="en-US" dirty="0"/>
+              <a:t>Slide Template</a:t>
+            </a:r>
+          </a:p>
+        </p:txBody>
+      </p:sp>
+      <p:sp>
+        <p:nvSpPr>
+          <p:cNvPr id="3" name="Content Placeholder 2">
+            <a:extLst>
+              <a:ext uri="{FF2B5EF4-FFF2-40B4-BE49-F238E27FC236}">
+                <a16:creationId xmlns:a16="http://schemas.microsoft.com/office/drawing/2014/main" id="{65426B10-0364-A849-B3A4-1D0DA409155A}"/>
+              </a:ext>
+            </a:extLst>
+          </p:cNvPr>
+          <p:cNvSpPr>
+            <a:spLocks noGrp="1"/>
+          </p:cNvSpPr>
+          <p:nvPr>
+            <p:ph idx="1"/>
+          </p:nvPr>
+        </p:nvSpPr>
+        <p:spPr/>
+        <p:txBody>
+          <a:bodyPr/>
+          <a:lstStyle/>
+          <a:p>
+            <a:r>
+              <a:rPr lang="en-US" dirty="0"/>
+              <a:t>Body template</a:t>
+            </a:r>
+          </a:p>
+        </p:txBody>
+      </p:sp>
+      <p:sp>
+        <p:nvSpPr>
+          <p:cNvPr id="4" name="Date Placeholder 3">
+            <a:extLst>
+              <a:ext uri="{FF2B5EF4-FFF2-40B4-BE49-F238E27FC236}">
+                <a16:creationId xmlns:a16="http://schemas.microsoft.com/office/drawing/2014/main" id="{7ECEAF79-F4AC-E94E-9E55-220D0D396924}"/>
+              </a:ext>
+            </a:extLst>
+          </p:cNvPr>
+          <p:cNvSpPr>
+            <a:spLocks noGrp="1"/>
+          </p:cNvSpPr>
+          <p:nvPr>
+            <p:ph type="dt" sz="half" idx="10"/>
+          </p:nvPr>
+        </p:nvSpPr>
+        <p:spPr/>
+        <p:txBody>
+          <a:bodyPr/>
+          <a:lstStyle/>
+          <a:p>
+            <a:r>
+              <a:rPr lang="en-US"/>
+              <a:t>World Wide Technology ©</a:t>
+            </a:r>
+            <a:endParaRPr lang="en-US" dirty="0"/>
+          </a:p>
+        </p:txBody>
+      </p:sp>
+      <p:sp>
+        <p:nvSpPr>
+          <p:cNvPr id="5" name="Slide Number Placeholder 4">
+            <a:extLst>
+              <a:ext uri="{FF2B5EF4-FFF2-40B4-BE49-F238E27FC236}">
+                <a16:creationId xmlns:a16="http://schemas.microsoft.com/office/drawing/2014/main" id="{372DC1A4-CE8B-DB4A-8F86-2508518C35D3}"/>
+              </a:ext>
+            </a:extLst>
+          </p:cNvPr>
+          <p:cNvSpPr>
+            <a:spLocks noGrp="1"/>
+          </p:cNvSpPr>
+          <p:nvPr>
+            <p:ph type="sldNum" sz="quarter" idx="12"/>
+          </p:nvPr>
+        </p:nvSpPr>
+        <p:spPr/>
+        <p:txBody>
+          <a:bodyPr/>
+          <a:lstStyle/>
+          <a:p>
+            <a:fld id="{A44B02FA-DD2D-1844-AE35-8B2EAB0CF4EF}" type="slidenum">
+              <a:rPr lang="en-US" smtClean="0"/>
+              <a:pPr/>
+              <a:t>43</a:t>
+            </a:fld>
+            <a:endParaRPr lang="en-US" dirty="0"/>
+          </a:p>
+        </p:txBody>
+      </p:sp>
+    </p:spTree>
+    <p:extLst>
+      <p:ext uri="{BB962C8B-B14F-4D97-AF65-F5344CB8AC3E}">
+        <p14:creationId xmlns:p14="http://schemas.microsoft.com/office/powerpoint/2010/main" val="2709408928"/>
+      </p:ext>
+    </p:extLst>
+  </p:cSld>
+  <p:clrMapOvr>
+    <a:masterClrMapping/>
+  </p:clrMapOvr>
+  <mc:AlternateContent xmlns:mc="http://schemas.openxmlformats.org/markup-compatibility/2006" xmlns:p14="http://schemas.microsoft.com/office/powerpoint/2010/main">
+    <mc:Choice Requires="p14">
+      <p:transition spd="med" p14:dur="700">
+        <p:fade/>
+      </p:transition>
+    </mc:Choice>
+    <mc:Fallback xmlns="">
+      <p:transition spd="med">
+        <p:fade/>
+      </p:transition>
+    </mc:Fallback>
+  </mc:AlternateContent>
+</p:sld>
+</file>
+
+<file path=ppt/slides/slide44.xml><?xml version="1.0" encoding="utf-8"?>
+<p:sld xmlns:a="http://schemas.openxmlformats.org/drawingml/2006/main" xmlns:r="http://schemas.openxmlformats.org/officeDocument/2006/relationships" xmlns:p="http://schemas.openxmlformats.org/presentationml/2006/main">
+  <p:cSld>
+    <p:spTree>
+      <p:nvGrpSpPr>
+        <p:cNvPr id="1" name=""/>
+        <p:cNvGrpSpPr/>
+        <p:nvPr/>
+      </p:nvGrpSpPr>
+      <p:grpSpPr>
+        <a:xfrm>
+          <a:off x="0" y="0"/>
+          <a:ext cx="0" cy="0"/>
+          <a:chOff x="0" y="0"/>
+          <a:chExt cx="0" cy="0"/>
+        </a:xfrm>
+      </p:grpSpPr>
+      <p:sp>
+        <p:nvSpPr>
+          <p:cNvPr id="2" name="Title 1">
+            <a:extLst>
+              <a:ext uri="{FF2B5EF4-FFF2-40B4-BE49-F238E27FC236}">
+                <a16:creationId xmlns:a16="http://schemas.microsoft.com/office/drawing/2014/main" id="{EB7C4089-1746-624B-8E73-D3DAB8E88CDD}"/>
+              </a:ext>
+            </a:extLst>
+          </p:cNvPr>
+          <p:cNvSpPr>
+            <a:spLocks noGrp="1"/>
+          </p:cNvSpPr>
+          <p:nvPr>
+            <p:ph type="title"/>
+          </p:nvPr>
+        </p:nvSpPr>
+        <p:spPr/>
+        <p:txBody>
+          <a:bodyPr/>
+          <a:lstStyle/>
+          <a:p>
+            <a:r>
+              <a:rPr lang="en-US" dirty="0"/>
+              <a:t>References</a:t>
+            </a:r>
+          </a:p>
+        </p:txBody>
+      </p:sp>
+      <p:sp>
+        <p:nvSpPr>
+          <p:cNvPr id="3" name="Content Placeholder 2">
+            <a:extLst>
+              <a:ext uri="{FF2B5EF4-FFF2-40B4-BE49-F238E27FC236}">
+                <a16:creationId xmlns:a16="http://schemas.microsoft.com/office/drawing/2014/main" id="{65426B10-0364-A849-B3A4-1D0DA409155A}"/>
+              </a:ext>
+            </a:extLst>
+          </p:cNvPr>
+          <p:cNvSpPr>
+            <a:spLocks noGrp="1"/>
+          </p:cNvSpPr>
+          <p:nvPr>
+            <p:ph idx="1"/>
+          </p:nvPr>
+        </p:nvSpPr>
+        <p:spPr/>
+        <p:txBody>
+          <a:bodyPr>
+            <a:normAutofit lnSpcReduction="10000"/>
+          </a:bodyPr>
+          <a:lstStyle/>
+          <a:p>
+            <a:r>
+              <a:rPr lang="en-US" dirty="0">
+                <a:hlinkClick r:id="rId2"/>
+              </a:rPr>
+              <a:t>https://www.linkedin.com/pulse/why-rest-api-so-popular-mangesh-bulkar/</a:t>
+            </a:r>
+            <a:endParaRPr lang="en-US" dirty="0">
+              <a:hlinkClick r:id="rId3"/>
+            </a:endParaRPr>
+          </a:p>
+          <a:p>
+            <a:r>
+              <a:rPr lang="en-US" dirty="0">
+                <a:hlinkClick r:id="rId3"/>
+              </a:rPr>
+              <a:t>https://en.wikipedia.org/wiki/CURL</a:t>
+            </a:r>
+            <a:endParaRPr lang="en-US" dirty="0"/>
+          </a:p>
+          <a:p>
+            <a:r>
+              <a:rPr lang="en-US" dirty="0">
+                <a:hlinkClick r:id="rId4"/>
+              </a:rPr>
+              <a:t>https://en.wikipedia.org/wiki/Requests_%28software%29</a:t>
+            </a:r>
+            <a:endParaRPr lang="en-US" dirty="0"/>
+          </a:p>
+          <a:p>
+            <a:r>
+              <a:rPr lang="en-US" dirty="0">
+                <a:hlinkClick r:id="rId5"/>
+              </a:rPr>
+              <a:t>https://curl.haxx.se</a:t>
+            </a:r>
+            <a:endParaRPr lang="en-US" dirty="0"/>
+          </a:p>
+          <a:p>
+            <a:r>
+              <a:rPr lang="en-US" dirty="0">
+                <a:hlinkClick r:id="rId6"/>
+              </a:rPr>
+              <a:t>https://requests.readthedocs.io/en/master/</a:t>
+            </a:r>
+            <a:endParaRPr lang="en-US" dirty="0"/>
+          </a:p>
+          <a:p>
+            <a:r>
+              <a:rPr lang="en-US" dirty="0"/>
+              <a:t>Cisco API documentation #1</a:t>
+            </a:r>
+          </a:p>
+          <a:p>
+            <a:r>
+              <a:rPr lang="en-US" dirty="0"/>
+              <a:t>Cisco API documentation #2</a:t>
+            </a:r>
+          </a:p>
+          <a:p>
+            <a:r>
+              <a:rPr lang="en-US" dirty="0"/>
+              <a:t>Cisco API documentation #3</a:t>
+            </a:r>
+          </a:p>
+        </p:txBody>
+      </p:sp>
+      <p:sp>
+        <p:nvSpPr>
+          <p:cNvPr id="4" name="Date Placeholder 3">
+            <a:extLst>
+              <a:ext uri="{FF2B5EF4-FFF2-40B4-BE49-F238E27FC236}">
+                <a16:creationId xmlns:a16="http://schemas.microsoft.com/office/drawing/2014/main" id="{7ECEAF79-F4AC-E94E-9E55-220D0D396924}"/>
+              </a:ext>
+            </a:extLst>
+          </p:cNvPr>
+          <p:cNvSpPr>
+            <a:spLocks noGrp="1"/>
+          </p:cNvSpPr>
+          <p:nvPr>
+            <p:ph type="dt" sz="half" idx="10"/>
+          </p:nvPr>
+        </p:nvSpPr>
+        <p:spPr/>
+        <p:txBody>
+          <a:bodyPr/>
+          <a:lstStyle/>
+          <a:p>
+            <a:r>
+              <a:rPr lang="en-US"/>
+              <a:t>World Wide Technology ©</a:t>
+            </a:r>
+            <a:endParaRPr lang="en-US" dirty="0"/>
+          </a:p>
+        </p:txBody>
+      </p:sp>
+      <p:sp>
+        <p:nvSpPr>
+          <p:cNvPr id="5" name="Slide Number Placeholder 4">
+            <a:extLst>
+              <a:ext uri="{FF2B5EF4-FFF2-40B4-BE49-F238E27FC236}">
+                <a16:creationId xmlns:a16="http://schemas.microsoft.com/office/drawing/2014/main" id="{372DC1A4-CE8B-DB4A-8F86-2508518C35D3}"/>
+              </a:ext>
+            </a:extLst>
+          </p:cNvPr>
+          <p:cNvSpPr>
+            <a:spLocks noGrp="1"/>
+          </p:cNvSpPr>
+          <p:nvPr>
+            <p:ph type="sldNum" sz="quarter" idx="12"/>
+          </p:nvPr>
+        </p:nvSpPr>
+        <p:spPr/>
+        <p:txBody>
+          <a:bodyPr/>
+          <a:lstStyle/>
+          <a:p>
+            <a:fld id="{A44B02FA-DD2D-1844-AE35-8B2EAB0CF4EF}" type="slidenum">
+              <a:rPr lang="en-US" smtClean="0"/>
+              <a:pPr/>
+              <a:t>44</a:t>
+            </a:fld>
+            <a:endParaRPr lang="en-US" dirty="0"/>
+          </a:p>
+        </p:txBody>
+      </p:sp>
+    </p:spTree>
+    <p:extLst>
+      <p:ext uri="{BB962C8B-B14F-4D97-AF65-F5344CB8AC3E}">
+        <p14:creationId xmlns:p14="http://schemas.microsoft.com/office/powerpoint/2010/main" val="3225595977"/>
+      </p:ext>
+    </p:extLst>
+  </p:cSld>
+  <p:clrMapOvr>
+    <a:masterClrMapping/>
+  </p:clrMapOvr>
+  <mc:AlternateContent xmlns:mc="http://schemas.openxmlformats.org/markup-compatibility/2006" xmlns:p14="http://schemas.microsoft.com/office/powerpoint/2010/main">
+    <mc:Choice Requires="p14">
+      <p:transition spd="med" p14:dur="700">
+        <p:fade/>
+      </p:transition>
+    </mc:Choice>
+    <mc:Fallback xmlns="">
+      <p:transition spd="med">
+        <p:fade/>
+      </p:transition>
+    </mc:Fallback>
+  </mc:AlternateContent>
+</p:sld>
+</file>
+
+<file path=ppt/slides/slide45.xml><?xml version="1.0" encoding="utf-8"?>
+<p:sld xmlns:a="http://schemas.openxmlformats.org/drawingml/2006/main" xmlns:r="http://schemas.openxmlformats.org/officeDocument/2006/relationships" xmlns:p="http://schemas.openxmlformats.org/presentationml/2006/main">
+  <p:cSld>
+    <p:spTree>
+      <p:nvGrpSpPr>
+        <p:cNvPr id="1" name=""/>
+        <p:cNvGrpSpPr/>
+        <p:nvPr/>
+      </p:nvGrpSpPr>
+      <p:grpSpPr>
+        <a:xfrm>
+          <a:off x="0" y="0"/>
+          <a:ext cx="0" cy="0"/>
+          <a:chOff x="0" y="0"/>
+          <a:chExt cx="0" cy="0"/>
+        </a:xfrm>
+      </p:grpSpPr>
+      <p:sp>
+        <p:nvSpPr>
+          <p:cNvPr id="4" name="Date Placeholder 3">
+            <a:extLst>
+              <a:ext uri="{FF2B5EF4-FFF2-40B4-BE49-F238E27FC236}">
+                <a16:creationId xmlns:a16="http://schemas.microsoft.com/office/drawing/2014/main" id="{0CD670A9-B06A-3448-BABA-FAD627500859}"/>
+              </a:ext>
+            </a:extLst>
+          </p:cNvPr>
+          <p:cNvSpPr>
+            <a:spLocks noGrp="1"/>
+          </p:cNvSpPr>
+          <p:nvPr>
+            <p:ph type="dt" sz="half" idx="10"/>
+          </p:nvPr>
+        </p:nvSpPr>
+        <p:spPr/>
+        <p:txBody>
+          <a:bodyPr/>
+          <a:lstStyle/>
+          <a:p>
+            <a:r>
+              <a:rPr lang="en-US"/>
+              <a:t>World Wide Technology ©</a:t>
+            </a:r>
+            <a:endParaRPr lang="en-US" dirty="0"/>
+          </a:p>
+        </p:txBody>
+      </p:sp>
+      <p:sp>
+        <p:nvSpPr>
+          <p:cNvPr id="5" name="Slide Number Placeholder 4">
+            <a:extLst>
+              <a:ext uri="{FF2B5EF4-FFF2-40B4-BE49-F238E27FC236}">
+                <a16:creationId xmlns:a16="http://schemas.microsoft.com/office/drawing/2014/main" id="{119DACAD-17C1-C249-A498-C4A1A1ADD334}"/>
+              </a:ext>
+            </a:extLst>
+          </p:cNvPr>
+          <p:cNvSpPr>
+            <a:spLocks noGrp="1"/>
+          </p:cNvSpPr>
+          <p:nvPr>
+            <p:ph type="sldNum" sz="quarter" idx="12"/>
+          </p:nvPr>
+        </p:nvSpPr>
+        <p:spPr/>
+        <p:txBody>
+          <a:bodyPr/>
+          <a:lstStyle/>
+          <a:p>
+            <a:fld id="{A44B02FA-DD2D-1844-AE35-8B2EAB0CF4EF}" type="slidenum">
+              <a:rPr lang="en-US" smtClean="0"/>
+              <a:pPr/>
+              <a:t>45</a:t>
+            </a:fld>
+            <a:endParaRPr lang="en-US" dirty="0"/>
+          </a:p>
+        </p:txBody>
+      </p:sp>
+    </p:spTree>
+    <p:extLst>
+      <p:ext uri="{BB962C8B-B14F-4D97-AF65-F5344CB8AC3E}">
+        <p14:creationId xmlns:p14="http://schemas.microsoft.com/office/powerpoint/2010/main" val="756638364"/>
       </p:ext>
     </p:extLst>
   </p:cSld>
@@ -20355,15 +26077,7 @@
           <a:p>
             <a:r>
               <a:rPr lang="en-US" dirty="0"/>
-              <a:t>Open your preferred terminal (bash, PowerShell, </a:t>
-            </a:r>
-            <a:r>
-              <a:rPr lang="en-US" dirty="0" err="1"/>
-              <a:t>zsh</a:t>
-            </a:r>
-            <a:r>
-              <a:rPr lang="en-US" dirty="0"/>
-              <a:t>, etc.)</a:t>
+              <a:t>Run the Docker Container for the hands-on exercises</a:t>
             </a:r>
           </a:p>
           <a:p>

--- a/curl-requests-foundations.pptx
+++ b/curl-requests-foundations.pptx
@@ -5,7 +5,7 @@
     <p:sldMasterId id="2147483660" r:id="rId1"/>
   </p:sldMasterIdLst>
   <p:notesMasterIdLst>
-    <p:notesMasterId r:id="rId47"/>
+    <p:notesMasterId r:id="rId54"/>
   </p:notesMasterIdLst>
   <p:sldIdLst>
     <p:sldId id="256" r:id="rId2"/>
@@ -35,24 +35,31 @@
     <p:sldId id="270" r:id="rId26"/>
     <p:sldId id="326" r:id="rId27"/>
     <p:sldId id="359" r:id="rId28"/>
-    <p:sldId id="364" r:id="rId29"/>
-    <p:sldId id="360" r:id="rId30"/>
-    <p:sldId id="365" r:id="rId31"/>
-    <p:sldId id="366" r:id="rId32"/>
-    <p:sldId id="362" r:id="rId33"/>
-    <p:sldId id="363" r:id="rId34"/>
-    <p:sldId id="367" r:id="rId35"/>
-    <p:sldId id="368" r:id="rId36"/>
-    <p:sldId id="322" r:id="rId37"/>
-    <p:sldId id="329" r:id="rId38"/>
-    <p:sldId id="330" r:id="rId39"/>
-    <p:sldId id="328" r:id="rId40"/>
-    <p:sldId id="333" r:id="rId41"/>
-    <p:sldId id="334" r:id="rId42"/>
-    <p:sldId id="335" r:id="rId43"/>
-    <p:sldId id="311" r:id="rId44"/>
-    <p:sldId id="321" r:id="rId45"/>
-    <p:sldId id="280" r:id="rId46"/>
+    <p:sldId id="378" r:id="rId29"/>
+    <p:sldId id="364" r:id="rId30"/>
+    <p:sldId id="360" r:id="rId31"/>
+    <p:sldId id="365" r:id="rId32"/>
+    <p:sldId id="366" r:id="rId33"/>
+    <p:sldId id="362" r:id="rId34"/>
+    <p:sldId id="363" r:id="rId35"/>
+    <p:sldId id="367" r:id="rId36"/>
+    <p:sldId id="368" r:id="rId37"/>
+    <p:sldId id="377" r:id="rId38"/>
+    <p:sldId id="372" r:id="rId39"/>
+    <p:sldId id="373" r:id="rId40"/>
+    <p:sldId id="374" r:id="rId41"/>
+    <p:sldId id="375" r:id="rId42"/>
+    <p:sldId id="376" r:id="rId43"/>
+    <p:sldId id="322" r:id="rId44"/>
+    <p:sldId id="329" r:id="rId45"/>
+    <p:sldId id="330" r:id="rId46"/>
+    <p:sldId id="328" r:id="rId47"/>
+    <p:sldId id="333" r:id="rId48"/>
+    <p:sldId id="334" r:id="rId49"/>
+    <p:sldId id="335" r:id="rId50"/>
+    <p:sldId id="311" r:id="rId51"/>
+    <p:sldId id="321" r:id="rId52"/>
+    <p:sldId id="280" r:id="rId53"/>
   </p:sldIdLst>
   <p:sldSz cx="12192000" cy="6858000"/>
   <p:notesSz cx="6858000" cy="9144000"/>
@@ -252,7 +259,7 @@
           <a:p>
             <a:fld id="{966F6F5D-167E-1849-B841-EB0817BB385A}" type="datetimeFigureOut">
               <a:rPr lang="en-US" smtClean="0"/>
-              <a:t>4/3/20</a:t>
+              <a:t>4/11/20</a:t>
             </a:fld>
             <a:endParaRPr lang="en-US"/>
           </a:p>
@@ -1174,7 +1181,15 @@
             </a:pPr>
             <a:r>
               <a:rPr lang="en-US" b="0" i="0" dirty="0"/>
-              <a:t>Returns a 200 OK </a:t>
+              <a:t>Adding the -L option returns a 200 OK because </a:t>
+            </a:r>
+            <a:r>
+              <a:rPr lang="en-US" b="0" i="0" dirty="0" err="1"/>
+              <a:t>cURL</a:t>
+            </a:r>
+            <a:r>
+              <a:rPr lang="en-US" b="0" i="0" dirty="0"/>
+              <a:t> can follow redirects</a:t>
             </a:r>
           </a:p>
         </p:txBody>
@@ -1565,9 +1580,10 @@
           <a:lstStyle/>
           <a:p>
             <a:r>
-              <a:rPr lang="en-US" b="0" i="0" dirty="0"/>
+              <a:rPr lang="en-US" dirty="0"/>
               <a:t>// TODO</a:t>
             </a:r>
+            <a:endParaRPr lang="en-US" b="0" i="0" u="none" dirty="0"/>
           </a:p>
         </p:txBody>
       </p:sp>
@@ -1597,7 +1613,7 @@
     </p:spTree>
     <p:extLst>
       <p:ext uri="{BB962C8B-B14F-4D97-AF65-F5344CB8AC3E}">
-        <p14:creationId xmlns:p14="http://schemas.microsoft.com/office/powerpoint/2010/main" val="278623439"/>
+        <p14:creationId xmlns:p14="http://schemas.microsoft.com/office/powerpoint/2010/main" val="2702335435"/>
       </p:ext>
     </p:extLst>
   </p:cSld>
@@ -1762,7 +1778,7 @@
           <a:p>
             <a:fld id="{020CF8D1-BA82-5045-ACF9-1AA42AD6A519}" type="slidenum">
               <a:rPr lang="en-US" smtClean="0"/>
-              <a:t>30</a:t>
+              <a:t>29</a:t>
             </a:fld>
             <a:endParaRPr lang="en-US"/>
           </a:p>
@@ -1771,7 +1787,7 @@
     </p:spTree>
     <p:extLst>
       <p:ext uri="{BB962C8B-B14F-4D97-AF65-F5344CB8AC3E}">
-        <p14:creationId xmlns:p14="http://schemas.microsoft.com/office/powerpoint/2010/main" val="3986437815"/>
+        <p14:creationId xmlns:p14="http://schemas.microsoft.com/office/powerpoint/2010/main" val="278623439"/>
       </p:ext>
     </p:extLst>
   </p:cSld>
@@ -1849,7 +1865,7 @@
           <a:p>
             <a:fld id="{020CF8D1-BA82-5045-ACF9-1AA42AD6A519}" type="slidenum">
               <a:rPr lang="en-US" smtClean="0"/>
-              <a:t>32</a:t>
+              <a:t>31</a:t>
             </a:fld>
             <a:endParaRPr lang="en-US"/>
           </a:p>
@@ -1858,7 +1874,7 @@
     </p:spTree>
     <p:extLst>
       <p:ext uri="{BB962C8B-B14F-4D97-AF65-F5344CB8AC3E}">
-        <p14:creationId xmlns:p14="http://schemas.microsoft.com/office/powerpoint/2010/main" val="1090793898"/>
+        <p14:creationId xmlns:p14="http://schemas.microsoft.com/office/powerpoint/2010/main" val="3986437815"/>
       </p:ext>
     </p:extLst>
   </p:cSld>
@@ -1936,7 +1952,7 @@
           <a:p>
             <a:fld id="{020CF8D1-BA82-5045-ACF9-1AA42AD6A519}" type="slidenum">
               <a:rPr lang="en-US" smtClean="0"/>
-              <a:t>34</a:t>
+              <a:t>33</a:t>
             </a:fld>
             <a:endParaRPr lang="en-US"/>
           </a:p>
@@ -1945,7 +1961,7 @@
     </p:spTree>
     <p:extLst>
       <p:ext uri="{BB962C8B-B14F-4D97-AF65-F5344CB8AC3E}">
-        <p14:creationId xmlns:p14="http://schemas.microsoft.com/office/powerpoint/2010/main" val="3713226959"/>
+        <p14:creationId xmlns:p14="http://schemas.microsoft.com/office/powerpoint/2010/main" val="1090793898"/>
       </p:ext>
     </p:extLst>
   </p:cSld>
@@ -1999,25 +2015,8 @@
           <a:bodyPr/>
           <a:lstStyle/>
           <a:p>
-            <a:pPr marL="0" marR="0" lvl="0" indent="0" algn="l" defTabSz="914400" rtl="0" eaLnBrk="1" fontAlgn="auto" latinLnBrk="0" hangingPunct="1">
-              <a:lnSpc>
-                <a:spcPct val="100000"/>
-              </a:lnSpc>
-              <a:spcBef>
-                <a:spcPts val="0"/>
-              </a:spcBef>
-              <a:spcAft>
-                <a:spcPts val="0"/>
-              </a:spcAft>
-              <a:buClrTx/>
-              <a:buSzTx/>
-              <a:buFontTx/>
-              <a:buNone/>
-              <a:tabLst/>
-              <a:defRPr/>
-            </a:pPr>
-            <a:r>
-              <a:rPr lang="en-US" dirty="0"/>
+            <a:r>
+              <a:rPr lang="en-US" b="0" i="0" dirty="0"/>
               <a:t>// TODO</a:t>
             </a:r>
           </a:p>
@@ -2040,7 +2039,7 @@
           <a:p>
             <a:fld id="{020CF8D1-BA82-5045-ACF9-1AA42AD6A519}" type="slidenum">
               <a:rPr lang="en-US" smtClean="0"/>
-              <a:t>36</a:t>
+              <a:t>35</a:t>
             </a:fld>
             <a:endParaRPr lang="en-US"/>
           </a:p>
@@ -2049,7 +2048,7 @@
     </p:spTree>
     <p:extLst>
       <p:ext uri="{BB962C8B-B14F-4D97-AF65-F5344CB8AC3E}">
-        <p14:creationId xmlns:p14="http://schemas.microsoft.com/office/powerpoint/2010/main" val="2058049328"/>
+        <p14:creationId xmlns:p14="http://schemas.microsoft.com/office/powerpoint/2010/main" val="3713226959"/>
       </p:ext>
     </p:extLst>
   </p:cSld>
@@ -2103,25 +2102,8 @@
           <a:bodyPr/>
           <a:lstStyle/>
           <a:p>
-            <a:pPr marL="0" marR="0" lvl="0" indent="0" algn="l" defTabSz="914400" rtl="0" eaLnBrk="1" fontAlgn="auto" latinLnBrk="0" hangingPunct="1">
-              <a:lnSpc>
-                <a:spcPct val="100000"/>
-              </a:lnSpc>
-              <a:spcBef>
-                <a:spcPts val="0"/>
-              </a:spcBef>
-              <a:spcAft>
-                <a:spcPts val="0"/>
-              </a:spcAft>
-              <a:buClrTx/>
-              <a:buSzTx/>
-              <a:buFontTx/>
-              <a:buNone/>
-              <a:tabLst/>
-              <a:defRPr/>
-            </a:pPr>
-            <a:r>
-              <a:rPr lang="en-US" dirty="0"/>
+            <a:r>
+              <a:rPr lang="en-US" b="0" i="0" dirty="0"/>
               <a:t>// TODO</a:t>
             </a:r>
           </a:p>
@@ -2144,7 +2126,7 @@
           <a:p>
             <a:fld id="{020CF8D1-BA82-5045-ACF9-1AA42AD6A519}" type="slidenum">
               <a:rPr lang="en-US" smtClean="0"/>
-              <a:t>38</a:t>
+              <a:t>37</a:t>
             </a:fld>
             <a:endParaRPr lang="en-US"/>
           </a:p>
@@ -2153,7 +2135,7 @@
     </p:spTree>
     <p:extLst>
       <p:ext uri="{BB962C8B-B14F-4D97-AF65-F5344CB8AC3E}">
-        <p14:creationId xmlns:p14="http://schemas.microsoft.com/office/powerpoint/2010/main" val="3481472389"/>
+        <p14:creationId xmlns:p14="http://schemas.microsoft.com/office/powerpoint/2010/main" val="2913679589"/>
       </p:ext>
     </p:extLst>
   </p:cSld>
@@ -2207,26 +2189,29 @@
           <a:bodyPr/>
           <a:lstStyle/>
           <a:p>
-            <a:pPr marL="0" marR="0" lvl="0" indent="0" algn="l" defTabSz="914400" rtl="0" eaLnBrk="1" fontAlgn="auto" latinLnBrk="0" hangingPunct="1">
-              <a:lnSpc>
-                <a:spcPct val="100000"/>
-              </a:lnSpc>
-              <a:spcBef>
-                <a:spcPts val="0"/>
-              </a:spcBef>
-              <a:spcAft>
-                <a:spcPts val="0"/>
-              </a:spcAft>
-              <a:buClrTx/>
-              <a:buSzTx/>
-              <a:buFontTx/>
-              <a:buNone/>
-              <a:tabLst/>
-              <a:defRPr/>
+            <a:r>
+              <a:rPr lang="en-US" b="0" i="0" dirty="0"/>
+              <a:t>// TODO</a:t>
+            </a:r>
+          </a:p>
+          <a:p>
+            <a:pPr marL="171450" indent="-171450">
+              <a:buFont typeface="Arial" panose="020B0604020202020204" pitchFamily="34" charset="0"/>
+              <a:buChar char="•"/>
             </a:pPr>
             <a:r>
-              <a:rPr lang="en-US" dirty="0"/>
-              <a:t>// TODO</a:t>
+              <a:rPr lang="en-US" b="0" i="0" dirty="0"/>
+              <a:t>Omitted the -X option</a:t>
+            </a:r>
+          </a:p>
+          <a:p>
+            <a:pPr marL="171450" indent="-171450">
+              <a:buFont typeface="Arial" panose="020B0604020202020204" pitchFamily="34" charset="0"/>
+              <a:buChar char="•"/>
+            </a:pPr>
+            <a:r>
+              <a:rPr lang="en-US" b="0" i="0" dirty="0"/>
+              <a:t>The server will return a HTTP ‘302 Found’ message and a message about redirection in the body but not the information we requested</a:t>
             </a:r>
           </a:p>
         </p:txBody>
@@ -2248,7 +2233,7 @@
           <a:p>
             <a:fld id="{020CF8D1-BA82-5045-ACF9-1AA42AD6A519}" type="slidenum">
               <a:rPr lang="en-US" smtClean="0"/>
-              <a:t>40</a:t>
+              <a:t>39</a:t>
             </a:fld>
             <a:endParaRPr lang="en-US"/>
           </a:p>
@@ -2257,7 +2242,7 @@
     </p:spTree>
     <p:extLst>
       <p:ext uri="{BB962C8B-B14F-4D97-AF65-F5344CB8AC3E}">
-        <p14:creationId xmlns:p14="http://schemas.microsoft.com/office/powerpoint/2010/main" val="3252389655"/>
+        <p14:creationId xmlns:p14="http://schemas.microsoft.com/office/powerpoint/2010/main" val="282347769"/>
       </p:ext>
     </p:extLst>
   </p:cSld>
@@ -2311,6 +2296,111 @@
           <a:bodyPr/>
           <a:lstStyle/>
           <a:p>
+            <a:r>
+              <a:rPr lang="en-US" b="0" i="0" dirty="0"/>
+              <a:t>// TODO</a:t>
+            </a:r>
+          </a:p>
+          <a:p>
+            <a:pPr marL="171450" indent="-171450">
+              <a:buFont typeface="Arial" panose="020B0604020202020204" pitchFamily="34" charset="0"/>
+              <a:buChar char="•"/>
+            </a:pPr>
+            <a:r>
+              <a:rPr lang="en-US" b="0" i="0" dirty="0"/>
+              <a:t>Adding the -L option returns a 200 OK because </a:t>
+            </a:r>
+            <a:r>
+              <a:rPr lang="en-US" b="0" i="0" dirty="0" err="1"/>
+              <a:t>cURL</a:t>
+            </a:r>
+            <a:r>
+              <a:rPr lang="en-US" b="0" i="0" dirty="0"/>
+              <a:t> can follow redirects</a:t>
+            </a:r>
+          </a:p>
+        </p:txBody>
+      </p:sp>
+      <p:sp>
+        <p:nvSpPr>
+          <p:cNvPr id="4" name="Slide Number Placeholder 3"/>
+          <p:cNvSpPr>
+            <a:spLocks noGrp="1"/>
+          </p:cNvSpPr>
+          <p:nvPr>
+            <p:ph type="sldNum" sz="quarter" idx="5"/>
+          </p:nvPr>
+        </p:nvSpPr>
+        <p:spPr/>
+        <p:txBody>
+          <a:bodyPr/>
+          <a:lstStyle/>
+          <a:p>
+            <a:fld id="{020CF8D1-BA82-5045-ACF9-1AA42AD6A519}" type="slidenum">
+              <a:rPr lang="en-US" smtClean="0"/>
+              <a:t>41</a:t>
+            </a:fld>
+            <a:endParaRPr lang="en-US"/>
+          </a:p>
+        </p:txBody>
+      </p:sp>
+    </p:spTree>
+    <p:extLst>
+      <p:ext uri="{BB962C8B-B14F-4D97-AF65-F5344CB8AC3E}">
+        <p14:creationId xmlns:p14="http://schemas.microsoft.com/office/powerpoint/2010/main" val="3127940262"/>
+      </p:ext>
+    </p:extLst>
+  </p:cSld>
+  <p:clrMapOvr>
+    <a:masterClrMapping/>
+  </p:clrMapOvr>
+</p:notes>
+</file>
+
+<file path=ppt/notesSlides/notesSlide27.xml><?xml version="1.0" encoding="utf-8"?>
+<p:notes xmlns:a="http://schemas.openxmlformats.org/drawingml/2006/main" xmlns:r="http://schemas.openxmlformats.org/officeDocument/2006/relationships" xmlns:p="http://schemas.openxmlformats.org/presentationml/2006/main">
+  <p:cSld>
+    <p:spTree>
+      <p:nvGrpSpPr>
+        <p:cNvPr id="1" name=""/>
+        <p:cNvGrpSpPr/>
+        <p:nvPr/>
+      </p:nvGrpSpPr>
+      <p:grpSpPr>
+        <a:xfrm>
+          <a:off x="0" y="0"/>
+          <a:ext cx="0" cy="0"/>
+          <a:chOff x="0" y="0"/>
+          <a:chExt cx="0" cy="0"/>
+        </a:xfrm>
+      </p:grpSpPr>
+      <p:sp>
+        <p:nvSpPr>
+          <p:cNvPr id="2" name="Slide Image Placeholder 1"/>
+          <p:cNvSpPr>
+            <a:spLocks noGrp="1" noRot="1" noChangeAspect="1"/>
+          </p:cNvSpPr>
+          <p:nvPr>
+            <p:ph type="sldImg"/>
+          </p:nvPr>
+        </p:nvSpPr>
+        <p:spPr/>
+      </p:sp>
+      <p:sp>
+        <p:nvSpPr>
+          <p:cNvPr id="3" name="Notes Placeholder 2"/>
+          <p:cNvSpPr>
+            <a:spLocks noGrp="1"/>
+          </p:cNvSpPr>
+          <p:nvPr>
+            <p:ph type="body" idx="1"/>
+          </p:nvPr>
+        </p:nvSpPr>
+        <p:spPr/>
+        <p:txBody>
+          <a:bodyPr/>
+          <a:lstStyle/>
+          <a:p>
             <a:pPr marL="0" marR="0" lvl="0" indent="0" algn="l" defTabSz="914400" rtl="0" eaLnBrk="1" fontAlgn="auto" latinLnBrk="0" hangingPunct="1">
               <a:lnSpc>
                 <a:spcPct val="100000"/>
@@ -2352,7 +2442,7 @@
           <a:p>
             <a:fld id="{020CF8D1-BA82-5045-ACF9-1AA42AD6A519}" type="slidenum">
               <a:rPr lang="en-US" smtClean="0"/>
-              <a:t>42</a:t>
+              <a:t>43</a:t>
             </a:fld>
             <a:endParaRPr lang="en-US"/>
           </a:p>
@@ -2361,7 +2451,215 @@
     </p:spTree>
     <p:extLst>
       <p:ext uri="{BB962C8B-B14F-4D97-AF65-F5344CB8AC3E}">
-        <p14:creationId xmlns:p14="http://schemas.microsoft.com/office/powerpoint/2010/main" val="4152409612"/>
+        <p14:creationId xmlns:p14="http://schemas.microsoft.com/office/powerpoint/2010/main" val="2058049328"/>
+      </p:ext>
+    </p:extLst>
+  </p:cSld>
+  <p:clrMapOvr>
+    <a:masterClrMapping/>
+  </p:clrMapOvr>
+</p:notes>
+</file>
+
+<file path=ppt/notesSlides/notesSlide28.xml><?xml version="1.0" encoding="utf-8"?>
+<p:notes xmlns:a="http://schemas.openxmlformats.org/drawingml/2006/main" xmlns:r="http://schemas.openxmlformats.org/officeDocument/2006/relationships" xmlns:p="http://schemas.openxmlformats.org/presentationml/2006/main">
+  <p:cSld>
+    <p:spTree>
+      <p:nvGrpSpPr>
+        <p:cNvPr id="1" name=""/>
+        <p:cNvGrpSpPr/>
+        <p:nvPr/>
+      </p:nvGrpSpPr>
+      <p:grpSpPr>
+        <a:xfrm>
+          <a:off x="0" y="0"/>
+          <a:ext cx="0" cy="0"/>
+          <a:chOff x="0" y="0"/>
+          <a:chExt cx="0" cy="0"/>
+        </a:xfrm>
+      </p:grpSpPr>
+      <p:sp>
+        <p:nvSpPr>
+          <p:cNvPr id="2" name="Slide Image Placeholder 1"/>
+          <p:cNvSpPr>
+            <a:spLocks noGrp="1" noRot="1" noChangeAspect="1"/>
+          </p:cNvSpPr>
+          <p:nvPr>
+            <p:ph type="sldImg"/>
+          </p:nvPr>
+        </p:nvSpPr>
+        <p:spPr/>
+      </p:sp>
+      <p:sp>
+        <p:nvSpPr>
+          <p:cNvPr id="3" name="Notes Placeholder 2"/>
+          <p:cNvSpPr>
+            <a:spLocks noGrp="1"/>
+          </p:cNvSpPr>
+          <p:nvPr>
+            <p:ph type="body" idx="1"/>
+          </p:nvPr>
+        </p:nvSpPr>
+        <p:spPr/>
+        <p:txBody>
+          <a:bodyPr/>
+          <a:lstStyle/>
+          <a:p>
+            <a:pPr marL="0" marR="0" lvl="0" indent="0" algn="l" defTabSz="914400" rtl="0" eaLnBrk="1" fontAlgn="auto" latinLnBrk="0" hangingPunct="1">
+              <a:lnSpc>
+                <a:spcPct val="100000"/>
+              </a:lnSpc>
+              <a:spcBef>
+                <a:spcPts val="0"/>
+              </a:spcBef>
+              <a:spcAft>
+                <a:spcPts val="0"/>
+              </a:spcAft>
+              <a:buClrTx/>
+              <a:buSzTx/>
+              <a:buFontTx/>
+              <a:buNone/>
+              <a:tabLst/>
+              <a:defRPr/>
+            </a:pPr>
+            <a:r>
+              <a:rPr lang="en-US" dirty="0"/>
+              <a:t>// TODO</a:t>
+            </a:r>
+          </a:p>
+        </p:txBody>
+      </p:sp>
+      <p:sp>
+        <p:nvSpPr>
+          <p:cNvPr id="4" name="Slide Number Placeholder 3"/>
+          <p:cNvSpPr>
+            <a:spLocks noGrp="1"/>
+          </p:cNvSpPr>
+          <p:nvPr>
+            <p:ph type="sldNum" sz="quarter" idx="5"/>
+          </p:nvPr>
+        </p:nvSpPr>
+        <p:spPr/>
+        <p:txBody>
+          <a:bodyPr/>
+          <a:lstStyle/>
+          <a:p>
+            <a:fld id="{020CF8D1-BA82-5045-ACF9-1AA42AD6A519}" type="slidenum">
+              <a:rPr lang="en-US" smtClean="0"/>
+              <a:t>45</a:t>
+            </a:fld>
+            <a:endParaRPr lang="en-US"/>
+          </a:p>
+        </p:txBody>
+      </p:sp>
+    </p:spTree>
+    <p:extLst>
+      <p:ext uri="{BB962C8B-B14F-4D97-AF65-F5344CB8AC3E}">
+        <p14:creationId xmlns:p14="http://schemas.microsoft.com/office/powerpoint/2010/main" val="3481472389"/>
+      </p:ext>
+    </p:extLst>
+  </p:cSld>
+  <p:clrMapOvr>
+    <a:masterClrMapping/>
+  </p:clrMapOvr>
+</p:notes>
+</file>
+
+<file path=ppt/notesSlides/notesSlide29.xml><?xml version="1.0" encoding="utf-8"?>
+<p:notes xmlns:a="http://schemas.openxmlformats.org/drawingml/2006/main" xmlns:r="http://schemas.openxmlformats.org/officeDocument/2006/relationships" xmlns:p="http://schemas.openxmlformats.org/presentationml/2006/main">
+  <p:cSld>
+    <p:spTree>
+      <p:nvGrpSpPr>
+        <p:cNvPr id="1" name=""/>
+        <p:cNvGrpSpPr/>
+        <p:nvPr/>
+      </p:nvGrpSpPr>
+      <p:grpSpPr>
+        <a:xfrm>
+          <a:off x="0" y="0"/>
+          <a:ext cx="0" cy="0"/>
+          <a:chOff x="0" y="0"/>
+          <a:chExt cx="0" cy="0"/>
+        </a:xfrm>
+      </p:grpSpPr>
+      <p:sp>
+        <p:nvSpPr>
+          <p:cNvPr id="2" name="Slide Image Placeholder 1"/>
+          <p:cNvSpPr>
+            <a:spLocks noGrp="1" noRot="1" noChangeAspect="1"/>
+          </p:cNvSpPr>
+          <p:nvPr>
+            <p:ph type="sldImg"/>
+          </p:nvPr>
+        </p:nvSpPr>
+        <p:spPr/>
+      </p:sp>
+      <p:sp>
+        <p:nvSpPr>
+          <p:cNvPr id="3" name="Notes Placeholder 2"/>
+          <p:cNvSpPr>
+            <a:spLocks noGrp="1"/>
+          </p:cNvSpPr>
+          <p:nvPr>
+            <p:ph type="body" idx="1"/>
+          </p:nvPr>
+        </p:nvSpPr>
+        <p:spPr/>
+        <p:txBody>
+          <a:bodyPr/>
+          <a:lstStyle/>
+          <a:p>
+            <a:pPr marL="0" marR="0" lvl="0" indent="0" algn="l" defTabSz="914400" rtl="0" eaLnBrk="1" fontAlgn="auto" latinLnBrk="0" hangingPunct="1">
+              <a:lnSpc>
+                <a:spcPct val="100000"/>
+              </a:lnSpc>
+              <a:spcBef>
+                <a:spcPts val="0"/>
+              </a:spcBef>
+              <a:spcAft>
+                <a:spcPts val="0"/>
+              </a:spcAft>
+              <a:buClrTx/>
+              <a:buSzTx/>
+              <a:buFontTx/>
+              <a:buNone/>
+              <a:tabLst/>
+              <a:defRPr/>
+            </a:pPr>
+            <a:r>
+              <a:rPr lang="en-US" dirty="0"/>
+              <a:t>// TODO</a:t>
+            </a:r>
+          </a:p>
+        </p:txBody>
+      </p:sp>
+      <p:sp>
+        <p:nvSpPr>
+          <p:cNvPr id="4" name="Slide Number Placeholder 3"/>
+          <p:cNvSpPr>
+            <a:spLocks noGrp="1"/>
+          </p:cNvSpPr>
+          <p:nvPr>
+            <p:ph type="sldNum" sz="quarter" idx="5"/>
+          </p:nvPr>
+        </p:nvSpPr>
+        <p:spPr/>
+        <p:txBody>
+          <a:bodyPr/>
+          <a:lstStyle/>
+          <a:p>
+            <a:fld id="{020CF8D1-BA82-5045-ACF9-1AA42AD6A519}" type="slidenum">
+              <a:rPr lang="en-US" smtClean="0"/>
+              <a:t>47</a:t>
+            </a:fld>
+            <a:endParaRPr lang="en-US"/>
+          </a:p>
+        </p:txBody>
+      </p:sp>
+    </p:spTree>
+    <p:extLst>
+      <p:ext uri="{BB962C8B-B14F-4D97-AF65-F5344CB8AC3E}">
+        <p14:creationId xmlns:p14="http://schemas.microsoft.com/office/powerpoint/2010/main" val="3252389655"/>
       </p:ext>
     </p:extLst>
   </p:cSld>
@@ -2601,6 +2899,110 @@
     <p:extLst>
       <p:ext uri="{BB962C8B-B14F-4D97-AF65-F5344CB8AC3E}">
         <p14:creationId xmlns:p14="http://schemas.microsoft.com/office/powerpoint/2010/main" val="3892212133"/>
+      </p:ext>
+    </p:extLst>
+  </p:cSld>
+  <p:clrMapOvr>
+    <a:masterClrMapping/>
+  </p:clrMapOvr>
+</p:notes>
+</file>
+
+<file path=ppt/notesSlides/notesSlide30.xml><?xml version="1.0" encoding="utf-8"?>
+<p:notes xmlns:a="http://schemas.openxmlformats.org/drawingml/2006/main" xmlns:r="http://schemas.openxmlformats.org/officeDocument/2006/relationships" xmlns:p="http://schemas.openxmlformats.org/presentationml/2006/main">
+  <p:cSld>
+    <p:spTree>
+      <p:nvGrpSpPr>
+        <p:cNvPr id="1" name=""/>
+        <p:cNvGrpSpPr/>
+        <p:nvPr/>
+      </p:nvGrpSpPr>
+      <p:grpSpPr>
+        <a:xfrm>
+          <a:off x="0" y="0"/>
+          <a:ext cx="0" cy="0"/>
+          <a:chOff x="0" y="0"/>
+          <a:chExt cx="0" cy="0"/>
+        </a:xfrm>
+      </p:grpSpPr>
+      <p:sp>
+        <p:nvSpPr>
+          <p:cNvPr id="2" name="Slide Image Placeholder 1"/>
+          <p:cNvSpPr>
+            <a:spLocks noGrp="1" noRot="1" noChangeAspect="1"/>
+          </p:cNvSpPr>
+          <p:nvPr>
+            <p:ph type="sldImg"/>
+          </p:nvPr>
+        </p:nvSpPr>
+        <p:spPr/>
+      </p:sp>
+      <p:sp>
+        <p:nvSpPr>
+          <p:cNvPr id="3" name="Notes Placeholder 2"/>
+          <p:cNvSpPr>
+            <a:spLocks noGrp="1"/>
+          </p:cNvSpPr>
+          <p:nvPr>
+            <p:ph type="body" idx="1"/>
+          </p:nvPr>
+        </p:nvSpPr>
+        <p:spPr/>
+        <p:txBody>
+          <a:bodyPr/>
+          <a:lstStyle/>
+          <a:p>
+            <a:pPr marL="0" marR="0" lvl="0" indent="0" algn="l" defTabSz="914400" rtl="0" eaLnBrk="1" fontAlgn="auto" latinLnBrk="0" hangingPunct="1">
+              <a:lnSpc>
+                <a:spcPct val="100000"/>
+              </a:lnSpc>
+              <a:spcBef>
+                <a:spcPts val="0"/>
+              </a:spcBef>
+              <a:spcAft>
+                <a:spcPts val="0"/>
+              </a:spcAft>
+              <a:buClrTx/>
+              <a:buSzTx/>
+              <a:buFontTx/>
+              <a:buNone/>
+              <a:tabLst/>
+              <a:defRPr/>
+            </a:pPr>
+            <a:r>
+              <a:rPr lang="en-US" dirty="0"/>
+              <a:t>// TODO</a:t>
+            </a:r>
+          </a:p>
+        </p:txBody>
+      </p:sp>
+      <p:sp>
+        <p:nvSpPr>
+          <p:cNvPr id="4" name="Slide Number Placeholder 3"/>
+          <p:cNvSpPr>
+            <a:spLocks noGrp="1"/>
+          </p:cNvSpPr>
+          <p:nvPr>
+            <p:ph type="sldNum" sz="quarter" idx="5"/>
+          </p:nvPr>
+        </p:nvSpPr>
+        <p:spPr/>
+        <p:txBody>
+          <a:bodyPr/>
+          <a:lstStyle/>
+          <a:p>
+            <a:fld id="{020CF8D1-BA82-5045-ACF9-1AA42AD6A519}" type="slidenum">
+              <a:rPr lang="en-US" smtClean="0"/>
+              <a:t>49</a:t>
+            </a:fld>
+            <a:endParaRPr lang="en-US"/>
+          </a:p>
+        </p:txBody>
+      </p:sp>
+    </p:spTree>
+    <p:extLst>
+      <p:ext uri="{BB962C8B-B14F-4D97-AF65-F5344CB8AC3E}">
+        <p14:creationId xmlns:p14="http://schemas.microsoft.com/office/powerpoint/2010/main" val="4152409612"/>
       </p:ext>
     </p:extLst>
   </p:cSld>
@@ -18060,6 +18462,1336 @@
       </p:grpSpPr>
       <p:sp>
         <p:nvSpPr>
+          <p:cNvPr id="3" name="Content Placeholder 2">
+            <a:extLst>
+              <a:ext uri="{FF2B5EF4-FFF2-40B4-BE49-F238E27FC236}">
+                <a16:creationId xmlns:a16="http://schemas.microsoft.com/office/drawing/2014/main" id="{4CB23FD9-ADE0-084E-A8CC-44CA0BA25AB3}"/>
+              </a:ext>
+            </a:extLst>
+          </p:cNvPr>
+          <p:cNvSpPr>
+            <a:spLocks noGrp="1"/>
+          </p:cNvSpPr>
+          <p:nvPr>
+            <p:ph idx="1"/>
+          </p:nvPr>
+        </p:nvSpPr>
+        <p:spPr/>
+        <p:txBody>
+          <a:bodyPr>
+            <a:normAutofit fontScale="92500" lnSpcReduction="10000"/>
+          </a:bodyPr>
+          <a:lstStyle/>
+          <a:p>
+            <a:r>
+              <a:rPr lang="en-US" dirty="0"/>
+              <a:t>Several </a:t>
+            </a:r>
+            <a:r>
+              <a:rPr lang="en-US" dirty="0" err="1"/>
+              <a:t>cURL</a:t>
+            </a:r>
+            <a:r>
+              <a:rPr lang="en-US" dirty="0"/>
+              <a:t> command options are common</a:t>
+            </a:r>
+          </a:p>
+          <a:p>
+            <a:pPr lvl="1"/>
+            <a:r>
+              <a:rPr lang="en-US" dirty="0">
+                <a:solidFill>
+                  <a:srgbClr val="FFFF00"/>
+                </a:solidFill>
+              </a:rPr>
+              <a:t>-X </a:t>
+            </a:r>
+            <a:r>
+              <a:rPr lang="en-US" dirty="0"/>
+              <a:t>or</a:t>
+            </a:r>
+            <a:r>
+              <a:rPr lang="en-US" dirty="0">
+                <a:solidFill>
+                  <a:srgbClr val="FFFF00"/>
+                </a:solidFill>
+              </a:rPr>
+              <a:t> --request </a:t>
+            </a:r>
+            <a:r>
+              <a:rPr lang="en-US" dirty="0"/>
+              <a:t>– HTTP method (GET (default), POST, PUT, DELETE)</a:t>
+            </a:r>
+          </a:p>
+          <a:p>
+            <a:pPr lvl="1"/>
+            <a:r>
+              <a:rPr lang="en-US" dirty="0">
+                <a:solidFill>
+                  <a:srgbClr val="FFFF00"/>
+                </a:solidFill>
+              </a:rPr>
+              <a:t>--</a:t>
+            </a:r>
+            <a:r>
+              <a:rPr lang="en-US" dirty="0" err="1">
+                <a:solidFill>
+                  <a:srgbClr val="FFFF00"/>
+                </a:solidFill>
+              </a:rPr>
+              <a:t>url</a:t>
+            </a:r>
+            <a:r>
+              <a:rPr lang="en-US" dirty="0">
+                <a:solidFill>
+                  <a:srgbClr val="FFFF00"/>
+                </a:solidFill>
+              </a:rPr>
+              <a:t> &lt;</a:t>
+            </a:r>
+            <a:r>
+              <a:rPr lang="en-US" dirty="0" err="1">
+                <a:solidFill>
+                  <a:srgbClr val="FFFF00"/>
+                </a:solidFill>
+              </a:rPr>
+              <a:t>url</a:t>
+            </a:r>
+            <a:r>
+              <a:rPr lang="en-US" dirty="0">
+                <a:solidFill>
+                  <a:srgbClr val="FFFF00"/>
+                </a:solidFill>
+              </a:rPr>
+              <a:t>&gt; </a:t>
+            </a:r>
+            <a:r>
+              <a:rPr lang="en-US" dirty="0"/>
+              <a:t>– Request URL</a:t>
+            </a:r>
+          </a:p>
+          <a:p>
+            <a:pPr lvl="1"/>
+            <a:r>
+              <a:rPr lang="en-US" dirty="0">
+                <a:solidFill>
+                  <a:srgbClr val="FFFF00"/>
+                </a:solidFill>
+              </a:rPr>
+              <a:t>-H </a:t>
+            </a:r>
+            <a:r>
+              <a:rPr lang="en-US" dirty="0"/>
+              <a:t>or</a:t>
+            </a:r>
+            <a:r>
+              <a:rPr lang="en-US" dirty="0">
+                <a:solidFill>
+                  <a:srgbClr val="FFFF00"/>
+                </a:solidFill>
+              </a:rPr>
+              <a:t> --header</a:t>
+            </a:r>
+            <a:r>
+              <a:rPr lang="en-US" dirty="0"/>
+              <a:t>– HTTP client header(s)</a:t>
+            </a:r>
+          </a:p>
+          <a:p>
+            <a:pPr lvl="1"/>
+            <a:r>
+              <a:rPr lang="en-US" dirty="0">
+                <a:solidFill>
+                  <a:srgbClr val="FFFF00"/>
+                </a:solidFill>
+              </a:rPr>
+              <a:t>-d </a:t>
+            </a:r>
+            <a:r>
+              <a:rPr lang="en-US" dirty="0"/>
+              <a:t>or</a:t>
+            </a:r>
+            <a:r>
+              <a:rPr lang="en-US" dirty="0">
+                <a:solidFill>
+                  <a:srgbClr val="FFFF00"/>
+                </a:solidFill>
+              </a:rPr>
+              <a:t> --data </a:t>
+            </a:r>
+            <a:r>
+              <a:rPr lang="en-US" dirty="0"/>
+              <a:t>or</a:t>
+            </a:r>
+            <a:r>
+              <a:rPr lang="en-US" dirty="0">
+                <a:solidFill>
+                  <a:srgbClr val="FFFF00"/>
+                </a:solidFill>
+              </a:rPr>
+              <a:t> --data-</a:t>
+            </a:r>
+            <a:r>
+              <a:rPr lang="en-US" dirty="0" err="1">
+                <a:solidFill>
+                  <a:srgbClr val="FFFF00"/>
+                </a:solidFill>
+              </a:rPr>
+              <a:t>urlencode</a:t>
+            </a:r>
+            <a:r>
+              <a:rPr lang="en-US" dirty="0">
+                <a:solidFill>
+                  <a:srgbClr val="FFFF00"/>
+                </a:solidFill>
+              </a:rPr>
+              <a:t> </a:t>
+            </a:r>
+            <a:r>
+              <a:rPr lang="en-US" dirty="0"/>
+              <a:t>– HTTP PUT/POST data</a:t>
+            </a:r>
+          </a:p>
+          <a:p>
+            <a:pPr lvl="1"/>
+            <a:r>
+              <a:rPr lang="en-US" dirty="0">
+                <a:solidFill>
+                  <a:srgbClr val="FFFF00"/>
+                </a:solidFill>
+              </a:rPr>
+              <a:t>-</a:t>
+            </a:r>
+            <a:r>
+              <a:rPr lang="en-US" dirty="0" err="1">
+                <a:solidFill>
+                  <a:srgbClr val="FFFF00"/>
+                </a:solidFill>
+              </a:rPr>
+              <a:t>i</a:t>
+            </a:r>
+            <a:r>
+              <a:rPr lang="en-US" i="1" dirty="0">
+                <a:solidFill>
+                  <a:srgbClr val="FFFF00"/>
+                </a:solidFill>
+              </a:rPr>
+              <a:t> </a:t>
+            </a:r>
+            <a:r>
+              <a:rPr lang="en-US" dirty="0"/>
+              <a:t>or</a:t>
+            </a:r>
+            <a:r>
+              <a:rPr lang="en-US" dirty="0">
+                <a:solidFill>
+                  <a:srgbClr val="FFFF00"/>
+                </a:solidFill>
+              </a:rPr>
+              <a:t> --include </a:t>
+            </a:r>
+            <a:r>
+              <a:rPr lang="en-US" dirty="0"/>
+              <a:t>– include response headers in STDOUT</a:t>
+            </a:r>
+          </a:p>
+          <a:p>
+            <a:pPr lvl="1"/>
+            <a:r>
+              <a:rPr lang="en-US" dirty="0">
+                <a:solidFill>
+                  <a:srgbClr val="FFFF00"/>
+                </a:solidFill>
+              </a:rPr>
+              <a:t>-I </a:t>
+            </a:r>
+            <a:r>
+              <a:rPr lang="en-US" dirty="0"/>
+              <a:t>or</a:t>
+            </a:r>
+            <a:r>
+              <a:rPr lang="en-US" dirty="0">
+                <a:solidFill>
+                  <a:srgbClr val="FFFF00"/>
+                </a:solidFill>
+              </a:rPr>
+              <a:t> --head</a:t>
+            </a:r>
+            <a:r>
+              <a:rPr lang="en-US" dirty="0"/>
+              <a:t> – display ONLY response headers in STDOUT</a:t>
+            </a:r>
+          </a:p>
+          <a:p>
+            <a:pPr lvl="1"/>
+            <a:r>
+              <a:rPr lang="en-US" dirty="0">
+                <a:solidFill>
+                  <a:srgbClr val="FFFF00"/>
+                </a:solidFill>
+              </a:rPr>
+              <a:t>-k </a:t>
+            </a:r>
+            <a:r>
+              <a:rPr lang="en-US" dirty="0"/>
+              <a:t>or</a:t>
+            </a:r>
+            <a:r>
+              <a:rPr lang="en-US" dirty="0">
+                <a:solidFill>
+                  <a:srgbClr val="FFFF00"/>
+                </a:solidFill>
+              </a:rPr>
+              <a:t> --insecure </a:t>
+            </a:r>
+            <a:r>
+              <a:rPr lang="en-US" dirty="0"/>
+              <a:t>– allow self-signed certificates (insecure SSL)</a:t>
+            </a:r>
+          </a:p>
+          <a:p>
+            <a:pPr lvl="1"/>
+            <a:r>
+              <a:rPr lang="en-US" dirty="0">
+                <a:solidFill>
+                  <a:srgbClr val="FFFF00"/>
+                </a:solidFill>
+              </a:rPr>
+              <a:t>-L </a:t>
+            </a:r>
+            <a:r>
+              <a:rPr lang="en-US" dirty="0"/>
+              <a:t>or</a:t>
+            </a:r>
+            <a:r>
+              <a:rPr lang="en-US" dirty="0">
+                <a:solidFill>
+                  <a:srgbClr val="FFFF00"/>
+                </a:solidFill>
+              </a:rPr>
+              <a:t> --location </a:t>
+            </a:r>
+            <a:r>
+              <a:rPr lang="en-US" dirty="0"/>
+              <a:t>– follow redirects </a:t>
+            </a:r>
+          </a:p>
+          <a:p>
+            <a:pPr lvl="1"/>
+            <a:r>
+              <a:rPr lang="en-US" dirty="0">
+                <a:solidFill>
+                  <a:srgbClr val="FFFF00"/>
+                </a:solidFill>
+              </a:rPr>
+              <a:t>-o &lt;</a:t>
+            </a:r>
+            <a:r>
+              <a:rPr lang="en-US" dirty="0" err="1">
+                <a:solidFill>
+                  <a:srgbClr val="FFFF00"/>
+                </a:solidFill>
+              </a:rPr>
+              <a:t>file_name</a:t>
+            </a:r>
+            <a:r>
+              <a:rPr lang="en-US" dirty="0">
+                <a:solidFill>
+                  <a:srgbClr val="FFFF00"/>
+                </a:solidFill>
+              </a:rPr>
+              <a:t>&gt; </a:t>
+            </a:r>
+            <a:r>
+              <a:rPr lang="en-US" dirty="0"/>
+              <a:t>or</a:t>
+            </a:r>
+            <a:r>
+              <a:rPr lang="en-US" dirty="0">
+                <a:solidFill>
+                  <a:srgbClr val="FFFF00"/>
+                </a:solidFill>
+              </a:rPr>
+              <a:t> --output &lt;</a:t>
+            </a:r>
+            <a:r>
+              <a:rPr lang="en-US" dirty="0" err="1">
+                <a:solidFill>
+                  <a:srgbClr val="FFFF00"/>
+                </a:solidFill>
+              </a:rPr>
+              <a:t>file_name</a:t>
+            </a:r>
+            <a:r>
+              <a:rPr lang="en-US" dirty="0">
+                <a:solidFill>
+                  <a:srgbClr val="FFFF00"/>
+                </a:solidFill>
+              </a:rPr>
+              <a:t>&gt; </a:t>
+            </a:r>
+            <a:r>
+              <a:rPr lang="en-US" dirty="0"/>
+              <a:t>– write response to a file instead of STDOUT</a:t>
+            </a:r>
+          </a:p>
+          <a:p>
+            <a:pPr lvl="1"/>
+            <a:r>
+              <a:rPr lang="en-US" dirty="0">
+                <a:solidFill>
+                  <a:srgbClr val="FFFF00"/>
+                </a:solidFill>
+              </a:rPr>
+              <a:t>-u </a:t>
+            </a:r>
+            <a:r>
+              <a:rPr lang="en-US" dirty="0"/>
+              <a:t>or</a:t>
+            </a:r>
+            <a:r>
+              <a:rPr lang="en-US" dirty="0">
+                <a:solidFill>
+                  <a:srgbClr val="FFFF00"/>
+                </a:solidFill>
+              </a:rPr>
+              <a:t> --user</a:t>
+            </a:r>
+            <a:r>
+              <a:rPr lang="en-US" dirty="0"/>
+              <a:t> – HTTP Basic Authentication credentials in a key/value pair</a:t>
+            </a:r>
+          </a:p>
+          <a:p>
+            <a:pPr lvl="1"/>
+            <a:r>
+              <a:rPr lang="en-US" dirty="0">
+                <a:solidFill>
+                  <a:srgbClr val="FFFF00"/>
+                </a:solidFill>
+              </a:rPr>
+              <a:t>-v </a:t>
+            </a:r>
+            <a:r>
+              <a:rPr lang="en-US" dirty="0"/>
+              <a:t>or</a:t>
+            </a:r>
+            <a:r>
+              <a:rPr lang="en-US" dirty="0">
+                <a:solidFill>
+                  <a:srgbClr val="FFFF00"/>
+                </a:solidFill>
+              </a:rPr>
+              <a:t> --verbose </a:t>
+            </a:r>
+            <a:r>
+              <a:rPr lang="en-US" dirty="0"/>
+              <a:t>– display detailed info for debugging (headers, TLS handshake, etc.)</a:t>
+            </a:r>
+          </a:p>
+        </p:txBody>
+      </p:sp>
+      <p:sp>
+        <p:nvSpPr>
+          <p:cNvPr id="2" name="Title 1">
+            <a:extLst>
+              <a:ext uri="{FF2B5EF4-FFF2-40B4-BE49-F238E27FC236}">
+                <a16:creationId xmlns:a16="http://schemas.microsoft.com/office/drawing/2014/main" id="{AC0D55DF-385E-9A4F-AB08-FEBC11990B8B}"/>
+              </a:ext>
+            </a:extLst>
+          </p:cNvPr>
+          <p:cNvSpPr>
+            <a:spLocks noGrp="1"/>
+          </p:cNvSpPr>
+          <p:nvPr>
+            <p:ph type="title"/>
+          </p:nvPr>
+        </p:nvSpPr>
+        <p:spPr/>
+        <p:txBody>
+          <a:bodyPr/>
+          <a:lstStyle/>
+          <a:p>
+            <a:r>
+              <a:rPr lang="en-US" dirty="0"/>
+              <a:t>Python Requests </a:t>
+            </a:r>
+            <a:r>
+              <a:rPr lang="en-US"/>
+              <a:t>Response Object</a:t>
+            </a:r>
+            <a:endParaRPr lang="en-US" dirty="0"/>
+          </a:p>
+        </p:txBody>
+      </p:sp>
+      <p:sp>
+        <p:nvSpPr>
+          <p:cNvPr id="4" name="Date Placeholder 3">
+            <a:extLst>
+              <a:ext uri="{FF2B5EF4-FFF2-40B4-BE49-F238E27FC236}">
+                <a16:creationId xmlns:a16="http://schemas.microsoft.com/office/drawing/2014/main" id="{6E8781CE-B8A7-7540-B619-28D099093D8B}"/>
+              </a:ext>
+            </a:extLst>
+          </p:cNvPr>
+          <p:cNvSpPr>
+            <a:spLocks noGrp="1"/>
+          </p:cNvSpPr>
+          <p:nvPr>
+            <p:ph type="dt" sz="half" idx="10"/>
+          </p:nvPr>
+        </p:nvSpPr>
+        <p:spPr/>
+        <p:txBody>
+          <a:bodyPr/>
+          <a:lstStyle/>
+          <a:p>
+            <a:r>
+              <a:rPr lang="en-US"/>
+              <a:t>World Wide Technology ©</a:t>
+            </a:r>
+            <a:endParaRPr lang="en-US" dirty="0"/>
+          </a:p>
+        </p:txBody>
+      </p:sp>
+      <p:sp>
+        <p:nvSpPr>
+          <p:cNvPr id="5" name="Slide Number Placeholder 4">
+            <a:extLst>
+              <a:ext uri="{FF2B5EF4-FFF2-40B4-BE49-F238E27FC236}">
+                <a16:creationId xmlns:a16="http://schemas.microsoft.com/office/drawing/2014/main" id="{222BEAA2-2326-1F4D-9BCE-0FC3EC23B201}"/>
+              </a:ext>
+            </a:extLst>
+          </p:cNvPr>
+          <p:cNvSpPr>
+            <a:spLocks noGrp="1"/>
+          </p:cNvSpPr>
+          <p:nvPr>
+            <p:ph type="sldNum" sz="quarter" idx="12"/>
+          </p:nvPr>
+        </p:nvSpPr>
+        <p:spPr/>
+        <p:txBody>
+          <a:bodyPr/>
+          <a:lstStyle/>
+          <a:p>
+            <a:fld id="{A44B02FA-DD2D-1844-AE35-8B2EAB0CF4EF}" type="slidenum">
+              <a:rPr lang="en-US" smtClean="0"/>
+              <a:pPr/>
+              <a:t>28</a:t>
+            </a:fld>
+            <a:endParaRPr lang="en-US" dirty="0"/>
+          </a:p>
+        </p:txBody>
+      </p:sp>
+    </p:spTree>
+    <p:extLst>
+      <p:ext uri="{BB962C8B-B14F-4D97-AF65-F5344CB8AC3E}">
+        <p14:creationId xmlns:p14="http://schemas.microsoft.com/office/powerpoint/2010/main" val="3614480732"/>
+      </p:ext>
+    </p:extLst>
+  </p:cSld>
+  <p:clrMapOvr>
+    <a:masterClrMapping/>
+  </p:clrMapOvr>
+  <mc:AlternateContent xmlns:mc="http://schemas.openxmlformats.org/markup-compatibility/2006" xmlns:p14="http://schemas.microsoft.com/office/powerpoint/2010/main">
+    <mc:Choice Requires="p14">
+      <p:transition spd="med" p14:dur="700">
+        <p:fade/>
+      </p:transition>
+    </mc:Choice>
+    <mc:Fallback xmlns="">
+      <p:transition spd="med">
+        <p:fade/>
+      </p:transition>
+    </mc:Fallback>
+  </mc:AlternateContent>
+  <p:timing>
+    <p:tnLst>
+      <p:par>
+        <p:cTn id="1" dur="indefinite" restart="never" nodeType="tmRoot">
+          <p:childTnLst>
+            <p:seq concurrent="1" nextAc="seek">
+              <p:cTn id="2" dur="indefinite" nodeType="mainSeq">
+                <p:childTnLst>
+                  <p:par>
+                    <p:cTn id="3" fill="hold">
+                      <p:stCondLst>
+                        <p:cond delay="indefinite"/>
+                      </p:stCondLst>
+                      <p:childTnLst>
+                        <p:par>
+                          <p:cTn id="4" fill="hold">
+                            <p:stCondLst>
+                              <p:cond delay="0"/>
+                            </p:stCondLst>
+                            <p:childTnLst>
+                              <p:par>
+                                <p:cTn id="5" presetID="9" presetClass="entr" presetSubtype="0" fill="hold" grpId="0" nodeType="clickEffect">
+                                  <p:stCondLst>
+                                    <p:cond delay="0"/>
+                                  </p:stCondLst>
+                                  <p:childTnLst>
+                                    <p:set>
+                                      <p:cBhvr>
+                                        <p:cTn id="6" dur="1" fill="hold">
+                                          <p:stCondLst>
+                                            <p:cond delay="0"/>
+                                          </p:stCondLst>
+                                        </p:cTn>
+                                        <p:tgtEl>
+                                          <p:spTgt spid="3">
+                                            <p:txEl>
+                                              <p:pRg st="0" end="0"/>
+                                            </p:txEl>
+                                          </p:spTgt>
+                                        </p:tgtEl>
+                                        <p:attrNameLst>
+                                          <p:attrName>style.visibility</p:attrName>
+                                        </p:attrNameLst>
+                                      </p:cBhvr>
+                                      <p:to>
+                                        <p:strVal val="visible"/>
+                                      </p:to>
+                                    </p:set>
+                                    <p:animEffect transition="in" filter="dissolve">
+                                      <p:cBhvr>
+                                        <p:cTn id="7" dur="500"/>
+                                        <p:tgtEl>
+                                          <p:spTgt spid="3">
+                                            <p:txEl>
+                                              <p:pRg st="0" end="0"/>
+                                            </p:txEl>
+                                          </p:spTgt>
+                                        </p:tgtEl>
+                                      </p:cBhvr>
+                                    </p:animEffect>
+                                  </p:childTnLst>
+                                </p:cTn>
+                              </p:par>
+                            </p:childTnLst>
+                          </p:cTn>
+                        </p:par>
+                      </p:childTnLst>
+                    </p:cTn>
+                  </p:par>
+                  <p:par>
+                    <p:cTn id="8" fill="hold">
+                      <p:stCondLst>
+                        <p:cond delay="indefinite"/>
+                      </p:stCondLst>
+                      <p:childTnLst>
+                        <p:par>
+                          <p:cTn id="9" fill="hold">
+                            <p:stCondLst>
+                              <p:cond delay="0"/>
+                            </p:stCondLst>
+                            <p:childTnLst>
+                              <p:par>
+                                <p:cTn id="10" presetID="9" presetClass="entr" presetSubtype="0" fill="hold" grpId="0" nodeType="clickEffect">
+                                  <p:stCondLst>
+                                    <p:cond delay="0"/>
+                                  </p:stCondLst>
+                                  <p:childTnLst>
+                                    <p:set>
+                                      <p:cBhvr>
+                                        <p:cTn id="11" dur="1" fill="hold">
+                                          <p:stCondLst>
+                                            <p:cond delay="0"/>
+                                          </p:stCondLst>
+                                        </p:cTn>
+                                        <p:tgtEl>
+                                          <p:spTgt spid="3">
+                                            <p:txEl>
+                                              <p:pRg st="1" end="1"/>
+                                            </p:txEl>
+                                          </p:spTgt>
+                                        </p:tgtEl>
+                                        <p:attrNameLst>
+                                          <p:attrName>style.visibility</p:attrName>
+                                        </p:attrNameLst>
+                                      </p:cBhvr>
+                                      <p:to>
+                                        <p:strVal val="visible"/>
+                                      </p:to>
+                                    </p:set>
+                                    <p:animEffect transition="in" filter="dissolve">
+                                      <p:cBhvr>
+                                        <p:cTn id="12" dur="500"/>
+                                        <p:tgtEl>
+                                          <p:spTgt spid="3">
+                                            <p:txEl>
+                                              <p:pRg st="1" end="1"/>
+                                            </p:txEl>
+                                          </p:spTgt>
+                                        </p:tgtEl>
+                                      </p:cBhvr>
+                                    </p:animEffect>
+                                  </p:childTnLst>
+                                </p:cTn>
+                              </p:par>
+                            </p:childTnLst>
+                          </p:cTn>
+                        </p:par>
+                      </p:childTnLst>
+                    </p:cTn>
+                  </p:par>
+                  <p:par>
+                    <p:cTn id="13" fill="hold">
+                      <p:stCondLst>
+                        <p:cond delay="indefinite"/>
+                      </p:stCondLst>
+                      <p:childTnLst>
+                        <p:par>
+                          <p:cTn id="14" fill="hold">
+                            <p:stCondLst>
+                              <p:cond delay="0"/>
+                            </p:stCondLst>
+                            <p:childTnLst>
+                              <p:par>
+                                <p:cTn id="15" presetID="9" presetClass="entr" presetSubtype="0" fill="hold" grpId="0" nodeType="clickEffect">
+                                  <p:stCondLst>
+                                    <p:cond delay="0"/>
+                                  </p:stCondLst>
+                                  <p:childTnLst>
+                                    <p:set>
+                                      <p:cBhvr>
+                                        <p:cTn id="16" dur="1" fill="hold">
+                                          <p:stCondLst>
+                                            <p:cond delay="0"/>
+                                          </p:stCondLst>
+                                        </p:cTn>
+                                        <p:tgtEl>
+                                          <p:spTgt spid="3">
+                                            <p:txEl>
+                                              <p:pRg st="2" end="2"/>
+                                            </p:txEl>
+                                          </p:spTgt>
+                                        </p:tgtEl>
+                                        <p:attrNameLst>
+                                          <p:attrName>style.visibility</p:attrName>
+                                        </p:attrNameLst>
+                                      </p:cBhvr>
+                                      <p:to>
+                                        <p:strVal val="visible"/>
+                                      </p:to>
+                                    </p:set>
+                                    <p:animEffect transition="in" filter="dissolve">
+                                      <p:cBhvr>
+                                        <p:cTn id="17" dur="500"/>
+                                        <p:tgtEl>
+                                          <p:spTgt spid="3">
+                                            <p:txEl>
+                                              <p:pRg st="2" end="2"/>
+                                            </p:txEl>
+                                          </p:spTgt>
+                                        </p:tgtEl>
+                                      </p:cBhvr>
+                                    </p:animEffect>
+                                  </p:childTnLst>
+                                </p:cTn>
+                              </p:par>
+                            </p:childTnLst>
+                          </p:cTn>
+                        </p:par>
+                      </p:childTnLst>
+                    </p:cTn>
+                  </p:par>
+                  <p:par>
+                    <p:cTn id="18" fill="hold">
+                      <p:stCondLst>
+                        <p:cond delay="indefinite"/>
+                      </p:stCondLst>
+                      <p:childTnLst>
+                        <p:par>
+                          <p:cTn id="19" fill="hold">
+                            <p:stCondLst>
+                              <p:cond delay="0"/>
+                            </p:stCondLst>
+                            <p:childTnLst>
+                              <p:par>
+                                <p:cTn id="20" presetID="9" presetClass="entr" presetSubtype="0" fill="hold" grpId="0" nodeType="clickEffect">
+                                  <p:stCondLst>
+                                    <p:cond delay="0"/>
+                                  </p:stCondLst>
+                                  <p:childTnLst>
+                                    <p:set>
+                                      <p:cBhvr>
+                                        <p:cTn id="21" dur="1" fill="hold">
+                                          <p:stCondLst>
+                                            <p:cond delay="0"/>
+                                          </p:stCondLst>
+                                        </p:cTn>
+                                        <p:tgtEl>
+                                          <p:spTgt spid="3">
+                                            <p:txEl>
+                                              <p:pRg st="3" end="3"/>
+                                            </p:txEl>
+                                          </p:spTgt>
+                                        </p:tgtEl>
+                                        <p:attrNameLst>
+                                          <p:attrName>style.visibility</p:attrName>
+                                        </p:attrNameLst>
+                                      </p:cBhvr>
+                                      <p:to>
+                                        <p:strVal val="visible"/>
+                                      </p:to>
+                                    </p:set>
+                                    <p:animEffect transition="in" filter="dissolve">
+                                      <p:cBhvr>
+                                        <p:cTn id="22" dur="500"/>
+                                        <p:tgtEl>
+                                          <p:spTgt spid="3">
+                                            <p:txEl>
+                                              <p:pRg st="3" end="3"/>
+                                            </p:txEl>
+                                          </p:spTgt>
+                                        </p:tgtEl>
+                                      </p:cBhvr>
+                                    </p:animEffect>
+                                  </p:childTnLst>
+                                </p:cTn>
+                              </p:par>
+                            </p:childTnLst>
+                          </p:cTn>
+                        </p:par>
+                      </p:childTnLst>
+                    </p:cTn>
+                  </p:par>
+                  <p:par>
+                    <p:cTn id="23" fill="hold">
+                      <p:stCondLst>
+                        <p:cond delay="indefinite"/>
+                      </p:stCondLst>
+                      <p:childTnLst>
+                        <p:par>
+                          <p:cTn id="24" fill="hold">
+                            <p:stCondLst>
+                              <p:cond delay="0"/>
+                            </p:stCondLst>
+                            <p:childTnLst>
+                              <p:par>
+                                <p:cTn id="25" presetID="9" presetClass="entr" presetSubtype="0" fill="hold" grpId="0" nodeType="clickEffect">
+                                  <p:stCondLst>
+                                    <p:cond delay="0"/>
+                                  </p:stCondLst>
+                                  <p:childTnLst>
+                                    <p:set>
+                                      <p:cBhvr>
+                                        <p:cTn id="26" dur="1" fill="hold">
+                                          <p:stCondLst>
+                                            <p:cond delay="0"/>
+                                          </p:stCondLst>
+                                        </p:cTn>
+                                        <p:tgtEl>
+                                          <p:spTgt spid="3">
+                                            <p:txEl>
+                                              <p:pRg st="4" end="4"/>
+                                            </p:txEl>
+                                          </p:spTgt>
+                                        </p:tgtEl>
+                                        <p:attrNameLst>
+                                          <p:attrName>style.visibility</p:attrName>
+                                        </p:attrNameLst>
+                                      </p:cBhvr>
+                                      <p:to>
+                                        <p:strVal val="visible"/>
+                                      </p:to>
+                                    </p:set>
+                                    <p:animEffect transition="in" filter="dissolve">
+                                      <p:cBhvr>
+                                        <p:cTn id="27" dur="500"/>
+                                        <p:tgtEl>
+                                          <p:spTgt spid="3">
+                                            <p:txEl>
+                                              <p:pRg st="4" end="4"/>
+                                            </p:txEl>
+                                          </p:spTgt>
+                                        </p:tgtEl>
+                                      </p:cBhvr>
+                                    </p:animEffect>
+                                  </p:childTnLst>
+                                </p:cTn>
+                              </p:par>
+                            </p:childTnLst>
+                          </p:cTn>
+                        </p:par>
+                      </p:childTnLst>
+                    </p:cTn>
+                  </p:par>
+                  <p:par>
+                    <p:cTn id="28" fill="hold">
+                      <p:stCondLst>
+                        <p:cond delay="indefinite"/>
+                      </p:stCondLst>
+                      <p:childTnLst>
+                        <p:par>
+                          <p:cTn id="29" fill="hold">
+                            <p:stCondLst>
+                              <p:cond delay="0"/>
+                            </p:stCondLst>
+                            <p:childTnLst>
+                              <p:par>
+                                <p:cTn id="30" presetID="9" presetClass="entr" presetSubtype="0" fill="hold" grpId="0" nodeType="clickEffect">
+                                  <p:stCondLst>
+                                    <p:cond delay="0"/>
+                                  </p:stCondLst>
+                                  <p:childTnLst>
+                                    <p:set>
+                                      <p:cBhvr>
+                                        <p:cTn id="31" dur="1" fill="hold">
+                                          <p:stCondLst>
+                                            <p:cond delay="0"/>
+                                          </p:stCondLst>
+                                        </p:cTn>
+                                        <p:tgtEl>
+                                          <p:spTgt spid="3">
+                                            <p:txEl>
+                                              <p:pRg st="5" end="5"/>
+                                            </p:txEl>
+                                          </p:spTgt>
+                                        </p:tgtEl>
+                                        <p:attrNameLst>
+                                          <p:attrName>style.visibility</p:attrName>
+                                        </p:attrNameLst>
+                                      </p:cBhvr>
+                                      <p:to>
+                                        <p:strVal val="visible"/>
+                                      </p:to>
+                                    </p:set>
+                                    <p:animEffect transition="in" filter="dissolve">
+                                      <p:cBhvr>
+                                        <p:cTn id="32" dur="500"/>
+                                        <p:tgtEl>
+                                          <p:spTgt spid="3">
+                                            <p:txEl>
+                                              <p:pRg st="5" end="5"/>
+                                            </p:txEl>
+                                          </p:spTgt>
+                                        </p:tgtEl>
+                                      </p:cBhvr>
+                                    </p:animEffect>
+                                  </p:childTnLst>
+                                </p:cTn>
+                              </p:par>
+                            </p:childTnLst>
+                          </p:cTn>
+                        </p:par>
+                      </p:childTnLst>
+                    </p:cTn>
+                  </p:par>
+                  <p:par>
+                    <p:cTn id="33" fill="hold">
+                      <p:stCondLst>
+                        <p:cond delay="indefinite"/>
+                      </p:stCondLst>
+                      <p:childTnLst>
+                        <p:par>
+                          <p:cTn id="34" fill="hold">
+                            <p:stCondLst>
+                              <p:cond delay="0"/>
+                            </p:stCondLst>
+                            <p:childTnLst>
+                              <p:par>
+                                <p:cTn id="35" presetID="9" presetClass="entr" presetSubtype="0" fill="hold" grpId="0" nodeType="clickEffect">
+                                  <p:stCondLst>
+                                    <p:cond delay="0"/>
+                                  </p:stCondLst>
+                                  <p:childTnLst>
+                                    <p:set>
+                                      <p:cBhvr>
+                                        <p:cTn id="36" dur="1" fill="hold">
+                                          <p:stCondLst>
+                                            <p:cond delay="0"/>
+                                          </p:stCondLst>
+                                        </p:cTn>
+                                        <p:tgtEl>
+                                          <p:spTgt spid="3">
+                                            <p:txEl>
+                                              <p:pRg st="6" end="6"/>
+                                            </p:txEl>
+                                          </p:spTgt>
+                                        </p:tgtEl>
+                                        <p:attrNameLst>
+                                          <p:attrName>style.visibility</p:attrName>
+                                        </p:attrNameLst>
+                                      </p:cBhvr>
+                                      <p:to>
+                                        <p:strVal val="visible"/>
+                                      </p:to>
+                                    </p:set>
+                                    <p:animEffect transition="in" filter="dissolve">
+                                      <p:cBhvr>
+                                        <p:cTn id="37" dur="500"/>
+                                        <p:tgtEl>
+                                          <p:spTgt spid="3">
+                                            <p:txEl>
+                                              <p:pRg st="6" end="6"/>
+                                            </p:txEl>
+                                          </p:spTgt>
+                                        </p:tgtEl>
+                                      </p:cBhvr>
+                                    </p:animEffect>
+                                  </p:childTnLst>
+                                </p:cTn>
+                              </p:par>
+                            </p:childTnLst>
+                          </p:cTn>
+                        </p:par>
+                      </p:childTnLst>
+                    </p:cTn>
+                  </p:par>
+                  <p:par>
+                    <p:cTn id="38" fill="hold">
+                      <p:stCondLst>
+                        <p:cond delay="indefinite"/>
+                      </p:stCondLst>
+                      <p:childTnLst>
+                        <p:par>
+                          <p:cTn id="39" fill="hold">
+                            <p:stCondLst>
+                              <p:cond delay="0"/>
+                            </p:stCondLst>
+                            <p:childTnLst>
+                              <p:par>
+                                <p:cTn id="40" presetID="9" presetClass="entr" presetSubtype="0" fill="hold" grpId="0" nodeType="clickEffect">
+                                  <p:stCondLst>
+                                    <p:cond delay="0"/>
+                                  </p:stCondLst>
+                                  <p:childTnLst>
+                                    <p:set>
+                                      <p:cBhvr>
+                                        <p:cTn id="41" dur="1" fill="hold">
+                                          <p:stCondLst>
+                                            <p:cond delay="0"/>
+                                          </p:stCondLst>
+                                        </p:cTn>
+                                        <p:tgtEl>
+                                          <p:spTgt spid="3">
+                                            <p:txEl>
+                                              <p:pRg st="7" end="7"/>
+                                            </p:txEl>
+                                          </p:spTgt>
+                                        </p:tgtEl>
+                                        <p:attrNameLst>
+                                          <p:attrName>style.visibility</p:attrName>
+                                        </p:attrNameLst>
+                                      </p:cBhvr>
+                                      <p:to>
+                                        <p:strVal val="visible"/>
+                                      </p:to>
+                                    </p:set>
+                                    <p:animEffect transition="in" filter="dissolve">
+                                      <p:cBhvr>
+                                        <p:cTn id="42" dur="500"/>
+                                        <p:tgtEl>
+                                          <p:spTgt spid="3">
+                                            <p:txEl>
+                                              <p:pRg st="7" end="7"/>
+                                            </p:txEl>
+                                          </p:spTgt>
+                                        </p:tgtEl>
+                                      </p:cBhvr>
+                                    </p:animEffect>
+                                  </p:childTnLst>
+                                </p:cTn>
+                              </p:par>
+                            </p:childTnLst>
+                          </p:cTn>
+                        </p:par>
+                      </p:childTnLst>
+                    </p:cTn>
+                  </p:par>
+                  <p:par>
+                    <p:cTn id="43" fill="hold">
+                      <p:stCondLst>
+                        <p:cond delay="indefinite"/>
+                      </p:stCondLst>
+                      <p:childTnLst>
+                        <p:par>
+                          <p:cTn id="44" fill="hold">
+                            <p:stCondLst>
+                              <p:cond delay="0"/>
+                            </p:stCondLst>
+                            <p:childTnLst>
+                              <p:par>
+                                <p:cTn id="45" presetID="9" presetClass="entr" presetSubtype="0" fill="hold" grpId="0" nodeType="clickEffect">
+                                  <p:stCondLst>
+                                    <p:cond delay="0"/>
+                                  </p:stCondLst>
+                                  <p:childTnLst>
+                                    <p:set>
+                                      <p:cBhvr>
+                                        <p:cTn id="46" dur="1" fill="hold">
+                                          <p:stCondLst>
+                                            <p:cond delay="0"/>
+                                          </p:stCondLst>
+                                        </p:cTn>
+                                        <p:tgtEl>
+                                          <p:spTgt spid="3">
+                                            <p:txEl>
+                                              <p:pRg st="8" end="8"/>
+                                            </p:txEl>
+                                          </p:spTgt>
+                                        </p:tgtEl>
+                                        <p:attrNameLst>
+                                          <p:attrName>style.visibility</p:attrName>
+                                        </p:attrNameLst>
+                                      </p:cBhvr>
+                                      <p:to>
+                                        <p:strVal val="visible"/>
+                                      </p:to>
+                                    </p:set>
+                                    <p:animEffect transition="in" filter="dissolve">
+                                      <p:cBhvr>
+                                        <p:cTn id="47" dur="500"/>
+                                        <p:tgtEl>
+                                          <p:spTgt spid="3">
+                                            <p:txEl>
+                                              <p:pRg st="8" end="8"/>
+                                            </p:txEl>
+                                          </p:spTgt>
+                                        </p:tgtEl>
+                                      </p:cBhvr>
+                                    </p:animEffect>
+                                  </p:childTnLst>
+                                </p:cTn>
+                              </p:par>
+                            </p:childTnLst>
+                          </p:cTn>
+                        </p:par>
+                      </p:childTnLst>
+                    </p:cTn>
+                  </p:par>
+                  <p:par>
+                    <p:cTn id="48" fill="hold">
+                      <p:stCondLst>
+                        <p:cond delay="indefinite"/>
+                      </p:stCondLst>
+                      <p:childTnLst>
+                        <p:par>
+                          <p:cTn id="49" fill="hold">
+                            <p:stCondLst>
+                              <p:cond delay="0"/>
+                            </p:stCondLst>
+                            <p:childTnLst>
+                              <p:par>
+                                <p:cTn id="50" presetID="9" presetClass="entr" presetSubtype="0" fill="hold" grpId="0" nodeType="clickEffect">
+                                  <p:stCondLst>
+                                    <p:cond delay="0"/>
+                                  </p:stCondLst>
+                                  <p:childTnLst>
+                                    <p:set>
+                                      <p:cBhvr>
+                                        <p:cTn id="51" dur="1" fill="hold">
+                                          <p:stCondLst>
+                                            <p:cond delay="0"/>
+                                          </p:stCondLst>
+                                        </p:cTn>
+                                        <p:tgtEl>
+                                          <p:spTgt spid="3">
+                                            <p:txEl>
+                                              <p:pRg st="9" end="9"/>
+                                            </p:txEl>
+                                          </p:spTgt>
+                                        </p:tgtEl>
+                                        <p:attrNameLst>
+                                          <p:attrName>style.visibility</p:attrName>
+                                        </p:attrNameLst>
+                                      </p:cBhvr>
+                                      <p:to>
+                                        <p:strVal val="visible"/>
+                                      </p:to>
+                                    </p:set>
+                                    <p:animEffect transition="in" filter="dissolve">
+                                      <p:cBhvr>
+                                        <p:cTn id="52" dur="500"/>
+                                        <p:tgtEl>
+                                          <p:spTgt spid="3">
+                                            <p:txEl>
+                                              <p:pRg st="9" end="9"/>
+                                            </p:txEl>
+                                          </p:spTgt>
+                                        </p:tgtEl>
+                                      </p:cBhvr>
+                                    </p:animEffect>
+                                  </p:childTnLst>
+                                </p:cTn>
+                              </p:par>
+                            </p:childTnLst>
+                          </p:cTn>
+                        </p:par>
+                      </p:childTnLst>
+                    </p:cTn>
+                  </p:par>
+                  <p:par>
+                    <p:cTn id="53" fill="hold">
+                      <p:stCondLst>
+                        <p:cond delay="indefinite"/>
+                      </p:stCondLst>
+                      <p:childTnLst>
+                        <p:par>
+                          <p:cTn id="54" fill="hold">
+                            <p:stCondLst>
+                              <p:cond delay="0"/>
+                            </p:stCondLst>
+                            <p:childTnLst>
+                              <p:par>
+                                <p:cTn id="55" presetID="9" presetClass="entr" presetSubtype="0" fill="hold" grpId="0" nodeType="clickEffect">
+                                  <p:stCondLst>
+                                    <p:cond delay="0"/>
+                                  </p:stCondLst>
+                                  <p:childTnLst>
+                                    <p:set>
+                                      <p:cBhvr>
+                                        <p:cTn id="56" dur="1" fill="hold">
+                                          <p:stCondLst>
+                                            <p:cond delay="0"/>
+                                          </p:stCondLst>
+                                        </p:cTn>
+                                        <p:tgtEl>
+                                          <p:spTgt spid="3">
+                                            <p:txEl>
+                                              <p:pRg st="10" end="10"/>
+                                            </p:txEl>
+                                          </p:spTgt>
+                                        </p:tgtEl>
+                                        <p:attrNameLst>
+                                          <p:attrName>style.visibility</p:attrName>
+                                        </p:attrNameLst>
+                                      </p:cBhvr>
+                                      <p:to>
+                                        <p:strVal val="visible"/>
+                                      </p:to>
+                                    </p:set>
+                                    <p:animEffect transition="in" filter="dissolve">
+                                      <p:cBhvr>
+                                        <p:cTn id="57" dur="500"/>
+                                        <p:tgtEl>
+                                          <p:spTgt spid="3">
+                                            <p:txEl>
+                                              <p:pRg st="10" end="10"/>
+                                            </p:txEl>
+                                          </p:spTgt>
+                                        </p:tgtEl>
+                                      </p:cBhvr>
+                                    </p:animEffect>
+                                  </p:childTnLst>
+                                </p:cTn>
+                              </p:par>
+                            </p:childTnLst>
+                          </p:cTn>
+                        </p:par>
+                      </p:childTnLst>
+                    </p:cTn>
+                  </p:par>
+                  <p:par>
+                    <p:cTn id="58" fill="hold">
+                      <p:stCondLst>
+                        <p:cond delay="indefinite"/>
+                      </p:stCondLst>
+                      <p:childTnLst>
+                        <p:par>
+                          <p:cTn id="59" fill="hold">
+                            <p:stCondLst>
+                              <p:cond delay="0"/>
+                            </p:stCondLst>
+                            <p:childTnLst>
+                              <p:par>
+                                <p:cTn id="60" presetID="9" presetClass="entr" presetSubtype="0" fill="hold" grpId="0" nodeType="clickEffect">
+                                  <p:stCondLst>
+                                    <p:cond delay="0"/>
+                                  </p:stCondLst>
+                                  <p:childTnLst>
+                                    <p:set>
+                                      <p:cBhvr>
+                                        <p:cTn id="61" dur="1" fill="hold">
+                                          <p:stCondLst>
+                                            <p:cond delay="0"/>
+                                          </p:stCondLst>
+                                        </p:cTn>
+                                        <p:tgtEl>
+                                          <p:spTgt spid="3">
+                                            <p:txEl>
+                                              <p:pRg st="11" end="11"/>
+                                            </p:txEl>
+                                          </p:spTgt>
+                                        </p:tgtEl>
+                                        <p:attrNameLst>
+                                          <p:attrName>style.visibility</p:attrName>
+                                        </p:attrNameLst>
+                                      </p:cBhvr>
+                                      <p:to>
+                                        <p:strVal val="visible"/>
+                                      </p:to>
+                                    </p:set>
+                                    <p:animEffect transition="in" filter="dissolve">
+                                      <p:cBhvr>
+                                        <p:cTn id="62" dur="500"/>
+                                        <p:tgtEl>
+                                          <p:spTgt spid="3">
+                                            <p:txEl>
+                                              <p:pRg st="11" end="11"/>
+                                            </p:txEl>
+                                          </p:spTgt>
+                                        </p:tgtEl>
+                                      </p:cBhvr>
+                                    </p:animEffect>
+                                  </p:childTnLst>
+                                </p:cTn>
+                              </p:par>
+                            </p:childTnLst>
+                          </p:cTn>
+                        </p:par>
+                      </p:childTnLst>
+                    </p:cTn>
+                  </p:par>
+                </p:childTnLst>
+              </p:cTn>
+              <p:prevCondLst>
+                <p:cond evt="onPrev" delay="0">
+                  <p:tgtEl>
+                    <p:sldTgt/>
+                  </p:tgtEl>
+                </p:cond>
+              </p:prevCondLst>
+              <p:nextCondLst>
+                <p:cond evt="onNext" delay="0">
+                  <p:tgtEl>
+                    <p:sldTgt/>
+                  </p:tgtEl>
+                </p:cond>
+              </p:nextCondLst>
+            </p:seq>
+          </p:childTnLst>
+        </p:cTn>
+      </p:par>
+    </p:tnLst>
+    <p:bldLst>
+      <p:bldP spid="3" grpId="0" build="p" bldLvl="2"/>
+    </p:bldLst>
+  </p:timing>
+</p:sld>
+</file>
+
+<file path=ppt/slides/slide29.xml><?xml version="1.0" encoding="utf-8"?>
+<p:sld xmlns:a="http://schemas.openxmlformats.org/drawingml/2006/main" xmlns:r="http://schemas.openxmlformats.org/officeDocument/2006/relationships" xmlns:p="http://schemas.openxmlformats.org/presentationml/2006/main">
+  <p:cSld>
+    <p:spTree>
+      <p:nvGrpSpPr>
+        <p:cNvPr id="1" name=""/>
+        <p:cNvGrpSpPr/>
+        <p:nvPr/>
+      </p:nvGrpSpPr>
+      <p:grpSpPr>
+        <a:xfrm>
+          <a:off x="0" y="0"/>
+          <a:ext cx="0" cy="0"/>
+          <a:chOff x="0" y="0"/>
+          <a:chExt cx="0" cy="0"/>
+        </a:xfrm>
+      </p:grpSpPr>
+      <p:sp>
+        <p:nvSpPr>
           <p:cNvPr id="2" name="Title 1">
             <a:extLst>
               <a:ext uri="{FF2B5EF4-FFF2-40B4-BE49-F238E27FC236}">
@@ -18199,7 +19931,7 @@
             <a:fld id="{A44B02FA-DD2D-1844-AE35-8B2EAB0CF4EF}" type="slidenum">
               <a:rPr lang="en-US" smtClean="0"/>
               <a:pPr/>
-              <a:t>28</a:t>
+              <a:t>29</a:t>
             </a:fld>
             <a:endParaRPr lang="en-US" dirty="0"/>
           </a:p>
@@ -18471,107 +20203,6 @@
 </p:sld>
 </file>
 
-<file path=ppt/slides/slide29.xml><?xml version="1.0" encoding="utf-8"?>
-<p:sld xmlns:a="http://schemas.openxmlformats.org/drawingml/2006/main" xmlns:r="http://schemas.openxmlformats.org/officeDocument/2006/relationships" xmlns:p="http://schemas.openxmlformats.org/presentationml/2006/main">
-  <p:cSld>
-    <p:spTree>
-      <p:nvGrpSpPr>
-        <p:cNvPr id="1" name=""/>
-        <p:cNvGrpSpPr/>
-        <p:nvPr/>
-      </p:nvGrpSpPr>
-      <p:grpSpPr>
-        <a:xfrm>
-          <a:off x="0" y="0"/>
-          <a:ext cx="0" cy="0"/>
-          <a:chOff x="0" y="0"/>
-          <a:chExt cx="0" cy="0"/>
-        </a:xfrm>
-      </p:grpSpPr>
-      <p:sp>
-        <p:nvSpPr>
-          <p:cNvPr id="4" name="Date Placeholder 3">
-            <a:extLst>
-              <a:ext uri="{FF2B5EF4-FFF2-40B4-BE49-F238E27FC236}">
-                <a16:creationId xmlns:a16="http://schemas.microsoft.com/office/drawing/2014/main" id="{0CD670A9-B06A-3448-BABA-FAD627500859}"/>
-              </a:ext>
-            </a:extLst>
-          </p:cNvPr>
-          <p:cNvSpPr>
-            <a:spLocks noGrp="1"/>
-          </p:cNvSpPr>
-          <p:nvPr>
-            <p:ph type="dt" sz="half" idx="10"/>
-          </p:nvPr>
-        </p:nvSpPr>
-        <p:spPr/>
-        <p:txBody>
-          <a:bodyPr/>
-          <a:lstStyle/>
-          <a:p>
-            <a:r>
-              <a:rPr lang="en-US"/>
-              <a:t>World Wide Technology ©</a:t>
-            </a:r>
-            <a:endParaRPr lang="en-US" dirty="0"/>
-          </a:p>
-        </p:txBody>
-      </p:sp>
-      <p:sp>
-        <p:nvSpPr>
-          <p:cNvPr id="5" name="Slide Number Placeholder 4">
-            <a:extLst>
-              <a:ext uri="{FF2B5EF4-FFF2-40B4-BE49-F238E27FC236}">
-                <a16:creationId xmlns:a16="http://schemas.microsoft.com/office/drawing/2014/main" id="{119DACAD-17C1-C249-A498-C4A1A1ADD334}"/>
-              </a:ext>
-            </a:extLst>
-          </p:cNvPr>
-          <p:cNvSpPr>
-            <a:spLocks noGrp="1"/>
-          </p:cNvSpPr>
-          <p:nvPr>
-            <p:ph type="sldNum" sz="quarter" idx="12"/>
-          </p:nvPr>
-        </p:nvSpPr>
-        <p:spPr/>
-        <p:txBody>
-          <a:bodyPr/>
-          <a:lstStyle/>
-          <a:p>
-            <a:fld id="{A44B02FA-DD2D-1844-AE35-8B2EAB0CF4EF}" type="slidenum">
-              <a:rPr lang="en-US" smtClean="0"/>
-              <a:pPr/>
-              <a:t>29</a:t>
-            </a:fld>
-            <a:endParaRPr lang="en-US" dirty="0"/>
-          </a:p>
-        </p:txBody>
-      </p:sp>
-    </p:spTree>
-    <p:extLst>
-      <p:ext uri="{BB962C8B-B14F-4D97-AF65-F5344CB8AC3E}">
-        <p14:creationId xmlns:p14="http://schemas.microsoft.com/office/powerpoint/2010/main" val="1776799651"/>
-      </p:ext>
-    </p:extLst>
-  </p:cSld>
-  <p:clrMapOvr>
-    <a:masterClrMapping/>
-  </p:clrMapOvr>
-  <mc:AlternateContent xmlns:mc="http://schemas.openxmlformats.org/markup-compatibility/2006" xmlns:p14="http://schemas.microsoft.com/office/powerpoint/2010/main">
-    <mc:Choice Requires="p14">
-      <p:transition spd="med" p14:dur="700">
-        <p:fade/>
-      </p:transition>
-    </mc:Choice>
-    <mc:Fallback xmlns="">
-      <p:transition spd="med">
-        <p:fade/>
-      </p:transition>
-    </mc:Fallback>
-  </mc:AlternateContent>
-</p:sld>
-</file>
-
 <file path=ppt/slides/slide3.xml><?xml version="1.0" encoding="utf-8"?>
 <p:sld xmlns:a="http://schemas.openxmlformats.org/drawingml/2006/main" xmlns:r="http://schemas.openxmlformats.org/officeDocument/2006/relationships" xmlns:p="http://schemas.openxmlformats.org/presentationml/2006/main">
   <p:cSld>
@@ -18969,6 +20600,107 @@
       </p:grpSpPr>
       <p:sp>
         <p:nvSpPr>
+          <p:cNvPr id="4" name="Date Placeholder 3">
+            <a:extLst>
+              <a:ext uri="{FF2B5EF4-FFF2-40B4-BE49-F238E27FC236}">
+                <a16:creationId xmlns:a16="http://schemas.microsoft.com/office/drawing/2014/main" id="{0CD670A9-B06A-3448-BABA-FAD627500859}"/>
+              </a:ext>
+            </a:extLst>
+          </p:cNvPr>
+          <p:cNvSpPr>
+            <a:spLocks noGrp="1"/>
+          </p:cNvSpPr>
+          <p:nvPr>
+            <p:ph type="dt" sz="half" idx="10"/>
+          </p:nvPr>
+        </p:nvSpPr>
+        <p:spPr/>
+        <p:txBody>
+          <a:bodyPr/>
+          <a:lstStyle/>
+          <a:p>
+            <a:r>
+              <a:rPr lang="en-US"/>
+              <a:t>World Wide Technology ©</a:t>
+            </a:r>
+            <a:endParaRPr lang="en-US" dirty="0"/>
+          </a:p>
+        </p:txBody>
+      </p:sp>
+      <p:sp>
+        <p:nvSpPr>
+          <p:cNvPr id="5" name="Slide Number Placeholder 4">
+            <a:extLst>
+              <a:ext uri="{FF2B5EF4-FFF2-40B4-BE49-F238E27FC236}">
+                <a16:creationId xmlns:a16="http://schemas.microsoft.com/office/drawing/2014/main" id="{119DACAD-17C1-C249-A498-C4A1A1ADD334}"/>
+              </a:ext>
+            </a:extLst>
+          </p:cNvPr>
+          <p:cNvSpPr>
+            <a:spLocks noGrp="1"/>
+          </p:cNvSpPr>
+          <p:nvPr>
+            <p:ph type="sldNum" sz="quarter" idx="12"/>
+          </p:nvPr>
+        </p:nvSpPr>
+        <p:spPr/>
+        <p:txBody>
+          <a:bodyPr/>
+          <a:lstStyle/>
+          <a:p>
+            <a:fld id="{A44B02FA-DD2D-1844-AE35-8B2EAB0CF4EF}" type="slidenum">
+              <a:rPr lang="en-US" smtClean="0"/>
+              <a:pPr/>
+              <a:t>30</a:t>
+            </a:fld>
+            <a:endParaRPr lang="en-US" dirty="0"/>
+          </a:p>
+        </p:txBody>
+      </p:sp>
+    </p:spTree>
+    <p:extLst>
+      <p:ext uri="{BB962C8B-B14F-4D97-AF65-F5344CB8AC3E}">
+        <p14:creationId xmlns:p14="http://schemas.microsoft.com/office/powerpoint/2010/main" val="1776799651"/>
+      </p:ext>
+    </p:extLst>
+  </p:cSld>
+  <p:clrMapOvr>
+    <a:masterClrMapping/>
+  </p:clrMapOvr>
+  <mc:AlternateContent xmlns:mc="http://schemas.openxmlformats.org/markup-compatibility/2006" xmlns:p14="http://schemas.microsoft.com/office/powerpoint/2010/main">
+    <mc:Choice Requires="p14">
+      <p:transition spd="med" p14:dur="700">
+        <p:fade/>
+      </p:transition>
+    </mc:Choice>
+    <mc:Fallback xmlns="">
+      <p:transition spd="med">
+        <p:fade/>
+      </p:transition>
+    </mc:Fallback>
+  </mc:AlternateContent>
+</p:sld>
+</file>
+
+<file path=ppt/slides/slide31.xml><?xml version="1.0" encoding="utf-8"?>
+<p:sld xmlns:a="http://schemas.openxmlformats.org/drawingml/2006/main" xmlns:r="http://schemas.openxmlformats.org/officeDocument/2006/relationships" xmlns:p="http://schemas.openxmlformats.org/presentationml/2006/main">
+  <p:cSld>
+    <p:spTree>
+      <p:nvGrpSpPr>
+        <p:cNvPr id="1" name=""/>
+        <p:cNvGrpSpPr/>
+        <p:nvPr/>
+      </p:nvGrpSpPr>
+      <p:grpSpPr>
+        <a:xfrm>
+          <a:off x="0" y="0"/>
+          <a:ext cx="0" cy="0"/>
+          <a:chOff x="0" y="0"/>
+          <a:chExt cx="0" cy="0"/>
+        </a:xfrm>
+      </p:grpSpPr>
+      <p:sp>
+        <p:nvSpPr>
           <p:cNvPr id="2" name="Title 1">
             <a:extLst>
               <a:ext uri="{FF2B5EF4-FFF2-40B4-BE49-F238E27FC236}">
@@ -19068,7 +20800,7 @@
             </a:r>
             <a:r>
               <a:rPr lang="en-US" sz="2800" dirty="0"/>
-              <a:t> party Python shell</a:t>
+              <a:t> party Python shell (pre-installed in the container)</a:t>
             </a:r>
           </a:p>
           <a:p>
@@ -19152,7 +20884,7 @@
             <a:fld id="{A44B02FA-DD2D-1844-AE35-8B2EAB0CF4EF}" type="slidenum">
               <a:rPr lang="en-US" smtClean="0"/>
               <a:pPr/>
-              <a:t>30</a:t>
+              <a:t>31</a:t>
             </a:fld>
             <a:endParaRPr lang="en-US" dirty="0"/>
           </a:p>
@@ -19510,7 +21242,7 @@
 </p:sld>
 </file>
 
-<file path=ppt/slides/slide31.xml><?xml version="1.0" encoding="utf-8"?>
+<file path=ppt/slides/slide32.xml><?xml version="1.0" encoding="utf-8"?>
 <p:sld xmlns:a="http://schemas.openxmlformats.org/drawingml/2006/main" xmlns:r="http://schemas.openxmlformats.org/officeDocument/2006/relationships" xmlns:p="http://schemas.openxmlformats.org/presentationml/2006/main">
   <p:cSld>
     <p:spTree>
@@ -19580,7 +21312,7 @@
             <a:fld id="{A44B02FA-DD2D-1844-AE35-8B2EAB0CF4EF}" type="slidenum">
               <a:rPr lang="en-US" smtClean="0"/>
               <a:pPr/>
-              <a:t>31</a:t>
+              <a:t>32</a:t>
             </a:fld>
             <a:endParaRPr lang="en-US" dirty="0"/>
           </a:p>
@@ -19611,7 +21343,7 @@
 </p:sld>
 </file>
 
-<file path=ppt/slides/slide32.xml><?xml version="1.0" encoding="utf-8"?>
+<file path=ppt/slides/slide33.xml><?xml version="1.0" encoding="utf-8"?>
 <p:sld xmlns:a="http://schemas.openxmlformats.org/drawingml/2006/main" xmlns:r="http://schemas.openxmlformats.org/officeDocument/2006/relationships" xmlns:p="http://schemas.openxmlformats.org/presentationml/2006/main">
   <p:cSld>
     <p:spTree>
@@ -19897,13 +21629,13 @@
           <a:p>
             <a:r>
               <a:rPr lang="en-US" sz="2400" dirty="0"/>
-              <a:t>Perform the HTTP GET and store the response object in a variable</a:t>
+              <a:t>Perform an HTTP GET and store the response object in a variable</a:t>
             </a:r>
           </a:p>
           <a:p>
             <a:r>
               <a:rPr lang="en-US" sz="2400" dirty="0"/>
-              <a:t>Print the results to the terminal</a:t>
+              <a:t>Print the response to the terminal</a:t>
             </a:r>
           </a:p>
         </p:txBody>
@@ -19931,7 +21663,7 @@
           <a:p>
             <a:r>
               <a:rPr lang="en-US" dirty="0"/>
-              <a:t>Python Requests Command Examples</a:t>
+              <a:t>Python Requests Code Examples</a:t>
             </a:r>
           </a:p>
         </p:txBody>
@@ -19989,7 +21721,7 @@
             <a:fld id="{A44B02FA-DD2D-1844-AE35-8B2EAB0CF4EF}" type="slidenum">
               <a:rPr lang="en-US" smtClean="0"/>
               <a:pPr/>
-              <a:t>32</a:t>
+              <a:t>33</a:t>
             </a:fld>
             <a:endParaRPr lang="en-US" dirty="0"/>
           </a:p>
@@ -21166,7 +22898,7 @@
 </p:sld>
 </file>
 
-<file path=ppt/slides/slide33.xml><?xml version="1.0" encoding="utf-8"?>
+<file path=ppt/slides/slide34.xml><?xml version="1.0" encoding="utf-8"?>
 <p:sld xmlns:a="http://schemas.openxmlformats.org/drawingml/2006/main" xmlns:r="http://schemas.openxmlformats.org/officeDocument/2006/relationships" xmlns:p="http://schemas.openxmlformats.org/presentationml/2006/main">
   <p:cSld>
     <p:spTree>
@@ -21236,7 +22968,7 @@
             <a:fld id="{A44B02FA-DD2D-1844-AE35-8B2EAB0CF4EF}" type="slidenum">
               <a:rPr lang="en-US" smtClean="0"/>
               <a:pPr/>
-              <a:t>33</a:t>
+              <a:t>34</a:t>
             </a:fld>
             <a:endParaRPr lang="en-US" dirty="0"/>
           </a:p>
@@ -21267,7 +22999,7 @@
 </p:sld>
 </file>
 
-<file path=ppt/slides/slide34.xml><?xml version="1.0" encoding="utf-8"?>
+<file path=ppt/slides/slide35.xml><?xml version="1.0" encoding="utf-8"?>
 <p:sld xmlns:a="http://schemas.openxmlformats.org/drawingml/2006/main" xmlns:r="http://schemas.openxmlformats.org/officeDocument/2006/relationships" xmlns:p="http://schemas.openxmlformats.org/presentationml/2006/main">
   <p:cSld>
     <p:spTree>
@@ -21520,7 +23252,7 @@
                   <a:srgbClr val="FFFF00"/>
                 </a:solidFill>
               </a:rPr>
-              <a:t>}')</a:t>
+              <a:t>}\n')</a:t>
             </a:r>
           </a:p>
           <a:p>
@@ -21561,13 +23293,13 @@
           <a:p>
             <a:r>
               <a:rPr lang="en-US" sz="2400" dirty="0"/>
-              <a:t>Perform the HTTP POST and store the response object in a variable</a:t>
+              <a:t>Perform an HTTP POST and store the response object in a variable</a:t>
             </a:r>
           </a:p>
           <a:p>
             <a:r>
               <a:rPr lang="en-US" sz="2400" dirty="0"/>
-              <a:t>Print the results to the terminal</a:t>
+              <a:t>Print the status code, reason, and response to the terminal</a:t>
             </a:r>
           </a:p>
         </p:txBody>
@@ -21595,7 +23327,7 @@
           <a:p>
             <a:r>
               <a:rPr lang="en-US" dirty="0"/>
-              <a:t>Python Requests Command Examples</a:t>
+              <a:t>Python Requests Code Examples</a:t>
             </a:r>
           </a:p>
         </p:txBody>
@@ -21653,7 +23385,7 @@
             <a:fld id="{A44B02FA-DD2D-1844-AE35-8B2EAB0CF4EF}" type="slidenum">
               <a:rPr lang="en-US" smtClean="0"/>
               <a:pPr/>
-              <a:t>34</a:t>
+              <a:t>35</a:t>
             </a:fld>
             <a:endParaRPr lang="en-US" dirty="0"/>
           </a:p>
@@ -21836,7 +23568,7 @@
         <p:spPr>
           <a:xfrm>
             <a:off x="909612" y="3225258"/>
-            <a:ext cx="6353337" cy="346075"/>
+            <a:ext cx="6660231" cy="346075"/>
           </a:xfrm>
           <a:prstGeom prst="rect">
             <a:avLst/>
@@ -22116,7 +23848,7 @@
                                         <p:tgtEl>
                                           <p:spTgt spid="3">
                                             <p:txEl>
-                                              <p:pRg st="3" end="3"/>
+                                              <p:pRg st="4" end="4"/>
                                             </p:txEl>
                                           </p:spTgt>
                                         </p:tgtEl>
@@ -22134,7 +23866,7 @@
                                         <p:tgtEl>
                                           <p:spTgt spid="3">
                                             <p:txEl>
-                                              <p:pRg st="3" end="3"/>
+                                              <p:pRg st="4" end="4"/>
                                             </p:txEl>
                                           </p:spTgt>
                                         </p:tgtEl>
@@ -22159,7 +23891,7 @@
                                         <p:tgtEl>
                                           <p:spTgt spid="3">
                                             <p:txEl>
-                                              <p:pRg st="4" end="4"/>
+                                              <p:pRg st="3" end="3"/>
                                             </p:txEl>
                                           </p:spTgt>
                                         </p:tgtEl>
@@ -22177,7 +23909,7 @@
                                         <p:tgtEl>
                                           <p:spTgt spid="3">
                                             <p:txEl>
-                                              <p:pRg st="4" end="4"/>
+                                              <p:pRg st="3" end="3"/>
                                             </p:txEl>
                                           </p:spTgt>
                                         </p:tgtEl>
@@ -22627,107 +24359,6 @@
 </p:sld>
 </file>
 
-<file path=ppt/slides/slide35.xml><?xml version="1.0" encoding="utf-8"?>
-<p:sld xmlns:a="http://schemas.openxmlformats.org/drawingml/2006/main" xmlns:r="http://schemas.openxmlformats.org/officeDocument/2006/relationships" xmlns:p="http://schemas.openxmlformats.org/presentationml/2006/main">
-  <p:cSld>
-    <p:spTree>
-      <p:nvGrpSpPr>
-        <p:cNvPr id="1" name=""/>
-        <p:cNvGrpSpPr/>
-        <p:nvPr/>
-      </p:nvGrpSpPr>
-      <p:grpSpPr>
-        <a:xfrm>
-          <a:off x="0" y="0"/>
-          <a:ext cx="0" cy="0"/>
-          <a:chOff x="0" y="0"/>
-          <a:chExt cx="0" cy="0"/>
-        </a:xfrm>
-      </p:grpSpPr>
-      <p:sp>
-        <p:nvSpPr>
-          <p:cNvPr id="4" name="Date Placeholder 3">
-            <a:extLst>
-              <a:ext uri="{FF2B5EF4-FFF2-40B4-BE49-F238E27FC236}">
-                <a16:creationId xmlns:a16="http://schemas.microsoft.com/office/drawing/2014/main" id="{0CD670A9-B06A-3448-BABA-FAD627500859}"/>
-              </a:ext>
-            </a:extLst>
-          </p:cNvPr>
-          <p:cNvSpPr>
-            <a:spLocks noGrp="1"/>
-          </p:cNvSpPr>
-          <p:nvPr>
-            <p:ph type="dt" sz="half" idx="10"/>
-          </p:nvPr>
-        </p:nvSpPr>
-        <p:spPr/>
-        <p:txBody>
-          <a:bodyPr/>
-          <a:lstStyle/>
-          <a:p>
-            <a:r>
-              <a:rPr lang="en-US"/>
-              <a:t>World Wide Technology ©</a:t>
-            </a:r>
-            <a:endParaRPr lang="en-US" dirty="0"/>
-          </a:p>
-        </p:txBody>
-      </p:sp>
-      <p:sp>
-        <p:nvSpPr>
-          <p:cNvPr id="5" name="Slide Number Placeholder 4">
-            <a:extLst>
-              <a:ext uri="{FF2B5EF4-FFF2-40B4-BE49-F238E27FC236}">
-                <a16:creationId xmlns:a16="http://schemas.microsoft.com/office/drawing/2014/main" id="{119DACAD-17C1-C249-A498-C4A1A1ADD334}"/>
-              </a:ext>
-            </a:extLst>
-          </p:cNvPr>
-          <p:cNvSpPr>
-            <a:spLocks noGrp="1"/>
-          </p:cNvSpPr>
-          <p:nvPr>
-            <p:ph type="sldNum" sz="quarter" idx="12"/>
-          </p:nvPr>
-        </p:nvSpPr>
-        <p:spPr/>
-        <p:txBody>
-          <a:bodyPr/>
-          <a:lstStyle/>
-          <a:p>
-            <a:fld id="{A44B02FA-DD2D-1844-AE35-8B2EAB0CF4EF}" type="slidenum">
-              <a:rPr lang="en-US" smtClean="0"/>
-              <a:pPr/>
-              <a:t>35</a:t>
-            </a:fld>
-            <a:endParaRPr lang="en-US" dirty="0"/>
-          </a:p>
-        </p:txBody>
-      </p:sp>
-    </p:spTree>
-    <p:extLst>
-      <p:ext uri="{BB962C8B-B14F-4D97-AF65-F5344CB8AC3E}">
-        <p14:creationId xmlns:p14="http://schemas.microsoft.com/office/powerpoint/2010/main" val="969323220"/>
-      </p:ext>
-    </p:extLst>
-  </p:cSld>
-  <p:clrMapOvr>
-    <a:masterClrMapping/>
-  </p:clrMapOvr>
-  <mc:AlternateContent xmlns:mc="http://schemas.openxmlformats.org/markup-compatibility/2006" xmlns:p14="http://schemas.microsoft.com/office/powerpoint/2010/main">
-    <mc:Choice Requires="p14">
-      <p:transition spd="med" p14:dur="700">
-        <p:fade/>
-      </p:transition>
-    </mc:Choice>
-    <mc:Fallback xmlns="">
-      <p:transition spd="med">
-        <p:fade/>
-      </p:transition>
-    </mc:Fallback>
-  </mc:AlternateContent>
-</p:sld>
-</file>
-
 <file path=ppt/slides/slide36.xml><?xml version="1.0" encoding="utf-8"?>
 <p:sld xmlns:a="http://schemas.openxmlformats.org/drawingml/2006/main" xmlns:r="http://schemas.openxmlformats.org/officeDocument/2006/relationships" xmlns:p="http://schemas.openxmlformats.org/presentationml/2006/main">
   <p:cSld>
@@ -22747,10 +24378,10 @@
       </p:grpSpPr>
       <p:sp>
         <p:nvSpPr>
-          <p:cNvPr id="2" name="Title 1">
+          <p:cNvPr id="4" name="Date Placeholder 3">
             <a:extLst>
               <a:ext uri="{FF2B5EF4-FFF2-40B4-BE49-F238E27FC236}">
-                <a16:creationId xmlns:a16="http://schemas.microsoft.com/office/drawing/2014/main" id="{9D8D6E4C-FC36-3E4C-9387-96DD20072D9D}"/>
+                <a16:creationId xmlns:a16="http://schemas.microsoft.com/office/drawing/2014/main" id="{0CD670A9-B06A-3448-BABA-FAD627500859}"/>
               </a:ext>
             </a:extLst>
           </p:cNvPr>
@@ -22758,32 +24389,28 @@
             <a:spLocks noGrp="1"/>
           </p:cNvSpPr>
           <p:nvPr>
-            <p:ph type="ctrTitle"/>
+            <p:ph type="dt" sz="half" idx="10"/>
           </p:nvPr>
         </p:nvSpPr>
-        <p:spPr>
-          <a:xfrm>
-            <a:off x="1524000" y="914013"/>
-            <a:ext cx="9144000" cy="2387600"/>
-          </a:xfrm>
-        </p:spPr>
+        <p:spPr/>
         <p:txBody>
           <a:bodyPr/>
           <a:lstStyle/>
           <a:p>
             <a:r>
-              <a:rPr lang="en-US" dirty="0"/>
-              <a:t>Part IV</a:t>
-            </a:r>
-          </a:p>
-        </p:txBody>
-      </p:sp>
-      <p:sp>
-        <p:nvSpPr>
-          <p:cNvPr id="3" name="Subtitle 2">
+              <a:rPr lang="en-US"/>
+              <a:t>World Wide Technology ©</a:t>
+            </a:r>
+            <a:endParaRPr lang="en-US" dirty="0"/>
+          </a:p>
+        </p:txBody>
+      </p:sp>
+      <p:sp>
+        <p:nvSpPr>
+          <p:cNvPr id="5" name="Slide Number Placeholder 4">
             <a:extLst>
               <a:ext uri="{FF2B5EF4-FFF2-40B4-BE49-F238E27FC236}">
-                <a16:creationId xmlns:a16="http://schemas.microsoft.com/office/drawing/2014/main" id="{0451A0DE-9D64-5A48-94B5-5B4E42709819}"/>
+                <a16:creationId xmlns:a16="http://schemas.microsoft.com/office/drawing/2014/main" id="{119DACAD-17C1-C249-A498-C4A1A1ADD334}"/>
               </a:ext>
             </a:extLst>
           </p:cNvPr>
@@ -22791,30 +24418,27 @@
             <a:spLocks noGrp="1"/>
           </p:cNvSpPr>
           <p:nvPr>
-            <p:ph type="subTitle" idx="1"/>
+            <p:ph type="sldNum" sz="quarter" idx="12"/>
           </p:nvPr>
         </p:nvSpPr>
-        <p:spPr>
-          <a:xfrm>
-            <a:off x="1524000" y="3393688"/>
-            <a:ext cx="9144000" cy="1655762"/>
-          </a:xfrm>
-        </p:spPr>
+        <p:spPr/>
         <p:txBody>
           <a:bodyPr/>
           <a:lstStyle/>
           <a:p>
-            <a:r>
-              <a:rPr lang="en-US" dirty="0"/>
-              <a:t>Cisco Platform APIs Overview</a:t>
-            </a:r>
+            <a:fld id="{A44B02FA-DD2D-1844-AE35-8B2EAB0CF4EF}" type="slidenum">
+              <a:rPr lang="en-US" smtClean="0"/>
+              <a:pPr/>
+              <a:t>36</a:t>
+            </a:fld>
+            <a:endParaRPr lang="en-US" dirty="0"/>
           </a:p>
         </p:txBody>
       </p:sp>
     </p:spTree>
     <p:extLst>
       <p:ext uri="{BB962C8B-B14F-4D97-AF65-F5344CB8AC3E}">
-        <p14:creationId xmlns:p14="http://schemas.microsoft.com/office/powerpoint/2010/main" val="899135878"/>
+        <p14:creationId xmlns:p14="http://schemas.microsoft.com/office/powerpoint/2010/main" val="969323220"/>
       </p:ext>
     </p:extLst>
   </p:cSld>
@@ -22855,10 +24479,362 @@
       </p:grpSpPr>
       <p:sp>
         <p:nvSpPr>
+          <p:cNvPr id="3" name="Content Placeholder 2">
+            <a:extLst>
+              <a:ext uri="{FF2B5EF4-FFF2-40B4-BE49-F238E27FC236}">
+                <a16:creationId xmlns:a16="http://schemas.microsoft.com/office/drawing/2014/main" id="{4CB23FD9-ADE0-084E-A8CC-44CA0BA25AB3}"/>
+              </a:ext>
+            </a:extLst>
+          </p:cNvPr>
+          <p:cNvSpPr>
+            <a:spLocks noGrp="1"/>
+          </p:cNvSpPr>
+          <p:nvPr>
+            <p:ph idx="1"/>
+          </p:nvPr>
+        </p:nvSpPr>
+        <p:spPr>
+          <a:xfrm>
+            <a:off x="838200" y="1825625"/>
+            <a:ext cx="10515600" cy="4667250"/>
+          </a:xfrm>
+        </p:spPr>
+        <p:txBody>
+          <a:bodyPr>
+            <a:normAutofit/>
+          </a:bodyPr>
+          <a:lstStyle/>
+          <a:p>
+            <a:pPr marL="0" indent="0">
+              <a:buNone/>
+            </a:pPr>
+            <a:r>
+              <a:rPr lang="en-US" sz="2400" b="1" i="1" dirty="0">
+                <a:solidFill>
+                  <a:srgbClr val="FFFF00"/>
+                </a:solidFill>
+              </a:rPr>
+              <a:t>import </a:t>
+            </a:r>
+            <a:r>
+              <a:rPr lang="en-US" sz="2400" b="1" i="1" dirty="0" err="1">
+                <a:solidFill>
+                  <a:srgbClr val="FFFF00"/>
+                </a:solidFill>
+              </a:rPr>
+              <a:t>os</a:t>
+            </a:r>
+            <a:endParaRPr lang="en-US" sz="2400" b="1" i="1" dirty="0">
+              <a:solidFill>
+                <a:srgbClr val="FFFF00"/>
+              </a:solidFill>
+            </a:endParaRPr>
+          </a:p>
+          <a:p>
+            <a:pPr marL="0" indent="0">
+              <a:buNone/>
+            </a:pPr>
+            <a:r>
+              <a:rPr lang="en-US" sz="2400" b="1" i="1" dirty="0" err="1">
+                <a:solidFill>
+                  <a:srgbClr val="FFFF00"/>
+                </a:solidFill>
+              </a:rPr>
+              <a:t>req_url</a:t>
+            </a:r>
+            <a:r>
+              <a:rPr lang="en-US" sz="2400" b="1" i="1" dirty="0">
+                <a:solidFill>
+                  <a:srgbClr val="FFFF00"/>
+                </a:solidFill>
+              </a:rPr>
+              <a:t> = 'https://</a:t>
+            </a:r>
+            <a:r>
+              <a:rPr lang="en-US" sz="2400" b="1" i="1" dirty="0" err="1">
+                <a:solidFill>
+                  <a:srgbClr val="FFFF00"/>
+                </a:solidFill>
+              </a:rPr>
+              <a:t>sandboxdnac.cisco.com</a:t>
+            </a:r>
+            <a:r>
+              <a:rPr lang="en-US" sz="2400" b="1" i="1" dirty="0">
+                <a:solidFill>
+                  <a:srgbClr val="FFFF00"/>
+                </a:solidFill>
+              </a:rPr>
+              <a:t>/</a:t>
+            </a:r>
+            <a:r>
+              <a:rPr lang="en-US" sz="2400" b="1" i="1" dirty="0" err="1">
+                <a:solidFill>
+                  <a:srgbClr val="FFFF00"/>
+                </a:solidFill>
+              </a:rPr>
+              <a:t>dna</a:t>
+            </a:r>
+            <a:r>
+              <a:rPr lang="en-US" sz="2400" b="1" i="1" dirty="0">
+                <a:solidFill>
+                  <a:srgbClr val="FFFF00"/>
+                </a:solidFill>
+              </a:rPr>
+              <a:t>/system/</a:t>
+            </a:r>
+            <a:r>
+              <a:rPr lang="en-US" sz="2400" b="1" i="1" dirty="0" err="1">
+                <a:solidFill>
+                  <a:srgbClr val="FFFF00"/>
+                </a:solidFill>
+              </a:rPr>
+              <a:t>api</a:t>
+            </a:r>
+            <a:r>
+              <a:rPr lang="en-US" sz="2400" b="1" i="1" dirty="0">
+                <a:solidFill>
+                  <a:srgbClr val="FFFF00"/>
+                </a:solidFill>
+              </a:rPr>
+              <a:t>/v1/auth/token'</a:t>
+            </a:r>
+          </a:p>
+          <a:p>
+            <a:pPr marL="0" indent="0">
+              <a:buNone/>
+            </a:pPr>
+            <a:r>
+              <a:rPr lang="en-US" sz="2400" b="1" i="1" dirty="0" err="1">
+                <a:solidFill>
+                  <a:srgbClr val="FFFF00"/>
+                </a:solidFill>
+              </a:rPr>
+              <a:t>req_auth</a:t>
+            </a:r>
+            <a:r>
+              <a:rPr lang="en-US" sz="2400" b="1" i="1" dirty="0">
+                <a:solidFill>
+                  <a:srgbClr val="FFFF00"/>
+                </a:solidFill>
+              </a:rPr>
+              <a:t> = (</a:t>
+            </a:r>
+            <a:r>
+              <a:rPr lang="en-US" sz="2400" b="1" i="1" dirty="0" err="1">
+                <a:solidFill>
+                  <a:srgbClr val="FFFF00"/>
+                </a:solidFill>
+              </a:rPr>
+              <a:t>os.getenv</a:t>
+            </a:r>
+            <a:r>
+              <a:rPr lang="en-US" sz="2400" b="1" i="1" dirty="0">
+                <a:solidFill>
+                  <a:srgbClr val="FFFF00"/>
+                </a:solidFill>
+              </a:rPr>
+              <a:t>('DNAC_USER'), </a:t>
+            </a:r>
+            <a:r>
+              <a:rPr lang="en-US" sz="2400" b="1" i="1" dirty="0" err="1">
+                <a:solidFill>
+                  <a:srgbClr val="FFFF00"/>
+                </a:solidFill>
+              </a:rPr>
+              <a:t>os.getenv</a:t>
+            </a:r>
+            <a:r>
+              <a:rPr lang="en-US" sz="2400" b="1" i="1" dirty="0">
+                <a:solidFill>
+                  <a:srgbClr val="FFFF00"/>
+                </a:solidFill>
+              </a:rPr>
+              <a:t>('DNAC_PW'))</a:t>
+            </a:r>
+          </a:p>
+          <a:p>
+            <a:pPr marL="0" indent="0">
+              <a:buNone/>
+            </a:pPr>
+            <a:r>
+              <a:rPr lang="en-US" sz="2400" b="1" i="1" dirty="0">
+                <a:solidFill>
+                  <a:srgbClr val="FFFF00"/>
+                </a:solidFill>
+              </a:rPr>
+              <a:t>response = </a:t>
+            </a:r>
+            <a:r>
+              <a:rPr lang="en-US" sz="2400" b="1" i="1" dirty="0" err="1">
+                <a:solidFill>
+                  <a:srgbClr val="FFFF00"/>
+                </a:solidFill>
+              </a:rPr>
+              <a:t>requests.post</a:t>
+            </a:r>
+            <a:r>
+              <a:rPr lang="en-US" sz="2400" b="1" i="1" dirty="0">
+                <a:solidFill>
+                  <a:srgbClr val="FFFF00"/>
+                </a:solidFill>
+              </a:rPr>
+              <a:t>(</a:t>
+            </a:r>
+            <a:r>
+              <a:rPr lang="en-US" sz="2400" b="1" i="1" dirty="0" err="1">
+                <a:solidFill>
+                  <a:srgbClr val="FFFF00"/>
+                </a:solidFill>
+              </a:rPr>
+              <a:t>req_url</a:t>
+            </a:r>
+            <a:r>
+              <a:rPr lang="en-US" sz="2400" b="1" i="1" dirty="0">
+                <a:solidFill>
+                  <a:srgbClr val="FFFF00"/>
+                </a:solidFill>
+              </a:rPr>
+              <a:t>, auth=</a:t>
+            </a:r>
+            <a:r>
+              <a:rPr lang="en-US" sz="2400" b="1" i="1" dirty="0" err="1">
+                <a:solidFill>
+                  <a:srgbClr val="FFFF00"/>
+                </a:solidFill>
+              </a:rPr>
+              <a:t>req_auth</a:t>
+            </a:r>
+            <a:r>
+              <a:rPr lang="en-US" sz="2400" b="1" i="1" dirty="0">
+                <a:solidFill>
+                  <a:srgbClr val="FFFF00"/>
+                </a:solidFill>
+              </a:rPr>
+              <a:t>)</a:t>
+            </a:r>
+          </a:p>
+          <a:p>
+            <a:pPr marL="0" indent="0">
+              <a:buNone/>
+            </a:pPr>
+            <a:r>
+              <a:rPr lang="en-US" sz="2400" b="1" i="1" dirty="0">
+                <a:solidFill>
+                  <a:srgbClr val="FFFF00"/>
+                </a:solidFill>
+              </a:rPr>
+              <a:t>print(f'{</a:t>
+            </a:r>
+            <a:r>
+              <a:rPr lang="en-US" sz="2400" b="1" i="1" dirty="0" err="1">
+                <a:solidFill>
+                  <a:srgbClr val="FFFF00"/>
+                </a:solidFill>
+              </a:rPr>
+              <a:t>response.status_code</a:t>
+            </a:r>
+            <a:r>
+              <a:rPr lang="en-US" sz="2400" b="1" i="1" dirty="0">
+                <a:solidFill>
+                  <a:srgbClr val="FFFF00"/>
+                </a:solidFill>
+              </a:rPr>
+              <a:t>} {</a:t>
+            </a:r>
+            <a:r>
+              <a:rPr lang="en-US" sz="2400" b="1" i="1" dirty="0" err="1">
+                <a:solidFill>
+                  <a:srgbClr val="FFFF00"/>
+                </a:solidFill>
+              </a:rPr>
+              <a:t>response.reason</a:t>
+            </a:r>
+            <a:r>
+              <a:rPr lang="en-US" sz="2400" b="1" i="1" dirty="0">
+                <a:solidFill>
+                  <a:srgbClr val="FFFF00"/>
+                </a:solidFill>
+              </a:rPr>
+              <a:t>}\n')</a:t>
+            </a:r>
+          </a:p>
+          <a:p>
+            <a:pPr marL="0" indent="0">
+              <a:buNone/>
+            </a:pPr>
+            <a:r>
+              <a:rPr lang="en-US" sz="2400" b="1" i="1" dirty="0">
+                <a:solidFill>
+                  <a:srgbClr val="FFFF00"/>
+                </a:solidFill>
+              </a:rPr>
+              <a:t>print(f'{</a:t>
+            </a:r>
+            <a:r>
+              <a:rPr lang="en-US" sz="2400" b="1" i="1" dirty="0" err="1">
+                <a:solidFill>
+                  <a:srgbClr val="FFFF00"/>
+                </a:solidFill>
+              </a:rPr>
+              <a:t>response.headers</a:t>
+            </a:r>
+            <a:r>
+              <a:rPr lang="en-US" sz="2400" b="1" i="1" dirty="0">
+                <a:solidFill>
+                  <a:srgbClr val="FFFF00"/>
+                </a:solidFill>
+              </a:rPr>
+              <a:t>}\n{</a:t>
+            </a:r>
+            <a:r>
+              <a:rPr lang="en-US" sz="2400" b="1" i="1" dirty="0" err="1">
+                <a:solidFill>
+                  <a:srgbClr val="FFFF00"/>
+                </a:solidFill>
+              </a:rPr>
+              <a:t>response.text</a:t>
+            </a:r>
+            <a:r>
+              <a:rPr lang="en-US" sz="2400" b="1" i="1" dirty="0">
+                <a:solidFill>
+                  <a:srgbClr val="FFFF00"/>
+                </a:solidFill>
+              </a:rPr>
+              <a:t>}')</a:t>
+            </a:r>
+          </a:p>
+          <a:p>
+            <a:r>
+              <a:rPr lang="en-US" sz="2400" dirty="0"/>
+              <a:t>Import the OS module to access ENV variables &amp; update the URL for DNAC</a:t>
+            </a:r>
+          </a:p>
+          <a:p>
+            <a:r>
+              <a:rPr lang="en-US" sz="2400" dirty="0"/>
+              <a:t>Create a tuple for HTTP basic authentication</a:t>
+            </a:r>
+          </a:p>
+          <a:p>
+            <a:r>
+              <a:rPr lang="en-US" sz="2400" dirty="0"/>
+              <a:t>Perform an HTTP POST and store the response object in a variable</a:t>
+            </a:r>
+          </a:p>
+          <a:p>
+            <a:r>
+              <a:rPr lang="en-US" sz="2400" dirty="0"/>
+              <a:t>Print the status code, reason, headers, and response to the terminal</a:t>
+            </a:r>
+          </a:p>
+        </p:txBody>
+      </p:sp>
+      <p:sp>
+        <p:nvSpPr>
           <p:cNvPr id="2" name="Title 1">
             <a:extLst>
               <a:ext uri="{FF2B5EF4-FFF2-40B4-BE49-F238E27FC236}">
-                <a16:creationId xmlns:a16="http://schemas.microsoft.com/office/drawing/2014/main" id="{EB7C4089-1746-624B-8E73-D3DAB8E88CDD}"/>
+                <a16:creationId xmlns:a16="http://schemas.microsoft.com/office/drawing/2014/main" id="{AC0D55DF-385E-9A4F-AB08-FEBC11990B8B}"/>
               </a:ext>
             </a:extLst>
           </p:cNvPr>
@@ -22876,110 +24852,7 @@
           <a:p>
             <a:r>
               <a:rPr lang="en-US" dirty="0"/>
-              <a:t>Outline</a:t>
-            </a:r>
-          </a:p>
-        </p:txBody>
-      </p:sp>
-      <p:sp>
-        <p:nvSpPr>
-          <p:cNvPr id="3" name="Content Placeholder 2">
-            <a:extLst>
-              <a:ext uri="{FF2B5EF4-FFF2-40B4-BE49-F238E27FC236}">
-                <a16:creationId xmlns:a16="http://schemas.microsoft.com/office/drawing/2014/main" id="{65426B10-0364-A849-B3A4-1D0DA409155A}"/>
-              </a:ext>
-            </a:extLst>
-          </p:cNvPr>
-          <p:cNvSpPr>
-            <a:spLocks noGrp="1"/>
-          </p:cNvSpPr>
-          <p:nvPr>
-            <p:ph idx="1"/>
-          </p:nvPr>
-        </p:nvSpPr>
-        <p:spPr/>
-        <p:txBody>
-          <a:bodyPr>
-            <a:normAutofit lnSpcReduction="10000"/>
-          </a:bodyPr>
-          <a:lstStyle/>
-          <a:p>
-            <a:r>
-              <a:rPr lang="en-US" dirty="0"/>
-              <a:t>For each of these platforms:</a:t>
-            </a:r>
-          </a:p>
-          <a:p>
-            <a:pPr lvl="1"/>
-            <a:r>
-              <a:rPr lang="en-US" dirty="0"/>
-              <a:t>DNAC</a:t>
-            </a:r>
-          </a:p>
-          <a:p>
-            <a:pPr lvl="1"/>
-            <a:r>
-              <a:rPr lang="en-US" dirty="0" err="1"/>
-              <a:t>Webex</a:t>
-            </a:r>
-            <a:r>
-              <a:rPr lang="en-US" dirty="0"/>
-              <a:t> Teams</a:t>
-            </a:r>
-          </a:p>
-          <a:p>
-            <a:pPr lvl="1"/>
-            <a:r>
-              <a:rPr lang="en-US" dirty="0"/>
-              <a:t>Meraki</a:t>
-            </a:r>
-          </a:p>
-          <a:p>
-            <a:pPr lvl="1"/>
-            <a:r>
-              <a:rPr lang="en-US" dirty="0"/>
-              <a:t>ACI</a:t>
-            </a:r>
-          </a:p>
-          <a:p>
-            <a:pPr lvl="1"/>
-            <a:r>
-              <a:rPr lang="en-US" dirty="0"/>
-              <a:t>Firepower</a:t>
-            </a:r>
-          </a:p>
-          <a:p>
-            <a:pPr lvl="1"/>
-            <a:r>
-              <a:rPr lang="en-US" dirty="0"/>
-              <a:t>SD-WAN</a:t>
-            </a:r>
-          </a:p>
-          <a:p>
-            <a:r>
-              <a:rPr lang="en-US" dirty="0"/>
-              <a:t>Perform the following tasks:</a:t>
-            </a:r>
-          </a:p>
-          <a:p>
-            <a:pPr lvl="1"/>
-            <a:r>
-              <a:rPr lang="en-US" dirty="0"/>
-              <a:t>Platform summary overview</a:t>
-            </a:r>
-          </a:p>
-          <a:p>
-            <a:pPr lvl="1"/>
-            <a:r>
-              <a:rPr lang="en-US" dirty="0"/>
-              <a:t>Review API documentation </a:t>
-            </a:r>
-          </a:p>
-          <a:p>
-            <a:pPr lvl="1"/>
-            <a:r>
-              <a:rPr lang="en-US" dirty="0"/>
-              <a:t>Review resources available for programmatic access/practice/testing</a:t>
+              <a:t>Python Requests Code Examples</a:t>
             </a:r>
           </a:p>
         </p:txBody>
@@ -22989,7 +24862,7 @@
           <p:cNvPr id="4" name="Date Placeholder 3">
             <a:extLst>
               <a:ext uri="{FF2B5EF4-FFF2-40B4-BE49-F238E27FC236}">
-                <a16:creationId xmlns:a16="http://schemas.microsoft.com/office/drawing/2014/main" id="{7ECEAF79-F4AC-E94E-9E55-220D0D396924}"/>
+                <a16:creationId xmlns:a16="http://schemas.microsoft.com/office/drawing/2014/main" id="{6E8781CE-B8A7-7540-B619-28D099093D8B}"/>
               </a:ext>
             </a:extLst>
           </p:cNvPr>
@@ -23018,7 +24891,7 @@
           <p:cNvPr id="5" name="Slide Number Placeholder 4">
             <a:extLst>
               <a:ext uri="{FF2B5EF4-FFF2-40B4-BE49-F238E27FC236}">
-                <a16:creationId xmlns:a16="http://schemas.microsoft.com/office/drawing/2014/main" id="{372DC1A4-CE8B-DB4A-8F86-2508518C35D3}"/>
+                <a16:creationId xmlns:a16="http://schemas.microsoft.com/office/drawing/2014/main" id="{222BEAA2-2326-1F4D-9BCE-0FC3EC23B201}"/>
               </a:ext>
             </a:extLst>
           </p:cNvPr>
@@ -23043,10 +24916,334 @@
           </a:p>
         </p:txBody>
       </p:sp>
+      <p:sp>
+        <p:nvSpPr>
+          <p:cNvPr id="6" name="Rectangle 5">
+            <a:extLst>
+              <a:ext uri="{FF2B5EF4-FFF2-40B4-BE49-F238E27FC236}">
+                <a16:creationId xmlns:a16="http://schemas.microsoft.com/office/drawing/2014/main" id="{8026FF69-6C82-7043-9603-B53878D1AFAB}"/>
+              </a:ext>
+            </a:extLst>
+          </p:cNvPr>
+          <p:cNvSpPr/>
+          <p:nvPr/>
+        </p:nvSpPr>
+        <p:spPr>
+          <a:xfrm>
+            <a:off x="909612" y="1864140"/>
+            <a:ext cx="1266429" cy="346075"/>
+          </a:xfrm>
+          <a:prstGeom prst="rect">
+            <a:avLst/>
+          </a:prstGeom>
+          <a:solidFill>
+            <a:schemeClr val="tx1">
+              <a:alpha val="40000"/>
+            </a:schemeClr>
+          </a:solidFill>
+          <a:ln>
+            <a:noFill/>
+          </a:ln>
+        </p:spPr>
+        <p:style>
+          <a:lnRef idx="2">
+            <a:schemeClr val="accent1">
+              <a:shade val="50000"/>
+            </a:schemeClr>
+          </a:lnRef>
+          <a:fillRef idx="1">
+            <a:schemeClr val="accent1"/>
+          </a:fillRef>
+          <a:effectRef idx="0">
+            <a:schemeClr val="accent1"/>
+          </a:effectRef>
+          <a:fontRef idx="minor">
+            <a:schemeClr val="lt1"/>
+          </a:fontRef>
+        </p:style>
+        <p:txBody>
+          <a:bodyPr rtlCol="0" anchor="ctr"/>
+          <a:lstStyle/>
+          <a:p>
+            <a:pPr algn="ctr"/>
+            <a:endParaRPr lang="en-US" dirty="0"/>
+          </a:p>
+        </p:txBody>
+      </p:sp>
+      <p:sp>
+        <p:nvSpPr>
+          <p:cNvPr id="7" name="Rectangle 6">
+            <a:extLst>
+              <a:ext uri="{FF2B5EF4-FFF2-40B4-BE49-F238E27FC236}">
+                <a16:creationId xmlns:a16="http://schemas.microsoft.com/office/drawing/2014/main" id="{D7F10BD3-DB22-7043-8433-B6CE34EB4FEE}"/>
+              </a:ext>
+            </a:extLst>
+          </p:cNvPr>
+          <p:cNvSpPr/>
+          <p:nvPr/>
+        </p:nvSpPr>
+        <p:spPr>
+          <a:xfrm>
+            <a:off x="909613" y="2323382"/>
+            <a:ext cx="9472878" cy="346075"/>
+          </a:xfrm>
+          <a:prstGeom prst="rect">
+            <a:avLst/>
+          </a:prstGeom>
+          <a:solidFill>
+            <a:schemeClr val="tx1">
+              <a:alpha val="40000"/>
+            </a:schemeClr>
+          </a:solidFill>
+          <a:ln>
+            <a:noFill/>
+          </a:ln>
+        </p:spPr>
+        <p:style>
+          <a:lnRef idx="2">
+            <a:schemeClr val="accent1">
+              <a:shade val="50000"/>
+            </a:schemeClr>
+          </a:lnRef>
+          <a:fillRef idx="1">
+            <a:schemeClr val="accent1"/>
+          </a:fillRef>
+          <a:effectRef idx="0">
+            <a:schemeClr val="accent1"/>
+          </a:effectRef>
+          <a:fontRef idx="minor">
+            <a:schemeClr val="lt1"/>
+          </a:fontRef>
+        </p:style>
+        <p:txBody>
+          <a:bodyPr rtlCol="0" anchor="ctr"/>
+          <a:lstStyle/>
+          <a:p>
+            <a:pPr algn="ctr"/>
+            <a:endParaRPr lang="en-US" dirty="0"/>
+          </a:p>
+        </p:txBody>
+      </p:sp>
+      <p:sp>
+        <p:nvSpPr>
+          <p:cNvPr id="9" name="Rectangle 8">
+            <a:extLst>
+              <a:ext uri="{FF2B5EF4-FFF2-40B4-BE49-F238E27FC236}">
+                <a16:creationId xmlns:a16="http://schemas.microsoft.com/office/drawing/2014/main" id="{12CE5C1F-FFE1-524B-888F-DCB5B4780F99}"/>
+              </a:ext>
+            </a:extLst>
+          </p:cNvPr>
+          <p:cNvSpPr/>
+          <p:nvPr/>
+        </p:nvSpPr>
+        <p:spPr>
+          <a:xfrm>
+            <a:off x="909613" y="2772143"/>
+            <a:ext cx="7794550" cy="346075"/>
+          </a:xfrm>
+          <a:prstGeom prst="rect">
+            <a:avLst/>
+          </a:prstGeom>
+          <a:solidFill>
+            <a:schemeClr val="tx1">
+              <a:alpha val="40000"/>
+            </a:schemeClr>
+          </a:solidFill>
+          <a:ln>
+            <a:noFill/>
+          </a:ln>
+        </p:spPr>
+        <p:style>
+          <a:lnRef idx="2">
+            <a:schemeClr val="accent1">
+              <a:shade val="50000"/>
+            </a:schemeClr>
+          </a:lnRef>
+          <a:fillRef idx="1">
+            <a:schemeClr val="accent1"/>
+          </a:fillRef>
+          <a:effectRef idx="0">
+            <a:schemeClr val="accent1"/>
+          </a:effectRef>
+          <a:fontRef idx="minor">
+            <a:schemeClr val="lt1"/>
+          </a:fontRef>
+        </p:style>
+        <p:txBody>
+          <a:bodyPr rtlCol="0" anchor="ctr"/>
+          <a:lstStyle/>
+          <a:p>
+            <a:pPr algn="ctr"/>
+            <a:endParaRPr lang="en-US" dirty="0"/>
+          </a:p>
+        </p:txBody>
+      </p:sp>
+      <p:sp>
+        <p:nvSpPr>
+          <p:cNvPr id="10" name="Rectangle 9">
+            <a:extLst>
+              <a:ext uri="{FF2B5EF4-FFF2-40B4-BE49-F238E27FC236}">
+                <a16:creationId xmlns:a16="http://schemas.microsoft.com/office/drawing/2014/main" id="{0E4CCA68-CBCA-004B-B9A0-07C7D2DAC2D9}"/>
+              </a:ext>
+            </a:extLst>
+          </p:cNvPr>
+          <p:cNvSpPr/>
+          <p:nvPr/>
+        </p:nvSpPr>
+        <p:spPr>
+          <a:xfrm>
+            <a:off x="909612" y="3225258"/>
+            <a:ext cx="6312991" cy="346075"/>
+          </a:xfrm>
+          <a:prstGeom prst="rect">
+            <a:avLst/>
+          </a:prstGeom>
+          <a:solidFill>
+            <a:schemeClr val="tx1">
+              <a:alpha val="40000"/>
+            </a:schemeClr>
+          </a:solidFill>
+          <a:ln>
+            <a:noFill/>
+          </a:ln>
+        </p:spPr>
+        <p:style>
+          <a:lnRef idx="2">
+            <a:schemeClr val="accent1">
+              <a:shade val="50000"/>
+            </a:schemeClr>
+          </a:lnRef>
+          <a:fillRef idx="1">
+            <a:schemeClr val="accent1"/>
+          </a:fillRef>
+          <a:effectRef idx="0">
+            <a:schemeClr val="accent1"/>
+          </a:effectRef>
+          <a:fontRef idx="minor">
+            <a:schemeClr val="lt1"/>
+          </a:fontRef>
+        </p:style>
+        <p:txBody>
+          <a:bodyPr rtlCol="0" anchor="ctr"/>
+          <a:lstStyle/>
+          <a:p>
+            <a:pPr algn="ctr"/>
+            <a:endParaRPr lang="en-US" dirty="0"/>
+          </a:p>
+        </p:txBody>
+      </p:sp>
+      <p:sp>
+        <p:nvSpPr>
+          <p:cNvPr id="11" name="Rectangle 10">
+            <a:extLst>
+              <a:ext uri="{FF2B5EF4-FFF2-40B4-BE49-F238E27FC236}">
+                <a16:creationId xmlns:a16="http://schemas.microsoft.com/office/drawing/2014/main" id="{38E40071-75CF-354C-9C49-9DC1C0ACAB9D}"/>
+              </a:ext>
+            </a:extLst>
+          </p:cNvPr>
+          <p:cNvSpPr/>
+          <p:nvPr/>
+        </p:nvSpPr>
+        <p:spPr>
+          <a:xfrm>
+            <a:off x="909612" y="3684500"/>
+            <a:ext cx="6648655" cy="346075"/>
+          </a:xfrm>
+          <a:prstGeom prst="rect">
+            <a:avLst/>
+          </a:prstGeom>
+          <a:solidFill>
+            <a:schemeClr val="tx1">
+              <a:alpha val="40000"/>
+            </a:schemeClr>
+          </a:solidFill>
+          <a:ln>
+            <a:noFill/>
+          </a:ln>
+        </p:spPr>
+        <p:style>
+          <a:lnRef idx="2">
+            <a:schemeClr val="accent1">
+              <a:shade val="50000"/>
+            </a:schemeClr>
+          </a:lnRef>
+          <a:fillRef idx="1">
+            <a:schemeClr val="accent1"/>
+          </a:fillRef>
+          <a:effectRef idx="0">
+            <a:schemeClr val="accent1"/>
+          </a:effectRef>
+          <a:fontRef idx="minor">
+            <a:schemeClr val="lt1"/>
+          </a:fontRef>
+        </p:style>
+        <p:txBody>
+          <a:bodyPr rtlCol="0" anchor="ctr"/>
+          <a:lstStyle/>
+          <a:p>
+            <a:pPr algn="ctr"/>
+            <a:endParaRPr lang="en-US" dirty="0"/>
+          </a:p>
+        </p:txBody>
+      </p:sp>
+      <p:sp>
+        <p:nvSpPr>
+          <p:cNvPr id="12" name="Rectangle 11">
+            <a:extLst>
+              <a:ext uri="{FF2B5EF4-FFF2-40B4-BE49-F238E27FC236}">
+                <a16:creationId xmlns:a16="http://schemas.microsoft.com/office/drawing/2014/main" id="{67380882-3850-2E49-9E61-234F0AF84194}"/>
+              </a:ext>
+            </a:extLst>
+          </p:cNvPr>
+          <p:cNvSpPr/>
+          <p:nvPr/>
+        </p:nvSpPr>
+        <p:spPr>
+          <a:xfrm>
+            <a:off x="909612" y="4143742"/>
+            <a:ext cx="5719788" cy="346075"/>
+          </a:xfrm>
+          <a:prstGeom prst="rect">
+            <a:avLst/>
+          </a:prstGeom>
+          <a:solidFill>
+            <a:schemeClr val="tx1">
+              <a:alpha val="40000"/>
+            </a:schemeClr>
+          </a:solidFill>
+          <a:ln>
+            <a:noFill/>
+          </a:ln>
+        </p:spPr>
+        <p:style>
+          <a:lnRef idx="2">
+            <a:schemeClr val="accent1">
+              <a:shade val="50000"/>
+            </a:schemeClr>
+          </a:lnRef>
+          <a:fillRef idx="1">
+            <a:schemeClr val="accent1"/>
+          </a:fillRef>
+          <a:effectRef idx="0">
+            <a:schemeClr val="accent1"/>
+          </a:effectRef>
+          <a:fontRef idx="minor">
+            <a:schemeClr val="lt1"/>
+          </a:fontRef>
+        </p:style>
+        <p:txBody>
+          <a:bodyPr rtlCol="0" anchor="ctr"/>
+          <a:lstStyle/>
+          <a:p>
+            <a:pPr algn="ctr"/>
+            <a:endParaRPr lang="en-US" dirty="0"/>
+          </a:p>
+        </p:txBody>
+      </p:sp>
     </p:spTree>
     <p:extLst>
       <p:ext uri="{BB962C8B-B14F-4D97-AF65-F5344CB8AC3E}">
-        <p14:creationId xmlns:p14="http://schemas.microsoft.com/office/powerpoint/2010/main" val="1513264745"/>
+        <p14:creationId xmlns:p14="http://schemas.microsoft.com/office/powerpoint/2010/main" val="48303800"/>
       </p:ext>
     </p:extLst>
   </p:cSld>
@@ -23065,6 +25262,828 @@
       </p:transition>
     </mc:Fallback>
   </mc:AlternateContent>
+  <p:timing>
+    <p:tnLst>
+      <p:par>
+        <p:cTn id="1" dur="indefinite" restart="never" nodeType="tmRoot">
+          <p:childTnLst>
+            <p:seq concurrent="1" nextAc="seek">
+              <p:cTn id="2" dur="indefinite" nodeType="mainSeq">
+                <p:childTnLst>
+                  <p:par>
+                    <p:cTn id="3" fill="hold">
+                      <p:stCondLst>
+                        <p:cond delay="indefinite"/>
+                      </p:stCondLst>
+                      <p:childTnLst>
+                        <p:par>
+                          <p:cTn id="4" fill="hold">
+                            <p:stCondLst>
+                              <p:cond delay="0"/>
+                            </p:stCondLst>
+                            <p:childTnLst>
+                              <p:par>
+                                <p:cTn id="5" presetID="9" presetClass="entr" presetSubtype="0" fill="hold" nodeType="clickEffect">
+                                  <p:stCondLst>
+                                    <p:cond delay="0"/>
+                                  </p:stCondLst>
+                                  <p:childTnLst>
+                                    <p:set>
+                                      <p:cBhvr>
+                                        <p:cTn id="6" dur="1" fill="hold">
+                                          <p:stCondLst>
+                                            <p:cond delay="0"/>
+                                          </p:stCondLst>
+                                        </p:cTn>
+                                        <p:tgtEl>
+                                          <p:spTgt spid="3">
+                                            <p:txEl>
+                                              <p:pRg st="0" end="0"/>
+                                            </p:txEl>
+                                          </p:spTgt>
+                                        </p:tgtEl>
+                                        <p:attrNameLst>
+                                          <p:attrName>style.visibility</p:attrName>
+                                        </p:attrNameLst>
+                                      </p:cBhvr>
+                                      <p:to>
+                                        <p:strVal val="visible"/>
+                                      </p:to>
+                                    </p:set>
+                                    <p:animEffect transition="in" filter="dissolve">
+                                      <p:cBhvr>
+                                        <p:cTn id="7" dur="500"/>
+                                        <p:tgtEl>
+                                          <p:spTgt spid="3">
+                                            <p:txEl>
+                                              <p:pRg st="0" end="0"/>
+                                            </p:txEl>
+                                          </p:spTgt>
+                                        </p:tgtEl>
+                                      </p:cBhvr>
+                                    </p:animEffect>
+                                  </p:childTnLst>
+                                </p:cTn>
+                              </p:par>
+                              <p:par>
+                                <p:cTn id="8" presetID="9" presetClass="entr" presetSubtype="0" fill="hold" nodeType="withEffect">
+                                  <p:stCondLst>
+                                    <p:cond delay="0"/>
+                                  </p:stCondLst>
+                                  <p:childTnLst>
+                                    <p:set>
+                                      <p:cBhvr>
+                                        <p:cTn id="9" dur="1" fill="hold">
+                                          <p:stCondLst>
+                                            <p:cond delay="0"/>
+                                          </p:stCondLst>
+                                        </p:cTn>
+                                        <p:tgtEl>
+                                          <p:spTgt spid="3">
+                                            <p:txEl>
+                                              <p:pRg st="1" end="1"/>
+                                            </p:txEl>
+                                          </p:spTgt>
+                                        </p:tgtEl>
+                                        <p:attrNameLst>
+                                          <p:attrName>style.visibility</p:attrName>
+                                        </p:attrNameLst>
+                                      </p:cBhvr>
+                                      <p:to>
+                                        <p:strVal val="visible"/>
+                                      </p:to>
+                                    </p:set>
+                                    <p:animEffect transition="in" filter="dissolve">
+                                      <p:cBhvr>
+                                        <p:cTn id="10" dur="500"/>
+                                        <p:tgtEl>
+                                          <p:spTgt spid="3">
+                                            <p:txEl>
+                                              <p:pRg st="1" end="1"/>
+                                            </p:txEl>
+                                          </p:spTgt>
+                                        </p:tgtEl>
+                                      </p:cBhvr>
+                                    </p:animEffect>
+                                  </p:childTnLst>
+                                </p:cTn>
+                              </p:par>
+                              <p:par>
+                                <p:cTn id="11" presetID="9" presetClass="entr" presetSubtype="0" fill="hold" nodeType="withEffect">
+                                  <p:stCondLst>
+                                    <p:cond delay="0"/>
+                                  </p:stCondLst>
+                                  <p:childTnLst>
+                                    <p:set>
+                                      <p:cBhvr>
+                                        <p:cTn id="12" dur="1" fill="hold">
+                                          <p:stCondLst>
+                                            <p:cond delay="0"/>
+                                          </p:stCondLst>
+                                        </p:cTn>
+                                        <p:tgtEl>
+                                          <p:spTgt spid="3">
+                                            <p:txEl>
+                                              <p:pRg st="2" end="2"/>
+                                            </p:txEl>
+                                          </p:spTgt>
+                                        </p:tgtEl>
+                                        <p:attrNameLst>
+                                          <p:attrName>style.visibility</p:attrName>
+                                        </p:attrNameLst>
+                                      </p:cBhvr>
+                                      <p:to>
+                                        <p:strVal val="visible"/>
+                                      </p:to>
+                                    </p:set>
+                                    <p:animEffect transition="in" filter="dissolve">
+                                      <p:cBhvr>
+                                        <p:cTn id="13" dur="500"/>
+                                        <p:tgtEl>
+                                          <p:spTgt spid="3">
+                                            <p:txEl>
+                                              <p:pRg st="2" end="2"/>
+                                            </p:txEl>
+                                          </p:spTgt>
+                                        </p:tgtEl>
+                                      </p:cBhvr>
+                                    </p:animEffect>
+                                  </p:childTnLst>
+                                </p:cTn>
+                              </p:par>
+                              <p:par>
+                                <p:cTn id="14" presetID="9" presetClass="entr" presetSubtype="0" fill="hold" nodeType="withEffect">
+                                  <p:stCondLst>
+                                    <p:cond delay="0"/>
+                                  </p:stCondLst>
+                                  <p:childTnLst>
+                                    <p:set>
+                                      <p:cBhvr>
+                                        <p:cTn id="15" dur="1" fill="hold">
+                                          <p:stCondLst>
+                                            <p:cond delay="0"/>
+                                          </p:stCondLst>
+                                        </p:cTn>
+                                        <p:tgtEl>
+                                          <p:spTgt spid="3">
+                                            <p:txEl>
+                                              <p:pRg st="3" end="3"/>
+                                            </p:txEl>
+                                          </p:spTgt>
+                                        </p:tgtEl>
+                                        <p:attrNameLst>
+                                          <p:attrName>style.visibility</p:attrName>
+                                        </p:attrNameLst>
+                                      </p:cBhvr>
+                                      <p:to>
+                                        <p:strVal val="visible"/>
+                                      </p:to>
+                                    </p:set>
+                                    <p:animEffect transition="in" filter="dissolve">
+                                      <p:cBhvr>
+                                        <p:cTn id="16" dur="500"/>
+                                        <p:tgtEl>
+                                          <p:spTgt spid="3">
+                                            <p:txEl>
+                                              <p:pRg st="3" end="3"/>
+                                            </p:txEl>
+                                          </p:spTgt>
+                                        </p:tgtEl>
+                                      </p:cBhvr>
+                                    </p:animEffect>
+                                  </p:childTnLst>
+                                </p:cTn>
+                              </p:par>
+                              <p:par>
+                                <p:cTn id="17" presetID="9" presetClass="entr" presetSubtype="0" fill="hold" nodeType="withEffect">
+                                  <p:stCondLst>
+                                    <p:cond delay="0"/>
+                                  </p:stCondLst>
+                                  <p:childTnLst>
+                                    <p:set>
+                                      <p:cBhvr>
+                                        <p:cTn id="18" dur="1" fill="hold">
+                                          <p:stCondLst>
+                                            <p:cond delay="0"/>
+                                          </p:stCondLst>
+                                        </p:cTn>
+                                        <p:tgtEl>
+                                          <p:spTgt spid="3">
+                                            <p:txEl>
+                                              <p:pRg st="4" end="4"/>
+                                            </p:txEl>
+                                          </p:spTgt>
+                                        </p:tgtEl>
+                                        <p:attrNameLst>
+                                          <p:attrName>style.visibility</p:attrName>
+                                        </p:attrNameLst>
+                                      </p:cBhvr>
+                                      <p:to>
+                                        <p:strVal val="visible"/>
+                                      </p:to>
+                                    </p:set>
+                                    <p:animEffect transition="in" filter="dissolve">
+                                      <p:cBhvr>
+                                        <p:cTn id="19" dur="500"/>
+                                        <p:tgtEl>
+                                          <p:spTgt spid="3">
+                                            <p:txEl>
+                                              <p:pRg st="4" end="4"/>
+                                            </p:txEl>
+                                          </p:spTgt>
+                                        </p:tgtEl>
+                                      </p:cBhvr>
+                                    </p:animEffect>
+                                  </p:childTnLst>
+                                </p:cTn>
+                              </p:par>
+                              <p:par>
+                                <p:cTn id="20" presetID="9" presetClass="entr" presetSubtype="0" fill="hold" nodeType="withEffect">
+                                  <p:stCondLst>
+                                    <p:cond delay="0"/>
+                                  </p:stCondLst>
+                                  <p:childTnLst>
+                                    <p:set>
+                                      <p:cBhvr>
+                                        <p:cTn id="21" dur="1" fill="hold">
+                                          <p:stCondLst>
+                                            <p:cond delay="0"/>
+                                          </p:stCondLst>
+                                        </p:cTn>
+                                        <p:tgtEl>
+                                          <p:spTgt spid="3">
+                                            <p:txEl>
+                                              <p:pRg st="5" end="5"/>
+                                            </p:txEl>
+                                          </p:spTgt>
+                                        </p:tgtEl>
+                                        <p:attrNameLst>
+                                          <p:attrName>style.visibility</p:attrName>
+                                        </p:attrNameLst>
+                                      </p:cBhvr>
+                                      <p:to>
+                                        <p:strVal val="visible"/>
+                                      </p:to>
+                                    </p:set>
+                                    <p:animEffect transition="in" filter="dissolve">
+                                      <p:cBhvr>
+                                        <p:cTn id="22" dur="500"/>
+                                        <p:tgtEl>
+                                          <p:spTgt spid="3">
+                                            <p:txEl>
+                                              <p:pRg st="5" end="5"/>
+                                            </p:txEl>
+                                          </p:spTgt>
+                                        </p:tgtEl>
+                                      </p:cBhvr>
+                                    </p:animEffect>
+                                  </p:childTnLst>
+                                </p:cTn>
+                              </p:par>
+                            </p:childTnLst>
+                          </p:cTn>
+                        </p:par>
+                      </p:childTnLst>
+                    </p:cTn>
+                  </p:par>
+                  <p:par>
+                    <p:cTn id="23" fill="hold">
+                      <p:stCondLst>
+                        <p:cond delay="indefinite"/>
+                      </p:stCondLst>
+                      <p:childTnLst>
+                        <p:par>
+                          <p:cTn id="24" fill="hold">
+                            <p:stCondLst>
+                              <p:cond delay="0"/>
+                            </p:stCondLst>
+                            <p:childTnLst>
+                              <p:par>
+                                <p:cTn id="25" presetID="9" presetClass="entr" presetSubtype="0" fill="hold" nodeType="clickEffect">
+                                  <p:stCondLst>
+                                    <p:cond delay="0"/>
+                                  </p:stCondLst>
+                                  <p:childTnLst>
+                                    <p:set>
+                                      <p:cBhvr>
+                                        <p:cTn id="26" dur="1" fill="hold">
+                                          <p:stCondLst>
+                                            <p:cond delay="0"/>
+                                          </p:stCondLst>
+                                        </p:cTn>
+                                        <p:tgtEl>
+                                          <p:spTgt spid="3">
+                                            <p:txEl>
+                                              <p:pRg st="6" end="6"/>
+                                            </p:txEl>
+                                          </p:spTgt>
+                                        </p:tgtEl>
+                                        <p:attrNameLst>
+                                          <p:attrName>style.visibility</p:attrName>
+                                        </p:attrNameLst>
+                                      </p:cBhvr>
+                                      <p:to>
+                                        <p:strVal val="visible"/>
+                                      </p:to>
+                                    </p:set>
+                                    <p:animEffect transition="in" filter="dissolve">
+                                      <p:cBhvr>
+                                        <p:cTn id="27" dur="500"/>
+                                        <p:tgtEl>
+                                          <p:spTgt spid="3">
+                                            <p:txEl>
+                                              <p:pRg st="6" end="6"/>
+                                            </p:txEl>
+                                          </p:spTgt>
+                                        </p:tgtEl>
+                                      </p:cBhvr>
+                                    </p:animEffect>
+                                  </p:childTnLst>
+                                </p:cTn>
+                              </p:par>
+                            </p:childTnLst>
+                          </p:cTn>
+                        </p:par>
+                        <p:par>
+                          <p:cTn id="28" fill="hold">
+                            <p:stCondLst>
+                              <p:cond delay="500"/>
+                            </p:stCondLst>
+                            <p:childTnLst>
+                              <p:par>
+                                <p:cTn id="29" presetID="22" presetClass="entr" presetSubtype="8" fill="hold" grpId="0" nodeType="afterEffect">
+                                  <p:stCondLst>
+                                    <p:cond delay="0"/>
+                                  </p:stCondLst>
+                                  <p:childTnLst>
+                                    <p:set>
+                                      <p:cBhvr>
+                                        <p:cTn id="30" dur="1" fill="hold">
+                                          <p:stCondLst>
+                                            <p:cond delay="0"/>
+                                          </p:stCondLst>
+                                        </p:cTn>
+                                        <p:tgtEl>
+                                          <p:spTgt spid="6"/>
+                                        </p:tgtEl>
+                                        <p:attrNameLst>
+                                          <p:attrName>style.visibility</p:attrName>
+                                        </p:attrNameLst>
+                                      </p:cBhvr>
+                                      <p:to>
+                                        <p:strVal val="visible"/>
+                                      </p:to>
+                                    </p:set>
+                                    <p:animEffect transition="in" filter="wipe(left)">
+                                      <p:cBhvr>
+                                        <p:cTn id="31" dur="500"/>
+                                        <p:tgtEl>
+                                          <p:spTgt spid="6"/>
+                                        </p:tgtEl>
+                                      </p:cBhvr>
+                                    </p:animEffect>
+                                  </p:childTnLst>
+                                </p:cTn>
+                              </p:par>
+                            </p:childTnLst>
+                          </p:cTn>
+                        </p:par>
+                        <p:par>
+                          <p:cTn id="32" fill="hold">
+                            <p:stCondLst>
+                              <p:cond delay="1000"/>
+                            </p:stCondLst>
+                            <p:childTnLst>
+                              <p:par>
+                                <p:cTn id="33" presetID="22" presetClass="entr" presetSubtype="8" fill="hold" grpId="0" nodeType="afterEffect">
+                                  <p:stCondLst>
+                                    <p:cond delay="0"/>
+                                  </p:stCondLst>
+                                  <p:childTnLst>
+                                    <p:set>
+                                      <p:cBhvr>
+                                        <p:cTn id="34" dur="1" fill="hold">
+                                          <p:stCondLst>
+                                            <p:cond delay="0"/>
+                                          </p:stCondLst>
+                                        </p:cTn>
+                                        <p:tgtEl>
+                                          <p:spTgt spid="7"/>
+                                        </p:tgtEl>
+                                        <p:attrNameLst>
+                                          <p:attrName>style.visibility</p:attrName>
+                                        </p:attrNameLst>
+                                      </p:cBhvr>
+                                      <p:to>
+                                        <p:strVal val="visible"/>
+                                      </p:to>
+                                    </p:set>
+                                    <p:animEffect transition="in" filter="wipe(left)">
+                                      <p:cBhvr>
+                                        <p:cTn id="35" dur="1000"/>
+                                        <p:tgtEl>
+                                          <p:spTgt spid="7"/>
+                                        </p:tgtEl>
+                                      </p:cBhvr>
+                                    </p:animEffect>
+                                  </p:childTnLst>
+                                </p:cTn>
+                              </p:par>
+                            </p:childTnLst>
+                          </p:cTn>
+                        </p:par>
+                      </p:childTnLst>
+                    </p:cTn>
+                  </p:par>
+                  <p:par>
+                    <p:cTn id="36" fill="hold">
+                      <p:stCondLst>
+                        <p:cond delay="indefinite"/>
+                      </p:stCondLst>
+                      <p:childTnLst>
+                        <p:par>
+                          <p:cTn id="37" fill="hold">
+                            <p:stCondLst>
+                              <p:cond delay="0"/>
+                            </p:stCondLst>
+                            <p:childTnLst>
+                              <p:par>
+                                <p:cTn id="38" presetID="9" presetClass="entr" presetSubtype="0" fill="hold" nodeType="clickEffect">
+                                  <p:stCondLst>
+                                    <p:cond delay="0"/>
+                                  </p:stCondLst>
+                                  <p:childTnLst>
+                                    <p:set>
+                                      <p:cBhvr>
+                                        <p:cTn id="39" dur="1" fill="hold">
+                                          <p:stCondLst>
+                                            <p:cond delay="0"/>
+                                          </p:stCondLst>
+                                        </p:cTn>
+                                        <p:tgtEl>
+                                          <p:spTgt spid="3">
+                                            <p:txEl>
+                                              <p:pRg st="7" end="7"/>
+                                            </p:txEl>
+                                          </p:spTgt>
+                                        </p:tgtEl>
+                                        <p:attrNameLst>
+                                          <p:attrName>style.visibility</p:attrName>
+                                        </p:attrNameLst>
+                                      </p:cBhvr>
+                                      <p:to>
+                                        <p:strVal val="visible"/>
+                                      </p:to>
+                                    </p:set>
+                                    <p:animEffect transition="in" filter="dissolve">
+                                      <p:cBhvr>
+                                        <p:cTn id="40" dur="500"/>
+                                        <p:tgtEl>
+                                          <p:spTgt spid="3">
+                                            <p:txEl>
+                                              <p:pRg st="7" end="7"/>
+                                            </p:txEl>
+                                          </p:spTgt>
+                                        </p:tgtEl>
+                                      </p:cBhvr>
+                                    </p:animEffect>
+                                  </p:childTnLst>
+                                </p:cTn>
+                              </p:par>
+                            </p:childTnLst>
+                          </p:cTn>
+                        </p:par>
+                        <p:par>
+                          <p:cTn id="41" fill="hold">
+                            <p:stCondLst>
+                              <p:cond delay="500"/>
+                            </p:stCondLst>
+                            <p:childTnLst>
+                              <p:par>
+                                <p:cTn id="42" presetID="22" presetClass="entr" presetSubtype="8" fill="hold" grpId="0" nodeType="afterEffect">
+                                  <p:stCondLst>
+                                    <p:cond delay="0"/>
+                                  </p:stCondLst>
+                                  <p:childTnLst>
+                                    <p:set>
+                                      <p:cBhvr>
+                                        <p:cTn id="43" dur="1" fill="hold">
+                                          <p:stCondLst>
+                                            <p:cond delay="0"/>
+                                          </p:stCondLst>
+                                        </p:cTn>
+                                        <p:tgtEl>
+                                          <p:spTgt spid="9"/>
+                                        </p:tgtEl>
+                                        <p:attrNameLst>
+                                          <p:attrName>style.visibility</p:attrName>
+                                        </p:attrNameLst>
+                                      </p:cBhvr>
+                                      <p:to>
+                                        <p:strVal val="visible"/>
+                                      </p:to>
+                                    </p:set>
+                                    <p:animEffect transition="in" filter="wipe(left)">
+                                      <p:cBhvr>
+                                        <p:cTn id="44" dur="1000"/>
+                                        <p:tgtEl>
+                                          <p:spTgt spid="9"/>
+                                        </p:tgtEl>
+                                      </p:cBhvr>
+                                    </p:animEffect>
+                                  </p:childTnLst>
+                                </p:cTn>
+                              </p:par>
+                            </p:childTnLst>
+                          </p:cTn>
+                        </p:par>
+                      </p:childTnLst>
+                    </p:cTn>
+                  </p:par>
+                  <p:par>
+                    <p:cTn id="45" fill="hold">
+                      <p:stCondLst>
+                        <p:cond delay="indefinite"/>
+                      </p:stCondLst>
+                      <p:childTnLst>
+                        <p:par>
+                          <p:cTn id="46" fill="hold">
+                            <p:stCondLst>
+                              <p:cond delay="0"/>
+                            </p:stCondLst>
+                            <p:childTnLst>
+                              <p:par>
+                                <p:cTn id="47" presetID="9" presetClass="entr" presetSubtype="0" fill="hold" nodeType="clickEffect">
+                                  <p:stCondLst>
+                                    <p:cond delay="0"/>
+                                  </p:stCondLst>
+                                  <p:childTnLst>
+                                    <p:set>
+                                      <p:cBhvr>
+                                        <p:cTn id="48" dur="1" fill="hold">
+                                          <p:stCondLst>
+                                            <p:cond delay="0"/>
+                                          </p:stCondLst>
+                                        </p:cTn>
+                                        <p:tgtEl>
+                                          <p:spTgt spid="3">
+                                            <p:txEl>
+                                              <p:pRg st="8" end="8"/>
+                                            </p:txEl>
+                                          </p:spTgt>
+                                        </p:tgtEl>
+                                        <p:attrNameLst>
+                                          <p:attrName>style.visibility</p:attrName>
+                                        </p:attrNameLst>
+                                      </p:cBhvr>
+                                      <p:to>
+                                        <p:strVal val="visible"/>
+                                      </p:to>
+                                    </p:set>
+                                    <p:animEffect transition="in" filter="dissolve">
+                                      <p:cBhvr>
+                                        <p:cTn id="49" dur="500"/>
+                                        <p:tgtEl>
+                                          <p:spTgt spid="3">
+                                            <p:txEl>
+                                              <p:pRg st="8" end="8"/>
+                                            </p:txEl>
+                                          </p:spTgt>
+                                        </p:tgtEl>
+                                      </p:cBhvr>
+                                    </p:animEffect>
+                                  </p:childTnLst>
+                                </p:cTn>
+                              </p:par>
+                            </p:childTnLst>
+                          </p:cTn>
+                        </p:par>
+                        <p:par>
+                          <p:cTn id="50" fill="hold">
+                            <p:stCondLst>
+                              <p:cond delay="500"/>
+                            </p:stCondLst>
+                            <p:childTnLst>
+                              <p:par>
+                                <p:cTn id="51" presetID="22" presetClass="entr" presetSubtype="8" fill="hold" grpId="0" nodeType="afterEffect">
+                                  <p:stCondLst>
+                                    <p:cond delay="0"/>
+                                  </p:stCondLst>
+                                  <p:childTnLst>
+                                    <p:set>
+                                      <p:cBhvr>
+                                        <p:cTn id="52" dur="1" fill="hold">
+                                          <p:stCondLst>
+                                            <p:cond delay="0"/>
+                                          </p:stCondLst>
+                                        </p:cTn>
+                                        <p:tgtEl>
+                                          <p:spTgt spid="10"/>
+                                        </p:tgtEl>
+                                        <p:attrNameLst>
+                                          <p:attrName>style.visibility</p:attrName>
+                                        </p:attrNameLst>
+                                      </p:cBhvr>
+                                      <p:to>
+                                        <p:strVal val="visible"/>
+                                      </p:to>
+                                    </p:set>
+                                    <p:animEffect transition="in" filter="wipe(left)">
+                                      <p:cBhvr>
+                                        <p:cTn id="53" dur="1000"/>
+                                        <p:tgtEl>
+                                          <p:spTgt spid="10"/>
+                                        </p:tgtEl>
+                                      </p:cBhvr>
+                                    </p:animEffect>
+                                  </p:childTnLst>
+                                </p:cTn>
+                              </p:par>
+                            </p:childTnLst>
+                          </p:cTn>
+                        </p:par>
+                      </p:childTnLst>
+                    </p:cTn>
+                  </p:par>
+                  <p:par>
+                    <p:cTn id="54" fill="hold">
+                      <p:stCondLst>
+                        <p:cond delay="indefinite"/>
+                      </p:stCondLst>
+                      <p:childTnLst>
+                        <p:par>
+                          <p:cTn id="55" fill="hold">
+                            <p:stCondLst>
+                              <p:cond delay="0"/>
+                            </p:stCondLst>
+                            <p:childTnLst>
+                              <p:par>
+                                <p:cTn id="56" presetID="9" presetClass="entr" presetSubtype="0" fill="hold" nodeType="clickEffect">
+                                  <p:stCondLst>
+                                    <p:cond delay="0"/>
+                                  </p:stCondLst>
+                                  <p:childTnLst>
+                                    <p:set>
+                                      <p:cBhvr>
+                                        <p:cTn id="57" dur="1" fill="hold">
+                                          <p:stCondLst>
+                                            <p:cond delay="0"/>
+                                          </p:stCondLst>
+                                        </p:cTn>
+                                        <p:tgtEl>
+                                          <p:spTgt spid="3">
+                                            <p:txEl>
+                                              <p:pRg st="9" end="9"/>
+                                            </p:txEl>
+                                          </p:spTgt>
+                                        </p:tgtEl>
+                                        <p:attrNameLst>
+                                          <p:attrName>style.visibility</p:attrName>
+                                        </p:attrNameLst>
+                                      </p:cBhvr>
+                                      <p:to>
+                                        <p:strVal val="visible"/>
+                                      </p:to>
+                                    </p:set>
+                                    <p:animEffect transition="in" filter="dissolve">
+                                      <p:cBhvr>
+                                        <p:cTn id="58" dur="500"/>
+                                        <p:tgtEl>
+                                          <p:spTgt spid="3">
+                                            <p:txEl>
+                                              <p:pRg st="9" end="9"/>
+                                            </p:txEl>
+                                          </p:spTgt>
+                                        </p:tgtEl>
+                                      </p:cBhvr>
+                                    </p:animEffect>
+                                  </p:childTnLst>
+                                </p:cTn>
+                              </p:par>
+                            </p:childTnLst>
+                          </p:cTn>
+                        </p:par>
+                        <p:par>
+                          <p:cTn id="59" fill="hold">
+                            <p:stCondLst>
+                              <p:cond delay="500"/>
+                            </p:stCondLst>
+                            <p:childTnLst>
+                              <p:par>
+                                <p:cTn id="60" presetID="22" presetClass="entr" presetSubtype="8" fill="hold" grpId="0" nodeType="afterEffect">
+                                  <p:stCondLst>
+                                    <p:cond delay="0"/>
+                                  </p:stCondLst>
+                                  <p:childTnLst>
+                                    <p:set>
+                                      <p:cBhvr>
+                                        <p:cTn id="61" dur="1" fill="hold">
+                                          <p:stCondLst>
+                                            <p:cond delay="0"/>
+                                          </p:stCondLst>
+                                        </p:cTn>
+                                        <p:tgtEl>
+                                          <p:spTgt spid="11"/>
+                                        </p:tgtEl>
+                                        <p:attrNameLst>
+                                          <p:attrName>style.visibility</p:attrName>
+                                        </p:attrNameLst>
+                                      </p:cBhvr>
+                                      <p:to>
+                                        <p:strVal val="visible"/>
+                                      </p:to>
+                                    </p:set>
+                                    <p:animEffect transition="in" filter="wipe(left)">
+                                      <p:cBhvr>
+                                        <p:cTn id="62" dur="1000"/>
+                                        <p:tgtEl>
+                                          <p:spTgt spid="11"/>
+                                        </p:tgtEl>
+                                      </p:cBhvr>
+                                    </p:animEffect>
+                                  </p:childTnLst>
+                                </p:cTn>
+                              </p:par>
+                            </p:childTnLst>
+                          </p:cTn>
+                        </p:par>
+                        <p:par>
+                          <p:cTn id="63" fill="hold">
+                            <p:stCondLst>
+                              <p:cond delay="1500"/>
+                            </p:stCondLst>
+                            <p:childTnLst>
+                              <p:par>
+                                <p:cTn id="64" presetID="22" presetClass="entr" presetSubtype="8" fill="hold" grpId="0" nodeType="afterEffect">
+                                  <p:stCondLst>
+                                    <p:cond delay="0"/>
+                                  </p:stCondLst>
+                                  <p:childTnLst>
+                                    <p:set>
+                                      <p:cBhvr>
+                                        <p:cTn id="65" dur="1" fill="hold">
+                                          <p:stCondLst>
+                                            <p:cond delay="0"/>
+                                          </p:stCondLst>
+                                        </p:cTn>
+                                        <p:tgtEl>
+                                          <p:spTgt spid="12"/>
+                                        </p:tgtEl>
+                                        <p:attrNameLst>
+                                          <p:attrName>style.visibility</p:attrName>
+                                        </p:attrNameLst>
+                                      </p:cBhvr>
+                                      <p:to>
+                                        <p:strVal val="visible"/>
+                                      </p:to>
+                                    </p:set>
+                                    <p:animEffect transition="in" filter="wipe(left)">
+                                      <p:cBhvr>
+                                        <p:cTn id="66" dur="1000"/>
+                                        <p:tgtEl>
+                                          <p:spTgt spid="12"/>
+                                        </p:tgtEl>
+                                      </p:cBhvr>
+                                    </p:animEffect>
+                                  </p:childTnLst>
+                                </p:cTn>
+                              </p:par>
+                            </p:childTnLst>
+                          </p:cTn>
+                        </p:par>
+                      </p:childTnLst>
+                    </p:cTn>
+                  </p:par>
+                </p:childTnLst>
+              </p:cTn>
+              <p:prevCondLst>
+                <p:cond evt="onPrev" delay="0">
+                  <p:tgtEl>
+                    <p:sldTgt/>
+                  </p:tgtEl>
+                </p:cond>
+              </p:prevCondLst>
+              <p:nextCondLst>
+                <p:cond evt="onNext" delay="0">
+                  <p:tgtEl>
+                    <p:sldTgt/>
+                  </p:tgtEl>
+                </p:cond>
+              </p:nextCondLst>
+            </p:seq>
+          </p:childTnLst>
+        </p:cTn>
+      </p:par>
+    </p:tnLst>
+    <p:bldLst>
+      <p:bldP spid="6" grpId="0" animBg="1"/>
+      <p:bldP spid="7" grpId="0" animBg="1"/>
+      <p:bldP spid="9" grpId="0" animBg="1"/>
+      <p:bldP spid="10" grpId="0" animBg="1"/>
+      <p:bldP spid="11" grpId="0" animBg="1"/>
+      <p:bldP spid="12" grpId="0" animBg="1"/>
+    </p:bldLst>
+  </p:timing>
 </p:sld>
 </file>
 
@@ -23087,10 +26106,10 @@
       </p:grpSpPr>
       <p:sp>
         <p:nvSpPr>
-          <p:cNvPr id="2" name="Title 1">
+          <p:cNvPr id="4" name="Date Placeholder 3">
             <a:extLst>
               <a:ext uri="{FF2B5EF4-FFF2-40B4-BE49-F238E27FC236}">
-                <a16:creationId xmlns:a16="http://schemas.microsoft.com/office/drawing/2014/main" id="{9D8D6E4C-FC36-3E4C-9387-96DD20072D9D}"/>
+                <a16:creationId xmlns:a16="http://schemas.microsoft.com/office/drawing/2014/main" id="{0CD670A9-B06A-3448-BABA-FAD627500859}"/>
               </a:ext>
             </a:extLst>
           </p:cNvPr>
@@ -23098,32 +26117,28 @@
             <a:spLocks noGrp="1"/>
           </p:cNvSpPr>
           <p:nvPr>
-            <p:ph type="ctrTitle"/>
+            <p:ph type="dt" sz="half" idx="10"/>
           </p:nvPr>
         </p:nvSpPr>
-        <p:spPr>
-          <a:xfrm>
-            <a:off x="1524000" y="914013"/>
-            <a:ext cx="9144000" cy="2387600"/>
-          </a:xfrm>
-        </p:spPr>
+        <p:spPr/>
         <p:txBody>
           <a:bodyPr/>
           <a:lstStyle/>
           <a:p>
             <a:r>
-              <a:rPr lang="en-US" dirty="0"/>
-              <a:t>Part V</a:t>
-            </a:r>
-          </a:p>
-        </p:txBody>
-      </p:sp>
-      <p:sp>
-        <p:nvSpPr>
-          <p:cNvPr id="3" name="Subtitle 2">
+              <a:rPr lang="en-US"/>
+              <a:t>World Wide Technology ©</a:t>
+            </a:r>
+            <a:endParaRPr lang="en-US" dirty="0"/>
+          </a:p>
+        </p:txBody>
+      </p:sp>
+      <p:sp>
+        <p:nvSpPr>
+          <p:cNvPr id="5" name="Slide Number Placeholder 4">
             <a:extLst>
               <a:ext uri="{FF2B5EF4-FFF2-40B4-BE49-F238E27FC236}">
-                <a16:creationId xmlns:a16="http://schemas.microsoft.com/office/drawing/2014/main" id="{0451A0DE-9D64-5A48-94B5-5B4E42709819}"/>
+                <a16:creationId xmlns:a16="http://schemas.microsoft.com/office/drawing/2014/main" id="{119DACAD-17C1-C249-A498-C4A1A1ADD334}"/>
               </a:ext>
             </a:extLst>
           </p:cNvPr>
@@ -23131,27 +26146,19 @@
             <a:spLocks noGrp="1"/>
           </p:cNvSpPr>
           <p:nvPr>
-            <p:ph type="subTitle" idx="1"/>
+            <p:ph type="sldNum" sz="quarter" idx="12"/>
           </p:nvPr>
         </p:nvSpPr>
-        <p:spPr>
-          <a:xfrm>
-            <a:off x="1524000" y="3393688"/>
-            <a:ext cx="9144000" cy="1655762"/>
-          </a:xfrm>
-        </p:spPr>
+        <p:spPr/>
         <p:txBody>
           <a:bodyPr/>
           <a:lstStyle/>
           <a:p>
-            <a:r>
-              <a:rPr lang="en-US" dirty="0"/>
-              <a:t>Interact With Cisco Platform APIs Using </a:t>
-            </a:r>
-            <a:r>
-              <a:rPr lang="en-US" dirty="0" err="1"/>
-              <a:t>cURL</a:t>
-            </a:r>
+            <a:fld id="{A44B02FA-DD2D-1844-AE35-8B2EAB0CF4EF}" type="slidenum">
+              <a:rPr lang="en-US" smtClean="0"/>
+              <a:pPr/>
+              <a:t>38</a:t>
+            </a:fld>
             <a:endParaRPr lang="en-US" dirty="0"/>
           </a:p>
         </p:txBody>
@@ -23159,7 +26166,7 @@
     </p:spTree>
     <p:extLst>
       <p:ext uri="{BB962C8B-B14F-4D97-AF65-F5344CB8AC3E}">
-        <p14:creationId xmlns:p14="http://schemas.microsoft.com/office/powerpoint/2010/main" val="2203929534"/>
+        <p14:creationId xmlns:p14="http://schemas.microsoft.com/office/powerpoint/2010/main" val="78327124"/>
       </p:ext>
     </p:extLst>
   </p:cSld>
@@ -23200,10 +26207,336 @@
       </p:grpSpPr>
       <p:sp>
         <p:nvSpPr>
+          <p:cNvPr id="3" name="Content Placeholder 2">
+            <a:extLst>
+              <a:ext uri="{FF2B5EF4-FFF2-40B4-BE49-F238E27FC236}">
+                <a16:creationId xmlns:a16="http://schemas.microsoft.com/office/drawing/2014/main" id="{4CB23FD9-ADE0-084E-A8CC-44CA0BA25AB3}"/>
+              </a:ext>
+            </a:extLst>
+          </p:cNvPr>
+          <p:cNvSpPr>
+            <a:spLocks noGrp="1"/>
+          </p:cNvSpPr>
+          <p:nvPr>
+            <p:ph idx="1"/>
+          </p:nvPr>
+        </p:nvSpPr>
+        <p:spPr/>
+        <p:txBody>
+          <a:bodyPr>
+            <a:normAutofit/>
+          </a:bodyPr>
+          <a:lstStyle/>
+          <a:p>
+            <a:pPr marL="0" indent="0">
+              <a:buNone/>
+            </a:pPr>
+            <a:r>
+              <a:rPr lang="en-US" sz="2400" b="1" i="1" dirty="0">
+                <a:solidFill>
+                  <a:srgbClr val="FFFF00"/>
+                </a:solidFill>
+              </a:rPr>
+              <a:t>curl --</a:t>
+            </a:r>
+            <a:r>
+              <a:rPr lang="en-US" sz="2400" b="1" i="1" dirty="0" err="1">
+                <a:solidFill>
+                  <a:srgbClr val="FFFF00"/>
+                </a:solidFill>
+              </a:rPr>
+              <a:t>url</a:t>
+            </a:r>
+            <a:r>
+              <a:rPr lang="en-US" sz="2400" b="1" i="1" dirty="0">
+                <a:solidFill>
+                  <a:srgbClr val="FFFF00"/>
+                </a:solidFill>
+              </a:rPr>
+              <a:t> https://</a:t>
+            </a:r>
+            <a:r>
+              <a:rPr lang="en-US" sz="2400" b="1" i="1" dirty="0" err="1">
+                <a:solidFill>
+                  <a:srgbClr val="FFFF00"/>
+                </a:solidFill>
+              </a:rPr>
+              <a:t>api.meraki.com</a:t>
+            </a:r>
+            <a:r>
+              <a:rPr lang="en-US" sz="2400" b="1" i="1" dirty="0">
+                <a:solidFill>
+                  <a:srgbClr val="FFFF00"/>
+                </a:solidFill>
+              </a:rPr>
+              <a:t>/</a:t>
+            </a:r>
+            <a:r>
+              <a:rPr lang="en-US" sz="2400" b="1" i="1" dirty="0" err="1">
+                <a:solidFill>
+                  <a:srgbClr val="FFFF00"/>
+                </a:solidFill>
+              </a:rPr>
+              <a:t>api</a:t>
+            </a:r>
+            <a:r>
+              <a:rPr lang="en-US" sz="2400" b="1" i="1" dirty="0">
+                <a:solidFill>
+                  <a:srgbClr val="FFFF00"/>
+                </a:solidFill>
+              </a:rPr>
+              <a:t>/v0/organizations \</a:t>
+            </a:r>
+          </a:p>
+          <a:p>
+            <a:pPr marL="0" indent="0">
+              <a:buNone/>
+            </a:pPr>
+            <a:r>
+              <a:rPr lang="en-US" sz="2400" b="1" i="1" dirty="0">
+                <a:solidFill>
+                  <a:srgbClr val="FFFF00"/>
+                </a:solidFill>
+              </a:rPr>
+              <a:t>-H X-Cisco-Meraki-API-Key:$MERAKI_API_KEY \</a:t>
+            </a:r>
+          </a:p>
+          <a:p>
+            <a:pPr marL="0" indent="0">
+              <a:buNone/>
+            </a:pPr>
+            <a:r>
+              <a:rPr lang="en-US" sz="2400" b="1" i="1" dirty="0">
+                <a:solidFill>
+                  <a:srgbClr val="FFFF00"/>
+                </a:solidFill>
+              </a:rPr>
+              <a:t>-H 'Accept: */*' -</a:t>
+            </a:r>
+            <a:r>
+              <a:rPr lang="en-US" sz="2400" b="1" i="1" dirty="0" err="1">
+                <a:solidFill>
+                  <a:srgbClr val="FFFF00"/>
+                </a:solidFill>
+              </a:rPr>
+              <a:t>i</a:t>
+            </a:r>
+            <a:endParaRPr lang="en-US" sz="2400" b="1" i="1" dirty="0">
+              <a:solidFill>
+                <a:srgbClr val="FFFF00"/>
+              </a:solidFill>
+            </a:endParaRPr>
+          </a:p>
+          <a:p>
+            <a:r>
+              <a:rPr lang="en-US" sz="2400" dirty="0"/>
+              <a:t>Send a GET request to https://</a:t>
+            </a:r>
+            <a:r>
+              <a:rPr lang="en-US" sz="2400" dirty="0" err="1"/>
+              <a:t>api.meraki.com</a:t>
+            </a:r>
+            <a:r>
+              <a:rPr lang="en-US" sz="2400" dirty="0"/>
+              <a:t>/</a:t>
+            </a:r>
+            <a:r>
+              <a:rPr lang="en-US" sz="2400" dirty="0" err="1"/>
+              <a:t>api</a:t>
+            </a:r>
+            <a:r>
+              <a:rPr lang="en-US" sz="2400" dirty="0"/>
+              <a:t>/v0/organizations</a:t>
+            </a:r>
+          </a:p>
+          <a:p>
+            <a:r>
+              <a:rPr lang="en-US" sz="2400" dirty="0"/>
+              <a:t>Include a header to send an API key for authorization</a:t>
+            </a:r>
+          </a:p>
+          <a:p>
+            <a:r>
+              <a:rPr lang="en-US" sz="2400" dirty="0"/>
+              <a:t>Include a header to indicate we will only accept any response format</a:t>
+            </a:r>
+          </a:p>
+          <a:p>
+            <a:r>
+              <a:rPr lang="en-US" sz="2400" dirty="0"/>
+              <a:t>Display the response headers in the terminal</a:t>
+            </a:r>
+          </a:p>
+        </p:txBody>
+      </p:sp>
+      <p:sp>
+        <p:nvSpPr>
+          <p:cNvPr id="11" name="Rectangle 10">
+            <a:extLst>
+              <a:ext uri="{FF2B5EF4-FFF2-40B4-BE49-F238E27FC236}">
+                <a16:creationId xmlns:a16="http://schemas.microsoft.com/office/drawing/2014/main" id="{1100B6A1-8FC9-164E-B48D-5AEB1EF6BDB2}"/>
+              </a:ext>
+            </a:extLst>
+          </p:cNvPr>
+          <p:cNvSpPr/>
+          <p:nvPr/>
+        </p:nvSpPr>
+        <p:spPr>
+          <a:xfrm>
+            <a:off x="909614" y="2309906"/>
+            <a:ext cx="6020907" cy="346075"/>
+          </a:xfrm>
+          <a:prstGeom prst="rect">
+            <a:avLst/>
+          </a:prstGeom>
+          <a:solidFill>
+            <a:schemeClr val="tx1">
+              <a:alpha val="40000"/>
+            </a:schemeClr>
+          </a:solidFill>
+          <a:ln>
+            <a:noFill/>
+          </a:ln>
+        </p:spPr>
+        <p:style>
+          <a:lnRef idx="2">
+            <a:schemeClr val="accent1">
+              <a:shade val="50000"/>
+            </a:schemeClr>
+          </a:lnRef>
+          <a:fillRef idx="1">
+            <a:schemeClr val="accent1"/>
+          </a:fillRef>
+          <a:effectRef idx="0">
+            <a:schemeClr val="accent1"/>
+          </a:effectRef>
+          <a:fontRef idx="minor">
+            <a:schemeClr val="lt1"/>
+          </a:fontRef>
+        </p:style>
+        <p:txBody>
+          <a:bodyPr rtlCol="0" anchor="ctr"/>
+          <a:lstStyle/>
+          <a:p>
+            <a:pPr algn="ctr"/>
+            <a:endParaRPr lang="en-US" dirty="0"/>
+          </a:p>
+        </p:txBody>
+      </p:sp>
+      <p:sp>
+        <p:nvSpPr>
+          <p:cNvPr id="7" name="Rectangle 6">
+            <a:extLst>
+              <a:ext uri="{FF2B5EF4-FFF2-40B4-BE49-F238E27FC236}">
+                <a16:creationId xmlns:a16="http://schemas.microsoft.com/office/drawing/2014/main" id="{D7F10BD3-DB22-7043-8433-B6CE34EB4FEE}"/>
+              </a:ext>
+            </a:extLst>
+          </p:cNvPr>
+          <p:cNvSpPr/>
+          <p:nvPr/>
+        </p:nvSpPr>
+        <p:spPr>
+          <a:xfrm>
+            <a:off x="909614" y="1863769"/>
+            <a:ext cx="7149718" cy="346075"/>
+          </a:xfrm>
+          <a:prstGeom prst="rect">
+            <a:avLst/>
+          </a:prstGeom>
+          <a:solidFill>
+            <a:schemeClr val="tx1">
+              <a:alpha val="40000"/>
+            </a:schemeClr>
+          </a:solidFill>
+          <a:ln>
+            <a:noFill/>
+          </a:ln>
+        </p:spPr>
+        <p:style>
+          <a:lnRef idx="2">
+            <a:schemeClr val="accent1">
+              <a:shade val="50000"/>
+            </a:schemeClr>
+          </a:lnRef>
+          <a:fillRef idx="1">
+            <a:schemeClr val="accent1"/>
+          </a:fillRef>
+          <a:effectRef idx="0">
+            <a:schemeClr val="accent1"/>
+          </a:effectRef>
+          <a:fontRef idx="minor">
+            <a:schemeClr val="lt1"/>
+          </a:fontRef>
+        </p:style>
+        <p:txBody>
+          <a:bodyPr rtlCol="0" anchor="ctr"/>
+          <a:lstStyle/>
+          <a:p>
+            <a:pPr algn="ctr"/>
+            <a:endParaRPr lang="en-US" dirty="0"/>
+          </a:p>
+        </p:txBody>
+      </p:sp>
+      <p:sp>
+        <p:nvSpPr>
+          <p:cNvPr id="12" name="Rectangle 11">
+            <a:extLst>
+              <a:ext uri="{FF2B5EF4-FFF2-40B4-BE49-F238E27FC236}">
+                <a16:creationId xmlns:a16="http://schemas.microsoft.com/office/drawing/2014/main" id="{F0D062B1-76F5-1E43-B067-441BE8AF1B26}"/>
+              </a:ext>
+            </a:extLst>
+          </p:cNvPr>
+          <p:cNvSpPr/>
+          <p:nvPr/>
+        </p:nvSpPr>
+        <p:spPr>
+          <a:xfrm>
+            <a:off x="909614" y="2762349"/>
+            <a:ext cx="1978629" cy="346075"/>
+          </a:xfrm>
+          <a:prstGeom prst="rect">
+            <a:avLst/>
+          </a:prstGeom>
+          <a:solidFill>
+            <a:schemeClr val="tx1">
+              <a:alpha val="40000"/>
+            </a:schemeClr>
+          </a:solidFill>
+          <a:ln>
+            <a:noFill/>
+          </a:ln>
+        </p:spPr>
+        <p:style>
+          <a:lnRef idx="2">
+            <a:schemeClr val="accent1">
+              <a:shade val="50000"/>
+            </a:schemeClr>
+          </a:lnRef>
+          <a:fillRef idx="1">
+            <a:schemeClr val="accent1"/>
+          </a:fillRef>
+          <a:effectRef idx="0">
+            <a:schemeClr val="accent1"/>
+          </a:effectRef>
+          <a:fontRef idx="minor">
+            <a:schemeClr val="lt1"/>
+          </a:fontRef>
+        </p:style>
+        <p:txBody>
+          <a:bodyPr rtlCol="0" anchor="ctr"/>
+          <a:lstStyle/>
+          <a:p>
+            <a:pPr algn="ctr"/>
+            <a:endParaRPr lang="en-US" dirty="0"/>
+          </a:p>
+        </p:txBody>
+      </p:sp>
+      <p:sp>
+        <p:nvSpPr>
           <p:cNvPr id="2" name="Title 1">
             <a:extLst>
               <a:ext uri="{FF2B5EF4-FFF2-40B4-BE49-F238E27FC236}">
-                <a16:creationId xmlns:a16="http://schemas.microsoft.com/office/drawing/2014/main" id="{EB7C4089-1746-624B-8E73-D3DAB8E88CDD}"/>
+                <a16:creationId xmlns:a16="http://schemas.microsoft.com/office/drawing/2014/main" id="{AC0D55DF-385E-9A4F-AB08-FEBC11990B8B}"/>
               </a:ext>
             </a:extLst>
           </p:cNvPr>
@@ -23221,110 +26554,7 @@
           <a:p>
             <a:r>
               <a:rPr lang="en-US" dirty="0"/>
-              <a:t>Outline</a:t>
-            </a:r>
-          </a:p>
-        </p:txBody>
-      </p:sp>
-      <p:sp>
-        <p:nvSpPr>
-          <p:cNvPr id="3" name="Content Placeholder 2">
-            <a:extLst>
-              <a:ext uri="{FF2B5EF4-FFF2-40B4-BE49-F238E27FC236}">
-                <a16:creationId xmlns:a16="http://schemas.microsoft.com/office/drawing/2014/main" id="{65426B10-0364-A849-B3A4-1D0DA409155A}"/>
-              </a:ext>
-            </a:extLst>
-          </p:cNvPr>
-          <p:cNvSpPr>
-            <a:spLocks noGrp="1"/>
-          </p:cNvSpPr>
-          <p:nvPr>
-            <p:ph idx="1"/>
-          </p:nvPr>
-        </p:nvSpPr>
-        <p:spPr/>
-        <p:txBody>
-          <a:bodyPr/>
-          <a:lstStyle/>
-          <a:p>
-            <a:r>
-              <a:rPr lang="en-US" dirty="0"/>
-              <a:t>For each of these platforms:</a:t>
-            </a:r>
-          </a:p>
-          <a:p>
-            <a:pPr lvl="1"/>
-            <a:r>
-              <a:rPr lang="en-US" dirty="0"/>
-              <a:t>DNAC</a:t>
-            </a:r>
-          </a:p>
-          <a:p>
-            <a:pPr lvl="1"/>
-            <a:r>
-              <a:rPr lang="en-US" dirty="0" err="1"/>
-              <a:t>Webex</a:t>
-            </a:r>
-            <a:r>
-              <a:rPr lang="en-US" dirty="0"/>
-              <a:t> Teams</a:t>
-            </a:r>
-          </a:p>
-          <a:p>
-            <a:pPr lvl="1"/>
-            <a:r>
-              <a:rPr lang="en-US" dirty="0"/>
-              <a:t>Meraki</a:t>
-            </a:r>
-          </a:p>
-          <a:p>
-            <a:pPr lvl="1"/>
-            <a:r>
-              <a:rPr lang="en-US" dirty="0"/>
-              <a:t>ACI</a:t>
-            </a:r>
-          </a:p>
-          <a:p>
-            <a:r>
-              <a:rPr lang="en-US" dirty="0"/>
-              <a:t>Perform the following tasks:</a:t>
-            </a:r>
-          </a:p>
-          <a:p>
-            <a:pPr lvl="1"/>
-            <a:r>
-              <a:rPr lang="en-US" dirty="0"/>
-              <a:t>Understand authentication methodology</a:t>
-            </a:r>
-          </a:p>
-          <a:p>
-            <a:pPr lvl="1"/>
-            <a:r>
-              <a:rPr lang="en-US" dirty="0"/>
-              <a:t>Build </a:t>
-            </a:r>
-            <a:r>
-              <a:rPr lang="en-US" dirty="0" err="1"/>
-              <a:t>cURL</a:t>
-            </a:r>
-            <a:r>
-              <a:rPr lang="en-US" dirty="0"/>
-              <a:t> request to authenticate</a:t>
-            </a:r>
-          </a:p>
-          <a:p>
-            <a:pPr lvl="1"/>
-            <a:r>
-              <a:rPr lang="en-US" dirty="0"/>
-              <a:t>Build </a:t>
-            </a:r>
-            <a:r>
-              <a:rPr lang="en-US" dirty="0" err="1"/>
-              <a:t>cURL</a:t>
-            </a:r>
-            <a:r>
-              <a:rPr lang="en-US" dirty="0"/>
-              <a:t> request(s) to read/write data</a:t>
+              <a:t>Python Requests Code Examples</a:t>
             </a:r>
           </a:p>
         </p:txBody>
@@ -23334,7 +26564,7 @@
           <p:cNvPr id="4" name="Date Placeholder 3">
             <a:extLst>
               <a:ext uri="{FF2B5EF4-FFF2-40B4-BE49-F238E27FC236}">
-                <a16:creationId xmlns:a16="http://schemas.microsoft.com/office/drawing/2014/main" id="{7ECEAF79-F4AC-E94E-9E55-220D0D396924}"/>
+                <a16:creationId xmlns:a16="http://schemas.microsoft.com/office/drawing/2014/main" id="{6E8781CE-B8A7-7540-B619-28D099093D8B}"/>
               </a:ext>
             </a:extLst>
           </p:cNvPr>
@@ -23363,7 +26593,7 @@
           <p:cNvPr id="5" name="Slide Number Placeholder 4">
             <a:extLst>
               <a:ext uri="{FF2B5EF4-FFF2-40B4-BE49-F238E27FC236}">
-                <a16:creationId xmlns:a16="http://schemas.microsoft.com/office/drawing/2014/main" id="{372DC1A4-CE8B-DB4A-8F86-2508518C35D3}"/>
+                <a16:creationId xmlns:a16="http://schemas.microsoft.com/office/drawing/2014/main" id="{222BEAA2-2326-1F4D-9BCE-0FC3EC23B201}"/>
               </a:ext>
             </a:extLst>
           </p:cNvPr>
@@ -23388,10 +26618,64 @@
           </a:p>
         </p:txBody>
       </p:sp>
+      <p:sp>
+        <p:nvSpPr>
+          <p:cNvPr id="14" name="Rectangle 13">
+            <a:extLst>
+              <a:ext uri="{FF2B5EF4-FFF2-40B4-BE49-F238E27FC236}">
+                <a16:creationId xmlns:a16="http://schemas.microsoft.com/office/drawing/2014/main" id="{703DD973-53B4-D748-BA5C-78AAF3C74B72}"/>
+              </a:ext>
+            </a:extLst>
+          </p:cNvPr>
+          <p:cNvSpPr/>
+          <p:nvPr/>
+        </p:nvSpPr>
+        <p:spPr>
+          <a:xfrm>
+            <a:off x="2888243" y="2763417"/>
+            <a:ext cx="283779" cy="346075"/>
+          </a:xfrm>
+          <a:prstGeom prst="rect">
+            <a:avLst/>
+          </a:prstGeom>
+          <a:solidFill>
+            <a:schemeClr val="tx1">
+              <a:alpha val="40000"/>
+            </a:schemeClr>
+          </a:solidFill>
+          <a:ln>
+            <a:noFill/>
+          </a:ln>
+        </p:spPr>
+        <p:style>
+          <a:lnRef idx="2">
+            <a:schemeClr val="accent1">
+              <a:shade val="50000"/>
+            </a:schemeClr>
+          </a:lnRef>
+          <a:fillRef idx="1">
+            <a:schemeClr val="accent1"/>
+          </a:fillRef>
+          <a:effectRef idx="0">
+            <a:schemeClr val="accent1"/>
+          </a:effectRef>
+          <a:fontRef idx="minor">
+            <a:schemeClr val="lt1"/>
+          </a:fontRef>
+        </p:style>
+        <p:txBody>
+          <a:bodyPr rtlCol="0" anchor="ctr"/>
+          <a:lstStyle/>
+          <a:p>
+            <a:pPr algn="ctr"/>
+            <a:endParaRPr lang="en-US" dirty="0"/>
+          </a:p>
+        </p:txBody>
+      </p:sp>
     </p:spTree>
     <p:extLst>
       <p:ext uri="{BB962C8B-B14F-4D97-AF65-F5344CB8AC3E}">
-        <p14:creationId xmlns:p14="http://schemas.microsoft.com/office/powerpoint/2010/main" val="2063027843"/>
+        <p14:creationId xmlns:p14="http://schemas.microsoft.com/office/powerpoint/2010/main" val="2140970284"/>
       </p:ext>
     </p:extLst>
   </p:cSld>
@@ -23410,6 +26694,627 @@
       </p:transition>
     </mc:Fallback>
   </mc:AlternateContent>
+  <p:timing>
+    <p:tnLst>
+      <p:par>
+        <p:cTn id="1" dur="indefinite" restart="never" nodeType="tmRoot">
+          <p:childTnLst>
+            <p:seq concurrent="1" nextAc="seek">
+              <p:cTn id="2" dur="indefinite" nodeType="mainSeq">
+                <p:childTnLst>
+                  <p:par>
+                    <p:cTn id="3" fill="hold">
+                      <p:stCondLst>
+                        <p:cond delay="indefinite"/>
+                      </p:stCondLst>
+                      <p:childTnLst>
+                        <p:par>
+                          <p:cTn id="4" fill="hold">
+                            <p:stCondLst>
+                              <p:cond delay="0"/>
+                            </p:stCondLst>
+                            <p:childTnLst>
+                              <p:par>
+                                <p:cTn id="5" presetID="22" presetClass="entr" presetSubtype="8" fill="hold" nodeType="clickEffect">
+                                  <p:stCondLst>
+                                    <p:cond delay="0"/>
+                                  </p:stCondLst>
+                                  <p:childTnLst>
+                                    <p:set>
+                                      <p:cBhvr>
+                                        <p:cTn id="6" dur="1" fill="hold">
+                                          <p:stCondLst>
+                                            <p:cond delay="0"/>
+                                          </p:stCondLst>
+                                        </p:cTn>
+                                        <p:tgtEl>
+                                          <p:spTgt spid="3">
+                                            <p:txEl>
+                                              <p:pRg st="0" end="0"/>
+                                            </p:txEl>
+                                          </p:spTgt>
+                                        </p:tgtEl>
+                                        <p:attrNameLst>
+                                          <p:attrName>style.visibility</p:attrName>
+                                        </p:attrNameLst>
+                                      </p:cBhvr>
+                                      <p:to>
+                                        <p:strVal val="visible"/>
+                                      </p:to>
+                                    </p:set>
+                                    <p:animEffect transition="in" filter="wipe(left)">
+                                      <p:cBhvr>
+                                        <p:cTn id="7" dur="2000"/>
+                                        <p:tgtEl>
+                                          <p:spTgt spid="3">
+                                            <p:txEl>
+                                              <p:pRg st="0" end="0"/>
+                                            </p:txEl>
+                                          </p:spTgt>
+                                        </p:tgtEl>
+                                      </p:cBhvr>
+                                    </p:animEffect>
+                                  </p:childTnLst>
+                                </p:cTn>
+                              </p:par>
+                            </p:childTnLst>
+                          </p:cTn>
+                        </p:par>
+                        <p:par>
+                          <p:cTn id="8" fill="hold">
+                            <p:stCondLst>
+                              <p:cond delay="2000"/>
+                            </p:stCondLst>
+                            <p:childTnLst>
+                              <p:par>
+                                <p:cTn id="9" presetID="22" presetClass="entr" presetSubtype="8" fill="hold" nodeType="afterEffect">
+                                  <p:stCondLst>
+                                    <p:cond delay="0"/>
+                                  </p:stCondLst>
+                                  <p:childTnLst>
+                                    <p:set>
+                                      <p:cBhvr>
+                                        <p:cTn id="10" dur="1" fill="hold">
+                                          <p:stCondLst>
+                                            <p:cond delay="0"/>
+                                          </p:stCondLst>
+                                        </p:cTn>
+                                        <p:tgtEl>
+                                          <p:spTgt spid="3">
+                                            <p:txEl>
+                                              <p:pRg st="1" end="1"/>
+                                            </p:txEl>
+                                          </p:spTgt>
+                                        </p:tgtEl>
+                                        <p:attrNameLst>
+                                          <p:attrName>style.visibility</p:attrName>
+                                        </p:attrNameLst>
+                                      </p:cBhvr>
+                                      <p:to>
+                                        <p:strVal val="visible"/>
+                                      </p:to>
+                                    </p:set>
+                                    <p:animEffect transition="in" filter="wipe(left)">
+                                      <p:cBhvr>
+                                        <p:cTn id="11" dur="2000"/>
+                                        <p:tgtEl>
+                                          <p:spTgt spid="3">
+                                            <p:txEl>
+                                              <p:pRg st="1" end="1"/>
+                                            </p:txEl>
+                                          </p:spTgt>
+                                        </p:tgtEl>
+                                      </p:cBhvr>
+                                    </p:animEffect>
+                                  </p:childTnLst>
+                                </p:cTn>
+                              </p:par>
+                            </p:childTnLst>
+                          </p:cTn>
+                        </p:par>
+                        <p:par>
+                          <p:cTn id="12" fill="hold">
+                            <p:stCondLst>
+                              <p:cond delay="4000"/>
+                            </p:stCondLst>
+                            <p:childTnLst>
+                              <p:par>
+                                <p:cTn id="13" presetID="22" presetClass="entr" presetSubtype="8" fill="hold" nodeType="afterEffect">
+                                  <p:stCondLst>
+                                    <p:cond delay="0"/>
+                                  </p:stCondLst>
+                                  <p:childTnLst>
+                                    <p:set>
+                                      <p:cBhvr>
+                                        <p:cTn id="14" dur="1" fill="hold">
+                                          <p:stCondLst>
+                                            <p:cond delay="0"/>
+                                          </p:stCondLst>
+                                        </p:cTn>
+                                        <p:tgtEl>
+                                          <p:spTgt spid="3">
+                                            <p:txEl>
+                                              <p:pRg st="2" end="2"/>
+                                            </p:txEl>
+                                          </p:spTgt>
+                                        </p:tgtEl>
+                                        <p:attrNameLst>
+                                          <p:attrName>style.visibility</p:attrName>
+                                        </p:attrNameLst>
+                                      </p:cBhvr>
+                                      <p:to>
+                                        <p:strVal val="visible"/>
+                                      </p:to>
+                                    </p:set>
+                                    <p:animEffect transition="in" filter="wipe(left)">
+                                      <p:cBhvr>
+                                        <p:cTn id="15" dur="1000"/>
+                                        <p:tgtEl>
+                                          <p:spTgt spid="3">
+                                            <p:txEl>
+                                              <p:pRg st="2" end="2"/>
+                                            </p:txEl>
+                                          </p:spTgt>
+                                        </p:tgtEl>
+                                      </p:cBhvr>
+                                    </p:animEffect>
+                                  </p:childTnLst>
+                                </p:cTn>
+                              </p:par>
+                            </p:childTnLst>
+                          </p:cTn>
+                        </p:par>
+                      </p:childTnLst>
+                    </p:cTn>
+                  </p:par>
+                  <p:par>
+                    <p:cTn id="16" fill="hold">
+                      <p:stCondLst>
+                        <p:cond delay="indefinite"/>
+                      </p:stCondLst>
+                      <p:childTnLst>
+                        <p:par>
+                          <p:cTn id="17" fill="hold">
+                            <p:stCondLst>
+                              <p:cond delay="0"/>
+                            </p:stCondLst>
+                            <p:childTnLst>
+                              <p:par>
+                                <p:cTn id="18" presetID="9" presetClass="entr" presetSubtype="0" fill="hold" nodeType="clickEffect">
+                                  <p:stCondLst>
+                                    <p:cond delay="0"/>
+                                  </p:stCondLst>
+                                  <p:childTnLst>
+                                    <p:set>
+                                      <p:cBhvr>
+                                        <p:cTn id="19" dur="1" fill="hold">
+                                          <p:stCondLst>
+                                            <p:cond delay="0"/>
+                                          </p:stCondLst>
+                                        </p:cTn>
+                                        <p:tgtEl>
+                                          <p:spTgt spid="3">
+                                            <p:txEl>
+                                              <p:pRg st="3" end="3"/>
+                                            </p:txEl>
+                                          </p:spTgt>
+                                        </p:tgtEl>
+                                        <p:attrNameLst>
+                                          <p:attrName>style.visibility</p:attrName>
+                                        </p:attrNameLst>
+                                      </p:cBhvr>
+                                      <p:to>
+                                        <p:strVal val="visible"/>
+                                      </p:to>
+                                    </p:set>
+                                    <p:animEffect transition="in" filter="dissolve">
+                                      <p:cBhvr>
+                                        <p:cTn id="20" dur="500"/>
+                                        <p:tgtEl>
+                                          <p:spTgt spid="3">
+                                            <p:txEl>
+                                              <p:pRg st="3" end="3"/>
+                                            </p:txEl>
+                                          </p:spTgt>
+                                        </p:tgtEl>
+                                      </p:cBhvr>
+                                    </p:animEffect>
+                                  </p:childTnLst>
+                                </p:cTn>
+                              </p:par>
+                            </p:childTnLst>
+                          </p:cTn>
+                        </p:par>
+                        <p:par>
+                          <p:cTn id="21" fill="hold">
+                            <p:stCondLst>
+                              <p:cond delay="500"/>
+                            </p:stCondLst>
+                            <p:childTnLst>
+                              <p:par>
+                                <p:cTn id="22" presetID="22" presetClass="entr" presetSubtype="8" fill="hold" grpId="0" nodeType="afterEffect">
+                                  <p:stCondLst>
+                                    <p:cond delay="500"/>
+                                  </p:stCondLst>
+                                  <p:childTnLst>
+                                    <p:set>
+                                      <p:cBhvr>
+                                        <p:cTn id="23" dur="1" fill="hold">
+                                          <p:stCondLst>
+                                            <p:cond delay="0"/>
+                                          </p:stCondLst>
+                                        </p:cTn>
+                                        <p:tgtEl>
+                                          <p:spTgt spid="7"/>
+                                        </p:tgtEl>
+                                        <p:attrNameLst>
+                                          <p:attrName>style.visibility</p:attrName>
+                                        </p:attrNameLst>
+                                      </p:cBhvr>
+                                      <p:to>
+                                        <p:strVal val="visible"/>
+                                      </p:to>
+                                    </p:set>
+                                    <p:animEffect transition="in" filter="wipe(left)">
+                                      <p:cBhvr>
+                                        <p:cTn id="24" dur="1000"/>
+                                        <p:tgtEl>
+                                          <p:spTgt spid="7"/>
+                                        </p:tgtEl>
+                                      </p:cBhvr>
+                                    </p:animEffect>
+                                  </p:childTnLst>
+                                </p:cTn>
+                              </p:par>
+                            </p:childTnLst>
+                          </p:cTn>
+                        </p:par>
+                      </p:childTnLst>
+                    </p:cTn>
+                  </p:par>
+                  <p:par>
+                    <p:cTn id="25" fill="hold">
+                      <p:stCondLst>
+                        <p:cond delay="indefinite"/>
+                      </p:stCondLst>
+                      <p:childTnLst>
+                        <p:par>
+                          <p:cTn id="26" fill="hold">
+                            <p:stCondLst>
+                              <p:cond delay="0"/>
+                            </p:stCondLst>
+                            <p:childTnLst>
+                              <p:par>
+                                <p:cTn id="27" presetID="9" presetClass="entr" presetSubtype="0" fill="hold" nodeType="clickEffect">
+                                  <p:stCondLst>
+                                    <p:cond delay="0"/>
+                                  </p:stCondLst>
+                                  <p:childTnLst>
+                                    <p:set>
+                                      <p:cBhvr>
+                                        <p:cTn id="28" dur="1" fill="hold">
+                                          <p:stCondLst>
+                                            <p:cond delay="0"/>
+                                          </p:stCondLst>
+                                        </p:cTn>
+                                        <p:tgtEl>
+                                          <p:spTgt spid="3">
+                                            <p:txEl>
+                                              <p:pRg st="4" end="4"/>
+                                            </p:txEl>
+                                          </p:spTgt>
+                                        </p:tgtEl>
+                                        <p:attrNameLst>
+                                          <p:attrName>style.visibility</p:attrName>
+                                        </p:attrNameLst>
+                                      </p:cBhvr>
+                                      <p:to>
+                                        <p:strVal val="visible"/>
+                                      </p:to>
+                                    </p:set>
+                                    <p:animEffect transition="in" filter="dissolve">
+                                      <p:cBhvr>
+                                        <p:cTn id="29" dur="500"/>
+                                        <p:tgtEl>
+                                          <p:spTgt spid="3">
+                                            <p:txEl>
+                                              <p:pRg st="4" end="4"/>
+                                            </p:txEl>
+                                          </p:spTgt>
+                                        </p:tgtEl>
+                                      </p:cBhvr>
+                                    </p:animEffect>
+                                  </p:childTnLst>
+                                </p:cTn>
+                              </p:par>
+                            </p:childTnLst>
+                          </p:cTn>
+                        </p:par>
+                        <p:par>
+                          <p:cTn id="30" fill="hold">
+                            <p:stCondLst>
+                              <p:cond delay="500"/>
+                            </p:stCondLst>
+                            <p:childTnLst>
+                              <p:par>
+                                <p:cTn id="31" presetID="22" presetClass="entr" presetSubtype="8" fill="hold" grpId="0" nodeType="afterEffect">
+                                  <p:stCondLst>
+                                    <p:cond delay="500"/>
+                                  </p:stCondLst>
+                                  <p:childTnLst>
+                                    <p:set>
+                                      <p:cBhvr>
+                                        <p:cTn id="32" dur="1" fill="hold">
+                                          <p:stCondLst>
+                                            <p:cond delay="0"/>
+                                          </p:stCondLst>
+                                        </p:cTn>
+                                        <p:tgtEl>
+                                          <p:spTgt spid="11"/>
+                                        </p:tgtEl>
+                                        <p:attrNameLst>
+                                          <p:attrName>style.visibility</p:attrName>
+                                        </p:attrNameLst>
+                                      </p:cBhvr>
+                                      <p:to>
+                                        <p:strVal val="visible"/>
+                                      </p:to>
+                                    </p:set>
+                                    <p:animEffect transition="in" filter="wipe(left)">
+                                      <p:cBhvr>
+                                        <p:cTn id="33" dur="1000"/>
+                                        <p:tgtEl>
+                                          <p:spTgt spid="11"/>
+                                        </p:tgtEl>
+                                      </p:cBhvr>
+                                    </p:animEffect>
+                                  </p:childTnLst>
+                                </p:cTn>
+                              </p:par>
+                            </p:childTnLst>
+                          </p:cTn>
+                        </p:par>
+                      </p:childTnLst>
+                    </p:cTn>
+                  </p:par>
+                  <p:par>
+                    <p:cTn id="34" fill="hold">
+                      <p:stCondLst>
+                        <p:cond delay="indefinite"/>
+                      </p:stCondLst>
+                      <p:childTnLst>
+                        <p:par>
+                          <p:cTn id="35" fill="hold">
+                            <p:stCondLst>
+                              <p:cond delay="0"/>
+                            </p:stCondLst>
+                            <p:childTnLst>
+                              <p:par>
+                                <p:cTn id="36" presetID="9" presetClass="entr" presetSubtype="0" fill="hold" nodeType="clickEffect">
+                                  <p:stCondLst>
+                                    <p:cond delay="0"/>
+                                  </p:stCondLst>
+                                  <p:childTnLst>
+                                    <p:set>
+                                      <p:cBhvr>
+                                        <p:cTn id="37" dur="1" fill="hold">
+                                          <p:stCondLst>
+                                            <p:cond delay="0"/>
+                                          </p:stCondLst>
+                                        </p:cTn>
+                                        <p:tgtEl>
+                                          <p:spTgt spid="3">
+                                            <p:txEl>
+                                              <p:pRg st="5" end="5"/>
+                                            </p:txEl>
+                                          </p:spTgt>
+                                        </p:tgtEl>
+                                        <p:attrNameLst>
+                                          <p:attrName>style.visibility</p:attrName>
+                                        </p:attrNameLst>
+                                      </p:cBhvr>
+                                      <p:to>
+                                        <p:strVal val="visible"/>
+                                      </p:to>
+                                    </p:set>
+                                    <p:animEffect transition="in" filter="dissolve">
+                                      <p:cBhvr>
+                                        <p:cTn id="38" dur="500"/>
+                                        <p:tgtEl>
+                                          <p:spTgt spid="3">
+                                            <p:txEl>
+                                              <p:pRg st="5" end="5"/>
+                                            </p:txEl>
+                                          </p:spTgt>
+                                        </p:tgtEl>
+                                      </p:cBhvr>
+                                    </p:animEffect>
+                                  </p:childTnLst>
+                                </p:cTn>
+                              </p:par>
+                            </p:childTnLst>
+                          </p:cTn>
+                        </p:par>
+                        <p:par>
+                          <p:cTn id="39" fill="hold">
+                            <p:stCondLst>
+                              <p:cond delay="500"/>
+                            </p:stCondLst>
+                            <p:childTnLst>
+                              <p:par>
+                                <p:cTn id="40" presetID="22" presetClass="entr" presetSubtype="8" fill="hold" grpId="0" nodeType="afterEffect">
+                                  <p:stCondLst>
+                                    <p:cond delay="500"/>
+                                  </p:stCondLst>
+                                  <p:childTnLst>
+                                    <p:set>
+                                      <p:cBhvr>
+                                        <p:cTn id="41" dur="1" fill="hold">
+                                          <p:stCondLst>
+                                            <p:cond delay="0"/>
+                                          </p:stCondLst>
+                                        </p:cTn>
+                                        <p:tgtEl>
+                                          <p:spTgt spid="12"/>
+                                        </p:tgtEl>
+                                        <p:attrNameLst>
+                                          <p:attrName>style.visibility</p:attrName>
+                                        </p:attrNameLst>
+                                      </p:cBhvr>
+                                      <p:to>
+                                        <p:strVal val="visible"/>
+                                      </p:to>
+                                    </p:set>
+                                    <p:animEffect transition="in" filter="wipe(left)">
+                                      <p:cBhvr>
+                                        <p:cTn id="42" dur="500"/>
+                                        <p:tgtEl>
+                                          <p:spTgt spid="12"/>
+                                        </p:tgtEl>
+                                      </p:cBhvr>
+                                    </p:animEffect>
+                                  </p:childTnLst>
+                                </p:cTn>
+                              </p:par>
+                            </p:childTnLst>
+                          </p:cTn>
+                        </p:par>
+                      </p:childTnLst>
+                    </p:cTn>
+                  </p:par>
+                  <p:par>
+                    <p:cTn id="43" fill="hold">
+                      <p:stCondLst>
+                        <p:cond delay="indefinite"/>
+                      </p:stCondLst>
+                      <p:childTnLst>
+                        <p:par>
+                          <p:cTn id="44" fill="hold">
+                            <p:stCondLst>
+                              <p:cond delay="0"/>
+                            </p:stCondLst>
+                            <p:childTnLst>
+                              <p:par>
+                                <p:cTn id="45" presetID="9" presetClass="entr" presetSubtype="0" fill="hold" nodeType="clickEffect">
+                                  <p:stCondLst>
+                                    <p:cond delay="0"/>
+                                  </p:stCondLst>
+                                  <p:childTnLst>
+                                    <p:set>
+                                      <p:cBhvr>
+                                        <p:cTn id="46" dur="1" fill="hold">
+                                          <p:stCondLst>
+                                            <p:cond delay="0"/>
+                                          </p:stCondLst>
+                                        </p:cTn>
+                                        <p:tgtEl>
+                                          <p:spTgt spid="3">
+                                            <p:txEl>
+                                              <p:pRg st="6" end="6"/>
+                                            </p:txEl>
+                                          </p:spTgt>
+                                        </p:tgtEl>
+                                        <p:attrNameLst>
+                                          <p:attrName>style.visibility</p:attrName>
+                                        </p:attrNameLst>
+                                      </p:cBhvr>
+                                      <p:to>
+                                        <p:strVal val="visible"/>
+                                      </p:to>
+                                    </p:set>
+                                    <p:animEffect transition="in" filter="dissolve">
+                                      <p:cBhvr>
+                                        <p:cTn id="47" dur="500"/>
+                                        <p:tgtEl>
+                                          <p:spTgt spid="3">
+                                            <p:txEl>
+                                              <p:pRg st="6" end="6"/>
+                                            </p:txEl>
+                                          </p:spTgt>
+                                        </p:tgtEl>
+                                      </p:cBhvr>
+                                    </p:animEffect>
+                                  </p:childTnLst>
+                                </p:cTn>
+                              </p:par>
+                            </p:childTnLst>
+                          </p:cTn>
+                        </p:par>
+                        <p:par>
+                          <p:cTn id="48" fill="hold">
+                            <p:stCondLst>
+                              <p:cond delay="500"/>
+                            </p:stCondLst>
+                            <p:childTnLst>
+                              <p:par>
+                                <p:cTn id="49" presetID="22" presetClass="entr" presetSubtype="8" fill="hold" grpId="0" nodeType="afterEffect">
+                                  <p:stCondLst>
+                                    <p:cond delay="500"/>
+                                  </p:stCondLst>
+                                  <p:childTnLst>
+                                    <p:set>
+                                      <p:cBhvr>
+                                        <p:cTn id="50" dur="1" fill="hold">
+                                          <p:stCondLst>
+                                            <p:cond delay="0"/>
+                                          </p:stCondLst>
+                                        </p:cTn>
+                                        <p:tgtEl>
+                                          <p:spTgt spid="14"/>
+                                        </p:tgtEl>
+                                        <p:attrNameLst>
+                                          <p:attrName>style.visibility</p:attrName>
+                                        </p:attrNameLst>
+                                      </p:cBhvr>
+                                      <p:to>
+                                        <p:strVal val="visible"/>
+                                      </p:to>
+                                    </p:set>
+                                    <p:animEffect transition="in" filter="wipe(left)">
+                                      <p:cBhvr>
+                                        <p:cTn id="51" dur="250"/>
+                                        <p:tgtEl>
+                                          <p:spTgt spid="14"/>
+                                        </p:tgtEl>
+                                      </p:cBhvr>
+                                    </p:animEffect>
+                                  </p:childTnLst>
+                                </p:cTn>
+                              </p:par>
+                            </p:childTnLst>
+                          </p:cTn>
+                        </p:par>
+                      </p:childTnLst>
+                    </p:cTn>
+                  </p:par>
+                </p:childTnLst>
+              </p:cTn>
+              <p:prevCondLst>
+                <p:cond evt="onPrev" delay="0">
+                  <p:tgtEl>
+                    <p:sldTgt/>
+                  </p:tgtEl>
+                </p:cond>
+              </p:prevCondLst>
+              <p:nextCondLst>
+                <p:cond evt="onNext" delay="0">
+                  <p:tgtEl>
+                    <p:sldTgt/>
+                  </p:tgtEl>
+                </p:cond>
+              </p:nextCondLst>
+            </p:seq>
+          </p:childTnLst>
+        </p:cTn>
+      </p:par>
+    </p:tnLst>
+    <p:bldLst>
+      <p:bldP spid="11" grpId="0" animBg="1"/>
+      <p:bldP spid="7" grpId="0" animBg="1"/>
+      <p:bldP spid="12" grpId="0" animBg="1"/>
+      <p:bldP spid="14" grpId="0" animBg="1"/>
+    </p:bldLst>
+  </p:timing>
 </p:sld>
 </file>
 
@@ -23533,10 +27438,10 @@
       </p:grpSpPr>
       <p:sp>
         <p:nvSpPr>
-          <p:cNvPr id="2" name="Title 1">
+          <p:cNvPr id="4" name="Date Placeholder 3">
             <a:extLst>
               <a:ext uri="{FF2B5EF4-FFF2-40B4-BE49-F238E27FC236}">
-                <a16:creationId xmlns:a16="http://schemas.microsoft.com/office/drawing/2014/main" id="{9D8D6E4C-FC36-3E4C-9387-96DD20072D9D}"/>
+                <a16:creationId xmlns:a16="http://schemas.microsoft.com/office/drawing/2014/main" id="{0CD670A9-B06A-3448-BABA-FAD627500859}"/>
               </a:ext>
             </a:extLst>
           </p:cNvPr>
@@ -23544,32 +27449,28 @@
             <a:spLocks noGrp="1"/>
           </p:cNvSpPr>
           <p:nvPr>
-            <p:ph type="ctrTitle"/>
+            <p:ph type="dt" sz="half" idx="10"/>
           </p:nvPr>
         </p:nvSpPr>
-        <p:spPr>
-          <a:xfrm>
-            <a:off x="1524000" y="914013"/>
-            <a:ext cx="9144000" cy="2387600"/>
-          </a:xfrm>
-        </p:spPr>
+        <p:spPr/>
         <p:txBody>
           <a:bodyPr/>
           <a:lstStyle/>
           <a:p>
             <a:r>
-              <a:rPr lang="en-US" dirty="0"/>
-              <a:t>Part VI</a:t>
-            </a:r>
-          </a:p>
-        </p:txBody>
-      </p:sp>
-      <p:sp>
-        <p:nvSpPr>
-          <p:cNvPr id="3" name="Subtitle 2">
+              <a:rPr lang="en-US"/>
+              <a:t>World Wide Technology ©</a:t>
+            </a:r>
+            <a:endParaRPr lang="en-US" dirty="0"/>
+          </a:p>
+        </p:txBody>
+      </p:sp>
+      <p:sp>
+        <p:nvSpPr>
+          <p:cNvPr id="5" name="Slide Number Placeholder 4">
             <a:extLst>
               <a:ext uri="{FF2B5EF4-FFF2-40B4-BE49-F238E27FC236}">
-                <a16:creationId xmlns:a16="http://schemas.microsoft.com/office/drawing/2014/main" id="{0451A0DE-9D64-5A48-94B5-5B4E42709819}"/>
+                <a16:creationId xmlns:a16="http://schemas.microsoft.com/office/drawing/2014/main" id="{119DACAD-17C1-C249-A498-C4A1A1ADD334}"/>
               </a:ext>
             </a:extLst>
           </p:cNvPr>
@@ -23577,30 +27478,27 @@
             <a:spLocks noGrp="1"/>
           </p:cNvSpPr>
           <p:nvPr>
-            <p:ph type="subTitle" idx="1"/>
+            <p:ph type="sldNum" sz="quarter" idx="12"/>
           </p:nvPr>
         </p:nvSpPr>
-        <p:spPr>
-          <a:xfrm>
-            <a:off x="1524000" y="3393688"/>
-            <a:ext cx="9144000" cy="1655762"/>
-          </a:xfrm>
-        </p:spPr>
+        <p:spPr/>
         <p:txBody>
           <a:bodyPr/>
           <a:lstStyle/>
           <a:p>
-            <a:r>
-              <a:rPr lang="en-US" dirty="0"/>
-              <a:t>Interact With Cisco Platform APIs Using Python Requests</a:t>
-            </a:r>
+            <a:fld id="{A44B02FA-DD2D-1844-AE35-8B2EAB0CF4EF}" type="slidenum">
+              <a:rPr lang="en-US" smtClean="0"/>
+              <a:pPr/>
+              <a:t>40</a:t>
+            </a:fld>
+            <a:endParaRPr lang="en-US" dirty="0"/>
           </a:p>
         </p:txBody>
       </p:sp>
     </p:spTree>
     <p:extLst>
       <p:ext uri="{BB962C8B-B14F-4D97-AF65-F5344CB8AC3E}">
-        <p14:creationId xmlns:p14="http://schemas.microsoft.com/office/powerpoint/2010/main" val="4218248441"/>
+        <p14:creationId xmlns:p14="http://schemas.microsoft.com/office/powerpoint/2010/main" val="3025731542"/>
       </p:ext>
     </p:extLst>
   </p:cSld>
@@ -23641,10 +27539,156 @@
       </p:grpSpPr>
       <p:sp>
         <p:nvSpPr>
+          <p:cNvPr id="3" name="Content Placeholder 2">
+            <a:extLst>
+              <a:ext uri="{FF2B5EF4-FFF2-40B4-BE49-F238E27FC236}">
+                <a16:creationId xmlns:a16="http://schemas.microsoft.com/office/drawing/2014/main" id="{4CB23FD9-ADE0-084E-A8CC-44CA0BA25AB3}"/>
+              </a:ext>
+            </a:extLst>
+          </p:cNvPr>
+          <p:cNvSpPr>
+            <a:spLocks noGrp="1"/>
+          </p:cNvSpPr>
+          <p:nvPr>
+            <p:ph idx="1"/>
+          </p:nvPr>
+        </p:nvSpPr>
+        <p:spPr/>
+        <p:txBody>
+          <a:bodyPr>
+            <a:normAutofit/>
+          </a:bodyPr>
+          <a:lstStyle/>
+          <a:p>
+            <a:pPr marL="0" indent="0">
+              <a:buNone/>
+            </a:pPr>
+            <a:r>
+              <a:rPr lang="en-US" sz="2400" b="1" i="1" dirty="0">
+                <a:solidFill>
+                  <a:srgbClr val="FFFF00"/>
+                </a:solidFill>
+              </a:rPr>
+              <a:t>curl --</a:t>
+            </a:r>
+            <a:r>
+              <a:rPr lang="en-US" sz="2400" b="1" i="1" dirty="0" err="1">
+                <a:solidFill>
+                  <a:srgbClr val="FFFF00"/>
+                </a:solidFill>
+              </a:rPr>
+              <a:t>url</a:t>
+            </a:r>
+            <a:r>
+              <a:rPr lang="en-US" sz="2400" b="1" i="1" dirty="0">
+                <a:solidFill>
+                  <a:srgbClr val="FFFF00"/>
+                </a:solidFill>
+              </a:rPr>
+              <a:t> https://</a:t>
+            </a:r>
+            <a:r>
+              <a:rPr lang="en-US" sz="2400" b="1" i="1" dirty="0" err="1">
+                <a:solidFill>
+                  <a:srgbClr val="FFFF00"/>
+                </a:solidFill>
+              </a:rPr>
+              <a:t>api.meraki.com</a:t>
+            </a:r>
+            <a:r>
+              <a:rPr lang="en-US" sz="2400" b="1" i="1" dirty="0">
+                <a:solidFill>
+                  <a:srgbClr val="FFFF00"/>
+                </a:solidFill>
+              </a:rPr>
+              <a:t>/</a:t>
+            </a:r>
+            <a:r>
+              <a:rPr lang="en-US" sz="2400" b="1" i="1" dirty="0" err="1">
+                <a:solidFill>
+                  <a:srgbClr val="FFFF00"/>
+                </a:solidFill>
+              </a:rPr>
+              <a:t>api</a:t>
+            </a:r>
+            <a:r>
+              <a:rPr lang="en-US" sz="2400" b="1" i="1" dirty="0">
+                <a:solidFill>
+                  <a:srgbClr val="FFFF00"/>
+                </a:solidFill>
+              </a:rPr>
+              <a:t>/v0/organizations \</a:t>
+            </a:r>
+          </a:p>
+          <a:p>
+            <a:pPr marL="0" indent="0">
+              <a:buNone/>
+            </a:pPr>
+            <a:r>
+              <a:rPr lang="en-US" sz="2400" b="1" i="1" dirty="0">
+                <a:solidFill>
+                  <a:srgbClr val="FFFF00"/>
+                </a:solidFill>
+              </a:rPr>
+              <a:t>-H X-Cisco-Meraki-API-Key:$MERAKI_API_KEY \</a:t>
+            </a:r>
+          </a:p>
+          <a:p>
+            <a:pPr marL="0" indent="0">
+              <a:buNone/>
+            </a:pPr>
+            <a:r>
+              <a:rPr lang="en-US" sz="2400" b="1" i="1" dirty="0">
+                <a:solidFill>
+                  <a:srgbClr val="FFFF00"/>
+                </a:solidFill>
+              </a:rPr>
+              <a:t>-H 'Accept: */*' -</a:t>
+            </a:r>
+            <a:r>
+              <a:rPr lang="en-US" sz="2400" b="1" i="1" dirty="0" err="1">
+                <a:solidFill>
+                  <a:srgbClr val="FFFF00"/>
+                </a:solidFill>
+              </a:rPr>
+              <a:t>i</a:t>
+            </a:r>
+            <a:r>
+              <a:rPr lang="en-US" sz="2400" b="1" i="1" dirty="0">
+                <a:solidFill>
+                  <a:srgbClr val="FFFF00"/>
+                </a:solidFill>
+              </a:rPr>
+              <a:t> \</a:t>
+            </a:r>
+          </a:p>
+          <a:p>
+            <a:pPr marL="0" indent="0">
+              <a:buNone/>
+            </a:pPr>
+            <a:r>
+              <a:rPr lang="en-US" sz="2400" b="1" i="1" dirty="0">
+                <a:solidFill>
+                  <a:srgbClr val="FFFF00"/>
+                </a:solidFill>
+              </a:rPr>
+              <a:t>-L</a:t>
+            </a:r>
+          </a:p>
+          <a:p>
+            <a:r>
+              <a:rPr lang="en-US" sz="2400" dirty="0"/>
+              <a:t>Follow redirects</a:t>
+            </a:r>
+          </a:p>
+        </p:txBody>
+      </p:sp>
+      <p:sp>
+        <p:nvSpPr>
           <p:cNvPr id="2" name="Title 1">
             <a:extLst>
               <a:ext uri="{FF2B5EF4-FFF2-40B4-BE49-F238E27FC236}">
-                <a16:creationId xmlns:a16="http://schemas.microsoft.com/office/drawing/2014/main" id="{EB7C4089-1746-624B-8E73-D3DAB8E88CDD}"/>
+                <a16:creationId xmlns:a16="http://schemas.microsoft.com/office/drawing/2014/main" id="{AC0D55DF-385E-9A4F-AB08-FEBC11990B8B}"/>
               </a:ext>
             </a:extLst>
           </p:cNvPr>
@@ -23662,94 +27706,7 @@
           <a:p>
             <a:r>
               <a:rPr lang="en-US" dirty="0"/>
-              <a:t>Outline</a:t>
-            </a:r>
-          </a:p>
-        </p:txBody>
-      </p:sp>
-      <p:sp>
-        <p:nvSpPr>
-          <p:cNvPr id="3" name="Content Placeholder 2">
-            <a:extLst>
-              <a:ext uri="{FF2B5EF4-FFF2-40B4-BE49-F238E27FC236}">
-                <a16:creationId xmlns:a16="http://schemas.microsoft.com/office/drawing/2014/main" id="{65426B10-0364-A849-B3A4-1D0DA409155A}"/>
-              </a:ext>
-            </a:extLst>
-          </p:cNvPr>
-          <p:cNvSpPr>
-            <a:spLocks noGrp="1"/>
-          </p:cNvSpPr>
-          <p:nvPr>
-            <p:ph idx="1"/>
-          </p:nvPr>
-        </p:nvSpPr>
-        <p:spPr/>
-        <p:txBody>
-          <a:bodyPr/>
-          <a:lstStyle/>
-          <a:p>
-            <a:r>
-              <a:rPr lang="en-US" dirty="0"/>
-              <a:t>For each of these platforms:</a:t>
-            </a:r>
-          </a:p>
-          <a:p>
-            <a:pPr lvl="1"/>
-            <a:r>
-              <a:rPr lang="en-US" dirty="0"/>
-              <a:t>DNAC</a:t>
-            </a:r>
-          </a:p>
-          <a:p>
-            <a:pPr lvl="1"/>
-            <a:r>
-              <a:rPr lang="en-US" dirty="0" err="1"/>
-              <a:t>Webex</a:t>
-            </a:r>
-            <a:r>
-              <a:rPr lang="en-US" dirty="0"/>
-              <a:t> Teams</a:t>
-            </a:r>
-          </a:p>
-          <a:p>
-            <a:pPr lvl="1"/>
-            <a:r>
-              <a:rPr lang="en-US" dirty="0"/>
-              <a:t>Meraki</a:t>
-            </a:r>
-          </a:p>
-          <a:p>
-            <a:pPr lvl="1"/>
-            <a:r>
-              <a:rPr lang="en-US" dirty="0"/>
-              <a:t>ACI</a:t>
-            </a:r>
-          </a:p>
-          <a:p>
-            <a:r>
-              <a:rPr lang="en-US" dirty="0"/>
-              <a:t>Perform the following tasks:</a:t>
-            </a:r>
-          </a:p>
-          <a:p>
-            <a:pPr lvl="1"/>
-            <a:r>
-              <a:rPr lang="en-US" dirty="0"/>
-              <a:t>Review authentication methodology</a:t>
-            </a:r>
-          </a:p>
-          <a:p>
-            <a:pPr lvl="1"/>
-            <a:r>
-              <a:rPr lang="en-US" dirty="0"/>
-              <a:t>Build Python scripts to authenticate</a:t>
-            </a:r>
-          </a:p>
-          <a:p>
-            <a:pPr lvl="1"/>
-            <a:r>
-              <a:rPr lang="en-US" dirty="0"/>
-              <a:t>Build Python scripts to read/write data</a:t>
+              <a:t>Python Requests Code Examples</a:t>
             </a:r>
           </a:p>
         </p:txBody>
@@ -23759,7 +27716,7 @@
           <p:cNvPr id="4" name="Date Placeholder 3">
             <a:extLst>
               <a:ext uri="{FF2B5EF4-FFF2-40B4-BE49-F238E27FC236}">
-                <a16:creationId xmlns:a16="http://schemas.microsoft.com/office/drawing/2014/main" id="{7ECEAF79-F4AC-E94E-9E55-220D0D396924}"/>
+                <a16:creationId xmlns:a16="http://schemas.microsoft.com/office/drawing/2014/main" id="{6E8781CE-B8A7-7540-B619-28D099093D8B}"/>
               </a:ext>
             </a:extLst>
           </p:cNvPr>
@@ -23788,7 +27745,7 @@
           <p:cNvPr id="5" name="Slide Number Placeholder 4">
             <a:extLst>
               <a:ext uri="{FF2B5EF4-FFF2-40B4-BE49-F238E27FC236}">
-                <a16:creationId xmlns:a16="http://schemas.microsoft.com/office/drawing/2014/main" id="{372DC1A4-CE8B-DB4A-8F86-2508518C35D3}"/>
+                <a16:creationId xmlns:a16="http://schemas.microsoft.com/office/drawing/2014/main" id="{222BEAA2-2326-1F4D-9BCE-0FC3EC23B201}"/>
               </a:ext>
             </a:extLst>
           </p:cNvPr>
@@ -23816,7 +27773,7 @@
     </p:spTree>
     <p:extLst>
       <p:ext uri="{BB962C8B-B14F-4D97-AF65-F5344CB8AC3E}">
-        <p14:creationId xmlns:p14="http://schemas.microsoft.com/office/powerpoint/2010/main" val="232106193"/>
+        <p14:creationId xmlns:p14="http://schemas.microsoft.com/office/powerpoint/2010/main" val="2094831133"/>
       </p:ext>
     </p:extLst>
   </p:cSld>
@@ -23835,6 +27792,149 @@
       </p:transition>
     </mc:Fallback>
   </mc:AlternateContent>
+  <p:timing>
+    <p:tnLst>
+      <p:par>
+        <p:cTn id="1" dur="indefinite" restart="never" nodeType="tmRoot">
+          <p:childTnLst>
+            <p:seq concurrent="1" nextAc="seek">
+              <p:cTn id="2" dur="indefinite" nodeType="mainSeq">
+                <p:childTnLst>
+                  <p:par>
+                    <p:cTn id="3" fill="hold">
+                      <p:stCondLst>
+                        <p:cond delay="indefinite"/>
+                      </p:stCondLst>
+                      <p:childTnLst>
+                        <p:par>
+                          <p:cTn id="4" fill="hold">
+                            <p:stCondLst>
+                              <p:cond delay="0"/>
+                            </p:stCondLst>
+                            <p:childTnLst>
+                              <p:par>
+                                <p:cTn id="5" presetID="22" presetClass="entr" presetSubtype="8" fill="hold" nodeType="clickEffect">
+                                  <p:stCondLst>
+                                    <p:cond delay="0"/>
+                                  </p:stCondLst>
+                                  <p:childTnLst>
+                                    <p:set>
+                                      <p:cBhvr>
+                                        <p:cTn id="6" dur="1" fill="hold">
+                                          <p:stCondLst>
+                                            <p:cond delay="0"/>
+                                          </p:stCondLst>
+                                        </p:cTn>
+                                        <p:tgtEl>
+                                          <p:spTgt spid="3">
+                                            <p:txEl>
+                                              <p:pRg st="3" end="3"/>
+                                            </p:txEl>
+                                          </p:spTgt>
+                                        </p:tgtEl>
+                                        <p:attrNameLst>
+                                          <p:attrName>style.visibility</p:attrName>
+                                        </p:attrNameLst>
+                                      </p:cBhvr>
+                                      <p:to>
+                                        <p:strVal val="visible"/>
+                                      </p:to>
+                                    </p:set>
+                                    <p:animEffect transition="in" filter="wipe(left)">
+                                      <p:cBhvr>
+                                        <p:cTn id="7" dur="500"/>
+                                        <p:tgtEl>
+                                          <p:spTgt spid="3">
+                                            <p:txEl>
+                                              <p:pRg st="3" end="3"/>
+                                            </p:txEl>
+                                          </p:spTgt>
+                                        </p:tgtEl>
+                                      </p:cBhvr>
+                                    </p:animEffect>
+                                  </p:childTnLst>
+                                </p:cTn>
+                              </p:par>
+                            </p:childTnLst>
+                          </p:cTn>
+                        </p:par>
+                        <p:par>
+                          <p:cTn id="8" fill="hold">
+                            <p:stCondLst>
+                              <p:cond delay="500"/>
+                            </p:stCondLst>
+                            <p:childTnLst>
+                              <p:par>
+                                <p:cTn id="9" presetID="9" presetClass="entr" presetSubtype="0" fill="hold" nodeType="afterEffect">
+                                  <p:stCondLst>
+                                    <p:cond delay="500"/>
+                                  </p:stCondLst>
+                                  <p:childTnLst>
+                                    <p:set>
+                                      <p:cBhvr>
+                                        <p:cTn id="10" dur="1" fill="hold">
+                                          <p:stCondLst>
+                                            <p:cond delay="0"/>
+                                          </p:stCondLst>
+                                        </p:cTn>
+                                        <p:tgtEl>
+                                          <p:spTgt spid="3">
+                                            <p:txEl>
+                                              <p:pRg st="4" end="4"/>
+                                            </p:txEl>
+                                          </p:spTgt>
+                                        </p:tgtEl>
+                                        <p:attrNameLst>
+                                          <p:attrName>style.visibility</p:attrName>
+                                        </p:attrNameLst>
+                                      </p:cBhvr>
+                                      <p:to>
+                                        <p:strVal val="visible"/>
+                                      </p:to>
+                                    </p:set>
+                                    <p:animEffect transition="in" filter="dissolve">
+                                      <p:cBhvr>
+                                        <p:cTn id="11" dur="500"/>
+                                        <p:tgtEl>
+                                          <p:spTgt spid="3">
+                                            <p:txEl>
+                                              <p:pRg st="4" end="4"/>
+                                            </p:txEl>
+                                          </p:spTgt>
+                                        </p:tgtEl>
+                                      </p:cBhvr>
+                                    </p:animEffect>
+                                  </p:childTnLst>
+                                </p:cTn>
+                              </p:par>
+                            </p:childTnLst>
+                          </p:cTn>
+                        </p:par>
+                      </p:childTnLst>
+                    </p:cTn>
+                  </p:par>
+                </p:childTnLst>
+              </p:cTn>
+              <p:prevCondLst>
+                <p:cond evt="onPrev" delay="0">
+                  <p:tgtEl>
+                    <p:sldTgt/>
+                  </p:tgtEl>
+                </p:cond>
+              </p:prevCondLst>
+              <p:nextCondLst>
+                <p:cond evt="onNext" delay="0">
+                  <p:tgtEl>
+                    <p:sldTgt/>
+                  </p:tgtEl>
+                </p:cond>
+              </p:nextCondLst>
+            </p:seq>
+          </p:childTnLst>
+        </p:cTn>
+      </p:par>
+    </p:tnLst>
+  </p:timing>
 </p:sld>
 </file>
 
@@ -23857,10 +27957,10 @@
       </p:grpSpPr>
       <p:sp>
         <p:nvSpPr>
-          <p:cNvPr id="2" name="Title 1">
+          <p:cNvPr id="4" name="Date Placeholder 3">
             <a:extLst>
               <a:ext uri="{FF2B5EF4-FFF2-40B4-BE49-F238E27FC236}">
-                <a16:creationId xmlns:a16="http://schemas.microsoft.com/office/drawing/2014/main" id="{9D8D6E4C-FC36-3E4C-9387-96DD20072D9D}"/>
+                <a16:creationId xmlns:a16="http://schemas.microsoft.com/office/drawing/2014/main" id="{0CD670A9-B06A-3448-BABA-FAD627500859}"/>
               </a:ext>
             </a:extLst>
           </p:cNvPr>
@@ -23868,32 +27968,28 @@
             <a:spLocks noGrp="1"/>
           </p:cNvSpPr>
           <p:nvPr>
-            <p:ph type="ctrTitle"/>
+            <p:ph type="dt" sz="half" idx="10"/>
           </p:nvPr>
         </p:nvSpPr>
-        <p:spPr>
-          <a:xfrm>
-            <a:off x="1524000" y="914013"/>
-            <a:ext cx="9144000" cy="2387600"/>
-          </a:xfrm>
-        </p:spPr>
+        <p:spPr/>
         <p:txBody>
           <a:bodyPr/>
           <a:lstStyle/>
           <a:p>
             <a:r>
-              <a:rPr lang="en-US" dirty="0"/>
-              <a:t>Part VII</a:t>
-            </a:r>
-          </a:p>
-        </p:txBody>
-      </p:sp>
-      <p:sp>
-        <p:nvSpPr>
-          <p:cNvPr id="3" name="Subtitle 2">
+              <a:rPr lang="en-US"/>
+              <a:t>World Wide Technology ©</a:t>
+            </a:r>
+            <a:endParaRPr lang="en-US" dirty="0"/>
+          </a:p>
+        </p:txBody>
+      </p:sp>
+      <p:sp>
+        <p:nvSpPr>
+          <p:cNvPr id="5" name="Slide Number Placeholder 4">
             <a:extLst>
               <a:ext uri="{FF2B5EF4-FFF2-40B4-BE49-F238E27FC236}">
-                <a16:creationId xmlns:a16="http://schemas.microsoft.com/office/drawing/2014/main" id="{0451A0DE-9D64-5A48-94B5-5B4E42709819}"/>
+                <a16:creationId xmlns:a16="http://schemas.microsoft.com/office/drawing/2014/main" id="{119DACAD-17C1-C249-A498-C4A1A1ADD334}"/>
               </a:ext>
             </a:extLst>
           </p:cNvPr>
@@ -23901,30 +27997,27 @@
             <a:spLocks noGrp="1"/>
           </p:cNvSpPr>
           <p:nvPr>
-            <p:ph type="subTitle" idx="1"/>
+            <p:ph type="sldNum" sz="quarter" idx="12"/>
           </p:nvPr>
         </p:nvSpPr>
-        <p:spPr>
-          <a:xfrm>
-            <a:off x="1524000" y="3393688"/>
-            <a:ext cx="9144000" cy="1655762"/>
-          </a:xfrm>
-        </p:spPr>
+        <p:spPr/>
         <p:txBody>
           <a:bodyPr/>
           <a:lstStyle/>
           <a:p>
-            <a:r>
-              <a:rPr lang="en-US" dirty="0"/>
-              <a:t>Quiz, Practice Resources, &amp; References</a:t>
-            </a:r>
+            <a:fld id="{A44B02FA-DD2D-1844-AE35-8B2EAB0CF4EF}" type="slidenum">
+              <a:rPr lang="en-US" smtClean="0"/>
+              <a:pPr/>
+              <a:t>42</a:t>
+            </a:fld>
+            <a:endParaRPr lang="en-US" dirty="0"/>
           </a:p>
         </p:txBody>
       </p:sp>
     </p:spTree>
     <p:extLst>
       <p:ext uri="{BB962C8B-B14F-4D97-AF65-F5344CB8AC3E}">
-        <p14:creationId xmlns:p14="http://schemas.microsoft.com/office/powerpoint/2010/main" val="3392886013"/>
+        <p14:creationId xmlns:p14="http://schemas.microsoft.com/office/powerpoint/2010/main" val="4243232459"/>
       </p:ext>
     </p:extLst>
   </p:cSld>
@@ -23968,7 +28061,7 @@
           <p:cNvPr id="2" name="Title 1">
             <a:extLst>
               <a:ext uri="{FF2B5EF4-FFF2-40B4-BE49-F238E27FC236}">
-                <a16:creationId xmlns:a16="http://schemas.microsoft.com/office/drawing/2014/main" id="{EB7C4089-1746-624B-8E73-D3DAB8E88CDD}"/>
+                <a16:creationId xmlns:a16="http://schemas.microsoft.com/office/drawing/2014/main" id="{9D8D6E4C-FC36-3E4C-9387-96DD20072D9D}"/>
               </a:ext>
             </a:extLst>
           </p:cNvPr>
@@ -23976,27 +28069,32 @@
             <a:spLocks noGrp="1"/>
           </p:cNvSpPr>
           <p:nvPr>
-            <p:ph type="title"/>
+            <p:ph type="ctrTitle"/>
           </p:nvPr>
         </p:nvSpPr>
-        <p:spPr/>
+        <p:spPr>
+          <a:xfrm>
+            <a:off x="1524000" y="914013"/>
+            <a:ext cx="9144000" cy="2387600"/>
+          </a:xfrm>
+        </p:spPr>
         <p:txBody>
           <a:bodyPr/>
           <a:lstStyle/>
           <a:p>
             <a:r>
               <a:rPr lang="en-US" dirty="0"/>
-              <a:t>Slide Template</a:t>
-            </a:r>
-          </a:p>
-        </p:txBody>
-      </p:sp>
-      <p:sp>
-        <p:nvSpPr>
-          <p:cNvPr id="3" name="Content Placeholder 2">
+              <a:t>Part IV</a:t>
+            </a:r>
+          </a:p>
+        </p:txBody>
+      </p:sp>
+      <p:sp>
+        <p:nvSpPr>
+          <p:cNvPr id="3" name="Subtitle 2">
             <a:extLst>
               <a:ext uri="{FF2B5EF4-FFF2-40B4-BE49-F238E27FC236}">
-                <a16:creationId xmlns:a16="http://schemas.microsoft.com/office/drawing/2014/main" id="{65426B10-0364-A849-B3A4-1D0DA409155A}"/>
+                <a16:creationId xmlns:a16="http://schemas.microsoft.com/office/drawing/2014/main" id="{0451A0DE-9D64-5A48-94B5-5B4E42709819}"/>
               </a:ext>
             </a:extLst>
           </p:cNvPr>
@@ -24004,84 +28102,30 @@
             <a:spLocks noGrp="1"/>
           </p:cNvSpPr>
           <p:nvPr>
-            <p:ph idx="1"/>
+            <p:ph type="subTitle" idx="1"/>
           </p:nvPr>
         </p:nvSpPr>
-        <p:spPr/>
+        <p:spPr>
+          <a:xfrm>
+            <a:off x="1524000" y="3393688"/>
+            <a:ext cx="9144000" cy="1655762"/>
+          </a:xfrm>
+        </p:spPr>
         <p:txBody>
           <a:bodyPr/>
           <a:lstStyle/>
           <a:p>
             <a:r>
               <a:rPr lang="en-US" dirty="0"/>
-              <a:t>Body template</a:t>
-            </a:r>
-          </a:p>
-        </p:txBody>
-      </p:sp>
-      <p:sp>
-        <p:nvSpPr>
-          <p:cNvPr id="4" name="Date Placeholder 3">
-            <a:extLst>
-              <a:ext uri="{FF2B5EF4-FFF2-40B4-BE49-F238E27FC236}">
-                <a16:creationId xmlns:a16="http://schemas.microsoft.com/office/drawing/2014/main" id="{7ECEAF79-F4AC-E94E-9E55-220D0D396924}"/>
-              </a:ext>
-            </a:extLst>
-          </p:cNvPr>
-          <p:cNvSpPr>
-            <a:spLocks noGrp="1"/>
-          </p:cNvSpPr>
-          <p:nvPr>
-            <p:ph type="dt" sz="half" idx="10"/>
-          </p:nvPr>
-        </p:nvSpPr>
-        <p:spPr/>
-        <p:txBody>
-          <a:bodyPr/>
-          <a:lstStyle/>
-          <a:p>
-            <a:r>
-              <a:rPr lang="en-US"/>
-              <a:t>World Wide Technology ©</a:t>
-            </a:r>
-            <a:endParaRPr lang="en-US" dirty="0"/>
-          </a:p>
-        </p:txBody>
-      </p:sp>
-      <p:sp>
-        <p:nvSpPr>
-          <p:cNvPr id="5" name="Slide Number Placeholder 4">
-            <a:extLst>
-              <a:ext uri="{FF2B5EF4-FFF2-40B4-BE49-F238E27FC236}">
-                <a16:creationId xmlns:a16="http://schemas.microsoft.com/office/drawing/2014/main" id="{372DC1A4-CE8B-DB4A-8F86-2508518C35D3}"/>
-              </a:ext>
-            </a:extLst>
-          </p:cNvPr>
-          <p:cNvSpPr>
-            <a:spLocks noGrp="1"/>
-          </p:cNvSpPr>
-          <p:nvPr>
-            <p:ph type="sldNum" sz="quarter" idx="12"/>
-          </p:nvPr>
-        </p:nvSpPr>
-        <p:spPr/>
-        <p:txBody>
-          <a:bodyPr/>
-          <a:lstStyle/>
-          <a:p>
-            <a:fld id="{A44B02FA-DD2D-1844-AE35-8B2EAB0CF4EF}" type="slidenum">
-              <a:rPr lang="en-US" smtClean="0"/>
-              <a:pPr/>
-              <a:t>43</a:t>
-            </a:fld>
-            <a:endParaRPr lang="en-US" dirty="0"/>
+              <a:t>Cisco Platform APIs Overview</a:t>
+            </a:r>
           </a:p>
         </p:txBody>
       </p:sp>
     </p:spTree>
     <p:extLst>
       <p:ext uri="{BB962C8B-B14F-4D97-AF65-F5344CB8AC3E}">
-        <p14:creationId xmlns:p14="http://schemas.microsoft.com/office/powerpoint/2010/main" val="2709408928"/>
+        <p14:creationId xmlns:p14="http://schemas.microsoft.com/office/powerpoint/2010/main" val="899135878"/>
       </p:ext>
     </p:extLst>
   </p:cSld>
@@ -24143,7 +28187,7 @@
           <a:p>
             <a:r>
               <a:rPr lang="en-US" dirty="0"/>
-              <a:t>References</a:t>
+              <a:t>Outline</a:t>
             </a:r>
           </a:p>
         </p:txBody>
@@ -24172,67 +28216,81 @@
           <a:lstStyle/>
           <a:p>
             <a:r>
-              <a:rPr lang="en-US" dirty="0">
-                <a:hlinkClick r:id="rId2"/>
-              </a:rPr>
-              <a:t>https://www.linkedin.com/pulse/why-rest-api-so-popular-mangesh-bulkar/</a:t>
-            </a:r>
-            <a:endParaRPr lang="en-US" dirty="0">
-              <a:hlinkClick r:id="rId3"/>
-            </a:endParaRPr>
-          </a:p>
-          <a:p>
-            <a:r>
-              <a:rPr lang="en-US" dirty="0">
-                <a:hlinkClick r:id="rId3"/>
-              </a:rPr>
-              <a:t>https://en.wikipedia.org/wiki/CURL</a:t>
-            </a:r>
-            <a:endParaRPr lang="en-US" dirty="0"/>
-          </a:p>
-          <a:p>
-            <a:r>
-              <a:rPr lang="en-US" dirty="0">
-                <a:hlinkClick r:id="rId4"/>
-              </a:rPr>
-              <a:t>https://en.wikipedia.org/wiki/Requests_%28software%29</a:t>
-            </a:r>
-            <a:endParaRPr lang="en-US" dirty="0"/>
-          </a:p>
-          <a:p>
-            <a:r>
-              <a:rPr lang="en-US" dirty="0">
-                <a:hlinkClick r:id="rId5"/>
-              </a:rPr>
-              <a:t>https://curl.haxx.se</a:t>
-            </a:r>
-            <a:endParaRPr lang="en-US" dirty="0"/>
-          </a:p>
-          <a:p>
-            <a:r>
-              <a:rPr lang="en-US" dirty="0">
-                <a:hlinkClick r:id="rId6"/>
-              </a:rPr>
-              <a:t>https://requests.readthedocs.io/en/master/</a:t>
-            </a:r>
-            <a:endParaRPr lang="en-US" dirty="0"/>
-          </a:p>
-          <a:p>
-            <a:r>
               <a:rPr lang="en-US" dirty="0"/>
-              <a:t>Cisco API documentation #1</a:t>
-            </a:r>
-          </a:p>
-          <a:p>
+              <a:t>For each of these platforms:</a:t>
+            </a:r>
+          </a:p>
+          <a:p>
+            <a:pPr lvl="1"/>
             <a:r>
               <a:rPr lang="en-US" dirty="0"/>
-              <a:t>Cisco API documentation #2</a:t>
-            </a:r>
-          </a:p>
-          <a:p>
+              <a:t>DNAC</a:t>
+            </a:r>
+          </a:p>
+          <a:p>
+            <a:pPr lvl="1"/>
+            <a:r>
+              <a:rPr lang="en-US" dirty="0" err="1"/>
+              <a:t>Webex</a:t>
+            </a:r>
             <a:r>
               <a:rPr lang="en-US" dirty="0"/>
-              <a:t>Cisco API documentation #3</a:t>
+              <a:t> Teams</a:t>
+            </a:r>
+          </a:p>
+          <a:p>
+            <a:pPr lvl="1"/>
+            <a:r>
+              <a:rPr lang="en-US" dirty="0"/>
+              <a:t>Meraki</a:t>
+            </a:r>
+          </a:p>
+          <a:p>
+            <a:pPr lvl="1"/>
+            <a:r>
+              <a:rPr lang="en-US" dirty="0"/>
+              <a:t>ACI</a:t>
+            </a:r>
+          </a:p>
+          <a:p>
+            <a:pPr lvl="1"/>
+            <a:r>
+              <a:rPr lang="en-US" dirty="0"/>
+              <a:t>Firepower</a:t>
+            </a:r>
+          </a:p>
+          <a:p>
+            <a:pPr lvl="1"/>
+            <a:r>
+              <a:rPr lang="en-US" dirty="0"/>
+              <a:t>SD-WAN</a:t>
+            </a:r>
+          </a:p>
+          <a:p>
+            <a:r>
+              <a:rPr lang="en-US" dirty="0"/>
+              <a:t>Perform the following tasks:</a:t>
+            </a:r>
+          </a:p>
+          <a:p>
+            <a:pPr lvl="1"/>
+            <a:r>
+              <a:rPr lang="en-US" dirty="0"/>
+              <a:t>Platform summary overview</a:t>
+            </a:r>
+          </a:p>
+          <a:p>
+            <a:pPr lvl="1"/>
+            <a:r>
+              <a:rPr lang="en-US" dirty="0"/>
+              <a:t>Review API documentation </a:t>
+            </a:r>
+          </a:p>
+          <a:p>
+            <a:pPr lvl="1"/>
+            <a:r>
+              <a:rPr lang="en-US" dirty="0"/>
+              <a:t>Review resources available for programmatic access/practice/testing</a:t>
             </a:r>
           </a:p>
         </p:txBody>
@@ -24299,7 +28357,7 @@
     </p:spTree>
     <p:extLst>
       <p:ext uri="{BB962C8B-B14F-4D97-AF65-F5344CB8AC3E}">
-        <p14:creationId xmlns:p14="http://schemas.microsoft.com/office/powerpoint/2010/main" val="3225595977"/>
+        <p14:creationId xmlns:p14="http://schemas.microsoft.com/office/powerpoint/2010/main" val="1513264745"/>
       </p:ext>
     </p:extLst>
   </p:cSld>
@@ -24340,10 +28398,254 @@
       </p:grpSpPr>
       <p:sp>
         <p:nvSpPr>
+          <p:cNvPr id="2" name="Title 1">
+            <a:extLst>
+              <a:ext uri="{FF2B5EF4-FFF2-40B4-BE49-F238E27FC236}">
+                <a16:creationId xmlns:a16="http://schemas.microsoft.com/office/drawing/2014/main" id="{9D8D6E4C-FC36-3E4C-9387-96DD20072D9D}"/>
+              </a:ext>
+            </a:extLst>
+          </p:cNvPr>
+          <p:cNvSpPr>
+            <a:spLocks noGrp="1"/>
+          </p:cNvSpPr>
+          <p:nvPr>
+            <p:ph type="ctrTitle"/>
+          </p:nvPr>
+        </p:nvSpPr>
+        <p:spPr>
+          <a:xfrm>
+            <a:off x="1524000" y="914013"/>
+            <a:ext cx="9144000" cy="2387600"/>
+          </a:xfrm>
+        </p:spPr>
+        <p:txBody>
+          <a:bodyPr/>
+          <a:lstStyle/>
+          <a:p>
+            <a:r>
+              <a:rPr lang="en-US" dirty="0"/>
+              <a:t>Part V</a:t>
+            </a:r>
+          </a:p>
+        </p:txBody>
+      </p:sp>
+      <p:sp>
+        <p:nvSpPr>
+          <p:cNvPr id="3" name="Subtitle 2">
+            <a:extLst>
+              <a:ext uri="{FF2B5EF4-FFF2-40B4-BE49-F238E27FC236}">
+                <a16:creationId xmlns:a16="http://schemas.microsoft.com/office/drawing/2014/main" id="{0451A0DE-9D64-5A48-94B5-5B4E42709819}"/>
+              </a:ext>
+            </a:extLst>
+          </p:cNvPr>
+          <p:cNvSpPr>
+            <a:spLocks noGrp="1"/>
+          </p:cNvSpPr>
+          <p:nvPr>
+            <p:ph type="subTitle" idx="1"/>
+          </p:nvPr>
+        </p:nvSpPr>
+        <p:spPr>
+          <a:xfrm>
+            <a:off x="1524000" y="3393688"/>
+            <a:ext cx="9144000" cy="1655762"/>
+          </a:xfrm>
+        </p:spPr>
+        <p:txBody>
+          <a:bodyPr/>
+          <a:lstStyle/>
+          <a:p>
+            <a:r>
+              <a:rPr lang="en-US" dirty="0"/>
+              <a:t>Interact With Cisco Platform APIs Using </a:t>
+            </a:r>
+            <a:r>
+              <a:rPr lang="en-US" dirty="0" err="1"/>
+              <a:t>cURL</a:t>
+            </a:r>
+            <a:endParaRPr lang="en-US" dirty="0"/>
+          </a:p>
+        </p:txBody>
+      </p:sp>
+    </p:spTree>
+    <p:extLst>
+      <p:ext uri="{BB962C8B-B14F-4D97-AF65-F5344CB8AC3E}">
+        <p14:creationId xmlns:p14="http://schemas.microsoft.com/office/powerpoint/2010/main" val="2203929534"/>
+      </p:ext>
+    </p:extLst>
+  </p:cSld>
+  <p:clrMapOvr>
+    <a:masterClrMapping/>
+  </p:clrMapOvr>
+  <mc:AlternateContent xmlns:mc="http://schemas.openxmlformats.org/markup-compatibility/2006" xmlns:p14="http://schemas.microsoft.com/office/powerpoint/2010/main">
+    <mc:Choice Requires="p14">
+      <p:transition spd="med" p14:dur="700">
+        <p:fade/>
+      </p:transition>
+    </mc:Choice>
+    <mc:Fallback xmlns="">
+      <p:transition spd="med">
+        <p:fade/>
+      </p:transition>
+    </mc:Fallback>
+  </mc:AlternateContent>
+</p:sld>
+</file>
+
+<file path=ppt/slides/slide46.xml><?xml version="1.0" encoding="utf-8"?>
+<p:sld xmlns:a="http://schemas.openxmlformats.org/drawingml/2006/main" xmlns:r="http://schemas.openxmlformats.org/officeDocument/2006/relationships" xmlns:p="http://schemas.openxmlformats.org/presentationml/2006/main">
+  <p:cSld>
+    <p:spTree>
+      <p:nvGrpSpPr>
+        <p:cNvPr id="1" name=""/>
+        <p:cNvGrpSpPr/>
+        <p:nvPr/>
+      </p:nvGrpSpPr>
+      <p:grpSpPr>
+        <a:xfrm>
+          <a:off x="0" y="0"/>
+          <a:ext cx="0" cy="0"/>
+          <a:chOff x="0" y="0"/>
+          <a:chExt cx="0" cy="0"/>
+        </a:xfrm>
+      </p:grpSpPr>
+      <p:sp>
+        <p:nvSpPr>
+          <p:cNvPr id="2" name="Title 1">
+            <a:extLst>
+              <a:ext uri="{FF2B5EF4-FFF2-40B4-BE49-F238E27FC236}">
+                <a16:creationId xmlns:a16="http://schemas.microsoft.com/office/drawing/2014/main" id="{EB7C4089-1746-624B-8E73-D3DAB8E88CDD}"/>
+              </a:ext>
+            </a:extLst>
+          </p:cNvPr>
+          <p:cNvSpPr>
+            <a:spLocks noGrp="1"/>
+          </p:cNvSpPr>
+          <p:nvPr>
+            <p:ph type="title"/>
+          </p:nvPr>
+        </p:nvSpPr>
+        <p:spPr/>
+        <p:txBody>
+          <a:bodyPr/>
+          <a:lstStyle/>
+          <a:p>
+            <a:r>
+              <a:rPr lang="en-US" dirty="0"/>
+              <a:t>Outline</a:t>
+            </a:r>
+          </a:p>
+        </p:txBody>
+      </p:sp>
+      <p:sp>
+        <p:nvSpPr>
+          <p:cNvPr id="3" name="Content Placeholder 2">
+            <a:extLst>
+              <a:ext uri="{FF2B5EF4-FFF2-40B4-BE49-F238E27FC236}">
+                <a16:creationId xmlns:a16="http://schemas.microsoft.com/office/drawing/2014/main" id="{65426B10-0364-A849-B3A4-1D0DA409155A}"/>
+              </a:ext>
+            </a:extLst>
+          </p:cNvPr>
+          <p:cNvSpPr>
+            <a:spLocks noGrp="1"/>
+          </p:cNvSpPr>
+          <p:nvPr>
+            <p:ph idx="1"/>
+          </p:nvPr>
+        </p:nvSpPr>
+        <p:spPr/>
+        <p:txBody>
+          <a:bodyPr/>
+          <a:lstStyle/>
+          <a:p>
+            <a:r>
+              <a:rPr lang="en-US" dirty="0"/>
+              <a:t>For each of these platforms:</a:t>
+            </a:r>
+          </a:p>
+          <a:p>
+            <a:pPr lvl="1"/>
+            <a:r>
+              <a:rPr lang="en-US" dirty="0"/>
+              <a:t>DNAC</a:t>
+            </a:r>
+          </a:p>
+          <a:p>
+            <a:pPr lvl="1"/>
+            <a:r>
+              <a:rPr lang="en-US" dirty="0" err="1"/>
+              <a:t>Webex</a:t>
+            </a:r>
+            <a:r>
+              <a:rPr lang="en-US" dirty="0"/>
+              <a:t> Teams</a:t>
+            </a:r>
+          </a:p>
+          <a:p>
+            <a:pPr lvl="1"/>
+            <a:r>
+              <a:rPr lang="en-US" dirty="0"/>
+              <a:t>Meraki</a:t>
+            </a:r>
+          </a:p>
+          <a:p>
+            <a:pPr lvl="1"/>
+            <a:r>
+              <a:rPr lang="en-US" dirty="0"/>
+              <a:t>ACI</a:t>
+            </a:r>
+          </a:p>
+          <a:p>
+            <a:r>
+              <a:rPr lang="en-US" dirty="0"/>
+              <a:t>Perform the following tasks:</a:t>
+            </a:r>
+          </a:p>
+          <a:p>
+            <a:pPr lvl="1"/>
+            <a:r>
+              <a:rPr lang="en-US" dirty="0"/>
+              <a:t>Understand authentication methodology</a:t>
+            </a:r>
+          </a:p>
+          <a:p>
+            <a:pPr lvl="1"/>
+            <a:r>
+              <a:rPr lang="en-US" dirty="0"/>
+              <a:t>Build </a:t>
+            </a:r>
+            <a:r>
+              <a:rPr lang="en-US" dirty="0" err="1"/>
+              <a:t>cURL</a:t>
+            </a:r>
+            <a:r>
+              <a:rPr lang="en-US" dirty="0"/>
+              <a:t> request to authenticate</a:t>
+            </a:r>
+          </a:p>
+          <a:p>
+            <a:pPr lvl="1"/>
+            <a:r>
+              <a:rPr lang="en-US" dirty="0"/>
+              <a:t>Build </a:t>
+            </a:r>
+            <a:r>
+              <a:rPr lang="en-US" dirty="0" err="1"/>
+              <a:t>cURL</a:t>
+            </a:r>
+            <a:r>
+              <a:rPr lang="en-US" dirty="0"/>
+              <a:t> request(s) to read/write data</a:t>
+            </a:r>
+          </a:p>
+        </p:txBody>
+      </p:sp>
+      <p:sp>
+        <p:nvSpPr>
           <p:cNvPr id="4" name="Date Placeholder 3">
             <a:extLst>
               <a:ext uri="{FF2B5EF4-FFF2-40B4-BE49-F238E27FC236}">
-                <a16:creationId xmlns:a16="http://schemas.microsoft.com/office/drawing/2014/main" id="{0CD670A9-B06A-3448-BABA-FAD627500859}"/>
+                <a16:creationId xmlns:a16="http://schemas.microsoft.com/office/drawing/2014/main" id="{7ECEAF79-F4AC-E94E-9E55-220D0D396924}"/>
               </a:ext>
             </a:extLst>
           </p:cNvPr>
@@ -24372,7 +28674,7 @@
           <p:cNvPr id="5" name="Slide Number Placeholder 4">
             <a:extLst>
               <a:ext uri="{FF2B5EF4-FFF2-40B4-BE49-F238E27FC236}">
-                <a16:creationId xmlns:a16="http://schemas.microsoft.com/office/drawing/2014/main" id="{119DACAD-17C1-C249-A498-C4A1A1ADD334}"/>
+                <a16:creationId xmlns:a16="http://schemas.microsoft.com/office/drawing/2014/main" id="{372DC1A4-CE8B-DB4A-8F86-2508518C35D3}"/>
               </a:ext>
             </a:extLst>
           </p:cNvPr>
@@ -24391,7 +28693,7 @@
             <a:fld id="{A44B02FA-DD2D-1844-AE35-8B2EAB0CF4EF}" type="slidenum">
               <a:rPr lang="en-US" smtClean="0"/>
               <a:pPr/>
-              <a:t>45</a:t>
+              <a:t>46</a:t>
             </a:fld>
             <a:endParaRPr lang="en-US" dirty="0"/>
           </a:p>
@@ -24400,7 +28702,439 @@
     </p:spTree>
     <p:extLst>
       <p:ext uri="{BB962C8B-B14F-4D97-AF65-F5344CB8AC3E}">
-        <p14:creationId xmlns:p14="http://schemas.microsoft.com/office/powerpoint/2010/main" val="756638364"/>
+        <p14:creationId xmlns:p14="http://schemas.microsoft.com/office/powerpoint/2010/main" val="2063027843"/>
+      </p:ext>
+    </p:extLst>
+  </p:cSld>
+  <p:clrMapOvr>
+    <a:masterClrMapping/>
+  </p:clrMapOvr>
+  <mc:AlternateContent xmlns:mc="http://schemas.openxmlformats.org/markup-compatibility/2006" xmlns:p14="http://schemas.microsoft.com/office/powerpoint/2010/main">
+    <mc:Choice Requires="p14">
+      <p:transition spd="med" p14:dur="700">
+        <p:fade/>
+      </p:transition>
+    </mc:Choice>
+    <mc:Fallback xmlns="">
+      <p:transition spd="med">
+        <p:fade/>
+      </p:transition>
+    </mc:Fallback>
+  </mc:AlternateContent>
+</p:sld>
+</file>
+
+<file path=ppt/slides/slide47.xml><?xml version="1.0" encoding="utf-8"?>
+<p:sld xmlns:a="http://schemas.openxmlformats.org/drawingml/2006/main" xmlns:r="http://schemas.openxmlformats.org/officeDocument/2006/relationships" xmlns:p="http://schemas.openxmlformats.org/presentationml/2006/main">
+  <p:cSld>
+    <p:spTree>
+      <p:nvGrpSpPr>
+        <p:cNvPr id="1" name=""/>
+        <p:cNvGrpSpPr/>
+        <p:nvPr/>
+      </p:nvGrpSpPr>
+      <p:grpSpPr>
+        <a:xfrm>
+          <a:off x="0" y="0"/>
+          <a:ext cx="0" cy="0"/>
+          <a:chOff x="0" y="0"/>
+          <a:chExt cx="0" cy="0"/>
+        </a:xfrm>
+      </p:grpSpPr>
+      <p:sp>
+        <p:nvSpPr>
+          <p:cNvPr id="2" name="Title 1">
+            <a:extLst>
+              <a:ext uri="{FF2B5EF4-FFF2-40B4-BE49-F238E27FC236}">
+                <a16:creationId xmlns:a16="http://schemas.microsoft.com/office/drawing/2014/main" id="{9D8D6E4C-FC36-3E4C-9387-96DD20072D9D}"/>
+              </a:ext>
+            </a:extLst>
+          </p:cNvPr>
+          <p:cNvSpPr>
+            <a:spLocks noGrp="1"/>
+          </p:cNvSpPr>
+          <p:nvPr>
+            <p:ph type="ctrTitle"/>
+          </p:nvPr>
+        </p:nvSpPr>
+        <p:spPr>
+          <a:xfrm>
+            <a:off x="1524000" y="914013"/>
+            <a:ext cx="9144000" cy="2387600"/>
+          </a:xfrm>
+        </p:spPr>
+        <p:txBody>
+          <a:bodyPr/>
+          <a:lstStyle/>
+          <a:p>
+            <a:r>
+              <a:rPr lang="en-US" dirty="0"/>
+              <a:t>Part VI</a:t>
+            </a:r>
+          </a:p>
+        </p:txBody>
+      </p:sp>
+      <p:sp>
+        <p:nvSpPr>
+          <p:cNvPr id="3" name="Subtitle 2">
+            <a:extLst>
+              <a:ext uri="{FF2B5EF4-FFF2-40B4-BE49-F238E27FC236}">
+                <a16:creationId xmlns:a16="http://schemas.microsoft.com/office/drawing/2014/main" id="{0451A0DE-9D64-5A48-94B5-5B4E42709819}"/>
+              </a:ext>
+            </a:extLst>
+          </p:cNvPr>
+          <p:cNvSpPr>
+            <a:spLocks noGrp="1"/>
+          </p:cNvSpPr>
+          <p:nvPr>
+            <p:ph type="subTitle" idx="1"/>
+          </p:nvPr>
+        </p:nvSpPr>
+        <p:spPr>
+          <a:xfrm>
+            <a:off x="1524000" y="3393688"/>
+            <a:ext cx="9144000" cy="1655762"/>
+          </a:xfrm>
+        </p:spPr>
+        <p:txBody>
+          <a:bodyPr/>
+          <a:lstStyle/>
+          <a:p>
+            <a:r>
+              <a:rPr lang="en-US" dirty="0"/>
+              <a:t>Interact With Cisco Platform APIs Using Python Requests</a:t>
+            </a:r>
+          </a:p>
+        </p:txBody>
+      </p:sp>
+    </p:spTree>
+    <p:extLst>
+      <p:ext uri="{BB962C8B-B14F-4D97-AF65-F5344CB8AC3E}">
+        <p14:creationId xmlns:p14="http://schemas.microsoft.com/office/powerpoint/2010/main" val="4218248441"/>
+      </p:ext>
+    </p:extLst>
+  </p:cSld>
+  <p:clrMapOvr>
+    <a:masterClrMapping/>
+  </p:clrMapOvr>
+  <mc:AlternateContent xmlns:mc="http://schemas.openxmlformats.org/markup-compatibility/2006" xmlns:p14="http://schemas.microsoft.com/office/powerpoint/2010/main">
+    <mc:Choice Requires="p14">
+      <p:transition spd="med" p14:dur="700">
+        <p:fade/>
+      </p:transition>
+    </mc:Choice>
+    <mc:Fallback xmlns="">
+      <p:transition spd="med">
+        <p:fade/>
+      </p:transition>
+    </mc:Fallback>
+  </mc:AlternateContent>
+</p:sld>
+</file>
+
+<file path=ppt/slides/slide48.xml><?xml version="1.0" encoding="utf-8"?>
+<p:sld xmlns:a="http://schemas.openxmlformats.org/drawingml/2006/main" xmlns:r="http://schemas.openxmlformats.org/officeDocument/2006/relationships" xmlns:p="http://schemas.openxmlformats.org/presentationml/2006/main">
+  <p:cSld>
+    <p:spTree>
+      <p:nvGrpSpPr>
+        <p:cNvPr id="1" name=""/>
+        <p:cNvGrpSpPr/>
+        <p:nvPr/>
+      </p:nvGrpSpPr>
+      <p:grpSpPr>
+        <a:xfrm>
+          <a:off x="0" y="0"/>
+          <a:ext cx="0" cy="0"/>
+          <a:chOff x="0" y="0"/>
+          <a:chExt cx="0" cy="0"/>
+        </a:xfrm>
+      </p:grpSpPr>
+      <p:sp>
+        <p:nvSpPr>
+          <p:cNvPr id="2" name="Title 1">
+            <a:extLst>
+              <a:ext uri="{FF2B5EF4-FFF2-40B4-BE49-F238E27FC236}">
+                <a16:creationId xmlns:a16="http://schemas.microsoft.com/office/drawing/2014/main" id="{EB7C4089-1746-624B-8E73-D3DAB8E88CDD}"/>
+              </a:ext>
+            </a:extLst>
+          </p:cNvPr>
+          <p:cNvSpPr>
+            <a:spLocks noGrp="1"/>
+          </p:cNvSpPr>
+          <p:nvPr>
+            <p:ph type="title"/>
+          </p:nvPr>
+        </p:nvSpPr>
+        <p:spPr/>
+        <p:txBody>
+          <a:bodyPr/>
+          <a:lstStyle/>
+          <a:p>
+            <a:r>
+              <a:rPr lang="en-US" dirty="0"/>
+              <a:t>Outline</a:t>
+            </a:r>
+          </a:p>
+        </p:txBody>
+      </p:sp>
+      <p:sp>
+        <p:nvSpPr>
+          <p:cNvPr id="3" name="Content Placeholder 2">
+            <a:extLst>
+              <a:ext uri="{FF2B5EF4-FFF2-40B4-BE49-F238E27FC236}">
+                <a16:creationId xmlns:a16="http://schemas.microsoft.com/office/drawing/2014/main" id="{65426B10-0364-A849-B3A4-1D0DA409155A}"/>
+              </a:ext>
+            </a:extLst>
+          </p:cNvPr>
+          <p:cNvSpPr>
+            <a:spLocks noGrp="1"/>
+          </p:cNvSpPr>
+          <p:nvPr>
+            <p:ph idx="1"/>
+          </p:nvPr>
+        </p:nvSpPr>
+        <p:spPr/>
+        <p:txBody>
+          <a:bodyPr/>
+          <a:lstStyle/>
+          <a:p>
+            <a:r>
+              <a:rPr lang="en-US" dirty="0"/>
+              <a:t>For each of these platforms:</a:t>
+            </a:r>
+          </a:p>
+          <a:p>
+            <a:pPr lvl="1"/>
+            <a:r>
+              <a:rPr lang="en-US" dirty="0"/>
+              <a:t>DNAC</a:t>
+            </a:r>
+          </a:p>
+          <a:p>
+            <a:pPr lvl="1"/>
+            <a:r>
+              <a:rPr lang="en-US" dirty="0" err="1"/>
+              <a:t>Webex</a:t>
+            </a:r>
+            <a:r>
+              <a:rPr lang="en-US" dirty="0"/>
+              <a:t> Teams</a:t>
+            </a:r>
+          </a:p>
+          <a:p>
+            <a:pPr lvl="1"/>
+            <a:r>
+              <a:rPr lang="en-US" dirty="0"/>
+              <a:t>Meraki</a:t>
+            </a:r>
+          </a:p>
+          <a:p>
+            <a:pPr lvl="1"/>
+            <a:r>
+              <a:rPr lang="en-US" dirty="0"/>
+              <a:t>ACI</a:t>
+            </a:r>
+          </a:p>
+          <a:p>
+            <a:r>
+              <a:rPr lang="en-US" dirty="0"/>
+              <a:t>Perform the following tasks:</a:t>
+            </a:r>
+          </a:p>
+          <a:p>
+            <a:pPr lvl="1"/>
+            <a:r>
+              <a:rPr lang="en-US" dirty="0"/>
+              <a:t>Review authentication methodology</a:t>
+            </a:r>
+          </a:p>
+          <a:p>
+            <a:pPr lvl="1"/>
+            <a:r>
+              <a:rPr lang="en-US" dirty="0"/>
+              <a:t>Build Python scripts to authenticate</a:t>
+            </a:r>
+          </a:p>
+          <a:p>
+            <a:pPr lvl="1"/>
+            <a:r>
+              <a:rPr lang="en-US" dirty="0"/>
+              <a:t>Build Python scripts to read/write data</a:t>
+            </a:r>
+          </a:p>
+        </p:txBody>
+      </p:sp>
+      <p:sp>
+        <p:nvSpPr>
+          <p:cNvPr id="4" name="Date Placeholder 3">
+            <a:extLst>
+              <a:ext uri="{FF2B5EF4-FFF2-40B4-BE49-F238E27FC236}">
+                <a16:creationId xmlns:a16="http://schemas.microsoft.com/office/drawing/2014/main" id="{7ECEAF79-F4AC-E94E-9E55-220D0D396924}"/>
+              </a:ext>
+            </a:extLst>
+          </p:cNvPr>
+          <p:cNvSpPr>
+            <a:spLocks noGrp="1"/>
+          </p:cNvSpPr>
+          <p:nvPr>
+            <p:ph type="dt" sz="half" idx="10"/>
+          </p:nvPr>
+        </p:nvSpPr>
+        <p:spPr/>
+        <p:txBody>
+          <a:bodyPr/>
+          <a:lstStyle/>
+          <a:p>
+            <a:r>
+              <a:rPr lang="en-US"/>
+              <a:t>World Wide Technology ©</a:t>
+            </a:r>
+            <a:endParaRPr lang="en-US" dirty="0"/>
+          </a:p>
+        </p:txBody>
+      </p:sp>
+      <p:sp>
+        <p:nvSpPr>
+          <p:cNvPr id="5" name="Slide Number Placeholder 4">
+            <a:extLst>
+              <a:ext uri="{FF2B5EF4-FFF2-40B4-BE49-F238E27FC236}">
+                <a16:creationId xmlns:a16="http://schemas.microsoft.com/office/drawing/2014/main" id="{372DC1A4-CE8B-DB4A-8F86-2508518C35D3}"/>
+              </a:ext>
+            </a:extLst>
+          </p:cNvPr>
+          <p:cNvSpPr>
+            <a:spLocks noGrp="1"/>
+          </p:cNvSpPr>
+          <p:nvPr>
+            <p:ph type="sldNum" sz="quarter" idx="12"/>
+          </p:nvPr>
+        </p:nvSpPr>
+        <p:spPr/>
+        <p:txBody>
+          <a:bodyPr/>
+          <a:lstStyle/>
+          <a:p>
+            <a:fld id="{A44B02FA-DD2D-1844-AE35-8B2EAB0CF4EF}" type="slidenum">
+              <a:rPr lang="en-US" smtClean="0"/>
+              <a:pPr/>
+              <a:t>48</a:t>
+            </a:fld>
+            <a:endParaRPr lang="en-US" dirty="0"/>
+          </a:p>
+        </p:txBody>
+      </p:sp>
+    </p:spTree>
+    <p:extLst>
+      <p:ext uri="{BB962C8B-B14F-4D97-AF65-F5344CB8AC3E}">
+        <p14:creationId xmlns:p14="http://schemas.microsoft.com/office/powerpoint/2010/main" val="232106193"/>
+      </p:ext>
+    </p:extLst>
+  </p:cSld>
+  <p:clrMapOvr>
+    <a:masterClrMapping/>
+  </p:clrMapOvr>
+  <mc:AlternateContent xmlns:mc="http://schemas.openxmlformats.org/markup-compatibility/2006" xmlns:p14="http://schemas.microsoft.com/office/powerpoint/2010/main">
+    <mc:Choice Requires="p14">
+      <p:transition spd="med" p14:dur="700">
+        <p:fade/>
+      </p:transition>
+    </mc:Choice>
+    <mc:Fallback xmlns="">
+      <p:transition spd="med">
+        <p:fade/>
+      </p:transition>
+    </mc:Fallback>
+  </mc:AlternateContent>
+</p:sld>
+</file>
+
+<file path=ppt/slides/slide49.xml><?xml version="1.0" encoding="utf-8"?>
+<p:sld xmlns:a="http://schemas.openxmlformats.org/drawingml/2006/main" xmlns:r="http://schemas.openxmlformats.org/officeDocument/2006/relationships" xmlns:p="http://schemas.openxmlformats.org/presentationml/2006/main">
+  <p:cSld>
+    <p:spTree>
+      <p:nvGrpSpPr>
+        <p:cNvPr id="1" name=""/>
+        <p:cNvGrpSpPr/>
+        <p:nvPr/>
+      </p:nvGrpSpPr>
+      <p:grpSpPr>
+        <a:xfrm>
+          <a:off x="0" y="0"/>
+          <a:ext cx="0" cy="0"/>
+          <a:chOff x="0" y="0"/>
+          <a:chExt cx="0" cy="0"/>
+        </a:xfrm>
+      </p:grpSpPr>
+      <p:sp>
+        <p:nvSpPr>
+          <p:cNvPr id="2" name="Title 1">
+            <a:extLst>
+              <a:ext uri="{FF2B5EF4-FFF2-40B4-BE49-F238E27FC236}">
+                <a16:creationId xmlns:a16="http://schemas.microsoft.com/office/drawing/2014/main" id="{9D8D6E4C-FC36-3E4C-9387-96DD20072D9D}"/>
+              </a:ext>
+            </a:extLst>
+          </p:cNvPr>
+          <p:cNvSpPr>
+            <a:spLocks noGrp="1"/>
+          </p:cNvSpPr>
+          <p:nvPr>
+            <p:ph type="ctrTitle"/>
+          </p:nvPr>
+        </p:nvSpPr>
+        <p:spPr>
+          <a:xfrm>
+            <a:off x="1524000" y="914013"/>
+            <a:ext cx="9144000" cy="2387600"/>
+          </a:xfrm>
+        </p:spPr>
+        <p:txBody>
+          <a:bodyPr/>
+          <a:lstStyle/>
+          <a:p>
+            <a:r>
+              <a:rPr lang="en-US" dirty="0"/>
+              <a:t>Part VII</a:t>
+            </a:r>
+          </a:p>
+        </p:txBody>
+      </p:sp>
+      <p:sp>
+        <p:nvSpPr>
+          <p:cNvPr id="3" name="Subtitle 2">
+            <a:extLst>
+              <a:ext uri="{FF2B5EF4-FFF2-40B4-BE49-F238E27FC236}">
+                <a16:creationId xmlns:a16="http://schemas.microsoft.com/office/drawing/2014/main" id="{0451A0DE-9D64-5A48-94B5-5B4E42709819}"/>
+              </a:ext>
+            </a:extLst>
+          </p:cNvPr>
+          <p:cNvSpPr>
+            <a:spLocks noGrp="1"/>
+          </p:cNvSpPr>
+          <p:nvPr>
+            <p:ph type="subTitle" idx="1"/>
+          </p:nvPr>
+        </p:nvSpPr>
+        <p:spPr>
+          <a:xfrm>
+            <a:off x="1524000" y="3393688"/>
+            <a:ext cx="9144000" cy="1655762"/>
+          </a:xfrm>
+        </p:spPr>
+        <p:txBody>
+          <a:bodyPr/>
+          <a:lstStyle/>
+          <a:p>
+            <a:r>
+              <a:rPr lang="en-US" dirty="0"/>
+              <a:t>Quiz, Practice Resources, &amp; References</a:t>
+            </a:r>
+          </a:p>
+        </p:txBody>
+      </p:sp>
+    </p:spTree>
+    <p:extLst>
+      <p:ext uri="{BB962C8B-B14F-4D97-AF65-F5344CB8AC3E}">
+        <p14:creationId xmlns:p14="http://schemas.microsoft.com/office/powerpoint/2010/main" val="3392886013"/>
       </p:ext>
     </p:extLst>
   </p:cSld>
@@ -24509,6 +29243,482 @@
     <p:extLst>
       <p:ext uri="{BB962C8B-B14F-4D97-AF65-F5344CB8AC3E}">
         <p14:creationId xmlns:p14="http://schemas.microsoft.com/office/powerpoint/2010/main" val="1216467930"/>
+      </p:ext>
+    </p:extLst>
+  </p:cSld>
+  <p:clrMapOvr>
+    <a:masterClrMapping/>
+  </p:clrMapOvr>
+  <mc:AlternateContent xmlns:mc="http://schemas.openxmlformats.org/markup-compatibility/2006" xmlns:p14="http://schemas.microsoft.com/office/powerpoint/2010/main">
+    <mc:Choice Requires="p14">
+      <p:transition spd="med" p14:dur="700">
+        <p:fade/>
+      </p:transition>
+    </mc:Choice>
+    <mc:Fallback xmlns="">
+      <p:transition spd="med">
+        <p:fade/>
+      </p:transition>
+    </mc:Fallback>
+  </mc:AlternateContent>
+</p:sld>
+</file>
+
+<file path=ppt/slides/slide50.xml><?xml version="1.0" encoding="utf-8"?>
+<p:sld xmlns:a="http://schemas.openxmlformats.org/drawingml/2006/main" xmlns:r="http://schemas.openxmlformats.org/officeDocument/2006/relationships" xmlns:p="http://schemas.openxmlformats.org/presentationml/2006/main">
+  <p:cSld>
+    <p:spTree>
+      <p:nvGrpSpPr>
+        <p:cNvPr id="1" name=""/>
+        <p:cNvGrpSpPr/>
+        <p:nvPr/>
+      </p:nvGrpSpPr>
+      <p:grpSpPr>
+        <a:xfrm>
+          <a:off x="0" y="0"/>
+          <a:ext cx="0" cy="0"/>
+          <a:chOff x="0" y="0"/>
+          <a:chExt cx="0" cy="0"/>
+        </a:xfrm>
+      </p:grpSpPr>
+      <p:sp>
+        <p:nvSpPr>
+          <p:cNvPr id="2" name="Title 1">
+            <a:extLst>
+              <a:ext uri="{FF2B5EF4-FFF2-40B4-BE49-F238E27FC236}">
+                <a16:creationId xmlns:a16="http://schemas.microsoft.com/office/drawing/2014/main" id="{EB7C4089-1746-624B-8E73-D3DAB8E88CDD}"/>
+              </a:ext>
+            </a:extLst>
+          </p:cNvPr>
+          <p:cNvSpPr>
+            <a:spLocks noGrp="1"/>
+          </p:cNvSpPr>
+          <p:nvPr>
+            <p:ph type="title"/>
+          </p:nvPr>
+        </p:nvSpPr>
+        <p:spPr/>
+        <p:txBody>
+          <a:bodyPr/>
+          <a:lstStyle/>
+          <a:p>
+            <a:r>
+              <a:rPr lang="en-US" dirty="0"/>
+              <a:t>Slide Template</a:t>
+            </a:r>
+          </a:p>
+        </p:txBody>
+      </p:sp>
+      <p:sp>
+        <p:nvSpPr>
+          <p:cNvPr id="3" name="Content Placeholder 2">
+            <a:extLst>
+              <a:ext uri="{FF2B5EF4-FFF2-40B4-BE49-F238E27FC236}">
+                <a16:creationId xmlns:a16="http://schemas.microsoft.com/office/drawing/2014/main" id="{65426B10-0364-A849-B3A4-1D0DA409155A}"/>
+              </a:ext>
+            </a:extLst>
+          </p:cNvPr>
+          <p:cNvSpPr>
+            <a:spLocks noGrp="1"/>
+          </p:cNvSpPr>
+          <p:nvPr>
+            <p:ph idx="1"/>
+          </p:nvPr>
+        </p:nvSpPr>
+        <p:spPr/>
+        <p:txBody>
+          <a:bodyPr/>
+          <a:lstStyle/>
+          <a:p>
+            <a:r>
+              <a:rPr lang="en-US" dirty="0"/>
+              <a:t>Body template</a:t>
+            </a:r>
+          </a:p>
+        </p:txBody>
+      </p:sp>
+      <p:sp>
+        <p:nvSpPr>
+          <p:cNvPr id="4" name="Date Placeholder 3">
+            <a:extLst>
+              <a:ext uri="{FF2B5EF4-FFF2-40B4-BE49-F238E27FC236}">
+                <a16:creationId xmlns:a16="http://schemas.microsoft.com/office/drawing/2014/main" id="{7ECEAF79-F4AC-E94E-9E55-220D0D396924}"/>
+              </a:ext>
+            </a:extLst>
+          </p:cNvPr>
+          <p:cNvSpPr>
+            <a:spLocks noGrp="1"/>
+          </p:cNvSpPr>
+          <p:nvPr>
+            <p:ph type="dt" sz="half" idx="10"/>
+          </p:nvPr>
+        </p:nvSpPr>
+        <p:spPr/>
+        <p:txBody>
+          <a:bodyPr/>
+          <a:lstStyle/>
+          <a:p>
+            <a:r>
+              <a:rPr lang="en-US"/>
+              <a:t>World Wide Technology ©</a:t>
+            </a:r>
+            <a:endParaRPr lang="en-US" dirty="0"/>
+          </a:p>
+        </p:txBody>
+      </p:sp>
+      <p:sp>
+        <p:nvSpPr>
+          <p:cNvPr id="5" name="Slide Number Placeholder 4">
+            <a:extLst>
+              <a:ext uri="{FF2B5EF4-FFF2-40B4-BE49-F238E27FC236}">
+                <a16:creationId xmlns:a16="http://schemas.microsoft.com/office/drawing/2014/main" id="{372DC1A4-CE8B-DB4A-8F86-2508518C35D3}"/>
+              </a:ext>
+            </a:extLst>
+          </p:cNvPr>
+          <p:cNvSpPr>
+            <a:spLocks noGrp="1"/>
+          </p:cNvSpPr>
+          <p:nvPr>
+            <p:ph type="sldNum" sz="quarter" idx="12"/>
+          </p:nvPr>
+        </p:nvSpPr>
+        <p:spPr/>
+        <p:txBody>
+          <a:bodyPr/>
+          <a:lstStyle/>
+          <a:p>
+            <a:fld id="{A44B02FA-DD2D-1844-AE35-8B2EAB0CF4EF}" type="slidenum">
+              <a:rPr lang="en-US" smtClean="0"/>
+              <a:pPr/>
+              <a:t>50</a:t>
+            </a:fld>
+            <a:endParaRPr lang="en-US" dirty="0"/>
+          </a:p>
+        </p:txBody>
+      </p:sp>
+    </p:spTree>
+    <p:extLst>
+      <p:ext uri="{BB962C8B-B14F-4D97-AF65-F5344CB8AC3E}">
+        <p14:creationId xmlns:p14="http://schemas.microsoft.com/office/powerpoint/2010/main" val="2709408928"/>
+      </p:ext>
+    </p:extLst>
+  </p:cSld>
+  <p:clrMapOvr>
+    <a:masterClrMapping/>
+  </p:clrMapOvr>
+  <mc:AlternateContent xmlns:mc="http://schemas.openxmlformats.org/markup-compatibility/2006" xmlns:p14="http://schemas.microsoft.com/office/powerpoint/2010/main">
+    <mc:Choice Requires="p14">
+      <p:transition spd="med" p14:dur="700">
+        <p:fade/>
+      </p:transition>
+    </mc:Choice>
+    <mc:Fallback xmlns="">
+      <p:transition spd="med">
+        <p:fade/>
+      </p:transition>
+    </mc:Fallback>
+  </mc:AlternateContent>
+</p:sld>
+</file>
+
+<file path=ppt/slides/slide51.xml><?xml version="1.0" encoding="utf-8"?>
+<p:sld xmlns:a="http://schemas.openxmlformats.org/drawingml/2006/main" xmlns:r="http://schemas.openxmlformats.org/officeDocument/2006/relationships" xmlns:p="http://schemas.openxmlformats.org/presentationml/2006/main">
+  <p:cSld>
+    <p:spTree>
+      <p:nvGrpSpPr>
+        <p:cNvPr id="1" name=""/>
+        <p:cNvGrpSpPr/>
+        <p:nvPr/>
+      </p:nvGrpSpPr>
+      <p:grpSpPr>
+        <a:xfrm>
+          <a:off x="0" y="0"/>
+          <a:ext cx="0" cy="0"/>
+          <a:chOff x="0" y="0"/>
+          <a:chExt cx="0" cy="0"/>
+        </a:xfrm>
+      </p:grpSpPr>
+      <p:sp>
+        <p:nvSpPr>
+          <p:cNvPr id="2" name="Title 1">
+            <a:extLst>
+              <a:ext uri="{FF2B5EF4-FFF2-40B4-BE49-F238E27FC236}">
+                <a16:creationId xmlns:a16="http://schemas.microsoft.com/office/drawing/2014/main" id="{EB7C4089-1746-624B-8E73-D3DAB8E88CDD}"/>
+              </a:ext>
+            </a:extLst>
+          </p:cNvPr>
+          <p:cNvSpPr>
+            <a:spLocks noGrp="1"/>
+          </p:cNvSpPr>
+          <p:nvPr>
+            <p:ph type="title"/>
+          </p:nvPr>
+        </p:nvSpPr>
+        <p:spPr/>
+        <p:txBody>
+          <a:bodyPr/>
+          <a:lstStyle/>
+          <a:p>
+            <a:r>
+              <a:rPr lang="en-US" dirty="0"/>
+              <a:t>References</a:t>
+            </a:r>
+          </a:p>
+        </p:txBody>
+      </p:sp>
+      <p:sp>
+        <p:nvSpPr>
+          <p:cNvPr id="3" name="Content Placeholder 2">
+            <a:extLst>
+              <a:ext uri="{FF2B5EF4-FFF2-40B4-BE49-F238E27FC236}">
+                <a16:creationId xmlns:a16="http://schemas.microsoft.com/office/drawing/2014/main" id="{65426B10-0364-A849-B3A4-1D0DA409155A}"/>
+              </a:ext>
+            </a:extLst>
+          </p:cNvPr>
+          <p:cNvSpPr>
+            <a:spLocks noGrp="1"/>
+          </p:cNvSpPr>
+          <p:nvPr>
+            <p:ph idx="1"/>
+          </p:nvPr>
+        </p:nvSpPr>
+        <p:spPr/>
+        <p:txBody>
+          <a:bodyPr>
+            <a:normAutofit lnSpcReduction="10000"/>
+          </a:bodyPr>
+          <a:lstStyle/>
+          <a:p>
+            <a:r>
+              <a:rPr lang="en-US" dirty="0">
+                <a:hlinkClick r:id="rId2"/>
+              </a:rPr>
+              <a:t>https://www.linkedin.com/pulse/why-rest-api-so-popular-mangesh-bulkar/</a:t>
+            </a:r>
+            <a:endParaRPr lang="en-US" dirty="0">
+              <a:hlinkClick r:id="rId3"/>
+            </a:endParaRPr>
+          </a:p>
+          <a:p>
+            <a:r>
+              <a:rPr lang="en-US" dirty="0">
+                <a:hlinkClick r:id="rId3"/>
+              </a:rPr>
+              <a:t>https://en.wikipedia.org/wiki/CURL</a:t>
+            </a:r>
+            <a:endParaRPr lang="en-US" dirty="0"/>
+          </a:p>
+          <a:p>
+            <a:r>
+              <a:rPr lang="en-US" dirty="0">
+                <a:hlinkClick r:id="rId4"/>
+              </a:rPr>
+              <a:t>https://en.wikipedia.org/wiki/Requests_%28software%29</a:t>
+            </a:r>
+            <a:endParaRPr lang="en-US" dirty="0"/>
+          </a:p>
+          <a:p>
+            <a:r>
+              <a:rPr lang="en-US" dirty="0">
+                <a:hlinkClick r:id="rId5"/>
+              </a:rPr>
+              <a:t>https://curl.haxx.se</a:t>
+            </a:r>
+            <a:endParaRPr lang="en-US" dirty="0"/>
+          </a:p>
+          <a:p>
+            <a:r>
+              <a:rPr lang="en-US" dirty="0">
+                <a:hlinkClick r:id="rId6"/>
+              </a:rPr>
+              <a:t>https://requests.readthedocs.io/en/master/</a:t>
+            </a:r>
+            <a:endParaRPr lang="en-US" dirty="0"/>
+          </a:p>
+          <a:p>
+            <a:r>
+              <a:rPr lang="en-US" dirty="0"/>
+              <a:t>Cisco API documentation #1</a:t>
+            </a:r>
+          </a:p>
+          <a:p>
+            <a:r>
+              <a:rPr lang="en-US" dirty="0"/>
+              <a:t>Cisco API documentation #2</a:t>
+            </a:r>
+          </a:p>
+          <a:p>
+            <a:r>
+              <a:rPr lang="en-US" dirty="0"/>
+              <a:t>Cisco API documentation #3</a:t>
+            </a:r>
+          </a:p>
+        </p:txBody>
+      </p:sp>
+      <p:sp>
+        <p:nvSpPr>
+          <p:cNvPr id="4" name="Date Placeholder 3">
+            <a:extLst>
+              <a:ext uri="{FF2B5EF4-FFF2-40B4-BE49-F238E27FC236}">
+                <a16:creationId xmlns:a16="http://schemas.microsoft.com/office/drawing/2014/main" id="{7ECEAF79-F4AC-E94E-9E55-220D0D396924}"/>
+              </a:ext>
+            </a:extLst>
+          </p:cNvPr>
+          <p:cNvSpPr>
+            <a:spLocks noGrp="1"/>
+          </p:cNvSpPr>
+          <p:nvPr>
+            <p:ph type="dt" sz="half" idx="10"/>
+          </p:nvPr>
+        </p:nvSpPr>
+        <p:spPr/>
+        <p:txBody>
+          <a:bodyPr/>
+          <a:lstStyle/>
+          <a:p>
+            <a:r>
+              <a:rPr lang="en-US"/>
+              <a:t>World Wide Technology ©</a:t>
+            </a:r>
+            <a:endParaRPr lang="en-US" dirty="0"/>
+          </a:p>
+        </p:txBody>
+      </p:sp>
+      <p:sp>
+        <p:nvSpPr>
+          <p:cNvPr id="5" name="Slide Number Placeholder 4">
+            <a:extLst>
+              <a:ext uri="{FF2B5EF4-FFF2-40B4-BE49-F238E27FC236}">
+                <a16:creationId xmlns:a16="http://schemas.microsoft.com/office/drawing/2014/main" id="{372DC1A4-CE8B-DB4A-8F86-2508518C35D3}"/>
+              </a:ext>
+            </a:extLst>
+          </p:cNvPr>
+          <p:cNvSpPr>
+            <a:spLocks noGrp="1"/>
+          </p:cNvSpPr>
+          <p:nvPr>
+            <p:ph type="sldNum" sz="quarter" idx="12"/>
+          </p:nvPr>
+        </p:nvSpPr>
+        <p:spPr/>
+        <p:txBody>
+          <a:bodyPr/>
+          <a:lstStyle/>
+          <a:p>
+            <a:fld id="{A44B02FA-DD2D-1844-AE35-8B2EAB0CF4EF}" type="slidenum">
+              <a:rPr lang="en-US" smtClean="0"/>
+              <a:pPr/>
+              <a:t>51</a:t>
+            </a:fld>
+            <a:endParaRPr lang="en-US" dirty="0"/>
+          </a:p>
+        </p:txBody>
+      </p:sp>
+    </p:spTree>
+    <p:extLst>
+      <p:ext uri="{BB962C8B-B14F-4D97-AF65-F5344CB8AC3E}">
+        <p14:creationId xmlns:p14="http://schemas.microsoft.com/office/powerpoint/2010/main" val="3225595977"/>
+      </p:ext>
+    </p:extLst>
+  </p:cSld>
+  <p:clrMapOvr>
+    <a:masterClrMapping/>
+  </p:clrMapOvr>
+  <mc:AlternateContent xmlns:mc="http://schemas.openxmlformats.org/markup-compatibility/2006" xmlns:p14="http://schemas.microsoft.com/office/powerpoint/2010/main">
+    <mc:Choice Requires="p14">
+      <p:transition spd="med" p14:dur="700">
+        <p:fade/>
+      </p:transition>
+    </mc:Choice>
+    <mc:Fallback xmlns="">
+      <p:transition spd="med">
+        <p:fade/>
+      </p:transition>
+    </mc:Fallback>
+  </mc:AlternateContent>
+</p:sld>
+</file>
+
+<file path=ppt/slides/slide52.xml><?xml version="1.0" encoding="utf-8"?>
+<p:sld xmlns:a="http://schemas.openxmlformats.org/drawingml/2006/main" xmlns:r="http://schemas.openxmlformats.org/officeDocument/2006/relationships" xmlns:p="http://schemas.openxmlformats.org/presentationml/2006/main">
+  <p:cSld>
+    <p:spTree>
+      <p:nvGrpSpPr>
+        <p:cNvPr id="1" name=""/>
+        <p:cNvGrpSpPr/>
+        <p:nvPr/>
+      </p:nvGrpSpPr>
+      <p:grpSpPr>
+        <a:xfrm>
+          <a:off x="0" y="0"/>
+          <a:ext cx="0" cy="0"/>
+          <a:chOff x="0" y="0"/>
+          <a:chExt cx="0" cy="0"/>
+        </a:xfrm>
+      </p:grpSpPr>
+      <p:sp>
+        <p:nvSpPr>
+          <p:cNvPr id="4" name="Date Placeholder 3">
+            <a:extLst>
+              <a:ext uri="{FF2B5EF4-FFF2-40B4-BE49-F238E27FC236}">
+                <a16:creationId xmlns:a16="http://schemas.microsoft.com/office/drawing/2014/main" id="{0CD670A9-B06A-3448-BABA-FAD627500859}"/>
+              </a:ext>
+            </a:extLst>
+          </p:cNvPr>
+          <p:cNvSpPr>
+            <a:spLocks noGrp="1"/>
+          </p:cNvSpPr>
+          <p:nvPr>
+            <p:ph type="dt" sz="half" idx="10"/>
+          </p:nvPr>
+        </p:nvSpPr>
+        <p:spPr/>
+        <p:txBody>
+          <a:bodyPr/>
+          <a:lstStyle/>
+          <a:p>
+            <a:r>
+              <a:rPr lang="en-US"/>
+              <a:t>World Wide Technology ©</a:t>
+            </a:r>
+            <a:endParaRPr lang="en-US" dirty="0"/>
+          </a:p>
+        </p:txBody>
+      </p:sp>
+      <p:sp>
+        <p:nvSpPr>
+          <p:cNvPr id="5" name="Slide Number Placeholder 4">
+            <a:extLst>
+              <a:ext uri="{FF2B5EF4-FFF2-40B4-BE49-F238E27FC236}">
+                <a16:creationId xmlns:a16="http://schemas.microsoft.com/office/drawing/2014/main" id="{119DACAD-17C1-C249-A498-C4A1A1ADD334}"/>
+              </a:ext>
+            </a:extLst>
+          </p:cNvPr>
+          <p:cNvSpPr>
+            <a:spLocks noGrp="1"/>
+          </p:cNvSpPr>
+          <p:nvPr>
+            <p:ph type="sldNum" sz="quarter" idx="12"/>
+          </p:nvPr>
+        </p:nvSpPr>
+        <p:spPr/>
+        <p:txBody>
+          <a:bodyPr/>
+          <a:lstStyle/>
+          <a:p>
+            <a:fld id="{A44B02FA-DD2D-1844-AE35-8B2EAB0CF4EF}" type="slidenum">
+              <a:rPr lang="en-US" smtClean="0"/>
+              <a:pPr/>
+              <a:t>52</a:t>
+            </a:fld>
+            <a:endParaRPr lang="en-US" dirty="0"/>
+          </a:p>
+        </p:txBody>
+      </p:sp>
+    </p:spTree>
+    <p:extLst>
+      <p:ext uri="{BB962C8B-B14F-4D97-AF65-F5344CB8AC3E}">
+        <p14:creationId xmlns:p14="http://schemas.microsoft.com/office/powerpoint/2010/main" val="756638364"/>
       </p:ext>
     </p:extLst>
   </p:cSld>

--- a/curl-requests-foundations.pptx
+++ b/curl-requests-foundations.pptx
@@ -5,7 +5,7 @@
     <p:sldMasterId id="2147483660" r:id="rId1"/>
   </p:sldMasterIdLst>
   <p:notesMasterIdLst>
-    <p:notesMasterId r:id="rId54"/>
+    <p:notesMasterId r:id="rId52"/>
   </p:notesMasterIdLst>
   <p:sldIdLst>
     <p:sldId id="256" r:id="rId2"/>
@@ -46,20 +46,18 @@
     <p:sldId id="368" r:id="rId37"/>
     <p:sldId id="377" r:id="rId38"/>
     <p:sldId id="372" r:id="rId39"/>
-    <p:sldId id="373" r:id="rId40"/>
-    <p:sldId id="374" r:id="rId41"/>
-    <p:sldId id="375" r:id="rId42"/>
-    <p:sldId id="376" r:id="rId43"/>
-    <p:sldId id="322" r:id="rId44"/>
-    <p:sldId id="329" r:id="rId45"/>
-    <p:sldId id="330" r:id="rId46"/>
-    <p:sldId id="328" r:id="rId47"/>
-    <p:sldId id="333" r:id="rId48"/>
-    <p:sldId id="334" r:id="rId49"/>
-    <p:sldId id="335" r:id="rId50"/>
-    <p:sldId id="311" r:id="rId51"/>
-    <p:sldId id="321" r:id="rId52"/>
-    <p:sldId id="280" r:id="rId53"/>
+    <p:sldId id="375" r:id="rId40"/>
+    <p:sldId id="376" r:id="rId41"/>
+    <p:sldId id="322" r:id="rId42"/>
+    <p:sldId id="329" r:id="rId43"/>
+    <p:sldId id="330" r:id="rId44"/>
+    <p:sldId id="328" r:id="rId45"/>
+    <p:sldId id="333" r:id="rId46"/>
+    <p:sldId id="334" r:id="rId47"/>
+    <p:sldId id="335" r:id="rId48"/>
+    <p:sldId id="311" r:id="rId49"/>
+    <p:sldId id="321" r:id="rId50"/>
+    <p:sldId id="280" r:id="rId51"/>
   </p:sldIdLst>
   <p:sldSz cx="12192000" cy="6858000"/>
   <p:notesSz cx="6858000" cy="9144000"/>
@@ -259,7 +257,7 @@
           <a:p>
             <a:fld id="{966F6F5D-167E-1849-B841-EB0817BB385A}" type="datetimeFigureOut">
               <a:rPr lang="en-US" smtClean="0"/>
-              <a:t>4/11/20</a:t>
+              <a:t>4/12/20</a:t>
             </a:fld>
             <a:endParaRPr lang="en-US"/>
           </a:p>
@@ -1933,6 +1931,16 @@
               <a:t>// TODO</a:t>
             </a:r>
           </a:p>
+          <a:p>
+            <a:pPr marL="171450" indent="-171450">
+              <a:buFont typeface="Arial" panose="020B0604020202020204" pitchFamily="34" charset="0"/>
+              <a:buChar char="•"/>
+            </a:pPr>
+            <a:r>
+              <a:rPr lang="en-US" b="0" i="0" dirty="0"/>
+              <a:t>Import the Python Requests module</a:t>
+            </a:r>
+          </a:p>
         </p:txBody>
       </p:sp>
       <p:sp>
@@ -2107,6 +2115,44 @@
               <a:t>// TODO</a:t>
             </a:r>
           </a:p>
+          <a:p>
+            <a:pPr marL="171450" indent="-171450">
+              <a:buFont typeface="Arial" panose="020B0604020202020204" pitchFamily="34" charset="0"/>
+              <a:buChar char="•"/>
+            </a:pPr>
+            <a:r>
+              <a:rPr lang="en-US" b="0" i="0" dirty="0"/>
+              <a:t>The container has pre-configured environment variables which store Cisco </a:t>
+            </a:r>
+            <a:r>
+              <a:rPr lang="en-US" b="0" i="0" dirty="0" err="1"/>
+              <a:t>DevNet</a:t>
+            </a:r>
+            <a:r>
+              <a:rPr lang="en-US" b="0" i="0" dirty="0"/>
+              <a:t> sandbox DNAC API credentials</a:t>
+            </a:r>
+          </a:p>
+          <a:p>
+            <a:pPr marL="171450" indent="-171450">
+              <a:buFont typeface="Arial" panose="020B0604020202020204" pitchFamily="34" charset="0"/>
+              <a:buChar char="•"/>
+            </a:pPr>
+            <a:r>
+              <a:rPr lang="en-US" b="0" i="0" dirty="0"/>
+              <a:t>The Python OS module can access environment variables in the container or other underlying OS</a:t>
+            </a:r>
+          </a:p>
+          <a:p>
+            <a:pPr marL="171450" indent="-171450">
+              <a:buFont typeface="Arial" panose="020B0604020202020204" pitchFamily="34" charset="0"/>
+              <a:buChar char="•"/>
+            </a:pPr>
+            <a:r>
+              <a:rPr lang="en-US" b="0" i="0" dirty="0"/>
+              <a:t>HTTP Basic auth requires uses a Python tuple object with username and password sent as the keyword argument ‘auth’</a:t>
+            </a:r>
+          </a:p>
         </p:txBody>
       </p:sp>
       <p:sp>
@@ -2201,7 +2247,15 @@
             </a:pPr>
             <a:r>
               <a:rPr lang="en-US" b="0" i="0" dirty="0"/>
-              <a:t>Omitted the -X option</a:t>
+              <a:t>Importing the </a:t>
+            </a:r>
+            <a:r>
+              <a:rPr lang="en-US" b="0" i="0" dirty="0" err="1"/>
+              <a:t>pprint</a:t>
+            </a:r>
+            <a:r>
+              <a:rPr lang="en-US" b="0" i="0" dirty="0"/>
+              <a:t> module to print the JSON response in a more friendly format</a:t>
             </a:r>
           </a:p>
           <a:p>
@@ -2211,7 +2265,35 @@
             </a:pPr>
             <a:r>
               <a:rPr lang="en-US" b="0" i="0" dirty="0"/>
-              <a:t>The server will return a HTTP ‘302 Found’ message and a message about redirection in the body but not the information we requested</a:t>
+              <a:t>Use the Meraki API key stored as a container environment variable</a:t>
+            </a:r>
+          </a:p>
+          <a:p>
+            <a:pPr marL="171450" indent="-171450">
+              <a:buFont typeface="Arial" panose="020B0604020202020204" pitchFamily="34" charset="0"/>
+              <a:buChar char="•"/>
+            </a:pPr>
+            <a:r>
+              <a:rPr lang="en-US" b="0" i="0" dirty="0"/>
+              <a:t>Use the native JSON response object to display</a:t>
+            </a:r>
+          </a:p>
+          <a:p>
+            <a:pPr marL="171450" indent="-171450">
+              <a:buFont typeface="Arial" panose="020B0604020202020204" pitchFamily="34" charset="0"/>
+              <a:buChar char="•"/>
+            </a:pPr>
+            <a:r>
+              <a:rPr lang="en-US" b="0" i="0" dirty="0"/>
+              <a:t>Notice that, in contrast to </a:t>
+            </a:r>
+            <a:r>
+              <a:rPr lang="en-US" b="0" i="0" dirty="0" err="1"/>
+              <a:t>cURL</a:t>
+            </a:r>
+            <a:r>
+              <a:rPr lang="en-US" b="0" i="0" dirty="0"/>
+              <a:t>, Python Requests automatically follows redirects</a:t>
             </a:r>
           </a:p>
         </p:txBody>
@@ -2242,7 +2324,7 @@
     </p:spTree>
     <p:extLst>
       <p:ext uri="{BB962C8B-B14F-4D97-AF65-F5344CB8AC3E}">
-        <p14:creationId xmlns:p14="http://schemas.microsoft.com/office/powerpoint/2010/main" val="282347769"/>
+        <p14:creationId xmlns:p14="http://schemas.microsoft.com/office/powerpoint/2010/main" val="3127940262"/>
       </p:ext>
     </p:extLst>
   </p:cSld>
@@ -2296,27 +2378,26 @@
           <a:bodyPr/>
           <a:lstStyle/>
           <a:p>
-            <a:r>
-              <a:rPr lang="en-US" b="0" i="0" dirty="0"/>
+            <a:pPr marL="0" marR="0" lvl="0" indent="0" algn="l" defTabSz="914400" rtl="0" eaLnBrk="1" fontAlgn="auto" latinLnBrk="0" hangingPunct="1">
+              <a:lnSpc>
+                <a:spcPct val="100000"/>
+              </a:lnSpc>
+              <a:spcBef>
+                <a:spcPts val="0"/>
+              </a:spcBef>
+              <a:spcAft>
+                <a:spcPts val="0"/>
+              </a:spcAft>
+              <a:buClrTx/>
+              <a:buSzTx/>
+              <a:buFontTx/>
+              <a:buNone/>
+              <a:tabLst/>
+              <a:defRPr/>
+            </a:pPr>
+            <a:r>
+              <a:rPr lang="en-US" dirty="0"/>
               <a:t>// TODO</a:t>
-            </a:r>
-          </a:p>
-          <a:p>
-            <a:pPr marL="171450" indent="-171450">
-              <a:buFont typeface="Arial" panose="020B0604020202020204" pitchFamily="34" charset="0"/>
-              <a:buChar char="•"/>
-            </a:pPr>
-            <a:r>
-              <a:rPr lang="en-US" b="0" i="0" dirty="0"/>
-              <a:t>Adding the -L option returns a 200 OK because </a:t>
-            </a:r>
-            <a:r>
-              <a:rPr lang="en-US" b="0" i="0" dirty="0" err="1"/>
-              <a:t>cURL</a:t>
-            </a:r>
-            <a:r>
-              <a:rPr lang="en-US" b="0" i="0" dirty="0"/>
-              <a:t> can follow redirects</a:t>
             </a:r>
           </a:p>
         </p:txBody>
@@ -2347,7 +2428,7 @@
     </p:spTree>
     <p:extLst>
       <p:ext uri="{BB962C8B-B14F-4D97-AF65-F5344CB8AC3E}">
-        <p14:creationId xmlns:p14="http://schemas.microsoft.com/office/powerpoint/2010/main" val="3127940262"/>
+        <p14:creationId xmlns:p14="http://schemas.microsoft.com/office/powerpoint/2010/main" val="2058049328"/>
       </p:ext>
     </p:extLst>
   </p:cSld>
@@ -2451,7 +2532,7 @@
     </p:spTree>
     <p:extLst>
       <p:ext uri="{BB962C8B-B14F-4D97-AF65-F5344CB8AC3E}">
-        <p14:creationId xmlns:p14="http://schemas.microsoft.com/office/powerpoint/2010/main" val="2058049328"/>
+        <p14:creationId xmlns:p14="http://schemas.microsoft.com/office/powerpoint/2010/main" val="3481472389"/>
       </p:ext>
     </p:extLst>
   </p:cSld>
@@ -2555,7 +2636,7 @@
     </p:spTree>
     <p:extLst>
       <p:ext uri="{BB962C8B-B14F-4D97-AF65-F5344CB8AC3E}">
-        <p14:creationId xmlns:p14="http://schemas.microsoft.com/office/powerpoint/2010/main" val="3481472389"/>
+        <p14:creationId xmlns:p14="http://schemas.microsoft.com/office/powerpoint/2010/main" val="3252389655"/>
       </p:ext>
     </p:extLst>
   </p:cSld>
@@ -2659,7 +2740,7 @@
     </p:spTree>
     <p:extLst>
       <p:ext uri="{BB962C8B-B14F-4D97-AF65-F5344CB8AC3E}">
-        <p14:creationId xmlns:p14="http://schemas.microsoft.com/office/powerpoint/2010/main" val="3252389655"/>
+        <p14:creationId xmlns:p14="http://schemas.microsoft.com/office/powerpoint/2010/main" val="4152409612"/>
       </p:ext>
     </p:extLst>
   </p:cSld>
@@ -2899,110 +2980,6 @@
     <p:extLst>
       <p:ext uri="{BB962C8B-B14F-4D97-AF65-F5344CB8AC3E}">
         <p14:creationId xmlns:p14="http://schemas.microsoft.com/office/powerpoint/2010/main" val="3892212133"/>
-      </p:ext>
-    </p:extLst>
-  </p:cSld>
-  <p:clrMapOvr>
-    <a:masterClrMapping/>
-  </p:clrMapOvr>
-</p:notes>
-</file>
-
-<file path=ppt/notesSlides/notesSlide30.xml><?xml version="1.0" encoding="utf-8"?>
-<p:notes xmlns:a="http://schemas.openxmlformats.org/drawingml/2006/main" xmlns:r="http://schemas.openxmlformats.org/officeDocument/2006/relationships" xmlns:p="http://schemas.openxmlformats.org/presentationml/2006/main">
-  <p:cSld>
-    <p:spTree>
-      <p:nvGrpSpPr>
-        <p:cNvPr id="1" name=""/>
-        <p:cNvGrpSpPr/>
-        <p:nvPr/>
-      </p:nvGrpSpPr>
-      <p:grpSpPr>
-        <a:xfrm>
-          <a:off x="0" y="0"/>
-          <a:ext cx="0" cy="0"/>
-          <a:chOff x="0" y="0"/>
-          <a:chExt cx="0" cy="0"/>
-        </a:xfrm>
-      </p:grpSpPr>
-      <p:sp>
-        <p:nvSpPr>
-          <p:cNvPr id="2" name="Slide Image Placeholder 1"/>
-          <p:cNvSpPr>
-            <a:spLocks noGrp="1" noRot="1" noChangeAspect="1"/>
-          </p:cNvSpPr>
-          <p:nvPr>
-            <p:ph type="sldImg"/>
-          </p:nvPr>
-        </p:nvSpPr>
-        <p:spPr/>
-      </p:sp>
-      <p:sp>
-        <p:nvSpPr>
-          <p:cNvPr id="3" name="Notes Placeholder 2"/>
-          <p:cNvSpPr>
-            <a:spLocks noGrp="1"/>
-          </p:cNvSpPr>
-          <p:nvPr>
-            <p:ph type="body" idx="1"/>
-          </p:nvPr>
-        </p:nvSpPr>
-        <p:spPr/>
-        <p:txBody>
-          <a:bodyPr/>
-          <a:lstStyle/>
-          <a:p>
-            <a:pPr marL="0" marR="0" lvl="0" indent="0" algn="l" defTabSz="914400" rtl="0" eaLnBrk="1" fontAlgn="auto" latinLnBrk="0" hangingPunct="1">
-              <a:lnSpc>
-                <a:spcPct val="100000"/>
-              </a:lnSpc>
-              <a:spcBef>
-                <a:spcPts val="0"/>
-              </a:spcBef>
-              <a:spcAft>
-                <a:spcPts val="0"/>
-              </a:spcAft>
-              <a:buClrTx/>
-              <a:buSzTx/>
-              <a:buFontTx/>
-              <a:buNone/>
-              <a:tabLst/>
-              <a:defRPr/>
-            </a:pPr>
-            <a:r>
-              <a:rPr lang="en-US" dirty="0"/>
-              <a:t>// TODO</a:t>
-            </a:r>
-          </a:p>
-        </p:txBody>
-      </p:sp>
-      <p:sp>
-        <p:nvSpPr>
-          <p:cNvPr id="4" name="Slide Number Placeholder 3"/>
-          <p:cNvSpPr>
-            <a:spLocks noGrp="1"/>
-          </p:cNvSpPr>
-          <p:nvPr>
-            <p:ph type="sldNum" sz="quarter" idx="5"/>
-          </p:nvPr>
-        </p:nvSpPr>
-        <p:spPr/>
-        <p:txBody>
-          <a:bodyPr/>
-          <a:lstStyle/>
-          <a:p>
-            <a:fld id="{020CF8D1-BA82-5045-ACF9-1AA42AD6A519}" type="slidenum">
-              <a:rPr lang="en-US" smtClean="0"/>
-              <a:t>49</a:t>
-            </a:fld>
-            <a:endParaRPr lang="en-US"/>
-          </a:p>
-        </p:txBody>
-      </p:sp>
-    </p:spTree>
-    <p:extLst>
-      <p:ext uri="{BB962C8B-B14F-4D97-AF65-F5344CB8AC3E}">
-        <p14:creationId xmlns:p14="http://schemas.microsoft.com/office/powerpoint/2010/main" val="4152409612"/>
       </p:ext>
     </p:extLst>
   </p:cSld>
@@ -14488,7 +14465,15 @@
           <a:p>
             <a:r>
               <a:rPr lang="en-US" sz="2400" dirty="0"/>
-              <a:t>Include a header to indicate we will only accept any response format</a:t>
+              <a:t>Include a header to indicate we </a:t>
+            </a:r>
+            <a:r>
+              <a:rPr lang="en-US" sz="2400"/>
+              <a:t>will accept </a:t>
+            </a:r>
+            <a:r>
+              <a:rPr lang="en-US" sz="2400" dirty="0"/>
+              <a:t>any response format</a:t>
             </a:r>
           </a:p>
           <a:p>
@@ -26221,7 +26206,12 @@
             <p:ph idx="1"/>
           </p:nvPr>
         </p:nvSpPr>
-        <p:spPr/>
+        <p:spPr>
+          <a:xfrm>
+            <a:off x="838200" y="1825625"/>
+            <a:ext cx="10515600" cy="4667250"/>
+          </a:xfrm>
+        </p:spPr>
         <p:txBody>
           <a:bodyPr>
             <a:normAutofit/>
@@ -26237,7 +26227,7 @@
                   <a:srgbClr val="FFFF00"/>
                 </a:solidFill>
               </a:rPr>
-              <a:t>curl --</a:t>
+              <a:t>from </a:t>
             </a:r>
             <a:r>
               <a:rPr lang="en-US" sz="2400" b="1" i="1" dirty="0" err="1">
@@ -26245,7 +26235,7 @@
                   <a:srgbClr val="FFFF00"/>
                 </a:solidFill>
               </a:rPr>
-              <a:t>url</a:t>
+              <a:t>pprint</a:t>
             </a:r>
             <a:r>
               <a:rPr lang="en-US" sz="2400" b="1" i="1" dirty="0">
@@ -26253,7 +26243,7 @@
                   <a:srgbClr val="FFFF00"/>
                 </a:solidFill>
               </a:rPr>
-              <a:t> https://</a:t>
+              <a:t> import </a:t>
             </a:r>
             <a:r>
               <a:rPr lang="en-US" sz="2400" b="1" i="1" dirty="0" err="1">
@@ -26261,65 +26251,7 @@
                   <a:srgbClr val="FFFF00"/>
                 </a:solidFill>
               </a:rPr>
-              <a:t>api.meraki.com</a:t>
-            </a:r>
-            <a:r>
-              <a:rPr lang="en-US" sz="2400" b="1" i="1" dirty="0">
-                <a:solidFill>
-                  <a:srgbClr val="FFFF00"/>
-                </a:solidFill>
-              </a:rPr>
-              <a:t>/</a:t>
-            </a:r>
-            <a:r>
-              <a:rPr lang="en-US" sz="2400" b="1" i="1" dirty="0" err="1">
-                <a:solidFill>
-                  <a:srgbClr val="FFFF00"/>
-                </a:solidFill>
-              </a:rPr>
-              <a:t>api</a:t>
-            </a:r>
-            <a:r>
-              <a:rPr lang="en-US" sz="2400" b="1" i="1" dirty="0">
-                <a:solidFill>
-                  <a:srgbClr val="FFFF00"/>
-                </a:solidFill>
-              </a:rPr>
-              <a:t>/v0/organizations \</a:t>
-            </a:r>
-          </a:p>
-          <a:p>
-            <a:pPr marL="0" indent="0">
-              <a:buNone/>
-            </a:pPr>
-            <a:r>
-              <a:rPr lang="en-US" sz="2400" b="1" i="1" dirty="0">
-                <a:solidFill>
-                  <a:srgbClr val="FFFF00"/>
-                </a:solidFill>
-              </a:rPr>
-              <a:t>-H X-Cisco-Meraki-API-Key:$MERAKI_API_KEY \</a:t>
-            </a:r>
-          </a:p>
-          <a:p>
-            <a:pPr marL="0" indent="0">
-              <a:buNone/>
-            </a:pPr>
-            <a:r>
-              <a:rPr lang="en-US" sz="2400" b="1" i="1" dirty="0">
-                <a:solidFill>
-                  <a:srgbClr val="FFFF00"/>
-                </a:solidFill>
-              </a:rPr>
-              <a:t>-H 'Accept: */*' -</a:t>
-            </a:r>
-            <a:r>
-              <a:rPr lang="en-US" sz="2400" b="1" i="1" dirty="0" err="1">
-                <a:solidFill>
-                  <a:srgbClr val="FFFF00"/>
-                </a:solidFill>
-              </a:rPr>
-              <a:t>i</a:t>
+              <a:t>pprint</a:t>
             </a:r>
             <a:endParaRPr lang="en-US" sz="2400" b="1" i="1" dirty="0">
               <a:solidFill>
@@ -26328,53 +26260,365 @@
             </a:endParaRPr>
           </a:p>
           <a:p>
+            <a:pPr marL="0" indent="0">
+              <a:buNone/>
+            </a:pPr>
+            <a:r>
+              <a:rPr lang="en-US" sz="2400" b="1" i="1" dirty="0" err="1">
+                <a:solidFill>
+                  <a:srgbClr val="FFFF00"/>
+                </a:solidFill>
+              </a:rPr>
+              <a:t>req_url</a:t>
+            </a:r>
+            <a:r>
+              <a:rPr lang="en-US" sz="2400" b="1" i="1" dirty="0">
+                <a:solidFill>
+                  <a:srgbClr val="FFFF00"/>
+                </a:solidFill>
+              </a:rPr>
+              <a:t> = 'https://</a:t>
+            </a:r>
+            <a:r>
+              <a:rPr lang="en-US" sz="2400" b="1" i="1" dirty="0" err="1">
+                <a:solidFill>
+                  <a:srgbClr val="FFFF00"/>
+                </a:solidFill>
+              </a:rPr>
+              <a:t>api.meraki.com</a:t>
+            </a:r>
+            <a:r>
+              <a:rPr lang="en-US" sz="2400" b="1" i="1" dirty="0">
+                <a:solidFill>
+                  <a:srgbClr val="FFFF00"/>
+                </a:solidFill>
+              </a:rPr>
+              <a:t>/</a:t>
+            </a:r>
+            <a:r>
+              <a:rPr lang="en-US" sz="2400" b="1" i="1" dirty="0" err="1">
+                <a:solidFill>
+                  <a:srgbClr val="FFFF00"/>
+                </a:solidFill>
+              </a:rPr>
+              <a:t>api</a:t>
+            </a:r>
+            <a:r>
+              <a:rPr lang="en-US" sz="2400" b="1" i="1" dirty="0">
+                <a:solidFill>
+                  <a:srgbClr val="FFFF00"/>
+                </a:solidFill>
+              </a:rPr>
+              <a:t>/v0/organizations'</a:t>
+            </a:r>
+          </a:p>
+          <a:p>
+            <a:pPr marL="0" indent="0">
+              <a:buNone/>
+            </a:pPr>
+            <a:r>
+              <a:rPr lang="en-US" sz="2400" b="1" i="1" dirty="0" err="1">
+                <a:solidFill>
+                  <a:srgbClr val="FFFF00"/>
+                </a:solidFill>
+              </a:rPr>
+              <a:t>req_headers</a:t>
+            </a:r>
+            <a:r>
+              <a:rPr lang="en-US" sz="2400" b="1" i="1" dirty="0">
+                <a:solidFill>
+                  <a:srgbClr val="FFFF00"/>
+                </a:solidFill>
+              </a:rPr>
+              <a:t> = {'X-Cisco-Meraki-API-Key':</a:t>
+            </a:r>
+            <a:r>
+              <a:rPr lang="en-US" sz="2400" b="1" i="1" dirty="0" err="1">
+                <a:solidFill>
+                  <a:srgbClr val="FFFF00"/>
+                </a:solidFill>
+              </a:rPr>
+              <a:t>os.getenv</a:t>
+            </a:r>
+            <a:r>
+              <a:rPr lang="en-US" sz="2400" b="1" i="1" dirty="0">
+                <a:solidFill>
+                  <a:srgbClr val="FFFF00"/>
+                </a:solidFill>
+              </a:rPr>
+              <a:t>('MERAKI_API_KEY')}</a:t>
+            </a:r>
+          </a:p>
+          <a:p>
+            <a:pPr marL="0" indent="0">
+              <a:buNone/>
+            </a:pPr>
+            <a:r>
+              <a:rPr lang="en-US" sz="2400" b="1" i="1" dirty="0">
+                <a:solidFill>
+                  <a:srgbClr val="FFFF00"/>
+                </a:solidFill>
+              </a:rPr>
+              <a:t>response = </a:t>
+            </a:r>
+            <a:r>
+              <a:rPr lang="en-US" sz="2400" b="1" i="1" dirty="0" err="1">
+                <a:solidFill>
+                  <a:srgbClr val="FFFF00"/>
+                </a:solidFill>
+              </a:rPr>
+              <a:t>requests.get</a:t>
+            </a:r>
+            <a:r>
+              <a:rPr lang="en-US" sz="2400" b="1" i="1" dirty="0">
+                <a:solidFill>
+                  <a:srgbClr val="FFFF00"/>
+                </a:solidFill>
+              </a:rPr>
+              <a:t>(</a:t>
+            </a:r>
+            <a:r>
+              <a:rPr lang="en-US" sz="2400" b="1" i="1" dirty="0" err="1">
+                <a:solidFill>
+                  <a:srgbClr val="FFFF00"/>
+                </a:solidFill>
+              </a:rPr>
+              <a:t>req_url</a:t>
+            </a:r>
+            <a:r>
+              <a:rPr lang="en-US" sz="2400" b="1" i="1" dirty="0">
+                <a:solidFill>
+                  <a:srgbClr val="FFFF00"/>
+                </a:solidFill>
+              </a:rPr>
+              <a:t>, headers=</a:t>
+            </a:r>
+            <a:r>
+              <a:rPr lang="en-US" sz="2400" b="1" i="1" dirty="0" err="1">
+                <a:solidFill>
+                  <a:srgbClr val="FFFF00"/>
+                </a:solidFill>
+              </a:rPr>
+              <a:t>req_headers</a:t>
+            </a:r>
+            <a:r>
+              <a:rPr lang="en-US" sz="2400" b="1" i="1" dirty="0">
+                <a:solidFill>
+                  <a:srgbClr val="FFFF00"/>
+                </a:solidFill>
+              </a:rPr>
+              <a:t>)</a:t>
+            </a:r>
+          </a:p>
+          <a:p>
+            <a:pPr marL="0" indent="0">
+              <a:buNone/>
+            </a:pPr>
+            <a:r>
+              <a:rPr lang="en-US" sz="2400" b="1" i="1" dirty="0">
+                <a:solidFill>
+                  <a:srgbClr val="FFFF00"/>
+                </a:solidFill>
+              </a:rPr>
+              <a:t>print(f'{</a:t>
+            </a:r>
+            <a:r>
+              <a:rPr lang="en-US" sz="2400" b="1" i="1" dirty="0" err="1">
+                <a:solidFill>
+                  <a:srgbClr val="FFFF00"/>
+                </a:solidFill>
+              </a:rPr>
+              <a:t>response.status_code</a:t>
+            </a:r>
+            <a:r>
+              <a:rPr lang="en-US" sz="2400" b="1" i="1" dirty="0">
+                <a:solidFill>
+                  <a:srgbClr val="FFFF00"/>
+                </a:solidFill>
+              </a:rPr>
+              <a:t>} {</a:t>
+            </a:r>
+            <a:r>
+              <a:rPr lang="en-US" sz="2400" b="1" i="1" dirty="0" err="1">
+                <a:solidFill>
+                  <a:srgbClr val="FFFF00"/>
+                </a:solidFill>
+              </a:rPr>
+              <a:t>response.reason</a:t>
+            </a:r>
+            <a:r>
+              <a:rPr lang="en-US" sz="2400" b="1" i="1" dirty="0">
+                <a:solidFill>
+                  <a:srgbClr val="FFFF00"/>
+                </a:solidFill>
+              </a:rPr>
+              <a:t>}\n')</a:t>
+            </a:r>
+          </a:p>
+          <a:p>
+            <a:pPr marL="0" indent="0">
+              <a:buNone/>
+            </a:pPr>
+            <a:r>
+              <a:rPr lang="en-US" sz="2400" b="1" i="1" dirty="0" err="1">
+                <a:solidFill>
+                  <a:srgbClr val="FFFF00"/>
+                </a:solidFill>
+              </a:rPr>
+              <a:t>pprint</a:t>
+            </a:r>
+            <a:r>
+              <a:rPr lang="en-US" sz="2400" b="1" i="1" dirty="0">
+                <a:solidFill>
+                  <a:srgbClr val="FFFF00"/>
+                </a:solidFill>
+              </a:rPr>
+              <a:t>(</a:t>
+            </a:r>
+            <a:r>
+              <a:rPr lang="en-US" sz="2400" b="1" i="1" dirty="0" err="1">
+                <a:solidFill>
+                  <a:srgbClr val="FFFF00"/>
+                </a:solidFill>
+              </a:rPr>
+              <a:t>response.json</a:t>
+            </a:r>
+            <a:r>
+              <a:rPr lang="en-US" sz="2400" b="1" i="1" dirty="0">
+                <a:solidFill>
+                  <a:srgbClr val="FFFF00"/>
+                </a:solidFill>
+              </a:rPr>
+              <a:t>())</a:t>
+            </a:r>
+          </a:p>
+          <a:p>
             <a:r>
               <a:rPr lang="en-US" sz="2400" dirty="0"/>
-              <a:t>Send a GET request to https://</a:t>
+              <a:t>Import the </a:t>
             </a:r>
             <a:r>
               <a:rPr lang="en-US" sz="2400" dirty="0" err="1"/>
-              <a:t>api.meraki.com</a:t>
+              <a:t>pprint</a:t>
             </a:r>
             <a:r>
               <a:rPr lang="en-US" sz="2400" dirty="0"/>
-              <a:t>/</a:t>
-            </a:r>
-            <a:r>
-              <a:rPr lang="en-US" sz="2400" dirty="0" err="1"/>
-              <a:t>api</a:t>
-            </a:r>
+              <a:t> module &amp; update the URL for Meraki</a:t>
+            </a:r>
+          </a:p>
+          <a:p>
             <a:r>
               <a:rPr lang="en-US" sz="2400" dirty="0"/>
-              <a:t>/v0/organizations</a:t>
+              <a:t>Update the headers to include a Meraki API key</a:t>
             </a:r>
           </a:p>
           <a:p>
             <a:r>
               <a:rPr lang="en-US" sz="2400" dirty="0"/>
-              <a:t>Include a header to send an API key for authorization</a:t>
+              <a:t>Perform an HTTP GET and store the response object in a variable</a:t>
             </a:r>
           </a:p>
           <a:p>
             <a:r>
               <a:rPr lang="en-US" sz="2400" dirty="0"/>
-              <a:t>Include a header to indicate we will only accept any response format</a:t>
-            </a:r>
-          </a:p>
-          <a:p>
-            <a:r>
-              <a:rPr lang="en-US" sz="2400" dirty="0"/>
-              <a:t>Display the response headers in the terminal</a:t>
-            </a:r>
-          </a:p>
-        </p:txBody>
-      </p:sp>
-      <p:sp>
-        <p:nvSpPr>
-          <p:cNvPr id="11" name="Rectangle 10">
+              <a:t>Print the status code, reason, and JSON-formatted response to the terminal</a:t>
+            </a:r>
+          </a:p>
+        </p:txBody>
+      </p:sp>
+      <p:sp>
+        <p:nvSpPr>
+          <p:cNvPr id="2" name="Title 1">
             <a:extLst>
               <a:ext uri="{FF2B5EF4-FFF2-40B4-BE49-F238E27FC236}">
-                <a16:creationId xmlns:a16="http://schemas.microsoft.com/office/drawing/2014/main" id="{1100B6A1-8FC9-164E-B48D-5AEB1EF6BDB2}"/>
+                <a16:creationId xmlns:a16="http://schemas.microsoft.com/office/drawing/2014/main" id="{AC0D55DF-385E-9A4F-AB08-FEBC11990B8B}"/>
+              </a:ext>
+            </a:extLst>
+          </p:cNvPr>
+          <p:cNvSpPr>
+            <a:spLocks noGrp="1"/>
+          </p:cNvSpPr>
+          <p:nvPr>
+            <p:ph type="title"/>
+          </p:nvPr>
+        </p:nvSpPr>
+        <p:spPr/>
+        <p:txBody>
+          <a:bodyPr/>
+          <a:lstStyle/>
+          <a:p>
+            <a:r>
+              <a:rPr lang="en-US" dirty="0"/>
+              <a:t>Python Requests Code Examples</a:t>
+            </a:r>
+          </a:p>
+        </p:txBody>
+      </p:sp>
+      <p:sp>
+        <p:nvSpPr>
+          <p:cNvPr id="4" name="Date Placeholder 3">
+            <a:extLst>
+              <a:ext uri="{FF2B5EF4-FFF2-40B4-BE49-F238E27FC236}">
+                <a16:creationId xmlns:a16="http://schemas.microsoft.com/office/drawing/2014/main" id="{6E8781CE-B8A7-7540-B619-28D099093D8B}"/>
+              </a:ext>
+            </a:extLst>
+          </p:cNvPr>
+          <p:cNvSpPr>
+            <a:spLocks noGrp="1"/>
+          </p:cNvSpPr>
+          <p:nvPr>
+            <p:ph type="dt" sz="half" idx="10"/>
+          </p:nvPr>
+        </p:nvSpPr>
+        <p:spPr/>
+        <p:txBody>
+          <a:bodyPr/>
+          <a:lstStyle/>
+          <a:p>
+            <a:r>
+              <a:rPr lang="en-US"/>
+              <a:t>World Wide Technology ©</a:t>
+            </a:r>
+            <a:endParaRPr lang="en-US" dirty="0"/>
+          </a:p>
+        </p:txBody>
+      </p:sp>
+      <p:sp>
+        <p:nvSpPr>
+          <p:cNvPr id="5" name="Slide Number Placeholder 4">
+            <a:extLst>
+              <a:ext uri="{FF2B5EF4-FFF2-40B4-BE49-F238E27FC236}">
+                <a16:creationId xmlns:a16="http://schemas.microsoft.com/office/drawing/2014/main" id="{222BEAA2-2326-1F4D-9BCE-0FC3EC23B201}"/>
+              </a:ext>
+            </a:extLst>
+          </p:cNvPr>
+          <p:cNvSpPr>
+            <a:spLocks noGrp="1"/>
+          </p:cNvSpPr>
+          <p:nvPr>
+            <p:ph type="sldNum" sz="quarter" idx="12"/>
+          </p:nvPr>
+        </p:nvSpPr>
+        <p:spPr/>
+        <p:txBody>
+          <a:bodyPr/>
+          <a:lstStyle/>
+          <a:p>
+            <a:fld id="{A44B02FA-DD2D-1844-AE35-8B2EAB0CF4EF}" type="slidenum">
+              <a:rPr lang="en-US" smtClean="0"/>
+              <a:pPr/>
+              <a:t>39</a:t>
+            </a:fld>
+            <a:endParaRPr lang="en-US" dirty="0"/>
+          </a:p>
+        </p:txBody>
+      </p:sp>
+      <p:sp>
+        <p:nvSpPr>
+          <p:cNvPr id="10" name="Rectangle 9">
+            <a:extLst>
+              <a:ext uri="{FF2B5EF4-FFF2-40B4-BE49-F238E27FC236}">
+                <a16:creationId xmlns:a16="http://schemas.microsoft.com/office/drawing/2014/main" id="{123E9647-4959-894B-88A7-50F561C54802}"/>
               </a:ext>
             </a:extLst>
           </p:cNvPr>
@@ -26383,8 +26627,8 @@
         </p:nvSpPr>
         <p:spPr>
           <a:xfrm>
-            <a:off x="909614" y="2309906"/>
-            <a:ext cx="6020907" cy="346075"/>
+            <a:off x="909612" y="1864140"/>
+            <a:ext cx="3262338" cy="346075"/>
           </a:xfrm>
           <a:prstGeom prst="rect">
             <a:avLst/>
@@ -26425,10 +26669,10 @@
       </p:sp>
       <p:sp>
         <p:nvSpPr>
-          <p:cNvPr id="7" name="Rectangle 6">
+          <p:cNvPr id="11" name="Rectangle 10">
             <a:extLst>
               <a:ext uri="{FF2B5EF4-FFF2-40B4-BE49-F238E27FC236}">
-                <a16:creationId xmlns:a16="http://schemas.microsoft.com/office/drawing/2014/main" id="{D7F10BD3-DB22-7043-8433-B6CE34EB4FEE}"/>
+                <a16:creationId xmlns:a16="http://schemas.microsoft.com/office/drawing/2014/main" id="{0A7FB891-F098-6F4A-BF30-BE78636DB4E4}"/>
               </a:ext>
             </a:extLst>
           </p:cNvPr>
@@ -26437,8 +26681,8 @@
         </p:nvSpPr>
         <p:spPr>
           <a:xfrm>
-            <a:off x="909614" y="1863769"/>
-            <a:ext cx="7149718" cy="346075"/>
+            <a:off x="909613" y="2323382"/>
+            <a:ext cx="7184256" cy="346075"/>
           </a:xfrm>
           <a:prstGeom prst="rect">
             <a:avLst/>
@@ -26482,7 +26726,7 @@
           <p:cNvPr id="12" name="Rectangle 11">
             <a:extLst>
               <a:ext uri="{FF2B5EF4-FFF2-40B4-BE49-F238E27FC236}">
-                <a16:creationId xmlns:a16="http://schemas.microsoft.com/office/drawing/2014/main" id="{F0D062B1-76F5-1E43-B067-441BE8AF1B26}"/>
+                <a16:creationId xmlns:a16="http://schemas.microsoft.com/office/drawing/2014/main" id="{A086482E-CA60-A944-BE73-D8148FD5A789}"/>
               </a:ext>
             </a:extLst>
           </p:cNvPr>
@@ -26491,8 +26735,8 @@
         </p:nvSpPr>
         <p:spPr>
           <a:xfrm>
-            <a:off x="909614" y="2762349"/>
-            <a:ext cx="1978629" cy="346075"/>
+            <a:off x="909612" y="2772143"/>
+            <a:ext cx="9098781" cy="346075"/>
           </a:xfrm>
           <a:prstGeom prst="rect">
             <a:avLst/>
@@ -26533,97 +26777,10 @@
       </p:sp>
       <p:sp>
         <p:nvSpPr>
-          <p:cNvPr id="2" name="Title 1">
+          <p:cNvPr id="13" name="Rectangle 12">
             <a:extLst>
               <a:ext uri="{FF2B5EF4-FFF2-40B4-BE49-F238E27FC236}">
-                <a16:creationId xmlns:a16="http://schemas.microsoft.com/office/drawing/2014/main" id="{AC0D55DF-385E-9A4F-AB08-FEBC11990B8B}"/>
-              </a:ext>
-            </a:extLst>
-          </p:cNvPr>
-          <p:cNvSpPr>
-            <a:spLocks noGrp="1"/>
-          </p:cNvSpPr>
-          <p:nvPr>
-            <p:ph type="title"/>
-          </p:nvPr>
-        </p:nvSpPr>
-        <p:spPr/>
-        <p:txBody>
-          <a:bodyPr/>
-          <a:lstStyle/>
-          <a:p>
-            <a:r>
-              <a:rPr lang="en-US" dirty="0"/>
-              <a:t>Python Requests Code Examples</a:t>
-            </a:r>
-          </a:p>
-        </p:txBody>
-      </p:sp>
-      <p:sp>
-        <p:nvSpPr>
-          <p:cNvPr id="4" name="Date Placeholder 3">
-            <a:extLst>
-              <a:ext uri="{FF2B5EF4-FFF2-40B4-BE49-F238E27FC236}">
-                <a16:creationId xmlns:a16="http://schemas.microsoft.com/office/drawing/2014/main" id="{6E8781CE-B8A7-7540-B619-28D099093D8B}"/>
-              </a:ext>
-            </a:extLst>
-          </p:cNvPr>
-          <p:cNvSpPr>
-            <a:spLocks noGrp="1"/>
-          </p:cNvSpPr>
-          <p:nvPr>
-            <p:ph type="dt" sz="half" idx="10"/>
-          </p:nvPr>
-        </p:nvSpPr>
-        <p:spPr/>
-        <p:txBody>
-          <a:bodyPr/>
-          <a:lstStyle/>
-          <a:p>
-            <a:r>
-              <a:rPr lang="en-US"/>
-              <a:t>World Wide Technology ©</a:t>
-            </a:r>
-            <a:endParaRPr lang="en-US" dirty="0"/>
-          </a:p>
-        </p:txBody>
-      </p:sp>
-      <p:sp>
-        <p:nvSpPr>
-          <p:cNvPr id="5" name="Slide Number Placeholder 4">
-            <a:extLst>
-              <a:ext uri="{FF2B5EF4-FFF2-40B4-BE49-F238E27FC236}">
-                <a16:creationId xmlns:a16="http://schemas.microsoft.com/office/drawing/2014/main" id="{222BEAA2-2326-1F4D-9BCE-0FC3EC23B201}"/>
-              </a:ext>
-            </a:extLst>
-          </p:cNvPr>
-          <p:cNvSpPr>
-            <a:spLocks noGrp="1"/>
-          </p:cNvSpPr>
-          <p:nvPr>
-            <p:ph type="sldNum" sz="quarter" idx="12"/>
-          </p:nvPr>
-        </p:nvSpPr>
-        <p:spPr/>
-        <p:txBody>
-          <a:bodyPr/>
-          <a:lstStyle/>
-          <a:p>
-            <a:fld id="{A44B02FA-DD2D-1844-AE35-8B2EAB0CF4EF}" type="slidenum">
-              <a:rPr lang="en-US" smtClean="0"/>
-              <a:pPr/>
-              <a:t>39</a:t>
-            </a:fld>
-            <a:endParaRPr lang="en-US" dirty="0"/>
-          </a:p>
-        </p:txBody>
-      </p:sp>
-      <p:sp>
-        <p:nvSpPr>
-          <p:cNvPr id="14" name="Rectangle 13">
-            <a:extLst>
-              <a:ext uri="{FF2B5EF4-FFF2-40B4-BE49-F238E27FC236}">
-                <a16:creationId xmlns:a16="http://schemas.microsoft.com/office/drawing/2014/main" id="{703DD973-53B4-D748-BA5C-78AAF3C74B72}"/>
+                <a16:creationId xmlns:a16="http://schemas.microsoft.com/office/drawing/2014/main" id="{60600C1A-0AEF-AE46-9476-DD02A0F21C15}"/>
               </a:ext>
             </a:extLst>
           </p:cNvPr>
@@ -26632,8 +26789,8 @@
         </p:nvSpPr>
         <p:spPr>
           <a:xfrm>
-            <a:off x="2888243" y="2763417"/>
-            <a:ext cx="283779" cy="346075"/>
+            <a:off x="909612" y="3225258"/>
+            <a:ext cx="7019951" cy="346075"/>
           </a:xfrm>
           <a:prstGeom prst="rect">
             <a:avLst/>
@@ -26672,10 +26829,118 @@
           </a:p>
         </p:txBody>
       </p:sp>
+      <p:sp>
+        <p:nvSpPr>
+          <p:cNvPr id="14" name="Rectangle 13">
+            <a:extLst>
+              <a:ext uri="{FF2B5EF4-FFF2-40B4-BE49-F238E27FC236}">
+                <a16:creationId xmlns:a16="http://schemas.microsoft.com/office/drawing/2014/main" id="{8737245F-87A7-EB4D-B8E9-AC54A1A034FC}"/>
+              </a:ext>
+            </a:extLst>
+          </p:cNvPr>
+          <p:cNvSpPr/>
+          <p:nvPr/>
+        </p:nvSpPr>
+        <p:spPr>
+          <a:xfrm>
+            <a:off x="909612" y="3684500"/>
+            <a:ext cx="6648655" cy="346075"/>
+          </a:xfrm>
+          <a:prstGeom prst="rect">
+            <a:avLst/>
+          </a:prstGeom>
+          <a:solidFill>
+            <a:schemeClr val="tx1">
+              <a:alpha val="40000"/>
+            </a:schemeClr>
+          </a:solidFill>
+          <a:ln>
+            <a:noFill/>
+          </a:ln>
+        </p:spPr>
+        <p:style>
+          <a:lnRef idx="2">
+            <a:schemeClr val="accent1">
+              <a:shade val="50000"/>
+            </a:schemeClr>
+          </a:lnRef>
+          <a:fillRef idx="1">
+            <a:schemeClr val="accent1"/>
+          </a:fillRef>
+          <a:effectRef idx="0">
+            <a:schemeClr val="accent1"/>
+          </a:effectRef>
+          <a:fontRef idx="minor">
+            <a:schemeClr val="lt1"/>
+          </a:fontRef>
+        </p:style>
+        <p:txBody>
+          <a:bodyPr rtlCol="0" anchor="ctr"/>
+          <a:lstStyle/>
+          <a:p>
+            <a:pPr algn="ctr"/>
+            <a:endParaRPr lang="en-US" dirty="0"/>
+          </a:p>
+        </p:txBody>
+      </p:sp>
+      <p:sp>
+        <p:nvSpPr>
+          <p:cNvPr id="15" name="Rectangle 14">
+            <a:extLst>
+              <a:ext uri="{FF2B5EF4-FFF2-40B4-BE49-F238E27FC236}">
+                <a16:creationId xmlns:a16="http://schemas.microsoft.com/office/drawing/2014/main" id="{48CDC9C6-099B-1A4D-AE31-B3B2FCBE5370}"/>
+              </a:ext>
+            </a:extLst>
+          </p:cNvPr>
+          <p:cNvSpPr/>
+          <p:nvPr/>
+        </p:nvSpPr>
+        <p:spPr>
+          <a:xfrm>
+            <a:off x="909612" y="4143742"/>
+            <a:ext cx="2940869" cy="346075"/>
+          </a:xfrm>
+          <a:prstGeom prst="rect">
+            <a:avLst/>
+          </a:prstGeom>
+          <a:solidFill>
+            <a:schemeClr val="tx1">
+              <a:alpha val="40000"/>
+            </a:schemeClr>
+          </a:solidFill>
+          <a:ln>
+            <a:noFill/>
+          </a:ln>
+        </p:spPr>
+        <p:style>
+          <a:lnRef idx="2">
+            <a:schemeClr val="accent1">
+              <a:shade val="50000"/>
+            </a:schemeClr>
+          </a:lnRef>
+          <a:fillRef idx="1">
+            <a:schemeClr val="accent1"/>
+          </a:fillRef>
+          <a:effectRef idx="0">
+            <a:schemeClr val="accent1"/>
+          </a:effectRef>
+          <a:fontRef idx="minor">
+            <a:schemeClr val="lt1"/>
+          </a:fontRef>
+        </p:style>
+        <p:txBody>
+          <a:bodyPr rtlCol="0" anchor="ctr"/>
+          <a:lstStyle/>
+          <a:p>
+            <a:pPr algn="ctr"/>
+            <a:endParaRPr lang="en-US" dirty="0"/>
+          </a:p>
+        </p:txBody>
+      </p:sp>
     </p:spTree>
     <p:extLst>
       <p:ext uri="{BB962C8B-B14F-4D97-AF65-F5344CB8AC3E}">
-        <p14:creationId xmlns:p14="http://schemas.microsoft.com/office/powerpoint/2010/main" val="2140970284"/>
+        <p14:creationId xmlns:p14="http://schemas.microsoft.com/office/powerpoint/2010/main" val="2094831133"/>
       </p:ext>
     </p:extLst>
   </p:cSld>
@@ -26706,6 +26971,9 @@
                     <p:cTn id="3" fill="hold">
                       <p:stCondLst>
                         <p:cond delay="indefinite"/>
+                        <p:cond evt="onBegin" delay="0">
+                          <p:tn val="2"/>
+                        </p:cond>
                       </p:stCondLst>
                       <p:childTnLst>
                         <p:par>
@@ -26715,7 +26983,7 @@
                             </p:stCondLst>
                             <p:childTnLst>
                               <p:par>
-                                <p:cTn id="5" presetID="22" presetClass="entr" presetSubtype="8" fill="hold" nodeType="clickEffect">
+                                <p:cTn id="5" presetID="22" presetClass="entr" presetSubtype="8" fill="hold" grpId="0" nodeType="afterEffect">
                                   <p:stCondLst>
                                     <p:cond delay="0"/>
                                   </p:stCondLst>
@@ -26728,11 +26996,7 @@
                                           </p:stCondLst>
                                         </p:cTn>
                                         <p:tgtEl>
-                                          <p:spTgt spid="3">
-                                            <p:txEl>
-                                              <p:pRg st="0" end="0"/>
-                                            </p:txEl>
-                                          </p:spTgt>
+                                          <p:spTgt spid="10"/>
                                         </p:tgtEl>
                                         <p:attrNameLst>
                                           <p:attrName>style.visibility</p:attrName>
@@ -26744,13 +27008,9 @@
                                     </p:set>
                                     <p:animEffect transition="in" filter="wipe(left)">
                                       <p:cBhvr>
-                                        <p:cTn id="7" dur="2000"/>
-                                        <p:tgtEl>
-                                          <p:spTgt spid="3">
-                                            <p:txEl>
-                                              <p:pRg st="0" end="0"/>
-                                            </p:txEl>
-                                          </p:spTgt>
+                                        <p:cTn id="7" dur="500"/>
+                                        <p:tgtEl>
+                                          <p:spTgt spid="10"/>
                                         </p:tgtEl>
                                       </p:cBhvr>
                                     </p:animEffect>
@@ -26763,11 +27023,11 @@
                         <p:par>
                           <p:cTn id="8" fill="hold">
                             <p:stCondLst>
-                              <p:cond delay="2000"/>
+                              <p:cond delay="500"/>
                             </p:stCondLst>
                             <p:childTnLst>
                               <p:par>
-                                <p:cTn id="9" presetID="22" presetClass="entr" presetSubtype="8" fill="hold" nodeType="afterEffect">
+                                <p:cTn id="9" presetID="22" presetClass="entr" presetSubtype="8" fill="hold" grpId="0" nodeType="afterEffect">
                                   <p:stCondLst>
                                     <p:cond delay="0"/>
                                   </p:stCondLst>
@@ -26780,11 +27040,7 @@
                                           </p:stCondLst>
                                         </p:cTn>
                                         <p:tgtEl>
-                                          <p:spTgt spid="3">
-                                            <p:txEl>
-                                              <p:pRg st="1" end="1"/>
-                                            </p:txEl>
-                                          </p:spTgt>
+                                          <p:spTgt spid="11"/>
                                         </p:tgtEl>
                                         <p:attrNameLst>
                                           <p:attrName>style.visibility</p:attrName>
@@ -26796,13 +27052,9 @@
                                     </p:set>
                                     <p:animEffect transition="in" filter="wipe(left)">
                                       <p:cBhvr>
-                                        <p:cTn id="11" dur="2000"/>
-                                        <p:tgtEl>
-                                          <p:spTgt spid="3">
-                                            <p:txEl>
-                                              <p:pRg st="1" end="1"/>
-                                            </p:txEl>
-                                          </p:spTgt>
+                                        <p:cTn id="11" dur="1000"/>
+                                        <p:tgtEl>
+                                          <p:spTgt spid="11"/>
                                         </p:tgtEl>
                                       </p:cBhvr>
                                     </p:animEffect>
@@ -26815,11 +27067,11 @@
                         <p:par>
                           <p:cTn id="12" fill="hold">
                             <p:stCondLst>
-                              <p:cond delay="4000"/>
+                              <p:cond delay="1500"/>
                             </p:stCondLst>
                             <p:childTnLst>
                               <p:par>
-                                <p:cTn id="13" presetID="22" presetClass="entr" presetSubtype="8" fill="hold" nodeType="afterEffect">
+                                <p:cTn id="13" presetID="22" presetClass="entr" presetSubtype="8" fill="hold" grpId="0" nodeType="afterEffect">
                                   <p:stCondLst>
                                     <p:cond delay="0"/>
                                   </p:stCondLst>
@@ -26832,11 +27084,7 @@
                                           </p:stCondLst>
                                         </p:cTn>
                                         <p:tgtEl>
-                                          <p:spTgt spid="3">
-                                            <p:txEl>
-                                              <p:pRg st="2" end="2"/>
-                                            </p:txEl>
-                                          </p:spTgt>
+                                          <p:spTgt spid="12"/>
                                         </p:tgtEl>
                                         <p:attrNameLst>
                                           <p:attrName>style.visibility</p:attrName>
@@ -26850,72 +27098,7 @@
                                       <p:cBhvr>
                                         <p:cTn id="15" dur="1000"/>
                                         <p:tgtEl>
-                                          <p:spTgt spid="3">
-                                            <p:txEl>
-                                              <p:pRg st="2" end="2"/>
-                                            </p:txEl>
-                                          </p:spTgt>
-                                        </p:tgtEl>
-                                      </p:cBhvr>
-                                    </p:animEffect>
-                                  </p:childTnLst>
-                                </p:cTn>
-                              </p:par>
-                            </p:childTnLst>
-                          </p:cTn>
-                        </p:par>
-                      </p:childTnLst>
-                    </p:cTn>
-                  </p:par>
-                  <p:par>
-                    <p:cTn id="16" fill="hold">
-                      <p:stCondLst>
-                        <p:cond delay="indefinite"/>
-                      </p:stCondLst>
-                      <p:childTnLst>
-                        <p:par>
-                          <p:cTn id="17" fill="hold">
-                            <p:stCondLst>
-                              <p:cond delay="0"/>
-                            </p:stCondLst>
-                            <p:childTnLst>
-                              <p:par>
-                                <p:cTn id="18" presetID="9" presetClass="entr" presetSubtype="0" fill="hold" nodeType="clickEffect">
-                                  <p:stCondLst>
-                                    <p:cond delay="0"/>
-                                  </p:stCondLst>
-                                  <p:childTnLst>
-                                    <p:set>
-                                      <p:cBhvr>
-                                        <p:cTn id="19" dur="1" fill="hold">
-                                          <p:stCondLst>
-                                            <p:cond delay="0"/>
-                                          </p:stCondLst>
-                                        </p:cTn>
-                                        <p:tgtEl>
-                                          <p:spTgt spid="3">
-                                            <p:txEl>
-                                              <p:pRg st="3" end="3"/>
-                                            </p:txEl>
-                                          </p:spTgt>
-                                        </p:tgtEl>
-                                        <p:attrNameLst>
-                                          <p:attrName>style.visibility</p:attrName>
-                                        </p:attrNameLst>
-                                      </p:cBhvr>
-                                      <p:to>
-                                        <p:strVal val="visible"/>
-                                      </p:to>
-                                    </p:set>
-                                    <p:animEffect transition="in" filter="dissolve">
-                                      <p:cBhvr>
-                                        <p:cTn id="20" dur="500"/>
-                                        <p:tgtEl>
-                                          <p:spTgt spid="3">
-                                            <p:txEl>
-                                              <p:pRg st="3" end="3"/>
-                                            </p:txEl>
-                                          </p:spTgt>
+                                          <p:spTgt spid="12"/>
                                         </p:tgtEl>
                                       </p:cBhvr>
                                     </p:animEffect>
@@ -26926,26 +27109,26 @@
                           </p:cTn>
                         </p:par>
                         <p:par>
-                          <p:cTn id="21" fill="hold">
+                          <p:cTn id="16" fill="hold">
                             <p:stCondLst>
-                              <p:cond delay="500"/>
+                              <p:cond delay="2500"/>
                             </p:stCondLst>
                             <p:childTnLst>
                               <p:par>
-                                <p:cTn id="22" presetID="22" presetClass="entr" presetSubtype="8" fill="hold" grpId="0" nodeType="afterEffect">
+                                <p:cTn id="17" presetID="22" presetClass="entr" presetSubtype="8" fill="hold" grpId="0" nodeType="afterEffect">
                                   <p:stCondLst>
-                                    <p:cond delay="500"/>
+                                    <p:cond delay="0"/>
                                   </p:stCondLst>
                                   <p:childTnLst>
                                     <p:set>
                                       <p:cBhvr>
-                                        <p:cTn id="23" dur="1" fill="hold">
+                                        <p:cTn id="18" dur="1" fill="hold">
                                           <p:stCondLst>
                                             <p:cond delay="0"/>
                                           </p:stCondLst>
                                         </p:cTn>
                                         <p:tgtEl>
-                                          <p:spTgt spid="7"/>
+                                          <p:spTgt spid="13"/>
                                         </p:tgtEl>
                                         <p:attrNameLst>
                                           <p:attrName>style.visibility</p:attrName>
@@ -26957,70 +27140,9 @@
                                     </p:set>
                                     <p:animEffect transition="in" filter="wipe(left)">
                                       <p:cBhvr>
-                                        <p:cTn id="24" dur="1000"/>
-                                        <p:tgtEl>
-                                          <p:spTgt spid="7"/>
-                                        </p:tgtEl>
-                                      </p:cBhvr>
-                                    </p:animEffect>
-                                  </p:childTnLst>
-                                </p:cTn>
-                              </p:par>
-                            </p:childTnLst>
-                          </p:cTn>
-                        </p:par>
-                      </p:childTnLst>
-                    </p:cTn>
-                  </p:par>
-                  <p:par>
-                    <p:cTn id="25" fill="hold">
-                      <p:stCondLst>
-                        <p:cond delay="indefinite"/>
-                      </p:stCondLst>
-                      <p:childTnLst>
-                        <p:par>
-                          <p:cTn id="26" fill="hold">
-                            <p:stCondLst>
-                              <p:cond delay="0"/>
-                            </p:stCondLst>
-                            <p:childTnLst>
-                              <p:par>
-                                <p:cTn id="27" presetID="9" presetClass="entr" presetSubtype="0" fill="hold" nodeType="clickEffect">
-                                  <p:stCondLst>
-                                    <p:cond delay="0"/>
-                                  </p:stCondLst>
-                                  <p:childTnLst>
-                                    <p:set>
-                                      <p:cBhvr>
-                                        <p:cTn id="28" dur="1" fill="hold">
-                                          <p:stCondLst>
-                                            <p:cond delay="0"/>
-                                          </p:stCondLst>
-                                        </p:cTn>
-                                        <p:tgtEl>
-                                          <p:spTgt spid="3">
-                                            <p:txEl>
-                                              <p:pRg st="4" end="4"/>
-                                            </p:txEl>
-                                          </p:spTgt>
-                                        </p:tgtEl>
-                                        <p:attrNameLst>
-                                          <p:attrName>style.visibility</p:attrName>
-                                        </p:attrNameLst>
-                                      </p:cBhvr>
-                                      <p:to>
-                                        <p:strVal val="visible"/>
-                                      </p:to>
-                                    </p:set>
-                                    <p:animEffect transition="in" filter="dissolve">
-                                      <p:cBhvr>
-                                        <p:cTn id="29" dur="500"/>
-                                        <p:tgtEl>
-                                          <p:spTgt spid="3">
-                                            <p:txEl>
-                                              <p:pRg st="4" end="4"/>
-                                            </p:txEl>
-                                          </p:spTgt>
+                                        <p:cTn id="19" dur="1000"/>
+                                        <p:tgtEl>
+                                          <p:spTgt spid="13"/>
                                         </p:tgtEl>
                                       </p:cBhvr>
                                     </p:animEffect>
@@ -27031,26 +27153,26 @@
                           </p:cTn>
                         </p:par>
                         <p:par>
-                          <p:cTn id="30" fill="hold">
+                          <p:cTn id="20" fill="hold">
                             <p:stCondLst>
-                              <p:cond delay="500"/>
+                              <p:cond delay="3500"/>
                             </p:stCondLst>
                             <p:childTnLst>
                               <p:par>
-                                <p:cTn id="31" presetID="22" presetClass="entr" presetSubtype="8" fill="hold" grpId="0" nodeType="afterEffect">
+                                <p:cTn id="21" presetID="22" presetClass="entr" presetSubtype="8" fill="hold" grpId="0" nodeType="afterEffect">
                                   <p:stCondLst>
-                                    <p:cond delay="500"/>
+                                    <p:cond delay="0"/>
                                   </p:stCondLst>
                                   <p:childTnLst>
                                     <p:set>
                                       <p:cBhvr>
-                                        <p:cTn id="32" dur="1" fill="hold">
+                                        <p:cTn id="22" dur="1" fill="hold">
                                           <p:stCondLst>
                                             <p:cond delay="0"/>
                                           </p:stCondLst>
                                         </p:cTn>
                                         <p:tgtEl>
-                                          <p:spTgt spid="11"/>
+                                          <p:spTgt spid="14"/>
                                         </p:tgtEl>
                                         <p:attrNameLst>
                                           <p:attrName>style.visibility</p:attrName>
@@ -27062,70 +27184,9 @@
                                     </p:set>
                                     <p:animEffect transition="in" filter="wipe(left)">
                                       <p:cBhvr>
-                                        <p:cTn id="33" dur="1000"/>
-                                        <p:tgtEl>
-                                          <p:spTgt spid="11"/>
-                                        </p:tgtEl>
-                                      </p:cBhvr>
-                                    </p:animEffect>
-                                  </p:childTnLst>
-                                </p:cTn>
-                              </p:par>
-                            </p:childTnLst>
-                          </p:cTn>
-                        </p:par>
-                      </p:childTnLst>
-                    </p:cTn>
-                  </p:par>
-                  <p:par>
-                    <p:cTn id="34" fill="hold">
-                      <p:stCondLst>
-                        <p:cond delay="indefinite"/>
-                      </p:stCondLst>
-                      <p:childTnLst>
-                        <p:par>
-                          <p:cTn id="35" fill="hold">
-                            <p:stCondLst>
-                              <p:cond delay="0"/>
-                            </p:stCondLst>
-                            <p:childTnLst>
-                              <p:par>
-                                <p:cTn id="36" presetID="9" presetClass="entr" presetSubtype="0" fill="hold" nodeType="clickEffect">
-                                  <p:stCondLst>
-                                    <p:cond delay="0"/>
-                                  </p:stCondLst>
-                                  <p:childTnLst>
-                                    <p:set>
-                                      <p:cBhvr>
-                                        <p:cTn id="37" dur="1" fill="hold">
-                                          <p:stCondLst>
-                                            <p:cond delay="0"/>
-                                          </p:stCondLst>
-                                        </p:cTn>
-                                        <p:tgtEl>
-                                          <p:spTgt spid="3">
-                                            <p:txEl>
-                                              <p:pRg st="5" end="5"/>
-                                            </p:txEl>
-                                          </p:spTgt>
-                                        </p:tgtEl>
-                                        <p:attrNameLst>
-                                          <p:attrName>style.visibility</p:attrName>
-                                        </p:attrNameLst>
-                                      </p:cBhvr>
-                                      <p:to>
-                                        <p:strVal val="visible"/>
-                                      </p:to>
-                                    </p:set>
-                                    <p:animEffect transition="in" filter="dissolve">
-                                      <p:cBhvr>
-                                        <p:cTn id="38" dur="500"/>
-                                        <p:tgtEl>
-                                          <p:spTgt spid="3">
-                                            <p:txEl>
-                                              <p:pRg st="5" end="5"/>
-                                            </p:txEl>
-                                          </p:spTgt>
+                                        <p:cTn id="23" dur="1000"/>
+                                        <p:tgtEl>
+                                          <p:spTgt spid="14"/>
                                         </p:tgtEl>
                                       </p:cBhvr>
                                     </p:animEffect>
@@ -27136,26 +27197,26 @@
                           </p:cTn>
                         </p:par>
                         <p:par>
-                          <p:cTn id="39" fill="hold">
+                          <p:cTn id="24" fill="hold">
                             <p:stCondLst>
-                              <p:cond delay="500"/>
+                              <p:cond delay="4500"/>
                             </p:stCondLst>
                             <p:childTnLst>
                               <p:par>
-                                <p:cTn id="40" presetID="22" presetClass="entr" presetSubtype="8" fill="hold" grpId="0" nodeType="afterEffect">
+                                <p:cTn id="25" presetID="22" presetClass="entr" presetSubtype="8" fill="hold" grpId="0" nodeType="afterEffect">
                                   <p:stCondLst>
-                                    <p:cond delay="500"/>
+                                    <p:cond delay="0"/>
                                   </p:stCondLst>
                                   <p:childTnLst>
                                     <p:set>
                                       <p:cBhvr>
-                                        <p:cTn id="41" dur="1" fill="hold">
+                                        <p:cTn id="26" dur="1" fill="hold">
                                           <p:stCondLst>
                                             <p:cond delay="0"/>
                                           </p:stCondLst>
                                         </p:cTn>
                                         <p:tgtEl>
-                                          <p:spTgt spid="12"/>
+                                          <p:spTgt spid="15"/>
                                         </p:tgtEl>
                                         <p:attrNameLst>
                                           <p:attrName>style.visibility</p:attrName>
@@ -27167,114 +27228,9 @@
                                     </p:set>
                                     <p:animEffect transition="in" filter="wipe(left)">
                                       <p:cBhvr>
-                                        <p:cTn id="42" dur="500"/>
-                                        <p:tgtEl>
-                                          <p:spTgt spid="12"/>
-                                        </p:tgtEl>
-                                      </p:cBhvr>
-                                    </p:animEffect>
-                                  </p:childTnLst>
-                                </p:cTn>
-                              </p:par>
-                            </p:childTnLst>
-                          </p:cTn>
-                        </p:par>
-                      </p:childTnLst>
-                    </p:cTn>
-                  </p:par>
-                  <p:par>
-                    <p:cTn id="43" fill="hold">
-                      <p:stCondLst>
-                        <p:cond delay="indefinite"/>
-                      </p:stCondLst>
-                      <p:childTnLst>
-                        <p:par>
-                          <p:cTn id="44" fill="hold">
-                            <p:stCondLst>
-                              <p:cond delay="0"/>
-                            </p:stCondLst>
-                            <p:childTnLst>
-                              <p:par>
-                                <p:cTn id="45" presetID="9" presetClass="entr" presetSubtype="0" fill="hold" nodeType="clickEffect">
-                                  <p:stCondLst>
-                                    <p:cond delay="0"/>
-                                  </p:stCondLst>
-                                  <p:childTnLst>
-                                    <p:set>
-                                      <p:cBhvr>
-                                        <p:cTn id="46" dur="1" fill="hold">
-                                          <p:stCondLst>
-                                            <p:cond delay="0"/>
-                                          </p:stCondLst>
-                                        </p:cTn>
-                                        <p:tgtEl>
-                                          <p:spTgt spid="3">
-                                            <p:txEl>
-                                              <p:pRg st="6" end="6"/>
-                                            </p:txEl>
-                                          </p:spTgt>
-                                        </p:tgtEl>
-                                        <p:attrNameLst>
-                                          <p:attrName>style.visibility</p:attrName>
-                                        </p:attrNameLst>
-                                      </p:cBhvr>
-                                      <p:to>
-                                        <p:strVal val="visible"/>
-                                      </p:to>
-                                    </p:set>
-                                    <p:animEffect transition="in" filter="dissolve">
-                                      <p:cBhvr>
-                                        <p:cTn id="47" dur="500"/>
-                                        <p:tgtEl>
-                                          <p:spTgt spid="3">
-                                            <p:txEl>
-                                              <p:pRg st="6" end="6"/>
-                                            </p:txEl>
-                                          </p:spTgt>
-                                        </p:tgtEl>
-                                      </p:cBhvr>
-                                    </p:animEffect>
-                                  </p:childTnLst>
-                                </p:cTn>
-                              </p:par>
-                            </p:childTnLst>
-                          </p:cTn>
-                        </p:par>
-                        <p:par>
-                          <p:cTn id="48" fill="hold">
-                            <p:stCondLst>
-                              <p:cond delay="500"/>
-                            </p:stCondLst>
-                            <p:childTnLst>
-                              <p:par>
-                                <p:cTn id="49" presetID="22" presetClass="entr" presetSubtype="8" fill="hold" grpId="0" nodeType="afterEffect">
-                                  <p:stCondLst>
-                                    <p:cond delay="500"/>
-                                  </p:stCondLst>
-                                  <p:childTnLst>
-                                    <p:set>
-                                      <p:cBhvr>
-                                        <p:cTn id="50" dur="1" fill="hold">
-                                          <p:stCondLst>
-                                            <p:cond delay="0"/>
-                                          </p:stCondLst>
-                                        </p:cTn>
-                                        <p:tgtEl>
-                                          <p:spTgt spid="14"/>
-                                        </p:tgtEl>
-                                        <p:attrNameLst>
-                                          <p:attrName>style.visibility</p:attrName>
-                                        </p:attrNameLst>
-                                      </p:cBhvr>
-                                      <p:to>
-                                        <p:strVal val="visible"/>
-                                      </p:to>
-                                    </p:set>
-                                    <p:animEffect transition="in" filter="wipe(left)">
-                                      <p:cBhvr>
-                                        <p:cTn id="51" dur="250"/>
-                                        <p:tgtEl>
-                                          <p:spTgt spid="14"/>
+                                        <p:cTn id="27" dur="1000"/>
+                                        <p:tgtEl>
+                                          <p:spTgt spid="15"/>
                                         </p:tgtEl>
                                       </p:cBhvr>
                                     </p:animEffect>
@@ -27309,10 +27265,12 @@
       </p:par>
     </p:tnLst>
     <p:bldLst>
+      <p:bldP spid="10" grpId="0" animBg="1"/>
       <p:bldP spid="11" grpId="0" animBg="1"/>
-      <p:bldP spid="7" grpId="0" animBg="1"/>
       <p:bldP spid="12" grpId="0" animBg="1"/>
+      <p:bldP spid="13" grpId="0" animBg="1"/>
       <p:bldP spid="14" grpId="0" animBg="1"/>
+      <p:bldP spid="15" grpId="0" animBg="1"/>
     </p:bldLst>
   </p:timing>
 </p:sld>
@@ -27498,7 +27456,7 @@
     </p:spTree>
     <p:extLst>
       <p:ext uri="{BB962C8B-B14F-4D97-AF65-F5344CB8AC3E}">
-        <p14:creationId xmlns:p14="http://schemas.microsoft.com/office/powerpoint/2010/main" val="3025731542"/>
+        <p14:creationId xmlns:p14="http://schemas.microsoft.com/office/powerpoint/2010/main" val="4243232459"/>
       </p:ext>
     </p:extLst>
   </p:cSld>
@@ -27539,10 +27497,10 @@
       </p:grpSpPr>
       <p:sp>
         <p:nvSpPr>
-          <p:cNvPr id="3" name="Content Placeholder 2">
+          <p:cNvPr id="2" name="Title 1">
             <a:extLst>
               <a:ext uri="{FF2B5EF4-FFF2-40B4-BE49-F238E27FC236}">
-                <a16:creationId xmlns:a16="http://schemas.microsoft.com/office/drawing/2014/main" id="{4CB23FD9-ADE0-084E-A8CC-44CA0BA25AB3}"/>
+                <a16:creationId xmlns:a16="http://schemas.microsoft.com/office/drawing/2014/main" id="{9D8D6E4C-FC36-3E4C-9387-96DD20072D9D}"/>
               </a:ext>
             </a:extLst>
           </p:cNvPr>
@@ -27550,145 +27508,32 @@
             <a:spLocks noGrp="1"/>
           </p:cNvSpPr>
           <p:nvPr>
-            <p:ph idx="1"/>
+            <p:ph type="ctrTitle"/>
           </p:nvPr>
         </p:nvSpPr>
-        <p:spPr/>
-        <p:txBody>
-          <a:bodyPr>
-            <a:normAutofit/>
-          </a:bodyPr>
+        <p:spPr>
+          <a:xfrm>
+            <a:off x="1524000" y="914013"/>
+            <a:ext cx="9144000" cy="2387600"/>
+          </a:xfrm>
+        </p:spPr>
+        <p:txBody>
+          <a:bodyPr/>
           <a:lstStyle/>
           <a:p>
-            <a:pPr marL="0" indent="0">
-              <a:buNone/>
-            </a:pPr>
-            <a:r>
-              <a:rPr lang="en-US" sz="2400" b="1" i="1" dirty="0">
-                <a:solidFill>
-                  <a:srgbClr val="FFFF00"/>
-                </a:solidFill>
-              </a:rPr>
-              <a:t>curl --</a:t>
-            </a:r>
-            <a:r>
-              <a:rPr lang="en-US" sz="2400" b="1" i="1" dirty="0" err="1">
-                <a:solidFill>
-                  <a:srgbClr val="FFFF00"/>
-                </a:solidFill>
-              </a:rPr>
-              <a:t>url</a:t>
-            </a:r>
-            <a:r>
-              <a:rPr lang="en-US" sz="2400" b="1" i="1" dirty="0">
-                <a:solidFill>
-                  <a:srgbClr val="FFFF00"/>
-                </a:solidFill>
-              </a:rPr>
-              <a:t> https://</a:t>
-            </a:r>
-            <a:r>
-              <a:rPr lang="en-US" sz="2400" b="1" i="1" dirty="0" err="1">
-                <a:solidFill>
-                  <a:srgbClr val="FFFF00"/>
-                </a:solidFill>
-              </a:rPr>
-              <a:t>api.meraki.com</a:t>
-            </a:r>
-            <a:r>
-              <a:rPr lang="en-US" sz="2400" b="1" i="1" dirty="0">
-                <a:solidFill>
-                  <a:srgbClr val="FFFF00"/>
-                </a:solidFill>
-              </a:rPr>
-              <a:t>/</a:t>
-            </a:r>
-            <a:r>
-              <a:rPr lang="en-US" sz="2400" b="1" i="1" dirty="0" err="1">
-                <a:solidFill>
-                  <a:srgbClr val="FFFF00"/>
-                </a:solidFill>
-              </a:rPr>
-              <a:t>api</a:t>
-            </a:r>
-            <a:r>
-              <a:rPr lang="en-US" sz="2400" b="1" i="1" dirty="0">
-                <a:solidFill>
-                  <a:srgbClr val="FFFF00"/>
-                </a:solidFill>
-              </a:rPr>
-              <a:t>/v0/organizations \</a:t>
-            </a:r>
-          </a:p>
-          <a:p>
-            <a:pPr marL="0" indent="0">
-              <a:buNone/>
-            </a:pPr>
-            <a:r>
-              <a:rPr lang="en-US" sz="2400" b="1" i="1" dirty="0">
-                <a:solidFill>
-                  <a:srgbClr val="FFFF00"/>
-                </a:solidFill>
-              </a:rPr>
-              <a:t>-H X-Cisco-Meraki-API-Key:$MERAKI_API_KEY \</a:t>
-            </a:r>
-          </a:p>
-          <a:p>
-            <a:pPr marL="0" indent="0">
-              <a:buNone/>
-            </a:pPr>
-            <a:r>
-              <a:rPr lang="en-US" sz="2400" b="1" i="1" dirty="0">
-                <a:solidFill>
-                  <a:srgbClr val="FFFF00"/>
-                </a:solidFill>
-              </a:rPr>
-              <a:t>-H 'Accept: */*' -</a:t>
-            </a:r>
-            <a:r>
-              <a:rPr lang="en-US" sz="2400" b="1" i="1" dirty="0" err="1">
-                <a:solidFill>
-                  <a:srgbClr val="FFFF00"/>
-                </a:solidFill>
-              </a:rPr>
-              <a:t>i</a:t>
-            </a:r>
-            <a:r>
-              <a:rPr lang="en-US" sz="2400" b="1" i="1" dirty="0">
-                <a:solidFill>
-                  <a:srgbClr val="FFFF00"/>
-                </a:solidFill>
-              </a:rPr>
-              <a:t> \</a:t>
-            </a:r>
-          </a:p>
-          <a:p>
-            <a:pPr marL="0" indent="0">
-              <a:buNone/>
-            </a:pPr>
-            <a:r>
-              <a:rPr lang="en-US" sz="2400" b="1" i="1" dirty="0">
-                <a:solidFill>
-                  <a:srgbClr val="FFFF00"/>
-                </a:solidFill>
-              </a:rPr>
-              <a:t>-L</a:t>
-            </a:r>
-          </a:p>
-          <a:p>
-            <a:r>
-              <a:rPr lang="en-US" sz="2400" dirty="0"/>
-              <a:t>Follow redirects</a:t>
-            </a:r>
-          </a:p>
-        </p:txBody>
-      </p:sp>
-      <p:sp>
-        <p:nvSpPr>
-          <p:cNvPr id="2" name="Title 1">
+            <a:r>
+              <a:rPr lang="en-US" dirty="0"/>
+              <a:t>Part IV</a:t>
+            </a:r>
+          </a:p>
+        </p:txBody>
+      </p:sp>
+      <p:sp>
+        <p:nvSpPr>
+          <p:cNvPr id="3" name="Subtitle 2">
             <a:extLst>
               <a:ext uri="{FF2B5EF4-FFF2-40B4-BE49-F238E27FC236}">
-                <a16:creationId xmlns:a16="http://schemas.microsoft.com/office/drawing/2014/main" id="{AC0D55DF-385E-9A4F-AB08-FEBC11990B8B}"/>
+                <a16:creationId xmlns:a16="http://schemas.microsoft.com/office/drawing/2014/main" id="{0451A0DE-9D64-5A48-94B5-5B4E42709819}"/>
               </a:ext>
             </a:extLst>
           </p:cNvPr>
@@ -27696,84 +27541,30 @@
             <a:spLocks noGrp="1"/>
           </p:cNvSpPr>
           <p:nvPr>
-            <p:ph type="title"/>
+            <p:ph type="subTitle" idx="1"/>
           </p:nvPr>
         </p:nvSpPr>
-        <p:spPr/>
+        <p:spPr>
+          <a:xfrm>
+            <a:off x="1524000" y="3393688"/>
+            <a:ext cx="9144000" cy="1655762"/>
+          </a:xfrm>
+        </p:spPr>
         <p:txBody>
           <a:bodyPr/>
           <a:lstStyle/>
           <a:p>
             <a:r>
               <a:rPr lang="en-US" dirty="0"/>
-              <a:t>Python Requests Code Examples</a:t>
-            </a:r>
-          </a:p>
-        </p:txBody>
-      </p:sp>
-      <p:sp>
-        <p:nvSpPr>
-          <p:cNvPr id="4" name="Date Placeholder 3">
-            <a:extLst>
-              <a:ext uri="{FF2B5EF4-FFF2-40B4-BE49-F238E27FC236}">
-                <a16:creationId xmlns:a16="http://schemas.microsoft.com/office/drawing/2014/main" id="{6E8781CE-B8A7-7540-B619-28D099093D8B}"/>
-              </a:ext>
-            </a:extLst>
-          </p:cNvPr>
-          <p:cNvSpPr>
-            <a:spLocks noGrp="1"/>
-          </p:cNvSpPr>
-          <p:nvPr>
-            <p:ph type="dt" sz="half" idx="10"/>
-          </p:nvPr>
-        </p:nvSpPr>
-        <p:spPr/>
-        <p:txBody>
-          <a:bodyPr/>
-          <a:lstStyle/>
-          <a:p>
-            <a:r>
-              <a:rPr lang="en-US"/>
-              <a:t>World Wide Technology ©</a:t>
-            </a:r>
-            <a:endParaRPr lang="en-US" dirty="0"/>
-          </a:p>
-        </p:txBody>
-      </p:sp>
-      <p:sp>
-        <p:nvSpPr>
-          <p:cNvPr id="5" name="Slide Number Placeholder 4">
-            <a:extLst>
-              <a:ext uri="{FF2B5EF4-FFF2-40B4-BE49-F238E27FC236}">
-                <a16:creationId xmlns:a16="http://schemas.microsoft.com/office/drawing/2014/main" id="{222BEAA2-2326-1F4D-9BCE-0FC3EC23B201}"/>
-              </a:ext>
-            </a:extLst>
-          </p:cNvPr>
-          <p:cNvSpPr>
-            <a:spLocks noGrp="1"/>
-          </p:cNvSpPr>
-          <p:nvPr>
-            <p:ph type="sldNum" sz="quarter" idx="12"/>
-          </p:nvPr>
-        </p:nvSpPr>
-        <p:spPr/>
-        <p:txBody>
-          <a:bodyPr/>
-          <a:lstStyle/>
-          <a:p>
-            <a:fld id="{A44B02FA-DD2D-1844-AE35-8B2EAB0CF4EF}" type="slidenum">
-              <a:rPr lang="en-US" smtClean="0"/>
-              <a:pPr/>
-              <a:t>41</a:t>
-            </a:fld>
-            <a:endParaRPr lang="en-US" dirty="0"/>
+              <a:t>Cisco Platform APIs Overview</a:t>
+            </a:r>
           </a:p>
         </p:txBody>
       </p:sp>
     </p:spTree>
     <p:extLst>
       <p:ext uri="{BB962C8B-B14F-4D97-AF65-F5344CB8AC3E}">
-        <p14:creationId xmlns:p14="http://schemas.microsoft.com/office/powerpoint/2010/main" val="2094831133"/>
+        <p14:creationId xmlns:p14="http://schemas.microsoft.com/office/powerpoint/2010/main" val="899135878"/>
       </p:ext>
     </p:extLst>
   </p:cSld>
@@ -27792,149 +27583,6 @@
       </p:transition>
     </mc:Fallback>
   </mc:AlternateContent>
-  <p:timing>
-    <p:tnLst>
-      <p:par>
-        <p:cTn id="1" dur="indefinite" restart="never" nodeType="tmRoot">
-          <p:childTnLst>
-            <p:seq concurrent="1" nextAc="seek">
-              <p:cTn id="2" dur="indefinite" nodeType="mainSeq">
-                <p:childTnLst>
-                  <p:par>
-                    <p:cTn id="3" fill="hold">
-                      <p:stCondLst>
-                        <p:cond delay="indefinite"/>
-                      </p:stCondLst>
-                      <p:childTnLst>
-                        <p:par>
-                          <p:cTn id="4" fill="hold">
-                            <p:stCondLst>
-                              <p:cond delay="0"/>
-                            </p:stCondLst>
-                            <p:childTnLst>
-                              <p:par>
-                                <p:cTn id="5" presetID="22" presetClass="entr" presetSubtype="8" fill="hold" nodeType="clickEffect">
-                                  <p:stCondLst>
-                                    <p:cond delay="0"/>
-                                  </p:stCondLst>
-                                  <p:childTnLst>
-                                    <p:set>
-                                      <p:cBhvr>
-                                        <p:cTn id="6" dur="1" fill="hold">
-                                          <p:stCondLst>
-                                            <p:cond delay="0"/>
-                                          </p:stCondLst>
-                                        </p:cTn>
-                                        <p:tgtEl>
-                                          <p:spTgt spid="3">
-                                            <p:txEl>
-                                              <p:pRg st="3" end="3"/>
-                                            </p:txEl>
-                                          </p:spTgt>
-                                        </p:tgtEl>
-                                        <p:attrNameLst>
-                                          <p:attrName>style.visibility</p:attrName>
-                                        </p:attrNameLst>
-                                      </p:cBhvr>
-                                      <p:to>
-                                        <p:strVal val="visible"/>
-                                      </p:to>
-                                    </p:set>
-                                    <p:animEffect transition="in" filter="wipe(left)">
-                                      <p:cBhvr>
-                                        <p:cTn id="7" dur="500"/>
-                                        <p:tgtEl>
-                                          <p:spTgt spid="3">
-                                            <p:txEl>
-                                              <p:pRg st="3" end="3"/>
-                                            </p:txEl>
-                                          </p:spTgt>
-                                        </p:tgtEl>
-                                      </p:cBhvr>
-                                    </p:animEffect>
-                                  </p:childTnLst>
-                                </p:cTn>
-                              </p:par>
-                            </p:childTnLst>
-                          </p:cTn>
-                        </p:par>
-                        <p:par>
-                          <p:cTn id="8" fill="hold">
-                            <p:stCondLst>
-                              <p:cond delay="500"/>
-                            </p:stCondLst>
-                            <p:childTnLst>
-                              <p:par>
-                                <p:cTn id="9" presetID="9" presetClass="entr" presetSubtype="0" fill="hold" nodeType="afterEffect">
-                                  <p:stCondLst>
-                                    <p:cond delay="500"/>
-                                  </p:stCondLst>
-                                  <p:childTnLst>
-                                    <p:set>
-                                      <p:cBhvr>
-                                        <p:cTn id="10" dur="1" fill="hold">
-                                          <p:stCondLst>
-                                            <p:cond delay="0"/>
-                                          </p:stCondLst>
-                                        </p:cTn>
-                                        <p:tgtEl>
-                                          <p:spTgt spid="3">
-                                            <p:txEl>
-                                              <p:pRg st="4" end="4"/>
-                                            </p:txEl>
-                                          </p:spTgt>
-                                        </p:tgtEl>
-                                        <p:attrNameLst>
-                                          <p:attrName>style.visibility</p:attrName>
-                                        </p:attrNameLst>
-                                      </p:cBhvr>
-                                      <p:to>
-                                        <p:strVal val="visible"/>
-                                      </p:to>
-                                    </p:set>
-                                    <p:animEffect transition="in" filter="dissolve">
-                                      <p:cBhvr>
-                                        <p:cTn id="11" dur="500"/>
-                                        <p:tgtEl>
-                                          <p:spTgt spid="3">
-                                            <p:txEl>
-                                              <p:pRg st="4" end="4"/>
-                                            </p:txEl>
-                                          </p:spTgt>
-                                        </p:tgtEl>
-                                      </p:cBhvr>
-                                    </p:animEffect>
-                                  </p:childTnLst>
-                                </p:cTn>
-                              </p:par>
-                            </p:childTnLst>
-                          </p:cTn>
-                        </p:par>
-                      </p:childTnLst>
-                    </p:cTn>
-                  </p:par>
-                </p:childTnLst>
-              </p:cTn>
-              <p:prevCondLst>
-                <p:cond evt="onPrev" delay="0">
-                  <p:tgtEl>
-                    <p:sldTgt/>
-                  </p:tgtEl>
-                </p:cond>
-              </p:prevCondLst>
-              <p:nextCondLst>
-                <p:cond evt="onNext" delay="0">
-                  <p:tgtEl>
-                    <p:sldTgt/>
-                  </p:tgtEl>
-                </p:cond>
-              </p:nextCondLst>
-            </p:seq>
-          </p:childTnLst>
-        </p:cTn>
-      </p:par>
-    </p:tnLst>
-  </p:timing>
 </p:sld>
 </file>
 
@@ -27957,10 +27605,141 @@
       </p:grpSpPr>
       <p:sp>
         <p:nvSpPr>
+          <p:cNvPr id="2" name="Title 1">
+            <a:extLst>
+              <a:ext uri="{FF2B5EF4-FFF2-40B4-BE49-F238E27FC236}">
+                <a16:creationId xmlns:a16="http://schemas.microsoft.com/office/drawing/2014/main" id="{EB7C4089-1746-624B-8E73-D3DAB8E88CDD}"/>
+              </a:ext>
+            </a:extLst>
+          </p:cNvPr>
+          <p:cNvSpPr>
+            <a:spLocks noGrp="1"/>
+          </p:cNvSpPr>
+          <p:nvPr>
+            <p:ph type="title"/>
+          </p:nvPr>
+        </p:nvSpPr>
+        <p:spPr/>
+        <p:txBody>
+          <a:bodyPr/>
+          <a:lstStyle/>
+          <a:p>
+            <a:r>
+              <a:rPr lang="en-US" dirty="0"/>
+              <a:t>Outline</a:t>
+            </a:r>
+          </a:p>
+        </p:txBody>
+      </p:sp>
+      <p:sp>
+        <p:nvSpPr>
+          <p:cNvPr id="3" name="Content Placeholder 2">
+            <a:extLst>
+              <a:ext uri="{FF2B5EF4-FFF2-40B4-BE49-F238E27FC236}">
+                <a16:creationId xmlns:a16="http://schemas.microsoft.com/office/drawing/2014/main" id="{65426B10-0364-A849-B3A4-1D0DA409155A}"/>
+              </a:ext>
+            </a:extLst>
+          </p:cNvPr>
+          <p:cNvSpPr>
+            <a:spLocks noGrp="1"/>
+          </p:cNvSpPr>
+          <p:nvPr>
+            <p:ph idx="1"/>
+          </p:nvPr>
+        </p:nvSpPr>
+        <p:spPr/>
+        <p:txBody>
+          <a:bodyPr>
+            <a:normAutofit lnSpcReduction="10000"/>
+          </a:bodyPr>
+          <a:lstStyle/>
+          <a:p>
+            <a:r>
+              <a:rPr lang="en-US" dirty="0"/>
+              <a:t>For each of these platforms:</a:t>
+            </a:r>
+          </a:p>
+          <a:p>
+            <a:pPr lvl="1"/>
+            <a:r>
+              <a:rPr lang="en-US" dirty="0"/>
+              <a:t>DNAC</a:t>
+            </a:r>
+          </a:p>
+          <a:p>
+            <a:pPr lvl="1"/>
+            <a:r>
+              <a:rPr lang="en-US" dirty="0" err="1"/>
+              <a:t>Webex</a:t>
+            </a:r>
+            <a:r>
+              <a:rPr lang="en-US" dirty="0"/>
+              <a:t> Teams</a:t>
+            </a:r>
+          </a:p>
+          <a:p>
+            <a:pPr lvl="1"/>
+            <a:r>
+              <a:rPr lang="en-US" dirty="0"/>
+              <a:t>Meraki</a:t>
+            </a:r>
+          </a:p>
+          <a:p>
+            <a:pPr lvl="1"/>
+            <a:r>
+              <a:rPr lang="en-US" dirty="0"/>
+              <a:t>ACI</a:t>
+            </a:r>
+          </a:p>
+          <a:p>
+            <a:pPr lvl="1"/>
+            <a:r>
+              <a:rPr lang="en-US" dirty="0"/>
+              <a:t>Firepower</a:t>
+            </a:r>
+          </a:p>
+          <a:p>
+            <a:pPr lvl="1"/>
+            <a:r>
+              <a:rPr lang="en-US" dirty="0"/>
+              <a:t>SD-WAN</a:t>
+            </a:r>
+          </a:p>
+          <a:p>
+            <a:r>
+              <a:rPr lang="en-US" dirty="0"/>
+              <a:t>Perform the following tasks:</a:t>
+            </a:r>
+          </a:p>
+          <a:p>
+            <a:pPr lvl="1"/>
+            <a:r>
+              <a:rPr lang="en-US" dirty="0"/>
+              <a:t>Platform summary overview</a:t>
+            </a:r>
+          </a:p>
+          <a:p>
+            <a:pPr lvl="1"/>
+            <a:r>
+              <a:rPr lang="en-US" dirty="0"/>
+              <a:t>Review API documentation </a:t>
+            </a:r>
+          </a:p>
+          <a:p>
+            <a:pPr lvl="1"/>
+            <a:r>
+              <a:rPr lang="en-US" dirty="0"/>
+              <a:t>Review resources available for programmatic access/practice/testing</a:t>
+            </a:r>
+          </a:p>
+        </p:txBody>
+      </p:sp>
+      <p:sp>
+        <p:nvSpPr>
           <p:cNvPr id="4" name="Date Placeholder 3">
             <a:extLst>
               <a:ext uri="{FF2B5EF4-FFF2-40B4-BE49-F238E27FC236}">
-                <a16:creationId xmlns:a16="http://schemas.microsoft.com/office/drawing/2014/main" id="{0CD670A9-B06A-3448-BABA-FAD627500859}"/>
+                <a16:creationId xmlns:a16="http://schemas.microsoft.com/office/drawing/2014/main" id="{7ECEAF79-F4AC-E94E-9E55-220D0D396924}"/>
               </a:ext>
             </a:extLst>
           </p:cNvPr>
@@ -27989,7 +27768,7 @@
           <p:cNvPr id="5" name="Slide Number Placeholder 4">
             <a:extLst>
               <a:ext uri="{FF2B5EF4-FFF2-40B4-BE49-F238E27FC236}">
-                <a16:creationId xmlns:a16="http://schemas.microsoft.com/office/drawing/2014/main" id="{119DACAD-17C1-C249-A498-C4A1A1ADD334}"/>
+                <a16:creationId xmlns:a16="http://schemas.microsoft.com/office/drawing/2014/main" id="{372DC1A4-CE8B-DB4A-8F86-2508518C35D3}"/>
               </a:ext>
             </a:extLst>
           </p:cNvPr>
@@ -28017,7 +27796,7 @@
     </p:spTree>
     <p:extLst>
       <p:ext uri="{BB962C8B-B14F-4D97-AF65-F5344CB8AC3E}">
-        <p14:creationId xmlns:p14="http://schemas.microsoft.com/office/powerpoint/2010/main" val="4243232459"/>
+        <p14:creationId xmlns:p14="http://schemas.microsoft.com/office/powerpoint/2010/main" val="1513264745"/>
       </p:ext>
     </p:extLst>
   </p:cSld>
@@ -28084,7 +27863,7 @@
           <a:p>
             <a:r>
               <a:rPr lang="en-US" dirty="0"/>
-              <a:t>Part IV</a:t>
+              <a:t>Part V</a:t>
             </a:r>
           </a:p>
         </p:txBody>
@@ -28117,15 +27896,20 @@
           <a:p>
             <a:r>
               <a:rPr lang="en-US" dirty="0"/>
-              <a:t>Cisco Platform APIs Overview</a:t>
-            </a:r>
+              <a:t>Interact With Cisco Platform APIs Using </a:t>
+            </a:r>
+            <a:r>
+              <a:rPr lang="en-US" dirty="0" err="1"/>
+              <a:t>cURL</a:t>
+            </a:r>
+            <a:endParaRPr lang="en-US" dirty="0"/>
           </a:p>
         </p:txBody>
       </p:sp>
     </p:spTree>
     <p:extLst>
       <p:ext uri="{BB962C8B-B14F-4D97-AF65-F5344CB8AC3E}">
-        <p14:creationId xmlns:p14="http://schemas.microsoft.com/office/powerpoint/2010/main" val="899135878"/>
+        <p14:creationId xmlns:p14="http://schemas.microsoft.com/office/powerpoint/2010/main" val="2203929534"/>
       </p:ext>
     </p:extLst>
   </p:cSld>
@@ -28210,9 +27994,7 @@
         </p:nvSpPr>
         <p:spPr/>
         <p:txBody>
-          <a:bodyPr>
-            <a:normAutofit lnSpcReduction="10000"/>
-          </a:bodyPr>
+          <a:bodyPr/>
           <a:lstStyle/>
           <a:p>
             <a:r>
@@ -28253,20 +28035,6 @@
             </a:r>
           </a:p>
           <a:p>
-            <a:pPr lvl="1"/>
-            <a:r>
-              <a:rPr lang="en-US" dirty="0"/>
-              <a:t>Firepower</a:t>
-            </a:r>
-          </a:p>
-          <a:p>
-            <a:pPr lvl="1"/>
-            <a:r>
-              <a:rPr lang="en-US" dirty="0"/>
-              <a:t>SD-WAN</a:t>
-            </a:r>
-          </a:p>
-          <a:p>
             <a:r>
               <a:rPr lang="en-US" dirty="0"/>
               <a:t>Perform the following tasks:</a:t>
@@ -28276,21 +28044,37 @@
             <a:pPr lvl="1"/>
             <a:r>
               <a:rPr lang="en-US" dirty="0"/>
-              <a:t>Platform summary overview</a:t>
+              <a:t>Understand authentication methodology</a:t>
             </a:r>
           </a:p>
           <a:p>
             <a:pPr lvl="1"/>
             <a:r>
               <a:rPr lang="en-US" dirty="0"/>
-              <a:t>Review API documentation </a:t>
+              <a:t>Build </a:t>
+            </a:r>
+            <a:r>
+              <a:rPr lang="en-US" dirty="0" err="1"/>
+              <a:t>cURL</a:t>
+            </a:r>
+            <a:r>
+              <a:rPr lang="en-US" dirty="0"/>
+              <a:t> request to authenticate</a:t>
             </a:r>
           </a:p>
           <a:p>
             <a:pPr lvl="1"/>
             <a:r>
               <a:rPr lang="en-US" dirty="0"/>
-              <a:t>Review resources available for programmatic access/practice/testing</a:t>
+              <a:t>Build </a:t>
+            </a:r>
+            <a:r>
+              <a:rPr lang="en-US" dirty="0" err="1"/>
+              <a:t>cURL</a:t>
+            </a:r>
+            <a:r>
+              <a:rPr lang="en-US" dirty="0"/>
+              <a:t> request(s) to read/write data</a:t>
             </a:r>
           </a:p>
         </p:txBody>
@@ -28357,7 +28141,7 @@
     </p:spTree>
     <p:extLst>
       <p:ext uri="{BB962C8B-B14F-4D97-AF65-F5344CB8AC3E}">
-        <p14:creationId xmlns:p14="http://schemas.microsoft.com/office/powerpoint/2010/main" val="1513264745"/>
+        <p14:creationId xmlns:p14="http://schemas.microsoft.com/office/powerpoint/2010/main" val="2063027843"/>
       </p:ext>
     </p:extLst>
   </p:cSld>
@@ -28424,7 +28208,7 @@
           <a:p>
             <a:r>
               <a:rPr lang="en-US" dirty="0"/>
-              <a:t>Part V</a:t>
+              <a:t>Part VI</a:t>
             </a:r>
           </a:p>
         </p:txBody>
@@ -28457,20 +28241,15 @@
           <a:p>
             <a:r>
               <a:rPr lang="en-US" dirty="0"/>
-              <a:t>Interact With Cisco Platform APIs Using </a:t>
-            </a:r>
-            <a:r>
-              <a:rPr lang="en-US" dirty="0" err="1"/>
-              <a:t>cURL</a:t>
-            </a:r>
-            <a:endParaRPr lang="en-US" dirty="0"/>
+              <a:t>Interact With Cisco Platform APIs Using Python Requests</a:t>
+            </a:r>
           </a:p>
         </p:txBody>
       </p:sp>
     </p:spTree>
     <p:extLst>
       <p:ext uri="{BB962C8B-B14F-4D97-AF65-F5344CB8AC3E}">
-        <p14:creationId xmlns:p14="http://schemas.microsoft.com/office/powerpoint/2010/main" val="2203929534"/>
+        <p14:creationId xmlns:p14="http://schemas.microsoft.com/office/powerpoint/2010/main" val="4218248441"/>
       </p:ext>
     </p:extLst>
   </p:cSld>
@@ -28605,37 +28384,21 @@
             <a:pPr lvl="1"/>
             <a:r>
               <a:rPr lang="en-US" dirty="0"/>
-              <a:t>Understand authentication methodology</a:t>
+              <a:t>Review authentication methodology</a:t>
             </a:r>
           </a:p>
           <a:p>
             <a:pPr lvl="1"/>
             <a:r>
               <a:rPr lang="en-US" dirty="0"/>
-              <a:t>Build </a:t>
-            </a:r>
-            <a:r>
-              <a:rPr lang="en-US" dirty="0" err="1"/>
-              <a:t>cURL</a:t>
-            </a:r>
+              <a:t>Build Python scripts to authenticate</a:t>
+            </a:r>
+          </a:p>
+          <a:p>
+            <a:pPr lvl="1"/>
             <a:r>
               <a:rPr lang="en-US" dirty="0"/>
-              <a:t> request to authenticate</a:t>
-            </a:r>
-          </a:p>
-          <a:p>
-            <a:pPr lvl="1"/>
-            <a:r>
-              <a:rPr lang="en-US" dirty="0"/>
-              <a:t>Build </a:t>
-            </a:r>
-            <a:r>
-              <a:rPr lang="en-US" dirty="0" err="1"/>
-              <a:t>cURL</a:t>
-            </a:r>
-            <a:r>
-              <a:rPr lang="en-US" dirty="0"/>
-              <a:t> request(s) to read/write data</a:t>
+              <a:t>Build Python scripts to read/write data</a:t>
             </a:r>
           </a:p>
         </p:txBody>
@@ -28702,7 +28465,7 @@
     </p:spTree>
     <p:extLst>
       <p:ext uri="{BB962C8B-B14F-4D97-AF65-F5344CB8AC3E}">
-        <p14:creationId xmlns:p14="http://schemas.microsoft.com/office/powerpoint/2010/main" val="2063027843"/>
+        <p14:creationId xmlns:p14="http://schemas.microsoft.com/office/powerpoint/2010/main" val="232106193"/>
       </p:ext>
     </p:extLst>
   </p:cSld>
@@ -28769,7 +28532,7 @@
           <a:p>
             <a:r>
               <a:rPr lang="en-US" dirty="0"/>
-              <a:t>Part VI</a:t>
+              <a:t>Part VII</a:t>
             </a:r>
           </a:p>
         </p:txBody>
@@ -28802,7 +28565,7 @@
           <a:p>
             <a:r>
               <a:rPr lang="en-US" dirty="0"/>
-              <a:t>Interact With Cisco Platform APIs Using Python Requests</a:t>
+              <a:t>Quiz, Practice Resources, &amp; References</a:t>
             </a:r>
           </a:p>
         </p:txBody>
@@ -28810,7 +28573,7 @@
     </p:spTree>
     <p:extLst>
       <p:ext uri="{BB962C8B-B14F-4D97-AF65-F5344CB8AC3E}">
-        <p14:creationId xmlns:p14="http://schemas.microsoft.com/office/powerpoint/2010/main" val="4218248441"/>
+        <p14:creationId xmlns:p14="http://schemas.microsoft.com/office/powerpoint/2010/main" val="3392886013"/>
       </p:ext>
     </p:extLst>
   </p:cSld>
@@ -28872,7 +28635,7 @@
           <a:p>
             <a:r>
               <a:rPr lang="en-US" dirty="0"/>
-              <a:t>Outline</a:t>
+              <a:t>Slide Template</a:t>
             </a:r>
           </a:p>
         </p:txBody>
@@ -28900,66 +28663,7 @@
           <a:p>
             <a:r>
               <a:rPr lang="en-US" dirty="0"/>
-              <a:t>For each of these platforms:</a:t>
-            </a:r>
-          </a:p>
-          <a:p>
-            <a:pPr lvl="1"/>
-            <a:r>
-              <a:rPr lang="en-US" dirty="0"/>
-              <a:t>DNAC</a:t>
-            </a:r>
-          </a:p>
-          <a:p>
-            <a:pPr lvl="1"/>
-            <a:r>
-              <a:rPr lang="en-US" dirty="0" err="1"/>
-              <a:t>Webex</a:t>
-            </a:r>
-            <a:r>
-              <a:rPr lang="en-US" dirty="0"/>
-              <a:t> Teams</a:t>
-            </a:r>
-          </a:p>
-          <a:p>
-            <a:pPr lvl="1"/>
-            <a:r>
-              <a:rPr lang="en-US" dirty="0"/>
-              <a:t>Meraki</a:t>
-            </a:r>
-          </a:p>
-          <a:p>
-            <a:pPr lvl="1"/>
-            <a:r>
-              <a:rPr lang="en-US" dirty="0"/>
-              <a:t>ACI</a:t>
-            </a:r>
-          </a:p>
-          <a:p>
-            <a:r>
-              <a:rPr lang="en-US" dirty="0"/>
-              <a:t>Perform the following tasks:</a:t>
-            </a:r>
-          </a:p>
-          <a:p>
-            <a:pPr lvl="1"/>
-            <a:r>
-              <a:rPr lang="en-US" dirty="0"/>
-              <a:t>Review authentication methodology</a:t>
-            </a:r>
-          </a:p>
-          <a:p>
-            <a:pPr lvl="1"/>
-            <a:r>
-              <a:rPr lang="en-US" dirty="0"/>
-              <a:t>Build Python scripts to authenticate</a:t>
-            </a:r>
-          </a:p>
-          <a:p>
-            <a:pPr lvl="1"/>
-            <a:r>
-              <a:rPr lang="en-US" dirty="0"/>
-              <a:t>Build Python scripts to read/write data</a:t>
+              <a:t>Body template</a:t>
             </a:r>
           </a:p>
         </p:txBody>
@@ -29026,7 +28730,7 @@
     </p:spTree>
     <p:extLst>
       <p:ext uri="{BB962C8B-B14F-4D97-AF65-F5344CB8AC3E}">
-        <p14:creationId xmlns:p14="http://schemas.microsoft.com/office/powerpoint/2010/main" val="232106193"/>
+        <p14:creationId xmlns:p14="http://schemas.microsoft.com/office/powerpoint/2010/main" val="2709408928"/>
       </p:ext>
     </p:extLst>
   </p:cSld>
@@ -29070,7 +28774,7 @@
           <p:cNvPr id="2" name="Title 1">
             <a:extLst>
               <a:ext uri="{FF2B5EF4-FFF2-40B4-BE49-F238E27FC236}">
-                <a16:creationId xmlns:a16="http://schemas.microsoft.com/office/drawing/2014/main" id="{9D8D6E4C-FC36-3E4C-9387-96DD20072D9D}"/>
+                <a16:creationId xmlns:a16="http://schemas.microsoft.com/office/drawing/2014/main" id="{EB7C4089-1746-624B-8E73-D3DAB8E88CDD}"/>
               </a:ext>
             </a:extLst>
           </p:cNvPr>
@@ -29078,32 +28782,27 @@
             <a:spLocks noGrp="1"/>
           </p:cNvSpPr>
           <p:nvPr>
-            <p:ph type="ctrTitle"/>
+            <p:ph type="title"/>
           </p:nvPr>
         </p:nvSpPr>
-        <p:spPr>
-          <a:xfrm>
-            <a:off x="1524000" y="914013"/>
-            <a:ext cx="9144000" cy="2387600"/>
-          </a:xfrm>
-        </p:spPr>
+        <p:spPr/>
         <p:txBody>
           <a:bodyPr/>
           <a:lstStyle/>
           <a:p>
             <a:r>
               <a:rPr lang="en-US" dirty="0"/>
-              <a:t>Part VII</a:t>
-            </a:r>
-          </a:p>
-        </p:txBody>
-      </p:sp>
-      <p:sp>
-        <p:nvSpPr>
-          <p:cNvPr id="3" name="Subtitle 2">
+              <a:t>References</a:t>
+            </a:r>
+          </a:p>
+        </p:txBody>
+      </p:sp>
+      <p:sp>
+        <p:nvSpPr>
+          <p:cNvPr id="3" name="Content Placeholder 2">
             <a:extLst>
               <a:ext uri="{FF2B5EF4-FFF2-40B4-BE49-F238E27FC236}">
-                <a16:creationId xmlns:a16="http://schemas.microsoft.com/office/drawing/2014/main" id="{0451A0DE-9D64-5A48-94B5-5B4E42709819}"/>
+                <a16:creationId xmlns:a16="http://schemas.microsoft.com/office/drawing/2014/main" id="{65426B10-0364-A849-B3A4-1D0DA409155A}"/>
               </a:ext>
             </a:extLst>
           </p:cNvPr>
@@ -29111,30 +28810,145 @@
             <a:spLocks noGrp="1"/>
           </p:cNvSpPr>
           <p:nvPr>
-            <p:ph type="subTitle" idx="1"/>
+            <p:ph idx="1"/>
           </p:nvPr>
         </p:nvSpPr>
-        <p:spPr>
-          <a:xfrm>
-            <a:off x="1524000" y="3393688"/>
-            <a:ext cx="9144000" cy="1655762"/>
-          </a:xfrm>
-        </p:spPr>
+        <p:spPr/>
+        <p:txBody>
+          <a:bodyPr>
+            <a:normAutofit lnSpcReduction="10000"/>
+          </a:bodyPr>
+          <a:lstStyle/>
+          <a:p>
+            <a:r>
+              <a:rPr lang="en-US" dirty="0">
+                <a:hlinkClick r:id="rId2"/>
+              </a:rPr>
+              <a:t>https://www.linkedin.com/pulse/why-rest-api-so-popular-mangesh-bulkar/</a:t>
+            </a:r>
+            <a:endParaRPr lang="en-US" dirty="0">
+              <a:hlinkClick r:id="rId3"/>
+            </a:endParaRPr>
+          </a:p>
+          <a:p>
+            <a:r>
+              <a:rPr lang="en-US" dirty="0">
+                <a:hlinkClick r:id="rId3"/>
+              </a:rPr>
+              <a:t>https://en.wikipedia.org/wiki/CURL</a:t>
+            </a:r>
+            <a:endParaRPr lang="en-US" dirty="0"/>
+          </a:p>
+          <a:p>
+            <a:r>
+              <a:rPr lang="en-US" dirty="0">
+                <a:hlinkClick r:id="rId4"/>
+              </a:rPr>
+              <a:t>https://en.wikipedia.org/wiki/Requests_%28software%29</a:t>
+            </a:r>
+            <a:endParaRPr lang="en-US" dirty="0"/>
+          </a:p>
+          <a:p>
+            <a:r>
+              <a:rPr lang="en-US" dirty="0">
+                <a:hlinkClick r:id="rId5"/>
+              </a:rPr>
+              <a:t>https://curl.haxx.se</a:t>
+            </a:r>
+            <a:endParaRPr lang="en-US" dirty="0"/>
+          </a:p>
+          <a:p>
+            <a:r>
+              <a:rPr lang="en-US" dirty="0">
+                <a:hlinkClick r:id="rId6"/>
+              </a:rPr>
+              <a:t>https://requests.readthedocs.io/en/master/</a:t>
+            </a:r>
+            <a:endParaRPr lang="en-US" dirty="0"/>
+          </a:p>
+          <a:p>
+            <a:r>
+              <a:rPr lang="en-US" dirty="0"/>
+              <a:t>Cisco API documentation #1</a:t>
+            </a:r>
+          </a:p>
+          <a:p>
+            <a:r>
+              <a:rPr lang="en-US" dirty="0"/>
+              <a:t>Cisco API documentation #2</a:t>
+            </a:r>
+          </a:p>
+          <a:p>
+            <a:r>
+              <a:rPr lang="en-US" dirty="0"/>
+              <a:t>Cisco API documentation #3</a:t>
+            </a:r>
+          </a:p>
+        </p:txBody>
+      </p:sp>
+      <p:sp>
+        <p:nvSpPr>
+          <p:cNvPr id="4" name="Date Placeholder 3">
+            <a:extLst>
+              <a:ext uri="{FF2B5EF4-FFF2-40B4-BE49-F238E27FC236}">
+                <a16:creationId xmlns:a16="http://schemas.microsoft.com/office/drawing/2014/main" id="{7ECEAF79-F4AC-E94E-9E55-220D0D396924}"/>
+              </a:ext>
+            </a:extLst>
+          </p:cNvPr>
+          <p:cNvSpPr>
+            <a:spLocks noGrp="1"/>
+          </p:cNvSpPr>
+          <p:nvPr>
+            <p:ph type="dt" sz="half" idx="10"/>
+          </p:nvPr>
+        </p:nvSpPr>
+        <p:spPr/>
         <p:txBody>
           <a:bodyPr/>
           <a:lstStyle/>
           <a:p>
             <a:r>
-              <a:rPr lang="en-US" dirty="0"/>
-              <a:t>Quiz, Practice Resources, &amp; References</a:t>
-            </a:r>
+              <a:rPr lang="en-US"/>
+              <a:t>World Wide Technology ©</a:t>
+            </a:r>
+            <a:endParaRPr lang="en-US" dirty="0"/>
+          </a:p>
+        </p:txBody>
+      </p:sp>
+      <p:sp>
+        <p:nvSpPr>
+          <p:cNvPr id="5" name="Slide Number Placeholder 4">
+            <a:extLst>
+              <a:ext uri="{FF2B5EF4-FFF2-40B4-BE49-F238E27FC236}">
+                <a16:creationId xmlns:a16="http://schemas.microsoft.com/office/drawing/2014/main" id="{372DC1A4-CE8B-DB4A-8F86-2508518C35D3}"/>
+              </a:ext>
+            </a:extLst>
+          </p:cNvPr>
+          <p:cNvSpPr>
+            <a:spLocks noGrp="1"/>
+          </p:cNvSpPr>
+          <p:nvPr>
+            <p:ph type="sldNum" sz="quarter" idx="12"/>
+          </p:nvPr>
+        </p:nvSpPr>
+        <p:spPr/>
+        <p:txBody>
+          <a:bodyPr/>
+          <a:lstStyle/>
+          <a:p>
+            <a:fld id="{A44B02FA-DD2D-1844-AE35-8B2EAB0CF4EF}" type="slidenum">
+              <a:rPr lang="en-US" smtClean="0"/>
+              <a:pPr/>
+              <a:t>49</a:t>
+            </a:fld>
+            <a:endParaRPr lang="en-US" dirty="0"/>
           </a:p>
         </p:txBody>
       </p:sp>
     </p:spTree>
     <p:extLst>
       <p:ext uri="{BB962C8B-B14F-4D97-AF65-F5344CB8AC3E}">
-        <p14:creationId xmlns:p14="http://schemas.microsoft.com/office/powerpoint/2010/main" val="3392886013"/>
+        <p14:creationId xmlns:p14="http://schemas.microsoft.com/office/powerpoint/2010/main" val="3225595977"/>
       </p:ext>
     </p:extLst>
   </p:cSld>
@@ -29283,381 +29097,6 @@
       </p:grpSpPr>
       <p:sp>
         <p:nvSpPr>
-          <p:cNvPr id="2" name="Title 1">
-            <a:extLst>
-              <a:ext uri="{FF2B5EF4-FFF2-40B4-BE49-F238E27FC236}">
-                <a16:creationId xmlns:a16="http://schemas.microsoft.com/office/drawing/2014/main" id="{EB7C4089-1746-624B-8E73-D3DAB8E88CDD}"/>
-              </a:ext>
-            </a:extLst>
-          </p:cNvPr>
-          <p:cNvSpPr>
-            <a:spLocks noGrp="1"/>
-          </p:cNvSpPr>
-          <p:nvPr>
-            <p:ph type="title"/>
-          </p:nvPr>
-        </p:nvSpPr>
-        <p:spPr/>
-        <p:txBody>
-          <a:bodyPr/>
-          <a:lstStyle/>
-          <a:p>
-            <a:r>
-              <a:rPr lang="en-US" dirty="0"/>
-              <a:t>Slide Template</a:t>
-            </a:r>
-          </a:p>
-        </p:txBody>
-      </p:sp>
-      <p:sp>
-        <p:nvSpPr>
-          <p:cNvPr id="3" name="Content Placeholder 2">
-            <a:extLst>
-              <a:ext uri="{FF2B5EF4-FFF2-40B4-BE49-F238E27FC236}">
-                <a16:creationId xmlns:a16="http://schemas.microsoft.com/office/drawing/2014/main" id="{65426B10-0364-A849-B3A4-1D0DA409155A}"/>
-              </a:ext>
-            </a:extLst>
-          </p:cNvPr>
-          <p:cNvSpPr>
-            <a:spLocks noGrp="1"/>
-          </p:cNvSpPr>
-          <p:nvPr>
-            <p:ph idx="1"/>
-          </p:nvPr>
-        </p:nvSpPr>
-        <p:spPr/>
-        <p:txBody>
-          <a:bodyPr/>
-          <a:lstStyle/>
-          <a:p>
-            <a:r>
-              <a:rPr lang="en-US" dirty="0"/>
-              <a:t>Body template</a:t>
-            </a:r>
-          </a:p>
-        </p:txBody>
-      </p:sp>
-      <p:sp>
-        <p:nvSpPr>
-          <p:cNvPr id="4" name="Date Placeholder 3">
-            <a:extLst>
-              <a:ext uri="{FF2B5EF4-FFF2-40B4-BE49-F238E27FC236}">
-                <a16:creationId xmlns:a16="http://schemas.microsoft.com/office/drawing/2014/main" id="{7ECEAF79-F4AC-E94E-9E55-220D0D396924}"/>
-              </a:ext>
-            </a:extLst>
-          </p:cNvPr>
-          <p:cNvSpPr>
-            <a:spLocks noGrp="1"/>
-          </p:cNvSpPr>
-          <p:nvPr>
-            <p:ph type="dt" sz="half" idx="10"/>
-          </p:nvPr>
-        </p:nvSpPr>
-        <p:spPr/>
-        <p:txBody>
-          <a:bodyPr/>
-          <a:lstStyle/>
-          <a:p>
-            <a:r>
-              <a:rPr lang="en-US"/>
-              <a:t>World Wide Technology ©</a:t>
-            </a:r>
-            <a:endParaRPr lang="en-US" dirty="0"/>
-          </a:p>
-        </p:txBody>
-      </p:sp>
-      <p:sp>
-        <p:nvSpPr>
-          <p:cNvPr id="5" name="Slide Number Placeholder 4">
-            <a:extLst>
-              <a:ext uri="{FF2B5EF4-FFF2-40B4-BE49-F238E27FC236}">
-                <a16:creationId xmlns:a16="http://schemas.microsoft.com/office/drawing/2014/main" id="{372DC1A4-CE8B-DB4A-8F86-2508518C35D3}"/>
-              </a:ext>
-            </a:extLst>
-          </p:cNvPr>
-          <p:cNvSpPr>
-            <a:spLocks noGrp="1"/>
-          </p:cNvSpPr>
-          <p:nvPr>
-            <p:ph type="sldNum" sz="quarter" idx="12"/>
-          </p:nvPr>
-        </p:nvSpPr>
-        <p:spPr/>
-        <p:txBody>
-          <a:bodyPr/>
-          <a:lstStyle/>
-          <a:p>
-            <a:fld id="{A44B02FA-DD2D-1844-AE35-8B2EAB0CF4EF}" type="slidenum">
-              <a:rPr lang="en-US" smtClean="0"/>
-              <a:pPr/>
-              <a:t>50</a:t>
-            </a:fld>
-            <a:endParaRPr lang="en-US" dirty="0"/>
-          </a:p>
-        </p:txBody>
-      </p:sp>
-    </p:spTree>
-    <p:extLst>
-      <p:ext uri="{BB962C8B-B14F-4D97-AF65-F5344CB8AC3E}">
-        <p14:creationId xmlns:p14="http://schemas.microsoft.com/office/powerpoint/2010/main" val="2709408928"/>
-      </p:ext>
-    </p:extLst>
-  </p:cSld>
-  <p:clrMapOvr>
-    <a:masterClrMapping/>
-  </p:clrMapOvr>
-  <mc:AlternateContent xmlns:mc="http://schemas.openxmlformats.org/markup-compatibility/2006" xmlns:p14="http://schemas.microsoft.com/office/powerpoint/2010/main">
-    <mc:Choice Requires="p14">
-      <p:transition spd="med" p14:dur="700">
-        <p:fade/>
-      </p:transition>
-    </mc:Choice>
-    <mc:Fallback xmlns="">
-      <p:transition spd="med">
-        <p:fade/>
-      </p:transition>
-    </mc:Fallback>
-  </mc:AlternateContent>
-</p:sld>
-</file>
-
-<file path=ppt/slides/slide51.xml><?xml version="1.0" encoding="utf-8"?>
-<p:sld xmlns:a="http://schemas.openxmlformats.org/drawingml/2006/main" xmlns:r="http://schemas.openxmlformats.org/officeDocument/2006/relationships" xmlns:p="http://schemas.openxmlformats.org/presentationml/2006/main">
-  <p:cSld>
-    <p:spTree>
-      <p:nvGrpSpPr>
-        <p:cNvPr id="1" name=""/>
-        <p:cNvGrpSpPr/>
-        <p:nvPr/>
-      </p:nvGrpSpPr>
-      <p:grpSpPr>
-        <a:xfrm>
-          <a:off x="0" y="0"/>
-          <a:ext cx="0" cy="0"/>
-          <a:chOff x="0" y="0"/>
-          <a:chExt cx="0" cy="0"/>
-        </a:xfrm>
-      </p:grpSpPr>
-      <p:sp>
-        <p:nvSpPr>
-          <p:cNvPr id="2" name="Title 1">
-            <a:extLst>
-              <a:ext uri="{FF2B5EF4-FFF2-40B4-BE49-F238E27FC236}">
-                <a16:creationId xmlns:a16="http://schemas.microsoft.com/office/drawing/2014/main" id="{EB7C4089-1746-624B-8E73-D3DAB8E88CDD}"/>
-              </a:ext>
-            </a:extLst>
-          </p:cNvPr>
-          <p:cNvSpPr>
-            <a:spLocks noGrp="1"/>
-          </p:cNvSpPr>
-          <p:nvPr>
-            <p:ph type="title"/>
-          </p:nvPr>
-        </p:nvSpPr>
-        <p:spPr/>
-        <p:txBody>
-          <a:bodyPr/>
-          <a:lstStyle/>
-          <a:p>
-            <a:r>
-              <a:rPr lang="en-US" dirty="0"/>
-              <a:t>References</a:t>
-            </a:r>
-          </a:p>
-        </p:txBody>
-      </p:sp>
-      <p:sp>
-        <p:nvSpPr>
-          <p:cNvPr id="3" name="Content Placeholder 2">
-            <a:extLst>
-              <a:ext uri="{FF2B5EF4-FFF2-40B4-BE49-F238E27FC236}">
-                <a16:creationId xmlns:a16="http://schemas.microsoft.com/office/drawing/2014/main" id="{65426B10-0364-A849-B3A4-1D0DA409155A}"/>
-              </a:ext>
-            </a:extLst>
-          </p:cNvPr>
-          <p:cNvSpPr>
-            <a:spLocks noGrp="1"/>
-          </p:cNvSpPr>
-          <p:nvPr>
-            <p:ph idx="1"/>
-          </p:nvPr>
-        </p:nvSpPr>
-        <p:spPr/>
-        <p:txBody>
-          <a:bodyPr>
-            <a:normAutofit lnSpcReduction="10000"/>
-          </a:bodyPr>
-          <a:lstStyle/>
-          <a:p>
-            <a:r>
-              <a:rPr lang="en-US" dirty="0">
-                <a:hlinkClick r:id="rId2"/>
-              </a:rPr>
-              <a:t>https://www.linkedin.com/pulse/why-rest-api-so-popular-mangesh-bulkar/</a:t>
-            </a:r>
-            <a:endParaRPr lang="en-US" dirty="0">
-              <a:hlinkClick r:id="rId3"/>
-            </a:endParaRPr>
-          </a:p>
-          <a:p>
-            <a:r>
-              <a:rPr lang="en-US" dirty="0">
-                <a:hlinkClick r:id="rId3"/>
-              </a:rPr>
-              <a:t>https://en.wikipedia.org/wiki/CURL</a:t>
-            </a:r>
-            <a:endParaRPr lang="en-US" dirty="0"/>
-          </a:p>
-          <a:p>
-            <a:r>
-              <a:rPr lang="en-US" dirty="0">
-                <a:hlinkClick r:id="rId4"/>
-              </a:rPr>
-              <a:t>https://en.wikipedia.org/wiki/Requests_%28software%29</a:t>
-            </a:r>
-            <a:endParaRPr lang="en-US" dirty="0"/>
-          </a:p>
-          <a:p>
-            <a:r>
-              <a:rPr lang="en-US" dirty="0">
-                <a:hlinkClick r:id="rId5"/>
-              </a:rPr>
-              <a:t>https://curl.haxx.se</a:t>
-            </a:r>
-            <a:endParaRPr lang="en-US" dirty="0"/>
-          </a:p>
-          <a:p>
-            <a:r>
-              <a:rPr lang="en-US" dirty="0">
-                <a:hlinkClick r:id="rId6"/>
-              </a:rPr>
-              <a:t>https://requests.readthedocs.io/en/master/</a:t>
-            </a:r>
-            <a:endParaRPr lang="en-US" dirty="0"/>
-          </a:p>
-          <a:p>
-            <a:r>
-              <a:rPr lang="en-US" dirty="0"/>
-              <a:t>Cisco API documentation #1</a:t>
-            </a:r>
-          </a:p>
-          <a:p>
-            <a:r>
-              <a:rPr lang="en-US" dirty="0"/>
-              <a:t>Cisco API documentation #2</a:t>
-            </a:r>
-          </a:p>
-          <a:p>
-            <a:r>
-              <a:rPr lang="en-US" dirty="0"/>
-              <a:t>Cisco API documentation #3</a:t>
-            </a:r>
-          </a:p>
-        </p:txBody>
-      </p:sp>
-      <p:sp>
-        <p:nvSpPr>
-          <p:cNvPr id="4" name="Date Placeholder 3">
-            <a:extLst>
-              <a:ext uri="{FF2B5EF4-FFF2-40B4-BE49-F238E27FC236}">
-                <a16:creationId xmlns:a16="http://schemas.microsoft.com/office/drawing/2014/main" id="{7ECEAF79-F4AC-E94E-9E55-220D0D396924}"/>
-              </a:ext>
-            </a:extLst>
-          </p:cNvPr>
-          <p:cNvSpPr>
-            <a:spLocks noGrp="1"/>
-          </p:cNvSpPr>
-          <p:nvPr>
-            <p:ph type="dt" sz="half" idx="10"/>
-          </p:nvPr>
-        </p:nvSpPr>
-        <p:spPr/>
-        <p:txBody>
-          <a:bodyPr/>
-          <a:lstStyle/>
-          <a:p>
-            <a:r>
-              <a:rPr lang="en-US"/>
-              <a:t>World Wide Technology ©</a:t>
-            </a:r>
-            <a:endParaRPr lang="en-US" dirty="0"/>
-          </a:p>
-        </p:txBody>
-      </p:sp>
-      <p:sp>
-        <p:nvSpPr>
-          <p:cNvPr id="5" name="Slide Number Placeholder 4">
-            <a:extLst>
-              <a:ext uri="{FF2B5EF4-FFF2-40B4-BE49-F238E27FC236}">
-                <a16:creationId xmlns:a16="http://schemas.microsoft.com/office/drawing/2014/main" id="{372DC1A4-CE8B-DB4A-8F86-2508518C35D3}"/>
-              </a:ext>
-            </a:extLst>
-          </p:cNvPr>
-          <p:cNvSpPr>
-            <a:spLocks noGrp="1"/>
-          </p:cNvSpPr>
-          <p:nvPr>
-            <p:ph type="sldNum" sz="quarter" idx="12"/>
-          </p:nvPr>
-        </p:nvSpPr>
-        <p:spPr/>
-        <p:txBody>
-          <a:bodyPr/>
-          <a:lstStyle/>
-          <a:p>
-            <a:fld id="{A44B02FA-DD2D-1844-AE35-8B2EAB0CF4EF}" type="slidenum">
-              <a:rPr lang="en-US" smtClean="0"/>
-              <a:pPr/>
-              <a:t>51</a:t>
-            </a:fld>
-            <a:endParaRPr lang="en-US" dirty="0"/>
-          </a:p>
-        </p:txBody>
-      </p:sp>
-    </p:spTree>
-    <p:extLst>
-      <p:ext uri="{BB962C8B-B14F-4D97-AF65-F5344CB8AC3E}">
-        <p14:creationId xmlns:p14="http://schemas.microsoft.com/office/powerpoint/2010/main" val="3225595977"/>
-      </p:ext>
-    </p:extLst>
-  </p:cSld>
-  <p:clrMapOvr>
-    <a:masterClrMapping/>
-  </p:clrMapOvr>
-  <mc:AlternateContent xmlns:mc="http://schemas.openxmlformats.org/markup-compatibility/2006" xmlns:p14="http://schemas.microsoft.com/office/powerpoint/2010/main">
-    <mc:Choice Requires="p14">
-      <p:transition spd="med" p14:dur="700">
-        <p:fade/>
-      </p:transition>
-    </mc:Choice>
-    <mc:Fallback xmlns="">
-      <p:transition spd="med">
-        <p:fade/>
-      </p:transition>
-    </mc:Fallback>
-  </mc:AlternateContent>
-</p:sld>
-</file>
-
-<file path=ppt/slides/slide52.xml><?xml version="1.0" encoding="utf-8"?>
-<p:sld xmlns:a="http://schemas.openxmlformats.org/drawingml/2006/main" xmlns:r="http://schemas.openxmlformats.org/officeDocument/2006/relationships" xmlns:p="http://schemas.openxmlformats.org/presentationml/2006/main">
-  <p:cSld>
-    <p:spTree>
-      <p:nvGrpSpPr>
-        <p:cNvPr id="1" name=""/>
-        <p:cNvGrpSpPr/>
-        <p:nvPr/>
-      </p:nvGrpSpPr>
-      <p:grpSpPr>
-        <a:xfrm>
-          <a:off x="0" y="0"/>
-          <a:ext cx="0" cy="0"/>
-          <a:chOff x="0" y="0"/>
-          <a:chExt cx="0" cy="0"/>
-        </a:xfrm>
-      </p:grpSpPr>
-      <p:sp>
-        <p:nvSpPr>
           <p:cNvPr id="4" name="Date Placeholder 3">
             <a:extLst>
               <a:ext uri="{FF2B5EF4-FFF2-40B4-BE49-F238E27FC236}">
@@ -29709,7 +29148,7 @@
             <a:fld id="{A44B02FA-DD2D-1844-AE35-8B2EAB0CF4EF}" type="slidenum">
               <a:rPr lang="en-US" smtClean="0"/>
               <a:pPr/>
-              <a:t>52</a:t>
+              <a:t>50</a:t>
             </a:fld>
             <a:endParaRPr lang="en-US" dirty="0"/>
           </a:p>

--- a/curl-requests-foundations.pptx
+++ b/curl-requests-foundations.pptx
@@ -18968,6 +18968,211 @@
           </a:p>
         </p:txBody>
       </p:sp>
+      <p:sp>
+        <p:nvSpPr>
+          <p:cNvPr id="6" name="Content Placeholder 2">
+            <a:extLst>
+              <a:ext uri="{FF2B5EF4-FFF2-40B4-BE49-F238E27FC236}">
+                <a16:creationId xmlns:a16="http://schemas.microsoft.com/office/drawing/2014/main" id="{5535A7F3-1A0A-B445-9EF3-844850395584}"/>
+              </a:ext>
+            </a:extLst>
+          </p:cNvPr>
+          <p:cNvSpPr txBox="1">
+            <a:spLocks/>
+          </p:cNvSpPr>
+          <p:nvPr/>
+        </p:nvSpPr>
+        <p:spPr>
+          <a:xfrm>
+            <a:off x="363880" y="5649892"/>
+            <a:ext cx="11676444" cy="613459"/>
+          </a:xfrm>
+          <a:prstGeom prst="rect">
+            <a:avLst/>
+          </a:prstGeom>
+        </p:spPr>
+        <p:txBody>
+          <a:bodyPr vert="horz" lIns="91440" tIns="45720" rIns="91440" bIns="45720" rtlCol="0">
+            <a:normAutofit/>
+          </a:bodyPr>
+          <a:lstStyle>
+            <a:lvl1pPr marL="228600" indent="-228600" algn="l" defTabSz="914400" rtl="0" eaLnBrk="1" latinLnBrk="0" hangingPunct="1">
+              <a:lnSpc>
+                <a:spcPct val="90000"/>
+              </a:lnSpc>
+              <a:spcBef>
+                <a:spcPts val="1000"/>
+              </a:spcBef>
+              <a:buFont typeface="Arial" panose="020B0604020202020204" pitchFamily="34" charset="0"/>
+              <a:buChar char="•"/>
+              <a:defRPr sz="2800" kern="1200">
+                <a:solidFill>
+                  <a:schemeClr val="tx1"/>
+                </a:solidFill>
+                <a:latin typeface="+mn-lt"/>
+                <a:ea typeface="+mn-ea"/>
+                <a:cs typeface="+mn-cs"/>
+              </a:defRPr>
+            </a:lvl1pPr>
+            <a:lvl2pPr marL="685800" indent="-228600" algn="l" defTabSz="914400" rtl="0" eaLnBrk="1" latinLnBrk="0" hangingPunct="1">
+              <a:lnSpc>
+                <a:spcPct val="90000"/>
+              </a:lnSpc>
+              <a:spcBef>
+                <a:spcPts val="500"/>
+              </a:spcBef>
+              <a:buFont typeface="Arial" panose="020B0604020202020204" pitchFamily="34" charset="0"/>
+              <a:buChar char="•"/>
+              <a:defRPr sz="2400" kern="1200">
+                <a:solidFill>
+                  <a:schemeClr val="tx1"/>
+                </a:solidFill>
+                <a:latin typeface="+mn-lt"/>
+                <a:ea typeface="+mn-ea"/>
+                <a:cs typeface="+mn-cs"/>
+              </a:defRPr>
+            </a:lvl2pPr>
+            <a:lvl3pPr marL="1143000" indent="-228600" algn="l" defTabSz="914400" rtl="0" eaLnBrk="1" latinLnBrk="0" hangingPunct="1">
+              <a:lnSpc>
+                <a:spcPct val="90000"/>
+              </a:lnSpc>
+              <a:spcBef>
+                <a:spcPts val="500"/>
+              </a:spcBef>
+              <a:buFont typeface="Arial" panose="020B0604020202020204" pitchFamily="34" charset="0"/>
+              <a:buChar char="•"/>
+              <a:defRPr sz="2000" kern="1200">
+                <a:solidFill>
+                  <a:schemeClr val="tx1"/>
+                </a:solidFill>
+                <a:latin typeface="+mn-lt"/>
+                <a:ea typeface="+mn-ea"/>
+                <a:cs typeface="+mn-cs"/>
+              </a:defRPr>
+            </a:lvl3pPr>
+            <a:lvl4pPr marL="1600200" indent="-228600" algn="l" defTabSz="914400" rtl="0" eaLnBrk="1" latinLnBrk="0" hangingPunct="1">
+              <a:lnSpc>
+                <a:spcPct val="90000"/>
+              </a:lnSpc>
+              <a:spcBef>
+                <a:spcPts val="500"/>
+              </a:spcBef>
+              <a:buFont typeface="Arial" panose="020B0604020202020204" pitchFamily="34" charset="0"/>
+              <a:buChar char="•"/>
+              <a:defRPr sz="1800" kern="1200">
+                <a:solidFill>
+                  <a:schemeClr val="tx1"/>
+                </a:solidFill>
+                <a:latin typeface="+mn-lt"/>
+                <a:ea typeface="+mn-ea"/>
+                <a:cs typeface="+mn-cs"/>
+              </a:defRPr>
+            </a:lvl4pPr>
+            <a:lvl5pPr marL="2057400" indent="-228600" algn="l" defTabSz="914400" rtl="0" eaLnBrk="1" latinLnBrk="0" hangingPunct="1">
+              <a:lnSpc>
+                <a:spcPct val="90000"/>
+              </a:lnSpc>
+              <a:spcBef>
+                <a:spcPts val="500"/>
+              </a:spcBef>
+              <a:buFont typeface="Arial" panose="020B0604020202020204" pitchFamily="34" charset="0"/>
+              <a:buChar char="•"/>
+              <a:defRPr sz="1800" kern="1200">
+                <a:solidFill>
+                  <a:schemeClr val="tx1"/>
+                </a:solidFill>
+                <a:latin typeface="+mn-lt"/>
+                <a:ea typeface="+mn-ea"/>
+                <a:cs typeface="+mn-cs"/>
+              </a:defRPr>
+            </a:lvl5pPr>
+            <a:lvl6pPr marL="2514600" indent="-228600" algn="l" defTabSz="914400" rtl="0" eaLnBrk="1" latinLnBrk="0" hangingPunct="1">
+              <a:lnSpc>
+                <a:spcPct val="90000"/>
+              </a:lnSpc>
+              <a:spcBef>
+                <a:spcPts val="500"/>
+              </a:spcBef>
+              <a:buFont typeface="Arial" panose="020B0604020202020204" pitchFamily="34" charset="0"/>
+              <a:buChar char="•"/>
+              <a:defRPr sz="1800" kern="1200">
+                <a:solidFill>
+                  <a:schemeClr val="tx1"/>
+                </a:solidFill>
+                <a:latin typeface="+mn-lt"/>
+                <a:ea typeface="+mn-ea"/>
+                <a:cs typeface="+mn-cs"/>
+              </a:defRPr>
+            </a:lvl6pPr>
+            <a:lvl7pPr marL="2971800" indent="-228600" algn="l" defTabSz="914400" rtl="0" eaLnBrk="1" latinLnBrk="0" hangingPunct="1">
+              <a:lnSpc>
+                <a:spcPct val="90000"/>
+              </a:lnSpc>
+              <a:spcBef>
+                <a:spcPts val="500"/>
+              </a:spcBef>
+              <a:buFont typeface="Arial" panose="020B0604020202020204" pitchFamily="34" charset="0"/>
+              <a:buChar char="•"/>
+              <a:defRPr sz="1800" kern="1200">
+                <a:solidFill>
+                  <a:schemeClr val="tx1"/>
+                </a:solidFill>
+                <a:latin typeface="+mn-lt"/>
+                <a:ea typeface="+mn-ea"/>
+                <a:cs typeface="+mn-cs"/>
+              </a:defRPr>
+            </a:lvl7pPr>
+            <a:lvl8pPr marL="3429000" indent="-228600" algn="l" defTabSz="914400" rtl="0" eaLnBrk="1" latinLnBrk="0" hangingPunct="1">
+              <a:lnSpc>
+                <a:spcPct val="90000"/>
+              </a:lnSpc>
+              <a:spcBef>
+                <a:spcPts val="500"/>
+              </a:spcBef>
+              <a:buFont typeface="Arial" panose="020B0604020202020204" pitchFamily="34" charset="0"/>
+              <a:buChar char="•"/>
+              <a:defRPr sz="1800" kern="1200">
+                <a:solidFill>
+                  <a:schemeClr val="tx1"/>
+                </a:solidFill>
+                <a:latin typeface="+mn-lt"/>
+                <a:ea typeface="+mn-ea"/>
+                <a:cs typeface="+mn-cs"/>
+              </a:defRPr>
+            </a:lvl8pPr>
+            <a:lvl9pPr marL="3886200" indent="-228600" algn="l" defTabSz="914400" rtl="0" eaLnBrk="1" latinLnBrk="0" hangingPunct="1">
+              <a:lnSpc>
+                <a:spcPct val="90000"/>
+              </a:lnSpc>
+              <a:spcBef>
+                <a:spcPts val="500"/>
+              </a:spcBef>
+              <a:buFont typeface="Arial" panose="020B0604020202020204" pitchFamily="34" charset="0"/>
+              <a:buChar char="•"/>
+              <a:defRPr sz="1800" kern="1200">
+                <a:solidFill>
+                  <a:schemeClr val="tx1"/>
+                </a:solidFill>
+                <a:latin typeface="+mn-lt"/>
+                <a:ea typeface="+mn-ea"/>
+                <a:cs typeface="+mn-cs"/>
+              </a:defRPr>
+            </a:lvl9pPr>
+          </a:lstStyle>
+          <a:p>
+            <a:pPr marL="0" indent="0" algn="ctr">
+              <a:buNone/>
+            </a:pPr>
+            <a:r>
+              <a:rPr lang="en-US" dirty="0">
+                <a:hlinkClick r:id="rId3"/>
+              </a:rPr>
+              <a:t>https://2.python-requests.org/en/master/api/#requests.Response</a:t>
+            </a:r>
+            <a:endParaRPr lang="en-US" dirty="0"/>
+          </a:p>
+        </p:txBody>
+      </p:sp>
     </p:spTree>
     <p:extLst>
       <p:ext uri="{BB962C8B-B14F-4D97-AF65-F5344CB8AC3E}">
@@ -19727,6 +19932,50 @@
                             </p:childTnLst>
                           </p:cTn>
                         </p:par>
+                        <p:par>
+                          <p:cTn id="63" fill="hold">
+                            <p:stCondLst>
+                              <p:cond delay="500"/>
+                            </p:stCondLst>
+                            <p:childTnLst>
+                              <p:par>
+                                <p:cTn id="64" presetID="9" presetClass="entr" presetSubtype="0" fill="hold" grpId="0" nodeType="afterEffect">
+                                  <p:stCondLst>
+                                    <p:cond delay="0"/>
+                                  </p:stCondLst>
+                                  <p:childTnLst>
+                                    <p:set>
+                                      <p:cBhvr>
+                                        <p:cTn id="65" dur="1" fill="hold">
+                                          <p:stCondLst>
+                                            <p:cond delay="0"/>
+                                          </p:stCondLst>
+                                        </p:cTn>
+                                        <p:tgtEl>
+                                          <p:spTgt spid="6"/>
+                                        </p:tgtEl>
+                                        <p:attrNameLst>
+                                          <p:attrName>style.visibility</p:attrName>
+                                        </p:attrNameLst>
+                                      </p:cBhvr>
+                                      <p:to>
+                                        <p:strVal val="visible"/>
+                                      </p:to>
+                                    </p:set>
+                                    <p:animEffect transition="in" filter="dissolve">
+                                      <p:cBhvr>
+                                        <p:cTn id="66" dur="500"/>
+                                        <p:tgtEl>
+                                          <p:spTgt spid="6"/>
+                                        </p:tgtEl>
+                                      </p:cBhvr>
+                                    </p:animEffect>
+                                  </p:childTnLst>
+                                </p:cTn>
+                              </p:par>
+                            </p:childTnLst>
+                          </p:cTn>
+                        </p:par>
                       </p:childTnLst>
                     </p:cTn>
                   </p:par>
@@ -19753,6 +20002,7 @@
     </p:tnLst>
     <p:bldLst>
       <p:bldP spid="3" grpId="0" build="p" bldLvl="2"/>
+      <p:bldP spid="6" grpId="0"/>
     </p:bldLst>
   </p:timing>
 </p:sld>
@@ -28816,7 +29066,7 @@
         <p:spPr/>
         <p:txBody>
           <a:bodyPr>
-            <a:normAutofit lnSpcReduction="10000"/>
+            <a:normAutofit fontScale="92500"/>
           </a:bodyPr>
           <a:lstStyle/>
           <a:p>
@@ -28863,6 +29113,15 @@
                 <a:hlinkClick r:id="rId6"/>
               </a:rPr>
               <a:t>https://requests.readthedocs.io/en/master/</a:t>
+            </a:r>
+            <a:endParaRPr lang="en-US" dirty="0"/>
+          </a:p>
+          <a:p>
+            <a:r>
+              <a:rPr lang="en-US" dirty="0">
+                <a:hlinkClick r:id="rId7"/>
+              </a:rPr>
+              <a:t>https://2.python-requests.org/en/master/api/#requests.Response</a:t>
             </a:r>
             <a:endParaRPr lang="en-US" dirty="0"/>
           </a:p>

--- a/curl-requests-foundations.pptx
+++ b/curl-requests-foundations.pptx
@@ -34,10 +34,10 @@
     <p:sldId id="331" r:id="rId25"/>
     <p:sldId id="270" r:id="rId26"/>
     <p:sldId id="326" r:id="rId27"/>
-    <p:sldId id="359" r:id="rId28"/>
-    <p:sldId id="378" r:id="rId29"/>
-    <p:sldId id="364" r:id="rId30"/>
-    <p:sldId id="360" r:id="rId31"/>
+    <p:sldId id="364" r:id="rId28"/>
+    <p:sldId id="360" r:id="rId29"/>
+    <p:sldId id="359" r:id="rId30"/>
+    <p:sldId id="378" r:id="rId31"/>
     <p:sldId id="365" r:id="rId32"/>
     <p:sldId id="366" r:id="rId33"/>
     <p:sldId id="362" r:id="rId34"/>
@@ -1485,16 +1485,6 @@
               <a:t>// TODO</a:t>
             </a:r>
           </a:p>
-          <a:p>
-            <a:pPr marL="171450" indent="-171450">
-              <a:buFont typeface="Arial" panose="020B0604020202020204" pitchFamily="34" charset="0"/>
-              <a:buChar char="•"/>
-            </a:pPr>
-            <a:r>
-              <a:rPr lang="en-US" b="0" i="0" dirty="0"/>
-              <a:t>The ‘response’ variable can be anything you like</a:t>
-            </a:r>
-          </a:p>
         </p:txBody>
       </p:sp>
       <p:sp>
@@ -1523,7 +1513,7 @@
     </p:spTree>
     <p:extLst>
       <p:ext uri="{BB962C8B-B14F-4D97-AF65-F5344CB8AC3E}">
-        <p14:creationId xmlns:p14="http://schemas.microsoft.com/office/powerpoint/2010/main" val="1217882726"/>
+        <p14:creationId xmlns:p14="http://schemas.microsoft.com/office/powerpoint/2010/main" val="278623439"/>
       </p:ext>
     </p:extLst>
   </p:cSld>
@@ -1578,10 +1568,19 @@
           <a:lstStyle/>
           <a:p>
             <a:r>
-              <a:rPr lang="en-US" dirty="0"/>
+              <a:rPr lang="en-US" b="0" i="0" dirty="0"/>
               <a:t>// TODO</a:t>
             </a:r>
-            <a:endParaRPr lang="en-US" b="0" i="0" u="none" dirty="0"/>
+          </a:p>
+          <a:p>
+            <a:pPr marL="171450" indent="-171450">
+              <a:buFont typeface="Arial" panose="020B0604020202020204" pitchFamily="34" charset="0"/>
+              <a:buChar char="•"/>
+            </a:pPr>
+            <a:r>
+              <a:rPr lang="en-US" b="0" i="0" dirty="0"/>
+              <a:t>The ‘response’ variable can be anything you like</a:t>
+            </a:r>
           </a:p>
         </p:txBody>
       </p:sp>
@@ -1602,7 +1601,7 @@
           <a:p>
             <a:fld id="{020CF8D1-BA82-5045-ACF9-1AA42AD6A519}" type="slidenum">
               <a:rPr lang="en-US" smtClean="0"/>
-              <a:t>28</a:t>
+              <a:t>29</a:t>
             </a:fld>
             <a:endParaRPr lang="en-US"/>
           </a:p>
@@ -1611,7 +1610,7 @@
     </p:spTree>
     <p:extLst>
       <p:ext uri="{BB962C8B-B14F-4D97-AF65-F5344CB8AC3E}">
-        <p14:creationId xmlns:p14="http://schemas.microsoft.com/office/powerpoint/2010/main" val="2702335435"/>
+        <p14:creationId xmlns:p14="http://schemas.microsoft.com/office/powerpoint/2010/main" val="1217882726"/>
       </p:ext>
     </p:extLst>
   </p:cSld>
@@ -1753,9 +1752,10 @@
           <a:lstStyle/>
           <a:p>
             <a:r>
-              <a:rPr lang="en-US" b="0" i="0" dirty="0"/>
+              <a:rPr lang="en-US" dirty="0"/>
               <a:t>// TODO</a:t>
             </a:r>
+            <a:endParaRPr lang="en-US" b="0" i="0" u="none" dirty="0"/>
           </a:p>
         </p:txBody>
       </p:sp>
@@ -1776,7 +1776,7 @@
           <a:p>
             <a:fld id="{020CF8D1-BA82-5045-ACF9-1AA42AD6A519}" type="slidenum">
               <a:rPr lang="en-US" smtClean="0"/>
-              <a:t>29</a:t>
+              <a:t>30</a:t>
             </a:fld>
             <a:endParaRPr lang="en-US"/>
           </a:p>
@@ -1785,7 +1785,7 @@
     </p:spTree>
     <p:extLst>
       <p:ext uri="{BB962C8B-B14F-4D97-AF65-F5344CB8AC3E}">
-        <p14:creationId xmlns:p14="http://schemas.microsoft.com/office/powerpoint/2010/main" val="278623439"/>
+        <p14:creationId xmlns:p14="http://schemas.microsoft.com/office/powerpoint/2010/main" val="2702335435"/>
       </p:ext>
     </p:extLst>
   </p:cSld>
@@ -17337,7 +17337,7 @@
           <a:p>
             <a:r>
               <a:rPr lang="en-US" dirty="0"/>
-              <a:t>Python Requests Syntax Format</a:t>
+              <a:t>Install Python Requests</a:t>
             </a:r>
           </a:p>
         </p:txBody>
@@ -17360,14 +17360,18 @@
         </p:nvSpPr>
         <p:spPr/>
         <p:txBody>
-          <a:bodyPr>
-            <a:normAutofit fontScale="92500" lnSpcReduction="10000"/>
-          </a:bodyPr>
+          <a:bodyPr/>
           <a:lstStyle/>
           <a:p>
             <a:r>
               <a:rPr lang="en-US" dirty="0"/>
-              <a:t>HTTP GET Format</a:t>
+              <a:t>Run the Docker Container for the hands-on exercises</a:t>
+            </a:r>
+          </a:p>
+          <a:p>
+            <a:r>
+              <a:rPr lang="en-US" dirty="0"/>
+              <a:t>Enter the commands:</a:t>
             </a:r>
           </a:p>
           <a:p>
@@ -17380,69 +17384,7 @@
                   <a:srgbClr val="FFFF00"/>
                 </a:solidFill>
               </a:rPr>
-              <a:t>response = </a:t>
-            </a:r>
-            <a:r>
-              <a:rPr lang="en-US" sz="2800" b="1" i="1" dirty="0" err="1">
-                <a:solidFill>
-                  <a:srgbClr val="FFFF00"/>
-                </a:solidFill>
-              </a:rPr>
-              <a:t>requests.</a:t>
-            </a:r>
-            <a:r>
-              <a:rPr lang="en-US" sz="2800" b="1" i="1" dirty="0" err="1">
-                <a:solidFill>
-                  <a:srgbClr val="FF0000"/>
-                </a:solidFill>
-              </a:rPr>
-              <a:t>get</a:t>
-            </a:r>
-            <a:r>
-              <a:rPr lang="en-US" sz="2800" b="1" i="1" dirty="0">
-                <a:solidFill>
-                  <a:srgbClr val="FFFF00"/>
-                </a:solidFill>
-              </a:rPr>
-              <a:t>(</a:t>
-            </a:r>
-            <a:r>
-              <a:rPr lang="en-US" sz="2800" b="1" i="1" dirty="0" err="1">
-                <a:solidFill>
-                  <a:srgbClr val="FFFF00"/>
-                </a:solidFill>
-              </a:rPr>
-              <a:t>url</a:t>
-            </a:r>
-            <a:r>
-              <a:rPr lang="en-US" sz="2800" b="1" i="1" dirty="0">
-                <a:solidFill>
-                  <a:srgbClr val="FFFF00"/>
-                </a:solidFill>
-              </a:rPr>
-              <a:t>, [**</a:t>
-            </a:r>
-            <a:r>
-              <a:rPr lang="en-US" sz="2800" b="1" i="1" dirty="0" err="1">
-                <a:solidFill>
-                  <a:srgbClr val="FFFF00"/>
-                </a:solidFill>
-              </a:rPr>
-              <a:t>kwargs</a:t>
-            </a:r>
-            <a:r>
-              <a:rPr lang="en-US" sz="2800" b="1" i="1" dirty="0">
-                <a:solidFill>
-                  <a:srgbClr val="FFFF00"/>
-                </a:solidFill>
-              </a:rPr>
-              <a:t>])</a:t>
-            </a:r>
-          </a:p>
-          <a:p>
-            <a:r>
-              <a:rPr lang="en-US" dirty="0"/>
-              <a:t>HTTP POST Format</a:t>
+              <a:t>pip install requests</a:t>
             </a:r>
           </a:p>
           <a:p>
@@ -17455,357 +17397,8 @@
                   <a:srgbClr val="FFFF00"/>
                 </a:solidFill>
               </a:rPr>
-              <a:t>response = </a:t>
-            </a:r>
-            <a:r>
-              <a:rPr lang="en-US" sz="2800" b="1" i="1" dirty="0" err="1">
-                <a:solidFill>
-                  <a:srgbClr val="FFFF00"/>
-                </a:solidFill>
-              </a:rPr>
-              <a:t>requests.</a:t>
-            </a:r>
-            <a:r>
-              <a:rPr lang="en-US" sz="2800" b="1" i="1" dirty="0" err="1">
-                <a:solidFill>
-                  <a:srgbClr val="FF0000"/>
-                </a:solidFill>
-              </a:rPr>
-              <a:t>post</a:t>
-            </a:r>
-            <a:r>
-              <a:rPr lang="en-US" sz="2800" b="1" i="1" dirty="0">
-                <a:solidFill>
-                  <a:srgbClr val="FFFF00"/>
-                </a:solidFill>
-              </a:rPr>
-              <a:t>(</a:t>
-            </a:r>
-            <a:r>
-              <a:rPr lang="en-US" sz="2800" b="1" i="1" dirty="0" err="1">
-                <a:solidFill>
-                  <a:srgbClr val="FFFF00"/>
-                </a:solidFill>
-              </a:rPr>
-              <a:t>url</a:t>
-            </a:r>
-            <a:r>
-              <a:rPr lang="en-US" sz="2800" b="1" i="1" dirty="0">
-                <a:solidFill>
-                  <a:srgbClr val="FFFF00"/>
-                </a:solidFill>
-              </a:rPr>
-              <a:t>, [data=&lt;value&gt;], [**</a:t>
-            </a:r>
-            <a:r>
-              <a:rPr lang="en-US" sz="2800" b="1" i="1" dirty="0" err="1">
-                <a:solidFill>
-                  <a:srgbClr val="FFFF00"/>
-                </a:solidFill>
-              </a:rPr>
-              <a:t>kwargs</a:t>
-            </a:r>
-            <a:r>
-              <a:rPr lang="en-US" sz="2800" b="1" i="1" dirty="0">
-                <a:solidFill>
-                  <a:srgbClr val="FFFF00"/>
-                </a:solidFill>
-              </a:rPr>
-              <a:t>])</a:t>
-            </a:r>
-            <a:endParaRPr lang="en-US" sz="2800" dirty="0"/>
-          </a:p>
-          <a:p>
-            <a:pPr marL="457200" lvl="1" indent="0">
-              <a:buNone/>
-            </a:pPr>
-            <a:r>
-              <a:rPr lang="en-US" sz="2800" b="1" i="1" dirty="0">
-                <a:solidFill>
-                  <a:srgbClr val="FFFF00"/>
-                </a:solidFill>
-              </a:rPr>
-              <a:t>response = </a:t>
-            </a:r>
-            <a:r>
-              <a:rPr lang="en-US" sz="2800" b="1" i="1" dirty="0" err="1">
-                <a:solidFill>
-                  <a:srgbClr val="FFFF00"/>
-                </a:solidFill>
-              </a:rPr>
-              <a:t>requests.</a:t>
-            </a:r>
-            <a:r>
-              <a:rPr lang="en-US" sz="2800" b="1" i="1" dirty="0" err="1">
-                <a:solidFill>
-                  <a:srgbClr val="FF0000"/>
-                </a:solidFill>
-              </a:rPr>
-              <a:t>post</a:t>
-            </a:r>
-            <a:r>
-              <a:rPr lang="en-US" sz="2800" b="1" i="1" dirty="0">
-                <a:solidFill>
-                  <a:srgbClr val="FFFF00"/>
-                </a:solidFill>
-              </a:rPr>
-              <a:t>(</a:t>
-            </a:r>
-            <a:r>
-              <a:rPr lang="en-US" sz="2800" b="1" i="1" dirty="0" err="1">
-                <a:solidFill>
-                  <a:srgbClr val="FFFF00"/>
-                </a:solidFill>
-              </a:rPr>
-              <a:t>url</a:t>
-            </a:r>
-            <a:r>
-              <a:rPr lang="en-US" sz="2800" b="1" i="1" dirty="0">
-                <a:solidFill>
-                  <a:srgbClr val="FFFF00"/>
-                </a:solidFill>
-              </a:rPr>
-              <a:t>, [json=&lt;value&gt;], [**</a:t>
-            </a:r>
-            <a:r>
-              <a:rPr lang="en-US" sz="2800" b="1" i="1" dirty="0" err="1">
-                <a:solidFill>
-                  <a:srgbClr val="FFFF00"/>
-                </a:solidFill>
-              </a:rPr>
-              <a:t>kwargs</a:t>
-            </a:r>
-            <a:r>
-              <a:rPr lang="en-US" sz="2800" b="1" i="1" dirty="0">
-                <a:solidFill>
-                  <a:srgbClr val="FFFF00"/>
-                </a:solidFill>
-              </a:rPr>
-              <a:t>])</a:t>
-            </a:r>
-            <a:endParaRPr lang="en-US" dirty="0"/>
-          </a:p>
-          <a:p>
-            <a:r>
-              <a:rPr lang="en-US" dirty="0"/>
-              <a:t>HTTP PUT Format</a:t>
-            </a:r>
-          </a:p>
-          <a:p>
-            <a:pPr marL="457200" lvl="1" indent="0">
-              <a:buNone/>
-            </a:pPr>
-            <a:r>
-              <a:rPr lang="en-US" sz="2800" b="1" i="1" dirty="0">
-                <a:solidFill>
-                  <a:srgbClr val="FFFF00"/>
-                </a:solidFill>
-              </a:rPr>
-              <a:t>response = </a:t>
-            </a:r>
-            <a:r>
-              <a:rPr lang="en-US" sz="2800" b="1" i="1" dirty="0" err="1">
-                <a:solidFill>
-                  <a:srgbClr val="FFFF00"/>
-                </a:solidFill>
-              </a:rPr>
-              <a:t>requests.</a:t>
-            </a:r>
-            <a:r>
-              <a:rPr lang="en-US" sz="2800" b="1" i="1" dirty="0" err="1">
-                <a:solidFill>
-                  <a:srgbClr val="FF0000"/>
-                </a:solidFill>
-              </a:rPr>
-              <a:t>put</a:t>
-            </a:r>
-            <a:r>
-              <a:rPr lang="en-US" sz="2800" b="1" i="1" dirty="0">
-                <a:solidFill>
-                  <a:srgbClr val="FFFF00"/>
-                </a:solidFill>
-              </a:rPr>
-              <a:t>(</a:t>
-            </a:r>
-            <a:r>
-              <a:rPr lang="en-US" sz="2800" b="1" i="1" dirty="0" err="1">
-                <a:solidFill>
-                  <a:srgbClr val="FFFF00"/>
-                </a:solidFill>
-              </a:rPr>
-              <a:t>url</a:t>
-            </a:r>
-            <a:r>
-              <a:rPr lang="en-US" sz="2800" b="1" i="1" dirty="0">
-                <a:solidFill>
-                  <a:srgbClr val="FFFF00"/>
-                </a:solidFill>
-              </a:rPr>
-              <a:t>, [data=&lt;value&gt;], [**</a:t>
-            </a:r>
-            <a:r>
-              <a:rPr lang="en-US" sz="2800" b="1" i="1" dirty="0" err="1">
-                <a:solidFill>
-                  <a:srgbClr val="FFFF00"/>
-                </a:solidFill>
-              </a:rPr>
-              <a:t>kwargs</a:t>
-            </a:r>
-            <a:r>
-              <a:rPr lang="en-US" sz="2800" b="1" i="1" dirty="0">
-                <a:solidFill>
-                  <a:srgbClr val="FFFF00"/>
-                </a:solidFill>
-              </a:rPr>
-              <a:t>])</a:t>
-            </a:r>
-            <a:endParaRPr lang="en-US" sz="2800" dirty="0"/>
-          </a:p>
-          <a:p>
-            <a:pPr marL="457200" lvl="1" indent="0">
-              <a:buNone/>
-            </a:pPr>
-            <a:r>
-              <a:rPr lang="en-US" sz="2800" b="1" i="1" dirty="0">
-                <a:solidFill>
-                  <a:srgbClr val="FFFF00"/>
-                </a:solidFill>
-              </a:rPr>
-              <a:t>response = </a:t>
-            </a:r>
-            <a:r>
-              <a:rPr lang="en-US" sz="2800" b="1" i="1" dirty="0" err="1">
-                <a:solidFill>
-                  <a:srgbClr val="FFFF00"/>
-                </a:solidFill>
-              </a:rPr>
-              <a:t>requests.</a:t>
-            </a:r>
-            <a:r>
-              <a:rPr lang="en-US" sz="2800" b="1" i="1" dirty="0" err="1">
-                <a:solidFill>
-                  <a:srgbClr val="FF0000"/>
-                </a:solidFill>
-              </a:rPr>
-              <a:t>put</a:t>
-            </a:r>
-            <a:r>
-              <a:rPr lang="en-US" sz="2800" b="1" i="1" dirty="0">
-                <a:solidFill>
-                  <a:srgbClr val="FFFF00"/>
-                </a:solidFill>
-              </a:rPr>
-              <a:t>(</a:t>
-            </a:r>
-            <a:r>
-              <a:rPr lang="en-US" sz="2800" b="1" i="1" dirty="0" err="1">
-                <a:solidFill>
-                  <a:srgbClr val="FFFF00"/>
-                </a:solidFill>
-              </a:rPr>
-              <a:t>url</a:t>
-            </a:r>
-            <a:r>
-              <a:rPr lang="en-US" sz="2800" b="1" i="1" dirty="0">
-                <a:solidFill>
-                  <a:srgbClr val="FFFF00"/>
-                </a:solidFill>
-              </a:rPr>
-              <a:t>, [json=&lt;value&gt;], [**</a:t>
-            </a:r>
-            <a:r>
-              <a:rPr lang="en-US" sz="2800" b="1" i="1" dirty="0" err="1">
-                <a:solidFill>
-                  <a:srgbClr val="FFFF00"/>
-                </a:solidFill>
-              </a:rPr>
-              <a:t>kwargs</a:t>
-            </a:r>
-            <a:r>
-              <a:rPr lang="en-US" sz="2800" b="1" i="1" dirty="0">
-                <a:solidFill>
-                  <a:srgbClr val="FFFF00"/>
-                </a:solidFill>
-              </a:rPr>
-              <a:t>])</a:t>
-            </a:r>
-            <a:endParaRPr lang="en-US" dirty="0"/>
-          </a:p>
-          <a:p>
-            <a:r>
-              <a:rPr lang="en-US" dirty="0"/>
-              <a:t>HTTP DELETE Format</a:t>
-            </a:r>
-          </a:p>
-          <a:p>
-            <a:pPr marL="457200" lvl="1" indent="0">
-              <a:buNone/>
-            </a:pPr>
-            <a:r>
-              <a:rPr lang="en-US" sz="2800" b="1" i="1" dirty="0">
-                <a:solidFill>
-                  <a:srgbClr val="FFFF00"/>
-                </a:solidFill>
-              </a:rPr>
-              <a:t>response = </a:t>
-            </a:r>
-            <a:r>
-              <a:rPr lang="en-US" sz="2800" b="1" i="1" dirty="0" err="1">
-                <a:solidFill>
-                  <a:srgbClr val="FFFF00"/>
-                </a:solidFill>
-              </a:rPr>
-              <a:t>requests.</a:t>
-            </a:r>
-            <a:r>
-              <a:rPr lang="en-US" sz="2800" b="1" i="1" dirty="0" err="1">
-                <a:solidFill>
-                  <a:srgbClr val="FF0000"/>
-                </a:solidFill>
-              </a:rPr>
-              <a:t>delete</a:t>
-            </a:r>
-            <a:r>
-              <a:rPr lang="en-US" sz="2800" b="1" i="1" dirty="0">
-                <a:solidFill>
-                  <a:srgbClr val="FFFF00"/>
-                </a:solidFill>
-              </a:rPr>
-              <a:t>(</a:t>
-            </a:r>
-            <a:r>
-              <a:rPr lang="en-US" sz="2800" b="1" i="1" dirty="0" err="1">
-                <a:solidFill>
-                  <a:srgbClr val="FFFF00"/>
-                </a:solidFill>
-              </a:rPr>
-              <a:t>url</a:t>
-            </a:r>
-            <a:r>
-              <a:rPr lang="en-US" sz="2800" b="1" i="1" dirty="0">
-                <a:solidFill>
-                  <a:srgbClr val="FFFF00"/>
-                </a:solidFill>
-              </a:rPr>
-              <a:t>, [**</a:t>
-            </a:r>
-            <a:r>
-              <a:rPr lang="en-US" sz="2800" b="1" i="1" dirty="0" err="1">
-                <a:solidFill>
-                  <a:srgbClr val="FFFF00"/>
-                </a:solidFill>
-              </a:rPr>
-              <a:t>kwargs</a:t>
-            </a:r>
-            <a:r>
-              <a:rPr lang="en-US" sz="2800" b="1" i="1" dirty="0">
-                <a:solidFill>
-                  <a:srgbClr val="FFFF00"/>
-                </a:solidFill>
-              </a:rPr>
-              <a:t>])</a:t>
-            </a:r>
-            <a:endParaRPr lang="en-US" sz="2800" dirty="0"/>
+              <a:t>pip show requests</a:t>
+            </a:r>
           </a:p>
         </p:txBody>
       </p:sp>
@@ -17871,7 +17464,7 @@
     </p:spTree>
     <p:extLst>
       <p:ext uri="{BB962C8B-B14F-4D97-AF65-F5344CB8AC3E}">
-        <p14:creationId xmlns:p14="http://schemas.microsoft.com/office/powerpoint/2010/main" val="1681407443"/>
+        <p14:creationId xmlns:p14="http://schemas.microsoft.com/office/powerpoint/2010/main" val="2115800728"/>
       </p:ext>
     </p:extLst>
   </p:cSld>
@@ -17953,49 +17546,6 @@
                                   </p:childTnLst>
                                 </p:cTn>
                               </p:par>
-                              <p:par>
-                                <p:cTn id="8" presetID="9" presetClass="entr" presetSubtype="0" fill="hold" grpId="0" nodeType="withEffect">
-                                  <p:stCondLst>
-                                    <p:cond delay="0"/>
-                                  </p:stCondLst>
-                                  <p:childTnLst>
-                                    <p:set>
-                                      <p:cBhvr>
-                                        <p:cTn id="9" dur="1" fill="hold">
-                                          <p:stCondLst>
-                                            <p:cond delay="0"/>
-                                          </p:stCondLst>
-                                        </p:cTn>
-                                        <p:tgtEl>
-                                          <p:spTgt spid="3">
-                                            <p:txEl>
-                                              <p:pRg st="1" end="1"/>
-                                            </p:txEl>
-                                          </p:spTgt>
-                                        </p:tgtEl>
-                                        <p:attrNameLst>
-                                          <p:attrName>style.visibility</p:attrName>
-                                        </p:attrNameLst>
-                                      </p:cBhvr>
-                                      <p:to>
-                                        <p:strVal val="visible"/>
-                                      </p:to>
-                                    </p:set>
-                                    <p:animEffect transition="in" filter="dissolve">
-                                      <p:cBhvr>
-                                        <p:cTn id="10" dur="500"/>
-                                        <p:tgtEl>
-                                          <p:spTgt spid="3">
-                                            <p:txEl>
-                                              <p:pRg st="1" end="1"/>
-                                            </p:txEl>
-                                          </p:spTgt>
-                                        </p:tgtEl>
-                                      </p:cBhvr>
-                                    </p:animEffect>
-                                  </p:childTnLst>
-                                </p:cTn>
-                              </p:par>
                             </p:childTnLst>
                           </p:cTn>
                         </p:par>
@@ -18003,19 +17553,62 @@
                     </p:cTn>
                   </p:par>
                   <p:par>
-                    <p:cTn id="11" fill="hold">
+                    <p:cTn id="8" fill="hold">
                       <p:stCondLst>
                         <p:cond delay="indefinite"/>
                       </p:stCondLst>
                       <p:childTnLst>
                         <p:par>
-                          <p:cTn id="12" fill="hold">
+                          <p:cTn id="9" fill="hold">
                             <p:stCondLst>
                               <p:cond delay="0"/>
                             </p:stCondLst>
                             <p:childTnLst>
                               <p:par>
-                                <p:cTn id="13" presetID="9" presetClass="entr" presetSubtype="0" fill="hold" grpId="0" nodeType="clickEffect">
+                                <p:cTn id="10" presetID="9" presetClass="entr" presetSubtype="0" fill="hold" grpId="0" nodeType="clickEffect">
+                                  <p:stCondLst>
+                                    <p:cond delay="0"/>
+                                  </p:stCondLst>
+                                  <p:childTnLst>
+                                    <p:set>
+                                      <p:cBhvr>
+                                        <p:cTn id="11" dur="1" fill="hold">
+                                          <p:stCondLst>
+                                            <p:cond delay="0"/>
+                                          </p:stCondLst>
+                                        </p:cTn>
+                                        <p:tgtEl>
+                                          <p:spTgt spid="3">
+                                            <p:txEl>
+                                              <p:pRg st="1" end="1"/>
+                                            </p:txEl>
+                                          </p:spTgt>
+                                        </p:tgtEl>
+                                        <p:attrNameLst>
+                                          <p:attrName>style.visibility</p:attrName>
+                                        </p:attrNameLst>
+                                      </p:cBhvr>
+                                      <p:to>
+                                        <p:strVal val="visible"/>
+                                      </p:to>
+                                    </p:set>
+                                    <p:animEffect transition="in" filter="dissolve">
+                                      <p:cBhvr>
+                                        <p:cTn id="12" dur="500"/>
+                                        <p:tgtEl>
+                                          <p:spTgt spid="3">
+                                            <p:txEl>
+                                              <p:pRg st="1" end="1"/>
+                                            </p:txEl>
+                                          </p:spTgt>
+                                        </p:tgtEl>
+                                      </p:cBhvr>
+                                    </p:animEffect>
+                                  </p:childTnLst>
+                                </p:cTn>
+                              </p:par>
+                              <p:par>
+                                <p:cTn id="13" presetID="9" presetClass="entr" presetSubtype="0" fill="hold" grpId="0" nodeType="withEffect">
                                   <p:stCondLst>
                                     <p:cond delay="0"/>
                                   </p:stCondLst>
@@ -18092,300 +17685,6 @@
                                           <p:spTgt spid="3">
                                             <p:txEl>
                                               <p:pRg st="3" end="3"/>
-                                            </p:txEl>
-                                          </p:spTgt>
-                                        </p:tgtEl>
-                                      </p:cBhvr>
-                                    </p:animEffect>
-                                  </p:childTnLst>
-                                </p:cTn>
-                              </p:par>
-                              <p:par>
-                                <p:cTn id="19" presetID="9" presetClass="entr" presetSubtype="0" fill="hold" grpId="0" nodeType="withEffect">
-                                  <p:stCondLst>
-                                    <p:cond delay="0"/>
-                                  </p:stCondLst>
-                                  <p:childTnLst>
-                                    <p:set>
-                                      <p:cBhvr>
-                                        <p:cTn id="20" dur="1" fill="hold">
-                                          <p:stCondLst>
-                                            <p:cond delay="0"/>
-                                          </p:stCondLst>
-                                        </p:cTn>
-                                        <p:tgtEl>
-                                          <p:spTgt spid="3">
-                                            <p:txEl>
-                                              <p:pRg st="4" end="4"/>
-                                            </p:txEl>
-                                          </p:spTgt>
-                                        </p:tgtEl>
-                                        <p:attrNameLst>
-                                          <p:attrName>style.visibility</p:attrName>
-                                        </p:attrNameLst>
-                                      </p:cBhvr>
-                                      <p:to>
-                                        <p:strVal val="visible"/>
-                                      </p:to>
-                                    </p:set>
-                                    <p:animEffect transition="in" filter="dissolve">
-                                      <p:cBhvr>
-                                        <p:cTn id="21" dur="500"/>
-                                        <p:tgtEl>
-                                          <p:spTgt spid="3">
-                                            <p:txEl>
-                                              <p:pRg st="4" end="4"/>
-                                            </p:txEl>
-                                          </p:spTgt>
-                                        </p:tgtEl>
-                                      </p:cBhvr>
-                                    </p:animEffect>
-                                  </p:childTnLst>
-                                </p:cTn>
-                              </p:par>
-                            </p:childTnLst>
-                          </p:cTn>
-                        </p:par>
-                      </p:childTnLst>
-                    </p:cTn>
-                  </p:par>
-                  <p:par>
-                    <p:cTn id="22" fill="hold">
-                      <p:stCondLst>
-                        <p:cond delay="indefinite"/>
-                      </p:stCondLst>
-                      <p:childTnLst>
-                        <p:par>
-                          <p:cTn id="23" fill="hold">
-                            <p:stCondLst>
-                              <p:cond delay="0"/>
-                            </p:stCondLst>
-                            <p:childTnLst>
-                              <p:par>
-                                <p:cTn id="24" presetID="9" presetClass="entr" presetSubtype="0" fill="hold" grpId="0" nodeType="clickEffect">
-                                  <p:stCondLst>
-                                    <p:cond delay="0"/>
-                                  </p:stCondLst>
-                                  <p:childTnLst>
-                                    <p:set>
-                                      <p:cBhvr>
-                                        <p:cTn id="25" dur="1" fill="hold">
-                                          <p:stCondLst>
-                                            <p:cond delay="0"/>
-                                          </p:stCondLst>
-                                        </p:cTn>
-                                        <p:tgtEl>
-                                          <p:spTgt spid="3">
-                                            <p:txEl>
-                                              <p:pRg st="5" end="5"/>
-                                            </p:txEl>
-                                          </p:spTgt>
-                                        </p:tgtEl>
-                                        <p:attrNameLst>
-                                          <p:attrName>style.visibility</p:attrName>
-                                        </p:attrNameLst>
-                                      </p:cBhvr>
-                                      <p:to>
-                                        <p:strVal val="visible"/>
-                                      </p:to>
-                                    </p:set>
-                                    <p:animEffect transition="in" filter="dissolve">
-                                      <p:cBhvr>
-                                        <p:cTn id="26" dur="500"/>
-                                        <p:tgtEl>
-                                          <p:spTgt spid="3">
-                                            <p:txEl>
-                                              <p:pRg st="5" end="5"/>
-                                            </p:txEl>
-                                          </p:spTgt>
-                                        </p:tgtEl>
-                                      </p:cBhvr>
-                                    </p:animEffect>
-                                  </p:childTnLst>
-                                </p:cTn>
-                              </p:par>
-                              <p:par>
-                                <p:cTn id="27" presetID="9" presetClass="entr" presetSubtype="0" fill="hold" grpId="0" nodeType="withEffect">
-                                  <p:stCondLst>
-                                    <p:cond delay="0"/>
-                                  </p:stCondLst>
-                                  <p:childTnLst>
-                                    <p:set>
-                                      <p:cBhvr>
-                                        <p:cTn id="28" dur="1" fill="hold">
-                                          <p:stCondLst>
-                                            <p:cond delay="0"/>
-                                          </p:stCondLst>
-                                        </p:cTn>
-                                        <p:tgtEl>
-                                          <p:spTgt spid="3">
-                                            <p:txEl>
-                                              <p:pRg st="6" end="6"/>
-                                            </p:txEl>
-                                          </p:spTgt>
-                                        </p:tgtEl>
-                                        <p:attrNameLst>
-                                          <p:attrName>style.visibility</p:attrName>
-                                        </p:attrNameLst>
-                                      </p:cBhvr>
-                                      <p:to>
-                                        <p:strVal val="visible"/>
-                                      </p:to>
-                                    </p:set>
-                                    <p:animEffect transition="in" filter="dissolve">
-                                      <p:cBhvr>
-                                        <p:cTn id="29" dur="500"/>
-                                        <p:tgtEl>
-                                          <p:spTgt spid="3">
-                                            <p:txEl>
-                                              <p:pRg st="6" end="6"/>
-                                            </p:txEl>
-                                          </p:spTgt>
-                                        </p:tgtEl>
-                                      </p:cBhvr>
-                                    </p:animEffect>
-                                  </p:childTnLst>
-                                </p:cTn>
-                              </p:par>
-                              <p:par>
-                                <p:cTn id="30" presetID="9" presetClass="entr" presetSubtype="0" fill="hold" grpId="0" nodeType="withEffect">
-                                  <p:stCondLst>
-                                    <p:cond delay="0"/>
-                                  </p:stCondLst>
-                                  <p:childTnLst>
-                                    <p:set>
-                                      <p:cBhvr>
-                                        <p:cTn id="31" dur="1" fill="hold">
-                                          <p:stCondLst>
-                                            <p:cond delay="0"/>
-                                          </p:stCondLst>
-                                        </p:cTn>
-                                        <p:tgtEl>
-                                          <p:spTgt spid="3">
-                                            <p:txEl>
-                                              <p:pRg st="7" end="7"/>
-                                            </p:txEl>
-                                          </p:spTgt>
-                                        </p:tgtEl>
-                                        <p:attrNameLst>
-                                          <p:attrName>style.visibility</p:attrName>
-                                        </p:attrNameLst>
-                                      </p:cBhvr>
-                                      <p:to>
-                                        <p:strVal val="visible"/>
-                                      </p:to>
-                                    </p:set>
-                                    <p:animEffect transition="in" filter="dissolve">
-                                      <p:cBhvr>
-                                        <p:cTn id="32" dur="500"/>
-                                        <p:tgtEl>
-                                          <p:spTgt spid="3">
-                                            <p:txEl>
-                                              <p:pRg st="7" end="7"/>
-                                            </p:txEl>
-                                          </p:spTgt>
-                                        </p:tgtEl>
-                                      </p:cBhvr>
-                                    </p:animEffect>
-                                  </p:childTnLst>
-                                </p:cTn>
-                              </p:par>
-                            </p:childTnLst>
-                          </p:cTn>
-                        </p:par>
-                      </p:childTnLst>
-                    </p:cTn>
-                  </p:par>
-                  <p:par>
-                    <p:cTn id="33" fill="hold">
-                      <p:stCondLst>
-                        <p:cond delay="indefinite"/>
-                      </p:stCondLst>
-                      <p:childTnLst>
-                        <p:par>
-                          <p:cTn id="34" fill="hold">
-                            <p:stCondLst>
-                              <p:cond delay="0"/>
-                            </p:stCondLst>
-                            <p:childTnLst>
-                              <p:par>
-                                <p:cTn id="35" presetID="9" presetClass="entr" presetSubtype="0" fill="hold" grpId="0" nodeType="clickEffect">
-                                  <p:stCondLst>
-                                    <p:cond delay="0"/>
-                                  </p:stCondLst>
-                                  <p:childTnLst>
-                                    <p:set>
-                                      <p:cBhvr>
-                                        <p:cTn id="36" dur="1" fill="hold">
-                                          <p:stCondLst>
-                                            <p:cond delay="0"/>
-                                          </p:stCondLst>
-                                        </p:cTn>
-                                        <p:tgtEl>
-                                          <p:spTgt spid="3">
-                                            <p:txEl>
-                                              <p:pRg st="8" end="8"/>
-                                            </p:txEl>
-                                          </p:spTgt>
-                                        </p:tgtEl>
-                                        <p:attrNameLst>
-                                          <p:attrName>style.visibility</p:attrName>
-                                        </p:attrNameLst>
-                                      </p:cBhvr>
-                                      <p:to>
-                                        <p:strVal val="visible"/>
-                                      </p:to>
-                                    </p:set>
-                                    <p:animEffect transition="in" filter="dissolve">
-                                      <p:cBhvr>
-                                        <p:cTn id="37" dur="500"/>
-                                        <p:tgtEl>
-                                          <p:spTgt spid="3">
-                                            <p:txEl>
-                                              <p:pRg st="8" end="8"/>
-                                            </p:txEl>
-                                          </p:spTgt>
-                                        </p:tgtEl>
-                                      </p:cBhvr>
-                                    </p:animEffect>
-                                  </p:childTnLst>
-                                </p:cTn>
-                              </p:par>
-                              <p:par>
-                                <p:cTn id="38" presetID="9" presetClass="entr" presetSubtype="0" fill="hold" grpId="0" nodeType="withEffect">
-                                  <p:stCondLst>
-                                    <p:cond delay="0"/>
-                                  </p:stCondLst>
-                                  <p:childTnLst>
-                                    <p:set>
-                                      <p:cBhvr>
-                                        <p:cTn id="39" dur="1" fill="hold">
-                                          <p:stCondLst>
-                                            <p:cond delay="0"/>
-                                          </p:stCondLst>
-                                        </p:cTn>
-                                        <p:tgtEl>
-                                          <p:spTgt spid="3">
-                                            <p:txEl>
-                                              <p:pRg st="9" end="9"/>
-                                            </p:txEl>
-                                          </p:spTgt>
-                                        </p:tgtEl>
-                                        <p:attrNameLst>
-                                          <p:attrName>style.visibility</p:attrName>
-                                        </p:attrNameLst>
-                                      </p:cBhvr>
-                                      <p:to>
-                                        <p:strVal val="visible"/>
-                                      </p:to>
-                                    </p:set>
-                                    <p:animEffect transition="in" filter="dissolve">
-                                      <p:cBhvr>
-                                        <p:cTn id="40" dur="500"/>
-                                        <p:tgtEl>
-                                          <p:spTgt spid="3">
-                                            <p:txEl>
-                                              <p:pRg st="9" end="9"/>
                                             </p:txEl>
                                           </p:spTgt>
                                         </p:tgtEl>
@@ -18447,10 +17746,139 @@
       </p:grpSpPr>
       <p:sp>
         <p:nvSpPr>
+          <p:cNvPr id="4" name="Date Placeholder 3">
+            <a:extLst>
+              <a:ext uri="{FF2B5EF4-FFF2-40B4-BE49-F238E27FC236}">
+                <a16:creationId xmlns:a16="http://schemas.microsoft.com/office/drawing/2014/main" id="{0CD670A9-B06A-3448-BABA-FAD627500859}"/>
+              </a:ext>
+            </a:extLst>
+          </p:cNvPr>
+          <p:cNvSpPr>
+            <a:spLocks noGrp="1"/>
+          </p:cNvSpPr>
+          <p:nvPr>
+            <p:ph type="dt" sz="half" idx="10"/>
+          </p:nvPr>
+        </p:nvSpPr>
+        <p:spPr/>
+        <p:txBody>
+          <a:bodyPr/>
+          <a:lstStyle/>
+          <a:p>
+            <a:r>
+              <a:rPr lang="en-US"/>
+              <a:t>World Wide Technology ©</a:t>
+            </a:r>
+            <a:endParaRPr lang="en-US" dirty="0"/>
+          </a:p>
+        </p:txBody>
+      </p:sp>
+      <p:sp>
+        <p:nvSpPr>
+          <p:cNvPr id="5" name="Slide Number Placeholder 4">
+            <a:extLst>
+              <a:ext uri="{FF2B5EF4-FFF2-40B4-BE49-F238E27FC236}">
+                <a16:creationId xmlns:a16="http://schemas.microsoft.com/office/drawing/2014/main" id="{119DACAD-17C1-C249-A498-C4A1A1ADD334}"/>
+              </a:ext>
+            </a:extLst>
+          </p:cNvPr>
+          <p:cNvSpPr>
+            <a:spLocks noGrp="1"/>
+          </p:cNvSpPr>
+          <p:nvPr>
+            <p:ph type="sldNum" sz="quarter" idx="12"/>
+          </p:nvPr>
+        </p:nvSpPr>
+        <p:spPr/>
+        <p:txBody>
+          <a:bodyPr/>
+          <a:lstStyle/>
+          <a:p>
+            <a:fld id="{A44B02FA-DD2D-1844-AE35-8B2EAB0CF4EF}" type="slidenum">
+              <a:rPr lang="en-US" smtClean="0"/>
+              <a:pPr/>
+              <a:t>28</a:t>
+            </a:fld>
+            <a:endParaRPr lang="en-US" dirty="0"/>
+          </a:p>
+        </p:txBody>
+      </p:sp>
+    </p:spTree>
+    <p:extLst>
+      <p:ext uri="{BB962C8B-B14F-4D97-AF65-F5344CB8AC3E}">
+        <p14:creationId xmlns:p14="http://schemas.microsoft.com/office/powerpoint/2010/main" val="1776799651"/>
+      </p:ext>
+    </p:extLst>
+  </p:cSld>
+  <p:clrMapOvr>
+    <a:masterClrMapping/>
+  </p:clrMapOvr>
+  <mc:AlternateContent xmlns:mc="http://schemas.openxmlformats.org/markup-compatibility/2006" xmlns:p14="http://schemas.microsoft.com/office/powerpoint/2010/main">
+    <mc:Choice Requires="p14">
+      <p:transition spd="med" p14:dur="700">
+        <p:fade/>
+      </p:transition>
+    </mc:Choice>
+    <mc:Fallback xmlns="">
+      <p:transition spd="med">
+        <p:fade/>
+      </p:transition>
+    </mc:Fallback>
+  </mc:AlternateContent>
+</p:sld>
+</file>
+
+<file path=ppt/slides/slide29.xml><?xml version="1.0" encoding="utf-8"?>
+<p:sld xmlns:a="http://schemas.openxmlformats.org/drawingml/2006/main" xmlns:r="http://schemas.openxmlformats.org/officeDocument/2006/relationships" xmlns:p="http://schemas.openxmlformats.org/presentationml/2006/main">
+  <p:cSld>
+    <p:spTree>
+      <p:nvGrpSpPr>
+        <p:cNvPr id="1" name=""/>
+        <p:cNvGrpSpPr/>
+        <p:nvPr/>
+      </p:nvGrpSpPr>
+      <p:grpSpPr>
+        <a:xfrm>
+          <a:off x="0" y="0"/>
+          <a:ext cx="0" cy="0"/>
+          <a:chOff x="0" y="0"/>
+          <a:chExt cx="0" cy="0"/>
+        </a:xfrm>
+      </p:grpSpPr>
+      <p:sp>
+        <p:nvSpPr>
+          <p:cNvPr id="2" name="Title 1">
+            <a:extLst>
+              <a:ext uri="{FF2B5EF4-FFF2-40B4-BE49-F238E27FC236}">
+                <a16:creationId xmlns:a16="http://schemas.microsoft.com/office/drawing/2014/main" id="{178FC9BC-162C-754A-A134-D392F08CDBEE}"/>
+              </a:ext>
+            </a:extLst>
+          </p:cNvPr>
+          <p:cNvSpPr>
+            <a:spLocks noGrp="1"/>
+          </p:cNvSpPr>
+          <p:nvPr>
+            <p:ph type="title"/>
+          </p:nvPr>
+        </p:nvSpPr>
+        <p:spPr/>
+        <p:txBody>
+          <a:bodyPr/>
+          <a:lstStyle/>
+          <a:p>
+            <a:r>
+              <a:rPr lang="en-US" dirty="0"/>
+              <a:t>Python Requests Syntax Format</a:t>
+            </a:r>
+          </a:p>
+        </p:txBody>
+      </p:sp>
+      <p:sp>
+        <p:nvSpPr>
           <p:cNvPr id="3" name="Content Placeholder 2">
             <a:extLst>
               <a:ext uri="{FF2B5EF4-FFF2-40B4-BE49-F238E27FC236}">
-                <a16:creationId xmlns:a16="http://schemas.microsoft.com/office/drawing/2014/main" id="{4CB23FD9-ADE0-084E-A8CC-44CA0BA25AB3}"/>
+                <a16:creationId xmlns:a16="http://schemas.microsoft.com/office/drawing/2014/main" id="{0ECC7DC7-0671-F543-9991-CF8210E2567B}"/>
               </a:ext>
             </a:extLst>
           </p:cNvPr>
@@ -18470,56 +17898,47 @@
           <a:p>
             <a:r>
               <a:rPr lang="en-US" dirty="0"/>
-              <a:t>Several </a:t>
-            </a:r>
-            <a:r>
-              <a:rPr lang="en-US" dirty="0" err="1"/>
-              <a:t>cURL</a:t>
-            </a:r>
-            <a:r>
-              <a:rPr lang="en-US" dirty="0"/>
-              <a:t> command options are common</a:t>
-            </a:r>
-          </a:p>
-          <a:p>
-            <a:pPr lvl="1"/>
-            <a:r>
-              <a:rPr lang="en-US" dirty="0">
+              <a:t>HTTP GET Format</a:t>
+            </a:r>
+          </a:p>
+          <a:p>
+            <a:pPr marL="457200" lvl="1" indent="0">
+              <a:buNone/>
+            </a:pPr>
+            <a:r>
+              <a:rPr lang="en-US" sz="2800" b="1" i="1" dirty="0">
                 <a:solidFill>
                   <a:srgbClr val="FFFF00"/>
                 </a:solidFill>
               </a:rPr>
-              <a:t>-X </a:t>
-            </a:r>
-            <a:r>
-              <a:rPr lang="en-US" dirty="0"/>
-              <a:t>or</a:t>
-            </a:r>
-            <a:r>
-              <a:rPr lang="en-US" dirty="0">
+              <a:t>response = </a:t>
+            </a:r>
+            <a:r>
+              <a:rPr lang="en-US" sz="2800" b="1" i="1" dirty="0" err="1">
                 <a:solidFill>
                   <a:srgbClr val="FFFF00"/>
                 </a:solidFill>
               </a:rPr>
-              <a:t> --request </a:t>
-            </a:r>
-            <a:r>
-              <a:rPr lang="en-US" dirty="0"/>
-              <a:t>– HTTP method (GET (default), POST, PUT, DELETE)</a:t>
-            </a:r>
-          </a:p>
-          <a:p>
-            <a:pPr lvl="1"/>
-            <a:r>
-              <a:rPr lang="en-US" dirty="0">
+              <a:t>requests.</a:t>
+            </a:r>
+            <a:r>
+              <a:rPr lang="en-US" sz="2800" b="1" i="1" dirty="0" err="1">
+                <a:solidFill>
+                  <a:srgbClr val="FF0000"/>
+                </a:solidFill>
+              </a:rPr>
+              <a:t>get</a:t>
+            </a:r>
+            <a:r>
+              <a:rPr lang="en-US" sz="2800" b="1" i="1" dirty="0">
                 <a:solidFill>
                   <a:srgbClr val="FFFF00"/>
                 </a:solidFill>
               </a:rPr>
-              <a:t>--</a:t>
-            </a:r>
-            <a:r>
-              <a:rPr lang="en-US" dirty="0" err="1">
+              <a:t>(</a:t>
+            </a:r>
+            <a:r>
+              <a:rPr lang="en-US" sz="2800" b="1" i="1" dirty="0" err="1">
                 <a:solidFill>
                   <a:srgbClr val="FFFF00"/>
                 </a:solidFill>
@@ -18527,15 +17946,74 @@
               <a:t>url</a:t>
             </a:r>
             <a:r>
-              <a:rPr lang="en-US" dirty="0">
+              <a:rPr lang="en-US" sz="2800" b="1" i="1" dirty="0">
                 <a:solidFill>
                   <a:srgbClr val="FFFF00"/>
                 </a:solidFill>
               </a:rPr>
-              <a:t> &lt;</a:t>
-            </a:r>
-            <a:r>
-              <a:rPr lang="en-US" dirty="0" err="1">
+              <a:t>, [**</a:t>
+            </a:r>
+            <a:r>
+              <a:rPr lang="en-US" sz="2800" b="1" i="1" dirty="0" err="1">
+                <a:solidFill>
+                  <a:srgbClr val="FFFF00"/>
+                </a:solidFill>
+              </a:rPr>
+              <a:t>kwargs</a:t>
+            </a:r>
+            <a:r>
+              <a:rPr lang="en-US" sz="2800" b="1" i="1" dirty="0">
+                <a:solidFill>
+                  <a:srgbClr val="FFFF00"/>
+                </a:solidFill>
+              </a:rPr>
+              <a:t>])</a:t>
+            </a:r>
+          </a:p>
+          <a:p>
+            <a:r>
+              <a:rPr lang="en-US" dirty="0"/>
+              <a:t>HTTP POST Format</a:t>
+            </a:r>
+          </a:p>
+          <a:p>
+            <a:pPr marL="457200" lvl="1" indent="0">
+              <a:buNone/>
+            </a:pPr>
+            <a:r>
+              <a:rPr lang="en-US" sz="2800" b="1" i="1" dirty="0">
+                <a:solidFill>
+                  <a:srgbClr val="FFFF00"/>
+                </a:solidFill>
+              </a:rPr>
+              <a:t>response = </a:t>
+            </a:r>
+            <a:r>
+              <a:rPr lang="en-US" sz="2800" b="1" i="1" dirty="0" err="1">
+                <a:solidFill>
+                  <a:srgbClr val="FFFF00"/>
+                </a:solidFill>
+              </a:rPr>
+              <a:t>requests.</a:t>
+            </a:r>
+            <a:r>
+              <a:rPr lang="en-US" sz="2800" b="1" i="1" dirty="0" err="1">
+                <a:solidFill>
+                  <a:srgbClr val="FF0000"/>
+                </a:solidFill>
+              </a:rPr>
+              <a:t>post</a:t>
+            </a:r>
+            <a:r>
+              <a:rPr lang="en-US" sz="2800" b="1" i="1" dirty="0">
+                <a:solidFill>
+                  <a:srgbClr val="FFFF00"/>
+                </a:solidFill>
+              </a:rPr>
+              <a:t>(</a:t>
+            </a:r>
+            <a:r>
+              <a:rPr lang="en-US" sz="2800" b="1" i="1" dirty="0" err="1">
                 <a:solidFill>
                   <a:srgbClr val="FFFF00"/>
                 </a:solidFill>
@@ -18543,369 +18021,322 @@
               <a:t>url</a:t>
             </a:r>
             <a:r>
-              <a:rPr lang="en-US" dirty="0">
+              <a:rPr lang="en-US" sz="2800" b="1" i="1" dirty="0">
                 <a:solidFill>
                   <a:srgbClr val="FFFF00"/>
                 </a:solidFill>
               </a:rPr>
-              <a:t>&gt; </a:t>
-            </a:r>
+              <a:t>, [data=&lt;value&gt;], [**</a:t>
+            </a:r>
+            <a:r>
+              <a:rPr lang="en-US" sz="2800" b="1" i="1" dirty="0" err="1">
+                <a:solidFill>
+                  <a:srgbClr val="FFFF00"/>
+                </a:solidFill>
+              </a:rPr>
+              <a:t>kwargs</a:t>
+            </a:r>
+            <a:r>
+              <a:rPr lang="en-US" sz="2800" b="1" i="1" dirty="0">
+                <a:solidFill>
+                  <a:srgbClr val="FFFF00"/>
+                </a:solidFill>
+              </a:rPr>
+              <a:t>])</a:t>
+            </a:r>
+            <a:endParaRPr lang="en-US" sz="2800" dirty="0"/>
+          </a:p>
+          <a:p>
+            <a:pPr marL="457200" lvl="1" indent="0">
+              <a:buNone/>
+            </a:pPr>
+            <a:r>
+              <a:rPr lang="en-US" sz="2800" b="1" i="1" dirty="0">
+                <a:solidFill>
+                  <a:srgbClr val="FFFF00"/>
+                </a:solidFill>
+              </a:rPr>
+              <a:t>response = </a:t>
+            </a:r>
+            <a:r>
+              <a:rPr lang="en-US" sz="2800" b="1" i="1" dirty="0" err="1">
+                <a:solidFill>
+                  <a:srgbClr val="FFFF00"/>
+                </a:solidFill>
+              </a:rPr>
+              <a:t>requests.</a:t>
+            </a:r>
+            <a:r>
+              <a:rPr lang="en-US" sz="2800" b="1" i="1" dirty="0" err="1">
+                <a:solidFill>
+                  <a:srgbClr val="FF0000"/>
+                </a:solidFill>
+              </a:rPr>
+              <a:t>post</a:t>
+            </a:r>
+            <a:r>
+              <a:rPr lang="en-US" sz="2800" b="1" i="1" dirty="0">
+                <a:solidFill>
+                  <a:srgbClr val="FFFF00"/>
+                </a:solidFill>
+              </a:rPr>
+              <a:t>(</a:t>
+            </a:r>
+            <a:r>
+              <a:rPr lang="en-US" sz="2800" b="1" i="1" dirty="0" err="1">
+                <a:solidFill>
+                  <a:srgbClr val="FFFF00"/>
+                </a:solidFill>
+              </a:rPr>
+              <a:t>url</a:t>
+            </a:r>
+            <a:r>
+              <a:rPr lang="en-US" sz="2800" b="1" i="1" dirty="0">
+                <a:solidFill>
+                  <a:srgbClr val="FFFF00"/>
+                </a:solidFill>
+              </a:rPr>
+              <a:t>, [json=&lt;value&gt;], [**</a:t>
+            </a:r>
+            <a:r>
+              <a:rPr lang="en-US" sz="2800" b="1" i="1" dirty="0" err="1">
+                <a:solidFill>
+                  <a:srgbClr val="FFFF00"/>
+                </a:solidFill>
+              </a:rPr>
+              <a:t>kwargs</a:t>
+            </a:r>
+            <a:r>
+              <a:rPr lang="en-US" sz="2800" b="1" i="1" dirty="0">
+                <a:solidFill>
+                  <a:srgbClr val="FFFF00"/>
+                </a:solidFill>
+              </a:rPr>
+              <a:t>])</a:t>
+            </a:r>
+            <a:endParaRPr lang="en-US" dirty="0"/>
+          </a:p>
+          <a:p>
             <a:r>
               <a:rPr lang="en-US" dirty="0"/>
-              <a:t>– Request URL</a:t>
-            </a:r>
-          </a:p>
-          <a:p>
-            <a:pPr lvl="1"/>
-            <a:r>
-              <a:rPr lang="en-US" dirty="0">
+              <a:t>HTTP PUT Format</a:t>
+            </a:r>
+          </a:p>
+          <a:p>
+            <a:pPr marL="457200" lvl="1" indent="0">
+              <a:buNone/>
+            </a:pPr>
+            <a:r>
+              <a:rPr lang="en-US" sz="2800" b="1" i="1" dirty="0">
                 <a:solidFill>
                   <a:srgbClr val="FFFF00"/>
                 </a:solidFill>
               </a:rPr>
-              <a:t>-H </a:t>
-            </a:r>
+              <a:t>response = </a:t>
+            </a:r>
+            <a:r>
+              <a:rPr lang="en-US" sz="2800" b="1" i="1" dirty="0" err="1">
+                <a:solidFill>
+                  <a:srgbClr val="FFFF00"/>
+                </a:solidFill>
+              </a:rPr>
+              <a:t>requests.</a:t>
+            </a:r>
+            <a:r>
+              <a:rPr lang="en-US" sz="2800" b="1" i="1" dirty="0" err="1">
+                <a:solidFill>
+                  <a:srgbClr val="FF0000"/>
+                </a:solidFill>
+              </a:rPr>
+              <a:t>put</a:t>
+            </a:r>
+            <a:r>
+              <a:rPr lang="en-US" sz="2800" b="1" i="1" dirty="0">
+                <a:solidFill>
+                  <a:srgbClr val="FFFF00"/>
+                </a:solidFill>
+              </a:rPr>
+              <a:t>(</a:t>
+            </a:r>
+            <a:r>
+              <a:rPr lang="en-US" sz="2800" b="1" i="1" dirty="0" err="1">
+                <a:solidFill>
+                  <a:srgbClr val="FFFF00"/>
+                </a:solidFill>
+              </a:rPr>
+              <a:t>url</a:t>
+            </a:r>
+            <a:r>
+              <a:rPr lang="en-US" sz="2800" b="1" i="1" dirty="0">
+                <a:solidFill>
+                  <a:srgbClr val="FFFF00"/>
+                </a:solidFill>
+              </a:rPr>
+              <a:t>, [data=&lt;value&gt;], [**</a:t>
+            </a:r>
+            <a:r>
+              <a:rPr lang="en-US" sz="2800" b="1" i="1" dirty="0" err="1">
+                <a:solidFill>
+                  <a:srgbClr val="FFFF00"/>
+                </a:solidFill>
+              </a:rPr>
+              <a:t>kwargs</a:t>
+            </a:r>
+            <a:r>
+              <a:rPr lang="en-US" sz="2800" b="1" i="1" dirty="0">
+                <a:solidFill>
+                  <a:srgbClr val="FFFF00"/>
+                </a:solidFill>
+              </a:rPr>
+              <a:t>])</a:t>
+            </a:r>
+            <a:endParaRPr lang="en-US" sz="2800" dirty="0"/>
+          </a:p>
+          <a:p>
+            <a:pPr marL="457200" lvl="1" indent="0">
+              <a:buNone/>
+            </a:pPr>
+            <a:r>
+              <a:rPr lang="en-US" sz="2800" b="1" i="1" dirty="0">
+                <a:solidFill>
+                  <a:srgbClr val="FFFF00"/>
+                </a:solidFill>
+              </a:rPr>
+              <a:t>response = </a:t>
+            </a:r>
+            <a:r>
+              <a:rPr lang="en-US" sz="2800" b="1" i="1" dirty="0" err="1">
+                <a:solidFill>
+                  <a:srgbClr val="FFFF00"/>
+                </a:solidFill>
+              </a:rPr>
+              <a:t>requests.</a:t>
+            </a:r>
+            <a:r>
+              <a:rPr lang="en-US" sz="2800" b="1" i="1" dirty="0" err="1">
+                <a:solidFill>
+                  <a:srgbClr val="FF0000"/>
+                </a:solidFill>
+              </a:rPr>
+              <a:t>put</a:t>
+            </a:r>
+            <a:r>
+              <a:rPr lang="en-US" sz="2800" b="1" i="1" dirty="0">
+                <a:solidFill>
+                  <a:srgbClr val="FFFF00"/>
+                </a:solidFill>
+              </a:rPr>
+              <a:t>(</a:t>
+            </a:r>
+            <a:r>
+              <a:rPr lang="en-US" sz="2800" b="1" i="1" dirty="0" err="1">
+                <a:solidFill>
+                  <a:srgbClr val="FFFF00"/>
+                </a:solidFill>
+              </a:rPr>
+              <a:t>url</a:t>
+            </a:r>
+            <a:r>
+              <a:rPr lang="en-US" sz="2800" b="1" i="1" dirty="0">
+                <a:solidFill>
+                  <a:srgbClr val="FFFF00"/>
+                </a:solidFill>
+              </a:rPr>
+              <a:t>, [json=&lt;value&gt;], [**</a:t>
+            </a:r>
+            <a:r>
+              <a:rPr lang="en-US" sz="2800" b="1" i="1" dirty="0" err="1">
+                <a:solidFill>
+                  <a:srgbClr val="FFFF00"/>
+                </a:solidFill>
+              </a:rPr>
+              <a:t>kwargs</a:t>
+            </a:r>
+            <a:r>
+              <a:rPr lang="en-US" sz="2800" b="1" i="1" dirty="0">
+                <a:solidFill>
+                  <a:srgbClr val="FFFF00"/>
+                </a:solidFill>
+              </a:rPr>
+              <a:t>])</a:t>
+            </a:r>
+            <a:endParaRPr lang="en-US" dirty="0"/>
+          </a:p>
+          <a:p>
             <a:r>
               <a:rPr lang="en-US" dirty="0"/>
-              <a:t>or</a:t>
-            </a:r>
-            <a:r>
-              <a:rPr lang="en-US" dirty="0">
+              <a:t>HTTP DELETE Format</a:t>
+            </a:r>
+          </a:p>
+          <a:p>
+            <a:pPr marL="457200" lvl="1" indent="0">
+              <a:buNone/>
+            </a:pPr>
+            <a:r>
+              <a:rPr lang="en-US" sz="2800" b="1" i="1" dirty="0">
                 <a:solidFill>
                   <a:srgbClr val="FFFF00"/>
                 </a:solidFill>
               </a:rPr>
-              <a:t> --header</a:t>
-            </a:r>
-            <a:r>
-              <a:rPr lang="en-US" dirty="0"/>
-              <a:t>– HTTP client header(s)</a:t>
-            </a:r>
-          </a:p>
-          <a:p>
-            <a:pPr lvl="1"/>
-            <a:r>
-              <a:rPr lang="en-US" dirty="0">
+              <a:t>response = </a:t>
+            </a:r>
+            <a:r>
+              <a:rPr lang="en-US" sz="2800" b="1" i="1" dirty="0" err="1">
                 <a:solidFill>
                   <a:srgbClr val="FFFF00"/>
                 </a:solidFill>
               </a:rPr>
-              <a:t>-d </a:t>
-            </a:r>
-            <a:r>
-              <a:rPr lang="en-US" dirty="0"/>
-              <a:t>or</a:t>
-            </a:r>
-            <a:r>
-              <a:rPr lang="en-US" dirty="0">
+              <a:t>requests.</a:t>
+            </a:r>
+            <a:r>
+              <a:rPr lang="en-US" sz="2800" b="1" i="1" dirty="0" err="1">
+                <a:solidFill>
+                  <a:srgbClr val="FF0000"/>
+                </a:solidFill>
+              </a:rPr>
+              <a:t>delete</a:t>
+            </a:r>
+            <a:r>
+              <a:rPr lang="en-US" sz="2800" b="1" i="1" dirty="0">
                 <a:solidFill>
                   <a:srgbClr val="FFFF00"/>
                 </a:solidFill>
               </a:rPr>
-              <a:t> --data </a:t>
-            </a:r>
-            <a:r>
-              <a:rPr lang="en-US" dirty="0"/>
-              <a:t>or</a:t>
-            </a:r>
-            <a:r>
-              <a:rPr lang="en-US" dirty="0">
+              <a:t>(</a:t>
+            </a:r>
+            <a:r>
+              <a:rPr lang="en-US" sz="2800" b="1" i="1" dirty="0" err="1">
                 <a:solidFill>
                   <a:srgbClr val="FFFF00"/>
                 </a:solidFill>
               </a:rPr>
-              <a:t> --data-</a:t>
-            </a:r>
-            <a:r>
-              <a:rPr lang="en-US" dirty="0" err="1">
+              <a:t>url</a:t>
+            </a:r>
+            <a:r>
+              <a:rPr lang="en-US" sz="2800" b="1" i="1" dirty="0">
                 <a:solidFill>
                   <a:srgbClr val="FFFF00"/>
                 </a:solidFill>
               </a:rPr>
-              <a:t>urlencode</a:t>
-            </a:r>
-            <a:r>
-              <a:rPr lang="en-US" dirty="0">
+              <a:t>, [**</a:t>
+            </a:r>
+            <a:r>
+              <a:rPr lang="en-US" sz="2800" b="1" i="1" dirty="0" err="1">
                 <a:solidFill>
                   <a:srgbClr val="FFFF00"/>
                 </a:solidFill>
               </a:rPr>
-              <a:t> </a:t>
-            </a:r>
-            <a:r>
-              <a:rPr lang="en-US" dirty="0"/>
-              <a:t>– HTTP PUT/POST data</a:t>
-            </a:r>
-          </a:p>
-          <a:p>
-            <a:pPr lvl="1"/>
-            <a:r>
-              <a:rPr lang="en-US" dirty="0">
+              <a:t>kwargs</a:t>
+            </a:r>
+            <a:r>
+              <a:rPr lang="en-US" sz="2800" b="1" i="1" dirty="0">
                 <a:solidFill>
                   <a:srgbClr val="FFFF00"/>
                 </a:solidFill>
               </a:rPr>
-              <a:t>-</a:t>
-            </a:r>
-            <a:r>
-              <a:rPr lang="en-US" dirty="0" err="1">
-                <a:solidFill>
-                  <a:srgbClr val="FFFF00"/>
-                </a:solidFill>
-              </a:rPr>
-              <a:t>i</a:t>
-            </a:r>
-            <a:r>
-              <a:rPr lang="en-US" i="1" dirty="0">
-                <a:solidFill>
-                  <a:srgbClr val="FFFF00"/>
-                </a:solidFill>
-              </a:rPr>
-              <a:t> </a:t>
-            </a:r>
-            <a:r>
-              <a:rPr lang="en-US" dirty="0"/>
-              <a:t>or</a:t>
-            </a:r>
-            <a:r>
-              <a:rPr lang="en-US" dirty="0">
-                <a:solidFill>
-                  <a:srgbClr val="FFFF00"/>
-                </a:solidFill>
-              </a:rPr>
-              <a:t> --include </a:t>
-            </a:r>
-            <a:r>
-              <a:rPr lang="en-US" dirty="0"/>
-              <a:t>– include response headers in STDOUT</a:t>
-            </a:r>
-          </a:p>
-          <a:p>
-            <a:pPr lvl="1"/>
-            <a:r>
-              <a:rPr lang="en-US" dirty="0">
-                <a:solidFill>
-                  <a:srgbClr val="FFFF00"/>
-                </a:solidFill>
-              </a:rPr>
-              <a:t>-I </a:t>
-            </a:r>
-            <a:r>
-              <a:rPr lang="en-US" dirty="0"/>
-              <a:t>or</a:t>
-            </a:r>
-            <a:r>
-              <a:rPr lang="en-US" dirty="0">
-                <a:solidFill>
-                  <a:srgbClr val="FFFF00"/>
-                </a:solidFill>
-              </a:rPr>
-              <a:t> --head</a:t>
-            </a:r>
-            <a:r>
-              <a:rPr lang="en-US" dirty="0"/>
-              <a:t> – display ONLY response headers in STDOUT</a:t>
-            </a:r>
-          </a:p>
-          <a:p>
-            <a:pPr lvl="1"/>
-            <a:r>
-              <a:rPr lang="en-US" dirty="0">
-                <a:solidFill>
-                  <a:srgbClr val="FFFF00"/>
-                </a:solidFill>
-              </a:rPr>
-              <a:t>-k </a:t>
-            </a:r>
-            <a:r>
-              <a:rPr lang="en-US" dirty="0"/>
-              <a:t>or</a:t>
-            </a:r>
-            <a:r>
-              <a:rPr lang="en-US" dirty="0">
-                <a:solidFill>
-                  <a:srgbClr val="FFFF00"/>
-                </a:solidFill>
-              </a:rPr>
-              <a:t> --insecure </a:t>
-            </a:r>
-            <a:r>
-              <a:rPr lang="en-US" dirty="0"/>
-              <a:t>– allow self-signed certificates (insecure SSL)</a:t>
-            </a:r>
-          </a:p>
-          <a:p>
-            <a:pPr lvl="1"/>
-            <a:r>
-              <a:rPr lang="en-US" dirty="0">
-                <a:solidFill>
-                  <a:srgbClr val="FFFF00"/>
-                </a:solidFill>
-              </a:rPr>
-              <a:t>-L </a:t>
-            </a:r>
-            <a:r>
-              <a:rPr lang="en-US" dirty="0"/>
-              <a:t>or</a:t>
-            </a:r>
-            <a:r>
-              <a:rPr lang="en-US" dirty="0">
-                <a:solidFill>
-                  <a:srgbClr val="FFFF00"/>
-                </a:solidFill>
-              </a:rPr>
-              <a:t> --location </a:t>
-            </a:r>
-            <a:r>
-              <a:rPr lang="en-US" dirty="0"/>
-              <a:t>– follow redirects </a:t>
-            </a:r>
-          </a:p>
-          <a:p>
-            <a:pPr lvl="1"/>
-            <a:r>
-              <a:rPr lang="en-US" dirty="0">
-                <a:solidFill>
-                  <a:srgbClr val="FFFF00"/>
-                </a:solidFill>
-              </a:rPr>
-              <a:t>-o &lt;</a:t>
-            </a:r>
-            <a:r>
-              <a:rPr lang="en-US" dirty="0" err="1">
-                <a:solidFill>
-                  <a:srgbClr val="FFFF00"/>
-                </a:solidFill>
-              </a:rPr>
-              <a:t>file_name</a:t>
-            </a:r>
-            <a:r>
-              <a:rPr lang="en-US" dirty="0">
-                <a:solidFill>
-                  <a:srgbClr val="FFFF00"/>
-                </a:solidFill>
-              </a:rPr>
-              <a:t>&gt; </a:t>
-            </a:r>
-            <a:r>
-              <a:rPr lang="en-US" dirty="0"/>
-              <a:t>or</a:t>
-            </a:r>
-            <a:r>
-              <a:rPr lang="en-US" dirty="0">
-                <a:solidFill>
-                  <a:srgbClr val="FFFF00"/>
-                </a:solidFill>
-              </a:rPr>
-              <a:t> --output &lt;</a:t>
-            </a:r>
-            <a:r>
-              <a:rPr lang="en-US" dirty="0" err="1">
-                <a:solidFill>
-                  <a:srgbClr val="FFFF00"/>
-                </a:solidFill>
-              </a:rPr>
-              <a:t>file_name</a:t>
-            </a:r>
-            <a:r>
-              <a:rPr lang="en-US" dirty="0">
-                <a:solidFill>
-                  <a:srgbClr val="FFFF00"/>
-                </a:solidFill>
-              </a:rPr>
-              <a:t>&gt; </a:t>
-            </a:r>
-            <a:r>
-              <a:rPr lang="en-US" dirty="0"/>
-              <a:t>– write response to a file instead of STDOUT</a:t>
-            </a:r>
-          </a:p>
-          <a:p>
-            <a:pPr lvl="1"/>
-            <a:r>
-              <a:rPr lang="en-US" dirty="0">
-                <a:solidFill>
-                  <a:srgbClr val="FFFF00"/>
-                </a:solidFill>
-              </a:rPr>
-              <a:t>-u </a:t>
-            </a:r>
-            <a:r>
-              <a:rPr lang="en-US" dirty="0"/>
-              <a:t>or</a:t>
-            </a:r>
-            <a:r>
-              <a:rPr lang="en-US" dirty="0">
-                <a:solidFill>
-                  <a:srgbClr val="FFFF00"/>
-                </a:solidFill>
-              </a:rPr>
-              <a:t> --user</a:t>
-            </a:r>
-            <a:r>
-              <a:rPr lang="en-US" dirty="0"/>
-              <a:t> – HTTP Basic Authentication credentials in a key/value pair</a:t>
-            </a:r>
-          </a:p>
-          <a:p>
-            <a:pPr lvl="1"/>
-            <a:r>
-              <a:rPr lang="en-US" dirty="0">
-                <a:solidFill>
-                  <a:srgbClr val="FFFF00"/>
-                </a:solidFill>
-              </a:rPr>
-              <a:t>-v </a:t>
-            </a:r>
-            <a:r>
-              <a:rPr lang="en-US" dirty="0"/>
-              <a:t>or</a:t>
-            </a:r>
-            <a:r>
-              <a:rPr lang="en-US" dirty="0">
-                <a:solidFill>
-                  <a:srgbClr val="FFFF00"/>
-                </a:solidFill>
-              </a:rPr>
-              <a:t> --verbose </a:t>
-            </a:r>
-            <a:r>
-              <a:rPr lang="en-US" dirty="0"/>
-              <a:t>– display detailed info for debugging (headers, TLS handshake, etc.)</a:t>
-            </a:r>
-          </a:p>
-        </p:txBody>
-      </p:sp>
-      <p:sp>
-        <p:nvSpPr>
-          <p:cNvPr id="2" name="Title 1">
-            <a:extLst>
-              <a:ext uri="{FF2B5EF4-FFF2-40B4-BE49-F238E27FC236}">
-                <a16:creationId xmlns:a16="http://schemas.microsoft.com/office/drawing/2014/main" id="{AC0D55DF-385E-9A4F-AB08-FEBC11990B8B}"/>
-              </a:ext>
-            </a:extLst>
-          </p:cNvPr>
-          <p:cNvSpPr>
-            <a:spLocks noGrp="1"/>
-          </p:cNvSpPr>
-          <p:nvPr>
-            <p:ph type="title"/>
-          </p:nvPr>
-        </p:nvSpPr>
-        <p:spPr/>
-        <p:txBody>
-          <a:bodyPr/>
-          <a:lstStyle/>
-          <a:p>
-            <a:r>
-              <a:rPr lang="en-US" dirty="0"/>
-              <a:t>Python Requests </a:t>
-            </a:r>
-            <a:r>
-              <a:rPr lang="en-US"/>
-              <a:t>Response Object</a:t>
-            </a:r>
-            <a:endParaRPr lang="en-US" dirty="0"/>
+              <a:t>])</a:t>
+            </a:r>
+            <a:endParaRPr lang="en-US" sz="2800" dirty="0"/>
           </a:p>
         </p:txBody>
       </p:sp>
@@ -18914,7 +18345,7 @@
           <p:cNvPr id="4" name="Date Placeholder 3">
             <a:extLst>
               <a:ext uri="{FF2B5EF4-FFF2-40B4-BE49-F238E27FC236}">
-                <a16:creationId xmlns:a16="http://schemas.microsoft.com/office/drawing/2014/main" id="{6E8781CE-B8A7-7540-B619-28D099093D8B}"/>
+                <a16:creationId xmlns:a16="http://schemas.microsoft.com/office/drawing/2014/main" id="{38C6DDB4-CE9E-4843-86A9-EFC27330D02F}"/>
               </a:ext>
             </a:extLst>
           </p:cNvPr>
@@ -18943,7 +18374,7 @@
           <p:cNvPr id="5" name="Slide Number Placeholder 4">
             <a:extLst>
               <a:ext uri="{FF2B5EF4-FFF2-40B4-BE49-F238E27FC236}">
-                <a16:creationId xmlns:a16="http://schemas.microsoft.com/office/drawing/2014/main" id="{222BEAA2-2326-1F4D-9BCE-0FC3EC23B201}"/>
+                <a16:creationId xmlns:a16="http://schemas.microsoft.com/office/drawing/2014/main" id="{09AD6D8E-DFAE-8E42-9152-B189D9284AD9}"/>
               </a:ext>
             </a:extLst>
           </p:cNvPr>
@@ -18962,213 +18393,8 @@
             <a:fld id="{A44B02FA-DD2D-1844-AE35-8B2EAB0CF4EF}" type="slidenum">
               <a:rPr lang="en-US" smtClean="0"/>
               <a:pPr/>
-              <a:t>28</a:t>
+              <a:t>29</a:t>
             </a:fld>
-            <a:endParaRPr lang="en-US" dirty="0"/>
-          </a:p>
-        </p:txBody>
-      </p:sp>
-      <p:sp>
-        <p:nvSpPr>
-          <p:cNvPr id="6" name="Content Placeholder 2">
-            <a:extLst>
-              <a:ext uri="{FF2B5EF4-FFF2-40B4-BE49-F238E27FC236}">
-                <a16:creationId xmlns:a16="http://schemas.microsoft.com/office/drawing/2014/main" id="{5535A7F3-1A0A-B445-9EF3-844850395584}"/>
-              </a:ext>
-            </a:extLst>
-          </p:cNvPr>
-          <p:cNvSpPr txBox="1">
-            <a:spLocks/>
-          </p:cNvSpPr>
-          <p:nvPr/>
-        </p:nvSpPr>
-        <p:spPr>
-          <a:xfrm>
-            <a:off x="363880" y="5649892"/>
-            <a:ext cx="11676444" cy="613459"/>
-          </a:xfrm>
-          <a:prstGeom prst="rect">
-            <a:avLst/>
-          </a:prstGeom>
-        </p:spPr>
-        <p:txBody>
-          <a:bodyPr vert="horz" lIns="91440" tIns="45720" rIns="91440" bIns="45720" rtlCol="0">
-            <a:normAutofit/>
-          </a:bodyPr>
-          <a:lstStyle>
-            <a:lvl1pPr marL="228600" indent="-228600" algn="l" defTabSz="914400" rtl="0" eaLnBrk="1" latinLnBrk="0" hangingPunct="1">
-              <a:lnSpc>
-                <a:spcPct val="90000"/>
-              </a:lnSpc>
-              <a:spcBef>
-                <a:spcPts val="1000"/>
-              </a:spcBef>
-              <a:buFont typeface="Arial" panose="020B0604020202020204" pitchFamily="34" charset="0"/>
-              <a:buChar char="•"/>
-              <a:defRPr sz="2800" kern="1200">
-                <a:solidFill>
-                  <a:schemeClr val="tx1"/>
-                </a:solidFill>
-                <a:latin typeface="+mn-lt"/>
-                <a:ea typeface="+mn-ea"/>
-                <a:cs typeface="+mn-cs"/>
-              </a:defRPr>
-            </a:lvl1pPr>
-            <a:lvl2pPr marL="685800" indent="-228600" algn="l" defTabSz="914400" rtl="0" eaLnBrk="1" latinLnBrk="0" hangingPunct="1">
-              <a:lnSpc>
-                <a:spcPct val="90000"/>
-              </a:lnSpc>
-              <a:spcBef>
-                <a:spcPts val="500"/>
-              </a:spcBef>
-              <a:buFont typeface="Arial" panose="020B0604020202020204" pitchFamily="34" charset="0"/>
-              <a:buChar char="•"/>
-              <a:defRPr sz="2400" kern="1200">
-                <a:solidFill>
-                  <a:schemeClr val="tx1"/>
-                </a:solidFill>
-                <a:latin typeface="+mn-lt"/>
-                <a:ea typeface="+mn-ea"/>
-                <a:cs typeface="+mn-cs"/>
-              </a:defRPr>
-            </a:lvl2pPr>
-            <a:lvl3pPr marL="1143000" indent="-228600" algn="l" defTabSz="914400" rtl="0" eaLnBrk="1" latinLnBrk="0" hangingPunct="1">
-              <a:lnSpc>
-                <a:spcPct val="90000"/>
-              </a:lnSpc>
-              <a:spcBef>
-                <a:spcPts val="500"/>
-              </a:spcBef>
-              <a:buFont typeface="Arial" panose="020B0604020202020204" pitchFamily="34" charset="0"/>
-              <a:buChar char="•"/>
-              <a:defRPr sz="2000" kern="1200">
-                <a:solidFill>
-                  <a:schemeClr val="tx1"/>
-                </a:solidFill>
-                <a:latin typeface="+mn-lt"/>
-                <a:ea typeface="+mn-ea"/>
-                <a:cs typeface="+mn-cs"/>
-              </a:defRPr>
-            </a:lvl3pPr>
-            <a:lvl4pPr marL="1600200" indent="-228600" algn="l" defTabSz="914400" rtl="0" eaLnBrk="1" latinLnBrk="0" hangingPunct="1">
-              <a:lnSpc>
-                <a:spcPct val="90000"/>
-              </a:lnSpc>
-              <a:spcBef>
-                <a:spcPts val="500"/>
-              </a:spcBef>
-              <a:buFont typeface="Arial" panose="020B0604020202020204" pitchFamily="34" charset="0"/>
-              <a:buChar char="•"/>
-              <a:defRPr sz="1800" kern="1200">
-                <a:solidFill>
-                  <a:schemeClr val="tx1"/>
-                </a:solidFill>
-                <a:latin typeface="+mn-lt"/>
-                <a:ea typeface="+mn-ea"/>
-                <a:cs typeface="+mn-cs"/>
-              </a:defRPr>
-            </a:lvl4pPr>
-            <a:lvl5pPr marL="2057400" indent="-228600" algn="l" defTabSz="914400" rtl="0" eaLnBrk="1" latinLnBrk="0" hangingPunct="1">
-              <a:lnSpc>
-                <a:spcPct val="90000"/>
-              </a:lnSpc>
-              <a:spcBef>
-                <a:spcPts val="500"/>
-              </a:spcBef>
-              <a:buFont typeface="Arial" panose="020B0604020202020204" pitchFamily="34" charset="0"/>
-              <a:buChar char="•"/>
-              <a:defRPr sz="1800" kern="1200">
-                <a:solidFill>
-                  <a:schemeClr val="tx1"/>
-                </a:solidFill>
-                <a:latin typeface="+mn-lt"/>
-                <a:ea typeface="+mn-ea"/>
-                <a:cs typeface="+mn-cs"/>
-              </a:defRPr>
-            </a:lvl5pPr>
-            <a:lvl6pPr marL="2514600" indent="-228600" algn="l" defTabSz="914400" rtl="0" eaLnBrk="1" latinLnBrk="0" hangingPunct="1">
-              <a:lnSpc>
-                <a:spcPct val="90000"/>
-              </a:lnSpc>
-              <a:spcBef>
-                <a:spcPts val="500"/>
-              </a:spcBef>
-              <a:buFont typeface="Arial" panose="020B0604020202020204" pitchFamily="34" charset="0"/>
-              <a:buChar char="•"/>
-              <a:defRPr sz="1800" kern="1200">
-                <a:solidFill>
-                  <a:schemeClr val="tx1"/>
-                </a:solidFill>
-                <a:latin typeface="+mn-lt"/>
-                <a:ea typeface="+mn-ea"/>
-                <a:cs typeface="+mn-cs"/>
-              </a:defRPr>
-            </a:lvl6pPr>
-            <a:lvl7pPr marL="2971800" indent="-228600" algn="l" defTabSz="914400" rtl="0" eaLnBrk="1" latinLnBrk="0" hangingPunct="1">
-              <a:lnSpc>
-                <a:spcPct val="90000"/>
-              </a:lnSpc>
-              <a:spcBef>
-                <a:spcPts val="500"/>
-              </a:spcBef>
-              <a:buFont typeface="Arial" panose="020B0604020202020204" pitchFamily="34" charset="0"/>
-              <a:buChar char="•"/>
-              <a:defRPr sz="1800" kern="1200">
-                <a:solidFill>
-                  <a:schemeClr val="tx1"/>
-                </a:solidFill>
-                <a:latin typeface="+mn-lt"/>
-                <a:ea typeface="+mn-ea"/>
-                <a:cs typeface="+mn-cs"/>
-              </a:defRPr>
-            </a:lvl7pPr>
-            <a:lvl8pPr marL="3429000" indent="-228600" algn="l" defTabSz="914400" rtl="0" eaLnBrk="1" latinLnBrk="0" hangingPunct="1">
-              <a:lnSpc>
-                <a:spcPct val="90000"/>
-              </a:lnSpc>
-              <a:spcBef>
-                <a:spcPts val="500"/>
-              </a:spcBef>
-              <a:buFont typeface="Arial" panose="020B0604020202020204" pitchFamily="34" charset="0"/>
-              <a:buChar char="•"/>
-              <a:defRPr sz="1800" kern="1200">
-                <a:solidFill>
-                  <a:schemeClr val="tx1"/>
-                </a:solidFill>
-                <a:latin typeface="+mn-lt"/>
-                <a:ea typeface="+mn-ea"/>
-                <a:cs typeface="+mn-cs"/>
-              </a:defRPr>
-            </a:lvl8pPr>
-            <a:lvl9pPr marL="3886200" indent="-228600" algn="l" defTabSz="914400" rtl="0" eaLnBrk="1" latinLnBrk="0" hangingPunct="1">
-              <a:lnSpc>
-                <a:spcPct val="90000"/>
-              </a:lnSpc>
-              <a:spcBef>
-                <a:spcPts val="500"/>
-              </a:spcBef>
-              <a:buFont typeface="Arial" panose="020B0604020202020204" pitchFamily="34" charset="0"/>
-              <a:buChar char="•"/>
-              <a:defRPr sz="1800" kern="1200">
-                <a:solidFill>
-                  <a:schemeClr val="tx1"/>
-                </a:solidFill>
-                <a:latin typeface="+mn-lt"/>
-                <a:ea typeface="+mn-ea"/>
-                <a:cs typeface="+mn-cs"/>
-              </a:defRPr>
-            </a:lvl9pPr>
-          </a:lstStyle>
-          <a:p>
-            <a:pPr marL="0" indent="0" algn="ctr">
-              <a:buNone/>
-            </a:pPr>
-            <a:r>
-              <a:rPr lang="en-US" dirty="0">
-                <a:hlinkClick r:id="rId3"/>
-              </a:rPr>
-              <a:t>https://2.python-requests.org/en/master/api/#requests.Response</a:t>
-            </a:r>
             <a:endParaRPr lang="en-US" dirty="0"/>
           </a:p>
         </p:txBody>
@@ -19176,7 +18402,7 @@
     </p:spTree>
     <p:extLst>
       <p:ext uri="{BB962C8B-B14F-4D97-AF65-F5344CB8AC3E}">
-        <p14:creationId xmlns:p14="http://schemas.microsoft.com/office/powerpoint/2010/main" val="3614480732"/>
+        <p14:creationId xmlns:p14="http://schemas.microsoft.com/office/powerpoint/2010/main" val="1681407443"/>
       </p:ext>
     </p:extLst>
   </p:cSld>
@@ -19258,33 +18484,15 @@
                                   </p:childTnLst>
                                 </p:cTn>
                               </p:par>
-                            </p:childTnLst>
-                          </p:cTn>
-                        </p:par>
-                      </p:childTnLst>
-                    </p:cTn>
-                  </p:par>
-                  <p:par>
-                    <p:cTn id="8" fill="hold">
-                      <p:stCondLst>
-                        <p:cond delay="indefinite"/>
-                      </p:stCondLst>
-                      <p:childTnLst>
-                        <p:par>
-                          <p:cTn id="9" fill="hold">
-                            <p:stCondLst>
-                              <p:cond delay="0"/>
-                            </p:stCondLst>
-                            <p:childTnLst>
                               <p:par>
-                                <p:cTn id="10" presetID="9" presetClass="entr" presetSubtype="0" fill="hold" grpId="0" nodeType="clickEffect">
+                                <p:cTn id="8" presetID="9" presetClass="entr" presetSubtype="0" fill="hold" grpId="0" nodeType="withEffect">
                                   <p:stCondLst>
                                     <p:cond delay="0"/>
                                   </p:stCondLst>
                                   <p:childTnLst>
                                     <p:set>
                                       <p:cBhvr>
-                                        <p:cTn id="11" dur="1" fill="hold">
+                                        <p:cTn id="9" dur="1" fill="hold">
                                           <p:stCondLst>
                                             <p:cond delay="0"/>
                                           </p:stCondLst>
@@ -19306,7 +18514,7 @@
                                     </p:set>
                                     <p:animEffect transition="in" filter="dissolve">
                                       <p:cBhvr>
-                                        <p:cTn id="12" dur="500"/>
+                                        <p:cTn id="10" dur="500"/>
                                         <p:tgtEl>
                                           <p:spTgt spid="3">
                                             <p:txEl>
@@ -19326,26 +18534,26 @@
                     </p:cTn>
                   </p:par>
                   <p:par>
-                    <p:cTn id="13" fill="hold">
+                    <p:cTn id="11" fill="hold">
                       <p:stCondLst>
                         <p:cond delay="indefinite"/>
                       </p:stCondLst>
                       <p:childTnLst>
                         <p:par>
-                          <p:cTn id="14" fill="hold">
+                          <p:cTn id="12" fill="hold">
                             <p:stCondLst>
                               <p:cond delay="0"/>
                             </p:stCondLst>
                             <p:childTnLst>
                               <p:par>
-                                <p:cTn id="15" presetID="9" presetClass="entr" presetSubtype="0" fill="hold" grpId="0" nodeType="clickEffect">
+                                <p:cTn id="13" presetID="9" presetClass="entr" presetSubtype="0" fill="hold" grpId="0" nodeType="clickEffect">
                                   <p:stCondLst>
                                     <p:cond delay="0"/>
                                   </p:stCondLst>
                                   <p:childTnLst>
                                     <p:set>
                                       <p:cBhvr>
-                                        <p:cTn id="16" dur="1" fill="hold">
+                                        <p:cTn id="14" dur="1" fill="hold">
                                           <p:stCondLst>
                                             <p:cond delay="0"/>
                                           </p:stCondLst>
@@ -19367,11 +18575,97 @@
                                     </p:set>
                                     <p:animEffect transition="in" filter="dissolve">
                                       <p:cBhvr>
-                                        <p:cTn id="17" dur="500"/>
+                                        <p:cTn id="15" dur="500"/>
                                         <p:tgtEl>
                                           <p:spTgt spid="3">
                                             <p:txEl>
                                               <p:pRg st="2" end="2"/>
+                                            </p:txEl>
+                                          </p:spTgt>
+                                        </p:tgtEl>
+                                      </p:cBhvr>
+                                    </p:animEffect>
+                                  </p:childTnLst>
+                                </p:cTn>
+                              </p:par>
+                              <p:par>
+                                <p:cTn id="16" presetID="9" presetClass="entr" presetSubtype="0" fill="hold" grpId="0" nodeType="withEffect">
+                                  <p:stCondLst>
+                                    <p:cond delay="0"/>
+                                  </p:stCondLst>
+                                  <p:childTnLst>
+                                    <p:set>
+                                      <p:cBhvr>
+                                        <p:cTn id="17" dur="1" fill="hold">
+                                          <p:stCondLst>
+                                            <p:cond delay="0"/>
+                                          </p:stCondLst>
+                                        </p:cTn>
+                                        <p:tgtEl>
+                                          <p:spTgt spid="3">
+                                            <p:txEl>
+                                              <p:pRg st="3" end="3"/>
+                                            </p:txEl>
+                                          </p:spTgt>
+                                        </p:tgtEl>
+                                        <p:attrNameLst>
+                                          <p:attrName>style.visibility</p:attrName>
+                                        </p:attrNameLst>
+                                      </p:cBhvr>
+                                      <p:to>
+                                        <p:strVal val="visible"/>
+                                      </p:to>
+                                    </p:set>
+                                    <p:animEffect transition="in" filter="dissolve">
+                                      <p:cBhvr>
+                                        <p:cTn id="18" dur="500"/>
+                                        <p:tgtEl>
+                                          <p:spTgt spid="3">
+                                            <p:txEl>
+                                              <p:pRg st="3" end="3"/>
+                                            </p:txEl>
+                                          </p:spTgt>
+                                        </p:tgtEl>
+                                      </p:cBhvr>
+                                    </p:animEffect>
+                                  </p:childTnLst>
+                                </p:cTn>
+                              </p:par>
+                              <p:par>
+                                <p:cTn id="19" presetID="9" presetClass="entr" presetSubtype="0" fill="hold" grpId="0" nodeType="withEffect">
+                                  <p:stCondLst>
+                                    <p:cond delay="0"/>
+                                  </p:stCondLst>
+                                  <p:childTnLst>
+                                    <p:set>
+                                      <p:cBhvr>
+                                        <p:cTn id="20" dur="1" fill="hold">
+                                          <p:stCondLst>
+                                            <p:cond delay="0"/>
+                                          </p:stCondLst>
+                                        </p:cTn>
+                                        <p:tgtEl>
+                                          <p:spTgt spid="3">
+                                            <p:txEl>
+                                              <p:pRg st="4" end="4"/>
+                                            </p:txEl>
+                                          </p:spTgt>
+                                        </p:tgtEl>
+                                        <p:attrNameLst>
+                                          <p:attrName>style.visibility</p:attrName>
+                                        </p:attrNameLst>
+                                      </p:cBhvr>
+                                      <p:to>
+                                        <p:strVal val="visible"/>
+                                      </p:to>
+                                    </p:set>
+                                    <p:animEffect transition="in" filter="dissolve">
+                                      <p:cBhvr>
+                                        <p:cTn id="21" dur="500"/>
+                                        <p:tgtEl>
+                                          <p:spTgt spid="3">
+                                            <p:txEl>
+                                              <p:pRg st="4" end="4"/>
                                             </p:txEl>
                                           </p:spTgt>
                                         </p:tgtEl>
@@ -19387,26 +18681,26 @@
                     </p:cTn>
                   </p:par>
                   <p:par>
-                    <p:cTn id="18" fill="hold">
+                    <p:cTn id="22" fill="hold">
                       <p:stCondLst>
                         <p:cond delay="indefinite"/>
                       </p:stCondLst>
                       <p:childTnLst>
                         <p:par>
-                          <p:cTn id="19" fill="hold">
+                          <p:cTn id="23" fill="hold">
                             <p:stCondLst>
                               <p:cond delay="0"/>
                             </p:stCondLst>
                             <p:childTnLst>
                               <p:par>
-                                <p:cTn id="20" presetID="9" presetClass="entr" presetSubtype="0" fill="hold" grpId="0" nodeType="clickEffect">
+                                <p:cTn id="24" presetID="9" presetClass="entr" presetSubtype="0" fill="hold" grpId="0" nodeType="clickEffect">
                                   <p:stCondLst>
                                     <p:cond delay="0"/>
                                   </p:stCondLst>
                                   <p:childTnLst>
                                     <p:set>
                                       <p:cBhvr>
-                                        <p:cTn id="21" dur="1" fill="hold">
+                                        <p:cTn id="25" dur="1" fill="hold">
                                           <p:stCondLst>
                                             <p:cond delay="0"/>
                                           </p:stCondLst>
@@ -19414,7 +18708,7 @@
                                         <p:tgtEl>
                                           <p:spTgt spid="3">
                                             <p:txEl>
-                                              <p:pRg st="3" end="3"/>
+                                              <p:pRg st="5" end="5"/>
                                             </p:txEl>
                                           </p:spTgt>
                                         </p:tgtEl>
@@ -19428,11 +18722,11 @@
                                     </p:set>
                                     <p:animEffect transition="in" filter="dissolve">
                                       <p:cBhvr>
-                                        <p:cTn id="22" dur="500"/>
+                                        <p:cTn id="26" dur="500"/>
                                         <p:tgtEl>
                                           <p:spTgt spid="3">
                                             <p:txEl>
-                                              <p:pRg st="3" end="3"/>
+                                              <p:pRg st="5" end="5"/>
                                             </p:txEl>
                                           </p:spTgt>
                                         </p:tgtEl>
@@ -19441,33 +18735,15 @@
                                   </p:childTnLst>
                                 </p:cTn>
                               </p:par>
-                            </p:childTnLst>
-                          </p:cTn>
-                        </p:par>
-                      </p:childTnLst>
-                    </p:cTn>
-                  </p:par>
-                  <p:par>
-                    <p:cTn id="23" fill="hold">
-                      <p:stCondLst>
-                        <p:cond delay="indefinite"/>
-                      </p:stCondLst>
-                      <p:childTnLst>
-                        <p:par>
-                          <p:cTn id="24" fill="hold">
-                            <p:stCondLst>
-                              <p:cond delay="0"/>
-                            </p:stCondLst>
-                            <p:childTnLst>
                               <p:par>
-                                <p:cTn id="25" presetID="9" presetClass="entr" presetSubtype="0" fill="hold" grpId="0" nodeType="clickEffect">
+                                <p:cTn id="27" presetID="9" presetClass="entr" presetSubtype="0" fill="hold" grpId="0" nodeType="withEffect">
                                   <p:stCondLst>
                                     <p:cond delay="0"/>
                                   </p:stCondLst>
                                   <p:childTnLst>
                                     <p:set>
                                       <p:cBhvr>
-                                        <p:cTn id="26" dur="1" fill="hold">
+                                        <p:cTn id="28" dur="1" fill="hold">
                                           <p:stCondLst>
                                             <p:cond delay="0"/>
                                           </p:stCondLst>
@@ -19475,7 +18751,7 @@
                                         <p:tgtEl>
                                           <p:spTgt spid="3">
                                             <p:txEl>
-                                              <p:pRg st="4" end="4"/>
+                                              <p:pRg st="6" end="6"/>
                                             </p:txEl>
                                           </p:spTgt>
                                         </p:tgtEl>
@@ -19489,11 +18765,11 @@
                                     </p:set>
                                     <p:animEffect transition="in" filter="dissolve">
                                       <p:cBhvr>
-                                        <p:cTn id="27" dur="500"/>
+                                        <p:cTn id="29" dur="500"/>
                                         <p:tgtEl>
                                           <p:spTgt spid="3">
                                             <p:txEl>
-                                              <p:pRg st="4" end="4"/>
+                                              <p:pRg st="6" end="6"/>
                                             </p:txEl>
                                           </p:spTgt>
                                         </p:tgtEl>
@@ -19502,26 +18778,8 @@
                                   </p:childTnLst>
                                 </p:cTn>
                               </p:par>
-                            </p:childTnLst>
-                          </p:cTn>
-                        </p:par>
-                      </p:childTnLst>
-                    </p:cTn>
-                  </p:par>
-                  <p:par>
-                    <p:cTn id="28" fill="hold">
-                      <p:stCondLst>
-                        <p:cond delay="indefinite"/>
-                      </p:stCondLst>
-                      <p:childTnLst>
-                        <p:par>
-                          <p:cTn id="29" fill="hold">
-                            <p:stCondLst>
-                              <p:cond delay="0"/>
-                            </p:stCondLst>
-                            <p:childTnLst>
                               <p:par>
-                                <p:cTn id="30" presetID="9" presetClass="entr" presetSubtype="0" fill="hold" grpId="0" nodeType="clickEffect">
+                                <p:cTn id="30" presetID="9" presetClass="entr" presetSubtype="0" fill="hold" grpId="0" nodeType="withEffect">
                                   <p:stCondLst>
                                     <p:cond delay="0"/>
                                   </p:stCondLst>
@@ -19536,7 +18794,7 @@
                                         <p:tgtEl>
                                           <p:spTgt spid="3">
                                             <p:txEl>
-                                              <p:pRg st="5" end="5"/>
+                                              <p:pRg st="7" end="7"/>
                                             </p:txEl>
                                           </p:spTgt>
                                         </p:tgtEl>
@@ -19554,7 +18812,7 @@
                                         <p:tgtEl>
                                           <p:spTgt spid="3">
                                             <p:txEl>
-                                              <p:pRg st="5" end="5"/>
+                                              <p:pRg st="7" end="7"/>
                                             </p:txEl>
                                           </p:spTgt>
                                         </p:tgtEl>
@@ -19597,7 +18855,7 @@
                                         <p:tgtEl>
                                           <p:spTgt spid="3">
                                             <p:txEl>
-                                              <p:pRg st="6" end="6"/>
+                                              <p:pRg st="8" end="8"/>
                                             </p:txEl>
                                           </p:spTgt>
                                         </p:tgtEl>
@@ -19615,7 +18873,7 @@
                                         <p:tgtEl>
                                           <p:spTgt spid="3">
                                             <p:txEl>
-                                              <p:pRg st="6" end="6"/>
+                                              <p:pRg st="8" end="8"/>
                                             </p:txEl>
                                           </p:spTgt>
                                         </p:tgtEl>
@@ -19624,33 +18882,15 @@
                                   </p:childTnLst>
                                 </p:cTn>
                               </p:par>
-                            </p:childTnLst>
-                          </p:cTn>
-                        </p:par>
-                      </p:childTnLst>
-                    </p:cTn>
-                  </p:par>
-                  <p:par>
-                    <p:cTn id="38" fill="hold">
-                      <p:stCondLst>
-                        <p:cond delay="indefinite"/>
-                      </p:stCondLst>
-                      <p:childTnLst>
-                        <p:par>
-                          <p:cTn id="39" fill="hold">
-                            <p:stCondLst>
-                              <p:cond delay="0"/>
-                            </p:stCondLst>
-                            <p:childTnLst>
                               <p:par>
-                                <p:cTn id="40" presetID="9" presetClass="entr" presetSubtype="0" fill="hold" grpId="0" nodeType="clickEffect">
+                                <p:cTn id="38" presetID="9" presetClass="entr" presetSubtype="0" fill="hold" grpId="0" nodeType="withEffect">
                                   <p:stCondLst>
                                     <p:cond delay="0"/>
                                   </p:stCondLst>
                                   <p:childTnLst>
                                     <p:set>
                                       <p:cBhvr>
-                                        <p:cTn id="41" dur="1" fill="hold">
+                                        <p:cTn id="39" dur="1" fill="hold">
                                           <p:stCondLst>
                                             <p:cond delay="0"/>
                                           </p:stCondLst>
@@ -19658,7 +18898,7 @@
                                         <p:tgtEl>
                                           <p:spTgt spid="3">
                                             <p:txEl>
-                                              <p:pRg st="7" end="7"/>
+                                              <p:pRg st="9" end="9"/>
                                             </p:txEl>
                                           </p:spTgt>
                                         </p:tgtEl>
@@ -19672,730 +18912,11 @@
                                     </p:set>
                                     <p:animEffect transition="in" filter="dissolve">
                                       <p:cBhvr>
-                                        <p:cTn id="42" dur="500"/>
-                                        <p:tgtEl>
-                                          <p:spTgt spid="3">
-                                            <p:txEl>
-                                              <p:pRg st="7" end="7"/>
-                                            </p:txEl>
-                                          </p:spTgt>
-                                        </p:tgtEl>
-                                      </p:cBhvr>
-                                    </p:animEffect>
-                                  </p:childTnLst>
-                                </p:cTn>
-                              </p:par>
-                            </p:childTnLst>
-                          </p:cTn>
-                        </p:par>
-                      </p:childTnLst>
-                    </p:cTn>
-                  </p:par>
-                  <p:par>
-                    <p:cTn id="43" fill="hold">
-                      <p:stCondLst>
-                        <p:cond delay="indefinite"/>
-                      </p:stCondLst>
-                      <p:childTnLst>
-                        <p:par>
-                          <p:cTn id="44" fill="hold">
-                            <p:stCondLst>
-                              <p:cond delay="0"/>
-                            </p:stCondLst>
-                            <p:childTnLst>
-                              <p:par>
-                                <p:cTn id="45" presetID="9" presetClass="entr" presetSubtype="0" fill="hold" grpId="0" nodeType="clickEffect">
-                                  <p:stCondLst>
-                                    <p:cond delay="0"/>
-                                  </p:stCondLst>
-                                  <p:childTnLst>
-                                    <p:set>
-                                      <p:cBhvr>
-                                        <p:cTn id="46" dur="1" fill="hold">
-                                          <p:stCondLst>
-                                            <p:cond delay="0"/>
-                                          </p:stCondLst>
-                                        </p:cTn>
-                                        <p:tgtEl>
-                                          <p:spTgt spid="3">
-                                            <p:txEl>
-                                              <p:pRg st="8" end="8"/>
-                                            </p:txEl>
-                                          </p:spTgt>
-                                        </p:tgtEl>
-                                        <p:attrNameLst>
-                                          <p:attrName>style.visibility</p:attrName>
-                                        </p:attrNameLst>
-                                      </p:cBhvr>
-                                      <p:to>
-                                        <p:strVal val="visible"/>
-                                      </p:to>
-                                    </p:set>
-                                    <p:animEffect transition="in" filter="dissolve">
-                                      <p:cBhvr>
-                                        <p:cTn id="47" dur="500"/>
-                                        <p:tgtEl>
-                                          <p:spTgt spid="3">
-                                            <p:txEl>
-                                              <p:pRg st="8" end="8"/>
-                                            </p:txEl>
-                                          </p:spTgt>
-                                        </p:tgtEl>
-                                      </p:cBhvr>
-                                    </p:animEffect>
-                                  </p:childTnLst>
-                                </p:cTn>
-                              </p:par>
-                            </p:childTnLst>
-                          </p:cTn>
-                        </p:par>
-                      </p:childTnLst>
-                    </p:cTn>
-                  </p:par>
-                  <p:par>
-                    <p:cTn id="48" fill="hold">
-                      <p:stCondLst>
-                        <p:cond delay="indefinite"/>
-                      </p:stCondLst>
-                      <p:childTnLst>
-                        <p:par>
-                          <p:cTn id="49" fill="hold">
-                            <p:stCondLst>
-                              <p:cond delay="0"/>
-                            </p:stCondLst>
-                            <p:childTnLst>
-                              <p:par>
-                                <p:cTn id="50" presetID="9" presetClass="entr" presetSubtype="0" fill="hold" grpId="0" nodeType="clickEffect">
-                                  <p:stCondLst>
-                                    <p:cond delay="0"/>
-                                  </p:stCondLst>
-                                  <p:childTnLst>
-                                    <p:set>
-                                      <p:cBhvr>
-                                        <p:cTn id="51" dur="1" fill="hold">
-                                          <p:stCondLst>
-                                            <p:cond delay="0"/>
-                                          </p:stCondLst>
-                                        </p:cTn>
+                                        <p:cTn id="40" dur="500"/>
                                         <p:tgtEl>
                                           <p:spTgt spid="3">
                                             <p:txEl>
                                               <p:pRg st="9" end="9"/>
-                                            </p:txEl>
-                                          </p:spTgt>
-                                        </p:tgtEl>
-                                        <p:attrNameLst>
-                                          <p:attrName>style.visibility</p:attrName>
-                                        </p:attrNameLst>
-                                      </p:cBhvr>
-                                      <p:to>
-                                        <p:strVal val="visible"/>
-                                      </p:to>
-                                    </p:set>
-                                    <p:animEffect transition="in" filter="dissolve">
-                                      <p:cBhvr>
-                                        <p:cTn id="52" dur="500"/>
-                                        <p:tgtEl>
-                                          <p:spTgt spid="3">
-                                            <p:txEl>
-                                              <p:pRg st="9" end="9"/>
-                                            </p:txEl>
-                                          </p:spTgt>
-                                        </p:tgtEl>
-                                      </p:cBhvr>
-                                    </p:animEffect>
-                                  </p:childTnLst>
-                                </p:cTn>
-                              </p:par>
-                            </p:childTnLst>
-                          </p:cTn>
-                        </p:par>
-                      </p:childTnLst>
-                    </p:cTn>
-                  </p:par>
-                  <p:par>
-                    <p:cTn id="53" fill="hold">
-                      <p:stCondLst>
-                        <p:cond delay="indefinite"/>
-                      </p:stCondLst>
-                      <p:childTnLst>
-                        <p:par>
-                          <p:cTn id="54" fill="hold">
-                            <p:stCondLst>
-                              <p:cond delay="0"/>
-                            </p:stCondLst>
-                            <p:childTnLst>
-                              <p:par>
-                                <p:cTn id="55" presetID="9" presetClass="entr" presetSubtype="0" fill="hold" grpId="0" nodeType="clickEffect">
-                                  <p:stCondLst>
-                                    <p:cond delay="0"/>
-                                  </p:stCondLst>
-                                  <p:childTnLst>
-                                    <p:set>
-                                      <p:cBhvr>
-                                        <p:cTn id="56" dur="1" fill="hold">
-                                          <p:stCondLst>
-                                            <p:cond delay="0"/>
-                                          </p:stCondLst>
-                                        </p:cTn>
-                                        <p:tgtEl>
-                                          <p:spTgt spid="3">
-                                            <p:txEl>
-                                              <p:pRg st="10" end="10"/>
-                                            </p:txEl>
-                                          </p:spTgt>
-                                        </p:tgtEl>
-                                        <p:attrNameLst>
-                                          <p:attrName>style.visibility</p:attrName>
-                                        </p:attrNameLst>
-                                      </p:cBhvr>
-                                      <p:to>
-                                        <p:strVal val="visible"/>
-                                      </p:to>
-                                    </p:set>
-                                    <p:animEffect transition="in" filter="dissolve">
-                                      <p:cBhvr>
-                                        <p:cTn id="57" dur="500"/>
-                                        <p:tgtEl>
-                                          <p:spTgt spid="3">
-                                            <p:txEl>
-                                              <p:pRg st="10" end="10"/>
-                                            </p:txEl>
-                                          </p:spTgt>
-                                        </p:tgtEl>
-                                      </p:cBhvr>
-                                    </p:animEffect>
-                                  </p:childTnLst>
-                                </p:cTn>
-                              </p:par>
-                            </p:childTnLst>
-                          </p:cTn>
-                        </p:par>
-                      </p:childTnLst>
-                    </p:cTn>
-                  </p:par>
-                  <p:par>
-                    <p:cTn id="58" fill="hold">
-                      <p:stCondLst>
-                        <p:cond delay="indefinite"/>
-                      </p:stCondLst>
-                      <p:childTnLst>
-                        <p:par>
-                          <p:cTn id="59" fill="hold">
-                            <p:stCondLst>
-                              <p:cond delay="0"/>
-                            </p:stCondLst>
-                            <p:childTnLst>
-                              <p:par>
-                                <p:cTn id="60" presetID="9" presetClass="entr" presetSubtype="0" fill="hold" grpId="0" nodeType="clickEffect">
-                                  <p:stCondLst>
-                                    <p:cond delay="0"/>
-                                  </p:stCondLst>
-                                  <p:childTnLst>
-                                    <p:set>
-                                      <p:cBhvr>
-                                        <p:cTn id="61" dur="1" fill="hold">
-                                          <p:stCondLst>
-                                            <p:cond delay="0"/>
-                                          </p:stCondLst>
-                                        </p:cTn>
-                                        <p:tgtEl>
-                                          <p:spTgt spid="3">
-                                            <p:txEl>
-                                              <p:pRg st="11" end="11"/>
-                                            </p:txEl>
-                                          </p:spTgt>
-                                        </p:tgtEl>
-                                        <p:attrNameLst>
-                                          <p:attrName>style.visibility</p:attrName>
-                                        </p:attrNameLst>
-                                      </p:cBhvr>
-                                      <p:to>
-                                        <p:strVal val="visible"/>
-                                      </p:to>
-                                    </p:set>
-                                    <p:animEffect transition="in" filter="dissolve">
-                                      <p:cBhvr>
-                                        <p:cTn id="62" dur="500"/>
-                                        <p:tgtEl>
-                                          <p:spTgt spid="3">
-                                            <p:txEl>
-                                              <p:pRg st="11" end="11"/>
-                                            </p:txEl>
-                                          </p:spTgt>
-                                        </p:tgtEl>
-                                      </p:cBhvr>
-                                    </p:animEffect>
-                                  </p:childTnLst>
-                                </p:cTn>
-                              </p:par>
-                            </p:childTnLst>
-                          </p:cTn>
-                        </p:par>
-                        <p:par>
-                          <p:cTn id="63" fill="hold">
-                            <p:stCondLst>
-                              <p:cond delay="500"/>
-                            </p:stCondLst>
-                            <p:childTnLst>
-                              <p:par>
-                                <p:cTn id="64" presetID="9" presetClass="entr" presetSubtype="0" fill="hold" grpId="0" nodeType="afterEffect">
-                                  <p:stCondLst>
-                                    <p:cond delay="0"/>
-                                  </p:stCondLst>
-                                  <p:childTnLst>
-                                    <p:set>
-                                      <p:cBhvr>
-                                        <p:cTn id="65" dur="1" fill="hold">
-                                          <p:stCondLst>
-                                            <p:cond delay="0"/>
-                                          </p:stCondLst>
-                                        </p:cTn>
-                                        <p:tgtEl>
-                                          <p:spTgt spid="6"/>
-                                        </p:tgtEl>
-                                        <p:attrNameLst>
-                                          <p:attrName>style.visibility</p:attrName>
-                                        </p:attrNameLst>
-                                      </p:cBhvr>
-                                      <p:to>
-                                        <p:strVal val="visible"/>
-                                      </p:to>
-                                    </p:set>
-                                    <p:animEffect transition="in" filter="dissolve">
-                                      <p:cBhvr>
-                                        <p:cTn id="66" dur="500"/>
-                                        <p:tgtEl>
-                                          <p:spTgt spid="6"/>
-                                        </p:tgtEl>
-                                      </p:cBhvr>
-                                    </p:animEffect>
-                                  </p:childTnLst>
-                                </p:cTn>
-                              </p:par>
-                            </p:childTnLst>
-                          </p:cTn>
-                        </p:par>
-                      </p:childTnLst>
-                    </p:cTn>
-                  </p:par>
-                </p:childTnLst>
-              </p:cTn>
-              <p:prevCondLst>
-                <p:cond evt="onPrev" delay="0">
-                  <p:tgtEl>
-                    <p:sldTgt/>
-                  </p:tgtEl>
-                </p:cond>
-              </p:prevCondLst>
-              <p:nextCondLst>
-                <p:cond evt="onNext" delay="0">
-                  <p:tgtEl>
-                    <p:sldTgt/>
-                  </p:tgtEl>
-                </p:cond>
-              </p:nextCondLst>
-            </p:seq>
-          </p:childTnLst>
-        </p:cTn>
-      </p:par>
-    </p:tnLst>
-    <p:bldLst>
-      <p:bldP spid="3" grpId="0" build="p" bldLvl="2"/>
-      <p:bldP spid="6" grpId="0"/>
-    </p:bldLst>
-  </p:timing>
-</p:sld>
-</file>
-
-<file path=ppt/slides/slide29.xml><?xml version="1.0" encoding="utf-8"?>
-<p:sld xmlns:a="http://schemas.openxmlformats.org/drawingml/2006/main" xmlns:r="http://schemas.openxmlformats.org/officeDocument/2006/relationships" xmlns:p="http://schemas.openxmlformats.org/presentationml/2006/main">
-  <p:cSld>
-    <p:spTree>
-      <p:nvGrpSpPr>
-        <p:cNvPr id="1" name=""/>
-        <p:cNvGrpSpPr/>
-        <p:nvPr/>
-      </p:nvGrpSpPr>
-      <p:grpSpPr>
-        <a:xfrm>
-          <a:off x="0" y="0"/>
-          <a:ext cx="0" cy="0"/>
-          <a:chOff x="0" y="0"/>
-          <a:chExt cx="0" cy="0"/>
-        </a:xfrm>
-      </p:grpSpPr>
-      <p:sp>
-        <p:nvSpPr>
-          <p:cNvPr id="2" name="Title 1">
-            <a:extLst>
-              <a:ext uri="{FF2B5EF4-FFF2-40B4-BE49-F238E27FC236}">
-                <a16:creationId xmlns:a16="http://schemas.microsoft.com/office/drawing/2014/main" id="{178FC9BC-162C-754A-A134-D392F08CDBEE}"/>
-              </a:ext>
-            </a:extLst>
-          </p:cNvPr>
-          <p:cNvSpPr>
-            <a:spLocks noGrp="1"/>
-          </p:cNvSpPr>
-          <p:nvPr>
-            <p:ph type="title"/>
-          </p:nvPr>
-        </p:nvSpPr>
-        <p:spPr/>
-        <p:txBody>
-          <a:bodyPr/>
-          <a:lstStyle/>
-          <a:p>
-            <a:r>
-              <a:rPr lang="en-US" dirty="0"/>
-              <a:t>Install Python Requests</a:t>
-            </a:r>
-          </a:p>
-        </p:txBody>
-      </p:sp>
-      <p:sp>
-        <p:nvSpPr>
-          <p:cNvPr id="3" name="Content Placeholder 2">
-            <a:extLst>
-              <a:ext uri="{FF2B5EF4-FFF2-40B4-BE49-F238E27FC236}">
-                <a16:creationId xmlns:a16="http://schemas.microsoft.com/office/drawing/2014/main" id="{0ECC7DC7-0671-F543-9991-CF8210E2567B}"/>
-              </a:ext>
-            </a:extLst>
-          </p:cNvPr>
-          <p:cNvSpPr>
-            <a:spLocks noGrp="1"/>
-          </p:cNvSpPr>
-          <p:nvPr>
-            <p:ph idx="1"/>
-          </p:nvPr>
-        </p:nvSpPr>
-        <p:spPr/>
-        <p:txBody>
-          <a:bodyPr/>
-          <a:lstStyle/>
-          <a:p>
-            <a:r>
-              <a:rPr lang="en-US" dirty="0"/>
-              <a:t>Run the Docker Container for the hands-on exercises</a:t>
-            </a:r>
-          </a:p>
-          <a:p>
-            <a:r>
-              <a:rPr lang="en-US" dirty="0"/>
-              <a:t>Enter the commands:</a:t>
-            </a:r>
-          </a:p>
-          <a:p>
-            <a:pPr marL="457200" lvl="1" indent="0">
-              <a:buNone/>
-            </a:pPr>
-            <a:r>
-              <a:rPr lang="en-US" sz="2800" b="1" i="1" dirty="0">
-                <a:solidFill>
-                  <a:srgbClr val="FFFF00"/>
-                </a:solidFill>
-              </a:rPr>
-              <a:t>pip install requests</a:t>
-            </a:r>
-          </a:p>
-          <a:p>
-            <a:pPr marL="457200" lvl="1" indent="0">
-              <a:buNone/>
-            </a:pPr>
-            <a:r>
-              <a:rPr lang="en-US" sz="2800" b="1" i="1" dirty="0">
-                <a:solidFill>
-                  <a:srgbClr val="FFFF00"/>
-                </a:solidFill>
-              </a:rPr>
-              <a:t>pip show requests</a:t>
-            </a:r>
-          </a:p>
-        </p:txBody>
-      </p:sp>
-      <p:sp>
-        <p:nvSpPr>
-          <p:cNvPr id="4" name="Date Placeholder 3">
-            <a:extLst>
-              <a:ext uri="{FF2B5EF4-FFF2-40B4-BE49-F238E27FC236}">
-                <a16:creationId xmlns:a16="http://schemas.microsoft.com/office/drawing/2014/main" id="{38C6DDB4-CE9E-4843-86A9-EFC27330D02F}"/>
-              </a:ext>
-            </a:extLst>
-          </p:cNvPr>
-          <p:cNvSpPr>
-            <a:spLocks noGrp="1"/>
-          </p:cNvSpPr>
-          <p:nvPr>
-            <p:ph type="dt" sz="half" idx="10"/>
-          </p:nvPr>
-        </p:nvSpPr>
-        <p:spPr/>
-        <p:txBody>
-          <a:bodyPr/>
-          <a:lstStyle/>
-          <a:p>
-            <a:r>
-              <a:rPr lang="en-US"/>
-              <a:t>World Wide Technology ©</a:t>
-            </a:r>
-            <a:endParaRPr lang="en-US" dirty="0"/>
-          </a:p>
-        </p:txBody>
-      </p:sp>
-      <p:sp>
-        <p:nvSpPr>
-          <p:cNvPr id="5" name="Slide Number Placeholder 4">
-            <a:extLst>
-              <a:ext uri="{FF2B5EF4-FFF2-40B4-BE49-F238E27FC236}">
-                <a16:creationId xmlns:a16="http://schemas.microsoft.com/office/drawing/2014/main" id="{09AD6D8E-DFAE-8E42-9152-B189D9284AD9}"/>
-              </a:ext>
-            </a:extLst>
-          </p:cNvPr>
-          <p:cNvSpPr>
-            <a:spLocks noGrp="1"/>
-          </p:cNvSpPr>
-          <p:nvPr>
-            <p:ph type="sldNum" sz="quarter" idx="12"/>
-          </p:nvPr>
-        </p:nvSpPr>
-        <p:spPr/>
-        <p:txBody>
-          <a:bodyPr/>
-          <a:lstStyle/>
-          <a:p>
-            <a:fld id="{A44B02FA-DD2D-1844-AE35-8B2EAB0CF4EF}" type="slidenum">
-              <a:rPr lang="en-US" smtClean="0"/>
-              <a:pPr/>
-              <a:t>29</a:t>
-            </a:fld>
-            <a:endParaRPr lang="en-US" dirty="0"/>
-          </a:p>
-        </p:txBody>
-      </p:sp>
-    </p:spTree>
-    <p:extLst>
-      <p:ext uri="{BB962C8B-B14F-4D97-AF65-F5344CB8AC3E}">
-        <p14:creationId xmlns:p14="http://schemas.microsoft.com/office/powerpoint/2010/main" val="2115800728"/>
-      </p:ext>
-    </p:extLst>
-  </p:cSld>
-  <p:clrMapOvr>
-    <a:masterClrMapping/>
-  </p:clrMapOvr>
-  <mc:AlternateContent xmlns:mc="http://schemas.openxmlformats.org/markup-compatibility/2006" xmlns:p14="http://schemas.microsoft.com/office/powerpoint/2010/main">
-    <mc:Choice Requires="p14">
-      <p:transition spd="med" p14:dur="700">
-        <p:fade/>
-      </p:transition>
-    </mc:Choice>
-    <mc:Fallback xmlns="">
-      <p:transition spd="med">
-        <p:fade/>
-      </p:transition>
-    </mc:Fallback>
-  </mc:AlternateContent>
-  <p:timing>
-    <p:tnLst>
-      <p:par>
-        <p:cTn id="1" dur="indefinite" restart="never" nodeType="tmRoot">
-          <p:childTnLst>
-            <p:seq concurrent="1" nextAc="seek">
-              <p:cTn id="2" dur="indefinite" nodeType="mainSeq">
-                <p:childTnLst>
-                  <p:par>
-                    <p:cTn id="3" fill="hold">
-                      <p:stCondLst>
-                        <p:cond delay="indefinite"/>
-                      </p:stCondLst>
-                      <p:childTnLst>
-                        <p:par>
-                          <p:cTn id="4" fill="hold">
-                            <p:stCondLst>
-                              <p:cond delay="0"/>
-                            </p:stCondLst>
-                            <p:childTnLst>
-                              <p:par>
-                                <p:cTn id="5" presetID="9" presetClass="entr" presetSubtype="0" fill="hold" grpId="0" nodeType="clickEffect">
-                                  <p:stCondLst>
-                                    <p:cond delay="0"/>
-                                  </p:stCondLst>
-                                  <p:childTnLst>
-                                    <p:set>
-                                      <p:cBhvr>
-                                        <p:cTn id="6" dur="1" fill="hold">
-                                          <p:stCondLst>
-                                            <p:cond delay="0"/>
-                                          </p:stCondLst>
-                                        </p:cTn>
-                                        <p:tgtEl>
-                                          <p:spTgt spid="3">
-                                            <p:txEl>
-                                              <p:pRg st="0" end="0"/>
-                                            </p:txEl>
-                                          </p:spTgt>
-                                        </p:tgtEl>
-                                        <p:attrNameLst>
-                                          <p:attrName>style.visibility</p:attrName>
-                                        </p:attrNameLst>
-                                      </p:cBhvr>
-                                      <p:to>
-                                        <p:strVal val="visible"/>
-                                      </p:to>
-                                    </p:set>
-                                    <p:animEffect transition="in" filter="dissolve">
-                                      <p:cBhvr>
-                                        <p:cTn id="7" dur="500"/>
-                                        <p:tgtEl>
-                                          <p:spTgt spid="3">
-                                            <p:txEl>
-                                              <p:pRg st="0" end="0"/>
-                                            </p:txEl>
-                                          </p:spTgt>
-                                        </p:tgtEl>
-                                      </p:cBhvr>
-                                    </p:animEffect>
-                                  </p:childTnLst>
-                                </p:cTn>
-                              </p:par>
-                            </p:childTnLst>
-                          </p:cTn>
-                        </p:par>
-                      </p:childTnLst>
-                    </p:cTn>
-                  </p:par>
-                  <p:par>
-                    <p:cTn id="8" fill="hold">
-                      <p:stCondLst>
-                        <p:cond delay="indefinite"/>
-                      </p:stCondLst>
-                      <p:childTnLst>
-                        <p:par>
-                          <p:cTn id="9" fill="hold">
-                            <p:stCondLst>
-                              <p:cond delay="0"/>
-                            </p:stCondLst>
-                            <p:childTnLst>
-                              <p:par>
-                                <p:cTn id="10" presetID="9" presetClass="entr" presetSubtype="0" fill="hold" grpId="0" nodeType="clickEffect">
-                                  <p:stCondLst>
-                                    <p:cond delay="0"/>
-                                  </p:stCondLst>
-                                  <p:childTnLst>
-                                    <p:set>
-                                      <p:cBhvr>
-                                        <p:cTn id="11" dur="1" fill="hold">
-                                          <p:stCondLst>
-                                            <p:cond delay="0"/>
-                                          </p:stCondLst>
-                                        </p:cTn>
-                                        <p:tgtEl>
-                                          <p:spTgt spid="3">
-                                            <p:txEl>
-                                              <p:pRg st="1" end="1"/>
-                                            </p:txEl>
-                                          </p:spTgt>
-                                        </p:tgtEl>
-                                        <p:attrNameLst>
-                                          <p:attrName>style.visibility</p:attrName>
-                                        </p:attrNameLst>
-                                      </p:cBhvr>
-                                      <p:to>
-                                        <p:strVal val="visible"/>
-                                      </p:to>
-                                    </p:set>
-                                    <p:animEffect transition="in" filter="dissolve">
-                                      <p:cBhvr>
-                                        <p:cTn id="12" dur="500"/>
-                                        <p:tgtEl>
-                                          <p:spTgt spid="3">
-                                            <p:txEl>
-                                              <p:pRg st="1" end="1"/>
-                                            </p:txEl>
-                                          </p:spTgt>
-                                        </p:tgtEl>
-                                      </p:cBhvr>
-                                    </p:animEffect>
-                                  </p:childTnLst>
-                                </p:cTn>
-                              </p:par>
-                              <p:par>
-                                <p:cTn id="13" presetID="9" presetClass="entr" presetSubtype="0" fill="hold" grpId="0" nodeType="withEffect">
-                                  <p:stCondLst>
-                                    <p:cond delay="0"/>
-                                  </p:stCondLst>
-                                  <p:childTnLst>
-                                    <p:set>
-                                      <p:cBhvr>
-                                        <p:cTn id="14" dur="1" fill="hold">
-                                          <p:stCondLst>
-                                            <p:cond delay="0"/>
-                                          </p:stCondLst>
-                                        </p:cTn>
-                                        <p:tgtEl>
-                                          <p:spTgt spid="3">
-                                            <p:txEl>
-                                              <p:pRg st="2" end="2"/>
-                                            </p:txEl>
-                                          </p:spTgt>
-                                        </p:tgtEl>
-                                        <p:attrNameLst>
-                                          <p:attrName>style.visibility</p:attrName>
-                                        </p:attrNameLst>
-                                      </p:cBhvr>
-                                      <p:to>
-                                        <p:strVal val="visible"/>
-                                      </p:to>
-                                    </p:set>
-                                    <p:animEffect transition="in" filter="dissolve">
-                                      <p:cBhvr>
-                                        <p:cTn id="15" dur="500"/>
-                                        <p:tgtEl>
-                                          <p:spTgt spid="3">
-                                            <p:txEl>
-                                              <p:pRg st="2" end="2"/>
-                                            </p:txEl>
-                                          </p:spTgt>
-                                        </p:tgtEl>
-                                      </p:cBhvr>
-                                    </p:animEffect>
-                                  </p:childTnLst>
-                                </p:cTn>
-                              </p:par>
-                              <p:par>
-                                <p:cTn id="16" presetID="9" presetClass="entr" presetSubtype="0" fill="hold" grpId="0" nodeType="withEffect">
-                                  <p:stCondLst>
-                                    <p:cond delay="0"/>
-                                  </p:stCondLst>
-                                  <p:childTnLst>
-                                    <p:set>
-                                      <p:cBhvr>
-                                        <p:cTn id="17" dur="1" fill="hold">
-                                          <p:stCondLst>
-                                            <p:cond delay="0"/>
-                                          </p:stCondLst>
-                                        </p:cTn>
-                                        <p:tgtEl>
-                                          <p:spTgt spid="3">
-                                            <p:txEl>
-                                              <p:pRg st="3" end="3"/>
-                                            </p:txEl>
-                                          </p:spTgt>
-                                        </p:tgtEl>
-                                        <p:attrNameLst>
-                                          <p:attrName>style.visibility</p:attrName>
-                                        </p:attrNameLst>
-                                      </p:cBhvr>
-                                      <p:to>
-                                        <p:strVal val="visible"/>
-                                      </p:to>
-                                    </p:set>
-                                    <p:animEffect transition="in" filter="dissolve">
-                                      <p:cBhvr>
-                                        <p:cTn id="18" dur="500"/>
-                                        <p:tgtEl>
-                                          <p:spTgt spid="3">
-                                            <p:txEl>
-                                              <p:pRg st="3" end="3"/>
                                             </p:txEl>
                                           </p:spTgt>
                                         </p:tgtEl>
@@ -20835,10 +19356,302 @@
       </p:grpSpPr>
       <p:sp>
         <p:nvSpPr>
+          <p:cNvPr id="3" name="Content Placeholder 2">
+            <a:extLst>
+              <a:ext uri="{FF2B5EF4-FFF2-40B4-BE49-F238E27FC236}">
+                <a16:creationId xmlns:a16="http://schemas.microsoft.com/office/drawing/2014/main" id="{4CB23FD9-ADE0-084E-A8CC-44CA0BA25AB3}"/>
+              </a:ext>
+            </a:extLst>
+          </p:cNvPr>
+          <p:cNvSpPr>
+            <a:spLocks noGrp="1"/>
+          </p:cNvSpPr>
+          <p:nvPr>
+            <p:ph idx="1"/>
+          </p:nvPr>
+        </p:nvSpPr>
+        <p:spPr/>
+        <p:txBody>
+          <a:bodyPr>
+            <a:normAutofit/>
+          </a:bodyPr>
+          <a:lstStyle/>
+          <a:p>
+            <a:r>
+              <a:rPr lang="en-US" dirty="0"/>
+              <a:t>Response Object Contents</a:t>
+            </a:r>
+          </a:p>
+          <a:p>
+            <a:pPr lvl="1"/>
+            <a:r>
+              <a:rPr lang="en-US" dirty="0">
+                <a:solidFill>
+                  <a:srgbClr val="FFFF00"/>
+                </a:solidFill>
+              </a:rPr>
+              <a:t>.ok </a:t>
+            </a:r>
+            <a:r>
+              <a:rPr lang="en-US" dirty="0"/>
+              <a:t>– </a:t>
+            </a:r>
+            <a:r>
+              <a:rPr lang="en-US" i="1" dirty="0">
+                <a:solidFill>
+                  <a:srgbClr val="FFFF00"/>
+                </a:solidFill>
+              </a:rPr>
+              <a:t>True</a:t>
+            </a:r>
+            <a:r>
+              <a:rPr lang="en-US" dirty="0"/>
+              <a:t> if </a:t>
+            </a:r>
+            <a:r>
+              <a:rPr lang="en-US" i="1" dirty="0" err="1">
+                <a:solidFill>
+                  <a:srgbClr val="FFFF00"/>
+                </a:solidFill>
+              </a:rPr>
+              <a:t>status_code</a:t>
+            </a:r>
+            <a:r>
+              <a:rPr lang="en-US" i="1" dirty="0"/>
+              <a:t> </a:t>
+            </a:r>
+            <a:r>
+              <a:rPr lang="en-US" dirty="0"/>
+              <a:t>is less than 400, </a:t>
+            </a:r>
+            <a:r>
+              <a:rPr lang="en-US" i="1" dirty="0">
+                <a:solidFill>
+                  <a:srgbClr val="FFFF00"/>
+                </a:solidFill>
+              </a:rPr>
+              <a:t>False</a:t>
+            </a:r>
+            <a:r>
+              <a:rPr lang="en-US" dirty="0"/>
+              <a:t> if 400 or greater</a:t>
+            </a:r>
+          </a:p>
+          <a:p>
+            <a:pPr lvl="1"/>
+            <a:r>
+              <a:rPr lang="en-US" dirty="0">
+                <a:solidFill>
+                  <a:srgbClr val="FFFF00"/>
+                </a:solidFill>
+              </a:rPr>
+              <a:t>.</a:t>
+            </a:r>
+            <a:r>
+              <a:rPr lang="en-US" dirty="0" err="1">
+                <a:solidFill>
+                  <a:srgbClr val="FFFF00"/>
+                </a:solidFill>
+              </a:rPr>
+              <a:t>status_code</a:t>
+            </a:r>
+            <a:r>
+              <a:rPr lang="en-US" dirty="0">
+                <a:solidFill>
+                  <a:srgbClr val="FFFF00"/>
+                </a:solidFill>
+              </a:rPr>
+              <a:t> </a:t>
+            </a:r>
+            <a:r>
+              <a:rPr lang="en-US" dirty="0"/>
+              <a:t>– HTTP status code (200, 401, etc.)</a:t>
+            </a:r>
+          </a:p>
+          <a:p>
+            <a:pPr lvl="1"/>
+            <a:r>
+              <a:rPr lang="en-US" dirty="0">
+                <a:solidFill>
+                  <a:srgbClr val="FFFF00"/>
+                </a:solidFill>
+              </a:rPr>
+              <a:t>.reason </a:t>
+            </a:r>
+            <a:r>
+              <a:rPr lang="en-US" dirty="0"/>
+              <a:t>– HTTP status text (OK, Not Found, etc.)</a:t>
+            </a:r>
+          </a:p>
+          <a:p>
+            <a:pPr lvl="1"/>
+            <a:r>
+              <a:rPr lang="en-US" dirty="0">
+                <a:solidFill>
+                  <a:srgbClr val="FFFF00"/>
+                </a:solidFill>
+              </a:rPr>
+              <a:t>.headers </a:t>
+            </a:r>
+            <a:r>
+              <a:rPr lang="en-US" dirty="0"/>
+              <a:t>– case-insensitive dictionary of of response headers</a:t>
+            </a:r>
+          </a:p>
+          <a:p>
+            <a:pPr lvl="1"/>
+            <a:r>
+              <a:rPr lang="en-US" dirty="0">
+                <a:solidFill>
+                  <a:srgbClr val="FFFF00"/>
+                </a:solidFill>
+              </a:rPr>
+              <a:t>.text </a:t>
+            </a:r>
+            <a:r>
+              <a:rPr lang="en-US" dirty="0"/>
+              <a:t>– contents of the response, in Unicode</a:t>
+            </a:r>
+          </a:p>
+          <a:p>
+            <a:pPr lvl="1"/>
+            <a:r>
+              <a:rPr lang="en-US" dirty="0">
+                <a:solidFill>
+                  <a:srgbClr val="FFFF00"/>
+                </a:solidFill>
+              </a:rPr>
+              <a:t>.json() </a:t>
+            </a:r>
+            <a:r>
+              <a:rPr lang="en-US" dirty="0"/>
+              <a:t>– contents of the response, in JSON (if available)</a:t>
+            </a:r>
+          </a:p>
+          <a:p>
+            <a:pPr lvl="1"/>
+            <a:r>
+              <a:rPr lang="en-US" dirty="0">
+                <a:solidFill>
+                  <a:srgbClr val="FFFF00"/>
+                </a:solidFill>
+              </a:rPr>
+              <a:t>.cookies </a:t>
+            </a:r>
+            <a:r>
+              <a:rPr lang="en-US" dirty="0"/>
+              <a:t>– cookies returned by the server</a:t>
+            </a:r>
+          </a:p>
+          <a:p>
+            <a:pPr lvl="1"/>
+            <a:r>
+              <a:rPr lang="en-US" dirty="0">
+                <a:solidFill>
+                  <a:srgbClr val="FFFF00"/>
+                </a:solidFill>
+              </a:rPr>
+              <a:t>.</a:t>
+            </a:r>
+            <a:r>
+              <a:rPr lang="en-US" dirty="0" err="1">
+                <a:solidFill>
+                  <a:srgbClr val="FFFF00"/>
+                </a:solidFill>
+              </a:rPr>
+              <a:t>raise_for_status</a:t>
+            </a:r>
+            <a:r>
+              <a:rPr lang="en-US" dirty="0">
+                <a:solidFill>
+                  <a:srgbClr val="FFFF00"/>
+                </a:solidFill>
+              </a:rPr>
+              <a:t>() </a:t>
+            </a:r>
+            <a:r>
+              <a:rPr lang="en-US" dirty="0"/>
+              <a:t>– raises an </a:t>
+            </a:r>
+            <a:r>
+              <a:rPr lang="en-US" i="1" dirty="0" err="1">
+                <a:solidFill>
+                  <a:srgbClr val="FFFF00"/>
+                </a:solidFill>
+              </a:rPr>
+              <a:t>HTTPError</a:t>
+            </a:r>
+            <a:r>
+              <a:rPr lang="en-US" dirty="0"/>
+              <a:t> exception if .</a:t>
+            </a:r>
+            <a:r>
+              <a:rPr lang="en-US" i="1" dirty="0">
+                <a:solidFill>
+                  <a:srgbClr val="FFFF00"/>
+                </a:solidFill>
+              </a:rPr>
+              <a:t>ok</a:t>
+            </a:r>
+            <a:r>
+              <a:rPr lang="en-US" dirty="0"/>
+              <a:t> is </a:t>
+            </a:r>
+            <a:r>
+              <a:rPr lang="en-US" i="1" dirty="0">
+                <a:solidFill>
+                  <a:srgbClr val="FFFF00"/>
+                </a:solidFill>
+              </a:rPr>
+              <a:t>False</a:t>
+            </a:r>
+            <a:endParaRPr lang="en-US" dirty="0">
+              <a:solidFill>
+                <a:srgbClr val="FFFF00"/>
+              </a:solidFill>
+            </a:endParaRPr>
+          </a:p>
+        </p:txBody>
+      </p:sp>
+      <p:sp>
+        <p:nvSpPr>
+          <p:cNvPr id="2" name="Title 1">
+            <a:extLst>
+              <a:ext uri="{FF2B5EF4-FFF2-40B4-BE49-F238E27FC236}">
+                <a16:creationId xmlns:a16="http://schemas.microsoft.com/office/drawing/2014/main" id="{AC0D55DF-385E-9A4F-AB08-FEBC11990B8B}"/>
+              </a:ext>
+            </a:extLst>
+          </p:cNvPr>
+          <p:cNvSpPr>
+            <a:spLocks noGrp="1"/>
+          </p:cNvSpPr>
+          <p:nvPr>
+            <p:ph type="title"/>
+          </p:nvPr>
+        </p:nvSpPr>
+        <p:spPr/>
+        <p:txBody>
+          <a:bodyPr/>
+          <a:lstStyle/>
+          <a:p>
+            <a:r>
+              <a:rPr lang="en-US" dirty="0"/>
+              <a:t>Python Requests </a:t>
+            </a:r>
+            <a:r>
+              <a:rPr lang="en-US"/>
+              <a:t>Response Object</a:t>
+            </a:r>
+            <a:endParaRPr lang="en-US" dirty="0"/>
+          </a:p>
+        </p:txBody>
+      </p:sp>
+      <p:sp>
+        <p:nvSpPr>
           <p:cNvPr id="4" name="Date Placeholder 3">
             <a:extLst>
               <a:ext uri="{FF2B5EF4-FFF2-40B4-BE49-F238E27FC236}">
-                <a16:creationId xmlns:a16="http://schemas.microsoft.com/office/drawing/2014/main" id="{0CD670A9-B06A-3448-BABA-FAD627500859}"/>
+                <a16:creationId xmlns:a16="http://schemas.microsoft.com/office/drawing/2014/main" id="{6E8781CE-B8A7-7540-B619-28D099093D8B}"/>
               </a:ext>
             </a:extLst>
           </p:cNvPr>
@@ -20867,7 +19680,7 @@
           <p:cNvPr id="5" name="Slide Number Placeholder 4">
             <a:extLst>
               <a:ext uri="{FF2B5EF4-FFF2-40B4-BE49-F238E27FC236}">
-                <a16:creationId xmlns:a16="http://schemas.microsoft.com/office/drawing/2014/main" id="{119DACAD-17C1-C249-A498-C4A1A1ADD334}"/>
+                <a16:creationId xmlns:a16="http://schemas.microsoft.com/office/drawing/2014/main" id="{222BEAA2-2326-1F4D-9BCE-0FC3EC23B201}"/>
               </a:ext>
             </a:extLst>
           </p:cNvPr>
@@ -20892,10 +19705,215 @@
           </a:p>
         </p:txBody>
       </p:sp>
+      <p:sp>
+        <p:nvSpPr>
+          <p:cNvPr id="6" name="Content Placeholder 2">
+            <a:extLst>
+              <a:ext uri="{FF2B5EF4-FFF2-40B4-BE49-F238E27FC236}">
+                <a16:creationId xmlns:a16="http://schemas.microsoft.com/office/drawing/2014/main" id="{5535A7F3-1A0A-B445-9EF3-844850395584}"/>
+              </a:ext>
+            </a:extLst>
+          </p:cNvPr>
+          <p:cNvSpPr txBox="1">
+            <a:spLocks/>
+          </p:cNvSpPr>
+          <p:nvPr/>
+        </p:nvSpPr>
+        <p:spPr>
+          <a:xfrm>
+            <a:off x="363880" y="5649892"/>
+            <a:ext cx="11676444" cy="613459"/>
+          </a:xfrm>
+          <a:prstGeom prst="rect">
+            <a:avLst/>
+          </a:prstGeom>
+        </p:spPr>
+        <p:txBody>
+          <a:bodyPr vert="horz" lIns="91440" tIns="45720" rIns="91440" bIns="45720" rtlCol="0">
+            <a:normAutofit/>
+          </a:bodyPr>
+          <a:lstStyle>
+            <a:lvl1pPr marL="228600" indent="-228600" algn="l" defTabSz="914400" rtl="0" eaLnBrk="1" latinLnBrk="0" hangingPunct="1">
+              <a:lnSpc>
+                <a:spcPct val="90000"/>
+              </a:lnSpc>
+              <a:spcBef>
+                <a:spcPts val="1000"/>
+              </a:spcBef>
+              <a:buFont typeface="Arial" panose="020B0604020202020204" pitchFamily="34" charset="0"/>
+              <a:buChar char="•"/>
+              <a:defRPr sz="2800" kern="1200">
+                <a:solidFill>
+                  <a:schemeClr val="tx1"/>
+                </a:solidFill>
+                <a:latin typeface="+mn-lt"/>
+                <a:ea typeface="+mn-ea"/>
+                <a:cs typeface="+mn-cs"/>
+              </a:defRPr>
+            </a:lvl1pPr>
+            <a:lvl2pPr marL="685800" indent="-228600" algn="l" defTabSz="914400" rtl="0" eaLnBrk="1" latinLnBrk="0" hangingPunct="1">
+              <a:lnSpc>
+                <a:spcPct val="90000"/>
+              </a:lnSpc>
+              <a:spcBef>
+                <a:spcPts val="500"/>
+              </a:spcBef>
+              <a:buFont typeface="Arial" panose="020B0604020202020204" pitchFamily="34" charset="0"/>
+              <a:buChar char="•"/>
+              <a:defRPr sz="2400" kern="1200">
+                <a:solidFill>
+                  <a:schemeClr val="tx1"/>
+                </a:solidFill>
+                <a:latin typeface="+mn-lt"/>
+                <a:ea typeface="+mn-ea"/>
+                <a:cs typeface="+mn-cs"/>
+              </a:defRPr>
+            </a:lvl2pPr>
+            <a:lvl3pPr marL="1143000" indent="-228600" algn="l" defTabSz="914400" rtl="0" eaLnBrk="1" latinLnBrk="0" hangingPunct="1">
+              <a:lnSpc>
+                <a:spcPct val="90000"/>
+              </a:lnSpc>
+              <a:spcBef>
+                <a:spcPts val="500"/>
+              </a:spcBef>
+              <a:buFont typeface="Arial" panose="020B0604020202020204" pitchFamily="34" charset="0"/>
+              <a:buChar char="•"/>
+              <a:defRPr sz="2000" kern="1200">
+                <a:solidFill>
+                  <a:schemeClr val="tx1"/>
+                </a:solidFill>
+                <a:latin typeface="+mn-lt"/>
+                <a:ea typeface="+mn-ea"/>
+                <a:cs typeface="+mn-cs"/>
+              </a:defRPr>
+            </a:lvl3pPr>
+            <a:lvl4pPr marL="1600200" indent="-228600" algn="l" defTabSz="914400" rtl="0" eaLnBrk="1" latinLnBrk="0" hangingPunct="1">
+              <a:lnSpc>
+                <a:spcPct val="90000"/>
+              </a:lnSpc>
+              <a:spcBef>
+                <a:spcPts val="500"/>
+              </a:spcBef>
+              <a:buFont typeface="Arial" panose="020B0604020202020204" pitchFamily="34" charset="0"/>
+              <a:buChar char="•"/>
+              <a:defRPr sz="1800" kern="1200">
+                <a:solidFill>
+                  <a:schemeClr val="tx1"/>
+                </a:solidFill>
+                <a:latin typeface="+mn-lt"/>
+                <a:ea typeface="+mn-ea"/>
+                <a:cs typeface="+mn-cs"/>
+              </a:defRPr>
+            </a:lvl4pPr>
+            <a:lvl5pPr marL="2057400" indent="-228600" algn="l" defTabSz="914400" rtl="0" eaLnBrk="1" latinLnBrk="0" hangingPunct="1">
+              <a:lnSpc>
+                <a:spcPct val="90000"/>
+              </a:lnSpc>
+              <a:spcBef>
+                <a:spcPts val="500"/>
+              </a:spcBef>
+              <a:buFont typeface="Arial" panose="020B0604020202020204" pitchFamily="34" charset="0"/>
+              <a:buChar char="•"/>
+              <a:defRPr sz="1800" kern="1200">
+                <a:solidFill>
+                  <a:schemeClr val="tx1"/>
+                </a:solidFill>
+                <a:latin typeface="+mn-lt"/>
+                <a:ea typeface="+mn-ea"/>
+                <a:cs typeface="+mn-cs"/>
+              </a:defRPr>
+            </a:lvl5pPr>
+            <a:lvl6pPr marL="2514600" indent="-228600" algn="l" defTabSz="914400" rtl="0" eaLnBrk="1" latinLnBrk="0" hangingPunct="1">
+              <a:lnSpc>
+                <a:spcPct val="90000"/>
+              </a:lnSpc>
+              <a:spcBef>
+                <a:spcPts val="500"/>
+              </a:spcBef>
+              <a:buFont typeface="Arial" panose="020B0604020202020204" pitchFamily="34" charset="0"/>
+              <a:buChar char="•"/>
+              <a:defRPr sz="1800" kern="1200">
+                <a:solidFill>
+                  <a:schemeClr val="tx1"/>
+                </a:solidFill>
+                <a:latin typeface="+mn-lt"/>
+                <a:ea typeface="+mn-ea"/>
+                <a:cs typeface="+mn-cs"/>
+              </a:defRPr>
+            </a:lvl6pPr>
+            <a:lvl7pPr marL="2971800" indent="-228600" algn="l" defTabSz="914400" rtl="0" eaLnBrk="1" latinLnBrk="0" hangingPunct="1">
+              <a:lnSpc>
+                <a:spcPct val="90000"/>
+              </a:lnSpc>
+              <a:spcBef>
+                <a:spcPts val="500"/>
+              </a:spcBef>
+              <a:buFont typeface="Arial" panose="020B0604020202020204" pitchFamily="34" charset="0"/>
+              <a:buChar char="•"/>
+              <a:defRPr sz="1800" kern="1200">
+                <a:solidFill>
+                  <a:schemeClr val="tx1"/>
+                </a:solidFill>
+                <a:latin typeface="+mn-lt"/>
+                <a:ea typeface="+mn-ea"/>
+                <a:cs typeface="+mn-cs"/>
+              </a:defRPr>
+            </a:lvl7pPr>
+            <a:lvl8pPr marL="3429000" indent="-228600" algn="l" defTabSz="914400" rtl="0" eaLnBrk="1" latinLnBrk="0" hangingPunct="1">
+              <a:lnSpc>
+                <a:spcPct val="90000"/>
+              </a:lnSpc>
+              <a:spcBef>
+                <a:spcPts val="500"/>
+              </a:spcBef>
+              <a:buFont typeface="Arial" panose="020B0604020202020204" pitchFamily="34" charset="0"/>
+              <a:buChar char="•"/>
+              <a:defRPr sz="1800" kern="1200">
+                <a:solidFill>
+                  <a:schemeClr val="tx1"/>
+                </a:solidFill>
+                <a:latin typeface="+mn-lt"/>
+                <a:ea typeface="+mn-ea"/>
+                <a:cs typeface="+mn-cs"/>
+              </a:defRPr>
+            </a:lvl8pPr>
+            <a:lvl9pPr marL="3886200" indent="-228600" algn="l" defTabSz="914400" rtl="0" eaLnBrk="1" latinLnBrk="0" hangingPunct="1">
+              <a:lnSpc>
+                <a:spcPct val="90000"/>
+              </a:lnSpc>
+              <a:spcBef>
+                <a:spcPts val="500"/>
+              </a:spcBef>
+              <a:buFont typeface="Arial" panose="020B0604020202020204" pitchFamily="34" charset="0"/>
+              <a:buChar char="•"/>
+              <a:defRPr sz="1800" kern="1200">
+                <a:solidFill>
+                  <a:schemeClr val="tx1"/>
+                </a:solidFill>
+                <a:latin typeface="+mn-lt"/>
+                <a:ea typeface="+mn-ea"/>
+                <a:cs typeface="+mn-cs"/>
+              </a:defRPr>
+            </a:lvl9pPr>
+          </a:lstStyle>
+          <a:p>
+            <a:pPr marL="0" indent="0" algn="ctr">
+              <a:buNone/>
+            </a:pPr>
+            <a:r>
+              <a:rPr lang="en-US" dirty="0">
+                <a:hlinkClick r:id="rId3"/>
+              </a:rPr>
+              <a:t>https://2.python-requests.org/en/master/api/#requests.Response</a:t>
+            </a:r>
+            <a:endParaRPr lang="en-US" dirty="0"/>
+          </a:p>
+        </p:txBody>
+      </p:sp>
     </p:spTree>
     <p:extLst>
       <p:ext uri="{BB962C8B-B14F-4D97-AF65-F5344CB8AC3E}">
-        <p14:creationId xmlns:p14="http://schemas.microsoft.com/office/powerpoint/2010/main" val="1776799651"/>
+        <p14:creationId xmlns:p14="http://schemas.microsoft.com/office/powerpoint/2010/main" val="3614480732"/>
       </p:ext>
     </p:extLst>
   </p:cSld>
@@ -20914,6 +19932,633 @@
       </p:transition>
     </mc:Fallback>
   </mc:AlternateContent>
+  <p:timing>
+    <p:tnLst>
+      <p:par>
+        <p:cTn id="1" dur="indefinite" restart="never" nodeType="tmRoot">
+          <p:childTnLst>
+            <p:seq concurrent="1" nextAc="seek">
+              <p:cTn id="2" dur="indefinite" nodeType="mainSeq">
+                <p:childTnLst>
+                  <p:par>
+                    <p:cTn id="3" fill="hold">
+                      <p:stCondLst>
+                        <p:cond delay="indefinite"/>
+                      </p:stCondLst>
+                      <p:childTnLst>
+                        <p:par>
+                          <p:cTn id="4" fill="hold">
+                            <p:stCondLst>
+                              <p:cond delay="0"/>
+                            </p:stCondLst>
+                            <p:childTnLst>
+                              <p:par>
+                                <p:cTn id="5" presetID="9" presetClass="entr" presetSubtype="0" fill="hold" grpId="0" nodeType="clickEffect">
+                                  <p:stCondLst>
+                                    <p:cond delay="0"/>
+                                  </p:stCondLst>
+                                  <p:childTnLst>
+                                    <p:set>
+                                      <p:cBhvr>
+                                        <p:cTn id="6" dur="1" fill="hold">
+                                          <p:stCondLst>
+                                            <p:cond delay="0"/>
+                                          </p:stCondLst>
+                                        </p:cTn>
+                                        <p:tgtEl>
+                                          <p:spTgt spid="3">
+                                            <p:txEl>
+                                              <p:pRg st="0" end="0"/>
+                                            </p:txEl>
+                                          </p:spTgt>
+                                        </p:tgtEl>
+                                        <p:attrNameLst>
+                                          <p:attrName>style.visibility</p:attrName>
+                                        </p:attrNameLst>
+                                      </p:cBhvr>
+                                      <p:to>
+                                        <p:strVal val="visible"/>
+                                      </p:to>
+                                    </p:set>
+                                    <p:animEffect transition="in" filter="dissolve">
+                                      <p:cBhvr>
+                                        <p:cTn id="7" dur="500"/>
+                                        <p:tgtEl>
+                                          <p:spTgt spid="3">
+                                            <p:txEl>
+                                              <p:pRg st="0" end="0"/>
+                                            </p:txEl>
+                                          </p:spTgt>
+                                        </p:tgtEl>
+                                      </p:cBhvr>
+                                    </p:animEffect>
+                                  </p:childTnLst>
+                                </p:cTn>
+                              </p:par>
+                            </p:childTnLst>
+                          </p:cTn>
+                        </p:par>
+                      </p:childTnLst>
+                    </p:cTn>
+                  </p:par>
+                  <p:par>
+                    <p:cTn id="8" fill="hold">
+                      <p:stCondLst>
+                        <p:cond delay="indefinite"/>
+                      </p:stCondLst>
+                      <p:childTnLst>
+                        <p:par>
+                          <p:cTn id="9" fill="hold">
+                            <p:stCondLst>
+                              <p:cond delay="0"/>
+                            </p:stCondLst>
+                            <p:childTnLst>
+                              <p:par>
+                                <p:cTn id="10" presetID="9" presetClass="entr" presetSubtype="0" fill="hold" grpId="0" nodeType="clickEffect">
+                                  <p:stCondLst>
+                                    <p:cond delay="0"/>
+                                  </p:stCondLst>
+                                  <p:childTnLst>
+                                    <p:set>
+                                      <p:cBhvr>
+                                        <p:cTn id="11" dur="1" fill="hold">
+                                          <p:stCondLst>
+                                            <p:cond delay="0"/>
+                                          </p:stCondLst>
+                                        </p:cTn>
+                                        <p:tgtEl>
+                                          <p:spTgt spid="3">
+                                            <p:txEl>
+                                              <p:pRg st="1" end="1"/>
+                                            </p:txEl>
+                                          </p:spTgt>
+                                        </p:tgtEl>
+                                        <p:attrNameLst>
+                                          <p:attrName>style.visibility</p:attrName>
+                                        </p:attrNameLst>
+                                      </p:cBhvr>
+                                      <p:to>
+                                        <p:strVal val="visible"/>
+                                      </p:to>
+                                    </p:set>
+                                    <p:animEffect transition="in" filter="dissolve">
+                                      <p:cBhvr>
+                                        <p:cTn id="12" dur="500"/>
+                                        <p:tgtEl>
+                                          <p:spTgt spid="3">
+                                            <p:txEl>
+                                              <p:pRg st="1" end="1"/>
+                                            </p:txEl>
+                                          </p:spTgt>
+                                        </p:tgtEl>
+                                      </p:cBhvr>
+                                    </p:animEffect>
+                                  </p:childTnLst>
+                                </p:cTn>
+                              </p:par>
+                            </p:childTnLst>
+                          </p:cTn>
+                        </p:par>
+                      </p:childTnLst>
+                    </p:cTn>
+                  </p:par>
+                  <p:par>
+                    <p:cTn id="13" fill="hold">
+                      <p:stCondLst>
+                        <p:cond delay="indefinite"/>
+                      </p:stCondLst>
+                      <p:childTnLst>
+                        <p:par>
+                          <p:cTn id="14" fill="hold">
+                            <p:stCondLst>
+                              <p:cond delay="0"/>
+                            </p:stCondLst>
+                            <p:childTnLst>
+                              <p:par>
+                                <p:cTn id="15" presetID="9" presetClass="entr" presetSubtype="0" fill="hold" grpId="0" nodeType="clickEffect">
+                                  <p:stCondLst>
+                                    <p:cond delay="0"/>
+                                  </p:stCondLst>
+                                  <p:childTnLst>
+                                    <p:set>
+                                      <p:cBhvr>
+                                        <p:cTn id="16" dur="1" fill="hold">
+                                          <p:stCondLst>
+                                            <p:cond delay="0"/>
+                                          </p:stCondLst>
+                                        </p:cTn>
+                                        <p:tgtEl>
+                                          <p:spTgt spid="3">
+                                            <p:txEl>
+                                              <p:pRg st="2" end="2"/>
+                                            </p:txEl>
+                                          </p:spTgt>
+                                        </p:tgtEl>
+                                        <p:attrNameLst>
+                                          <p:attrName>style.visibility</p:attrName>
+                                        </p:attrNameLst>
+                                      </p:cBhvr>
+                                      <p:to>
+                                        <p:strVal val="visible"/>
+                                      </p:to>
+                                    </p:set>
+                                    <p:animEffect transition="in" filter="dissolve">
+                                      <p:cBhvr>
+                                        <p:cTn id="17" dur="500"/>
+                                        <p:tgtEl>
+                                          <p:spTgt spid="3">
+                                            <p:txEl>
+                                              <p:pRg st="2" end="2"/>
+                                            </p:txEl>
+                                          </p:spTgt>
+                                        </p:tgtEl>
+                                      </p:cBhvr>
+                                    </p:animEffect>
+                                  </p:childTnLst>
+                                </p:cTn>
+                              </p:par>
+                            </p:childTnLst>
+                          </p:cTn>
+                        </p:par>
+                      </p:childTnLst>
+                    </p:cTn>
+                  </p:par>
+                  <p:par>
+                    <p:cTn id="18" fill="hold">
+                      <p:stCondLst>
+                        <p:cond delay="indefinite"/>
+                      </p:stCondLst>
+                      <p:childTnLst>
+                        <p:par>
+                          <p:cTn id="19" fill="hold">
+                            <p:stCondLst>
+                              <p:cond delay="0"/>
+                            </p:stCondLst>
+                            <p:childTnLst>
+                              <p:par>
+                                <p:cTn id="20" presetID="9" presetClass="entr" presetSubtype="0" fill="hold" grpId="0" nodeType="clickEffect">
+                                  <p:stCondLst>
+                                    <p:cond delay="0"/>
+                                  </p:stCondLst>
+                                  <p:childTnLst>
+                                    <p:set>
+                                      <p:cBhvr>
+                                        <p:cTn id="21" dur="1" fill="hold">
+                                          <p:stCondLst>
+                                            <p:cond delay="0"/>
+                                          </p:stCondLst>
+                                        </p:cTn>
+                                        <p:tgtEl>
+                                          <p:spTgt spid="3">
+                                            <p:txEl>
+                                              <p:pRg st="3" end="3"/>
+                                            </p:txEl>
+                                          </p:spTgt>
+                                        </p:tgtEl>
+                                        <p:attrNameLst>
+                                          <p:attrName>style.visibility</p:attrName>
+                                        </p:attrNameLst>
+                                      </p:cBhvr>
+                                      <p:to>
+                                        <p:strVal val="visible"/>
+                                      </p:to>
+                                    </p:set>
+                                    <p:animEffect transition="in" filter="dissolve">
+                                      <p:cBhvr>
+                                        <p:cTn id="22" dur="500"/>
+                                        <p:tgtEl>
+                                          <p:spTgt spid="3">
+                                            <p:txEl>
+                                              <p:pRg st="3" end="3"/>
+                                            </p:txEl>
+                                          </p:spTgt>
+                                        </p:tgtEl>
+                                      </p:cBhvr>
+                                    </p:animEffect>
+                                  </p:childTnLst>
+                                </p:cTn>
+                              </p:par>
+                            </p:childTnLst>
+                          </p:cTn>
+                        </p:par>
+                      </p:childTnLst>
+                    </p:cTn>
+                  </p:par>
+                  <p:par>
+                    <p:cTn id="23" fill="hold">
+                      <p:stCondLst>
+                        <p:cond delay="indefinite"/>
+                      </p:stCondLst>
+                      <p:childTnLst>
+                        <p:par>
+                          <p:cTn id="24" fill="hold">
+                            <p:stCondLst>
+                              <p:cond delay="0"/>
+                            </p:stCondLst>
+                            <p:childTnLst>
+                              <p:par>
+                                <p:cTn id="25" presetID="9" presetClass="entr" presetSubtype="0" fill="hold" grpId="0" nodeType="clickEffect">
+                                  <p:stCondLst>
+                                    <p:cond delay="0"/>
+                                  </p:stCondLst>
+                                  <p:childTnLst>
+                                    <p:set>
+                                      <p:cBhvr>
+                                        <p:cTn id="26" dur="1" fill="hold">
+                                          <p:stCondLst>
+                                            <p:cond delay="0"/>
+                                          </p:stCondLst>
+                                        </p:cTn>
+                                        <p:tgtEl>
+                                          <p:spTgt spid="3">
+                                            <p:txEl>
+                                              <p:pRg st="4" end="4"/>
+                                            </p:txEl>
+                                          </p:spTgt>
+                                        </p:tgtEl>
+                                        <p:attrNameLst>
+                                          <p:attrName>style.visibility</p:attrName>
+                                        </p:attrNameLst>
+                                      </p:cBhvr>
+                                      <p:to>
+                                        <p:strVal val="visible"/>
+                                      </p:to>
+                                    </p:set>
+                                    <p:animEffect transition="in" filter="dissolve">
+                                      <p:cBhvr>
+                                        <p:cTn id="27" dur="500"/>
+                                        <p:tgtEl>
+                                          <p:spTgt spid="3">
+                                            <p:txEl>
+                                              <p:pRg st="4" end="4"/>
+                                            </p:txEl>
+                                          </p:spTgt>
+                                        </p:tgtEl>
+                                      </p:cBhvr>
+                                    </p:animEffect>
+                                  </p:childTnLst>
+                                </p:cTn>
+                              </p:par>
+                            </p:childTnLst>
+                          </p:cTn>
+                        </p:par>
+                      </p:childTnLst>
+                    </p:cTn>
+                  </p:par>
+                  <p:par>
+                    <p:cTn id="28" fill="hold">
+                      <p:stCondLst>
+                        <p:cond delay="indefinite"/>
+                      </p:stCondLst>
+                      <p:childTnLst>
+                        <p:par>
+                          <p:cTn id="29" fill="hold">
+                            <p:stCondLst>
+                              <p:cond delay="0"/>
+                            </p:stCondLst>
+                            <p:childTnLst>
+                              <p:par>
+                                <p:cTn id="30" presetID="9" presetClass="entr" presetSubtype="0" fill="hold" grpId="0" nodeType="clickEffect">
+                                  <p:stCondLst>
+                                    <p:cond delay="0"/>
+                                  </p:stCondLst>
+                                  <p:childTnLst>
+                                    <p:set>
+                                      <p:cBhvr>
+                                        <p:cTn id="31" dur="1" fill="hold">
+                                          <p:stCondLst>
+                                            <p:cond delay="0"/>
+                                          </p:stCondLst>
+                                        </p:cTn>
+                                        <p:tgtEl>
+                                          <p:spTgt spid="3">
+                                            <p:txEl>
+                                              <p:pRg st="5" end="5"/>
+                                            </p:txEl>
+                                          </p:spTgt>
+                                        </p:tgtEl>
+                                        <p:attrNameLst>
+                                          <p:attrName>style.visibility</p:attrName>
+                                        </p:attrNameLst>
+                                      </p:cBhvr>
+                                      <p:to>
+                                        <p:strVal val="visible"/>
+                                      </p:to>
+                                    </p:set>
+                                    <p:animEffect transition="in" filter="dissolve">
+                                      <p:cBhvr>
+                                        <p:cTn id="32" dur="500"/>
+                                        <p:tgtEl>
+                                          <p:spTgt spid="3">
+                                            <p:txEl>
+                                              <p:pRg st="5" end="5"/>
+                                            </p:txEl>
+                                          </p:spTgt>
+                                        </p:tgtEl>
+                                      </p:cBhvr>
+                                    </p:animEffect>
+                                  </p:childTnLst>
+                                </p:cTn>
+                              </p:par>
+                            </p:childTnLst>
+                          </p:cTn>
+                        </p:par>
+                      </p:childTnLst>
+                    </p:cTn>
+                  </p:par>
+                  <p:par>
+                    <p:cTn id="33" fill="hold">
+                      <p:stCondLst>
+                        <p:cond delay="indefinite"/>
+                      </p:stCondLst>
+                      <p:childTnLst>
+                        <p:par>
+                          <p:cTn id="34" fill="hold">
+                            <p:stCondLst>
+                              <p:cond delay="0"/>
+                            </p:stCondLst>
+                            <p:childTnLst>
+                              <p:par>
+                                <p:cTn id="35" presetID="9" presetClass="entr" presetSubtype="0" fill="hold" grpId="0" nodeType="clickEffect">
+                                  <p:stCondLst>
+                                    <p:cond delay="0"/>
+                                  </p:stCondLst>
+                                  <p:childTnLst>
+                                    <p:set>
+                                      <p:cBhvr>
+                                        <p:cTn id="36" dur="1" fill="hold">
+                                          <p:stCondLst>
+                                            <p:cond delay="0"/>
+                                          </p:stCondLst>
+                                        </p:cTn>
+                                        <p:tgtEl>
+                                          <p:spTgt spid="3">
+                                            <p:txEl>
+                                              <p:pRg st="6" end="6"/>
+                                            </p:txEl>
+                                          </p:spTgt>
+                                        </p:tgtEl>
+                                        <p:attrNameLst>
+                                          <p:attrName>style.visibility</p:attrName>
+                                        </p:attrNameLst>
+                                      </p:cBhvr>
+                                      <p:to>
+                                        <p:strVal val="visible"/>
+                                      </p:to>
+                                    </p:set>
+                                    <p:animEffect transition="in" filter="dissolve">
+                                      <p:cBhvr>
+                                        <p:cTn id="37" dur="500"/>
+                                        <p:tgtEl>
+                                          <p:spTgt spid="3">
+                                            <p:txEl>
+                                              <p:pRg st="6" end="6"/>
+                                            </p:txEl>
+                                          </p:spTgt>
+                                        </p:tgtEl>
+                                      </p:cBhvr>
+                                    </p:animEffect>
+                                  </p:childTnLst>
+                                </p:cTn>
+                              </p:par>
+                            </p:childTnLst>
+                          </p:cTn>
+                        </p:par>
+                      </p:childTnLst>
+                    </p:cTn>
+                  </p:par>
+                  <p:par>
+                    <p:cTn id="38" fill="hold">
+                      <p:stCondLst>
+                        <p:cond delay="indefinite"/>
+                      </p:stCondLst>
+                      <p:childTnLst>
+                        <p:par>
+                          <p:cTn id="39" fill="hold">
+                            <p:stCondLst>
+                              <p:cond delay="0"/>
+                            </p:stCondLst>
+                            <p:childTnLst>
+                              <p:par>
+                                <p:cTn id="40" presetID="9" presetClass="entr" presetSubtype="0" fill="hold" grpId="0" nodeType="clickEffect">
+                                  <p:stCondLst>
+                                    <p:cond delay="0"/>
+                                  </p:stCondLst>
+                                  <p:childTnLst>
+                                    <p:set>
+                                      <p:cBhvr>
+                                        <p:cTn id="41" dur="1" fill="hold">
+                                          <p:stCondLst>
+                                            <p:cond delay="0"/>
+                                          </p:stCondLst>
+                                        </p:cTn>
+                                        <p:tgtEl>
+                                          <p:spTgt spid="3">
+                                            <p:txEl>
+                                              <p:pRg st="7" end="7"/>
+                                            </p:txEl>
+                                          </p:spTgt>
+                                        </p:tgtEl>
+                                        <p:attrNameLst>
+                                          <p:attrName>style.visibility</p:attrName>
+                                        </p:attrNameLst>
+                                      </p:cBhvr>
+                                      <p:to>
+                                        <p:strVal val="visible"/>
+                                      </p:to>
+                                    </p:set>
+                                    <p:animEffect transition="in" filter="dissolve">
+                                      <p:cBhvr>
+                                        <p:cTn id="42" dur="500"/>
+                                        <p:tgtEl>
+                                          <p:spTgt spid="3">
+                                            <p:txEl>
+                                              <p:pRg st="7" end="7"/>
+                                            </p:txEl>
+                                          </p:spTgt>
+                                        </p:tgtEl>
+                                      </p:cBhvr>
+                                    </p:animEffect>
+                                  </p:childTnLst>
+                                </p:cTn>
+                              </p:par>
+                            </p:childTnLst>
+                          </p:cTn>
+                        </p:par>
+                      </p:childTnLst>
+                    </p:cTn>
+                  </p:par>
+                  <p:par>
+                    <p:cTn id="43" fill="hold">
+                      <p:stCondLst>
+                        <p:cond delay="indefinite"/>
+                      </p:stCondLst>
+                      <p:childTnLst>
+                        <p:par>
+                          <p:cTn id="44" fill="hold">
+                            <p:stCondLst>
+                              <p:cond delay="0"/>
+                            </p:stCondLst>
+                            <p:childTnLst>
+                              <p:par>
+                                <p:cTn id="45" presetID="9" presetClass="entr" presetSubtype="0" fill="hold" grpId="0" nodeType="clickEffect">
+                                  <p:stCondLst>
+                                    <p:cond delay="0"/>
+                                  </p:stCondLst>
+                                  <p:childTnLst>
+                                    <p:set>
+                                      <p:cBhvr>
+                                        <p:cTn id="46" dur="1" fill="hold">
+                                          <p:stCondLst>
+                                            <p:cond delay="0"/>
+                                          </p:stCondLst>
+                                        </p:cTn>
+                                        <p:tgtEl>
+                                          <p:spTgt spid="3">
+                                            <p:txEl>
+                                              <p:pRg st="8" end="8"/>
+                                            </p:txEl>
+                                          </p:spTgt>
+                                        </p:tgtEl>
+                                        <p:attrNameLst>
+                                          <p:attrName>style.visibility</p:attrName>
+                                        </p:attrNameLst>
+                                      </p:cBhvr>
+                                      <p:to>
+                                        <p:strVal val="visible"/>
+                                      </p:to>
+                                    </p:set>
+                                    <p:animEffect transition="in" filter="dissolve">
+                                      <p:cBhvr>
+                                        <p:cTn id="47" dur="500"/>
+                                        <p:tgtEl>
+                                          <p:spTgt spid="3">
+                                            <p:txEl>
+                                              <p:pRg st="8" end="8"/>
+                                            </p:txEl>
+                                          </p:spTgt>
+                                        </p:tgtEl>
+                                      </p:cBhvr>
+                                    </p:animEffect>
+                                  </p:childTnLst>
+                                </p:cTn>
+                              </p:par>
+                            </p:childTnLst>
+                          </p:cTn>
+                        </p:par>
+                        <p:par>
+                          <p:cTn id="48" fill="hold">
+                            <p:stCondLst>
+                              <p:cond delay="500"/>
+                            </p:stCondLst>
+                            <p:childTnLst>
+                              <p:par>
+                                <p:cTn id="49" presetID="9" presetClass="entr" presetSubtype="0" fill="hold" grpId="0" nodeType="afterEffect">
+                                  <p:stCondLst>
+                                    <p:cond delay="0"/>
+                                  </p:stCondLst>
+                                  <p:childTnLst>
+                                    <p:set>
+                                      <p:cBhvr>
+                                        <p:cTn id="50" dur="1" fill="hold">
+                                          <p:stCondLst>
+                                            <p:cond delay="0"/>
+                                          </p:stCondLst>
+                                        </p:cTn>
+                                        <p:tgtEl>
+                                          <p:spTgt spid="6"/>
+                                        </p:tgtEl>
+                                        <p:attrNameLst>
+                                          <p:attrName>style.visibility</p:attrName>
+                                        </p:attrNameLst>
+                                      </p:cBhvr>
+                                      <p:to>
+                                        <p:strVal val="visible"/>
+                                      </p:to>
+                                    </p:set>
+                                    <p:animEffect transition="in" filter="dissolve">
+                                      <p:cBhvr>
+                                        <p:cTn id="51" dur="500"/>
+                                        <p:tgtEl>
+                                          <p:spTgt spid="6"/>
+                                        </p:tgtEl>
+                                      </p:cBhvr>
+                                    </p:animEffect>
+                                  </p:childTnLst>
+                                </p:cTn>
+                              </p:par>
+                            </p:childTnLst>
+                          </p:cTn>
+                        </p:par>
+                      </p:childTnLst>
+                    </p:cTn>
+                  </p:par>
+                </p:childTnLst>
+              </p:cTn>
+              <p:prevCondLst>
+                <p:cond evt="onPrev" delay="0">
+                  <p:tgtEl>
+                    <p:sldTgt/>
+                  </p:tgtEl>
+                </p:cond>
+              </p:prevCondLst>
+              <p:nextCondLst>
+                <p:cond evt="onNext" delay="0">
+                  <p:tgtEl>
+                    <p:sldTgt/>
+                  </p:tgtEl>
+                </p:cond>
+              </p:nextCondLst>
+            </p:seq>
+          </p:childTnLst>
+        </p:cTn>
+      </p:par>
+    </p:tnLst>
+    <p:bldLst>
+      <p:bldP spid="3" grpId="0" build="p" bldLvl="2"/>
+      <p:bldP spid="6" grpId="0"/>
+    </p:bldLst>
+  </p:timing>
 </p:sld>
 </file>
 
@@ -27221,9 +26866,6 @@
                     <p:cTn id="3" fill="hold">
                       <p:stCondLst>
                         <p:cond delay="indefinite"/>
-                        <p:cond evt="onBegin" delay="0">
-                          <p:tn val="2"/>
-                        </p:cond>
                       </p:stCondLst>
                       <p:childTnLst>
                         <p:par>
@@ -27233,7 +26875,7 @@
                             </p:stCondLst>
                             <p:childTnLst>
                               <p:par>
-                                <p:cTn id="5" presetID="22" presetClass="entr" presetSubtype="8" fill="hold" grpId="0" nodeType="afterEffect">
+                                <p:cTn id="5" presetID="9" presetClass="entr" presetSubtype="0" fill="hold" nodeType="clickEffect">
                                   <p:stCondLst>
                                     <p:cond delay="0"/>
                                   </p:stCondLst>
@@ -27246,7 +26888,11 @@
                                           </p:stCondLst>
                                         </p:cTn>
                                         <p:tgtEl>
-                                          <p:spTgt spid="10"/>
+                                          <p:spTgt spid="3">
+                                            <p:txEl>
+                                              <p:pRg st="0" end="0"/>
+                                            </p:txEl>
+                                          </p:spTgt>
                                         </p:tgtEl>
                                         <p:attrNameLst>
                                           <p:attrName>style.visibility</p:attrName>
@@ -27256,11 +26902,291 @@
                                         <p:strVal val="visible"/>
                                       </p:to>
                                     </p:set>
-                                    <p:animEffect transition="in" filter="wipe(left)">
+                                    <p:animEffect transition="in" filter="dissolve">
                                       <p:cBhvr>
                                         <p:cTn id="7" dur="500"/>
                                         <p:tgtEl>
-                                          <p:spTgt spid="10"/>
+                                          <p:spTgt spid="3">
+                                            <p:txEl>
+                                              <p:pRg st="0" end="0"/>
+                                            </p:txEl>
+                                          </p:spTgt>
+                                        </p:tgtEl>
+                                      </p:cBhvr>
+                                    </p:animEffect>
+                                  </p:childTnLst>
+                                </p:cTn>
+                              </p:par>
+                              <p:par>
+                                <p:cTn id="8" presetID="9" presetClass="entr" presetSubtype="0" fill="hold" nodeType="withEffect">
+                                  <p:stCondLst>
+                                    <p:cond delay="0"/>
+                                  </p:stCondLst>
+                                  <p:childTnLst>
+                                    <p:set>
+                                      <p:cBhvr>
+                                        <p:cTn id="9" dur="1" fill="hold">
+                                          <p:stCondLst>
+                                            <p:cond delay="0"/>
+                                          </p:stCondLst>
+                                        </p:cTn>
+                                        <p:tgtEl>
+                                          <p:spTgt spid="3">
+                                            <p:txEl>
+                                              <p:pRg st="1" end="1"/>
+                                            </p:txEl>
+                                          </p:spTgt>
+                                        </p:tgtEl>
+                                        <p:attrNameLst>
+                                          <p:attrName>style.visibility</p:attrName>
+                                        </p:attrNameLst>
+                                      </p:cBhvr>
+                                      <p:to>
+                                        <p:strVal val="visible"/>
+                                      </p:to>
+                                    </p:set>
+                                    <p:animEffect transition="in" filter="dissolve">
+                                      <p:cBhvr>
+                                        <p:cTn id="10" dur="500"/>
+                                        <p:tgtEl>
+                                          <p:spTgt spid="3">
+                                            <p:txEl>
+                                              <p:pRg st="1" end="1"/>
+                                            </p:txEl>
+                                          </p:spTgt>
+                                        </p:tgtEl>
+                                      </p:cBhvr>
+                                    </p:animEffect>
+                                  </p:childTnLst>
+                                </p:cTn>
+                              </p:par>
+                              <p:par>
+                                <p:cTn id="11" presetID="9" presetClass="entr" presetSubtype="0" fill="hold" nodeType="withEffect">
+                                  <p:stCondLst>
+                                    <p:cond delay="0"/>
+                                  </p:stCondLst>
+                                  <p:childTnLst>
+                                    <p:set>
+                                      <p:cBhvr>
+                                        <p:cTn id="12" dur="1" fill="hold">
+                                          <p:stCondLst>
+                                            <p:cond delay="0"/>
+                                          </p:stCondLst>
+                                        </p:cTn>
+                                        <p:tgtEl>
+                                          <p:spTgt spid="3">
+                                            <p:txEl>
+                                              <p:pRg st="2" end="2"/>
+                                            </p:txEl>
+                                          </p:spTgt>
+                                        </p:tgtEl>
+                                        <p:attrNameLst>
+                                          <p:attrName>style.visibility</p:attrName>
+                                        </p:attrNameLst>
+                                      </p:cBhvr>
+                                      <p:to>
+                                        <p:strVal val="visible"/>
+                                      </p:to>
+                                    </p:set>
+                                    <p:animEffect transition="in" filter="dissolve">
+                                      <p:cBhvr>
+                                        <p:cTn id="13" dur="500"/>
+                                        <p:tgtEl>
+                                          <p:spTgt spid="3">
+                                            <p:txEl>
+                                              <p:pRg st="2" end="2"/>
+                                            </p:txEl>
+                                          </p:spTgt>
+                                        </p:tgtEl>
+                                      </p:cBhvr>
+                                    </p:animEffect>
+                                  </p:childTnLst>
+                                </p:cTn>
+                              </p:par>
+                              <p:par>
+                                <p:cTn id="14" presetID="9" presetClass="entr" presetSubtype="0" fill="hold" nodeType="withEffect">
+                                  <p:stCondLst>
+                                    <p:cond delay="0"/>
+                                  </p:stCondLst>
+                                  <p:childTnLst>
+                                    <p:set>
+                                      <p:cBhvr>
+                                        <p:cTn id="15" dur="1" fill="hold">
+                                          <p:stCondLst>
+                                            <p:cond delay="0"/>
+                                          </p:stCondLst>
+                                        </p:cTn>
+                                        <p:tgtEl>
+                                          <p:spTgt spid="3">
+                                            <p:txEl>
+                                              <p:pRg st="3" end="3"/>
+                                            </p:txEl>
+                                          </p:spTgt>
+                                        </p:tgtEl>
+                                        <p:attrNameLst>
+                                          <p:attrName>style.visibility</p:attrName>
+                                        </p:attrNameLst>
+                                      </p:cBhvr>
+                                      <p:to>
+                                        <p:strVal val="visible"/>
+                                      </p:to>
+                                    </p:set>
+                                    <p:animEffect transition="in" filter="dissolve">
+                                      <p:cBhvr>
+                                        <p:cTn id="16" dur="500"/>
+                                        <p:tgtEl>
+                                          <p:spTgt spid="3">
+                                            <p:txEl>
+                                              <p:pRg st="3" end="3"/>
+                                            </p:txEl>
+                                          </p:spTgt>
+                                        </p:tgtEl>
+                                      </p:cBhvr>
+                                    </p:animEffect>
+                                  </p:childTnLst>
+                                </p:cTn>
+                              </p:par>
+                              <p:par>
+                                <p:cTn id="17" presetID="9" presetClass="entr" presetSubtype="0" fill="hold" nodeType="withEffect">
+                                  <p:stCondLst>
+                                    <p:cond delay="0"/>
+                                  </p:stCondLst>
+                                  <p:childTnLst>
+                                    <p:set>
+                                      <p:cBhvr>
+                                        <p:cTn id="18" dur="1" fill="hold">
+                                          <p:stCondLst>
+                                            <p:cond delay="0"/>
+                                          </p:stCondLst>
+                                        </p:cTn>
+                                        <p:tgtEl>
+                                          <p:spTgt spid="3">
+                                            <p:txEl>
+                                              <p:pRg st="4" end="4"/>
+                                            </p:txEl>
+                                          </p:spTgt>
+                                        </p:tgtEl>
+                                        <p:attrNameLst>
+                                          <p:attrName>style.visibility</p:attrName>
+                                        </p:attrNameLst>
+                                      </p:cBhvr>
+                                      <p:to>
+                                        <p:strVal val="visible"/>
+                                      </p:to>
+                                    </p:set>
+                                    <p:animEffect transition="in" filter="dissolve">
+                                      <p:cBhvr>
+                                        <p:cTn id="19" dur="500"/>
+                                        <p:tgtEl>
+                                          <p:spTgt spid="3">
+                                            <p:txEl>
+                                              <p:pRg st="4" end="4"/>
+                                            </p:txEl>
+                                          </p:spTgt>
+                                        </p:tgtEl>
+                                      </p:cBhvr>
+                                    </p:animEffect>
+                                  </p:childTnLst>
+                                </p:cTn>
+                              </p:par>
+                              <p:par>
+                                <p:cTn id="20" presetID="9" presetClass="entr" presetSubtype="0" fill="hold" nodeType="withEffect">
+                                  <p:stCondLst>
+                                    <p:cond delay="0"/>
+                                  </p:stCondLst>
+                                  <p:childTnLst>
+                                    <p:set>
+                                      <p:cBhvr>
+                                        <p:cTn id="21" dur="1" fill="hold">
+                                          <p:stCondLst>
+                                            <p:cond delay="0"/>
+                                          </p:stCondLst>
+                                        </p:cTn>
+                                        <p:tgtEl>
+                                          <p:spTgt spid="3">
+                                            <p:txEl>
+                                              <p:pRg st="5" end="5"/>
+                                            </p:txEl>
+                                          </p:spTgt>
+                                        </p:tgtEl>
+                                        <p:attrNameLst>
+                                          <p:attrName>style.visibility</p:attrName>
+                                        </p:attrNameLst>
+                                      </p:cBhvr>
+                                      <p:to>
+                                        <p:strVal val="visible"/>
+                                      </p:to>
+                                    </p:set>
+                                    <p:animEffect transition="in" filter="dissolve">
+                                      <p:cBhvr>
+                                        <p:cTn id="22" dur="500"/>
+                                        <p:tgtEl>
+                                          <p:spTgt spid="3">
+                                            <p:txEl>
+                                              <p:pRg st="5" end="5"/>
+                                            </p:txEl>
+                                          </p:spTgt>
+                                        </p:tgtEl>
+                                      </p:cBhvr>
+                                    </p:animEffect>
+                                  </p:childTnLst>
+                                </p:cTn>
+                              </p:par>
+                            </p:childTnLst>
+                          </p:cTn>
+                        </p:par>
+                      </p:childTnLst>
+                    </p:cTn>
+                  </p:par>
+                  <p:par>
+                    <p:cTn id="23" fill="hold">
+                      <p:stCondLst>
+                        <p:cond delay="indefinite"/>
+                      </p:stCondLst>
+                      <p:childTnLst>
+                        <p:par>
+                          <p:cTn id="24" fill="hold">
+                            <p:stCondLst>
+                              <p:cond delay="0"/>
+                            </p:stCondLst>
+                            <p:childTnLst>
+                              <p:par>
+                                <p:cTn id="25" presetID="9" presetClass="entr" presetSubtype="0" fill="hold" nodeType="clickEffect">
+                                  <p:stCondLst>
+                                    <p:cond delay="0"/>
+                                  </p:stCondLst>
+                                  <p:childTnLst>
+                                    <p:set>
+                                      <p:cBhvr>
+                                        <p:cTn id="26" dur="1" fill="hold">
+                                          <p:stCondLst>
+                                            <p:cond delay="0"/>
+                                          </p:stCondLst>
+                                        </p:cTn>
+                                        <p:tgtEl>
+                                          <p:spTgt spid="3">
+                                            <p:txEl>
+                                              <p:charRg st="282" end="335"/>
+                                            </p:txEl>
+                                          </p:spTgt>
+                                        </p:tgtEl>
+                                        <p:attrNameLst>
+                                          <p:attrName>style.visibility</p:attrName>
+                                        </p:attrNameLst>
+                                      </p:cBhvr>
+                                      <p:to>
+                                        <p:strVal val="visible"/>
+                                      </p:to>
+                                    </p:set>
+                                    <p:animEffect transition="in" filter="dissolve">
+                                      <p:cBhvr>
+                                        <p:cTn id="27" dur="500"/>
+                                        <p:tgtEl>
+                                          <p:spTgt spid="3">
+                                            <p:txEl>
+                                              <p:charRg st="282" end="335"/>
+                                            </p:txEl>
+                                          </p:spTgt>
                                         </p:tgtEl>
                                       </p:cBhvr>
                                     </p:animEffect>
@@ -27271,26 +27197,26 @@
                           </p:cTn>
                         </p:par>
                         <p:par>
-                          <p:cTn id="8" fill="hold">
+                          <p:cTn id="28" fill="hold">
                             <p:stCondLst>
                               <p:cond delay="500"/>
                             </p:stCondLst>
                             <p:childTnLst>
                               <p:par>
-                                <p:cTn id="9" presetID="22" presetClass="entr" presetSubtype="8" fill="hold" grpId="0" nodeType="afterEffect">
+                                <p:cTn id="29" presetID="22" presetClass="entr" presetSubtype="8" fill="hold" grpId="0" nodeType="afterEffect">
                                   <p:stCondLst>
                                     <p:cond delay="0"/>
                                   </p:stCondLst>
                                   <p:childTnLst>
                                     <p:set>
                                       <p:cBhvr>
-                                        <p:cTn id="10" dur="1" fill="hold">
+                                        <p:cTn id="30" dur="1" fill="hold">
                                           <p:stCondLst>
                                             <p:cond delay="0"/>
                                           </p:stCondLst>
                                         </p:cTn>
                                         <p:tgtEl>
-                                          <p:spTgt spid="11"/>
+                                          <p:spTgt spid="10"/>
                                         </p:tgtEl>
                                         <p:attrNameLst>
                                           <p:attrName>style.visibility</p:attrName>
@@ -27302,9 +27228,9 @@
                                     </p:set>
                                     <p:animEffect transition="in" filter="wipe(left)">
                                       <p:cBhvr>
-                                        <p:cTn id="11" dur="1000"/>
-                                        <p:tgtEl>
-                                          <p:spTgt spid="11"/>
+                                        <p:cTn id="31" dur="1000"/>
+                                        <p:tgtEl>
+                                          <p:spTgt spid="10"/>
                                         </p:tgtEl>
                                       </p:cBhvr>
                                     </p:animEffect>
@@ -27315,26 +27241,26 @@
                           </p:cTn>
                         </p:par>
                         <p:par>
-                          <p:cTn id="12" fill="hold">
+                          <p:cTn id="32" fill="hold">
                             <p:stCondLst>
                               <p:cond delay="1500"/>
                             </p:stCondLst>
                             <p:childTnLst>
                               <p:par>
-                                <p:cTn id="13" presetID="22" presetClass="entr" presetSubtype="8" fill="hold" grpId="0" nodeType="afterEffect">
+                                <p:cTn id="33" presetID="22" presetClass="entr" presetSubtype="8" fill="hold" grpId="0" nodeType="afterEffect">
                                   <p:stCondLst>
                                     <p:cond delay="0"/>
                                   </p:stCondLst>
                                   <p:childTnLst>
                                     <p:set>
                                       <p:cBhvr>
-                                        <p:cTn id="14" dur="1" fill="hold">
+                                        <p:cTn id="34" dur="1" fill="hold">
                                           <p:stCondLst>
                                             <p:cond delay="0"/>
                                           </p:stCondLst>
                                         </p:cTn>
                                         <p:tgtEl>
-                                          <p:spTgt spid="12"/>
+                                          <p:spTgt spid="11"/>
                                         </p:tgtEl>
                                         <p:attrNameLst>
                                           <p:attrName>style.visibility</p:attrName>
@@ -27346,9 +27272,70 @@
                                     </p:set>
                                     <p:animEffect transition="in" filter="wipe(left)">
                                       <p:cBhvr>
-                                        <p:cTn id="15" dur="1000"/>
-                                        <p:tgtEl>
-                                          <p:spTgt spid="12"/>
+                                        <p:cTn id="35" dur="1000"/>
+                                        <p:tgtEl>
+                                          <p:spTgt spid="11"/>
+                                        </p:tgtEl>
+                                      </p:cBhvr>
+                                    </p:animEffect>
+                                  </p:childTnLst>
+                                </p:cTn>
+                              </p:par>
+                            </p:childTnLst>
+                          </p:cTn>
+                        </p:par>
+                      </p:childTnLst>
+                    </p:cTn>
+                  </p:par>
+                  <p:par>
+                    <p:cTn id="36" fill="hold">
+                      <p:stCondLst>
+                        <p:cond delay="indefinite"/>
+                      </p:stCondLst>
+                      <p:childTnLst>
+                        <p:par>
+                          <p:cTn id="37" fill="hold">
+                            <p:stCondLst>
+                              <p:cond delay="0"/>
+                            </p:stCondLst>
+                            <p:childTnLst>
+                              <p:par>
+                                <p:cTn id="38" presetID="9" presetClass="entr" presetSubtype="0" fill="hold" nodeType="clickEffect">
+                                  <p:stCondLst>
+                                    <p:cond delay="0"/>
+                                  </p:stCondLst>
+                                  <p:childTnLst>
+                                    <p:set>
+                                      <p:cBhvr>
+                                        <p:cTn id="39" dur="1" fill="hold">
+                                          <p:stCondLst>
+                                            <p:cond delay="0"/>
+                                          </p:stCondLst>
+                                        </p:cTn>
+                                        <p:tgtEl>
+                                          <p:spTgt spid="3">
+                                            <p:txEl>
+                                              <p:charRg st="335" end="382"/>
+                                            </p:txEl>
+                                          </p:spTgt>
+                                        </p:tgtEl>
+                                        <p:attrNameLst>
+                                          <p:attrName>style.visibility</